--- a/assets/ppt/simple.pptx
+++ b/assets/ppt/simple.pptx
@@ -105,6 +105,11 @@
       </a:defRPr>
     </a:lvl9pPr>
   </p:defaultTextStyle>
+  <p:extLst>
+    <p:ext uri="{EFAFB233-063F-42B5-8137-9DF3F51BA10A}">
+      <p15:sldGuideLst xmlns:p15="http://schemas.microsoft.com/office/powerpoint/2012/main"/>
+    </p:ext>
+  </p:extLst>
 </p:presentation>
 </file>
 
@@ -255,7 +260,7 @@
           <a:p>
             <a:fld id="{8824DD16-84C3-49D6-AC01-26B8500D478E}" type="datetimeFigureOut">
               <a:rPr lang="zh-CN" altLang="en-US" smtClean="0"/>
-              <a:t>2024/2/26</a:t>
+              <a:t>2024/3/21</a:t>
             </a:fld>
             <a:endParaRPr lang="zh-CN" altLang="en-US"/>
           </a:p>
@@ -453,7 +458,7 @@
           <a:p>
             <a:fld id="{8824DD16-84C3-49D6-AC01-26B8500D478E}" type="datetimeFigureOut">
               <a:rPr lang="zh-CN" altLang="en-US" smtClean="0"/>
-              <a:t>2024/2/26</a:t>
+              <a:t>2024/3/21</a:t>
             </a:fld>
             <a:endParaRPr lang="zh-CN" altLang="en-US"/>
           </a:p>
@@ -661,7 +666,7 @@
           <a:p>
             <a:fld id="{8824DD16-84C3-49D6-AC01-26B8500D478E}" type="datetimeFigureOut">
               <a:rPr lang="zh-CN" altLang="en-US" smtClean="0"/>
-              <a:t>2024/2/26</a:t>
+              <a:t>2024/3/21</a:t>
             </a:fld>
             <a:endParaRPr lang="zh-CN" altLang="en-US"/>
           </a:p>
@@ -859,7 +864,7 @@
           <a:p>
             <a:fld id="{8824DD16-84C3-49D6-AC01-26B8500D478E}" type="datetimeFigureOut">
               <a:rPr lang="zh-CN" altLang="en-US" smtClean="0"/>
-              <a:t>2024/2/26</a:t>
+              <a:t>2024/3/21</a:t>
             </a:fld>
             <a:endParaRPr lang="zh-CN" altLang="en-US"/>
           </a:p>
@@ -1134,7 +1139,7 @@
           <a:p>
             <a:fld id="{8824DD16-84C3-49D6-AC01-26B8500D478E}" type="datetimeFigureOut">
               <a:rPr lang="zh-CN" altLang="en-US" smtClean="0"/>
-              <a:t>2024/2/26</a:t>
+              <a:t>2024/3/21</a:t>
             </a:fld>
             <a:endParaRPr lang="zh-CN" altLang="en-US"/>
           </a:p>
@@ -1399,7 +1404,7 @@
           <a:p>
             <a:fld id="{8824DD16-84C3-49D6-AC01-26B8500D478E}" type="datetimeFigureOut">
               <a:rPr lang="zh-CN" altLang="en-US" smtClean="0"/>
-              <a:t>2024/2/26</a:t>
+              <a:t>2024/3/21</a:t>
             </a:fld>
             <a:endParaRPr lang="zh-CN" altLang="en-US"/>
           </a:p>
@@ -1811,7 +1816,7 @@
           <a:p>
             <a:fld id="{8824DD16-84C3-49D6-AC01-26B8500D478E}" type="datetimeFigureOut">
               <a:rPr lang="zh-CN" altLang="en-US" smtClean="0"/>
-              <a:t>2024/2/26</a:t>
+              <a:t>2024/3/21</a:t>
             </a:fld>
             <a:endParaRPr lang="zh-CN" altLang="en-US"/>
           </a:p>
@@ -1952,7 +1957,7 @@
           <a:p>
             <a:fld id="{8824DD16-84C3-49D6-AC01-26B8500D478E}" type="datetimeFigureOut">
               <a:rPr lang="zh-CN" altLang="en-US" smtClean="0"/>
-              <a:t>2024/2/26</a:t>
+              <a:t>2024/3/21</a:t>
             </a:fld>
             <a:endParaRPr lang="zh-CN" altLang="en-US"/>
           </a:p>
@@ -2065,7 +2070,7 @@
           <a:p>
             <a:fld id="{8824DD16-84C3-49D6-AC01-26B8500D478E}" type="datetimeFigureOut">
               <a:rPr lang="zh-CN" altLang="en-US" smtClean="0"/>
-              <a:t>2024/2/26</a:t>
+              <a:t>2024/3/21</a:t>
             </a:fld>
             <a:endParaRPr lang="zh-CN" altLang="en-US"/>
           </a:p>
@@ -2376,7 +2381,7 @@
           <a:p>
             <a:fld id="{8824DD16-84C3-49D6-AC01-26B8500D478E}" type="datetimeFigureOut">
               <a:rPr lang="zh-CN" altLang="en-US" smtClean="0"/>
-              <a:t>2024/2/26</a:t>
+              <a:t>2024/3/21</a:t>
             </a:fld>
             <a:endParaRPr lang="zh-CN" altLang="en-US"/>
           </a:p>
@@ -2664,7 +2669,7 @@
           <a:p>
             <a:fld id="{8824DD16-84C3-49D6-AC01-26B8500D478E}" type="datetimeFigureOut">
               <a:rPr lang="zh-CN" altLang="en-US" smtClean="0"/>
-              <a:t>2024/2/26</a:t>
+              <a:t>2024/3/21</a:t>
             </a:fld>
             <a:endParaRPr lang="zh-CN" altLang="en-US"/>
           </a:p>
@@ -2905,7 +2910,7 @@
           <a:p>
             <a:fld id="{8824DD16-84C3-49D6-AC01-26B8500D478E}" type="datetimeFigureOut">
               <a:rPr lang="zh-CN" altLang="en-US" smtClean="0"/>
-              <a:t>2024/2/26</a:t>
+              <a:t>2024/3/21</a:t>
             </a:fld>
             <a:endParaRPr lang="zh-CN" altLang="en-US"/>
           </a:p>
@@ -3324,10 +3329,168 @@
       </p:grpSpPr>
       <p:sp>
         <p:nvSpPr>
-          <p:cNvPr id="4" name="文本框 3">
-            <a:extLst>
-              <a:ext uri="{FF2B5EF4-FFF2-40B4-BE49-F238E27FC236}">
-                <a16:creationId xmlns:a16="http://schemas.microsoft.com/office/drawing/2014/main" id="{81ADFB5F-A502-5F7C-2F09-BCDBB90D6070}"/>
+          <p:cNvPr id="2" name="矩形 1">
+            <a:extLst>
+              <a:ext uri="{FF2B5EF4-FFF2-40B4-BE49-F238E27FC236}">
+                <a16:creationId xmlns:a16="http://schemas.microsoft.com/office/drawing/2014/main" id="{FA50808A-F6E6-C799-A813-2A4025701E06}"/>
+              </a:ext>
+            </a:extLst>
+          </p:cNvPr>
+          <p:cNvSpPr/>
+          <p:nvPr/>
+        </p:nvSpPr>
+        <p:spPr>
+          <a:xfrm flipV="1">
+            <a:off x="462844" y="530578"/>
+            <a:ext cx="2280356" cy="1320800"/>
+          </a:xfrm>
+          <a:prstGeom prst="rect">
+            <a:avLst/>
+          </a:prstGeom>
+          <a:gradFill>
+            <a:gsLst>
+              <a:gs pos="0">
+                <a:schemeClr val="accent1">
+                  <a:lumMod val="5000"/>
+                  <a:lumOff val="95000"/>
+                </a:schemeClr>
+              </a:gs>
+              <a:gs pos="53000">
+                <a:schemeClr val="accent4">
+                  <a:lumMod val="75000"/>
+                </a:schemeClr>
+              </a:gs>
+              <a:gs pos="83000">
+                <a:schemeClr val="accent1">
+                  <a:lumMod val="45000"/>
+                  <a:lumOff val="55000"/>
+                </a:schemeClr>
+              </a:gs>
+              <a:gs pos="100000">
+                <a:schemeClr val="accent1">
+                  <a:lumMod val="30000"/>
+                  <a:lumOff val="70000"/>
+                </a:schemeClr>
+              </a:gs>
+            </a:gsLst>
+            <a:lin ang="5400000" scaled="1"/>
+          </a:gradFill>
+        </p:spPr>
+        <p:style>
+          <a:lnRef idx="2">
+            <a:schemeClr val="accent1">
+              <a:shade val="15000"/>
+            </a:schemeClr>
+          </a:lnRef>
+          <a:fillRef idx="1">
+            <a:schemeClr val="accent1"/>
+          </a:fillRef>
+          <a:effectRef idx="0">
+            <a:schemeClr val="accent1"/>
+          </a:effectRef>
+          <a:fontRef idx="minor">
+            <a:schemeClr val="lt1"/>
+          </a:fontRef>
+        </p:style>
+        <p:txBody>
+          <a:bodyPr rtlCol="0" anchor="ctr"/>
+          <a:lstStyle/>
+          <a:p>
+            <a:pPr algn="ctr"/>
+            <a:endParaRPr lang="zh-CN" altLang="en-US"/>
+          </a:p>
+        </p:txBody>
+      </p:sp>
+      <p:sp>
+        <p:nvSpPr>
+          <p:cNvPr id="3" name="等腰三角形 2">
+            <a:extLst>
+              <a:ext uri="{FF2B5EF4-FFF2-40B4-BE49-F238E27FC236}">
+                <a16:creationId xmlns:a16="http://schemas.microsoft.com/office/drawing/2014/main" id="{D887D799-7F29-15F7-E8F2-9E9B64BED654}"/>
+              </a:ext>
+            </a:extLst>
+          </p:cNvPr>
+          <p:cNvSpPr/>
+          <p:nvPr/>
+        </p:nvSpPr>
+        <p:spPr>
+          <a:xfrm>
+            <a:off x="3770488" y="530578"/>
+            <a:ext cx="1219201" cy="1320800"/>
+          </a:xfrm>
+          <a:prstGeom prst="triangle">
+            <a:avLst>
+              <a:gd name="adj" fmla="val 0"/>
+            </a:avLst>
+          </a:prstGeom>
+        </p:spPr>
+        <p:style>
+          <a:lnRef idx="2">
+            <a:schemeClr val="accent1">
+              <a:shade val="15000"/>
+            </a:schemeClr>
+          </a:lnRef>
+          <a:fillRef idx="1">
+            <a:schemeClr val="accent1"/>
+          </a:fillRef>
+          <a:effectRef idx="0">
+            <a:schemeClr val="accent1"/>
+          </a:effectRef>
+          <a:fontRef idx="minor">
+            <a:schemeClr val="lt1"/>
+          </a:fontRef>
+        </p:style>
+        <p:txBody>
+          <a:bodyPr rtlCol="0" anchor="ctr"/>
+          <a:lstStyle/>
+          <a:p>
+            <a:pPr algn="ctr"/>
+            <a:endParaRPr lang="zh-CN" altLang="en-US"/>
+          </a:p>
+        </p:txBody>
+      </p:sp>
+      <p:pic>
+        <p:nvPicPr>
+          <p:cNvPr id="6" name="图片 5">
+            <a:extLst>
+              <a:ext uri="{FF2B5EF4-FFF2-40B4-BE49-F238E27FC236}">
+                <a16:creationId xmlns:a16="http://schemas.microsoft.com/office/drawing/2014/main" id="{813E5E03-13DF-027D-4362-4CBEDC0F64D3}"/>
+              </a:ext>
+            </a:extLst>
+          </p:cNvPr>
+          <p:cNvPicPr>
+            <a:picLocks noChangeAspect="1"/>
+          </p:cNvPicPr>
+          <p:nvPr/>
+        </p:nvPicPr>
+        <p:blipFill>
+          <a:blip r:embed="rId2">
+            <a:extLst>
+              <a:ext uri="{28A0092B-C50C-407E-A947-70E740481C1C}">
+                <a14:useLocalDpi xmlns:a14="http://schemas.microsoft.com/office/drawing/2010/main" val="0"/>
+              </a:ext>
+            </a:extLst>
+          </a:blip>
+          <a:stretch>
+            <a:fillRect/>
+          </a:stretch>
+        </p:blipFill>
+        <p:spPr>
+          <a:xfrm>
+            <a:off x="5754439" y="581603"/>
+            <a:ext cx="3210927" cy="1269775"/>
+          </a:xfrm>
+          <a:prstGeom prst="rect">
+            <a:avLst/>
+          </a:prstGeom>
+        </p:spPr>
+      </p:pic>
+      <p:sp>
+        <p:nvSpPr>
+          <p:cNvPr id="7" name="文本框 6">
+            <a:extLst>
+              <a:ext uri="{FF2B5EF4-FFF2-40B4-BE49-F238E27FC236}">
+                <a16:creationId xmlns:a16="http://schemas.microsoft.com/office/drawing/2014/main" id="{3B6AEB22-FC25-3571-9BF6-832D408159D6}"/>
               </a:ext>
             </a:extLst>
           </p:cNvPr>
@@ -3336,8 +3499,8 @@
         </p:nvSpPr>
         <p:spPr>
           <a:xfrm>
-            <a:off x="3019586" y="2921168"/>
-            <a:ext cx="6152828" cy="1015663"/>
+            <a:off x="462844" y="2692358"/>
+            <a:ext cx="2743200" cy="646331"/>
           </a:xfrm>
           <a:prstGeom prst="rect">
             <a:avLst/>
@@ -3351,19 +3514,204 @@
           <a:lstStyle/>
           <a:p>
             <a:r>
-              <a:rPr lang="en-US" altLang="zh-CN" sz="6000" dirty="0">
-                <a:latin typeface="851CHIKARA-YOWAKU" panose="02000600000000000000" pitchFamily="2" charset="-128"/>
-                <a:ea typeface="851CHIKARA-YOWAKU" panose="02000600000000000000" pitchFamily="2" charset="-128"/>
-              </a:rPr>
-              <a:t>HELLO WORLD!</a:t>
-            </a:r>
-            <a:endParaRPr lang="zh-CN" altLang="en-US" sz="6000" dirty="0">
-              <a:latin typeface="851CHIKARA-YOWAKU" panose="02000600000000000000" pitchFamily="2" charset="-128"/>
-              <a:ea typeface="851CHIKARA-YOWAKU" panose="02000600000000000000" pitchFamily="2" charset="-128"/>
-            </a:endParaRPr>
-          </a:p>
-        </p:txBody>
-      </p:sp>
+              <a:rPr lang="en-US" altLang="zh-CN" sz="3600" dirty="0"/>
+              <a:t>FONTSIZE36</a:t>
+            </a:r>
+            <a:endParaRPr lang="zh-CN" altLang="en-US" sz="3600" dirty="0"/>
+          </a:p>
+        </p:txBody>
+      </p:sp>
+      <p:sp>
+        <p:nvSpPr>
+          <p:cNvPr id="8" name="文本框 7">
+            <a:extLst>
+              <a:ext uri="{FF2B5EF4-FFF2-40B4-BE49-F238E27FC236}">
+                <a16:creationId xmlns:a16="http://schemas.microsoft.com/office/drawing/2014/main" id="{48EC1386-EC7F-8EB9-A95B-DA28B38340DC}"/>
+              </a:ext>
+            </a:extLst>
+          </p:cNvPr>
+          <p:cNvSpPr txBox="1"/>
+          <p:nvPr/>
+        </p:nvSpPr>
+        <p:spPr>
+          <a:xfrm>
+            <a:off x="587022" y="3951111"/>
+            <a:ext cx="2095445" cy="369332"/>
+          </a:xfrm>
+          <a:prstGeom prst="rect">
+            <a:avLst/>
+          </a:prstGeom>
+          <a:noFill/>
+        </p:spPr>
+        <p:txBody>
+          <a:bodyPr wrap="none" rtlCol="0">
+            <a:spAutoFit/>
+          </a:bodyPr>
+          <a:lstStyle/>
+          <a:p>
+            <a:r>
+              <a:rPr lang="en-US" altLang="zh-CN" dirty="0"/>
+              <a:t>FONTSIZEDEFAULT</a:t>
+            </a:r>
+            <a:endParaRPr lang="zh-CN" altLang="en-US" dirty="0"/>
+          </a:p>
+        </p:txBody>
+      </p:sp>
+      <p:cxnSp>
+        <p:nvCxnSpPr>
+          <p:cNvPr id="10" name="直接连接符 9">
+            <a:extLst>
+              <a:ext uri="{FF2B5EF4-FFF2-40B4-BE49-F238E27FC236}">
+                <a16:creationId xmlns:a16="http://schemas.microsoft.com/office/drawing/2014/main" id="{B45AF8EE-211D-97DC-9BEE-D8783FCAC5BB}"/>
+              </a:ext>
+            </a:extLst>
+          </p:cNvPr>
+          <p:cNvCxnSpPr/>
+          <p:nvPr/>
+        </p:nvCxnSpPr>
+        <p:spPr>
+          <a:xfrm>
+            <a:off x="3770488" y="2856089"/>
+            <a:ext cx="1219201" cy="1464354"/>
+          </a:xfrm>
+          <a:prstGeom prst="line">
+            <a:avLst/>
+          </a:prstGeom>
+        </p:spPr>
+        <p:style>
+          <a:lnRef idx="1">
+            <a:schemeClr val="accent1"/>
+          </a:lnRef>
+          <a:fillRef idx="0">
+            <a:schemeClr val="accent1"/>
+          </a:fillRef>
+          <a:effectRef idx="0">
+            <a:schemeClr val="accent1"/>
+          </a:effectRef>
+          <a:fontRef idx="minor">
+            <a:schemeClr val="tx1"/>
+          </a:fontRef>
+        </p:style>
+      </p:cxnSp>
+      <p:grpSp>
+        <p:nvGrpSpPr>
+          <p:cNvPr id="13" name="组合 12">
+            <a:extLst>
+              <a:ext uri="{FF2B5EF4-FFF2-40B4-BE49-F238E27FC236}">
+                <a16:creationId xmlns:a16="http://schemas.microsoft.com/office/drawing/2014/main" id="{F4A43CD4-55B3-04D0-5B12-F3F9CEF53165}"/>
+              </a:ext>
+            </a:extLst>
+          </p:cNvPr>
+          <p:cNvGrpSpPr/>
+          <p:nvPr/>
+        </p:nvGrpSpPr>
+        <p:grpSpPr>
+          <a:xfrm>
+            <a:off x="6456791" y="3369733"/>
+            <a:ext cx="1978873" cy="646331"/>
+            <a:chOff x="7359902" y="3338689"/>
+            <a:chExt cx="1978873" cy="646331"/>
+          </a:xfrm>
+        </p:grpSpPr>
+        <p:sp>
+          <p:nvSpPr>
+            <p:cNvPr id="11" name="椭圆 10">
+              <a:extLst>
+                <a:ext uri="{FF2B5EF4-FFF2-40B4-BE49-F238E27FC236}">
+                  <a16:creationId xmlns:a16="http://schemas.microsoft.com/office/drawing/2014/main" id="{F5691CE3-A633-C321-5BF8-40E3A6FA91CB}"/>
+                </a:ext>
+              </a:extLst>
+            </p:cNvPr>
+            <p:cNvSpPr/>
+            <p:nvPr/>
+          </p:nvSpPr>
+          <p:spPr>
+            <a:xfrm>
+              <a:off x="7359902" y="3338689"/>
+              <a:ext cx="646331" cy="646331"/>
+            </a:xfrm>
+            <a:prstGeom prst="ellipse">
+              <a:avLst/>
+            </a:prstGeom>
+          </p:spPr>
+          <p:style>
+            <a:lnRef idx="2">
+              <a:schemeClr val="accent1">
+                <a:shade val="15000"/>
+              </a:schemeClr>
+            </a:lnRef>
+            <a:fillRef idx="1">
+              <a:schemeClr val="accent1"/>
+            </a:fillRef>
+            <a:effectRef idx="0">
+              <a:schemeClr val="accent1"/>
+            </a:effectRef>
+            <a:fontRef idx="minor">
+              <a:schemeClr val="lt1"/>
+            </a:fontRef>
+          </p:style>
+          <p:txBody>
+            <a:bodyPr rtlCol="0" anchor="ctr"/>
+            <a:lstStyle/>
+            <a:p>
+              <a:pPr algn="ctr"/>
+              <a:r>
+                <a:rPr lang="zh-CN" altLang="en-US" dirty="0"/>
+                <a:t>组</a:t>
+              </a:r>
+            </a:p>
+          </p:txBody>
+        </p:sp>
+        <p:sp>
+          <p:nvSpPr>
+            <p:cNvPr id="12" name="椭圆 11">
+              <a:extLst>
+                <a:ext uri="{FF2B5EF4-FFF2-40B4-BE49-F238E27FC236}">
+                  <a16:creationId xmlns:a16="http://schemas.microsoft.com/office/drawing/2014/main" id="{B925589A-9CC2-EAC5-3F44-24074C6CE4B5}"/>
+                </a:ext>
+              </a:extLst>
+            </p:cNvPr>
+            <p:cNvSpPr/>
+            <p:nvPr/>
+          </p:nvSpPr>
+          <p:spPr>
+            <a:xfrm>
+              <a:off x="8692444" y="3338689"/>
+              <a:ext cx="646331" cy="646331"/>
+            </a:xfrm>
+            <a:prstGeom prst="ellipse">
+              <a:avLst/>
+            </a:prstGeom>
+          </p:spPr>
+          <p:style>
+            <a:lnRef idx="2">
+              <a:schemeClr val="accent1">
+                <a:shade val="15000"/>
+              </a:schemeClr>
+            </a:lnRef>
+            <a:fillRef idx="1">
+              <a:schemeClr val="accent1"/>
+            </a:fillRef>
+            <a:effectRef idx="0">
+              <a:schemeClr val="accent1"/>
+            </a:effectRef>
+            <a:fontRef idx="minor">
+              <a:schemeClr val="lt1"/>
+            </a:fontRef>
+          </p:style>
+          <p:txBody>
+            <a:bodyPr rtlCol="0" anchor="ctr"/>
+            <a:lstStyle/>
+            <a:p>
+              <a:pPr algn="ctr"/>
+              <a:r>
+                <a:rPr lang="zh-CN" altLang="en-US" dirty="0"/>
+                <a:t>合</a:t>
+              </a:r>
+            </a:p>
+          </p:txBody>
+        </p:sp>
+      </p:grpSp>
     </p:spTree>
     <p:extLst>
       <p:ext uri="{BB962C8B-B14F-4D97-AF65-F5344CB8AC3E}">
@@ -3380,6 +3728,14 @@
 <file path=ppt/slides/slide2.xml><?xml version="1.0" encoding="utf-8"?>
 <p:sld xmlns:a="http://schemas.openxmlformats.org/drawingml/2006/main" xmlns:r="http://schemas.openxmlformats.org/officeDocument/2006/relationships" xmlns:p="http://schemas.openxmlformats.org/presentationml/2006/main">
   <p:cSld>
+    <p:bg>
+      <p:bgPr>
+        <a:solidFill>
+          <a:schemeClr val="tx1"/>
+        </a:solidFill>
+        <a:effectLst/>
+      </p:bgPr>
+    </p:bg>
     <p:spTree>
       <p:nvGrpSpPr>
         <p:cNvPr id="1" name=""/>
@@ -3396,10 +3752,10 @@
       </p:grpSpPr>
       <p:sp>
         <p:nvSpPr>
-          <p:cNvPr id="4" name="等腰三角形 3">
-            <a:extLst>
-              <a:ext uri="{FF2B5EF4-FFF2-40B4-BE49-F238E27FC236}">
-                <a16:creationId xmlns:a16="http://schemas.microsoft.com/office/drawing/2014/main" id="{DB4F5DDE-B08D-317D-3885-7F3491B3DC43}"/>
+          <p:cNvPr id="2" name="矩形 1">
+            <a:extLst>
+              <a:ext uri="{FF2B5EF4-FFF2-40B4-BE49-F238E27FC236}">
+                <a16:creationId xmlns:a16="http://schemas.microsoft.com/office/drawing/2014/main" id="{CF4CF876-8FE4-1B52-7235-9BAC5B9C0689}"/>
               </a:ext>
             </a:extLst>
           </p:cNvPr>
@@ -3408,10 +3764,336 @@
         </p:nvSpPr>
         <p:spPr>
           <a:xfrm>
-            <a:off x="4127715" y="1522708"/>
-            <a:ext cx="3936569" cy="3812583"/>
+            <a:off x="447758" y="487177"/>
+            <a:ext cx="1873956" cy="2573867"/>
           </a:xfrm>
-          <a:prstGeom prst="triangle">
+          <a:prstGeom prst="rect">
+            <a:avLst/>
+          </a:prstGeom>
+        </p:spPr>
+        <p:style>
+          <a:lnRef idx="2">
+            <a:schemeClr val="accent1">
+              <a:shade val="15000"/>
+            </a:schemeClr>
+          </a:lnRef>
+          <a:fillRef idx="1">
+            <a:schemeClr val="accent1"/>
+          </a:fillRef>
+          <a:effectRef idx="0">
+            <a:schemeClr val="accent1"/>
+          </a:effectRef>
+          <a:fontRef idx="minor">
+            <a:schemeClr val="lt1"/>
+          </a:fontRef>
+        </p:style>
+        <p:txBody>
+          <a:bodyPr rtlCol="0" anchor="ctr"/>
+          <a:lstStyle/>
+          <a:p>
+            <a:pPr algn="ctr"/>
+            <a:endParaRPr lang="zh-CN" altLang="en-US"/>
+          </a:p>
+        </p:txBody>
+      </p:sp>
+      <p:sp>
+        <p:nvSpPr>
+          <p:cNvPr id="3" name="矩形 2">
+            <a:extLst>
+              <a:ext uri="{FF2B5EF4-FFF2-40B4-BE49-F238E27FC236}">
+                <a16:creationId xmlns:a16="http://schemas.microsoft.com/office/drawing/2014/main" id="{9058BA7B-B563-B4DE-2C8D-CA62B9CBD09C}"/>
+              </a:ext>
+            </a:extLst>
+          </p:cNvPr>
+          <p:cNvSpPr/>
+          <p:nvPr/>
+        </p:nvSpPr>
+        <p:spPr>
+          <a:xfrm>
+            <a:off x="2812782" y="487178"/>
+            <a:ext cx="1873956" cy="2573867"/>
+          </a:xfrm>
+          <a:prstGeom prst="rect">
+            <a:avLst/>
+          </a:prstGeom>
+          <a:solidFill>
+            <a:srgbClr val="FD0B0B"/>
+          </a:solidFill>
+        </p:spPr>
+        <p:style>
+          <a:lnRef idx="2">
+            <a:schemeClr val="accent1">
+              <a:shade val="15000"/>
+            </a:schemeClr>
+          </a:lnRef>
+          <a:fillRef idx="1">
+            <a:schemeClr val="accent1"/>
+          </a:fillRef>
+          <a:effectRef idx="0">
+            <a:schemeClr val="accent1"/>
+          </a:effectRef>
+          <a:fontRef idx="minor">
+            <a:schemeClr val="lt1"/>
+          </a:fontRef>
+        </p:style>
+        <p:txBody>
+          <a:bodyPr rtlCol="0" anchor="ctr"/>
+          <a:lstStyle/>
+          <a:p>
+            <a:pPr algn="ctr"/>
+            <a:endParaRPr lang="zh-CN" altLang="en-US"/>
+          </a:p>
+        </p:txBody>
+      </p:sp>
+      <p:sp>
+        <p:nvSpPr>
+          <p:cNvPr id="4" name="矩形 3">
+            <a:extLst>
+              <a:ext uri="{FF2B5EF4-FFF2-40B4-BE49-F238E27FC236}">
+                <a16:creationId xmlns:a16="http://schemas.microsoft.com/office/drawing/2014/main" id="{06ED6720-AC82-BDC3-1C2C-F71AC312E9A9}"/>
+              </a:ext>
+            </a:extLst>
+          </p:cNvPr>
+          <p:cNvSpPr/>
+          <p:nvPr/>
+        </p:nvSpPr>
+        <p:spPr>
+          <a:xfrm>
+            <a:off x="5177805" y="487177"/>
+            <a:ext cx="1873956" cy="2573867"/>
+          </a:xfrm>
+          <a:prstGeom prst="rect">
+            <a:avLst/>
+          </a:prstGeom>
+          <a:gradFill>
+            <a:gsLst>
+              <a:gs pos="0">
+                <a:schemeClr val="accent1">
+                  <a:lumMod val="5000"/>
+                  <a:lumOff val="95000"/>
+                </a:schemeClr>
+              </a:gs>
+              <a:gs pos="39000">
+                <a:schemeClr val="accent1">
+                  <a:lumMod val="45000"/>
+                  <a:lumOff val="55000"/>
+                </a:schemeClr>
+              </a:gs>
+              <a:gs pos="83000">
+                <a:schemeClr val="accent1">
+                  <a:lumMod val="45000"/>
+                  <a:lumOff val="55000"/>
+                </a:schemeClr>
+              </a:gs>
+              <a:gs pos="100000">
+                <a:schemeClr val="accent1">
+                  <a:lumMod val="30000"/>
+                  <a:lumOff val="70000"/>
+                </a:schemeClr>
+              </a:gs>
+            </a:gsLst>
+            <a:lin ang="5400000" scaled="1"/>
+          </a:gradFill>
+        </p:spPr>
+        <p:style>
+          <a:lnRef idx="2">
+            <a:schemeClr val="accent1">
+              <a:shade val="15000"/>
+            </a:schemeClr>
+          </a:lnRef>
+          <a:fillRef idx="1">
+            <a:schemeClr val="accent1"/>
+          </a:fillRef>
+          <a:effectRef idx="0">
+            <a:schemeClr val="accent1"/>
+          </a:effectRef>
+          <a:fontRef idx="minor">
+            <a:schemeClr val="lt1"/>
+          </a:fontRef>
+        </p:style>
+        <p:txBody>
+          <a:bodyPr rtlCol="0" anchor="ctr"/>
+          <a:lstStyle/>
+          <a:p>
+            <a:pPr algn="ctr"/>
+            <a:endParaRPr lang="zh-CN" altLang="en-US"/>
+          </a:p>
+        </p:txBody>
+      </p:sp>
+      <p:sp>
+        <p:nvSpPr>
+          <p:cNvPr id="5" name="矩形 4">
+            <a:extLst>
+              <a:ext uri="{FF2B5EF4-FFF2-40B4-BE49-F238E27FC236}">
+                <a16:creationId xmlns:a16="http://schemas.microsoft.com/office/drawing/2014/main" id="{9623C181-C1ED-A25F-1DF0-4152D6605723}"/>
+              </a:ext>
+            </a:extLst>
+          </p:cNvPr>
+          <p:cNvSpPr/>
+          <p:nvPr/>
+        </p:nvSpPr>
+        <p:spPr>
+          <a:xfrm>
+            <a:off x="7542829" y="487180"/>
+            <a:ext cx="1873956" cy="2573867"/>
+          </a:xfrm>
+          <a:prstGeom prst="rect">
+            <a:avLst/>
+          </a:prstGeom>
+          <a:blipFill>
+            <a:blip r:embed="rId2"/>
+            <a:tile tx="0" ty="0" sx="100000" sy="100000" flip="none" algn="tl"/>
+          </a:blipFill>
+        </p:spPr>
+        <p:style>
+          <a:lnRef idx="2">
+            <a:schemeClr val="accent1">
+              <a:shade val="15000"/>
+            </a:schemeClr>
+          </a:lnRef>
+          <a:fillRef idx="1">
+            <a:schemeClr val="accent1"/>
+          </a:fillRef>
+          <a:effectRef idx="0">
+            <a:schemeClr val="accent1"/>
+          </a:effectRef>
+          <a:fontRef idx="minor">
+            <a:schemeClr val="lt1"/>
+          </a:fontRef>
+        </p:style>
+        <p:txBody>
+          <a:bodyPr rtlCol="0" anchor="ctr"/>
+          <a:lstStyle/>
+          <a:p>
+            <a:pPr algn="ctr"/>
+            <a:endParaRPr lang="zh-CN" altLang="en-US"/>
+          </a:p>
+        </p:txBody>
+      </p:sp>
+      <p:sp>
+        <p:nvSpPr>
+          <p:cNvPr id="6" name="矩形 5">
+            <a:extLst>
+              <a:ext uri="{FF2B5EF4-FFF2-40B4-BE49-F238E27FC236}">
+                <a16:creationId xmlns:a16="http://schemas.microsoft.com/office/drawing/2014/main" id="{F16085DD-2F2D-AFE5-EC91-05970A94617C}"/>
+              </a:ext>
+            </a:extLst>
+          </p:cNvPr>
+          <p:cNvSpPr/>
+          <p:nvPr/>
+        </p:nvSpPr>
+        <p:spPr>
+          <a:xfrm>
+            <a:off x="9907852" y="487176"/>
+            <a:ext cx="1873956" cy="2573867"/>
+          </a:xfrm>
+          <a:prstGeom prst="rect">
+            <a:avLst/>
+          </a:prstGeom>
+          <a:blipFill>
+            <a:blip r:embed="rId3"/>
+            <a:stretch>
+              <a:fillRect/>
+            </a:stretch>
+          </a:blipFill>
+        </p:spPr>
+        <p:style>
+          <a:lnRef idx="2">
+            <a:schemeClr val="accent1">
+              <a:shade val="15000"/>
+            </a:schemeClr>
+          </a:lnRef>
+          <a:fillRef idx="1">
+            <a:schemeClr val="accent1"/>
+          </a:fillRef>
+          <a:effectRef idx="0">
+            <a:schemeClr val="accent1"/>
+          </a:effectRef>
+          <a:fontRef idx="minor">
+            <a:schemeClr val="lt1"/>
+          </a:fontRef>
+        </p:style>
+        <p:txBody>
+          <a:bodyPr rtlCol="0" anchor="ctr"/>
+          <a:lstStyle/>
+          <a:p>
+            <a:pPr algn="ctr"/>
+            <a:endParaRPr lang="zh-CN" altLang="en-US"/>
+          </a:p>
+        </p:txBody>
+      </p:sp>
+      <p:sp>
+        <p:nvSpPr>
+          <p:cNvPr id="10" name="矩形 9">
+            <a:extLst>
+              <a:ext uri="{FF2B5EF4-FFF2-40B4-BE49-F238E27FC236}">
+                <a16:creationId xmlns:a16="http://schemas.microsoft.com/office/drawing/2014/main" id="{8FF948D3-96B5-7D37-CD6E-2E07832FA4C7}"/>
+              </a:ext>
+            </a:extLst>
+          </p:cNvPr>
+          <p:cNvSpPr/>
+          <p:nvPr/>
+        </p:nvSpPr>
+        <p:spPr>
+          <a:xfrm>
+            <a:off x="447758" y="3796957"/>
+            <a:ext cx="1873956" cy="2573867"/>
+          </a:xfrm>
+          <a:prstGeom prst="rect">
+            <a:avLst/>
+          </a:prstGeom>
+          <a:pattFill prst="horzBrick">
+            <a:fgClr>
+              <a:schemeClr val="accent1"/>
+            </a:fgClr>
+            <a:bgClr>
+              <a:schemeClr val="bg1"/>
+            </a:bgClr>
+          </a:pattFill>
+        </p:spPr>
+        <p:style>
+          <a:lnRef idx="2">
+            <a:schemeClr val="accent1">
+              <a:shade val="15000"/>
+            </a:schemeClr>
+          </a:lnRef>
+          <a:fillRef idx="1">
+            <a:schemeClr val="accent1"/>
+          </a:fillRef>
+          <a:effectRef idx="0">
+            <a:schemeClr val="accent1"/>
+          </a:effectRef>
+          <a:fontRef idx="minor">
+            <a:schemeClr val="lt1"/>
+          </a:fontRef>
+        </p:style>
+        <p:txBody>
+          <a:bodyPr rtlCol="0" anchor="ctr"/>
+          <a:lstStyle/>
+          <a:p>
+            <a:pPr algn="ctr"/>
+            <a:endParaRPr lang="zh-CN" altLang="en-US"/>
+          </a:p>
+        </p:txBody>
+      </p:sp>
+      <p:sp useBgFill="1">
+        <p:nvSpPr>
+          <p:cNvPr id="11" name="矩形 10">
+            <a:extLst>
+              <a:ext uri="{FF2B5EF4-FFF2-40B4-BE49-F238E27FC236}">
+                <a16:creationId xmlns:a16="http://schemas.microsoft.com/office/drawing/2014/main" id="{508EA8B6-3599-9D48-4A53-A46A3B293641}"/>
+              </a:ext>
+            </a:extLst>
+          </p:cNvPr>
+          <p:cNvSpPr/>
+          <p:nvPr/>
+        </p:nvSpPr>
+        <p:spPr>
+          <a:xfrm>
+            <a:off x="2812782" y="3796956"/>
+            <a:ext cx="1873956" cy="2573867"/>
+          </a:xfrm>
+          <a:prstGeom prst="rect">
             <a:avLst/>
           </a:prstGeom>
         </p:spPr>

--- a/assets/ppt/simple.pptx
+++ b/assets/ppt/simple.pptx
@@ -2,19 +2,20 @@
 <file path=ppt/presentation.xml><?xml version="1.0" encoding="utf-8"?>
 <p:presentation xmlns:a="http://schemas.openxmlformats.org/drawingml/2006/main" xmlns:r="http://schemas.openxmlformats.org/officeDocument/2006/relationships" xmlns:p="http://schemas.openxmlformats.org/presentationml/2006/main" saveSubsetFonts="1">
   <p:sldMasterIdLst>
-    <p:sldMasterId id="2147483648" r:id="rId1"/>
+    <p:sldMasterId id="2147483677" r:id="rId1"/>
   </p:sldMasterIdLst>
   <p:sldIdLst>
     <p:sldId id="256" r:id="rId2"/>
     <p:sldId id="257" r:id="rId3"/>
+    <p:sldId id="258" r:id="rId4"/>
   </p:sldIdLst>
   <p:sldSz cx="12192000" cy="6858000"/>
   <p:notesSz cx="6858000" cy="9144000"/>
   <p:defaultTextStyle>
     <a:defPPr>
-      <a:defRPr lang="zh-CN"/>
+      <a:defRPr lang="en-US"/>
     </a:defPPr>
-    <a:lvl1pPr marL="0" algn="l" defTabSz="914400" rtl="0" eaLnBrk="1" latinLnBrk="0" hangingPunct="1">
+    <a:lvl1pPr marL="0" algn="l" defTabSz="457200" rtl="0" eaLnBrk="1" latinLnBrk="0" hangingPunct="1">
       <a:defRPr sz="1800" kern="1200">
         <a:solidFill>
           <a:schemeClr val="tx1"/>
@@ -24,7 +25,7 @@
         <a:cs typeface="+mn-cs"/>
       </a:defRPr>
     </a:lvl1pPr>
-    <a:lvl2pPr marL="457200" algn="l" defTabSz="914400" rtl="0" eaLnBrk="1" latinLnBrk="0" hangingPunct="1">
+    <a:lvl2pPr marL="457200" algn="l" defTabSz="457200" rtl="0" eaLnBrk="1" latinLnBrk="0" hangingPunct="1">
       <a:defRPr sz="1800" kern="1200">
         <a:solidFill>
           <a:schemeClr val="tx1"/>
@@ -34,7 +35,7 @@
         <a:cs typeface="+mn-cs"/>
       </a:defRPr>
     </a:lvl2pPr>
-    <a:lvl3pPr marL="914400" algn="l" defTabSz="914400" rtl="0" eaLnBrk="1" latinLnBrk="0" hangingPunct="1">
+    <a:lvl3pPr marL="914400" algn="l" defTabSz="457200" rtl="0" eaLnBrk="1" latinLnBrk="0" hangingPunct="1">
       <a:defRPr sz="1800" kern="1200">
         <a:solidFill>
           <a:schemeClr val="tx1"/>
@@ -44,7 +45,7 @@
         <a:cs typeface="+mn-cs"/>
       </a:defRPr>
     </a:lvl3pPr>
-    <a:lvl4pPr marL="1371600" algn="l" defTabSz="914400" rtl="0" eaLnBrk="1" latinLnBrk="0" hangingPunct="1">
+    <a:lvl4pPr marL="1371600" algn="l" defTabSz="457200" rtl="0" eaLnBrk="1" latinLnBrk="0" hangingPunct="1">
       <a:defRPr sz="1800" kern="1200">
         <a:solidFill>
           <a:schemeClr val="tx1"/>
@@ -54,7 +55,7 @@
         <a:cs typeface="+mn-cs"/>
       </a:defRPr>
     </a:lvl4pPr>
-    <a:lvl5pPr marL="1828800" algn="l" defTabSz="914400" rtl="0" eaLnBrk="1" latinLnBrk="0" hangingPunct="1">
+    <a:lvl5pPr marL="1828800" algn="l" defTabSz="457200" rtl="0" eaLnBrk="1" latinLnBrk="0" hangingPunct="1">
       <a:defRPr sz="1800" kern="1200">
         <a:solidFill>
           <a:schemeClr val="tx1"/>
@@ -64,7 +65,7 @@
         <a:cs typeface="+mn-cs"/>
       </a:defRPr>
     </a:lvl5pPr>
-    <a:lvl6pPr marL="2286000" algn="l" defTabSz="914400" rtl="0" eaLnBrk="1" latinLnBrk="0" hangingPunct="1">
+    <a:lvl6pPr marL="2286000" algn="l" defTabSz="457200" rtl="0" eaLnBrk="1" latinLnBrk="0" hangingPunct="1">
       <a:defRPr sz="1800" kern="1200">
         <a:solidFill>
           <a:schemeClr val="tx1"/>
@@ -74,7 +75,7 @@
         <a:cs typeface="+mn-cs"/>
       </a:defRPr>
     </a:lvl6pPr>
-    <a:lvl7pPr marL="2743200" algn="l" defTabSz="914400" rtl="0" eaLnBrk="1" latinLnBrk="0" hangingPunct="1">
+    <a:lvl7pPr marL="2743200" algn="l" defTabSz="457200" rtl="0" eaLnBrk="1" latinLnBrk="0" hangingPunct="1">
       <a:defRPr sz="1800" kern="1200">
         <a:solidFill>
           <a:schemeClr val="tx1"/>
@@ -84,7 +85,7 @@
         <a:cs typeface="+mn-cs"/>
       </a:defRPr>
     </a:lvl7pPr>
-    <a:lvl8pPr marL="3200400" algn="l" defTabSz="914400" rtl="0" eaLnBrk="1" latinLnBrk="0" hangingPunct="1">
+    <a:lvl8pPr marL="3200400" algn="l" defTabSz="457200" rtl="0" eaLnBrk="1" latinLnBrk="0" hangingPunct="1">
       <a:defRPr sz="1800" kern="1200">
         <a:solidFill>
           <a:schemeClr val="tx1"/>
@@ -94,7 +95,7 @@
         <a:cs typeface="+mn-cs"/>
       </a:defRPr>
     </a:lvl8pPr>
-    <a:lvl9pPr marL="3657600" algn="l" defTabSz="914400" rtl="0" eaLnBrk="1" latinLnBrk="0" hangingPunct="1">
+    <a:lvl9pPr marL="3657600" algn="l" defTabSz="457200" rtl="0" eaLnBrk="1" latinLnBrk="0" hangingPunct="1">
       <a:defRPr sz="1800" kern="1200">
         <a:solidFill>
           <a:schemeClr val="tx1"/>
@@ -135,7 +136,7 @@
           <p:cNvPr id="2" name="标题 1">
             <a:extLst>
               <a:ext uri="{FF2B5EF4-FFF2-40B4-BE49-F238E27FC236}">
-                <a16:creationId xmlns:a16="http://schemas.microsoft.com/office/drawing/2014/main" id="{D0C73F28-12F1-D84A-C170-962231816376}"/>
+                <a16:creationId xmlns:a16="http://schemas.microsoft.com/office/drawing/2014/main" id="{6B76BFB2-9D4E-1B19-BBE7-B24BBDB06A7D}"/>
               </a:ext>
             </a:extLst>
           </p:cNvPr>
@@ -172,7 +173,7 @@
           <p:cNvPr id="3" name="副标题 2">
             <a:extLst>
               <a:ext uri="{FF2B5EF4-FFF2-40B4-BE49-F238E27FC236}">
-                <a16:creationId xmlns:a16="http://schemas.microsoft.com/office/drawing/2014/main" id="{E943555D-0D1E-5180-2010-FE7E72D394CD}"/>
+                <a16:creationId xmlns:a16="http://schemas.microsoft.com/office/drawing/2014/main" id="{BB408723-3B44-A335-C7A7-18F453DBF8BD}"/>
               </a:ext>
             </a:extLst>
           </p:cNvPr>
@@ -242,7 +243,7 @@
           <p:cNvPr id="4" name="日期占位符 3">
             <a:extLst>
               <a:ext uri="{FF2B5EF4-FFF2-40B4-BE49-F238E27FC236}">
-                <a16:creationId xmlns:a16="http://schemas.microsoft.com/office/drawing/2014/main" id="{4103FAB4-DA89-F1B0-EC4A-672E69237E41}"/>
+                <a16:creationId xmlns:a16="http://schemas.microsoft.com/office/drawing/2014/main" id="{30EB701E-D599-D955-7CBB-5E5D2E387363}"/>
               </a:ext>
             </a:extLst>
           </p:cNvPr>
@@ -258,9 +259,9 @@
           <a:bodyPr/>
           <a:lstStyle/>
           <a:p>
-            <a:fld id="{8824DD16-84C3-49D6-AC01-26B8500D478E}" type="datetimeFigureOut">
+            <a:fld id="{DEDA17D1-6590-4570-9DF1-29A4B3C6B8EE}" type="datetimeFigureOut">
               <a:rPr lang="zh-CN" altLang="en-US" smtClean="0"/>
-              <a:t>2024/3/21</a:t>
+              <a:t>2024/3/22</a:t>
             </a:fld>
             <a:endParaRPr lang="zh-CN" altLang="en-US"/>
           </a:p>
@@ -271,7 +272,7 @@
           <p:cNvPr id="5" name="页脚占位符 4">
             <a:extLst>
               <a:ext uri="{FF2B5EF4-FFF2-40B4-BE49-F238E27FC236}">
-                <a16:creationId xmlns:a16="http://schemas.microsoft.com/office/drawing/2014/main" id="{25491786-BECE-8C6D-8339-E42B73FBA655}"/>
+                <a16:creationId xmlns:a16="http://schemas.microsoft.com/office/drawing/2014/main" id="{FB0E0478-150A-DA41-01CA-6360459BD94B}"/>
               </a:ext>
             </a:extLst>
           </p:cNvPr>
@@ -296,7 +297,7 @@
           <p:cNvPr id="6" name="灯片编号占位符 5">
             <a:extLst>
               <a:ext uri="{FF2B5EF4-FFF2-40B4-BE49-F238E27FC236}">
-                <a16:creationId xmlns:a16="http://schemas.microsoft.com/office/drawing/2014/main" id="{80B984CE-5737-5C4B-C0F5-0D8BA63DF03D}"/>
+                <a16:creationId xmlns:a16="http://schemas.microsoft.com/office/drawing/2014/main" id="{9CAF1F3A-5864-E18F-E01D-04E592ECE6DD}"/>
               </a:ext>
             </a:extLst>
           </p:cNvPr>
@@ -312,7 +313,7 @@
           <a:bodyPr/>
           <a:lstStyle/>
           <a:p>
-            <a:fld id="{92F1B0B4-3451-42A4-B1EF-A32FF0F4B632}" type="slidenum">
+            <a:fld id="{2ED1A831-4F8E-4053-B593-46016C4082BA}" type="slidenum">
               <a:rPr lang="zh-CN" altLang="en-US" smtClean="0"/>
               <a:t>‹#›</a:t>
             </a:fld>
@@ -323,7 +324,7 @@
     </p:spTree>
     <p:extLst>
       <p:ext uri="{BB962C8B-B14F-4D97-AF65-F5344CB8AC3E}">
-        <p14:creationId xmlns:p14="http://schemas.microsoft.com/office/powerpoint/2010/main" val="725225397"/>
+        <p14:creationId xmlns:p14="http://schemas.microsoft.com/office/powerpoint/2010/main" val="1385135504"/>
       </p:ext>
     </p:extLst>
   </p:cSld>
@@ -355,7 +356,7 @@
           <p:cNvPr id="2" name="标题 1">
             <a:extLst>
               <a:ext uri="{FF2B5EF4-FFF2-40B4-BE49-F238E27FC236}">
-                <a16:creationId xmlns:a16="http://schemas.microsoft.com/office/drawing/2014/main" id="{B5C94528-5ECF-7263-92E0-A37DC42F2E74}"/>
+                <a16:creationId xmlns:a16="http://schemas.microsoft.com/office/drawing/2014/main" id="{27D5790F-C323-1487-AFF2-59924E779CD6}"/>
               </a:ext>
             </a:extLst>
           </p:cNvPr>
@@ -383,7 +384,7 @@
           <p:cNvPr id="3" name="竖排文字占位符 2">
             <a:extLst>
               <a:ext uri="{FF2B5EF4-FFF2-40B4-BE49-F238E27FC236}">
-                <a16:creationId xmlns:a16="http://schemas.microsoft.com/office/drawing/2014/main" id="{16B112BA-9CDE-875E-EB16-55A26646D460}"/>
+                <a16:creationId xmlns:a16="http://schemas.microsoft.com/office/drawing/2014/main" id="{C07A0686-9EA6-2343-7D2F-EBD4B63E93AB}"/>
               </a:ext>
             </a:extLst>
           </p:cNvPr>
@@ -440,7 +441,7 @@
           <p:cNvPr id="4" name="日期占位符 3">
             <a:extLst>
               <a:ext uri="{FF2B5EF4-FFF2-40B4-BE49-F238E27FC236}">
-                <a16:creationId xmlns:a16="http://schemas.microsoft.com/office/drawing/2014/main" id="{C3CC58F5-0C93-BD6C-1F5A-39DD281C2571}"/>
+                <a16:creationId xmlns:a16="http://schemas.microsoft.com/office/drawing/2014/main" id="{3F4709AE-C530-E162-79C0-F264952750C7}"/>
               </a:ext>
             </a:extLst>
           </p:cNvPr>
@@ -456,9 +457,9 @@
           <a:bodyPr/>
           <a:lstStyle/>
           <a:p>
-            <a:fld id="{8824DD16-84C3-49D6-AC01-26B8500D478E}" type="datetimeFigureOut">
+            <a:fld id="{DEDA17D1-6590-4570-9DF1-29A4B3C6B8EE}" type="datetimeFigureOut">
               <a:rPr lang="zh-CN" altLang="en-US" smtClean="0"/>
-              <a:t>2024/3/21</a:t>
+              <a:t>2024/3/22</a:t>
             </a:fld>
             <a:endParaRPr lang="zh-CN" altLang="en-US"/>
           </a:p>
@@ -469,7 +470,7 @@
           <p:cNvPr id="5" name="页脚占位符 4">
             <a:extLst>
               <a:ext uri="{FF2B5EF4-FFF2-40B4-BE49-F238E27FC236}">
-                <a16:creationId xmlns:a16="http://schemas.microsoft.com/office/drawing/2014/main" id="{4E9E2DB4-CA7A-FB84-FD49-C4B0DC52E828}"/>
+                <a16:creationId xmlns:a16="http://schemas.microsoft.com/office/drawing/2014/main" id="{5FA7B673-A115-3646-06D4-244FAE974768}"/>
               </a:ext>
             </a:extLst>
           </p:cNvPr>
@@ -494,7 +495,7 @@
           <p:cNvPr id="6" name="灯片编号占位符 5">
             <a:extLst>
               <a:ext uri="{FF2B5EF4-FFF2-40B4-BE49-F238E27FC236}">
-                <a16:creationId xmlns:a16="http://schemas.microsoft.com/office/drawing/2014/main" id="{B0DAD055-C0DF-BB4E-7B59-77DCAB1FF4F7}"/>
+                <a16:creationId xmlns:a16="http://schemas.microsoft.com/office/drawing/2014/main" id="{0F712888-4FDC-C201-732F-FEA6B7D826B0}"/>
               </a:ext>
             </a:extLst>
           </p:cNvPr>
@@ -510,7 +511,7 @@
           <a:bodyPr/>
           <a:lstStyle/>
           <a:p>
-            <a:fld id="{92F1B0B4-3451-42A4-B1EF-A32FF0F4B632}" type="slidenum">
+            <a:fld id="{2ED1A831-4F8E-4053-B593-46016C4082BA}" type="slidenum">
               <a:rPr lang="zh-CN" altLang="en-US" smtClean="0"/>
               <a:t>‹#›</a:t>
             </a:fld>
@@ -521,7 +522,7 @@
     </p:spTree>
     <p:extLst>
       <p:ext uri="{BB962C8B-B14F-4D97-AF65-F5344CB8AC3E}">
-        <p14:creationId xmlns:p14="http://schemas.microsoft.com/office/powerpoint/2010/main" val="2462766186"/>
+        <p14:creationId xmlns:p14="http://schemas.microsoft.com/office/powerpoint/2010/main" val="1492594916"/>
       </p:ext>
     </p:extLst>
   </p:cSld>
@@ -553,7 +554,7 @@
           <p:cNvPr id="2" name="竖排标题 1">
             <a:extLst>
               <a:ext uri="{FF2B5EF4-FFF2-40B4-BE49-F238E27FC236}">
-                <a16:creationId xmlns:a16="http://schemas.microsoft.com/office/drawing/2014/main" id="{B3D2E646-0AF8-36AA-0ECC-410D57CA3C20}"/>
+                <a16:creationId xmlns:a16="http://schemas.microsoft.com/office/drawing/2014/main" id="{A73EEB62-C5AC-7943-6D07-79C36D843F1A}"/>
               </a:ext>
             </a:extLst>
           </p:cNvPr>
@@ -586,7 +587,7 @@
           <p:cNvPr id="3" name="竖排文字占位符 2">
             <a:extLst>
               <a:ext uri="{FF2B5EF4-FFF2-40B4-BE49-F238E27FC236}">
-                <a16:creationId xmlns:a16="http://schemas.microsoft.com/office/drawing/2014/main" id="{D8D0312C-84F9-56E5-E3DE-AA4CB25AECEE}"/>
+                <a16:creationId xmlns:a16="http://schemas.microsoft.com/office/drawing/2014/main" id="{DD158AFD-E61A-2C5A-2A4C-5DC875EDACAD}"/>
               </a:ext>
             </a:extLst>
           </p:cNvPr>
@@ -648,7 +649,7 @@
           <p:cNvPr id="4" name="日期占位符 3">
             <a:extLst>
               <a:ext uri="{FF2B5EF4-FFF2-40B4-BE49-F238E27FC236}">
-                <a16:creationId xmlns:a16="http://schemas.microsoft.com/office/drawing/2014/main" id="{379DE463-999E-AAB6-2DC0-255A5C0E44B2}"/>
+                <a16:creationId xmlns:a16="http://schemas.microsoft.com/office/drawing/2014/main" id="{F99084C4-AFAD-AC6E-0F16-C3AEA4972892}"/>
               </a:ext>
             </a:extLst>
           </p:cNvPr>
@@ -664,9 +665,9 @@
           <a:bodyPr/>
           <a:lstStyle/>
           <a:p>
-            <a:fld id="{8824DD16-84C3-49D6-AC01-26B8500D478E}" type="datetimeFigureOut">
+            <a:fld id="{DEDA17D1-6590-4570-9DF1-29A4B3C6B8EE}" type="datetimeFigureOut">
               <a:rPr lang="zh-CN" altLang="en-US" smtClean="0"/>
-              <a:t>2024/3/21</a:t>
+              <a:t>2024/3/22</a:t>
             </a:fld>
             <a:endParaRPr lang="zh-CN" altLang="en-US"/>
           </a:p>
@@ -677,7 +678,7 @@
           <p:cNvPr id="5" name="页脚占位符 4">
             <a:extLst>
               <a:ext uri="{FF2B5EF4-FFF2-40B4-BE49-F238E27FC236}">
-                <a16:creationId xmlns:a16="http://schemas.microsoft.com/office/drawing/2014/main" id="{43C5453C-1B3F-4268-962B-6C5DBFF05BFA}"/>
+                <a16:creationId xmlns:a16="http://schemas.microsoft.com/office/drawing/2014/main" id="{1A933021-F879-7FD1-F8AE-B0445DAC3D29}"/>
               </a:ext>
             </a:extLst>
           </p:cNvPr>
@@ -702,7 +703,7 @@
           <p:cNvPr id="6" name="灯片编号占位符 5">
             <a:extLst>
               <a:ext uri="{FF2B5EF4-FFF2-40B4-BE49-F238E27FC236}">
-                <a16:creationId xmlns:a16="http://schemas.microsoft.com/office/drawing/2014/main" id="{E96F4E51-028E-25E9-F5FC-CDE8E7771449}"/>
+                <a16:creationId xmlns:a16="http://schemas.microsoft.com/office/drawing/2014/main" id="{53F85A25-E0EE-4CFE-7D37-26FDAE1CA841}"/>
               </a:ext>
             </a:extLst>
           </p:cNvPr>
@@ -718,7 +719,7 @@
           <a:bodyPr/>
           <a:lstStyle/>
           <a:p>
-            <a:fld id="{92F1B0B4-3451-42A4-B1EF-A32FF0F4B632}" type="slidenum">
+            <a:fld id="{2ED1A831-4F8E-4053-B593-46016C4082BA}" type="slidenum">
               <a:rPr lang="zh-CN" altLang="en-US" smtClean="0"/>
               <a:t>‹#›</a:t>
             </a:fld>
@@ -729,7 +730,7 @@
     </p:spTree>
     <p:extLst>
       <p:ext uri="{BB962C8B-B14F-4D97-AF65-F5344CB8AC3E}">
-        <p14:creationId xmlns:p14="http://schemas.microsoft.com/office/powerpoint/2010/main" val="2641014995"/>
+        <p14:creationId xmlns:p14="http://schemas.microsoft.com/office/powerpoint/2010/main" val="3395340554"/>
       </p:ext>
     </p:extLst>
   </p:cSld>
@@ -761,7 +762,7 @@
           <p:cNvPr id="2" name="标题 1">
             <a:extLst>
               <a:ext uri="{FF2B5EF4-FFF2-40B4-BE49-F238E27FC236}">
-                <a16:creationId xmlns:a16="http://schemas.microsoft.com/office/drawing/2014/main" id="{B7D91219-A485-3656-DCBB-48F425BBDD78}"/>
+                <a16:creationId xmlns:a16="http://schemas.microsoft.com/office/drawing/2014/main" id="{3E6443AC-7A1F-7306-822C-8EB8D76A1A01}"/>
               </a:ext>
             </a:extLst>
           </p:cNvPr>
@@ -789,7 +790,7 @@
           <p:cNvPr id="3" name="内容占位符 2">
             <a:extLst>
               <a:ext uri="{FF2B5EF4-FFF2-40B4-BE49-F238E27FC236}">
-                <a16:creationId xmlns:a16="http://schemas.microsoft.com/office/drawing/2014/main" id="{933FDEA4-DBA5-9773-40E1-15431C27BB7B}"/>
+                <a16:creationId xmlns:a16="http://schemas.microsoft.com/office/drawing/2014/main" id="{F99C8347-E7F7-CA94-054E-A96121982797}"/>
               </a:ext>
             </a:extLst>
           </p:cNvPr>
@@ -846,7 +847,7 @@
           <p:cNvPr id="4" name="日期占位符 3">
             <a:extLst>
               <a:ext uri="{FF2B5EF4-FFF2-40B4-BE49-F238E27FC236}">
-                <a16:creationId xmlns:a16="http://schemas.microsoft.com/office/drawing/2014/main" id="{21C25A0C-A8AB-9976-2AAC-3971A76CFA40}"/>
+                <a16:creationId xmlns:a16="http://schemas.microsoft.com/office/drawing/2014/main" id="{1BF8A82A-4A48-A9C7-A509-7C856161DD25}"/>
               </a:ext>
             </a:extLst>
           </p:cNvPr>
@@ -862,9 +863,9 @@
           <a:bodyPr/>
           <a:lstStyle/>
           <a:p>
-            <a:fld id="{8824DD16-84C3-49D6-AC01-26B8500D478E}" type="datetimeFigureOut">
+            <a:fld id="{DEDA17D1-6590-4570-9DF1-29A4B3C6B8EE}" type="datetimeFigureOut">
               <a:rPr lang="zh-CN" altLang="en-US" smtClean="0"/>
-              <a:t>2024/3/21</a:t>
+              <a:t>2024/3/22</a:t>
             </a:fld>
             <a:endParaRPr lang="zh-CN" altLang="en-US"/>
           </a:p>
@@ -875,7 +876,7 @@
           <p:cNvPr id="5" name="页脚占位符 4">
             <a:extLst>
               <a:ext uri="{FF2B5EF4-FFF2-40B4-BE49-F238E27FC236}">
-                <a16:creationId xmlns:a16="http://schemas.microsoft.com/office/drawing/2014/main" id="{EE0976D6-2016-187E-F14D-4903F79CA4D4}"/>
+                <a16:creationId xmlns:a16="http://schemas.microsoft.com/office/drawing/2014/main" id="{81208590-0EAC-5250-A639-94F1DF65CBE1}"/>
               </a:ext>
             </a:extLst>
           </p:cNvPr>
@@ -900,7 +901,7 @@
           <p:cNvPr id="6" name="灯片编号占位符 5">
             <a:extLst>
               <a:ext uri="{FF2B5EF4-FFF2-40B4-BE49-F238E27FC236}">
-                <a16:creationId xmlns:a16="http://schemas.microsoft.com/office/drawing/2014/main" id="{CEA42DA6-0CEB-176C-47DE-9402E2956F83}"/>
+                <a16:creationId xmlns:a16="http://schemas.microsoft.com/office/drawing/2014/main" id="{29B26C07-036F-7DC2-8366-3CD0B33F4F5C}"/>
               </a:ext>
             </a:extLst>
           </p:cNvPr>
@@ -916,7 +917,7 @@
           <a:bodyPr/>
           <a:lstStyle/>
           <a:p>
-            <a:fld id="{92F1B0B4-3451-42A4-B1EF-A32FF0F4B632}" type="slidenum">
+            <a:fld id="{2ED1A831-4F8E-4053-B593-46016C4082BA}" type="slidenum">
               <a:rPr lang="zh-CN" altLang="en-US" smtClean="0"/>
               <a:t>‹#›</a:t>
             </a:fld>
@@ -927,7 +928,7 @@
     </p:spTree>
     <p:extLst>
       <p:ext uri="{BB962C8B-B14F-4D97-AF65-F5344CB8AC3E}">
-        <p14:creationId xmlns:p14="http://schemas.microsoft.com/office/powerpoint/2010/main" val="3832799057"/>
+        <p14:creationId xmlns:p14="http://schemas.microsoft.com/office/powerpoint/2010/main" val="2915825244"/>
       </p:ext>
     </p:extLst>
   </p:cSld>
@@ -959,7 +960,7 @@
           <p:cNvPr id="2" name="标题 1">
             <a:extLst>
               <a:ext uri="{FF2B5EF4-FFF2-40B4-BE49-F238E27FC236}">
-                <a16:creationId xmlns:a16="http://schemas.microsoft.com/office/drawing/2014/main" id="{C729E267-4A16-28CC-CF10-698B0DAD3FC2}"/>
+                <a16:creationId xmlns:a16="http://schemas.microsoft.com/office/drawing/2014/main" id="{7E7680B9-C9E1-BDF7-CC73-536AED566AFE}"/>
               </a:ext>
             </a:extLst>
           </p:cNvPr>
@@ -996,7 +997,7 @@
           <p:cNvPr id="3" name="文本占位符 2">
             <a:extLst>
               <a:ext uri="{FF2B5EF4-FFF2-40B4-BE49-F238E27FC236}">
-                <a16:creationId xmlns:a16="http://schemas.microsoft.com/office/drawing/2014/main" id="{E900723C-5FED-C549-6EC2-30D776D76DCA}"/>
+                <a16:creationId xmlns:a16="http://schemas.microsoft.com/office/drawing/2014/main" id="{38ACF7A0-5EB5-7100-F3B8-6AC32D0ACFFD}"/>
               </a:ext>
             </a:extLst>
           </p:cNvPr>
@@ -1121,7 +1122,7 @@
           <p:cNvPr id="4" name="日期占位符 3">
             <a:extLst>
               <a:ext uri="{FF2B5EF4-FFF2-40B4-BE49-F238E27FC236}">
-                <a16:creationId xmlns:a16="http://schemas.microsoft.com/office/drawing/2014/main" id="{BFF0A645-5A38-A8B0-A4DD-D7D6E5B4448D}"/>
+                <a16:creationId xmlns:a16="http://schemas.microsoft.com/office/drawing/2014/main" id="{2A956EBE-52F8-2E04-6671-99519EC0D7F9}"/>
               </a:ext>
             </a:extLst>
           </p:cNvPr>
@@ -1137,9 +1138,9 @@
           <a:bodyPr/>
           <a:lstStyle/>
           <a:p>
-            <a:fld id="{8824DD16-84C3-49D6-AC01-26B8500D478E}" type="datetimeFigureOut">
+            <a:fld id="{DEDA17D1-6590-4570-9DF1-29A4B3C6B8EE}" type="datetimeFigureOut">
               <a:rPr lang="zh-CN" altLang="en-US" smtClean="0"/>
-              <a:t>2024/3/21</a:t>
+              <a:t>2024/3/22</a:t>
             </a:fld>
             <a:endParaRPr lang="zh-CN" altLang="en-US"/>
           </a:p>
@@ -1150,7 +1151,7 @@
           <p:cNvPr id="5" name="页脚占位符 4">
             <a:extLst>
               <a:ext uri="{FF2B5EF4-FFF2-40B4-BE49-F238E27FC236}">
-                <a16:creationId xmlns:a16="http://schemas.microsoft.com/office/drawing/2014/main" id="{8B253F76-45AA-53B5-DC5C-CDFC56EF9C3B}"/>
+                <a16:creationId xmlns:a16="http://schemas.microsoft.com/office/drawing/2014/main" id="{3FB639B8-CEAF-79C7-BF8C-CB8BFD936027}"/>
               </a:ext>
             </a:extLst>
           </p:cNvPr>
@@ -1175,7 +1176,7 @@
           <p:cNvPr id="6" name="灯片编号占位符 5">
             <a:extLst>
               <a:ext uri="{FF2B5EF4-FFF2-40B4-BE49-F238E27FC236}">
-                <a16:creationId xmlns:a16="http://schemas.microsoft.com/office/drawing/2014/main" id="{221D4119-F033-672E-41D2-4DBE084B22EB}"/>
+                <a16:creationId xmlns:a16="http://schemas.microsoft.com/office/drawing/2014/main" id="{90492793-81EC-338A-A11B-8C36C191F3C0}"/>
               </a:ext>
             </a:extLst>
           </p:cNvPr>
@@ -1191,7 +1192,7 @@
           <a:bodyPr/>
           <a:lstStyle/>
           <a:p>
-            <a:fld id="{92F1B0B4-3451-42A4-B1EF-A32FF0F4B632}" type="slidenum">
+            <a:fld id="{2ED1A831-4F8E-4053-B593-46016C4082BA}" type="slidenum">
               <a:rPr lang="zh-CN" altLang="en-US" smtClean="0"/>
               <a:t>‹#›</a:t>
             </a:fld>
@@ -1202,7 +1203,7 @@
     </p:spTree>
     <p:extLst>
       <p:ext uri="{BB962C8B-B14F-4D97-AF65-F5344CB8AC3E}">
-        <p14:creationId xmlns:p14="http://schemas.microsoft.com/office/powerpoint/2010/main" val="1659938005"/>
+        <p14:creationId xmlns:p14="http://schemas.microsoft.com/office/powerpoint/2010/main" val="4092209825"/>
       </p:ext>
     </p:extLst>
   </p:cSld>
@@ -1234,7 +1235,7 @@
           <p:cNvPr id="2" name="标题 1">
             <a:extLst>
               <a:ext uri="{FF2B5EF4-FFF2-40B4-BE49-F238E27FC236}">
-                <a16:creationId xmlns:a16="http://schemas.microsoft.com/office/drawing/2014/main" id="{F0D91E7B-1CFC-2420-CAAE-F6EFBA91721D}"/>
+                <a16:creationId xmlns:a16="http://schemas.microsoft.com/office/drawing/2014/main" id="{CE5CABEA-4520-D656-0B57-6267A488C251}"/>
               </a:ext>
             </a:extLst>
           </p:cNvPr>
@@ -1262,7 +1263,7 @@
           <p:cNvPr id="3" name="内容占位符 2">
             <a:extLst>
               <a:ext uri="{FF2B5EF4-FFF2-40B4-BE49-F238E27FC236}">
-                <a16:creationId xmlns:a16="http://schemas.microsoft.com/office/drawing/2014/main" id="{9E1AE5AC-097E-41A1-2A1C-2DCC5330C3C1}"/>
+                <a16:creationId xmlns:a16="http://schemas.microsoft.com/office/drawing/2014/main" id="{2100E9C1-9EE0-69CF-D4E1-6C5F675F0040}"/>
               </a:ext>
             </a:extLst>
           </p:cNvPr>
@@ -1324,7 +1325,7 @@
           <p:cNvPr id="4" name="内容占位符 3">
             <a:extLst>
               <a:ext uri="{FF2B5EF4-FFF2-40B4-BE49-F238E27FC236}">
-                <a16:creationId xmlns:a16="http://schemas.microsoft.com/office/drawing/2014/main" id="{2876784A-E58F-DD68-9B12-00D78AB73942}"/>
+                <a16:creationId xmlns:a16="http://schemas.microsoft.com/office/drawing/2014/main" id="{55A1BC64-BE81-B8E2-C6EC-C315A8FF3917}"/>
               </a:ext>
             </a:extLst>
           </p:cNvPr>
@@ -1386,7 +1387,7 @@
           <p:cNvPr id="5" name="日期占位符 4">
             <a:extLst>
               <a:ext uri="{FF2B5EF4-FFF2-40B4-BE49-F238E27FC236}">
-                <a16:creationId xmlns:a16="http://schemas.microsoft.com/office/drawing/2014/main" id="{A9680788-3AB7-C6B8-AEB0-55A5250B1572}"/>
+                <a16:creationId xmlns:a16="http://schemas.microsoft.com/office/drawing/2014/main" id="{CA2C64A0-802D-0AD7-B24A-9B7F8FBEF685}"/>
               </a:ext>
             </a:extLst>
           </p:cNvPr>
@@ -1402,9 +1403,9 @@
           <a:bodyPr/>
           <a:lstStyle/>
           <a:p>
-            <a:fld id="{8824DD16-84C3-49D6-AC01-26B8500D478E}" type="datetimeFigureOut">
+            <a:fld id="{DEDA17D1-6590-4570-9DF1-29A4B3C6B8EE}" type="datetimeFigureOut">
               <a:rPr lang="zh-CN" altLang="en-US" smtClean="0"/>
-              <a:t>2024/3/21</a:t>
+              <a:t>2024/3/22</a:t>
             </a:fld>
             <a:endParaRPr lang="zh-CN" altLang="en-US"/>
           </a:p>
@@ -1415,7 +1416,7 @@
           <p:cNvPr id="6" name="页脚占位符 5">
             <a:extLst>
               <a:ext uri="{FF2B5EF4-FFF2-40B4-BE49-F238E27FC236}">
-                <a16:creationId xmlns:a16="http://schemas.microsoft.com/office/drawing/2014/main" id="{4C217E2B-D5C0-FA0F-9DEF-037C65519A39}"/>
+                <a16:creationId xmlns:a16="http://schemas.microsoft.com/office/drawing/2014/main" id="{8678FA37-48A5-5277-C7EA-BB0D7C85B7CB}"/>
               </a:ext>
             </a:extLst>
           </p:cNvPr>
@@ -1440,7 +1441,7 @@
           <p:cNvPr id="7" name="灯片编号占位符 6">
             <a:extLst>
               <a:ext uri="{FF2B5EF4-FFF2-40B4-BE49-F238E27FC236}">
-                <a16:creationId xmlns:a16="http://schemas.microsoft.com/office/drawing/2014/main" id="{FFC17C0D-78BA-C64B-B2E8-BD51E9D91438}"/>
+                <a16:creationId xmlns:a16="http://schemas.microsoft.com/office/drawing/2014/main" id="{31B63173-B07A-1E0E-E44A-70DD961D4059}"/>
               </a:ext>
             </a:extLst>
           </p:cNvPr>
@@ -1456,7 +1457,7 @@
           <a:bodyPr/>
           <a:lstStyle/>
           <a:p>
-            <a:fld id="{92F1B0B4-3451-42A4-B1EF-A32FF0F4B632}" type="slidenum">
+            <a:fld id="{2ED1A831-4F8E-4053-B593-46016C4082BA}" type="slidenum">
               <a:rPr lang="zh-CN" altLang="en-US" smtClean="0"/>
               <a:t>‹#›</a:t>
             </a:fld>
@@ -1467,7 +1468,7 @@
     </p:spTree>
     <p:extLst>
       <p:ext uri="{BB962C8B-B14F-4D97-AF65-F5344CB8AC3E}">
-        <p14:creationId xmlns:p14="http://schemas.microsoft.com/office/powerpoint/2010/main" val="3392339241"/>
+        <p14:creationId xmlns:p14="http://schemas.microsoft.com/office/powerpoint/2010/main" val="659556514"/>
       </p:ext>
     </p:extLst>
   </p:cSld>
@@ -1499,7 +1500,7 @@
           <p:cNvPr id="2" name="标题 1">
             <a:extLst>
               <a:ext uri="{FF2B5EF4-FFF2-40B4-BE49-F238E27FC236}">
-                <a16:creationId xmlns:a16="http://schemas.microsoft.com/office/drawing/2014/main" id="{C9A4CADF-8F1B-FF35-7F78-F03DAA4CC498}"/>
+                <a16:creationId xmlns:a16="http://schemas.microsoft.com/office/drawing/2014/main" id="{B0F472AC-7748-3A4A-C6A3-163A65836712}"/>
               </a:ext>
             </a:extLst>
           </p:cNvPr>
@@ -1532,7 +1533,7 @@
           <p:cNvPr id="3" name="文本占位符 2">
             <a:extLst>
               <a:ext uri="{FF2B5EF4-FFF2-40B4-BE49-F238E27FC236}">
-                <a16:creationId xmlns:a16="http://schemas.microsoft.com/office/drawing/2014/main" id="{331FCB94-727F-F8DE-EB98-6FE36FBD9220}"/>
+                <a16:creationId xmlns:a16="http://schemas.microsoft.com/office/drawing/2014/main" id="{305FAA42-3A8D-45AE-35F7-EC47E381A803}"/>
               </a:ext>
             </a:extLst>
           </p:cNvPr>
@@ -1603,7 +1604,7 @@
           <p:cNvPr id="4" name="内容占位符 3">
             <a:extLst>
               <a:ext uri="{FF2B5EF4-FFF2-40B4-BE49-F238E27FC236}">
-                <a16:creationId xmlns:a16="http://schemas.microsoft.com/office/drawing/2014/main" id="{0D08B90D-B9DA-4C2B-7255-64A72A28BBE5}"/>
+                <a16:creationId xmlns:a16="http://schemas.microsoft.com/office/drawing/2014/main" id="{4262F4B8-CE62-035C-BDB6-C1EEB9040B8D}"/>
               </a:ext>
             </a:extLst>
           </p:cNvPr>
@@ -1665,7 +1666,7 @@
           <p:cNvPr id="5" name="文本占位符 4">
             <a:extLst>
               <a:ext uri="{FF2B5EF4-FFF2-40B4-BE49-F238E27FC236}">
-                <a16:creationId xmlns:a16="http://schemas.microsoft.com/office/drawing/2014/main" id="{275091B5-5530-2829-0995-2012036F253C}"/>
+                <a16:creationId xmlns:a16="http://schemas.microsoft.com/office/drawing/2014/main" id="{E0021769-E560-19EC-A014-CF59E4AB3026}"/>
               </a:ext>
             </a:extLst>
           </p:cNvPr>
@@ -1736,7 +1737,7 @@
           <p:cNvPr id="6" name="内容占位符 5">
             <a:extLst>
               <a:ext uri="{FF2B5EF4-FFF2-40B4-BE49-F238E27FC236}">
-                <a16:creationId xmlns:a16="http://schemas.microsoft.com/office/drawing/2014/main" id="{C8C73343-51DA-65AE-542F-D3D5B9263B29}"/>
+                <a16:creationId xmlns:a16="http://schemas.microsoft.com/office/drawing/2014/main" id="{F85177DF-55C1-E6DE-A64C-72FDA3099D4B}"/>
               </a:ext>
             </a:extLst>
           </p:cNvPr>
@@ -1798,7 +1799,7 @@
           <p:cNvPr id="7" name="日期占位符 6">
             <a:extLst>
               <a:ext uri="{FF2B5EF4-FFF2-40B4-BE49-F238E27FC236}">
-                <a16:creationId xmlns:a16="http://schemas.microsoft.com/office/drawing/2014/main" id="{88C0BE48-D111-4102-44D4-ECEAFB61A0C3}"/>
+                <a16:creationId xmlns:a16="http://schemas.microsoft.com/office/drawing/2014/main" id="{6380D2A3-9D44-5139-19E9-5E7DAD01DCC0}"/>
               </a:ext>
             </a:extLst>
           </p:cNvPr>
@@ -1814,9 +1815,9 @@
           <a:bodyPr/>
           <a:lstStyle/>
           <a:p>
-            <a:fld id="{8824DD16-84C3-49D6-AC01-26B8500D478E}" type="datetimeFigureOut">
+            <a:fld id="{DEDA17D1-6590-4570-9DF1-29A4B3C6B8EE}" type="datetimeFigureOut">
               <a:rPr lang="zh-CN" altLang="en-US" smtClean="0"/>
-              <a:t>2024/3/21</a:t>
+              <a:t>2024/3/22</a:t>
             </a:fld>
             <a:endParaRPr lang="zh-CN" altLang="en-US"/>
           </a:p>
@@ -1827,7 +1828,7 @@
           <p:cNvPr id="8" name="页脚占位符 7">
             <a:extLst>
               <a:ext uri="{FF2B5EF4-FFF2-40B4-BE49-F238E27FC236}">
-                <a16:creationId xmlns:a16="http://schemas.microsoft.com/office/drawing/2014/main" id="{E77B5B47-E0FB-CE03-630A-1C29B944D64A}"/>
+                <a16:creationId xmlns:a16="http://schemas.microsoft.com/office/drawing/2014/main" id="{20437EFE-431A-D65C-A2E7-063FEEF8A098}"/>
               </a:ext>
             </a:extLst>
           </p:cNvPr>
@@ -1852,7 +1853,7 @@
           <p:cNvPr id="9" name="灯片编号占位符 8">
             <a:extLst>
               <a:ext uri="{FF2B5EF4-FFF2-40B4-BE49-F238E27FC236}">
-                <a16:creationId xmlns:a16="http://schemas.microsoft.com/office/drawing/2014/main" id="{6EBC19CB-551B-7A4D-67F0-0D877113C81C}"/>
+                <a16:creationId xmlns:a16="http://schemas.microsoft.com/office/drawing/2014/main" id="{DA6F7527-241A-4F5D-45D9-A671ACDF7D04}"/>
               </a:ext>
             </a:extLst>
           </p:cNvPr>
@@ -1868,7 +1869,7 @@
           <a:bodyPr/>
           <a:lstStyle/>
           <a:p>
-            <a:fld id="{92F1B0B4-3451-42A4-B1EF-A32FF0F4B632}" type="slidenum">
+            <a:fld id="{2ED1A831-4F8E-4053-B593-46016C4082BA}" type="slidenum">
               <a:rPr lang="zh-CN" altLang="en-US" smtClean="0"/>
               <a:t>‹#›</a:t>
             </a:fld>
@@ -1879,7 +1880,7 @@
     </p:spTree>
     <p:extLst>
       <p:ext uri="{BB962C8B-B14F-4D97-AF65-F5344CB8AC3E}">
-        <p14:creationId xmlns:p14="http://schemas.microsoft.com/office/powerpoint/2010/main" val="1534846439"/>
+        <p14:creationId xmlns:p14="http://schemas.microsoft.com/office/powerpoint/2010/main" val="770444760"/>
       </p:ext>
     </p:extLst>
   </p:cSld>
@@ -1892,6 +1893,14 @@
 <file path=ppt/slideLayouts/slideLayout6.xml><?xml version="1.0" encoding="utf-8"?>
 <p:sldLayout xmlns:a="http://schemas.openxmlformats.org/drawingml/2006/main" xmlns:r="http://schemas.openxmlformats.org/officeDocument/2006/relationships" xmlns:p="http://schemas.openxmlformats.org/presentationml/2006/main" type="titleOnly" preserve="1">
   <p:cSld name="仅标题">
+    <p:bg>
+      <p:bgPr>
+        <a:solidFill>
+          <a:schemeClr val="tx1"/>
+        </a:solidFill>
+        <a:effectLst/>
+      </p:bgPr>
+    </p:bg>
     <p:spTree>
       <p:nvGrpSpPr>
         <p:cNvPr id="1" name=""/>
@@ -1911,7 +1920,7 @@
           <p:cNvPr id="2" name="标题 1">
             <a:extLst>
               <a:ext uri="{FF2B5EF4-FFF2-40B4-BE49-F238E27FC236}">
-                <a16:creationId xmlns:a16="http://schemas.microsoft.com/office/drawing/2014/main" id="{1A6FAE4F-E9AC-2448-E53B-0F131A11B768}"/>
+                <a16:creationId xmlns:a16="http://schemas.microsoft.com/office/drawing/2014/main" id="{9EDEA76D-4C96-E111-9C0B-C826D6759A2C}"/>
               </a:ext>
             </a:extLst>
           </p:cNvPr>
@@ -1939,7 +1948,7 @@
           <p:cNvPr id="3" name="日期占位符 2">
             <a:extLst>
               <a:ext uri="{FF2B5EF4-FFF2-40B4-BE49-F238E27FC236}">
-                <a16:creationId xmlns:a16="http://schemas.microsoft.com/office/drawing/2014/main" id="{96775D0E-57C0-2BF0-D32C-DBA02927AF2C}"/>
+                <a16:creationId xmlns:a16="http://schemas.microsoft.com/office/drawing/2014/main" id="{3039F3C4-90B1-0E7D-B4F4-A1B9B4FB6A30}"/>
               </a:ext>
             </a:extLst>
           </p:cNvPr>
@@ -1955,9 +1964,9 @@
           <a:bodyPr/>
           <a:lstStyle/>
           <a:p>
-            <a:fld id="{8824DD16-84C3-49D6-AC01-26B8500D478E}" type="datetimeFigureOut">
+            <a:fld id="{DEDA17D1-6590-4570-9DF1-29A4B3C6B8EE}" type="datetimeFigureOut">
               <a:rPr lang="zh-CN" altLang="en-US" smtClean="0"/>
-              <a:t>2024/3/21</a:t>
+              <a:t>2024/3/22</a:t>
             </a:fld>
             <a:endParaRPr lang="zh-CN" altLang="en-US"/>
           </a:p>
@@ -1968,7 +1977,7 @@
           <p:cNvPr id="4" name="页脚占位符 3">
             <a:extLst>
               <a:ext uri="{FF2B5EF4-FFF2-40B4-BE49-F238E27FC236}">
-                <a16:creationId xmlns:a16="http://schemas.microsoft.com/office/drawing/2014/main" id="{43CB5555-894D-8D65-54DE-E93CA1FBD416}"/>
+                <a16:creationId xmlns:a16="http://schemas.microsoft.com/office/drawing/2014/main" id="{57017848-A766-F188-66A7-C9036AE11537}"/>
               </a:ext>
             </a:extLst>
           </p:cNvPr>
@@ -1993,7 +2002,7 @@
           <p:cNvPr id="5" name="灯片编号占位符 4">
             <a:extLst>
               <a:ext uri="{FF2B5EF4-FFF2-40B4-BE49-F238E27FC236}">
-                <a16:creationId xmlns:a16="http://schemas.microsoft.com/office/drawing/2014/main" id="{B8E82E63-0821-99D4-2B1D-156D8694270D}"/>
+                <a16:creationId xmlns:a16="http://schemas.microsoft.com/office/drawing/2014/main" id="{FF1F5FB8-8665-BEAF-617D-9984DB13B345}"/>
               </a:ext>
             </a:extLst>
           </p:cNvPr>
@@ -2009,7 +2018,7 @@
           <a:bodyPr/>
           <a:lstStyle/>
           <a:p>
-            <a:fld id="{92F1B0B4-3451-42A4-B1EF-A32FF0F4B632}" type="slidenum">
+            <a:fld id="{2ED1A831-4F8E-4053-B593-46016C4082BA}" type="slidenum">
               <a:rPr lang="zh-CN" altLang="en-US" smtClean="0"/>
               <a:t>‹#›</a:t>
             </a:fld>
@@ -2020,7 +2029,7 @@
     </p:spTree>
     <p:extLst>
       <p:ext uri="{BB962C8B-B14F-4D97-AF65-F5344CB8AC3E}">
-        <p14:creationId xmlns:p14="http://schemas.microsoft.com/office/powerpoint/2010/main" val="2558036100"/>
+        <p14:creationId xmlns:p14="http://schemas.microsoft.com/office/powerpoint/2010/main" val="2201230448"/>
       </p:ext>
     </p:extLst>
   </p:cSld>
@@ -2052,7 +2061,7 @@
           <p:cNvPr id="2" name="日期占位符 1">
             <a:extLst>
               <a:ext uri="{FF2B5EF4-FFF2-40B4-BE49-F238E27FC236}">
-                <a16:creationId xmlns:a16="http://schemas.microsoft.com/office/drawing/2014/main" id="{EE98C1EA-FA93-7A19-F03C-1A064B7B1652}"/>
+                <a16:creationId xmlns:a16="http://schemas.microsoft.com/office/drawing/2014/main" id="{DD90C0F2-48BD-4D88-846A-3D85B0253086}"/>
               </a:ext>
             </a:extLst>
           </p:cNvPr>
@@ -2068,9 +2077,9 @@
           <a:bodyPr/>
           <a:lstStyle/>
           <a:p>
-            <a:fld id="{8824DD16-84C3-49D6-AC01-26B8500D478E}" type="datetimeFigureOut">
+            <a:fld id="{DEDA17D1-6590-4570-9DF1-29A4B3C6B8EE}" type="datetimeFigureOut">
               <a:rPr lang="zh-CN" altLang="en-US" smtClean="0"/>
-              <a:t>2024/3/21</a:t>
+              <a:t>2024/3/22</a:t>
             </a:fld>
             <a:endParaRPr lang="zh-CN" altLang="en-US"/>
           </a:p>
@@ -2081,7 +2090,7 @@
           <p:cNvPr id="3" name="页脚占位符 2">
             <a:extLst>
               <a:ext uri="{FF2B5EF4-FFF2-40B4-BE49-F238E27FC236}">
-                <a16:creationId xmlns:a16="http://schemas.microsoft.com/office/drawing/2014/main" id="{FD930840-40B1-DF25-336F-CAEE38833E2F}"/>
+                <a16:creationId xmlns:a16="http://schemas.microsoft.com/office/drawing/2014/main" id="{329E9F8C-09A6-083F-DCA4-9EE5D9F16280}"/>
               </a:ext>
             </a:extLst>
           </p:cNvPr>
@@ -2106,7 +2115,7 @@
           <p:cNvPr id="4" name="灯片编号占位符 3">
             <a:extLst>
               <a:ext uri="{FF2B5EF4-FFF2-40B4-BE49-F238E27FC236}">
-                <a16:creationId xmlns:a16="http://schemas.microsoft.com/office/drawing/2014/main" id="{DA88BE81-224D-1048-0908-060797F4506D}"/>
+                <a16:creationId xmlns:a16="http://schemas.microsoft.com/office/drawing/2014/main" id="{1309C500-718C-8697-4770-ADB81EE2953C}"/>
               </a:ext>
             </a:extLst>
           </p:cNvPr>
@@ -2122,7 +2131,7 @@
           <a:bodyPr/>
           <a:lstStyle/>
           <a:p>
-            <a:fld id="{92F1B0B4-3451-42A4-B1EF-A32FF0F4B632}" type="slidenum">
+            <a:fld id="{2ED1A831-4F8E-4053-B593-46016C4082BA}" type="slidenum">
               <a:rPr lang="zh-CN" altLang="en-US" smtClean="0"/>
               <a:t>‹#›</a:t>
             </a:fld>
@@ -2133,7 +2142,7 @@
     </p:spTree>
     <p:extLst>
       <p:ext uri="{BB962C8B-B14F-4D97-AF65-F5344CB8AC3E}">
-        <p14:creationId xmlns:p14="http://schemas.microsoft.com/office/powerpoint/2010/main" val="3866599543"/>
+        <p14:creationId xmlns:p14="http://schemas.microsoft.com/office/powerpoint/2010/main" val="1861000207"/>
       </p:ext>
     </p:extLst>
   </p:cSld>
@@ -2165,7 +2174,7 @@
           <p:cNvPr id="2" name="标题 1">
             <a:extLst>
               <a:ext uri="{FF2B5EF4-FFF2-40B4-BE49-F238E27FC236}">
-                <a16:creationId xmlns:a16="http://schemas.microsoft.com/office/drawing/2014/main" id="{2DE1DEF4-C785-49DB-5C91-04FD91747057}"/>
+                <a16:creationId xmlns:a16="http://schemas.microsoft.com/office/drawing/2014/main" id="{F28158EF-C530-2CAE-8E96-65BCB3BF1BAA}"/>
               </a:ext>
             </a:extLst>
           </p:cNvPr>
@@ -2202,7 +2211,7 @@
           <p:cNvPr id="3" name="内容占位符 2">
             <a:extLst>
               <a:ext uri="{FF2B5EF4-FFF2-40B4-BE49-F238E27FC236}">
-                <a16:creationId xmlns:a16="http://schemas.microsoft.com/office/drawing/2014/main" id="{1D2A99FE-B478-9C6A-CB3B-68A551ADBC9B}"/>
+                <a16:creationId xmlns:a16="http://schemas.microsoft.com/office/drawing/2014/main" id="{E81ACA99-101D-817A-0EB0-DF19D07B9586}"/>
               </a:ext>
             </a:extLst>
           </p:cNvPr>
@@ -2292,7 +2301,7 @@
           <p:cNvPr id="4" name="文本占位符 3">
             <a:extLst>
               <a:ext uri="{FF2B5EF4-FFF2-40B4-BE49-F238E27FC236}">
-                <a16:creationId xmlns:a16="http://schemas.microsoft.com/office/drawing/2014/main" id="{2A35E96F-4B9D-1123-C620-437977C896A6}"/>
+                <a16:creationId xmlns:a16="http://schemas.microsoft.com/office/drawing/2014/main" id="{F8C9F690-0C9B-2CD6-E217-0E519DF3CA92}"/>
               </a:ext>
             </a:extLst>
           </p:cNvPr>
@@ -2363,7 +2372,7 @@
           <p:cNvPr id="5" name="日期占位符 4">
             <a:extLst>
               <a:ext uri="{FF2B5EF4-FFF2-40B4-BE49-F238E27FC236}">
-                <a16:creationId xmlns:a16="http://schemas.microsoft.com/office/drawing/2014/main" id="{8A8276EF-9E05-33BD-1E78-C4505D74EA3B}"/>
+                <a16:creationId xmlns:a16="http://schemas.microsoft.com/office/drawing/2014/main" id="{C5A2C0A4-F4F6-F128-59D4-C74B8FAEE854}"/>
               </a:ext>
             </a:extLst>
           </p:cNvPr>
@@ -2379,9 +2388,9 @@
           <a:bodyPr/>
           <a:lstStyle/>
           <a:p>
-            <a:fld id="{8824DD16-84C3-49D6-AC01-26B8500D478E}" type="datetimeFigureOut">
+            <a:fld id="{DEDA17D1-6590-4570-9DF1-29A4B3C6B8EE}" type="datetimeFigureOut">
               <a:rPr lang="zh-CN" altLang="en-US" smtClean="0"/>
-              <a:t>2024/3/21</a:t>
+              <a:t>2024/3/22</a:t>
             </a:fld>
             <a:endParaRPr lang="zh-CN" altLang="en-US"/>
           </a:p>
@@ -2392,7 +2401,7 @@
           <p:cNvPr id="6" name="页脚占位符 5">
             <a:extLst>
               <a:ext uri="{FF2B5EF4-FFF2-40B4-BE49-F238E27FC236}">
-                <a16:creationId xmlns:a16="http://schemas.microsoft.com/office/drawing/2014/main" id="{502148D8-9B8F-41CC-F867-35A9F75DE632}"/>
+                <a16:creationId xmlns:a16="http://schemas.microsoft.com/office/drawing/2014/main" id="{18B29223-3F1D-1191-E1B9-FD44035EFF70}"/>
               </a:ext>
             </a:extLst>
           </p:cNvPr>
@@ -2417,7 +2426,7 @@
           <p:cNvPr id="7" name="灯片编号占位符 6">
             <a:extLst>
               <a:ext uri="{FF2B5EF4-FFF2-40B4-BE49-F238E27FC236}">
-                <a16:creationId xmlns:a16="http://schemas.microsoft.com/office/drawing/2014/main" id="{66287709-CD2C-43EA-511F-A1A2DA7091BF}"/>
+                <a16:creationId xmlns:a16="http://schemas.microsoft.com/office/drawing/2014/main" id="{AE90548B-3F67-2DFB-7053-19BECE55C2B5}"/>
               </a:ext>
             </a:extLst>
           </p:cNvPr>
@@ -2433,7 +2442,7 @@
           <a:bodyPr/>
           <a:lstStyle/>
           <a:p>
-            <a:fld id="{92F1B0B4-3451-42A4-B1EF-A32FF0F4B632}" type="slidenum">
+            <a:fld id="{2ED1A831-4F8E-4053-B593-46016C4082BA}" type="slidenum">
               <a:rPr lang="zh-CN" altLang="en-US" smtClean="0"/>
               <a:t>‹#›</a:t>
             </a:fld>
@@ -2444,7 +2453,7 @@
     </p:spTree>
     <p:extLst>
       <p:ext uri="{BB962C8B-B14F-4D97-AF65-F5344CB8AC3E}">
-        <p14:creationId xmlns:p14="http://schemas.microsoft.com/office/powerpoint/2010/main" val="3024013049"/>
+        <p14:creationId xmlns:p14="http://schemas.microsoft.com/office/powerpoint/2010/main" val="77120137"/>
       </p:ext>
     </p:extLst>
   </p:cSld>
@@ -2476,7 +2485,7 @@
           <p:cNvPr id="2" name="标题 1">
             <a:extLst>
               <a:ext uri="{FF2B5EF4-FFF2-40B4-BE49-F238E27FC236}">
-                <a16:creationId xmlns:a16="http://schemas.microsoft.com/office/drawing/2014/main" id="{3E5C14F3-8745-F290-15CE-7BA608730704}"/>
+                <a16:creationId xmlns:a16="http://schemas.microsoft.com/office/drawing/2014/main" id="{6C14468B-693F-29A6-4EB7-5BF8BB7F0B6B}"/>
               </a:ext>
             </a:extLst>
           </p:cNvPr>
@@ -2513,7 +2522,7 @@
           <p:cNvPr id="3" name="图片占位符 2">
             <a:extLst>
               <a:ext uri="{FF2B5EF4-FFF2-40B4-BE49-F238E27FC236}">
-                <a16:creationId xmlns:a16="http://schemas.microsoft.com/office/drawing/2014/main" id="{1BFCE7E4-84D2-2B7A-C99E-A47C1F324D45}"/>
+                <a16:creationId xmlns:a16="http://schemas.microsoft.com/office/drawing/2014/main" id="{1945F1E3-5AC4-CA6E-C035-1748C3EF71E2}"/>
               </a:ext>
             </a:extLst>
           </p:cNvPr>
@@ -2580,7 +2589,7 @@
           <p:cNvPr id="4" name="文本占位符 3">
             <a:extLst>
               <a:ext uri="{FF2B5EF4-FFF2-40B4-BE49-F238E27FC236}">
-                <a16:creationId xmlns:a16="http://schemas.microsoft.com/office/drawing/2014/main" id="{54A1D5C6-F234-1F17-B362-229F536F024C}"/>
+                <a16:creationId xmlns:a16="http://schemas.microsoft.com/office/drawing/2014/main" id="{721C630A-5E7C-08B6-B138-8C654C1C0F44}"/>
               </a:ext>
             </a:extLst>
           </p:cNvPr>
@@ -2651,7 +2660,7 @@
           <p:cNvPr id="5" name="日期占位符 4">
             <a:extLst>
               <a:ext uri="{FF2B5EF4-FFF2-40B4-BE49-F238E27FC236}">
-                <a16:creationId xmlns:a16="http://schemas.microsoft.com/office/drawing/2014/main" id="{7F9D039E-CA83-94FC-51CC-2ED7081B576D}"/>
+                <a16:creationId xmlns:a16="http://schemas.microsoft.com/office/drawing/2014/main" id="{5C5C68B8-F32F-60E5-2BFF-1617D7DB1BF8}"/>
               </a:ext>
             </a:extLst>
           </p:cNvPr>
@@ -2667,9 +2676,9 @@
           <a:bodyPr/>
           <a:lstStyle/>
           <a:p>
-            <a:fld id="{8824DD16-84C3-49D6-AC01-26B8500D478E}" type="datetimeFigureOut">
+            <a:fld id="{DEDA17D1-6590-4570-9DF1-29A4B3C6B8EE}" type="datetimeFigureOut">
               <a:rPr lang="zh-CN" altLang="en-US" smtClean="0"/>
-              <a:t>2024/3/21</a:t>
+              <a:t>2024/3/22</a:t>
             </a:fld>
             <a:endParaRPr lang="zh-CN" altLang="en-US"/>
           </a:p>
@@ -2680,7 +2689,7 @@
           <p:cNvPr id="6" name="页脚占位符 5">
             <a:extLst>
               <a:ext uri="{FF2B5EF4-FFF2-40B4-BE49-F238E27FC236}">
-                <a16:creationId xmlns:a16="http://schemas.microsoft.com/office/drawing/2014/main" id="{80200A07-0426-5F7A-8F54-069A40B9A261}"/>
+                <a16:creationId xmlns:a16="http://schemas.microsoft.com/office/drawing/2014/main" id="{22DF9FD9-2A3D-CA71-1D2F-CADE20AF00F2}"/>
               </a:ext>
             </a:extLst>
           </p:cNvPr>
@@ -2705,7 +2714,7 @@
           <p:cNvPr id="7" name="灯片编号占位符 6">
             <a:extLst>
               <a:ext uri="{FF2B5EF4-FFF2-40B4-BE49-F238E27FC236}">
-                <a16:creationId xmlns:a16="http://schemas.microsoft.com/office/drawing/2014/main" id="{16096D65-F547-5CB9-05E4-BFA01DC88891}"/>
+                <a16:creationId xmlns:a16="http://schemas.microsoft.com/office/drawing/2014/main" id="{496A3D6E-EF60-107A-CDF2-D83D86C147C1}"/>
               </a:ext>
             </a:extLst>
           </p:cNvPr>
@@ -2721,7 +2730,7 @@
           <a:bodyPr/>
           <a:lstStyle/>
           <a:p>
-            <a:fld id="{92F1B0B4-3451-42A4-B1EF-A32FF0F4B632}" type="slidenum">
+            <a:fld id="{2ED1A831-4F8E-4053-B593-46016C4082BA}" type="slidenum">
               <a:rPr lang="zh-CN" altLang="en-US" smtClean="0"/>
               <a:t>‹#›</a:t>
             </a:fld>
@@ -2732,7 +2741,7 @@
     </p:spTree>
     <p:extLst>
       <p:ext uri="{BB962C8B-B14F-4D97-AF65-F5344CB8AC3E}">
-        <p14:creationId xmlns:p14="http://schemas.microsoft.com/office/powerpoint/2010/main" val="1725302658"/>
+        <p14:creationId xmlns:p14="http://schemas.microsoft.com/office/powerpoint/2010/main" val="2801172886"/>
       </p:ext>
     </p:extLst>
   </p:cSld>
@@ -2743,7 +2752,7 @@
 </file>
 
 <file path=ppt/slideMasters/slideMaster1.xml><?xml version="1.0" encoding="utf-8"?>
-<p:sldMaster xmlns:a="http://schemas.openxmlformats.org/drawingml/2006/main" xmlns:r="http://schemas.openxmlformats.org/officeDocument/2006/relationships" xmlns:p="http://schemas.openxmlformats.org/presentationml/2006/main">
+<p:sldMaster xmlns:a="http://schemas.openxmlformats.org/drawingml/2006/main" xmlns:r="http://schemas.openxmlformats.org/officeDocument/2006/relationships" xmlns:p="http://schemas.openxmlformats.org/presentationml/2006/main" preserve="1">
   <p:cSld>
     <p:bg>
       <p:bgRef idx="1001">
@@ -2769,7 +2778,7 @@
           <p:cNvPr id="2" name="标题占位符 1">
             <a:extLst>
               <a:ext uri="{FF2B5EF4-FFF2-40B4-BE49-F238E27FC236}">
-                <a16:creationId xmlns:a16="http://schemas.microsoft.com/office/drawing/2014/main" id="{C73A9805-323F-936F-9008-C9D2E09B8528}"/>
+                <a16:creationId xmlns:a16="http://schemas.microsoft.com/office/drawing/2014/main" id="{AE6943D9-E511-4B9D-5303-E2C73BA49223}"/>
               </a:ext>
             </a:extLst>
           </p:cNvPr>
@@ -2807,7 +2816,7 @@
           <p:cNvPr id="3" name="文本占位符 2">
             <a:extLst>
               <a:ext uri="{FF2B5EF4-FFF2-40B4-BE49-F238E27FC236}">
-                <a16:creationId xmlns:a16="http://schemas.microsoft.com/office/drawing/2014/main" id="{6B24FC6E-BEB9-62D1-274D-6726CF88CFCB}"/>
+                <a16:creationId xmlns:a16="http://schemas.microsoft.com/office/drawing/2014/main" id="{74EE73ED-037A-D237-374F-3B4188EEA521}"/>
               </a:ext>
             </a:extLst>
           </p:cNvPr>
@@ -2874,7 +2883,7 @@
           <p:cNvPr id="4" name="日期占位符 3">
             <a:extLst>
               <a:ext uri="{FF2B5EF4-FFF2-40B4-BE49-F238E27FC236}">
-                <a16:creationId xmlns:a16="http://schemas.microsoft.com/office/drawing/2014/main" id="{C25FF1AB-0A13-47C4-AED7-4AE96FA348B7}"/>
+                <a16:creationId xmlns:a16="http://schemas.microsoft.com/office/drawing/2014/main" id="{1E95B3B5-F8E7-0AC3-F590-3D1B762A4A05}"/>
               </a:ext>
             </a:extLst>
           </p:cNvPr>
@@ -2908,9 +2917,9 @@
             </a:lvl1pPr>
           </a:lstStyle>
           <a:p>
-            <a:fld id="{8824DD16-84C3-49D6-AC01-26B8500D478E}" type="datetimeFigureOut">
+            <a:fld id="{DEDA17D1-6590-4570-9DF1-29A4B3C6B8EE}" type="datetimeFigureOut">
               <a:rPr lang="zh-CN" altLang="en-US" smtClean="0"/>
-              <a:t>2024/3/21</a:t>
+              <a:t>2024/3/22</a:t>
             </a:fld>
             <a:endParaRPr lang="zh-CN" altLang="en-US"/>
           </a:p>
@@ -2921,7 +2930,7 @@
           <p:cNvPr id="5" name="页脚占位符 4">
             <a:extLst>
               <a:ext uri="{FF2B5EF4-FFF2-40B4-BE49-F238E27FC236}">
-                <a16:creationId xmlns:a16="http://schemas.microsoft.com/office/drawing/2014/main" id="{4D29A273-7AFC-03FF-F8EF-E62859A83AAF}"/>
+                <a16:creationId xmlns:a16="http://schemas.microsoft.com/office/drawing/2014/main" id="{2B1A4F07-B0A1-EEF7-47AD-F3D548E473BF}"/>
               </a:ext>
             </a:extLst>
           </p:cNvPr>
@@ -2964,7 +2973,7 @@
           <p:cNvPr id="6" name="灯片编号占位符 5">
             <a:extLst>
               <a:ext uri="{FF2B5EF4-FFF2-40B4-BE49-F238E27FC236}">
-                <a16:creationId xmlns:a16="http://schemas.microsoft.com/office/drawing/2014/main" id="{06E84021-D515-E339-1513-6A2D29728CE5}"/>
+                <a16:creationId xmlns:a16="http://schemas.microsoft.com/office/drawing/2014/main" id="{BAB90E36-B191-B716-B52A-00E2EFB57946}"/>
               </a:ext>
             </a:extLst>
           </p:cNvPr>
@@ -2998,7 +3007,7 @@
             </a:lvl1pPr>
           </a:lstStyle>
           <a:p>
-            <a:fld id="{92F1B0B4-3451-42A4-B1EF-A32FF0F4B632}" type="slidenum">
+            <a:fld id="{2ED1A831-4F8E-4053-B593-46016C4082BA}" type="slidenum">
               <a:rPr lang="zh-CN" altLang="en-US" smtClean="0"/>
               <a:t>‹#›</a:t>
             </a:fld>
@@ -3009,23 +3018,23 @@
     </p:spTree>
     <p:extLst>
       <p:ext uri="{BB962C8B-B14F-4D97-AF65-F5344CB8AC3E}">
-        <p14:creationId xmlns:p14="http://schemas.microsoft.com/office/powerpoint/2010/main" val="4115257302"/>
+        <p14:creationId xmlns:p14="http://schemas.microsoft.com/office/powerpoint/2010/main" val="624802757"/>
       </p:ext>
     </p:extLst>
   </p:cSld>
-  <p:clrMap bg1="lt1" tx1="dk1" bg2="lt2" tx2="dk2" accent1="accent1" accent2="accent2" accent3="accent3" accent4="accent4" accent5="accent5" accent6="accent6" hlink="hlink" folHlink="folHlink"/>
+  <p:clrMap bg1="dk1" tx1="lt1" bg2="dk2" tx2="lt2" accent1="accent1" accent2="accent2" accent3="accent3" accent4="accent4" accent5="accent5" accent6="accent6" hlink="hlink" folHlink="folHlink"/>
   <p:sldLayoutIdLst>
-    <p:sldLayoutId id="2147483649" r:id="rId1"/>
-    <p:sldLayoutId id="2147483650" r:id="rId2"/>
-    <p:sldLayoutId id="2147483651" r:id="rId3"/>
-    <p:sldLayoutId id="2147483652" r:id="rId4"/>
-    <p:sldLayoutId id="2147483653" r:id="rId5"/>
-    <p:sldLayoutId id="2147483654" r:id="rId6"/>
-    <p:sldLayoutId id="2147483655" r:id="rId7"/>
-    <p:sldLayoutId id="2147483656" r:id="rId8"/>
-    <p:sldLayoutId id="2147483657" r:id="rId9"/>
-    <p:sldLayoutId id="2147483658" r:id="rId10"/>
-    <p:sldLayoutId id="2147483659" r:id="rId11"/>
+    <p:sldLayoutId id="2147483678" r:id="rId1"/>
+    <p:sldLayoutId id="2147483679" r:id="rId2"/>
+    <p:sldLayoutId id="2147483680" r:id="rId3"/>
+    <p:sldLayoutId id="2147483681" r:id="rId4"/>
+    <p:sldLayoutId id="2147483682" r:id="rId5"/>
+    <p:sldLayoutId id="2147483683" r:id="rId6"/>
+    <p:sldLayoutId id="2147483684" r:id="rId7"/>
+    <p:sldLayoutId id="2147483685" r:id="rId8"/>
+    <p:sldLayoutId id="2147483686" r:id="rId9"/>
+    <p:sldLayoutId id="2147483687" r:id="rId10"/>
+    <p:sldLayoutId id="2147483688" r:id="rId11"/>
   </p:sldLayoutIdLst>
   <p:txStyles>
     <p:titleStyle>
@@ -4135,8 +4144,163 @@
 </p:sld>
 </file>
 
+<file path=ppt/slides/slide3.xml><?xml version="1.0" encoding="utf-8"?>
+<p:sld xmlns:a="http://schemas.openxmlformats.org/drawingml/2006/main" xmlns:r="http://schemas.openxmlformats.org/officeDocument/2006/relationships" xmlns:p="http://schemas.openxmlformats.org/presentationml/2006/main">
+  <p:cSld>
+    <p:spTree>
+      <p:nvGrpSpPr>
+        <p:cNvPr id="1" name=""/>
+        <p:cNvGrpSpPr/>
+        <p:nvPr/>
+      </p:nvGrpSpPr>
+      <p:grpSpPr>
+        <a:xfrm>
+          <a:off x="0" y="0"/>
+          <a:ext cx="0" cy="0"/>
+          <a:chOff x="0" y="0"/>
+          <a:chExt cx="0" cy="0"/>
+        </a:xfrm>
+      </p:grpSpPr>
+      <p:sp>
+        <p:nvSpPr>
+          <p:cNvPr id="5" name="标题 4">
+            <a:extLst>
+              <a:ext uri="{FF2B5EF4-FFF2-40B4-BE49-F238E27FC236}">
+                <a16:creationId xmlns:a16="http://schemas.microsoft.com/office/drawing/2014/main" id="{C85F24E0-9F02-DB2E-4775-FC3617B1918E}"/>
+              </a:ext>
+            </a:extLst>
+          </p:cNvPr>
+          <p:cNvSpPr>
+            <a:spLocks noGrp="1"/>
+          </p:cNvSpPr>
+          <p:nvPr>
+            <p:ph type="title"/>
+          </p:nvPr>
+        </p:nvSpPr>
+        <p:spPr/>
+        <p:txBody>
+          <a:bodyPr/>
+          <a:lstStyle/>
+          <a:p>
+            <a:endParaRPr lang="zh-CN" altLang="en-US"/>
+          </a:p>
+        </p:txBody>
+      </p:sp>
+      <p:sp>
+        <p:nvSpPr>
+          <p:cNvPr id="6" name="文本占位符 5">
+            <a:extLst>
+              <a:ext uri="{FF2B5EF4-FFF2-40B4-BE49-F238E27FC236}">
+                <a16:creationId xmlns:a16="http://schemas.microsoft.com/office/drawing/2014/main" id="{B8CA01B8-EE1C-34AC-3B60-85362F6981E7}"/>
+              </a:ext>
+            </a:extLst>
+          </p:cNvPr>
+          <p:cNvSpPr>
+            <a:spLocks noGrp="1"/>
+          </p:cNvSpPr>
+          <p:nvPr>
+            <p:ph type="body" idx="1"/>
+          </p:nvPr>
+        </p:nvSpPr>
+        <p:spPr/>
+        <p:txBody>
+          <a:bodyPr/>
+          <a:lstStyle/>
+          <a:p>
+            <a:endParaRPr lang="zh-CN" altLang="en-US"/>
+          </a:p>
+        </p:txBody>
+      </p:sp>
+      <p:sp>
+        <p:nvSpPr>
+          <p:cNvPr id="7" name="内容占位符 6">
+            <a:extLst>
+              <a:ext uri="{FF2B5EF4-FFF2-40B4-BE49-F238E27FC236}">
+                <a16:creationId xmlns:a16="http://schemas.microsoft.com/office/drawing/2014/main" id="{76193888-AD25-3DDB-38D3-243C1DBFBE64}"/>
+              </a:ext>
+            </a:extLst>
+          </p:cNvPr>
+          <p:cNvSpPr>
+            <a:spLocks noGrp="1"/>
+          </p:cNvSpPr>
+          <p:nvPr>
+            <p:ph sz="half" idx="2"/>
+          </p:nvPr>
+        </p:nvSpPr>
+        <p:spPr/>
+        <p:txBody>
+          <a:bodyPr/>
+          <a:lstStyle/>
+          <a:p>
+            <a:endParaRPr lang="zh-CN" altLang="en-US"/>
+          </a:p>
+        </p:txBody>
+      </p:sp>
+      <p:sp>
+        <p:nvSpPr>
+          <p:cNvPr id="8" name="文本占位符 7">
+            <a:extLst>
+              <a:ext uri="{FF2B5EF4-FFF2-40B4-BE49-F238E27FC236}">
+                <a16:creationId xmlns:a16="http://schemas.microsoft.com/office/drawing/2014/main" id="{092B3BD2-66AA-2E22-4AFC-7E6B923D5CF8}"/>
+              </a:ext>
+            </a:extLst>
+          </p:cNvPr>
+          <p:cNvSpPr>
+            <a:spLocks noGrp="1"/>
+          </p:cNvSpPr>
+          <p:nvPr>
+            <p:ph type="body" sz="quarter" idx="3"/>
+          </p:nvPr>
+        </p:nvSpPr>
+        <p:spPr/>
+        <p:txBody>
+          <a:bodyPr/>
+          <a:lstStyle/>
+          <a:p>
+            <a:endParaRPr lang="zh-CN" altLang="en-US"/>
+          </a:p>
+        </p:txBody>
+      </p:sp>
+      <p:sp>
+        <p:nvSpPr>
+          <p:cNvPr id="9" name="内容占位符 8">
+            <a:extLst>
+              <a:ext uri="{FF2B5EF4-FFF2-40B4-BE49-F238E27FC236}">
+                <a16:creationId xmlns:a16="http://schemas.microsoft.com/office/drawing/2014/main" id="{CB3466E4-31BA-B552-A761-04257785AA2C}"/>
+              </a:ext>
+            </a:extLst>
+          </p:cNvPr>
+          <p:cNvSpPr>
+            <a:spLocks noGrp="1"/>
+          </p:cNvSpPr>
+          <p:nvPr>
+            <p:ph sz="quarter" idx="4"/>
+          </p:nvPr>
+        </p:nvSpPr>
+        <p:spPr/>
+        <p:txBody>
+          <a:bodyPr/>
+          <a:lstStyle/>
+          <a:p>
+            <a:endParaRPr lang="zh-CN" altLang="en-US"/>
+          </a:p>
+        </p:txBody>
+      </p:sp>
+    </p:spTree>
+    <p:extLst>
+      <p:ext uri="{BB962C8B-B14F-4D97-AF65-F5344CB8AC3E}">
+        <p14:creationId xmlns:p14="http://schemas.microsoft.com/office/powerpoint/2010/main" val="465413360"/>
+      </p:ext>
+    </p:extLst>
+  </p:cSld>
+  <p:clrMapOvr>
+    <a:masterClrMapping/>
+  </p:clrMapOvr>
+</p:sld>
+</file>
+
 <file path=ppt/theme/theme1.xml><?xml version="1.0" encoding="utf-8"?>
-<a:theme xmlns:a="http://schemas.openxmlformats.org/drawingml/2006/main" name="Office 主题​​">
+<a:theme xmlns:a="http://schemas.openxmlformats.org/drawingml/2006/main" name="测试">
   <a:themeElements>
     <a:clrScheme name="Office">
       <a:dk1>

--- a/assets/ppt/simple.pptx
+++ b/assets/ppt/simple.pptx
@@ -1481,6 +1481,15 @@
 <file path=ppt/slideLayouts/slideLayout5.xml><?xml version="1.0" encoding="utf-8"?>
 <p:sldLayout xmlns:a="http://schemas.openxmlformats.org/drawingml/2006/main" xmlns:r="http://schemas.openxmlformats.org/officeDocument/2006/relationships" xmlns:p="http://schemas.openxmlformats.org/presentationml/2006/main" type="twoTxTwoObj" preserve="1">
   <p:cSld name="比较">
+    <p:bg>
+      <p:bgPr>
+        <a:blipFill>
+          <a:blip r:embed="rId2"/>
+          <a:tile tx="0" ty="0" sx="100000" sy="100000" flip="none" algn="tl"/>
+        </a:blipFill>
+        <a:effectLst/>
+      </p:bgPr>
+    </p:bg>
     <p:spTree>
       <p:nvGrpSpPr>
         <p:cNvPr id="1" name=""/>
@@ -1893,14 +1902,6 @@
 <file path=ppt/slideLayouts/slideLayout6.xml><?xml version="1.0" encoding="utf-8"?>
 <p:sldLayout xmlns:a="http://schemas.openxmlformats.org/drawingml/2006/main" xmlns:r="http://schemas.openxmlformats.org/officeDocument/2006/relationships" xmlns:p="http://schemas.openxmlformats.org/presentationml/2006/main" type="titleOnly" preserve="1">
   <p:cSld name="仅标题">
-    <p:bg>
-      <p:bgPr>
-        <a:solidFill>
-          <a:schemeClr val="tx1"/>
-        </a:solidFill>
-        <a:effectLst/>
-      </p:bgPr>
-    </p:bg>
     <p:spTree>
       <p:nvGrpSpPr>
         <p:cNvPr id="1" name=""/>
@@ -2755,9 +2756,39 @@
 <p:sldMaster xmlns:a="http://schemas.openxmlformats.org/drawingml/2006/main" xmlns:r="http://schemas.openxmlformats.org/officeDocument/2006/relationships" xmlns:p="http://schemas.openxmlformats.org/presentationml/2006/main" preserve="1">
   <p:cSld>
     <p:bg>
-      <p:bgRef idx="1001">
-        <a:schemeClr val="bg1"/>
-      </p:bgRef>
+      <p:bgPr>
+        <a:gradFill flip="none" rotWithShape="1">
+          <a:gsLst>
+            <a:gs pos="0">
+              <a:schemeClr val="accent1">
+                <a:lumMod val="5000"/>
+                <a:lumOff val="95000"/>
+              </a:schemeClr>
+            </a:gs>
+            <a:gs pos="74000">
+              <a:schemeClr val="accent1">
+                <a:lumMod val="45000"/>
+                <a:lumOff val="55000"/>
+              </a:schemeClr>
+            </a:gs>
+            <a:gs pos="83000">
+              <a:schemeClr val="accent1">
+                <a:lumMod val="45000"/>
+                <a:lumOff val="55000"/>
+              </a:schemeClr>
+            </a:gs>
+            <a:gs pos="100000">
+              <a:schemeClr val="accent1">
+                <a:lumMod val="30000"/>
+                <a:lumOff val="70000"/>
+              </a:schemeClr>
+            </a:gs>
+          </a:gsLst>
+          <a:lin ang="5400000" scaled="1"/>
+          <a:tileRect/>
+        </a:gradFill>
+        <a:effectLst/>
+      </p:bgPr>
     </p:bg>
     <p:spTree>
       <p:nvGrpSpPr>
@@ -3322,6 +3353,14 @@
 <file path=ppt/slides/slide1.xml><?xml version="1.0" encoding="utf-8"?>
 <p:sld xmlns:a="http://schemas.openxmlformats.org/drawingml/2006/main" xmlns:r="http://schemas.openxmlformats.org/officeDocument/2006/relationships" xmlns:p="http://schemas.openxmlformats.org/presentationml/2006/main">
   <p:cSld>
+    <p:bg>
+      <p:bgPr>
+        <a:solidFill>
+          <a:schemeClr val="tx1"/>
+        </a:solidFill>
+        <a:effectLst/>
+      </p:bgPr>
+    </p:bg>
     <p:spTree>
       <p:nvGrpSpPr>
         <p:cNvPr id="1" name=""/>
@@ -4182,7 +4221,7 @@
           <a:bodyPr/>
           <a:lstStyle/>
           <a:p>
-            <a:endParaRPr lang="zh-CN" altLang="en-US"/>
+            <a:endParaRPr lang="zh-CN" altLang="en-US" dirty="0"/>
           </a:p>
         </p:txBody>
       </p:sp>

--- a/assets/ppt/simple.pptx
+++ b/assets/ppt/simple.pptx
@@ -4,10 +4,14 @@
   <p:sldMasterIdLst>
     <p:sldMasterId id="2147483677" r:id="rId1"/>
   </p:sldMasterIdLst>
+  <p:notesMasterIdLst>
+    <p:notesMasterId r:id="rId6"/>
+  </p:notesMasterIdLst>
   <p:sldIdLst>
     <p:sldId id="256" r:id="rId2"/>
     <p:sldId id="257" r:id="rId3"/>
     <p:sldId id="258" r:id="rId4"/>
+    <p:sldId id="259" r:id="rId5"/>
   </p:sldIdLst>
   <p:sldSz cx="12192000" cy="6858000"/>
   <p:notesSz cx="6858000" cy="9144000"/>
@@ -108,15 +112,31 @@
   </p:defaultTextStyle>
   <p:extLst>
     <p:ext uri="{EFAFB233-063F-42B5-8137-9DF3F51BA10A}">
-      <p15:sldGuideLst xmlns:p15="http://schemas.microsoft.com/office/powerpoint/2012/main"/>
+      <p15:sldGuideLst xmlns:p15="http://schemas.microsoft.com/office/powerpoint/2012/main">
+        <p15:guide id="1" orient="horz" pos="2160" userDrawn="1">
+          <p15:clr>
+            <a:srgbClr val="A4A3A4"/>
+          </p15:clr>
+        </p15:guide>
+        <p15:guide id="2" pos="3840" userDrawn="1">
+          <p15:clr>
+            <a:srgbClr val="A4A3A4"/>
+          </p15:clr>
+        </p15:guide>
+      </p15:sldGuideLst>
     </p:ext>
   </p:extLst>
 </p:presentation>
 </file>
 
-<file path=ppt/slideLayouts/slideLayout1.xml><?xml version="1.0" encoding="utf-8"?>
-<p:sldLayout xmlns:a="http://schemas.openxmlformats.org/drawingml/2006/main" xmlns:r="http://schemas.openxmlformats.org/officeDocument/2006/relationships" xmlns:p="http://schemas.openxmlformats.org/presentationml/2006/main" type="title" preserve="1">
-  <p:cSld name="标题幻灯片">
+<file path=ppt/notesMasters/notesMaster1.xml><?xml version="1.0" encoding="utf-8"?>
+<p:notesMaster xmlns:a="http://schemas.openxmlformats.org/drawingml/2006/main" xmlns:r="http://schemas.openxmlformats.org/officeDocument/2006/relationships" xmlns:p="http://schemas.openxmlformats.org/presentationml/2006/main">
+  <p:cSld>
+    <p:bg>
+      <p:bgRef idx="1001">
+        <a:schemeClr val="bg1"/>
+      </p:bgRef>
+    </p:bg>
     <p:spTree>
       <p:nvGrpSpPr>
         <p:cNvPr id="1" name=""/>
@@ -133,6 +153,467 @@
       </p:grpSpPr>
       <p:sp>
         <p:nvSpPr>
+          <p:cNvPr id="2" name="页眉占位符 1"/>
+          <p:cNvSpPr>
+            <a:spLocks noGrp="1"/>
+          </p:cNvSpPr>
+          <p:nvPr>
+            <p:ph type="hdr" sz="quarter"/>
+          </p:nvPr>
+        </p:nvSpPr>
+        <p:spPr>
+          <a:xfrm>
+            <a:off x="0" y="0"/>
+            <a:ext cx="2971800" cy="458788"/>
+          </a:xfrm>
+          <a:prstGeom prst="rect">
+            <a:avLst/>
+          </a:prstGeom>
+        </p:spPr>
+        <p:txBody>
+          <a:bodyPr vert="horz" lIns="91440" tIns="45720" rIns="91440" bIns="45720" rtlCol="0"/>
+          <a:lstStyle>
+            <a:lvl1pPr algn="l">
+              <a:defRPr sz="1200"/>
+            </a:lvl1pPr>
+          </a:lstStyle>
+          <a:p>
+            <a:endParaRPr kumimoji="1" lang="zh-CN" altLang="en-US"/>
+          </a:p>
+        </p:txBody>
+      </p:sp>
+      <p:sp>
+        <p:nvSpPr>
+          <p:cNvPr id="3" name="日期占位符 2"/>
+          <p:cNvSpPr>
+            <a:spLocks noGrp="1"/>
+          </p:cNvSpPr>
+          <p:nvPr>
+            <p:ph type="dt" idx="1"/>
+          </p:nvPr>
+        </p:nvSpPr>
+        <p:spPr>
+          <a:xfrm>
+            <a:off x="3884613" y="0"/>
+            <a:ext cx="2971800" cy="458788"/>
+          </a:xfrm>
+          <a:prstGeom prst="rect">
+            <a:avLst/>
+          </a:prstGeom>
+        </p:spPr>
+        <p:txBody>
+          <a:bodyPr vert="horz" lIns="91440" tIns="45720" rIns="91440" bIns="45720" rtlCol="0"/>
+          <a:lstStyle>
+            <a:lvl1pPr algn="r">
+              <a:defRPr sz="1200"/>
+            </a:lvl1pPr>
+          </a:lstStyle>
+          <a:p>
+            <a:fld id="{561015B1-ED29-F04F-B696-7C731FF4B4B4}" type="datetimeFigureOut">
+              <a:rPr kumimoji="1" lang="zh-CN" altLang="en-US" smtClean="0"/>
+              <a:t>2024/3/24</a:t>
+            </a:fld>
+            <a:endParaRPr kumimoji="1" lang="zh-CN" altLang="en-US"/>
+          </a:p>
+        </p:txBody>
+      </p:sp>
+      <p:sp>
+        <p:nvSpPr>
+          <p:cNvPr id="4" name="幻灯片图像占位符 3"/>
+          <p:cNvSpPr>
+            <a:spLocks noGrp="1" noRot="1" noChangeAspect="1"/>
+          </p:cNvSpPr>
+          <p:nvPr>
+            <p:ph type="sldImg" idx="2"/>
+          </p:nvPr>
+        </p:nvSpPr>
+        <p:spPr>
+          <a:xfrm>
+            <a:off x="685800" y="1143000"/>
+            <a:ext cx="5486400" cy="3086100"/>
+          </a:xfrm>
+          <a:prstGeom prst="rect">
+            <a:avLst/>
+          </a:prstGeom>
+          <a:noFill/>
+          <a:ln w="12700">
+            <a:solidFill>
+              <a:prstClr val="black"/>
+            </a:solidFill>
+          </a:ln>
+        </p:spPr>
+        <p:txBody>
+          <a:bodyPr vert="horz" lIns="91440" tIns="45720" rIns="91440" bIns="45720" rtlCol="0" anchor="ctr"/>
+          <a:lstStyle/>
+          <a:p>
+            <a:endParaRPr lang="zh-CN" altLang="en-US"/>
+          </a:p>
+        </p:txBody>
+      </p:sp>
+      <p:sp>
+        <p:nvSpPr>
+          <p:cNvPr id="5" name="备注占位符 4"/>
+          <p:cNvSpPr>
+            <a:spLocks noGrp="1"/>
+          </p:cNvSpPr>
+          <p:nvPr>
+            <p:ph type="body" sz="quarter" idx="3"/>
+          </p:nvPr>
+        </p:nvSpPr>
+        <p:spPr>
+          <a:xfrm>
+            <a:off x="685800" y="4400550"/>
+            <a:ext cx="5486400" cy="3600450"/>
+          </a:xfrm>
+          <a:prstGeom prst="rect">
+            <a:avLst/>
+          </a:prstGeom>
+        </p:spPr>
+        <p:txBody>
+          <a:bodyPr vert="horz" lIns="91440" tIns="45720" rIns="91440" bIns="45720" rtlCol="0"/>
+          <a:lstStyle/>
+          <a:p>
+            <a:pPr lvl="0"/>
+            <a:r>
+              <a:rPr kumimoji="1" lang="zh-CN" altLang="en-US"/>
+              <a:t>单击此处编辑母版文本样式</a:t>
+            </a:r>
+          </a:p>
+          <a:p>
+            <a:pPr lvl="1"/>
+            <a:r>
+              <a:rPr kumimoji="1" lang="zh-CN" altLang="en-US"/>
+              <a:t>二级</a:t>
+            </a:r>
+          </a:p>
+          <a:p>
+            <a:pPr lvl="2"/>
+            <a:r>
+              <a:rPr kumimoji="1" lang="zh-CN" altLang="en-US"/>
+              <a:t>三级</a:t>
+            </a:r>
+          </a:p>
+          <a:p>
+            <a:pPr lvl="3"/>
+            <a:r>
+              <a:rPr kumimoji="1" lang="zh-CN" altLang="en-US"/>
+              <a:t>四级</a:t>
+            </a:r>
+          </a:p>
+          <a:p>
+            <a:pPr lvl="4"/>
+            <a:r>
+              <a:rPr kumimoji="1" lang="zh-CN" altLang="en-US"/>
+              <a:t>五级</a:t>
+            </a:r>
+          </a:p>
+        </p:txBody>
+      </p:sp>
+      <p:sp>
+        <p:nvSpPr>
+          <p:cNvPr id="6" name="页脚占位符 5"/>
+          <p:cNvSpPr>
+            <a:spLocks noGrp="1"/>
+          </p:cNvSpPr>
+          <p:nvPr>
+            <p:ph type="ftr" sz="quarter" idx="4"/>
+          </p:nvPr>
+        </p:nvSpPr>
+        <p:spPr>
+          <a:xfrm>
+            <a:off x="0" y="8685213"/>
+            <a:ext cx="2971800" cy="458787"/>
+          </a:xfrm>
+          <a:prstGeom prst="rect">
+            <a:avLst/>
+          </a:prstGeom>
+        </p:spPr>
+        <p:txBody>
+          <a:bodyPr vert="horz" lIns="91440" tIns="45720" rIns="91440" bIns="45720" rtlCol="0" anchor="b"/>
+          <a:lstStyle>
+            <a:lvl1pPr algn="l">
+              <a:defRPr sz="1200"/>
+            </a:lvl1pPr>
+          </a:lstStyle>
+          <a:p>
+            <a:endParaRPr kumimoji="1" lang="zh-CN" altLang="en-US"/>
+          </a:p>
+        </p:txBody>
+      </p:sp>
+      <p:sp>
+        <p:nvSpPr>
+          <p:cNvPr id="7" name="灯片编号占位符 6"/>
+          <p:cNvSpPr>
+            <a:spLocks noGrp="1"/>
+          </p:cNvSpPr>
+          <p:nvPr>
+            <p:ph type="sldNum" sz="quarter" idx="5"/>
+          </p:nvPr>
+        </p:nvSpPr>
+        <p:spPr>
+          <a:xfrm>
+            <a:off x="3884613" y="8685213"/>
+            <a:ext cx="2971800" cy="458787"/>
+          </a:xfrm>
+          <a:prstGeom prst="rect">
+            <a:avLst/>
+          </a:prstGeom>
+        </p:spPr>
+        <p:txBody>
+          <a:bodyPr vert="horz" lIns="91440" tIns="45720" rIns="91440" bIns="45720" rtlCol="0" anchor="b"/>
+          <a:lstStyle>
+            <a:lvl1pPr algn="r">
+              <a:defRPr sz="1200"/>
+            </a:lvl1pPr>
+          </a:lstStyle>
+          <a:p>
+            <a:fld id="{29A2EA3A-C21D-4443-B731-4F3262AB6BC7}" type="slidenum">
+              <a:rPr kumimoji="1" lang="zh-CN" altLang="en-US" smtClean="0"/>
+              <a:t>‹#›</a:t>
+            </a:fld>
+            <a:endParaRPr kumimoji="1" lang="zh-CN" altLang="en-US"/>
+          </a:p>
+        </p:txBody>
+      </p:sp>
+    </p:spTree>
+    <p:extLst>
+      <p:ext uri="{BB962C8B-B14F-4D97-AF65-F5344CB8AC3E}">
+        <p14:creationId xmlns:p14="http://schemas.microsoft.com/office/powerpoint/2010/main" val="57284131"/>
+      </p:ext>
+    </p:extLst>
+  </p:cSld>
+  <p:clrMap bg1="lt1" tx1="dk1" bg2="lt2" tx2="dk2" accent1="accent1" accent2="accent2" accent3="accent3" accent4="accent4" accent5="accent5" accent6="accent6" hlink="hlink" folHlink="folHlink"/>
+  <p:notesStyle>
+    <a:lvl1pPr marL="0" algn="l" defTabSz="914400" rtl="0" eaLnBrk="1" latinLnBrk="0" hangingPunct="1">
+      <a:defRPr sz="1200" kern="1200">
+        <a:solidFill>
+          <a:schemeClr val="tx1"/>
+        </a:solidFill>
+        <a:latin typeface="+mn-lt"/>
+        <a:ea typeface="+mn-ea"/>
+        <a:cs typeface="+mn-cs"/>
+      </a:defRPr>
+    </a:lvl1pPr>
+    <a:lvl2pPr marL="457200" algn="l" defTabSz="914400" rtl="0" eaLnBrk="1" latinLnBrk="0" hangingPunct="1">
+      <a:defRPr sz="1200" kern="1200">
+        <a:solidFill>
+          <a:schemeClr val="tx1"/>
+        </a:solidFill>
+        <a:latin typeface="+mn-lt"/>
+        <a:ea typeface="+mn-ea"/>
+        <a:cs typeface="+mn-cs"/>
+      </a:defRPr>
+    </a:lvl2pPr>
+    <a:lvl3pPr marL="914400" algn="l" defTabSz="914400" rtl="0" eaLnBrk="1" latinLnBrk="0" hangingPunct="1">
+      <a:defRPr sz="1200" kern="1200">
+        <a:solidFill>
+          <a:schemeClr val="tx1"/>
+        </a:solidFill>
+        <a:latin typeface="+mn-lt"/>
+        <a:ea typeface="+mn-ea"/>
+        <a:cs typeface="+mn-cs"/>
+      </a:defRPr>
+    </a:lvl3pPr>
+    <a:lvl4pPr marL="1371600" algn="l" defTabSz="914400" rtl="0" eaLnBrk="1" latinLnBrk="0" hangingPunct="1">
+      <a:defRPr sz="1200" kern="1200">
+        <a:solidFill>
+          <a:schemeClr val="tx1"/>
+        </a:solidFill>
+        <a:latin typeface="+mn-lt"/>
+        <a:ea typeface="+mn-ea"/>
+        <a:cs typeface="+mn-cs"/>
+      </a:defRPr>
+    </a:lvl4pPr>
+    <a:lvl5pPr marL="1828800" algn="l" defTabSz="914400" rtl="0" eaLnBrk="1" latinLnBrk="0" hangingPunct="1">
+      <a:defRPr sz="1200" kern="1200">
+        <a:solidFill>
+          <a:schemeClr val="tx1"/>
+        </a:solidFill>
+        <a:latin typeface="+mn-lt"/>
+        <a:ea typeface="+mn-ea"/>
+        <a:cs typeface="+mn-cs"/>
+      </a:defRPr>
+    </a:lvl5pPr>
+    <a:lvl6pPr marL="2286000" algn="l" defTabSz="914400" rtl="0" eaLnBrk="1" latinLnBrk="0" hangingPunct="1">
+      <a:defRPr sz="1200" kern="1200">
+        <a:solidFill>
+          <a:schemeClr val="tx1"/>
+        </a:solidFill>
+        <a:latin typeface="+mn-lt"/>
+        <a:ea typeface="+mn-ea"/>
+        <a:cs typeface="+mn-cs"/>
+      </a:defRPr>
+    </a:lvl6pPr>
+    <a:lvl7pPr marL="2743200" algn="l" defTabSz="914400" rtl="0" eaLnBrk="1" latinLnBrk="0" hangingPunct="1">
+      <a:defRPr sz="1200" kern="1200">
+        <a:solidFill>
+          <a:schemeClr val="tx1"/>
+        </a:solidFill>
+        <a:latin typeface="+mn-lt"/>
+        <a:ea typeface="+mn-ea"/>
+        <a:cs typeface="+mn-cs"/>
+      </a:defRPr>
+    </a:lvl7pPr>
+    <a:lvl8pPr marL="3200400" algn="l" defTabSz="914400" rtl="0" eaLnBrk="1" latinLnBrk="0" hangingPunct="1">
+      <a:defRPr sz="1200" kern="1200">
+        <a:solidFill>
+          <a:schemeClr val="tx1"/>
+        </a:solidFill>
+        <a:latin typeface="+mn-lt"/>
+        <a:ea typeface="+mn-ea"/>
+        <a:cs typeface="+mn-cs"/>
+      </a:defRPr>
+    </a:lvl8pPr>
+    <a:lvl9pPr marL="3657600" algn="l" defTabSz="914400" rtl="0" eaLnBrk="1" latinLnBrk="0" hangingPunct="1">
+      <a:defRPr sz="1200" kern="1200">
+        <a:solidFill>
+          <a:schemeClr val="tx1"/>
+        </a:solidFill>
+        <a:latin typeface="+mn-lt"/>
+        <a:ea typeface="+mn-ea"/>
+        <a:cs typeface="+mn-cs"/>
+      </a:defRPr>
+    </a:lvl9pPr>
+  </p:notesStyle>
+</p:notesMaster>
+</file>
+
+<file path=ppt/notesSlides/notesSlide1.xml><?xml version="1.0" encoding="utf-8"?>
+<p:notes xmlns:a="http://schemas.openxmlformats.org/drawingml/2006/main" xmlns:r="http://schemas.openxmlformats.org/officeDocument/2006/relationships" xmlns:p="http://schemas.openxmlformats.org/presentationml/2006/main">
+  <p:cSld>
+    <p:spTree>
+      <p:nvGrpSpPr>
+        <p:cNvPr id="1" name=""/>
+        <p:cNvGrpSpPr/>
+        <p:nvPr/>
+      </p:nvGrpSpPr>
+      <p:grpSpPr>
+        <a:xfrm>
+          <a:off x="0" y="0"/>
+          <a:ext cx="0" cy="0"/>
+          <a:chOff x="0" y="0"/>
+          <a:chExt cx="0" cy="0"/>
+        </a:xfrm>
+      </p:grpSpPr>
+      <p:sp>
+        <p:nvSpPr>
+          <p:cNvPr id="2" name="幻灯片图像占位符 1"/>
+          <p:cNvSpPr>
+            <a:spLocks noGrp="1" noRot="1" noChangeAspect="1"/>
+          </p:cNvSpPr>
+          <p:nvPr>
+            <p:ph type="sldImg"/>
+          </p:nvPr>
+        </p:nvSpPr>
+        <p:spPr/>
+      </p:sp>
+      <p:sp>
+        <p:nvSpPr>
+          <p:cNvPr id="3" name="备注占位符 2"/>
+          <p:cNvSpPr>
+            <a:spLocks noGrp="1"/>
+          </p:cNvSpPr>
+          <p:nvPr>
+            <p:ph type="body" idx="1"/>
+          </p:nvPr>
+        </p:nvSpPr>
+        <p:spPr/>
+        <p:txBody>
+          <a:bodyPr/>
+          <a:lstStyle/>
+          <a:p>
+            <a:endParaRPr kumimoji="1" lang="zh-CN" altLang="en-US" dirty="0"/>
+          </a:p>
+        </p:txBody>
+      </p:sp>
+      <p:sp>
+        <p:nvSpPr>
+          <p:cNvPr id="4" name="灯片编号占位符 3"/>
+          <p:cNvSpPr>
+            <a:spLocks noGrp="1"/>
+          </p:cNvSpPr>
+          <p:nvPr>
+            <p:ph type="sldNum" sz="quarter" idx="5"/>
+          </p:nvPr>
+        </p:nvSpPr>
+        <p:spPr/>
+        <p:txBody>
+          <a:bodyPr/>
+          <a:lstStyle/>
+          <a:p>
+            <a:fld id="{29A2EA3A-C21D-4443-B731-4F3262AB6BC7}" type="slidenum">
+              <a:rPr kumimoji="1" lang="zh-CN" altLang="en-US" smtClean="0"/>
+              <a:t>1</a:t>
+            </a:fld>
+            <a:endParaRPr kumimoji="1" lang="zh-CN" altLang="en-US"/>
+          </a:p>
+        </p:txBody>
+      </p:sp>
+    </p:spTree>
+    <p:extLst>
+      <p:ext uri="{BB962C8B-B14F-4D97-AF65-F5344CB8AC3E}">
+        <p14:creationId xmlns:p14="http://schemas.microsoft.com/office/powerpoint/2010/main" val="275730991"/>
+      </p:ext>
+    </p:extLst>
+  </p:cSld>
+  <p:clrMapOvr>
+    <a:masterClrMapping/>
+  </p:clrMapOvr>
+</p:notes>
+</file>
+
+<file path=ppt/slideLayouts/slideLayout1.xml><?xml version="1.0" encoding="utf-8"?>
+<p:sldLayout xmlns:a="http://schemas.openxmlformats.org/drawingml/2006/main" xmlns:r="http://schemas.openxmlformats.org/officeDocument/2006/relationships" xmlns:p="http://schemas.openxmlformats.org/presentationml/2006/main" type="title" preserve="1">
+  <p:cSld name="标题幻灯片">
+    <p:bg>
+      <p:bgPr>
+        <a:gradFill flip="none" rotWithShape="1">
+          <a:gsLst>
+            <a:gs pos="0">
+              <a:schemeClr val="accent2">
+                <a:lumMod val="89000"/>
+              </a:schemeClr>
+            </a:gs>
+            <a:gs pos="23000">
+              <a:schemeClr val="accent2">
+                <a:lumMod val="89000"/>
+              </a:schemeClr>
+            </a:gs>
+            <a:gs pos="69000">
+              <a:schemeClr val="accent2">
+                <a:lumMod val="75000"/>
+              </a:schemeClr>
+            </a:gs>
+            <a:gs pos="97000">
+              <a:schemeClr val="accent2">
+                <a:lumMod val="70000"/>
+              </a:schemeClr>
+            </a:gs>
+          </a:gsLst>
+          <a:path path="circle">
+            <a:fillToRect l="50000" t="50000" r="50000" b="50000"/>
+          </a:path>
+          <a:tileRect/>
+        </a:gradFill>
+        <a:effectLst/>
+      </p:bgPr>
+    </p:bg>
+    <p:spTree>
+      <p:nvGrpSpPr>
+        <p:cNvPr id="1" name=""/>
+        <p:cNvGrpSpPr/>
+        <p:nvPr/>
+      </p:nvGrpSpPr>
+      <p:grpSpPr>
+        <a:xfrm>
+          <a:off x="0" y="0"/>
+          <a:ext cx="0" cy="0"/>
+          <a:chOff x="0" y="0"/>
+          <a:chExt cx="0" cy="0"/>
+        </a:xfrm>
+      </p:grpSpPr>
+      <p:sp>
+        <p:nvSpPr>
           <p:cNvPr id="2" name="标题 1">
             <a:extLst>
               <a:ext uri="{FF2B5EF4-FFF2-40B4-BE49-F238E27FC236}">
@@ -162,7 +643,7 @@
           </a:lstStyle>
           <a:p>
             <a:r>
-              <a:rPr lang="zh-CN" altLang="en-US"/>
+              <a:rPr lang="zh-CN" altLang="en-US" dirty="0"/>
               <a:t>单击此处编辑母版标题样式</a:t>
             </a:r>
           </a:p>
@@ -261,7 +742,7 @@
           <a:p>
             <a:fld id="{DEDA17D1-6590-4570-9DF1-29A4B3C6B8EE}" type="datetimeFigureOut">
               <a:rPr lang="zh-CN" altLang="en-US" smtClean="0"/>
-              <a:t>2024/3/22</a:t>
+              <a:t>2024/3/24</a:t>
             </a:fld>
             <a:endParaRPr lang="zh-CN" altLang="en-US"/>
           </a:p>
@@ -318,6 +799,55 @@
               <a:t>‹#›</a:t>
             </a:fld>
             <a:endParaRPr lang="zh-CN" altLang="en-US"/>
+          </a:p>
+        </p:txBody>
+      </p:sp>
+      <p:sp>
+        <p:nvSpPr>
+          <p:cNvPr id="7" name="椭圆 6">
+            <a:extLst>
+              <a:ext uri="{FF2B5EF4-FFF2-40B4-BE49-F238E27FC236}">
+                <a16:creationId xmlns:a16="http://schemas.microsoft.com/office/drawing/2014/main" id="{F96A60A9-ADE7-AE42-A1B7-363962AD1340}"/>
+              </a:ext>
+            </a:extLst>
+          </p:cNvPr>
+          <p:cNvSpPr/>
+          <p:nvPr userDrawn="1"/>
+        </p:nvSpPr>
+        <p:spPr>
+          <a:xfrm>
+            <a:off x="198783" y="136525"/>
+            <a:ext cx="1888435" cy="1649895"/>
+          </a:xfrm>
+          <a:prstGeom prst="ellipse">
+            <a:avLst/>
+          </a:prstGeom>
+        </p:spPr>
+        <p:style>
+          <a:lnRef idx="2">
+            <a:schemeClr val="accent1">
+              <a:shade val="50000"/>
+            </a:schemeClr>
+          </a:lnRef>
+          <a:fillRef idx="1">
+            <a:schemeClr val="accent1"/>
+          </a:fillRef>
+          <a:effectRef idx="0">
+            <a:schemeClr val="accent1"/>
+          </a:effectRef>
+          <a:fontRef idx="minor">
+            <a:schemeClr val="lt1"/>
+          </a:fontRef>
+        </p:style>
+        <p:txBody>
+          <a:bodyPr rtlCol="0" anchor="ctr"/>
+          <a:lstStyle/>
+          <a:p>
+            <a:pPr algn="ctr"/>
+            <a:r>
+              <a:rPr kumimoji="1" lang="zh-CN" altLang="en-US" dirty="0"/>
+              <a:t>母版</a:t>
+            </a:r>
           </a:p>
         </p:txBody>
       </p:sp>
@@ -459,7 +989,7 @@
           <a:p>
             <a:fld id="{DEDA17D1-6590-4570-9DF1-29A4B3C6B8EE}" type="datetimeFigureOut">
               <a:rPr lang="zh-CN" altLang="en-US" smtClean="0"/>
-              <a:t>2024/3/22</a:t>
+              <a:t>2024/3/24</a:t>
             </a:fld>
             <a:endParaRPr lang="zh-CN" altLang="en-US"/>
           </a:p>
@@ -667,7 +1197,7 @@
           <a:p>
             <a:fld id="{DEDA17D1-6590-4570-9DF1-29A4B3C6B8EE}" type="datetimeFigureOut">
               <a:rPr lang="zh-CN" altLang="en-US" smtClean="0"/>
-              <a:t>2024/3/22</a:t>
+              <a:t>2024/3/24</a:t>
             </a:fld>
             <a:endParaRPr lang="zh-CN" altLang="en-US"/>
           </a:p>
@@ -865,7 +1395,7 @@
           <a:p>
             <a:fld id="{DEDA17D1-6590-4570-9DF1-29A4B3C6B8EE}" type="datetimeFigureOut">
               <a:rPr lang="zh-CN" altLang="en-US" smtClean="0"/>
-              <a:t>2024/3/22</a:t>
+              <a:t>2024/3/24</a:t>
             </a:fld>
             <a:endParaRPr lang="zh-CN" altLang="en-US"/>
           </a:p>
@@ -1140,7 +1670,7 @@
           <a:p>
             <a:fld id="{DEDA17D1-6590-4570-9DF1-29A4B3C6B8EE}" type="datetimeFigureOut">
               <a:rPr lang="zh-CN" altLang="en-US" smtClean="0"/>
-              <a:t>2024/3/22</a:t>
+              <a:t>2024/3/24</a:t>
             </a:fld>
             <a:endParaRPr lang="zh-CN" altLang="en-US"/>
           </a:p>
@@ -1405,7 +1935,7 @@
           <a:p>
             <a:fld id="{DEDA17D1-6590-4570-9DF1-29A4B3C6B8EE}" type="datetimeFigureOut">
               <a:rPr lang="zh-CN" altLang="en-US" smtClean="0"/>
-              <a:t>2024/3/22</a:t>
+              <a:t>2024/3/24</a:t>
             </a:fld>
             <a:endParaRPr lang="zh-CN" altLang="en-US"/>
           </a:p>
@@ -1826,7 +2356,7 @@
           <a:p>
             <a:fld id="{DEDA17D1-6590-4570-9DF1-29A4B3C6B8EE}" type="datetimeFigureOut">
               <a:rPr lang="zh-CN" altLang="en-US" smtClean="0"/>
-              <a:t>2024/3/22</a:t>
+              <a:t>2024/3/24</a:t>
             </a:fld>
             <a:endParaRPr lang="zh-CN" altLang="en-US"/>
           </a:p>
@@ -1967,7 +2497,7 @@
           <a:p>
             <a:fld id="{DEDA17D1-6590-4570-9DF1-29A4B3C6B8EE}" type="datetimeFigureOut">
               <a:rPr lang="zh-CN" altLang="en-US" smtClean="0"/>
-              <a:t>2024/3/22</a:t>
+              <a:t>2024/3/24</a:t>
             </a:fld>
             <a:endParaRPr lang="zh-CN" altLang="en-US"/>
           </a:p>
@@ -2080,7 +2610,7 @@
           <a:p>
             <a:fld id="{DEDA17D1-6590-4570-9DF1-29A4B3C6B8EE}" type="datetimeFigureOut">
               <a:rPr lang="zh-CN" altLang="en-US" smtClean="0"/>
-              <a:t>2024/3/22</a:t>
+              <a:t>2024/3/24</a:t>
             </a:fld>
             <a:endParaRPr lang="zh-CN" altLang="en-US"/>
           </a:p>
@@ -2391,7 +2921,7 @@
           <a:p>
             <a:fld id="{DEDA17D1-6590-4570-9DF1-29A4B3C6B8EE}" type="datetimeFigureOut">
               <a:rPr lang="zh-CN" altLang="en-US" smtClean="0"/>
-              <a:t>2024/3/22</a:t>
+              <a:t>2024/3/24</a:t>
             </a:fld>
             <a:endParaRPr lang="zh-CN" altLang="en-US"/>
           </a:p>
@@ -2679,7 +3209,7 @@
           <a:p>
             <a:fld id="{DEDA17D1-6590-4570-9DF1-29A4B3C6B8EE}" type="datetimeFigureOut">
               <a:rPr lang="zh-CN" altLang="en-US" smtClean="0"/>
-              <a:t>2024/3/22</a:t>
+              <a:t>2024/3/24</a:t>
             </a:fld>
             <a:endParaRPr lang="zh-CN" altLang="en-US"/>
           </a:p>
@@ -2760,31 +3290,29 @@
         <a:gradFill flip="none" rotWithShape="1">
           <a:gsLst>
             <a:gs pos="0">
-              <a:schemeClr val="accent1">
-                <a:lumMod val="5000"/>
-                <a:lumOff val="95000"/>
+              <a:schemeClr val="accent6">
+                <a:lumMod val="89000"/>
               </a:schemeClr>
             </a:gs>
-            <a:gs pos="74000">
-              <a:schemeClr val="accent1">
-                <a:lumMod val="45000"/>
-                <a:lumOff val="55000"/>
+            <a:gs pos="23000">
+              <a:schemeClr val="accent6">
+                <a:lumMod val="89000"/>
               </a:schemeClr>
             </a:gs>
-            <a:gs pos="83000">
-              <a:schemeClr val="accent1">
-                <a:lumMod val="45000"/>
-                <a:lumOff val="55000"/>
+            <a:gs pos="69000">
+              <a:schemeClr val="accent6">
+                <a:lumMod val="75000"/>
               </a:schemeClr>
             </a:gs>
-            <a:gs pos="100000">
-              <a:schemeClr val="accent1">
-                <a:lumMod val="30000"/>
-                <a:lumOff val="70000"/>
+            <a:gs pos="97000">
+              <a:schemeClr val="accent6">
+                <a:lumMod val="70000"/>
               </a:schemeClr>
             </a:gs>
           </a:gsLst>
-          <a:lin ang="5400000" scaled="1"/>
+          <a:path path="circle">
+            <a:fillToRect l="50000" t="50000" r="50000" b="50000"/>
+          </a:path>
           <a:tileRect/>
         </a:gradFill>
         <a:effectLst/>
@@ -2950,7 +3478,7 @@
           <a:p>
             <a:fld id="{DEDA17D1-6590-4570-9DF1-29A4B3C6B8EE}" type="datetimeFigureOut">
               <a:rPr lang="zh-CN" altLang="en-US" smtClean="0"/>
-              <a:t>2024/3/22</a:t>
+              <a:t>2024/3/24</a:t>
             </a:fld>
             <a:endParaRPr lang="zh-CN" altLang="en-US"/>
           </a:p>
@@ -3353,14 +3881,6 @@
 <file path=ppt/slides/slide1.xml><?xml version="1.0" encoding="utf-8"?>
 <p:sld xmlns:a="http://schemas.openxmlformats.org/drawingml/2006/main" xmlns:r="http://schemas.openxmlformats.org/officeDocument/2006/relationships" xmlns:p="http://schemas.openxmlformats.org/presentationml/2006/main">
   <p:cSld>
-    <p:bg>
-      <p:bgPr>
-        <a:solidFill>
-          <a:schemeClr val="tx1"/>
-        </a:solidFill>
-        <a:effectLst/>
-      </p:bgPr>
-    </p:bg>
     <p:spTree>
       <p:nvGrpSpPr>
         <p:cNvPr id="1" name=""/>
@@ -3389,7 +3909,7 @@
         </p:nvSpPr>
         <p:spPr>
           <a:xfrm flipV="1">
-            <a:off x="462844" y="530578"/>
+            <a:off x="725382" y="530578"/>
             <a:ext cx="2280356" cy="1320800"/>
           </a:xfrm>
           <a:prstGeom prst="rect">
@@ -3468,7 +3988,7 @@
           </a:xfrm>
           <a:prstGeom prst="triangle">
             <a:avLst>
-              <a:gd name="adj" fmla="val 0"/>
+              <a:gd name="adj" fmla="val 15489"/>
             </a:avLst>
           </a:prstGeom>
         </p:spPr>
@@ -3512,7 +4032,7 @@
           <p:nvPr/>
         </p:nvPicPr>
         <p:blipFill>
-          <a:blip r:embed="rId2">
+          <a:blip r:embed="rId3">
             <a:extLst>
               <a:ext uri="{28A0092B-C50C-407E-A947-70E740481C1C}">
                 <a14:useLocalDpi xmlns:a14="http://schemas.microsoft.com/office/drawing/2010/main" val="0"/>
@@ -3563,7 +4083,19 @@
           <a:p>
             <a:r>
               <a:rPr lang="en-US" altLang="zh-CN" sz="3600" dirty="0"/>
-              <a:t>FONTSIZE36</a:t>
+              <a:t>FON</a:t>
+            </a:r>
+            <a:r>
+              <a:rPr lang="en-US" altLang="zh-CN" sz="1000" dirty="0">
+                <a:solidFill>
+                  <a:srgbClr val="FF0000"/>
+                </a:solidFill>
+              </a:rPr>
+              <a:t>TSIZ</a:t>
+            </a:r>
+            <a:r>
+              <a:rPr lang="en-US" altLang="zh-CN" sz="3600" dirty="0"/>
+              <a:t>E36</a:t>
             </a:r>
             <a:endParaRPr lang="zh-CN" altLang="en-US" sz="3600" dirty="0"/>
           </a:p>
@@ -3643,10 +4175,10 @@
       </p:cxnSp>
       <p:grpSp>
         <p:nvGrpSpPr>
-          <p:cNvPr id="13" name="组合 12">
-            <a:extLst>
-              <a:ext uri="{FF2B5EF4-FFF2-40B4-BE49-F238E27FC236}">
-                <a16:creationId xmlns:a16="http://schemas.microsoft.com/office/drawing/2014/main" id="{F4A43CD4-55B3-04D0-5B12-F3F9CEF53165}"/>
+          <p:cNvPr id="4" name="组合 3">
+            <a:extLst>
+              <a:ext uri="{FF2B5EF4-FFF2-40B4-BE49-F238E27FC236}">
+                <a16:creationId xmlns:a16="http://schemas.microsoft.com/office/drawing/2014/main" id="{F3422768-D099-6642-83D0-B614D0BF5311}"/>
               </a:ext>
             </a:extLst>
           </p:cNvPr>
@@ -3655,18 +4187,137 @@
         </p:nvGrpSpPr>
         <p:grpSpPr>
           <a:xfrm>
-            <a:off x="6456791" y="3369733"/>
-            <a:ext cx="1978873" cy="646331"/>
-            <a:chOff x="7359902" y="3338689"/>
-            <a:chExt cx="1978873" cy="646331"/>
+            <a:off x="307882" y="298027"/>
+            <a:ext cx="6742331" cy="3240193"/>
+            <a:chOff x="0" y="4343396"/>
+            <a:chExt cx="6742331" cy="3240193"/>
           </a:xfrm>
         </p:grpSpPr>
+        <p:grpSp>
+          <p:nvGrpSpPr>
+            <p:cNvPr id="13" name="组合 12">
+              <a:extLst>
+                <a:ext uri="{FF2B5EF4-FFF2-40B4-BE49-F238E27FC236}">
+                  <a16:creationId xmlns:a16="http://schemas.microsoft.com/office/drawing/2014/main" id="{F4A43CD4-55B3-04D0-5B12-F3F9CEF53165}"/>
+                </a:ext>
+              </a:extLst>
+            </p:cNvPr>
+            <p:cNvGrpSpPr/>
+            <p:nvPr/>
+          </p:nvGrpSpPr>
+          <p:grpSpPr>
+            <a:xfrm>
+              <a:off x="2558365" y="4343396"/>
+              <a:ext cx="4183966" cy="3240193"/>
+              <a:chOff x="8692443" y="3338685"/>
+              <a:chExt cx="4183966" cy="3240193"/>
+            </a:xfrm>
+          </p:grpSpPr>
+          <p:sp>
+            <p:nvSpPr>
+              <p:cNvPr id="11" name="椭圆 10">
+                <a:extLst>
+                  <a:ext uri="{FF2B5EF4-FFF2-40B4-BE49-F238E27FC236}">
+                    <a16:creationId xmlns:a16="http://schemas.microsoft.com/office/drawing/2014/main" id="{F5691CE3-A633-C321-5BF8-40E3A6FA91CB}"/>
+                  </a:ext>
+                </a:extLst>
+              </p:cNvPr>
+              <p:cNvSpPr/>
+              <p:nvPr/>
+            </p:nvSpPr>
+            <p:spPr>
+              <a:xfrm>
+                <a:off x="12226204" y="5930878"/>
+                <a:ext cx="650205" cy="648000"/>
+              </a:xfrm>
+              <a:prstGeom prst="ellipse">
+                <a:avLst/>
+              </a:prstGeom>
+            </p:spPr>
+            <p:style>
+              <a:lnRef idx="2">
+                <a:schemeClr val="accent1">
+                  <a:shade val="15000"/>
+                </a:schemeClr>
+              </a:lnRef>
+              <a:fillRef idx="1">
+                <a:schemeClr val="accent1"/>
+              </a:fillRef>
+              <a:effectRef idx="0">
+                <a:schemeClr val="accent1"/>
+              </a:effectRef>
+              <a:fontRef idx="minor">
+                <a:schemeClr val="lt1"/>
+              </a:fontRef>
+            </p:style>
+            <p:txBody>
+              <a:bodyPr rtlCol="0" anchor="ctr"/>
+              <a:lstStyle/>
+              <a:p>
+                <a:pPr algn="ctr"/>
+                <a:r>
+                  <a:rPr lang="zh-CN" altLang="en-US" dirty="0"/>
+                  <a:t>组</a:t>
+                </a:r>
+              </a:p>
+            </p:txBody>
+          </p:sp>
+          <p:sp>
+            <p:nvSpPr>
+              <p:cNvPr id="12" name="椭圆 11">
+                <a:extLst>
+                  <a:ext uri="{FF2B5EF4-FFF2-40B4-BE49-F238E27FC236}">
+                    <a16:creationId xmlns:a16="http://schemas.microsoft.com/office/drawing/2014/main" id="{B925589A-9CC2-EAC5-3F44-24074C6CE4B5}"/>
+                  </a:ext>
+                </a:extLst>
+              </p:cNvPr>
+              <p:cNvSpPr/>
+              <p:nvPr/>
+            </p:nvSpPr>
+            <p:spPr>
+              <a:xfrm rot="3600000">
+                <a:off x="8692443" y="3338685"/>
+                <a:ext cx="1292662" cy="1292662"/>
+              </a:xfrm>
+              <a:prstGeom prst="ellipse">
+                <a:avLst/>
+              </a:prstGeom>
+            </p:spPr>
+            <p:style>
+              <a:lnRef idx="2">
+                <a:schemeClr val="accent1">
+                  <a:shade val="15000"/>
+                </a:schemeClr>
+              </a:lnRef>
+              <a:fillRef idx="1">
+                <a:schemeClr val="accent1"/>
+              </a:fillRef>
+              <a:effectRef idx="0">
+                <a:schemeClr val="accent1"/>
+              </a:effectRef>
+              <a:fontRef idx="minor">
+                <a:schemeClr val="lt1"/>
+              </a:fontRef>
+            </p:style>
+            <p:txBody>
+              <a:bodyPr rtlCol="0" anchor="ctr"/>
+              <a:lstStyle/>
+              <a:p>
+                <a:pPr algn="ctr"/>
+                <a:r>
+                  <a:rPr lang="zh-CN" altLang="en-US" dirty="0"/>
+                  <a:t>合</a:t>
+                </a:r>
+              </a:p>
+            </p:txBody>
+          </p:sp>
+        </p:grpSp>
         <p:sp>
           <p:nvSpPr>
-            <p:cNvPr id="11" name="椭圆 10">
+            <p:cNvPr id="25" name="椭圆 24">
               <a:extLst>
                 <a:ext uri="{FF2B5EF4-FFF2-40B4-BE49-F238E27FC236}">
-                  <a16:creationId xmlns:a16="http://schemas.microsoft.com/office/drawing/2014/main" id="{F5691CE3-A633-C321-5BF8-40E3A6FA91CB}"/>
+                  <a16:creationId xmlns:a16="http://schemas.microsoft.com/office/drawing/2014/main" id="{504DFD09-2B9A-7A44-8F5A-8788BCE37684}"/>
                 </a:ext>
               </a:extLst>
             </p:cNvPr>
@@ -3675,7 +4326,7 @@
           </p:nvSpPr>
           <p:spPr>
             <a:xfrm>
-              <a:off x="7359902" y="3338689"/>
+              <a:off x="0" y="5819633"/>
               <a:ext cx="646331" cy="646331"/>
             </a:xfrm>
             <a:prstGeom prst="ellipse">
@@ -3705,61 +4356,64 @@
               <a:pPr algn="ctr"/>
               <a:r>
                 <a:rPr lang="zh-CN" altLang="en-US" dirty="0"/>
-                <a:t>组</a:t>
-              </a:r>
-            </a:p>
-          </p:txBody>
-        </p:sp>
-        <p:sp>
-          <p:nvSpPr>
-            <p:cNvPr id="12" name="椭圆 11">
-              <a:extLst>
-                <a:ext uri="{FF2B5EF4-FFF2-40B4-BE49-F238E27FC236}">
-                  <a16:creationId xmlns:a16="http://schemas.microsoft.com/office/drawing/2014/main" id="{B925589A-9CC2-EAC5-3F44-24074C6CE4B5}"/>
-                </a:ext>
-              </a:extLst>
-            </p:cNvPr>
-            <p:cNvSpPr/>
-            <p:nvPr/>
-          </p:nvSpPr>
-          <p:spPr>
-            <a:xfrm>
-              <a:off x="8692444" y="3338689"/>
-              <a:ext cx="646331" cy="646331"/>
-            </a:xfrm>
-            <a:prstGeom prst="ellipse">
-              <a:avLst/>
-            </a:prstGeom>
-          </p:spPr>
-          <p:style>
-            <a:lnRef idx="2">
-              <a:schemeClr val="accent1">
-                <a:shade val="15000"/>
-              </a:schemeClr>
-            </a:lnRef>
-            <a:fillRef idx="1">
-              <a:schemeClr val="accent1"/>
-            </a:fillRef>
-            <a:effectRef idx="0">
-              <a:schemeClr val="accent1"/>
-            </a:effectRef>
-            <a:fontRef idx="minor">
-              <a:schemeClr val="lt1"/>
-            </a:fontRef>
-          </p:style>
-          <p:txBody>
-            <a:bodyPr rtlCol="0" anchor="ctr"/>
-            <a:lstStyle/>
-            <a:p>
-              <a:pPr algn="ctr"/>
-              <a:r>
-                <a:rPr lang="zh-CN" altLang="en-US" dirty="0"/>
-                <a:t>合</a:t>
+                <a:t>啊</a:t>
               </a:r>
             </a:p>
           </p:txBody>
         </p:sp>
       </p:grpSp>
+      <p:sp>
+        <p:nvSpPr>
+          <p:cNvPr id="5" name="矩形 4">
+            <a:extLst>
+              <a:ext uri="{FF2B5EF4-FFF2-40B4-BE49-F238E27FC236}">
+                <a16:creationId xmlns:a16="http://schemas.microsoft.com/office/drawing/2014/main" id="{01369500-DDDC-CF47-ADEA-C5B69D45B646}"/>
+              </a:ext>
+            </a:extLst>
+          </p:cNvPr>
+          <p:cNvSpPr/>
+          <p:nvPr/>
+        </p:nvSpPr>
+        <p:spPr>
+          <a:xfrm>
+            <a:off x="7730005" y="3015523"/>
+            <a:ext cx="2514600" cy="1651042"/>
+          </a:xfrm>
+          <a:prstGeom prst="rect">
+            <a:avLst/>
+          </a:prstGeom>
+          <a:blipFill>
+            <a:blip r:embed="rId4"/>
+            <a:stretch>
+              <a:fillRect l="-17287" r="-17287"/>
+            </a:stretch>
+          </a:blipFill>
+        </p:spPr>
+        <p:style>
+          <a:lnRef idx="2">
+            <a:schemeClr val="accent1">
+              <a:shade val="50000"/>
+            </a:schemeClr>
+          </a:lnRef>
+          <a:fillRef idx="1">
+            <a:schemeClr val="accent1"/>
+          </a:fillRef>
+          <a:effectRef idx="0">
+            <a:schemeClr val="accent1"/>
+          </a:effectRef>
+          <a:fontRef idx="minor">
+            <a:schemeClr val="lt1"/>
+          </a:fontRef>
+        </p:style>
+        <p:txBody>
+          <a:bodyPr rtlCol="0" anchor="ctr"/>
+          <a:lstStyle/>
+          <a:p>
+            <a:pPr algn="ctr"/>
+            <a:endParaRPr kumimoji="1" lang="zh-CN" altLang="en-US" dirty="0"/>
+          </a:p>
+        </p:txBody>
+      </p:sp>
     </p:spTree>
     <p:extLst>
       <p:ext uri="{BB962C8B-B14F-4D97-AF65-F5344CB8AC3E}">
@@ -3812,7 +4466,7 @@
         </p:nvSpPr>
         <p:spPr>
           <a:xfrm>
-            <a:off x="447758" y="487177"/>
+            <a:off x="447758" y="487176"/>
             <a:ext cx="1873956" cy="2573867"/>
           </a:xfrm>
           <a:prstGeom prst="rect">
@@ -4186,6 +4840,38 @@
 <file path=ppt/slides/slide3.xml><?xml version="1.0" encoding="utf-8"?>
 <p:sld xmlns:a="http://schemas.openxmlformats.org/drawingml/2006/main" xmlns:r="http://schemas.openxmlformats.org/officeDocument/2006/relationships" xmlns:p="http://schemas.openxmlformats.org/presentationml/2006/main">
   <p:cSld>
+    <p:bg>
+      <p:bgPr>
+        <a:gradFill>
+          <a:gsLst>
+            <a:gs pos="0">
+              <a:schemeClr val="accent2">
+                <a:lumMod val="89000"/>
+              </a:schemeClr>
+            </a:gs>
+            <a:gs pos="23000">
+              <a:schemeClr val="accent2">
+                <a:lumMod val="89000"/>
+              </a:schemeClr>
+            </a:gs>
+            <a:gs pos="69000">
+              <a:schemeClr val="accent2">
+                <a:lumMod val="75000"/>
+              </a:schemeClr>
+            </a:gs>
+            <a:gs pos="97000">
+              <a:schemeClr val="accent2">
+                <a:lumMod val="70000"/>
+              </a:schemeClr>
+            </a:gs>
+          </a:gsLst>
+          <a:path path="circle">
+            <a:fillToRect l="50000" t="50000" r="50000" b="50000"/>
+          </a:path>
+        </a:gradFill>
+        <a:effectLst/>
+      </p:bgPr>
+    </p:bg>
     <p:spTree>
       <p:nvGrpSpPr>
         <p:cNvPr id="1" name=""/>
@@ -4202,126 +4888,47 @@
       </p:grpSpPr>
       <p:sp>
         <p:nvSpPr>
-          <p:cNvPr id="5" name="标题 4">
-            <a:extLst>
-              <a:ext uri="{FF2B5EF4-FFF2-40B4-BE49-F238E27FC236}">
-                <a16:creationId xmlns:a16="http://schemas.microsoft.com/office/drawing/2014/main" id="{C85F24E0-9F02-DB2E-4775-FC3617B1918E}"/>
-              </a:ext>
-            </a:extLst>
-          </p:cNvPr>
-          <p:cNvSpPr>
-            <a:spLocks noGrp="1"/>
-          </p:cNvSpPr>
-          <p:nvPr>
-            <p:ph type="title"/>
-          </p:nvPr>
-        </p:nvSpPr>
-        <p:spPr/>
-        <p:txBody>
-          <a:bodyPr/>
-          <a:lstStyle/>
-          <a:p>
-            <a:endParaRPr lang="zh-CN" altLang="en-US" dirty="0"/>
-          </a:p>
-        </p:txBody>
-      </p:sp>
-      <p:sp>
-        <p:nvSpPr>
-          <p:cNvPr id="6" name="文本占位符 5">
-            <a:extLst>
-              <a:ext uri="{FF2B5EF4-FFF2-40B4-BE49-F238E27FC236}">
-                <a16:creationId xmlns:a16="http://schemas.microsoft.com/office/drawing/2014/main" id="{B8CA01B8-EE1C-34AC-3B60-85362F6981E7}"/>
-              </a:ext>
-            </a:extLst>
-          </p:cNvPr>
-          <p:cNvSpPr>
-            <a:spLocks noGrp="1"/>
-          </p:cNvSpPr>
-          <p:nvPr>
-            <p:ph type="body" idx="1"/>
-          </p:nvPr>
-        </p:nvSpPr>
-        <p:spPr/>
-        <p:txBody>
-          <a:bodyPr/>
-          <a:lstStyle/>
-          <a:p>
-            <a:endParaRPr lang="zh-CN" altLang="en-US"/>
-          </a:p>
-        </p:txBody>
-      </p:sp>
-      <p:sp>
-        <p:nvSpPr>
-          <p:cNvPr id="7" name="内容占位符 6">
-            <a:extLst>
-              <a:ext uri="{FF2B5EF4-FFF2-40B4-BE49-F238E27FC236}">
-                <a16:creationId xmlns:a16="http://schemas.microsoft.com/office/drawing/2014/main" id="{76193888-AD25-3DDB-38D3-243C1DBFBE64}"/>
-              </a:ext>
-            </a:extLst>
-          </p:cNvPr>
-          <p:cNvSpPr>
-            <a:spLocks noGrp="1"/>
-          </p:cNvSpPr>
-          <p:nvPr>
-            <p:ph sz="half" idx="2"/>
-          </p:nvPr>
-        </p:nvSpPr>
-        <p:spPr/>
-        <p:txBody>
-          <a:bodyPr/>
-          <a:lstStyle/>
-          <a:p>
-            <a:endParaRPr lang="zh-CN" altLang="en-US"/>
-          </a:p>
-        </p:txBody>
-      </p:sp>
-      <p:sp>
-        <p:nvSpPr>
-          <p:cNvPr id="8" name="文本占位符 7">
-            <a:extLst>
-              <a:ext uri="{FF2B5EF4-FFF2-40B4-BE49-F238E27FC236}">
-                <a16:creationId xmlns:a16="http://schemas.microsoft.com/office/drawing/2014/main" id="{092B3BD2-66AA-2E22-4AFC-7E6B923D5CF8}"/>
-              </a:ext>
-            </a:extLst>
-          </p:cNvPr>
-          <p:cNvSpPr>
-            <a:spLocks noGrp="1"/>
-          </p:cNvSpPr>
-          <p:nvPr>
-            <p:ph type="body" sz="quarter" idx="3"/>
-          </p:nvPr>
-        </p:nvSpPr>
-        <p:spPr/>
-        <p:txBody>
-          <a:bodyPr/>
-          <a:lstStyle/>
-          <a:p>
-            <a:endParaRPr lang="zh-CN" altLang="en-US"/>
-          </a:p>
-        </p:txBody>
-      </p:sp>
-      <p:sp>
-        <p:nvSpPr>
-          <p:cNvPr id="9" name="内容占位符 8">
-            <a:extLst>
-              <a:ext uri="{FF2B5EF4-FFF2-40B4-BE49-F238E27FC236}">
-                <a16:creationId xmlns:a16="http://schemas.microsoft.com/office/drawing/2014/main" id="{CB3466E4-31BA-B552-A761-04257785AA2C}"/>
-              </a:ext>
-            </a:extLst>
-          </p:cNvPr>
-          <p:cNvSpPr>
-            <a:spLocks noGrp="1"/>
-          </p:cNvSpPr>
-          <p:nvPr>
-            <p:ph sz="quarter" idx="4"/>
-          </p:nvPr>
-        </p:nvSpPr>
-        <p:spPr/>
-        <p:txBody>
-          <a:bodyPr/>
-          <a:lstStyle/>
-          <a:p>
-            <a:endParaRPr lang="zh-CN" altLang="en-US"/>
+          <p:cNvPr id="2" name="矩形 1">
+            <a:extLst>
+              <a:ext uri="{FF2B5EF4-FFF2-40B4-BE49-F238E27FC236}">
+                <a16:creationId xmlns:a16="http://schemas.microsoft.com/office/drawing/2014/main" id="{44681E2D-2804-5C4C-91EB-AC1F50671C41}"/>
+              </a:ext>
+            </a:extLst>
+          </p:cNvPr>
+          <p:cNvSpPr/>
+          <p:nvPr/>
+        </p:nvSpPr>
+        <p:spPr>
+          <a:xfrm>
+            <a:off x="0" y="0"/>
+            <a:ext cx="12192000" cy="6858000"/>
+          </a:xfrm>
+          <a:prstGeom prst="rect">
+            <a:avLst/>
+          </a:prstGeom>
+        </p:spPr>
+        <p:style>
+          <a:lnRef idx="2">
+            <a:schemeClr val="accent1">
+              <a:shade val="50000"/>
+            </a:schemeClr>
+          </a:lnRef>
+          <a:fillRef idx="1">
+            <a:schemeClr val="accent1"/>
+          </a:fillRef>
+          <a:effectRef idx="0">
+            <a:schemeClr val="accent1"/>
+          </a:effectRef>
+          <a:fontRef idx="minor">
+            <a:schemeClr val="lt1"/>
+          </a:fontRef>
+        </p:style>
+        <p:txBody>
+          <a:bodyPr rtlCol="0" anchor="ctr"/>
+          <a:lstStyle/>
+          <a:p>
+            <a:pPr algn="ctr"/>
+            <a:endParaRPr kumimoji="1" lang="zh-CN" altLang="en-US"/>
           </a:p>
         </p:txBody>
       </p:sp>
@@ -4329,6 +4936,171 @@
     <p:extLst>
       <p:ext uri="{BB962C8B-B14F-4D97-AF65-F5344CB8AC3E}">
         <p14:creationId xmlns:p14="http://schemas.microsoft.com/office/powerpoint/2010/main" val="465413360"/>
+      </p:ext>
+    </p:extLst>
+  </p:cSld>
+  <p:clrMapOvr>
+    <a:masterClrMapping/>
+  </p:clrMapOvr>
+</p:sld>
+</file>
+
+<file path=ppt/slides/slide4.xml><?xml version="1.0" encoding="utf-8"?>
+<p:sld xmlns:a="http://schemas.openxmlformats.org/drawingml/2006/main" xmlns:r="http://schemas.openxmlformats.org/officeDocument/2006/relationships" xmlns:p="http://schemas.openxmlformats.org/presentationml/2006/main">
+  <p:cSld>
+    <p:spTree>
+      <p:nvGrpSpPr>
+        <p:cNvPr id="1" name=""/>
+        <p:cNvGrpSpPr/>
+        <p:nvPr/>
+      </p:nvGrpSpPr>
+      <p:grpSpPr>
+        <a:xfrm>
+          <a:off x="0" y="0"/>
+          <a:ext cx="0" cy="0"/>
+          <a:chOff x="0" y="0"/>
+          <a:chExt cx="0" cy="0"/>
+        </a:xfrm>
+      </p:grpSpPr>
+      <p:sp>
+        <p:nvSpPr>
+          <p:cNvPr id="5" name="标题 4">
+            <a:extLst>
+              <a:ext uri="{FF2B5EF4-FFF2-40B4-BE49-F238E27FC236}">
+                <a16:creationId xmlns:a16="http://schemas.microsoft.com/office/drawing/2014/main" id="{C85F24E0-9F02-DB2E-4775-FC3617B1918E}"/>
+              </a:ext>
+            </a:extLst>
+          </p:cNvPr>
+          <p:cNvSpPr>
+            <a:spLocks noGrp="1"/>
+          </p:cNvSpPr>
+          <p:nvPr>
+            <p:ph type="title"/>
+          </p:nvPr>
+        </p:nvSpPr>
+        <p:spPr>
+          <a:xfrm>
+            <a:off x="0" y="5555"/>
+            <a:ext cx="10515600" cy="1325563"/>
+          </a:xfrm>
+        </p:spPr>
+        <p:txBody>
+          <a:bodyPr/>
+          <a:lstStyle/>
+          <a:p>
+            <a:endParaRPr lang="zh-CN" altLang="en-US" dirty="0"/>
+          </a:p>
+        </p:txBody>
+      </p:sp>
+      <p:sp>
+        <p:nvSpPr>
+          <p:cNvPr id="6" name="文本占位符 5">
+            <a:extLst>
+              <a:ext uri="{FF2B5EF4-FFF2-40B4-BE49-F238E27FC236}">
+                <a16:creationId xmlns:a16="http://schemas.microsoft.com/office/drawing/2014/main" id="{B8CA01B8-EE1C-34AC-3B60-85362F6981E7}"/>
+              </a:ext>
+            </a:extLst>
+          </p:cNvPr>
+          <p:cNvSpPr>
+            <a:spLocks noGrp="1"/>
+          </p:cNvSpPr>
+          <p:nvPr>
+            <p:ph type="body" idx="1"/>
+          </p:nvPr>
+        </p:nvSpPr>
+        <p:spPr/>
+        <p:txBody>
+          <a:bodyPr/>
+          <a:lstStyle/>
+          <a:p>
+            <a:endParaRPr lang="zh-CN" altLang="en-US"/>
+          </a:p>
+        </p:txBody>
+      </p:sp>
+      <p:sp>
+        <p:nvSpPr>
+          <p:cNvPr id="7" name="内容占位符 6">
+            <a:extLst>
+              <a:ext uri="{FF2B5EF4-FFF2-40B4-BE49-F238E27FC236}">
+                <a16:creationId xmlns:a16="http://schemas.microsoft.com/office/drawing/2014/main" id="{76193888-AD25-3DDB-38D3-243C1DBFBE64}"/>
+              </a:ext>
+            </a:extLst>
+          </p:cNvPr>
+          <p:cNvSpPr>
+            <a:spLocks noGrp="1"/>
+          </p:cNvSpPr>
+          <p:nvPr>
+            <p:ph sz="half" idx="2"/>
+          </p:nvPr>
+        </p:nvSpPr>
+        <p:spPr/>
+        <p:txBody>
+          <a:bodyPr/>
+          <a:lstStyle/>
+          <a:p>
+            <a:endParaRPr lang="zh-CN" altLang="en-US" dirty="0"/>
+          </a:p>
+        </p:txBody>
+      </p:sp>
+      <p:sp>
+        <p:nvSpPr>
+          <p:cNvPr id="8" name="文本占位符 7">
+            <a:extLst>
+              <a:ext uri="{FF2B5EF4-FFF2-40B4-BE49-F238E27FC236}">
+                <a16:creationId xmlns:a16="http://schemas.microsoft.com/office/drawing/2014/main" id="{092B3BD2-66AA-2E22-4AFC-7E6B923D5CF8}"/>
+              </a:ext>
+            </a:extLst>
+          </p:cNvPr>
+          <p:cNvSpPr>
+            <a:spLocks noGrp="1"/>
+          </p:cNvSpPr>
+          <p:nvPr>
+            <p:ph type="body" sz="quarter" idx="3"/>
+          </p:nvPr>
+        </p:nvSpPr>
+        <p:spPr/>
+        <p:txBody>
+          <a:bodyPr/>
+          <a:lstStyle/>
+          <a:p>
+            <a:endParaRPr lang="zh-CN" altLang="en-US" dirty="0"/>
+          </a:p>
+        </p:txBody>
+      </p:sp>
+      <p:sp>
+        <p:nvSpPr>
+          <p:cNvPr id="9" name="内容占位符 8">
+            <a:extLst>
+              <a:ext uri="{FF2B5EF4-FFF2-40B4-BE49-F238E27FC236}">
+                <a16:creationId xmlns:a16="http://schemas.microsoft.com/office/drawing/2014/main" id="{CB3466E4-31BA-B552-A761-04257785AA2C}"/>
+              </a:ext>
+            </a:extLst>
+          </p:cNvPr>
+          <p:cNvSpPr>
+            <a:spLocks noGrp="1"/>
+          </p:cNvSpPr>
+          <p:nvPr>
+            <p:ph sz="quarter" idx="4"/>
+          </p:nvPr>
+        </p:nvSpPr>
+        <p:spPr>
+          <a:xfrm>
+            <a:off x="7008812" y="3167857"/>
+            <a:ext cx="5183188" cy="3684588"/>
+          </a:xfrm>
+        </p:spPr>
+        <p:txBody>
+          <a:bodyPr/>
+          <a:lstStyle/>
+          <a:p>
+            <a:endParaRPr lang="zh-CN" altLang="en-US" dirty="0"/>
+          </a:p>
+        </p:txBody>
+      </p:sp>
+    </p:spTree>
+    <p:extLst>
+      <p:ext uri="{BB962C8B-B14F-4D97-AF65-F5344CB8AC3E}">
+        <p14:creationId xmlns:p14="http://schemas.microsoft.com/office/powerpoint/2010/main" val="1846078579"/>
       </p:ext>
     </p:extLst>
   </p:cSld>
@@ -4631,4 +5403,299 @@
     </a:ext>
   </a:extLst>
 </a:theme>
+</file>
+
+<file path=ppt/theme/theme2.xml><?xml version="1.0" encoding="utf-8"?>
+<a:theme xmlns:a="http://schemas.openxmlformats.org/drawingml/2006/main" name="Office 主题​​">
+  <a:themeElements>
+    <a:clrScheme name="Office">
+      <a:dk1>
+        <a:sysClr val="windowText" lastClr="000000"/>
+      </a:dk1>
+      <a:lt1>
+        <a:sysClr val="window" lastClr="FFFFFF"/>
+      </a:lt1>
+      <a:dk2>
+        <a:srgbClr val="44546A"/>
+      </a:dk2>
+      <a:lt2>
+        <a:srgbClr val="E7E6E6"/>
+      </a:lt2>
+      <a:accent1>
+        <a:srgbClr val="4472C4"/>
+      </a:accent1>
+      <a:accent2>
+        <a:srgbClr val="ED7D31"/>
+      </a:accent2>
+      <a:accent3>
+        <a:srgbClr val="A5A5A5"/>
+      </a:accent3>
+      <a:accent4>
+        <a:srgbClr val="FFC000"/>
+      </a:accent4>
+      <a:accent5>
+        <a:srgbClr val="5B9BD5"/>
+      </a:accent5>
+      <a:accent6>
+        <a:srgbClr val="70AD47"/>
+      </a:accent6>
+      <a:hlink>
+        <a:srgbClr val="0563C1"/>
+      </a:hlink>
+      <a:folHlink>
+        <a:srgbClr val="954F72"/>
+      </a:folHlink>
+    </a:clrScheme>
+    <a:fontScheme name="Office">
+      <a:majorFont>
+        <a:latin typeface="等线 Light" panose="020F0302020204030204"/>
+        <a:ea typeface=""/>
+        <a:cs typeface=""/>
+        <a:font script="Jpan" typeface="游ゴシック Light"/>
+        <a:font script="Hang" typeface="맑은 고딕"/>
+        <a:font script="Hans" typeface="等线 Light"/>
+        <a:font script="Hant" typeface="新細明體"/>
+        <a:font script="Arab" typeface="Times New Roman"/>
+        <a:font script="Hebr" typeface="Times New Roman"/>
+        <a:font script="Thai" typeface="Angsana New"/>
+        <a:font script="Ethi" typeface="Nyala"/>
+        <a:font script="Beng" typeface="Vrinda"/>
+        <a:font script="Gujr" typeface="Shruti"/>
+        <a:font script="Khmr" typeface="MoolBoran"/>
+        <a:font script="Knda" typeface="Tunga"/>
+        <a:font script="Guru" typeface="Raavi"/>
+        <a:font script="Cans" typeface="Euphemia"/>
+        <a:font script="Cher" typeface="Plantagenet Cherokee"/>
+        <a:font script="Yiii" typeface="Microsoft Yi Baiti"/>
+        <a:font script="Tibt" typeface="Microsoft Himalaya"/>
+        <a:font script="Thaa" typeface="MV Boli"/>
+        <a:font script="Deva" typeface="Mangal"/>
+        <a:font script="Telu" typeface="Gautami"/>
+        <a:font script="Taml" typeface="Latha"/>
+        <a:font script="Syrc" typeface="Estrangelo Edessa"/>
+        <a:font script="Orya" typeface="Kalinga"/>
+        <a:font script="Mlym" typeface="Kartika"/>
+        <a:font script="Laoo" typeface="DokChampa"/>
+        <a:font script="Sinh" typeface="Iskoola Pota"/>
+        <a:font script="Mong" typeface="Mongolian Baiti"/>
+        <a:font script="Viet" typeface="Times New Roman"/>
+        <a:font script="Uigh" typeface="Microsoft Uighur"/>
+        <a:font script="Geor" typeface="Sylfaen"/>
+        <a:font script="Armn" typeface="Arial"/>
+        <a:font script="Bugi" typeface="Leelawadee UI"/>
+        <a:font script="Bopo" typeface="Microsoft JhengHei"/>
+        <a:font script="Java" typeface="Javanese Text"/>
+        <a:font script="Lisu" typeface="Segoe UI"/>
+        <a:font script="Mymr" typeface="Myanmar Text"/>
+        <a:font script="Nkoo" typeface="Ebrima"/>
+        <a:font script="Olck" typeface="Nirmala UI"/>
+        <a:font script="Osma" typeface="Ebrima"/>
+        <a:font script="Phag" typeface="Phagspa"/>
+        <a:font script="Syrn" typeface="Estrangelo Edessa"/>
+        <a:font script="Syrj" typeface="Estrangelo Edessa"/>
+        <a:font script="Syre" typeface="Estrangelo Edessa"/>
+        <a:font script="Sora" typeface="Nirmala UI"/>
+        <a:font script="Tale" typeface="Microsoft Tai Le"/>
+        <a:font script="Talu" typeface="Microsoft New Tai Lue"/>
+        <a:font script="Tfng" typeface="Ebrima"/>
+      </a:majorFont>
+      <a:minorFont>
+        <a:latin typeface="等线" panose="020F0502020204030204"/>
+        <a:ea typeface=""/>
+        <a:cs typeface=""/>
+        <a:font script="Jpan" typeface="游ゴシック"/>
+        <a:font script="Hang" typeface="맑은 고딕"/>
+        <a:font script="Hans" typeface="等线"/>
+        <a:font script="Hant" typeface="新細明體"/>
+        <a:font script="Arab" typeface="Arial"/>
+        <a:font script="Hebr" typeface="Arial"/>
+        <a:font script="Thai" typeface="Cordia New"/>
+        <a:font script="Ethi" typeface="Nyala"/>
+        <a:font script="Beng" typeface="Vrinda"/>
+        <a:font script="Gujr" typeface="Shruti"/>
+        <a:font script="Khmr" typeface="DaunPenh"/>
+        <a:font script="Knda" typeface="Tunga"/>
+        <a:font script="Guru" typeface="Raavi"/>
+        <a:font script="Cans" typeface="Euphemia"/>
+        <a:font script="Cher" typeface="Plantagenet Cherokee"/>
+        <a:font script="Yiii" typeface="Microsoft Yi Baiti"/>
+        <a:font script="Tibt" typeface="Microsoft Himalaya"/>
+        <a:font script="Thaa" typeface="MV Boli"/>
+        <a:font script="Deva" typeface="Mangal"/>
+        <a:font script="Telu" typeface="Gautami"/>
+        <a:font script="Taml" typeface="Latha"/>
+        <a:font script="Syrc" typeface="Estrangelo Edessa"/>
+        <a:font script="Orya" typeface="Kalinga"/>
+        <a:font script="Mlym" typeface="Kartika"/>
+        <a:font script="Laoo" typeface="DokChampa"/>
+        <a:font script="Sinh" typeface="Iskoola Pota"/>
+        <a:font script="Mong" typeface="Mongolian Baiti"/>
+        <a:font script="Viet" typeface="Arial"/>
+        <a:font script="Uigh" typeface="Microsoft Uighur"/>
+        <a:font script="Geor" typeface="Sylfaen"/>
+        <a:font script="Armn" typeface="Arial"/>
+        <a:font script="Bugi" typeface="Leelawadee UI"/>
+        <a:font script="Bopo" typeface="Microsoft JhengHei"/>
+        <a:font script="Java" typeface="Javanese Text"/>
+        <a:font script="Lisu" typeface="Segoe UI"/>
+        <a:font script="Mymr" typeface="Myanmar Text"/>
+        <a:font script="Nkoo" typeface="Ebrima"/>
+        <a:font script="Olck" typeface="Nirmala UI"/>
+        <a:font script="Osma" typeface="Ebrima"/>
+        <a:font script="Phag" typeface="Phagspa"/>
+        <a:font script="Syrn" typeface="Estrangelo Edessa"/>
+        <a:font script="Syrj" typeface="Estrangelo Edessa"/>
+        <a:font script="Syre" typeface="Estrangelo Edessa"/>
+        <a:font script="Sora" typeface="Nirmala UI"/>
+        <a:font script="Tale" typeface="Microsoft Tai Le"/>
+        <a:font script="Talu" typeface="Microsoft New Tai Lue"/>
+        <a:font script="Tfng" typeface="Ebrima"/>
+      </a:minorFont>
+    </a:fontScheme>
+    <a:fmtScheme name="Office">
+      <a:fillStyleLst>
+        <a:solidFill>
+          <a:schemeClr val="phClr"/>
+        </a:solidFill>
+        <a:gradFill rotWithShape="1">
+          <a:gsLst>
+            <a:gs pos="0">
+              <a:schemeClr val="phClr">
+                <a:lumMod val="110000"/>
+                <a:satMod val="105000"/>
+                <a:tint val="67000"/>
+              </a:schemeClr>
+            </a:gs>
+            <a:gs pos="50000">
+              <a:schemeClr val="phClr">
+                <a:lumMod val="105000"/>
+                <a:satMod val="103000"/>
+                <a:tint val="73000"/>
+              </a:schemeClr>
+            </a:gs>
+            <a:gs pos="100000">
+              <a:schemeClr val="phClr">
+                <a:lumMod val="105000"/>
+                <a:satMod val="109000"/>
+                <a:tint val="81000"/>
+              </a:schemeClr>
+            </a:gs>
+          </a:gsLst>
+          <a:lin ang="5400000" scaled="0"/>
+        </a:gradFill>
+        <a:gradFill rotWithShape="1">
+          <a:gsLst>
+            <a:gs pos="0">
+              <a:schemeClr val="phClr">
+                <a:satMod val="103000"/>
+                <a:lumMod val="102000"/>
+                <a:tint val="94000"/>
+              </a:schemeClr>
+            </a:gs>
+            <a:gs pos="50000">
+              <a:schemeClr val="phClr">
+                <a:satMod val="110000"/>
+                <a:lumMod val="100000"/>
+                <a:shade val="100000"/>
+              </a:schemeClr>
+            </a:gs>
+            <a:gs pos="100000">
+              <a:schemeClr val="phClr">
+                <a:lumMod val="99000"/>
+                <a:satMod val="120000"/>
+                <a:shade val="78000"/>
+              </a:schemeClr>
+            </a:gs>
+          </a:gsLst>
+          <a:lin ang="5400000" scaled="0"/>
+        </a:gradFill>
+      </a:fillStyleLst>
+      <a:lnStyleLst>
+        <a:ln w="6350" cap="flat" cmpd="sng" algn="ctr">
+          <a:solidFill>
+            <a:schemeClr val="phClr"/>
+          </a:solidFill>
+          <a:prstDash val="solid"/>
+          <a:miter lim="800000"/>
+        </a:ln>
+        <a:ln w="12700" cap="flat" cmpd="sng" algn="ctr">
+          <a:solidFill>
+            <a:schemeClr val="phClr"/>
+          </a:solidFill>
+          <a:prstDash val="solid"/>
+          <a:miter lim="800000"/>
+        </a:ln>
+        <a:ln w="19050" cap="flat" cmpd="sng" algn="ctr">
+          <a:solidFill>
+            <a:schemeClr val="phClr"/>
+          </a:solidFill>
+          <a:prstDash val="solid"/>
+          <a:miter lim="800000"/>
+        </a:ln>
+      </a:lnStyleLst>
+      <a:effectStyleLst>
+        <a:effectStyle>
+          <a:effectLst/>
+        </a:effectStyle>
+        <a:effectStyle>
+          <a:effectLst/>
+        </a:effectStyle>
+        <a:effectStyle>
+          <a:effectLst>
+            <a:outerShdw blurRad="57150" dist="19050" dir="5400000" algn="ctr" rotWithShape="0">
+              <a:srgbClr val="000000">
+                <a:alpha val="63000"/>
+              </a:srgbClr>
+            </a:outerShdw>
+          </a:effectLst>
+        </a:effectStyle>
+      </a:effectStyleLst>
+      <a:bgFillStyleLst>
+        <a:solidFill>
+          <a:schemeClr val="phClr"/>
+        </a:solidFill>
+        <a:solidFill>
+          <a:schemeClr val="phClr">
+            <a:tint val="95000"/>
+            <a:satMod val="170000"/>
+          </a:schemeClr>
+        </a:solidFill>
+        <a:gradFill rotWithShape="1">
+          <a:gsLst>
+            <a:gs pos="0">
+              <a:schemeClr val="phClr">
+                <a:tint val="93000"/>
+                <a:satMod val="150000"/>
+                <a:shade val="98000"/>
+                <a:lumMod val="102000"/>
+              </a:schemeClr>
+            </a:gs>
+            <a:gs pos="50000">
+              <a:schemeClr val="phClr">
+                <a:tint val="98000"/>
+                <a:satMod val="130000"/>
+                <a:shade val="90000"/>
+                <a:lumMod val="103000"/>
+              </a:schemeClr>
+            </a:gs>
+            <a:gs pos="100000">
+              <a:schemeClr val="phClr">
+                <a:shade val="63000"/>
+                <a:satMod val="120000"/>
+              </a:schemeClr>
+            </a:gs>
+          </a:gsLst>
+          <a:lin ang="5400000" scaled="0"/>
+        </a:gradFill>
+      </a:bgFillStyleLst>
+    </a:fmtScheme>
+  </a:themeElements>
+  <a:objectDefaults/>
+  <a:extraClrSchemeLst/>
+  <a:extLst>
+    <a:ext uri="{05A4C25C-085E-4340-85A3-A5531E510DB2}">
+      <thm15:themeFamily xmlns:thm15="http://schemas.microsoft.com/office/thememl/2012/main" name="Office Theme" id="{62F939B6-93AF-4DB8-9C6B-D6C7DFDC589F}" vid="{4A3C46E8-61CC-4603-A589-7422A47A8E4A}"/>
+    </a:ext>
+  </a:extLst>
+</a:theme>
 </file>
--- a/assets/ppt/simple.pptx
+++ b/assets/ppt/simple.pptx
@@ -211,7 +211,7 @@
           <a:p>
             <a:fld id="{561015B1-ED29-F04F-B696-7C731FF4B4B4}" type="datetimeFigureOut">
               <a:rPr kumimoji="1" lang="zh-CN" altLang="en-US" smtClean="0"/>
-              <a:t>2024/3/24</a:t>
+              <a:t>2024/3/25</a:t>
             </a:fld>
             <a:endParaRPr kumimoji="1" lang="zh-CN" altLang="en-US"/>
           </a:p>
@@ -742,7 +742,7 @@
           <a:p>
             <a:fld id="{DEDA17D1-6590-4570-9DF1-29A4B3C6B8EE}" type="datetimeFigureOut">
               <a:rPr lang="zh-CN" altLang="en-US" smtClean="0"/>
-              <a:t>2024/3/24</a:t>
+              <a:t>2024/3/25</a:t>
             </a:fld>
             <a:endParaRPr lang="zh-CN" altLang="en-US"/>
           </a:p>
@@ -989,7 +989,7 @@
           <a:p>
             <a:fld id="{DEDA17D1-6590-4570-9DF1-29A4B3C6B8EE}" type="datetimeFigureOut">
               <a:rPr lang="zh-CN" altLang="en-US" smtClean="0"/>
-              <a:t>2024/3/24</a:t>
+              <a:t>2024/3/25</a:t>
             </a:fld>
             <a:endParaRPr lang="zh-CN" altLang="en-US"/>
           </a:p>
@@ -1197,7 +1197,7 @@
           <a:p>
             <a:fld id="{DEDA17D1-6590-4570-9DF1-29A4B3C6B8EE}" type="datetimeFigureOut">
               <a:rPr lang="zh-CN" altLang="en-US" smtClean="0"/>
-              <a:t>2024/3/24</a:t>
+              <a:t>2024/3/25</a:t>
             </a:fld>
             <a:endParaRPr lang="zh-CN" altLang="en-US"/>
           </a:p>
@@ -1395,7 +1395,7 @@
           <a:p>
             <a:fld id="{DEDA17D1-6590-4570-9DF1-29A4B3C6B8EE}" type="datetimeFigureOut">
               <a:rPr lang="zh-CN" altLang="en-US" smtClean="0"/>
-              <a:t>2024/3/24</a:t>
+              <a:t>2024/3/25</a:t>
             </a:fld>
             <a:endParaRPr lang="zh-CN" altLang="en-US"/>
           </a:p>
@@ -1670,7 +1670,7 @@
           <a:p>
             <a:fld id="{DEDA17D1-6590-4570-9DF1-29A4B3C6B8EE}" type="datetimeFigureOut">
               <a:rPr lang="zh-CN" altLang="en-US" smtClean="0"/>
-              <a:t>2024/3/24</a:t>
+              <a:t>2024/3/25</a:t>
             </a:fld>
             <a:endParaRPr lang="zh-CN" altLang="en-US"/>
           </a:p>
@@ -1935,7 +1935,7 @@
           <a:p>
             <a:fld id="{DEDA17D1-6590-4570-9DF1-29A4B3C6B8EE}" type="datetimeFigureOut">
               <a:rPr lang="zh-CN" altLang="en-US" smtClean="0"/>
-              <a:t>2024/3/24</a:t>
+              <a:t>2024/3/25</a:t>
             </a:fld>
             <a:endParaRPr lang="zh-CN" altLang="en-US"/>
           </a:p>
@@ -2356,7 +2356,7 @@
           <a:p>
             <a:fld id="{DEDA17D1-6590-4570-9DF1-29A4B3C6B8EE}" type="datetimeFigureOut">
               <a:rPr lang="zh-CN" altLang="en-US" smtClean="0"/>
-              <a:t>2024/3/24</a:t>
+              <a:t>2024/3/25</a:t>
             </a:fld>
             <a:endParaRPr lang="zh-CN" altLang="en-US"/>
           </a:p>
@@ -2497,7 +2497,7 @@
           <a:p>
             <a:fld id="{DEDA17D1-6590-4570-9DF1-29A4B3C6B8EE}" type="datetimeFigureOut">
               <a:rPr lang="zh-CN" altLang="en-US" smtClean="0"/>
-              <a:t>2024/3/24</a:t>
+              <a:t>2024/3/25</a:t>
             </a:fld>
             <a:endParaRPr lang="zh-CN" altLang="en-US"/>
           </a:p>
@@ -2610,7 +2610,7 @@
           <a:p>
             <a:fld id="{DEDA17D1-6590-4570-9DF1-29A4B3C6B8EE}" type="datetimeFigureOut">
               <a:rPr lang="zh-CN" altLang="en-US" smtClean="0"/>
-              <a:t>2024/3/24</a:t>
+              <a:t>2024/3/25</a:t>
             </a:fld>
             <a:endParaRPr lang="zh-CN" altLang="en-US"/>
           </a:p>
@@ -2921,7 +2921,7 @@
           <a:p>
             <a:fld id="{DEDA17D1-6590-4570-9DF1-29A4B3C6B8EE}" type="datetimeFigureOut">
               <a:rPr lang="zh-CN" altLang="en-US" smtClean="0"/>
-              <a:t>2024/3/24</a:t>
+              <a:t>2024/3/25</a:t>
             </a:fld>
             <a:endParaRPr lang="zh-CN" altLang="en-US"/>
           </a:p>
@@ -3209,7 +3209,7 @@
           <a:p>
             <a:fld id="{DEDA17D1-6590-4570-9DF1-29A4B3C6B8EE}" type="datetimeFigureOut">
               <a:rPr lang="zh-CN" altLang="en-US" smtClean="0"/>
-              <a:t>2024/3/24</a:t>
+              <a:t>2024/3/25</a:t>
             </a:fld>
             <a:endParaRPr lang="zh-CN" altLang="en-US"/>
           </a:p>
@@ -3478,7 +3478,7 @@
           <a:p>
             <a:fld id="{DEDA17D1-6590-4570-9DF1-29A4B3C6B8EE}" type="datetimeFigureOut">
               <a:rPr lang="zh-CN" altLang="en-US" smtClean="0"/>
-              <a:t>2024/3/24</a:t>
+              <a:t>2024/3/25</a:t>
             </a:fld>
             <a:endParaRPr lang="zh-CN" altLang="en-US"/>
           </a:p>
@@ -4045,12 +4045,15 @@
         </p:blipFill>
         <p:spPr>
           <a:xfrm>
-            <a:off x="5754439" y="581603"/>
-            <a:ext cx="3210927" cy="1269775"/>
+            <a:off x="5754439" y="581602"/>
+            <a:ext cx="4191000" cy="1657350"/>
           </a:xfrm>
           <a:prstGeom prst="rect">
             <a:avLst/>
           </a:prstGeom>
+          <a:solidFill>
+            <a:schemeClr val="accent1"/>
+          </a:solidFill>
         </p:spPr>
       </p:pic>
       <p:sp>
@@ -4567,12 +4570,13 @@
           <a:prstGeom prst="rect">
             <a:avLst/>
           </a:prstGeom>
-          <a:gradFill>
+          <a:gradFill flip="none" rotWithShape="1">
             <a:gsLst>
               <a:gs pos="0">
                 <a:schemeClr val="accent1">
                   <a:lumMod val="5000"/>
                   <a:lumOff val="95000"/>
+                  <a:alpha val="57000"/>
                 </a:schemeClr>
               </a:gs>
               <a:gs pos="39000">
@@ -4595,6 +4599,7 @@
               </a:gs>
             </a:gsLst>
             <a:lin ang="5400000" scaled="1"/>
+            <a:tileRect/>
           </a:gradFill>
         </p:spPr>
         <p:style>
@@ -4643,8 +4648,10 @@
             <a:avLst/>
           </a:prstGeom>
           <a:blipFill>
-            <a:blip r:embed="rId2"/>
-            <a:tile tx="0" ty="0" sx="100000" sy="100000" flip="none" algn="tl"/>
+            <a:blip r:embed="rId2">
+              <a:alphaModFix amt="78000"/>
+            </a:blip>
+            <a:tile tx="12700" ty="25400" sx="10000" sy="100000" flip="y" algn="tl"/>
           </a:blipFill>
         </p:spPr>
         <p:style>
@@ -4692,10 +4699,11 @@
           <a:prstGeom prst="rect">
             <a:avLst/>
           </a:prstGeom>
-          <a:blipFill>
+          <a:blipFill dpi="0" rotWithShape="1">
             <a:blip r:embed="rId3"/>
+            <a:srcRect/>
             <a:stretch>
-              <a:fillRect/>
+              <a:fillRect l="20000" t="40000" r="30000" b="50000"/>
             </a:stretch>
           </a:blipFill>
         </p:spPr>
@@ -4738,7 +4746,7 @@
         </p:nvSpPr>
         <p:spPr>
           <a:xfrm>
-            <a:off x="447758" y="3796957"/>
+            <a:off x="2812782" y="3796955"/>
             <a:ext cx="1873956" cy="2573867"/>
           </a:xfrm>
           <a:prstGeom prst="rect">
@@ -4749,9 +4757,18 @@
               <a:schemeClr val="accent1"/>
             </a:fgClr>
             <a:bgClr>
-              <a:schemeClr val="bg1"/>
+              <a:schemeClr val="accent2">
+                <a:lumMod val="75000"/>
+              </a:schemeClr>
             </a:bgClr>
           </a:pattFill>
+          <a:ln>
+            <a:solidFill>
+              <a:schemeClr val="accent1">
+                <a:shade val="15000"/>
+              </a:schemeClr>
+            </a:solidFill>
+          </a:ln>
         </p:spPr>
         <p:style>
           <a:lnRef idx="2">
@@ -4792,12 +4809,110 @@
         </p:nvSpPr>
         <p:spPr>
           <a:xfrm>
-            <a:off x="2812782" y="3796956"/>
+            <a:off x="5177806" y="3796954"/>
             <a:ext cx="1873956" cy="2573867"/>
           </a:xfrm>
           <a:prstGeom prst="rect">
             <a:avLst/>
           </a:prstGeom>
+          <a:ln w="101600" cap="flat">
+            <a:solidFill>
+              <a:schemeClr val="accent1">
+                <a:shade val="15000"/>
+              </a:schemeClr>
+            </a:solidFill>
+            <a:round/>
+          </a:ln>
+        </p:spPr>
+        <p:style>
+          <a:lnRef idx="2">
+            <a:schemeClr val="accent1">
+              <a:shade val="15000"/>
+            </a:schemeClr>
+          </a:lnRef>
+          <a:fillRef idx="1">
+            <a:schemeClr val="accent1"/>
+          </a:fillRef>
+          <a:effectRef idx="0">
+            <a:schemeClr val="accent1"/>
+          </a:effectRef>
+          <a:fontRef idx="minor">
+            <a:schemeClr val="lt1"/>
+          </a:fontRef>
+        </p:style>
+        <p:txBody>
+          <a:bodyPr rtlCol="0" anchor="ctr"/>
+          <a:lstStyle/>
+          <a:p>
+            <a:pPr algn="ctr"/>
+            <a:endParaRPr lang="zh-CN" altLang="en-US"/>
+          </a:p>
+        </p:txBody>
+      </p:sp>
+      <p:sp>
+        <p:nvSpPr>
+          <p:cNvPr id="7" name="文本框 6">
+            <a:extLst>
+              <a:ext uri="{FF2B5EF4-FFF2-40B4-BE49-F238E27FC236}">
+                <a16:creationId xmlns:a16="http://schemas.microsoft.com/office/drawing/2014/main" id="{2A560BB0-CA10-184C-A37B-EE63FDE61634}"/>
+              </a:ext>
+            </a:extLst>
+          </p:cNvPr>
+          <p:cNvSpPr txBox="1"/>
+          <p:nvPr/>
+        </p:nvSpPr>
+        <p:spPr>
+          <a:xfrm>
+            <a:off x="641445" y="109182"/>
+            <a:ext cx="646331" cy="369332"/>
+          </a:xfrm>
+          <a:prstGeom prst="rect">
+            <a:avLst/>
+          </a:prstGeom>
+          <a:noFill/>
+        </p:spPr>
+        <p:txBody>
+          <a:bodyPr wrap="none" rtlCol="0">
+            <a:spAutoFit/>
+          </a:bodyPr>
+          <a:lstStyle/>
+          <a:p>
+            <a:r>
+              <a:rPr kumimoji="1" lang="zh-CN" altLang="en-US" dirty="0">
+                <a:solidFill>
+                  <a:srgbClr val="FF0000"/>
+                </a:solidFill>
+              </a:rPr>
+              <a:t>填充</a:t>
+            </a:r>
+          </a:p>
+        </p:txBody>
+      </p:sp>
+      <p:sp>
+        <p:nvSpPr>
+          <p:cNvPr id="12" name="矩形 11">
+            <a:extLst>
+              <a:ext uri="{FF2B5EF4-FFF2-40B4-BE49-F238E27FC236}">
+                <a16:creationId xmlns:a16="http://schemas.microsoft.com/office/drawing/2014/main" id="{F52E9BFE-F635-584A-9088-AF7D616F2129}"/>
+              </a:ext>
+            </a:extLst>
+          </p:cNvPr>
+          <p:cNvSpPr/>
+          <p:nvPr/>
+        </p:nvSpPr>
+        <p:spPr>
+          <a:xfrm>
+            <a:off x="447758" y="3776578"/>
+            <a:ext cx="1873956" cy="2573867"/>
+          </a:xfrm>
+          <a:prstGeom prst="rect">
+            <a:avLst/>
+          </a:prstGeom>
+          <a:blipFill dpi="0" rotWithShape="1">
+            <a:blip r:embed="rId3"/>
+            <a:srcRect/>
+            <a:tile tx="12700" ty="25400" sx="10000" sy="100000" flip="y" algn="tl"/>
+          </a:blipFill>
         </p:spPr>
         <p:style>
           <a:lnRef idx="2">
@@ -4888,10 +5003,45 @@
       </p:grpSpPr>
       <p:sp>
         <p:nvSpPr>
-          <p:cNvPr id="2" name="矩形 1">
-            <a:extLst>
-              <a:ext uri="{FF2B5EF4-FFF2-40B4-BE49-F238E27FC236}">
-                <a16:creationId xmlns:a16="http://schemas.microsoft.com/office/drawing/2014/main" id="{44681E2D-2804-5C4C-91EB-AC1F50671C41}"/>
+          <p:cNvPr id="3" name="文本框 2">
+            <a:extLst>
+              <a:ext uri="{FF2B5EF4-FFF2-40B4-BE49-F238E27FC236}">
+                <a16:creationId xmlns:a16="http://schemas.microsoft.com/office/drawing/2014/main" id="{A2928E4C-87F7-A74E-A39A-D9CE744723B5}"/>
+              </a:ext>
+            </a:extLst>
+          </p:cNvPr>
+          <p:cNvSpPr txBox="1"/>
+          <p:nvPr/>
+        </p:nvSpPr>
+        <p:spPr>
+          <a:xfrm>
+            <a:off x="696036" y="504967"/>
+            <a:ext cx="1338828" cy="369332"/>
+          </a:xfrm>
+          <a:prstGeom prst="rect">
+            <a:avLst/>
+          </a:prstGeom>
+          <a:noFill/>
+        </p:spPr>
+        <p:txBody>
+          <a:bodyPr wrap="none" rtlCol="0">
+            <a:spAutoFit/>
+          </a:bodyPr>
+          <a:lstStyle/>
+          <a:p>
+            <a:r>
+              <a:rPr kumimoji="1" lang="zh-CN" altLang="en-US" dirty="0"/>
+              <a:t>纯色透明度</a:t>
+            </a:r>
+          </a:p>
+        </p:txBody>
+      </p:sp>
+      <p:sp>
+        <p:nvSpPr>
+          <p:cNvPr id="4" name="矩形 3">
+            <a:extLst>
+              <a:ext uri="{FF2B5EF4-FFF2-40B4-BE49-F238E27FC236}">
+                <a16:creationId xmlns:a16="http://schemas.microsoft.com/office/drawing/2014/main" id="{302683A1-21C3-1D46-AF5D-9FCEF4886564}"/>
               </a:ext>
             </a:extLst>
           </p:cNvPr>
@@ -4900,8 +5050,67 @@
         </p:nvSpPr>
         <p:spPr>
           <a:xfrm>
-            <a:off x="0" y="0"/>
-            <a:ext cx="12192000" cy="6858000"/>
+            <a:off x="818866" y="1514901"/>
+            <a:ext cx="2756847" cy="1405720"/>
+          </a:xfrm>
+          <a:prstGeom prst="rect">
+            <a:avLst/>
+          </a:prstGeom>
+          <a:solidFill>
+            <a:schemeClr val="accent1">
+              <a:alpha val="27000"/>
+            </a:schemeClr>
+          </a:solidFill>
+        </p:spPr>
+        <p:style>
+          <a:lnRef idx="2">
+            <a:schemeClr val="accent1">
+              <a:shade val="50000"/>
+            </a:schemeClr>
+          </a:lnRef>
+          <a:fillRef idx="1">
+            <a:schemeClr val="accent1"/>
+          </a:fillRef>
+          <a:effectRef idx="0">
+            <a:schemeClr val="accent1"/>
+          </a:effectRef>
+          <a:fontRef idx="minor">
+            <a:schemeClr val="lt1"/>
+          </a:fontRef>
+        </p:style>
+        <p:txBody>
+          <a:bodyPr rtlCol="0" anchor="ctr"/>
+          <a:lstStyle/>
+          <a:p>
+            <a:pPr algn="ctr"/>
+            <a:r>
+              <a:rPr kumimoji="1" lang="zh-CN" altLang="en-US" dirty="0"/>
+              <a:t>透明度</a:t>
+            </a:r>
+            <a:r>
+              <a:rPr kumimoji="1" lang="en-US" altLang="zh-CN" dirty="0"/>
+              <a:t>0.73</a:t>
+            </a:r>
+            <a:endParaRPr kumimoji="1" lang="zh-CN" altLang="en-US" dirty="0"/>
+          </a:p>
+        </p:txBody>
+      </p:sp>
+      <p:sp>
+        <p:nvSpPr>
+          <p:cNvPr id="5" name="矩形 4">
+            <a:extLst>
+              <a:ext uri="{FF2B5EF4-FFF2-40B4-BE49-F238E27FC236}">
+                <a16:creationId xmlns:a16="http://schemas.microsoft.com/office/drawing/2014/main" id="{BC46521C-4D0D-2C48-952F-3307495ACEC8}"/>
+              </a:ext>
+            </a:extLst>
+          </p:cNvPr>
+          <p:cNvSpPr/>
+          <p:nvPr/>
+        </p:nvSpPr>
+        <p:spPr>
+          <a:xfrm>
+            <a:off x="4353636" y="1514901"/>
+            <a:ext cx="2879678" cy="1405719"/>
           </a:xfrm>
           <a:prstGeom prst="rect">
             <a:avLst/>
@@ -4928,7 +5137,128 @@
           <a:lstStyle/>
           <a:p>
             <a:pPr algn="ctr"/>
-            <a:endParaRPr kumimoji="1" lang="zh-CN" altLang="en-US"/>
+            <a:r>
+              <a:rPr kumimoji="1" lang="zh-CN" altLang="en-US" dirty="0"/>
+              <a:t>不透明</a:t>
+            </a:r>
+          </a:p>
+        </p:txBody>
+      </p:sp>
+      <p:sp>
+        <p:nvSpPr>
+          <p:cNvPr id="6" name="矩形 5">
+            <a:extLst>
+              <a:ext uri="{FF2B5EF4-FFF2-40B4-BE49-F238E27FC236}">
+                <a16:creationId xmlns:a16="http://schemas.microsoft.com/office/drawing/2014/main" id="{2A06FEBC-23E0-D84C-ACA7-85728C66CF22}"/>
+              </a:ext>
+            </a:extLst>
+          </p:cNvPr>
+          <p:cNvSpPr/>
+          <p:nvPr/>
+        </p:nvSpPr>
+        <p:spPr>
+          <a:xfrm>
+            <a:off x="818866" y="3916907"/>
+            <a:ext cx="2756847" cy="1269242"/>
+          </a:xfrm>
+          <a:prstGeom prst="rect">
+            <a:avLst/>
+          </a:prstGeom>
+          <a:solidFill>
+            <a:srgbClr val="C40041">
+              <a:alpha val="84000"/>
+            </a:srgbClr>
+          </a:solidFill>
+        </p:spPr>
+        <p:style>
+          <a:lnRef idx="2">
+            <a:schemeClr val="accent1">
+              <a:shade val="50000"/>
+            </a:schemeClr>
+          </a:lnRef>
+          <a:fillRef idx="1">
+            <a:schemeClr val="accent1"/>
+          </a:fillRef>
+          <a:effectRef idx="0">
+            <a:schemeClr val="accent1"/>
+          </a:effectRef>
+          <a:fontRef idx="minor">
+            <a:schemeClr val="lt1"/>
+          </a:fontRef>
+        </p:style>
+        <p:txBody>
+          <a:bodyPr rtlCol="0" anchor="ctr"/>
+          <a:lstStyle/>
+          <a:p>
+            <a:pPr algn="ctr"/>
+            <a:r>
+              <a:rPr kumimoji="1" lang="zh-CN" altLang="en-US" dirty="0"/>
+              <a:t>自定义颜色透明度</a:t>
+            </a:r>
+            <a:r>
+              <a:rPr kumimoji="1" lang="en-US" altLang="zh-CN" dirty="0"/>
+              <a:t>0.16</a:t>
+            </a:r>
+            <a:endParaRPr kumimoji="1" lang="zh-CN" altLang="en-US" dirty="0"/>
+          </a:p>
+        </p:txBody>
+      </p:sp>
+      <p:sp>
+        <p:nvSpPr>
+          <p:cNvPr id="7" name="矩形 6">
+            <a:extLst>
+              <a:ext uri="{FF2B5EF4-FFF2-40B4-BE49-F238E27FC236}">
+                <a16:creationId xmlns:a16="http://schemas.microsoft.com/office/drawing/2014/main" id="{5E6AA4F6-6450-394C-A3C5-383161D258B4}"/>
+              </a:ext>
+            </a:extLst>
+          </p:cNvPr>
+          <p:cNvSpPr/>
+          <p:nvPr/>
+        </p:nvSpPr>
+        <p:spPr>
+          <a:xfrm>
+            <a:off x="4353636" y="3916907"/>
+            <a:ext cx="2879678" cy="1269242"/>
+          </a:xfrm>
+          <a:prstGeom prst="rect">
+            <a:avLst/>
+          </a:prstGeom>
+          <a:solidFill>
+            <a:srgbClr val="791D3E">
+              <a:alpha val="50196"/>
+            </a:srgbClr>
+          </a:solidFill>
+        </p:spPr>
+        <p:style>
+          <a:lnRef idx="2">
+            <a:schemeClr val="accent1">
+              <a:shade val="50000"/>
+            </a:schemeClr>
+          </a:lnRef>
+          <a:fillRef idx="1">
+            <a:schemeClr val="accent1"/>
+          </a:fillRef>
+          <a:effectRef idx="0">
+            <a:schemeClr val="accent1"/>
+          </a:effectRef>
+          <a:fontRef idx="minor">
+            <a:schemeClr val="lt1"/>
+          </a:fontRef>
+        </p:style>
+        <p:txBody>
+          <a:bodyPr rtlCol="0" anchor="ctr"/>
+          <a:lstStyle/>
+          <a:p>
+            <a:pPr algn="ctr"/>
+            <a:r>
+              <a:rPr kumimoji="1" lang="zh-CN" altLang="en-US" dirty="0"/>
+              <a:t>自定义内部颜色</a:t>
+            </a:r>
+            <a:r>
+              <a:rPr kumimoji="1" lang="en-US" altLang="zh-CN"/>
+              <a:t>0.5</a:t>
+            </a:r>
+            <a:endParaRPr kumimoji="1" lang="zh-CN" altLang="en-US" dirty="0"/>
           </a:p>
         </p:txBody>
       </p:sp>

--- a/assets/ppt/simple.pptx
+++ b/assets/ppt/simple.pptx
@@ -211,7 +211,7 @@
           <a:p>
             <a:fld id="{561015B1-ED29-F04F-B696-7C731FF4B4B4}" type="datetimeFigureOut">
               <a:rPr kumimoji="1" lang="zh-CN" altLang="en-US" smtClean="0"/>
-              <a:t>2024/3/25</a:t>
+              <a:t>2024/3/26</a:t>
             </a:fld>
             <a:endParaRPr kumimoji="1" lang="zh-CN" altLang="en-US"/>
           </a:p>
@@ -742,7 +742,7 @@
           <a:p>
             <a:fld id="{DEDA17D1-6590-4570-9DF1-29A4B3C6B8EE}" type="datetimeFigureOut">
               <a:rPr lang="zh-CN" altLang="en-US" smtClean="0"/>
-              <a:t>2024/3/25</a:t>
+              <a:t>2024/3/26</a:t>
             </a:fld>
             <a:endParaRPr lang="zh-CN" altLang="en-US"/>
           </a:p>
@@ -989,7 +989,7 @@
           <a:p>
             <a:fld id="{DEDA17D1-6590-4570-9DF1-29A4B3C6B8EE}" type="datetimeFigureOut">
               <a:rPr lang="zh-CN" altLang="en-US" smtClean="0"/>
-              <a:t>2024/3/25</a:t>
+              <a:t>2024/3/26</a:t>
             </a:fld>
             <a:endParaRPr lang="zh-CN" altLang="en-US"/>
           </a:p>
@@ -1197,7 +1197,7 @@
           <a:p>
             <a:fld id="{DEDA17D1-6590-4570-9DF1-29A4B3C6B8EE}" type="datetimeFigureOut">
               <a:rPr lang="zh-CN" altLang="en-US" smtClean="0"/>
-              <a:t>2024/3/25</a:t>
+              <a:t>2024/3/26</a:t>
             </a:fld>
             <a:endParaRPr lang="zh-CN" altLang="en-US"/>
           </a:p>
@@ -1395,7 +1395,7 @@
           <a:p>
             <a:fld id="{DEDA17D1-6590-4570-9DF1-29A4B3C6B8EE}" type="datetimeFigureOut">
               <a:rPr lang="zh-CN" altLang="en-US" smtClean="0"/>
-              <a:t>2024/3/25</a:t>
+              <a:t>2024/3/26</a:t>
             </a:fld>
             <a:endParaRPr lang="zh-CN" altLang="en-US"/>
           </a:p>
@@ -1670,7 +1670,7 @@
           <a:p>
             <a:fld id="{DEDA17D1-6590-4570-9DF1-29A4B3C6B8EE}" type="datetimeFigureOut">
               <a:rPr lang="zh-CN" altLang="en-US" smtClean="0"/>
-              <a:t>2024/3/25</a:t>
+              <a:t>2024/3/26</a:t>
             </a:fld>
             <a:endParaRPr lang="zh-CN" altLang="en-US"/>
           </a:p>
@@ -1935,7 +1935,7 @@
           <a:p>
             <a:fld id="{DEDA17D1-6590-4570-9DF1-29A4B3C6B8EE}" type="datetimeFigureOut">
               <a:rPr lang="zh-CN" altLang="en-US" smtClean="0"/>
-              <a:t>2024/3/25</a:t>
+              <a:t>2024/3/26</a:t>
             </a:fld>
             <a:endParaRPr lang="zh-CN" altLang="en-US"/>
           </a:p>
@@ -2356,7 +2356,7 @@
           <a:p>
             <a:fld id="{DEDA17D1-6590-4570-9DF1-29A4B3C6B8EE}" type="datetimeFigureOut">
               <a:rPr lang="zh-CN" altLang="en-US" smtClean="0"/>
-              <a:t>2024/3/25</a:t>
+              <a:t>2024/3/26</a:t>
             </a:fld>
             <a:endParaRPr lang="zh-CN" altLang="en-US"/>
           </a:p>
@@ -2497,7 +2497,7 @@
           <a:p>
             <a:fld id="{DEDA17D1-6590-4570-9DF1-29A4B3C6B8EE}" type="datetimeFigureOut">
               <a:rPr lang="zh-CN" altLang="en-US" smtClean="0"/>
-              <a:t>2024/3/25</a:t>
+              <a:t>2024/3/26</a:t>
             </a:fld>
             <a:endParaRPr lang="zh-CN" altLang="en-US"/>
           </a:p>
@@ -2610,7 +2610,7 @@
           <a:p>
             <a:fld id="{DEDA17D1-6590-4570-9DF1-29A4B3C6B8EE}" type="datetimeFigureOut">
               <a:rPr lang="zh-CN" altLang="en-US" smtClean="0"/>
-              <a:t>2024/3/25</a:t>
+              <a:t>2024/3/26</a:t>
             </a:fld>
             <a:endParaRPr lang="zh-CN" altLang="en-US"/>
           </a:p>
@@ -2921,7 +2921,7 @@
           <a:p>
             <a:fld id="{DEDA17D1-6590-4570-9DF1-29A4B3C6B8EE}" type="datetimeFigureOut">
               <a:rPr lang="zh-CN" altLang="en-US" smtClean="0"/>
-              <a:t>2024/3/25</a:t>
+              <a:t>2024/3/26</a:t>
             </a:fld>
             <a:endParaRPr lang="zh-CN" altLang="en-US"/>
           </a:p>
@@ -3209,7 +3209,7 @@
           <a:p>
             <a:fld id="{DEDA17D1-6590-4570-9DF1-29A4B3C6B8EE}" type="datetimeFigureOut">
               <a:rPr lang="zh-CN" altLang="en-US" smtClean="0"/>
-              <a:t>2024/3/25</a:t>
+              <a:t>2024/3/26</a:t>
             </a:fld>
             <a:endParaRPr lang="zh-CN" altLang="en-US"/>
           </a:p>
@@ -3478,7 +3478,7 @@
           <a:p>
             <a:fld id="{DEDA17D1-6590-4570-9DF1-29A4B3C6B8EE}" type="datetimeFigureOut">
               <a:rPr lang="zh-CN" altLang="en-US" smtClean="0"/>
-              <a:t>2024/3/25</a:t>
+              <a:t>2024/3/26</a:t>
             </a:fld>
             <a:endParaRPr lang="zh-CN" altLang="en-US"/>
           </a:p>
@@ -4417,6 +4417,103 @@
           </a:p>
         </p:txBody>
       </p:sp>
+      <mc:AlternateContent xmlns:mc="http://schemas.openxmlformats.org/markup-compatibility/2006">
+        <mc:Choice xmlns:pslz="http://schemas.microsoft.com/office/powerpoint/2016/slidezoom" Requires="pslz">
+          <p:graphicFrame>
+            <p:nvGraphicFramePr>
+              <p:cNvPr id="14" name="幻灯片缩放定位 13">
+                <a:extLst>
+                  <a:ext uri="{FF2B5EF4-FFF2-40B4-BE49-F238E27FC236}">
+                    <a16:creationId xmlns:a16="http://schemas.microsoft.com/office/drawing/2014/main" id="{ABD19DC4-A8A7-0370-C7AF-183388B911D5}"/>
+                  </a:ext>
+                </a:extLst>
+              </p:cNvPr>
+              <p:cNvGraphicFramePr>
+                <a:graphicFrameLocks noChangeAspect="1"/>
+              </p:cNvGraphicFramePr>
+              <p:nvPr>
+                <p:extLst>
+                  <p:ext uri="{D42A27DB-BD31-4B8C-83A1-F6EECF244321}">
+                    <p14:modId xmlns:p14="http://schemas.microsoft.com/office/powerpoint/2010/main" val="3029630766"/>
+                  </p:ext>
+                </p:extLst>
+              </p:nvPr>
+            </p:nvGraphicFramePr>
+            <p:xfrm>
+              <a:off x="2285327" y="1582822"/>
+              <a:ext cx="3048000" cy="1714500"/>
+            </p:xfrm>
+            <a:graphic>
+              <a:graphicData uri="http://schemas.microsoft.com/office/powerpoint/2016/slidezoom">
+                <pslz:sldZm>
+                  <pslz:sldZmObj sldId="257" cId="275862791">
+                    <pslz:zmPr id="{704EE987-E7D3-432B-83E5-AFC42D8E4A18}" returnToParent="0" transitionDur="1000">
+                      <p166:blipFill xmlns:p166="http://schemas.microsoft.com/office/powerpoint/2016/6/main">
+                        <a:blip r:embed="rId5"/>
+                        <a:stretch>
+                          <a:fillRect/>
+                        </a:stretch>
+                      </p166:blipFill>
+                      <p166:spPr xmlns:p166="http://schemas.microsoft.com/office/powerpoint/2016/6/main">
+                        <a:xfrm>
+                          <a:off x="0" y="0"/>
+                          <a:ext cx="3048000" cy="1714500"/>
+                        </a:xfrm>
+                        <a:prstGeom prst="rect">
+                          <a:avLst/>
+                        </a:prstGeom>
+                        <a:ln w="3175">
+                          <a:solidFill>
+                            <a:prstClr val="ltGray"/>
+                          </a:solidFill>
+                        </a:ln>
+                      </p166:spPr>
+                    </pslz:zmPr>
+                  </pslz:sldZmObj>
+                </pslz:sldZm>
+              </a:graphicData>
+            </a:graphic>
+          </p:graphicFrame>
+        </mc:Choice>
+        <mc:Fallback>
+          <p:pic>
+            <p:nvPicPr>
+              <p:cNvPr id="14" name="幻灯片缩放定位 13">
+                <a:hlinkClick r:id="rId6" action="ppaction://hlinksldjump"/>
+                <a:extLst>
+                  <a:ext uri="{FF2B5EF4-FFF2-40B4-BE49-F238E27FC236}">
+                    <a16:creationId xmlns:a16="http://schemas.microsoft.com/office/drawing/2014/main" id="{ABD19DC4-A8A7-0370-C7AF-183388B911D5}"/>
+                  </a:ext>
+                </a:extLst>
+              </p:cNvPr>
+              <p:cNvPicPr>
+                <a:picLocks noGrp="1" noRot="1" noChangeAspect="1" noMove="1" noResize="1" noEditPoints="1" noAdjustHandles="1" noChangeArrowheads="1" noChangeShapeType="1"/>
+              </p:cNvPicPr>
+              <p:nvPr/>
+            </p:nvPicPr>
+            <p:blipFill>
+              <a:blip r:embed="rId5"/>
+              <a:stretch>
+                <a:fillRect/>
+              </a:stretch>
+            </p:blipFill>
+            <p:spPr>
+              <a:xfrm>
+                <a:off x="2285327" y="1582822"/>
+                <a:ext cx="3048000" cy="1714500"/>
+              </a:xfrm>
+              <a:prstGeom prst="rect">
+                <a:avLst/>
+              </a:prstGeom>
+              <a:ln w="3175">
+                <a:solidFill>
+                  <a:prstClr val="ltGray"/>
+                </a:solidFill>
+              </a:ln>
+            </p:spPr>
+          </p:pic>
+        </mc:Fallback>
+      </mc:AlternateContent>
     </p:spTree>
     <p:extLst>
       <p:ext uri="{BB962C8B-B14F-4D97-AF65-F5344CB8AC3E}">

--- a/assets/ppt/simple.pptx
+++ b/assets/ppt/simple.pptx
@@ -4417,103 +4417,6 @@
           </a:p>
         </p:txBody>
       </p:sp>
-      <mc:AlternateContent xmlns:mc="http://schemas.openxmlformats.org/markup-compatibility/2006">
-        <mc:Choice xmlns:pslz="http://schemas.microsoft.com/office/powerpoint/2016/slidezoom" Requires="pslz">
-          <p:graphicFrame>
-            <p:nvGraphicFramePr>
-              <p:cNvPr id="14" name="幻灯片缩放定位 13">
-                <a:extLst>
-                  <a:ext uri="{FF2B5EF4-FFF2-40B4-BE49-F238E27FC236}">
-                    <a16:creationId xmlns:a16="http://schemas.microsoft.com/office/drawing/2014/main" id="{ABD19DC4-A8A7-0370-C7AF-183388B911D5}"/>
-                  </a:ext>
-                </a:extLst>
-              </p:cNvPr>
-              <p:cNvGraphicFramePr>
-                <a:graphicFrameLocks noChangeAspect="1"/>
-              </p:cNvGraphicFramePr>
-              <p:nvPr>
-                <p:extLst>
-                  <p:ext uri="{D42A27DB-BD31-4B8C-83A1-F6EECF244321}">
-                    <p14:modId xmlns:p14="http://schemas.microsoft.com/office/powerpoint/2010/main" val="3029630766"/>
-                  </p:ext>
-                </p:extLst>
-              </p:nvPr>
-            </p:nvGraphicFramePr>
-            <p:xfrm>
-              <a:off x="2285327" y="1582822"/>
-              <a:ext cx="3048000" cy="1714500"/>
-            </p:xfrm>
-            <a:graphic>
-              <a:graphicData uri="http://schemas.microsoft.com/office/powerpoint/2016/slidezoom">
-                <pslz:sldZm>
-                  <pslz:sldZmObj sldId="257" cId="275862791">
-                    <pslz:zmPr id="{704EE987-E7D3-432B-83E5-AFC42D8E4A18}" returnToParent="0" transitionDur="1000">
-                      <p166:blipFill xmlns:p166="http://schemas.microsoft.com/office/powerpoint/2016/6/main">
-                        <a:blip r:embed="rId5"/>
-                        <a:stretch>
-                          <a:fillRect/>
-                        </a:stretch>
-                      </p166:blipFill>
-                      <p166:spPr xmlns:p166="http://schemas.microsoft.com/office/powerpoint/2016/6/main">
-                        <a:xfrm>
-                          <a:off x="0" y="0"/>
-                          <a:ext cx="3048000" cy="1714500"/>
-                        </a:xfrm>
-                        <a:prstGeom prst="rect">
-                          <a:avLst/>
-                        </a:prstGeom>
-                        <a:ln w="3175">
-                          <a:solidFill>
-                            <a:prstClr val="ltGray"/>
-                          </a:solidFill>
-                        </a:ln>
-                      </p166:spPr>
-                    </pslz:zmPr>
-                  </pslz:sldZmObj>
-                </pslz:sldZm>
-              </a:graphicData>
-            </a:graphic>
-          </p:graphicFrame>
-        </mc:Choice>
-        <mc:Fallback>
-          <p:pic>
-            <p:nvPicPr>
-              <p:cNvPr id="14" name="幻灯片缩放定位 13">
-                <a:hlinkClick r:id="rId6" action="ppaction://hlinksldjump"/>
-                <a:extLst>
-                  <a:ext uri="{FF2B5EF4-FFF2-40B4-BE49-F238E27FC236}">
-                    <a16:creationId xmlns:a16="http://schemas.microsoft.com/office/drawing/2014/main" id="{ABD19DC4-A8A7-0370-C7AF-183388B911D5}"/>
-                  </a:ext>
-                </a:extLst>
-              </p:cNvPr>
-              <p:cNvPicPr>
-                <a:picLocks noGrp="1" noRot="1" noChangeAspect="1" noMove="1" noResize="1" noEditPoints="1" noAdjustHandles="1" noChangeArrowheads="1" noChangeShapeType="1"/>
-              </p:cNvPicPr>
-              <p:nvPr/>
-            </p:nvPicPr>
-            <p:blipFill>
-              <a:blip r:embed="rId5"/>
-              <a:stretch>
-                <a:fillRect/>
-              </a:stretch>
-            </p:blipFill>
-            <p:spPr>
-              <a:xfrm>
-                <a:off x="2285327" y="1582822"/>
-                <a:ext cx="3048000" cy="1714500"/>
-              </a:xfrm>
-              <a:prstGeom prst="rect">
-                <a:avLst/>
-              </a:prstGeom>
-              <a:ln w="3175">
-                <a:solidFill>
-                  <a:prstClr val="ltGray"/>
-                </a:solidFill>
-              </a:ln>
-            </p:spPr>
-          </p:pic>
-        </mc:Fallback>
-      </mc:AlternateContent>
     </p:spTree>
     <p:extLst>
       <p:ext uri="{BB962C8B-B14F-4D97-AF65-F5344CB8AC3E}">
@@ -4695,7 +4598,7 @@
                 </a:schemeClr>
               </a:gs>
             </a:gsLst>
-            <a:lin ang="5400000" scaled="1"/>
+            <a:lin ang="10800000" scaled="0"/>
             <a:tileRect/>
           </a:gradFill>
         </p:spPr>
@@ -4738,7 +4641,7 @@
         </p:nvSpPr>
         <p:spPr>
           <a:xfrm>
-            <a:off x="7542829" y="487180"/>
+            <a:off x="447758" y="3796954"/>
             <a:ext cx="1873956" cy="2573867"/>
           </a:xfrm>
           <a:prstGeom prst="rect">
@@ -4790,7 +4693,7 @@
         </p:nvSpPr>
         <p:spPr>
           <a:xfrm>
-            <a:off x="9907852" y="487176"/>
+            <a:off x="2812781" y="3796950"/>
             <a:ext cx="1873956" cy="2573867"/>
           </a:xfrm>
           <a:prstGeom prst="rect">
@@ -4843,7 +4746,7 @@
         </p:nvSpPr>
         <p:spPr>
           <a:xfrm>
-            <a:off x="2812782" y="3796955"/>
+            <a:off x="7570124" y="3817331"/>
             <a:ext cx="1873956" cy="2573867"/>
           </a:xfrm>
           <a:prstGeom prst="rect">
@@ -4906,7 +4809,7 @@
         </p:nvSpPr>
         <p:spPr>
           <a:xfrm>
-            <a:off x="5177806" y="3796954"/>
+            <a:off x="9935148" y="3817330"/>
             <a:ext cx="1873956" cy="2573867"/>
           </a:xfrm>
           <a:prstGeom prst="rect">
@@ -4999,7 +4902,7 @@
         </p:nvSpPr>
         <p:spPr>
           <a:xfrm>
-            <a:off x="447758" y="3776578"/>
+            <a:off x="5205100" y="3796954"/>
             <a:ext cx="1873956" cy="2573867"/>
           </a:xfrm>
           <a:prstGeom prst="rect">
@@ -5033,6 +4936,235 @@
           <a:p>
             <a:pPr algn="ctr"/>
             <a:endParaRPr lang="zh-CN" altLang="en-US"/>
+          </a:p>
+        </p:txBody>
+      </p:sp>
+      <p:sp>
+        <p:nvSpPr>
+          <p:cNvPr id="13" name="矩形 12">
+            <a:extLst>
+              <a:ext uri="{FF2B5EF4-FFF2-40B4-BE49-F238E27FC236}">
+                <a16:creationId xmlns:a16="http://schemas.microsoft.com/office/drawing/2014/main" id="{87A5E2C1-F9E2-C343-A196-B65B633425AB}"/>
+              </a:ext>
+            </a:extLst>
+          </p:cNvPr>
+          <p:cNvSpPr/>
+          <p:nvPr/>
+        </p:nvSpPr>
+        <p:spPr>
+          <a:xfrm>
+            <a:off x="7570124" y="487176"/>
+            <a:ext cx="1873956" cy="2573867"/>
+          </a:xfrm>
+          <a:prstGeom prst="rect">
+            <a:avLst/>
+          </a:prstGeom>
+          <a:gradFill flip="none" rotWithShape="1">
+            <a:gsLst>
+              <a:gs pos="0">
+                <a:schemeClr val="accent1">
+                  <a:lumMod val="5000"/>
+                  <a:lumOff val="95000"/>
+                  <a:alpha val="57000"/>
+                </a:schemeClr>
+              </a:gs>
+              <a:gs pos="39000">
+                <a:schemeClr val="accent1">
+                  <a:lumMod val="45000"/>
+                  <a:lumOff val="55000"/>
+                </a:schemeClr>
+              </a:gs>
+              <a:gs pos="83000">
+                <a:schemeClr val="accent1">
+                  <a:lumMod val="45000"/>
+                  <a:lumOff val="55000"/>
+                </a:schemeClr>
+              </a:gs>
+              <a:gs pos="100000">
+                <a:schemeClr val="accent1">
+                  <a:lumMod val="30000"/>
+                  <a:lumOff val="70000"/>
+                </a:schemeClr>
+              </a:gs>
+            </a:gsLst>
+            <a:path path="circle">
+              <a:fillToRect t="100000" r="100000"/>
+            </a:path>
+            <a:tileRect l="-100000" b="-100000"/>
+          </a:gradFill>
+        </p:spPr>
+        <p:style>
+          <a:lnRef idx="2">
+            <a:schemeClr val="accent1">
+              <a:shade val="15000"/>
+            </a:schemeClr>
+          </a:lnRef>
+          <a:fillRef idx="1">
+            <a:schemeClr val="accent1"/>
+          </a:fillRef>
+          <a:effectRef idx="0">
+            <a:schemeClr val="accent1"/>
+          </a:effectRef>
+          <a:fontRef idx="minor">
+            <a:schemeClr val="lt1"/>
+          </a:fontRef>
+        </p:style>
+        <p:txBody>
+          <a:bodyPr rtlCol="0" anchor="ctr"/>
+          <a:lstStyle/>
+          <a:p>
+            <a:pPr algn="ctr"/>
+            <a:endParaRPr lang="zh-CN" altLang="en-US"/>
+          </a:p>
+        </p:txBody>
+      </p:sp>
+      <p:sp>
+        <p:nvSpPr>
+          <p:cNvPr id="14" name="矩形 13">
+            <a:extLst>
+              <a:ext uri="{FF2B5EF4-FFF2-40B4-BE49-F238E27FC236}">
+                <a16:creationId xmlns:a16="http://schemas.microsoft.com/office/drawing/2014/main" id="{7330C761-B691-5341-8E2F-E2F50FCD6A5A}"/>
+              </a:ext>
+            </a:extLst>
+          </p:cNvPr>
+          <p:cNvSpPr/>
+          <p:nvPr/>
+        </p:nvSpPr>
+        <p:spPr>
+          <a:xfrm>
+            <a:off x="9935148" y="480451"/>
+            <a:ext cx="1873956" cy="2573867"/>
+          </a:xfrm>
+          <a:prstGeom prst="rect">
+            <a:avLst/>
+          </a:prstGeom>
+          <a:gradFill flip="none" rotWithShape="1">
+            <a:gsLst>
+              <a:gs pos="0">
+                <a:schemeClr val="accent1">
+                  <a:lumMod val="5000"/>
+                  <a:lumOff val="95000"/>
+                  <a:alpha val="57000"/>
+                </a:schemeClr>
+              </a:gs>
+              <a:gs pos="39000">
+                <a:schemeClr val="accent1">
+                  <a:lumMod val="45000"/>
+                  <a:lumOff val="55000"/>
+                </a:schemeClr>
+              </a:gs>
+              <a:gs pos="83000">
+                <a:schemeClr val="accent1">
+                  <a:lumMod val="45000"/>
+                  <a:lumOff val="55000"/>
+                </a:schemeClr>
+              </a:gs>
+              <a:gs pos="100000">
+                <a:schemeClr val="accent1">
+                  <a:lumMod val="30000"/>
+                  <a:lumOff val="70000"/>
+                </a:schemeClr>
+              </a:gs>
+            </a:gsLst>
+            <a:path path="rect">
+              <a:fillToRect l="100000" t="100000"/>
+            </a:path>
+            <a:tileRect r="-100000" b="-100000"/>
+          </a:gradFill>
+        </p:spPr>
+        <p:style>
+          <a:lnRef idx="2">
+            <a:schemeClr val="accent1">
+              <a:shade val="15000"/>
+            </a:schemeClr>
+          </a:lnRef>
+          <a:fillRef idx="1">
+            <a:schemeClr val="accent1"/>
+          </a:fillRef>
+          <a:effectRef idx="0">
+            <a:schemeClr val="accent1"/>
+          </a:effectRef>
+          <a:fontRef idx="minor">
+            <a:schemeClr val="lt1"/>
+          </a:fontRef>
+        </p:style>
+        <p:txBody>
+          <a:bodyPr rtlCol="0" anchor="ctr"/>
+          <a:lstStyle/>
+          <a:p>
+            <a:pPr algn="ctr"/>
+            <a:endParaRPr lang="zh-CN" altLang="en-US"/>
+          </a:p>
+        </p:txBody>
+      </p:sp>
+      <p:sp>
+        <p:nvSpPr>
+          <p:cNvPr id="15" name="矩形 14">
+            <a:extLst>
+              <a:ext uri="{FF2B5EF4-FFF2-40B4-BE49-F238E27FC236}">
+                <a16:creationId xmlns:a16="http://schemas.microsoft.com/office/drawing/2014/main" id="{E9868B97-F078-7641-BFDD-8CA8E087A5B7}"/>
+              </a:ext>
+            </a:extLst>
+          </p:cNvPr>
+          <p:cNvSpPr/>
+          <p:nvPr/>
+        </p:nvSpPr>
+        <p:spPr>
+          <a:xfrm>
+            <a:off x="8636924" y="1458442"/>
+            <a:ext cx="1680783" cy="2573867"/>
+          </a:xfrm>
+          <a:prstGeom prst="rect">
+            <a:avLst/>
+          </a:prstGeom>
+          <a:gradFill flip="none" rotWithShape="1">
+            <a:gsLst>
+              <a:gs pos="0">
+                <a:schemeClr val="accent1">
+                  <a:lumMod val="0"/>
+                  <a:lumOff val="100000"/>
+                </a:schemeClr>
+              </a:gs>
+              <a:gs pos="35000">
+                <a:schemeClr val="accent1">
+                  <a:lumMod val="0"/>
+                  <a:lumOff val="100000"/>
+                </a:schemeClr>
+              </a:gs>
+              <a:gs pos="100000">
+                <a:schemeClr val="accent1">
+                  <a:lumMod val="100000"/>
+                </a:schemeClr>
+              </a:gs>
+            </a:gsLst>
+            <a:path path="shape">
+              <a:fillToRect l="50000" t="50000" r="50000" b="50000"/>
+            </a:path>
+            <a:tileRect/>
+          </a:gradFill>
+        </p:spPr>
+        <p:style>
+          <a:lnRef idx="2">
+            <a:schemeClr val="accent1">
+              <a:shade val="15000"/>
+            </a:schemeClr>
+          </a:lnRef>
+          <a:fillRef idx="1">
+            <a:schemeClr val="accent1"/>
+          </a:fillRef>
+          <a:effectRef idx="0">
+            <a:schemeClr val="accent1"/>
+          </a:effectRef>
+          <a:fontRef idx="minor">
+            <a:schemeClr val="lt1"/>
+          </a:fontRef>
+        </p:style>
+        <p:txBody>
+          <a:bodyPr rtlCol="0" anchor="ctr"/>
+          <a:lstStyle/>
+          <a:p>
+            <a:pPr algn="ctr"/>
+            <a:endParaRPr lang="zh-CN" altLang="en-US" dirty="0"/>
           </a:p>
         </p:txBody>
       </p:sp>

--- a/assets/ppt/simple.pptx
+++ b/assets/ppt/simple.pptx
@@ -5,13 +5,14 @@
     <p:sldMasterId id="2147483677" r:id="rId1"/>
   </p:sldMasterIdLst>
   <p:notesMasterIdLst>
-    <p:notesMasterId r:id="rId6"/>
+    <p:notesMasterId r:id="rId7"/>
   </p:notesMasterIdLst>
   <p:sldIdLst>
     <p:sldId id="256" r:id="rId2"/>
     <p:sldId id="257" r:id="rId3"/>
     <p:sldId id="258" r:id="rId4"/>
     <p:sldId id="259" r:id="rId5"/>
+    <p:sldId id="260" r:id="rId6"/>
   </p:sldIdLst>
   <p:sldSz cx="12192000" cy="6858000"/>
   <p:notesSz cx="6858000" cy="9144000"/>
@@ -4988,9 +4989,9 @@
               </a:gs>
             </a:gsLst>
             <a:path path="circle">
-              <a:fillToRect t="100000" r="100000"/>
+              <a:fillToRect l="50000" t="50000" r="50000" b="50000"/>
             </a:path>
-            <a:tileRect l="-100000" b="-100000"/>
+            <a:tileRect/>
           </a:gradFill>
         </p:spPr>
         <p:style>
@@ -5067,9 +5068,9 @@
               </a:gs>
             </a:gsLst>
             <a:path path="rect">
-              <a:fillToRect l="100000" t="100000"/>
+              <a:fillToRect l="50000" t="50000" r="50000" b="50000"/>
             </a:path>
-            <a:tileRect r="-100000" b="-100000"/>
+            <a:tileRect/>
           </a:gradFill>
         </p:spPr>
         <p:style>
@@ -5660,6 +5661,985 @@
     <p:extLst>
       <p:ext uri="{BB962C8B-B14F-4D97-AF65-F5344CB8AC3E}">
         <p14:creationId xmlns:p14="http://schemas.microsoft.com/office/powerpoint/2010/main" val="1846078579"/>
+      </p:ext>
+    </p:extLst>
+  </p:cSld>
+  <p:clrMapOvr>
+    <a:masterClrMapping/>
+  </p:clrMapOvr>
+</p:sld>
+</file>
+
+<file path=ppt/slides/slide5.xml><?xml version="1.0" encoding="utf-8"?>
+<p:sld xmlns:a="http://schemas.openxmlformats.org/drawingml/2006/main" xmlns:r="http://schemas.openxmlformats.org/officeDocument/2006/relationships" xmlns:p="http://schemas.openxmlformats.org/presentationml/2006/main">
+  <p:cSld>
+    <p:spTree>
+      <p:nvGrpSpPr>
+        <p:cNvPr id="1" name=""/>
+        <p:cNvGrpSpPr/>
+        <p:nvPr/>
+      </p:nvGrpSpPr>
+      <p:grpSpPr>
+        <a:xfrm>
+          <a:off x="0" y="0"/>
+          <a:ext cx="0" cy="0"/>
+          <a:chOff x="0" y="0"/>
+          <a:chExt cx="0" cy="0"/>
+        </a:xfrm>
+      </p:grpSpPr>
+      <p:sp>
+        <p:nvSpPr>
+          <p:cNvPr id="8" name="文本框 7">
+            <a:extLst>
+              <a:ext uri="{FF2B5EF4-FFF2-40B4-BE49-F238E27FC236}">
+                <a16:creationId xmlns:a16="http://schemas.microsoft.com/office/drawing/2014/main" id="{EB3C8B5D-CE84-7240-97E1-25B6045C7409}"/>
+              </a:ext>
+            </a:extLst>
+          </p:cNvPr>
+          <p:cNvSpPr txBox="1"/>
+          <p:nvPr/>
+        </p:nvSpPr>
+        <p:spPr>
+          <a:xfrm>
+            <a:off x="464024" y="655093"/>
+            <a:ext cx="2031325" cy="369332"/>
+          </a:xfrm>
+          <a:prstGeom prst="rect">
+            <a:avLst/>
+          </a:prstGeom>
+          <a:noFill/>
+        </p:spPr>
+        <p:txBody>
+          <a:bodyPr wrap="none" rtlCol="0">
+            <a:spAutoFit/>
+          </a:bodyPr>
+          <a:lstStyle/>
+          <a:p>
+            <a:r>
+              <a:rPr kumimoji="1" lang="zh-CN" altLang="en-US" dirty="0"/>
+              <a:t>各类形状渐变填充</a:t>
+            </a:r>
+          </a:p>
+        </p:txBody>
+      </p:sp>
+      <p:sp>
+        <p:nvSpPr>
+          <p:cNvPr id="9" name="椭圆 8">
+            <a:extLst>
+              <a:ext uri="{FF2B5EF4-FFF2-40B4-BE49-F238E27FC236}">
+                <a16:creationId xmlns:a16="http://schemas.microsoft.com/office/drawing/2014/main" id="{0835E1A4-6B19-404C-A8F3-9C3B06CC70DE}"/>
+              </a:ext>
+            </a:extLst>
+          </p:cNvPr>
+          <p:cNvSpPr/>
+          <p:nvPr/>
+        </p:nvSpPr>
+        <p:spPr>
+          <a:xfrm>
+            <a:off x="464024" y="1583140"/>
+            <a:ext cx="2620370" cy="1214651"/>
+          </a:xfrm>
+          <a:prstGeom prst="ellipse">
+            <a:avLst/>
+          </a:prstGeom>
+          <a:gradFill flip="none" rotWithShape="1">
+            <a:gsLst>
+              <a:gs pos="83000">
+                <a:schemeClr val="accent1">
+                  <a:lumMod val="45000"/>
+                  <a:lumOff val="55000"/>
+                </a:schemeClr>
+              </a:gs>
+              <a:gs pos="100000">
+                <a:schemeClr val="accent1">
+                  <a:lumMod val="30000"/>
+                  <a:lumOff val="70000"/>
+                </a:schemeClr>
+              </a:gs>
+            </a:gsLst>
+            <a:lin ang="5400000" scaled="1"/>
+            <a:tileRect/>
+          </a:gradFill>
+        </p:spPr>
+        <p:style>
+          <a:lnRef idx="2">
+            <a:schemeClr val="accent1">
+              <a:shade val="50000"/>
+            </a:schemeClr>
+          </a:lnRef>
+          <a:fillRef idx="1">
+            <a:schemeClr val="accent1"/>
+          </a:fillRef>
+          <a:effectRef idx="0">
+            <a:schemeClr val="accent1"/>
+          </a:effectRef>
+          <a:fontRef idx="minor">
+            <a:schemeClr val="lt1"/>
+          </a:fontRef>
+        </p:style>
+        <p:txBody>
+          <a:bodyPr rtlCol="0" anchor="ctr"/>
+          <a:lstStyle/>
+          <a:p>
+            <a:pPr algn="ctr"/>
+            <a:endParaRPr kumimoji="1" lang="zh-CN" altLang="en-US"/>
+          </a:p>
+        </p:txBody>
+      </p:sp>
+      <p:sp>
+        <p:nvSpPr>
+          <p:cNvPr id="10" name="三角形 9">
+            <a:extLst>
+              <a:ext uri="{FF2B5EF4-FFF2-40B4-BE49-F238E27FC236}">
+                <a16:creationId xmlns:a16="http://schemas.microsoft.com/office/drawing/2014/main" id="{2ED4EF0B-11E9-C64A-9E57-03A72B7FF18A}"/>
+              </a:ext>
+            </a:extLst>
+          </p:cNvPr>
+          <p:cNvSpPr/>
+          <p:nvPr/>
+        </p:nvSpPr>
+        <p:spPr>
+          <a:xfrm>
+            <a:off x="464024" y="3429000"/>
+            <a:ext cx="2634018" cy="1074761"/>
+          </a:xfrm>
+          <a:prstGeom prst="triangle">
+            <a:avLst>
+              <a:gd name="adj" fmla="val 52591"/>
+            </a:avLst>
+          </a:prstGeom>
+          <a:gradFill flip="none" rotWithShape="0">
+            <a:gsLst>
+              <a:gs pos="0">
+                <a:schemeClr val="accent1">
+                  <a:alpha val="57000"/>
+                  <a:lumMod val="0"/>
+                  <a:lumOff val="100000"/>
+                </a:schemeClr>
+              </a:gs>
+              <a:gs pos="39000">
+                <a:schemeClr val="accent1">
+                  <a:lumMod val="45000"/>
+                  <a:lumOff val="55000"/>
+                </a:schemeClr>
+              </a:gs>
+              <a:gs pos="83000">
+                <a:schemeClr val="accent1">
+                  <a:lumMod val="45000"/>
+                  <a:lumOff val="55000"/>
+                </a:schemeClr>
+              </a:gs>
+              <a:gs pos="100000">
+                <a:schemeClr val="accent1">
+                  <a:lumMod val="30000"/>
+                  <a:lumOff val="70000"/>
+                </a:schemeClr>
+              </a:gs>
+            </a:gsLst>
+            <a:lin ang="5400000" scaled="1"/>
+            <a:tileRect/>
+          </a:gradFill>
+        </p:spPr>
+        <p:style>
+          <a:lnRef idx="2">
+            <a:schemeClr val="accent1">
+              <a:shade val="50000"/>
+            </a:schemeClr>
+          </a:lnRef>
+          <a:fillRef idx="1">
+            <a:schemeClr val="accent1"/>
+          </a:fillRef>
+          <a:effectRef idx="0">
+            <a:schemeClr val="accent1"/>
+          </a:effectRef>
+          <a:fontRef idx="minor">
+            <a:schemeClr val="lt1"/>
+          </a:fontRef>
+        </p:style>
+        <p:txBody>
+          <a:bodyPr rtlCol="0" anchor="ctr"/>
+          <a:lstStyle/>
+          <a:p>
+            <a:pPr algn="ctr"/>
+            <a:endParaRPr kumimoji="1" lang="zh-CN" altLang="en-US"/>
+          </a:p>
+        </p:txBody>
+      </p:sp>
+      <p:sp>
+        <p:nvSpPr>
+          <p:cNvPr id="11" name="剪去单角的矩形 10">
+            <a:extLst>
+              <a:ext uri="{FF2B5EF4-FFF2-40B4-BE49-F238E27FC236}">
+                <a16:creationId xmlns:a16="http://schemas.microsoft.com/office/drawing/2014/main" id="{4B1D0521-5E49-C94D-9F6B-34C836B237CB}"/>
+              </a:ext>
+            </a:extLst>
+          </p:cNvPr>
+          <p:cNvSpPr/>
+          <p:nvPr/>
+        </p:nvSpPr>
+        <p:spPr>
+          <a:xfrm>
+            <a:off x="464024" y="5394278"/>
+            <a:ext cx="2634018" cy="1074761"/>
+          </a:xfrm>
+          <a:prstGeom prst="snip1Rect">
+            <a:avLst/>
+          </a:prstGeom>
+          <a:gradFill flip="none" rotWithShape="1">
+            <a:gsLst>
+              <a:gs pos="0">
+                <a:schemeClr val="accent1">
+                  <a:alpha val="57000"/>
+                  <a:lumMod val="0"/>
+                  <a:lumOff val="100000"/>
+                </a:schemeClr>
+              </a:gs>
+              <a:gs pos="39000">
+                <a:schemeClr val="accent1">
+                  <a:lumMod val="45000"/>
+                  <a:lumOff val="55000"/>
+                </a:schemeClr>
+              </a:gs>
+              <a:gs pos="83000">
+                <a:schemeClr val="accent1">
+                  <a:lumMod val="45000"/>
+                  <a:lumOff val="55000"/>
+                </a:schemeClr>
+              </a:gs>
+              <a:gs pos="100000">
+                <a:schemeClr val="accent1">
+                  <a:lumMod val="30000"/>
+                  <a:lumOff val="70000"/>
+                </a:schemeClr>
+              </a:gs>
+            </a:gsLst>
+            <a:lin ang="5400000" scaled="1"/>
+            <a:tileRect/>
+          </a:gradFill>
+        </p:spPr>
+        <p:style>
+          <a:lnRef idx="2">
+            <a:schemeClr val="accent1">
+              <a:shade val="50000"/>
+            </a:schemeClr>
+          </a:lnRef>
+          <a:fillRef idx="1">
+            <a:schemeClr val="accent1"/>
+          </a:fillRef>
+          <a:effectRef idx="0">
+            <a:schemeClr val="accent1"/>
+          </a:effectRef>
+          <a:fontRef idx="minor">
+            <a:schemeClr val="lt1"/>
+          </a:fontRef>
+        </p:style>
+        <p:txBody>
+          <a:bodyPr rtlCol="0" anchor="ctr"/>
+          <a:lstStyle/>
+          <a:p>
+            <a:pPr algn="ctr"/>
+            <a:endParaRPr kumimoji="1" lang="zh-CN" altLang="en-US"/>
+          </a:p>
+        </p:txBody>
+      </p:sp>
+      <p:sp>
+        <p:nvSpPr>
+          <p:cNvPr id="12" name="椭圆 11">
+            <a:extLst>
+              <a:ext uri="{FF2B5EF4-FFF2-40B4-BE49-F238E27FC236}">
+                <a16:creationId xmlns:a16="http://schemas.microsoft.com/office/drawing/2014/main" id="{614D9F4D-1CE5-C040-A174-A2DB8148FD52}"/>
+              </a:ext>
+            </a:extLst>
+          </p:cNvPr>
+          <p:cNvSpPr/>
+          <p:nvPr/>
+        </p:nvSpPr>
+        <p:spPr>
+          <a:xfrm>
+            <a:off x="3400573" y="1585412"/>
+            <a:ext cx="2620370" cy="1214651"/>
+          </a:xfrm>
+          <a:prstGeom prst="ellipse">
+            <a:avLst/>
+          </a:prstGeom>
+          <a:gradFill flip="none" rotWithShape="1">
+            <a:gsLst>
+              <a:gs pos="0">
+                <a:schemeClr val="accent1">
+                  <a:alpha val="57000"/>
+                  <a:lumMod val="0"/>
+                  <a:lumOff val="100000"/>
+                </a:schemeClr>
+              </a:gs>
+              <a:gs pos="39000">
+                <a:schemeClr val="accent1">
+                  <a:lumMod val="45000"/>
+                  <a:lumOff val="55000"/>
+                </a:schemeClr>
+              </a:gs>
+              <a:gs pos="83000">
+                <a:schemeClr val="accent1">
+                  <a:lumMod val="45000"/>
+                  <a:lumOff val="55000"/>
+                </a:schemeClr>
+              </a:gs>
+              <a:gs pos="100000">
+                <a:schemeClr val="accent1">
+                  <a:lumMod val="30000"/>
+                  <a:lumOff val="70000"/>
+                </a:schemeClr>
+              </a:gs>
+            </a:gsLst>
+            <a:path path="rect">
+              <a:fillToRect r="100000" b="100000"/>
+            </a:path>
+            <a:tileRect l="-100000" t="-100000"/>
+          </a:gradFill>
+        </p:spPr>
+        <p:style>
+          <a:lnRef idx="2">
+            <a:schemeClr val="accent1">
+              <a:shade val="50000"/>
+            </a:schemeClr>
+          </a:lnRef>
+          <a:fillRef idx="1">
+            <a:schemeClr val="accent1"/>
+          </a:fillRef>
+          <a:effectRef idx="0">
+            <a:schemeClr val="accent1"/>
+          </a:effectRef>
+          <a:fontRef idx="minor">
+            <a:schemeClr val="lt1"/>
+          </a:fontRef>
+        </p:style>
+        <p:txBody>
+          <a:bodyPr rtlCol="0" anchor="ctr"/>
+          <a:lstStyle/>
+          <a:p>
+            <a:pPr algn="ctr"/>
+            <a:endParaRPr kumimoji="1" lang="zh-CN" altLang="en-US" dirty="0"/>
+          </a:p>
+        </p:txBody>
+      </p:sp>
+      <p:sp>
+        <p:nvSpPr>
+          <p:cNvPr id="13" name="三角形 12">
+            <a:extLst>
+              <a:ext uri="{FF2B5EF4-FFF2-40B4-BE49-F238E27FC236}">
+                <a16:creationId xmlns:a16="http://schemas.microsoft.com/office/drawing/2014/main" id="{8C7CA774-B516-1947-B451-27846184DC53}"/>
+              </a:ext>
+            </a:extLst>
+          </p:cNvPr>
+          <p:cNvSpPr/>
+          <p:nvPr/>
+        </p:nvSpPr>
+        <p:spPr>
+          <a:xfrm>
+            <a:off x="3400573" y="3431272"/>
+            <a:ext cx="2634018" cy="1074761"/>
+          </a:xfrm>
+          <a:prstGeom prst="triangle">
+            <a:avLst/>
+          </a:prstGeom>
+          <a:gradFill>
+            <a:gsLst>
+              <a:gs pos="0">
+                <a:schemeClr val="accent1">
+                  <a:lumMod val="45000"/>
+                  <a:lumOff val="55000"/>
+                </a:schemeClr>
+              </a:gs>
+              <a:gs pos="79000">
+                <a:srgbClr val="FF0000"/>
+              </a:gs>
+            </a:gsLst>
+            <a:path path="rect">
+              <a:fillToRect l="50000" t="50000" r="50000" b="50000"/>
+            </a:path>
+          </a:gradFill>
+        </p:spPr>
+        <p:style>
+          <a:lnRef idx="2">
+            <a:schemeClr val="accent1">
+              <a:shade val="50000"/>
+            </a:schemeClr>
+          </a:lnRef>
+          <a:fillRef idx="1">
+            <a:schemeClr val="accent1"/>
+          </a:fillRef>
+          <a:effectRef idx="0">
+            <a:schemeClr val="accent1"/>
+          </a:effectRef>
+          <a:fontRef idx="minor">
+            <a:schemeClr val="lt1"/>
+          </a:fontRef>
+        </p:style>
+        <p:txBody>
+          <a:bodyPr rtlCol="0" anchor="ctr"/>
+          <a:lstStyle/>
+          <a:p>
+            <a:pPr algn="ctr"/>
+            <a:endParaRPr kumimoji="1" lang="zh-CN" altLang="en-US"/>
+          </a:p>
+        </p:txBody>
+      </p:sp>
+      <p:sp>
+        <p:nvSpPr>
+          <p:cNvPr id="14" name="剪去单角的矩形 13">
+            <a:extLst>
+              <a:ext uri="{FF2B5EF4-FFF2-40B4-BE49-F238E27FC236}">
+                <a16:creationId xmlns:a16="http://schemas.microsoft.com/office/drawing/2014/main" id="{9A131EAD-E22F-254A-93C8-B6F3D463F156}"/>
+              </a:ext>
+            </a:extLst>
+          </p:cNvPr>
+          <p:cNvSpPr/>
+          <p:nvPr/>
+        </p:nvSpPr>
+        <p:spPr>
+          <a:xfrm>
+            <a:off x="3400573" y="5396550"/>
+            <a:ext cx="2634018" cy="1074761"/>
+          </a:xfrm>
+          <a:prstGeom prst="snip1Rect">
+            <a:avLst/>
+          </a:prstGeom>
+          <a:gradFill flip="none" rotWithShape="1">
+            <a:gsLst>
+              <a:gs pos="0">
+                <a:schemeClr val="accent1">
+                  <a:lumMod val="5000"/>
+                  <a:lumOff val="95000"/>
+                  <a:alpha val="57000"/>
+                </a:schemeClr>
+              </a:gs>
+              <a:gs pos="39000">
+                <a:schemeClr val="accent1">
+                  <a:lumMod val="45000"/>
+                  <a:lumOff val="55000"/>
+                </a:schemeClr>
+              </a:gs>
+              <a:gs pos="83000">
+                <a:schemeClr val="accent1">
+                  <a:lumMod val="45000"/>
+                  <a:lumOff val="55000"/>
+                </a:schemeClr>
+              </a:gs>
+              <a:gs pos="100000">
+                <a:schemeClr val="accent1">
+                  <a:lumMod val="30000"/>
+                  <a:lumOff val="70000"/>
+                </a:schemeClr>
+              </a:gs>
+            </a:gsLst>
+            <a:path path="rect">
+              <a:fillToRect t="100000" r="100000"/>
+            </a:path>
+            <a:tileRect l="-100000" b="-100000"/>
+          </a:gradFill>
+        </p:spPr>
+        <p:style>
+          <a:lnRef idx="2">
+            <a:schemeClr val="accent1">
+              <a:shade val="50000"/>
+            </a:schemeClr>
+          </a:lnRef>
+          <a:fillRef idx="1">
+            <a:schemeClr val="accent1"/>
+          </a:fillRef>
+          <a:effectRef idx="0">
+            <a:schemeClr val="accent1"/>
+          </a:effectRef>
+          <a:fontRef idx="minor">
+            <a:schemeClr val="lt1"/>
+          </a:fontRef>
+        </p:style>
+        <p:txBody>
+          <a:bodyPr rtlCol="0" anchor="ctr"/>
+          <a:lstStyle/>
+          <a:p>
+            <a:pPr algn="ctr"/>
+            <a:endParaRPr kumimoji="1" lang="zh-CN" altLang="en-US"/>
+          </a:p>
+        </p:txBody>
+      </p:sp>
+      <p:sp>
+        <p:nvSpPr>
+          <p:cNvPr id="15" name="椭圆 14">
+            <a:extLst>
+              <a:ext uri="{FF2B5EF4-FFF2-40B4-BE49-F238E27FC236}">
+                <a16:creationId xmlns:a16="http://schemas.microsoft.com/office/drawing/2014/main" id="{E91E1D83-D0D1-3748-AEDA-0F8DAB401D11}"/>
+              </a:ext>
+            </a:extLst>
+          </p:cNvPr>
+          <p:cNvSpPr/>
+          <p:nvPr/>
+        </p:nvSpPr>
+        <p:spPr>
+          <a:xfrm>
+            <a:off x="6323474" y="1583140"/>
+            <a:ext cx="2620370" cy="1214651"/>
+          </a:xfrm>
+          <a:prstGeom prst="ellipse">
+            <a:avLst/>
+          </a:prstGeom>
+          <a:gradFill flip="none" rotWithShape="1">
+            <a:gsLst>
+              <a:gs pos="0">
+                <a:schemeClr val="accent1">
+                  <a:lumMod val="5000"/>
+                  <a:lumOff val="95000"/>
+                  <a:alpha val="57000"/>
+                </a:schemeClr>
+              </a:gs>
+              <a:gs pos="39000">
+                <a:schemeClr val="accent1">
+                  <a:lumMod val="45000"/>
+                  <a:lumOff val="55000"/>
+                </a:schemeClr>
+              </a:gs>
+              <a:gs pos="83000">
+                <a:schemeClr val="accent1">
+                  <a:lumMod val="45000"/>
+                  <a:lumOff val="55000"/>
+                </a:schemeClr>
+              </a:gs>
+              <a:gs pos="100000">
+                <a:schemeClr val="accent1">
+                  <a:lumMod val="30000"/>
+                  <a:lumOff val="70000"/>
+                </a:schemeClr>
+              </a:gs>
+            </a:gsLst>
+            <a:path path="circle">
+              <a:fillToRect l="100000" t="100000"/>
+            </a:path>
+            <a:tileRect r="-100000" b="-100000"/>
+          </a:gradFill>
+        </p:spPr>
+        <p:style>
+          <a:lnRef idx="2">
+            <a:schemeClr val="accent1">
+              <a:shade val="50000"/>
+            </a:schemeClr>
+          </a:lnRef>
+          <a:fillRef idx="1">
+            <a:schemeClr val="accent1"/>
+          </a:fillRef>
+          <a:effectRef idx="0">
+            <a:schemeClr val="accent1"/>
+          </a:effectRef>
+          <a:fontRef idx="minor">
+            <a:schemeClr val="lt1"/>
+          </a:fontRef>
+        </p:style>
+        <p:txBody>
+          <a:bodyPr rtlCol="0" anchor="ctr"/>
+          <a:lstStyle/>
+          <a:p>
+            <a:pPr algn="ctr"/>
+            <a:endParaRPr kumimoji="1" lang="zh-CN" altLang="en-US"/>
+          </a:p>
+        </p:txBody>
+      </p:sp>
+      <p:sp>
+        <p:nvSpPr>
+          <p:cNvPr id="16" name="三角形 15">
+            <a:extLst>
+              <a:ext uri="{FF2B5EF4-FFF2-40B4-BE49-F238E27FC236}">
+                <a16:creationId xmlns:a16="http://schemas.microsoft.com/office/drawing/2014/main" id="{FDAC51CB-EEAD-2647-BAE3-957048D9246F}"/>
+              </a:ext>
+            </a:extLst>
+          </p:cNvPr>
+          <p:cNvSpPr/>
+          <p:nvPr/>
+        </p:nvSpPr>
+        <p:spPr>
+          <a:xfrm>
+            <a:off x="6323474" y="3429000"/>
+            <a:ext cx="2634018" cy="1074761"/>
+          </a:xfrm>
+          <a:prstGeom prst="triangle">
+            <a:avLst/>
+          </a:prstGeom>
+          <a:gradFill flip="none" rotWithShape="1">
+            <a:gsLst>
+              <a:gs pos="0">
+                <a:schemeClr val="accent1">
+                  <a:lumMod val="5000"/>
+                  <a:lumOff val="95000"/>
+                  <a:alpha val="57000"/>
+                </a:schemeClr>
+              </a:gs>
+              <a:gs pos="39000">
+                <a:schemeClr val="accent1">
+                  <a:lumMod val="45000"/>
+                  <a:lumOff val="55000"/>
+                </a:schemeClr>
+              </a:gs>
+              <a:gs pos="83000">
+                <a:schemeClr val="accent1">
+                  <a:lumMod val="45000"/>
+                  <a:lumOff val="55000"/>
+                </a:schemeClr>
+              </a:gs>
+              <a:gs pos="100000">
+                <a:schemeClr val="accent1">
+                  <a:lumMod val="30000"/>
+                  <a:lumOff val="70000"/>
+                </a:schemeClr>
+              </a:gs>
+            </a:gsLst>
+            <a:path path="circle">
+              <a:fillToRect l="50000" t="50000" r="50000" b="50000"/>
+            </a:path>
+            <a:tileRect/>
+          </a:gradFill>
+        </p:spPr>
+        <p:style>
+          <a:lnRef idx="2">
+            <a:schemeClr val="accent1">
+              <a:shade val="50000"/>
+            </a:schemeClr>
+          </a:lnRef>
+          <a:fillRef idx="1">
+            <a:schemeClr val="accent1"/>
+          </a:fillRef>
+          <a:effectRef idx="0">
+            <a:schemeClr val="accent1"/>
+          </a:effectRef>
+          <a:fontRef idx="minor">
+            <a:schemeClr val="lt1"/>
+          </a:fontRef>
+        </p:style>
+        <p:txBody>
+          <a:bodyPr rtlCol="0" anchor="ctr"/>
+          <a:lstStyle/>
+          <a:p>
+            <a:pPr algn="ctr"/>
+            <a:endParaRPr kumimoji="1" lang="zh-CN" altLang="en-US"/>
+          </a:p>
+        </p:txBody>
+      </p:sp>
+      <p:sp>
+        <p:nvSpPr>
+          <p:cNvPr id="17" name="剪去单角的矩形 16">
+            <a:extLst>
+              <a:ext uri="{FF2B5EF4-FFF2-40B4-BE49-F238E27FC236}">
+                <a16:creationId xmlns:a16="http://schemas.microsoft.com/office/drawing/2014/main" id="{4E1227E1-CF3E-1442-BEE1-8B8DD85FA819}"/>
+              </a:ext>
+            </a:extLst>
+          </p:cNvPr>
+          <p:cNvSpPr/>
+          <p:nvPr/>
+        </p:nvSpPr>
+        <p:spPr>
+          <a:xfrm>
+            <a:off x="6323474" y="5394278"/>
+            <a:ext cx="2634018" cy="1074761"/>
+          </a:xfrm>
+          <a:prstGeom prst="snip1Rect">
+            <a:avLst/>
+          </a:prstGeom>
+          <a:gradFill flip="none" rotWithShape="1">
+            <a:gsLst>
+              <a:gs pos="0">
+                <a:schemeClr val="accent1">
+                  <a:lumMod val="5000"/>
+                  <a:lumOff val="95000"/>
+                  <a:alpha val="57000"/>
+                </a:schemeClr>
+              </a:gs>
+              <a:gs pos="39000">
+                <a:schemeClr val="accent1">
+                  <a:lumMod val="45000"/>
+                  <a:lumOff val="55000"/>
+                </a:schemeClr>
+              </a:gs>
+              <a:gs pos="83000">
+                <a:schemeClr val="accent1">
+                  <a:lumMod val="45000"/>
+                  <a:lumOff val="55000"/>
+                </a:schemeClr>
+              </a:gs>
+              <a:gs pos="100000">
+                <a:schemeClr val="accent1">
+                  <a:lumMod val="30000"/>
+                  <a:lumOff val="70000"/>
+                </a:schemeClr>
+              </a:gs>
+            </a:gsLst>
+            <a:path path="circle">
+              <a:fillToRect l="50000" t="50000" r="50000" b="50000"/>
+            </a:path>
+            <a:tileRect/>
+          </a:gradFill>
+        </p:spPr>
+        <p:style>
+          <a:lnRef idx="2">
+            <a:schemeClr val="accent1">
+              <a:shade val="50000"/>
+            </a:schemeClr>
+          </a:lnRef>
+          <a:fillRef idx="1">
+            <a:schemeClr val="accent1"/>
+          </a:fillRef>
+          <a:effectRef idx="0">
+            <a:schemeClr val="accent1"/>
+          </a:effectRef>
+          <a:fontRef idx="minor">
+            <a:schemeClr val="lt1"/>
+          </a:fontRef>
+        </p:style>
+        <p:txBody>
+          <a:bodyPr rtlCol="0" anchor="ctr"/>
+          <a:lstStyle/>
+          <a:p>
+            <a:pPr algn="ctr"/>
+            <a:endParaRPr kumimoji="1" lang="zh-CN" altLang="en-US"/>
+          </a:p>
+        </p:txBody>
+      </p:sp>
+      <p:sp>
+        <p:nvSpPr>
+          <p:cNvPr id="18" name="椭圆 17">
+            <a:extLst>
+              <a:ext uri="{FF2B5EF4-FFF2-40B4-BE49-F238E27FC236}">
+                <a16:creationId xmlns:a16="http://schemas.microsoft.com/office/drawing/2014/main" id="{9E36BE9C-E9C9-D14F-B7DC-FBC7DD6A6242}"/>
+              </a:ext>
+            </a:extLst>
+          </p:cNvPr>
+          <p:cNvSpPr/>
+          <p:nvPr/>
+        </p:nvSpPr>
+        <p:spPr>
+          <a:xfrm>
+            <a:off x="9107606" y="1583140"/>
+            <a:ext cx="2620370" cy="1214651"/>
+          </a:xfrm>
+          <a:prstGeom prst="ellipse">
+            <a:avLst/>
+          </a:prstGeom>
+          <a:gradFill flip="none" rotWithShape="1">
+            <a:gsLst>
+              <a:gs pos="0">
+                <a:schemeClr val="accent1">
+                  <a:lumMod val="5000"/>
+                  <a:lumOff val="95000"/>
+                  <a:alpha val="57000"/>
+                </a:schemeClr>
+              </a:gs>
+              <a:gs pos="39000">
+                <a:schemeClr val="accent1">
+                  <a:lumMod val="45000"/>
+                  <a:lumOff val="55000"/>
+                </a:schemeClr>
+              </a:gs>
+              <a:gs pos="83000">
+                <a:schemeClr val="accent1">
+                  <a:lumMod val="45000"/>
+                  <a:lumOff val="55000"/>
+                </a:schemeClr>
+              </a:gs>
+              <a:gs pos="100000">
+                <a:schemeClr val="accent1">
+                  <a:lumMod val="30000"/>
+                  <a:lumOff val="70000"/>
+                </a:schemeClr>
+              </a:gs>
+            </a:gsLst>
+            <a:path path="shape">
+              <a:fillToRect l="50000" t="50000" r="50000" b="50000"/>
+            </a:path>
+            <a:tileRect/>
+          </a:gradFill>
+        </p:spPr>
+        <p:style>
+          <a:lnRef idx="2">
+            <a:schemeClr val="accent1">
+              <a:shade val="50000"/>
+            </a:schemeClr>
+          </a:lnRef>
+          <a:fillRef idx="1">
+            <a:schemeClr val="accent1"/>
+          </a:fillRef>
+          <a:effectRef idx="0">
+            <a:schemeClr val="accent1"/>
+          </a:effectRef>
+          <a:fontRef idx="minor">
+            <a:schemeClr val="lt1"/>
+          </a:fontRef>
+        </p:style>
+        <p:txBody>
+          <a:bodyPr rtlCol="0" anchor="ctr"/>
+          <a:lstStyle/>
+          <a:p>
+            <a:pPr algn="ctr"/>
+            <a:endParaRPr kumimoji="1" lang="zh-CN" altLang="en-US"/>
+          </a:p>
+        </p:txBody>
+      </p:sp>
+      <p:sp>
+        <p:nvSpPr>
+          <p:cNvPr id="19" name="三角形 18">
+            <a:extLst>
+              <a:ext uri="{FF2B5EF4-FFF2-40B4-BE49-F238E27FC236}">
+                <a16:creationId xmlns:a16="http://schemas.microsoft.com/office/drawing/2014/main" id="{EA3CBD88-D532-0B43-A95E-7471DBEC1477}"/>
+              </a:ext>
+            </a:extLst>
+          </p:cNvPr>
+          <p:cNvSpPr/>
+          <p:nvPr/>
+        </p:nvSpPr>
+        <p:spPr>
+          <a:xfrm>
+            <a:off x="9107606" y="3429000"/>
+            <a:ext cx="2634018" cy="1074761"/>
+          </a:xfrm>
+          <a:prstGeom prst="triangle">
+            <a:avLst/>
+          </a:prstGeom>
+          <a:gradFill flip="none" rotWithShape="1">
+            <a:gsLst>
+              <a:gs pos="0">
+                <a:schemeClr val="accent1">
+                  <a:lumMod val="5000"/>
+                  <a:lumOff val="95000"/>
+                  <a:alpha val="57000"/>
+                </a:schemeClr>
+              </a:gs>
+              <a:gs pos="39000">
+                <a:schemeClr val="accent1">
+                  <a:lumMod val="45000"/>
+                  <a:lumOff val="55000"/>
+                </a:schemeClr>
+              </a:gs>
+              <a:gs pos="83000">
+                <a:schemeClr val="accent1">
+                  <a:lumMod val="45000"/>
+                  <a:lumOff val="55000"/>
+                </a:schemeClr>
+              </a:gs>
+              <a:gs pos="100000">
+                <a:schemeClr val="accent1">
+                  <a:lumMod val="30000"/>
+                  <a:lumOff val="70000"/>
+                </a:schemeClr>
+              </a:gs>
+            </a:gsLst>
+            <a:path path="shape">
+              <a:fillToRect l="50000" t="50000" r="50000" b="50000"/>
+            </a:path>
+            <a:tileRect/>
+          </a:gradFill>
+        </p:spPr>
+        <p:style>
+          <a:lnRef idx="2">
+            <a:schemeClr val="accent1">
+              <a:shade val="50000"/>
+            </a:schemeClr>
+          </a:lnRef>
+          <a:fillRef idx="1">
+            <a:schemeClr val="accent1"/>
+          </a:fillRef>
+          <a:effectRef idx="0">
+            <a:schemeClr val="accent1"/>
+          </a:effectRef>
+          <a:fontRef idx="minor">
+            <a:schemeClr val="lt1"/>
+          </a:fontRef>
+        </p:style>
+        <p:txBody>
+          <a:bodyPr rtlCol="0" anchor="ctr"/>
+          <a:lstStyle/>
+          <a:p>
+            <a:pPr algn="ctr"/>
+            <a:endParaRPr kumimoji="1" lang="zh-CN" altLang="en-US"/>
+          </a:p>
+        </p:txBody>
+      </p:sp>
+      <p:sp>
+        <p:nvSpPr>
+          <p:cNvPr id="20" name="剪去单角的矩形 19">
+            <a:extLst>
+              <a:ext uri="{FF2B5EF4-FFF2-40B4-BE49-F238E27FC236}">
+                <a16:creationId xmlns:a16="http://schemas.microsoft.com/office/drawing/2014/main" id="{8A3FC629-E560-AF4A-9787-DD256E28D997}"/>
+              </a:ext>
+            </a:extLst>
+          </p:cNvPr>
+          <p:cNvSpPr/>
+          <p:nvPr/>
+        </p:nvSpPr>
+        <p:spPr>
+          <a:xfrm>
+            <a:off x="9107606" y="5394278"/>
+            <a:ext cx="2634018" cy="1074761"/>
+          </a:xfrm>
+          <a:prstGeom prst="snip1Rect">
+            <a:avLst/>
+          </a:prstGeom>
+          <a:gradFill flip="none" rotWithShape="1">
+            <a:gsLst>
+              <a:gs pos="0">
+                <a:schemeClr val="accent1">
+                  <a:lumMod val="5000"/>
+                  <a:lumOff val="95000"/>
+                  <a:alpha val="57000"/>
+                </a:schemeClr>
+              </a:gs>
+              <a:gs pos="39000">
+                <a:schemeClr val="accent1">
+                  <a:lumMod val="45000"/>
+                  <a:lumOff val="55000"/>
+                </a:schemeClr>
+              </a:gs>
+              <a:gs pos="83000">
+                <a:schemeClr val="accent1">
+                  <a:lumMod val="45000"/>
+                  <a:lumOff val="55000"/>
+                </a:schemeClr>
+              </a:gs>
+              <a:gs pos="100000">
+                <a:schemeClr val="accent1">
+                  <a:lumMod val="30000"/>
+                  <a:lumOff val="70000"/>
+                </a:schemeClr>
+              </a:gs>
+            </a:gsLst>
+            <a:path path="shape">
+              <a:fillToRect l="50000" t="50000" r="50000" b="50000"/>
+            </a:path>
+            <a:tileRect/>
+          </a:gradFill>
+        </p:spPr>
+        <p:style>
+          <a:lnRef idx="2">
+            <a:schemeClr val="accent1">
+              <a:shade val="50000"/>
+            </a:schemeClr>
+          </a:lnRef>
+          <a:fillRef idx="1">
+            <a:schemeClr val="accent1"/>
+          </a:fillRef>
+          <a:effectRef idx="0">
+            <a:schemeClr val="accent1"/>
+          </a:effectRef>
+          <a:fontRef idx="minor">
+            <a:schemeClr val="lt1"/>
+          </a:fontRef>
+        </p:style>
+        <p:txBody>
+          <a:bodyPr rtlCol="0" anchor="ctr"/>
+          <a:lstStyle/>
+          <a:p>
+            <a:pPr algn="ctr"/>
+            <a:endParaRPr kumimoji="1" lang="zh-CN" altLang="en-US"/>
+          </a:p>
+        </p:txBody>
+      </p:sp>
+    </p:spTree>
+    <p:extLst>
+      <p:ext uri="{BB962C8B-B14F-4D97-AF65-F5344CB8AC3E}">
+        <p14:creationId xmlns:p14="http://schemas.microsoft.com/office/powerpoint/2010/main" val="233133000"/>
       </p:ext>
     </p:extLst>
   </p:cSld>

--- a/assets/ppt/simple.pptx
+++ b/assets/ppt/simple.pptx
@@ -3,16 +3,18 @@
 <p:presentation xmlns:a="http://schemas.openxmlformats.org/drawingml/2006/main" xmlns:r="http://schemas.openxmlformats.org/officeDocument/2006/relationships" xmlns:p="http://schemas.openxmlformats.org/presentationml/2006/main" saveSubsetFonts="1">
   <p:sldMasterIdLst>
     <p:sldMasterId id="2147483677" r:id="rId1"/>
+    <p:sldMasterId id="2147483701" r:id="rId2"/>
   </p:sldMasterIdLst>
   <p:notesMasterIdLst>
-    <p:notesMasterId r:id="rId7"/>
+    <p:notesMasterId r:id="rId9"/>
   </p:notesMasterIdLst>
   <p:sldIdLst>
-    <p:sldId id="256" r:id="rId2"/>
-    <p:sldId id="257" r:id="rId3"/>
-    <p:sldId id="258" r:id="rId4"/>
-    <p:sldId id="259" r:id="rId5"/>
-    <p:sldId id="260" r:id="rId6"/>
+    <p:sldId id="256" r:id="rId3"/>
+    <p:sldId id="257" r:id="rId4"/>
+    <p:sldId id="258" r:id="rId5"/>
+    <p:sldId id="259" r:id="rId6"/>
+    <p:sldId id="260" r:id="rId7"/>
+    <p:sldId id="261" r:id="rId8"/>
   </p:sldIdLst>
   <p:sldSz cx="12192000" cy="6858000"/>
   <p:notesSz cx="6858000" cy="9144000"/>
@@ -212,7 +214,7 @@
           <a:p>
             <a:fld id="{561015B1-ED29-F04F-B696-7C731FF4B4B4}" type="datetimeFigureOut">
               <a:rPr kumimoji="1" lang="zh-CN" altLang="en-US" smtClean="0"/>
-              <a:t>2024/3/26</a:t>
+              <a:t>2024/3/28</a:t>
             </a:fld>
             <a:endParaRPr kumimoji="1" lang="zh-CN" altLang="en-US"/>
           </a:p>
@@ -743,7 +745,7 @@
           <a:p>
             <a:fld id="{DEDA17D1-6590-4570-9DF1-29A4B3C6B8EE}" type="datetimeFigureOut">
               <a:rPr lang="zh-CN" altLang="en-US" smtClean="0"/>
-              <a:t>2024/3/26</a:t>
+              <a:t>2024/3/28</a:t>
             </a:fld>
             <a:endParaRPr lang="zh-CN" altLang="en-US"/>
           </a:p>
@@ -990,7 +992,7 @@
           <a:p>
             <a:fld id="{DEDA17D1-6590-4570-9DF1-29A4B3C6B8EE}" type="datetimeFigureOut">
               <a:rPr lang="zh-CN" altLang="en-US" smtClean="0"/>
-              <a:t>2024/3/26</a:t>
+              <a:t>2024/3/28</a:t>
             </a:fld>
             <a:endParaRPr lang="zh-CN" altLang="en-US"/>
           </a:p>
@@ -1198,7 +1200,7 @@
           <a:p>
             <a:fld id="{DEDA17D1-6590-4570-9DF1-29A4B3C6B8EE}" type="datetimeFigureOut">
               <a:rPr lang="zh-CN" altLang="en-US" smtClean="0"/>
-              <a:t>2024/3/26</a:t>
+              <a:t>2024/3/28</a:t>
             </a:fld>
             <a:endParaRPr lang="zh-CN" altLang="en-US"/>
           </a:p>
@@ -1262,6 +1264,1939 @@
     <p:extLst>
       <p:ext uri="{BB962C8B-B14F-4D97-AF65-F5344CB8AC3E}">
         <p14:creationId xmlns:p14="http://schemas.microsoft.com/office/powerpoint/2010/main" val="3395340554"/>
+      </p:ext>
+    </p:extLst>
+  </p:cSld>
+  <p:clrMapOvr>
+    <a:masterClrMapping/>
+  </p:clrMapOvr>
+</p:sldLayout>
+</file>
+
+<file path=ppt/slideLayouts/slideLayout12.xml><?xml version="1.0" encoding="utf-8"?>
+<p:sldLayout xmlns:a="http://schemas.openxmlformats.org/drawingml/2006/main" xmlns:r="http://schemas.openxmlformats.org/officeDocument/2006/relationships" xmlns:p="http://schemas.openxmlformats.org/presentationml/2006/main" showMasterSp="0" type="title" preserve="1">
+  <p:cSld name="标题幻灯片">
+    <p:spTree>
+      <p:nvGrpSpPr>
+        <p:cNvPr id="1" name=""/>
+        <p:cNvGrpSpPr/>
+        <p:nvPr/>
+      </p:nvGrpSpPr>
+      <p:grpSpPr>
+        <a:xfrm>
+          <a:off x="0" y="0"/>
+          <a:ext cx="0" cy="0"/>
+          <a:chOff x="0" y="0"/>
+          <a:chExt cx="0" cy="0"/>
+        </a:xfrm>
+      </p:grpSpPr>
+      <p:sp>
+        <p:nvSpPr>
+          <p:cNvPr id="2" name="Title 1"/>
+          <p:cNvSpPr>
+            <a:spLocks noGrp="1"/>
+          </p:cNvSpPr>
+          <p:nvPr>
+            <p:ph type="ctrTitle"/>
+          </p:nvPr>
+        </p:nvSpPr>
+        <p:spPr>
+          <a:xfrm>
+            <a:off x="684212" y="685799"/>
+            <a:ext cx="8001000" cy="2971801"/>
+          </a:xfrm>
+        </p:spPr>
+        <p:txBody>
+          <a:bodyPr anchor="b">
+            <a:normAutofit/>
+          </a:bodyPr>
+          <a:lstStyle>
+            <a:lvl1pPr algn="l">
+              <a:defRPr sz="4800">
+                <a:effectLst/>
+              </a:defRPr>
+            </a:lvl1pPr>
+          </a:lstStyle>
+          <a:p>
+            <a:r>
+              <a:rPr lang="zh-CN" altLang="en-US"/>
+              <a:t>单击此处编辑母版标题样式</a:t>
+            </a:r>
+            <a:endParaRPr lang="en-US" dirty="0"/>
+          </a:p>
+        </p:txBody>
+      </p:sp>
+      <p:sp>
+        <p:nvSpPr>
+          <p:cNvPr id="3" name="Subtitle 2"/>
+          <p:cNvSpPr>
+            <a:spLocks noGrp="1"/>
+          </p:cNvSpPr>
+          <p:nvPr>
+            <p:ph type="subTitle" idx="1"/>
+          </p:nvPr>
+        </p:nvSpPr>
+        <p:spPr>
+          <a:xfrm>
+            <a:off x="684212" y="3843867"/>
+            <a:ext cx="6400800" cy="1947333"/>
+          </a:xfrm>
+        </p:spPr>
+        <p:txBody>
+          <a:bodyPr anchor="t">
+            <a:normAutofit/>
+          </a:bodyPr>
+          <a:lstStyle>
+            <a:lvl1pPr marL="0" indent="0" algn="l">
+              <a:buNone/>
+              <a:defRPr sz="2100">
+                <a:solidFill>
+                  <a:schemeClr val="bg2">
+                    <a:lumMod val="75000"/>
+                  </a:schemeClr>
+                </a:solidFill>
+              </a:defRPr>
+            </a:lvl1pPr>
+            <a:lvl2pPr marL="457200" indent="0" algn="ctr">
+              <a:buNone/>
+              <a:defRPr>
+                <a:solidFill>
+                  <a:schemeClr val="tx1">
+                    <a:tint val="75000"/>
+                  </a:schemeClr>
+                </a:solidFill>
+              </a:defRPr>
+            </a:lvl2pPr>
+            <a:lvl3pPr marL="914400" indent="0" algn="ctr">
+              <a:buNone/>
+              <a:defRPr>
+                <a:solidFill>
+                  <a:schemeClr val="tx1">
+                    <a:tint val="75000"/>
+                  </a:schemeClr>
+                </a:solidFill>
+              </a:defRPr>
+            </a:lvl3pPr>
+            <a:lvl4pPr marL="1371600" indent="0" algn="ctr">
+              <a:buNone/>
+              <a:defRPr>
+                <a:solidFill>
+                  <a:schemeClr val="tx1">
+                    <a:tint val="75000"/>
+                  </a:schemeClr>
+                </a:solidFill>
+              </a:defRPr>
+            </a:lvl4pPr>
+            <a:lvl5pPr marL="1828800" indent="0" algn="ctr">
+              <a:buNone/>
+              <a:defRPr>
+                <a:solidFill>
+                  <a:schemeClr val="tx1">
+                    <a:tint val="75000"/>
+                  </a:schemeClr>
+                </a:solidFill>
+              </a:defRPr>
+            </a:lvl5pPr>
+            <a:lvl6pPr marL="2286000" indent="0" algn="ctr">
+              <a:buNone/>
+              <a:defRPr>
+                <a:solidFill>
+                  <a:schemeClr val="tx1">
+                    <a:tint val="75000"/>
+                  </a:schemeClr>
+                </a:solidFill>
+              </a:defRPr>
+            </a:lvl6pPr>
+            <a:lvl7pPr marL="2743200" indent="0" algn="ctr">
+              <a:buNone/>
+              <a:defRPr>
+                <a:solidFill>
+                  <a:schemeClr val="tx1">
+                    <a:tint val="75000"/>
+                  </a:schemeClr>
+                </a:solidFill>
+              </a:defRPr>
+            </a:lvl7pPr>
+            <a:lvl8pPr marL="3200400" indent="0" algn="ctr">
+              <a:buNone/>
+              <a:defRPr>
+                <a:solidFill>
+                  <a:schemeClr val="tx1">
+                    <a:tint val="75000"/>
+                  </a:schemeClr>
+                </a:solidFill>
+              </a:defRPr>
+            </a:lvl8pPr>
+            <a:lvl9pPr marL="3657600" indent="0" algn="ctr">
+              <a:buNone/>
+              <a:defRPr>
+                <a:solidFill>
+                  <a:schemeClr val="tx1">
+                    <a:tint val="75000"/>
+                  </a:schemeClr>
+                </a:solidFill>
+              </a:defRPr>
+            </a:lvl9pPr>
+          </a:lstStyle>
+          <a:p>
+            <a:r>
+              <a:rPr lang="zh-CN" altLang="en-US"/>
+              <a:t>单击此处编辑母版副标题样式</a:t>
+            </a:r>
+            <a:endParaRPr lang="en-US" dirty="0"/>
+          </a:p>
+        </p:txBody>
+      </p:sp>
+      <p:sp>
+        <p:nvSpPr>
+          <p:cNvPr id="4" name="Date Placeholder 3"/>
+          <p:cNvSpPr>
+            <a:spLocks noGrp="1"/>
+          </p:cNvSpPr>
+          <p:nvPr>
+            <p:ph type="dt" sz="half" idx="10"/>
+          </p:nvPr>
+        </p:nvSpPr>
+        <p:spPr/>
+        <p:txBody>
+          <a:bodyPr/>
+          <a:lstStyle/>
+          <a:p>
+            <a:fld id="{54572FE0-AF69-49FC-A044-C789016A5D4F}" type="datetimeFigureOut">
+              <a:rPr lang="zh-CN" altLang="en-US" smtClean="0"/>
+              <a:t>2024/3/28</a:t>
+            </a:fld>
+            <a:endParaRPr lang="zh-CN" altLang="en-US"/>
+          </a:p>
+        </p:txBody>
+      </p:sp>
+      <p:sp>
+        <p:nvSpPr>
+          <p:cNvPr id="5" name="Footer Placeholder 4"/>
+          <p:cNvSpPr>
+            <a:spLocks noGrp="1"/>
+          </p:cNvSpPr>
+          <p:nvPr>
+            <p:ph type="ftr" sz="quarter" idx="11"/>
+          </p:nvPr>
+        </p:nvSpPr>
+        <p:spPr/>
+        <p:txBody>
+          <a:bodyPr/>
+          <a:lstStyle/>
+          <a:p>
+            <a:endParaRPr lang="zh-CN" altLang="en-US"/>
+          </a:p>
+        </p:txBody>
+      </p:sp>
+      <p:sp>
+        <p:nvSpPr>
+          <p:cNvPr id="6" name="Slide Number Placeholder 5"/>
+          <p:cNvSpPr>
+            <a:spLocks noGrp="1"/>
+          </p:cNvSpPr>
+          <p:nvPr>
+            <p:ph type="sldNum" sz="quarter" idx="12"/>
+          </p:nvPr>
+        </p:nvSpPr>
+        <p:spPr/>
+        <p:txBody>
+          <a:bodyPr/>
+          <a:lstStyle/>
+          <a:p>
+            <a:fld id="{0800A6A5-3185-4C7B-B9AA-71C6F4DCF7FA}" type="slidenum">
+              <a:rPr lang="zh-CN" altLang="en-US" smtClean="0"/>
+              <a:t>‹#›</a:t>
+            </a:fld>
+            <a:endParaRPr lang="zh-CN" altLang="en-US"/>
+          </a:p>
+        </p:txBody>
+      </p:sp>
+      <p:cxnSp>
+        <p:nvCxnSpPr>
+          <p:cNvPr id="16" name="Straight Connector 15"/>
+          <p:cNvCxnSpPr/>
+          <p:nvPr/>
+        </p:nvCxnSpPr>
+        <p:spPr>
+          <a:xfrm flipH="1">
+            <a:off x="8228012" y="8467"/>
+            <a:ext cx="3810000" cy="3810000"/>
+          </a:xfrm>
+          <a:prstGeom prst="line">
+            <a:avLst/>
+          </a:prstGeom>
+          <a:ln w="12700">
+            <a:solidFill>
+              <a:schemeClr val="tx1"/>
+            </a:solidFill>
+          </a:ln>
+        </p:spPr>
+        <p:style>
+          <a:lnRef idx="2">
+            <a:schemeClr val="accent1"/>
+          </a:lnRef>
+          <a:fillRef idx="0">
+            <a:schemeClr val="accent1"/>
+          </a:fillRef>
+          <a:effectRef idx="1">
+            <a:schemeClr val="accent1"/>
+          </a:effectRef>
+          <a:fontRef idx="minor">
+            <a:schemeClr val="tx1"/>
+          </a:fontRef>
+        </p:style>
+      </p:cxnSp>
+      <p:cxnSp>
+        <p:nvCxnSpPr>
+          <p:cNvPr id="17" name="Straight Connector 16"/>
+          <p:cNvCxnSpPr/>
+          <p:nvPr/>
+        </p:nvCxnSpPr>
+        <p:spPr>
+          <a:xfrm flipH="1">
+            <a:off x="6108170" y="91545"/>
+            <a:ext cx="6080655" cy="6080655"/>
+          </a:xfrm>
+          <a:prstGeom prst="line">
+            <a:avLst/>
+          </a:prstGeom>
+          <a:ln w="12700">
+            <a:solidFill>
+              <a:schemeClr val="tx1"/>
+            </a:solidFill>
+          </a:ln>
+        </p:spPr>
+        <p:style>
+          <a:lnRef idx="2">
+            <a:schemeClr val="accent1"/>
+          </a:lnRef>
+          <a:fillRef idx="0">
+            <a:schemeClr val="accent1"/>
+          </a:fillRef>
+          <a:effectRef idx="1">
+            <a:schemeClr val="accent1"/>
+          </a:effectRef>
+          <a:fontRef idx="minor">
+            <a:schemeClr val="tx1"/>
+          </a:fontRef>
+        </p:style>
+      </p:cxnSp>
+      <p:cxnSp>
+        <p:nvCxnSpPr>
+          <p:cNvPr id="19" name="Straight Connector 18"/>
+          <p:cNvCxnSpPr/>
+          <p:nvPr/>
+        </p:nvCxnSpPr>
+        <p:spPr>
+          <a:xfrm flipH="1">
+            <a:off x="7235825" y="228600"/>
+            <a:ext cx="4953000" cy="4953000"/>
+          </a:xfrm>
+          <a:prstGeom prst="line">
+            <a:avLst/>
+          </a:prstGeom>
+          <a:ln w="12700">
+            <a:solidFill>
+              <a:schemeClr val="tx1"/>
+            </a:solidFill>
+          </a:ln>
+        </p:spPr>
+        <p:style>
+          <a:lnRef idx="2">
+            <a:schemeClr val="accent1"/>
+          </a:lnRef>
+          <a:fillRef idx="0">
+            <a:schemeClr val="accent1"/>
+          </a:fillRef>
+          <a:effectRef idx="1">
+            <a:schemeClr val="accent1"/>
+          </a:effectRef>
+          <a:fontRef idx="minor">
+            <a:schemeClr val="tx1"/>
+          </a:fontRef>
+        </p:style>
+      </p:cxnSp>
+      <p:cxnSp>
+        <p:nvCxnSpPr>
+          <p:cNvPr id="21" name="Straight Connector 20"/>
+          <p:cNvCxnSpPr/>
+          <p:nvPr/>
+        </p:nvCxnSpPr>
+        <p:spPr>
+          <a:xfrm flipH="1">
+            <a:off x="7335837" y="32278"/>
+            <a:ext cx="4852989" cy="4852989"/>
+          </a:xfrm>
+          <a:prstGeom prst="line">
+            <a:avLst/>
+          </a:prstGeom>
+          <a:ln w="31750">
+            <a:solidFill>
+              <a:schemeClr val="tx1"/>
+            </a:solidFill>
+          </a:ln>
+        </p:spPr>
+        <p:style>
+          <a:lnRef idx="2">
+            <a:schemeClr val="accent1"/>
+          </a:lnRef>
+          <a:fillRef idx="0">
+            <a:schemeClr val="accent1"/>
+          </a:fillRef>
+          <a:effectRef idx="1">
+            <a:schemeClr val="accent1"/>
+          </a:effectRef>
+          <a:fontRef idx="minor">
+            <a:schemeClr val="tx1"/>
+          </a:fontRef>
+        </p:style>
+      </p:cxnSp>
+      <p:cxnSp>
+        <p:nvCxnSpPr>
+          <p:cNvPr id="23" name="Straight Connector 22"/>
+          <p:cNvCxnSpPr/>
+          <p:nvPr/>
+        </p:nvCxnSpPr>
+        <p:spPr>
+          <a:xfrm flipH="1">
+            <a:off x="7845426" y="609601"/>
+            <a:ext cx="4343399" cy="4343399"/>
+          </a:xfrm>
+          <a:prstGeom prst="line">
+            <a:avLst/>
+          </a:prstGeom>
+          <a:ln w="31750">
+            <a:solidFill>
+              <a:schemeClr val="tx1"/>
+            </a:solidFill>
+          </a:ln>
+        </p:spPr>
+        <p:style>
+          <a:lnRef idx="2">
+            <a:schemeClr val="accent1"/>
+          </a:lnRef>
+          <a:fillRef idx="0">
+            <a:schemeClr val="accent1"/>
+          </a:fillRef>
+          <a:effectRef idx="1">
+            <a:schemeClr val="accent1"/>
+          </a:effectRef>
+          <a:fontRef idx="minor">
+            <a:schemeClr val="tx1"/>
+          </a:fontRef>
+        </p:style>
+      </p:cxnSp>
+    </p:spTree>
+    <p:extLst>
+      <p:ext uri="{BB962C8B-B14F-4D97-AF65-F5344CB8AC3E}">
+        <p14:creationId xmlns:p14="http://schemas.microsoft.com/office/powerpoint/2010/main" val="3944073725"/>
+      </p:ext>
+    </p:extLst>
+  </p:cSld>
+  <p:clrMapOvr>
+    <a:masterClrMapping/>
+  </p:clrMapOvr>
+</p:sldLayout>
+</file>
+
+<file path=ppt/slideLayouts/slideLayout13.xml><?xml version="1.0" encoding="utf-8"?>
+<p:sldLayout xmlns:a="http://schemas.openxmlformats.org/drawingml/2006/main" xmlns:r="http://schemas.openxmlformats.org/officeDocument/2006/relationships" xmlns:p="http://schemas.openxmlformats.org/presentationml/2006/main" type="obj" preserve="1">
+  <p:cSld name="标题和内容">
+    <p:spTree>
+      <p:nvGrpSpPr>
+        <p:cNvPr id="1" name=""/>
+        <p:cNvGrpSpPr/>
+        <p:nvPr/>
+      </p:nvGrpSpPr>
+      <p:grpSpPr>
+        <a:xfrm>
+          <a:off x="0" y="0"/>
+          <a:ext cx="0" cy="0"/>
+          <a:chOff x="0" y="0"/>
+          <a:chExt cx="0" cy="0"/>
+        </a:xfrm>
+      </p:grpSpPr>
+      <p:sp>
+        <p:nvSpPr>
+          <p:cNvPr id="2" name="Title 1"/>
+          <p:cNvSpPr>
+            <a:spLocks noGrp="1"/>
+          </p:cNvSpPr>
+          <p:nvPr>
+            <p:ph type="title"/>
+          </p:nvPr>
+        </p:nvSpPr>
+        <p:spPr/>
+        <p:txBody>
+          <a:bodyPr/>
+          <a:lstStyle/>
+          <a:p>
+            <a:r>
+              <a:rPr lang="zh-CN" altLang="en-US"/>
+              <a:t>单击此处编辑母版标题样式</a:t>
+            </a:r>
+            <a:endParaRPr lang="en-US" dirty="0"/>
+          </a:p>
+        </p:txBody>
+      </p:sp>
+      <p:sp>
+        <p:nvSpPr>
+          <p:cNvPr id="3" name="Content Placeholder 2"/>
+          <p:cNvSpPr>
+            <a:spLocks noGrp="1"/>
+          </p:cNvSpPr>
+          <p:nvPr>
+            <p:ph idx="1"/>
+          </p:nvPr>
+        </p:nvSpPr>
+        <p:spPr/>
+        <p:txBody>
+          <a:bodyPr anchor="ctr"/>
+          <a:lstStyle/>
+          <a:p>
+            <a:pPr lvl="0"/>
+            <a:r>
+              <a:rPr lang="zh-CN" altLang="en-US"/>
+              <a:t>单击此处编辑母版文本样式</a:t>
+            </a:r>
+          </a:p>
+          <a:p>
+            <a:pPr lvl="1"/>
+            <a:r>
+              <a:rPr lang="zh-CN" altLang="en-US"/>
+              <a:t>二级</a:t>
+            </a:r>
+          </a:p>
+          <a:p>
+            <a:pPr lvl="2"/>
+            <a:r>
+              <a:rPr lang="zh-CN" altLang="en-US"/>
+              <a:t>三级</a:t>
+            </a:r>
+          </a:p>
+          <a:p>
+            <a:pPr lvl="3"/>
+            <a:r>
+              <a:rPr lang="zh-CN" altLang="en-US"/>
+              <a:t>四级</a:t>
+            </a:r>
+          </a:p>
+          <a:p>
+            <a:pPr lvl="4"/>
+            <a:r>
+              <a:rPr lang="zh-CN" altLang="en-US"/>
+              <a:t>五级</a:t>
+            </a:r>
+            <a:endParaRPr lang="en-US" dirty="0"/>
+          </a:p>
+        </p:txBody>
+      </p:sp>
+      <p:sp>
+        <p:nvSpPr>
+          <p:cNvPr id="4" name="Date Placeholder 3"/>
+          <p:cNvSpPr>
+            <a:spLocks noGrp="1"/>
+          </p:cNvSpPr>
+          <p:nvPr>
+            <p:ph type="dt" sz="half" idx="10"/>
+          </p:nvPr>
+        </p:nvSpPr>
+        <p:spPr/>
+        <p:txBody>
+          <a:bodyPr/>
+          <a:lstStyle/>
+          <a:p>
+            <a:fld id="{54572FE0-AF69-49FC-A044-C789016A5D4F}" type="datetimeFigureOut">
+              <a:rPr lang="zh-CN" altLang="en-US" smtClean="0"/>
+              <a:t>2024/3/28</a:t>
+            </a:fld>
+            <a:endParaRPr lang="zh-CN" altLang="en-US"/>
+          </a:p>
+        </p:txBody>
+      </p:sp>
+      <p:sp>
+        <p:nvSpPr>
+          <p:cNvPr id="5" name="Footer Placeholder 4"/>
+          <p:cNvSpPr>
+            <a:spLocks noGrp="1"/>
+          </p:cNvSpPr>
+          <p:nvPr>
+            <p:ph type="ftr" sz="quarter" idx="11"/>
+          </p:nvPr>
+        </p:nvSpPr>
+        <p:spPr/>
+        <p:txBody>
+          <a:bodyPr/>
+          <a:lstStyle/>
+          <a:p>
+            <a:endParaRPr lang="zh-CN" altLang="en-US"/>
+          </a:p>
+        </p:txBody>
+      </p:sp>
+      <p:sp>
+        <p:nvSpPr>
+          <p:cNvPr id="6" name="Slide Number Placeholder 5"/>
+          <p:cNvSpPr>
+            <a:spLocks noGrp="1"/>
+          </p:cNvSpPr>
+          <p:nvPr>
+            <p:ph type="sldNum" sz="quarter" idx="12"/>
+          </p:nvPr>
+        </p:nvSpPr>
+        <p:spPr/>
+        <p:txBody>
+          <a:bodyPr/>
+          <a:lstStyle/>
+          <a:p>
+            <a:fld id="{0800A6A5-3185-4C7B-B9AA-71C6F4DCF7FA}" type="slidenum">
+              <a:rPr lang="zh-CN" altLang="en-US" smtClean="0"/>
+              <a:t>‹#›</a:t>
+            </a:fld>
+            <a:endParaRPr lang="zh-CN" altLang="en-US"/>
+          </a:p>
+        </p:txBody>
+      </p:sp>
+    </p:spTree>
+    <p:extLst>
+      <p:ext uri="{BB962C8B-B14F-4D97-AF65-F5344CB8AC3E}">
+        <p14:creationId xmlns:p14="http://schemas.microsoft.com/office/powerpoint/2010/main" val="1835022636"/>
+      </p:ext>
+    </p:extLst>
+  </p:cSld>
+  <p:clrMapOvr>
+    <a:masterClrMapping/>
+  </p:clrMapOvr>
+</p:sldLayout>
+</file>
+
+<file path=ppt/slideLayouts/slideLayout14.xml><?xml version="1.0" encoding="utf-8"?>
+<p:sldLayout xmlns:a="http://schemas.openxmlformats.org/drawingml/2006/main" xmlns:r="http://schemas.openxmlformats.org/officeDocument/2006/relationships" xmlns:p="http://schemas.openxmlformats.org/presentationml/2006/main" type="secHead" preserve="1">
+  <p:cSld name="节标题">
+    <p:spTree>
+      <p:nvGrpSpPr>
+        <p:cNvPr id="1" name=""/>
+        <p:cNvGrpSpPr/>
+        <p:nvPr/>
+      </p:nvGrpSpPr>
+      <p:grpSpPr>
+        <a:xfrm>
+          <a:off x="0" y="0"/>
+          <a:ext cx="0" cy="0"/>
+          <a:chOff x="0" y="0"/>
+          <a:chExt cx="0" cy="0"/>
+        </a:xfrm>
+      </p:grpSpPr>
+      <p:sp>
+        <p:nvSpPr>
+          <p:cNvPr id="2" name="Title 1"/>
+          <p:cNvSpPr>
+            <a:spLocks noGrp="1"/>
+          </p:cNvSpPr>
+          <p:nvPr>
+            <p:ph type="title"/>
+          </p:nvPr>
+        </p:nvSpPr>
+        <p:spPr>
+          <a:xfrm>
+            <a:off x="684211" y="2006600"/>
+            <a:ext cx="8534401" cy="2281600"/>
+          </a:xfrm>
+        </p:spPr>
+        <p:txBody>
+          <a:bodyPr anchor="b">
+            <a:normAutofit/>
+          </a:bodyPr>
+          <a:lstStyle>
+            <a:lvl1pPr algn="l">
+              <a:defRPr sz="3600" b="0" cap="all"/>
+            </a:lvl1pPr>
+          </a:lstStyle>
+          <a:p>
+            <a:r>
+              <a:rPr lang="zh-CN" altLang="en-US"/>
+              <a:t>单击此处编辑母版标题样式</a:t>
+            </a:r>
+            <a:endParaRPr lang="en-US" dirty="0"/>
+          </a:p>
+        </p:txBody>
+      </p:sp>
+      <p:sp>
+        <p:nvSpPr>
+          <p:cNvPr id="3" name="Text Placeholder 2"/>
+          <p:cNvSpPr>
+            <a:spLocks noGrp="1"/>
+          </p:cNvSpPr>
+          <p:nvPr>
+            <p:ph type="body" idx="1"/>
+          </p:nvPr>
+        </p:nvSpPr>
+        <p:spPr>
+          <a:xfrm>
+            <a:off x="684213" y="4495800"/>
+            <a:ext cx="8534400" cy="1498600"/>
+          </a:xfrm>
+        </p:spPr>
+        <p:txBody>
+          <a:bodyPr anchor="t">
+            <a:normAutofit/>
+          </a:bodyPr>
+          <a:lstStyle>
+            <a:lvl1pPr marL="0" indent="0" algn="l">
+              <a:buNone/>
+              <a:defRPr sz="1800">
+                <a:solidFill>
+                  <a:schemeClr val="bg2">
+                    <a:lumMod val="75000"/>
+                  </a:schemeClr>
+                </a:solidFill>
+              </a:defRPr>
+            </a:lvl1pPr>
+            <a:lvl2pPr marL="457200" indent="0">
+              <a:buNone/>
+              <a:defRPr sz="1800">
+                <a:solidFill>
+                  <a:schemeClr val="tx1">
+                    <a:tint val="75000"/>
+                  </a:schemeClr>
+                </a:solidFill>
+              </a:defRPr>
+            </a:lvl2pPr>
+            <a:lvl3pPr marL="914400" indent="0">
+              <a:buNone/>
+              <a:defRPr sz="1600">
+                <a:solidFill>
+                  <a:schemeClr val="tx1">
+                    <a:tint val="75000"/>
+                  </a:schemeClr>
+                </a:solidFill>
+              </a:defRPr>
+            </a:lvl3pPr>
+            <a:lvl4pPr marL="1371600" indent="0">
+              <a:buNone/>
+              <a:defRPr sz="1400">
+                <a:solidFill>
+                  <a:schemeClr val="tx1">
+                    <a:tint val="75000"/>
+                  </a:schemeClr>
+                </a:solidFill>
+              </a:defRPr>
+            </a:lvl4pPr>
+            <a:lvl5pPr marL="1828800" indent="0">
+              <a:buNone/>
+              <a:defRPr sz="1400">
+                <a:solidFill>
+                  <a:schemeClr val="tx1">
+                    <a:tint val="75000"/>
+                  </a:schemeClr>
+                </a:solidFill>
+              </a:defRPr>
+            </a:lvl5pPr>
+            <a:lvl6pPr marL="2286000" indent="0">
+              <a:buNone/>
+              <a:defRPr sz="1400">
+                <a:solidFill>
+                  <a:schemeClr val="tx1">
+                    <a:tint val="75000"/>
+                  </a:schemeClr>
+                </a:solidFill>
+              </a:defRPr>
+            </a:lvl6pPr>
+            <a:lvl7pPr marL="2743200" indent="0">
+              <a:buNone/>
+              <a:defRPr sz="1400">
+                <a:solidFill>
+                  <a:schemeClr val="tx1">
+                    <a:tint val="75000"/>
+                  </a:schemeClr>
+                </a:solidFill>
+              </a:defRPr>
+            </a:lvl7pPr>
+            <a:lvl8pPr marL="3200400" indent="0">
+              <a:buNone/>
+              <a:defRPr sz="1400">
+                <a:solidFill>
+                  <a:schemeClr val="tx1">
+                    <a:tint val="75000"/>
+                  </a:schemeClr>
+                </a:solidFill>
+              </a:defRPr>
+            </a:lvl8pPr>
+            <a:lvl9pPr marL="3657600" indent="0">
+              <a:buNone/>
+              <a:defRPr sz="1400">
+                <a:solidFill>
+                  <a:schemeClr val="tx1">
+                    <a:tint val="75000"/>
+                  </a:schemeClr>
+                </a:solidFill>
+              </a:defRPr>
+            </a:lvl9pPr>
+          </a:lstStyle>
+          <a:p>
+            <a:pPr lvl="0"/>
+            <a:r>
+              <a:rPr lang="zh-CN" altLang="en-US"/>
+              <a:t>单击此处编辑母版文本样式</a:t>
+            </a:r>
+          </a:p>
+        </p:txBody>
+      </p:sp>
+      <p:sp>
+        <p:nvSpPr>
+          <p:cNvPr id="4" name="Date Placeholder 3"/>
+          <p:cNvSpPr>
+            <a:spLocks noGrp="1"/>
+          </p:cNvSpPr>
+          <p:nvPr>
+            <p:ph type="dt" sz="half" idx="10"/>
+          </p:nvPr>
+        </p:nvSpPr>
+        <p:spPr/>
+        <p:txBody>
+          <a:bodyPr/>
+          <a:lstStyle/>
+          <a:p>
+            <a:fld id="{54572FE0-AF69-49FC-A044-C789016A5D4F}" type="datetimeFigureOut">
+              <a:rPr lang="zh-CN" altLang="en-US" smtClean="0"/>
+              <a:t>2024/3/28</a:t>
+            </a:fld>
+            <a:endParaRPr lang="zh-CN" altLang="en-US"/>
+          </a:p>
+        </p:txBody>
+      </p:sp>
+      <p:sp>
+        <p:nvSpPr>
+          <p:cNvPr id="5" name="Footer Placeholder 4"/>
+          <p:cNvSpPr>
+            <a:spLocks noGrp="1"/>
+          </p:cNvSpPr>
+          <p:nvPr>
+            <p:ph type="ftr" sz="quarter" idx="11"/>
+          </p:nvPr>
+        </p:nvSpPr>
+        <p:spPr/>
+        <p:txBody>
+          <a:bodyPr/>
+          <a:lstStyle/>
+          <a:p>
+            <a:endParaRPr lang="zh-CN" altLang="en-US"/>
+          </a:p>
+        </p:txBody>
+      </p:sp>
+      <p:sp>
+        <p:nvSpPr>
+          <p:cNvPr id="6" name="Slide Number Placeholder 5"/>
+          <p:cNvSpPr>
+            <a:spLocks noGrp="1"/>
+          </p:cNvSpPr>
+          <p:nvPr>
+            <p:ph type="sldNum" sz="quarter" idx="12"/>
+          </p:nvPr>
+        </p:nvSpPr>
+        <p:spPr/>
+        <p:txBody>
+          <a:bodyPr/>
+          <a:lstStyle/>
+          <a:p>
+            <a:fld id="{0800A6A5-3185-4C7B-B9AA-71C6F4DCF7FA}" type="slidenum">
+              <a:rPr lang="zh-CN" altLang="en-US" smtClean="0"/>
+              <a:t>‹#›</a:t>
+            </a:fld>
+            <a:endParaRPr lang="zh-CN" altLang="en-US"/>
+          </a:p>
+        </p:txBody>
+      </p:sp>
+    </p:spTree>
+    <p:extLst>
+      <p:ext uri="{BB962C8B-B14F-4D97-AF65-F5344CB8AC3E}">
+        <p14:creationId xmlns:p14="http://schemas.microsoft.com/office/powerpoint/2010/main" val="4161725017"/>
+      </p:ext>
+    </p:extLst>
+  </p:cSld>
+  <p:clrMapOvr>
+    <a:masterClrMapping/>
+  </p:clrMapOvr>
+</p:sldLayout>
+</file>
+
+<file path=ppt/slideLayouts/slideLayout15.xml><?xml version="1.0" encoding="utf-8"?>
+<p:sldLayout xmlns:a="http://schemas.openxmlformats.org/drawingml/2006/main" xmlns:r="http://schemas.openxmlformats.org/officeDocument/2006/relationships" xmlns:p="http://schemas.openxmlformats.org/presentationml/2006/main" type="twoObj" preserve="1">
+  <p:cSld name="两栏内容">
+    <p:spTree>
+      <p:nvGrpSpPr>
+        <p:cNvPr id="1" name=""/>
+        <p:cNvGrpSpPr/>
+        <p:nvPr/>
+      </p:nvGrpSpPr>
+      <p:grpSpPr>
+        <a:xfrm>
+          <a:off x="0" y="0"/>
+          <a:ext cx="0" cy="0"/>
+          <a:chOff x="0" y="0"/>
+          <a:chExt cx="0" cy="0"/>
+        </a:xfrm>
+      </p:grpSpPr>
+      <p:sp>
+        <p:nvSpPr>
+          <p:cNvPr id="2" name="Title 1"/>
+          <p:cNvSpPr>
+            <a:spLocks noGrp="1"/>
+          </p:cNvSpPr>
+          <p:nvPr>
+            <p:ph type="title"/>
+          </p:nvPr>
+        </p:nvSpPr>
+        <p:spPr/>
+        <p:txBody>
+          <a:bodyPr/>
+          <a:lstStyle/>
+          <a:p>
+            <a:r>
+              <a:rPr lang="zh-CN" altLang="en-US"/>
+              <a:t>单击此处编辑母版标题样式</a:t>
+            </a:r>
+            <a:endParaRPr lang="en-US" dirty="0"/>
+          </a:p>
+        </p:txBody>
+      </p:sp>
+      <p:sp>
+        <p:nvSpPr>
+          <p:cNvPr id="3" name="Content Placeholder 2"/>
+          <p:cNvSpPr>
+            <a:spLocks noGrp="1"/>
+          </p:cNvSpPr>
+          <p:nvPr>
+            <p:ph sz="half" idx="1"/>
+          </p:nvPr>
+        </p:nvSpPr>
+        <p:spPr>
+          <a:xfrm>
+            <a:off x="684211" y="685800"/>
+            <a:ext cx="4937655" cy="3615267"/>
+          </a:xfrm>
+        </p:spPr>
+        <p:txBody>
+          <a:bodyPr>
+            <a:normAutofit/>
+          </a:bodyPr>
+          <a:lstStyle/>
+          <a:p>
+            <a:pPr lvl="0"/>
+            <a:r>
+              <a:rPr lang="zh-CN" altLang="en-US"/>
+              <a:t>单击此处编辑母版文本样式</a:t>
+            </a:r>
+          </a:p>
+          <a:p>
+            <a:pPr lvl="1"/>
+            <a:r>
+              <a:rPr lang="zh-CN" altLang="en-US"/>
+              <a:t>二级</a:t>
+            </a:r>
+          </a:p>
+          <a:p>
+            <a:pPr lvl="2"/>
+            <a:r>
+              <a:rPr lang="zh-CN" altLang="en-US"/>
+              <a:t>三级</a:t>
+            </a:r>
+          </a:p>
+          <a:p>
+            <a:pPr lvl="3"/>
+            <a:r>
+              <a:rPr lang="zh-CN" altLang="en-US"/>
+              <a:t>四级</a:t>
+            </a:r>
+          </a:p>
+          <a:p>
+            <a:pPr lvl="4"/>
+            <a:r>
+              <a:rPr lang="zh-CN" altLang="en-US"/>
+              <a:t>五级</a:t>
+            </a:r>
+            <a:endParaRPr lang="en-US" dirty="0"/>
+          </a:p>
+        </p:txBody>
+      </p:sp>
+      <p:sp>
+        <p:nvSpPr>
+          <p:cNvPr id="4" name="Content Placeholder 3"/>
+          <p:cNvSpPr>
+            <a:spLocks noGrp="1"/>
+          </p:cNvSpPr>
+          <p:nvPr>
+            <p:ph sz="half" idx="2"/>
+          </p:nvPr>
+        </p:nvSpPr>
+        <p:spPr>
+          <a:xfrm>
+            <a:off x="5808133" y="685801"/>
+            <a:ext cx="4934479" cy="3615266"/>
+          </a:xfrm>
+        </p:spPr>
+        <p:txBody>
+          <a:bodyPr>
+            <a:normAutofit/>
+          </a:bodyPr>
+          <a:lstStyle/>
+          <a:p>
+            <a:pPr lvl="0"/>
+            <a:r>
+              <a:rPr lang="zh-CN" altLang="en-US"/>
+              <a:t>单击此处编辑母版文本样式</a:t>
+            </a:r>
+          </a:p>
+          <a:p>
+            <a:pPr lvl="1"/>
+            <a:r>
+              <a:rPr lang="zh-CN" altLang="en-US"/>
+              <a:t>二级</a:t>
+            </a:r>
+          </a:p>
+          <a:p>
+            <a:pPr lvl="2"/>
+            <a:r>
+              <a:rPr lang="zh-CN" altLang="en-US"/>
+              <a:t>三级</a:t>
+            </a:r>
+          </a:p>
+          <a:p>
+            <a:pPr lvl="3"/>
+            <a:r>
+              <a:rPr lang="zh-CN" altLang="en-US"/>
+              <a:t>四级</a:t>
+            </a:r>
+          </a:p>
+          <a:p>
+            <a:pPr lvl="4"/>
+            <a:r>
+              <a:rPr lang="zh-CN" altLang="en-US"/>
+              <a:t>五级</a:t>
+            </a:r>
+            <a:endParaRPr lang="en-US" dirty="0"/>
+          </a:p>
+        </p:txBody>
+      </p:sp>
+      <p:sp>
+        <p:nvSpPr>
+          <p:cNvPr id="5" name="Date Placeholder 4"/>
+          <p:cNvSpPr>
+            <a:spLocks noGrp="1"/>
+          </p:cNvSpPr>
+          <p:nvPr>
+            <p:ph type="dt" sz="half" idx="10"/>
+          </p:nvPr>
+        </p:nvSpPr>
+        <p:spPr/>
+        <p:txBody>
+          <a:bodyPr/>
+          <a:lstStyle/>
+          <a:p>
+            <a:fld id="{54572FE0-AF69-49FC-A044-C789016A5D4F}" type="datetimeFigureOut">
+              <a:rPr lang="zh-CN" altLang="en-US" smtClean="0"/>
+              <a:t>2024/3/28</a:t>
+            </a:fld>
+            <a:endParaRPr lang="zh-CN" altLang="en-US"/>
+          </a:p>
+        </p:txBody>
+      </p:sp>
+      <p:sp>
+        <p:nvSpPr>
+          <p:cNvPr id="6" name="Footer Placeholder 5"/>
+          <p:cNvSpPr>
+            <a:spLocks noGrp="1"/>
+          </p:cNvSpPr>
+          <p:nvPr>
+            <p:ph type="ftr" sz="quarter" idx="11"/>
+          </p:nvPr>
+        </p:nvSpPr>
+        <p:spPr/>
+        <p:txBody>
+          <a:bodyPr/>
+          <a:lstStyle/>
+          <a:p>
+            <a:endParaRPr lang="zh-CN" altLang="en-US"/>
+          </a:p>
+        </p:txBody>
+      </p:sp>
+      <p:sp>
+        <p:nvSpPr>
+          <p:cNvPr id="7" name="Slide Number Placeholder 6"/>
+          <p:cNvSpPr>
+            <a:spLocks noGrp="1"/>
+          </p:cNvSpPr>
+          <p:nvPr>
+            <p:ph type="sldNum" sz="quarter" idx="12"/>
+          </p:nvPr>
+        </p:nvSpPr>
+        <p:spPr/>
+        <p:txBody>
+          <a:bodyPr/>
+          <a:lstStyle/>
+          <a:p>
+            <a:fld id="{0800A6A5-3185-4C7B-B9AA-71C6F4DCF7FA}" type="slidenum">
+              <a:rPr lang="zh-CN" altLang="en-US" smtClean="0"/>
+              <a:t>‹#›</a:t>
+            </a:fld>
+            <a:endParaRPr lang="zh-CN" altLang="en-US"/>
+          </a:p>
+        </p:txBody>
+      </p:sp>
+    </p:spTree>
+    <p:extLst>
+      <p:ext uri="{BB962C8B-B14F-4D97-AF65-F5344CB8AC3E}">
+        <p14:creationId xmlns:p14="http://schemas.microsoft.com/office/powerpoint/2010/main" val="3176673393"/>
+      </p:ext>
+    </p:extLst>
+  </p:cSld>
+  <p:clrMapOvr>
+    <a:masterClrMapping/>
+  </p:clrMapOvr>
+</p:sldLayout>
+</file>
+
+<file path=ppt/slideLayouts/slideLayout16.xml><?xml version="1.0" encoding="utf-8"?>
+<p:sldLayout xmlns:a="http://schemas.openxmlformats.org/drawingml/2006/main" xmlns:r="http://schemas.openxmlformats.org/officeDocument/2006/relationships" xmlns:p="http://schemas.openxmlformats.org/presentationml/2006/main" type="twoTxTwoObj" preserve="1">
+  <p:cSld name="比较">
+    <p:spTree>
+      <p:nvGrpSpPr>
+        <p:cNvPr id="1" name=""/>
+        <p:cNvGrpSpPr/>
+        <p:nvPr/>
+      </p:nvGrpSpPr>
+      <p:grpSpPr>
+        <a:xfrm>
+          <a:off x="0" y="0"/>
+          <a:ext cx="0" cy="0"/>
+          <a:chOff x="0" y="0"/>
+          <a:chExt cx="0" cy="0"/>
+        </a:xfrm>
+      </p:grpSpPr>
+      <p:sp>
+        <p:nvSpPr>
+          <p:cNvPr id="2" name="Title 1"/>
+          <p:cNvSpPr>
+            <a:spLocks noGrp="1"/>
+          </p:cNvSpPr>
+          <p:nvPr>
+            <p:ph type="title"/>
+          </p:nvPr>
+        </p:nvSpPr>
+        <p:spPr/>
+        <p:txBody>
+          <a:bodyPr/>
+          <a:lstStyle>
+            <a:lvl1pPr>
+              <a:defRPr/>
+            </a:lvl1pPr>
+          </a:lstStyle>
+          <a:p>
+            <a:r>
+              <a:rPr lang="zh-CN" altLang="en-US"/>
+              <a:t>单击此处编辑母版标题样式</a:t>
+            </a:r>
+            <a:endParaRPr lang="en-US" dirty="0"/>
+          </a:p>
+        </p:txBody>
+      </p:sp>
+      <p:sp>
+        <p:nvSpPr>
+          <p:cNvPr id="3" name="Text Placeholder 2"/>
+          <p:cNvSpPr>
+            <a:spLocks noGrp="1"/>
+          </p:cNvSpPr>
+          <p:nvPr>
+            <p:ph type="body" idx="1"/>
+          </p:nvPr>
+        </p:nvSpPr>
+        <p:spPr>
+          <a:xfrm>
+            <a:off x="972080" y="685800"/>
+            <a:ext cx="4649787" cy="576262"/>
+          </a:xfrm>
+        </p:spPr>
+        <p:txBody>
+          <a:bodyPr anchor="b">
+            <a:noAutofit/>
+          </a:bodyPr>
+          <a:lstStyle>
+            <a:lvl1pPr marL="0" indent="0">
+              <a:buNone/>
+              <a:defRPr sz="2800" b="0">
+                <a:solidFill>
+                  <a:schemeClr val="tx1"/>
+                </a:solidFill>
+              </a:defRPr>
+            </a:lvl1pPr>
+            <a:lvl2pPr marL="457200" indent="0">
+              <a:buNone/>
+              <a:defRPr sz="2000" b="1"/>
+            </a:lvl2pPr>
+            <a:lvl3pPr marL="914400" indent="0">
+              <a:buNone/>
+              <a:defRPr sz="1800" b="1"/>
+            </a:lvl3pPr>
+            <a:lvl4pPr marL="1371600" indent="0">
+              <a:buNone/>
+              <a:defRPr sz="1600" b="1"/>
+            </a:lvl4pPr>
+            <a:lvl5pPr marL="1828800" indent="0">
+              <a:buNone/>
+              <a:defRPr sz="1600" b="1"/>
+            </a:lvl5pPr>
+            <a:lvl6pPr marL="2286000" indent="0">
+              <a:buNone/>
+              <a:defRPr sz="1600" b="1"/>
+            </a:lvl6pPr>
+            <a:lvl7pPr marL="2743200" indent="0">
+              <a:buNone/>
+              <a:defRPr sz="1600" b="1"/>
+            </a:lvl7pPr>
+            <a:lvl8pPr marL="3200400" indent="0">
+              <a:buNone/>
+              <a:defRPr sz="1600" b="1"/>
+            </a:lvl8pPr>
+            <a:lvl9pPr marL="3657600" indent="0">
+              <a:buNone/>
+              <a:defRPr sz="1600" b="1"/>
+            </a:lvl9pPr>
+          </a:lstStyle>
+          <a:p>
+            <a:pPr lvl="0"/>
+            <a:r>
+              <a:rPr lang="zh-CN" altLang="en-US"/>
+              <a:t>单击此处编辑母版文本样式</a:t>
+            </a:r>
+          </a:p>
+        </p:txBody>
+      </p:sp>
+      <p:sp>
+        <p:nvSpPr>
+          <p:cNvPr id="4" name="Content Placeholder 3"/>
+          <p:cNvSpPr>
+            <a:spLocks noGrp="1"/>
+          </p:cNvSpPr>
+          <p:nvPr>
+            <p:ph sz="half" idx="2"/>
+          </p:nvPr>
+        </p:nvSpPr>
+        <p:spPr>
+          <a:xfrm>
+            <a:off x="684211" y="1270529"/>
+            <a:ext cx="4937655" cy="3030538"/>
+          </a:xfrm>
+        </p:spPr>
+        <p:txBody>
+          <a:bodyPr anchor="t">
+            <a:normAutofit/>
+          </a:bodyPr>
+          <a:lstStyle/>
+          <a:p>
+            <a:pPr lvl="0"/>
+            <a:r>
+              <a:rPr lang="zh-CN" altLang="en-US"/>
+              <a:t>单击此处编辑母版文本样式</a:t>
+            </a:r>
+          </a:p>
+          <a:p>
+            <a:pPr lvl="1"/>
+            <a:r>
+              <a:rPr lang="zh-CN" altLang="en-US"/>
+              <a:t>二级</a:t>
+            </a:r>
+          </a:p>
+          <a:p>
+            <a:pPr lvl="2"/>
+            <a:r>
+              <a:rPr lang="zh-CN" altLang="en-US"/>
+              <a:t>三级</a:t>
+            </a:r>
+          </a:p>
+          <a:p>
+            <a:pPr lvl="3"/>
+            <a:r>
+              <a:rPr lang="zh-CN" altLang="en-US"/>
+              <a:t>四级</a:t>
+            </a:r>
+          </a:p>
+          <a:p>
+            <a:pPr lvl="4"/>
+            <a:r>
+              <a:rPr lang="zh-CN" altLang="en-US"/>
+              <a:t>五级</a:t>
+            </a:r>
+            <a:endParaRPr lang="en-US" dirty="0"/>
+          </a:p>
+        </p:txBody>
+      </p:sp>
+      <p:sp>
+        <p:nvSpPr>
+          <p:cNvPr id="5" name="Text Placeholder 4"/>
+          <p:cNvSpPr>
+            <a:spLocks noGrp="1"/>
+          </p:cNvSpPr>
+          <p:nvPr>
+            <p:ph type="body" sz="quarter" idx="3"/>
+          </p:nvPr>
+        </p:nvSpPr>
+        <p:spPr>
+          <a:xfrm>
+            <a:off x="6079066" y="685800"/>
+            <a:ext cx="4665134" cy="576262"/>
+          </a:xfrm>
+        </p:spPr>
+        <p:txBody>
+          <a:bodyPr anchor="b">
+            <a:noAutofit/>
+          </a:bodyPr>
+          <a:lstStyle>
+            <a:lvl1pPr marL="0" indent="0">
+              <a:buNone/>
+              <a:defRPr sz="2800" b="0">
+                <a:solidFill>
+                  <a:schemeClr val="tx1"/>
+                </a:solidFill>
+              </a:defRPr>
+            </a:lvl1pPr>
+            <a:lvl2pPr marL="457200" indent="0">
+              <a:buNone/>
+              <a:defRPr sz="2000" b="1"/>
+            </a:lvl2pPr>
+            <a:lvl3pPr marL="914400" indent="0">
+              <a:buNone/>
+              <a:defRPr sz="1800" b="1"/>
+            </a:lvl3pPr>
+            <a:lvl4pPr marL="1371600" indent="0">
+              <a:buNone/>
+              <a:defRPr sz="1600" b="1"/>
+            </a:lvl4pPr>
+            <a:lvl5pPr marL="1828800" indent="0">
+              <a:buNone/>
+              <a:defRPr sz="1600" b="1"/>
+            </a:lvl5pPr>
+            <a:lvl6pPr marL="2286000" indent="0">
+              <a:buNone/>
+              <a:defRPr sz="1600" b="1"/>
+            </a:lvl6pPr>
+            <a:lvl7pPr marL="2743200" indent="0">
+              <a:buNone/>
+              <a:defRPr sz="1600" b="1"/>
+            </a:lvl7pPr>
+            <a:lvl8pPr marL="3200400" indent="0">
+              <a:buNone/>
+              <a:defRPr sz="1600" b="1"/>
+            </a:lvl8pPr>
+            <a:lvl9pPr marL="3657600" indent="0">
+              <a:buNone/>
+              <a:defRPr sz="1600" b="1"/>
+            </a:lvl9pPr>
+          </a:lstStyle>
+          <a:p>
+            <a:pPr lvl="0"/>
+            <a:r>
+              <a:rPr lang="zh-CN" altLang="en-US"/>
+              <a:t>单击此处编辑母版文本样式</a:t>
+            </a:r>
+          </a:p>
+        </p:txBody>
+      </p:sp>
+      <p:sp>
+        <p:nvSpPr>
+          <p:cNvPr id="6" name="Content Placeholder 5"/>
+          <p:cNvSpPr>
+            <a:spLocks noGrp="1"/>
+          </p:cNvSpPr>
+          <p:nvPr>
+            <p:ph sz="quarter" idx="4"/>
+          </p:nvPr>
+        </p:nvSpPr>
+        <p:spPr>
+          <a:xfrm>
+            <a:off x="5806545" y="1262062"/>
+            <a:ext cx="4929188" cy="3030538"/>
+          </a:xfrm>
+        </p:spPr>
+        <p:txBody>
+          <a:bodyPr anchor="t">
+            <a:normAutofit/>
+          </a:bodyPr>
+          <a:lstStyle/>
+          <a:p>
+            <a:pPr lvl="0"/>
+            <a:r>
+              <a:rPr lang="zh-CN" altLang="en-US"/>
+              <a:t>单击此处编辑母版文本样式</a:t>
+            </a:r>
+          </a:p>
+          <a:p>
+            <a:pPr lvl="1"/>
+            <a:r>
+              <a:rPr lang="zh-CN" altLang="en-US"/>
+              <a:t>二级</a:t>
+            </a:r>
+          </a:p>
+          <a:p>
+            <a:pPr lvl="2"/>
+            <a:r>
+              <a:rPr lang="zh-CN" altLang="en-US"/>
+              <a:t>三级</a:t>
+            </a:r>
+          </a:p>
+          <a:p>
+            <a:pPr lvl="3"/>
+            <a:r>
+              <a:rPr lang="zh-CN" altLang="en-US"/>
+              <a:t>四级</a:t>
+            </a:r>
+          </a:p>
+          <a:p>
+            <a:pPr lvl="4"/>
+            <a:r>
+              <a:rPr lang="zh-CN" altLang="en-US"/>
+              <a:t>五级</a:t>
+            </a:r>
+            <a:endParaRPr lang="en-US" dirty="0"/>
+          </a:p>
+        </p:txBody>
+      </p:sp>
+      <p:sp>
+        <p:nvSpPr>
+          <p:cNvPr id="7" name="Date Placeholder 6"/>
+          <p:cNvSpPr>
+            <a:spLocks noGrp="1"/>
+          </p:cNvSpPr>
+          <p:nvPr>
+            <p:ph type="dt" sz="half" idx="10"/>
+          </p:nvPr>
+        </p:nvSpPr>
+        <p:spPr/>
+        <p:txBody>
+          <a:bodyPr/>
+          <a:lstStyle/>
+          <a:p>
+            <a:fld id="{54572FE0-AF69-49FC-A044-C789016A5D4F}" type="datetimeFigureOut">
+              <a:rPr lang="zh-CN" altLang="en-US" smtClean="0"/>
+              <a:t>2024/3/28</a:t>
+            </a:fld>
+            <a:endParaRPr lang="zh-CN" altLang="en-US"/>
+          </a:p>
+        </p:txBody>
+      </p:sp>
+      <p:sp>
+        <p:nvSpPr>
+          <p:cNvPr id="8" name="Footer Placeholder 7"/>
+          <p:cNvSpPr>
+            <a:spLocks noGrp="1"/>
+          </p:cNvSpPr>
+          <p:nvPr>
+            <p:ph type="ftr" sz="quarter" idx="11"/>
+          </p:nvPr>
+        </p:nvSpPr>
+        <p:spPr/>
+        <p:txBody>
+          <a:bodyPr/>
+          <a:lstStyle/>
+          <a:p>
+            <a:endParaRPr lang="zh-CN" altLang="en-US"/>
+          </a:p>
+        </p:txBody>
+      </p:sp>
+      <p:sp>
+        <p:nvSpPr>
+          <p:cNvPr id="9" name="Slide Number Placeholder 8"/>
+          <p:cNvSpPr>
+            <a:spLocks noGrp="1"/>
+          </p:cNvSpPr>
+          <p:nvPr>
+            <p:ph type="sldNum" sz="quarter" idx="12"/>
+          </p:nvPr>
+        </p:nvSpPr>
+        <p:spPr/>
+        <p:txBody>
+          <a:bodyPr/>
+          <a:lstStyle/>
+          <a:p>
+            <a:fld id="{0800A6A5-3185-4C7B-B9AA-71C6F4DCF7FA}" type="slidenum">
+              <a:rPr lang="zh-CN" altLang="en-US" smtClean="0"/>
+              <a:t>‹#›</a:t>
+            </a:fld>
+            <a:endParaRPr lang="zh-CN" altLang="en-US"/>
+          </a:p>
+        </p:txBody>
+      </p:sp>
+    </p:spTree>
+    <p:extLst>
+      <p:ext uri="{BB962C8B-B14F-4D97-AF65-F5344CB8AC3E}">
+        <p14:creationId xmlns:p14="http://schemas.microsoft.com/office/powerpoint/2010/main" val="2259695836"/>
+      </p:ext>
+    </p:extLst>
+  </p:cSld>
+  <p:clrMapOvr>
+    <a:masterClrMapping/>
+  </p:clrMapOvr>
+</p:sldLayout>
+</file>
+
+<file path=ppt/slideLayouts/slideLayout17.xml><?xml version="1.0" encoding="utf-8"?>
+<p:sldLayout xmlns:a="http://schemas.openxmlformats.org/drawingml/2006/main" xmlns:r="http://schemas.openxmlformats.org/officeDocument/2006/relationships" xmlns:p="http://schemas.openxmlformats.org/presentationml/2006/main" type="titleOnly" preserve="1">
+  <p:cSld name="仅标题">
+    <p:spTree>
+      <p:nvGrpSpPr>
+        <p:cNvPr id="1" name=""/>
+        <p:cNvGrpSpPr/>
+        <p:nvPr/>
+      </p:nvGrpSpPr>
+      <p:grpSpPr>
+        <a:xfrm>
+          <a:off x="0" y="0"/>
+          <a:ext cx="0" cy="0"/>
+          <a:chOff x="0" y="0"/>
+          <a:chExt cx="0" cy="0"/>
+        </a:xfrm>
+      </p:grpSpPr>
+      <p:sp>
+        <p:nvSpPr>
+          <p:cNvPr id="2" name="Title 1"/>
+          <p:cNvSpPr>
+            <a:spLocks noGrp="1"/>
+          </p:cNvSpPr>
+          <p:nvPr>
+            <p:ph type="title"/>
+          </p:nvPr>
+        </p:nvSpPr>
+        <p:spPr/>
+        <p:txBody>
+          <a:bodyPr/>
+          <a:lstStyle/>
+          <a:p>
+            <a:r>
+              <a:rPr lang="zh-CN" altLang="en-US"/>
+              <a:t>单击此处编辑母版标题样式</a:t>
+            </a:r>
+            <a:endParaRPr lang="en-US" dirty="0"/>
+          </a:p>
+        </p:txBody>
+      </p:sp>
+      <p:sp>
+        <p:nvSpPr>
+          <p:cNvPr id="3" name="Date Placeholder 2"/>
+          <p:cNvSpPr>
+            <a:spLocks noGrp="1"/>
+          </p:cNvSpPr>
+          <p:nvPr>
+            <p:ph type="dt" sz="half" idx="10"/>
+          </p:nvPr>
+        </p:nvSpPr>
+        <p:spPr/>
+        <p:txBody>
+          <a:bodyPr/>
+          <a:lstStyle/>
+          <a:p>
+            <a:fld id="{54572FE0-AF69-49FC-A044-C789016A5D4F}" type="datetimeFigureOut">
+              <a:rPr lang="zh-CN" altLang="en-US" smtClean="0"/>
+              <a:t>2024/3/28</a:t>
+            </a:fld>
+            <a:endParaRPr lang="zh-CN" altLang="en-US"/>
+          </a:p>
+        </p:txBody>
+      </p:sp>
+      <p:sp>
+        <p:nvSpPr>
+          <p:cNvPr id="4" name="Footer Placeholder 3"/>
+          <p:cNvSpPr>
+            <a:spLocks noGrp="1"/>
+          </p:cNvSpPr>
+          <p:nvPr>
+            <p:ph type="ftr" sz="quarter" idx="11"/>
+          </p:nvPr>
+        </p:nvSpPr>
+        <p:spPr/>
+        <p:txBody>
+          <a:bodyPr/>
+          <a:lstStyle/>
+          <a:p>
+            <a:endParaRPr lang="zh-CN" altLang="en-US"/>
+          </a:p>
+        </p:txBody>
+      </p:sp>
+      <p:sp>
+        <p:nvSpPr>
+          <p:cNvPr id="5" name="Slide Number Placeholder 4"/>
+          <p:cNvSpPr>
+            <a:spLocks noGrp="1"/>
+          </p:cNvSpPr>
+          <p:nvPr>
+            <p:ph type="sldNum" sz="quarter" idx="12"/>
+          </p:nvPr>
+        </p:nvSpPr>
+        <p:spPr/>
+        <p:txBody>
+          <a:bodyPr/>
+          <a:lstStyle/>
+          <a:p>
+            <a:fld id="{0800A6A5-3185-4C7B-B9AA-71C6F4DCF7FA}" type="slidenum">
+              <a:rPr lang="zh-CN" altLang="en-US" smtClean="0"/>
+              <a:t>‹#›</a:t>
+            </a:fld>
+            <a:endParaRPr lang="zh-CN" altLang="en-US"/>
+          </a:p>
+        </p:txBody>
+      </p:sp>
+    </p:spTree>
+    <p:extLst>
+      <p:ext uri="{BB962C8B-B14F-4D97-AF65-F5344CB8AC3E}">
+        <p14:creationId xmlns:p14="http://schemas.microsoft.com/office/powerpoint/2010/main" val="1186576211"/>
+      </p:ext>
+    </p:extLst>
+  </p:cSld>
+  <p:clrMapOvr>
+    <a:masterClrMapping/>
+  </p:clrMapOvr>
+</p:sldLayout>
+</file>
+
+<file path=ppt/slideLayouts/slideLayout18.xml><?xml version="1.0" encoding="utf-8"?>
+<p:sldLayout xmlns:a="http://schemas.openxmlformats.org/drawingml/2006/main" xmlns:r="http://schemas.openxmlformats.org/officeDocument/2006/relationships" xmlns:p="http://schemas.openxmlformats.org/presentationml/2006/main" type="blank" preserve="1">
+  <p:cSld name="空白">
+    <p:spTree>
+      <p:nvGrpSpPr>
+        <p:cNvPr id="1" name=""/>
+        <p:cNvGrpSpPr/>
+        <p:nvPr/>
+      </p:nvGrpSpPr>
+      <p:grpSpPr>
+        <a:xfrm>
+          <a:off x="0" y="0"/>
+          <a:ext cx="0" cy="0"/>
+          <a:chOff x="0" y="0"/>
+          <a:chExt cx="0" cy="0"/>
+        </a:xfrm>
+      </p:grpSpPr>
+      <p:sp>
+        <p:nvSpPr>
+          <p:cNvPr id="2" name="Date Placeholder 1"/>
+          <p:cNvSpPr>
+            <a:spLocks noGrp="1"/>
+          </p:cNvSpPr>
+          <p:nvPr>
+            <p:ph type="dt" sz="half" idx="10"/>
+          </p:nvPr>
+        </p:nvSpPr>
+        <p:spPr/>
+        <p:txBody>
+          <a:bodyPr/>
+          <a:lstStyle/>
+          <a:p>
+            <a:fld id="{54572FE0-AF69-49FC-A044-C789016A5D4F}" type="datetimeFigureOut">
+              <a:rPr lang="zh-CN" altLang="en-US" smtClean="0"/>
+              <a:t>2024/3/28</a:t>
+            </a:fld>
+            <a:endParaRPr lang="zh-CN" altLang="en-US"/>
+          </a:p>
+        </p:txBody>
+      </p:sp>
+      <p:sp>
+        <p:nvSpPr>
+          <p:cNvPr id="3" name="Footer Placeholder 2"/>
+          <p:cNvSpPr>
+            <a:spLocks noGrp="1"/>
+          </p:cNvSpPr>
+          <p:nvPr>
+            <p:ph type="ftr" sz="quarter" idx="11"/>
+          </p:nvPr>
+        </p:nvSpPr>
+        <p:spPr/>
+        <p:txBody>
+          <a:bodyPr/>
+          <a:lstStyle/>
+          <a:p>
+            <a:endParaRPr lang="zh-CN" altLang="en-US"/>
+          </a:p>
+        </p:txBody>
+      </p:sp>
+      <p:sp>
+        <p:nvSpPr>
+          <p:cNvPr id="4" name="Slide Number Placeholder 3"/>
+          <p:cNvSpPr>
+            <a:spLocks noGrp="1"/>
+          </p:cNvSpPr>
+          <p:nvPr>
+            <p:ph type="sldNum" sz="quarter" idx="12"/>
+          </p:nvPr>
+        </p:nvSpPr>
+        <p:spPr/>
+        <p:txBody>
+          <a:bodyPr/>
+          <a:lstStyle/>
+          <a:p>
+            <a:fld id="{0800A6A5-3185-4C7B-B9AA-71C6F4DCF7FA}" type="slidenum">
+              <a:rPr lang="zh-CN" altLang="en-US" smtClean="0"/>
+              <a:t>‹#›</a:t>
+            </a:fld>
+            <a:endParaRPr lang="zh-CN" altLang="en-US"/>
+          </a:p>
+        </p:txBody>
+      </p:sp>
+    </p:spTree>
+    <p:extLst>
+      <p:ext uri="{BB962C8B-B14F-4D97-AF65-F5344CB8AC3E}">
+        <p14:creationId xmlns:p14="http://schemas.microsoft.com/office/powerpoint/2010/main" val="3000480356"/>
+      </p:ext>
+    </p:extLst>
+  </p:cSld>
+  <p:clrMapOvr>
+    <a:masterClrMapping/>
+  </p:clrMapOvr>
+</p:sldLayout>
+</file>
+
+<file path=ppt/slideLayouts/slideLayout19.xml><?xml version="1.0" encoding="utf-8"?>
+<p:sldLayout xmlns:a="http://schemas.openxmlformats.org/drawingml/2006/main" xmlns:r="http://schemas.openxmlformats.org/officeDocument/2006/relationships" xmlns:p="http://schemas.openxmlformats.org/presentationml/2006/main" type="objTx" preserve="1">
+  <p:cSld name="内容与标题">
+    <p:spTree>
+      <p:nvGrpSpPr>
+        <p:cNvPr id="1" name=""/>
+        <p:cNvGrpSpPr/>
+        <p:nvPr/>
+      </p:nvGrpSpPr>
+      <p:grpSpPr>
+        <a:xfrm>
+          <a:off x="0" y="0"/>
+          <a:ext cx="0" cy="0"/>
+          <a:chOff x="0" y="0"/>
+          <a:chExt cx="0" cy="0"/>
+        </a:xfrm>
+      </p:grpSpPr>
+      <p:sp>
+        <p:nvSpPr>
+          <p:cNvPr id="2" name="Title 1"/>
+          <p:cNvSpPr>
+            <a:spLocks noGrp="1"/>
+          </p:cNvSpPr>
+          <p:nvPr>
+            <p:ph type="title"/>
+          </p:nvPr>
+        </p:nvSpPr>
+        <p:spPr>
+          <a:xfrm>
+            <a:off x="7085012" y="685800"/>
+            <a:ext cx="3657600" cy="1371600"/>
+          </a:xfrm>
+        </p:spPr>
+        <p:txBody>
+          <a:bodyPr anchor="b">
+            <a:normAutofit/>
+          </a:bodyPr>
+          <a:lstStyle>
+            <a:lvl1pPr algn="l">
+              <a:defRPr sz="2400" b="0"/>
+            </a:lvl1pPr>
+          </a:lstStyle>
+          <a:p>
+            <a:r>
+              <a:rPr lang="zh-CN" altLang="en-US"/>
+              <a:t>单击此处编辑母版标题样式</a:t>
+            </a:r>
+            <a:endParaRPr lang="en-US" dirty="0"/>
+          </a:p>
+        </p:txBody>
+      </p:sp>
+      <p:sp>
+        <p:nvSpPr>
+          <p:cNvPr id="3" name="Content Placeholder 2"/>
+          <p:cNvSpPr>
+            <a:spLocks noGrp="1"/>
+          </p:cNvSpPr>
+          <p:nvPr>
+            <p:ph idx="1"/>
+          </p:nvPr>
+        </p:nvSpPr>
+        <p:spPr>
+          <a:xfrm>
+            <a:off x="684212" y="685800"/>
+            <a:ext cx="5943601" cy="5308600"/>
+          </a:xfrm>
+        </p:spPr>
+        <p:txBody>
+          <a:bodyPr anchor="ctr">
+            <a:normAutofit/>
+          </a:bodyPr>
+          <a:lstStyle/>
+          <a:p>
+            <a:pPr lvl="0"/>
+            <a:r>
+              <a:rPr lang="zh-CN" altLang="en-US"/>
+              <a:t>单击此处编辑母版文本样式</a:t>
+            </a:r>
+          </a:p>
+          <a:p>
+            <a:pPr lvl="1"/>
+            <a:r>
+              <a:rPr lang="zh-CN" altLang="en-US"/>
+              <a:t>二级</a:t>
+            </a:r>
+          </a:p>
+          <a:p>
+            <a:pPr lvl="2"/>
+            <a:r>
+              <a:rPr lang="zh-CN" altLang="en-US"/>
+              <a:t>三级</a:t>
+            </a:r>
+          </a:p>
+          <a:p>
+            <a:pPr lvl="3"/>
+            <a:r>
+              <a:rPr lang="zh-CN" altLang="en-US"/>
+              <a:t>四级</a:t>
+            </a:r>
+          </a:p>
+          <a:p>
+            <a:pPr lvl="4"/>
+            <a:r>
+              <a:rPr lang="zh-CN" altLang="en-US"/>
+              <a:t>五级</a:t>
+            </a:r>
+            <a:endParaRPr lang="en-US" dirty="0"/>
+          </a:p>
+        </p:txBody>
+      </p:sp>
+      <p:sp>
+        <p:nvSpPr>
+          <p:cNvPr id="4" name="Text Placeholder 3"/>
+          <p:cNvSpPr>
+            <a:spLocks noGrp="1"/>
+          </p:cNvSpPr>
+          <p:nvPr>
+            <p:ph type="body" sz="half" idx="2"/>
+          </p:nvPr>
+        </p:nvSpPr>
+        <p:spPr>
+          <a:xfrm>
+            <a:off x="7085012" y="2209799"/>
+            <a:ext cx="3657600" cy="2091267"/>
+          </a:xfrm>
+        </p:spPr>
+        <p:txBody>
+          <a:bodyPr anchor="t">
+            <a:normAutofit/>
+          </a:bodyPr>
+          <a:lstStyle>
+            <a:lvl1pPr marL="0" indent="0">
+              <a:buNone/>
+              <a:defRPr sz="1600"/>
+            </a:lvl1pPr>
+            <a:lvl2pPr marL="457200" indent="0">
+              <a:buNone/>
+              <a:defRPr sz="1200"/>
+            </a:lvl2pPr>
+            <a:lvl3pPr marL="914400" indent="0">
+              <a:buNone/>
+              <a:defRPr sz="1000"/>
+            </a:lvl3pPr>
+            <a:lvl4pPr marL="1371600" indent="0">
+              <a:buNone/>
+              <a:defRPr sz="900"/>
+            </a:lvl4pPr>
+            <a:lvl5pPr marL="1828800" indent="0">
+              <a:buNone/>
+              <a:defRPr sz="900"/>
+            </a:lvl5pPr>
+            <a:lvl6pPr marL="2286000" indent="0">
+              <a:buNone/>
+              <a:defRPr sz="900"/>
+            </a:lvl6pPr>
+            <a:lvl7pPr marL="2743200" indent="0">
+              <a:buNone/>
+              <a:defRPr sz="900"/>
+            </a:lvl7pPr>
+            <a:lvl8pPr marL="3200400" indent="0">
+              <a:buNone/>
+              <a:defRPr sz="900"/>
+            </a:lvl8pPr>
+            <a:lvl9pPr marL="3657600" indent="0">
+              <a:buNone/>
+              <a:defRPr sz="900"/>
+            </a:lvl9pPr>
+          </a:lstStyle>
+          <a:p>
+            <a:pPr lvl="0"/>
+            <a:r>
+              <a:rPr lang="zh-CN" altLang="en-US"/>
+              <a:t>单击此处编辑母版文本样式</a:t>
+            </a:r>
+          </a:p>
+        </p:txBody>
+      </p:sp>
+      <p:sp>
+        <p:nvSpPr>
+          <p:cNvPr id="5" name="Date Placeholder 4"/>
+          <p:cNvSpPr>
+            <a:spLocks noGrp="1"/>
+          </p:cNvSpPr>
+          <p:nvPr>
+            <p:ph type="dt" sz="half" idx="10"/>
+          </p:nvPr>
+        </p:nvSpPr>
+        <p:spPr/>
+        <p:txBody>
+          <a:bodyPr/>
+          <a:lstStyle/>
+          <a:p>
+            <a:fld id="{54572FE0-AF69-49FC-A044-C789016A5D4F}" type="datetimeFigureOut">
+              <a:rPr lang="zh-CN" altLang="en-US" smtClean="0"/>
+              <a:t>2024/3/28</a:t>
+            </a:fld>
+            <a:endParaRPr lang="zh-CN" altLang="en-US"/>
+          </a:p>
+        </p:txBody>
+      </p:sp>
+      <p:sp>
+        <p:nvSpPr>
+          <p:cNvPr id="6" name="Footer Placeholder 5"/>
+          <p:cNvSpPr>
+            <a:spLocks noGrp="1"/>
+          </p:cNvSpPr>
+          <p:nvPr>
+            <p:ph type="ftr" sz="quarter" idx="11"/>
+          </p:nvPr>
+        </p:nvSpPr>
+        <p:spPr/>
+        <p:txBody>
+          <a:bodyPr/>
+          <a:lstStyle/>
+          <a:p>
+            <a:endParaRPr lang="zh-CN" altLang="en-US"/>
+          </a:p>
+        </p:txBody>
+      </p:sp>
+      <p:sp>
+        <p:nvSpPr>
+          <p:cNvPr id="7" name="Slide Number Placeholder 6"/>
+          <p:cNvSpPr>
+            <a:spLocks noGrp="1"/>
+          </p:cNvSpPr>
+          <p:nvPr>
+            <p:ph type="sldNum" sz="quarter" idx="12"/>
+          </p:nvPr>
+        </p:nvSpPr>
+        <p:spPr/>
+        <p:txBody>
+          <a:bodyPr/>
+          <a:lstStyle/>
+          <a:p>
+            <a:fld id="{0800A6A5-3185-4C7B-B9AA-71C6F4DCF7FA}" type="slidenum">
+              <a:rPr lang="zh-CN" altLang="en-US" smtClean="0"/>
+              <a:t>‹#›</a:t>
+            </a:fld>
+            <a:endParaRPr lang="zh-CN" altLang="en-US"/>
+          </a:p>
+        </p:txBody>
+      </p:sp>
+    </p:spTree>
+    <p:extLst>
+      <p:ext uri="{BB962C8B-B14F-4D97-AF65-F5344CB8AC3E}">
+        <p14:creationId xmlns:p14="http://schemas.microsoft.com/office/powerpoint/2010/main" val="3360648236"/>
       </p:ext>
     </p:extLst>
   </p:cSld>
@@ -1396,7 +3331,7 @@
           <a:p>
             <a:fld id="{DEDA17D1-6590-4570-9DF1-29A4B3C6B8EE}" type="datetimeFigureOut">
               <a:rPr lang="zh-CN" altLang="en-US" smtClean="0"/>
-              <a:t>2024/3/26</a:t>
+              <a:t>2024/3/28</a:t>
             </a:fld>
             <a:endParaRPr lang="zh-CN" altLang="en-US"/>
           </a:p>
@@ -1460,6 +3395,2449 @@
     <p:extLst>
       <p:ext uri="{BB962C8B-B14F-4D97-AF65-F5344CB8AC3E}">
         <p14:creationId xmlns:p14="http://schemas.microsoft.com/office/powerpoint/2010/main" val="2915825244"/>
+      </p:ext>
+    </p:extLst>
+  </p:cSld>
+  <p:clrMapOvr>
+    <a:masterClrMapping/>
+  </p:clrMapOvr>
+</p:sldLayout>
+</file>
+
+<file path=ppt/slideLayouts/slideLayout20.xml><?xml version="1.0" encoding="utf-8"?>
+<p:sldLayout xmlns:a="http://schemas.openxmlformats.org/drawingml/2006/main" xmlns:r="http://schemas.openxmlformats.org/officeDocument/2006/relationships" xmlns:p="http://schemas.openxmlformats.org/presentationml/2006/main" type="picTx" preserve="1">
+  <p:cSld name="图片与标题">
+    <p:spTree>
+      <p:nvGrpSpPr>
+        <p:cNvPr id="1" name=""/>
+        <p:cNvGrpSpPr/>
+        <p:nvPr/>
+      </p:nvGrpSpPr>
+      <p:grpSpPr>
+        <a:xfrm>
+          <a:off x="0" y="0"/>
+          <a:ext cx="0" cy="0"/>
+          <a:chOff x="0" y="0"/>
+          <a:chExt cx="0" cy="0"/>
+        </a:xfrm>
+      </p:grpSpPr>
+      <p:sp>
+        <p:nvSpPr>
+          <p:cNvPr id="2" name="Title 1"/>
+          <p:cNvSpPr>
+            <a:spLocks noGrp="1"/>
+          </p:cNvSpPr>
+          <p:nvPr>
+            <p:ph type="title"/>
+          </p:nvPr>
+        </p:nvSpPr>
+        <p:spPr>
+          <a:xfrm>
+            <a:off x="4722812" y="1447800"/>
+            <a:ext cx="6019800" cy="1143000"/>
+          </a:xfrm>
+        </p:spPr>
+        <p:txBody>
+          <a:bodyPr anchor="b">
+            <a:normAutofit/>
+          </a:bodyPr>
+          <a:lstStyle>
+            <a:lvl1pPr algn="l">
+              <a:defRPr sz="2800" b="0"/>
+            </a:lvl1pPr>
+          </a:lstStyle>
+          <a:p>
+            <a:r>
+              <a:rPr lang="zh-CN" altLang="en-US"/>
+              <a:t>单击此处编辑母版标题样式</a:t>
+            </a:r>
+            <a:endParaRPr lang="en-US" dirty="0"/>
+          </a:p>
+        </p:txBody>
+      </p:sp>
+      <p:sp>
+        <p:nvSpPr>
+          <p:cNvPr id="14" name="Picture Placeholder 2"/>
+          <p:cNvSpPr>
+            <a:spLocks noGrp="1" noChangeAspect="1"/>
+          </p:cNvSpPr>
+          <p:nvPr>
+            <p:ph type="pic" idx="1"/>
+          </p:nvPr>
+        </p:nvSpPr>
+        <p:spPr>
+          <a:xfrm>
+            <a:off x="989012" y="914400"/>
+            <a:ext cx="3280974" cy="4572000"/>
+          </a:xfrm>
+          <a:prstGeom prst="snip2DiagRect">
+            <a:avLst>
+              <a:gd name="adj1" fmla="val 10815"/>
+              <a:gd name="adj2" fmla="val 0"/>
+            </a:avLst>
+          </a:prstGeom>
+          <a:ln w="15875">
+            <a:solidFill>
+              <a:schemeClr val="tx1">
+                <a:alpha val="40000"/>
+              </a:schemeClr>
+            </a:solidFill>
+          </a:ln>
+          <a:effectLst>
+            <a:innerShdw blurRad="57150" dist="38100" dir="14460000">
+              <a:srgbClr val="000000">
+                <a:alpha val="70000"/>
+              </a:srgbClr>
+            </a:innerShdw>
+          </a:effectLst>
+        </p:spPr>
+        <p:txBody>
+          <a:bodyPr anchor="t">
+            <a:normAutofit/>
+          </a:bodyPr>
+          <a:lstStyle>
+            <a:lvl1pPr marL="0" indent="0" algn="ctr">
+              <a:buNone/>
+              <a:defRPr sz="1600"/>
+            </a:lvl1pPr>
+            <a:lvl2pPr marL="457200" indent="0">
+              <a:buNone/>
+              <a:defRPr sz="1600"/>
+            </a:lvl2pPr>
+            <a:lvl3pPr marL="914400" indent="0">
+              <a:buNone/>
+              <a:defRPr sz="1600"/>
+            </a:lvl3pPr>
+            <a:lvl4pPr marL="1371600" indent="0">
+              <a:buNone/>
+              <a:defRPr sz="1600"/>
+            </a:lvl4pPr>
+            <a:lvl5pPr marL="1828800" indent="0">
+              <a:buNone/>
+              <a:defRPr sz="1600"/>
+            </a:lvl5pPr>
+            <a:lvl6pPr marL="2286000" indent="0">
+              <a:buNone/>
+              <a:defRPr sz="1600"/>
+            </a:lvl6pPr>
+            <a:lvl7pPr marL="2743200" indent="0">
+              <a:buNone/>
+              <a:defRPr sz="1600"/>
+            </a:lvl7pPr>
+            <a:lvl8pPr marL="3200400" indent="0">
+              <a:buNone/>
+              <a:defRPr sz="1600"/>
+            </a:lvl8pPr>
+            <a:lvl9pPr marL="3657600" indent="0">
+              <a:buNone/>
+              <a:defRPr sz="1600"/>
+            </a:lvl9pPr>
+          </a:lstStyle>
+          <a:p>
+            <a:r>
+              <a:rPr lang="zh-CN" altLang="en-US"/>
+              <a:t>单击图标添加图片</a:t>
+            </a:r>
+            <a:endParaRPr lang="en-US" dirty="0"/>
+          </a:p>
+        </p:txBody>
+      </p:sp>
+      <p:sp>
+        <p:nvSpPr>
+          <p:cNvPr id="4" name="Text Placeholder 3"/>
+          <p:cNvSpPr>
+            <a:spLocks noGrp="1"/>
+          </p:cNvSpPr>
+          <p:nvPr>
+            <p:ph type="body" sz="half" idx="2"/>
+          </p:nvPr>
+        </p:nvSpPr>
+        <p:spPr>
+          <a:xfrm>
+            <a:off x="4722812" y="2777066"/>
+            <a:ext cx="6021388" cy="2048933"/>
+          </a:xfrm>
+        </p:spPr>
+        <p:txBody>
+          <a:bodyPr anchor="t">
+            <a:normAutofit/>
+          </a:bodyPr>
+          <a:lstStyle>
+            <a:lvl1pPr marL="0" indent="0">
+              <a:buNone/>
+              <a:defRPr sz="1800"/>
+            </a:lvl1pPr>
+            <a:lvl2pPr marL="457200" indent="0">
+              <a:buNone/>
+              <a:defRPr sz="1200"/>
+            </a:lvl2pPr>
+            <a:lvl3pPr marL="914400" indent="0">
+              <a:buNone/>
+              <a:defRPr sz="1000"/>
+            </a:lvl3pPr>
+            <a:lvl4pPr marL="1371600" indent="0">
+              <a:buNone/>
+              <a:defRPr sz="900"/>
+            </a:lvl4pPr>
+            <a:lvl5pPr marL="1828800" indent="0">
+              <a:buNone/>
+              <a:defRPr sz="900"/>
+            </a:lvl5pPr>
+            <a:lvl6pPr marL="2286000" indent="0">
+              <a:buNone/>
+              <a:defRPr sz="900"/>
+            </a:lvl6pPr>
+            <a:lvl7pPr marL="2743200" indent="0">
+              <a:buNone/>
+              <a:defRPr sz="900"/>
+            </a:lvl7pPr>
+            <a:lvl8pPr marL="3200400" indent="0">
+              <a:buNone/>
+              <a:defRPr sz="900"/>
+            </a:lvl8pPr>
+            <a:lvl9pPr marL="3657600" indent="0">
+              <a:buNone/>
+              <a:defRPr sz="900"/>
+            </a:lvl9pPr>
+          </a:lstStyle>
+          <a:p>
+            <a:pPr lvl="0"/>
+            <a:r>
+              <a:rPr lang="zh-CN" altLang="en-US"/>
+              <a:t>单击此处编辑母版文本样式</a:t>
+            </a:r>
+          </a:p>
+        </p:txBody>
+      </p:sp>
+      <p:sp>
+        <p:nvSpPr>
+          <p:cNvPr id="5" name="Date Placeholder 4"/>
+          <p:cNvSpPr>
+            <a:spLocks noGrp="1"/>
+          </p:cNvSpPr>
+          <p:nvPr>
+            <p:ph type="dt" sz="half" idx="10"/>
+          </p:nvPr>
+        </p:nvSpPr>
+        <p:spPr/>
+        <p:txBody>
+          <a:bodyPr/>
+          <a:lstStyle/>
+          <a:p>
+            <a:fld id="{54572FE0-AF69-49FC-A044-C789016A5D4F}" type="datetimeFigureOut">
+              <a:rPr lang="zh-CN" altLang="en-US" smtClean="0"/>
+              <a:t>2024/3/28</a:t>
+            </a:fld>
+            <a:endParaRPr lang="zh-CN" altLang="en-US"/>
+          </a:p>
+        </p:txBody>
+      </p:sp>
+      <p:sp>
+        <p:nvSpPr>
+          <p:cNvPr id="6" name="Footer Placeholder 5"/>
+          <p:cNvSpPr>
+            <a:spLocks noGrp="1"/>
+          </p:cNvSpPr>
+          <p:nvPr>
+            <p:ph type="ftr" sz="quarter" idx="11"/>
+          </p:nvPr>
+        </p:nvSpPr>
+        <p:spPr/>
+        <p:txBody>
+          <a:bodyPr/>
+          <a:lstStyle/>
+          <a:p>
+            <a:endParaRPr lang="zh-CN" altLang="en-US"/>
+          </a:p>
+        </p:txBody>
+      </p:sp>
+      <p:sp>
+        <p:nvSpPr>
+          <p:cNvPr id="7" name="Slide Number Placeholder 6"/>
+          <p:cNvSpPr>
+            <a:spLocks noGrp="1"/>
+          </p:cNvSpPr>
+          <p:nvPr>
+            <p:ph type="sldNum" sz="quarter" idx="12"/>
+          </p:nvPr>
+        </p:nvSpPr>
+        <p:spPr/>
+        <p:txBody>
+          <a:bodyPr/>
+          <a:lstStyle/>
+          <a:p>
+            <a:fld id="{0800A6A5-3185-4C7B-B9AA-71C6F4DCF7FA}" type="slidenum">
+              <a:rPr lang="zh-CN" altLang="en-US" smtClean="0"/>
+              <a:t>‹#›</a:t>
+            </a:fld>
+            <a:endParaRPr lang="zh-CN" altLang="en-US"/>
+          </a:p>
+        </p:txBody>
+      </p:sp>
+    </p:spTree>
+    <p:extLst>
+      <p:ext uri="{BB962C8B-B14F-4D97-AF65-F5344CB8AC3E}">
+        <p14:creationId xmlns:p14="http://schemas.microsoft.com/office/powerpoint/2010/main" val="2598884557"/>
+      </p:ext>
+    </p:extLst>
+  </p:cSld>
+  <p:clrMapOvr>
+    <a:masterClrMapping/>
+  </p:clrMapOvr>
+</p:sldLayout>
+</file>
+
+<file path=ppt/slideLayouts/slideLayout21.xml><?xml version="1.0" encoding="utf-8"?>
+<p:sldLayout xmlns:a="http://schemas.openxmlformats.org/drawingml/2006/main" xmlns:r="http://schemas.openxmlformats.org/officeDocument/2006/relationships" xmlns:p="http://schemas.openxmlformats.org/presentationml/2006/main" preserve="1">
+  <p:cSld name="带描述的全景图片">
+    <p:spTree>
+      <p:nvGrpSpPr>
+        <p:cNvPr id="1" name=""/>
+        <p:cNvGrpSpPr/>
+        <p:nvPr/>
+      </p:nvGrpSpPr>
+      <p:grpSpPr>
+        <a:xfrm>
+          <a:off x="0" y="0"/>
+          <a:ext cx="0" cy="0"/>
+          <a:chOff x="0" y="0"/>
+          <a:chExt cx="0" cy="0"/>
+        </a:xfrm>
+      </p:grpSpPr>
+      <p:sp>
+        <p:nvSpPr>
+          <p:cNvPr id="2" name="Title 1"/>
+          <p:cNvSpPr>
+            <a:spLocks noGrp="1"/>
+          </p:cNvSpPr>
+          <p:nvPr>
+            <p:ph type="title"/>
+          </p:nvPr>
+        </p:nvSpPr>
+        <p:spPr/>
+        <p:txBody>
+          <a:bodyPr/>
+          <a:lstStyle/>
+          <a:p>
+            <a:r>
+              <a:rPr lang="zh-CN" altLang="en-US"/>
+              <a:t>单击此处编辑母版标题样式</a:t>
+            </a:r>
+            <a:endParaRPr lang="en-US" dirty="0"/>
+          </a:p>
+        </p:txBody>
+      </p:sp>
+      <p:sp>
+        <p:nvSpPr>
+          <p:cNvPr id="17" name="Picture Placeholder 2"/>
+          <p:cNvSpPr>
+            <a:spLocks noGrp="1" noChangeAspect="1"/>
+          </p:cNvSpPr>
+          <p:nvPr>
+            <p:ph type="pic" idx="13"/>
+          </p:nvPr>
+        </p:nvSpPr>
+        <p:spPr>
+          <a:xfrm>
+            <a:off x="685800" y="533400"/>
+            <a:ext cx="10818812" cy="3124200"/>
+          </a:xfrm>
+          <a:prstGeom prst="snip2DiagRect">
+            <a:avLst>
+              <a:gd name="adj1" fmla="val 10815"/>
+              <a:gd name="adj2" fmla="val 0"/>
+            </a:avLst>
+          </a:prstGeom>
+          <a:ln w="15875">
+            <a:solidFill>
+              <a:schemeClr val="tx1">
+                <a:alpha val="40000"/>
+              </a:schemeClr>
+            </a:solidFill>
+          </a:ln>
+          <a:effectLst>
+            <a:innerShdw blurRad="57150" dist="38100" dir="14460000">
+              <a:srgbClr val="000000">
+                <a:alpha val="70000"/>
+              </a:srgbClr>
+            </a:innerShdw>
+          </a:effectLst>
+        </p:spPr>
+        <p:txBody>
+          <a:bodyPr anchor="t">
+            <a:normAutofit/>
+          </a:bodyPr>
+          <a:lstStyle>
+            <a:lvl1pPr marL="0" indent="0" algn="ctr">
+              <a:buNone/>
+              <a:defRPr sz="1600"/>
+            </a:lvl1pPr>
+            <a:lvl2pPr marL="457200" indent="0">
+              <a:buNone/>
+              <a:defRPr sz="1600"/>
+            </a:lvl2pPr>
+            <a:lvl3pPr marL="914400" indent="0">
+              <a:buNone/>
+              <a:defRPr sz="1600"/>
+            </a:lvl3pPr>
+            <a:lvl4pPr marL="1371600" indent="0">
+              <a:buNone/>
+              <a:defRPr sz="1600"/>
+            </a:lvl4pPr>
+            <a:lvl5pPr marL="1828800" indent="0">
+              <a:buNone/>
+              <a:defRPr sz="1600"/>
+            </a:lvl5pPr>
+            <a:lvl6pPr marL="2286000" indent="0">
+              <a:buNone/>
+              <a:defRPr sz="1600"/>
+            </a:lvl6pPr>
+            <a:lvl7pPr marL="2743200" indent="0">
+              <a:buNone/>
+              <a:defRPr sz="1600"/>
+            </a:lvl7pPr>
+            <a:lvl8pPr marL="3200400" indent="0">
+              <a:buNone/>
+              <a:defRPr sz="1600"/>
+            </a:lvl8pPr>
+            <a:lvl9pPr marL="3657600" indent="0">
+              <a:buNone/>
+              <a:defRPr sz="1600"/>
+            </a:lvl9pPr>
+          </a:lstStyle>
+          <a:p>
+            <a:r>
+              <a:rPr lang="zh-CN" altLang="en-US"/>
+              <a:t>单击图标添加图片</a:t>
+            </a:r>
+            <a:endParaRPr lang="en-US" dirty="0"/>
+          </a:p>
+        </p:txBody>
+      </p:sp>
+      <p:sp>
+        <p:nvSpPr>
+          <p:cNvPr id="16" name="Text Placeholder 9"/>
+          <p:cNvSpPr>
+            <a:spLocks noGrp="1"/>
+          </p:cNvSpPr>
+          <p:nvPr>
+            <p:ph type="body" sz="quarter" idx="14"/>
+          </p:nvPr>
+        </p:nvSpPr>
+        <p:spPr>
+          <a:xfrm>
+            <a:off x="914402" y="3843867"/>
+            <a:ext cx="8304210" cy="457200"/>
+          </a:xfrm>
+        </p:spPr>
+        <p:txBody>
+          <a:bodyPr anchor="t">
+            <a:normAutofit/>
+          </a:bodyPr>
+          <a:lstStyle>
+            <a:lvl1pPr marL="0" indent="0">
+              <a:buFontTx/>
+              <a:buNone/>
+              <a:defRPr sz="1600"/>
+            </a:lvl1pPr>
+            <a:lvl2pPr marL="457200" indent="0">
+              <a:buFontTx/>
+              <a:buNone/>
+              <a:defRPr/>
+            </a:lvl2pPr>
+            <a:lvl3pPr marL="914400" indent="0">
+              <a:buFontTx/>
+              <a:buNone/>
+              <a:defRPr/>
+            </a:lvl3pPr>
+            <a:lvl4pPr marL="1371600" indent="0">
+              <a:buFontTx/>
+              <a:buNone/>
+              <a:defRPr/>
+            </a:lvl4pPr>
+            <a:lvl5pPr marL="1828800" indent="0">
+              <a:buFontTx/>
+              <a:buNone/>
+              <a:defRPr/>
+            </a:lvl5pPr>
+          </a:lstStyle>
+          <a:p>
+            <a:pPr lvl="0"/>
+            <a:r>
+              <a:rPr lang="zh-CN" altLang="en-US"/>
+              <a:t>单击此处编辑母版文本样式</a:t>
+            </a:r>
+          </a:p>
+        </p:txBody>
+      </p:sp>
+      <p:sp>
+        <p:nvSpPr>
+          <p:cNvPr id="3" name="Date Placeholder 2"/>
+          <p:cNvSpPr>
+            <a:spLocks noGrp="1"/>
+          </p:cNvSpPr>
+          <p:nvPr>
+            <p:ph type="dt" sz="half" idx="10"/>
+          </p:nvPr>
+        </p:nvSpPr>
+        <p:spPr/>
+        <p:txBody>
+          <a:bodyPr/>
+          <a:lstStyle/>
+          <a:p>
+            <a:fld id="{54572FE0-AF69-49FC-A044-C789016A5D4F}" type="datetimeFigureOut">
+              <a:rPr lang="zh-CN" altLang="en-US" smtClean="0"/>
+              <a:t>2024/3/28</a:t>
+            </a:fld>
+            <a:endParaRPr lang="zh-CN" altLang="en-US"/>
+          </a:p>
+        </p:txBody>
+      </p:sp>
+      <p:sp>
+        <p:nvSpPr>
+          <p:cNvPr id="4" name="Footer Placeholder 3"/>
+          <p:cNvSpPr>
+            <a:spLocks noGrp="1"/>
+          </p:cNvSpPr>
+          <p:nvPr>
+            <p:ph type="ftr" sz="quarter" idx="11"/>
+          </p:nvPr>
+        </p:nvSpPr>
+        <p:spPr/>
+        <p:txBody>
+          <a:bodyPr/>
+          <a:lstStyle/>
+          <a:p>
+            <a:endParaRPr lang="zh-CN" altLang="en-US"/>
+          </a:p>
+        </p:txBody>
+      </p:sp>
+      <p:sp>
+        <p:nvSpPr>
+          <p:cNvPr id="5" name="Slide Number Placeholder 4"/>
+          <p:cNvSpPr>
+            <a:spLocks noGrp="1"/>
+          </p:cNvSpPr>
+          <p:nvPr>
+            <p:ph type="sldNum" sz="quarter" idx="12"/>
+          </p:nvPr>
+        </p:nvSpPr>
+        <p:spPr/>
+        <p:txBody>
+          <a:bodyPr/>
+          <a:lstStyle/>
+          <a:p>
+            <a:fld id="{0800A6A5-3185-4C7B-B9AA-71C6F4DCF7FA}" type="slidenum">
+              <a:rPr lang="zh-CN" altLang="en-US" smtClean="0"/>
+              <a:t>‹#›</a:t>
+            </a:fld>
+            <a:endParaRPr lang="zh-CN" altLang="en-US"/>
+          </a:p>
+        </p:txBody>
+      </p:sp>
+    </p:spTree>
+    <p:extLst>
+      <p:ext uri="{BB962C8B-B14F-4D97-AF65-F5344CB8AC3E}">
+        <p14:creationId xmlns:p14="http://schemas.microsoft.com/office/powerpoint/2010/main" val="601121983"/>
+      </p:ext>
+    </p:extLst>
+  </p:cSld>
+  <p:clrMapOvr>
+    <a:masterClrMapping/>
+  </p:clrMapOvr>
+</p:sldLayout>
+</file>
+
+<file path=ppt/slideLayouts/slideLayout22.xml><?xml version="1.0" encoding="utf-8"?>
+<p:sldLayout xmlns:a="http://schemas.openxmlformats.org/drawingml/2006/main" xmlns:r="http://schemas.openxmlformats.org/officeDocument/2006/relationships" xmlns:p="http://schemas.openxmlformats.org/presentationml/2006/main" preserve="1">
+  <p:cSld name="标题和描述">
+    <p:spTree>
+      <p:nvGrpSpPr>
+        <p:cNvPr id="1" name=""/>
+        <p:cNvGrpSpPr/>
+        <p:nvPr/>
+      </p:nvGrpSpPr>
+      <p:grpSpPr>
+        <a:xfrm>
+          <a:off x="0" y="0"/>
+          <a:ext cx="0" cy="0"/>
+          <a:chOff x="0" y="0"/>
+          <a:chExt cx="0" cy="0"/>
+        </a:xfrm>
+      </p:grpSpPr>
+      <p:sp>
+        <p:nvSpPr>
+          <p:cNvPr id="2" name="Title 1"/>
+          <p:cNvSpPr>
+            <a:spLocks noGrp="1"/>
+          </p:cNvSpPr>
+          <p:nvPr>
+            <p:ph type="title"/>
+          </p:nvPr>
+        </p:nvSpPr>
+        <p:spPr>
+          <a:xfrm>
+            <a:off x="684213" y="685800"/>
+            <a:ext cx="10058400" cy="2743200"/>
+          </a:xfrm>
+        </p:spPr>
+        <p:txBody>
+          <a:bodyPr anchor="ctr">
+            <a:normAutofit/>
+          </a:bodyPr>
+          <a:lstStyle>
+            <a:lvl1pPr algn="l">
+              <a:defRPr sz="3200" b="0" cap="all"/>
+            </a:lvl1pPr>
+          </a:lstStyle>
+          <a:p>
+            <a:r>
+              <a:rPr lang="zh-CN" altLang="en-US"/>
+              <a:t>单击此处编辑母版标题样式</a:t>
+            </a:r>
+            <a:endParaRPr lang="en-US" dirty="0"/>
+          </a:p>
+        </p:txBody>
+      </p:sp>
+      <p:sp>
+        <p:nvSpPr>
+          <p:cNvPr id="3" name="Text Placeholder 2"/>
+          <p:cNvSpPr>
+            <a:spLocks noGrp="1"/>
+          </p:cNvSpPr>
+          <p:nvPr>
+            <p:ph type="body" idx="1"/>
+          </p:nvPr>
+        </p:nvSpPr>
+        <p:spPr>
+          <a:xfrm>
+            <a:off x="684212" y="4114800"/>
+            <a:ext cx="8535988" cy="1879600"/>
+          </a:xfrm>
+        </p:spPr>
+        <p:txBody>
+          <a:bodyPr anchor="ctr">
+            <a:normAutofit/>
+          </a:bodyPr>
+          <a:lstStyle>
+            <a:lvl1pPr marL="0" indent="0" algn="l">
+              <a:buNone/>
+              <a:defRPr sz="2000">
+                <a:solidFill>
+                  <a:schemeClr val="bg2">
+                    <a:lumMod val="75000"/>
+                  </a:schemeClr>
+                </a:solidFill>
+              </a:defRPr>
+            </a:lvl1pPr>
+            <a:lvl2pPr marL="457200" indent="0">
+              <a:buNone/>
+              <a:defRPr sz="1800">
+                <a:solidFill>
+                  <a:schemeClr val="tx1">
+                    <a:tint val="75000"/>
+                  </a:schemeClr>
+                </a:solidFill>
+              </a:defRPr>
+            </a:lvl2pPr>
+            <a:lvl3pPr marL="914400" indent="0">
+              <a:buNone/>
+              <a:defRPr sz="1600">
+                <a:solidFill>
+                  <a:schemeClr val="tx1">
+                    <a:tint val="75000"/>
+                  </a:schemeClr>
+                </a:solidFill>
+              </a:defRPr>
+            </a:lvl3pPr>
+            <a:lvl4pPr marL="1371600" indent="0">
+              <a:buNone/>
+              <a:defRPr sz="1400">
+                <a:solidFill>
+                  <a:schemeClr val="tx1">
+                    <a:tint val="75000"/>
+                  </a:schemeClr>
+                </a:solidFill>
+              </a:defRPr>
+            </a:lvl4pPr>
+            <a:lvl5pPr marL="1828800" indent="0">
+              <a:buNone/>
+              <a:defRPr sz="1400">
+                <a:solidFill>
+                  <a:schemeClr val="tx1">
+                    <a:tint val="75000"/>
+                  </a:schemeClr>
+                </a:solidFill>
+              </a:defRPr>
+            </a:lvl5pPr>
+            <a:lvl6pPr marL="2286000" indent="0">
+              <a:buNone/>
+              <a:defRPr sz="1400">
+                <a:solidFill>
+                  <a:schemeClr val="tx1">
+                    <a:tint val="75000"/>
+                  </a:schemeClr>
+                </a:solidFill>
+              </a:defRPr>
+            </a:lvl6pPr>
+            <a:lvl7pPr marL="2743200" indent="0">
+              <a:buNone/>
+              <a:defRPr sz="1400">
+                <a:solidFill>
+                  <a:schemeClr val="tx1">
+                    <a:tint val="75000"/>
+                  </a:schemeClr>
+                </a:solidFill>
+              </a:defRPr>
+            </a:lvl7pPr>
+            <a:lvl8pPr marL="3200400" indent="0">
+              <a:buNone/>
+              <a:defRPr sz="1400">
+                <a:solidFill>
+                  <a:schemeClr val="tx1">
+                    <a:tint val="75000"/>
+                  </a:schemeClr>
+                </a:solidFill>
+              </a:defRPr>
+            </a:lvl8pPr>
+            <a:lvl9pPr marL="3657600" indent="0">
+              <a:buNone/>
+              <a:defRPr sz="1400">
+                <a:solidFill>
+                  <a:schemeClr val="tx1">
+                    <a:tint val="75000"/>
+                  </a:schemeClr>
+                </a:solidFill>
+              </a:defRPr>
+            </a:lvl9pPr>
+          </a:lstStyle>
+          <a:p>
+            <a:pPr lvl="0"/>
+            <a:r>
+              <a:rPr lang="zh-CN" altLang="en-US"/>
+              <a:t>单击此处编辑母版文本样式</a:t>
+            </a:r>
+          </a:p>
+        </p:txBody>
+      </p:sp>
+      <p:sp>
+        <p:nvSpPr>
+          <p:cNvPr id="4" name="Date Placeholder 3"/>
+          <p:cNvSpPr>
+            <a:spLocks noGrp="1"/>
+          </p:cNvSpPr>
+          <p:nvPr>
+            <p:ph type="dt" sz="half" idx="10"/>
+          </p:nvPr>
+        </p:nvSpPr>
+        <p:spPr/>
+        <p:txBody>
+          <a:bodyPr/>
+          <a:lstStyle/>
+          <a:p>
+            <a:fld id="{54572FE0-AF69-49FC-A044-C789016A5D4F}" type="datetimeFigureOut">
+              <a:rPr lang="zh-CN" altLang="en-US" smtClean="0"/>
+              <a:t>2024/3/28</a:t>
+            </a:fld>
+            <a:endParaRPr lang="zh-CN" altLang="en-US"/>
+          </a:p>
+        </p:txBody>
+      </p:sp>
+      <p:sp>
+        <p:nvSpPr>
+          <p:cNvPr id="5" name="Footer Placeholder 4"/>
+          <p:cNvSpPr>
+            <a:spLocks noGrp="1"/>
+          </p:cNvSpPr>
+          <p:nvPr>
+            <p:ph type="ftr" sz="quarter" idx="11"/>
+          </p:nvPr>
+        </p:nvSpPr>
+        <p:spPr/>
+        <p:txBody>
+          <a:bodyPr/>
+          <a:lstStyle/>
+          <a:p>
+            <a:endParaRPr lang="zh-CN" altLang="en-US"/>
+          </a:p>
+        </p:txBody>
+      </p:sp>
+      <p:sp>
+        <p:nvSpPr>
+          <p:cNvPr id="6" name="Slide Number Placeholder 5"/>
+          <p:cNvSpPr>
+            <a:spLocks noGrp="1"/>
+          </p:cNvSpPr>
+          <p:nvPr>
+            <p:ph type="sldNum" sz="quarter" idx="12"/>
+          </p:nvPr>
+        </p:nvSpPr>
+        <p:spPr/>
+        <p:txBody>
+          <a:bodyPr/>
+          <a:lstStyle/>
+          <a:p>
+            <a:fld id="{0800A6A5-3185-4C7B-B9AA-71C6F4DCF7FA}" type="slidenum">
+              <a:rPr lang="zh-CN" altLang="en-US" smtClean="0"/>
+              <a:t>‹#›</a:t>
+            </a:fld>
+            <a:endParaRPr lang="zh-CN" altLang="en-US"/>
+          </a:p>
+        </p:txBody>
+      </p:sp>
+    </p:spTree>
+    <p:extLst>
+      <p:ext uri="{BB962C8B-B14F-4D97-AF65-F5344CB8AC3E}">
+        <p14:creationId xmlns:p14="http://schemas.microsoft.com/office/powerpoint/2010/main" val="116331507"/>
+      </p:ext>
+    </p:extLst>
+  </p:cSld>
+  <p:clrMapOvr>
+    <a:masterClrMapping/>
+  </p:clrMapOvr>
+</p:sldLayout>
+</file>
+
+<file path=ppt/slideLayouts/slideLayout23.xml><?xml version="1.0" encoding="utf-8"?>
+<p:sldLayout xmlns:a="http://schemas.openxmlformats.org/drawingml/2006/main" xmlns:r="http://schemas.openxmlformats.org/officeDocument/2006/relationships" xmlns:p="http://schemas.openxmlformats.org/presentationml/2006/main" preserve="1">
+  <p:cSld name="带描述的引言">
+    <p:spTree>
+      <p:nvGrpSpPr>
+        <p:cNvPr id="1" name=""/>
+        <p:cNvGrpSpPr/>
+        <p:nvPr/>
+      </p:nvGrpSpPr>
+      <p:grpSpPr>
+        <a:xfrm>
+          <a:off x="0" y="0"/>
+          <a:ext cx="0" cy="0"/>
+          <a:chOff x="0" y="0"/>
+          <a:chExt cx="0" cy="0"/>
+        </a:xfrm>
+      </p:grpSpPr>
+      <p:sp>
+        <p:nvSpPr>
+          <p:cNvPr id="2" name="Title 1"/>
+          <p:cNvSpPr>
+            <a:spLocks noGrp="1"/>
+          </p:cNvSpPr>
+          <p:nvPr>
+            <p:ph type="title"/>
+          </p:nvPr>
+        </p:nvSpPr>
+        <p:spPr>
+          <a:xfrm>
+            <a:off x="1141411" y="685800"/>
+            <a:ext cx="9144001" cy="2743200"/>
+          </a:xfrm>
+        </p:spPr>
+        <p:txBody>
+          <a:bodyPr anchor="ctr">
+            <a:normAutofit/>
+          </a:bodyPr>
+          <a:lstStyle>
+            <a:lvl1pPr algn="l">
+              <a:defRPr sz="3200" b="0" cap="all">
+                <a:solidFill>
+                  <a:schemeClr val="tx1"/>
+                </a:solidFill>
+              </a:defRPr>
+            </a:lvl1pPr>
+          </a:lstStyle>
+          <a:p>
+            <a:r>
+              <a:rPr lang="zh-CN" altLang="en-US"/>
+              <a:t>单击此处编辑母版标题样式</a:t>
+            </a:r>
+            <a:endParaRPr lang="en-US" dirty="0"/>
+          </a:p>
+        </p:txBody>
+      </p:sp>
+      <p:sp>
+        <p:nvSpPr>
+          <p:cNvPr id="10" name="Text Placeholder 9"/>
+          <p:cNvSpPr>
+            <a:spLocks noGrp="1"/>
+          </p:cNvSpPr>
+          <p:nvPr>
+            <p:ph type="body" sz="quarter" idx="13"/>
+          </p:nvPr>
+        </p:nvSpPr>
+        <p:spPr>
+          <a:xfrm>
+            <a:off x="1446212" y="3429000"/>
+            <a:ext cx="8534400" cy="381000"/>
+          </a:xfrm>
+        </p:spPr>
+        <p:txBody>
+          <a:bodyPr anchor="ctr"/>
+          <a:lstStyle>
+            <a:lvl1pPr marL="0" indent="0">
+              <a:buFontTx/>
+              <a:buNone/>
+              <a:defRPr/>
+            </a:lvl1pPr>
+            <a:lvl2pPr marL="457200" indent="0">
+              <a:buFontTx/>
+              <a:buNone/>
+              <a:defRPr/>
+            </a:lvl2pPr>
+            <a:lvl3pPr marL="914400" indent="0">
+              <a:buFontTx/>
+              <a:buNone/>
+              <a:defRPr/>
+            </a:lvl3pPr>
+            <a:lvl4pPr marL="1371600" indent="0">
+              <a:buFontTx/>
+              <a:buNone/>
+              <a:defRPr/>
+            </a:lvl4pPr>
+            <a:lvl5pPr marL="1828800" indent="0">
+              <a:buFontTx/>
+              <a:buNone/>
+              <a:defRPr/>
+            </a:lvl5pPr>
+          </a:lstStyle>
+          <a:p>
+            <a:pPr lvl="0"/>
+            <a:r>
+              <a:rPr lang="zh-CN" altLang="en-US"/>
+              <a:t>单击此处编辑母版文本样式</a:t>
+            </a:r>
+          </a:p>
+        </p:txBody>
+      </p:sp>
+      <p:sp>
+        <p:nvSpPr>
+          <p:cNvPr id="3" name="Text Placeholder 2"/>
+          <p:cNvSpPr>
+            <a:spLocks noGrp="1"/>
+          </p:cNvSpPr>
+          <p:nvPr>
+            <p:ph type="body" idx="1"/>
+          </p:nvPr>
+        </p:nvSpPr>
+        <p:spPr>
+          <a:xfrm>
+            <a:off x="684213" y="4301067"/>
+            <a:ext cx="8534400" cy="1684865"/>
+          </a:xfrm>
+        </p:spPr>
+        <p:txBody>
+          <a:bodyPr anchor="ctr">
+            <a:normAutofit/>
+          </a:bodyPr>
+          <a:lstStyle>
+            <a:lvl1pPr marL="0" indent="0" algn="l">
+              <a:buNone/>
+              <a:defRPr sz="2000">
+                <a:solidFill>
+                  <a:schemeClr val="bg2">
+                    <a:lumMod val="75000"/>
+                  </a:schemeClr>
+                </a:solidFill>
+              </a:defRPr>
+            </a:lvl1pPr>
+            <a:lvl2pPr marL="457200" indent="0">
+              <a:buNone/>
+              <a:defRPr sz="1800">
+                <a:solidFill>
+                  <a:schemeClr val="tx1">
+                    <a:tint val="75000"/>
+                  </a:schemeClr>
+                </a:solidFill>
+              </a:defRPr>
+            </a:lvl2pPr>
+            <a:lvl3pPr marL="914400" indent="0">
+              <a:buNone/>
+              <a:defRPr sz="1600">
+                <a:solidFill>
+                  <a:schemeClr val="tx1">
+                    <a:tint val="75000"/>
+                  </a:schemeClr>
+                </a:solidFill>
+              </a:defRPr>
+            </a:lvl3pPr>
+            <a:lvl4pPr marL="1371600" indent="0">
+              <a:buNone/>
+              <a:defRPr sz="1400">
+                <a:solidFill>
+                  <a:schemeClr val="tx1">
+                    <a:tint val="75000"/>
+                  </a:schemeClr>
+                </a:solidFill>
+              </a:defRPr>
+            </a:lvl4pPr>
+            <a:lvl5pPr marL="1828800" indent="0">
+              <a:buNone/>
+              <a:defRPr sz="1400">
+                <a:solidFill>
+                  <a:schemeClr val="tx1">
+                    <a:tint val="75000"/>
+                  </a:schemeClr>
+                </a:solidFill>
+              </a:defRPr>
+            </a:lvl5pPr>
+            <a:lvl6pPr marL="2286000" indent="0">
+              <a:buNone/>
+              <a:defRPr sz="1400">
+                <a:solidFill>
+                  <a:schemeClr val="tx1">
+                    <a:tint val="75000"/>
+                  </a:schemeClr>
+                </a:solidFill>
+              </a:defRPr>
+            </a:lvl6pPr>
+            <a:lvl7pPr marL="2743200" indent="0">
+              <a:buNone/>
+              <a:defRPr sz="1400">
+                <a:solidFill>
+                  <a:schemeClr val="tx1">
+                    <a:tint val="75000"/>
+                  </a:schemeClr>
+                </a:solidFill>
+              </a:defRPr>
+            </a:lvl7pPr>
+            <a:lvl8pPr marL="3200400" indent="0">
+              <a:buNone/>
+              <a:defRPr sz="1400">
+                <a:solidFill>
+                  <a:schemeClr val="tx1">
+                    <a:tint val="75000"/>
+                  </a:schemeClr>
+                </a:solidFill>
+              </a:defRPr>
+            </a:lvl8pPr>
+            <a:lvl9pPr marL="3657600" indent="0">
+              <a:buNone/>
+              <a:defRPr sz="1400">
+                <a:solidFill>
+                  <a:schemeClr val="tx1">
+                    <a:tint val="75000"/>
+                  </a:schemeClr>
+                </a:solidFill>
+              </a:defRPr>
+            </a:lvl9pPr>
+          </a:lstStyle>
+          <a:p>
+            <a:pPr lvl="0"/>
+            <a:r>
+              <a:rPr lang="zh-CN" altLang="en-US"/>
+              <a:t>单击此处编辑母版文本样式</a:t>
+            </a:r>
+          </a:p>
+        </p:txBody>
+      </p:sp>
+      <p:sp>
+        <p:nvSpPr>
+          <p:cNvPr id="4" name="Date Placeholder 3"/>
+          <p:cNvSpPr>
+            <a:spLocks noGrp="1"/>
+          </p:cNvSpPr>
+          <p:nvPr>
+            <p:ph type="dt" sz="half" idx="10"/>
+          </p:nvPr>
+        </p:nvSpPr>
+        <p:spPr/>
+        <p:txBody>
+          <a:bodyPr/>
+          <a:lstStyle/>
+          <a:p>
+            <a:fld id="{54572FE0-AF69-49FC-A044-C789016A5D4F}" type="datetimeFigureOut">
+              <a:rPr lang="zh-CN" altLang="en-US" smtClean="0"/>
+              <a:t>2024/3/28</a:t>
+            </a:fld>
+            <a:endParaRPr lang="zh-CN" altLang="en-US"/>
+          </a:p>
+        </p:txBody>
+      </p:sp>
+      <p:sp>
+        <p:nvSpPr>
+          <p:cNvPr id="5" name="Footer Placeholder 4"/>
+          <p:cNvSpPr>
+            <a:spLocks noGrp="1"/>
+          </p:cNvSpPr>
+          <p:nvPr>
+            <p:ph type="ftr" sz="quarter" idx="11"/>
+          </p:nvPr>
+        </p:nvSpPr>
+        <p:spPr/>
+        <p:txBody>
+          <a:bodyPr/>
+          <a:lstStyle/>
+          <a:p>
+            <a:endParaRPr lang="zh-CN" altLang="en-US"/>
+          </a:p>
+        </p:txBody>
+      </p:sp>
+      <p:sp>
+        <p:nvSpPr>
+          <p:cNvPr id="6" name="Slide Number Placeholder 5"/>
+          <p:cNvSpPr>
+            <a:spLocks noGrp="1"/>
+          </p:cNvSpPr>
+          <p:nvPr>
+            <p:ph type="sldNum" sz="quarter" idx="12"/>
+          </p:nvPr>
+        </p:nvSpPr>
+        <p:spPr/>
+        <p:txBody>
+          <a:bodyPr/>
+          <a:lstStyle/>
+          <a:p>
+            <a:fld id="{0800A6A5-3185-4C7B-B9AA-71C6F4DCF7FA}" type="slidenum">
+              <a:rPr lang="zh-CN" altLang="en-US" smtClean="0"/>
+              <a:t>‹#›</a:t>
+            </a:fld>
+            <a:endParaRPr lang="zh-CN" altLang="en-US"/>
+          </a:p>
+        </p:txBody>
+      </p:sp>
+      <p:sp>
+        <p:nvSpPr>
+          <p:cNvPr id="14" name="TextBox 13"/>
+          <p:cNvSpPr txBox="1"/>
+          <p:nvPr/>
+        </p:nvSpPr>
+        <p:spPr>
+          <a:xfrm>
+            <a:off x="531812" y="812222"/>
+            <a:ext cx="609600" cy="584776"/>
+          </a:xfrm>
+          <a:prstGeom prst="rect">
+            <a:avLst/>
+          </a:prstGeom>
+        </p:spPr>
+        <p:txBody>
+          <a:bodyPr vert="horz" lIns="91440" tIns="45720" rIns="91440" bIns="45720" rtlCol="0" anchor="ctr">
+            <a:noAutofit/>
+          </a:bodyPr>
+          <a:lstStyle/>
+          <a:p>
+            <a:pPr lvl="0"/>
+            <a:r>
+              <a:rPr lang="en-US" sz="8000" dirty="0">
+                <a:solidFill>
+                  <a:schemeClr val="tx1"/>
+                </a:solidFill>
+                <a:effectLst/>
+              </a:rPr>
+              <a:t>“</a:t>
+            </a:r>
+          </a:p>
+        </p:txBody>
+      </p:sp>
+      <p:sp>
+        <p:nvSpPr>
+          <p:cNvPr id="15" name="TextBox 14"/>
+          <p:cNvSpPr txBox="1"/>
+          <p:nvPr/>
+        </p:nvSpPr>
+        <p:spPr>
+          <a:xfrm>
+            <a:off x="10285412" y="2768601"/>
+            <a:ext cx="609600" cy="584776"/>
+          </a:xfrm>
+          <a:prstGeom prst="rect">
+            <a:avLst/>
+          </a:prstGeom>
+        </p:spPr>
+        <p:txBody>
+          <a:bodyPr vert="horz" lIns="91440" tIns="45720" rIns="91440" bIns="45720" rtlCol="0" anchor="ctr">
+            <a:noAutofit/>
+          </a:bodyPr>
+          <a:lstStyle/>
+          <a:p>
+            <a:pPr lvl="0" algn="r"/>
+            <a:r>
+              <a:rPr lang="en-US" sz="8000" dirty="0">
+                <a:solidFill>
+                  <a:schemeClr val="tx1"/>
+                </a:solidFill>
+                <a:effectLst/>
+              </a:rPr>
+              <a:t>”</a:t>
+            </a:r>
+          </a:p>
+        </p:txBody>
+      </p:sp>
+    </p:spTree>
+    <p:extLst>
+      <p:ext uri="{BB962C8B-B14F-4D97-AF65-F5344CB8AC3E}">
+        <p14:creationId xmlns:p14="http://schemas.microsoft.com/office/powerpoint/2010/main" val="125059053"/>
+      </p:ext>
+    </p:extLst>
+  </p:cSld>
+  <p:clrMapOvr>
+    <a:masterClrMapping/>
+  </p:clrMapOvr>
+</p:sldLayout>
+</file>
+
+<file path=ppt/slideLayouts/slideLayout24.xml><?xml version="1.0" encoding="utf-8"?>
+<p:sldLayout xmlns:a="http://schemas.openxmlformats.org/drawingml/2006/main" xmlns:r="http://schemas.openxmlformats.org/officeDocument/2006/relationships" xmlns:p="http://schemas.openxmlformats.org/presentationml/2006/main" preserve="1">
+  <p:cSld name="名片">
+    <p:spTree>
+      <p:nvGrpSpPr>
+        <p:cNvPr id="1" name=""/>
+        <p:cNvGrpSpPr/>
+        <p:nvPr/>
+      </p:nvGrpSpPr>
+      <p:grpSpPr>
+        <a:xfrm>
+          <a:off x="0" y="0"/>
+          <a:ext cx="0" cy="0"/>
+          <a:chOff x="0" y="0"/>
+          <a:chExt cx="0" cy="0"/>
+        </a:xfrm>
+      </p:grpSpPr>
+      <p:sp>
+        <p:nvSpPr>
+          <p:cNvPr id="2" name="Title 1"/>
+          <p:cNvSpPr>
+            <a:spLocks noGrp="1"/>
+          </p:cNvSpPr>
+          <p:nvPr>
+            <p:ph type="title"/>
+          </p:nvPr>
+        </p:nvSpPr>
+        <p:spPr>
+          <a:xfrm>
+            <a:off x="684212" y="3429000"/>
+            <a:ext cx="8534400" cy="1697400"/>
+          </a:xfrm>
+        </p:spPr>
+        <p:txBody>
+          <a:bodyPr anchor="b">
+            <a:normAutofit/>
+          </a:bodyPr>
+          <a:lstStyle>
+            <a:lvl1pPr algn="l">
+              <a:defRPr sz="3200" b="0" cap="all"/>
+            </a:lvl1pPr>
+          </a:lstStyle>
+          <a:p>
+            <a:r>
+              <a:rPr lang="zh-CN" altLang="en-US"/>
+              <a:t>单击此处编辑母版标题样式</a:t>
+            </a:r>
+            <a:endParaRPr lang="en-US" dirty="0"/>
+          </a:p>
+        </p:txBody>
+      </p:sp>
+      <p:sp>
+        <p:nvSpPr>
+          <p:cNvPr id="3" name="Text Placeholder 2"/>
+          <p:cNvSpPr>
+            <a:spLocks noGrp="1"/>
+          </p:cNvSpPr>
+          <p:nvPr>
+            <p:ph type="body" idx="1"/>
+          </p:nvPr>
+        </p:nvSpPr>
+        <p:spPr>
+          <a:xfrm>
+            <a:off x="684211" y="5132981"/>
+            <a:ext cx="8535990" cy="860400"/>
+          </a:xfrm>
+        </p:spPr>
+        <p:txBody>
+          <a:bodyPr anchor="t">
+            <a:normAutofit/>
+          </a:bodyPr>
+          <a:lstStyle>
+            <a:lvl1pPr marL="0" indent="0" algn="l">
+              <a:buNone/>
+              <a:defRPr sz="2000">
+                <a:solidFill>
+                  <a:schemeClr val="bg2">
+                    <a:lumMod val="75000"/>
+                  </a:schemeClr>
+                </a:solidFill>
+              </a:defRPr>
+            </a:lvl1pPr>
+            <a:lvl2pPr marL="457200" indent="0">
+              <a:buNone/>
+              <a:defRPr sz="1800">
+                <a:solidFill>
+                  <a:schemeClr val="tx1">
+                    <a:tint val="75000"/>
+                  </a:schemeClr>
+                </a:solidFill>
+              </a:defRPr>
+            </a:lvl2pPr>
+            <a:lvl3pPr marL="914400" indent="0">
+              <a:buNone/>
+              <a:defRPr sz="1600">
+                <a:solidFill>
+                  <a:schemeClr val="tx1">
+                    <a:tint val="75000"/>
+                  </a:schemeClr>
+                </a:solidFill>
+              </a:defRPr>
+            </a:lvl3pPr>
+            <a:lvl4pPr marL="1371600" indent="0">
+              <a:buNone/>
+              <a:defRPr sz="1400">
+                <a:solidFill>
+                  <a:schemeClr val="tx1">
+                    <a:tint val="75000"/>
+                  </a:schemeClr>
+                </a:solidFill>
+              </a:defRPr>
+            </a:lvl4pPr>
+            <a:lvl5pPr marL="1828800" indent="0">
+              <a:buNone/>
+              <a:defRPr sz="1400">
+                <a:solidFill>
+                  <a:schemeClr val="tx1">
+                    <a:tint val="75000"/>
+                  </a:schemeClr>
+                </a:solidFill>
+              </a:defRPr>
+            </a:lvl5pPr>
+            <a:lvl6pPr marL="2286000" indent="0">
+              <a:buNone/>
+              <a:defRPr sz="1400">
+                <a:solidFill>
+                  <a:schemeClr val="tx1">
+                    <a:tint val="75000"/>
+                  </a:schemeClr>
+                </a:solidFill>
+              </a:defRPr>
+            </a:lvl6pPr>
+            <a:lvl7pPr marL="2743200" indent="0">
+              <a:buNone/>
+              <a:defRPr sz="1400">
+                <a:solidFill>
+                  <a:schemeClr val="tx1">
+                    <a:tint val="75000"/>
+                  </a:schemeClr>
+                </a:solidFill>
+              </a:defRPr>
+            </a:lvl7pPr>
+            <a:lvl8pPr marL="3200400" indent="0">
+              <a:buNone/>
+              <a:defRPr sz="1400">
+                <a:solidFill>
+                  <a:schemeClr val="tx1">
+                    <a:tint val="75000"/>
+                  </a:schemeClr>
+                </a:solidFill>
+              </a:defRPr>
+            </a:lvl8pPr>
+            <a:lvl9pPr marL="3657600" indent="0">
+              <a:buNone/>
+              <a:defRPr sz="1400">
+                <a:solidFill>
+                  <a:schemeClr val="tx1">
+                    <a:tint val="75000"/>
+                  </a:schemeClr>
+                </a:solidFill>
+              </a:defRPr>
+            </a:lvl9pPr>
+          </a:lstStyle>
+          <a:p>
+            <a:pPr lvl="0"/>
+            <a:r>
+              <a:rPr lang="zh-CN" altLang="en-US"/>
+              <a:t>单击此处编辑母版文本样式</a:t>
+            </a:r>
+          </a:p>
+        </p:txBody>
+      </p:sp>
+      <p:sp>
+        <p:nvSpPr>
+          <p:cNvPr id="4" name="Date Placeholder 3"/>
+          <p:cNvSpPr>
+            <a:spLocks noGrp="1"/>
+          </p:cNvSpPr>
+          <p:nvPr>
+            <p:ph type="dt" sz="half" idx="10"/>
+          </p:nvPr>
+        </p:nvSpPr>
+        <p:spPr/>
+        <p:txBody>
+          <a:bodyPr/>
+          <a:lstStyle/>
+          <a:p>
+            <a:fld id="{54572FE0-AF69-49FC-A044-C789016A5D4F}" type="datetimeFigureOut">
+              <a:rPr lang="zh-CN" altLang="en-US" smtClean="0"/>
+              <a:t>2024/3/28</a:t>
+            </a:fld>
+            <a:endParaRPr lang="zh-CN" altLang="en-US"/>
+          </a:p>
+        </p:txBody>
+      </p:sp>
+      <p:sp>
+        <p:nvSpPr>
+          <p:cNvPr id="5" name="Footer Placeholder 4"/>
+          <p:cNvSpPr>
+            <a:spLocks noGrp="1"/>
+          </p:cNvSpPr>
+          <p:nvPr>
+            <p:ph type="ftr" sz="quarter" idx="11"/>
+          </p:nvPr>
+        </p:nvSpPr>
+        <p:spPr/>
+        <p:txBody>
+          <a:bodyPr/>
+          <a:lstStyle/>
+          <a:p>
+            <a:endParaRPr lang="zh-CN" altLang="en-US"/>
+          </a:p>
+        </p:txBody>
+      </p:sp>
+      <p:sp>
+        <p:nvSpPr>
+          <p:cNvPr id="6" name="Slide Number Placeholder 5"/>
+          <p:cNvSpPr>
+            <a:spLocks noGrp="1"/>
+          </p:cNvSpPr>
+          <p:nvPr>
+            <p:ph type="sldNum" sz="quarter" idx="12"/>
+          </p:nvPr>
+        </p:nvSpPr>
+        <p:spPr/>
+        <p:txBody>
+          <a:bodyPr/>
+          <a:lstStyle/>
+          <a:p>
+            <a:fld id="{0800A6A5-3185-4C7B-B9AA-71C6F4DCF7FA}" type="slidenum">
+              <a:rPr lang="zh-CN" altLang="en-US" smtClean="0"/>
+              <a:t>‹#›</a:t>
+            </a:fld>
+            <a:endParaRPr lang="zh-CN" altLang="en-US"/>
+          </a:p>
+        </p:txBody>
+      </p:sp>
+    </p:spTree>
+    <p:extLst>
+      <p:ext uri="{BB962C8B-B14F-4D97-AF65-F5344CB8AC3E}">
+        <p14:creationId xmlns:p14="http://schemas.microsoft.com/office/powerpoint/2010/main" val="198665560"/>
+      </p:ext>
+    </p:extLst>
+  </p:cSld>
+  <p:clrMapOvr>
+    <a:masterClrMapping/>
+  </p:clrMapOvr>
+</p:sldLayout>
+</file>
+
+<file path=ppt/slideLayouts/slideLayout25.xml><?xml version="1.0" encoding="utf-8"?>
+<p:sldLayout xmlns:a="http://schemas.openxmlformats.org/drawingml/2006/main" xmlns:r="http://schemas.openxmlformats.org/officeDocument/2006/relationships" xmlns:p="http://schemas.openxmlformats.org/presentationml/2006/main" preserve="1">
+  <p:cSld name="引言名片">
+    <p:spTree>
+      <p:nvGrpSpPr>
+        <p:cNvPr id="1" name=""/>
+        <p:cNvGrpSpPr/>
+        <p:nvPr/>
+      </p:nvGrpSpPr>
+      <p:grpSpPr>
+        <a:xfrm>
+          <a:off x="0" y="0"/>
+          <a:ext cx="0" cy="0"/>
+          <a:chOff x="0" y="0"/>
+          <a:chExt cx="0" cy="0"/>
+        </a:xfrm>
+      </p:grpSpPr>
+      <p:sp>
+        <p:nvSpPr>
+          <p:cNvPr id="2" name="Title 1"/>
+          <p:cNvSpPr>
+            <a:spLocks noGrp="1"/>
+          </p:cNvSpPr>
+          <p:nvPr>
+            <p:ph type="title"/>
+          </p:nvPr>
+        </p:nvSpPr>
+        <p:spPr>
+          <a:xfrm>
+            <a:off x="1141413" y="685800"/>
+            <a:ext cx="9144000" cy="2743200"/>
+          </a:xfrm>
+        </p:spPr>
+        <p:txBody>
+          <a:bodyPr anchor="ctr">
+            <a:normAutofit/>
+          </a:bodyPr>
+          <a:lstStyle>
+            <a:lvl1pPr algn="l">
+              <a:defRPr sz="3200" b="0" cap="all">
+                <a:solidFill>
+                  <a:schemeClr val="tx1"/>
+                </a:solidFill>
+              </a:defRPr>
+            </a:lvl1pPr>
+          </a:lstStyle>
+          <a:p>
+            <a:r>
+              <a:rPr lang="zh-CN" altLang="en-US"/>
+              <a:t>单击此处编辑母版标题样式</a:t>
+            </a:r>
+            <a:endParaRPr lang="en-US" dirty="0"/>
+          </a:p>
+        </p:txBody>
+      </p:sp>
+      <p:sp>
+        <p:nvSpPr>
+          <p:cNvPr id="10" name="Text Placeholder 9"/>
+          <p:cNvSpPr>
+            <a:spLocks noGrp="1"/>
+          </p:cNvSpPr>
+          <p:nvPr>
+            <p:ph type="body" sz="quarter" idx="13"/>
+          </p:nvPr>
+        </p:nvSpPr>
+        <p:spPr>
+          <a:xfrm>
+            <a:off x="684212" y="3928534"/>
+            <a:ext cx="8534401" cy="1049866"/>
+          </a:xfrm>
+        </p:spPr>
+        <p:txBody>
+          <a:bodyPr vert="horz" lIns="91440" tIns="45720" rIns="91440" bIns="45720" rtlCol="0" anchor="b">
+            <a:normAutofit/>
+          </a:bodyPr>
+          <a:lstStyle>
+            <a:lvl1pPr>
+              <a:buNone/>
+              <a:defRPr lang="en-US" sz="2400" b="0" cap="all" dirty="0">
+                <a:ln w="3175" cmpd="sng">
+                  <a:noFill/>
+                </a:ln>
+                <a:solidFill>
+                  <a:schemeClr val="tx1"/>
+                </a:solidFill>
+                <a:effectLst/>
+              </a:defRPr>
+            </a:lvl1pPr>
+          </a:lstStyle>
+          <a:p>
+            <a:pPr marL="0" lvl="0">
+              <a:spcBef>
+                <a:spcPct val="0"/>
+              </a:spcBef>
+              <a:buNone/>
+            </a:pPr>
+            <a:r>
+              <a:rPr lang="zh-CN" altLang="en-US"/>
+              <a:t>单击此处编辑母版文本样式</a:t>
+            </a:r>
+          </a:p>
+        </p:txBody>
+      </p:sp>
+      <p:sp>
+        <p:nvSpPr>
+          <p:cNvPr id="3" name="Text Placeholder 2"/>
+          <p:cNvSpPr>
+            <a:spLocks noGrp="1"/>
+          </p:cNvSpPr>
+          <p:nvPr>
+            <p:ph type="body" idx="1"/>
+          </p:nvPr>
+        </p:nvSpPr>
+        <p:spPr>
+          <a:xfrm>
+            <a:off x="684211" y="4978400"/>
+            <a:ext cx="8534401" cy="1016000"/>
+          </a:xfrm>
+        </p:spPr>
+        <p:txBody>
+          <a:bodyPr anchor="t">
+            <a:normAutofit/>
+          </a:bodyPr>
+          <a:lstStyle>
+            <a:lvl1pPr marL="0" indent="0" algn="l">
+              <a:buNone/>
+              <a:defRPr sz="1800">
+                <a:solidFill>
+                  <a:schemeClr val="bg2">
+                    <a:lumMod val="75000"/>
+                  </a:schemeClr>
+                </a:solidFill>
+              </a:defRPr>
+            </a:lvl1pPr>
+            <a:lvl2pPr marL="457200" indent="0">
+              <a:buNone/>
+              <a:defRPr sz="1800">
+                <a:solidFill>
+                  <a:schemeClr val="tx1">
+                    <a:tint val="75000"/>
+                  </a:schemeClr>
+                </a:solidFill>
+              </a:defRPr>
+            </a:lvl2pPr>
+            <a:lvl3pPr marL="914400" indent="0">
+              <a:buNone/>
+              <a:defRPr sz="1600">
+                <a:solidFill>
+                  <a:schemeClr val="tx1">
+                    <a:tint val="75000"/>
+                  </a:schemeClr>
+                </a:solidFill>
+              </a:defRPr>
+            </a:lvl3pPr>
+            <a:lvl4pPr marL="1371600" indent="0">
+              <a:buNone/>
+              <a:defRPr sz="1400">
+                <a:solidFill>
+                  <a:schemeClr val="tx1">
+                    <a:tint val="75000"/>
+                  </a:schemeClr>
+                </a:solidFill>
+              </a:defRPr>
+            </a:lvl4pPr>
+            <a:lvl5pPr marL="1828800" indent="0">
+              <a:buNone/>
+              <a:defRPr sz="1400">
+                <a:solidFill>
+                  <a:schemeClr val="tx1">
+                    <a:tint val="75000"/>
+                  </a:schemeClr>
+                </a:solidFill>
+              </a:defRPr>
+            </a:lvl5pPr>
+            <a:lvl6pPr marL="2286000" indent="0">
+              <a:buNone/>
+              <a:defRPr sz="1400">
+                <a:solidFill>
+                  <a:schemeClr val="tx1">
+                    <a:tint val="75000"/>
+                  </a:schemeClr>
+                </a:solidFill>
+              </a:defRPr>
+            </a:lvl6pPr>
+            <a:lvl7pPr marL="2743200" indent="0">
+              <a:buNone/>
+              <a:defRPr sz="1400">
+                <a:solidFill>
+                  <a:schemeClr val="tx1">
+                    <a:tint val="75000"/>
+                  </a:schemeClr>
+                </a:solidFill>
+              </a:defRPr>
+            </a:lvl7pPr>
+            <a:lvl8pPr marL="3200400" indent="0">
+              <a:buNone/>
+              <a:defRPr sz="1400">
+                <a:solidFill>
+                  <a:schemeClr val="tx1">
+                    <a:tint val="75000"/>
+                  </a:schemeClr>
+                </a:solidFill>
+              </a:defRPr>
+            </a:lvl8pPr>
+            <a:lvl9pPr marL="3657600" indent="0">
+              <a:buNone/>
+              <a:defRPr sz="1400">
+                <a:solidFill>
+                  <a:schemeClr val="tx1">
+                    <a:tint val="75000"/>
+                  </a:schemeClr>
+                </a:solidFill>
+              </a:defRPr>
+            </a:lvl9pPr>
+          </a:lstStyle>
+          <a:p>
+            <a:pPr lvl="0"/>
+            <a:r>
+              <a:rPr lang="zh-CN" altLang="en-US"/>
+              <a:t>单击此处编辑母版文本样式</a:t>
+            </a:r>
+          </a:p>
+        </p:txBody>
+      </p:sp>
+      <p:sp>
+        <p:nvSpPr>
+          <p:cNvPr id="4" name="Date Placeholder 3"/>
+          <p:cNvSpPr>
+            <a:spLocks noGrp="1"/>
+          </p:cNvSpPr>
+          <p:nvPr>
+            <p:ph type="dt" sz="half" idx="10"/>
+          </p:nvPr>
+        </p:nvSpPr>
+        <p:spPr/>
+        <p:txBody>
+          <a:bodyPr/>
+          <a:lstStyle/>
+          <a:p>
+            <a:fld id="{54572FE0-AF69-49FC-A044-C789016A5D4F}" type="datetimeFigureOut">
+              <a:rPr lang="zh-CN" altLang="en-US" smtClean="0"/>
+              <a:t>2024/3/28</a:t>
+            </a:fld>
+            <a:endParaRPr lang="zh-CN" altLang="en-US"/>
+          </a:p>
+        </p:txBody>
+      </p:sp>
+      <p:sp>
+        <p:nvSpPr>
+          <p:cNvPr id="5" name="Footer Placeholder 4"/>
+          <p:cNvSpPr>
+            <a:spLocks noGrp="1"/>
+          </p:cNvSpPr>
+          <p:nvPr>
+            <p:ph type="ftr" sz="quarter" idx="11"/>
+          </p:nvPr>
+        </p:nvSpPr>
+        <p:spPr/>
+        <p:txBody>
+          <a:bodyPr/>
+          <a:lstStyle/>
+          <a:p>
+            <a:endParaRPr lang="zh-CN" altLang="en-US"/>
+          </a:p>
+        </p:txBody>
+      </p:sp>
+      <p:sp>
+        <p:nvSpPr>
+          <p:cNvPr id="6" name="Slide Number Placeholder 5"/>
+          <p:cNvSpPr>
+            <a:spLocks noGrp="1"/>
+          </p:cNvSpPr>
+          <p:nvPr>
+            <p:ph type="sldNum" sz="quarter" idx="12"/>
+          </p:nvPr>
+        </p:nvSpPr>
+        <p:spPr/>
+        <p:txBody>
+          <a:bodyPr/>
+          <a:lstStyle/>
+          <a:p>
+            <a:fld id="{0800A6A5-3185-4C7B-B9AA-71C6F4DCF7FA}" type="slidenum">
+              <a:rPr lang="zh-CN" altLang="en-US" smtClean="0"/>
+              <a:t>‹#›</a:t>
+            </a:fld>
+            <a:endParaRPr lang="zh-CN" altLang="en-US"/>
+          </a:p>
+        </p:txBody>
+      </p:sp>
+      <p:sp>
+        <p:nvSpPr>
+          <p:cNvPr id="11" name="TextBox 10"/>
+          <p:cNvSpPr txBox="1"/>
+          <p:nvPr/>
+        </p:nvSpPr>
+        <p:spPr>
+          <a:xfrm>
+            <a:off x="531812" y="812222"/>
+            <a:ext cx="609600" cy="584776"/>
+          </a:xfrm>
+          <a:prstGeom prst="rect">
+            <a:avLst/>
+          </a:prstGeom>
+        </p:spPr>
+        <p:txBody>
+          <a:bodyPr vert="horz" lIns="91440" tIns="45720" rIns="91440" bIns="45720" rtlCol="0" anchor="ctr">
+            <a:noAutofit/>
+          </a:bodyPr>
+          <a:lstStyle/>
+          <a:p>
+            <a:pPr lvl="0"/>
+            <a:r>
+              <a:rPr lang="en-US" sz="8000" dirty="0">
+                <a:solidFill>
+                  <a:schemeClr val="tx1"/>
+                </a:solidFill>
+                <a:effectLst/>
+              </a:rPr>
+              <a:t>“</a:t>
+            </a:r>
+          </a:p>
+        </p:txBody>
+      </p:sp>
+      <p:sp>
+        <p:nvSpPr>
+          <p:cNvPr id="12" name="TextBox 11"/>
+          <p:cNvSpPr txBox="1"/>
+          <p:nvPr/>
+        </p:nvSpPr>
+        <p:spPr>
+          <a:xfrm>
+            <a:off x="10285412" y="2768601"/>
+            <a:ext cx="609600" cy="584776"/>
+          </a:xfrm>
+          <a:prstGeom prst="rect">
+            <a:avLst/>
+          </a:prstGeom>
+        </p:spPr>
+        <p:txBody>
+          <a:bodyPr vert="horz" lIns="91440" tIns="45720" rIns="91440" bIns="45720" rtlCol="0" anchor="ctr">
+            <a:noAutofit/>
+          </a:bodyPr>
+          <a:lstStyle/>
+          <a:p>
+            <a:pPr lvl="0" algn="r"/>
+            <a:r>
+              <a:rPr lang="en-US" sz="8000" dirty="0">
+                <a:solidFill>
+                  <a:schemeClr val="tx1"/>
+                </a:solidFill>
+                <a:effectLst/>
+              </a:rPr>
+              <a:t>”</a:t>
+            </a:r>
+          </a:p>
+        </p:txBody>
+      </p:sp>
+    </p:spTree>
+    <p:extLst>
+      <p:ext uri="{BB962C8B-B14F-4D97-AF65-F5344CB8AC3E}">
+        <p14:creationId xmlns:p14="http://schemas.microsoft.com/office/powerpoint/2010/main" val="3388258903"/>
+      </p:ext>
+    </p:extLst>
+  </p:cSld>
+  <p:clrMapOvr>
+    <a:masterClrMapping/>
+  </p:clrMapOvr>
+</p:sldLayout>
+</file>
+
+<file path=ppt/slideLayouts/slideLayout26.xml><?xml version="1.0" encoding="utf-8"?>
+<p:sldLayout xmlns:a="http://schemas.openxmlformats.org/drawingml/2006/main" xmlns:r="http://schemas.openxmlformats.org/officeDocument/2006/relationships" xmlns:p="http://schemas.openxmlformats.org/presentationml/2006/main" preserve="1">
+  <p:cSld name="真或假">
+    <p:spTree>
+      <p:nvGrpSpPr>
+        <p:cNvPr id="1" name=""/>
+        <p:cNvGrpSpPr/>
+        <p:nvPr/>
+      </p:nvGrpSpPr>
+      <p:grpSpPr>
+        <a:xfrm>
+          <a:off x="0" y="0"/>
+          <a:ext cx="0" cy="0"/>
+          <a:chOff x="0" y="0"/>
+          <a:chExt cx="0" cy="0"/>
+        </a:xfrm>
+      </p:grpSpPr>
+      <p:sp>
+        <p:nvSpPr>
+          <p:cNvPr id="2" name="Title 1"/>
+          <p:cNvSpPr>
+            <a:spLocks noGrp="1"/>
+          </p:cNvSpPr>
+          <p:nvPr>
+            <p:ph type="title"/>
+          </p:nvPr>
+        </p:nvSpPr>
+        <p:spPr>
+          <a:xfrm>
+            <a:off x="684213" y="685800"/>
+            <a:ext cx="10058400" cy="2743200"/>
+          </a:xfrm>
+        </p:spPr>
+        <p:txBody>
+          <a:bodyPr vert="horz" lIns="91440" tIns="45720" rIns="91440" bIns="45720" rtlCol="0" anchor="ctr">
+            <a:normAutofit/>
+          </a:bodyPr>
+          <a:lstStyle>
+            <a:lvl1pPr>
+              <a:defRPr lang="en-US" b="0" dirty="0"/>
+            </a:lvl1pPr>
+          </a:lstStyle>
+          <a:p>
+            <a:pPr marL="0" lvl="0"/>
+            <a:r>
+              <a:rPr lang="zh-CN" altLang="en-US"/>
+              <a:t>单击此处编辑母版标题样式</a:t>
+            </a:r>
+            <a:endParaRPr lang="en-US" dirty="0"/>
+          </a:p>
+        </p:txBody>
+      </p:sp>
+      <p:sp>
+        <p:nvSpPr>
+          <p:cNvPr id="10" name="Text Placeholder 9"/>
+          <p:cNvSpPr>
+            <a:spLocks noGrp="1"/>
+          </p:cNvSpPr>
+          <p:nvPr>
+            <p:ph type="body" sz="quarter" idx="13"/>
+          </p:nvPr>
+        </p:nvSpPr>
+        <p:spPr>
+          <a:xfrm>
+            <a:off x="684212" y="3928534"/>
+            <a:ext cx="8534400" cy="838200"/>
+          </a:xfrm>
+        </p:spPr>
+        <p:txBody>
+          <a:bodyPr vert="horz" lIns="91440" tIns="45720" rIns="91440" bIns="45720" rtlCol="0" anchor="b">
+            <a:normAutofit/>
+          </a:bodyPr>
+          <a:lstStyle>
+            <a:lvl1pPr>
+              <a:buNone/>
+              <a:defRPr lang="en-US" sz="2400" b="0" cap="all" dirty="0">
+                <a:ln w="3175" cmpd="sng">
+                  <a:noFill/>
+                </a:ln>
+                <a:solidFill>
+                  <a:schemeClr val="tx1"/>
+                </a:solidFill>
+                <a:effectLst/>
+              </a:defRPr>
+            </a:lvl1pPr>
+          </a:lstStyle>
+          <a:p>
+            <a:pPr marL="0" lvl="0">
+              <a:spcBef>
+                <a:spcPct val="0"/>
+              </a:spcBef>
+              <a:buNone/>
+            </a:pPr>
+            <a:r>
+              <a:rPr lang="zh-CN" altLang="en-US"/>
+              <a:t>单击此处编辑母版文本样式</a:t>
+            </a:r>
+          </a:p>
+        </p:txBody>
+      </p:sp>
+      <p:sp>
+        <p:nvSpPr>
+          <p:cNvPr id="3" name="Text Placeholder 2"/>
+          <p:cNvSpPr>
+            <a:spLocks noGrp="1"/>
+          </p:cNvSpPr>
+          <p:nvPr>
+            <p:ph type="body" idx="1"/>
+          </p:nvPr>
+        </p:nvSpPr>
+        <p:spPr>
+          <a:xfrm>
+            <a:off x="684211" y="4766732"/>
+            <a:ext cx="8534401" cy="1227667"/>
+          </a:xfrm>
+        </p:spPr>
+        <p:txBody>
+          <a:bodyPr anchor="t">
+            <a:normAutofit/>
+          </a:bodyPr>
+          <a:lstStyle>
+            <a:lvl1pPr marL="0" indent="0" algn="l">
+              <a:buNone/>
+              <a:defRPr sz="1800">
+                <a:solidFill>
+                  <a:schemeClr val="bg2">
+                    <a:lumMod val="75000"/>
+                  </a:schemeClr>
+                </a:solidFill>
+              </a:defRPr>
+            </a:lvl1pPr>
+            <a:lvl2pPr marL="457200" indent="0">
+              <a:buNone/>
+              <a:defRPr sz="1800">
+                <a:solidFill>
+                  <a:schemeClr val="tx1">
+                    <a:tint val="75000"/>
+                  </a:schemeClr>
+                </a:solidFill>
+              </a:defRPr>
+            </a:lvl2pPr>
+            <a:lvl3pPr marL="914400" indent="0">
+              <a:buNone/>
+              <a:defRPr sz="1600">
+                <a:solidFill>
+                  <a:schemeClr val="tx1">
+                    <a:tint val="75000"/>
+                  </a:schemeClr>
+                </a:solidFill>
+              </a:defRPr>
+            </a:lvl3pPr>
+            <a:lvl4pPr marL="1371600" indent="0">
+              <a:buNone/>
+              <a:defRPr sz="1400">
+                <a:solidFill>
+                  <a:schemeClr val="tx1">
+                    <a:tint val="75000"/>
+                  </a:schemeClr>
+                </a:solidFill>
+              </a:defRPr>
+            </a:lvl4pPr>
+            <a:lvl5pPr marL="1828800" indent="0">
+              <a:buNone/>
+              <a:defRPr sz="1400">
+                <a:solidFill>
+                  <a:schemeClr val="tx1">
+                    <a:tint val="75000"/>
+                  </a:schemeClr>
+                </a:solidFill>
+              </a:defRPr>
+            </a:lvl5pPr>
+            <a:lvl6pPr marL="2286000" indent="0">
+              <a:buNone/>
+              <a:defRPr sz="1400">
+                <a:solidFill>
+                  <a:schemeClr val="tx1">
+                    <a:tint val="75000"/>
+                  </a:schemeClr>
+                </a:solidFill>
+              </a:defRPr>
+            </a:lvl6pPr>
+            <a:lvl7pPr marL="2743200" indent="0">
+              <a:buNone/>
+              <a:defRPr sz="1400">
+                <a:solidFill>
+                  <a:schemeClr val="tx1">
+                    <a:tint val="75000"/>
+                  </a:schemeClr>
+                </a:solidFill>
+              </a:defRPr>
+            </a:lvl7pPr>
+            <a:lvl8pPr marL="3200400" indent="0">
+              <a:buNone/>
+              <a:defRPr sz="1400">
+                <a:solidFill>
+                  <a:schemeClr val="tx1">
+                    <a:tint val="75000"/>
+                  </a:schemeClr>
+                </a:solidFill>
+              </a:defRPr>
+            </a:lvl8pPr>
+            <a:lvl9pPr marL="3657600" indent="0">
+              <a:buNone/>
+              <a:defRPr sz="1400">
+                <a:solidFill>
+                  <a:schemeClr val="tx1">
+                    <a:tint val="75000"/>
+                  </a:schemeClr>
+                </a:solidFill>
+              </a:defRPr>
+            </a:lvl9pPr>
+          </a:lstStyle>
+          <a:p>
+            <a:pPr lvl="0"/>
+            <a:r>
+              <a:rPr lang="zh-CN" altLang="en-US"/>
+              <a:t>单击此处编辑母版文本样式</a:t>
+            </a:r>
+          </a:p>
+        </p:txBody>
+      </p:sp>
+      <p:sp>
+        <p:nvSpPr>
+          <p:cNvPr id="4" name="Date Placeholder 3"/>
+          <p:cNvSpPr>
+            <a:spLocks noGrp="1"/>
+          </p:cNvSpPr>
+          <p:nvPr>
+            <p:ph type="dt" sz="half" idx="10"/>
+          </p:nvPr>
+        </p:nvSpPr>
+        <p:spPr/>
+        <p:txBody>
+          <a:bodyPr/>
+          <a:lstStyle/>
+          <a:p>
+            <a:fld id="{54572FE0-AF69-49FC-A044-C789016A5D4F}" type="datetimeFigureOut">
+              <a:rPr lang="zh-CN" altLang="en-US" smtClean="0"/>
+              <a:t>2024/3/28</a:t>
+            </a:fld>
+            <a:endParaRPr lang="zh-CN" altLang="en-US"/>
+          </a:p>
+        </p:txBody>
+      </p:sp>
+      <p:sp>
+        <p:nvSpPr>
+          <p:cNvPr id="5" name="Footer Placeholder 4"/>
+          <p:cNvSpPr>
+            <a:spLocks noGrp="1"/>
+          </p:cNvSpPr>
+          <p:nvPr>
+            <p:ph type="ftr" sz="quarter" idx="11"/>
+          </p:nvPr>
+        </p:nvSpPr>
+        <p:spPr/>
+        <p:txBody>
+          <a:bodyPr/>
+          <a:lstStyle/>
+          <a:p>
+            <a:endParaRPr lang="zh-CN" altLang="en-US"/>
+          </a:p>
+        </p:txBody>
+      </p:sp>
+      <p:sp>
+        <p:nvSpPr>
+          <p:cNvPr id="6" name="Slide Number Placeholder 5"/>
+          <p:cNvSpPr>
+            <a:spLocks noGrp="1"/>
+          </p:cNvSpPr>
+          <p:nvPr>
+            <p:ph type="sldNum" sz="quarter" idx="12"/>
+          </p:nvPr>
+        </p:nvSpPr>
+        <p:spPr/>
+        <p:txBody>
+          <a:bodyPr/>
+          <a:lstStyle/>
+          <a:p>
+            <a:fld id="{0800A6A5-3185-4C7B-B9AA-71C6F4DCF7FA}" type="slidenum">
+              <a:rPr lang="zh-CN" altLang="en-US" smtClean="0"/>
+              <a:t>‹#›</a:t>
+            </a:fld>
+            <a:endParaRPr lang="zh-CN" altLang="en-US"/>
+          </a:p>
+        </p:txBody>
+      </p:sp>
+    </p:spTree>
+    <p:extLst>
+      <p:ext uri="{BB962C8B-B14F-4D97-AF65-F5344CB8AC3E}">
+        <p14:creationId xmlns:p14="http://schemas.microsoft.com/office/powerpoint/2010/main" val="3074792388"/>
+      </p:ext>
+    </p:extLst>
+  </p:cSld>
+  <p:clrMapOvr>
+    <a:masterClrMapping/>
+  </p:clrMapOvr>
+</p:sldLayout>
+</file>
+
+<file path=ppt/slideLayouts/slideLayout27.xml><?xml version="1.0" encoding="utf-8"?>
+<p:sldLayout xmlns:a="http://schemas.openxmlformats.org/drawingml/2006/main" xmlns:r="http://schemas.openxmlformats.org/officeDocument/2006/relationships" xmlns:p="http://schemas.openxmlformats.org/presentationml/2006/main" type="vertTx" preserve="1">
+  <p:cSld name="标题和竖排文字">
+    <p:spTree>
+      <p:nvGrpSpPr>
+        <p:cNvPr id="1" name=""/>
+        <p:cNvGrpSpPr/>
+        <p:nvPr/>
+      </p:nvGrpSpPr>
+      <p:grpSpPr>
+        <a:xfrm>
+          <a:off x="0" y="0"/>
+          <a:ext cx="0" cy="0"/>
+          <a:chOff x="0" y="0"/>
+          <a:chExt cx="0" cy="0"/>
+        </a:xfrm>
+      </p:grpSpPr>
+      <p:sp>
+        <p:nvSpPr>
+          <p:cNvPr id="2" name="Title 1"/>
+          <p:cNvSpPr>
+            <a:spLocks noGrp="1"/>
+          </p:cNvSpPr>
+          <p:nvPr>
+            <p:ph type="title"/>
+          </p:nvPr>
+        </p:nvSpPr>
+        <p:spPr/>
+        <p:txBody>
+          <a:bodyPr/>
+          <a:lstStyle>
+            <a:lvl1pPr algn="l">
+              <a:defRPr/>
+            </a:lvl1pPr>
+          </a:lstStyle>
+          <a:p>
+            <a:r>
+              <a:rPr lang="zh-CN" altLang="en-US"/>
+              <a:t>单击此处编辑母版标题样式</a:t>
+            </a:r>
+            <a:endParaRPr lang="en-US" dirty="0"/>
+          </a:p>
+        </p:txBody>
+      </p:sp>
+      <p:sp>
+        <p:nvSpPr>
+          <p:cNvPr id="3" name="Vertical Text Placeholder 2"/>
+          <p:cNvSpPr>
+            <a:spLocks noGrp="1"/>
+          </p:cNvSpPr>
+          <p:nvPr>
+            <p:ph type="body" orient="vert" idx="1"/>
+          </p:nvPr>
+        </p:nvSpPr>
+        <p:spPr/>
+        <p:txBody>
+          <a:bodyPr vert="eaVert" anchor="t"/>
+          <a:lstStyle/>
+          <a:p>
+            <a:pPr lvl="0"/>
+            <a:r>
+              <a:rPr lang="zh-CN" altLang="en-US"/>
+              <a:t>单击此处编辑母版文本样式</a:t>
+            </a:r>
+          </a:p>
+          <a:p>
+            <a:pPr lvl="1"/>
+            <a:r>
+              <a:rPr lang="zh-CN" altLang="en-US"/>
+              <a:t>二级</a:t>
+            </a:r>
+          </a:p>
+          <a:p>
+            <a:pPr lvl="2"/>
+            <a:r>
+              <a:rPr lang="zh-CN" altLang="en-US"/>
+              <a:t>三级</a:t>
+            </a:r>
+          </a:p>
+          <a:p>
+            <a:pPr lvl="3"/>
+            <a:r>
+              <a:rPr lang="zh-CN" altLang="en-US"/>
+              <a:t>四级</a:t>
+            </a:r>
+          </a:p>
+          <a:p>
+            <a:pPr lvl="4"/>
+            <a:r>
+              <a:rPr lang="zh-CN" altLang="en-US"/>
+              <a:t>五级</a:t>
+            </a:r>
+            <a:endParaRPr lang="en-US" dirty="0"/>
+          </a:p>
+        </p:txBody>
+      </p:sp>
+      <p:sp>
+        <p:nvSpPr>
+          <p:cNvPr id="4" name="Date Placeholder 3"/>
+          <p:cNvSpPr>
+            <a:spLocks noGrp="1"/>
+          </p:cNvSpPr>
+          <p:nvPr>
+            <p:ph type="dt" sz="half" idx="10"/>
+          </p:nvPr>
+        </p:nvSpPr>
+        <p:spPr/>
+        <p:txBody>
+          <a:bodyPr/>
+          <a:lstStyle/>
+          <a:p>
+            <a:fld id="{54572FE0-AF69-49FC-A044-C789016A5D4F}" type="datetimeFigureOut">
+              <a:rPr lang="zh-CN" altLang="en-US" smtClean="0"/>
+              <a:t>2024/3/28</a:t>
+            </a:fld>
+            <a:endParaRPr lang="zh-CN" altLang="en-US"/>
+          </a:p>
+        </p:txBody>
+      </p:sp>
+      <p:sp>
+        <p:nvSpPr>
+          <p:cNvPr id="5" name="Footer Placeholder 4"/>
+          <p:cNvSpPr>
+            <a:spLocks noGrp="1"/>
+          </p:cNvSpPr>
+          <p:nvPr>
+            <p:ph type="ftr" sz="quarter" idx="11"/>
+          </p:nvPr>
+        </p:nvSpPr>
+        <p:spPr/>
+        <p:txBody>
+          <a:bodyPr/>
+          <a:lstStyle/>
+          <a:p>
+            <a:endParaRPr lang="zh-CN" altLang="en-US"/>
+          </a:p>
+        </p:txBody>
+      </p:sp>
+      <p:sp>
+        <p:nvSpPr>
+          <p:cNvPr id="6" name="Slide Number Placeholder 5"/>
+          <p:cNvSpPr>
+            <a:spLocks noGrp="1"/>
+          </p:cNvSpPr>
+          <p:nvPr>
+            <p:ph type="sldNum" sz="quarter" idx="12"/>
+          </p:nvPr>
+        </p:nvSpPr>
+        <p:spPr/>
+        <p:txBody>
+          <a:bodyPr/>
+          <a:lstStyle/>
+          <a:p>
+            <a:fld id="{0800A6A5-3185-4C7B-B9AA-71C6F4DCF7FA}" type="slidenum">
+              <a:rPr lang="zh-CN" altLang="en-US" smtClean="0"/>
+              <a:t>‹#›</a:t>
+            </a:fld>
+            <a:endParaRPr lang="zh-CN" altLang="en-US"/>
+          </a:p>
+        </p:txBody>
+      </p:sp>
+    </p:spTree>
+    <p:extLst>
+      <p:ext uri="{BB962C8B-B14F-4D97-AF65-F5344CB8AC3E}">
+        <p14:creationId xmlns:p14="http://schemas.microsoft.com/office/powerpoint/2010/main" val="495120721"/>
+      </p:ext>
+    </p:extLst>
+  </p:cSld>
+  <p:clrMapOvr>
+    <a:masterClrMapping/>
+  </p:clrMapOvr>
+</p:sldLayout>
+</file>
+
+<file path=ppt/slideLayouts/slideLayout28.xml><?xml version="1.0" encoding="utf-8"?>
+<p:sldLayout xmlns:a="http://schemas.openxmlformats.org/drawingml/2006/main" xmlns:r="http://schemas.openxmlformats.org/officeDocument/2006/relationships" xmlns:p="http://schemas.openxmlformats.org/presentationml/2006/main" type="vertTitleAndTx" preserve="1">
+  <p:cSld name="竖排标题与文本">
+    <p:spTree>
+      <p:nvGrpSpPr>
+        <p:cNvPr id="1" name=""/>
+        <p:cNvGrpSpPr/>
+        <p:nvPr/>
+      </p:nvGrpSpPr>
+      <p:grpSpPr>
+        <a:xfrm>
+          <a:off x="0" y="0"/>
+          <a:ext cx="0" cy="0"/>
+          <a:chOff x="0" y="0"/>
+          <a:chExt cx="0" cy="0"/>
+        </a:xfrm>
+      </p:grpSpPr>
+      <p:sp>
+        <p:nvSpPr>
+          <p:cNvPr id="2" name="Vertical Title 1"/>
+          <p:cNvSpPr>
+            <a:spLocks noGrp="1"/>
+          </p:cNvSpPr>
+          <p:nvPr>
+            <p:ph type="title" orient="vert"/>
+          </p:nvPr>
+        </p:nvSpPr>
+        <p:spPr>
+          <a:xfrm>
+            <a:off x="8685212" y="685800"/>
+            <a:ext cx="2057400" cy="4572000"/>
+          </a:xfrm>
+        </p:spPr>
+        <p:txBody>
+          <a:bodyPr vert="eaVert"/>
+          <a:lstStyle/>
+          <a:p>
+            <a:r>
+              <a:rPr lang="zh-CN" altLang="en-US"/>
+              <a:t>单击此处编辑母版标题样式</a:t>
+            </a:r>
+            <a:endParaRPr lang="en-US" dirty="0"/>
+          </a:p>
+        </p:txBody>
+      </p:sp>
+      <p:sp>
+        <p:nvSpPr>
+          <p:cNvPr id="3" name="Vertical Text Placeholder 2"/>
+          <p:cNvSpPr>
+            <a:spLocks noGrp="1"/>
+          </p:cNvSpPr>
+          <p:nvPr>
+            <p:ph type="body" orient="vert" idx="1"/>
+          </p:nvPr>
+        </p:nvSpPr>
+        <p:spPr>
+          <a:xfrm>
+            <a:off x="685800" y="685800"/>
+            <a:ext cx="7823200" cy="5308600"/>
+          </a:xfrm>
+        </p:spPr>
+        <p:txBody>
+          <a:bodyPr vert="eaVert" anchor="t"/>
+          <a:lstStyle/>
+          <a:p>
+            <a:pPr lvl="0"/>
+            <a:r>
+              <a:rPr lang="zh-CN" altLang="en-US"/>
+              <a:t>单击此处编辑母版文本样式</a:t>
+            </a:r>
+          </a:p>
+          <a:p>
+            <a:pPr lvl="1"/>
+            <a:r>
+              <a:rPr lang="zh-CN" altLang="en-US"/>
+              <a:t>二级</a:t>
+            </a:r>
+          </a:p>
+          <a:p>
+            <a:pPr lvl="2"/>
+            <a:r>
+              <a:rPr lang="zh-CN" altLang="en-US"/>
+              <a:t>三级</a:t>
+            </a:r>
+          </a:p>
+          <a:p>
+            <a:pPr lvl="3"/>
+            <a:r>
+              <a:rPr lang="zh-CN" altLang="en-US"/>
+              <a:t>四级</a:t>
+            </a:r>
+          </a:p>
+          <a:p>
+            <a:pPr lvl="4"/>
+            <a:r>
+              <a:rPr lang="zh-CN" altLang="en-US"/>
+              <a:t>五级</a:t>
+            </a:r>
+            <a:endParaRPr lang="en-US" dirty="0"/>
+          </a:p>
+        </p:txBody>
+      </p:sp>
+      <p:sp>
+        <p:nvSpPr>
+          <p:cNvPr id="4" name="Date Placeholder 3"/>
+          <p:cNvSpPr>
+            <a:spLocks noGrp="1"/>
+          </p:cNvSpPr>
+          <p:nvPr>
+            <p:ph type="dt" sz="half" idx="10"/>
+          </p:nvPr>
+        </p:nvSpPr>
+        <p:spPr/>
+        <p:txBody>
+          <a:bodyPr/>
+          <a:lstStyle/>
+          <a:p>
+            <a:fld id="{54572FE0-AF69-49FC-A044-C789016A5D4F}" type="datetimeFigureOut">
+              <a:rPr lang="zh-CN" altLang="en-US" smtClean="0"/>
+              <a:t>2024/3/28</a:t>
+            </a:fld>
+            <a:endParaRPr lang="zh-CN" altLang="en-US"/>
+          </a:p>
+        </p:txBody>
+      </p:sp>
+      <p:sp>
+        <p:nvSpPr>
+          <p:cNvPr id="5" name="Footer Placeholder 4"/>
+          <p:cNvSpPr>
+            <a:spLocks noGrp="1"/>
+          </p:cNvSpPr>
+          <p:nvPr>
+            <p:ph type="ftr" sz="quarter" idx="11"/>
+          </p:nvPr>
+        </p:nvSpPr>
+        <p:spPr/>
+        <p:txBody>
+          <a:bodyPr/>
+          <a:lstStyle/>
+          <a:p>
+            <a:endParaRPr lang="zh-CN" altLang="en-US"/>
+          </a:p>
+        </p:txBody>
+      </p:sp>
+      <p:sp>
+        <p:nvSpPr>
+          <p:cNvPr id="6" name="Slide Number Placeholder 5"/>
+          <p:cNvSpPr>
+            <a:spLocks noGrp="1"/>
+          </p:cNvSpPr>
+          <p:nvPr>
+            <p:ph type="sldNum" sz="quarter" idx="12"/>
+          </p:nvPr>
+        </p:nvSpPr>
+        <p:spPr/>
+        <p:txBody>
+          <a:bodyPr/>
+          <a:lstStyle/>
+          <a:p>
+            <a:fld id="{0800A6A5-3185-4C7B-B9AA-71C6F4DCF7FA}" type="slidenum">
+              <a:rPr lang="zh-CN" altLang="en-US" smtClean="0"/>
+              <a:t>‹#›</a:t>
+            </a:fld>
+            <a:endParaRPr lang="zh-CN" altLang="en-US"/>
+          </a:p>
+        </p:txBody>
+      </p:sp>
+    </p:spTree>
+    <p:extLst>
+      <p:ext uri="{BB962C8B-B14F-4D97-AF65-F5344CB8AC3E}">
+        <p14:creationId xmlns:p14="http://schemas.microsoft.com/office/powerpoint/2010/main" val="2596189368"/>
       </p:ext>
     </p:extLst>
   </p:cSld>
@@ -1671,7 +6049,7 @@
           <a:p>
             <a:fld id="{DEDA17D1-6590-4570-9DF1-29A4B3C6B8EE}" type="datetimeFigureOut">
               <a:rPr lang="zh-CN" altLang="en-US" smtClean="0"/>
-              <a:t>2024/3/26</a:t>
+              <a:t>2024/3/28</a:t>
             </a:fld>
             <a:endParaRPr lang="zh-CN" altLang="en-US"/>
           </a:p>
@@ -1936,7 +6314,7 @@
           <a:p>
             <a:fld id="{DEDA17D1-6590-4570-9DF1-29A4B3C6B8EE}" type="datetimeFigureOut">
               <a:rPr lang="zh-CN" altLang="en-US" smtClean="0"/>
-              <a:t>2024/3/26</a:t>
+              <a:t>2024/3/28</a:t>
             </a:fld>
             <a:endParaRPr lang="zh-CN" altLang="en-US"/>
           </a:p>
@@ -2357,7 +6735,7 @@
           <a:p>
             <a:fld id="{DEDA17D1-6590-4570-9DF1-29A4B3C6B8EE}" type="datetimeFigureOut">
               <a:rPr lang="zh-CN" altLang="en-US" smtClean="0"/>
-              <a:t>2024/3/26</a:t>
+              <a:t>2024/3/28</a:t>
             </a:fld>
             <a:endParaRPr lang="zh-CN" altLang="en-US"/>
           </a:p>
@@ -2498,7 +6876,7 @@
           <a:p>
             <a:fld id="{DEDA17D1-6590-4570-9DF1-29A4B3C6B8EE}" type="datetimeFigureOut">
               <a:rPr lang="zh-CN" altLang="en-US" smtClean="0"/>
-              <a:t>2024/3/26</a:t>
+              <a:t>2024/3/28</a:t>
             </a:fld>
             <a:endParaRPr lang="zh-CN" altLang="en-US"/>
           </a:p>
@@ -2611,7 +6989,7 @@
           <a:p>
             <a:fld id="{DEDA17D1-6590-4570-9DF1-29A4B3C6B8EE}" type="datetimeFigureOut">
               <a:rPr lang="zh-CN" altLang="en-US" smtClean="0"/>
-              <a:t>2024/3/26</a:t>
+              <a:t>2024/3/28</a:t>
             </a:fld>
             <a:endParaRPr lang="zh-CN" altLang="en-US"/>
           </a:p>
@@ -2922,7 +7300,7 @@
           <a:p>
             <a:fld id="{DEDA17D1-6590-4570-9DF1-29A4B3C6B8EE}" type="datetimeFigureOut">
               <a:rPr lang="zh-CN" altLang="en-US" smtClean="0"/>
-              <a:t>2024/3/26</a:t>
+              <a:t>2024/3/28</a:t>
             </a:fld>
             <a:endParaRPr lang="zh-CN" altLang="en-US"/>
           </a:p>
@@ -3210,7 +7588,7 @@
           <a:p>
             <a:fld id="{DEDA17D1-6590-4570-9DF1-29A4B3C6B8EE}" type="datetimeFigureOut">
               <a:rPr lang="zh-CN" altLang="en-US" smtClean="0"/>
-              <a:t>2024/3/26</a:t>
+              <a:t>2024/3/28</a:t>
             </a:fld>
             <a:endParaRPr lang="zh-CN" altLang="en-US"/>
           </a:p>
@@ -3479,7 +7857,7 @@
           <a:p>
             <a:fld id="{DEDA17D1-6590-4570-9DF1-29A4B3C6B8EE}" type="datetimeFigureOut">
               <a:rPr lang="zh-CN" altLang="en-US" smtClean="0"/>
-              <a:t>2024/3/26</a:t>
+              <a:t>2024/3/28</a:t>
             </a:fld>
             <a:endParaRPr lang="zh-CN" altLang="en-US"/>
           </a:p>
@@ -3879,6 +8257,869 @@
 </p:sldMaster>
 </file>
 
+<file path=ppt/slideMasters/slideMaster2.xml><?xml version="1.0" encoding="utf-8"?>
+<p:sldMaster xmlns:a="http://schemas.openxmlformats.org/drawingml/2006/main" xmlns:r="http://schemas.openxmlformats.org/officeDocument/2006/relationships" xmlns:p="http://schemas.openxmlformats.org/presentationml/2006/main">
+  <p:cSld>
+    <p:bg>
+      <p:bgRef idx="1002">
+        <a:schemeClr val="bg2"/>
+      </p:bgRef>
+    </p:bg>
+    <p:spTree>
+      <p:nvGrpSpPr>
+        <p:cNvPr id="1" name=""/>
+        <p:cNvGrpSpPr/>
+        <p:nvPr/>
+      </p:nvGrpSpPr>
+      <p:grpSpPr>
+        <a:xfrm>
+          <a:off x="0" y="0"/>
+          <a:ext cx="0" cy="0"/>
+          <a:chOff x="0" y="0"/>
+          <a:chExt cx="0" cy="0"/>
+        </a:xfrm>
+      </p:grpSpPr>
+      <p:grpSp>
+        <p:nvGrpSpPr>
+          <p:cNvPr id="7" name="Group 6"/>
+          <p:cNvGrpSpPr/>
+          <p:nvPr/>
+        </p:nvGrpSpPr>
+        <p:grpSpPr>
+          <a:xfrm>
+            <a:off x="9206969" y="2963333"/>
+            <a:ext cx="2981858" cy="3208867"/>
+            <a:chOff x="9206969" y="2963333"/>
+            <a:chExt cx="2981858" cy="3208867"/>
+          </a:xfrm>
+        </p:grpSpPr>
+        <p:cxnSp>
+          <p:nvCxnSpPr>
+            <p:cNvPr id="8" name="Straight Connector 7"/>
+            <p:cNvCxnSpPr/>
+            <p:nvPr/>
+          </p:nvCxnSpPr>
+          <p:spPr>
+            <a:xfrm flipH="1">
+              <a:off x="11276012" y="2963333"/>
+              <a:ext cx="912814" cy="912812"/>
+            </a:xfrm>
+            <a:prstGeom prst="line">
+              <a:avLst/>
+            </a:prstGeom>
+            <a:ln w="9525">
+              <a:solidFill>
+                <a:schemeClr val="tx1"/>
+              </a:solidFill>
+            </a:ln>
+          </p:spPr>
+          <p:style>
+            <a:lnRef idx="2">
+              <a:schemeClr val="accent1"/>
+            </a:lnRef>
+            <a:fillRef idx="0">
+              <a:schemeClr val="accent1"/>
+            </a:fillRef>
+            <a:effectRef idx="1">
+              <a:schemeClr val="accent1"/>
+            </a:effectRef>
+            <a:fontRef idx="minor">
+              <a:schemeClr val="tx1"/>
+            </a:fontRef>
+          </p:style>
+        </p:cxnSp>
+        <p:cxnSp>
+          <p:nvCxnSpPr>
+            <p:cNvPr id="9" name="Straight Connector 8"/>
+            <p:cNvCxnSpPr/>
+            <p:nvPr/>
+          </p:nvCxnSpPr>
+          <p:spPr>
+            <a:xfrm flipH="1">
+              <a:off x="9206969" y="3190344"/>
+              <a:ext cx="2981857" cy="2981856"/>
+            </a:xfrm>
+            <a:prstGeom prst="line">
+              <a:avLst/>
+            </a:prstGeom>
+            <a:ln w="9525">
+              <a:solidFill>
+                <a:schemeClr val="tx1"/>
+              </a:solidFill>
+            </a:ln>
+          </p:spPr>
+          <p:style>
+            <a:lnRef idx="2">
+              <a:schemeClr val="accent1"/>
+            </a:lnRef>
+            <a:fillRef idx="0">
+              <a:schemeClr val="accent1"/>
+            </a:fillRef>
+            <a:effectRef idx="1">
+              <a:schemeClr val="accent1"/>
+            </a:effectRef>
+            <a:fontRef idx="minor">
+              <a:schemeClr val="tx1"/>
+            </a:fontRef>
+          </p:style>
+        </p:cxnSp>
+        <p:cxnSp>
+          <p:nvCxnSpPr>
+            <p:cNvPr id="10" name="Straight Connector 9"/>
+            <p:cNvCxnSpPr/>
+            <p:nvPr/>
+          </p:nvCxnSpPr>
+          <p:spPr>
+            <a:xfrm flipH="1">
+              <a:off x="10292292" y="3285067"/>
+              <a:ext cx="1896534" cy="1896533"/>
+            </a:xfrm>
+            <a:prstGeom prst="line">
+              <a:avLst/>
+            </a:prstGeom>
+            <a:ln w="9525">
+              <a:solidFill>
+                <a:schemeClr val="tx1"/>
+              </a:solidFill>
+            </a:ln>
+          </p:spPr>
+          <p:style>
+            <a:lnRef idx="2">
+              <a:schemeClr val="accent1"/>
+            </a:lnRef>
+            <a:fillRef idx="0">
+              <a:schemeClr val="accent1"/>
+            </a:fillRef>
+            <a:effectRef idx="1">
+              <a:schemeClr val="accent1"/>
+            </a:effectRef>
+            <a:fontRef idx="minor">
+              <a:schemeClr val="tx1"/>
+            </a:fontRef>
+          </p:style>
+        </p:cxnSp>
+        <p:cxnSp>
+          <p:nvCxnSpPr>
+            <p:cNvPr id="11" name="Straight Connector 10"/>
+            <p:cNvCxnSpPr/>
+            <p:nvPr/>
+          </p:nvCxnSpPr>
+          <p:spPr>
+            <a:xfrm flipH="1">
+              <a:off x="10443103" y="3131080"/>
+              <a:ext cx="1745722" cy="1745720"/>
+            </a:xfrm>
+            <a:prstGeom prst="line">
+              <a:avLst/>
+            </a:prstGeom>
+            <a:ln w="28575">
+              <a:solidFill>
+                <a:schemeClr val="tx1"/>
+              </a:solidFill>
+            </a:ln>
+          </p:spPr>
+          <p:style>
+            <a:lnRef idx="2">
+              <a:schemeClr val="accent1"/>
+            </a:lnRef>
+            <a:fillRef idx="0">
+              <a:schemeClr val="accent1"/>
+            </a:fillRef>
+            <a:effectRef idx="1">
+              <a:schemeClr val="accent1"/>
+            </a:effectRef>
+            <a:fontRef idx="minor">
+              <a:schemeClr val="tx1"/>
+            </a:fontRef>
+          </p:style>
+        </p:cxnSp>
+        <p:cxnSp>
+          <p:nvCxnSpPr>
+            <p:cNvPr id="12" name="Straight Connector 11"/>
+            <p:cNvCxnSpPr/>
+            <p:nvPr/>
+          </p:nvCxnSpPr>
+          <p:spPr>
+            <a:xfrm flipH="1">
+              <a:off x="10918826" y="3683001"/>
+              <a:ext cx="1270001" cy="1269999"/>
+            </a:xfrm>
+            <a:prstGeom prst="line">
+              <a:avLst/>
+            </a:prstGeom>
+            <a:ln w="28575">
+              <a:solidFill>
+                <a:schemeClr val="tx1"/>
+              </a:solidFill>
+            </a:ln>
+          </p:spPr>
+          <p:style>
+            <a:lnRef idx="2">
+              <a:schemeClr val="accent1"/>
+            </a:lnRef>
+            <a:fillRef idx="0">
+              <a:schemeClr val="accent1"/>
+            </a:fillRef>
+            <a:effectRef idx="1">
+              <a:schemeClr val="accent1"/>
+            </a:effectRef>
+            <a:fontRef idx="minor">
+              <a:schemeClr val="tx1"/>
+            </a:fontRef>
+          </p:style>
+        </p:cxnSp>
+      </p:grpSp>
+      <p:sp>
+        <p:nvSpPr>
+          <p:cNvPr id="2" name="Title Placeholder 1"/>
+          <p:cNvSpPr>
+            <a:spLocks noGrp="1"/>
+          </p:cNvSpPr>
+          <p:nvPr>
+            <p:ph type="title"/>
+          </p:nvPr>
+        </p:nvSpPr>
+        <p:spPr>
+          <a:xfrm>
+            <a:off x="684212" y="4487332"/>
+            <a:ext cx="8534400" cy="1507067"/>
+          </a:xfrm>
+          <a:prstGeom prst="rect">
+            <a:avLst/>
+          </a:prstGeom>
+          <a:effectLst/>
+        </p:spPr>
+        <p:txBody>
+          <a:bodyPr vert="horz" lIns="91440" tIns="45720" rIns="91440" bIns="45720" rtlCol="0" anchor="ctr">
+            <a:normAutofit/>
+          </a:bodyPr>
+          <a:lstStyle/>
+          <a:p>
+            <a:r>
+              <a:rPr lang="zh-CN" altLang="en-US"/>
+              <a:t>单击此处编辑母版标题样式</a:t>
+            </a:r>
+            <a:endParaRPr lang="en-US" dirty="0"/>
+          </a:p>
+        </p:txBody>
+      </p:sp>
+      <p:sp>
+        <p:nvSpPr>
+          <p:cNvPr id="3" name="Text Placeholder 2"/>
+          <p:cNvSpPr>
+            <a:spLocks noGrp="1"/>
+          </p:cNvSpPr>
+          <p:nvPr>
+            <p:ph type="body" idx="1"/>
+          </p:nvPr>
+        </p:nvSpPr>
+        <p:spPr>
+          <a:xfrm>
+            <a:off x="684212" y="685800"/>
+            <a:ext cx="8534400" cy="3615267"/>
+          </a:xfrm>
+          <a:prstGeom prst="rect">
+            <a:avLst/>
+          </a:prstGeom>
+        </p:spPr>
+        <p:txBody>
+          <a:bodyPr vert="horz" lIns="91440" tIns="45720" rIns="91440" bIns="45720" rtlCol="0" anchor="ctr">
+            <a:normAutofit/>
+          </a:bodyPr>
+          <a:lstStyle/>
+          <a:p>
+            <a:pPr lvl="0"/>
+            <a:r>
+              <a:rPr lang="zh-CN" altLang="en-US"/>
+              <a:t>单击此处编辑母版文本样式</a:t>
+            </a:r>
+          </a:p>
+          <a:p>
+            <a:pPr lvl="1"/>
+            <a:r>
+              <a:rPr lang="zh-CN" altLang="en-US"/>
+              <a:t>二级</a:t>
+            </a:r>
+          </a:p>
+          <a:p>
+            <a:pPr lvl="2"/>
+            <a:r>
+              <a:rPr lang="zh-CN" altLang="en-US"/>
+              <a:t>三级</a:t>
+            </a:r>
+          </a:p>
+          <a:p>
+            <a:pPr lvl="3"/>
+            <a:r>
+              <a:rPr lang="zh-CN" altLang="en-US"/>
+              <a:t>四级</a:t>
+            </a:r>
+          </a:p>
+          <a:p>
+            <a:pPr lvl="4"/>
+            <a:r>
+              <a:rPr lang="zh-CN" altLang="en-US"/>
+              <a:t>五级</a:t>
+            </a:r>
+            <a:endParaRPr lang="en-US" dirty="0"/>
+          </a:p>
+        </p:txBody>
+      </p:sp>
+      <p:sp>
+        <p:nvSpPr>
+          <p:cNvPr id="4" name="Date Placeholder 3"/>
+          <p:cNvSpPr>
+            <a:spLocks noGrp="1"/>
+          </p:cNvSpPr>
+          <p:nvPr>
+            <p:ph type="dt" sz="half" idx="2"/>
+          </p:nvPr>
+        </p:nvSpPr>
+        <p:spPr>
+          <a:xfrm>
+            <a:off x="9904412" y="6172200"/>
+            <a:ext cx="1600200" cy="365125"/>
+          </a:xfrm>
+          <a:prstGeom prst="rect">
+            <a:avLst/>
+          </a:prstGeom>
+        </p:spPr>
+        <p:txBody>
+          <a:bodyPr vert="horz" lIns="91440" tIns="45720" rIns="91440" bIns="45720" rtlCol="0" anchor="t"/>
+          <a:lstStyle>
+            <a:lvl1pPr algn="r">
+              <a:defRPr sz="1000" b="0" i="0">
+                <a:solidFill>
+                  <a:schemeClr val="bg2">
+                    <a:lumMod val="50000"/>
+                  </a:schemeClr>
+                </a:solidFill>
+                <a:effectLst/>
+                <a:latin typeface="+mn-lt"/>
+              </a:defRPr>
+            </a:lvl1pPr>
+          </a:lstStyle>
+          <a:p>
+            <a:fld id="{DEDA17D1-6590-4570-9DF1-29A4B3C6B8EE}" type="datetimeFigureOut">
+              <a:rPr lang="zh-CN" altLang="en-US" smtClean="0"/>
+              <a:t>2024/3/28</a:t>
+            </a:fld>
+            <a:endParaRPr lang="zh-CN" altLang="en-US"/>
+          </a:p>
+        </p:txBody>
+      </p:sp>
+      <p:sp>
+        <p:nvSpPr>
+          <p:cNvPr id="5" name="Footer Placeholder 4"/>
+          <p:cNvSpPr>
+            <a:spLocks noGrp="1"/>
+          </p:cNvSpPr>
+          <p:nvPr>
+            <p:ph type="ftr" sz="quarter" idx="3"/>
+          </p:nvPr>
+        </p:nvSpPr>
+        <p:spPr>
+          <a:xfrm>
+            <a:off x="684212" y="6172200"/>
+            <a:ext cx="7543800" cy="365125"/>
+          </a:xfrm>
+          <a:prstGeom prst="rect">
+            <a:avLst/>
+          </a:prstGeom>
+        </p:spPr>
+        <p:txBody>
+          <a:bodyPr vert="horz" lIns="91440" tIns="45720" rIns="91440" bIns="45720" rtlCol="0" anchor="t"/>
+          <a:lstStyle>
+            <a:lvl1pPr algn="l">
+              <a:defRPr sz="1000" b="0" i="0">
+                <a:solidFill>
+                  <a:schemeClr val="bg2">
+                    <a:lumMod val="50000"/>
+                  </a:schemeClr>
+                </a:solidFill>
+                <a:effectLst/>
+                <a:latin typeface="+mn-lt"/>
+              </a:defRPr>
+            </a:lvl1pPr>
+          </a:lstStyle>
+          <a:p>
+            <a:endParaRPr lang="zh-CN" altLang="en-US"/>
+          </a:p>
+        </p:txBody>
+      </p:sp>
+      <p:sp>
+        <p:nvSpPr>
+          <p:cNvPr id="6" name="Slide Number Placeholder 5"/>
+          <p:cNvSpPr>
+            <a:spLocks noGrp="1"/>
+          </p:cNvSpPr>
+          <p:nvPr>
+            <p:ph type="sldNum" sz="quarter" idx="4"/>
+          </p:nvPr>
+        </p:nvSpPr>
+        <p:spPr>
+          <a:xfrm>
+            <a:off x="10363200" y="5578475"/>
+            <a:ext cx="1142245" cy="669925"/>
+          </a:xfrm>
+          <a:prstGeom prst="rect">
+            <a:avLst/>
+          </a:prstGeom>
+        </p:spPr>
+        <p:txBody>
+          <a:bodyPr vert="horz" lIns="91440" tIns="45720" rIns="91440" bIns="45720" rtlCol="0" anchor="b"/>
+          <a:lstStyle>
+            <a:lvl1pPr algn="r">
+              <a:defRPr sz="3200" b="0" i="0">
+                <a:solidFill>
+                  <a:schemeClr val="bg2">
+                    <a:lumMod val="50000"/>
+                  </a:schemeClr>
+                </a:solidFill>
+                <a:effectLst/>
+                <a:latin typeface="+mn-lt"/>
+              </a:defRPr>
+            </a:lvl1pPr>
+          </a:lstStyle>
+          <a:p>
+            <a:fld id="{2ED1A831-4F8E-4053-B593-46016C4082BA}" type="slidenum">
+              <a:rPr lang="zh-CN" altLang="en-US" smtClean="0"/>
+              <a:t>‹#›</a:t>
+            </a:fld>
+            <a:endParaRPr lang="zh-CN" altLang="en-US"/>
+          </a:p>
+        </p:txBody>
+      </p:sp>
+    </p:spTree>
+    <p:extLst>
+      <p:ext uri="{BB962C8B-B14F-4D97-AF65-F5344CB8AC3E}">
+        <p14:creationId xmlns:p14="http://schemas.microsoft.com/office/powerpoint/2010/main" val="1597243507"/>
+      </p:ext>
+    </p:extLst>
+  </p:cSld>
+  <p:clrMap bg1="dk1" tx1="lt1" bg2="dk2" tx2="lt2" accent1="accent1" accent2="accent2" accent3="accent3" accent4="accent4" accent5="accent5" accent6="accent6" hlink="hlink" folHlink="folHlink"/>
+  <p:sldLayoutIdLst>
+    <p:sldLayoutId id="2147483702" r:id="rId1"/>
+    <p:sldLayoutId id="2147483703" r:id="rId2"/>
+    <p:sldLayoutId id="2147483704" r:id="rId3"/>
+    <p:sldLayoutId id="2147483705" r:id="rId4"/>
+    <p:sldLayoutId id="2147483706" r:id="rId5"/>
+    <p:sldLayoutId id="2147483707" r:id="rId6"/>
+    <p:sldLayoutId id="2147483708" r:id="rId7"/>
+    <p:sldLayoutId id="2147483709" r:id="rId8"/>
+    <p:sldLayoutId id="2147483710" r:id="rId9"/>
+    <p:sldLayoutId id="2147483711" r:id="rId10"/>
+    <p:sldLayoutId id="2147483712" r:id="rId11"/>
+    <p:sldLayoutId id="2147483713" r:id="rId12"/>
+    <p:sldLayoutId id="2147483714" r:id="rId13"/>
+    <p:sldLayoutId id="2147483715" r:id="rId14"/>
+    <p:sldLayoutId id="2147483716" r:id="rId15"/>
+    <p:sldLayoutId id="2147483717" r:id="rId16"/>
+    <p:sldLayoutId id="2147483718" r:id="rId17"/>
+  </p:sldLayoutIdLst>
+  <p:txStyles>
+    <p:titleStyle>
+      <a:lvl1pPr algn="l" defTabSz="457200" rtl="0" eaLnBrk="1" latinLnBrk="0" hangingPunct="1">
+        <a:spcBef>
+          <a:spcPct val="0"/>
+        </a:spcBef>
+        <a:buNone/>
+        <a:defRPr sz="3600" kern="1200" cap="all">
+          <a:ln w="3175" cmpd="sng">
+            <a:noFill/>
+          </a:ln>
+          <a:solidFill>
+            <a:schemeClr val="tx1"/>
+          </a:solidFill>
+          <a:effectLst/>
+          <a:latin typeface="+mj-lt"/>
+          <a:ea typeface="+mj-ea"/>
+          <a:cs typeface="+mj-cs"/>
+        </a:defRPr>
+      </a:lvl1pPr>
+      <a:lvl2pPr eaLnBrk="1" hangingPunct="1">
+        <a:defRPr>
+          <a:solidFill>
+            <a:schemeClr val="tx2"/>
+          </a:solidFill>
+        </a:defRPr>
+      </a:lvl2pPr>
+      <a:lvl3pPr eaLnBrk="1" hangingPunct="1">
+        <a:defRPr>
+          <a:solidFill>
+            <a:schemeClr val="tx2"/>
+          </a:solidFill>
+        </a:defRPr>
+      </a:lvl3pPr>
+      <a:lvl4pPr eaLnBrk="1" hangingPunct="1">
+        <a:defRPr>
+          <a:solidFill>
+            <a:schemeClr val="tx2"/>
+          </a:solidFill>
+        </a:defRPr>
+      </a:lvl4pPr>
+      <a:lvl5pPr eaLnBrk="1" hangingPunct="1">
+        <a:defRPr>
+          <a:solidFill>
+            <a:schemeClr val="tx2"/>
+          </a:solidFill>
+        </a:defRPr>
+      </a:lvl5pPr>
+      <a:lvl6pPr eaLnBrk="1" hangingPunct="1">
+        <a:defRPr>
+          <a:solidFill>
+            <a:schemeClr val="tx2"/>
+          </a:solidFill>
+        </a:defRPr>
+      </a:lvl6pPr>
+      <a:lvl7pPr eaLnBrk="1" hangingPunct="1">
+        <a:defRPr>
+          <a:solidFill>
+            <a:schemeClr val="tx2"/>
+          </a:solidFill>
+        </a:defRPr>
+      </a:lvl7pPr>
+      <a:lvl8pPr eaLnBrk="1" hangingPunct="1">
+        <a:defRPr>
+          <a:solidFill>
+            <a:schemeClr val="tx2"/>
+          </a:solidFill>
+        </a:defRPr>
+      </a:lvl8pPr>
+      <a:lvl9pPr eaLnBrk="1" hangingPunct="1">
+        <a:defRPr>
+          <a:solidFill>
+            <a:schemeClr val="tx2"/>
+          </a:solidFill>
+        </a:defRPr>
+      </a:lvl9pPr>
+    </p:titleStyle>
+    <p:bodyStyle>
+      <a:lvl1pPr marL="285750" indent="-285750" algn="l" defTabSz="457200" rtl="0" eaLnBrk="1" latinLnBrk="0" hangingPunct="1">
+        <a:spcBef>
+          <a:spcPct val="20000"/>
+        </a:spcBef>
+        <a:spcAft>
+          <a:spcPts val="600"/>
+        </a:spcAft>
+        <a:buClr>
+          <a:schemeClr val="tx1"/>
+        </a:buClr>
+        <a:buSzPct val="80000"/>
+        <a:buFont typeface="Wingdings 3" panose="05040102010807070707" pitchFamily="18" charset="2"/>
+        <a:buChar char=""/>
+        <a:defRPr sz="2000" kern="1200" cap="none">
+          <a:solidFill>
+            <a:schemeClr val="bg2">
+              <a:lumMod val="75000"/>
+            </a:schemeClr>
+          </a:solidFill>
+          <a:effectLst/>
+          <a:latin typeface="+mn-lt"/>
+          <a:ea typeface="+mn-ea"/>
+          <a:cs typeface="+mn-cs"/>
+        </a:defRPr>
+      </a:lvl1pPr>
+      <a:lvl2pPr marL="742950" indent="-285750" algn="l" defTabSz="457200" rtl="0" eaLnBrk="1" latinLnBrk="0" hangingPunct="1">
+        <a:spcBef>
+          <a:spcPct val="20000"/>
+        </a:spcBef>
+        <a:spcAft>
+          <a:spcPts val="600"/>
+        </a:spcAft>
+        <a:buClr>
+          <a:schemeClr val="tx1"/>
+        </a:buClr>
+        <a:buSzPct val="80000"/>
+        <a:buFont typeface="Wingdings 3" panose="05040102010807070707" pitchFamily="18" charset="2"/>
+        <a:buChar char=""/>
+        <a:defRPr sz="1800" kern="1200" cap="none">
+          <a:solidFill>
+            <a:schemeClr val="bg2">
+              <a:lumMod val="75000"/>
+            </a:schemeClr>
+          </a:solidFill>
+          <a:effectLst/>
+          <a:latin typeface="+mn-lt"/>
+          <a:ea typeface="+mn-ea"/>
+          <a:cs typeface="+mn-cs"/>
+        </a:defRPr>
+      </a:lvl2pPr>
+      <a:lvl3pPr marL="1200150" indent="-285750" algn="l" defTabSz="457200" rtl="0" eaLnBrk="1" latinLnBrk="0" hangingPunct="1">
+        <a:spcBef>
+          <a:spcPct val="20000"/>
+        </a:spcBef>
+        <a:spcAft>
+          <a:spcPts val="600"/>
+        </a:spcAft>
+        <a:buClr>
+          <a:schemeClr val="tx1"/>
+        </a:buClr>
+        <a:buSzPct val="80000"/>
+        <a:buFont typeface="Wingdings 3" panose="05040102010807070707" pitchFamily="18" charset="2"/>
+        <a:buChar char=""/>
+        <a:defRPr sz="1600" kern="1200" cap="none">
+          <a:solidFill>
+            <a:schemeClr val="bg2">
+              <a:lumMod val="75000"/>
+            </a:schemeClr>
+          </a:solidFill>
+          <a:effectLst/>
+          <a:latin typeface="+mn-lt"/>
+          <a:ea typeface="+mn-ea"/>
+          <a:cs typeface="+mn-cs"/>
+        </a:defRPr>
+      </a:lvl3pPr>
+      <a:lvl4pPr marL="1543050" indent="-171450" algn="l" defTabSz="457200" rtl="0" eaLnBrk="1" latinLnBrk="0" hangingPunct="1">
+        <a:spcBef>
+          <a:spcPct val="20000"/>
+        </a:spcBef>
+        <a:spcAft>
+          <a:spcPts val="600"/>
+        </a:spcAft>
+        <a:buClr>
+          <a:schemeClr val="tx1"/>
+        </a:buClr>
+        <a:buSzPct val="80000"/>
+        <a:buFont typeface="Wingdings 3" panose="05040102010807070707" pitchFamily="18" charset="2"/>
+        <a:buChar char=""/>
+        <a:defRPr sz="1400" kern="1200" cap="none">
+          <a:solidFill>
+            <a:schemeClr val="bg2">
+              <a:lumMod val="75000"/>
+            </a:schemeClr>
+          </a:solidFill>
+          <a:effectLst/>
+          <a:latin typeface="+mn-lt"/>
+          <a:ea typeface="+mn-ea"/>
+          <a:cs typeface="+mn-cs"/>
+        </a:defRPr>
+      </a:lvl4pPr>
+      <a:lvl5pPr marL="2000250" indent="-171450" algn="l" defTabSz="457200" rtl="0" eaLnBrk="1" latinLnBrk="0" hangingPunct="1">
+        <a:spcBef>
+          <a:spcPct val="20000"/>
+        </a:spcBef>
+        <a:spcAft>
+          <a:spcPts val="600"/>
+        </a:spcAft>
+        <a:buClr>
+          <a:schemeClr val="tx1"/>
+        </a:buClr>
+        <a:buSzPct val="80000"/>
+        <a:buFont typeface="Wingdings 3" panose="05040102010807070707" pitchFamily="18" charset="2"/>
+        <a:buChar char=""/>
+        <a:defRPr sz="1400" kern="1200" cap="none">
+          <a:solidFill>
+            <a:schemeClr val="bg2">
+              <a:lumMod val="75000"/>
+            </a:schemeClr>
+          </a:solidFill>
+          <a:effectLst/>
+          <a:latin typeface="+mn-lt"/>
+          <a:ea typeface="+mn-ea"/>
+          <a:cs typeface="+mn-cs"/>
+        </a:defRPr>
+      </a:lvl5pPr>
+      <a:lvl6pPr marL="2514600" indent="-228600" algn="l" defTabSz="457200" rtl="0" eaLnBrk="1" latinLnBrk="0" hangingPunct="1">
+        <a:spcBef>
+          <a:spcPct val="20000"/>
+        </a:spcBef>
+        <a:spcAft>
+          <a:spcPts val="600"/>
+        </a:spcAft>
+        <a:buClr>
+          <a:schemeClr val="tx1"/>
+        </a:buClr>
+        <a:buSzPct val="80000"/>
+        <a:buFont typeface="Wingdings 3" panose="05040102010807070707" pitchFamily="18" charset="2"/>
+        <a:buChar char=""/>
+        <a:defRPr sz="1400" kern="1200" cap="none">
+          <a:solidFill>
+            <a:schemeClr val="bg2">
+              <a:lumMod val="75000"/>
+            </a:schemeClr>
+          </a:solidFill>
+          <a:effectLst/>
+          <a:latin typeface="+mn-lt"/>
+          <a:ea typeface="+mn-ea"/>
+          <a:cs typeface="+mn-cs"/>
+        </a:defRPr>
+      </a:lvl6pPr>
+      <a:lvl7pPr marL="2971800" indent="-228600" algn="l" defTabSz="457200" rtl="0" eaLnBrk="1" latinLnBrk="0" hangingPunct="1">
+        <a:spcBef>
+          <a:spcPct val="20000"/>
+        </a:spcBef>
+        <a:spcAft>
+          <a:spcPts val="600"/>
+        </a:spcAft>
+        <a:buClr>
+          <a:schemeClr val="tx1"/>
+        </a:buClr>
+        <a:buSzPct val="80000"/>
+        <a:buFont typeface="Wingdings 3" panose="05040102010807070707" pitchFamily="18" charset="2"/>
+        <a:buChar char=""/>
+        <a:defRPr sz="1400" kern="1200" cap="none">
+          <a:solidFill>
+            <a:schemeClr val="bg2">
+              <a:lumMod val="75000"/>
+            </a:schemeClr>
+          </a:solidFill>
+          <a:effectLst/>
+          <a:latin typeface="+mn-lt"/>
+          <a:ea typeface="+mn-ea"/>
+          <a:cs typeface="+mn-cs"/>
+        </a:defRPr>
+      </a:lvl7pPr>
+      <a:lvl8pPr marL="3429000" indent="-228600" algn="l" defTabSz="457200" rtl="0" eaLnBrk="1" latinLnBrk="0" hangingPunct="1">
+        <a:spcBef>
+          <a:spcPct val="20000"/>
+        </a:spcBef>
+        <a:spcAft>
+          <a:spcPts val="600"/>
+        </a:spcAft>
+        <a:buClr>
+          <a:schemeClr val="tx1"/>
+        </a:buClr>
+        <a:buSzPct val="80000"/>
+        <a:buFont typeface="Wingdings 3" panose="05040102010807070707" pitchFamily="18" charset="2"/>
+        <a:buChar char=""/>
+        <a:defRPr sz="1400" kern="1200" cap="none">
+          <a:solidFill>
+            <a:schemeClr val="bg2">
+              <a:lumMod val="75000"/>
+            </a:schemeClr>
+          </a:solidFill>
+          <a:effectLst/>
+          <a:latin typeface="+mn-lt"/>
+          <a:ea typeface="+mn-ea"/>
+          <a:cs typeface="+mn-cs"/>
+        </a:defRPr>
+      </a:lvl8pPr>
+      <a:lvl9pPr marL="3886200" indent="-228600" algn="l" defTabSz="457200" rtl="0" eaLnBrk="1" latinLnBrk="0" hangingPunct="1">
+        <a:spcBef>
+          <a:spcPct val="20000"/>
+        </a:spcBef>
+        <a:spcAft>
+          <a:spcPts val="600"/>
+        </a:spcAft>
+        <a:buClr>
+          <a:schemeClr val="tx1"/>
+        </a:buClr>
+        <a:buSzPct val="80000"/>
+        <a:buFont typeface="Wingdings 3" panose="05040102010807070707" pitchFamily="18" charset="2"/>
+        <a:buChar char=""/>
+        <a:defRPr sz="1400" kern="1200" cap="none">
+          <a:solidFill>
+            <a:schemeClr val="bg2">
+              <a:lumMod val="75000"/>
+            </a:schemeClr>
+          </a:solidFill>
+          <a:effectLst/>
+          <a:latin typeface="+mn-lt"/>
+          <a:ea typeface="+mn-ea"/>
+          <a:cs typeface="+mn-cs"/>
+        </a:defRPr>
+      </a:lvl9pPr>
+    </p:bodyStyle>
+    <p:otherStyle>
+      <a:defPPr>
+        <a:defRPr lang="en-US"/>
+      </a:defPPr>
+      <a:lvl1pPr marL="0" algn="l" defTabSz="457200" rtl="0" eaLnBrk="1" latinLnBrk="0" hangingPunct="1">
+        <a:defRPr sz="1800" kern="1200">
+          <a:solidFill>
+            <a:schemeClr val="tx1"/>
+          </a:solidFill>
+          <a:latin typeface="+mn-lt"/>
+          <a:ea typeface="+mn-ea"/>
+          <a:cs typeface="+mn-cs"/>
+        </a:defRPr>
+      </a:lvl1pPr>
+      <a:lvl2pPr marL="457200" algn="l" defTabSz="457200" rtl="0" eaLnBrk="1" latinLnBrk="0" hangingPunct="1">
+        <a:defRPr sz="1800" kern="1200">
+          <a:solidFill>
+            <a:schemeClr val="tx1"/>
+          </a:solidFill>
+          <a:latin typeface="+mn-lt"/>
+          <a:ea typeface="+mn-ea"/>
+          <a:cs typeface="+mn-cs"/>
+        </a:defRPr>
+      </a:lvl2pPr>
+      <a:lvl3pPr marL="914400" algn="l" defTabSz="457200" rtl="0" eaLnBrk="1" latinLnBrk="0" hangingPunct="1">
+        <a:defRPr sz="1800" kern="1200">
+          <a:solidFill>
+            <a:schemeClr val="tx1"/>
+          </a:solidFill>
+          <a:latin typeface="+mn-lt"/>
+          <a:ea typeface="+mn-ea"/>
+          <a:cs typeface="+mn-cs"/>
+        </a:defRPr>
+      </a:lvl3pPr>
+      <a:lvl4pPr marL="1371600" algn="l" defTabSz="457200" rtl="0" eaLnBrk="1" latinLnBrk="0" hangingPunct="1">
+        <a:defRPr sz="1800" kern="1200">
+          <a:solidFill>
+            <a:schemeClr val="tx1"/>
+          </a:solidFill>
+          <a:latin typeface="+mn-lt"/>
+          <a:ea typeface="+mn-ea"/>
+          <a:cs typeface="+mn-cs"/>
+        </a:defRPr>
+      </a:lvl4pPr>
+      <a:lvl5pPr marL="1828800" algn="l" defTabSz="457200" rtl="0" eaLnBrk="1" latinLnBrk="0" hangingPunct="1">
+        <a:defRPr sz="1800" kern="1200">
+          <a:solidFill>
+            <a:schemeClr val="tx1"/>
+          </a:solidFill>
+          <a:latin typeface="+mn-lt"/>
+          <a:ea typeface="+mn-ea"/>
+          <a:cs typeface="+mn-cs"/>
+        </a:defRPr>
+      </a:lvl5pPr>
+      <a:lvl6pPr marL="2286000" algn="l" defTabSz="457200" rtl="0" eaLnBrk="1" latinLnBrk="0" hangingPunct="1">
+        <a:defRPr sz="1800" kern="1200">
+          <a:solidFill>
+            <a:schemeClr val="tx1"/>
+          </a:solidFill>
+          <a:latin typeface="+mn-lt"/>
+          <a:ea typeface="+mn-ea"/>
+          <a:cs typeface="+mn-cs"/>
+        </a:defRPr>
+      </a:lvl6pPr>
+      <a:lvl7pPr marL="2743200" algn="l" defTabSz="457200" rtl="0" eaLnBrk="1" latinLnBrk="0" hangingPunct="1">
+        <a:defRPr sz="1800" kern="1200">
+          <a:solidFill>
+            <a:schemeClr val="tx1"/>
+          </a:solidFill>
+          <a:latin typeface="+mn-lt"/>
+          <a:ea typeface="+mn-ea"/>
+          <a:cs typeface="+mn-cs"/>
+        </a:defRPr>
+      </a:lvl7pPr>
+      <a:lvl8pPr marL="3200400" algn="l" defTabSz="457200" rtl="0" eaLnBrk="1" latinLnBrk="0" hangingPunct="1">
+        <a:defRPr sz="1800" kern="1200">
+          <a:solidFill>
+            <a:schemeClr val="tx1"/>
+          </a:solidFill>
+          <a:latin typeface="+mn-lt"/>
+          <a:ea typeface="+mn-ea"/>
+          <a:cs typeface="+mn-cs"/>
+        </a:defRPr>
+      </a:lvl8pPr>
+      <a:lvl9pPr marL="3657600" algn="l" defTabSz="457200" rtl="0" eaLnBrk="1" latinLnBrk="0" hangingPunct="1">
+        <a:defRPr sz="1800" kern="1200">
+          <a:solidFill>
+            <a:schemeClr val="tx1"/>
+          </a:solidFill>
+          <a:latin typeface="+mn-lt"/>
+          <a:ea typeface="+mn-ea"/>
+          <a:cs typeface="+mn-cs"/>
+        </a:defRPr>
+      </a:lvl9pPr>
+    </p:otherStyle>
+  </p:txStyles>
+</p:sldMaster>
+</file>
+
 <file path=ppt/slides/slide1.xml><?xml version="1.0" encoding="utf-8"?>
 <p:sld xmlns:a="http://schemas.openxmlformats.org/drawingml/2006/main" xmlns:r="http://schemas.openxmlformats.org/officeDocument/2006/relationships" xmlns:p="http://schemas.openxmlformats.org/presentationml/2006/main">
   <p:cSld>
@@ -5524,136 +10765,284 @@
       </p:grpSpPr>
       <p:sp>
         <p:nvSpPr>
-          <p:cNvPr id="5" name="标题 4">
+          <p:cNvPr id="2" name="文本框 1">
             <a:extLst>
               <a:ext uri="{FF2B5EF4-FFF2-40B4-BE49-F238E27FC236}">
-                <a16:creationId xmlns:a16="http://schemas.microsoft.com/office/drawing/2014/main" id="{C85F24E0-9F02-DB2E-4775-FC3617B1918E}"/>
+                <a16:creationId xmlns:a16="http://schemas.microsoft.com/office/drawing/2014/main" id="{49E07712-3577-CFF5-DD48-52901ECD42FD}"/>
               </a:ext>
             </a:extLst>
           </p:cNvPr>
-          <p:cNvSpPr>
-            <a:spLocks noGrp="1"/>
-          </p:cNvSpPr>
-          <p:nvPr>
-            <p:ph type="title"/>
-          </p:nvPr>
+          <p:cNvSpPr txBox="1"/>
+          <p:nvPr/>
         </p:nvSpPr>
         <p:spPr>
           <a:xfrm>
-            <a:off x="0" y="5555"/>
-            <a:ext cx="10515600" cy="1325563"/>
+            <a:off x="720763" y="613186"/>
+            <a:ext cx="2262158" cy="369332"/>
           </a:xfrm>
+          <a:prstGeom prst="rect">
+            <a:avLst/>
+          </a:prstGeom>
+          <a:noFill/>
         </p:spPr>
         <p:txBody>
-          <a:bodyPr/>
-          <a:lstStyle/>
-          <a:p>
-            <a:endParaRPr lang="zh-CN" altLang="en-US" dirty="0"/>
-          </a:p>
-        </p:txBody>
-      </p:sp>
-      <p:sp>
-        <p:nvSpPr>
-          <p:cNvPr id="6" name="文本占位符 5">
+          <a:bodyPr wrap="none" rtlCol="0">
+            <a:spAutoFit/>
+          </a:bodyPr>
+          <a:lstStyle/>
+          <a:p>
+            <a:r>
+              <a:rPr lang="zh-CN" altLang="en-US" dirty="0"/>
+              <a:t>图片填充和图片图形</a:t>
+            </a:r>
+          </a:p>
+        </p:txBody>
+      </p:sp>
+      <p:pic>
+        <p:nvPicPr>
+          <p:cNvPr id="4" name="图片 3">
             <a:extLst>
               <a:ext uri="{FF2B5EF4-FFF2-40B4-BE49-F238E27FC236}">
-                <a16:creationId xmlns:a16="http://schemas.microsoft.com/office/drawing/2014/main" id="{B8CA01B8-EE1C-34AC-3B60-85362F6981E7}"/>
+                <a16:creationId xmlns:a16="http://schemas.microsoft.com/office/drawing/2014/main" id="{A7F59D0F-260F-5396-F62F-9F30CF7A366D}"/>
               </a:ext>
             </a:extLst>
           </p:cNvPr>
-          <p:cNvSpPr>
-            <a:spLocks noGrp="1"/>
-          </p:cNvSpPr>
-          <p:nvPr>
-            <p:ph type="body" idx="1"/>
-          </p:nvPr>
-        </p:nvSpPr>
-        <p:spPr/>
-        <p:txBody>
-          <a:bodyPr/>
-          <a:lstStyle/>
-          <a:p>
-            <a:endParaRPr lang="zh-CN" altLang="en-US"/>
-          </a:p>
-        </p:txBody>
-      </p:sp>
-      <p:sp>
-        <p:nvSpPr>
-          <p:cNvPr id="7" name="内容占位符 6">
+          <p:cNvPicPr>
+            <a:picLocks noChangeAspect="1"/>
+          </p:cNvPicPr>
+          <p:nvPr/>
+        </p:nvPicPr>
+        <p:blipFill>
+          <a:blip r:embed="rId2">
+            <a:extLst>
+              <a:ext uri="{28A0092B-C50C-407E-A947-70E740481C1C}">
+                <a14:useLocalDpi xmlns:a14="http://schemas.microsoft.com/office/drawing/2010/main" val="0"/>
+              </a:ext>
+            </a:extLst>
+          </a:blip>
+          <a:stretch>
+            <a:fillRect/>
+          </a:stretch>
+        </p:blipFill>
+        <p:spPr>
+          <a:xfrm>
+            <a:off x="720763" y="1174140"/>
+            <a:ext cx="3515981" cy="995333"/>
+          </a:xfrm>
+          <a:prstGeom prst="rect">
+            <a:avLst/>
+          </a:prstGeom>
+        </p:spPr>
+      </p:pic>
+      <p:sp>
+        <p:nvSpPr>
+          <p:cNvPr id="10" name="矩形 9">
             <a:extLst>
               <a:ext uri="{FF2B5EF4-FFF2-40B4-BE49-F238E27FC236}">
-                <a16:creationId xmlns:a16="http://schemas.microsoft.com/office/drawing/2014/main" id="{76193888-AD25-3DDB-38D3-243C1DBFBE64}"/>
+                <a16:creationId xmlns:a16="http://schemas.microsoft.com/office/drawing/2014/main" id="{0FC37B62-64FF-3C6D-A7AE-4D08F536FC34}"/>
               </a:ext>
             </a:extLst>
           </p:cNvPr>
-          <p:cNvSpPr>
-            <a:spLocks noGrp="1"/>
-          </p:cNvSpPr>
-          <p:nvPr>
-            <p:ph sz="half" idx="2"/>
-          </p:nvPr>
-        </p:nvSpPr>
-        <p:spPr/>
-        <p:txBody>
-          <a:bodyPr/>
-          <a:lstStyle/>
-          <a:p>
-            <a:endParaRPr lang="zh-CN" altLang="en-US" dirty="0"/>
-          </a:p>
-        </p:txBody>
-      </p:sp>
-      <p:sp>
-        <p:nvSpPr>
-          <p:cNvPr id="8" name="文本占位符 7">
+          <p:cNvSpPr/>
+          <p:nvPr/>
+        </p:nvSpPr>
+        <p:spPr>
+          <a:xfrm>
+            <a:off x="720763" y="2732442"/>
+            <a:ext cx="3515981" cy="995333"/>
+          </a:xfrm>
+          <a:prstGeom prst="rect">
+            <a:avLst/>
+          </a:prstGeom>
+          <a:blipFill>
+            <a:blip r:embed="rId2"/>
+            <a:stretch>
+              <a:fillRect/>
+            </a:stretch>
+          </a:blipFill>
+        </p:spPr>
+        <p:style>
+          <a:lnRef idx="2">
+            <a:schemeClr val="accent1">
+              <a:shade val="15000"/>
+            </a:schemeClr>
+          </a:lnRef>
+          <a:fillRef idx="1">
+            <a:schemeClr val="accent1"/>
+          </a:fillRef>
+          <a:effectRef idx="0">
+            <a:schemeClr val="accent1"/>
+          </a:effectRef>
+          <a:fontRef idx="minor">
+            <a:schemeClr val="lt1"/>
+          </a:fontRef>
+        </p:style>
+        <p:txBody>
+          <a:bodyPr rtlCol="0" anchor="ctr"/>
+          <a:lstStyle/>
+          <a:p>
+            <a:pPr algn="ctr"/>
+            <a:endParaRPr lang="zh-CN" altLang="en-US"/>
+          </a:p>
+        </p:txBody>
+      </p:sp>
+      <p:sp>
+        <p:nvSpPr>
+          <p:cNvPr id="11" name="等腰三角形 10">
             <a:extLst>
               <a:ext uri="{FF2B5EF4-FFF2-40B4-BE49-F238E27FC236}">
-                <a16:creationId xmlns:a16="http://schemas.microsoft.com/office/drawing/2014/main" id="{092B3BD2-66AA-2E22-4AFC-7E6B923D5CF8}"/>
+                <a16:creationId xmlns:a16="http://schemas.microsoft.com/office/drawing/2014/main" id="{D738540C-2ABF-8747-E7CE-91D219D97829}"/>
               </a:ext>
             </a:extLst>
           </p:cNvPr>
-          <p:cNvSpPr>
-            <a:spLocks noGrp="1"/>
-          </p:cNvSpPr>
-          <p:nvPr>
-            <p:ph type="body" sz="quarter" idx="3"/>
-          </p:nvPr>
-        </p:nvSpPr>
-        <p:spPr/>
-        <p:txBody>
-          <a:bodyPr/>
-          <a:lstStyle/>
-          <a:p>
-            <a:endParaRPr lang="zh-CN" altLang="en-US" dirty="0"/>
-          </a:p>
-        </p:txBody>
-      </p:sp>
-      <p:sp>
-        <p:nvSpPr>
-          <p:cNvPr id="9" name="内容占位符 8">
+          <p:cNvSpPr/>
+          <p:nvPr/>
+        </p:nvSpPr>
+        <p:spPr>
+          <a:xfrm rot="2651426">
+            <a:off x="1226373" y="4202884"/>
+            <a:ext cx="2548674" cy="1794755"/>
+          </a:xfrm>
+          <a:prstGeom prst="triangle">
+            <a:avLst/>
+          </a:prstGeom>
+          <a:blipFill dpi="0" rotWithShape="0">
+            <a:blip r:embed="rId2"/>
+            <a:srcRect/>
+            <a:stretch>
+              <a:fillRect/>
+            </a:stretch>
+          </a:blipFill>
+        </p:spPr>
+        <p:style>
+          <a:lnRef idx="2">
+            <a:schemeClr val="accent1">
+              <a:shade val="15000"/>
+            </a:schemeClr>
+          </a:lnRef>
+          <a:fillRef idx="1">
+            <a:schemeClr val="accent1"/>
+          </a:fillRef>
+          <a:effectRef idx="0">
+            <a:schemeClr val="accent1"/>
+          </a:effectRef>
+          <a:fontRef idx="minor">
+            <a:schemeClr val="lt1"/>
+          </a:fontRef>
+        </p:style>
+        <p:txBody>
+          <a:bodyPr rtlCol="0" anchor="ctr"/>
+          <a:lstStyle/>
+          <a:p>
+            <a:pPr algn="ctr"/>
+            <a:endParaRPr lang="zh-CN" altLang="en-US"/>
+          </a:p>
+        </p:txBody>
+      </p:sp>
+      <p:sp>
+        <p:nvSpPr>
+          <p:cNvPr id="12" name="椭圆 11">
             <a:extLst>
               <a:ext uri="{FF2B5EF4-FFF2-40B4-BE49-F238E27FC236}">
-                <a16:creationId xmlns:a16="http://schemas.microsoft.com/office/drawing/2014/main" id="{CB3466E4-31BA-B552-A761-04257785AA2C}"/>
+                <a16:creationId xmlns:a16="http://schemas.microsoft.com/office/drawing/2014/main" id="{A010B127-6BBD-7DF2-C97F-0688351A0EA3}"/>
               </a:ext>
             </a:extLst>
           </p:cNvPr>
-          <p:cNvSpPr>
-            <a:spLocks noGrp="1"/>
-          </p:cNvSpPr>
-          <p:nvPr>
-            <p:ph sz="quarter" idx="4"/>
-          </p:nvPr>
+          <p:cNvSpPr/>
+          <p:nvPr/>
         </p:nvSpPr>
         <p:spPr>
           <a:xfrm>
-            <a:off x="7008812" y="3167857"/>
-            <a:ext cx="5183188" cy="3684588"/>
+            <a:off x="6096000" y="4733366"/>
+            <a:ext cx="2818504" cy="1183341"/>
           </a:xfrm>
+          <a:prstGeom prst="ellipse">
+            <a:avLst/>
+          </a:prstGeom>
+          <a:blipFill>
+            <a:blip r:embed="rId2"/>
+            <a:stretch>
+              <a:fillRect/>
+            </a:stretch>
+          </a:blipFill>
         </p:spPr>
-        <p:txBody>
-          <a:bodyPr/>
-          <a:lstStyle/>
-          <a:p>
-            <a:endParaRPr lang="zh-CN" altLang="en-US" dirty="0"/>
+        <p:style>
+          <a:lnRef idx="2">
+            <a:schemeClr val="accent1">
+              <a:shade val="15000"/>
+            </a:schemeClr>
+          </a:lnRef>
+          <a:fillRef idx="1">
+            <a:schemeClr val="accent1"/>
+          </a:fillRef>
+          <a:effectRef idx="0">
+            <a:schemeClr val="accent1"/>
+          </a:effectRef>
+          <a:fontRef idx="minor">
+            <a:schemeClr val="lt1"/>
+          </a:fontRef>
+        </p:style>
+        <p:txBody>
+          <a:bodyPr rtlCol="0" anchor="ctr"/>
+          <a:lstStyle/>
+          <a:p>
+            <a:pPr algn="ctr"/>
+            <a:endParaRPr lang="zh-CN" altLang="en-US"/>
+          </a:p>
+        </p:txBody>
+      </p:sp>
+      <p:sp>
+        <p:nvSpPr>
+          <p:cNvPr id="13" name="矩形 12">
+            <a:extLst>
+              <a:ext uri="{FF2B5EF4-FFF2-40B4-BE49-F238E27FC236}">
+                <a16:creationId xmlns:a16="http://schemas.microsoft.com/office/drawing/2014/main" id="{92CD6F6A-9208-72AE-B429-10D8F1F89096}"/>
+              </a:ext>
+            </a:extLst>
+          </p:cNvPr>
+          <p:cNvSpPr/>
+          <p:nvPr/>
+        </p:nvSpPr>
+        <p:spPr>
+          <a:xfrm>
+            <a:off x="5896985" y="2732441"/>
+            <a:ext cx="3515981" cy="995333"/>
+          </a:xfrm>
+          <a:prstGeom prst="rect">
+            <a:avLst/>
+          </a:prstGeom>
+          <a:blipFill dpi="0" rotWithShape="1">
+            <a:blip r:embed="rId2">
+              <a:alphaModFix amt="37000"/>
+            </a:blip>
+            <a:srcRect/>
+            <a:stretch>
+              <a:fillRect l="20000" t="40000" r="30000" b="50000"/>
+            </a:stretch>
+          </a:blipFill>
+        </p:spPr>
+        <p:style>
+          <a:lnRef idx="2">
+            <a:schemeClr val="accent1">
+              <a:shade val="15000"/>
+            </a:schemeClr>
+          </a:lnRef>
+          <a:fillRef idx="1">
+            <a:schemeClr val="accent1"/>
+          </a:fillRef>
+          <a:effectRef idx="0">
+            <a:schemeClr val="accent1"/>
+          </a:effectRef>
+          <a:fontRef idx="minor">
+            <a:schemeClr val="lt1"/>
+          </a:fontRef>
+        </p:style>
+        <p:txBody>
+          <a:bodyPr rtlCol="0" anchor="ctr"/>
+          <a:lstStyle/>
+          <a:p>
+            <a:pPr algn="ctr"/>
+            <a:endParaRPr lang="zh-CN" altLang="en-US"/>
           </a:p>
         </p:txBody>
       </p:sp>
@@ -6646,6 +12035,675 @@
   <p:clrMapOvr>
     <a:masterClrMapping/>
   </p:clrMapOvr>
+</p:sld>
+</file>
+
+<file path=ppt/slides/slide6.xml><?xml version="1.0" encoding="utf-8"?>
+<p:sld xmlns:a="http://schemas.openxmlformats.org/drawingml/2006/main" xmlns:r="http://schemas.openxmlformats.org/officeDocument/2006/relationships" xmlns:p="http://schemas.openxmlformats.org/presentationml/2006/main">
+  <p:cSld>
+    <p:spTree>
+      <p:nvGrpSpPr>
+        <p:cNvPr id="1" name=""/>
+        <p:cNvGrpSpPr/>
+        <p:nvPr/>
+      </p:nvGrpSpPr>
+      <p:grpSpPr>
+        <a:xfrm>
+          <a:off x="0" y="0"/>
+          <a:ext cx="0" cy="0"/>
+          <a:chOff x="0" y="0"/>
+          <a:chExt cx="0" cy="0"/>
+        </a:xfrm>
+      </p:grpSpPr>
+      <p:sp>
+        <p:nvSpPr>
+          <p:cNvPr id="7" name="文本框 6">
+            <a:extLst>
+              <a:ext uri="{FF2B5EF4-FFF2-40B4-BE49-F238E27FC236}">
+                <a16:creationId xmlns:a16="http://schemas.microsoft.com/office/drawing/2014/main" id="{6F9B20E7-2C8C-3B01-F61B-856D7C4AAA3C}"/>
+              </a:ext>
+            </a:extLst>
+          </p:cNvPr>
+          <p:cNvSpPr txBox="1"/>
+          <p:nvPr/>
+        </p:nvSpPr>
+        <p:spPr>
+          <a:xfrm>
+            <a:off x="763398" y="872455"/>
+            <a:ext cx="1800493" cy="369332"/>
+          </a:xfrm>
+          <a:prstGeom prst="rect">
+            <a:avLst/>
+          </a:prstGeom>
+          <a:noFill/>
+        </p:spPr>
+        <p:txBody>
+          <a:bodyPr wrap="none" rtlCol="0">
+            <a:spAutoFit/>
+          </a:bodyPr>
+          <a:lstStyle/>
+          <a:p>
+            <a:r>
+              <a:rPr lang="zh-CN" altLang="en-US" dirty="0"/>
+              <a:t>各类型媒体文件</a:t>
+            </a:r>
+          </a:p>
+        </p:txBody>
+      </p:sp>
+      <p:pic>
+        <p:nvPicPr>
+          <p:cNvPr id="12" name="图片 11">
+            <a:extLst>
+              <a:ext uri="{FF2B5EF4-FFF2-40B4-BE49-F238E27FC236}">
+                <a16:creationId xmlns:a16="http://schemas.microsoft.com/office/drawing/2014/main" id="{E630BD46-8391-6FD8-DF6C-7A2C9855D818}"/>
+              </a:ext>
+            </a:extLst>
+          </p:cNvPr>
+          <p:cNvPicPr>
+            <a:picLocks noChangeAspect="1"/>
+          </p:cNvPicPr>
+          <p:nvPr/>
+        </p:nvPicPr>
+        <p:blipFill>
+          <a:blip r:embed="rId6">
+            <a:extLst>
+              <a:ext uri="{28A0092B-C50C-407E-A947-70E740481C1C}">
+                <a14:useLocalDpi xmlns:a14="http://schemas.microsoft.com/office/drawing/2010/main" val="0"/>
+              </a:ext>
+            </a:extLst>
+          </a:blip>
+          <a:stretch>
+            <a:fillRect/>
+          </a:stretch>
+        </p:blipFill>
+        <p:spPr>
+          <a:xfrm>
+            <a:off x="627234" y="1992604"/>
+            <a:ext cx="2072820" cy="586791"/>
+          </a:xfrm>
+          <a:prstGeom prst="rect">
+            <a:avLst/>
+          </a:prstGeom>
+        </p:spPr>
+      </p:pic>
+      <p:pic>
+        <p:nvPicPr>
+          <p:cNvPr id="13" name="video">
+            <a:hlinkClick r:id="" action="ppaction://media"/>
+            <a:extLst>
+              <a:ext uri="{FF2B5EF4-FFF2-40B4-BE49-F238E27FC236}">
+                <a16:creationId xmlns:a16="http://schemas.microsoft.com/office/drawing/2014/main" id="{D9B2ACFE-B388-B467-C326-B944717B7DEA}"/>
+              </a:ext>
+            </a:extLst>
+          </p:cNvPr>
+          <p:cNvPicPr>
+            <a:picLocks noChangeAspect="1"/>
+          </p:cNvPicPr>
+          <p:nvPr>
+            <a:videoFile r:link="rId2"/>
+            <p:extLst>
+              <p:ext uri="{DAA4B4D4-6D71-4841-9C94-3DE7FCFB9230}">
+                <p14:media xmlns:p14="http://schemas.microsoft.com/office/powerpoint/2010/main" r:embed="rId1"/>
+              </p:ext>
+            </p:extLst>
+          </p:nvPr>
+        </p:nvPicPr>
+        <p:blipFill>
+          <a:blip r:embed="rId7"/>
+          <a:stretch>
+            <a:fillRect/>
+          </a:stretch>
+        </p:blipFill>
+        <p:spPr>
+          <a:xfrm>
+            <a:off x="627234" y="2891118"/>
+            <a:ext cx="2893149" cy="3857532"/>
+          </a:xfrm>
+          <a:prstGeom prst="rect">
+            <a:avLst/>
+          </a:prstGeom>
+        </p:spPr>
+      </p:pic>
+      <p:pic>
+        <p:nvPicPr>
+          <p:cNvPr id="14" name="mp3">
+            <a:hlinkClick r:id="" action="ppaction://media"/>
+            <a:extLst>
+              <a:ext uri="{FF2B5EF4-FFF2-40B4-BE49-F238E27FC236}">
+                <a16:creationId xmlns:a16="http://schemas.microsoft.com/office/drawing/2014/main" id="{C62ABC7C-0E8B-CC45-964C-F788ECAD24A4}"/>
+              </a:ext>
+            </a:extLst>
+          </p:cNvPr>
+          <p:cNvPicPr>
+            <a:picLocks noChangeAspect="1"/>
+          </p:cNvPicPr>
+          <p:nvPr>
+            <a:audioFile r:link="rId4"/>
+            <p:extLst>
+              <p:ext uri="{DAA4B4D4-6D71-4841-9C94-3DE7FCFB9230}">
+                <p14:media xmlns:p14="http://schemas.microsoft.com/office/powerpoint/2010/main" r:embed="rId3"/>
+              </p:ext>
+            </p:extLst>
+          </p:nvPr>
+        </p:nvPicPr>
+        <p:blipFill>
+          <a:blip r:embed="rId8"/>
+          <a:stretch>
+            <a:fillRect/>
+          </a:stretch>
+        </p:blipFill>
+        <p:spPr>
+          <a:xfrm>
+            <a:off x="4261316" y="1913064"/>
+            <a:ext cx="1332659" cy="1332662"/>
+          </a:xfrm>
+          <a:prstGeom prst="rect">
+            <a:avLst/>
+          </a:prstGeom>
+        </p:spPr>
+      </p:pic>
+      <p:graphicFrame>
+        <p:nvGraphicFramePr>
+          <p:cNvPr id="15" name="对象 14">
+            <a:hlinkClick r:id="" action="ppaction://ole?verb=0"/>
+            <a:extLst>
+              <a:ext uri="{FF2B5EF4-FFF2-40B4-BE49-F238E27FC236}">
+                <a16:creationId xmlns:a16="http://schemas.microsoft.com/office/drawing/2014/main" id="{9E75B9AA-3EF4-9722-C4F6-25907146FD4D}"/>
+              </a:ext>
+            </a:extLst>
+          </p:cNvPr>
+          <p:cNvGraphicFramePr>
+            <a:graphicFrameLocks noChangeAspect="1"/>
+          </p:cNvGraphicFramePr>
+          <p:nvPr>
+            <p:extLst>
+              <p:ext uri="{D42A27DB-BD31-4B8C-83A1-F6EECF244321}">
+                <p14:modId xmlns:p14="http://schemas.microsoft.com/office/powerpoint/2010/main" val="1275259058"/>
+              </p:ext>
+            </p:extLst>
+          </p:nvPr>
+        </p:nvGraphicFramePr>
+        <p:xfrm>
+          <a:off x="4077773" y="3939514"/>
+          <a:ext cx="4036453" cy="2270505"/>
+        </p:xfrm>
+        <a:graphic>
+          <a:graphicData uri="http://schemas.openxmlformats.org/presentationml/2006/ole">
+            <mc:AlternateContent xmlns:mc="http://schemas.openxmlformats.org/markup-compatibility/2006">
+              <mc:Choice xmlns:v="urn:schemas-microsoft-com:vml" Requires="v">
+                <p:oleObj name="Presentation" r:id="rId9" imgW="6096052" imgH="3429125" progId="PowerPoint.Show.12">
+                  <p:embed/>
+                </p:oleObj>
+              </mc:Choice>
+              <mc:Fallback>
+                <p:oleObj name="Presentation" r:id="rId9" imgW="6096052" imgH="3429125" progId="PowerPoint.Show.12">
+                  <p:embed/>
+                  <p:pic>
+                    <p:nvPicPr>
+                      <p:cNvPr id="0" name=""/>
+                      <p:cNvPicPr/>
+                      <p:nvPr/>
+                    </p:nvPicPr>
+                    <p:blipFill>
+                      <a:blip r:embed="rId10"/>
+                      <a:stretch>
+                        <a:fillRect/>
+                      </a:stretch>
+                    </p:blipFill>
+                    <p:spPr>
+                      <a:xfrm>
+                        <a:off x="4077773" y="3939514"/>
+                        <a:ext cx="4036453" cy="2270505"/>
+                      </a:xfrm>
+                      <a:prstGeom prst="rect">
+                        <a:avLst/>
+                      </a:prstGeom>
+                    </p:spPr>
+                  </p:pic>
+                </p:oleObj>
+              </mc:Fallback>
+            </mc:AlternateContent>
+          </a:graphicData>
+        </a:graphic>
+      </p:graphicFrame>
+      <p:graphicFrame>
+        <p:nvGraphicFramePr>
+          <p:cNvPr id="16" name="对象 15">
+            <a:extLst>
+              <a:ext uri="{FF2B5EF4-FFF2-40B4-BE49-F238E27FC236}">
+                <a16:creationId xmlns:a16="http://schemas.microsoft.com/office/drawing/2014/main" id="{EEEAC40C-90B0-EC5F-35E0-CAB783922119}"/>
+              </a:ext>
+            </a:extLst>
+          </p:cNvPr>
+          <p:cNvGraphicFramePr>
+            <a:graphicFrameLocks noChangeAspect="1"/>
+          </p:cNvGraphicFramePr>
+          <p:nvPr>
+            <p:extLst>
+              <p:ext uri="{D42A27DB-BD31-4B8C-83A1-F6EECF244321}">
+                <p14:modId xmlns:p14="http://schemas.microsoft.com/office/powerpoint/2010/main" val="3662967700"/>
+              </p:ext>
+            </p:extLst>
+          </p:nvPr>
+        </p:nvGraphicFramePr>
+        <p:xfrm>
+          <a:off x="7703671" y="2480176"/>
+          <a:ext cx="5284788" cy="198438"/>
+        </p:xfrm>
+        <a:graphic>
+          <a:graphicData uri="http://schemas.openxmlformats.org/presentationml/2006/ole">
+            <mc:AlternateContent xmlns:mc="http://schemas.openxmlformats.org/markup-compatibility/2006">
+              <mc:Choice xmlns:v="urn:schemas-microsoft-com:vml" Requires="v">
+                <p:oleObj name="Document" r:id="rId11" imgW="5285434" imgH="198076" progId="Word.Document.12">
+                  <p:embed/>
+                </p:oleObj>
+              </mc:Choice>
+              <mc:Fallback>
+                <p:oleObj name="Document" r:id="rId11" imgW="5285434" imgH="198076" progId="Word.Document.12">
+                  <p:embed/>
+                  <p:pic>
+                    <p:nvPicPr>
+                      <p:cNvPr id="0" name=""/>
+                      <p:cNvPicPr/>
+                      <p:nvPr/>
+                    </p:nvPicPr>
+                    <p:blipFill>
+                      <a:blip r:embed="rId12"/>
+                      <a:stretch>
+                        <a:fillRect/>
+                      </a:stretch>
+                    </p:blipFill>
+                    <p:spPr>
+                      <a:xfrm>
+                        <a:off x="7703671" y="2480176"/>
+                        <a:ext cx="5284788" cy="198438"/>
+                      </a:xfrm>
+                      <a:prstGeom prst="rect">
+                        <a:avLst/>
+                      </a:prstGeom>
+                    </p:spPr>
+                  </p:pic>
+                </p:oleObj>
+              </mc:Fallback>
+            </mc:AlternateContent>
+          </a:graphicData>
+        </a:graphic>
+      </p:graphicFrame>
+      <p:graphicFrame>
+        <p:nvGraphicFramePr>
+          <p:cNvPr id="17" name="对象 16">
+            <a:extLst>
+              <a:ext uri="{FF2B5EF4-FFF2-40B4-BE49-F238E27FC236}">
+                <a16:creationId xmlns:a16="http://schemas.microsoft.com/office/drawing/2014/main" id="{D0CF3406-299C-7BBC-B000-75FB092F30B8}"/>
+              </a:ext>
+            </a:extLst>
+          </p:cNvPr>
+          <p:cNvGraphicFramePr>
+            <a:graphicFrameLocks noChangeAspect="1"/>
+          </p:cNvGraphicFramePr>
+          <p:nvPr>
+            <p:extLst>
+              <p:ext uri="{D42A27DB-BD31-4B8C-83A1-F6EECF244321}">
+                <p14:modId xmlns:p14="http://schemas.microsoft.com/office/powerpoint/2010/main" val="841716018"/>
+              </p:ext>
+            </p:extLst>
+          </p:nvPr>
+        </p:nvGraphicFramePr>
+        <p:xfrm>
+          <a:off x="8833036" y="3466693"/>
+          <a:ext cx="1227138" cy="533400"/>
+        </p:xfrm>
+        <a:graphic>
+          <a:graphicData uri="http://schemas.openxmlformats.org/presentationml/2006/ole">
+            <mc:AlternateContent xmlns:mc="http://schemas.openxmlformats.org/markup-compatibility/2006">
+              <mc:Choice xmlns:v="urn:schemas-microsoft-com:vml" Requires="v">
+                <p:oleObj name="Worksheet" r:id="rId13" imgW="1226803" imgH="533441" progId="Excel.Sheet.12">
+                  <p:embed/>
+                </p:oleObj>
+              </mc:Choice>
+              <mc:Fallback>
+                <p:oleObj name="Worksheet" r:id="rId13" imgW="1226803" imgH="533441" progId="Excel.Sheet.12">
+                  <p:embed/>
+                  <p:pic>
+                    <p:nvPicPr>
+                      <p:cNvPr id="0" name=""/>
+                      <p:cNvPicPr/>
+                      <p:nvPr/>
+                    </p:nvPicPr>
+                    <p:blipFill>
+                      <a:blip r:embed="rId14"/>
+                      <a:stretch>
+                        <a:fillRect/>
+                      </a:stretch>
+                    </p:blipFill>
+                    <p:spPr>
+                      <a:xfrm>
+                        <a:off x="8833036" y="3466693"/>
+                        <a:ext cx="1227138" cy="533400"/>
+                      </a:xfrm>
+                      <a:prstGeom prst="rect">
+                        <a:avLst/>
+                      </a:prstGeom>
+                    </p:spPr>
+                  </p:pic>
+                </p:oleObj>
+              </mc:Fallback>
+            </mc:AlternateContent>
+          </a:graphicData>
+        </a:graphic>
+      </p:graphicFrame>
+      <p:graphicFrame>
+        <p:nvGraphicFramePr>
+          <p:cNvPr id="18" name="对象 17">
+            <a:extLst>
+              <a:ext uri="{FF2B5EF4-FFF2-40B4-BE49-F238E27FC236}">
+                <a16:creationId xmlns:a16="http://schemas.microsoft.com/office/drawing/2014/main" id="{26578551-FD56-CB06-3BE1-E8587715CBC2}"/>
+              </a:ext>
+            </a:extLst>
+          </p:cNvPr>
+          <p:cNvGraphicFramePr>
+            <a:graphicFrameLocks noChangeAspect="1"/>
+          </p:cNvGraphicFramePr>
+          <p:nvPr>
+            <p:extLst>
+              <p:ext uri="{D42A27DB-BD31-4B8C-83A1-F6EECF244321}">
+                <p14:modId xmlns:p14="http://schemas.microsoft.com/office/powerpoint/2010/main" val="1991499619"/>
+              </p:ext>
+            </p:extLst>
+          </p:nvPr>
+        </p:nvGraphicFramePr>
+        <p:xfrm>
+          <a:off x="10015538" y="5229225"/>
+          <a:ext cx="549275" cy="517525"/>
+        </p:xfrm>
+        <a:graphic>
+          <a:graphicData uri="http://schemas.openxmlformats.org/presentationml/2006/ole">
+            <mc:AlternateContent xmlns:mc="http://schemas.openxmlformats.org/markup-compatibility/2006">
+              <mc:Choice xmlns:v="urn:schemas-microsoft-com:vml" Requires="v">
+                <p:oleObj name="包装程序外壳对象" showAsIcon="1" r:id="rId15" imgW="548501" imgH="518242" progId="Package">
+                  <p:embed/>
+                </p:oleObj>
+              </mc:Choice>
+              <mc:Fallback>
+                <p:oleObj name="包装程序外壳对象" showAsIcon="1" r:id="rId15" imgW="548501" imgH="518242" progId="Package">
+                  <p:embed/>
+                  <p:pic>
+                    <p:nvPicPr>
+                      <p:cNvPr id="0" name=""/>
+                      <p:cNvPicPr/>
+                      <p:nvPr/>
+                    </p:nvPicPr>
+                    <p:blipFill>
+                      <a:blip r:embed="rId16"/>
+                      <a:stretch>
+                        <a:fillRect/>
+                      </a:stretch>
+                    </p:blipFill>
+                    <p:spPr>
+                      <a:xfrm>
+                        <a:off x="10015538" y="5229225"/>
+                        <a:ext cx="549275" cy="517525"/>
+                      </a:xfrm>
+                      <a:prstGeom prst="rect">
+                        <a:avLst/>
+                      </a:prstGeom>
+                    </p:spPr>
+                  </p:pic>
+                </p:oleObj>
+              </mc:Fallback>
+            </mc:AlternateContent>
+          </a:graphicData>
+        </a:graphic>
+      </p:graphicFrame>
+      <p:sp>
+        <p:nvSpPr>
+          <p:cNvPr id="9" name="标题 8">
+            <a:extLst>
+              <a:ext uri="{FF2B5EF4-FFF2-40B4-BE49-F238E27FC236}">
+                <a16:creationId xmlns:a16="http://schemas.microsoft.com/office/drawing/2014/main" id="{80A6A852-C76C-F203-A4EE-29B19E385280}"/>
+              </a:ext>
+            </a:extLst>
+          </p:cNvPr>
+          <p:cNvSpPr>
+            <a:spLocks noGrp="1"/>
+          </p:cNvSpPr>
+          <p:nvPr>
+            <p:ph type="ctrTitle"/>
+          </p:nvPr>
+        </p:nvSpPr>
+        <p:spPr/>
+        <p:txBody>
+          <a:bodyPr/>
+          <a:lstStyle/>
+          <a:p>
+            <a:endParaRPr lang="zh-CN" altLang="en-US"/>
+          </a:p>
+        </p:txBody>
+      </p:sp>
+      <p:sp>
+        <p:nvSpPr>
+          <p:cNvPr id="10" name="副标题 9">
+            <a:extLst>
+              <a:ext uri="{FF2B5EF4-FFF2-40B4-BE49-F238E27FC236}">
+                <a16:creationId xmlns:a16="http://schemas.microsoft.com/office/drawing/2014/main" id="{487E800A-C734-9B9C-EFFA-454BC00C4D82}"/>
+              </a:ext>
+            </a:extLst>
+          </p:cNvPr>
+          <p:cNvSpPr>
+            <a:spLocks noGrp="1"/>
+          </p:cNvSpPr>
+          <p:nvPr>
+            <p:ph type="subTitle" idx="1"/>
+          </p:nvPr>
+        </p:nvSpPr>
+        <p:spPr/>
+        <p:txBody>
+          <a:bodyPr/>
+          <a:lstStyle/>
+          <a:p>
+            <a:endParaRPr lang="zh-CN" altLang="en-US"/>
+          </a:p>
+        </p:txBody>
+      </p:sp>
+    </p:spTree>
+    <p:extLst>
+      <p:ext uri="{BB962C8B-B14F-4D97-AF65-F5344CB8AC3E}">
+        <p14:creationId xmlns:p14="http://schemas.microsoft.com/office/powerpoint/2010/main" val="1989181364"/>
+      </p:ext>
+    </p:extLst>
+  </p:cSld>
+  <p:clrMapOvr>
+    <a:masterClrMapping/>
+  </p:clrMapOvr>
+  <p:timing>
+    <p:tnLst>
+      <p:par>
+        <p:cTn id="1" dur="indefinite" restart="never" nodeType="tmRoot">
+          <p:childTnLst>
+            <p:seq concurrent="1" nextAc="seek">
+              <p:cTn id="2" dur="indefinite" nodeType="mainSeq">
+                <p:childTnLst>
+                  <p:par>
+                    <p:cTn id="3" fill="hold">
+                      <p:stCondLst>
+                        <p:cond delay="indefinite"/>
+                      </p:stCondLst>
+                      <p:childTnLst>
+                        <p:par>
+                          <p:cTn id="4" fill="hold">
+                            <p:stCondLst>
+                              <p:cond delay="0"/>
+                            </p:stCondLst>
+                            <p:childTnLst>
+                              <p:par>
+                                <p:cTn id="5" presetID="1" presetClass="mediacall" presetSubtype="0" fill="hold" nodeType="clickEffect">
+                                  <p:stCondLst>
+                                    <p:cond delay="0"/>
+                                  </p:stCondLst>
+                                  <p:childTnLst>
+                                    <p:cmd type="call" cmd="playFrom(0.0)">
+                                      <p:cBhvr>
+                                        <p:cTn id="6" dur="1266" fill="hold"/>
+                                        <p:tgtEl>
+                                          <p:spTgt spid="13"/>
+                                        </p:tgtEl>
+                                      </p:cBhvr>
+                                    </p:cmd>
+                                  </p:childTnLst>
+                                </p:cTn>
+                              </p:par>
+                            </p:childTnLst>
+                          </p:cTn>
+                        </p:par>
+                      </p:childTnLst>
+                    </p:cTn>
+                  </p:par>
+                  <p:par>
+                    <p:cTn id="7" fill="hold">
+                      <p:stCondLst>
+                        <p:cond delay="indefinite"/>
+                      </p:stCondLst>
+                      <p:childTnLst>
+                        <p:par>
+                          <p:cTn id="8" fill="hold">
+                            <p:stCondLst>
+                              <p:cond delay="0"/>
+                            </p:stCondLst>
+                            <p:childTnLst>
+                              <p:par>
+                                <p:cTn id="9" presetID="1" presetClass="mediacall" presetSubtype="0" fill="hold" nodeType="clickEffect">
+                                  <p:stCondLst>
+                                    <p:cond delay="0"/>
+                                  </p:stCondLst>
+                                  <p:childTnLst>
+                                    <p:cmd type="call" cmd="playFrom(0.0)">
+                                      <p:cBhvr>
+                                        <p:cTn id="10" dur="13244" fill="hold"/>
+                                        <p:tgtEl>
+                                          <p:spTgt spid="14"/>
+                                        </p:tgtEl>
+                                      </p:cBhvr>
+                                    </p:cmd>
+                                  </p:childTnLst>
+                                </p:cTn>
+                              </p:par>
+                            </p:childTnLst>
+                          </p:cTn>
+                        </p:par>
+                      </p:childTnLst>
+                    </p:cTn>
+                  </p:par>
+                </p:childTnLst>
+              </p:cTn>
+              <p:prevCondLst>
+                <p:cond evt="onPrev" delay="0">
+                  <p:tgtEl>
+                    <p:sldTgt/>
+                  </p:tgtEl>
+                </p:cond>
+              </p:prevCondLst>
+              <p:nextCondLst>
+                <p:cond evt="onNext" delay="0">
+                  <p:tgtEl>
+                    <p:sldTgt/>
+                  </p:tgtEl>
+                </p:cond>
+              </p:nextCondLst>
+            </p:seq>
+            <p:video>
+              <p:cMediaNode vol="80000">
+                <p:cTn id="11" fill="hold" display="0">
+                  <p:stCondLst>
+                    <p:cond delay="indefinite"/>
+                  </p:stCondLst>
+                </p:cTn>
+                <p:tgtEl>
+                  <p:spTgt spid="13"/>
+                </p:tgtEl>
+              </p:cMediaNode>
+            </p:video>
+            <p:seq concurrent="1" nextAc="seek">
+              <p:cTn id="12" restart="whenNotActive" fill="hold" evtFilter="cancelBubble" nodeType="interactiveSeq">
+                <p:stCondLst>
+                  <p:cond evt="onClick" delay="0">
+                    <p:tgtEl>
+                      <p:spTgt spid="13"/>
+                    </p:tgtEl>
+                  </p:cond>
+                </p:stCondLst>
+                <p:endSync evt="end" delay="0">
+                  <p:rtn val="all"/>
+                </p:endSync>
+                <p:childTnLst>
+                  <p:par>
+                    <p:cTn id="13" fill="hold">
+                      <p:stCondLst>
+                        <p:cond delay="0"/>
+                      </p:stCondLst>
+                      <p:childTnLst>
+                        <p:par>
+                          <p:cTn id="14" fill="hold">
+                            <p:stCondLst>
+                              <p:cond delay="0"/>
+                            </p:stCondLst>
+                            <p:childTnLst>
+                              <p:par>
+                                <p:cTn id="15" presetID="2" presetClass="mediacall" presetSubtype="0" fill="hold" nodeType="clickEffect">
+                                  <p:stCondLst>
+                                    <p:cond delay="0"/>
+                                  </p:stCondLst>
+                                  <p:childTnLst>
+                                    <p:cmd type="call" cmd="togglePause">
+                                      <p:cBhvr>
+                                        <p:cTn id="16" dur="1" fill="hold"/>
+                                        <p:tgtEl>
+                                          <p:spTgt spid="13"/>
+                                        </p:tgtEl>
+                                      </p:cBhvr>
+                                    </p:cmd>
+                                  </p:childTnLst>
+                                </p:cTn>
+                              </p:par>
+                            </p:childTnLst>
+                          </p:cTn>
+                        </p:par>
+                      </p:childTnLst>
+                    </p:cTn>
+                  </p:par>
+                </p:childTnLst>
+              </p:cTn>
+              <p:nextCondLst>
+                <p:cond evt="onClick" delay="0">
+                  <p:tgtEl>
+                    <p:spTgt spid="13"/>
+                  </p:tgtEl>
+                </p:cond>
+              </p:nextCondLst>
+            </p:seq>
+            <p:audio>
+              <p:cMediaNode vol="80000">
+                <p:cTn id="17" fill="hold" display="0">
+                  <p:stCondLst>
+                    <p:cond delay="indefinite"/>
+                  </p:stCondLst>
+                  <p:endCondLst>
+                    <p:cond evt="onStopAudio" delay="0">
+                      <p:tgtEl>
+                        <p:sldTgt/>
+                      </p:tgtEl>
+                    </p:cond>
+                  </p:endCondLst>
+                </p:cTn>
+                <p:tgtEl>
+                  <p:spTgt spid="14"/>
+                </p:tgtEl>
+              </p:cMediaNode>
+            </p:audio>
+          </p:childTnLst>
+        </p:cTn>
+      </p:par>
+    </p:tnLst>
+  </p:timing>
 </p:sld>
 </file>
 
@@ -6945,6 +13003,280 @@
 </file>
 
 <file path=ppt/theme/theme2.xml><?xml version="1.0" encoding="utf-8"?>
+<a:theme xmlns:a="http://schemas.openxmlformats.org/drawingml/2006/main" name="切片">
+  <a:themeElements>
+    <a:clrScheme name="切片">
+      <a:dk1>
+        <a:sysClr val="windowText" lastClr="000000"/>
+      </a:dk1>
+      <a:lt1>
+        <a:sysClr val="window" lastClr="FFFFFF"/>
+      </a:lt1>
+      <a:dk2>
+        <a:srgbClr val="146194"/>
+      </a:dk2>
+      <a:lt2>
+        <a:srgbClr val="76DBF4"/>
+      </a:lt2>
+      <a:accent1>
+        <a:srgbClr val="052F61"/>
+      </a:accent1>
+      <a:accent2>
+        <a:srgbClr val="A50E82"/>
+      </a:accent2>
+      <a:accent3>
+        <a:srgbClr val="14967C"/>
+      </a:accent3>
+      <a:accent4>
+        <a:srgbClr val="6A9E1F"/>
+      </a:accent4>
+      <a:accent5>
+        <a:srgbClr val="E87D37"/>
+      </a:accent5>
+      <a:accent6>
+        <a:srgbClr val="C62324"/>
+      </a:accent6>
+      <a:hlink>
+        <a:srgbClr val="0D2E46"/>
+      </a:hlink>
+      <a:folHlink>
+        <a:srgbClr val="356A95"/>
+      </a:folHlink>
+    </a:clrScheme>
+    <a:fontScheme name="切片">
+      <a:majorFont>
+        <a:latin typeface="Century Gothic" panose="020B0502020202020204"/>
+        <a:ea typeface=""/>
+        <a:cs typeface=""/>
+        <a:font script="Jpan" typeface="メイリオ"/>
+        <a:font script="Hang" typeface="HY중고딕"/>
+        <a:font script="Hans" typeface="幼圆"/>
+        <a:font script="Hant" typeface="微軟正黑體"/>
+        <a:font script="Arab" typeface="Tahoma"/>
+        <a:font script="Hebr" typeface="Gisha"/>
+        <a:font script="Thai" typeface="DilleniaUPC"/>
+        <a:font script="Ethi" typeface="Nyala"/>
+        <a:font script="Beng" typeface="Vrinda"/>
+        <a:font script="Gujr" typeface="Shruti"/>
+        <a:font script="Khmr" typeface="DaunPenh"/>
+        <a:font script="Knda" typeface="Tunga"/>
+        <a:font script="Guru" typeface="Raavi"/>
+        <a:font script="Cans" typeface="Euphemia"/>
+        <a:font script="Cher" typeface="Plantagenet Cherokee"/>
+        <a:font script="Yiii" typeface="Microsoft Yi Baiti"/>
+        <a:font script="Tibt" typeface="Microsoft Himalaya"/>
+        <a:font script="Thaa" typeface="MV Boli"/>
+        <a:font script="Deva" typeface="Mangal"/>
+        <a:font script="Telu" typeface="Gautami"/>
+        <a:font script="Taml" typeface="Latha"/>
+        <a:font script="Syrc" typeface="Estrangelo Edessa"/>
+        <a:font script="Orya" typeface="Kalinga"/>
+        <a:font script="Mlym" typeface="Kartika"/>
+        <a:font script="Laoo" typeface="DokChampa"/>
+        <a:font script="Sinh" typeface="Iskoola Pota"/>
+        <a:font script="Mong" typeface="Mongolian Baiti"/>
+        <a:font script="Viet" typeface="Tahoma"/>
+        <a:font script="Uigh" typeface="Microsoft Uighur"/>
+        <a:font script="Geor" typeface="Sylfaen"/>
+      </a:majorFont>
+      <a:minorFont>
+        <a:latin typeface="Century Gothic" panose="020B0502020202020204"/>
+        <a:ea typeface=""/>
+        <a:cs typeface=""/>
+        <a:font script="Jpan" typeface="メイリオ"/>
+        <a:font script="Hang" typeface="HY중고딕"/>
+        <a:font script="Hans" typeface="幼圆"/>
+        <a:font script="Hant" typeface="微軟正黑體"/>
+        <a:font script="Arab" typeface="Tahoma"/>
+        <a:font script="Hebr" typeface="Gisha"/>
+        <a:font script="Thai" typeface="DilleniaUPC"/>
+        <a:font script="Ethi" typeface="Nyala"/>
+        <a:font script="Beng" typeface="Vrinda"/>
+        <a:font script="Gujr" typeface="Shruti"/>
+        <a:font script="Khmr" typeface="DaunPenh"/>
+        <a:font script="Knda" typeface="Tunga"/>
+        <a:font script="Guru" typeface="Raavi"/>
+        <a:font script="Cans" typeface="Euphemia"/>
+        <a:font script="Cher" typeface="Plantagenet Cherokee"/>
+        <a:font script="Yiii" typeface="Microsoft Yi Baiti"/>
+        <a:font script="Tibt" typeface="Microsoft Himalaya"/>
+        <a:font script="Thaa" typeface="MV Boli"/>
+        <a:font script="Deva" typeface="Mangal"/>
+        <a:font script="Telu" typeface="Gautami"/>
+        <a:font script="Taml" typeface="Latha"/>
+        <a:font script="Syrc" typeface="Estrangelo Edessa"/>
+        <a:font script="Orya" typeface="Kalinga"/>
+        <a:font script="Mlym" typeface="Kartika"/>
+        <a:font script="Laoo" typeface="DokChampa"/>
+        <a:font script="Sinh" typeface="Iskoola Pota"/>
+        <a:font script="Mong" typeface="Mongolian Baiti"/>
+        <a:font script="Viet" typeface="Tahoma"/>
+        <a:font script="Uigh" typeface="Microsoft Uighur"/>
+        <a:font script="Geor" typeface="Sylfaen"/>
+      </a:minorFont>
+    </a:fontScheme>
+    <a:fmtScheme name="切片">
+      <a:fillStyleLst>
+        <a:solidFill>
+          <a:schemeClr val="phClr"/>
+        </a:solidFill>
+        <a:gradFill rotWithShape="1">
+          <a:gsLst>
+            <a:gs pos="0">
+              <a:schemeClr val="phClr">
+                <a:tint val="62000"/>
+                <a:hueMod val="94000"/>
+                <a:satMod val="140000"/>
+                <a:lumMod val="110000"/>
+              </a:schemeClr>
+            </a:gs>
+            <a:gs pos="100000">
+              <a:schemeClr val="phClr">
+                <a:tint val="84000"/>
+                <a:satMod val="160000"/>
+              </a:schemeClr>
+            </a:gs>
+          </a:gsLst>
+          <a:lin ang="5400000" scaled="0"/>
+        </a:gradFill>
+        <a:gradFill rotWithShape="1">
+          <a:gsLst>
+            <a:gs pos="0">
+              <a:schemeClr val="phClr">
+                <a:tint val="98000"/>
+                <a:hueMod val="94000"/>
+                <a:satMod val="130000"/>
+                <a:lumMod val="128000"/>
+              </a:schemeClr>
+            </a:gs>
+            <a:gs pos="100000">
+              <a:schemeClr val="phClr">
+                <a:shade val="94000"/>
+                <a:lumMod val="88000"/>
+              </a:schemeClr>
+            </a:gs>
+          </a:gsLst>
+          <a:lin ang="5400000" scaled="0"/>
+        </a:gradFill>
+      </a:fillStyleLst>
+      <a:lnStyleLst>
+        <a:ln w="9525" cap="rnd" cmpd="sng" algn="ctr">
+          <a:solidFill>
+            <a:schemeClr val="phClr">
+              <a:tint val="76000"/>
+              <a:alpha val="60000"/>
+              <a:hueMod val="94000"/>
+            </a:schemeClr>
+          </a:solidFill>
+          <a:prstDash val="solid"/>
+        </a:ln>
+        <a:ln w="15875" cap="rnd" cmpd="sng" algn="ctr">
+          <a:solidFill>
+            <a:schemeClr val="phClr">
+              <a:hueMod val="94000"/>
+            </a:schemeClr>
+          </a:solidFill>
+          <a:prstDash val="solid"/>
+        </a:ln>
+        <a:ln w="28575" cap="rnd" cmpd="sng" algn="ctr">
+          <a:solidFill>
+            <a:schemeClr val="phClr"/>
+          </a:solidFill>
+          <a:prstDash val="solid"/>
+        </a:ln>
+      </a:lnStyleLst>
+      <a:effectStyleLst>
+        <a:effectStyle>
+          <a:effectLst/>
+        </a:effectStyle>
+        <a:effectStyle>
+          <a:effectLst>
+            <a:innerShdw blurRad="25400" dist="12700" dir="13500000">
+              <a:srgbClr val="000000">
+                <a:alpha val="45000"/>
+              </a:srgbClr>
+            </a:innerShdw>
+          </a:effectLst>
+        </a:effectStyle>
+        <a:effectStyle>
+          <a:effectLst>
+            <a:outerShdw blurRad="50800" dist="38100" dir="5400000" rotWithShape="0">
+              <a:srgbClr val="000000">
+                <a:alpha val="46000"/>
+              </a:srgbClr>
+            </a:outerShdw>
+          </a:effectLst>
+          <a:scene3d>
+            <a:camera prst="orthographicFront">
+              <a:rot lat="0" lon="0" rev="0"/>
+            </a:camera>
+            <a:lightRig rig="threePt" dir="t"/>
+          </a:scene3d>
+          <a:sp3d prstMaterial="plastic">
+            <a:bevelT w="25400" h="25400"/>
+          </a:sp3d>
+        </a:effectStyle>
+      </a:effectStyleLst>
+      <a:bgFillStyleLst>
+        <a:solidFill>
+          <a:schemeClr val="phClr"/>
+        </a:solidFill>
+        <a:gradFill rotWithShape="1">
+          <a:gsLst>
+            <a:gs pos="10000">
+              <a:schemeClr val="phClr">
+                <a:tint val="97000"/>
+                <a:hueMod val="92000"/>
+                <a:satMod val="169000"/>
+                <a:lumMod val="164000"/>
+              </a:schemeClr>
+            </a:gs>
+            <a:gs pos="100000">
+              <a:schemeClr val="phClr">
+                <a:shade val="96000"/>
+                <a:satMod val="120000"/>
+                <a:lumMod val="90000"/>
+              </a:schemeClr>
+            </a:gs>
+          </a:gsLst>
+          <a:lin ang="6120000" scaled="1"/>
+        </a:gradFill>
+        <a:gradFill rotWithShape="1">
+          <a:gsLst>
+            <a:gs pos="0">
+              <a:schemeClr val="phClr">
+                <a:tint val="97000"/>
+                <a:hueMod val="92000"/>
+                <a:satMod val="169000"/>
+                <a:lumMod val="164000"/>
+              </a:schemeClr>
+            </a:gs>
+            <a:gs pos="100000">
+              <a:schemeClr val="phClr">
+                <a:shade val="96000"/>
+                <a:satMod val="120000"/>
+                <a:lumMod val="90000"/>
+              </a:schemeClr>
+            </a:gs>
+          </a:gsLst>
+          <a:path path="circle">
+            <a:fillToRect b="100000"/>
+          </a:path>
+        </a:gradFill>
+      </a:bgFillStyleLst>
+    </a:fmtScheme>
+  </a:themeElements>
+  <a:objectDefaults/>
+  <a:extraClrSchemeLst/>
+  <a:extLst>
+    <a:ext uri="{05A4C25C-085E-4340-85A3-A5531E510DB2}">
+      <thm15:themeFamily xmlns:thm15="http://schemas.microsoft.com/office/thememl/2012/main" name="Slice" id="{0507925B-6AC9-4358-8E18-C330545D08F8}" vid="{13FEC7C6-62A9-40C4-99D2-581AACACAA2F}"/>
+    </a:ext>
+  </a:extLst>
+</a:theme>
+</file>
+
+<file path=ppt/theme/theme3.xml><?xml version="1.0" encoding="utf-8"?>
 <a:theme xmlns:a="http://schemas.openxmlformats.org/drawingml/2006/main" name="Office 主题​​">
   <a:themeElements>
     <a:clrScheme name="Office">

--- a/assets/ppt/simple.pptx
+++ b/assets/ppt/simple.pptx
@@ -6,7 +6,7 @@
     <p:sldMasterId id="2147483701" r:id="rId2"/>
   </p:sldMasterIdLst>
   <p:notesMasterIdLst>
-    <p:notesMasterId r:id="rId9"/>
+    <p:notesMasterId r:id="rId10"/>
   </p:notesMasterIdLst>
   <p:sldIdLst>
     <p:sldId id="256" r:id="rId3"/>
@@ -15,6 +15,7 @@
     <p:sldId id="259" r:id="rId6"/>
     <p:sldId id="260" r:id="rId7"/>
     <p:sldId id="261" r:id="rId8"/>
+    <p:sldId id="262" r:id="rId9"/>
   </p:sldIdLst>
   <p:sldSz cx="12192000" cy="6858000"/>
   <p:notesSz cx="6858000" cy="9144000"/>
@@ -214,7 +215,7 @@
           <a:p>
             <a:fld id="{561015B1-ED29-F04F-B696-7C731FF4B4B4}" type="datetimeFigureOut">
               <a:rPr kumimoji="1" lang="zh-CN" altLang="en-US" smtClean="0"/>
-              <a:t>2024/3/28</a:t>
+              <a:t>2024/3/29</a:t>
             </a:fld>
             <a:endParaRPr kumimoji="1" lang="zh-CN" altLang="en-US"/>
           </a:p>
@@ -745,7 +746,7 @@
           <a:p>
             <a:fld id="{DEDA17D1-6590-4570-9DF1-29A4B3C6B8EE}" type="datetimeFigureOut">
               <a:rPr lang="zh-CN" altLang="en-US" smtClean="0"/>
-              <a:t>2024/3/28</a:t>
+              <a:t>2024/3/29</a:t>
             </a:fld>
             <a:endParaRPr lang="zh-CN" altLang="en-US"/>
           </a:p>
@@ -992,7 +993,7 @@
           <a:p>
             <a:fld id="{DEDA17D1-6590-4570-9DF1-29A4B3C6B8EE}" type="datetimeFigureOut">
               <a:rPr lang="zh-CN" altLang="en-US" smtClean="0"/>
-              <a:t>2024/3/28</a:t>
+              <a:t>2024/3/29</a:t>
             </a:fld>
             <a:endParaRPr lang="zh-CN" altLang="en-US"/>
           </a:p>
@@ -1200,7 +1201,7 @@
           <a:p>
             <a:fld id="{DEDA17D1-6590-4570-9DF1-29A4B3C6B8EE}" type="datetimeFigureOut">
               <a:rPr lang="zh-CN" altLang="en-US" smtClean="0"/>
-              <a:t>2024/3/28</a:t>
+              <a:t>2024/3/29</a:t>
             </a:fld>
             <a:endParaRPr lang="zh-CN" altLang="en-US"/>
           </a:p>
@@ -1464,7 +1465,7 @@
           <a:p>
             <a:fld id="{54572FE0-AF69-49FC-A044-C789016A5D4F}" type="datetimeFigureOut">
               <a:rPr lang="zh-CN" altLang="en-US" smtClean="0"/>
-              <a:t>2024/3/28</a:t>
+              <a:t>2024/3/29</a:t>
             </a:fld>
             <a:endParaRPr lang="zh-CN" altLang="en-US"/>
           </a:p>
@@ -1809,7 +1810,7 @@
           <a:p>
             <a:fld id="{54572FE0-AF69-49FC-A044-C789016A5D4F}" type="datetimeFigureOut">
               <a:rPr lang="zh-CN" altLang="en-US" smtClean="0"/>
-              <a:t>2024/3/28</a:t>
+              <a:t>2024/3/29</a:t>
             </a:fld>
             <a:endParaRPr lang="zh-CN" altLang="en-US"/>
           </a:p>
@@ -2059,7 +2060,7 @@
           <a:p>
             <a:fld id="{54572FE0-AF69-49FC-A044-C789016A5D4F}" type="datetimeFigureOut">
               <a:rPr lang="zh-CN" altLang="en-US" smtClean="0"/>
-              <a:t>2024/3/28</a:t>
+              <a:t>2024/3/29</a:t>
             </a:fld>
             <a:endParaRPr lang="zh-CN" altLang="en-US"/>
           </a:p>
@@ -2295,7 +2296,7 @@
           <a:p>
             <a:fld id="{54572FE0-AF69-49FC-A044-C789016A5D4F}" type="datetimeFigureOut">
               <a:rPr lang="zh-CN" altLang="en-US" smtClean="0"/>
-              <a:t>2024/3/28</a:t>
+              <a:t>2024/3/29</a:t>
             </a:fld>
             <a:endParaRPr lang="zh-CN" altLang="en-US"/>
           </a:p>
@@ -2677,7 +2678,7 @@
           <a:p>
             <a:fld id="{54572FE0-AF69-49FC-A044-C789016A5D4F}" type="datetimeFigureOut">
               <a:rPr lang="zh-CN" altLang="en-US" smtClean="0"/>
-              <a:t>2024/3/28</a:t>
+              <a:t>2024/3/29</a:t>
             </a:fld>
             <a:endParaRPr lang="zh-CN" altLang="en-US"/>
           </a:p>
@@ -2795,7 +2796,7 @@
           <a:p>
             <a:fld id="{54572FE0-AF69-49FC-A044-C789016A5D4F}" type="datetimeFigureOut">
               <a:rPr lang="zh-CN" altLang="en-US" smtClean="0"/>
-              <a:t>2024/3/28</a:t>
+              <a:t>2024/3/29</a:t>
             </a:fld>
             <a:endParaRPr lang="zh-CN" altLang="en-US"/>
           </a:p>
@@ -2890,7 +2891,7 @@
           <a:p>
             <a:fld id="{54572FE0-AF69-49FC-A044-C789016A5D4F}" type="datetimeFigureOut">
               <a:rPr lang="zh-CN" altLang="en-US" smtClean="0"/>
-              <a:t>2024/3/28</a:t>
+              <a:t>2024/3/29</a:t>
             </a:fld>
             <a:endParaRPr lang="zh-CN" altLang="en-US"/>
           </a:p>
@@ -3145,7 +3146,7 @@
           <a:p>
             <a:fld id="{54572FE0-AF69-49FC-A044-C789016A5D4F}" type="datetimeFigureOut">
               <a:rPr lang="zh-CN" altLang="en-US" smtClean="0"/>
-              <a:t>2024/3/28</a:t>
+              <a:t>2024/3/29</a:t>
             </a:fld>
             <a:endParaRPr lang="zh-CN" altLang="en-US"/>
           </a:p>
@@ -3331,7 +3332,7 @@
           <a:p>
             <a:fld id="{DEDA17D1-6590-4570-9DF1-29A4B3C6B8EE}" type="datetimeFigureOut">
               <a:rPr lang="zh-CN" altLang="en-US" smtClean="0"/>
-              <a:t>2024/3/28</a:t>
+              <a:t>2024/3/29</a:t>
             </a:fld>
             <a:endParaRPr lang="zh-CN" altLang="en-US"/>
           </a:p>
@@ -3626,7 +3627,7 @@
           <a:p>
             <a:fld id="{54572FE0-AF69-49FC-A044-C789016A5D4F}" type="datetimeFigureOut">
               <a:rPr lang="zh-CN" altLang="en-US" smtClean="0"/>
-              <a:t>2024/3/28</a:t>
+              <a:t>2024/3/29</a:t>
             </a:fld>
             <a:endParaRPr lang="zh-CN" altLang="en-US"/>
           </a:p>
@@ -3887,7 +3888,7 @@
           <a:p>
             <a:fld id="{54572FE0-AF69-49FC-A044-C789016A5D4F}" type="datetimeFigureOut">
               <a:rPr lang="zh-CN" altLang="en-US" smtClean="0"/>
-              <a:t>2024/3/28</a:t>
+              <a:t>2024/3/29</a:t>
             </a:fld>
             <a:endParaRPr lang="zh-CN" altLang="en-US"/>
           </a:p>
@@ -4137,7 +4138,7 @@
           <a:p>
             <a:fld id="{54572FE0-AF69-49FC-A044-C789016A5D4F}" type="datetimeFigureOut">
               <a:rPr lang="zh-CN" altLang="en-US" smtClean="0"/>
-              <a:t>2024/3/28</a:t>
+              <a:t>2024/3/29</a:t>
             </a:fld>
             <a:endParaRPr lang="zh-CN" altLang="en-US"/>
           </a:p>
@@ -4445,7 +4446,7 @@
           <a:p>
             <a:fld id="{54572FE0-AF69-49FC-A044-C789016A5D4F}" type="datetimeFigureOut">
               <a:rPr lang="zh-CN" altLang="en-US" smtClean="0"/>
-              <a:t>2024/3/28</a:t>
+              <a:t>2024/3/29</a:t>
             </a:fld>
             <a:endParaRPr lang="zh-CN" altLang="en-US"/>
           </a:p>
@@ -4763,7 +4764,7 @@
           <a:p>
             <a:fld id="{54572FE0-AF69-49FC-A044-C789016A5D4F}" type="datetimeFigureOut">
               <a:rPr lang="zh-CN" altLang="en-US" smtClean="0"/>
-              <a:t>2024/3/28</a:t>
+              <a:t>2024/3/29</a:t>
             </a:fld>
             <a:endParaRPr lang="zh-CN" altLang="en-US"/>
           </a:p>
@@ -5065,7 +5066,7 @@
           <a:p>
             <a:fld id="{54572FE0-AF69-49FC-A044-C789016A5D4F}" type="datetimeFigureOut">
               <a:rPr lang="zh-CN" altLang="en-US" smtClean="0"/>
-              <a:t>2024/3/28</a:t>
+              <a:t>2024/3/29</a:t>
             </a:fld>
             <a:endParaRPr lang="zh-CN" altLang="en-US"/>
           </a:p>
@@ -5432,7 +5433,7 @@
           <a:p>
             <a:fld id="{54572FE0-AF69-49FC-A044-C789016A5D4F}" type="datetimeFigureOut">
               <a:rPr lang="zh-CN" altLang="en-US" smtClean="0"/>
-              <a:t>2024/3/28</a:t>
+              <a:t>2024/3/29</a:t>
             </a:fld>
             <a:endParaRPr lang="zh-CN" altLang="en-US"/>
           </a:p>
@@ -5606,7 +5607,7 @@
           <a:p>
             <a:fld id="{54572FE0-AF69-49FC-A044-C789016A5D4F}" type="datetimeFigureOut">
               <a:rPr lang="zh-CN" altLang="en-US" smtClean="0"/>
-              <a:t>2024/3/28</a:t>
+              <a:t>2024/3/29</a:t>
             </a:fld>
             <a:endParaRPr lang="zh-CN" altLang="en-US"/>
           </a:p>
@@ -5786,7 +5787,7 @@
           <a:p>
             <a:fld id="{54572FE0-AF69-49FC-A044-C789016A5D4F}" type="datetimeFigureOut">
               <a:rPr lang="zh-CN" altLang="en-US" smtClean="0"/>
-              <a:t>2024/3/28</a:t>
+              <a:t>2024/3/29</a:t>
             </a:fld>
             <a:endParaRPr lang="zh-CN" altLang="en-US"/>
           </a:p>
@@ -6049,7 +6050,7 @@
           <a:p>
             <a:fld id="{DEDA17D1-6590-4570-9DF1-29A4B3C6B8EE}" type="datetimeFigureOut">
               <a:rPr lang="zh-CN" altLang="en-US" smtClean="0"/>
-              <a:t>2024/3/28</a:t>
+              <a:t>2024/3/29</a:t>
             </a:fld>
             <a:endParaRPr lang="zh-CN" altLang="en-US"/>
           </a:p>
@@ -6314,7 +6315,7 @@
           <a:p>
             <a:fld id="{DEDA17D1-6590-4570-9DF1-29A4B3C6B8EE}" type="datetimeFigureOut">
               <a:rPr lang="zh-CN" altLang="en-US" smtClean="0"/>
-              <a:t>2024/3/28</a:t>
+              <a:t>2024/3/29</a:t>
             </a:fld>
             <a:endParaRPr lang="zh-CN" altLang="en-US"/>
           </a:p>
@@ -6735,7 +6736,7 @@
           <a:p>
             <a:fld id="{DEDA17D1-6590-4570-9DF1-29A4B3C6B8EE}" type="datetimeFigureOut">
               <a:rPr lang="zh-CN" altLang="en-US" smtClean="0"/>
-              <a:t>2024/3/28</a:t>
+              <a:t>2024/3/29</a:t>
             </a:fld>
             <a:endParaRPr lang="zh-CN" altLang="en-US"/>
           </a:p>
@@ -6876,7 +6877,7 @@
           <a:p>
             <a:fld id="{DEDA17D1-6590-4570-9DF1-29A4B3C6B8EE}" type="datetimeFigureOut">
               <a:rPr lang="zh-CN" altLang="en-US" smtClean="0"/>
-              <a:t>2024/3/28</a:t>
+              <a:t>2024/3/29</a:t>
             </a:fld>
             <a:endParaRPr lang="zh-CN" altLang="en-US"/>
           </a:p>
@@ -6989,7 +6990,7 @@
           <a:p>
             <a:fld id="{DEDA17D1-6590-4570-9DF1-29A4B3C6B8EE}" type="datetimeFigureOut">
               <a:rPr lang="zh-CN" altLang="en-US" smtClean="0"/>
-              <a:t>2024/3/28</a:t>
+              <a:t>2024/3/29</a:t>
             </a:fld>
             <a:endParaRPr lang="zh-CN" altLang="en-US"/>
           </a:p>
@@ -7300,7 +7301,7 @@
           <a:p>
             <a:fld id="{DEDA17D1-6590-4570-9DF1-29A4B3C6B8EE}" type="datetimeFigureOut">
               <a:rPr lang="zh-CN" altLang="en-US" smtClean="0"/>
-              <a:t>2024/3/28</a:t>
+              <a:t>2024/3/29</a:t>
             </a:fld>
             <a:endParaRPr lang="zh-CN" altLang="en-US"/>
           </a:p>
@@ -7588,7 +7589,7 @@
           <a:p>
             <a:fld id="{DEDA17D1-6590-4570-9DF1-29A4B3C6B8EE}" type="datetimeFigureOut">
               <a:rPr lang="zh-CN" altLang="en-US" smtClean="0"/>
-              <a:t>2024/3/28</a:t>
+              <a:t>2024/3/29</a:t>
             </a:fld>
             <a:endParaRPr lang="zh-CN" altLang="en-US"/>
           </a:p>
@@ -7857,7 +7858,7 @@
           <a:p>
             <a:fld id="{DEDA17D1-6590-4570-9DF1-29A4B3C6B8EE}" type="datetimeFigureOut">
               <a:rPr lang="zh-CN" altLang="en-US" smtClean="0"/>
-              <a:t>2024/3/28</a:t>
+              <a:t>2024/3/29</a:t>
             </a:fld>
             <a:endParaRPr lang="zh-CN" altLang="en-US"/>
           </a:p>
@@ -8602,7 +8603,7 @@
           <a:p>
             <a:fld id="{DEDA17D1-6590-4570-9DF1-29A4B3C6B8EE}" type="datetimeFigureOut">
               <a:rPr lang="zh-CN" altLang="en-US" smtClean="0"/>
-              <a:t>2024/3/28</a:t>
+              <a:t>2024/3/29</a:t>
             </a:fld>
             <a:endParaRPr lang="zh-CN" altLang="en-US"/>
           </a:p>
@@ -9988,7 +9989,7 @@
         </p:nvSpPr>
         <p:spPr>
           <a:xfrm>
-            <a:off x="7570124" y="3817331"/>
+            <a:off x="7570124" y="3817330"/>
             <a:ext cx="1873956" cy="2573867"/>
           </a:xfrm>
           <a:prstGeom prst="rect">
@@ -12455,56 +12456,6 @@
           </a:graphicData>
         </a:graphic>
       </p:graphicFrame>
-      <p:sp>
-        <p:nvSpPr>
-          <p:cNvPr id="9" name="标题 8">
-            <a:extLst>
-              <a:ext uri="{FF2B5EF4-FFF2-40B4-BE49-F238E27FC236}">
-                <a16:creationId xmlns:a16="http://schemas.microsoft.com/office/drawing/2014/main" id="{80A6A852-C76C-F203-A4EE-29B19E385280}"/>
-              </a:ext>
-            </a:extLst>
-          </p:cNvPr>
-          <p:cNvSpPr>
-            <a:spLocks noGrp="1"/>
-          </p:cNvSpPr>
-          <p:nvPr>
-            <p:ph type="ctrTitle"/>
-          </p:nvPr>
-        </p:nvSpPr>
-        <p:spPr/>
-        <p:txBody>
-          <a:bodyPr/>
-          <a:lstStyle/>
-          <a:p>
-            <a:endParaRPr lang="zh-CN" altLang="en-US"/>
-          </a:p>
-        </p:txBody>
-      </p:sp>
-      <p:sp>
-        <p:nvSpPr>
-          <p:cNvPr id="10" name="副标题 9">
-            <a:extLst>
-              <a:ext uri="{FF2B5EF4-FFF2-40B4-BE49-F238E27FC236}">
-                <a16:creationId xmlns:a16="http://schemas.microsoft.com/office/drawing/2014/main" id="{487E800A-C734-9B9C-EFFA-454BC00C4D82}"/>
-              </a:ext>
-            </a:extLst>
-          </p:cNvPr>
-          <p:cNvSpPr>
-            <a:spLocks noGrp="1"/>
-          </p:cNvSpPr>
-          <p:nvPr>
-            <p:ph type="subTitle" idx="1"/>
-          </p:nvPr>
-        </p:nvSpPr>
-        <p:spPr/>
-        <p:txBody>
-          <a:bodyPr/>
-          <a:lstStyle/>
-          <a:p>
-            <a:endParaRPr lang="zh-CN" altLang="en-US"/>
-          </a:p>
-        </p:txBody>
-      </p:sp>
     </p:spTree>
     <p:extLst>
       <p:ext uri="{BB962C8B-B14F-4D97-AF65-F5344CB8AC3E}">
@@ -12704,6 +12655,297 @@
       </p:par>
     </p:tnLst>
   </p:timing>
+</p:sld>
+</file>
+
+<file path=ppt/slides/slide7.xml><?xml version="1.0" encoding="utf-8"?>
+<p:sld xmlns:a="http://schemas.openxmlformats.org/drawingml/2006/main" xmlns:r="http://schemas.openxmlformats.org/officeDocument/2006/relationships" xmlns:p="http://schemas.openxmlformats.org/presentationml/2006/main">
+  <p:cSld>
+    <p:spTree>
+      <p:nvGrpSpPr>
+        <p:cNvPr id="1" name=""/>
+        <p:cNvGrpSpPr/>
+        <p:nvPr/>
+      </p:nvGrpSpPr>
+      <p:grpSpPr>
+        <a:xfrm>
+          <a:off x="0" y="0"/>
+          <a:ext cx="0" cy="0"/>
+          <a:chOff x="0" y="0"/>
+          <a:chExt cx="0" cy="0"/>
+        </a:xfrm>
+      </p:grpSpPr>
+      <p:sp>
+        <p:nvSpPr>
+          <p:cNvPr id="4" name="文本框 3">
+            <a:extLst>
+              <a:ext uri="{FF2B5EF4-FFF2-40B4-BE49-F238E27FC236}">
+                <a16:creationId xmlns:a16="http://schemas.microsoft.com/office/drawing/2014/main" id="{9A2510FB-7491-7358-8CB4-A35D9913FBF3}"/>
+              </a:ext>
+            </a:extLst>
+          </p:cNvPr>
+          <p:cNvSpPr txBox="1"/>
+          <p:nvPr/>
+        </p:nvSpPr>
+        <p:spPr>
+          <a:xfrm>
+            <a:off x="1204857" y="591671"/>
+            <a:ext cx="2492990" cy="369332"/>
+          </a:xfrm>
+          <a:prstGeom prst="rect">
+            <a:avLst/>
+          </a:prstGeom>
+          <a:noFill/>
+        </p:spPr>
+        <p:txBody>
+          <a:bodyPr wrap="none" rtlCol="0">
+            <a:spAutoFit/>
+          </a:bodyPr>
+          <a:lstStyle/>
+          <a:p>
+            <a:r>
+              <a:rPr lang="zh-CN" altLang="en-US" dirty="0"/>
+              <a:t>图案、图片、纹理填充</a:t>
+            </a:r>
+          </a:p>
+        </p:txBody>
+      </p:sp>
+      <p:sp>
+        <p:nvSpPr>
+          <p:cNvPr id="5" name="矩形 4">
+            <a:extLst>
+              <a:ext uri="{FF2B5EF4-FFF2-40B4-BE49-F238E27FC236}">
+                <a16:creationId xmlns:a16="http://schemas.microsoft.com/office/drawing/2014/main" id="{2278A036-2C8A-9715-2E2A-FA5AB17E45D9}"/>
+              </a:ext>
+            </a:extLst>
+          </p:cNvPr>
+          <p:cNvSpPr/>
+          <p:nvPr/>
+        </p:nvSpPr>
+        <p:spPr>
+          <a:xfrm>
+            <a:off x="822616" y="2280122"/>
+            <a:ext cx="1873956" cy="2573867"/>
+          </a:xfrm>
+          <a:prstGeom prst="rect">
+            <a:avLst/>
+          </a:prstGeom>
+          <a:blipFill dpi="0" rotWithShape="1">
+            <a:blip r:embed="rId2"/>
+            <a:srcRect/>
+            <a:stretch>
+              <a:fillRect l="20000" t="40000" r="30000" b="50000"/>
+            </a:stretch>
+          </a:blipFill>
+        </p:spPr>
+        <p:style>
+          <a:lnRef idx="2">
+            <a:schemeClr val="accent1">
+              <a:shade val="15000"/>
+            </a:schemeClr>
+          </a:lnRef>
+          <a:fillRef idx="1">
+            <a:schemeClr val="accent1"/>
+          </a:fillRef>
+          <a:effectRef idx="0">
+            <a:schemeClr val="accent1"/>
+          </a:effectRef>
+          <a:fontRef idx="minor">
+            <a:schemeClr val="lt1"/>
+          </a:fontRef>
+        </p:style>
+        <p:txBody>
+          <a:bodyPr rtlCol="0" anchor="ctr"/>
+          <a:lstStyle/>
+          <a:p>
+            <a:pPr algn="ctr"/>
+            <a:endParaRPr lang="zh-CN" altLang="en-US"/>
+          </a:p>
+        </p:txBody>
+      </p:sp>
+      <p:sp>
+        <p:nvSpPr>
+          <p:cNvPr id="6" name="矩形 5">
+            <a:extLst>
+              <a:ext uri="{FF2B5EF4-FFF2-40B4-BE49-F238E27FC236}">
+                <a16:creationId xmlns:a16="http://schemas.microsoft.com/office/drawing/2014/main" id="{C3725865-DB10-DAED-93CE-18C80C1D492C}"/>
+              </a:ext>
+            </a:extLst>
+          </p:cNvPr>
+          <p:cNvSpPr/>
+          <p:nvPr/>
+        </p:nvSpPr>
+        <p:spPr>
+          <a:xfrm>
+            <a:off x="8977065" y="2280121"/>
+            <a:ext cx="1873956" cy="2573867"/>
+          </a:xfrm>
+          <a:prstGeom prst="rect">
+            <a:avLst/>
+          </a:prstGeom>
+          <a:pattFill prst="horzBrick">
+            <a:fgClr>
+              <a:schemeClr val="accent1"/>
+            </a:fgClr>
+            <a:bgClr>
+              <a:schemeClr val="accent2">
+                <a:lumMod val="75000"/>
+              </a:schemeClr>
+            </a:bgClr>
+          </a:pattFill>
+          <a:ln>
+            <a:solidFill>
+              <a:schemeClr val="accent1">
+                <a:shade val="15000"/>
+              </a:schemeClr>
+            </a:solidFill>
+          </a:ln>
+        </p:spPr>
+        <p:style>
+          <a:lnRef idx="2">
+            <a:schemeClr val="accent1">
+              <a:shade val="15000"/>
+            </a:schemeClr>
+          </a:lnRef>
+          <a:fillRef idx="1">
+            <a:schemeClr val="accent1"/>
+          </a:fillRef>
+          <a:effectRef idx="0">
+            <a:schemeClr val="accent1"/>
+          </a:effectRef>
+          <a:fontRef idx="minor">
+            <a:schemeClr val="lt1"/>
+          </a:fontRef>
+        </p:style>
+        <p:txBody>
+          <a:bodyPr rtlCol="0" anchor="ctr"/>
+          <a:lstStyle/>
+          <a:p>
+            <a:pPr algn="ctr"/>
+            <a:endParaRPr lang="zh-CN" altLang="en-US"/>
+          </a:p>
+        </p:txBody>
+      </p:sp>
+      <p:sp>
+        <p:nvSpPr>
+          <p:cNvPr id="2" name="矩形 1">
+            <a:extLst>
+              <a:ext uri="{FF2B5EF4-FFF2-40B4-BE49-F238E27FC236}">
+                <a16:creationId xmlns:a16="http://schemas.microsoft.com/office/drawing/2014/main" id="{1774132F-8541-D07E-8A54-4D6475295F21}"/>
+              </a:ext>
+            </a:extLst>
+          </p:cNvPr>
+          <p:cNvSpPr/>
+          <p:nvPr/>
+        </p:nvSpPr>
+        <p:spPr>
+          <a:xfrm>
+            <a:off x="6095999" y="2280123"/>
+            <a:ext cx="1649507" cy="2573866"/>
+          </a:xfrm>
+          <a:prstGeom prst="rect">
+            <a:avLst/>
+          </a:prstGeom>
+          <a:blipFill dpi="0" rotWithShape="1">
+            <a:blip r:embed="rId3">
+              <a:alphaModFix amt="82000"/>
+            </a:blip>
+            <a:srcRect/>
+            <a:stretch>
+              <a:fillRect/>
+            </a:stretch>
+          </a:blipFill>
+        </p:spPr>
+        <p:style>
+          <a:lnRef idx="2">
+            <a:schemeClr val="accent1">
+              <a:shade val="15000"/>
+            </a:schemeClr>
+          </a:lnRef>
+          <a:fillRef idx="1">
+            <a:schemeClr val="accent1"/>
+          </a:fillRef>
+          <a:effectRef idx="0">
+            <a:schemeClr val="accent1"/>
+          </a:effectRef>
+          <a:fontRef idx="minor">
+            <a:schemeClr val="lt1"/>
+          </a:fontRef>
+        </p:style>
+        <p:txBody>
+          <a:bodyPr rtlCol="0" anchor="ctr"/>
+          <a:lstStyle/>
+          <a:p>
+            <a:pPr algn="ctr"/>
+            <a:endParaRPr lang="zh-CN" altLang="en-US"/>
+          </a:p>
+        </p:txBody>
+      </p:sp>
+      <p:sp>
+        <p:nvSpPr>
+          <p:cNvPr id="3" name="矩形 2">
+            <a:extLst>
+              <a:ext uri="{FF2B5EF4-FFF2-40B4-BE49-F238E27FC236}">
+                <a16:creationId xmlns:a16="http://schemas.microsoft.com/office/drawing/2014/main" id="{83088BC8-FEE6-1F0A-1228-06A77C9C941C}"/>
+              </a:ext>
+            </a:extLst>
+          </p:cNvPr>
+          <p:cNvSpPr/>
+          <p:nvPr/>
+        </p:nvSpPr>
+        <p:spPr>
+          <a:xfrm>
+            <a:off x="3459307" y="2280120"/>
+            <a:ext cx="1873956" cy="2573867"/>
+          </a:xfrm>
+          <a:prstGeom prst="rect">
+            <a:avLst/>
+          </a:prstGeom>
+          <a:blipFill dpi="0" rotWithShape="1">
+            <a:blip r:embed="rId4">
+              <a:alphaModFix amt="91000"/>
+            </a:blip>
+            <a:srcRect/>
+            <a:stretch>
+              <a:fillRect/>
+            </a:stretch>
+          </a:blipFill>
+        </p:spPr>
+        <p:style>
+          <a:lnRef idx="2">
+            <a:schemeClr val="accent1">
+              <a:shade val="15000"/>
+            </a:schemeClr>
+          </a:lnRef>
+          <a:fillRef idx="1">
+            <a:schemeClr val="accent1"/>
+          </a:fillRef>
+          <a:effectRef idx="0">
+            <a:schemeClr val="accent1"/>
+          </a:effectRef>
+          <a:fontRef idx="minor">
+            <a:schemeClr val="lt1"/>
+          </a:fontRef>
+        </p:style>
+        <p:txBody>
+          <a:bodyPr rtlCol="0" anchor="ctr"/>
+          <a:lstStyle/>
+          <a:p>
+            <a:pPr algn="ctr"/>
+            <a:endParaRPr lang="zh-CN" altLang="en-US"/>
+          </a:p>
+        </p:txBody>
+      </p:sp>
+    </p:spTree>
+    <p:extLst>
+      <p:ext uri="{BB962C8B-B14F-4D97-AF65-F5344CB8AC3E}">
+        <p14:creationId xmlns:p14="http://schemas.microsoft.com/office/powerpoint/2010/main" val="1656314661"/>
+      </p:ext>
+    </p:extLst>
+  </p:cSld>
+  <p:clrMapOvr>
+    <a:masterClrMapping/>
+  </p:clrMapOvr>
 </p:sld>
 </file>
 

--- a/assets/ppt/simple.pptx
+++ b/assets/ppt/simple.pptx
@@ -215,7 +215,7 @@
           <a:p>
             <a:fld id="{561015B1-ED29-F04F-B696-7C731FF4B4B4}" type="datetimeFigureOut">
               <a:rPr kumimoji="1" lang="zh-CN" altLang="en-US" smtClean="0"/>
-              <a:t>2024/3/29</a:t>
+              <a:t>2024/4/1</a:t>
             </a:fld>
             <a:endParaRPr kumimoji="1" lang="zh-CN" altLang="en-US"/>
           </a:p>
@@ -746,7 +746,7 @@
           <a:p>
             <a:fld id="{DEDA17D1-6590-4570-9DF1-29A4B3C6B8EE}" type="datetimeFigureOut">
               <a:rPr lang="zh-CN" altLang="en-US" smtClean="0"/>
-              <a:t>2024/3/29</a:t>
+              <a:t>2024/4/1</a:t>
             </a:fld>
             <a:endParaRPr lang="zh-CN" altLang="en-US"/>
           </a:p>
@@ -993,7 +993,7 @@
           <a:p>
             <a:fld id="{DEDA17D1-6590-4570-9DF1-29A4B3C6B8EE}" type="datetimeFigureOut">
               <a:rPr lang="zh-CN" altLang="en-US" smtClean="0"/>
-              <a:t>2024/3/29</a:t>
+              <a:t>2024/4/1</a:t>
             </a:fld>
             <a:endParaRPr lang="zh-CN" altLang="en-US"/>
           </a:p>
@@ -1201,7 +1201,7 @@
           <a:p>
             <a:fld id="{DEDA17D1-6590-4570-9DF1-29A4B3C6B8EE}" type="datetimeFigureOut">
               <a:rPr lang="zh-CN" altLang="en-US" smtClean="0"/>
-              <a:t>2024/3/29</a:t>
+              <a:t>2024/4/1</a:t>
             </a:fld>
             <a:endParaRPr lang="zh-CN" altLang="en-US"/>
           </a:p>
@@ -1342,6 +1342,9 @@
             <a:off x="684212" y="3843867"/>
             <a:ext cx="6400800" cy="1947333"/>
           </a:xfrm>
+          <a:prstGeom prst="rect">
+            <a:avLst/>
+          </a:prstGeom>
         </p:spPr>
         <p:txBody>
           <a:bodyPr anchor="t">
@@ -1465,7 +1468,7 @@
           <a:p>
             <a:fld id="{54572FE0-AF69-49FC-A044-C789016A5D4F}" type="datetimeFigureOut">
               <a:rPr lang="zh-CN" altLang="en-US" smtClean="0"/>
-              <a:t>2024/3/29</a:t>
+              <a:t>2024/4/1</a:t>
             </a:fld>
             <a:endParaRPr lang="zh-CN" altLang="en-US"/>
           </a:p>
@@ -1751,7 +1754,15 @@
             <p:ph idx="1"/>
           </p:nvPr>
         </p:nvSpPr>
-        <p:spPr/>
+        <p:spPr>
+          <a:xfrm>
+            <a:off x="684212" y="685800"/>
+            <a:ext cx="8534400" cy="3615267"/>
+          </a:xfrm>
+          <a:prstGeom prst="rect">
+            <a:avLst/>
+          </a:prstGeom>
+        </p:spPr>
         <p:txBody>
           <a:bodyPr anchor="ctr"/>
           <a:lstStyle/>
@@ -1810,7 +1821,7 @@
           <a:p>
             <a:fld id="{54572FE0-AF69-49FC-A044-C789016A5D4F}" type="datetimeFigureOut">
               <a:rPr lang="zh-CN" altLang="en-US" smtClean="0"/>
-              <a:t>2024/3/29</a:t>
+              <a:t>2024/4/1</a:t>
             </a:fld>
             <a:endParaRPr lang="zh-CN" altLang="en-US"/>
           </a:p>
@@ -1937,6 +1948,9 @@
             <a:off x="684213" y="4495800"/>
             <a:ext cx="8534400" cy="1498600"/>
           </a:xfrm>
+          <a:prstGeom prst="rect">
+            <a:avLst/>
+          </a:prstGeom>
         </p:spPr>
         <p:txBody>
           <a:bodyPr anchor="t">
@@ -2060,7 +2074,7 @@
           <a:p>
             <a:fld id="{54572FE0-AF69-49FC-A044-C789016A5D4F}" type="datetimeFigureOut">
               <a:rPr lang="zh-CN" altLang="en-US" smtClean="0"/>
-              <a:t>2024/3/29</a:t>
+              <a:t>2024/4/1</a:t>
             </a:fld>
             <a:endParaRPr lang="zh-CN" altLang="en-US"/>
           </a:p>
@@ -2176,6 +2190,9 @@
             <a:off x="684211" y="685800"/>
             <a:ext cx="4937655" cy="3615267"/>
           </a:xfrm>
+          <a:prstGeom prst="rect">
+            <a:avLst/>
+          </a:prstGeom>
         </p:spPr>
         <p:txBody>
           <a:bodyPr>
@@ -2235,6 +2252,9 @@
             <a:off x="5808133" y="685801"/>
             <a:ext cx="4934479" cy="3615266"/>
           </a:xfrm>
+          <a:prstGeom prst="rect">
+            <a:avLst/>
+          </a:prstGeom>
         </p:spPr>
         <p:txBody>
           <a:bodyPr>
@@ -2296,7 +2316,7 @@
           <a:p>
             <a:fld id="{54572FE0-AF69-49FC-A044-C789016A5D4F}" type="datetimeFigureOut">
               <a:rPr lang="zh-CN" altLang="en-US" smtClean="0"/>
-              <a:t>2024/3/29</a:t>
+              <a:t>2024/4/1</a:t>
             </a:fld>
             <a:endParaRPr lang="zh-CN" altLang="en-US"/>
           </a:p>
@@ -2416,6 +2436,9 @@
             <a:off x="972080" y="685800"/>
             <a:ext cx="4649787" cy="576262"/>
           </a:xfrm>
+          <a:prstGeom prst="rect">
+            <a:avLst/>
+          </a:prstGeom>
         </p:spPr>
         <p:txBody>
           <a:bodyPr anchor="b">
@@ -2487,6 +2510,9 @@
             <a:off x="684211" y="1270529"/>
             <a:ext cx="4937655" cy="3030538"/>
           </a:xfrm>
+          <a:prstGeom prst="rect">
+            <a:avLst/>
+          </a:prstGeom>
         </p:spPr>
         <p:txBody>
           <a:bodyPr anchor="t">
@@ -2546,6 +2572,9 @@
             <a:off x="6079066" y="685800"/>
             <a:ext cx="4665134" cy="576262"/>
           </a:xfrm>
+          <a:prstGeom prst="rect">
+            <a:avLst/>
+          </a:prstGeom>
         </p:spPr>
         <p:txBody>
           <a:bodyPr anchor="b">
@@ -2617,6 +2646,9 @@
             <a:off x="5806545" y="1262062"/>
             <a:ext cx="4929188" cy="3030538"/>
           </a:xfrm>
+          <a:prstGeom prst="rect">
+            <a:avLst/>
+          </a:prstGeom>
         </p:spPr>
         <p:txBody>
           <a:bodyPr anchor="t">
@@ -2678,7 +2710,7 @@
           <a:p>
             <a:fld id="{54572FE0-AF69-49FC-A044-C789016A5D4F}" type="datetimeFigureOut">
               <a:rPr lang="zh-CN" altLang="en-US" smtClean="0"/>
-              <a:t>2024/3/29</a:t>
+              <a:t>2024/4/1</a:t>
             </a:fld>
             <a:endParaRPr lang="zh-CN" altLang="en-US"/>
           </a:p>
@@ -2796,7 +2828,7 @@
           <a:p>
             <a:fld id="{54572FE0-AF69-49FC-A044-C789016A5D4F}" type="datetimeFigureOut">
               <a:rPr lang="zh-CN" altLang="en-US" smtClean="0"/>
-              <a:t>2024/3/29</a:t>
+              <a:t>2024/4/1</a:t>
             </a:fld>
             <a:endParaRPr lang="zh-CN" altLang="en-US"/>
           </a:p>
@@ -2891,7 +2923,7 @@
           <a:p>
             <a:fld id="{54572FE0-AF69-49FC-A044-C789016A5D4F}" type="datetimeFigureOut">
               <a:rPr lang="zh-CN" altLang="en-US" smtClean="0"/>
-              <a:t>2024/3/29</a:t>
+              <a:t>2024/4/1</a:t>
             </a:fld>
             <a:endParaRPr lang="zh-CN" altLang="en-US"/>
           </a:p>
@@ -3018,6 +3050,9 @@
             <a:off x="684212" y="685800"/>
             <a:ext cx="5943601" cy="5308600"/>
           </a:xfrm>
+          <a:prstGeom prst="rect">
+            <a:avLst/>
+          </a:prstGeom>
         </p:spPr>
         <p:txBody>
           <a:bodyPr anchor="ctr">
@@ -3077,6 +3112,9 @@
             <a:off x="7085012" y="2209799"/>
             <a:ext cx="3657600" cy="2091267"/>
           </a:xfrm>
+          <a:prstGeom prst="rect">
+            <a:avLst/>
+          </a:prstGeom>
         </p:spPr>
         <p:txBody>
           <a:bodyPr anchor="t">
@@ -3146,7 +3184,7 @@
           <a:p>
             <a:fld id="{54572FE0-AF69-49FC-A044-C789016A5D4F}" type="datetimeFigureOut">
               <a:rPr lang="zh-CN" altLang="en-US" smtClean="0"/>
-              <a:t>2024/3/29</a:t>
+              <a:t>2024/4/1</a:t>
             </a:fld>
             <a:endParaRPr lang="zh-CN" altLang="en-US"/>
           </a:p>
@@ -3332,7 +3370,7 @@
           <a:p>
             <a:fld id="{DEDA17D1-6590-4570-9DF1-29A4B3C6B8EE}" type="datetimeFigureOut">
               <a:rPr lang="zh-CN" altLang="en-US" smtClean="0"/>
-              <a:t>2024/3/29</a:t>
+              <a:t>2024/4/1</a:t>
             </a:fld>
             <a:endParaRPr lang="zh-CN" altLang="en-US"/>
           </a:p>
@@ -3558,6 +3596,9 @@
             <a:off x="4722812" y="2777066"/>
             <a:ext cx="6021388" cy="2048933"/>
           </a:xfrm>
+          <a:prstGeom prst="rect">
+            <a:avLst/>
+          </a:prstGeom>
         </p:spPr>
         <p:txBody>
           <a:bodyPr anchor="t">
@@ -3627,7 +3668,7 @@
           <a:p>
             <a:fld id="{54572FE0-AF69-49FC-A044-C789016A5D4F}" type="datetimeFigureOut">
               <a:rPr lang="zh-CN" altLang="en-US" smtClean="0"/>
-              <a:t>2024/3/29</a:t>
+              <a:t>2024/4/1</a:t>
             </a:fld>
             <a:endParaRPr lang="zh-CN" altLang="en-US"/>
           </a:p>
@@ -3830,6 +3871,9 @@
             <a:off x="914402" y="3843867"/>
             <a:ext cx="8304210" cy="457200"/>
           </a:xfrm>
+          <a:prstGeom prst="rect">
+            <a:avLst/>
+          </a:prstGeom>
         </p:spPr>
         <p:txBody>
           <a:bodyPr anchor="t">
@@ -3888,7 +3932,7 @@
           <a:p>
             <a:fld id="{54572FE0-AF69-49FC-A044-C789016A5D4F}" type="datetimeFigureOut">
               <a:rPr lang="zh-CN" altLang="en-US" smtClean="0"/>
-              <a:t>2024/3/29</a:t>
+              <a:t>2024/4/1</a:t>
             </a:fld>
             <a:endParaRPr lang="zh-CN" altLang="en-US"/>
           </a:p>
@@ -4015,6 +4059,9 @@
             <a:off x="684212" y="4114800"/>
             <a:ext cx="8535988" cy="1879600"/>
           </a:xfrm>
+          <a:prstGeom prst="rect">
+            <a:avLst/>
+          </a:prstGeom>
         </p:spPr>
         <p:txBody>
           <a:bodyPr anchor="ctr">
@@ -4138,7 +4185,7 @@
           <a:p>
             <a:fld id="{54572FE0-AF69-49FC-A044-C789016A5D4F}" type="datetimeFigureOut">
               <a:rPr lang="zh-CN" altLang="en-US" smtClean="0"/>
-              <a:t>2024/3/29</a:t>
+              <a:t>2024/4/1</a:t>
             </a:fld>
             <a:endParaRPr lang="zh-CN" altLang="en-US"/>
           </a:p>
@@ -4269,6 +4316,9 @@
             <a:off x="1446212" y="3429000"/>
             <a:ext cx="8534400" cy="381000"/>
           </a:xfrm>
+          <a:prstGeom prst="rect">
+            <a:avLst/>
+          </a:prstGeom>
         </p:spPr>
         <p:txBody>
           <a:bodyPr anchor="ctr"/>
@@ -4323,6 +4373,9 @@
             <a:off x="684213" y="4301067"/>
             <a:ext cx="8534400" cy="1684865"/>
           </a:xfrm>
+          <a:prstGeom prst="rect">
+            <a:avLst/>
+          </a:prstGeom>
         </p:spPr>
         <p:txBody>
           <a:bodyPr anchor="ctr">
@@ -4446,7 +4499,7 @@
           <a:p>
             <a:fld id="{54572FE0-AF69-49FC-A044-C789016A5D4F}" type="datetimeFigureOut">
               <a:rPr lang="zh-CN" altLang="en-US" smtClean="0"/>
-              <a:t>2024/3/29</a:t>
+              <a:t>2024/4/1</a:t>
             </a:fld>
             <a:endParaRPr lang="zh-CN" altLang="en-US"/>
           </a:p>
@@ -4641,6 +4694,9 @@
             <a:off x="684211" y="5132981"/>
             <a:ext cx="8535990" cy="860400"/>
           </a:xfrm>
+          <a:prstGeom prst="rect">
+            <a:avLst/>
+          </a:prstGeom>
         </p:spPr>
         <p:txBody>
           <a:bodyPr anchor="t">
@@ -4764,7 +4820,7 @@
           <a:p>
             <a:fld id="{54572FE0-AF69-49FC-A044-C789016A5D4F}" type="datetimeFigureOut">
               <a:rPr lang="zh-CN" altLang="en-US" smtClean="0"/>
-              <a:t>2024/3/29</a:t>
+              <a:t>2024/4/1</a:t>
             </a:fld>
             <a:endParaRPr lang="zh-CN" altLang="en-US"/>
           </a:p>
@@ -4895,6 +4951,9 @@
             <a:off x="684212" y="3928534"/>
             <a:ext cx="8534401" cy="1049866"/>
           </a:xfrm>
+          <a:prstGeom prst="rect">
+            <a:avLst/>
+          </a:prstGeom>
         </p:spPr>
         <p:txBody>
           <a:bodyPr vert="horz" lIns="91440" tIns="45720" rIns="91440" bIns="45720" rtlCol="0" anchor="b">
@@ -4943,6 +5002,9 @@
             <a:off x="684211" y="4978400"/>
             <a:ext cx="8534401" cy="1016000"/>
           </a:xfrm>
+          <a:prstGeom prst="rect">
+            <a:avLst/>
+          </a:prstGeom>
         </p:spPr>
         <p:txBody>
           <a:bodyPr anchor="t">
@@ -5066,7 +5128,7 @@
           <a:p>
             <a:fld id="{54572FE0-AF69-49FC-A044-C789016A5D4F}" type="datetimeFigureOut">
               <a:rPr lang="zh-CN" altLang="en-US" smtClean="0"/>
-              <a:t>2024/3/29</a:t>
+              <a:t>2024/4/1</a:t>
             </a:fld>
             <a:endParaRPr lang="zh-CN" altLang="en-US"/>
           </a:p>
@@ -5262,6 +5324,9 @@
             <a:off x="684212" y="3928534"/>
             <a:ext cx="8534400" cy="838200"/>
           </a:xfrm>
+          <a:prstGeom prst="rect">
+            <a:avLst/>
+          </a:prstGeom>
         </p:spPr>
         <p:txBody>
           <a:bodyPr vert="horz" lIns="91440" tIns="45720" rIns="91440" bIns="45720" rtlCol="0" anchor="b">
@@ -5310,6 +5375,9 @@
             <a:off x="684211" y="4766732"/>
             <a:ext cx="8534401" cy="1227667"/>
           </a:xfrm>
+          <a:prstGeom prst="rect">
+            <a:avLst/>
+          </a:prstGeom>
         </p:spPr>
         <p:txBody>
           <a:bodyPr anchor="t">
@@ -5433,7 +5501,7 @@
           <a:p>
             <a:fld id="{54572FE0-AF69-49FC-A044-C789016A5D4F}" type="datetimeFigureOut">
               <a:rPr lang="zh-CN" altLang="en-US" smtClean="0"/>
-              <a:t>2024/3/29</a:t>
+              <a:t>2024/4/1</a:t>
             </a:fld>
             <a:endParaRPr lang="zh-CN" altLang="en-US"/>
           </a:p>
@@ -5548,7 +5616,15 @@
             <p:ph type="body" orient="vert" idx="1"/>
           </p:nvPr>
         </p:nvSpPr>
-        <p:spPr/>
+        <p:spPr>
+          <a:xfrm>
+            <a:off x="684212" y="685800"/>
+            <a:ext cx="8534400" cy="3615267"/>
+          </a:xfrm>
+          <a:prstGeom prst="rect">
+            <a:avLst/>
+          </a:prstGeom>
+        </p:spPr>
         <p:txBody>
           <a:bodyPr vert="eaVert" anchor="t"/>
           <a:lstStyle/>
@@ -5607,7 +5683,7 @@
           <a:p>
             <a:fld id="{54572FE0-AF69-49FC-A044-C789016A5D4F}" type="datetimeFigureOut">
               <a:rPr lang="zh-CN" altLang="en-US" smtClean="0"/>
-              <a:t>2024/3/29</a:t>
+              <a:t>2024/4/1</a:t>
             </a:fld>
             <a:endParaRPr lang="zh-CN" altLang="en-US"/>
           </a:p>
@@ -5728,6 +5804,9 @@
             <a:off x="685800" y="685800"/>
             <a:ext cx="7823200" cy="5308600"/>
           </a:xfrm>
+          <a:prstGeom prst="rect">
+            <a:avLst/>
+          </a:prstGeom>
         </p:spPr>
         <p:txBody>
           <a:bodyPr vert="eaVert" anchor="t"/>
@@ -5787,7 +5866,7 @@
           <a:p>
             <a:fld id="{54572FE0-AF69-49FC-A044-C789016A5D4F}" type="datetimeFigureOut">
               <a:rPr lang="zh-CN" altLang="en-US" smtClean="0"/>
-              <a:t>2024/3/29</a:t>
+              <a:t>2024/4/1</a:t>
             </a:fld>
             <a:endParaRPr lang="zh-CN" altLang="en-US"/>
           </a:p>
@@ -5839,6 +5918,147 @@
     <p:extLst>
       <p:ext uri="{BB962C8B-B14F-4D97-AF65-F5344CB8AC3E}">
         <p14:creationId xmlns:p14="http://schemas.microsoft.com/office/powerpoint/2010/main" val="2596189368"/>
+      </p:ext>
+    </p:extLst>
+  </p:cSld>
+  <p:clrMapOvr>
+    <a:masterClrMapping/>
+  </p:clrMapOvr>
+</p:sldLayout>
+</file>
+
+<file path=ppt/slideLayouts/slideLayout29.xml><?xml version="1.0" encoding="utf-8"?>
+<p:sldLayout xmlns:a="http://schemas.openxmlformats.org/drawingml/2006/main" xmlns:r="http://schemas.openxmlformats.org/officeDocument/2006/relationships" xmlns:p="http://schemas.openxmlformats.org/presentationml/2006/main" preserve="1" userDrawn="1">
+  <p:cSld name="自定义版式">
+    <p:spTree>
+      <p:nvGrpSpPr>
+        <p:cNvPr id="1" name=""/>
+        <p:cNvGrpSpPr/>
+        <p:nvPr/>
+      </p:nvGrpSpPr>
+      <p:grpSpPr>
+        <a:xfrm>
+          <a:off x="0" y="0"/>
+          <a:ext cx="0" cy="0"/>
+          <a:chOff x="0" y="0"/>
+          <a:chExt cx="0" cy="0"/>
+        </a:xfrm>
+      </p:grpSpPr>
+      <p:sp>
+        <p:nvSpPr>
+          <p:cNvPr id="2" name="标题 1">
+            <a:extLst>
+              <a:ext uri="{FF2B5EF4-FFF2-40B4-BE49-F238E27FC236}">
+                <a16:creationId xmlns:a16="http://schemas.microsoft.com/office/drawing/2014/main" id="{5B1A245D-7311-AAD6-2739-B9B783262D94}"/>
+              </a:ext>
+            </a:extLst>
+          </p:cNvPr>
+          <p:cNvSpPr>
+            <a:spLocks noGrp="1"/>
+          </p:cNvSpPr>
+          <p:nvPr>
+            <p:ph type="title"/>
+          </p:nvPr>
+        </p:nvSpPr>
+        <p:spPr/>
+        <p:txBody>
+          <a:bodyPr/>
+          <a:lstStyle/>
+          <a:p>
+            <a:r>
+              <a:rPr lang="zh-CN" altLang="en-US"/>
+              <a:t>单击此处编辑母版标题样式</a:t>
+            </a:r>
+          </a:p>
+        </p:txBody>
+      </p:sp>
+      <p:sp>
+        <p:nvSpPr>
+          <p:cNvPr id="3" name="日期占位符 2">
+            <a:extLst>
+              <a:ext uri="{FF2B5EF4-FFF2-40B4-BE49-F238E27FC236}">
+                <a16:creationId xmlns:a16="http://schemas.microsoft.com/office/drawing/2014/main" id="{21BCB97E-0452-4E13-3D13-58909304FAE0}"/>
+              </a:ext>
+            </a:extLst>
+          </p:cNvPr>
+          <p:cNvSpPr>
+            <a:spLocks noGrp="1"/>
+          </p:cNvSpPr>
+          <p:nvPr>
+            <p:ph type="dt" sz="half" idx="10"/>
+          </p:nvPr>
+        </p:nvSpPr>
+        <p:spPr/>
+        <p:txBody>
+          <a:bodyPr/>
+          <a:lstStyle/>
+          <a:p>
+            <a:fld id="{DEDA17D1-6590-4570-9DF1-29A4B3C6B8EE}" type="datetimeFigureOut">
+              <a:rPr lang="zh-CN" altLang="en-US" smtClean="0"/>
+              <a:t>2024/4/1</a:t>
+            </a:fld>
+            <a:endParaRPr lang="zh-CN" altLang="en-US"/>
+          </a:p>
+        </p:txBody>
+      </p:sp>
+      <p:sp>
+        <p:nvSpPr>
+          <p:cNvPr id="4" name="页脚占位符 3">
+            <a:extLst>
+              <a:ext uri="{FF2B5EF4-FFF2-40B4-BE49-F238E27FC236}">
+                <a16:creationId xmlns:a16="http://schemas.microsoft.com/office/drawing/2014/main" id="{747AF16C-AF39-8409-2AB0-AE2142B3C150}"/>
+              </a:ext>
+            </a:extLst>
+          </p:cNvPr>
+          <p:cNvSpPr>
+            <a:spLocks noGrp="1"/>
+          </p:cNvSpPr>
+          <p:nvPr>
+            <p:ph type="ftr" sz="quarter" idx="11"/>
+          </p:nvPr>
+        </p:nvSpPr>
+        <p:spPr/>
+        <p:txBody>
+          <a:bodyPr/>
+          <a:lstStyle/>
+          <a:p>
+            <a:endParaRPr lang="zh-CN" altLang="en-US"/>
+          </a:p>
+        </p:txBody>
+      </p:sp>
+      <p:sp>
+        <p:nvSpPr>
+          <p:cNvPr id="5" name="灯片编号占位符 4">
+            <a:extLst>
+              <a:ext uri="{FF2B5EF4-FFF2-40B4-BE49-F238E27FC236}">
+                <a16:creationId xmlns:a16="http://schemas.microsoft.com/office/drawing/2014/main" id="{7ADA4555-3463-D335-547C-CDE3F1FA6625}"/>
+              </a:ext>
+            </a:extLst>
+          </p:cNvPr>
+          <p:cNvSpPr>
+            <a:spLocks noGrp="1"/>
+          </p:cNvSpPr>
+          <p:nvPr>
+            <p:ph type="sldNum" sz="quarter" idx="12"/>
+          </p:nvPr>
+        </p:nvSpPr>
+        <p:spPr/>
+        <p:txBody>
+          <a:bodyPr/>
+          <a:lstStyle/>
+          <a:p>
+            <a:fld id="{2ED1A831-4F8E-4053-B593-46016C4082BA}" type="slidenum">
+              <a:rPr lang="zh-CN" altLang="en-US" smtClean="0"/>
+              <a:t>‹#›</a:t>
+            </a:fld>
+            <a:endParaRPr lang="zh-CN" altLang="en-US"/>
+          </a:p>
+        </p:txBody>
+      </p:sp>
+    </p:spTree>
+    <p:extLst>
+      <p:ext uri="{BB962C8B-B14F-4D97-AF65-F5344CB8AC3E}">
+        <p14:creationId xmlns:p14="http://schemas.microsoft.com/office/powerpoint/2010/main" val="1815789082"/>
       </p:ext>
     </p:extLst>
   </p:cSld>
@@ -6050,7 +6270,7 @@
           <a:p>
             <a:fld id="{DEDA17D1-6590-4570-9DF1-29A4B3C6B8EE}" type="datetimeFigureOut">
               <a:rPr lang="zh-CN" altLang="en-US" smtClean="0"/>
-              <a:t>2024/3/29</a:t>
+              <a:t>2024/4/1</a:t>
             </a:fld>
             <a:endParaRPr lang="zh-CN" altLang="en-US"/>
           </a:p>
@@ -6315,7 +6535,7 @@
           <a:p>
             <a:fld id="{DEDA17D1-6590-4570-9DF1-29A4B3C6B8EE}" type="datetimeFigureOut">
               <a:rPr lang="zh-CN" altLang="en-US" smtClean="0"/>
-              <a:t>2024/3/29</a:t>
+              <a:t>2024/4/1</a:t>
             </a:fld>
             <a:endParaRPr lang="zh-CN" altLang="en-US"/>
           </a:p>
@@ -6736,7 +6956,7 @@
           <a:p>
             <a:fld id="{DEDA17D1-6590-4570-9DF1-29A4B3C6B8EE}" type="datetimeFigureOut">
               <a:rPr lang="zh-CN" altLang="en-US" smtClean="0"/>
-              <a:t>2024/3/29</a:t>
+              <a:t>2024/4/1</a:t>
             </a:fld>
             <a:endParaRPr lang="zh-CN" altLang="en-US"/>
           </a:p>
@@ -6877,7 +7097,7 @@
           <a:p>
             <a:fld id="{DEDA17D1-6590-4570-9DF1-29A4B3C6B8EE}" type="datetimeFigureOut">
               <a:rPr lang="zh-CN" altLang="en-US" smtClean="0"/>
-              <a:t>2024/3/29</a:t>
+              <a:t>2024/4/1</a:t>
             </a:fld>
             <a:endParaRPr lang="zh-CN" altLang="en-US"/>
           </a:p>
@@ -6990,7 +7210,7 @@
           <a:p>
             <a:fld id="{DEDA17D1-6590-4570-9DF1-29A4B3C6B8EE}" type="datetimeFigureOut">
               <a:rPr lang="zh-CN" altLang="en-US" smtClean="0"/>
-              <a:t>2024/3/29</a:t>
+              <a:t>2024/4/1</a:t>
             </a:fld>
             <a:endParaRPr lang="zh-CN" altLang="en-US"/>
           </a:p>
@@ -7301,7 +7521,7 @@
           <a:p>
             <a:fld id="{DEDA17D1-6590-4570-9DF1-29A4B3C6B8EE}" type="datetimeFigureOut">
               <a:rPr lang="zh-CN" altLang="en-US" smtClean="0"/>
-              <a:t>2024/3/29</a:t>
+              <a:t>2024/4/1</a:t>
             </a:fld>
             <a:endParaRPr lang="zh-CN" altLang="en-US"/>
           </a:p>
@@ -7589,7 +7809,7 @@
           <a:p>
             <a:fld id="{DEDA17D1-6590-4570-9DF1-29A4B3C6B8EE}" type="datetimeFigureOut">
               <a:rPr lang="zh-CN" altLang="en-US" smtClean="0"/>
-              <a:t>2024/3/29</a:t>
+              <a:t>2024/4/1</a:t>
             </a:fld>
             <a:endParaRPr lang="zh-CN" altLang="en-US"/>
           </a:p>
@@ -7858,7 +8078,7 @@
           <a:p>
             <a:fld id="{DEDA17D1-6590-4570-9DF1-29A4B3C6B8EE}" type="datetimeFigureOut">
               <a:rPr lang="zh-CN" altLang="en-US" smtClean="0"/>
-              <a:t>2024/3/29</a:t>
+              <a:t>2024/4/1</a:t>
             </a:fld>
             <a:endParaRPr lang="zh-CN" altLang="en-US"/>
           </a:p>
@@ -8288,7 +8508,7 @@
         </p:nvGrpSpPr>
         <p:grpSpPr>
           <a:xfrm>
-            <a:off x="9206969" y="2963333"/>
+            <a:off x="8872271" y="2705097"/>
             <a:ext cx="2981858" cy="3208867"/>
             <a:chOff x="9206969" y="2963333"/>
             <a:chExt cx="2981858" cy="3208867"/>
@@ -8506,68 +8726,6 @@
       </p:sp>
       <p:sp>
         <p:nvSpPr>
-          <p:cNvPr id="3" name="Text Placeholder 2"/>
-          <p:cNvSpPr>
-            <a:spLocks noGrp="1"/>
-          </p:cNvSpPr>
-          <p:nvPr>
-            <p:ph type="body" idx="1"/>
-          </p:nvPr>
-        </p:nvSpPr>
-        <p:spPr>
-          <a:xfrm>
-            <a:off x="684212" y="685800"/>
-            <a:ext cx="8534400" cy="3615267"/>
-          </a:xfrm>
-          <a:prstGeom prst="rect">
-            <a:avLst/>
-          </a:prstGeom>
-        </p:spPr>
-        <p:txBody>
-          <a:bodyPr vert="horz" lIns="91440" tIns="45720" rIns="91440" bIns="45720" rtlCol="0" anchor="ctr">
-            <a:normAutofit/>
-          </a:bodyPr>
-          <a:lstStyle/>
-          <a:p>
-            <a:pPr lvl="0"/>
-            <a:r>
-              <a:rPr lang="zh-CN" altLang="en-US"/>
-              <a:t>单击此处编辑母版文本样式</a:t>
-            </a:r>
-          </a:p>
-          <a:p>
-            <a:pPr lvl="1"/>
-            <a:r>
-              <a:rPr lang="zh-CN" altLang="en-US"/>
-              <a:t>二级</a:t>
-            </a:r>
-          </a:p>
-          <a:p>
-            <a:pPr lvl="2"/>
-            <a:r>
-              <a:rPr lang="zh-CN" altLang="en-US"/>
-              <a:t>三级</a:t>
-            </a:r>
-          </a:p>
-          <a:p>
-            <a:pPr lvl="3"/>
-            <a:r>
-              <a:rPr lang="zh-CN" altLang="en-US"/>
-              <a:t>四级</a:t>
-            </a:r>
-          </a:p>
-          <a:p>
-            <a:pPr lvl="4"/>
-            <a:r>
-              <a:rPr lang="zh-CN" altLang="en-US"/>
-              <a:t>五级</a:t>
-            </a:r>
-            <a:endParaRPr lang="en-US" dirty="0"/>
-          </a:p>
-        </p:txBody>
-      </p:sp>
-      <p:sp>
-        <p:nvSpPr>
           <p:cNvPr id="4" name="Date Placeholder 3"/>
           <p:cNvSpPr>
             <a:spLocks noGrp="1"/>
@@ -8603,7 +8761,7 @@
           <a:p>
             <a:fld id="{DEDA17D1-6590-4570-9DF1-29A4B3C6B8EE}" type="datetimeFigureOut">
               <a:rPr lang="zh-CN" altLang="en-US" smtClean="0"/>
-              <a:t>2024/3/29</a:t>
+              <a:t>2024/4/1</a:t>
             </a:fld>
             <a:endParaRPr lang="zh-CN" altLang="en-US"/>
           </a:p>
@@ -8687,6 +8845,52 @@
               <a:rPr lang="zh-CN" altLang="en-US" smtClean="0"/>
               <a:t>‹#›</a:t>
             </a:fld>
+            <a:endParaRPr lang="zh-CN" altLang="en-US"/>
+          </a:p>
+        </p:txBody>
+      </p:sp>
+      <p:sp>
+        <p:nvSpPr>
+          <p:cNvPr id="13" name="矩形 12">
+            <a:extLst>
+              <a:ext uri="{FF2B5EF4-FFF2-40B4-BE49-F238E27FC236}">
+                <a16:creationId xmlns:a16="http://schemas.microsoft.com/office/drawing/2014/main" id="{94D57772-E0C7-51D5-F096-C7D1A49973E1}"/>
+              </a:ext>
+            </a:extLst>
+          </p:cNvPr>
+          <p:cNvSpPr/>
+          <p:nvPr userDrawn="1"/>
+        </p:nvSpPr>
+        <p:spPr>
+          <a:xfrm>
+            <a:off x="281354" y="217488"/>
+            <a:ext cx="3295859" cy="2172534"/>
+          </a:xfrm>
+          <a:prstGeom prst="rect">
+            <a:avLst/>
+          </a:prstGeom>
+        </p:spPr>
+        <p:style>
+          <a:lnRef idx="2">
+            <a:schemeClr val="accent1">
+              <a:shade val="15000"/>
+            </a:schemeClr>
+          </a:lnRef>
+          <a:fillRef idx="1">
+            <a:schemeClr val="accent1"/>
+          </a:fillRef>
+          <a:effectRef idx="0">
+            <a:schemeClr val="accent1"/>
+          </a:effectRef>
+          <a:fontRef idx="minor">
+            <a:schemeClr val="lt1"/>
+          </a:fontRef>
+        </p:style>
+        <p:txBody>
+          <a:bodyPr rtlCol="0" anchor="ctr"/>
+          <a:lstStyle/>
+          <a:p>
+            <a:pPr algn="ctr"/>
             <a:endParaRPr lang="zh-CN" altLang="en-US"/>
           </a:p>
         </p:txBody>
@@ -8717,6 +8921,7 @@
     <p:sldLayoutId id="2147483716" r:id="rId15"/>
     <p:sldLayoutId id="2147483717" r:id="rId16"/>
     <p:sldLayoutId id="2147483718" r:id="rId17"/>
+    <p:sldLayoutId id="2147483719" r:id="rId18"/>
   </p:sldLayoutIdLst>
   <p:txStyles>
     <p:titleStyle>
@@ -9679,7 +9884,7 @@
     <p:bg>
       <p:bgPr>
         <a:solidFill>
-          <a:schemeClr val="tx1"/>
+          <a:schemeClr val="bg1"/>
         </a:solidFill>
         <a:effectLst/>
       </p:bgPr>
@@ -9698,52 +9903,6 @@
           <a:chExt cx="0" cy="0"/>
         </a:xfrm>
       </p:grpSpPr>
-      <p:sp>
-        <p:nvSpPr>
-          <p:cNvPr id="2" name="矩形 1">
-            <a:extLst>
-              <a:ext uri="{FF2B5EF4-FFF2-40B4-BE49-F238E27FC236}">
-                <a16:creationId xmlns:a16="http://schemas.microsoft.com/office/drawing/2014/main" id="{CF4CF876-8FE4-1B52-7235-9BAC5B9C0689}"/>
-              </a:ext>
-            </a:extLst>
-          </p:cNvPr>
-          <p:cNvSpPr/>
-          <p:nvPr/>
-        </p:nvSpPr>
-        <p:spPr>
-          <a:xfrm>
-            <a:off x="447758" y="487176"/>
-            <a:ext cx="1873956" cy="2573867"/>
-          </a:xfrm>
-          <a:prstGeom prst="rect">
-            <a:avLst/>
-          </a:prstGeom>
-        </p:spPr>
-        <p:style>
-          <a:lnRef idx="2">
-            <a:schemeClr val="accent1">
-              <a:shade val="15000"/>
-            </a:schemeClr>
-          </a:lnRef>
-          <a:fillRef idx="1">
-            <a:schemeClr val="accent1"/>
-          </a:fillRef>
-          <a:effectRef idx="0">
-            <a:schemeClr val="accent1"/>
-          </a:effectRef>
-          <a:fontRef idx="minor">
-            <a:schemeClr val="lt1"/>
-          </a:fontRef>
-        </p:style>
-        <p:txBody>
-          <a:bodyPr rtlCol="0" anchor="ctr"/>
-          <a:lstStyle/>
-          <a:p>
-            <a:pPr algn="ctr"/>
-            <a:endParaRPr lang="zh-CN" altLang="en-US"/>
-          </a:p>
-        </p:txBody>
-      </p:sp>
       <p:sp>
         <p:nvSpPr>
           <p:cNvPr id="3" name="矩形 2">
@@ -9789,7 +9948,10 @@
           <a:lstStyle/>
           <a:p>
             <a:pPr algn="ctr"/>
-            <a:endParaRPr lang="zh-CN" altLang="en-US"/>
+            <a:r>
+              <a:rPr lang="zh-CN" altLang="en-US" dirty="0"/>
+              <a:t>纯色填充</a:t>
+            </a:r>
           </a:p>
         </p:txBody>
       </p:sp>
@@ -9866,7 +10028,10 @@
           <a:lstStyle/>
           <a:p>
             <a:pPr algn="ctr"/>
-            <a:endParaRPr lang="zh-CN" altLang="en-US"/>
+            <a:r>
+              <a:rPr lang="zh-CN" altLang="en-US" dirty="0"/>
+              <a:t>线性渐变填充</a:t>
+            </a:r>
           </a:p>
         </p:txBody>
       </p:sp>
@@ -9918,7 +10083,10 @@
           <a:lstStyle/>
           <a:p>
             <a:pPr algn="ctr"/>
-            <a:endParaRPr lang="zh-CN" altLang="en-US"/>
+            <a:r>
+              <a:rPr lang="zh-CN" altLang="en-US" dirty="0"/>
+              <a:t>纹理填充</a:t>
+            </a:r>
           </a:p>
         </p:txBody>
       </p:sp>
@@ -9971,7 +10139,10 @@
           <a:lstStyle/>
           <a:p>
             <a:pPr algn="ctr"/>
-            <a:endParaRPr lang="zh-CN" altLang="en-US"/>
+            <a:r>
+              <a:rPr lang="zh-CN" altLang="en-US" dirty="0"/>
+              <a:t>图片缩放填充</a:t>
+            </a:r>
           </a:p>
         </p:txBody>
       </p:sp>
@@ -10034,7 +10205,10 @@
           <a:lstStyle/>
           <a:p>
             <a:pPr algn="ctr"/>
-            <a:endParaRPr lang="zh-CN" altLang="en-US"/>
+            <a:r>
+              <a:rPr lang="zh-CN" altLang="en-US" dirty="0"/>
+              <a:t>图案填充</a:t>
+            </a:r>
           </a:p>
         </p:txBody>
       </p:sp>
@@ -10088,45 +10262,9 @@
           <a:lstStyle/>
           <a:p>
             <a:pPr algn="ctr"/>
-            <a:endParaRPr lang="zh-CN" altLang="en-US"/>
-          </a:p>
-        </p:txBody>
-      </p:sp>
-      <p:sp>
-        <p:nvSpPr>
-          <p:cNvPr id="7" name="文本框 6">
-            <a:extLst>
-              <a:ext uri="{FF2B5EF4-FFF2-40B4-BE49-F238E27FC236}">
-                <a16:creationId xmlns:a16="http://schemas.microsoft.com/office/drawing/2014/main" id="{2A560BB0-CA10-184C-A37B-EE63FDE61634}"/>
-              </a:ext>
-            </a:extLst>
-          </p:cNvPr>
-          <p:cNvSpPr txBox="1"/>
-          <p:nvPr/>
-        </p:nvSpPr>
-        <p:spPr>
-          <a:xfrm>
-            <a:off x="641445" y="109182"/>
-            <a:ext cx="646331" cy="369332"/>
-          </a:xfrm>
-          <a:prstGeom prst="rect">
-            <a:avLst/>
-          </a:prstGeom>
-          <a:noFill/>
-        </p:spPr>
-        <p:txBody>
-          <a:bodyPr wrap="none" rtlCol="0">
-            <a:spAutoFit/>
-          </a:bodyPr>
-          <a:lstStyle/>
-          <a:p>
-            <a:r>
-              <a:rPr kumimoji="1" lang="zh-CN" altLang="en-US" dirty="0">
-                <a:solidFill>
-                  <a:srgbClr val="FF0000"/>
-                </a:solidFill>
-              </a:rPr>
-              <a:t>填充</a:t>
+            <a:r>
+              <a:rPr lang="zh-CN" altLang="en-US" dirty="0"/>
+              <a:t>幻灯片填充</a:t>
             </a:r>
           </a:p>
         </p:txBody>
@@ -10178,7 +10316,10 @@
           <a:lstStyle/>
           <a:p>
             <a:pPr algn="ctr"/>
-            <a:endParaRPr lang="zh-CN" altLang="en-US"/>
+            <a:r>
+              <a:rPr lang="zh-CN" altLang="en-US" dirty="0"/>
+              <a:t>图片平铺填充</a:t>
+            </a:r>
           </a:p>
         </p:txBody>
       </p:sp>
@@ -10257,7 +10398,10 @@
           <a:lstStyle/>
           <a:p>
             <a:pPr algn="ctr"/>
-            <a:endParaRPr lang="zh-CN" altLang="en-US"/>
+            <a:r>
+              <a:rPr lang="zh-CN" altLang="en-US" dirty="0"/>
+              <a:t>射线填充</a:t>
+            </a:r>
           </a:p>
         </p:txBody>
       </p:sp>
@@ -10336,7 +10480,10 @@
           <a:lstStyle/>
           <a:p>
             <a:pPr algn="ctr"/>
-            <a:endParaRPr lang="zh-CN" altLang="en-US"/>
+            <a:r>
+              <a:rPr lang="zh-CN" altLang="en-US" dirty="0"/>
+              <a:t>矩形渐变填充</a:t>
+            </a:r>
           </a:p>
         </p:txBody>
       </p:sp>
@@ -10354,7 +10501,7 @@
         </p:nvSpPr>
         <p:spPr>
           <a:xfrm>
-            <a:off x="8636924" y="1458442"/>
+            <a:off x="8603688" y="1458442"/>
             <a:ext cx="1680783" cy="2573867"/>
           </a:xfrm>
           <a:prstGeom prst="rect">
@@ -10407,7 +10554,59 @@
           <a:lstStyle/>
           <a:p>
             <a:pPr algn="ctr"/>
-            <a:endParaRPr lang="zh-CN" altLang="en-US" dirty="0"/>
+            <a:r>
+              <a:rPr lang="zh-CN" altLang="en-US" dirty="0"/>
+              <a:t>路径渐变填充</a:t>
+            </a:r>
+          </a:p>
+        </p:txBody>
+      </p:sp>
+      <p:sp>
+        <p:nvSpPr>
+          <p:cNvPr id="8" name="矩形 7">
+            <a:extLst>
+              <a:ext uri="{FF2B5EF4-FFF2-40B4-BE49-F238E27FC236}">
+                <a16:creationId xmlns:a16="http://schemas.microsoft.com/office/drawing/2014/main" id="{67267F97-5A7D-532C-8405-B1399925AA2F}"/>
+              </a:ext>
+            </a:extLst>
+          </p:cNvPr>
+          <p:cNvSpPr/>
+          <p:nvPr/>
+        </p:nvSpPr>
+        <p:spPr>
+          <a:xfrm>
+            <a:off x="447758" y="487176"/>
+            <a:ext cx="1873956" cy="2573867"/>
+          </a:xfrm>
+          <a:prstGeom prst="rect">
+            <a:avLst/>
+          </a:prstGeom>
+        </p:spPr>
+        <p:style>
+          <a:lnRef idx="2">
+            <a:schemeClr val="accent1">
+              <a:shade val="15000"/>
+            </a:schemeClr>
+          </a:lnRef>
+          <a:fillRef idx="1">
+            <a:schemeClr val="accent1"/>
+          </a:fillRef>
+          <a:effectRef idx="0">
+            <a:schemeClr val="accent1"/>
+          </a:effectRef>
+          <a:fontRef idx="minor">
+            <a:schemeClr val="lt1"/>
+          </a:fontRef>
+        </p:style>
+        <p:txBody>
+          <a:bodyPr rtlCol="0" anchor="ctr"/>
+          <a:lstStyle/>
+          <a:p>
+            <a:pPr algn="ctr"/>
+            <a:r>
+              <a:rPr lang="zh-CN" altLang="en-US"/>
+              <a:t>主题色填充</a:t>
+            </a:r>
           </a:p>
         </p:txBody>
       </p:sp>
@@ -12932,6 +13131,31 @@
           <a:lstStyle/>
           <a:p>
             <a:pPr algn="ctr"/>
+            <a:endParaRPr lang="zh-CN" altLang="en-US"/>
+          </a:p>
+        </p:txBody>
+      </p:sp>
+      <p:sp>
+        <p:nvSpPr>
+          <p:cNvPr id="7" name="标题 6">
+            <a:extLst>
+              <a:ext uri="{FF2B5EF4-FFF2-40B4-BE49-F238E27FC236}">
+                <a16:creationId xmlns:a16="http://schemas.microsoft.com/office/drawing/2014/main" id="{E9E9BDC4-5CD0-AA93-7E63-D063FEB78487}"/>
+              </a:ext>
+            </a:extLst>
+          </p:cNvPr>
+          <p:cNvSpPr>
+            <a:spLocks noGrp="1"/>
+          </p:cNvSpPr>
+          <p:nvPr>
+            <p:ph type="title"/>
+          </p:nvPr>
+        </p:nvSpPr>
+        <p:spPr/>
+        <p:txBody>
+          <a:bodyPr/>
+          <a:lstStyle/>
+          <a:p>
             <a:endParaRPr lang="zh-CN" altLang="en-US"/>
           </a:p>
         </p:txBody>

--- a/assets/ppt/simple.pptx
+++ b/assets/ppt/simple.pptx
@@ -3,10 +3,10 @@
 <p:presentation xmlns:a="http://schemas.openxmlformats.org/drawingml/2006/main" xmlns:r="http://schemas.openxmlformats.org/officeDocument/2006/relationships" xmlns:p="http://schemas.openxmlformats.org/presentationml/2006/main" saveSubsetFonts="1">
   <p:sldMasterIdLst>
     <p:sldMasterId id="2147483677" r:id="rId1"/>
-    <p:sldMasterId id="2147483701" r:id="rId2"/>
+    <p:sldMasterId id="2147483720" r:id="rId2"/>
   </p:sldMasterIdLst>
   <p:notesMasterIdLst>
-    <p:notesMasterId r:id="rId10"/>
+    <p:notesMasterId r:id="rId11"/>
   </p:notesMasterIdLst>
   <p:sldIdLst>
     <p:sldId id="256" r:id="rId3"/>
@@ -16,6 +16,7 @@
     <p:sldId id="260" r:id="rId7"/>
     <p:sldId id="261" r:id="rId8"/>
     <p:sldId id="262" r:id="rId9"/>
+    <p:sldId id="263" r:id="rId10"/>
   </p:sldIdLst>
   <p:sldSz cx="12192000" cy="6858000"/>
   <p:notesSz cx="6858000" cy="9144000"/>
@@ -215,7 +216,7 @@
           <a:p>
             <a:fld id="{561015B1-ED29-F04F-B696-7C731FF4B4B4}" type="datetimeFigureOut">
               <a:rPr kumimoji="1" lang="zh-CN" altLang="en-US" smtClean="0"/>
-              <a:t>2024/4/1</a:t>
+              <a:t>2024/4/2</a:t>
             </a:fld>
             <a:endParaRPr kumimoji="1" lang="zh-CN" altLang="en-US"/>
           </a:p>
@@ -746,7 +747,7 @@
           <a:p>
             <a:fld id="{DEDA17D1-6590-4570-9DF1-29A4B3C6B8EE}" type="datetimeFigureOut">
               <a:rPr lang="zh-CN" altLang="en-US" smtClean="0"/>
-              <a:t>2024/4/1</a:t>
+              <a:t>2024/4/2</a:t>
             </a:fld>
             <a:endParaRPr lang="zh-CN" altLang="en-US"/>
           </a:p>
@@ -993,7 +994,7 @@
           <a:p>
             <a:fld id="{DEDA17D1-6590-4570-9DF1-29A4B3C6B8EE}" type="datetimeFigureOut">
               <a:rPr lang="zh-CN" altLang="en-US" smtClean="0"/>
-              <a:t>2024/4/1</a:t>
+              <a:t>2024/4/2</a:t>
             </a:fld>
             <a:endParaRPr lang="zh-CN" altLang="en-US"/>
           </a:p>
@@ -1201,7 +1202,7 @@
           <a:p>
             <a:fld id="{DEDA17D1-6590-4570-9DF1-29A4B3C6B8EE}" type="datetimeFigureOut">
               <a:rPr lang="zh-CN" altLang="en-US" smtClean="0"/>
-              <a:t>2024/4/1</a:t>
+              <a:t>2024/4/2</a:t>
             </a:fld>
             <a:endParaRPr lang="zh-CN" altLang="en-US"/>
           </a:p>
@@ -1275,7 +1276,148 @@
 </file>
 
 <file path=ppt/slideLayouts/slideLayout12.xml><?xml version="1.0" encoding="utf-8"?>
-<p:sldLayout xmlns:a="http://schemas.openxmlformats.org/drawingml/2006/main" xmlns:r="http://schemas.openxmlformats.org/officeDocument/2006/relationships" xmlns:p="http://schemas.openxmlformats.org/presentationml/2006/main" showMasterSp="0" type="title" preserve="1">
+<p:sldLayout xmlns:a="http://schemas.openxmlformats.org/drawingml/2006/main" xmlns:r="http://schemas.openxmlformats.org/officeDocument/2006/relationships" xmlns:p="http://schemas.openxmlformats.org/presentationml/2006/main" userDrawn="1">
+  <p:cSld name="自定义版式">
+    <p:spTree>
+      <p:nvGrpSpPr>
+        <p:cNvPr id="1" name=""/>
+        <p:cNvGrpSpPr/>
+        <p:nvPr/>
+      </p:nvGrpSpPr>
+      <p:grpSpPr>
+        <a:xfrm>
+          <a:off x="0" y="0"/>
+          <a:ext cx="0" cy="0"/>
+          <a:chOff x="0" y="0"/>
+          <a:chExt cx="0" cy="0"/>
+        </a:xfrm>
+      </p:grpSpPr>
+      <p:sp>
+        <p:nvSpPr>
+          <p:cNvPr id="2" name="标题 1">
+            <a:extLst>
+              <a:ext uri="{FF2B5EF4-FFF2-40B4-BE49-F238E27FC236}">
+                <a16:creationId xmlns:a16="http://schemas.microsoft.com/office/drawing/2014/main" id="{5B1A245D-7311-AAD6-2739-B9B783262D94}"/>
+              </a:ext>
+            </a:extLst>
+          </p:cNvPr>
+          <p:cNvSpPr>
+            <a:spLocks noGrp="1"/>
+          </p:cNvSpPr>
+          <p:nvPr>
+            <p:ph type="title"/>
+          </p:nvPr>
+        </p:nvSpPr>
+        <p:spPr/>
+        <p:txBody>
+          <a:bodyPr/>
+          <a:lstStyle/>
+          <a:p>
+            <a:r>
+              <a:rPr lang="zh-CN" altLang="en-US"/>
+              <a:t>单击此处编辑母版标题样式</a:t>
+            </a:r>
+          </a:p>
+        </p:txBody>
+      </p:sp>
+      <p:sp>
+        <p:nvSpPr>
+          <p:cNvPr id="3" name="日期占位符 2">
+            <a:extLst>
+              <a:ext uri="{FF2B5EF4-FFF2-40B4-BE49-F238E27FC236}">
+                <a16:creationId xmlns:a16="http://schemas.microsoft.com/office/drawing/2014/main" id="{21BCB97E-0452-4E13-3D13-58909304FAE0}"/>
+              </a:ext>
+            </a:extLst>
+          </p:cNvPr>
+          <p:cNvSpPr>
+            <a:spLocks noGrp="1"/>
+          </p:cNvSpPr>
+          <p:nvPr>
+            <p:ph type="dt" sz="half" idx="10"/>
+          </p:nvPr>
+        </p:nvSpPr>
+        <p:spPr/>
+        <p:txBody>
+          <a:bodyPr/>
+          <a:lstStyle/>
+          <a:p>
+            <a:fld id="{DEDA17D1-6590-4570-9DF1-29A4B3C6B8EE}" type="datetimeFigureOut">
+              <a:rPr lang="zh-CN" altLang="en-US" smtClean="0"/>
+              <a:t>2024/4/2</a:t>
+            </a:fld>
+            <a:endParaRPr lang="zh-CN" altLang="en-US"/>
+          </a:p>
+        </p:txBody>
+      </p:sp>
+      <p:sp>
+        <p:nvSpPr>
+          <p:cNvPr id="4" name="页脚占位符 3">
+            <a:extLst>
+              <a:ext uri="{FF2B5EF4-FFF2-40B4-BE49-F238E27FC236}">
+                <a16:creationId xmlns:a16="http://schemas.microsoft.com/office/drawing/2014/main" id="{747AF16C-AF39-8409-2AB0-AE2142B3C150}"/>
+              </a:ext>
+            </a:extLst>
+          </p:cNvPr>
+          <p:cNvSpPr>
+            <a:spLocks noGrp="1"/>
+          </p:cNvSpPr>
+          <p:nvPr>
+            <p:ph type="ftr" sz="quarter" idx="11"/>
+          </p:nvPr>
+        </p:nvSpPr>
+        <p:spPr/>
+        <p:txBody>
+          <a:bodyPr/>
+          <a:lstStyle/>
+          <a:p>
+            <a:endParaRPr lang="zh-CN" altLang="en-US"/>
+          </a:p>
+        </p:txBody>
+      </p:sp>
+      <p:sp>
+        <p:nvSpPr>
+          <p:cNvPr id="5" name="灯片编号占位符 4">
+            <a:extLst>
+              <a:ext uri="{FF2B5EF4-FFF2-40B4-BE49-F238E27FC236}">
+                <a16:creationId xmlns:a16="http://schemas.microsoft.com/office/drawing/2014/main" id="{7ADA4555-3463-D335-547C-CDE3F1FA6625}"/>
+              </a:ext>
+            </a:extLst>
+          </p:cNvPr>
+          <p:cNvSpPr>
+            <a:spLocks noGrp="1"/>
+          </p:cNvSpPr>
+          <p:nvPr>
+            <p:ph type="sldNum" sz="quarter" idx="12"/>
+          </p:nvPr>
+        </p:nvSpPr>
+        <p:spPr/>
+        <p:txBody>
+          <a:bodyPr/>
+          <a:lstStyle/>
+          <a:p>
+            <a:fld id="{2ED1A831-4F8E-4053-B593-46016C4082BA}" type="slidenum">
+              <a:rPr lang="zh-CN" altLang="en-US" smtClean="0"/>
+              <a:t>‹#›</a:t>
+            </a:fld>
+            <a:endParaRPr lang="zh-CN" altLang="en-US"/>
+          </a:p>
+        </p:txBody>
+      </p:sp>
+    </p:spTree>
+    <p:extLst>
+      <p:ext uri="{BB962C8B-B14F-4D97-AF65-F5344CB8AC3E}">
+        <p14:creationId xmlns:p14="http://schemas.microsoft.com/office/powerpoint/2010/main" val="2503157527"/>
+      </p:ext>
+    </p:extLst>
+  </p:cSld>
+  <p:clrMapOvr>
+    <a:masterClrMapping/>
+  </p:clrMapOvr>
+</p:sldLayout>
+</file>
+
+<file path=ppt/slideLayouts/slideLayout13.xml><?xml version="1.0" encoding="utf-8"?>
+<p:sldLayout xmlns:a="http://schemas.openxmlformats.org/drawingml/2006/main" xmlns:r="http://schemas.openxmlformats.org/officeDocument/2006/relationships" xmlns:p="http://schemas.openxmlformats.org/presentationml/2006/main" type="title" preserve="1">
   <p:cSld name="标题幻灯片">
     <p:spTree>
       <p:nvGrpSpPr>
@@ -1293,7 +1435,13 @@
       </p:grpSpPr>
       <p:sp>
         <p:nvSpPr>
-          <p:cNvPr id="2" name="Title 1"/>
+          <p:cNvPr id="2" name="标题 1">
+            <a:extLst>
+              <a:ext uri="{FF2B5EF4-FFF2-40B4-BE49-F238E27FC236}">
+                <a16:creationId xmlns:a16="http://schemas.microsoft.com/office/drawing/2014/main" id="{C520C3FD-01AC-858E-F400-B8059397F267}"/>
+              </a:ext>
+            </a:extLst>
+          </p:cNvPr>
           <p:cNvSpPr>
             <a:spLocks noGrp="1"/>
           </p:cNvSpPr>
@@ -1303,19 +1451,15 @@
         </p:nvSpPr>
         <p:spPr>
           <a:xfrm>
-            <a:off x="684212" y="685799"/>
-            <a:ext cx="8001000" cy="2971801"/>
+            <a:off x="1524000" y="1122363"/>
+            <a:ext cx="9144000" cy="2387600"/>
           </a:xfrm>
         </p:spPr>
         <p:txBody>
-          <a:bodyPr anchor="b">
-            <a:normAutofit/>
-          </a:bodyPr>
+          <a:bodyPr anchor="b"/>
           <a:lstStyle>
-            <a:lvl1pPr algn="l">
-              <a:defRPr sz="4800">
-                <a:effectLst/>
-              </a:defRPr>
+            <a:lvl1pPr algn="ctr">
+              <a:defRPr sz="6000"/>
             </a:lvl1pPr>
           </a:lstStyle>
           <a:p>
@@ -1323,13 +1467,18 @@
               <a:rPr lang="zh-CN" altLang="en-US"/>
               <a:t>单击此处编辑母版标题样式</a:t>
             </a:r>
-            <a:endParaRPr lang="en-US" dirty="0"/>
-          </a:p>
-        </p:txBody>
-      </p:sp>
-      <p:sp>
-        <p:nvSpPr>
-          <p:cNvPr id="3" name="Subtitle 2"/>
+          </a:p>
+        </p:txBody>
+      </p:sp>
+      <p:sp>
+        <p:nvSpPr>
+          <p:cNvPr id="3" name="副标题 2">
+            <a:extLst>
+              <a:ext uri="{FF2B5EF4-FFF2-40B4-BE49-F238E27FC236}">
+                <a16:creationId xmlns:a16="http://schemas.microsoft.com/office/drawing/2014/main" id="{FA12615D-4DB9-FC1D-BF60-A23DD9FC4978}"/>
+              </a:ext>
+            </a:extLst>
+          </p:cNvPr>
           <p:cNvSpPr>
             <a:spLocks noGrp="1"/>
           </p:cNvSpPr>
@@ -1339,107 +1488,48 @@
         </p:nvSpPr>
         <p:spPr>
           <a:xfrm>
-            <a:off x="684212" y="3843867"/>
-            <a:ext cx="6400800" cy="1947333"/>
+            <a:off x="1524000" y="3602038"/>
+            <a:ext cx="9144000" cy="1655762"/>
           </a:xfrm>
-          <a:prstGeom prst="rect">
-            <a:avLst/>
-          </a:prstGeom>
         </p:spPr>
         <p:txBody>
-          <a:bodyPr anchor="t">
-            <a:normAutofit/>
-          </a:bodyPr>
+          <a:bodyPr/>
           <a:lstStyle>
-            <a:lvl1pPr marL="0" indent="0" algn="l">
-              <a:buNone/>
-              <a:defRPr sz="2100">
-                <a:solidFill>
-                  <a:schemeClr val="bg2">
-                    <a:lumMod val="75000"/>
-                  </a:schemeClr>
-                </a:solidFill>
-              </a:defRPr>
+            <a:lvl1pPr marL="0" indent="0" algn="ctr">
+              <a:buNone/>
+              <a:defRPr sz="2400"/>
             </a:lvl1pPr>
             <a:lvl2pPr marL="457200" indent="0" algn="ctr">
               <a:buNone/>
-              <a:defRPr>
-                <a:solidFill>
-                  <a:schemeClr val="tx1">
-                    <a:tint val="75000"/>
-                  </a:schemeClr>
-                </a:solidFill>
-              </a:defRPr>
+              <a:defRPr sz="2000"/>
             </a:lvl2pPr>
             <a:lvl3pPr marL="914400" indent="0" algn="ctr">
               <a:buNone/>
-              <a:defRPr>
-                <a:solidFill>
-                  <a:schemeClr val="tx1">
-                    <a:tint val="75000"/>
-                  </a:schemeClr>
-                </a:solidFill>
-              </a:defRPr>
+              <a:defRPr sz="1800"/>
             </a:lvl3pPr>
             <a:lvl4pPr marL="1371600" indent="0" algn="ctr">
               <a:buNone/>
-              <a:defRPr>
-                <a:solidFill>
-                  <a:schemeClr val="tx1">
-                    <a:tint val="75000"/>
-                  </a:schemeClr>
-                </a:solidFill>
-              </a:defRPr>
+              <a:defRPr sz="1600"/>
             </a:lvl4pPr>
             <a:lvl5pPr marL="1828800" indent="0" algn="ctr">
               <a:buNone/>
-              <a:defRPr>
-                <a:solidFill>
-                  <a:schemeClr val="tx1">
-                    <a:tint val="75000"/>
-                  </a:schemeClr>
-                </a:solidFill>
-              </a:defRPr>
+              <a:defRPr sz="1600"/>
             </a:lvl5pPr>
             <a:lvl6pPr marL="2286000" indent="0" algn="ctr">
               <a:buNone/>
-              <a:defRPr>
-                <a:solidFill>
-                  <a:schemeClr val="tx1">
-                    <a:tint val="75000"/>
-                  </a:schemeClr>
-                </a:solidFill>
-              </a:defRPr>
+              <a:defRPr sz="1600"/>
             </a:lvl6pPr>
             <a:lvl7pPr marL="2743200" indent="0" algn="ctr">
               <a:buNone/>
-              <a:defRPr>
-                <a:solidFill>
-                  <a:schemeClr val="tx1">
-                    <a:tint val="75000"/>
-                  </a:schemeClr>
-                </a:solidFill>
-              </a:defRPr>
+              <a:defRPr sz="1600"/>
             </a:lvl7pPr>
             <a:lvl8pPr marL="3200400" indent="0" algn="ctr">
               <a:buNone/>
-              <a:defRPr>
-                <a:solidFill>
-                  <a:schemeClr val="tx1">
-                    <a:tint val="75000"/>
-                  </a:schemeClr>
-                </a:solidFill>
-              </a:defRPr>
+              <a:defRPr sz="1600"/>
             </a:lvl8pPr>
             <a:lvl9pPr marL="3657600" indent="0" algn="ctr">
               <a:buNone/>
-              <a:defRPr>
-                <a:solidFill>
-                  <a:schemeClr val="tx1">
-                    <a:tint val="75000"/>
-                  </a:schemeClr>
-                </a:solidFill>
-              </a:defRPr>
+              <a:defRPr sz="1600"/>
             </a:lvl9pPr>
           </a:lstStyle>
           <a:p>
@@ -1447,13 +1537,18 @@
               <a:rPr lang="zh-CN" altLang="en-US"/>
               <a:t>单击此处编辑母版副标题样式</a:t>
             </a:r>
-            <a:endParaRPr lang="en-US" dirty="0"/>
-          </a:p>
-        </p:txBody>
-      </p:sp>
-      <p:sp>
-        <p:nvSpPr>
-          <p:cNvPr id="4" name="Date Placeholder 3"/>
+          </a:p>
+        </p:txBody>
+      </p:sp>
+      <p:sp>
+        <p:nvSpPr>
+          <p:cNvPr id="4" name="日期占位符 3">
+            <a:extLst>
+              <a:ext uri="{FF2B5EF4-FFF2-40B4-BE49-F238E27FC236}">
+                <a16:creationId xmlns:a16="http://schemas.microsoft.com/office/drawing/2014/main" id="{547036BA-C9D5-6FBB-AEDC-CB003E463D19}"/>
+              </a:ext>
+            </a:extLst>
+          </p:cNvPr>
           <p:cNvSpPr>
             <a:spLocks noGrp="1"/>
           </p:cNvSpPr>
@@ -1466,9 +1561,9 @@
           <a:bodyPr/>
           <a:lstStyle/>
           <a:p>
-            <a:fld id="{54572FE0-AF69-49FC-A044-C789016A5D4F}" type="datetimeFigureOut">
+            <a:fld id="{B14948DB-0BE7-40D0-80F6-9094451DF04C}" type="datetimeFigureOut">
               <a:rPr lang="zh-CN" altLang="en-US" smtClean="0"/>
-              <a:t>2024/4/1</a:t>
+              <a:t>2024/4/2</a:t>
             </a:fld>
             <a:endParaRPr lang="zh-CN" altLang="en-US"/>
           </a:p>
@@ -1476,7 +1571,13 @@
       </p:sp>
       <p:sp>
         <p:nvSpPr>
-          <p:cNvPr id="5" name="Footer Placeholder 4"/>
+          <p:cNvPr id="5" name="页脚占位符 4">
+            <a:extLst>
+              <a:ext uri="{FF2B5EF4-FFF2-40B4-BE49-F238E27FC236}">
+                <a16:creationId xmlns:a16="http://schemas.microsoft.com/office/drawing/2014/main" id="{65E492A2-7B64-DC8D-E91A-7829D1F1ED50}"/>
+              </a:ext>
+            </a:extLst>
+          </p:cNvPr>
           <p:cNvSpPr>
             <a:spLocks noGrp="1"/>
           </p:cNvSpPr>
@@ -1495,7 +1596,13 @@
       </p:sp>
       <p:sp>
         <p:nvSpPr>
-          <p:cNvPr id="6" name="Slide Number Placeholder 5"/>
+          <p:cNvPr id="6" name="灯片编号占位符 5">
+            <a:extLst>
+              <a:ext uri="{FF2B5EF4-FFF2-40B4-BE49-F238E27FC236}">
+                <a16:creationId xmlns:a16="http://schemas.microsoft.com/office/drawing/2014/main" id="{B580D754-AFB7-4C5F-8061-1E7B0011F971}"/>
+              </a:ext>
+            </a:extLst>
+          </p:cNvPr>
           <p:cNvSpPr>
             <a:spLocks noGrp="1"/>
           </p:cNvSpPr>
@@ -1508,7 +1615,7 @@
           <a:bodyPr/>
           <a:lstStyle/>
           <a:p>
-            <a:fld id="{0800A6A5-3185-4C7B-B9AA-71C6F4DCF7FA}" type="slidenum">
+            <a:fld id="{A7609F20-E83B-4856-BE88-6E7EAD044358}" type="slidenum">
               <a:rPr lang="zh-CN" altLang="en-US" smtClean="0"/>
               <a:t>‹#›</a:t>
             </a:fld>
@@ -1516,185 +1623,10 @@
           </a:p>
         </p:txBody>
       </p:sp>
-      <p:cxnSp>
-        <p:nvCxnSpPr>
-          <p:cNvPr id="16" name="Straight Connector 15"/>
-          <p:cNvCxnSpPr/>
-          <p:nvPr/>
-        </p:nvCxnSpPr>
-        <p:spPr>
-          <a:xfrm flipH="1">
-            <a:off x="8228012" y="8467"/>
-            <a:ext cx="3810000" cy="3810000"/>
-          </a:xfrm>
-          <a:prstGeom prst="line">
-            <a:avLst/>
-          </a:prstGeom>
-          <a:ln w="12700">
-            <a:solidFill>
-              <a:schemeClr val="tx1"/>
-            </a:solidFill>
-          </a:ln>
-        </p:spPr>
-        <p:style>
-          <a:lnRef idx="2">
-            <a:schemeClr val="accent1"/>
-          </a:lnRef>
-          <a:fillRef idx="0">
-            <a:schemeClr val="accent1"/>
-          </a:fillRef>
-          <a:effectRef idx="1">
-            <a:schemeClr val="accent1"/>
-          </a:effectRef>
-          <a:fontRef idx="minor">
-            <a:schemeClr val="tx1"/>
-          </a:fontRef>
-        </p:style>
-      </p:cxnSp>
-      <p:cxnSp>
-        <p:nvCxnSpPr>
-          <p:cNvPr id="17" name="Straight Connector 16"/>
-          <p:cNvCxnSpPr/>
-          <p:nvPr/>
-        </p:nvCxnSpPr>
-        <p:spPr>
-          <a:xfrm flipH="1">
-            <a:off x="6108170" y="91545"/>
-            <a:ext cx="6080655" cy="6080655"/>
-          </a:xfrm>
-          <a:prstGeom prst="line">
-            <a:avLst/>
-          </a:prstGeom>
-          <a:ln w="12700">
-            <a:solidFill>
-              <a:schemeClr val="tx1"/>
-            </a:solidFill>
-          </a:ln>
-        </p:spPr>
-        <p:style>
-          <a:lnRef idx="2">
-            <a:schemeClr val="accent1"/>
-          </a:lnRef>
-          <a:fillRef idx="0">
-            <a:schemeClr val="accent1"/>
-          </a:fillRef>
-          <a:effectRef idx="1">
-            <a:schemeClr val="accent1"/>
-          </a:effectRef>
-          <a:fontRef idx="minor">
-            <a:schemeClr val="tx1"/>
-          </a:fontRef>
-        </p:style>
-      </p:cxnSp>
-      <p:cxnSp>
-        <p:nvCxnSpPr>
-          <p:cNvPr id="19" name="Straight Connector 18"/>
-          <p:cNvCxnSpPr/>
-          <p:nvPr/>
-        </p:nvCxnSpPr>
-        <p:spPr>
-          <a:xfrm flipH="1">
-            <a:off x="7235825" y="228600"/>
-            <a:ext cx="4953000" cy="4953000"/>
-          </a:xfrm>
-          <a:prstGeom prst="line">
-            <a:avLst/>
-          </a:prstGeom>
-          <a:ln w="12700">
-            <a:solidFill>
-              <a:schemeClr val="tx1"/>
-            </a:solidFill>
-          </a:ln>
-        </p:spPr>
-        <p:style>
-          <a:lnRef idx="2">
-            <a:schemeClr val="accent1"/>
-          </a:lnRef>
-          <a:fillRef idx="0">
-            <a:schemeClr val="accent1"/>
-          </a:fillRef>
-          <a:effectRef idx="1">
-            <a:schemeClr val="accent1"/>
-          </a:effectRef>
-          <a:fontRef idx="minor">
-            <a:schemeClr val="tx1"/>
-          </a:fontRef>
-        </p:style>
-      </p:cxnSp>
-      <p:cxnSp>
-        <p:nvCxnSpPr>
-          <p:cNvPr id="21" name="Straight Connector 20"/>
-          <p:cNvCxnSpPr/>
-          <p:nvPr/>
-        </p:nvCxnSpPr>
-        <p:spPr>
-          <a:xfrm flipH="1">
-            <a:off x="7335837" y="32278"/>
-            <a:ext cx="4852989" cy="4852989"/>
-          </a:xfrm>
-          <a:prstGeom prst="line">
-            <a:avLst/>
-          </a:prstGeom>
-          <a:ln w="31750">
-            <a:solidFill>
-              <a:schemeClr val="tx1"/>
-            </a:solidFill>
-          </a:ln>
-        </p:spPr>
-        <p:style>
-          <a:lnRef idx="2">
-            <a:schemeClr val="accent1"/>
-          </a:lnRef>
-          <a:fillRef idx="0">
-            <a:schemeClr val="accent1"/>
-          </a:fillRef>
-          <a:effectRef idx="1">
-            <a:schemeClr val="accent1"/>
-          </a:effectRef>
-          <a:fontRef idx="minor">
-            <a:schemeClr val="tx1"/>
-          </a:fontRef>
-        </p:style>
-      </p:cxnSp>
-      <p:cxnSp>
-        <p:nvCxnSpPr>
-          <p:cNvPr id="23" name="Straight Connector 22"/>
-          <p:cNvCxnSpPr/>
-          <p:nvPr/>
-        </p:nvCxnSpPr>
-        <p:spPr>
-          <a:xfrm flipH="1">
-            <a:off x="7845426" y="609601"/>
-            <a:ext cx="4343399" cy="4343399"/>
-          </a:xfrm>
-          <a:prstGeom prst="line">
-            <a:avLst/>
-          </a:prstGeom>
-          <a:ln w="31750">
-            <a:solidFill>
-              <a:schemeClr val="tx1"/>
-            </a:solidFill>
-          </a:ln>
-        </p:spPr>
-        <p:style>
-          <a:lnRef idx="2">
-            <a:schemeClr val="accent1"/>
-          </a:lnRef>
-          <a:fillRef idx="0">
-            <a:schemeClr val="accent1"/>
-          </a:fillRef>
-          <a:effectRef idx="1">
-            <a:schemeClr val="accent1"/>
-          </a:effectRef>
-          <a:fontRef idx="minor">
-            <a:schemeClr val="tx1"/>
-          </a:fontRef>
-        </p:style>
-      </p:cxnSp>
     </p:spTree>
     <p:extLst>
       <p:ext uri="{BB962C8B-B14F-4D97-AF65-F5344CB8AC3E}">
-        <p14:creationId xmlns:p14="http://schemas.microsoft.com/office/powerpoint/2010/main" val="3944073725"/>
+        <p14:creationId xmlns:p14="http://schemas.microsoft.com/office/powerpoint/2010/main" val="2395665606"/>
       </p:ext>
     </p:extLst>
   </p:cSld>
@@ -1704,7 +1636,7 @@
 </p:sldLayout>
 </file>
 
-<file path=ppt/slideLayouts/slideLayout13.xml><?xml version="1.0" encoding="utf-8"?>
+<file path=ppt/slideLayouts/slideLayout14.xml><?xml version="1.0" encoding="utf-8"?>
 <p:sldLayout xmlns:a="http://schemas.openxmlformats.org/drawingml/2006/main" xmlns:r="http://schemas.openxmlformats.org/officeDocument/2006/relationships" xmlns:p="http://schemas.openxmlformats.org/presentationml/2006/main" type="obj" preserve="1">
   <p:cSld name="标题和内容">
     <p:spTree>
@@ -1723,7 +1655,13 @@
       </p:grpSpPr>
       <p:sp>
         <p:nvSpPr>
-          <p:cNvPr id="2" name="Title 1"/>
+          <p:cNvPr id="2" name="标题 1">
+            <a:extLst>
+              <a:ext uri="{FF2B5EF4-FFF2-40B4-BE49-F238E27FC236}">
+                <a16:creationId xmlns:a16="http://schemas.microsoft.com/office/drawing/2014/main" id="{C7613A21-293A-17FF-E765-34035E437122}"/>
+              </a:ext>
+            </a:extLst>
+          </p:cNvPr>
           <p:cNvSpPr>
             <a:spLocks noGrp="1"/>
           </p:cNvSpPr>
@@ -1740,13 +1678,18 @@
               <a:rPr lang="zh-CN" altLang="en-US"/>
               <a:t>单击此处编辑母版标题样式</a:t>
             </a:r>
-            <a:endParaRPr lang="en-US" dirty="0"/>
-          </a:p>
-        </p:txBody>
-      </p:sp>
-      <p:sp>
-        <p:nvSpPr>
-          <p:cNvPr id="3" name="Content Placeholder 2"/>
+          </a:p>
+        </p:txBody>
+      </p:sp>
+      <p:sp>
+        <p:nvSpPr>
+          <p:cNvPr id="3" name="内容占位符 2">
+            <a:extLst>
+              <a:ext uri="{FF2B5EF4-FFF2-40B4-BE49-F238E27FC236}">
+                <a16:creationId xmlns:a16="http://schemas.microsoft.com/office/drawing/2014/main" id="{5CF87EFD-C1DB-C429-6F4D-7975F228B2E2}"/>
+              </a:ext>
+            </a:extLst>
+          </p:cNvPr>
           <p:cNvSpPr>
             <a:spLocks noGrp="1"/>
           </p:cNvSpPr>
@@ -1754,17 +1697,9 @@
             <p:ph idx="1"/>
           </p:nvPr>
         </p:nvSpPr>
-        <p:spPr>
-          <a:xfrm>
-            <a:off x="684212" y="685800"/>
-            <a:ext cx="8534400" cy="3615267"/>
-          </a:xfrm>
-          <a:prstGeom prst="rect">
-            <a:avLst/>
-          </a:prstGeom>
-        </p:spPr>
-        <p:txBody>
-          <a:bodyPr anchor="ctr"/>
+        <p:spPr/>
+        <p:txBody>
+          <a:bodyPr/>
           <a:lstStyle/>
           <a:p>
             <a:pPr lvl="0"/>
@@ -1800,13 +1735,18 @@
               <a:rPr lang="zh-CN" altLang="en-US"/>
               <a:t>五级</a:t>
             </a:r>
-            <a:endParaRPr lang="en-US" dirty="0"/>
-          </a:p>
-        </p:txBody>
-      </p:sp>
-      <p:sp>
-        <p:nvSpPr>
-          <p:cNvPr id="4" name="Date Placeholder 3"/>
+          </a:p>
+        </p:txBody>
+      </p:sp>
+      <p:sp>
+        <p:nvSpPr>
+          <p:cNvPr id="4" name="日期占位符 3">
+            <a:extLst>
+              <a:ext uri="{FF2B5EF4-FFF2-40B4-BE49-F238E27FC236}">
+                <a16:creationId xmlns:a16="http://schemas.microsoft.com/office/drawing/2014/main" id="{3CAB5ED2-7B4B-0FF3-9C48-F025A7B3D0D9}"/>
+              </a:ext>
+            </a:extLst>
+          </p:cNvPr>
           <p:cNvSpPr>
             <a:spLocks noGrp="1"/>
           </p:cNvSpPr>
@@ -1819,9 +1759,9 @@
           <a:bodyPr/>
           <a:lstStyle/>
           <a:p>
-            <a:fld id="{54572FE0-AF69-49FC-A044-C789016A5D4F}" type="datetimeFigureOut">
+            <a:fld id="{B14948DB-0BE7-40D0-80F6-9094451DF04C}" type="datetimeFigureOut">
               <a:rPr lang="zh-CN" altLang="en-US" smtClean="0"/>
-              <a:t>2024/4/1</a:t>
+              <a:t>2024/4/2</a:t>
             </a:fld>
             <a:endParaRPr lang="zh-CN" altLang="en-US"/>
           </a:p>
@@ -1829,7 +1769,13 @@
       </p:sp>
       <p:sp>
         <p:nvSpPr>
-          <p:cNvPr id="5" name="Footer Placeholder 4"/>
+          <p:cNvPr id="5" name="页脚占位符 4">
+            <a:extLst>
+              <a:ext uri="{FF2B5EF4-FFF2-40B4-BE49-F238E27FC236}">
+                <a16:creationId xmlns:a16="http://schemas.microsoft.com/office/drawing/2014/main" id="{EB6D7E0E-EF7B-C9C8-863E-E9A1131ACE67}"/>
+              </a:ext>
+            </a:extLst>
+          </p:cNvPr>
           <p:cNvSpPr>
             <a:spLocks noGrp="1"/>
           </p:cNvSpPr>
@@ -1848,7 +1794,13 @@
       </p:sp>
       <p:sp>
         <p:nvSpPr>
-          <p:cNvPr id="6" name="Slide Number Placeholder 5"/>
+          <p:cNvPr id="6" name="灯片编号占位符 5">
+            <a:extLst>
+              <a:ext uri="{FF2B5EF4-FFF2-40B4-BE49-F238E27FC236}">
+                <a16:creationId xmlns:a16="http://schemas.microsoft.com/office/drawing/2014/main" id="{0EA79489-21D5-93B5-EEB4-F8E320CD8068}"/>
+              </a:ext>
+            </a:extLst>
+          </p:cNvPr>
           <p:cNvSpPr>
             <a:spLocks noGrp="1"/>
           </p:cNvSpPr>
@@ -1861,7 +1813,7 @@
           <a:bodyPr/>
           <a:lstStyle/>
           <a:p>
-            <a:fld id="{0800A6A5-3185-4C7B-B9AA-71C6F4DCF7FA}" type="slidenum">
+            <a:fld id="{A7609F20-E83B-4856-BE88-6E7EAD044358}" type="slidenum">
               <a:rPr lang="zh-CN" altLang="en-US" smtClean="0"/>
               <a:t>‹#›</a:t>
             </a:fld>
@@ -1872,7 +1824,7 @@
     </p:spTree>
     <p:extLst>
       <p:ext uri="{BB962C8B-B14F-4D97-AF65-F5344CB8AC3E}">
-        <p14:creationId xmlns:p14="http://schemas.microsoft.com/office/powerpoint/2010/main" val="1835022636"/>
+        <p14:creationId xmlns:p14="http://schemas.microsoft.com/office/powerpoint/2010/main" val="3217475969"/>
       </p:ext>
     </p:extLst>
   </p:cSld>
@@ -1882,7 +1834,7 @@
 </p:sldLayout>
 </file>
 
-<file path=ppt/slideLayouts/slideLayout14.xml><?xml version="1.0" encoding="utf-8"?>
+<file path=ppt/slideLayouts/slideLayout15.xml><?xml version="1.0" encoding="utf-8"?>
 <p:sldLayout xmlns:a="http://schemas.openxmlformats.org/drawingml/2006/main" xmlns:r="http://schemas.openxmlformats.org/officeDocument/2006/relationships" xmlns:p="http://schemas.openxmlformats.org/presentationml/2006/main" type="secHead" preserve="1">
   <p:cSld name="节标题">
     <p:spTree>
@@ -1901,7 +1853,13 @@
       </p:grpSpPr>
       <p:sp>
         <p:nvSpPr>
-          <p:cNvPr id="2" name="Title 1"/>
+          <p:cNvPr id="2" name="标题 1">
+            <a:extLst>
+              <a:ext uri="{FF2B5EF4-FFF2-40B4-BE49-F238E27FC236}">
+                <a16:creationId xmlns:a16="http://schemas.microsoft.com/office/drawing/2014/main" id="{23DC2D9A-5703-38A9-E722-F96D4252C564}"/>
+              </a:ext>
+            </a:extLst>
+          </p:cNvPr>
           <p:cNvSpPr>
             <a:spLocks noGrp="1"/>
           </p:cNvSpPr>
@@ -1911,17 +1869,15 @@
         </p:nvSpPr>
         <p:spPr>
           <a:xfrm>
-            <a:off x="684211" y="2006600"/>
-            <a:ext cx="8534401" cy="2281600"/>
+            <a:off x="831850" y="1709738"/>
+            <a:ext cx="10515600" cy="2852737"/>
           </a:xfrm>
         </p:spPr>
         <p:txBody>
-          <a:bodyPr anchor="b">
-            <a:normAutofit/>
-          </a:bodyPr>
+          <a:bodyPr anchor="b"/>
           <a:lstStyle>
-            <a:lvl1pPr algn="l">
-              <a:defRPr sz="3600" b="0" cap="all"/>
+            <a:lvl1pPr>
+              <a:defRPr sz="6000"/>
             </a:lvl1pPr>
           </a:lstStyle>
           <a:p>
@@ -1929,13 +1885,18 @@
               <a:rPr lang="zh-CN" altLang="en-US"/>
               <a:t>单击此处编辑母版标题样式</a:t>
             </a:r>
-            <a:endParaRPr lang="en-US" dirty="0"/>
-          </a:p>
-        </p:txBody>
-      </p:sp>
-      <p:sp>
-        <p:nvSpPr>
-          <p:cNvPr id="3" name="Text Placeholder 2"/>
+          </a:p>
+        </p:txBody>
+      </p:sp>
+      <p:sp>
+        <p:nvSpPr>
+          <p:cNvPr id="3" name="文本占位符 2">
+            <a:extLst>
+              <a:ext uri="{FF2B5EF4-FFF2-40B4-BE49-F238E27FC236}">
+                <a16:creationId xmlns:a16="http://schemas.microsoft.com/office/drawing/2014/main" id="{5EE67815-4094-AB64-57ED-F0094206A9EC}"/>
+              </a:ext>
+            </a:extLst>
+          </p:cNvPr>
           <p:cNvSpPr>
             <a:spLocks noGrp="1"/>
           </p:cNvSpPr>
@@ -1945,31 +1906,26 @@
         </p:nvSpPr>
         <p:spPr>
           <a:xfrm>
-            <a:off x="684213" y="4495800"/>
-            <a:ext cx="8534400" cy="1498600"/>
+            <a:off x="831850" y="4589463"/>
+            <a:ext cx="10515600" cy="1500187"/>
           </a:xfrm>
-          <a:prstGeom prst="rect">
-            <a:avLst/>
-          </a:prstGeom>
         </p:spPr>
         <p:txBody>
-          <a:bodyPr anchor="t">
-            <a:normAutofit/>
-          </a:bodyPr>
+          <a:bodyPr/>
           <a:lstStyle>
-            <a:lvl1pPr marL="0" indent="0" algn="l">
-              <a:buNone/>
-              <a:defRPr sz="1800">
+            <a:lvl1pPr marL="0" indent="0">
+              <a:buNone/>
+              <a:defRPr sz="2400">
                 <a:solidFill>
-                  <a:schemeClr val="bg2">
-                    <a:lumMod val="75000"/>
+                  <a:schemeClr val="tx1">
+                    <a:tint val="75000"/>
                   </a:schemeClr>
                 </a:solidFill>
               </a:defRPr>
             </a:lvl1pPr>
             <a:lvl2pPr marL="457200" indent="0">
               <a:buNone/>
-              <a:defRPr sz="1800">
+              <a:defRPr sz="2000">
                 <a:solidFill>
                   <a:schemeClr val="tx1">
                     <a:tint val="75000"/>
@@ -1979,7 +1935,7 @@
             </a:lvl2pPr>
             <a:lvl3pPr marL="914400" indent="0">
               <a:buNone/>
-              <a:defRPr sz="1600">
+              <a:defRPr sz="1800">
                 <a:solidFill>
                   <a:schemeClr val="tx1">
                     <a:tint val="75000"/>
@@ -1989,7 +1945,7 @@
             </a:lvl3pPr>
             <a:lvl4pPr marL="1371600" indent="0">
               <a:buNone/>
-              <a:defRPr sz="1400">
+              <a:defRPr sz="1600">
                 <a:solidFill>
                   <a:schemeClr val="tx1">
                     <a:tint val="75000"/>
@@ -1999,7 +1955,7 @@
             </a:lvl4pPr>
             <a:lvl5pPr marL="1828800" indent="0">
               <a:buNone/>
-              <a:defRPr sz="1400">
+              <a:defRPr sz="1600">
                 <a:solidFill>
                   <a:schemeClr val="tx1">
                     <a:tint val="75000"/>
@@ -2009,7 +1965,7 @@
             </a:lvl5pPr>
             <a:lvl6pPr marL="2286000" indent="0">
               <a:buNone/>
-              <a:defRPr sz="1400">
+              <a:defRPr sz="1600">
                 <a:solidFill>
                   <a:schemeClr val="tx1">
                     <a:tint val="75000"/>
@@ -2019,7 +1975,7 @@
             </a:lvl6pPr>
             <a:lvl7pPr marL="2743200" indent="0">
               <a:buNone/>
-              <a:defRPr sz="1400">
+              <a:defRPr sz="1600">
                 <a:solidFill>
                   <a:schemeClr val="tx1">
                     <a:tint val="75000"/>
@@ -2029,7 +1985,7 @@
             </a:lvl7pPr>
             <a:lvl8pPr marL="3200400" indent="0">
               <a:buNone/>
-              <a:defRPr sz="1400">
+              <a:defRPr sz="1600">
                 <a:solidFill>
                   <a:schemeClr val="tx1">
                     <a:tint val="75000"/>
@@ -2039,7 +1995,7 @@
             </a:lvl8pPr>
             <a:lvl9pPr marL="3657600" indent="0">
               <a:buNone/>
-              <a:defRPr sz="1400">
+              <a:defRPr sz="1600">
                 <a:solidFill>
                   <a:schemeClr val="tx1">
                     <a:tint val="75000"/>
@@ -2059,7 +2015,13 @@
       </p:sp>
       <p:sp>
         <p:nvSpPr>
-          <p:cNvPr id="4" name="Date Placeholder 3"/>
+          <p:cNvPr id="4" name="日期占位符 3">
+            <a:extLst>
+              <a:ext uri="{FF2B5EF4-FFF2-40B4-BE49-F238E27FC236}">
+                <a16:creationId xmlns:a16="http://schemas.microsoft.com/office/drawing/2014/main" id="{B8BAEF50-28E1-A5AD-A248-F09E803EB33E}"/>
+              </a:ext>
+            </a:extLst>
+          </p:cNvPr>
           <p:cNvSpPr>
             <a:spLocks noGrp="1"/>
           </p:cNvSpPr>
@@ -2072,9 +2034,9 @@
           <a:bodyPr/>
           <a:lstStyle/>
           <a:p>
-            <a:fld id="{54572FE0-AF69-49FC-A044-C789016A5D4F}" type="datetimeFigureOut">
+            <a:fld id="{B14948DB-0BE7-40D0-80F6-9094451DF04C}" type="datetimeFigureOut">
               <a:rPr lang="zh-CN" altLang="en-US" smtClean="0"/>
-              <a:t>2024/4/1</a:t>
+              <a:t>2024/4/2</a:t>
             </a:fld>
             <a:endParaRPr lang="zh-CN" altLang="en-US"/>
           </a:p>
@@ -2082,7 +2044,13 @@
       </p:sp>
       <p:sp>
         <p:nvSpPr>
-          <p:cNvPr id="5" name="Footer Placeholder 4"/>
+          <p:cNvPr id="5" name="页脚占位符 4">
+            <a:extLst>
+              <a:ext uri="{FF2B5EF4-FFF2-40B4-BE49-F238E27FC236}">
+                <a16:creationId xmlns:a16="http://schemas.microsoft.com/office/drawing/2014/main" id="{59A6C2AA-207F-C092-93FD-9BB0A6FD04B1}"/>
+              </a:ext>
+            </a:extLst>
+          </p:cNvPr>
           <p:cNvSpPr>
             <a:spLocks noGrp="1"/>
           </p:cNvSpPr>
@@ -2101,7 +2069,13 @@
       </p:sp>
       <p:sp>
         <p:nvSpPr>
-          <p:cNvPr id="6" name="Slide Number Placeholder 5"/>
+          <p:cNvPr id="6" name="灯片编号占位符 5">
+            <a:extLst>
+              <a:ext uri="{FF2B5EF4-FFF2-40B4-BE49-F238E27FC236}">
+                <a16:creationId xmlns:a16="http://schemas.microsoft.com/office/drawing/2014/main" id="{C89197B8-E299-417E-3853-21804C160936}"/>
+              </a:ext>
+            </a:extLst>
+          </p:cNvPr>
           <p:cNvSpPr>
             <a:spLocks noGrp="1"/>
           </p:cNvSpPr>
@@ -2114,7 +2088,7 @@
           <a:bodyPr/>
           <a:lstStyle/>
           <a:p>
-            <a:fld id="{0800A6A5-3185-4C7B-B9AA-71C6F4DCF7FA}" type="slidenum">
+            <a:fld id="{A7609F20-E83B-4856-BE88-6E7EAD044358}" type="slidenum">
               <a:rPr lang="zh-CN" altLang="en-US" smtClean="0"/>
               <a:t>‹#›</a:t>
             </a:fld>
@@ -2125,7 +2099,7 @@
     </p:spTree>
     <p:extLst>
       <p:ext uri="{BB962C8B-B14F-4D97-AF65-F5344CB8AC3E}">
-        <p14:creationId xmlns:p14="http://schemas.microsoft.com/office/powerpoint/2010/main" val="4161725017"/>
+        <p14:creationId xmlns:p14="http://schemas.microsoft.com/office/powerpoint/2010/main" val="103517627"/>
       </p:ext>
     </p:extLst>
   </p:cSld>
@@ -2135,7 +2109,7 @@
 </p:sldLayout>
 </file>
 
-<file path=ppt/slideLayouts/slideLayout15.xml><?xml version="1.0" encoding="utf-8"?>
+<file path=ppt/slideLayouts/slideLayout16.xml><?xml version="1.0" encoding="utf-8"?>
 <p:sldLayout xmlns:a="http://schemas.openxmlformats.org/drawingml/2006/main" xmlns:r="http://schemas.openxmlformats.org/officeDocument/2006/relationships" xmlns:p="http://schemas.openxmlformats.org/presentationml/2006/main" type="twoObj" preserve="1">
   <p:cSld name="两栏内容">
     <p:spTree>
@@ -2154,7 +2128,13 @@
       </p:grpSpPr>
       <p:sp>
         <p:nvSpPr>
-          <p:cNvPr id="2" name="Title 1"/>
+          <p:cNvPr id="2" name="标题 1">
+            <a:extLst>
+              <a:ext uri="{FF2B5EF4-FFF2-40B4-BE49-F238E27FC236}">
+                <a16:creationId xmlns:a16="http://schemas.microsoft.com/office/drawing/2014/main" id="{55C2B7A3-3781-4C47-CCE2-E28796374418}"/>
+              </a:ext>
+            </a:extLst>
+          </p:cNvPr>
           <p:cNvSpPr>
             <a:spLocks noGrp="1"/>
           </p:cNvSpPr>
@@ -2171,13 +2151,18 @@
               <a:rPr lang="zh-CN" altLang="en-US"/>
               <a:t>单击此处编辑母版标题样式</a:t>
             </a:r>
-            <a:endParaRPr lang="en-US" dirty="0"/>
-          </a:p>
-        </p:txBody>
-      </p:sp>
-      <p:sp>
-        <p:nvSpPr>
-          <p:cNvPr id="3" name="Content Placeholder 2"/>
+          </a:p>
+        </p:txBody>
+      </p:sp>
+      <p:sp>
+        <p:nvSpPr>
+          <p:cNvPr id="3" name="内容占位符 2">
+            <a:extLst>
+              <a:ext uri="{FF2B5EF4-FFF2-40B4-BE49-F238E27FC236}">
+                <a16:creationId xmlns:a16="http://schemas.microsoft.com/office/drawing/2014/main" id="{11401742-0A07-04E2-3EBA-39ED0117B69B}"/>
+              </a:ext>
+            </a:extLst>
+          </p:cNvPr>
           <p:cNvSpPr>
             <a:spLocks noGrp="1"/>
           </p:cNvSpPr>
@@ -2187,17 +2172,12 @@
         </p:nvSpPr>
         <p:spPr>
           <a:xfrm>
-            <a:off x="684211" y="685800"/>
-            <a:ext cx="4937655" cy="3615267"/>
+            <a:off x="838200" y="1825625"/>
+            <a:ext cx="5181600" cy="4351338"/>
           </a:xfrm>
-          <a:prstGeom prst="rect">
-            <a:avLst/>
-          </a:prstGeom>
         </p:spPr>
         <p:txBody>
-          <a:bodyPr>
-            <a:normAutofit/>
-          </a:bodyPr>
+          <a:bodyPr/>
           <a:lstStyle/>
           <a:p>
             <a:pPr lvl="0"/>
@@ -2233,13 +2213,18 @@
               <a:rPr lang="zh-CN" altLang="en-US"/>
               <a:t>五级</a:t>
             </a:r>
-            <a:endParaRPr lang="en-US" dirty="0"/>
-          </a:p>
-        </p:txBody>
-      </p:sp>
-      <p:sp>
-        <p:nvSpPr>
-          <p:cNvPr id="4" name="Content Placeholder 3"/>
+          </a:p>
+        </p:txBody>
+      </p:sp>
+      <p:sp>
+        <p:nvSpPr>
+          <p:cNvPr id="4" name="内容占位符 3">
+            <a:extLst>
+              <a:ext uri="{FF2B5EF4-FFF2-40B4-BE49-F238E27FC236}">
+                <a16:creationId xmlns:a16="http://schemas.microsoft.com/office/drawing/2014/main" id="{AEE0DD30-56D4-707C-8D05-CA2E19A2C4C6}"/>
+              </a:ext>
+            </a:extLst>
+          </p:cNvPr>
           <p:cNvSpPr>
             <a:spLocks noGrp="1"/>
           </p:cNvSpPr>
@@ -2249,17 +2234,12 @@
         </p:nvSpPr>
         <p:spPr>
           <a:xfrm>
-            <a:off x="5808133" y="685801"/>
-            <a:ext cx="4934479" cy="3615266"/>
+            <a:off x="6172200" y="1825625"/>
+            <a:ext cx="5181600" cy="4351338"/>
           </a:xfrm>
-          <a:prstGeom prst="rect">
-            <a:avLst/>
-          </a:prstGeom>
         </p:spPr>
         <p:txBody>
-          <a:bodyPr>
-            <a:normAutofit/>
-          </a:bodyPr>
+          <a:bodyPr/>
           <a:lstStyle/>
           <a:p>
             <a:pPr lvl="0"/>
@@ -2295,13 +2275,18 @@
               <a:rPr lang="zh-CN" altLang="en-US"/>
               <a:t>五级</a:t>
             </a:r>
-            <a:endParaRPr lang="en-US" dirty="0"/>
-          </a:p>
-        </p:txBody>
-      </p:sp>
-      <p:sp>
-        <p:nvSpPr>
-          <p:cNvPr id="5" name="Date Placeholder 4"/>
+          </a:p>
+        </p:txBody>
+      </p:sp>
+      <p:sp>
+        <p:nvSpPr>
+          <p:cNvPr id="5" name="日期占位符 4">
+            <a:extLst>
+              <a:ext uri="{FF2B5EF4-FFF2-40B4-BE49-F238E27FC236}">
+                <a16:creationId xmlns:a16="http://schemas.microsoft.com/office/drawing/2014/main" id="{F80868A5-5A8F-3BA1-2CB7-0CF1EE68D4AE}"/>
+              </a:ext>
+            </a:extLst>
+          </p:cNvPr>
           <p:cNvSpPr>
             <a:spLocks noGrp="1"/>
           </p:cNvSpPr>
@@ -2314,9 +2299,9 @@
           <a:bodyPr/>
           <a:lstStyle/>
           <a:p>
-            <a:fld id="{54572FE0-AF69-49FC-A044-C789016A5D4F}" type="datetimeFigureOut">
+            <a:fld id="{B14948DB-0BE7-40D0-80F6-9094451DF04C}" type="datetimeFigureOut">
               <a:rPr lang="zh-CN" altLang="en-US" smtClean="0"/>
-              <a:t>2024/4/1</a:t>
+              <a:t>2024/4/2</a:t>
             </a:fld>
             <a:endParaRPr lang="zh-CN" altLang="en-US"/>
           </a:p>
@@ -2324,7 +2309,13 @@
       </p:sp>
       <p:sp>
         <p:nvSpPr>
-          <p:cNvPr id="6" name="Footer Placeholder 5"/>
+          <p:cNvPr id="6" name="页脚占位符 5">
+            <a:extLst>
+              <a:ext uri="{FF2B5EF4-FFF2-40B4-BE49-F238E27FC236}">
+                <a16:creationId xmlns:a16="http://schemas.microsoft.com/office/drawing/2014/main" id="{404C086A-D69F-268C-6C36-045BDC199FE5}"/>
+              </a:ext>
+            </a:extLst>
+          </p:cNvPr>
           <p:cNvSpPr>
             <a:spLocks noGrp="1"/>
           </p:cNvSpPr>
@@ -2343,7 +2334,13 @@
       </p:sp>
       <p:sp>
         <p:nvSpPr>
-          <p:cNvPr id="7" name="Slide Number Placeholder 6"/>
+          <p:cNvPr id="7" name="灯片编号占位符 6">
+            <a:extLst>
+              <a:ext uri="{FF2B5EF4-FFF2-40B4-BE49-F238E27FC236}">
+                <a16:creationId xmlns:a16="http://schemas.microsoft.com/office/drawing/2014/main" id="{2763E213-859D-F38C-1F3E-A70A05002948}"/>
+              </a:ext>
+            </a:extLst>
+          </p:cNvPr>
           <p:cNvSpPr>
             <a:spLocks noGrp="1"/>
           </p:cNvSpPr>
@@ -2356,7 +2353,7 @@
           <a:bodyPr/>
           <a:lstStyle/>
           <a:p>
-            <a:fld id="{0800A6A5-3185-4C7B-B9AA-71C6F4DCF7FA}" type="slidenum">
+            <a:fld id="{A7609F20-E83B-4856-BE88-6E7EAD044358}" type="slidenum">
               <a:rPr lang="zh-CN" altLang="en-US" smtClean="0"/>
               <a:t>‹#›</a:t>
             </a:fld>
@@ -2367,7 +2364,7 @@
     </p:spTree>
     <p:extLst>
       <p:ext uri="{BB962C8B-B14F-4D97-AF65-F5344CB8AC3E}">
-        <p14:creationId xmlns:p14="http://schemas.microsoft.com/office/powerpoint/2010/main" val="3176673393"/>
+        <p14:creationId xmlns:p14="http://schemas.microsoft.com/office/powerpoint/2010/main" val="3276100724"/>
       </p:ext>
     </p:extLst>
   </p:cSld>
@@ -2377,7 +2374,7 @@
 </p:sldLayout>
 </file>
 
-<file path=ppt/slideLayouts/slideLayout16.xml><?xml version="1.0" encoding="utf-8"?>
+<file path=ppt/slideLayouts/slideLayout17.xml><?xml version="1.0" encoding="utf-8"?>
 <p:sldLayout xmlns:a="http://schemas.openxmlformats.org/drawingml/2006/main" xmlns:r="http://schemas.openxmlformats.org/officeDocument/2006/relationships" xmlns:p="http://schemas.openxmlformats.org/presentationml/2006/main" type="twoTxTwoObj" preserve="1">
   <p:cSld name="比较">
     <p:spTree>
@@ -2396,62 +2393,65 @@
       </p:grpSpPr>
       <p:sp>
         <p:nvSpPr>
-          <p:cNvPr id="2" name="Title 1"/>
+          <p:cNvPr id="2" name="标题 1">
+            <a:extLst>
+              <a:ext uri="{FF2B5EF4-FFF2-40B4-BE49-F238E27FC236}">
+                <a16:creationId xmlns:a16="http://schemas.microsoft.com/office/drawing/2014/main" id="{39D999D0-72F3-A128-6640-5A0CE392A39A}"/>
+              </a:ext>
+            </a:extLst>
+          </p:cNvPr>
           <p:cNvSpPr>
             <a:spLocks noGrp="1"/>
           </p:cNvSpPr>
           <p:nvPr>
             <p:ph type="title"/>
-          </p:nvPr>
-        </p:nvSpPr>
-        <p:spPr/>
-        <p:txBody>
-          <a:bodyPr/>
-          <a:lstStyle>
-            <a:lvl1pPr>
-              <a:defRPr/>
-            </a:lvl1pPr>
-          </a:lstStyle>
-          <a:p>
-            <a:r>
-              <a:rPr lang="zh-CN" altLang="en-US"/>
-              <a:t>单击此处编辑母版标题样式</a:t>
-            </a:r>
-            <a:endParaRPr lang="en-US" dirty="0"/>
-          </a:p>
-        </p:txBody>
-      </p:sp>
-      <p:sp>
-        <p:nvSpPr>
-          <p:cNvPr id="3" name="Text Placeholder 2"/>
-          <p:cNvSpPr>
-            <a:spLocks noGrp="1"/>
-          </p:cNvSpPr>
-          <p:nvPr>
-            <p:ph type="body" idx="1"/>
           </p:nvPr>
         </p:nvSpPr>
         <p:spPr>
           <a:xfrm>
-            <a:off x="972080" y="685800"/>
-            <a:ext cx="4649787" cy="576262"/>
+            <a:off x="839788" y="365125"/>
+            <a:ext cx="10515600" cy="1325563"/>
           </a:xfrm>
-          <a:prstGeom prst="rect">
-            <a:avLst/>
-          </a:prstGeom>
         </p:spPr>
         <p:txBody>
-          <a:bodyPr anchor="b">
-            <a:noAutofit/>
-          </a:bodyPr>
+          <a:bodyPr/>
+          <a:lstStyle/>
+          <a:p>
+            <a:r>
+              <a:rPr lang="zh-CN" altLang="en-US"/>
+              <a:t>单击此处编辑母版标题样式</a:t>
+            </a:r>
+          </a:p>
+        </p:txBody>
+      </p:sp>
+      <p:sp>
+        <p:nvSpPr>
+          <p:cNvPr id="3" name="文本占位符 2">
+            <a:extLst>
+              <a:ext uri="{FF2B5EF4-FFF2-40B4-BE49-F238E27FC236}">
+                <a16:creationId xmlns:a16="http://schemas.microsoft.com/office/drawing/2014/main" id="{47C1551D-A48F-5405-0DDB-91EB68216252}"/>
+              </a:ext>
+            </a:extLst>
+          </p:cNvPr>
+          <p:cNvSpPr>
+            <a:spLocks noGrp="1"/>
+          </p:cNvSpPr>
+          <p:nvPr>
+            <p:ph type="body" idx="1"/>
+          </p:nvPr>
+        </p:nvSpPr>
+        <p:spPr>
+          <a:xfrm>
+            <a:off x="839788" y="1681163"/>
+            <a:ext cx="5157787" cy="823912"/>
+          </a:xfrm>
+        </p:spPr>
+        <p:txBody>
+          <a:bodyPr anchor="b"/>
           <a:lstStyle>
             <a:lvl1pPr marL="0" indent="0">
               <a:buNone/>
-              <a:defRPr sz="2800" b="0">
-                <a:solidFill>
-                  <a:schemeClr val="tx1"/>
-                </a:solidFill>
-              </a:defRPr>
+              <a:defRPr sz="2400" b="1"/>
             </a:lvl1pPr>
             <a:lvl2pPr marL="457200" indent="0">
               <a:buNone/>
@@ -2497,7 +2497,13 @@
       </p:sp>
       <p:sp>
         <p:nvSpPr>
-          <p:cNvPr id="4" name="Content Placeholder 3"/>
+          <p:cNvPr id="4" name="内容占位符 3">
+            <a:extLst>
+              <a:ext uri="{FF2B5EF4-FFF2-40B4-BE49-F238E27FC236}">
+                <a16:creationId xmlns:a16="http://schemas.microsoft.com/office/drawing/2014/main" id="{52CBA7E7-C6D3-4B7A-F3B1-1484386AE557}"/>
+              </a:ext>
+            </a:extLst>
+          </p:cNvPr>
           <p:cNvSpPr>
             <a:spLocks noGrp="1"/>
           </p:cNvSpPr>
@@ -2507,17 +2513,12 @@
         </p:nvSpPr>
         <p:spPr>
           <a:xfrm>
-            <a:off x="684211" y="1270529"/>
-            <a:ext cx="4937655" cy="3030538"/>
+            <a:off x="839788" y="2505075"/>
+            <a:ext cx="5157787" cy="3684588"/>
           </a:xfrm>
-          <a:prstGeom prst="rect">
-            <a:avLst/>
-          </a:prstGeom>
         </p:spPr>
         <p:txBody>
-          <a:bodyPr anchor="t">
-            <a:normAutofit/>
-          </a:bodyPr>
+          <a:bodyPr/>
           <a:lstStyle/>
           <a:p>
             <a:pPr lvl="0"/>
@@ -2553,13 +2554,18 @@
               <a:rPr lang="zh-CN" altLang="en-US"/>
               <a:t>五级</a:t>
             </a:r>
-            <a:endParaRPr lang="en-US" dirty="0"/>
-          </a:p>
-        </p:txBody>
-      </p:sp>
-      <p:sp>
-        <p:nvSpPr>
-          <p:cNvPr id="5" name="Text Placeholder 4"/>
+          </a:p>
+        </p:txBody>
+      </p:sp>
+      <p:sp>
+        <p:nvSpPr>
+          <p:cNvPr id="5" name="文本占位符 4">
+            <a:extLst>
+              <a:ext uri="{FF2B5EF4-FFF2-40B4-BE49-F238E27FC236}">
+                <a16:creationId xmlns:a16="http://schemas.microsoft.com/office/drawing/2014/main" id="{9BC51686-8A1C-6C20-642F-6B17AD525750}"/>
+              </a:ext>
+            </a:extLst>
+          </p:cNvPr>
           <p:cNvSpPr>
             <a:spLocks noGrp="1"/>
           </p:cNvSpPr>
@@ -2569,25 +2575,16 @@
         </p:nvSpPr>
         <p:spPr>
           <a:xfrm>
-            <a:off x="6079066" y="685800"/>
-            <a:ext cx="4665134" cy="576262"/>
+            <a:off x="6172200" y="1681163"/>
+            <a:ext cx="5183188" cy="823912"/>
           </a:xfrm>
-          <a:prstGeom prst="rect">
-            <a:avLst/>
-          </a:prstGeom>
         </p:spPr>
         <p:txBody>
-          <a:bodyPr anchor="b">
-            <a:noAutofit/>
-          </a:bodyPr>
+          <a:bodyPr anchor="b"/>
           <a:lstStyle>
             <a:lvl1pPr marL="0" indent="0">
               <a:buNone/>
-              <a:defRPr sz="2800" b="0">
-                <a:solidFill>
-                  <a:schemeClr val="tx1"/>
-                </a:solidFill>
-              </a:defRPr>
+              <a:defRPr sz="2400" b="1"/>
             </a:lvl1pPr>
             <a:lvl2pPr marL="457200" indent="0">
               <a:buNone/>
@@ -2633,7 +2630,13 @@
       </p:sp>
       <p:sp>
         <p:nvSpPr>
-          <p:cNvPr id="6" name="Content Placeholder 5"/>
+          <p:cNvPr id="6" name="内容占位符 5">
+            <a:extLst>
+              <a:ext uri="{FF2B5EF4-FFF2-40B4-BE49-F238E27FC236}">
+                <a16:creationId xmlns:a16="http://schemas.microsoft.com/office/drawing/2014/main" id="{AC6D52AC-F418-7343-7E29-B19E499F636D}"/>
+              </a:ext>
+            </a:extLst>
+          </p:cNvPr>
           <p:cNvSpPr>
             <a:spLocks noGrp="1"/>
           </p:cNvSpPr>
@@ -2643,17 +2646,12 @@
         </p:nvSpPr>
         <p:spPr>
           <a:xfrm>
-            <a:off x="5806545" y="1262062"/>
-            <a:ext cx="4929188" cy="3030538"/>
+            <a:off x="6172200" y="2505075"/>
+            <a:ext cx="5183188" cy="3684588"/>
           </a:xfrm>
-          <a:prstGeom prst="rect">
-            <a:avLst/>
-          </a:prstGeom>
         </p:spPr>
         <p:txBody>
-          <a:bodyPr anchor="t">
-            <a:normAutofit/>
-          </a:bodyPr>
+          <a:bodyPr/>
           <a:lstStyle/>
           <a:p>
             <a:pPr lvl="0"/>
@@ -2689,13 +2687,18 @@
               <a:rPr lang="zh-CN" altLang="en-US"/>
               <a:t>五级</a:t>
             </a:r>
-            <a:endParaRPr lang="en-US" dirty="0"/>
-          </a:p>
-        </p:txBody>
-      </p:sp>
-      <p:sp>
-        <p:nvSpPr>
-          <p:cNvPr id="7" name="Date Placeholder 6"/>
+          </a:p>
+        </p:txBody>
+      </p:sp>
+      <p:sp>
+        <p:nvSpPr>
+          <p:cNvPr id="7" name="日期占位符 6">
+            <a:extLst>
+              <a:ext uri="{FF2B5EF4-FFF2-40B4-BE49-F238E27FC236}">
+                <a16:creationId xmlns:a16="http://schemas.microsoft.com/office/drawing/2014/main" id="{87F42698-9E9C-BFE7-8FF6-CAD0AD27833F}"/>
+              </a:ext>
+            </a:extLst>
+          </p:cNvPr>
           <p:cNvSpPr>
             <a:spLocks noGrp="1"/>
           </p:cNvSpPr>
@@ -2708,9 +2711,9 @@
           <a:bodyPr/>
           <a:lstStyle/>
           <a:p>
-            <a:fld id="{54572FE0-AF69-49FC-A044-C789016A5D4F}" type="datetimeFigureOut">
+            <a:fld id="{B14948DB-0BE7-40D0-80F6-9094451DF04C}" type="datetimeFigureOut">
               <a:rPr lang="zh-CN" altLang="en-US" smtClean="0"/>
-              <a:t>2024/4/1</a:t>
+              <a:t>2024/4/2</a:t>
             </a:fld>
             <a:endParaRPr lang="zh-CN" altLang="en-US"/>
           </a:p>
@@ -2718,7 +2721,13 @@
       </p:sp>
       <p:sp>
         <p:nvSpPr>
-          <p:cNvPr id="8" name="Footer Placeholder 7"/>
+          <p:cNvPr id="8" name="页脚占位符 7">
+            <a:extLst>
+              <a:ext uri="{FF2B5EF4-FFF2-40B4-BE49-F238E27FC236}">
+                <a16:creationId xmlns:a16="http://schemas.microsoft.com/office/drawing/2014/main" id="{C624F727-C8C8-B0DD-32D0-C88D7CE7C5AA}"/>
+              </a:ext>
+            </a:extLst>
+          </p:cNvPr>
           <p:cNvSpPr>
             <a:spLocks noGrp="1"/>
           </p:cNvSpPr>
@@ -2737,7 +2746,13 @@
       </p:sp>
       <p:sp>
         <p:nvSpPr>
-          <p:cNvPr id="9" name="Slide Number Placeholder 8"/>
+          <p:cNvPr id="9" name="灯片编号占位符 8">
+            <a:extLst>
+              <a:ext uri="{FF2B5EF4-FFF2-40B4-BE49-F238E27FC236}">
+                <a16:creationId xmlns:a16="http://schemas.microsoft.com/office/drawing/2014/main" id="{A31FE621-97A0-2BFA-B1D7-F19BA093DFCC}"/>
+              </a:ext>
+            </a:extLst>
+          </p:cNvPr>
           <p:cNvSpPr>
             <a:spLocks noGrp="1"/>
           </p:cNvSpPr>
@@ -2750,7 +2765,7 @@
           <a:bodyPr/>
           <a:lstStyle/>
           <a:p>
-            <a:fld id="{0800A6A5-3185-4C7B-B9AA-71C6F4DCF7FA}" type="slidenum">
+            <a:fld id="{A7609F20-E83B-4856-BE88-6E7EAD044358}" type="slidenum">
               <a:rPr lang="zh-CN" altLang="en-US" smtClean="0"/>
               <a:t>‹#›</a:t>
             </a:fld>
@@ -2761,7 +2776,7 @@
     </p:spTree>
     <p:extLst>
       <p:ext uri="{BB962C8B-B14F-4D97-AF65-F5344CB8AC3E}">
-        <p14:creationId xmlns:p14="http://schemas.microsoft.com/office/powerpoint/2010/main" val="2259695836"/>
+        <p14:creationId xmlns:p14="http://schemas.microsoft.com/office/powerpoint/2010/main" val="1800243985"/>
       </p:ext>
     </p:extLst>
   </p:cSld>
@@ -2771,7 +2786,7 @@
 </p:sldLayout>
 </file>
 
-<file path=ppt/slideLayouts/slideLayout17.xml><?xml version="1.0" encoding="utf-8"?>
+<file path=ppt/slideLayouts/slideLayout18.xml><?xml version="1.0" encoding="utf-8"?>
 <p:sldLayout xmlns:a="http://schemas.openxmlformats.org/drawingml/2006/main" xmlns:r="http://schemas.openxmlformats.org/officeDocument/2006/relationships" xmlns:p="http://schemas.openxmlformats.org/presentationml/2006/main" type="titleOnly" preserve="1">
   <p:cSld name="仅标题">
     <p:spTree>
@@ -2790,7 +2805,13 @@
       </p:grpSpPr>
       <p:sp>
         <p:nvSpPr>
-          <p:cNvPr id="2" name="Title 1"/>
+          <p:cNvPr id="2" name="标题 1">
+            <a:extLst>
+              <a:ext uri="{FF2B5EF4-FFF2-40B4-BE49-F238E27FC236}">
+                <a16:creationId xmlns:a16="http://schemas.microsoft.com/office/drawing/2014/main" id="{F590E488-F62E-33AE-8452-828D903384C8}"/>
+              </a:ext>
+            </a:extLst>
+          </p:cNvPr>
           <p:cNvSpPr>
             <a:spLocks noGrp="1"/>
           </p:cNvSpPr>
@@ -2807,13 +2828,18 @@
               <a:rPr lang="zh-CN" altLang="en-US"/>
               <a:t>单击此处编辑母版标题样式</a:t>
             </a:r>
-            <a:endParaRPr lang="en-US" dirty="0"/>
-          </a:p>
-        </p:txBody>
-      </p:sp>
-      <p:sp>
-        <p:nvSpPr>
-          <p:cNvPr id="3" name="Date Placeholder 2"/>
+          </a:p>
+        </p:txBody>
+      </p:sp>
+      <p:sp>
+        <p:nvSpPr>
+          <p:cNvPr id="3" name="日期占位符 2">
+            <a:extLst>
+              <a:ext uri="{FF2B5EF4-FFF2-40B4-BE49-F238E27FC236}">
+                <a16:creationId xmlns:a16="http://schemas.microsoft.com/office/drawing/2014/main" id="{46A2293D-2903-3DC9-F422-89FA8056881C}"/>
+              </a:ext>
+            </a:extLst>
+          </p:cNvPr>
           <p:cNvSpPr>
             <a:spLocks noGrp="1"/>
           </p:cNvSpPr>
@@ -2826,9 +2852,9 @@
           <a:bodyPr/>
           <a:lstStyle/>
           <a:p>
-            <a:fld id="{54572FE0-AF69-49FC-A044-C789016A5D4F}" type="datetimeFigureOut">
+            <a:fld id="{B14948DB-0BE7-40D0-80F6-9094451DF04C}" type="datetimeFigureOut">
               <a:rPr lang="zh-CN" altLang="en-US" smtClean="0"/>
-              <a:t>2024/4/1</a:t>
+              <a:t>2024/4/2</a:t>
             </a:fld>
             <a:endParaRPr lang="zh-CN" altLang="en-US"/>
           </a:p>
@@ -2836,7 +2862,13 @@
       </p:sp>
       <p:sp>
         <p:nvSpPr>
-          <p:cNvPr id="4" name="Footer Placeholder 3"/>
+          <p:cNvPr id="4" name="页脚占位符 3">
+            <a:extLst>
+              <a:ext uri="{FF2B5EF4-FFF2-40B4-BE49-F238E27FC236}">
+                <a16:creationId xmlns:a16="http://schemas.microsoft.com/office/drawing/2014/main" id="{4AF8381A-AF22-F6F6-7071-5418E495EB25}"/>
+              </a:ext>
+            </a:extLst>
+          </p:cNvPr>
           <p:cNvSpPr>
             <a:spLocks noGrp="1"/>
           </p:cNvSpPr>
@@ -2855,7 +2887,13 @@
       </p:sp>
       <p:sp>
         <p:nvSpPr>
-          <p:cNvPr id="5" name="Slide Number Placeholder 4"/>
+          <p:cNvPr id="5" name="灯片编号占位符 4">
+            <a:extLst>
+              <a:ext uri="{FF2B5EF4-FFF2-40B4-BE49-F238E27FC236}">
+                <a16:creationId xmlns:a16="http://schemas.microsoft.com/office/drawing/2014/main" id="{7E4FFE49-73E6-2363-05DA-4D95D52161C2}"/>
+              </a:ext>
+            </a:extLst>
+          </p:cNvPr>
           <p:cNvSpPr>
             <a:spLocks noGrp="1"/>
           </p:cNvSpPr>
@@ -2868,7 +2906,7 @@
           <a:bodyPr/>
           <a:lstStyle/>
           <a:p>
-            <a:fld id="{0800A6A5-3185-4C7B-B9AA-71C6F4DCF7FA}" type="slidenum">
+            <a:fld id="{A7609F20-E83B-4856-BE88-6E7EAD044358}" type="slidenum">
               <a:rPr lang="zh-CN" altLang="en-US" smtClean="0"/>
               <a:t>‹#›</a:t>
             </a:fld>
@@ -2879,7 +2917,7 @@
     </p:spTree>
     <p:extLst>
       <p:ext uri="{BB962C8B-B14F-4D97-AF65-F5344CB8AC3E}">
-        <p14:creationId xmlns:p14="http://schemas.microsoft.com/office/powerpoint/2010/main" val="1186576211"/>
+        <p14:creationId xmlns:p14="http://schemas.microsoft.com/office/powerpoint/2010/main" val="4221148589"/>
       </p:ext>
     </p:extLst>
   </p:cSld>
@@ -2889,7 +2927,7 @@
 </p:sldLayout>
 </file>
 
-<file path=ppt/slideLayouts/slideLayout18.xml><?xml version="1.0" encoding="utf-8"?>
+<file path=ppt/slideLayouts/slideLayout19.xml><?xml version="1.0" encoding="utf-8"?>
 <p:sldLayout xmlns:a="http://schemas.openxmlformats.org/drawingml/2006/main" xmlns:r="http://schemas.openxmlformats.org/officeDocument/2006/relationships" xmlns:p="http://schemas.openxmlformats.org/presentationml/2006/main" type="blank" preserve="1">
   <p:cSld name="空白">
     <p:spTree>
@@ -2908,7 +2946,13 @@
       </p:grpSpPr>
       <p:sp>
         <p:nvSpPr>
-          <p:cNvPr id="2" name="Date Placeholder 1"/>
+          <p:cNvPr id="2" name="日期占位符 1">
+            <a:extLst>
+              <a:ext uri="{FF2B5EF4-FFF2-40B4-BE49-F238E27FC236}">
+                <a16:creationId xmlns:a16="http://schemas.microsoft.com/office/drawing/2014/main" id="{17943D4A-617B-9FFD-D4D3-EC43BC44EFD0}"/>
+              </a:ext>
+            </a:extLst>
+          </p:cNvPr>
           <p:cNvSpPr>
             <a:spLocks noGrp="1"/>
           </p:cNvSpPr>
@@ -2921,9 +2965,9 @@
           <a:bodyPr/>
           <a:lstStyle/>
           <a:p>
-            <a:fld id="{54572FE0-AF69-49FC-A044-C789016A5D4F}" type="datetimeFigureOut">
+            <a:fld id="{B14948DB-0BE7-40D0-80F6-9094451DF04C}" type="datetimeFigureOut">
               <a:rPr lang="zh-CN" altLang="en-US" smtClean="0"/>
-              <a:t>2024/4/1</a:t>
+              <a:t>2024/4/2</a:t>
             </a:fld>
             <a:endParaRPr lang="zh-CN" altLang="en-US"/>
           </a:p>
@@ -2931,7 +2975,13 @@
       </p:sp>
       <p:sp>
         <p:nvSpPr>
-          <p:cNvPr id="3" name="Footer Placeholder 2"/>
+          <p:cNvPr id="3" name="页脚占位符 2">
+            <a:extLst>
+              <a:ext uri="{FF2B5EF4-FFF2-40B4-BE49-F238E27FC236}">
+                <a16:creationId xmlns:a16="http://schemas.microsoft.com/office/drawing/2014/main" id="{70C237EE-8036-A87A-CBFD-FC990A979F7E}"/>
+              </a:ext>
+            </a:extLst>
+          </p:cNvPr>
           <p:cNvSpPr>
             <a:spLocks noGrp="1"/>
           </p:cNvSpPr>
@@ -2950,7 +3000,13 @@
       </p:sp>
       <p:sp>
         <p:nvSpPr>
-          <p:cNvPr id="4" name="Slide Number Placeholder 3"/>
+          <p:cNvPr id="4" name="灯片编号占位符 3">
+            <a:extLst>
+              <a:ext uri="{FF2B5EF4-FFF2-40B4-BE49-F238E27FC236}">
+                <a16:creationId xmlns:a16="http://schemas.microsoft.com/office/drawing/2014/main" id="{3727EE1B-EE39-F709-086E-A148F690AD37}"/>
+              </a:ext>
+            </a:extLst>
+          </p:cNvPr>
           <p:cNvSpPr>
             <a:spLocks noGrp="1"/>
           </p:cNvSpPr>
@@ -2963,7 +3019,7 @@
           <a:bodyPr/>
           <a:lstStyle/>
           <a:p>
-            <a:fld id="{0800A6A5-3185-4C7B-B9AA-71C6F4DCF7FA}" type="slidenum">
+            <a:fld id="{A7609F20-E83B-4856-BE88-6E7EAD044358}" type="slidenum">
               <a:rPr lang="zh-CN" altLang="en-US" smtClean="0"/>
               <a:t>‹#›</a:t>
             </a:fld>
@@ -2974,268 +3030,7 @@
     </p:spTree>
     <p:extLst>
       <p:ext uri="{BB962C8B-B14F-4D97-AF65-F5344CB8AC3E}">
-        <p14:creationId xmlns:p14="http://schemas.microsoft.com/office/powerpoint/2010/main" val="3000480356"/>
-      </p:ext>
-    </p:extLst>
-  </p:cSld>
-  <p:clrMapOvr>
-    <a:masterClrMapping/>
-  </p:clrMapOvr>
-</p:sldLayout>
-</file>
-
-<file path=ppt/slideLayouts/slideLayout19.xml><?xml version="1.0" encoding="utf-8"?>
-<p:sldLayout xmlns:a="http://schemas.openxmlformats.org/drawingml/2006/main" xmlns:r="http://schemas.openxmlformats.org/officeDocument/2006/relationships" xmlns:p="http://schemas.openxmlformats.org/presentationml/2006/main" type="objTx" preserve="1">
-  <p:cSld name="内容与标题">
-    <p:spTree>
-      <p:nvGrpSpPr>
-        <p:cNvPr id="1" name=""/>
-        <p:cNvGrpSpPr/>
-        <p:nvPr/>
-      </p:nvGrpSpPr>
-      <p:grpSpPr>
-        <a:xfrm>
-          <a:off x="0" y="0"/>
-          <a:ext cx="0" cy="0"/>
-          <a:chOff x="0" y="0"/>
-          <a:chExt cx="0" cy="0"/>
-        </a:xfrm>
-      </p:grpSpPr>
-      <p:sp>
-        <p:nvSpPr>
-          <p:cNvPr id="2" name="Title 1"/>
-          <p:cNvSpPr>
-            <a:spLocks noGrp="1"/>
-          </p:cNvSpPr>
-          <p:nvPr>
-            <p:ph type="title"/>
-          </p:nvPr>
-        </p:nvSpPr>
-        <p:spPr>
-          <a:xfrm>
-            <a:off x="7085012" y="685800"/>
-            <a:ext cx="3657600" cy="1371600"/>
-          </a:xfrm>
-        </p:spPr>
-        <p:txBody>
-          <a:bodyPr anchor="b">
-            <a:normAutofit/>
-          </a:bodyPr>
-          <a:lstStyle>
-            <a:lvl1pPr algn="l">
-              <a:defRPr sz="2400" b="0"/>
-            </a:lvl1pPr>
-          </a:lstStyle>
-          <a:p>
-            <a:r>
-              <a:rPr lang="zh-CN" altLang="en-US"/>
-              <a:t>单击此处编辑母版标题样式</a:t>
-            </a:r>
-            <a:endParaRPr lang="en-US" dirty="0"/>
-          </a:p>
-        </p:txBody>
-      </p:sp>
-      <p:sp>
-        <p:nvSpPr>
-          <p:cNvPr id="3" name="Content Placeholder 2"/>
-          <p:cNvSpPr>
-            <a:spLocks noGrp="1"/>
-          </p:cNvSpPr>
-          <p:nvPr>
-            <p:ph idx="1"/>
-          </p:nvPr>
-        </p:nvSpPr>
-        <p:spPr>
-          <a:xfrm>
-            <a:off x="684212" y="685800"/>
-            <a:ext cx="5943601" cy="5308600"/>
-          </a:xfrm>
-          <a:prstGeom prst="rect">
-            <a:avLst/>
-          </a:prstGeom>
-        </p:spPr>
-        <p:txBody>
-          <a:bodyPr anchor="ctr">
-            <a:normAutofit/>
-          </a:bodyPr>
-          <a:lstStyle/>
-          <a:p>
-            <a:pPr lvl="0"/>
-            <a:r>
-              <a:rPr lang="zh-CN" altLang="en-US"/>
-              <a:t>单击此处编辑母版文本样式</a:t>
-            </a:r>
-          </a:p>
-          <a:p>
-            <a:pPr lvl="1"/>
-            <a:r>
-              <a:rPr lang="zh-CN" altLang="en-US"/>
-              <a:t>二级</a:t>
-            </a:r>
-          </a:p>
-          <a:p>
-            <a:pPr lvl="2"/>
-            <a:r>
-              <a:rPr lang="zh-CN" altLang="en-US"/>
-              <a:t>三级</a:t>
-            </a:r>
-          </a:p>
-          <a:p>
-            <a:pPr lvl="3"/>
-            <a:r>
-              <a:rPr lang="zh-CN" altLang="en-US"/>
-              <a:t>四级</a:t>
-            </a:r>
-          </a:p>
-          <a:p>
-            <a:pPr lvl="4"/>
-            <a:r>
-              <a:rPr lang="zh-CN" altLang="en-US"/>
-              <a:t>五级</a:t>
-            </a:r>
-            <a:endParaRPr lang="en-US" dirty="0"/>
-          </a:p>
-        </p:txBody>
-      </p:sp>
-      <p:sp>
-        <p:nvSpPr>
-          <p:cNvPr id="4" name="Text Placeholder 3"/>
-          <p:cNvSpPr>
-            <a:spLocks noGrp="1"/>
-          </p:cNvSpPr>
-          <p:nvPr>
-            <p:ph type="body" sz="half" idx="2"/>
-          </p:nvPr>
-        </p:nvSpPr>
-        <p:spPr>
-          <a:xfrm>
-            <a:off x="7085012" y="2209799"/>
-            <a:ext cx="3657600" cy="2091267"/>
-          </a:xfrm>
-          <a:prstGeom prst="rect">
-            <a:avLst/>
-          </a:prstGeom>
-        </p:spPr>
-        <p:txBody>
-          <a:bodyPr anchor="t">
-            <a:normAutofit/>
-          </a:bodyPr>
-          <a:lstStyle>
-            <a:lvl1pPr marL="0" indent="0">
-              <a:buNone/>
-              <a:defRPr sz="1600"/>
-            </a:lvl1pPr>
-            <a:lvl2pPr marL="457200" indent="0">
-              <a:buNone/>
-              <a:defRPr sz="1200"/>
-            </a:lvl2pPr>
-            <a:lvl3pPr marL="914400" indent="0">
-              <a:buNone/>
-              <a:defRPr sz="1000"/>
-            </a:lvl3pPr>
-            <a:lvl4pPr marL="1371600" indent="0">
-              <a:buNone/>
-              <a:defRPr sz="900"/>
-            </a:lvl4pPr>
-            <a:lvl5pPr marL="1828800" indent="0">
-              <a:buNone/>
-              <a:defRPr sz="900"/>
-            </a:lvl5pPr>
-            <a:lvl6pPr marL="2286000" indent="0">
-              <a:buNone/>
-              <a:defRPr sz="900"/>
-            </a:lvl6pPr>
-            <a:lvl7pPr marL="2743200" indent="0">
-              <a:buNone/>
-              <a:defRPr sz="900"/>
-            </a:lvl7pPr>
-            <a:lvl8pPr marL="3200400" indent="0">
-              <a:buNone/>
-              <a:defRPr sz="900"/>
-            </a:lvl8pPr>
-            <a:lvl9pPr marL="3657600" indent="0">
-              <a:buNone/>
-              <a:defRPr sz="900"/>
-            </a:lvl9pPr>
-          </a:lstStyle>
-          <a:p>
-            <a:pPr lvl="0"/>
-            <a:r>
-              <a:rPr lang="zh-CN" altLang="en-US"/>
-              <a:t>单击此处编辑母版文本样式</a:t>
-            </a:r>
-          </a:p>
-        </p:txBody>
-      </p:sp>
-      <p:sp>
-        <p:nvSpPr>
-          <p:cNvPr id="5" name="Date Placeholder 4"/>
-          <p:cNvSpPr>
-            <a:spLocks noGrp="1"/>
-          </p:cNvSpPr>
-          <p:nvPr>
-            <p:ph type="dt" sz="half" idx="10"/>
-          </p:nvPr>
-        </p:nvSpPr>
-        <p:spPr/>
-        <p:txBody>
-          <a:bodyPr/>
-          <a:lstStyle/>
-          <a:p>
-            <a:fld id="{54572FE0-AF69-49FC-A044-C789016A5D4F}" type="datetimeFigureOut">
-              <a:rPr lang="zh-CN" altLang="en-US" smtClean="0"/>
-              <a:t>2024/4/1</a:t>
-            </a:fld>
-            <a:endParaRPr lang="zh-CN" altLang="en-US"/>
-          </a:p>
-        </p:txBody>
-      </p:sp>
-      <p:sp>
-        <p:nvSpPr>
-          <p:cNvPr id="6" name="Footer Placeholder 5"/>
-          <p:cNvSpPr>
-            <a:spLocks noGrp="1"/>
-          </p:cNvSpPr>
-          <p:nvPr>
-            <p:ph type="ftr" sz="quarter" idx="11"/>
-          </p:nvPr>
-        </p:nvSpPr>
-        <p:spPr/>
-        <p:txBody>
-          <a:bodyPr/>
-          <a:lstStyle/>
-          <a:p>
-            <a:endParaRPr lang="zh-CN" altLang="en-US"/>
-          </a:p>
-        </p:txBody>
-      </p:sp>
-      <p:sp>
-        <p:nvSpPr>
-          <p:cNvPr id="7" name="Slide Number Placeholder 6"/>
-          <p:cNvSpPr>
-            <a:spLocks noGrp="1"/>
-          </p:cNvSpPr>
-          <p:nvPr>
-            <p:ph type="sldNum" sz="quarter" idx="12"/>
-          </p:nvPr>
-        </p:nvSpPr>
-        <p:spPr/>
-        <p:txBody>
-          <a:bodyPr/>
-          <a:lstStyle/>
-          <a:p>
-            <a:fld id="{0800A6A5-3185-4C7B-B9AA-71C6F4DCF7FA}" type="slidenum">
-              <a:rPr lang="zh-CN" altLang="en-US" smtClean="0"/>
-              <a:t>‹#›</a:t>
-            </a:fld>
-            <a:endParaRPr lang="zh-CN" altLang="en-US"/>
-          </a:p>
-        </p:txBody>
-      </p:sp>
-    </p:spTree>
-    <p:extLst>
-      <p:ext uri="{BB962C8B-B14F-4D97-AF65-F5344CB8AC3E}">
-        <p14:creationId xmlns:p14="http://schemas.microsoft.com/office/powerpoint/2010/main" val="3360648236"/>
+        <p14:creationId xmlns:p14="http://schemas.microsoft.com/office/powerpoint/2010/main" val="4057737612"/>
       </p:ext>
     </p:extLst>
   </p:cSld>
@@ -3370,7 +3165,7 @@
           <a:p>
             <a:fld id="{DEDA17D1-6590-4570-9DF1-29A4B3C6B8EE}" type="datetimeFigureOut">
               <a:rPr lang="zh-CN" altLang="en-US" smtClean="0"/>
-              <a:t>2024/4/1</a:t>
+              <a:t>2024/4/2</a:t>
             </a:fld>
             <a:endParaRPr lang="zh-CN" altLang="en-US"/>
           </a:p>
@@ -3444,6 +3239,317 @@
 </file>
 
 <file path=ppt/slideLayouts/slideLayout20.xml><?xml version="1.0" encoding="utf-8"?>
+<p:sldLayout xmlns:a="http://schemas.openxmlformats.org/drawingml/2006/main" xmlns:r="http://schemas.openxmlformats.org/officeDocument/2006/relationships" xmlns:p="http://schemas.openxmlformats.org/presentationml/2006/main" type="objTx" preserve="1">
+  <p:cSld name="内容与标题">
+    <p:spTree>
+      <p:nvGrpSpPr>
+        <p:cNvPr id="1" name=""/>
+        <p:cNvGrpSpPr/>
+        <p:nvPr/>
+      </p:nvGrpSpPr>
+      <p:grpSpPr>
+        <a:xfrm>
+          <a:off x="0" y="0"/>
+          <a:ext cx="0" cy="0"/>
+          <a:chOff x="0" y="0"/>
+          <a:chExt cx="0" cy="0"/>
+        </a:xfrm>
+      </p:grpSpPr>
+      <p:sp>
+        <p:nvSpPr>
+          <p:cNvPr id="2" name="标题 1">
+            <a:extLst>
+              <a:ext uri="{FF2B5EF4-FFF2-40B4-BE49-F238E27FC236}">
+                <a16:creationId xmlns:a16="http://schemas.microsoft.com/office/drawing/2014/main" id="{479114C0-372B-6071-5ACE-F9D6B70265B9}"/>
+              </a:ext>
+            </a:extLst>
+          </p:cNvPr>
+          <p:cNvSpPr>
+            <a:spLocks noGrp="1"/>
+          </p:cNvSpPr>
+          <p:nvPr>
+            <p:ph type="title"/>
+          </p:nvPr>
+        </p:nvSpPr>
+        <p:spPr>
+          <a:xfrm>
+            <a:off x="839788" y="457200"/>
+            <a:ext cx="3932237" cy="1600200"/>
+          </a:xfrm>
+        </p:spPr>
+        <p:txBody>
+          <a:bodyPr anchor="b"/>
+          <a:lstStyle>
+            <a:lvl1pPr>
+              <a:defRPr sz="3200"/>
+            </a:lvl1pPr>
+          </a:lstStyle>
+          <a:p>
+            <a:r>
+              <a:rPr lang="zh-CN" altLang="en-US"/>
+              <a:t>单击此处编辑母版标题样式</a:t>
+            </a:r>
+          </a:p>
+        </p:txBody>
+      </p:sp>
+      <p:sp>
+        <p:nvSpPr>
+          <p:cNvPr id="3" name="内容占位符 2">
+            <a:extLst>
+              <a:ext uri="{FF2B5EF4-FFF2-40B4-BE49-F238E27FC236}">
+                <a16:creationId xmlns:a16="http://schemas.microsoft.com/office/drawing/2014/main" id="{A57F5D73-1CD6-7FD3-68C0-01346309ECE3}"/>
+              </a:ext>
+            </a:extLst>
+          </p:cNvPr>
+          <p:cNvSpPr>
+            <a:spLocks noGrp="1"/>
+          </p:cNvSpPr>
+          <p:nvPr>
+            <p:ph idx="1"/>
+          </p:nvPr>
+        </p:nvSpPr>
+        <p:spPr>
+          <a:xfrm>
+            <a:off x="5183188" y="987425"/>
+            <a:ext cx="6172200" cy="4873625"/>
+          </a:xfrm>
+        </p:spPr>
+        <p:txBody>
+          <a:bodyPr/>
+          <a:lstStyle>
+            <a:lvl1pPr>
+              <a:defRPr sz="3200"/>
+            </a:lvl1pPr>
+            <a:lvl2pPr>
+              <a:defRPr sz="2800"/>
+            </a:lvl2pPr>
+            <a:lvl3pPr>
+              <a:defRPr sz="2400"/>
+            </a:lvl3pPr>
+            <a:lvl4pPr>
+              <a:defRPr sz="2000"/>
+            </a:lvl4pPr>
+            <a:lvl5pPr>
+              <a:defRPr sz="2000"/>
+            </a:lvl5pPr>
+            <a:lvl6pPr>
+              <a:defRPr sz="2000"/>
+            </a:lvl6pPr>
+            <a:lvl7pPr>
+              <a:defRPr sz="2000"/>
+            </a:lvl7pPr>
+            <a:lvl8pPr>
+              <a:defRPr sz="2000"/>
+            </a:lvl8pPr>
+            <a:lvl9pPr>
+              <a:defRPr sz="2000"/>
+            </a:lvl9pPr>
+          </a:lstStyle>
+          <a:p>
+            <a:pPr lvl="0"/>
+            <a:r>
+              <a:rPr lang="zh-CN" altLang="en-US"/>
+              <a:t>单击此处编辑母版文本样式</a:t>
+            </a:r>
+          </a:p>
+          <a:p>
+            <a:pPr lvl="1"/>
+            <a:r>
+              <a:rPr lang="zh-CN" altLang="en-US"/>
+              <a:t>二级</a:t>
+            </a:r>
+          </a:p>
+          <a:p>
+            <a:pPr lvl="2"/>
+            <a:r>
+              <a:rPr lang="zh-CN" altLang="en-US"/>
+              <a:t>三级</a:t>
+            </a:r>
+          </a:p>
+          <a:p>
+            <a:pPr lvl="3"/>
+            <a:r>
+              <a:rPr lang="zh-CN" altLang="en-US"/>
+              <a:t>四级</a:t>
+            </a:r>
+          </a:p>
+          <a:p>
+            <a:pPr lvl="4"/>
+            <a:r>
+              <a:rPr lang="zh-CN" altLang="en-US"/>
+              <a:t>五级</a:t>
+            </a:r>
+          </a:p>
+        </p:txBody>
+      </p:sp>
+      <p:sp>
+        <p:nvSpPr>
+          <p:cNvPr id="4" name="文本占位符 3">
+            <a:extLst>
+              <a:ext uri="{FF2B5EF4-FFF2-40B4-BE49-F238E27FC236}">
+                <a16:creationId xmlns:a16="http://schemas.microsoft.com/office/drawing/2014/main" id="{F40ADDDA-83EE-A85E-670D-BD519BE2F316}"/>
+              </a:ext>
+            </a:extLst>
+          </p:cNvPr>
+          <p:cNvSpPr>
+            <a:spLocks noGrp="1"/>
+          </p:cNvSpPr>
+          <p:nvPr>
+            <p:ph type="body" sz="half" idx="2"/>
+          </p:nvPr>
+        </p:nvSpPr>
+        <p:spPr>
+          <a:xfrm>
+            <a:off x="839788" y="2057400"/>
+            <a:ext cx="3932237" cy="3811588"/>
+          </a:xfrm>
+        </p:spPr>
+        <p:txBody>
+          <a:bodyPr/>
+          <a:lstStyle>
+            <a:lvl1pPr marL="0" indent="0">
+              <a:buNone/>
+              <a:defRPr sz="1600"/>
+            </a:lvl1pPr>
+            <a:lvl2pPr marL="457200" indent="0">
+              <a:buNone/>
+              <a:defRPr sz="1400"/>
+            </a:lvl2pPr>
+            <a:lvl3pPr marL="914400" indent="0">
+              <a:buNone/>
+              <a:defRPr sz="1200"/>
+            </a:lvl3pPr>
+            <a:lvl4pPr marL="1371600" indent="0">
+              <a:buNone/>
+              <a:defRPr sz="1000"/>
+            </a:lvl4pPr>
+            <a:lvl5pPr marL="1828800" indent="0">
+              <a:buNone/>
+              <a:defRPr sz="1000"/>
+            </a:lvl5pPr>
+            <a:lvl6pPr marL="2286000" indent="0">
+              <a:buNone/>
+              <a:defRPr sz="1000"/>
+            </a:lvl6pPr>
+            <a:lvl7pPr marL="2743200" indent="0">
+              <a:buNone/>
+              <a:defRPr sz="1000"/>
+            </a:lvl7pPr>
+            <a:lvl8pPr marL="3200400" indent="0">
+              <a:buNone/>
+              <a:defRPr sz="1000"/>
+            </a:lvl8pPr>
+            <a:lvl9pPr marL="3657600" indent="0">
+              <a:buNone/>
+              <a:defRPr sz="1000"/>
+            </a:lvl9pPr>
+          </a:lstStyle>
+          <a:p>
+            <a:pPr lvl="0"/>
+            <a:r>
+              <a:rPr lang="zh-CN" altLang="en-US"/>
+              <a:t>单击此处编辑母版文本样式</a:t>
+            </a:r>
+          </a:p>
+        </p:txBody>
+      </p:sp>
+      <p:sp>
+        <p:nvSpPr>
+          <p:cNvPr id="5" name="日期占位符 4">
+            <a:extLst>
+              <a:ext uri="{FF2B5EF4-FFF2-40B4-BE49-F238E27FC236}">
+                <a16:creationId xmlns:a16="http://schemas.microsoft.com/office/drawing/2014/main" id="{8797E1C3-21CD-9B5E-7E5E-F2247B8BDAC6}"/>
+              </a:ext>
+            </a:extLst>
+          </p:cNvPr>
+          <p:cNvSpPr>
+            <a:spLocks noGrp="1"/>
+          </p:cNvSpPr>
+          <p:nvPr>
+            <p:ph type="dt" sz="half" idx="10"/>
+          </p:nvPr>
+        </p:nvSpPr>
+        <p:spPr/>
+        <p:txBody>
+          <a:bodyPr/>
+          <a:lstStyle/>
+          <a:p>
+            <a:fld id="{B14948DB-0BE7-40D0-80F6-9094451DF04C}" type="datetimeFigureOut">
+              <a:rPr lang="zh-CN" altLang="en-US" smtClean="0"/>
+              <a:t>2024/4/2</a:t>
+            </a:fld>
+            <a:endParaRPr lang="zh-CN" altLang="en-US"/>
+          </a:p>
+        </p:txBody>
+      </p:sp>
+      <p:sp>
+        <p:nvSpPr>
+          <p:cNvPr id="6" name="页脚占位符 5">
+            <a:extLst>
+              <a:ext uri="{FF2B5EF4-FFF2-40B4-BE49-F238E27FC236}">
+                <a16:creationId xmlns:a16="http://schemas.microsoft.com/office/drawing/2014/main" id="{91F365A3-7B12-3C6A-2973-8531E380CD65}"/>
+              </a:ext>
+            </a:extLst>
+          </p:cNvPr>
+          <p:cNvSpPr>
+            <a:spLocks noGrp="1"/>
+          </p:cNvSpPr>
+          <p:nvPr>
+            <p:ph type="ftr" sz="quarter" idx="11"/>
+          </p:nvPr>
+        </p:nvSpPr>
+        <p:spPr/>
+        <p:txBody>
+          <a:bodyPr/>
+          <a:lstStyle/>
+          <a:p>
+            <a:endParaRPr lang="zh-CN" altLang="en-US"/>
+          </a:p>
+        </p:txBody>
+      </p:sp>
+      <p:sp>
+        <p:nvSpPr>
+          <p:cNvPr id="7" name="灯片编号占位符 6">
+            <a:extLst>
+              <a:ext uri="{FF2B5EF4-FFF2-40B4-BE49-F238E27FC236}">
+                <a16:creationId xmlns:a16="http://schemas.microsoft.com/office/drawing/2014/main" id="{91252668-71DA-015A-3526-949C29B5748E}"/>
+              </a:ext>
+            </a:extLst>
+          </p:cNvPr>
+          <p:cNvSpPr>
+            <a:spLocks noGrp="1"/>
+          </p:cNvSpPr>
+          <p:nvPr>
+            <p:ph type="sldNum" sz="quarter" idx="12"/>
+          </p:nvPr>
+        </p:nvSpPr>
+        <p:spPr/>
+        <p:txBody>
+          <a:bodyPr/>
+          <a:lstStyle/>
+          <a:p>
+            <a:fld id="{A7609F20-E83B-4856-BE88-6E7EAD044358}" type="slidenum">
+              <a:rPr lang="zh-CN" altLang="en-US" smtClean="0"/>
+              <a:t>‹#›</a:t>
+            </a:fld>
+            <a:endParaRPr lang="zh-CN" altLang="en-US"/>
+          </a:p>
+        </p:txBody>
+      </p:sp>
+    </p:spTree>
+    <p:extLst>
+      <p:ext uri="{BB962C8B-B14F-4D97-AF65-F5344CB8AC3E}">
+        <p14:creationId xmlns:p14="http://schemas.microsoft.com/office/powerpoint/2010/main" val="2567357430"/>
+      </p:ext>
+    </p:extLst>
+  </p:cSld>
+  <p:clrMapOvr>
+    <a:masterClrMapping/>
+  </p:clrMapOvr>
+</p:sldLayout>
+</file>
+
+<file path=ppt/slideLayouts/slideLayout21.xml><?xml version="1.0" encoding="utf-8"?>
 <p:sldLayout xmlns:a="http://schemas.openxmlformats.org/drawingml/2006/main" xmlns:r="http://schemas.openxmlformats.org/officeDocument/2006/relationships" xmlns:p="http://schemas.openxmlformats.org/presentationml/2006/main" type="picTx" preserve="1">
   <p:cSld name="图片与标题">
     <p:spTree>
@@ -3462,7 +3568,13 @@
       </p:grpSpPr>
       <p:sp>
         <p:nvSpPr>
-          <p:cNvPr id="2" name="Title 1"/>
+          <p:cNvPr id="2" name="标题 1">
+            <a:extLst>
+              <a:ext uri="{FF2B5EF4-FFF2-40B4-BE49-F238E27FC236}">
+                <a16:creationId xmlns:a16="http://schemas.microsoft.com/office/drawing/2014/main" id="{C51E02EB-6C0D-925A-2FF3-59052223C092}"/>
+              </a:ext>
+            </a:extLst>
+          </p:cNvPr>
           <p:cNvSpPr>
             <a:spLocks noGrp="1"/>
           </p:cNvSpPr>
@@ -3472,17 +3584,15 @@
         </p:nvSpPr>
         <p:spPr>
           <a:xfrm>
-            <a:off x="4722812" y="1447800"/>
-            <a:ext cx="6019800" cy="1143000"/>
+            <a:off x="839788" y="457200"/>
+            <a:ext cx="3932237" cy="1600200"/>
           </a:xfrm>
         </p:spPr>
         <p:txBody>
-          <a:bodyPr anchor="b">
-            <a:normAutofit/>
-          </a:bodyPr>
+          <a:bodyPr anchor="b"/>
           <a:lstStyle>
-            <a:lvl1pPr algn="l">
-              <a:defRPr sz="2800" b="0"/>
+            <a:lvl1pPr>
+              <a:defRPr sz="3200"/>
             </a:lvl1pPr>
           </a:lstStyle>
           <a:p>
@@ -3490,15 +3600,20 @@
               <a:rPr lang="zh-CN" altLang="en-US"/>
               <a:t>单击此处编辑母版标题样式</a:t>
             </a:r>
-            <a:endParaRPr lang="en-US" dirty="0"/>
-          </a:p>
-        </p:txBody>
-      </p:sp>
-      <p:sp>
-        <p:nvSpPr>
-          <p:cNvPr id="14" name="Picture Placeholder 2"/>
-          <p:cNvSpPr>
-            <a:spLocks noGrp="1" noChangeAspect="1"/>
+          </a:p>
+        </p:txBody>
+      </p:sp>
+      <p:sp>
+        <p:nvSpPr>
+          <p:cNvPr id="3" name="图片占位符 2">
+            <a:extLst>
+              <a:ext uri="{FF2B5EF4-FFF2-40B4-BE49-F238E27FC236}">
+                <a16:creationId xmlns:a16="http://schemas.microsoft.com/office/drawing/2014/main" id="{CA988EAC-E976-9D91-2BF0-C3C874386549}"/>
+              </a:ext>
+            </a:extLst>
+          </p:cNvPr>
+          <p:cNvSpPr>
+            <a:spLocks noGrp="1"/>
           </p:cNvSpPr>
           <p:nvPr>
             <p:ph type="pic" idx="1"/>
@@ -3506,143 +3621,118 @@
         </p:nvSpPr>
         <p:spPr>
           <a:xfrm>
-            <a:off x="989012" y="914400"/>
-            <a:ext cx="3280974" cy="4572000"/>
+            <a:off x="5183188" y="987425"/>
+            <a:ext cx="6172200" cy="4873625"/>
           </a:xfrm>
-          <a:prstGeom prst="snip2DiagRect">
-            <a:avLst>
-              <a:gd name="adj1" fmla="val 10815"/>
-              <a:gd name="adj2" fmla="val 0"/>
-            </a:avLst>
-          </a:prstGeom>
-          <a:ln w="15875">
-            <a:solidFill>
-              <a:schemeClr val="tx1">
-                <a:alpha val="40000"/>
-              </a:schemeClr>
-            </a:solidFill>
-          </a:ln>
-          <a:effectLst>
-            <a:innerShdw blurRad="57150" dist="38100" dir="14460000">
-              <a:srgbClr val="000000">
-                <a:alpha val="70000"/>
-              </a:srgbClr>
-            </a:innerShdw>
-          </a:effectLst>
         </p:spPr>
         <p:txBody>
-          <a:bodyPr anchor="t">
-            <a:normAutofit/>
-          </a:bodyPr>
+          <a:bodyPr/>
           <a:lstStyle>
-            <a:lvl1pPr marL="0" indent="0" algn="ctr">
+            <a:lvl1pPr marL="0" indent="0">
+              <a:buNone/>
+              <a:defRPr sz="3200"/>
+            </a:lvl1pPr>
+            <a:lvl2pPr marL="457200" indent="0">
+              <a:buNone/>
+              <a:defRPr sz="2800"/>
+            </a:lvl2pPr>
+            <a:lvl3pPr marL="914400" indent="0">
+              <a:buNone/>
+              <a:defRPr sz="2400"/>
+            </a:lvl3pPr>
+            <a:lvl4pPr marL="1371600" indent="0">
+              <a:buNone/>
+              <a:defRPr sz="2000"/>
+            </a:lvl4pPr>
+            <a:lvl5pPr marL="1828800" indent="0">
+              <a:buNone/>
+              <a:defRPr sz="2000"/>
+            </a:lvl5pPr>
+            <a:lvl6pPr marL="2286000" indent="0">
+              <a:buNone/>
+              <a:defRPr sz="2000"/>
+            </a:lvl6pPr>
+            <a:lvl7pPr marL="2743200" indent="0">
+              <a:buNone/>
+              <a:defRPr sz="2000"/>
+            </a:lvl7pPr>
+            <a:lvl8pPr marL="3200400" indent="0">
+              <a:buNone/>
+              <a:defRPr sz="2000"/>
+            </a:lvl8pPr>
+            <a:lvl9pPr marL="3657600" indent="0">
+              <a:buNone/>
+              <a:defRPr sz="2000"/>
+            </a:lvl9pPr>
+          </a:lstStyle>
+          <a:p>
+            <a:endParaRPr lang="zh-CN" altLang="en-US"/>
+          </a:p>
+        </p:txBody>
+      </p:sp>
+      <p:sp>
+        <p:nvSpPr>
+          <p:cNvPr id="4" name="文本占位符 3">
+            <a:extLst>
+              <a:ext uri="{FF2B5EF4-FFF2-40B4-BE49-F238E27FC236}">
+                <a16:creationId xmlns:a16="http://schemas.microsoft.com/office/drawing/2014/main" id="{6BE28EAD-683F-025C-5CFF-4E9ACBC7017C}"/>
+              </a:ext>
+            </a:extLst>
+          </p:cNvPr>
+          <p:cNvSpPr>
+            <a:spLocks noGrp="1"/>
+          </p:cNvSpPr>
+          <p:nvPr>
+            <p:ph type="body" sz="half" idx="2"/>
+          </p:nvPr>
+        </p:nvSpPr>
+        <p:spPr>
+          <a:xfrm>
+            <a:off x="839788" y="2057400"/>
+            <a:ext cx="3932237" cy="3811588"/>
+          </a:xfrm>
+        </p:spPr>
+        <p:txBody>
+          <a:bodyPr/>
+          <a:lstStyle>
+            <a:lvl1pPr marL="0" indent="0">
               <a:buNone/>
               <a:defRPr sz="1600"/>
             </a:lvl1pPr>
             <a:lvl2pPr marL="457200" indent="0">
               <a:buNone/>
-              <a:defRPr sz="1600"/>
+              <a:defRPr sz="1400"/>
             </a:lvl2pPr>
             <a:lvl3pPr marL="914400" indent="0">
               <a:buNone/>
-              <a:defRPr sz="1600"/>
+              <a:defRPr sz="1200"/>
             </a:lvl3pPr>
             <a:lvl4pPr marL="1371600" indent="0">
               <a:buNone/>
-              <a:defRPr sz="1600"/>
+              <a:defRPr sz="1000"/>
             </a:lvl4pPr>
             <a:lvl5pPr marL="1828800" indent="0">
               <a:buNone/>
-              <a:defRPr sz="1600"/>
+              <a:defRPr sz="1000"/>
             </a:lvl5pPr>
             <a:lvl6pPr marL="2286000" indent="0">
               <a:buNone/>
-              <a:defRPr sz="1600"/>
+              <a:defRPr sz="1000"/>
             </a:lvl6pPr>
             <a:lvl7pPr marL="2743200" indent="0">
               <a:buNone/>
-              <a:defRPr sz="1600"/>
+              <a:defRPr sz="1000"/>
             </a:lvl7pPr>
             <a:lvl8pPr marL="3200400" indent="0">
               <a:buNone/>
-              <a:defRPr sz="1600"/>
+              <a:defRPr sz="1000"/>
             </a:lvl8pPr>
             <a:lvl9pPr marL="3657600" indent="0">
               <a:buNone/>
-              <a:defRPr sz="1600"/>
+              <a:defRPr sz="1000"/>
             </a:lvl9pPr>
           </a:lstStyle>
           <a:p>
-            <a:r>
-              <a:rPr lang="zh-CN" altLang="en-US"/>
-              <a:t>单击图标添加图片</a:t>
-            </a:r>
-            <a:endParaRPr lang="en-US" dirty="0"/>
-          </a:p>
-        </p:txBody>
-      </p:sp>
-      <p:sp>
-        <p:nvSpPr>
-          <p:cNvPr id="4" name="Text Placeholder 3"/>
-          <p:cNvSpPr>
-            <a:spLocks noGrp="1"/>
-          </p:cNvSpPr>
-          <p:nvPr>
-            <p:ph type="body" sz="half" idx="2"/>
-          </p:nvPr>
-        </p:nvSpPr>
-        <p:spPr>
-          <a:xfrm>
-            <a:off x="4722812" y="2777066"/>
-            <a:ext cx="6021388" cy="2048933"/>
-          </a:xfrm>
-          <a:prstGeom prst="rect">
-            <a:avLst/>
-          </a:prstGeom>
-        </p:spPr>
-        <p:txBody>
-          <a:bodyPr anchor="t">
-            <a:normAutofit/>
-          </a:bodyPr>
-          <a:lstStyle>
-            <a:lvl1pPr marL="0" indent="0">
-              <a:buNone/>
-              <a:defRPr sz="1800"/>
-            </a:lvl1pPr>
-            <a:lvl2pPr marL="457200" indent="0">
-              <a:buNone/>
-              <a:defRPr sz="1200"/>
-            </a:lvl2pPr>
-            <a:lvl3pPr marL="914400" indent="0">
-              <a:buNone/>
-              <a:defRPr sz="1000"/>
-            </a:lvl3pPr>
-            <a:lvl4pPr marL="1371600" indent="0">
-              <a:buNone/>
-              <a:defRPr sz="900"/>
-            </a:lvl4pPr>
-            <a:lvl5pPr marL="1828800" indent="0">
-              <a:buNone/>
-              <a:defRPr sz="900"/>
-            </a:lvl5pPr>
-            <a:lvl6pPr marL="2286000" indent="0">
-              <a:buNone/>
-              <a:defRPr sz="900"/>
-            </a:lvl6pPr>
-            <a:lvl7pPr marL="2743200" indent="0">
-              <a:buNone/>
-              <a:defRPr sz="900"/>
-            </a:lvl7pPr>
-            <a:lvl8pPr marL="3200400" indent="0">
-              <a:buNone/>
-              <a:defRPr sz="900"/>
-            </a:lvl8pPr>
-            <a:lvl9pPr marL="3657600" indent="0">
-              <a:buNone/>
-              <a:defRPr sz="900"/>
-            </a:lvl9pPr>
-          </a:lstStyle>
-          <a:p>
             <a:pPr lvl="0"/>
             <a:r>
               <a:rPr lang="zh-CN" altLang="en-US"/>
@@ -3653,7 +3743,13 @@
       </p:sp>
       <p:sp>
         <p:nvSpPr>
-          <p:cNvPr id="5" name="Date Placeholder 4"/>
+          <p:cNvPr id="5" name="日期占位符 4">
+            <a:extLst>
+              <a:ext uri="{FF2B5EF4-FFF2-40B4-BE49-F238E27FC236}">
+                <a16:creationId xmlns:a16="http://schemas.microsoft.com/office/drawing/2014/main" id="{0131DF07-6BC0-B289-3DA9-4D3C6FA60175}"/>
+              </a:ext>
+            </a:extLst>
+          </p:cNvPr>
           <p:cNvSpPr>
             <a:spLocks noGrp="1"/>
           </p:cNvSpPr>
@@ -3666,9 +3762,9 @@
           <a:bodyPr/>
           <a:lstStyle/>
           <a:p>
-            <a:fld id="{54572FE0-AF69-49FC-A044-C789016A5D4F}" type="datetimeFigureOut">
+            <a:fld id="{B14948DB-0BE7-40D0-80F6-9094451DF04C}" type="datetimeFigureOut">
               <a:rPr lang="zh-CN" altLang="en-US" smtClean="0"/>
-              <a:t>2024/4/1</a:t>
+              <a:t>2024/4/2</a:t>
             </a:fld>
             <a:endParaRPr lang="zh-CN" altLang="en-US"/>
           </a:p>
@@ -3676,7 +3772,13 @@
       </p:sp>
       <p:sp>
         <p:nvSpPr>
-          <p:cNvPr id="6" name="Footer Placeholder 5"/>
+          <p:cNvPr id="6" name="页脚占位符 5">
+            <a:extLst>
+              <a:ext uri="{FF2B5EF4-FFF2-40B4-BE49-F238E27FC236}">
+                <a16:creationId xmlns:a16="http://schemas.microsoft.com/office/drawing/2014/main" id="{CAEA8483-C6AE-4B57-D5A5-D9D3264886B4}"/>
+              </a:ext>
+            </a:extLst>
+          </p:cNvPr>
           <p:cNvSpPr>
             <a:spLocks noGrp="1"/>
           </p:cNvSpPr>
@@ -3695,7 +3797,13 @@
       </p:sp>
       <p:sp>
         <p:nvSpPr>
-          <p:cNvPr id="7" name="Slide Number Placeholder 6"/>
+          <p:cNvPr id="7" name="灯片编号占位符 6">
+            <a:extLst>
+              <a:ext uri="{FF2B5EF4-FFF2-40B4-BE49-F238E27FC236}">
+                <a16:creationId xmlns:a16="http://schemas.microsoft.com/office/drawing/2014/main" id="{9C549676-9312-73CC-B932-AFD0671B4418}"/>
+              </a:ext>
+            </a:extLst>
+          </p:cNvPr>
           <p:cNvSpPr>
             <a:spLocks noGrp="1"/>
           </p:cNvSpPr>
@@ -3708,7 +3816,7 @@
           <a:bodyPr/>
           <a:lstStyle/>
           <a:p>
-            <a:fld id="{0800A6A5-3185-4C7B-B9AA-71C6F4DCF7FA}" type="slidenum">
+            <a:fld id="{A7609F20-E83B-4856-BE88-6E7EAD044358}" type="slidenum">
               <a:rPr lang="zh-CN" altLang="en-US" smtClean="0"/>
               <a:t>‹#›</a:t>
             </a:fld>
@@ -3719,271 +3827,7 @@
     </p:spTree>
     <p:extLst>
       <p:ext uri="{BB962C8B-B14F-4D97-AF65-F5344CB8AC3E}">
-        <p14:creationId xmlns:p14="http://schemas.microsoft.com/office/powerpoint/2010/main" val="2598884557"/>
-      </p:ext>
-    </p:extLst>
-  </p:cSld>
-  <p:clrMapOvr>
-    <a:masterClrMapping/>
-  </p:clrMapOvr>
-</p:sldLayout>
-</file>
-
-<file path=ppt/slideLayouts/slideLayout21.xml><?xml version="1.0" encoding="utf-8"?>
-<p:sldLayout xmlns:a="http://schemas.openxmlformats.org/drawingml/2006/main" xmlns:r="http://schemas.openxmlformats.org/officeDocument/2006/relationships" xmlns:p="http://schemas.openxmlformats.org/presentationml/2006/main" preserve="1">
-  <p:cSld name="带描述的全景图片">
-    <p:spTree>
-      <p:nvGrpSpPr>
-        <p:cNvPr id="1" name=""/>
-        <p:cNvGrpSpPr/>
-        <p:nvPr/>
-      </p:nvGrpSpPr>
-      <p:grpSpPr>
-        <a:xfrm>
-          <a:off x="0" y="0"/>
-          <a:ext cx="0" cy="0"/>
-          <a:chOff x="0" y="0"/>
-          <a:chExt cx="0" cy="0"/>
-        </a:xfrm>
-      </p:grpSpPr>
-      <p:sp>
-        <p:nvSpPr>
-          <p:cNvPr id="2" name="Title 1"/>
-          <p:cNvSpPr>
-            <a:spLocks noGrp="1"/>
-          </p:cNvSpPr>
-          <p:nvPr>
-            <p:ph type="title"/>
-          </p:nvPr>
-        </p:nvSpPr>
-        <p:spPr/>
-        <p:txBody>
-          <a:bodyPr/>
-          <a:lstStyle/>
-          <a:p>
-            <a:r>
-              <a:rPr lang="zh-CN" altLang="en-US"/>
-              <a:t>单击此处编辑母版标题样式</a:t>
-            </a:r>
-            <a:endParaRPr lang="en-US" dirty="0"/>
-          </a:p>
-        </p:txBody>
-      </p:sp>
-      <p:sp>
-        <p:nvSpPr>
-          <p:cNvPr id="17" name="Picture Placeholder 2"/>
-          <p:cNvSpPr>
-            <a:spLocks noGrp="1" noChangeAspect="1"/>
-          </p:cNvSpPr>
-          <p:nvPr>
-            <p:ph type="pic" idx="13"/>
-          </p:nvPr>
-        </p:nvSpPr>
-        <p:spPr>
-          <a:xfrm>
-            <a:off x="685800" y="533400"/>
-            <a:ext cx="10818812" cy="3124200"/>
-          </a:xfrm>
-          <a:prstGeom prst="snip2DiagRect">
-            <a:avLst>
-              <a:gd name="adj1" fmla="val 10815"/>
-              <a:gd name="adj2" fmla="val 0"/>
-            </a:avLst>
-          </a:prstGeom>
-          <a:ln w="15875">
-            <a:solidFill>
-              <a:schemeClr val="tx1">
-                <a:alpha val="40000"/>
-              </a:schemeClr>
-            </a:solidFill>
-          </a:ln>
-          <a:effectLst>
-            <a:innerShdw blurRad="57150" dist="38100" dir="14460000">
-              <a:srgbClr val="000000">
-                <a:alpha val="70000"/>
-              </a:srgbClr>
-            </a:innerShdw>
-          </a:effectLst>
-        </p:spPr>
-        <p:txBody>
-          <a:bodyPr anchor="t">
-            <a:normAutofit/>
-          </a:bodyPr>
-          <a:lstStyle>
-            <a:lvl1pPr marL="0" indent="0" algn="ctr">
-              <a:buNone/>
-              <a:defRPr sz="1600"/>
-            </a:lvl1pPr>
-            <a:lvl2pPr marL="457200" indent="0">
-              <a:buNone/>
-              <a:defRPr sz="1600"/>
-            </a:lvl2pPr>
-            <a:lvl3pPr marL="914400" indent="0">
-              <a:buNone/>
-              <a:defRPr sz="1600"/>
-            </a:lvl3pPr>
-            <a:lvl4pPr marL="1371600" indent="0">
-              <a:buNone/>
-              <a:defRPr sz="1600"/>
-            </a:lvl4pPr>
-            <a:lvl5pPr marL="1828800" indent="0">
-              <a:buNone/>
-              <a:defRPr sz="1600"/>
-            </a:lvl5pPr>
-            <a:lvl6pPr marL="2286000" indent="0">
-              <a:buNone/>
-              <a:defRPr sz="1600"/>
-            </a:lvl6pPr>
-            <a:lvl7pPr marL="2743200" indent="0">
-              <a:buNone/>
-              <a:defRPr sz="1600"/>
-            </a:lvl7pPr>
-            <a:lvl8pPr marL="3200400" indent="0">
-              <a:buNone/>
-              <a:defRPr sz="1600"/>
-            </a:lvl8pPr>
-            <a:lvl9pPr marL="3657600" indent="0">
-              <a:buNone/>
-              <a:defRPr sz="1600"/>
-            </a:lvl9pPr>
-          </a:lstStyle>
-          <a:p>
-            <a:r>
-              <a:rPr lang="zh-CN" altLang="en-US"/>
-              <a:t>单击图标添加图片</a:t>
-            </a:r>
-            <a:endParaRPr lang="en-US" dirty="0"/>
-          </a:p>
-        </p:txBody>
-      </p:sp>
-      <p:sp>
-        <p:nvSpPr>
-          <p:cNvPr id="16" name="Text Placeholder 9"/>
-          <p:cNvSpPr>
-            <a:spLocks noGrp="1"/>
-          </p:cNvSpPr>
-          <p:nvPr>
-            <p:ph type="body" sz="quarter" idx="14"/>
-          </p:nvPr>
-        </p:nvSpPr>
-        <p:spPr>
-          <a:xfrm>
-            <a:off x="914402" y="3843867"/>
-            <a:ext cx="8304210" cy="457200"/>
-          </a:xfrm>
-          <a:prstGeom prst="rect">
-            <a:avLst/>
-          </a:prstGeom>
-        </p:spPr>
-        <p:txBody>
-          <a:bodyPr anchor="t">
-            <a:normAutofit/>
-          </a:bodyPr>
-          <a:lstStyle>
-            <a:lvl1pPr marL="0" indent="0">
-              <a:buFontTx/>
-              <a:buNone/>
-              <a:defRPr sz="1600"/>
-            </a:lvl1pPr>
-            <a:lvl2pPr marL="457200" indent="0">
-              <a:buFontTx/>
-              <a:buNone/>
-              <a:defRPr/>
-            </a:lvl2pPr>
-            <a:lvl3pPr marL="914400" indent="0">
-              <a:buFontTx/>
-              <a:buNone/>
-              <a:defRPr/>
-            </a:lvl3pPr>
-            <a:lvl4pPr marL="1371600" indent="0">
-              <a:buFontTx/>
-              <a:buNone/>
-              <a:defRPr/>
-            </a:lvl4pPr>
-            <a:lvl5pPr marL="1828800" indent="0">
-              <a:buFontTx/>
-              <a:buNone/>
-              <a:defRPr/>
-            </a:lvl5pPr>
-          </a:lstStyle>
-          <a:p>
-            <a:pPr lvl="0"/>
-            <a:r>
-              <a:rPr lang="zh-CN" altLang="en-US"/>
-              <a:t>单击此处编辑母版文本样式</a:t>
-            </a:r>
-          </a:p>
-        </p:txBody>
-      </p:sp>
-      <p:sp>
-        <p:nvSpPr>
-          <p:cNvPr id="3" name="Date Placeholder 2"/>
-          <p:cNvSpPr>
-            <a:spLocks noGrp="1"/>
-          </p:cNvSpPr>
-          <p:nvPr>
-            <p:ph type="dt" sz="half" idx="10"/>
-          </p:nvPr>
-        </p:nvSpPr>
-        <p:spPr/>
-        <p:txBody>
-          <a:bodyPr/>
-          <a:lstStyle/>
-          <a:p>
-            <a:fld id="{54572FE0-AF69-49FC-A044-C789016A5D4F}" type="datetimeFigureOut">
-              <a:rPr lang="zh-CN" altLang="en-US" smtClean="0"/>
-              <a:t>2024/4/1</a:t>
-            </a:fld>
-            <a:endParaRPr lang="zh-CN" altLang="en-US"/>
-          </a:p>
-        </p:txBody>
-      </p:sp>
-      <p:sp>
-        <p:nvSpPr>
-          <p:cNvPr id="4" name="Footer Placeholder 3"/>
-          <p:cNvSpPr>
-            <a:spLocks noGrp="1"/>
-          </p:cNvSpPr>
-          <p:nvPr>
-            <p:ph type="ftr" sz="quarter" idx="11"/>
-          </p:nvPr>
-        </p:nvSpPr>
-        <p:spPr/>
-        <p:txBody>
-          <a:bodyPr/>
-          <a:lstStyle/>
-          <a:p>
-            <a:endParaRPr lang="zh-CN" altLang="en-US"/>
-          </a:p>
-        </p:txBody>
-      </p:sp>
-      <p:sp>
-        <p:nvSpPr>
-          <p:cNvPr id="5" name="Slide Number Placeholder 4"/>
-          <p:cNvSpPr>
-            <a:spLocks noGrp="1"/>
-          </p:cNvSpPr>
-          <p:nvPr>
-            <p:ph type="sldNum" sz="quarter" idx="12"/>
-          </p:nvPr>
-        </p:nvSpPr>
-        <p:spPr/>
-        <p:txBody>
-          <a:bodyPr/>
-          <a:lstStyle/>
-          <a:p>
-            <a:fld id="{0800A6A5-3185-4C7B-B9AA-71C6F4DCF7FA}" type="slidenum">
-              <a:rPr lang="zh-CN" altLang="en-US" smtClean="0"/>
-              <a:t>‹#›</a:t>
-            </a:fld>
-            <a:endParaRPr lang="zh-CN" altLang="en-US"/>
-          </a:p>
-        </p:txBody>
-      </p:sp>
-    </p:spTree>
-    <p:extLst>
-      <p:ext uri="{BB962C8B-B14F-4D97-AF65-F5344CB8AC3E}">
-        <p14:creationId xmlns:p14="http://schemas.microsoft.com/office/powerpoint/2010/main" val="601121983"/>
+        <p14:creationId xmlns:p14="http://schemas.microsoft.com/office/powerpoint/2010/main" val="3748297439"/>
       </p:ext>
     </p:extLst>
   </p:cSld>
@@ -3994,1575 +3838,6 @@
 </file>
 
 <file path=ppt/slideLayouts/slideLayout22.xml><?xml version="1.0" encoding="utf-8"?>
-<p:sldLayout xmlns:a="http://schemas.openxmlformats.org/drawingml/2006/main" xmlns:r="http://schemas.openxmlformats.org/officeDocument/2006/relationships" xmlns:p="http://schemas.openxmlformats.org/presentationml/2006/main" preserve="1">
-  <p:cSld name="标题和描述">
-    <p:spTree>
-      <p:nvGrpSpPr>
-        <p:cNvPr id="1" name=""/>
-        <p:cNvGrpSpPr/>
-        <p:nvPr/>
-      </p:nvGrpSpPr>
-      <p:grpSpPr>
-        <a:xfrm>
-          <a:off x="0" y="0"/>
-          <a:ext cx="0" cy="0"/>
-          <a:chOff x="0" y="0"/>
-          <a:chExt cx="0" cy="0"/>
-        </a:xfrm>
-      </p:grpSpPr>
-      <p:sp>
-        <p:nvSpPr>
-          <p:cNvPr id="2" name="Title 1"/>
-          <p:cNvSpPr>
-            <a:spLocks noGrp="1"/>
-          </p:cNvSpPr>
-          <p:nvPr>
-            <p:ph type="title"/>
-          </p:nvPr>
-        </p:nvSpPr>
-        <p:spPr>
-          <a:xfrm>
-            <a:off x="684213" y="685800"/>
-            <a:ext cx="10058400" cy="2743200"/>
-          </a:xfrm>
-        </p:spPr>
-        <p:txBody>
-          <a:bodyPr anchor="ctr">
-            <a:normAutofit/>
-          </a:bodyPr>
-          <a:lstStyle>
-            <a:lvl1pPr algn="l">
-              <a:defRPr sz="3200" b="0" cap="all"/>
-            </a:lvl1pPr>
-          </a:lstStyle>
-          <a:p>
-            <a:r>
-              <a:rPr lang="zh-CN" altLang="en-US"/>
-              <a:t>单击此处编辑母版标题样式</a:t>
-            </a:r>
-            <a:endParaRPr lang="en-US" dirty="0"/>
-          </a:p>
-        </p:txBody>
-      </p:sp>
-      <p:sp>
-        <p:nvSpPr>
-          <p:cNvPr id="3" name="Text Placeholder 2"/>
-          <p:cNvSpPr>
-            <a:spLocks noGrp="1"/>
-          </p:cNvSpPr>
-          <p:nvPr>
-            <p:ph type="body" idx="1"/>
-          </p:nvPr>
-        </p:nvSpPr>
-        <p:spPr>
-          <a:xfrm>
-            <a:off x="684212" y="4114800"/>
-            <a:ext cx="8535988" cy="1879600"/>
-          </a:xfrm>
-          <a:prstGeom prst="rect">
-            <a:avLst/>
-          </a:prstGeom>
-        </p:spPr>
-        <p:txBody>
-          <a:bodyPr anchor="ctr">
-            <a:normAutofit/>
-          </a:bodyPr>
-          <a:lstStyle>
-            <a:lvl1pPr marL="0" indent="0" algn="l">
-              <a:buNone/>
-              <a:defRPr sz="2000">
-                <a:solidFill>
-                  <a:schemeClr val="bg2">
-                    <a:lumMod val="75000"/>
-                  </a:schemeClr>
-                </a:solidFill>
-              </a:defRPr>
-            </a:lvl1pPr>
-            <a:lvl2pPr marL="457200" indent="0">
-              <a:buNone/>
-              <a:defRPr sz="1800">
-                <a:solidFill>
-                  <a:schemeClr val="tx1">
-                    <a:tint val="75000"/>
-                  </a:schemeClr>
-                </a:solidFill>
-              </a:defRPr>
-            </a:lvl2pPr>
-            <a:lvl3pPr marL="914400" indent="0">
-              <a:buNone/>
-              <a:defRPr sz="1600">
-                <a:solidFill>
-                  <a:schemeClr val="tx1">
-                    <a:tint val="75000"/>
-                  </a:schemeClr>
-                </a:solidFill>
-              </a:defRPr>
-            </a:lvl3pPr>
-            <a:lvl4pPr marL="1371600" indent="0">
-              <a:buNone/>
-              <a:defRPr sz="1400">
-                <a:solidFill>
-                  <a:schemeClr val="tx1">
-                    <a:tint val="75000"/>
-                  </a:schemeClr>
-                </a:solidFill>
-              </a:defRPr>
-            </a:lvl4pPr>
-            <a:lvl5pPr marL="1828800" indent="0">
-              <a:buNone/>
-              <a:defRPr sz="1400">
-                <a:solidFill>
-                  <a:schemeClr val="tx1">
-                    <a:tint val="75000"/>
-                  </a:schemeClr>
-                </a:solidFill>
-              </a:defRPr>
-            </a:lvl5pPr>
-            <a:lvl6pPr marL="2286000" indent="0">
-              <a:buNone/>
-              <a:defRPr sz="1400">
-                <a:solidFill>
-                  <a:schemeClr val="tx1">
-                    <a:tint val="75000"/>
-                  </a:schemeClr>
-                </a:solidFill>
-              </a:defRPr>
-            </a:lvl6pPr>
-            <a:lvl7pPr marL="2743200" indent="0">
-              <a:buNone/>
-              <a:defRPr sz="1400">
-                <a:solidFill>
-                  <a:schemeClr val="tx1">
-                    <a:tint val="75000"/>
-                  </a:schemeClr>
-                </a:solidFill>
-              </a:defRPr>
-            </a:lvl7pPr>
-            <a:lvl8pPr marL="3200400" indent="0">
-              <a:buNone/>
-              <a:defRPr sz="1400">
-                <a:solidFill>
-                  <a:schemeClr val="tx1">
-                    <a:tint val="75000"/>
-                  </a:schemeClr>
-                </a:solidFill>
-              </a:defRPr>
-            </a:lvl8pPr>
-            <a:lvl9pPr marL="3657600" indent="0">
-              <a:buNone/>
-              <a:defRPr sz="1400">
-                <a:solidFill>
-                  <a:schemeClr val="tx1">
-                    <a:tint val="75000"/>
-                  </a:schemeClr>
-                </a:solidFill>
-              </a:defRPr>
-            </a:lvl9pPr>
-          </a:lstStyle>
-          <a:p>
-            <a:pPr lvl="0"/>
-            <a:r>
-              <a:rPr lang="zh-CN" altLang="en-US"/>
-              <a:t>单击此处编辑母版文本样式</a:t>
-            </a:r>
-          </a:p>
-        </p:txBody>
-      </p:sp>
-      <p:sp>
-        <p:nvSpPr>
-          <p:cNvPr id="4" name="Date Placeholder 3"/>
-          <p:cNvSpPr>
-            <a:spLocks noGrp="1"/>
-          </p:cNvSpPr>
-          <p:nvPr>
-            <p:ph type="dt" sz="half" idx="10"/>
-          </p:nvPr>
-        </p:nvSpPr>
-        <p:spPr/>
-        <p:txBody>
-          <a:bodyPr/>
-          <a:lstStyle/>
-          <a:p>
-            <a:fld id="{54572FE0-AF69-49FC-A044-C789016A5D4F}" type="datetimeFigureOut">
-              <a:rPr lang="zh-CN" altLang="en-US" smtClean="0"/>
-              <a:t>2024/4/1</a:t>
-            </a:fld>
-            <a:endParaRPr lang="zh-CN" altLang="en-US"/>
-          </a:p>
-        </p:txBody>
-      </p:sp>
-      <p:sp>
-        <p:nvSpPr>
-          <p:cNvPr id="5" name="Footer Placeholder 4"/>
-          <p:cNvSpPr>
-            <a:spLocks noGrp="1"/>
-          </p:cNvSpPr>
-          <p:nvPr>
-            <p:ph type="ftr" sz="quarter" idx="11"/>
-          </p:nvPr>
-        </p:nvSpPr>
-        <p:spPr/>
-        <p:txBody>
-          <a:bodyPr/>
-          <a:lstStyle/>
-          <a:p>
-            <a:endParaRPr lang="zh-CN" altLang="en-US"/>
-          </a:p>
-        </p:txBody>
-      </p:sp>
-      <p:sp>
-        <p:nvSpPr>
-          <p:cNvPr id="6" name="Slide Number Placeholder 5"/>
-          <p:cNvSpPr>
-            <a:spLocks noGrp="1"/>
-          </p:cNvSpPr>
-          <p:nvPr>
-            <p:ph type="sldNum" sz="quarter" idx="12"/>
-          </p:nvPr>
-        </p:nvSpPr>
-        <p:spPr/>
-        <p:txBody>
-          <a:bodyPr/>
-          <a:lstStyle/>
-          <a:p>
-            <a:fld id="{0800A6A5-3185-4C7B-B9AA-71C6F4DCF7FA}" type="slidenum">
-              <a:rPr lang="zh-CN" altLang="en-US" smtClean="0"/>
-              <a:t>‹#›</a:t>
-            </a:fld>
-            <a:endParaRPr lang="zh-CN" altLang="en-US"/>
-          </a:p>
-        </p:txBody>
-      </p:sp>
-    </p:spTree>
-    <p:extLst>
-      <p:ext uri="{BB962C8B-B14F-4D97-AF65-F5344CB8AC3E}">
-        <p14:creationId xmlns:p14="http://schemas.microsoft.com/office/powerpoint/2010/main" val="116331507"/>
-      </p:ext>
-    </p:extLst>
-  </p:cSld>
-  <p:clrMapOvr>
-    <a:masterClrMapping/>
-  </p:clrMapOvr>
-</p:sldLayout>
-</file>
-
-<file path=ppt/slideLayouts/slideLayout23.xml><?xml version="1.0" encoding="utf-8"?>
-<p:sldLayout xmlns:a="http://schemas.openxmlformats.org/drawingml/2006/main" xmlns:r="http://schemas.openxmlformats.org/officeDocument/2006/relationships" xmlns:p="http://schemas.openxmlformats.org/presentationml/2006/main" preserve="1">
-  <p:cSld name="带描述的引言">
-    <p:spTree>
-      <p:nvGrpSpPr>
-        <p:cNvPr id="1" name=""/>
-        <p:cNvGrpSpPr/>
-        <p:nvPr/>
-      </p:nvGrpSpPr>
-      <p:grpSpPr>
-        <a:xfrm>
-          <a:off x="0" y="0"/>
-          <a:ext cx="0" cy="0"/>
-          <a:chOff x="0" y="0"/>
-          <a:chExt cx="0" cy="0"/>
-        </a:xfrm>
-      </p:grpSpPr>
-      <p:sp>
-        <p:nvSpPr>
-          <p:cNvPr id="2" name="Title 1"/>
-          <p:cNvSpPr>
-            <a:spLocks noGrp="1"/>
-          </p:cNvSpPr>
-          <p:nvPr>
-            <p:ph type="title"/>
-          </p:nvPr>
-        </p:nvSpPr>
-        <p:spPr>
-          <a:xfrm>
-            <a:off x="1141411" y="685800"/>
-            <a:ext cx="9144001" cy="2743200"/>
-          </a:xfrm>
-        </p:spPr>
-        <p:txBody>
-          <a:bodyPr anchor="ctr">
-            <a:normAutofit/>
-          </a:bodyPr>
-          <a:lstStyle>
-            <a:lvl1pPr algn="l">
-              <a:defRPr sz="3200" b="0" cap="all">
-                <a:solidFill>
-                  <a:schemeClr val="tx1"/>
-                </a:solidFill>
-              </a:defRPr>
-            </a:lvl1pPr>
-          </a:lstStyle>
-          <a:p>
-            <a:r>
-              <a:rPr lang="zh-CN" altLang="en-US"/>
-              <a:t>单击此处编辑母版标题样式</a:t>
-            </a:r>
-            <a:endParaRPr lang="en-US" dirty="0"/>
-          </a:p>
-        </p:txBody>
-      </p:sp>
-      <p:sp>
-        <p:nvSpPr>
-          <p:cNvPr id="10" name="Text Placeholder 9"/>
-          <p:cNvSpPr>
-            <a:spLocks noGrp="1"/>
-          </p:cNvSpPr>
-          <p:nvPr>
-            <p:ph type="body" sz="quarter" idx="13"/>
-          </p:nvPr>
-        </p:nvSpPr>
-        <p:spPr>
-          <a:xfrm>
-            <a:off x="1446212" y="3429000"/>
-            <a:ext cx="8534400" cy="381000"/>
-          </a:xfrm>
-          <a:prstGeom prst="rect">
-            <a:avLst/>
-          </a:prstGeom>
-        </p:spPr>
-        <p:txBody>
-          <a:bodyPr anchor="ctr"/>
-          <a:lstStyle>
-            <a:lvl1pPr marL="0" indent="0">
-              <a:buFontTx/>
-              <a:buNone/>
-              <a:defRPr/>
-            </a:lvl1pPr>
-            <a:lvl2pPr marL="457200" indent="0">
-              <a:buFontTx/>
-              <a:buNone/>
-              <a:defRPr/>
-            </a:lvl2pPr>
-            <a:lvl3pPr marL="914400" indent="0">
-              <a:buFontTx/>
-              <a:buNone/>
-              <a:defRPr/>
-            </a:lvl3pPr>
-            <a:lvl4pPr marL="1371600" indent="0">
-              <a:buFontTx/>
-              <a:buNone/>
-              <a:defRPr/>
-            </a:lvl4pPr>
-            <a:lvl5pPr marL="1828800" indent="0">
-              <a:buFontTx/>
-              <a:buNone/>
-              <a:defRPr/>
-            </a:lvl5pPr>
-          </a:lstStyle>
-          <a:p>
-            <a:pPr lvl="0"/>
-            <a:r>
-              <a:rPr lang="zh-CN" altLang="en-US"/>
-              <a:t>单击此处编辑母版文本样式</a:t>
-            </a:r>
-          </a:p>
-        </p:txBody>
-      </p:sp>
-      <p:sp>
-        <p:nvSpPr>
-          <p:cNvPr id="3" name="Text Placeholder 2"/>
-          <p:cNvSpPr>
-            <a:spLocks noGrp="1"/>
-          </p:cNvSpPr>
-          <p:nvPr>
-            <p:ph type="body" idx="1"/>
-          </p:nvPr>
-        </p:nvSpPr>
-        <p:spPr>
-          <a:xfrm>
-            <a:off x="684213" y="4301067"/>
-            <a:ext cx="8534400" cy="1684865"/>
-          </a:xfrm>
-          <a:prstGeom prst="rect">
-            <a:avLst/>
-          </a:prstGeom>
-        </p:spPr>
-        <p:txBody>
-          <a:bodyPr anchor="ctr">
-            <a:normAutofit/>
-          </a:bodyPr>
-          <a:lstStyle>
-            <a:lvl1pPr marL="0" indent="0" algn="l">
-              <a:buNone/>
-              <a:defRPr sz="2000">
-                <a:solidFill>
-                  <a:schemeClr val="bg2">
-                    <a:lumMod val="75000"/>
-                  </a:schemeClr>
-                </a:solidFill>
-              </a:defRPr>
-            </a:lvl1pPr>
-            <a:lvl2pPr marL="457200" indent="0">
-              <a:buNone/>
-              <a:defRPr sz="1800">
-                <a:solidFill>
-                  <a:schemeClr val="tx1">
-                    <a:tint val="75000"/>
-                  </a:schemeClr>
-                </a:solidFill>
-              </a:defRPr>
-            </a:lvl2pPr>
-            <a:lvl3pPr marL="914400" indent="0">
-              <a:buNone/>
-              <a:defRPr sz="1600">
-                <a:solidFill>
-                  <a:schemeClr val="tx1">
-                    <a:tint val="75000"/>
-                  </a:schemeClr>
-                </a:solidFill>
-              </a:defRPr>
-            </a:lvl3pPr>
-            <a:lvl4pPr marL="1371600" indent="0">
-              <a:buNone/>
-              <a:defRPr sz="1400">
-                <a:solidFill>
-                  <a:schemeClr val="tx1">
-                    <a:tint val="75000"/>
-                  </a:schemeClr>
-                </a:solidFill>
-              </a:defRPr>
-            </a:lvl4pPr>
-            <a:lvl5pPr marL="1828800" indent="0">
-              <a:buNone/>
-              <a:defRPr sz="1400">
-                <a:solidFill>
-                  <a:schemeClr val="tx1">
-                    <a:tint val="75000"/>
-                  </a:schemeClr>
-                </a:solidFill>
-              </a:defRPr>
-            </a:lvl5pPr>
-            <a:lvl6pPr marL="2286000" indent="0">
-              <a:buNone/>
-              <a:defRPr sz="1400">
-                <a:solidFill>
-                  <a:schemeClr val="tx1">
-                    <a:tint val="75000"/>
-                  </a:schemeClr>
-                </a:solidFill>
-              </a:defRPr>
-            </a:lvl6pPr>
-            <a:lvl7pPr marL="2743200" indent="0">
-              <a:buNone/>
-              <a:defRPr sz="1400">
-                <a:solidFill>
-                  <a:schemeClr val="tx1">
-                    <a:tint val="75000"/>
-                  </a:schemeClr>
-                </a:solidFill>
-              </a:defRPr>
-            </a:lvl7pPr>
-            <a:lvl8pPr marL="3200400" indent="0">
-              <a:buNone/>
-              <a:defRPr sz="1400">
-                <a:solidFill>
-                  <a:schemeClr val="tx1">
-                    <a:tint val="75000"/>
-                  </a:schemeClr>
-                </a:solidFill>
-              </a:defRPr>
-            </a:lvl8pPr>
-            <a:lvl9pPr marL="3657600" indent="0">
-              <a:buNone/>
-              <a:defRPr sz="1400">
-                <a:solidFill>
-                  <a:schemeClr val="tx1">
-                    <a:tint val="75000"/>
-                  </a:schemeClr>
-                </a:solidFill>
-              </a:defRPr>
-            </a:lvl9pPr>
-          </a:lstStyle>
-          <a:p>
-            <a:pPr lvl="0"/>
-            <a:r>
-              <a:rPr lang="zh-CN" altLang="en-US"/>
-              <a:t>单击此处编辑母版文本样式</a:t>
-            </a:r>
-          </a:p>
-        </p:txBody>
-      </p:sp>
-      <p:sp>
-        <p:nvSpPr>
-          <p:cNvPr id="4" name="Date Placeholder 3"/>
-          <p:cNvSpPr>
-            <a:spLocks noGrp="1"/>
-          </p:cNvSpPr>
-          <p:nvPr>
-            <p:ph type="dt" sz="half" idx="10"/>
-          </p:nvPr>
-        </p:nvSpPr>
-        <p:spPr/>
-        <p:txBody>
-          <a:bodyPr/>
-          <a:lstStyle/>
-          <a:p>
-            <a:fld id="{54572FE0-AF69-49FC-A044-C789016A5D4F}" type="datetimeFigureOut">
-              <a:rPr lang="zh-CN" altLang="en-US" smtClean="0"/>
-              <a:t>2024/4/1</a:t>
-            </a:fld>
-            <a:endParaRPr lang="zh-CN" altLang="en-US"/>
-          </a:p>
-        </p:txBody>
-      </p:sp>
-      <p:sp>
-        <p:nvSpPr>
-          <p:cNvPr id="5" name="Footer Placeholder 4"/>
-          <p:cNvSpPr>
-            <a:spLocks noGrp="1"/>
-          </p:cNvSpPr>
-          <p:nvPr>
-            <p:ph type="ftr" sz="quarter" idx="11"/>
-          </p:nvPr>
-        </p:nvSpPr>
-        <p:spPr/>
-        <p:txBody>
-          <a:bodyPr/>
-          <a:lstStyle/>
-          <a:p>
-            <a:endParaRPr lang="zh-CN" altLang="en-US"/>
-          </a:p>
-        </p:txBody>
-      </p:sp>
-      <p:sp>
-        <p:nvSpPr>
-          <p:cNvPr id="6" name="Slide Number Placeholder 5"/>
-          <p:cNvSpPr>
-            <a:spLocks noGrp="1"/>
-          </p:cNvSpPr>
-          <p:nvPr>
-            <p:ph type="sldNum" sz="quarter" idx="12"/>
-          </p:nvPr>
-        </p:nvSpPr>
-        <p:spPr/>
-        <p:txBody>
-          <a:bodyPr/>
-          <a:lstStyle/>
-          <a:p>
-            <a:fld id="{0800A6A5-3185-4C7B-B9AA-71C6F4DCF7FA}" type="slidenum">
-              <a:rPr lang="zh-CN" altLang="en-US" smtClean="0"/>
-              <a:t>‹#›</a:t>
-            </a:fld>
-            <a:endParaRPr lang="zh-CN" altLang="en-US"/>
-          </a:p>
-        </p:txBody>
-      </p:sp>
-      <p:sp>
-        <p:nvSpPr>
-          <p:cNvPr id="14" name="TextBox 13"/>
-          <p:cNvSpPr txBox="1"/>
-          <p:nvPr/>
-        </p:nvSpPr>
-        <p:spPr>
-          <a:xfrm>
-            <a:off x="531812" y="812222"/>
-            <a:ext cx="609600" cy="584776"/>
-          </a:xfrm>
-          <a:prstGeom prst="rect">
-            <a:avLst/>
-          </a:prstGeom>
-        </p:spPr>
-        <p:txBody>
-          <a:bodyPr vert="horz" lIns="91440" tIns="45720" rIns="91440" bIns="45720" rtlCol="0" anchor="ctr">
-            <a:noAutofit/>
-          </a:bodyPr>
-          <a:lstStyle/>
-          <a:p>
-            <a:pPr lvl="0"/>
-            <a:r>
-              <a:rPr lang="en-US" sz="8000" dirty="0">
-                <a:solidFill>
-                  <a:schemeClr val="tx1"/>
-                </a:solidFill>
-                <a:effectLst/>
-              </a:rPr>
-              <a:t>“</a:t>
-            </a:r>
-          </a:p>
-        </p:txBody>
-      </p:sp>
-      <p:sp>
-        <p:nvSpPr>
-          <p:cNvPr id="15" name="TextBox 14"/>
-          <p:cNvSpPr txBox="1"/>
-          <p:nvPr/>
-        </p:nvSpPr>
-        <p:spPr>
-          <a:xfrm>
-            <a:off x="10285412" y="2768601"/>
-            <a:ext cx="609600" cy="584776"/>
-          </a:xfrm>
-          <a:prstGeom prst="rect">
-            <a:avLst/>
-          </a:prstGeom>
-        </p:spPr>
-        <p:txBody>
-          <a:bodyPr vert="horz" lIns="91440" tIns="45720" rIns="91440" bIns="45720" rtlCol="0" anchor="ctr">
-            <a:noAutofit/>
-          </a:bodyPr>
-          <a:lstStyle/>
-          <a:p>
-            <a:pPr lvl="0" algn="r"/>
-            <a:r>
-              <a:rPr lang="en-US" sz="8000" dirty="0">
-                <a:solidFill>
-                  <a:schemeClr val="tx1"/>
-                </a:solidFill>
-                <a:effectLst/>
-              </a:rPr>
-              <a:t>”</a:t>
-            </a:r>
-          </a:p>
-        </p:txBody>
-      </p:sp>
-    </p:spTree>
-    <p:extLst>
-      <p:ext uri="{BB962C8B-B14F-4D97-AF65-F5344CB8AC3E}">
-        <p14:creationId xmlns:p14="http://schemas.microsoft.com/office/powerpoint/2010/main" val="125059053"/>
-      </p:ext>
-    </p:extLst>
-  </p:cSld>
-  <p:clrMapOvr>
-    <a:masterClrMapping/>
-  </p:clrMapOvr>
-</p:sldLayout>
-</file>
-
-<file path=ppt/slideLayouts/slideLayout24.xml><?xml version="1.0" encoding="utf-8"?>
-<p:sldLayout xmlns:a="http://schemas.openxmlformats.org/drawingml/2006/main" xmlns:r="http://schemas.openxmlformats.org/officeDocument/2006/relationships" xmlns:p="http://schemas.openxmlformats.org/presentationml/2006/main" preserve="1">
-  <p:cSld name="名片">
-    <p:spTree>
-      <p:nvGrpSpPr>
-        <p:cNvPr id="1" name=""/>
-        <p:cNvGrpSpPr/>
-        <p:nvPr/>
-      </p:nvGrpSpPr>
-      <p:grpSpPr>
-        <a:xfrm>
-          <a:off x="0" y="0"/>
-          <a:ext cx="0" cy="0"/>
-          <a:chOff x="0" y="0"/>
-          <a:chExt cx="0" cy="0"/>
-        </a:xfrm>
-      </p:grpSpPr>
-      <p:sp>
-        <p:nvSpPr>
-          <p:cNvPr id="2" name="Title 1"/>
-          <p:cNvSpPr>
-            <a:spLocks noGrp="1"/>
-          </p:cNvSpPr>
-          <p:nvPr>
-            <p:ph type="title"/>
-          </p:nvPr>
-        </p:nvSpPr>
-        <p:spPr>
-          <a:xfrm>
-            <a:off x="684212" y="3429000"/>
-            <a:ext cx="8534400" cy="1697400"/>
-          </a:xfrm>
-        </p:spPr>
-        <p:txBody>
-          <a:bodyPr anchor="b">
-            <a:normAutofit/>
-          </a:bodyPr>
-          <a:lstStyle>
-            <a:lvl1pPr algn="l">
-              <a:defRPr sz="3200" b="0" cap="all"/>
-            </a:lvl1pPr>
-          </a:lstStyle>
-          <a:p>
-            <a:r>
-              <a:rPr lang="zh-CN" altLang="en-US"/>
-              <a:t>单击此处编辑母版标题样式</a:t>
-            </a:r>
-            <a:endParaRPr lang="en-US" dirty="0"/>
-          </a:p>
-        </p:txBody>
-      </p:sp>
-      <p:sp>
-        <p:nvSpPr>
-          <p:cNvPr id="3" name="Text Placeholder 2"/>
-          <p:cNvSpPr>
-            <a:spLocks noGrp="1"/>
-          </p:cNvSpPr>
-          <p:nvPr>
-            <p:ph type="body" idx="1"/>
-          </p:nvPr>
-        </p:nvSpPr>
-        <p:spPr>
-          <a:xfrm>
-            <a:off x="684211" y="5132981"/>
-            <a:ext cx="8535990" cy="860400"/>
-          </a:xfrm>
-          <a:prstGeom prst="rect">
-            <a:avLst/>
-          </a:prstGeom>
-        </p:spPr>
-        <p:txBody>
-          <a:bodyPr anchor="t">
-            <a:normAutofit/>
-          </a:bodyPr>
-          <a:lstStyle>
-            <a:lvl1pPr marL="0" indent="0" algn="l">
-              <a:buNone/>
-              <a:defRPr sz="2000">
-                <a:solidFill>
-                  <a:schemeClr val="bg2">
-                    <a:lumMod val="75000"/>
-                  </a:schemeClr>
-                </a:solidFill>
-              </a:defRPr>
-            </a:lvl1pPr>
-            <a:lvl2pPr marL="457200" indent="0">
-              <a:buNone/>
-              <a:defRPr sz="1800">
-                <a:solidFill>
-                  <a:schemeClr val="tx1">
-                    <a:tint val="75000"/>
-                  </a:schemeClr>
-                </a:solidFill>
-              </a:defRPr>
-            </a:lvl2pPr>
-            <a:lvl3pPr marL="914400" indent="0">
-              <a:buNone/>
-              <a:defRPr sz="1600">
-                <a:solidFill>
-                  <a:schemeClr val="tx1">
-                    <a:tint val="75000"/>
-                  </a:schemeClr>
-                </a:solidFill>
-              </a:defRPr>
-            </a:lvl3pPr>
-            <a:lvl4pPr marL="1371600" indent="0">
-              <a:buNone/>
-              <a:defRPr sz="1400">
-                <a:solidFill>
-                  <a:schemeClr val="tx1">
-                    <a:tint val="75000"/>
-                  </a:schemeClr>
-                </a:solidFill>
-              </a:defRPr>
-            </a:lvl4pPr>
-            <a:lvl5pPr marL="1828800" indent="0">
-              <a:buNone/>
-              <a:defRPr sz="1400">
-                <a:solidFill>
-                  <a:schemeClr val="tx1">
-                    <a:tint val="75000"/>
-                  </a:schemeClr>
-                </a:solidFill>
-              </a:defRPr>
-            </a:lvl5pPr>
-            <a:lvl6pPr marL="2286000" indent="0">
-              <a:buNone/>
-              <a:defRPr sz="1400">
-                <a:solidFill>
-                  <a:schemeClr val="tx1">
-                    <a:tint val="75000"/>
-                  </a:schemeClr>
-                </a:solidFill>
-              </a:defRPr>
-            </a:lvl6pPr>
-            <a:lvl7pPr marL="2743200" indent="0">
-              <a:buNone/>
-              <a:defRPr sz="1400">
-                <a:solidFill>
-                  <a:schemeClr val="tx1">
-                    <a:tint val="75000"/>
-                  </a:schemeClr>
-                </a:solidFill>
-              </a:defRPr>
-            </a:lvl7pPr>
-            <a:lvl8pPr marL="3200400" indent="0">
-              <a:buNone/>
-              <a:defRPr sz="1400">
-                <a:solidFill>
-                  <a:schemeClr val="tx1">
-                    <a:tint val="75000"/>
-                  </a:schemeClr>
-                </a:solidFill>
-              </a:defRPr>
-            </a:lvl8pPr>
-            <a:lvl9pPr marL="3657600" indent="0">
-              <a:buNone/>
-              <a:defRPr sz="1400">
-                <a:solidFill>
-                  <a:schemeClr val="tx1">
-                    <a:tint val="75000"/>
-                  </a:schemeClr>
-                </a:solidFill>
-              </a:defRPr>
-            </a:lvl9pPr>
-          </a:lstStyle>
-          <a:p>
-            <a:pPr lvl="0"/>
-            <a:r>
-              <a:rPr lang="zh-CN" altLang="en-US"/>
-              <a:t>单击此处编辑母版文本样式</a:t>
-            </a:r>
-          </a:p>
-        </p:txBody>
-      </p:sp>
-      <p:sp>
-        <p:nvSpPr>
-          <p:cNvPr id="4" name="Date Placeholder 3"/>
-          <p:cNvSpPr>
-            <a:spLocks noGrp="1"/>
-          </p:cNvSpPr>
-          <p:nvPr>
-            <p:ph type="dt" sz="half" idx="10"/>
-          </p:nvPr>
-        </p:nvSpPr>
-        <p:spPr/>
-        <p:txBody>
-          <a:bodyPr/>
-          <a:lstStyle/>
-          <a:p>
-            <a:fld id="{54572FE0-AF69-49FC-A044-C789016A5D4F}" type="datetimeFigureOut">
-              <a:rPr lang="zh-CN" altLang="en-US" smtClean="0"/>
-              <a:t>2024/4/1</a:t>
-            </a:fld>
-            <a:endParaRPr lang="zh-CN" altLang="en-US"/>
-          </a:p>
-        </p:txBody>
-      </p:sp>
-      <p:sp>
-        <p:nvSpPr>
-          <p:cNvPr id="5" name="Footer Placeholder 4"/>
-          <p:cNvSpPr>
-            <a:spLocks noGrp="1"/>
-          </p:cNvSpPr>
-          <p:nvPr>
-            <p:ph type="ftr" sz="quarter" idx="11"/>
-          </p:nvPr>
-        </p:nvSpPr>
-        <p:spPr/>
-        <p:txBody>
-          <a:bodyPr/>
-          <a:lstStyle/>
-          <a:p>
-            <a:endParaRPr lang="zh-CN" altLang="en-US"/>
-          </a:p>
-        </p:txBody>
-      </p:sp>
-      <p:sp>
-        <p:nvSpPr>
-          <p:cNvPr id="6" name="Slide Number Placeholder 5"/>
-          <p:cNvSpPr>
-            <a:spLocks noGrp="1"/>
-          </p:cNvSpPr>
-          <p:nvPr>
-            <p:ph type="sldNum" sz="quarter" idx="12"/>
-          </p:nvPr>
-        </p:nvSpPr>
-        <p:spPr/>
-        <p:txBody>
-          <a:bodyPr/>
-          <a:lstStyle/>
-          <a:p>
-            <a:fld id="{0800A6A5-3185-4C7B-B9AA-71C6F4DCF7FA}" type="slidenum">
-              <a:rPr lang="zh-CN" altLang="en-US" smtClean="0"/>
-              <a:t>‹#›</a:t>
-            </a:fld>
-            <a:endParaRPr lang="zh-CN" altLang="en-US"/>
-          </a:p>
-        </p:txBody>
-      </p:sp>
-    </p:spTree>
-    <p:extLst>
-      <p:ext uri="{BB962C8B-B14F-4D97-AF65-F5344CB8AC3E}">
-        <p14:creationId xmlns:p14="http://schemas.microsoft.com/office/powerpoint/2010/main" val="198665560"/>
-      </p:ext>
-    </p:extLst>
-  </p:cSld>
-  <p:clrMapOvr>
-    <a:masterClrMapping/>
-  </p:clrMapOvr>
-</p:sldLayout>
-</file>
-
-<file path=ppt/slideLayouts/slideLayout25.xml><?xml version="1.0" encoding="utf-8"?>
-<p:sldLayout xmlns:a="http://schemas.openxmlformats.org/drawingml/2006/main" xmlns:r="http://schemas.openxmlformats.org/officeDocument/2006/relationships" xmlns:p="http://schemas.openxmlformats.org/presentationml/2006/main" preserve="1">
-  <p:cSld name="引言名片">
-    <p:spTree>
-      <p:nvGrpSpPr>
-        <p:cNvPr id="1" name=""/>
-        <p:cNvGrpSpPr/>
-        <p:nvPr/>
-      </p:nvGrpSpPr>
-      <p:grpSpPr>
-        <a:xfrm>
-          <a:off x="0" y="0"/>
-          <a:ext cx="0" cy="0"/>
-          <a:chOff x="0" y="0"/>
-          <a:chExt cx="0" cy="0"/>
-        </a:xfrm>
-      </p:grpSpPr>
-      <p:sp>
-        <p:nvSpPr>
-          <p:cNvPr id="2" name="Title 1"/>
-          <p:cNvSpPr>
-            <a:spLocks noGrp="1"/>
-          </p:cNvSpPr>
-          <p:nvPr>
-            <p:ph type="title"/>
-          </p:nvPr>
-        </p:nvSpPr>
-        <p:spPr>
-          <a:xfrm>
-            <a:off x="1141413" y="685800"/>
-            <a:ext cx="9144000" cy="2743200"/>
-          </a:xfrm>
-        </p:spPr>
-        <p:txBody>
-          <a:bodyPr anchor="ctr">
-            <a:normAutofit/>
-          </a:bodyPr>
-          <a:lstStyle>
-            <a:lvl1pPr algn="l">
-              <a:defRPr sz="3200" b="0" cap="all">
-                <a:solidFill>
-                  <a:schemeClr val="tx1"/>
-                </a:solidFill>
-              </a:defRPr>
-            </a:lvl1pPr>
-          </a:lstStyle>
-          <a:p>
-            <a:r>
-              <a:rPr lang="zh-CN" altLang="en-US"/>
-              <a:t>单击此处编辑母版标题样式</a:t>
-            </a:r>
-            <a:endParaRPr lang="en-US" dirty="0"/>
-          </a:p>
-        </p:txBody>
-      </p:sp>
-      <p:sp>
-        <p:nvSpPr>
-          <p:cNvPr id="10" name="Text Placeholder 9"/>
-          <p:cNvSpPr>
-            <a:spLocks noGrp="1"/>
-          </p:cNvSpPr>
-          <p:nvPr>
-            <p:ph type="body" sz="quarter" idx="13"/>
-          </p:nvPr>
-        </p:nvSpPr>
-        <p:spPr>
-          <a:xfrm>
-            <a:off x="684212" y="3928534"/>
-            <a:ext cx="8534401" cy="1049866"/>
-          </a:xfrm>
-          <a:prstGeom prst="rect">
-            <a:avLst/>
-          </a:prstGeom>
-        </p:spPr>
-        <p:txBody>
-          <a:bodyPr vert="horz" lIns="91440" tIns="45720" rIns="91440" bIns="45720" rtlCol="0" anchor="b">
-            <a:normAutofit/>
-          </a:bodyPr>
-          <a:lstStyle>
-            <a:lvl1pPr>
-              <a:buNone/>
-              <a:defRPr lang="en-US" sz="2400" b="0" cap="all" dirty="0">
-                <a:ln w="3175" cmpd="sng">
-                  <a:noFill/>
-                </a:ln>
-                <a:solidFill>
-                  <a:schemeClr val="tx1"/>
-                </a:solidFill>
-                <a:effectLst/>
-              </a:defRPr>
-            </a:lvl1pPr>
-          </a:lstStyle>
-          <a:p>
-            <a:pPr marL="0" lvl="0">
-              <a:spcBef>
-                <a:spcPct val="0"/>
-              </a:spcBef>
-              <a:buNone/>
-            </a:pPr>
-            <a:r>
-              <a:rPr lang="zh-CN" altLang="en-US"/>
-              <a:t>单击此处编辑母版文本样式</a:t>
-            </a:r>
-          </a:p>
-        </p:txBody>
-      </p:sp>
-      <p:sp>
-        <p:nvSpPr>
-          <p:cNvPr id="3" name="Text Placeholder 2"/>
-          <p:cNvSpPr>
-            <a:spLocks noGrp="1"/>
-          </p:cNvSpPr>
-          <p:nvPr>
-            <p:ph type="body" idx="1"/>
-          </p:nvPr>
-        </p:nvSpPr>
-        <p:spPr>
-          <a:xfrm>
-            <a:off x="684211" y="4978400"/>
-            <a:ext cx="8534401" cy="1016000"/>
-          </a:xfrm>
-          <a:prstGeom prst="rect">
-            <a:avLst/>
-          </a:prstGeom>
-        </p:spPr>
-        <p:txBody>
-          <a:bodyPr anchor="t">
-            <a:normAutofit/>
-          </a:bodyPr>
-          <a:lstStyle>
-            <a:lvl1pPr marL="0" indent="0" algn="l">
-              <a:buNone/>
-              <a:defRPr sz="1800">
-                <a:solidFill>
-                  <a:schemeClr val="bg2">
-                    <a:lumMod val="75000"/>
-                  </a:schemeClr>
-                </a:solidFill>
-              </a:defRPr>
-            </a:lvl1pPr>
-            <a:lvl2pPr marL="457200" indent="0">
-              <a:buNone/>
-              <a:defRPr sz="1800">
-                <a:solidFill>
-                  <a:schemeClr val="tx1">
-                    <a:tint val="75000"/>
-                  </a:schemeClr>
-                </a:solidFill>
-              </a:defRPr>
-            </a:lvl2pPr>
-            <a:lvl3pPr marL="914400" indent="0">
-              <a:buNone/>
-              <a:defRPr sz="1600">
-                <a:solidFill>
-                  <a:schemeClr val="tx1">
-                    <a:tint val="75000"/>
-                  </a:schemeClr>
-                </a:solidFill>
-              </a:defRPr>
-            </a:lvl3pPr>
-            <a:lvl4pPr marL="1371600" indent="0">
-              <a:buNone/>
-              <a:defRPr sz="1400">
-                <a:solidFill>
-                  <a:schemeClr val="tx1">
-                    <a:tint val="75000"/>
-                  </a:schemeClr>
-                </a:solidFill>
-              </a:defRPr>
-            </a:lvl4pPr>
-            <a:lvl5pPr marL="1828800" indent="0">
-              <a:buNone/>
-              <a:defRPr sz="1400">
-                <a:solidFill>
-                  <a:schemeClr val="tx1">
-                    <a:tint val="75000"/>
-                  </a:schemeClr>
-                </a:solidFill>
-              </a:defRPr>
-            </a:lvl5pPr>
-            <a:lvl6pPr marL="2286000" indent="0">
-              <a:buNone/>
-              <a:defRPr sz="1400">
-                <a:solidFill>
-                  <a:schemeClr val="tx1">
-                    <a:tint val="75000"/>
-                  </a:schemeClr>
-                </a:solidFill>
-              </a:defRPr>
-            </a:lvl6pPr>
-            <a:lvl7pPr marL="2743200" indent="0">
-              <a:buNone/>
-              <a:defRPr sz="1400">
-                <a:solidFill>
-                  <a:schemeClr val="tx1">
-                    <a:tint val="75000"/>
-                  </a:schemeClr>
-                </a:solidFill>
-              </a:defRPr>
-            </a:lvl7pPr>
-            <a:lvl8pPr marL="3200400" indent="0">
-              <a:buNone/>
-              <a:defRPr sz="1400">
-                <a:solidFill>
-                  <a:schemeClr val="tx1">
-                    <a:tint val="75000"/>
-                  </a:schemeClr>
-                </a:solidFill>
-              </a:defRPr>
-            </a:lvl8pPr>
-            <a:lvl9pPr marL="3657600" indent="0">
-              <a:buNone/>
-              <a:defRPr sz="1400">
-                <a:solidFill>
-                  <a:schemeClr val="tx1">
-                    <a:tint val="75000"/>
-                  </a:schemeClr>
-                </a:solidFill>
-              </a:defRPr>
-            </a:lvl9pPr>
-          </a:lstStyle>
-          <a:p>
-            <a:pPr lvl="0"/>
-            <a:r>
-              <a:rPr lang="zh-CN" altLang="en-US"/>
-              <a:t>单击此处编辑母版文本样式</a:t>
-            </a:r>
-          </a:p>
-        </p:txBody>
-      </p:sp>
-      <p:sp>
-        <p:nvSpPr>
-          <p:cNvPr id="4" name="Date Placeholder 3"/>
-          <p:cNvSpPr>
-            <a:spLocks noGrp="1"/>
-          </p:cNvSpPr>
-          <p:nvPr>
-            <p:ph type="dt" sz="half" idx="10"/>
-          </p:nvPr>
-        </p:nvSpPr>
-        <p:spPr/>
-        <p:txBody>
-          <a:bodyPr/>
-          <a:lstStyle/>
-          <a:p>
-            <a:fld id="{54572FE0-AF69-49FC-A044-C789016A5D4F}" type="datetimeFigureOut">
-              <a:rPr lang="zh-CN" altLang="en-US" smtClean="0"/>
-              <a:t>2024/4/1</a:t>
-            </a:fld>
-            <a:endParaRPr lang="zh-CN" altLang="en-US"/>
-          </a:p>
-        </p:txBody>
-      </p:sp>
-      <p:sp>
-        <p:nvSpPr>
-          <p:cNvPr id="5" name="Footer Placeholder 4"/>
-          <p:cNvSpPr>
-            <a:spLocks noGrp="1"/>
-          </p:cNvSpPr>
-          <p:nvPr>
-            <p:ph type="ftr" sz="quarter" idx="11"/>
-          </p:nvPr>
-        </p:nvSpPr>
-        <p:spPr/>
-        <p:txBody>
-          <a:bodyPr/>
-          <a:lstStyle/>
-          <a:p>
-            <a:endParaRPr lang="zh-CN" altLang="en-US"/>
-          </a:p>
-        </p:txBody>
-      </p:sp>
-      <p:sp>
-        <p:nvSpPr>
-          <p:cNvPr id="6" name="Slide Number Placeholder 5"/>
-          <p:cNvSpPr>
-            <a:spLocks noGrp="1"/>
-          </p:cNvSpPr>
-          <p:nvPr>
-            <p:ph type="sldNum" sz="quarter" idx="12"/>
-          </p:nvPr>
-        </p:nvSpPr>
-        <p:spPr/>
-        <p:txBody>
-          <a:bodyPr/>
-          <a:lstStyle/>
-          <a:p>
-            <a:fld id="{0800A6A5-3185-4C7B-B9AA-71C6F4DCF7FA}" type="slidenum">
-              <a:rPr lang="zh-CN" altLang="en-US" smtClean="0"/>
-              <a:t>‹#›</a:t>
-            </a:fld>
-            <a:endParaRPr lang="zh-CN" altLang="en-US"/>
-          </a:p>
-        </p:txBody>
-      </p:sp>
-      <p:sp>
-        <p:nvSpPr>
-          <p:cNvPr id="11" name="TextBox 10"/>
-          <p:cNvSpPr txBox="1"/>
-          <p:nvPr/>
-        </p:nvSpPr>
-        <p:spPr>
-          <a:xfrm>
-            <a:off x="531812" y="812222"/>
-            <a:ext cx="609600" cy="584776"/>
-          </a:xfrm>
-          <a:prstGeom prst="rect">
-            <a:avLst/>
-          </a:prstGeom>
-        </p:spPr>
-        <p:txBody>
-          <a:bodyPr vert="horz" lIns="91440" tIns="45720" rIns="91440" bIns="45720" rtlCol="0" anchor="ctr">
-            <a:noAutofit/>
-          </a:bodyPr>
-          <a:lstStyle/>
-          <a:p>
-            <a:pPr lvl="0"/>
-            <a:r>
-              <a:rPr lang="en-US" sz="8000" dirty="0">
-                <a:solidFill>
-                  <a:schemeClr val="tx1"/>
-                </a:solidFill>
-                <a:effectLst/>
-              </a:rPr>
-              <a:t>“</a:t>
-            </a:r>
-          </a:p>
-        </p:txBody>
-      </p:sp>
-      <p:sp>
-        <p:nvSpPr>
-          <p:cNvPr id="12" name="TextBox 11"/>
-          <p:cNvSpPr txBox="1"/>
-          <p:nvPr/>
-        </p:nvSpPr>
-        <p:spPr>
-          <a:xfrm>
-            <a:off x="10285412" y="2768601"/>
-            <a:ext cx="609600" cy="584776"/>
-          </a:xfrm>
-          <a:prstGeom prst="rect">
-            <a:avLst/>
-          </a:prstGeom>
-        </p:spPr>
-        <p:txBody>
-          <a:bodyPr vert="horz" lIns="91440" tIns="45720" rIns="91440" bIns="45720" rtlCol="0" anchor="ctr">
-            <a:noAutofit/>
-          </a:bodyPr>
-          <a:lstStyle/>
-          <a:p>
-            <a:pPr lvl="0" algn="r"/>
-            <a:r>
-              <a:rPr lang="en-US" sz="8000" dirty="0">
-                <a:solidFill>
-                  <a:schemeClr val="tx1"/>
-                </a:solidFill>
-                <a:effectLst/>
-              </a:rPr>
-              <a:t>”</a:t>
-            </a:r>
-          </a:p>
-        </p:txBody>
-      </p:sp>
-    </p:spTree>
-    <p:extLst>
-      <p:ext uri="{BB962C8B-B14F-4D97-AF65-F5344CB8AC3E}">
-        <p14:creationId xmlns:p14="http://schemas.microsoft.com/office/powerpoint/2010/main" val="3388258903"/>
-      </p:ext>
-    </p:extLst>
-  </p:cSld>
-  <p:clrMapOvr>
-    <a:masterClrMapping/>
-  </p:clrMapOvr>
-</p:sldLayout>
-</file>
-
-<file path=ppt/slideLayouts/slideLayout26.xml><?xml version="1.0" encoding="utf-8"?>
-<p:sldLayout xmlns:a="http://schemas.openxmlformats.org/drawingml/2006/main" xmlns:r="http://schemas.openxmlformats.org/officeDocument/2006/relationships" xmlns:p="http://schemas.openxmlformats.org/presentationml/2006/main" preserve="1">
-  <p:cSld name="真或假">
-    <p:spTree>
-      <p:nvGrpSpPr>
-        <p:cNvPr id="1" name=""/>
-        <p:cNvGrpSpPr/>
-        <p:nvPr/>
-      </p:nvGrpSpPr>
-      <p:grpSpPr>
-        <a:xfrm>
-          <a:off x="0" y="0"/>
-          <a:ext cx="0" cy="0"/>
-          <a:chOff x="0" y="0"/>
-          <a:chExt cx="0" cy="0"/>
-        </a:xfrm>
-      </p:grpSpPr>
-      <p:sp>
-        <p:nvSpPr>
-          <p:cNvPr id="2" name="Title 1"/>
-          <p:cNvSpPr>
-            <a:spLocks noGrp="1"/>
-          </p:cNvSpPr>
-          <p:nvPr>
-            <p:ph type="title"/>
-          </p:nvPr>
-        </p:nvSpPr>
-        <p:spPr>
-          <a:xfrm>
-            <a:off x="684213" y="685800"/>
-            <a:ext cx="10058400" cy="2743200"/>
-          </a:xfrm>
-        </p:spPr>
-        <p:txBody>
-          <a:bodyPr vert="horz" lIns="91440" tIns="45720" rIns="91440" bIns="45720" rtlCol="0" anchor="ctr">
-            <a:normAutofit/>
-          </a:bodyPr>
-          <a:lstStyle>
-            <a:lvl1pPr>
-              <a:defRPr lang="en-US" b="0" dirty="0"/>
-            </a:lvl1pPr>
-          </a:lstStyle>
-          <a:p>
-            <a:pPr marL="0" lvl="0"/>
-            <a:r>
-              <a:rPr lang="zh-CN" altLang="en-US"/>
-              <a:t>单击此处编辑母版标题样式</a:t>
-            </a:r>
-            <a:endParaRPr lang="en-US" dirty="0"/>
-          </a:p>
-        </p:txBody>
-      </p:sp>
-      <p:sp>
-        <p:nvSpPr>
-          <p:cNvPr id="10" name="Text Placeholder 9"/>
-          <p:cNvSpPr>
-            <a:spLocks noGrp="1"/>
-          </p:cNvSpPr>
-          <p:nvPr>
-            <p:ph type="body" sz="quarter" idx="13"/>
-          </p:nvPr>
-        </p:nvSpPr>
-        <p:spPr>
-          <a:xfrm>
-            <a:off x="684212" y="3928534"/>
-            <a:ext cx="8534400" cy="838200"/>
-          </a:xfrm>
-          <a:prstGeom prst="rect">
-            <a:avLst/>
-          </a:prstGeom>
-        </p:spPr>
-        <p:txBody>
-          <a:bodyPr vert="horz" lIns="91440" tIns="45720" rIns="91440" bIns="45720" rtlCol="0" anchor="b">
-            <a:normAutofit/>
-          </a:bodyPr>
-          <a:lstStyle>
-            <a:lvl1pPr>
-              <a:buNone/>
-              <a:defRPr lang="en-US" sz="2400" b="0" cap="all" dirty="0">
-                <a:ln w="3175" cmpd="sng">
-                  <a:noFill/>
-                </a:ln>
-                <a:solidFill>
-                  <a:schemeClr val="tx1"/>
-                </a:solidFill>
-                <a:effectLst/>
-              </a:defRPr>
-            </a:lvl1pPr>
-          </a:lstStyle>
-          <a:p>
-            <a:pPr marL="0" lvl="0">
-              <a:spcBef>
-                <a:spcPct val="0"/>
-              </a:spcBef>
-              <a:buNone/>
-            </a:pPr>
-            <a:r>
-              <a:rPr lang="zh-CN" altLang="en-US"/>
-              <a:t>单击此处编辑母版文本样式</a:t>
-            </a:r>
-          </a:p>
-        </p:txBody>
-      </p:sp>
-      <p:sp>
-        <p:nvSpPr>
-          <p:cNvPr id="3" name="Text Placeholder 2"/>
-          <p:cNvSpPr>
-            <a:spLocks noGrp="1"/>
-          </p:cNvSpPr>
-          <p:nvPr>
-            <p:ph type="body" idx="1"/>
-          </p:nvPr>
-        </p:nvSpPr>
-        <p:spPr>
-          <a:xfrm>
-            <a:off x="684211" y="4766732"/>
-            <a:ext cx="8534401" cy="1227667"/>
-          </a:xfrm>
-          <a:prstGeom prst="rect">
-            <a:avLst/>
-          </a:prstGeom>
-        </p:spPr>
-        <p:txBody>
-          <a:bodyPr anchor="t">
-            <a:normAutofit/>
-          </a:bodyPr>
-          <a:lstStyle>
-            <a:lvl1pPr marL="0" indent="0" algn="l">
-              <a:buNone/>
-              <a:defRPr sz="1800">
-                <a:solidFill>
-                  <a:schemeClr val="bg2">
-                    <a:lumMod val="75000"/>
-                  </a:schemeClr>
-                </a:solidFill>
-              </a:defRPr>
-            </a:lvl1pPr>
-            <a:lvl2pPr marL="457200" indent="0">
-              <a:buNone/>
-              <a:defRPr sz="1800">
-                <a:solidFill>
-                  <a:schemeClr val="tx1">
-                    <a:tint val="75000"/>
-                  </a:schemeClr>
-                </a:solidFill>
-              </a:defRPr>
-            </a:lvl2pPr>
-            <a:lvl3pPr marL="914400" indent="0">
-              <a:buNone/>
-              <a:defRPr sz="1600">
-                <a:solidFill>
-                  <a:schemeClr val="tx1">
-                    <a:tint val="75000"/>
-                  </a:schemeClr>
-                </a:solidFill>
-              </a:defRPr>
-            </a:lvl3pPr>
-            <a:lvl4pPr marL="1371600" indent="0">
-              <a:buNone/>
-              <a:defRPr sz="1400">
-                <a:solidFill>
-                  <a:schemeClr val="tx1">
-                    <a:tint val="75000"/>
-                  </a:schemeClr>
-                </a:solidFill>
-              </a:defRPr>
-            </a:lvl4pPr>
-            <a:lvl5pPr marL="1828800" indent="0">
-              <a:buNone/>
-              <a:defRPr sz="1400">
-                <a:solidFill>
-                  <a:schemeClr val="tx1">
-                    <a:tint val="75000"/>
-                  </a:schemeClr>
-                </a:solidFill>
-              </a:defRPr>
-            </a:lvl5pPr>
-            <a:lvl6pPr marL="2286000" indent="0">
-              <a:buNone/>
-              <a:defRPr sz="1400">
-                <a:solidFill>
-                  <a:schemeClr val="tx1">
-                    <a:tint val="75000"/>
-                  </a:schemeClr>
-                </a:solidFill>
-              </a:defRPr>
-            </a:lvl6pPr>
-            <a:lvl7pPr marL="2743200" indent="0">
-              <a:buNone/>
-              <a:defRPr sz="1400">
-                <a:solidFill>
-                  <a:schemeClr val="tx1">
-                    <a:tint val="75000"/>
-                  </a:schemeClr>
-                </a:solidFill>
-              </a:defRPr>
-            </a:lvl7pPr>
-            <a:lvl8pPr marL="3200400" indent="0">
-              <a:buNone/>
-              <a:defRPr sz="1400">
-                <a:solidFill>
-                  <a:schemeClr val="tx1">
-                    <a:tint val="75000"/>
-                  </a:schemeClr>
-                </a:solidFill>
-              </a:defRPr>
-            </a:lvl8pPr>
-            <a:lvl9pPr marL="3657600" indent="0">
-              <a:buNone/>
-              <a:defRPr sz="1400">
-                <a:solidFill>
-                  <a:schemeClr val="tx1">
-                    <a:tint val="75000"/>
-                  </a:schemeClr>
-                </a:solidFill>
-              </a:defRPr>
-            </a:lvl9pPr>
-          </a:lstStyle>
-          <a:p>
-            <a:pPr lvl="0"/>
-            <a:r>
-              <a:rPr lang="zh-CN" altLang="en-US"/>
-              <a:t>单击此处编辑母版文本样式</a:t>
-            </a:r>
-          </a:p>
-        </p:txBody>
-      </p:sp>
-      <p:sp>
-        <p:nvSpPr>
-          <p:cNvPr id="4" name="Date Placeholder 3"/>
-          <p:cNvSpPr>
-            <a:spLocks noGrp="1"/>
-          </p:cNvSpPr>
-          <p:nvPr>
-            <p:ph type="dt" sz="half" idx="10"/>
-          </p:nvPr>
-        </p:nvSpPr>
-        <p:spPr/>
-        <p:txBody>
-          <a:bodyPr/>
-          <a:lstStyle/>
-          <a:p>
-            <a:fld id="{54572FE0-AF69-49FC-A044-C789016A5D4F}" type="datetimeFigureOut">
-              <a:rPr lang="zh-CN" altLang="en-US" smtClean="0"/>
-              <a:t>2024/4/1</a:t>
-            </a:fld>
-            <a:endParaRPr lang="zh-CN" altLang="en-US"/>
-          </a:p>
-        </p:txBody>
-      </p:sp>
-      <p:sp>
-        <p:nvSpPr>
-          <p:cNvPr id="5" name="Footer Placeholder 4"/>
-          <p:cNvSpPr>
-            <a:spLocks noGrp="1"/>
-          </p:cNvSpPr>
-          <p:nvPr>
-            <p:ph type="ftr" sz="quarter" idx="11"/>
-          </p:nvPr>
-        </p:nvSpPr>
-        <p:spPr/>
-        <p:txBody>
-          <a:bodyPr/>
-          <a:lstStyle/>
-          <a:p>
-            <a:endParaRPr lang="zh-CN" altLang="en-US"/>
-          </a:p>
-        </p:txBody>
-      </p:sp>
-      <p:sp>
-        <p:nvSpPr>
-          <p:cNvPr id="6" name="Slide Number Placeholder 5"/>
-          <p:cNvSpPr>
-            <a:spLocks noGrp="1"/>
-          </p:cNvSpPr>
-          <p:nvPr>
-            <p:ph type="sldNum" sz="quarter" idx="12"/>
-          </p:nvPr>
-        </p:nvSpPr>
-        <p:spPr/>
-        <p:txBody>
-          <a:bodyPr/>
-          <a:lstStyle/>
-          <a:p>
-            <a:fld id="{0800A6A5-3185-4C7B-B9AA-71C6F4DCF7FA}" type="slidenum">
-              <a:rPr lang="zh-CN" altLang="en-US" smtClean="0"/>
-              <a:t>‹#›</a:t>
-            </a:fld>
-            <a:endParaRPr lang="zh-CN" altLang="en-US"/>
-          </a:p>
-        </p:txBody>
-      </p:sp>
-    </p:spTree>
-    <p:extLst>
-      <p:ext uri="{BB962C8B-B14F-4D97-AF65-F5344CB8AC3E}">
-        <p14:creationId xmlns:p14="http://schemas.microsoft.com/office/powerpoint/2010/main" val="3074792388"/>
-      </p:ext>
-    </p:extLst>
-  </p:cSld>
-  <p:clrMapOvr>
-    <a:masterClrMapping/>
-  </p:clrMapOvr>
-</p:sldLayout>
-</file>
-
-<file path=ppt/slideLayouts/slideLayout27.xml><?xml version="1.0" encoding="utf-8"?>
 <p:sldLayout xmlns:a="http://schemas.openxmlformats.org/drawingml/2006/main" xmlns:r="http://schemas.openxmlformats.org/officeDocument/2006/relationships" xmlns:p="http://schemas.openxmlformats.org/presentationml/2006/main" type="vertTx" preserve="1">
   <p:cSld name="标题和竖排文字">
     <p:spTree>
@@ -5581,7 +3856,13 @@
       </p:grpSpPr>
       <p:sp>
         <p:nvSpPr>
-          <p:cNvPr id="2" name="Title 1"/>
+          <p:cNvPr id="2" name="标题 1">
+            <a:extLst>
+              <a:ext uri="{FF2B5EF4-FFF2-40B4-BE49-F238E27FC236}">
+                <a16:creationId xmlns:a16="http://schemas.microsoft.com/office/drawing/2014/main" id="{602D4372-329E-EDE8-967A-786AF98D2177}"/>
+              </a:ext>
+            </a:extLst>
+          </p:cNvPr>
           <p:cNvSpPr>
             <a:spLocks noGrp="1"/>
           </p:cNvSpPr>
@@ -5592,23 +3873,24 @@
         <p:spPr/>
         <p:txBody>
           <a:bodyPr/>
-          <a:lstStyle>
-            <a:lvl1pPr algn="l">
-              <a:defRPr/>
-            </a:lvl1pPr>
-          </a:lstStyle>
+          <a:lstStyle/>
           <a:p>
             <a:r>
               <a:rPr lang="zh-CN" altLang="en-US"/>
               <a:t>单击此处编辑母版标题样式</a:t>
             </a:r>
-            <a:endParaRPr lang="en-US" dirty="0"/>
-          </a:p>
-        </p:txBody>
-      </p:sp>
-      <p:sp>
-        <p:nvSpPr>
-          <p:cNvPr id="3" name="Vertical Text Placeholder 2"/>
+          </a:p>
+        </p:txBody>
+      </p:sp>
+      <p:sp>
+        <p:nvSpPr>
+          <p:cNvPr id="3" name="竖排文字占位符 2">
+            <a:extLst>
+              <a:ext uri="{FF2B5EF4-FFF2-40B4-BE49-F238E27FC236}">
+                <a16:creationId xmlns:a16="http://schemas.microsoft.com/office/drawing/2014/main" id="{BEE3D76B-EF61-E9F0-4145-2DD35BB93088}"/>
+              </a:ext>
+            </a:extLst>
+          </p:cNvPr>
           <p:cNvSpPr>
             <a:spLocks noGrp="1"/>
           </p:cNvSpPr>
@@ -5616,17 +3898,9 @@
             <p:ph type="body" orient="vert" idx="1"/>
           </p:nvPr>
         </p:nvSpPr>
-        <p:spPr>
-          <a:xfrm>
-            <a:off x="684212" y="685800"/>
-            <a:ext cx="8534400" cy="3615267"/>
-          </a:xfrm>
-          <a:prstGeom prst="rect">
-            <a:avLst/>
-          </a:prstGeom>
-        </p:spPr>
-        <p:txBody>
-          <a:bodyPr vert="eaVert" anchor="t"/>
+        <p:spPr/>
+        <p:txBody>
+          <a:bodyPr vert="eaVert"/>
           <a:lstStyle/>
           <a:p>
             <a:pPr lvl="0"/>
@@ -5662,13 +3936,18 @@
               <a:rPr lang="zh-CN" altLang="en-US"/>
               <a:t>五级</a:t>
             </a:r>
-            <a:endParaRPr lang="en-US" dirty="0"/>
-          </a:p>
-        </p:txBody>
-      </p:sp>
-      <p:sp>
-        <p:nvSpPr>
-          <p:cNvPr id="4" name="Date Placeholder 3"/>
+          </a:p>
+        </p:txBody>
+      </p:sp>
+      <p:sp>
+        <p:nvSpPr>
+          <p:cNvPr id="4" name="日期占位符 3">
+            <a:extLst>
+              <a:ext uri="{FF2B5EF4-FFF2-40B4-BE49-F238E27FC236}">
+                <a16:creationId xmlns:a16="http://schemas.microsoft.com/office/drawing/2014/main" id="{A286F008-74EA-487D-02F7-BED59AE9879F}"/>
+              </a:ext>
+            </a:extLst>
+          </p:cNvPr>
           <p:cNvSpPr>
             <a:spLocks noGrp="1"/>
           </p:cNvSpPr>
@@ -5681,9 +3960,9 @@
           <a:bodyPr/>
           <a:lstStyle/>
           <a:p>
-            <a:fld id="{54572FE0-AF69-49FC-A044-C789016A5D4F}" type="datetimeFigureOut">
+            <a:fld id="{B14948DB-0BE7-40D0-80F6-9094451DF04C}" type="datetimeFigureOut">
               <a:rPr lang="zh-CN" altLang="en-US" smtClean="0"/>
-              <a:t>2024/4/1</a:t>
+              <a:t>2024/4/2</a:t>
             </a:fld>
             <a:endParaRPr lang="zh-CN" altLang="en-US"/>
           </a:p>
@@ -5691,7 +3970,13 @@
       </p:sp>
       <p:sp>
         <p:nvSpPr>
-          <p:cNvPr id="5" name="Footer Placeholder 4"/>
+          <p:cNvPr id="5" name="页脚占位符 4">
+            <a:extLst>
+              <a:ext uri="{FF2B5EF4-FFF2-40B4-BE49-F238E27FC236}">
+                <a16:creationId xmlns:a16="http://schemas.microsoft.com/office/drawing/2014/main" id="{57C7D4F3-F360-D037-71BF-5F91033CFC3C}"/>
+              </a:ext>
+            </a:extLst>
+          </p:cNvPr>
           <p:cNvSpPr>
             <a:spLocks noGrp="1"/>
           </p:cNvSpPr>
@@ -5710,7 +3995,13 @@
       </p:sp>
       <p:sp>
         <p:nvSpPr>
-          <p:cNvPr id="6" name="Slide Number Placeholder 5"/>
+          <p:cNvPr id="6" name="灯片编号占位符 5">
+            <a:extLst>
+              <a:ext uri="{FF2B5EF4-FFF2-40B4-BE49-F238E27FC236}">
+                <a16:creationId xmlns:a16="http://schemas.microsoft.com/office/drawing/2014/main" id="{0899BFEA-EA2A-B542-ABDA-00C44B1679D4}"/>
+              </a:ext>
+            </a:extLst>
+          </p:cNvPr>
           <p:cNvSpPr>
             <a:spLocks noGrp="1"/>
           </p:cNvSpPr>
@@ -5723,7 +4014,7 @@
           <a:bodyPr/>
           <a:lstStyle/>
           <a:p>
-            <a:fld id="{0800A6A5-3185-4C7B-B9AA-71C6F4DCF7FA}" type="slidenum">
+            <a:fld id="{A7609F20-E83B-4856-BE88-6E7EAD044358}" type="slidenum">
               <a:rPr lang="zh-CN" altLang="en-US" smtClean="0"/>
               <a:t>‹#›</a:t>
             </a:fld>
@@ -5734,7 +4025,7 @@
     </p:spTree>
     <p:extLst>
       <p:ext uri="{BB962C8B-B14F-4D97-AF65-F5344CB8AC3E}">
-        <p14:creationId xmlns:p14="http://schemas.microsoft.com/office/powerpoint/2010/main" val="495120721"/>
+        <p14:creationId xmlns:p14="http://schemas.microsoft.com/office/powerpoint/2010/main" val="3332822585"/>
       </p:ext>
     </p:extLst>
   </p:cSld>
@@ -5744,7 +4035,7 @@
 </p:sldLayout>
 </file>
 
-<file path=ppt/slideLayouts/slideLayout28.xml><?xml version="1.0" encoding="utf-8"?>
+<file path=ppt/slideLayouts/slideLayout23.xml><?xml version="1.0" encoding="utf-8"?>
 <p:sldLayout xmlns:a="http://schemas.openxmlformats.org/drawingml/2006/main" xmlns:r="http://schemas.openxmlformats.org/officeDocument/2006/relationships" xmlns:p="http://schemas.openxmlformats.org/presentationml/2006/main" type="vertTitleAndTx" preserve="1">
   <p:cSld name="竖排标题与文本">
     <p:spTree>
@@ -5763,7 +4054,13 @@
       </p:grpSpPr>
       <p:sp>
         <p:nvSpPr>
-          <p:cNvPr id="2" name="Vertical Title 1"/>
+          <p:cNvPr id="2" name="竖排标题 1">
+            <a:extLst>
+              <a:ext uri="{FF2B5EF4-FFF2-40B4-BE49-F238E27FC236}">
+                <a16:creationId xmlns:a16="http://schemas.microsoft.com/office/drawing/2014/main" id="{F6CD470E-9CAF-08C1-FBAA-F3BDF3B3F3A9}"/>
+              </a:ext>
+            </a:extLst>
+          </p:cNvPr>
           <p:cNvSpPr>
             <a:spLocks noGrp="1"/>
           </p:cNvSpPr>
@@ -5773,8 +4070,8 @@
         </p:nvSpPr>
         <p:spPr>
           <a:xfrm>
-            <a:off x="8685212" y="685800"/>
-            <a:ext cx="2057400" cy="4572000"/>
+            <a:off x="8724900" y="365125"/>
+            <a:ext cx="2628900" cy="5811838"/>
           </a:xfrm>
         </p:spPr>
         <p:txBody>
@@ -5785,13 +4082,18 @@
               <a:rPr lang="zh-CN" altLang="en-US"/>
               <a:t>单击此处编辑母版标题样式</a:t>
             </a:r>
-            <a:endParaRPr lang="en-US" dirty="0"/>
-          </a:p>
-        </p:txBody>
-      </p:sp>
-      <p:sp>
-        <p:nvSpPr>
-          <p:cNvPr id="3" name="Vertical Text Placeholder 2"/>
+          </a:p>
+        </p:txBody>
+      </p:sp>
+      <p:sp>
+        <p:nvSpPr>
+          <p:cNvPr id="3" name="竖排文字占位符 2">
+            <a:extLst>
+              <a:ext uri="{FF2B5EF4-FFF2-40B4-BE49-F238E27FC236}">
+                <a16:creationId xmlns:a16="http://schemas.microsoft.com/office/drawing/2014/main" id="{956800D3-D556-1570-6449-B3953579F15D}"/>
+              </a:ext>
+            </a:extLst>
+          </p:cNvPr>
           <p:cNvSpPr>
             <a:spLocks noGrp="1"/>
           </p:cNvSpPr>
@@ -5801,15 +4103,12 @@
         </p:nvSpPr>
         <p:spPr>
           <a:xfrm>
-            <a:off x="685800" y="685800"/>
-            <a:ext cx="7823200" cy="5308600"/>
+            <a:off x="838200" y="365125"/>
+            <a:ext cx="7734300" cy="5811838"/>
           </a:xfrm>
-          <a:prstGeom prst="rect">
-            <a:avLst/>
-          </a:prstGeom>
         </p:spPr>
         <p:txBody>
-          <a:bodyPr vert="eaVert" anchor="t"/>
+          <a:bodyPr vert="eaVert"/>
           <a:lstStyle/>
           <a:p>
             <a:pPr lvl="0"/>
@@ -5845,13 +4144,18 @@
               <a:rPr lang="zh-CN" altLang="en-US"/>
               <a:t>五级</a:t>
             </a:r>
-            <a:endParaRPr lang="en-US" dirty="0"/>
-          </a:p>
-        </p:txBody>
-      </p:sp>
-      <p:sp>
-        <p:nvSpPr>
-          <p:cNvPr id="4" name="Date Placeholder 3"/>
+          </a:p>
+        </p:txBody>
+      </p:sp>
+      <p:sp>
+        <p:nvSpPr>
+          <p:cNvPr id="4" name="日期占位符 3">
+            <a:extLst>
+              <a:ext uri="{FF2B5EF4-FFF2-40B4-BE49-F238E27FC236}">
+                <a16:creationId xmlns:a16="http://schemas.microsoft.com/office/drawing/2014/main" id="{40F73D02-4936-6650-81CC-4DF39D4DB4ED}"/>
+              </a:ext>
+            </a:extLst>
+          </p:cNvPr>
           <p:cNvSpPr>
             <a:spLocks noGrp="1"/>
           </p:cNvSpPr>
@@ -5864,9 +4168,9 @@
           <a:bodyPr/>
           <a:lstStyle/>
           <a:p>
-            <a:fld id="{54572FE0-AF69-49FC-A044-C789016A5D4F}" type="datetimeFigureOut">
+            <a:fld id="{B14948DB-0BE7-40D0-80F6-9094451DF04C}" type="datetimeFigureOut">
               <a:rPr lang="zh-CN" altLang="en-US" smtClean="0"/>
-              <a:t>2024/4/1</a:t>
+              <a:t>2024/4/2</a:t>
             </a:fld>
             <a:endParaRPr lang="zh-CN" altLang="en-US"/>
           </a:p>
@@ -5874,7 +4178,13 @@
       </p:sp>
       <p:sp>
         <p:nvSpPr>
-          <p:cNvPr id="5" name="Footer Placeholder 4"/>
+          <p:cNvPr id="5" name="页脚占位符 4">
+            <a:extLst>
+              <a:ext uri="{FF2B5EF4-FFF2-40B4-BE49-F238E27FC236}">
+                <a16:creationId xmlns:a16="http://schemas.microsoft.com/office/drawing/2014/main" id="{9840447E-0302-2AD6-A458-D3227D7221AE}"/>
+              </a:ext>
+            </a:extLst>
+          </p:cNvPr>
           <p:cNvSpPr>
             <a:spLocks noGrp="1"/>
           </p:cNvSpPr>
@@ -5893,7 +4203,13 @@
       </p:sp>
       <p:sp>
         <p:nvSpPr>
-          <p:cNvPr id="6" name="Slide Number Placeholder 5"/>
+          <p:cNvPr id="6" name="灯片编号占位符 5">
+            <a:extLst>
+              <a:ext uri="{FF2B5EF4-FFF2-40B4-BE49-F238E27FC236}">
+                <a16:creationId xmlns:a16="http://schemas.microsoft.com/office/drawing/2014/main" id="{24691C8D-E130-EEFF-CC4C-F733314BCF79}"/>
+              </a:ext>
+            </a:extLst>
+          </p:cNvPr>
           <p:cNvSpPr>
             <a:spLocks noGrp="1"/>
           </p:cNvSpPr>
@@ -5906,7 +4222,7 @@
           <a:bodyPr/>
           <a:lstStyle/>
           <a:p>
-            <a:fld id="{0800A6A5-3185-4C7B-B9AA-71C6F4DCF7FA}" type="slidenum">
+            <a:fld id="{A7609F20-E83B-4856-BE88-6E7EAD044358}" type="slidenum">
               <a:rPr lang="zh-CN" altLang="en-US" smtClean="0"/>
               <a:t>‹#›</a:t>
             </a:fld>
@@ -5917,148 +4233,7 @@
     </p:spTree>
     <p:extLst>
       <p:ext uri="{BB962C8B-B14F-4D97-AF65-F5344CB8AC3E}">
-        <p14:creationId xmlns:p14="http://schemas.microsoft.com/office/powerpoint/2010/main" val="2596189368"/>
-      </p:ext>
-    </p:extLst>
-  </p:cSld>
-  <p:clrMapOvr>
-    <a:masterClrMapping/>
-  </p:clrMapOvr>
-</p:sldLayout>
-</file>
-
-<file path=ppt/slideLayouts/slideLayout29.xml><?xml version="1.0" encoding="utf-8"?>
-<p:sldLayout xmlns:a="http://schemas.openxmlformats.org/drawingml/2006/main" xmlns:r="http://schemas.openxmlformats.org/officeDocument/2006/relationships" xmlns:p="http://schemas.openxmlformats.org/presentationml/2006/main" preserve="1" userDrawn="1">
-  <p:cSld name="自定义版式">
-    <p:spTree>
-      <p:nvGrpSpPr>
-        <p:cNvPr id="1" name=""/>
-        <p:cNvGrpSpPr/>
-        <p:nvPr/>
-      </p:nvGrpSpPr>
-      <p:grpSpPr>
-        <a:xfrm>
-          <a:off x="0" y="0"/>
-          <a:ext cx="0" cy="0"/>
-          <a:chOff x="0" y="0"/>
-          <a:chExt cx="0" cy="0"/>
-        </a:xfrm>
-      </p:grpSpPr>
-      <p:sp>
-        <p:nvSpPr>
-          <p:cNvPr id="2" name="标题 1">
-            <a:extLst>
-              <a:ext uri="{FF2B5EF4-FFF2-40B4-BE49-F238E27FC236}">
-                <a16:creationId xmlns:a16="http://schemas.microsoft.com/office/drawing/2014/main" id="{5B1A245D-7311-AAD6-2739-B9B783262D94}"/>
-              </a:ext>
-            </a:extLst>
-          </p:cNvPr>
-          <p:cNvSpPr>
-            <a:spLocks noGrp="1"/>
-          </p:cNvSpPr>
-          <p:nvPr>
-            <p:ph type="title"/>
-          </p:nvPr>
-        </p:nvSpPr>
-        <p:spPr/>
-        <p:txBody>
-          <a:bodyPr/>
-          <a:lstStyle/>
-          <a:p>
-            <a:r>
-              <a:rPr lang="zh-CN" altLang="en-US"/>
-              <a:t>单击此处编辑母版标题样式</a:t>
-            </a:r>
-          </a:p>
-        </p:txBody>
-      </p:sp>
-      <p:sp>
-        <p:nvSpPr>
-          <p:cNvPr id="3" name="日期占位符 2">
-            <a:extLst>
-              <a:ext uri="{FF2B5EF4-FFF2-40B4-BE49-F238E27FC236}">
-                <a16:creationId xmlns:a16="http://schemas.microsoft.com/office/drawing/2014/main" id="{21BCB97E-0452-4E13-3D13-58909304FAE0}"/>
-              </a:ext>
-            </a:extLst>
-          </p:cNvPr>
-          <p:cNvSpPr>
-            <a:spLocks noGrp="1"/>
-          </p:cNvSpPr>
-          <p:nvPr>
-            <p:ph type="dt" sz="half" idx="10"/>
-          </p:nvPr>
-        </p:nvSpPr>
-        <p:spPr/>
-        <p:txBody>
-          <a:bodyPr/>
-          <a:lstStyle/>
-          <a:p>
-            <a:fld id="{DEDA17D1-6590-4570-9DF1-29A4B3C6B8EE}" type="datetimeFigureOut">
-              <a:rPr lang="zh-CN" altLang="en-US" smtClean="0"/>
-              <a:t>2024/4/1</a:t>
-            </a:fld>
-            <a:endParaRPr lang="zh-CN" altLang="en-US"/>
-          </a:p>
-        </p:txBody>
-      </p:sp>
-      <p:sp>
-        <p:nvSpPr>
-          <p:cNvPr id="4" name="页脚占位符 3">
-            <a:extLst>
-              <a:ext uri="{FF2B5EF4-FFF2-40B4-BE49-F238E27FC236}">
-                <a16:creationId xmlns:a16="http://schemas.microsoft.com/office/drawing/2014/main" id="{747AF16C-AF39-8409-2AB0-AE2142B3C150}"/>
-              </a:ext>
-            </a:extLst>
-          </p:cNvPr>
-          <p:cNvSpPr>
-            <a:spLocks noGrp="1"/>
-          </p:cNvSpPr>
-          <p:nvPr>
-            <p:ph type="ftr" sz="quarter" idx="11"/>
-          </p:nvPr>
-        </p:nvSpPr>
-        <p:spPr/>
-        <p:txBody>
-          <a:bodyPr/>
-          <a:lstStyle/>
-          <a:p>
-            <a:endParaRPr lang="zh-CN" altLang="en-US"/>
-          </a:p>
-        </p:txBody>
-      </p:sp>
-      <p:sp>
-        <p:nvSpPr>
-          <p:cNvPr id="5" name="灯片编号占位符 4">
-            <a:extLst>
-              <a:ext uri="{FF2B5EF4-FFF2-40B4-BE49-F238E27FC236}">
-                <a16:creationId xmlns:a16="http://schemas.microsoft.com/office/drawing/2014/main" id="{7ADA4555-3463-D335-547C-CDE3F1FA6625}"/>
-              </a:ext>
-            </a:extLst>
-          </p:cNvPr>
-          <p:cNvSpPr>
-            <a:spLocks noGrp="1"/>
-          </p:cNvSpPr>
-          <p:nvPr>
-            <p:ph type="sldNum" sz="quarter" idx="12"/>
-          </p:nvPr>
-        </p:nvSpPr>
-        <p:spPr/>
-        <p:txBody>
-          <a:bodyPr/>
-          <a:lstStyle/>
-          <a:p>
-            <a:fld id="{2ED1A831-4F8E-4053-B593-46016C4082BA}" type="slidenum">
-              <a:rPr lang="zh-CN" altLang="en-US" smtClean="0"/>
-              <a:t>‹#›</a:t>
-            </a:fld>
-            <a:endParaRPr lang="zh-CN" altLang="en-US"/>
-          </a:p>
-        </p:txBody>
-      </p:sp>
-    </p:spTree>
-    <p:extLst>
-      <p:ext uri="{BB962C8B-B14F-4D97-AF65-F5344CB8AC3E}">
-        <p14:creationId xmlns:p14="http://schemas.microsoft.com/office/powerpoint/2010/main" val="1815789082"/>
+        <p14:creationId xmlns:p14="http://schemas.microsoft.com/office/powerpoint/2010/main" val="2953915565"/>
       </p:ext>
     </p:extLst>
   </p:cSld>
@@ -6270,7 +4445,7 @@
           <a:p>
             <a:fld id="{DEDA17D1-6590-4570-9DF1-29A4B3C6B8EE}" type="datetimeFigureOut">
               <a:rPr lang="zh-CN" altLang="en-US" smtClean="0"/>
-              <a:t>2024/4/1</a:t>
+              <a:t>2024/4/2</a:t>
             </a:fld>
             <a:endParaRPr lang="zh-CN" altLang="en-US"/>
           </a:p>
@@ -6535,7 +4710,7 @@
           <a:p>
             <a:fld id="{DEDA17D1-6590-4570-9DF1-29A4B3C6B8EE}" type="datetimeFigureOut">
               <a:rPr lang="zh-CN" altLang="en-US" smtClean="0"/>
-              <a:t>2024/4/1</a:t>
+              <a:t>2024/4/2</a:t>
             </a:fld>
             <a:endParaRPr lang="zh-CN" altLang="en-US"/>
           </a:p>
@@ -6956,7 +5131,7 @@
           <a:p>
             <a:fld id="{DEDA17D1-6590-4570-9DF1-29A4B3C6B8EE}" type="datetimeFigureOut">
               <a:rPr lang="zh-CN" altLang="en-US" smtClean="0"/>
-              <a:t>2024/4/1</a:t>
+              <a:t>2024/4/2</a:t>
             </a:fld>
             <a:endParaRPr lang="zh-CN" altLang="en-US"/>
           </a:p>
@@ -7097,7 +5272,7 @@
           <a:p>
             <a:fld id="{DEDA17D1-6590-4570-9DF1-29A4B3C6B8EE}" type="datetimeFigureOut">
               <a:rPr lang="zh-CN" altLang="en-US" smtClean="0"/>
-              <a:t>2024/4/1</a:t>
+              <a:t>2024/4/2</a:t>
             </a:fld>
             <a:endParaRPr lang="zh-CN" altLang="en-US"/>
           </a:p>
@@ -7210,7 +5385,7 @@
           <a:p>
             <a:fld id="{DEDA17D1-6590-4570-9DF1-29A4B3C6B8EE}" type="datetimeFigureOut">
               <a:rPr lang="zh-CN" altLang="en-US" smtClean="0"/>
-              <a:t>2024/4/1</a:t>
+              <a:t>2024/4/2</a:t>
             </a:fld>
             <a:endParaRPr lang="zh-CN" altLang="en-US"/>
           </a:p>
@@ -7521,7 +5696,7 @@
           <a:p>
             <a:fld id="{DEDA17D1-6590-4570-9DF1-29A4B3C6B8EE}" type="datetimeFigureOut">
               <a:rPr lang="zh-CN" altLang="en-US" smtClean="0"/>
-              <a:t>2024/4/1</a:t>
+              <a:t>2024/4/2</a:t>
             </a:fld>
             <a:endParaRPr lang="zh-CN" altLang="en-US"/>
           </a:p>
@@ -7809,7 +5984,7 @@
           <a:p>
             <a:fld id="{DEDA17D1-6590-4570-9DF1-29A4B3C6B8EE}" type="datetimeFigureOut">
               <a:rPr lang="zh-CN" altLang="en-US" smtClean="0"/>
-              <a:t>2024/4/1</a:t>
+              <a:t>2024/4/2</a:t>
             </a:fld>
             <a:endParaRPr lang="zh-CN" altLang="en-US"/>
           </a:p>
@@ -8078,7 +6253,7 @@
           <a:p>
             <a:fld id="{DEDA17D1-6590-4570-9DF1-29A4B3C6B8EE}" type="datetimeFigureOut">
               <a:rPr lang="zh-CN" altLang="en-US" smtClean="0"/>
-              <a:t>2024/4/1</a:t>
+              <a:t>2024/4/2</a:t>
             </a:fld>
             <a:endParaRPr lang="zh-CN" altLang="en-US"/>
           </a:p>
@@ -8194,6 +6369,7 @@
     <p:sldLayoutId id="2147483686" r:id="rId9"/>
     <p:sldLayoutId id="2147483687" r:id="rId10"/>
     <p:sldLayoutId id="2147483688" r:id="rId11"/>
+    <p:sldLayoutId id="2147483732" r:id="rId12"/>
   </p:sldLayoutIdLst>
   <p:txStyles>
     <p:titleStyle>
@@ -8479,11 +6655,11 @@
 </file>
 
 <file path=ppt/slideMasters/slideMaster2.xml><?xml version="1.0" encoding="utf-8"?>
-<p:sldMaster xmlns:a="http://schemas.openxmlformats.org/drawingml/2006/main" xmlns:r="http://schemas.openxmlformats.org/officeDocument/2006/relationships" xmlns:p="http://schemas.openxmlformats.org/presentationml/2006/main">
+<p:sldMaster xmlns:a="http://schemas.openxmlformats.org/drawingml/2006/main" xmlns:r="http://schemas.openxmlformats.org/officeDocument/2006/relationships" xmlns:p="http://schemas.openxmlformats.org/presentationml/2006/main" preserve="1">
   <p:cSld>
     <p:bg>
-      <p:bgRef idx="1002">
-        <a:schemeClr val="bg2"/>
+      <p:bgRef idx="1001">
+        <a:schemeClr val="bg1"/>
       </p:bgRef>
     </p:bg>
     <p:spTree>
@@ -8500,199 +6676,15 @@
           <a:chExt cx="0" cy="0"/>
         </a:xfrm>
       </p:grpSpPr>
-      <p:grpSp>
-        <p:nvGrpSpPr>
-          <p:cNvPr id="7" name="Group 6"/>
-          <p:cNvGrpSpPr/>
-          <p:nvPr/>
-        </p:nvGrpSpPr>
-        <p:grpSpPr>
-          <a:xfrm>
-            <a:off x="8872271" y="2705097"/>
-            <a:ext cx="2981858" cy="3208867"/>
-            <a:chOff x="9206969" y="2963333"/>
-            <a:chExt cx="2981858" cy="3208867"/>
-          </a:xfrm>
-        </p:grpSpPr>
-        <p:cxnSp>
-          <p:nvCxnSpPr>
-            <p:cNvPr id="8" name="Straight Connector 7"/>
-            <p:cNvCxnSpPr/>
-            <p:nvPr/>
-          </p:nvCxnSpPr>
-          <p:spPr>
-            <a:xfrm flipH="1">
-              <a:off x="11276012" y="2963333"/>
-              <a:ext cx="912814" cy="912812"/>
-            </a:xfrm>
-            <a:prstGeom prst="line">
-              <a:avLst/>
-            </a:prstGeom>
-            <a:ln w="9525">
-              <a:solidFill>
-                <a:schemeClr val="tx1"/>
-              </a:solidFill>
-            </a:ln>
-          </p:spPr>
-          <p:style>
-            <a:lnRef idx="2">
-              <a:schemeClr val="accent1"/>
-            </a:lnRef>
-            <a:fillRef idx="0">
-              <a:schemeClr val="accent1"/>
-            </a:fillRef>
-            <a:effectRef idx="1">
-              <a:schemeClr val="accent1"/>
-            </a:effectRef>
-            <a:fontRef idx="minor">
-              <a:schemeClr val="tx1"/>
-            </a:fontRef>
-          </p:style>
-        </p:cxnSp>
-        <p:cxnSp>
-          <p:nvCxnSpPr>
-            <p:cNvPr id="9" name="Straight Connector 8"/>
-            <p:cNvCxnSpPr/>
-            <p:nvPr/>
-          </p:nvCxnSpPr>
-          <p:spPr>
-            <a:xfrm flipH="1">
-              <a:off x="9206969" y="3190344"/>
-              <a:ext cx="2981857" cy="2981856"/>
-            </a:xfrm>
-            <a:prstGeom prst="line">
-              <a:avLst/>
-            </a:prstGeom>
-            <a:ln w="9525">
-              <a:solidFill>
-                <a:schemeClr val="tx1"/>
-              </a:solidFill>
-            </a:ln>
-          </p:spPr>
-          <p:style>
-            <a:lnRef idx="2">
-              <a:schemeClr val="accent1"/>
-            </a:lnRef>
-            <a:fillRef idx="0">
-              <a:schemeClr val="accent1"/>
-            </a:fillRef>
-            <a:effectRef idx="1">
-              <a:schemeClr val="accent1"/>
-            </a:effectRef>
-            <a:fontRef idx="minor">
-              <a:schemeClr val="tx1"/>
-            </a:fontRef>
-          </p:style>
-        </p:cxnSp>
-        <p:cxnSp>
-          <p:nvCxnSpPr>
-            <p:cNvPr id="10" name="Straight Connector 9"/>
-            <p:cNvCxnSpPr/>
-            <p:nvPr/>
-          </p:nvCxnSpPr>
-          <p:spPr>
-            <a:xfrm flipH="1">
-              <a:off x="10292292" y="3285067"/>
-              <a:ext cx="1896534" cy="1896533"/>
-            </a:xfrm>
-            <a:prstGeom prst="line">
-              <a:avLst/>
-            </a:prstGeom>
-            <a:ln w="9525">
-              <a:solidFill>
-                <a:schemeClr val="tx1"/>
-              </a:solidFill>
-            </a:ln>
-          </p:spPr>
-          <p:style>
-            <a:lnRef idx="2">
-              <a:schemeClr val="accent1"/>
-            </a:lnRef>
-            <a:fillRef idx="0">
-              <a:schemeClr val="accent1"/>
-            </a:fillRef>
-            <a:effectRef idx="1">
-              <a:schemeClr val="accent1"/>
-            </a:effectRef>
-            <a:fontRef idx="minor">
-              <a:schemeClr val="tx1"/>
-            </a:fontRef>
-          </p:style>
-        </p:cxnSp>
-        <p:cxnSp>
-          <p:nvCxnSpPr>
-            <p:cNvPr id="11" name="Straight Connector 10"/>
-            <p:cNvCxnSpPr/>
-            <p:nvPr/>
-          </p:nvCxnSpPr>
-          <p:spPr>
-            <a:xfrm flipH="1">
-              <a:off x="10443103" y="3131080"/>
-              <a:ext cx="1745722" cy="1745720"/>
-            </a:xfrm>
-            <a:prstGeom prst="line">
-              <a:avLst/>
-            </a:prstGeom>
-            <a:ln w="28575">
-              <a:solidFill>
-                <a:schemeClr val="tx1"/>
-              </a:solidFill>
-            </a:ln>
-          </p:spPr>
-          <p:style>
-            <a:lnRef idx="2">
-              <a:schemeClr val="accent1"/>
-            </a:lnRef>
-            <a:fillRef idx="0">
-              <a:schemeClr val="accent1"/>
-            </a:fillRef>
-            <a:effectRef idx="1">
-              <a:schemeClr val="accent1"/>
-            </a:effectRef>
-            <a:fontRef idx="minor">
-              <a:schemeClr val="tx1"/>
-            </a:fontRef>
-          </p:style>
-        </p:cxnSp>
-        <p:cxnSp>
-          <p:nvCxnSpPr>
-            <p:cNvPr id="12" name="Straight Connector 11"/>
-            <p:cNvCxnSpPr/>
-            <p:nvPr/>
-          </p:nvCxnSpPr>
-          <p:spPr>
-            <a:xfrm flipH="1">
-              <a:off x="10918826" y="3683001"/>
-              <a:ext cx="1270001" cy="1269999"/>
-            </a:xfrm>
-            <a:prstGeom prst="line">
-              <a:avLst/>
-            </a:prstGeom>
-            <a:ln w="28575">
-              <a:solidFill>
-                <a:schemeClr val="tx1"/>
-              </a:solidFill>
-            </a:ln>
-          </p:spPr>
-          <p:style>
-            <a:lnRef idx="2">
-              <a:schemeClr val="accent1"/>
-            </a:lnRef>
-            <a:fillRef idx="0">
-              <a:schemeClr val="accent1"/>
-            </a:fillRef>
-            <a:effectRef idx="1">
-              <a:schemeClr val="accent1"/>
-            </a:effectRef>
-            <a:fontRef idx="minor">
-              <a:schemeClr val="tx1"/>
-            </a:fontRef>
-          </p:style>
-        </p:cxnSp>
-      </p:grpSp>
-      <p:sp>
-        <p:nvSpPr>
-          <p:cNvPr id="2" name="Title Placeholder 1"/>
+      <p:sp>
+        <p:nvSpPr>
+          <p:cNvPr id="2" name="标题占位符 1">
+            <a:extLst>
+              <a:ext uri="{FF2B5EF4-FFF2-40B4-BE49-F238E27FC236}">
+                <a16:creationId xmlns:a16="http://schemas.microsoft.com/office/drawing/2014/main" id="{5B32501D-09EF-CBE6-F6F7-1D1511A67C4B}"/>
+              </a:ext>
+            </a:extLst>
+          </p:cNvPr>
           <p:cNvSpPr>
             <a:spLocks noGrp="1"/>
           </p:cNvSpPr>
@@ -8702,148 +6694,135 @@
         </p:nvSpPr>
         <p:spPr>
           <a:xfrm>
-            <a:off x="684212" y="4487332"/>
-            <a:ext cx="8534400" cy="1507067"/>
-          </a:xfrm>
-          <a:prstGeom prst="rect">
-            <a:avLst/>
-          </a:prstGeom>
-          <a:effectLst/>
-        </p:spPr>
-        <p:txBody>
-          <a:bodyPr vert="horz" lIns="91440" tIns="45720" rIns="91440" bIns="45720" rtlCol="0" anchor="ctr">
-            <a:normAutofit/>
-          </a:bodyPr>
-          <a:lstStyle/>
-          <a:p>
-            <a:r>
-              <a:rPr lang="zh-CN" altLang="en-US"/>
-              <a:t>单击此处编辑母版标题样式</a:t>
-            </a:r>
-            <a:endParaRPr lang="en-US" dirty="0"/>
-          </a:p>
-        </p:txBody>
-      </p:sp>
-      <p:sp>
-        <p:nvSpPr>
-          <p:cNvPr id="4" name="Date Placeholder 3"/>
-          <p:cNvSpPr>
-            <a:spLocks noGrp="1"/>
-          </p:cNvSpPr>
-          <p:nvPr>
-            <p:ph type="dt" sz="half" idx="2"/>
-          </p:nvPr>
-        </p:nvSpPr>
-        <p:spPr>
-          <a:xfrm>
-            <a:off x="9904412" y="6172200"/>
-            <a:ext cx="1600200" cy="365125"/>
+            <a:off x="838200" y="365125"/>
+            <a:ext cx="10515600" cy="1325563"/>
           </a:xfrm>
           <a:prstGeom prst="rect">
             <a:avLst/>
           </a:prstGeom>
         </p:spPr>
         <p:txBody>
-          <a:bodyPr vert="horz" lIns="91440" tIns="45720" rIns="91440" bIns="45720" rtlCol="0" anchor="t"/>
-          <a:lstStyle>
-            <a:lvl1pPr algn="r">
-              <a:defRPr sz="1000" b="0" i="0">
-                <a:solidFill>
-                  <a:schemeClr val="bg2">
-                    <a:lumMod val="50000"/>
-                  </a:schemeClr>
-                </a:solidFill>
-                <a:effectLst/>
-                <a:latin typeface="+mn-lt"/>
-              </a:defRPr>
-            </a:lvl1pPr>
-          </a:lstStyle>
-          <a:p>
-            <a:fld id="{DEDA17D1-6590-4570-9DF1-29A4B3C6B8EE}" type="datetimeFigureOut">
-              <a:rPr lang="zh-CN" altLang="en-US" smtClean="0"/>
-              <a:t>2024/4/1</a:t>
-            </a:fld>
-            <a:endParaRPr lang="zh-CN" altLang="en-US"/>
-          </a:p>
-        </p:txBody>
-      </p:sp>
-      <p:sp>
-        <p:nvSpPr>
-          <p:cNvPr id="5" name="Footer Placeholder 4"/>
-          <p:cNvSpPr>
-            <a:spLocks noGrp="1"/>
-          </p:cNvSpPr>
-          <p:nvPr>
-            <p:ph type="ftr" sz="quarter" idx="3"/>
+          <a:bodyPr vert="horz" lIns="91440" tIns="45720" rIns="91440" bIns="45720" rtlCol="0" anchor="ctr">
+            <a:normAutofit/>
+          </a:bodyPr>
+          <a:lstStyle/>
+          <a:p>
+            <a:r>
+              <a:rPr lang="zh-CN" altLang="en-US"/>
+              <a:t>单击此处编辑母版标题样式</a:t>
+            </a:r>
+          </a:p>
+        </p:txBody>
+      </p:sp>
+      <p:sp>
+        <p:nvSpPr>
+          <p:cNvPr id="3" name="文本占位符 2">
+            <a:extLst>
+              <a:ext uri="{FF2B5EF4-FFF2-40B4-BE49-F238E27FC236}">
+                <a16:creationId xmlns:a16="http://schemas.microsoft.com/office/drawing/2014/main" id="{080D68C9-5768-C1FB-B491-BD41D7BC4D5C}"/>
+              </a:ext>
+            </a:extLst>
+          </p:cNvPr>
+          <p:cNvSpPr>
+            <a:spLocks noGrp="1"/>
+          </p:cNvSpPr>
+          <p:nvPr>
+            <p:ph type="body" idx="1"/>
           </p:nvPr>
         </p:nvSpPr>
         <p:spPr>
           <a:xfrm>
-            <a:off x="684212" y="6172200"/>
-            <a:ext cx="7543800" cy="365125"/>
+            <a:off x="838200" y="1825625"/>
+            <a:ext cx="10515600" cy="4351338"/>
           </a:xfrm>
           <a:prstGeom prst="rect">
             <a:avLst/>
           </a:prstGeom>
         </p:spPr>
         <p:txBody>
-          <a:bodyPr vert="horz" lIns="91440" tIns="45720" rIns="91440" bIns="45720" rtlCol="0" anchor="t"/>
-          <a:lstStyle>
-            <a:lvl1pPr algn="l">
-              <a:defRPr sz="1000" b="0" i="0">
-                <a:solidFill>
-                  <a:schemeClr val="bg2">
-                    <a:lumMod val="50000"/>
-                  </a:schemeClr>
-                </a:solidFill>
-                <a:effectLst/>
-                <a:latin typeface="+mn-lt"/>
-              </a:defRPr>
-            </a:lvl1pPr>
-          </a:lstStyle>
-          <a:p>
-            <a:endParaRPr lang="zh-CN" altLang="en-US"/>
-          </a:p>
-        </p:txBody>
-      </p:sp>
-      <p:sp>
-        <p:nvSpPr>
-          <p:cNvPr id="6" name="Slide Number Placeholder 5"/>
-          <p:cNvSpPr>
-            <a:spLocks noGrp="1"/>
-          </p:cNvSpPr>
-          <p:nvPr>
-            <p:ph type="sldNum" sz="quarter" idx="4"/>
+          <a:bodyPr vert="horz" lIns="91440" tIns="45720" rIns="91440" bIns="45720" rtlCol="0">
+            <a:normAutofit/>
+          </a:bodyPr>
+          <a:lstStyle/>
+          <a:p>
+            <a:pPr lvl="0"/>
+            <a:r>
+              <a:rPr lang="zh-CN" altLang="en-US"/>
+              <a:t>单击此处编辑母版文本样式</a:t>
+            </a:r>
+          </a:p>
+          <a:p>
+            <a:pPr lvl="1"/>
+            <a:r>
+              <a:rPr lang="zh-CN" altLang="en-US"/>
+              <a:t>二级</a:t>
+            </a:r>
+          </a:p>
+          <a:p>
+            <a:pPr lvl="2"/>
+            <a:r>
+              <a:rPr lang="zh-CN" altLang="en-US"/>
+              <a:t>三级</a:t>
+            </a:r>
+          </a:p>
+          <a:p>
+            <a:pPr lvl="3"/>
+            <a:r>
+              <a:rPr lang="zh-CN" altLang="en-US"/>
+              <a:t>四级</a:t>
+            </a:r>
+          </a:p>
+          <a:p>
+            <a:pPr lvl="4"/>
+            <a:r>
+              <a:rPr lang="zh-CN" altLang="en-US"/>
+              <a:t>五级</a:t>
+            </a:r>
+          </a:p>
+        </p:txBody>
+      </p:sp>
+      <p:sp>
+        <p:nvSpPr>
+          <p:cNvPr id="4" name="日期占位符 3">
+            <a:extLst>
+              <a:ext uri="{FF2B5EF4-FFF2-40B4-BE49-F238E27FC236}">
+                <a16:creationId xmlns:a16="http://schemas.microsoft.com/office/drawing/2014/main" id="{E58B4C69-3F15-5103-DB92-B1D12AE04CD6}"/>
+              </a:ext>
+            </a:extLst>
+          </p:cNvPr>
+          <p:cNvSpPr>
+            <a:spLocks noGrp="1"/>
+          </p:cNvSpPr>
+          <p:nvPr>
+            <p:ph type="dt" sz="half" idx="2"/>
           </p:nvPr>
         </p:nvSpPr>
         <p:spPr>
           <a:xfrm>
-            <a:off x="10363200" y="5578475"/>
-            <a:ext cx="1142245" cy="669925"/>
+            <a:off x="838200" y="6356350"/>
+            <a:ext cx="2743200" cy="365125"/>
           </a:xfrm>
           <a:prstGeom prst="rect">
             <a:avLst/>
           </a:prstGeom>
         </p:spPr>
         <p:txBody>
-          <a:bodyPr vert="horz" lIns="91440" tIns="45720" rIns="91440" bIns="45720" rtlCol="0" anchor="b"/>
+          <a:bodyPr vert="horz" lIns="91440" tIns="45720" rIns="91440" bIns="45720" rtlCol="0" anchor="ctr"/>
           <a:lstStyle>
-            <a:lvl1pPr algn="r">
-              <a:defRPr sz="3200" b="0" i="0">
+            <a:lvl1pPr algn="l">
+              <a:defRPr sz="1200">
                 <a:solidFill>
-                  <a:schemeClr val="bg2">
-                    <a:lumMod val="50000"/>
+                  <a:schemeClr val="tx1">
+                    <a:tint val="75000"/>
                   </a:schemeClr>
                 </a:solidFill>
-                <a:effectLst/>
-                <a:latin typeface="+mn-lt"/>
               </a:defRPr>
             </a:lvl1pPr>
           </a:lstStyle>
           <a:p>
-            <a:fld id="{2ED1A831-4F8E-4053-B593-46016C4082BA}" type="slidenum">
+            <a:fld id="{B14948DB-0BE7-40D0-80F6-9094451DF04C}" type="datetimeFigureOut">
               <a:rPr lang="zh-CN" altLang="en-US" smtClean="0"/>
-              <a:t>‹#›</a:t>
+              <a:t>2024/4/2</a:t>
             </a:fld>
             <a:endParaRPr lang="zh-CN" altLang="en-US"/>
           </a:p>
@@ -8851,46 +6830,90 @@
       </p:sp>
       <p:sp>
         <p:nvSpPr>
-          <p:cNvPr id="13" name="矩形 12">
-            <a:extLst>
-              <a:ext uri="{FF2B5EF4-FFF2-40B4-BE49-F238E27FC236}">
-                <a16:creationId xmlns:a16="http://schemas.microsoft.com/office/drawing/2014/main" id="{94D57772-E0C7-51D5-F096-C7D1A49973E1}"/>
-              </a:ext>
-            </a:extLst>
-          </p:cNvPr>
-          <p:cNvSpPr/>
-          <p:nvPr userDrawn="1"/>
+          <p:cNvPr id="5" name="页脚占位符 4">
+            <a:extLst>
+              <a:ext uri="{FF2B5EF4-FFF2-40B4-BE49-F238E27FC236}">
+                <a16:creationId xmlns:a16="http://schemas.microsoft.com/office/drawing/2014/main" id="{85671A7E-8C2C-756F-9330-A57B969488B9}"/>
+              </a:ext>
+            </a:extLst>
+          </p:cNvPr>
+          <p:cNvSpPr>
+            <a:spLocks noGrp="1"/>
+          </p:cNvSpPr>
+          <p:nvPr>
+            <p:ph type="ftr" sz="quarter" idx="3"/>
+          </p:nvPr>
         </p:nvSpPr>
         <p:spPr>
           <a:xfrm>
-            <a:off x="281354" y="217488"/>
-            <a:ext cx="3295859" cy="2172534"/>
+            <a:off x="4038600" y="6356350"/>
+            <a:ext cx="4114800" cy="365125"/>
           </a:xfrm>
           <a:prstGeom prst="rect">
             <a:avLst/>
           </a:prstGeom>
         </p:spPr>
-        <p:style>
-          <a:lnRef idx="2">
-            <a:schemeClr val="accent1">
-              <a:shade val="15000"/>
-            </a:schemeClr>
-          </a:lnRef>
-          <a:fillRef idx="1">
-            <a:schemeClr val="accent1"/>
-          </a:fillRef>
-          <a:effectRef idx="0">
-            <a:schemeClr val="accent1"/>
-          </a:effectRef>
-          <a:fontRef idx="minor">
-            <a:schemeClr val="lt1"/>
-          </a:fontRef>
-        </p:style>
-        <p:txBody>
-          <a:bodyPr rtlCol="0" anchor="ctr"/>
-          <a:lstStyle/>
-          <a:p>
-            <a:pPr algn="ctr"/>
+        <p:txBody>
+          <a:bodyPr vert="horz" lIns="91440" tIns="45720" rIns="91440" bIns="45720" rtlCol="0" anchor="ctr"/>
+          <a:lstStyle>
+            <a:lvl1pPr algn="ctr">
+              <a:defRPr sz="1200">
+                <a:solidFill>
+                  <a:schemeClr val="tx1">
+                    <a:tint val="75000"/>
+                  </a:schemeClr>
+                </a:solidFill>
+              </a:defRPr>
+            </a:lvl1pPr>
+          </a:lstStyle>
+          <a:p>
+            <a:endParaRPr lang="zh-CN" altLang="en-US"/>
+          </a:p>
+        </p:txBody>
+      </p:sp>
+      <p:sp>
+        <p:nvSpPr>
+          <p:cNvPr id="6" name="灯片编号占位符 5">
+            <a:extLst>
+              <a:ext uri="{FF2B5EF4-FFF2-40B4-BE49-F238E27FC236}">
+                <a16:creationId xmlns:a16="http://schemas.microsoft.com/office/drawing/2014/main" id="{DADE50BE-1244-AA43-6454-B6D47056F47E}"/>
+              </a:ext>
+            </a:extLst>
+          </p:cNvPr>
+          <p:cNvSpPr>
+            <a:spLocks noGrp="1"/>
+          </p:cNvSpPr>
+          <p:nvPr>
+            <p:ph type="sldNum" sz="quarter" idx="4"/>
+          </p:nvPr>
+        </p:nvSpPr>
+        <p:spPr>
+          <a:xfrm>
+            <a:off x="8610600" y="6356350"/>
+            <a:ext cx="2743200" cy="365125"/>
+          </a:xfrm>
+          <a:prstGeom prst="rect">
+            <a:avLst/>
+          </a:prstGeom>
+        </p:spPr>
+        <p:txBody>
+          <a:bodyPr vert="horz" lIns="91440" tIns="45720" rIns="91440" bIns="45720" rtlCol="0" anchor="ctr"/>
+          <a:lstStyle>
+            <a:lvl1pPr algn="r">
+              <a:defRPr sz="1200">
+                <a:solidFill>
+                  <a:schemeClr val="tx1">
+                    <a:tint val="75000"/>
+                  </a:schemeClr>
+                </a:solidFill>
+              </a:defRPr>
+            </a:lvl1pPr>
+          </a:lstStyle>
+          <a:p>
+            <a:fld id="{A7609F20-E83B-4856-BE88-6E7EAD044358}" type="slidenum">
+              <a:rPr lang="zh-CN" altLang="en-US" smtClean="0"/>
+              <a:t>‹#›</a:t>
+            </a:fld>
             <a:endParaRPr lang="zh-CN" altLang="en-US"/>
           </a:p>
         </p:txBody>
@@ -8898,329 +6921,202 @@
     </p:spTree>
     <p:extLst>
       <p:ext uri="{BB962C8B-B14F-4D97-AF65-F5344CB8AC3E}">
-        <p14:creationId xmlns:p14="http://schemas.microsoft.com/office/powerpoint/2010/main" val="1597243507"/>
+        <p14:creationId xmlns:p14="http://schemas.microsoft.com/office/powerpoint/2010/main" val="1097571857"/>
       </p:ext>
     </p:extLst>
   </p:cSld>
-  <p:clrMap bg1="dk1" tx1="lt1" bg2="dk2" tx2="lt2" accent1="accent1" accent2="accent2" accent3="accent3" accent4="accent4" accent5="accent5" accent6="accent6" hlink="hlink" folHlink="folHlink"/>
+  <p:clrMap bg1="lt1" tx1="dk1" bg2="lt2" tx2="dk2" accent1="accent1" accent2="accent2" accent3="accent3" accent4="accent4" accent5="accent5" accent6="accent6" hlink="hlink" folHlink="folHlink"/>
   <p:sldLayoutIdLst>
-    <p:sldLayoutId id="2147483702" r:id="rId1"/>
-    <p:sldLayoutId id="2147483703" r:id="rId2"/>
-    <p:sldLayoutId id="2147483704" r:id="rId3"/>
-    <p:sldLayoutId id="2147483705" r:id="rId4"/>
-    <p:sldLayoutId id="2147483706" r:id="rId5"/>
-    <p:sldLayoutId id="2147483707" r:id="rId6"/>
-    <p:sldLayoutId id="2147483708" r:id="rId7"/>
-    <p:sldLayoutId id="2147483709" r:id="rId8"/>
-    <p:sldLayoutId id="2147483710" r:id="rId9"/>
-    <p:sldLayoutId id="2147483711" r:id="rId10"/>
-    <p:sldLayoutId id="2147483712" r:id="rId11"/>
-    <p:sldLayoutId id="2147483713" r:id="rId12"/>
-    <p:sldLayoutId id="2147483714" r:id="rId13"/>
-    <p:sldLayoutId id="2147483715" r:id="rId14"/>
-    <p:sldLayoutId id="2147483716" r:id="rId15"/>
-    <p:sldLayoutId id="2147483717" r:id="rId16"/>
-    <p:sldLayoutId id="2147483718" r:id="rId17"/>
-    <p:sldLayoutId id="2147483719" r:id="rId18"/>
+    <p:sldLayoutId id="2147483721" r:id="rId1"/>
+    <p:sldLayoutId id="2147483722" r:id="rId2"/>
+    <p:sldLayoutId id="2147483723" r:id="rId3"/>
+    <p:sldLayoutId id="2147483724" r:id="rId4"/>
+    <p:sldLayoutId id="2147483725" r:id="rId5"/>
+    <p:sldLayoutId id="2147483726" r:id="rId6"/>
+    <p:sldLayoutId id="2147483727" r:id="rId7"/>
+    <p:sldLayoutId id="2147483728" r:id="rId8"/>
+    <p:sldLayoutId id="2147483729" r:id="rId9"/>
+    <p:sldLayoutId id="2147483730" r:id="rId10"/>
+    <p:sldLayoutId id="2147483731" r:id="rId11"/>
   </p:sldLayoutIdLst>
   <p:txStyles>
     <p:titleStyle>
-      <a:lvl1pPr algn="l" defTabSz="457200" rtl="0" eaLnBrk="1" latinLnBrk="0" hangingPunct="1">
+      <a:lvl1pPr algn="l" defTabSz="914400" rtl="0" eaLnBrk="1" latinLnBrk="0" hangingPunct="1">
+        <a:lnSpc>
+          <a:spcPct val="90000"/>
+        </a:lnSpc>
         <a:spcBef>
           <a:spcPct val="0"/>
         </a:spcBef>
         <a:buNone/>
-        <a:defRPr sz="3600" kern="1200" cap="all">
-          <a:ln w="3175" cmpd="sng">
-            <a:noFill/>
-          </a:ln>
+        <a:defRPr sz="4400" kern="1200">
           <a:solidFill>
             <a:schemeClr val="tx1"/>
           </a:solidFill>
-          <a:effectLst/>
           <a:latin typeface="+mj-lt"/>
           <a:ea typeface="+mj-ea"/>
           <a:cs typeface="+mj-cs"/>
         </a:defRPr>
       </a:lvl1pPr>
-      <a:lvl2pPr eaLnBrk="1" hangingPunct="1">
-        <a:defRPr>
-          <a:solidFill>
-            <a:schemeClr val="tx2"/>
-          </a:solidFill>
-        </a:defRPr>
-      </a:lvl2pPr>
-      <a:lvl3pPr eaLnBrk="1" hangingPunct="1">
-        <a:defRPr>
-          <a:solidFill>
-            <a:schemeClr val="tx2"/>
-          </a:solidFill>
-        </a:defRPr>
-      </a:lvl3pPr>
-      <a:lvl4pPr eaLnBrk="1" hangingPunct="1">
-        <a:defRPr>
-          <a:solidFill>
-            <a:schemeClr val="tx2"/>
-          </a:solidFill>
-        </a:defRPr>
-      </a:lvl4pPr>
-      <a:lvl5pPr eaLnBrk="1" hangingPunct="1">
-        <a:defRPr>
-          <a:solidFill>
-            <a:schemeClr val="tx2"/>
-          </a:solidFill>
-        </a:defRPr>
-      </a:lvl5pPr>
-      <a:lvl6pPr eaLnBrk="1" hangingPunct="1">
-        <a:defRPr>
-          <a:solidFill>
-            <a:schemeClr val="tx2"/>
-          </a:solidFill>
-        </a:defRPr>
-      </a:lvl6pPr>
-      <a:lvl7pPr eaLnBrk="1" hangingPunct="1">
-        <a:defRPr>
-          <a:solidFill>
-            <a:schemeClr val="tx2"/>
-          </a:solidFill>
-        </a:defRPr>
-      </a:lvl7pPr>
-      <a:lvl8pPr eaLnBrk="1" hangingPunct="1">
-        <a:defRPr>
-          <a:solidFill>
-            <a:schemeClr val="tx2"/>
-          </a:solidFill>
-        </a:defRPr>
-      </a:lvl8pPr>
-      <a:lvl9pPr eaLnBrk="1" hangingPunct="1">
-        <a:defRPr>
-          <a:solidFill>
-            <a:schemeClr val="tx2"/>
-          </a:solidFill>
-        </a:defRPr>
-      </a:lvl9pPr>
     </p:titleStyle>
     <p:bodyStyle>
-      <a:lvl1pPr marL="285750" indent="-285750" algn="l" defTabSz="457200" rtl="0" eaLnBrk="1" latinLnBrk="0" hangingPunct="1">
+      <a:lvl1pPr marL="228600" indent="-228600" algn="l" defTabSz="914400" rtl="0" eaLnBrk="1" latinLnBrk="0" hangingPunct="1">
+        <a:lnSpc>
+          <a:spcPct val="90000"/>
+        </a:lnSpc>
         <a:spcBef>
-          <a:spcPct val="20000"/>
+          <a:spcPts val="1000"/>
         </a:spcBef>
-        <a:spcAft>
-          <a:spcPts val="600"/>
-        </a:spcAft>
-        <a:buClr>
-          <a:schemeClr val="tx1"/>
-        </a:buClr>
-        <a:buSzPct val="80000"/>
-        <a:buFont typeface="Wingdings 3" panose="05040102010807070707" pitchFamily="18" charset="2"/>
-        <a:buChar char=""/>
-        <a:defRPr sz="2000" kern="1200" cap="none">
+        <a:buFont typeface="Arial" panose="020B0604020202020204" pitchFamily="34" charset="0"/>
+        <a:buChar char="•"/>
+        <a:defRPr sz="2800" kern="1200">
           <a:solidFill>
-            <a:schemeClr val="bg2">
-              <a:lumMod val="75000"/>
-            </a:schemeClr>
+            <a:schemeClr val="tx1"/>
           </a:solidFill>
-          <a:effectLst/>
           <a:latin typeface="+mn-lt"/>
           <a:ea typeface="+mn-ea"/>
           <a:cs typeface="+mn-cs"/>
         </a:defRPr>
       </a:lvl1pPr>
-      <a:lvl2pPr marL="742950" indent="-285750" algn="l" defTabSz="457200" rtl="0" eaLnBrk="1" latinLnBrk="0" hangingPunct="1">
+      <a:lvl2pPr marL="685800" indent="-228600" algn="l" defTabSz="914400" rtl="0" eaLnBrk="1" latinLnBrk="0" hangingPunct="1">
+        <a:lnSpc>
+          <a:spcPct val="90000"/>
+        </a:lnSpc>
         <a:spcBef>
-          <a:spcPct val="20000"/>
+          <a:spcPts val="500"/>
         </a:spcBef>
-        <a:spcAft>
-          <a:spcPts val="600"/>
-        </a:spcAft>
-        <a:buClr>
-          <a:schemeClr val="tx1"/>
-        </a:buClr>
-        <a:buSzPct val="80000"/>
-        <a:buFont typeface="Wingdings 3" panose="05040102010807070707" pitchFamily="18" charset="2"/>
-        <a:buChar char=""/>
-        <a:defRPr sz="1800" kern="1200" cap="none">
+        <a:buFont typeface="Arial" panose="020B0604020202020204" pitchFamily="34" charset="0"/>
+        <a:buChar char="•"/>
+        <a:defRPr sz="2400" kern="1200">
           <a:solidFill>
-            <a:schemeClr val="bg2">
-              <a:lumMod val="75000"/>
-            </a:schemeClr>
+            <a:schemeClr val="tx1"/>
           </a:solidFill>
-          <a:effectLst/>
           <a:latin typeface="+mn-lt"/>
           <a:ea typeface="+mn-ea"/>
           <a:cs typeface="+mn-cs"/>
         </a:defRPr>
       </a:lvl2pPr>
-      <a:lvl3pPr marL="1200150" indent="-285750" algn="l" defTabSz="457200" rtl="0" eaLnBrk="1" latinLnBrk="0" hangingPunct="1">
+      <a:lvl3pPr marL="1143000" indent="-228600" algn="l" defTabSz="914400" rtl="0" eaLnBrk="1" latinLnBrk="0" hangingPunct="1">
+        <a:lnSpc>
+          <a:spcPct val="90000"/>
+        </a:lnSpc>
         <a:spcBef>
-          <a:spcPct val="20000"/>
+          <a:spcPts val="500"/>
         </a:spcBef>
-        <a:spcAft>
-          <a:spcPts val="600"/>
-        </a:spcAft>
-        <a:buClr>
-          <a:schemeClr val="tx1"/>
-        </a:buClr>
-        <a:buSzPct val="80000"/>
-        <a:buFont typeface="Wingdings 3" panose="05040102010807070707" pitchFamily="18" charset="2"/>
-        <a:buChar char=""/>
-        <a:defRPr sz="1600" kern="1200" cap="none">
+        <a:buFont typeface="Arial" panose="020B0604020202020204" pitchFamily="34" charset="0"/>
+        <a:buChar char="•"/>
+        <a:defRPr sz="2000" kern="1200">
           <a:solidFill>
-            <a:schemeClr val="bg2">
-              <a:lumMod val="75000"/>
-            </a:schemeClr>
+            <a:schemeClr val="tx1"/>
           </a:solidFill>
-          <a:effectLst/>
           <a:latin typeface="+mn-lt"/>
           <a:ea typeface="+mn-ea"/>
           <a:cs typeface="+mn-cs"/>
         </a:defRPr>
       </a:lvl3pPr>
-      <a:lvl4pPr marL="1543050" indent="-171450" algn="l" defTabSz="457200" rtl="0" eaLnBrk="1" latinLnBrk="0" hangingPunct="1">
+      <a:lvl4pPr marL="1600200" indent="-228600" algn="l" defTabSz="914400" rtl="0" eaLnBrk="1" latinLnBrk="0" hangingPunct="1">
+        <a:lnSpc>
+          <a:spcPct val="90000"/>
+        </a:lnSpc>
         <a:spcBef>
-          <a:spcPct val="20000"/>
+          <a:spcPts val="500"/>
         </a:spcBef>
-        <a:spcAft>
-          <a:spcPts val="600"/>
-        </a:spcAft>
-        <a:buClr>
-          <a:schemeClr val="tx1"/>
-        </a:buClr>
-        <a:buSzPct val="80000"/>
-        <a:buFont typeface="Wingdings 3" panose="05040102010807070707" pitchFamily="18" charset="2"/>
-        <a:buChar char=""/>
-        <a:defRPr sz="1400" kern="1200" cap="none">
+        <a:buFont typeface="Arial" panose="020B0604020202020204" pitchFamily="34" charset="0"/>
+        <a:buChar char="•"/>
+        <a:defRPr sz="1800" kern="1200">
           <a:solidFill>
-            <a:schemeClr val="bg2">
-              <a:lumMod val="75000"/>
-            </a:schemeClr>
+            <a:schemeClr val="tx1"/>
           </a:solidFill>
-          <a:effectLst/>
           <a:latin typeface="+mn-lt"/>
           <a:ea typeface="+mn-ea"/>
           <a:cs typeface="+mn-cs"/>
         </a:defRPr>
       </a:lvl4pPr>
-      <a:lvl5pPr marL="2000250" indent="-171450" algn="l" defTabSz="457200" rtl="0" eaLnBrk="1" latinLnBrk="0" hangingPunct="1">
+      <a:lvl5pPr marL="2057400" indent="-228600" algn="l" defTabSz="914400" rtl="0" eaLnBrk="1" latinLnBrk="0" hangingPunct="1">
+        <a:lnSpc>
+          <a:spcPct val="90000"/>
+        </a:lnSpc>
         <a:spcBef>
-          <a:spcPct val="20000"/>
+          <a:spcPts val="500"/>
         </a:spcBef>
-        <a:spcAft>
-          <a:spcPts val="600"/>
-        </a:spcAft>
-        <a:buClr>
-          <a:schemeClr val="tx1"/>
-        </a:buClr>
-        <a:buSzPct val="80000"/>
-        <a:buFont typeface="Wingdings 3" panose="05040102010807070707" pitchFamily="18" charset="2"/>
-        <a:buChar char=""/>
-        <a:defRPr sz="1400" kern="1200" cap="none">
+        <a:buFont typeface="Arial" panose="020B0604020202020204" pitchFamily="34" charset="0"/>
+        <a:buChar char="•"/>
+        <a:defRPr sz="1800" kern="1200">
           <a:solidFill>
-            <a:schemeClr val="bg2">
-              <a:lumMod val="75000"/>
-            </a:schemeClr>
+            <a:schemeClr val="tx1"/>
           </a:solidFill>
-          <a:effectLst/>
           <a:latin typeface="+mn-lt"/>
           <a:ea typeface="+mn-ea"/>
           <a:cs typeface="+mn-cs"/>
         </a:defRPr>
       </a:lvl5pPr>
-      <a:lvl6pPr marL="2514600" indent="-228600" algn="l" defTabSz="457200" rtl="0" eaLnBrk="1" latinLnBrk="0" hangingPunct="1">
+      <a:lvl6pPr marL="2514600" indent="-228600" algn="l" defTabSz="914400" rtl="0" eaLnBrk="1" latinLnBrk="0" hangingPunct="1">
+        <a:lnSpc>
+          <a:spcPct val="90000"/>
+        </a:lnSpc>
         <a:spcBef>
-          <a:spcPct val="20000"/>
+          <a:spcPts val="500"/>
         </a:spcBef>
-        <a:spcAft>
-          <a:spcPts val="600"/>
-        </a:spcAft>
-        <a:buClr>
-          <a:schemeClr val="tx1"/>
-        </a:buClr>
-        <a:buSzPct val="80000"/>
-        <a:buFont typeface="Wingdings 3" panose="05040102010807070707" pitchFamily="18" charset="2"/>
-        <a:buChar char=""/>
-        <a:defRPr sz="1400" kern="1200" cap="none">
+        <a:buFont typeface="Arial" panose="020B0604020202020204" pitchFamily="34" charset="0"/>
+        <a:buChar char="•"/>
+        <a:defRPr sz="1800" kern="1200">
           <a:solidFill>
-            <a:schemeClr val="bg2">
-              <a:lumMod val="75000"/>
-            </a:schemeClr>
+            <a:schemeClr val="tx1"/>
           </a:solidFill>
-          <a:effectLst/>
           <a:latin typeface="+mn-lt"/>
           <a:ea typeface="+mn-ea"/>
           <a:cs typeface="+mn-cs"/>
         </a:defRPr>
       </a:lvl6pPr>
-      <a:lvl7pPr marL="2971800" indent="-228600" algn="l" defTabSz="457200" rtl="0" eaLnBrk="1" latinLnBrk="0" hangingPunct="1">
+      <a:lvl7pPr marL="2971800" indent="-228600" algn="l" defTabSz="914400" rtl="0" eaLnBrk="1" latinLnBrk="0" hangingPunct="1">
+        <a:lnSpc>
+          <a:spcPct val="90000"/>
+        </a:lnSpc>
         <a:spcBef>
-          <a:spcPct val="20000"/>
+          <a:spcPts val="500"/>
         </a:spcBef>
-        <a:spcAft>
-          <a:spcPts val="600"/>
-        </a:spcAft>
-        <a:buClr>
-          <a:schemeClr val="tx1"/>
-        </a:buClr>
-        <a:buSzPct val="80000"/>
-        <a:buFont typeface="Wingdings 3" panose="05040102010807070707" pitchFamily="18" charset="2"/>
-        <a:buChar char=""/>
-        <a:defRPr sz="1400" kern="1200" cap="none">
+        <a:buFont typeface="Arial" panose="020B0604020202020204" pitchFamily="34" charset="0"/>
+        <a:buChar char="•"/>
+        <a:defRPr sz="1800" kern="1200">
           <a:solidFill>
-            <a:schemeClr val="bg2">
-              <a:lumMod val="75000"/>
-            </a:schemeClr>
+            <a:schemeClr val="tx1"/>
           </a:solidFill>
-          <a:effectLst/>
           <a:latin typeface="+mn-lt"/>
           <a:ea typeface="+mn-ea"/>
           <a:cs typeface="+mn-cs"/>
         </a:defRPr>
       </a:lvl7pPr>
-      <a:lvl8pPr marL="3429000" indent="-228600" algn="l" defTabSz="457200" rtl="0" eaLnBrk="1" latinLnBrk="0" hangingPunct="1">
+      <a:lvl8pPr marL="3429000" indent="-228600" algn="l" defTabSz="914400" rtl="0" eaLnBrk="1" latinLnBrk="0" hangingPunct="1">
+        <a:lnSpc>
+          <a:spcPct val="90000"/>
+        </a:lnSpc>
         <a:spcBef>
-          <a:spcPct val="20000"/>
+          <a:spcPts val="500"/>
         </a:spcBef>
-        <a:spcAft>
-          <a:spcPts val="600"/>
-        </a:spcAft>
-        <a:buClr>
-          <a:schemeClr val="tx1"/>
-        </a:buClr>
-        <a:buSzPct val="80000"/>
-        <a:buFont typeface="Wingdings 3" panose="05040102010807070707" pitchFamily="18" charset="2"/>
-        <a:buChar char=""/>
-        <a:defRPr sz="1400" kern="1200" cap="none">
+        <a:buFont typeface="Arial" panose="020B0604020202020204" pitchFamily="34" charset="0"/>
+        <a:buChar char="•"/>
+        <a:defRPr sz="1800" kern="1200">
           <a:solidFill>
-            <a:schemeClr val="bg2">
-              <a:lumMod val="75000"/>
-            </a:schemeClr>
+            <a:schemeClr val="tx1"/>
           </a:solidFill>
-          <a:effectLst/>
           <a:latin typeface="+mn-lt"/>
           <a:ea typeface="+mn-ea"/>
           <a:cs typeface="+mn-cs"/>
         </a:defRPr>
       </a:lvl8pPr>
-      <a:lvl9pPr marL="3886200" indent="-228600" algn="l" defTabSz="457200" rtl="0" eaLnBrk="1" latinLnBrk="0" hangingPunct="1">
+      <a:lvl9pPr marL="3886200" indent="-228600" algn="l" defTabSz="914400" rtl="0" eaLnBrk="1" latinLnBrk="0" hangingPunct="1">
+        <a:lnSpc>
+          <a:spcPct val="90000"/>
+        </a:lnSpc>
         <a:spcBef>
-          <a:spcPct val="20000"/>
+          <a:spcPts val="500"/>
         </a:spcBef>
-        <a:spcAft>
-          <a:spcPts val="600"/>
-        </a:spcAft>
-        <a:buClr>
-          <a:schemeClr val="tx1"/>
-        </a:buClr>
-        <a:buSzPct val="80000"/>
-        <a:buFont typeface="Wingdings 3" panose="05040102010807070707" pitchFamily="18" charset="2"/>
-        <a:buChar char=""/>
-        <a:defRPr sz="1400" kern="1200" cap="none">
+        <a:buFont typeface="Arial" panose="020B0604020202020204" pitchFamily="34" charset="0"/>
+        <a:buChar char="•"/>
+        <a:defRPr sz="1800" kern="1200">
           <a:solidFill>
-            <a:schemeClr val="bg2">
-              <a:lumMod val="75000"/>
-            </a:schemeClr>
+            <a:schemeClr val="tx1"/>
           </a:solidFill>
-          <a:effectLst/>
           <a:latin typeface="+mn-lt"/>
           <a:ea typeface="+mn-ea"/>
           <a:cs typeface="+mn-cs"/>
@@ -9229,9 +7125,9 @@
     </p:bodyStyle>
     <p:otherStyle>
       <a:defPPr>
-        <a:defRPr lang="en-US"/>
+        <a:defRPr lang="zh-CN"/>
       </a:defPPr>
-      <a:lvl1pPr marL="0" algn="l" defTabSz="457200" rtl="0" eaLnBrk="1" latinLnBrk="0" hangingPunct="1">
+      <a:lvl1pPr marL="0" algn="l" defTabSz="914400" rtl="0" eaLnBrk="1" latinLnBrk="0" hangingPunct="1">
         <a:defRPr sz="1800" kern="1200">
           <a:solidFill>
             <a:schemeClr val="tx1"/>
@@ -9241,7 +7137,7 @@
           <a:cs typeface="+mn-cs"/>
         </a:defRPr>
       </a:lvl1pPr>
-      <a:lvl2pPr marL="457200" algn="l" defTabSz="457200" rtl="0" eaLnBrk="1" latinLnBrk="0" hangingPunct="1">
+      <a:lvl2pPr marL="457200" algn="l" defTabSz="914400" rtl="0" eaLnBrk="1" latinLnBrk="0" hangingPunct="1">
         <a:defRPr sz="1800" kern="1200">
           <a:solidFill>
             <a:schemeClr val="tx1"/>
@@ -9251,7 +7147,7 @@
           <a:cs typeface="+mn-cs"/>
         </a:defRPr>
       </a:lvl2pPr>
-      <a:lvl3pPr marL="914400" algn="l" defTabSz="457200" rtl="0" eaLnBrk="1" latinLnBrk="0" hangingPunct="1">
+      <a:lvl3pPr marL="914400" algn="l" defTabSz="914400" rtl="0" eaLnBrk="1" latinLnBrk="0" hangingPunct="1">
         <a:defRPr sz="1800" kern="1200">
           <a:solidFill>
             <a:schemeClr val="tx1"/>
@@ -9261,7 +7157,7 @@
           <a:cs typeface="+mn-cs"/>
         </a:defRPr>
       </a:lvl3pPr>
-      <a:lvl4pPr marL="1371600" algn="l" defTabSz="457200" rtl="0" eaLnBrk="1" latinLnBrk="0" hangingPunct="1">
+      <a:lvl4pPr marL="1371600" algn="l" defTabSz="914400" rtl="0" eaLnBrk="1" latinLnBrk="0" hangingPunct="1">
         <a:defRPr sz="1800" kern="1200">
           <a:solidFill>
             <a:schemeClr val="tx1"/>
@@ -9271,7 +7167,7 @@
           <a:cs typeface="+mn-cs"/>
         </a:defRPr>
       </a:lvl4pPr>
-      <a:lvl5pPr marL="1828800" algn="l" defTabSz="457200" rtl="0" eaLnBrk="1" latinLnBrk="0" hangingPunct="1">
+      <a:lvl5pPr marL="1828800" algn="l" defTabSz="914400" rtl="0" eaLnBrk="1" latinLnBrk="0" hangingPunct="1">
         <a:defRPr sz="1800" kern="1200">
           <a:solidFill>
             <a:schemeClr val="tx1"/>
@@ -9281,7 +7177,7 @@
           <a:cs typeface="+mn-cs"/>
         </a:defRPr>
       </a:lvl5pPr>
-      <a:lvl6pPr marL="2286000" algn="l" defTabSz="457200" rtl="0" eaLnBrk="1" latinLnBrk="0" hangingPunct="1">
+      <a:lvl6pPr marL="2286000" algn="l" defTabSz="914400" rtl="0" eaLnBrk="1" latinLnBrk="0" hangingPunct="1">
         <a:defRPr sz="1800" kern="1200">
           <a:solidFill>
             <a:schemeClr val="tx1"/>
@@ -9291,7 +7187,7 @@
           <a:cs typeface="+mn-cs"/>
         </a:defRPr>
       </a:lvl6pPr>
-      <a:lvl7pPr marL="2743200" algn="l" defTabSz="457200" rtl="0" eaLnBrk="1" latinLnBrk="0" hangingPunct="1">
+      <a:lvl7pPr marL="2743200" algn="l" defTabSz="914400" rtl="0" eaLnBrk="1" latinLnBrk="0" hangingPunct="1">
         <a:defRPr sz="1800" kern="1200">
           <a:solidFill>
             <a:schemeClr val="tx1"/>
@@ -9301,7 +7197,7 @@
           <a:cs typeface="+mn-cs"/>
         </a:defRPr>
       </a:lvl7pPr>
-      <a:lvl8pPr marL="3200400" algn="l" defTabSz="457200" rtl="0" eaLnBrk="1" latinLnBrk="0" hangingPunct="1">
+      <a:lvl8pPr marL="3200400" algn="l" defTabSz="914400" rtl="0" eaLnBrk="1" latinLnBrk="0" hangingPunct="1">
         <a:defRPr sz="1800" kern="1200">
           <a:solidFill>
             <a:schemeClr val="tx1"/>
@@ -9311,7 +7207,7 @@
           <a:cs typeface="+mn-cs"/>
         </a:defRPr>
       </a:lvl8pPr>
-      <a:lvl9pPr marL="3657600" algn="l" defTabSz="457200" rtl="0" eaLnBrk="1" latinLnBrk="0" hangingPunct="1">
+      <a:lvl9pPr marL="3657600" algn="l" defTabSz="914400" rtl="0" eaLnBrk="1" latinLnBrk="0" hangingPunct="1">
         <a:defRPr sz="1800" kern="1200">
           <a:solidFill>
             <a:schemeClr val="tx1"/>
@@ -13164,6 +11060,82 @@
     <p:extLst>
       <p:ext uri="{BB962C8B-B14F-4D97-AF65-F5344CB8AC3E}">
         <p14:creationId xmlns:p14="http://schemas.microsoft.com/office/powerpoint/2010/main" val="1656314661"/>
+      </p:ext>
+    </p:extLst>
+  </p:cSld>
+  <p:clrMapOvr>
+    <a:masterClrMapping/>
+  </p:clrMapOvr>
+</p:sld>
+</file>
+
+<file path=ppt/slides/slide8.xml><?xml version="1.0" encoding="utf-8"?>
+<p:sld xmlns:a="http://schemas.openxmlformats.org/drawingml/2006/main" xmlns:r="http://schemas.openxmlformats.org/officeDocument/2006/relationships" xmlns:p="http://schemas.openxmlformats.org/presentationml/2006/main">
+  <p:cSld>
+    <p:spTree>
+      <p:nvGrpSpPr>
+        <p:cNvPr id="1" name=""/>
+        <p:cNvGrpSpPr/>
+        <p:nvPr/>
+      </p:nvGrpSpPr>
+      <p:grpSpPr>
+        <a:xfrm>
+          <a:off x="0" y="0"/>
+          <a:ext cx="0" cy="0"/>
+          <a:chOff x="0" y="0"/>
+          <a:chExt cx="0" cy="0"/>
+        </a:xfrm>
+      </p:grpSpPr>
+      <p:sp useBgFill="1">
+        <p:nvSpPr>
+          <p:cNvPr id="3" name="矩形 2">
+            <a:extLst>
+              <a:ext uri="{FF2B5EF4-FFF2-40B4-BE49-F238E27FC236}">
+                <a16:creationId xmlns:a16="http://schemas.microsoft.com/office/drawing/2014/main" id="{EC4C3CCB-111E-85EC-1DDE-9FB698B04BB5}"/>
+              </a:ext>
+            </a:extLst>
+          </p:cNvPr>
+          <p:cNvSpPr/>
+          <p:nvPr/>
+        </p:nvSpPr>
+        <p:spPr>
+          <a:xfrm>
+            <a:off x="2870578" y="1424804"/>
+            <a:ext cx="6241576" cy="4008391"/>
+          </a:xfrm>
+          <a:prstGeom prst="rect">
+            <a:avLst/>
+          </a:prstGeom>
+        </p:spPr>
+        <p:style>
+          <a:lnRef idx="2">
+            <a:schemeClr val="accent1">
+              <a:shade val="15000"/>
+            </a:schemeClr>
+          </a:lnRef>
+          <a:fillRef idx="1">
+            <a:schemeClr val="accent1"/>
+          </a:fillRef>
+          <a:effectRef idx="0">
+            <a:schemeClr val="accent1"/>
+          </a:effectRef>
+          <a:fontRef idx="minor">
+            <a:schemeClr val="lt1"/>
+          </a:fontRef>
+        </p:style>
+        <p:txBody>
+          <a:bodyPr rtlCol="0" anchor="ctr"/>
+          <a:lstStyle/>
+          <a:p>
+            <a:pPr algn="ctr"/>
+            <a:endParaRPr lang="zh-CN" altLang="en-US"/>
+          </a:p>
+        </p:txBody>
+      </p:sp>
+    </p:spTree>
+    <p:extLst>
+      <p:ext uri="{BB962C8B-B14F-4D97-AF65-F5344CB8AC3E}">
+        <p14:creationId xmlns:p14="http://schemas.microsoft.com/office/powerpoint/2010/main" val="4130195975"/>
       </p:ext>
     </p:extLst>
   </p:cSld>
@@ -13469,9 +11441,9 @@
 </file>
 
 <file path=ppt/theme/theme2.xml><?xml version="1.0" encoding="utf-8"?>
-<a:theme xmlns:a="http://schemas.openxmlformats.org/drawingml/2006/main" name="切片">
+<a:theme xmlns:a="http://schemas.openxmlformats.org/drawingml/2006/main" name="自定义设计方案">
   <a:themeElements>
-    <a:clrScheme name="切片">
+    <a:clrScheme name="Office">
       <a:dk1>
         <a:sysClr val="windowText" lastClr="000000"/>
       </a:dk1>
@@ -13479,48 +11451,100 @@
         <a:sysClr val="window" lastClr="FFFFFF"/>
       </a:lt1>
       <a:dk2>
-        <a:srgbClr val="146194"/>
+        <a:srgbClr val="44546A"/>
       </a:dk2>
       <a:lt2>
-        <a:srgbClr val="76DBF4"/>
+        <a:srgbClr val="E7E6E6"/>
       </a:lt2>
       <a:accent1>
-        <a:srgbClr val="052F61"/>
+        <a:srgbClr val="4472C4"/>
       </a:accent1>
       <a:accent2>
-        <a:srgbClr val="A50E82"/>
+        <a:srgbClr val="ED7D31"/>
       </a:accent2>
       <a:accent3>
-        <a:srgbClr val="14967C"/>
+        <a:srgbClr val="A5A5A5"/>
       </a:accent3>
       <a:accent4>
-        <a:srgbClr val="6A9E1F"/>
+        <a:srgbClr val="FFC000"/>
       </a:accent4>
       <a:accent5>
-        <a:srgbClr val="E87D37"/>
+        <a:srgbClr val="5B9BD5"/>
       </a:accent5>
       <a:accent6>
-        <a:srgbClr val="C62324"/>
+        <a:srgbClr val="70AD47"/>
       </a:accent6>
       <a:hlink>
-        <a:srgbClr val="0D2E46"/>
+        <a:srgbClr val="0563C1"/>
       </a:hlink>
       <a:folHlink>
-        <a:srgbClr val="356A95"/>
+        <a:srgbClr val="954F72"/>
       </a:folHlink>
     </a:clrScheme>
-    <a:fontScheme name="切片">
+    <a:fontScheme name="Office">
       <a:majorFont>
-        <a:latin typeface="Century Gothic" panose="020B0502020202020204"/>
+        <a:latin typeface="等线 Light" panose="020F0302020204030204"/>
         <a:ea typeface=""/>
         <a:cs typeface=""/>
-        <a:font script="Jpan" typeface="メイリオ"/>
-        <a:font script="Hang" typeface="HY중고딕"/>
-        <a:font script="Hans" typeface="幼圆"/>
-        <a:font script="Hant" typeface="微軟正黑體"/>
-        <a:font script="Arab" typeface="Tahoma"/>
-        <a:font script="Hebr" typeface="Gisha"/>
-        <a:font script="Thai" typeface="DilleniaUPC"/>
+        <a:font script="Jpan" typeface="游ゴシック Light"/>
+        <a:font script="Hang" typeface="맑은 고딕"/>
+        <a:font script="Hans" typeface="等线 Light"/>
+        <a:font script="Hant" typeface="新細明體"/>
+        <a:font script="Arab" typeface="Times New Roman"/>
+        <a:font script="Hebr" typeface="Times New Roman"/>
+        <a:font script="Thai" typeface="Angsana New"/>
+        <a:font script="Ethi" typeface="Nyala"/>
+        <a:font script="Beng" typeface="Vrinda"/>
+        <a:font script="Gujr" typeface="Shruti"/>
+        <a:font script="Khmr" typeface="MoolBoran"/>
+        <a:font script="Knda" typeface="Tunga"/>
+        <a:font script="Guru" typeface="Raavi"/>
+        <a:font script="Cans" typeface="Euphemia"/>
+        <a:font script="Cher" typeface="Plantagenet Cherokee"/>
+        <a:font script="Yiii" typeface="Microsoft Yi Baiti"/>
+        <a:font script="Tibt" typeface="Microsoft Himalaya"/>
+        <a:font script="Thaa" typeface="MV Boli"/>
+        <a:font script="Deva" typeface="Mangal"/>
+        <a:font script="Telu" typeface="Gautami"/>
+        <a:font script="Taml" typeface="Latha"/>
+        <a:font script="Syrc" typeface="Estrangelo Edessa"/>
+        <a:font script="Orya" typeface="Kalinga"/>
+        <a:font script="Mlym" typeface="Kartika"/>
+        <a:font script="Laoo" typeface="DokChampa"/>
+        <a:font script="Sinh" typeface="Iskoola Pota"/>
+        <a:font script="Mong" typeface="Mongolian Baiti"/>
+        <a:font script="Viet" typeface="Times New Roman"/>
+        <a:font script="Uigh" typeface="Microsoft Uighur"/>
+        <a:font script="Geor" typeface="Sylfaen"/>
+        <a:font script="Armn" typeface="Arial"/>
+        <a:font script="Bugi" typeface="Leelawadee UI"/>
+        <a:font script="Bopo" typeface="Microsoft JhengHei"/>
+        <a:font script="Java" typeface="Javanese Text"/>
+        <a:font script="Lisu" typeface="Segoe UI"/>
+        <a:font script="Mymr" typeface="Myanmar Text"/>
+        <a:font script="Nkoo" typeface="Ebrima"/>
+        <a:font script="Olck" typeface="Nirmala UI"/>
+        <a:font script="Osma" typeface="Ebrima"/>
+        <a:font script="Phag" typeface="Phagspa"/>
+        <a:font script="Syrn" typeface="Estrangelo Edessa"/>
+        <a:font script="Syrj" typeface="Estrangelo Edessa"/>
+        <a:font script="Syre" typeface="Estrangelo Edessa"/>
+        <a:font script="Sora" typeface="Nirmala UI"/>
+        <a:font script="Tale" typeface="Microsoft Tai Le"/>
+        <a:font script="Talu" typeface="Microsoft New Tai Lue"/>
+        <a:font script="Tfng" typeface="Ebrima"/>
+      </a:majorFont>
+      <a:minorFont>
+        <a:latin typeface="等线" panose="020F0502020204030204"/>
+        <a:ea typeface=""/>
+        <a:cs typeface=""/>
+        <a:font script="Jpan" typeface="游ゴシック"/>
+        <a:font script="Hang" typeface="맑은 고딕"/>
+        <a:font script="Hans" typeface="等线"/>
+        <a:font script="Hant" typeface="新細明體"/>
+        <a:font script="Arab" typeface="Arial"/>
+        <a:font script="Hebr" typeface="Arial"/>
+        <a:font script="Thai" typeface="Cordia New"/>
         <a:font script="Ethi" typeface="Nyala"/>
         <a:font script="Beng" typeface="Vrinda"/>
         <a:font script="Gujr" typeface="Shruti"/>
@@ -13541,47 +11565,29 @@
         <a:font script="Laoo" typeface="DokChampa"/>
         <a:font script="Sinh" typeface="Iskoola Pota"/>
         <a:font script="Mong" typeface="Mongolian Baiti"/>
-        <a:font script="Viet" typeface="Tahoma"/>
+        <a:font script="Viet" typeface="Arial"/>
         <a:font script="Uigh" typeface="Microsoft Uighur"/>
         <a:font script="Geor" typeface="Sylfaen"/>
-      </a:majorFont>
-      <a:minorFont>
-        <a:latin typeface="Century Gothic" panose="020B0502020202020204"/>
-        <a:ea typeface=""/>
-        <a:cs typeface=""/>
-        <a:font script="Jpan" typeface="メイリオ"/>
-        <a:font script="Hang" typeface="HY중고딕"/>
-        <a:font script="Hans" typeface="幼圆"/>
-        <a:font script="Hant" typeface="微軟正黑體"/>
-        <a:font script="Arab" typeface="Tahoma"/>
-        <a:font script="Hebr" typeface="Gisha"/>
-        <a:font script="Thai" typeface="DilleniaUPC"/>
-        <a:font script="Ethi" typeface="Nyala"/>
-        <a:font script="Beng" typeface="Vrinda"/>
-        <a:font script="Gujr" typeface="Shruti"/>
-        <a:font script="Khmr" typeface="DaunPenh"/>
-        <a:font script="Knda" typeface="Tunga"/>
-        <a:font script="Guru" typeface="Raavi"/>
-        <a:font script="Cans" typeface="Euphemia"/>
-        <a:font script="Cher" typeface="Plantagenet Cherokee"/>
-        <a:font script="Yiii" typeface="Microsoft Yi Baiti"/>
-        <a:font script="Tibt" typeface="Microsoft Himalaya"/>
-        <a:font script="Thaa" typeface="MV Boli"/>
-        <a:font script="Deva" typeface="Mangal"/>
-        <a:font script="Telu" typeface="Gautami"/>
-        <a:font script="Taml" typeface="Latha"/>
-        <a:font script="Syrc" typeface="Estrangelo Edessa"/>
-        <a:font script="Orya" typeface="Kalinga"/>
-        <a:font script="Mlym" typeface="Kartika"/>
-        <a:font script="Laoo" typeface="DokChampa"/>
-        <a:font script="Sinh" typeface="Iskoola Pota"/>
-        <a:font script="Mong" typeface="Mongolian Baiti"/>
-        <a:font script="Viet" typeface="Tahoma"/>
-        <a:font script="Uigh" typeface="Microsoft Uighur"/>
-        <a:font script="Geor" typeface="Sylfaen"/>
+        <a:font script="Armn" typeface="Arial"/>
+        <a:font script="Bugi" typeface="Leelawadee UI"/>
+        <a:font script="Bopo" typeface="Microsoft JhengHei"/>
+        <a:font script="Java" typeface="Javanese Text"/>
+        <a:font script="Lisu" typeface="Segoe UI"/>
+        <a:font script="Mymr" typeface="Myanmar Text"/>
+        <a:font script="Nkoo" typeface="Ebrima"/>
+        <a:font script="Olck" typeface="Nirmala UI"/>
+        <a:font script="Osma" typeface="Ebrima"/>
+        <a:font script="Phag" typeface="Phagspa"/>
+        <a:font script="Syrn" typeface="Estrangelo Edessa"/>
+        <a:font script="Syrj" typeface="Estrangelo Edessa"/>
+        <a:font script="Syre" typeface="Estrangelo Edessa"/>
+        <a:font script="Sora" typeface="Nirmala UI"/>
+        <a:font script="Tale" typeface="Microsoft Tai Le"/>
+        <a:font script="Talu" typeface="Microsoft New Tai Lue"/>
+        <a:font script="Tfng" typeface="Ebrima"/>
       </a:minorFont>
     </a:fontScheme>
-    <a:fmtScheme name="切片">
+    <a:fmtScheme name="Office">
       <a:fillStyleLst>
         <a:solidFill>
           <a:schemeClr val="phClr"/>
@@ -13590,16 +11596,23 @@
           <a:gsLst>
             <a:gs pos="0">
               <a:schemeClr val="phClr">
-                <a:tint val="62000"/>
-                <a:hueMod val="94000"/>
-                <a:satMod val="140000"/>
                 <a:lumMod val="110000"/>
+                <a:satMod val="105000"/>
+                <a:tint val="67000"/>
+              </a:schemeClr>
+            </a:gs>
+            <a:gs pos="50000">
+              <a:schemeClr val="phClr">
+                <a:lumMod val="105000"/>
+                <a:satMod val="103000"/>
+                <a:tint val="73000"/>
               </a:schemeClr>
             </a:gs>
             <a:gs pos="100000">
               <a:schemeClr val="phClr">
-                <a:tint val="84000"/>
-                <a:satMod val="160000"/>
+                <a:lumMod val="105000"/>
+                <a:satMod val="109000"/>
+                <a:tint val="81000"/>
               </a:schemeClr>
             </a:gs>
           </a:gsLst>
@@ -13609,16 +11622,23 @@
           <a:gsLst>
             <a:gs pos="0">
               <a:schemeClr val="phClr">
-                <a:tint val="98000"/>
-                <a:hueMod val="94000"/>
-                <a:satMod val="130000"/>
-                <a:lumMod val="128000"/>
+                <a:satMod val="103000"/>
+                <a:lumMod val="102000"/>
+                <a:tint val="94000"/>
+              </a:schemeClr>
+            </a:gs>
+            <a:gs pos="50000">
+              <a:schemeClr val="phClr">
+                <a:satMod val="110000"/>
+                <a:lumMod val="100000"/>
+                <a:shade val="100000"/>
               </a:schemeClr>
             </a:gs>
             <a:gs pos="100000">
               <a:schemeClr val="phClr">
-                <a:shade val="94000"/>
-                <a:lumMod val="88000"/>
+                <a:lumMod val="99000"/>
+                <a:satMod val="120000"/>
+                <a:shade val="78000"/>
               </a:schemeClr>
             </a:gs>
           </a:gsLst>
@@ -13626,29 +11646,26 @@
         </a:gradFill>
       </a:fillStyleLst>
       <a:lnStyleLst>
-        <a:ln w="9525" cap="rnd" cmpd="sng" algn="ctr">
-          <a:solidFill>
-            <a:schemeClr val="phClr">
-              <a:tint val="76000"/>
-              <a:alpha val="60000"/>
-              <a:hueMod val="94000"/>
-            </a:schemeClr>
-          </a:solidFill>
-          <a:prstDash val="solid"/>
-        </a:ln>
-        <a:ln w="15875" cap="rnd" cmpd="sng" algn="ctr">
-          <a:solidFill>
-            <a:schemeClr val="phClr">
-              <a:hueMod val="94000"/>
-            </a:schemeClr>
-          </a:solidFill>
-          <a:prstDash val="solid"/>
-        </a:ln>
-        <a:ln w="28575" cap="rnd" cmpd="sng" algn="ctr">
+        <a:ln w="6350" cap="flat" cmpd="sng" algn="ctr">
           <a:solidFill>
             <a:schemeClr val="phClr"/>
           </a:solidFill>
           <a:prstDash val="solid"/>
+          <a:miter lim="800000"/>
+        </a:ln>
+        <a:ln w="12700" cap="flat" cmpd="sng" algn="ctr">
+          <a:solidFill>
+            <a:schemeClr val="phClr"/>
+          </a:solidFill>
+          <a:prstDash val="solid"/>
+          <a:miter lim="800000"/>
+        </a:ln>
+        <a:ln w="19050" cap="flat" cmpd="sng" algn="ctr">
+          <a:solidFill>
+            <a:schemeClr val="phClr"/>
+          </a:solidFill>
+          <a:prstDash val="solid"/>
+          <a:miter lim="800000"/>
         </a:ln>
       </a:lnStyleLst>
       <a:effectStyleLst>
@@ -13656,78 +11673,54 @@
           <a:effectLst/>
         </a:effectStyle>
         <a:effectStyle>
-          <a:effectLst>
-            <a:innerShdw blurRad="25400" dist="12700" dir="13500000">
-              <a:srgbClr val="000000">
-                <a:alpha val="45000"/>
-              </a:srgbClr>
-            </a:innerShdw>
-          </a:effectLst>
+          <a:effectLst/>
         </a:effectStyle>
         <a:effectStyle>
           <a:effectLst>
-            <a:outerShdw blurRad="50800" dist="38100" dir="5400000" rotWithShape="0">
+            <a:outerShdw blurRad="57150" dist="19050" dir="5400000" algn="ctr" rotWithShape="0">
               <a:srgbClr val="000000">
-                <a:alpha val="46000"/>
+                <a:alpha val="63000"/>
               </a:srgbClr>
             </a:outerShdw>
           </a:effectLst>
-          <a:scene3d>
-            <a:camera prst="orthographicFront">
-              <a:rot lat="0" lon="0" rev="0"/>
-            </a:camera>
-            <a:lightRig rig="threePt" dir="t"/>
-          </a:scene3d>
-          <a:sp3d prstMaterial="plastic">
-            <a:bevelT w="25400" h="25400"/>
-          </a:sp3d>
         </a:effectStyle>
       </a:effectStyleLst>
       <a:bgFillStyleLst>
         <a:solidFill>
           <a:schemeClr val="phClr"/>
         </a:solidFill>
+        <a:solidFill>
+          <a:schemeClr val="phClr">
+            <a:tint val="95000"/>
+            <a:satMod val="170000"/>
+          </a:schemeClr>
+        </a:solidFill>
         <a:gradFill rotWithShape="1">
           <a:gsLst>
-            <a:gs pos="10000">
+            <a:gs pos="0">
               <a:schemeClr val="phClr">
-                <a:tint val="97000"/>
-                <a:hueMod val="92000"/>
-                <a:satMod val="169000"/>
-                <a:lumMod val="164000"/>
+                <a:tint val="93000"/>
+                <a:satMod val="150000"/>
+                <a:shade val="98000"/>
+                <a:lumMod val="102000"/>
+              </a:schemeClr>
+            </a:gs>
+            <a:gs pos="50000">
+              <a:schemeClr val="phClr">
+                <a:tint val="98000"/>
+                <a:satMod val="130000"/>
+                <a:shade val="90000"/>
+                <a:lumMod val="103000"/>
               </a:schemeClr>
             </a:gs>
             <a:gs pos="100000">
               <a:schemeClr val="phClr">
-                <a:shade val="96000"/>
+                <a:shade val="63000"/>
                 <a:satMod val="120000"/>
-                <a:lumMod val="90000"/>
               </a:schemeClr>
             </a:gs>
           </a:gsLst>
-          <a:lin ang="6120000" scaled="1"/>
-        </a:gradFill>
-        <a:gradFill rotWithShape="1">
-          <a:gsLst>
-            <a:gs pos="0">
-              <a:schemeClr val="phClr">
-                <a:tint val="97000"/>
-                <a:hueMod val="92000"/>
-                <a:satMod val="169000"/>
-                <a:lumMod val="164000"/>
-              </a:schemeClr>
-            </a:gs>
-            <a:gs pos="100000">
-              <a:schemeClr val="phClr">
-                <a:shade val="96000"/>
-                <a:satMod val="120000"/>
-                <a:lumMod val="90000"/>
-              </a:schemeClr>
-            </a:gs>
-          </a:gsLst>
-          <a:path path="circle">
-            <a:fillToRect b="100000"/>
-          </a:path>
+          <a:lin ang="5400000" scaled="0"/>
         </a:gradFill>
       </a:bgFillStyleLst>
     </a:fmtScheme>
@@ -13736,7 +11729,7 @@
   <a:extraClrSchemeLst/>
   <a:extLst>
     <a:ext uri="{05A4C25C-085E-4340-85A3-A5531E510DB2}">
-      <thm15:themeFamily xmlns:thm15="http://schemas.microsoft.com/office/thememl/2012/main" name="Slice" id="{0507925B-6AC9-4358-8E18-C330545D08F8}" vid="{13FEC7C6-62A9-40C4-99D2-581AACACAA2F}"/>
+      <thm15:themeFamily xmlns:thm15="http://schemas.microsoft.com/office/thememl/2012/main" name="Office Theme" id="{62F939B6-93AF-4DB8-9C6B-D6C7DFDC589F}" vid="{4A3C46E8-61CC-4603-A589-7422A47A8E4A}"/>
     </a:ext>
   </a:extLst>
 </a:theme>

--- a/assets/ppt/simple.pptx
+++ b/assets/ppt/simple.pptx
@@ -6,7 +6,7 @@
     <p:sldMasterId id="2147483720" r:id="rId2"/>
   </p:sldMasterIdLst>
   <p:notesMasterIdLst>
-    <p:notesMasterId r:id="rId11"/>
+    <p:notesMasterId r:id="rId12"/>
   </p:notesMasterIdLst>
   <p:sldIdLst>
     <p:sldId id="256" r:id="rId3"/>
@@ -17,6 +17,7 @@
     <p:sldId id="261" r:id="rId8"/>
     <p:sldId id="262" r:id="rId9"/>
     <p:sldId id="263" r:id="rId10"/>
+    <p:sldId id="264" r:id="rId11"/>
   </p:sldIdLst>
   <p:sldSz cx="12192000" cy="6858000"/>
   <p:notesSz cx="6858000" cy="9144000"/>
@@ -216,7 +217,7 @@
           <a:p>
             <a:fld id="{561015B1-ED29-F04F-B696-7C731FF4B4B4}" type="datetimeFigureOut">
               <a:rPr kumimoji="1" lang="zh-CN" altLang="en-US" smtClean="0"/>
-              <a:t>2024/4/2</a:t>
+              <a:t>2024/4/3</a:t>
             </a:fld>
             <a:endParaRPr kumimoji="1" lang="zh-CN" altLang="en-US"/>
           </a:p>
@@ -747,7 +748,7 @@
           <a:p>
             <a:fld id="{DEDA17D1-6590-4570-9DF1-29A4B3C6B8EE}" type="datetimeFigureOut">
               <a:rPr lang="zh-CN" altLang="en-US" smtClean="0"/>
-              <a:t>2024/4/2</a:t>
+              <a:t>2024/4/3</a:t>
             </a:fld>
             <a:endParaRPr lang="zh-CN" altLang="en-US"/>
           </a:p>
@@ -994,7 +995,7 @@
           <a:p>
             <a:fld id="{DEDA17D1-6590-4570-9DF1-29A4B3C6B8EE}" type="datetimeFigureOut">
               <a:rPr lang="zh-CN" altLang="en-US" smtClean="0"/>
-              <a:t>2024/4/2</a:t>
+              <a:t>2024/4/3</a:t>
             </a:fld>
             <a:endParaRPr lang="zh-CN" altLang="en-US"/>
           </a:p>
@@ -1202,7 +1203,7 @@
           <a:p>
             <a:fld id="{DEDA17D1-6590-4570-9DF1-29A4B3C6B8EE}" type="datetimeFigureOut">
               <a:rPr lang="zh-CN" altLang="en-US" smtClean="0"/>
-              <a:t>2024/4/2</a:t>
+              <a:t>2024/4/3</a:t>
             </a:fld>
             <a:endParaRPr lang="zh-CN" altLang="en-US"/>
           </a:p>
@@ -1343,7 +1344,7 @@
           <a:p>
             <a:fld id="{DEDA17D1-6590-4570-9DF1-29A4B3C6B8EE}" type="datetimeFigureOut">
               <a:rPr lang="zh-CN" altLang="en-US" smtClean="0"/>
-              <a:t>2024/4/2</a:t>
+              <a:t>2024/4/3</a:t>
             </a:fld>
             <a:endParaRPr lang="zh-CN" altLang="en-US"/>
           </a:p>
@@ -1563,7 +1564,7 @@
           <a:p>
             <a:fld id="{B14948DB-0BE7-40D0-80F6-9094451DF04C}" type="datetimeFigureOut">
               <a:rPr lang="zh-CN" altLang="en-US" smtClean="0"/>
-              <a:t>2024/4/2</a:t>
+              <a:t>2024/4/3</a:t>
             </a:fld>
             <a:endParaRPr lang="zh-CN" altLang="en-US"/>
           </a:p>
@@ -1761,7 +1762,7 @@
           <a:p>
             <a:fld id="{B14948DB-0BE7-40D0-80F6-9094451DF04C}" type="datetimeFigureOut">
               <a:rPr lang="zh-CN" altLang="en-US" smtClean="0"/>
-              <a:t>2024/4/2</a:t>
+              <a:t>2024/4/3</a:t>
             </a:fld>
             <a:endParaRPr lang="zh-CN" altLang="en-US"/>
           </a:p>
@@ -2036,7 +2037,7 @@
           <a:p>
             <a:fld id="{B14948DB-0BE7-40D0-80F6-9094451DF04C}" type="datetimeFigureOut">
               <a:rPr lang="zh-CN" altLang="en-US" smtClean="0"/>
-              <a:t>2024/4/2</a:t>
+              <a:t>2024/4/3</a:t>
             </a:fld>
             <a:endParaRPr lang="zh-CN" altLang="en-US"/>
           </a:p>
@@ -2301,7 +2302,7 @@
           <a:p>
             <a:fld id="{B14948DB-0BE7-40D0-80F6-9094451DF04C}" type="datetimeFigureOut">
               <a:rPr lang="zh-CN" altLang="en-US" smtClean="0"/>
-              <a:t>2024/4/2</a:t>
+              <a:t>2024/4/3</a:t>
             </a:fld>
             <a:endParaRPr lang="zh-CN" altLang="en-US"/>
           </a:p>
@@ -2713,7 +2714,7 @@
           <a:p>
             <a:fld id="{B14948DB-0BE7-40D0-80F6-9094451DF04C}" type="datetimeFigureOut">
               <a:rPr lang="zh-CN" altLang="en-US" smtClean="0"/>
-              <a:t>2024/4/2</a:t>
+              <a:t>2024/4/3</a:t>
             </a:fld>
             <a:endParaRPr lang="zh-CN" altLang="en-US"/>
           </a:p>
@@ -2854,7 +2855,7 @@
           <a:p>
             <a:fld id="{B14948DB-0BE7-40D0-80F6-9094451DF04C}" type="datetimeFigureOut">
               <a:rPr lang="zh-CN" altLang="en-US" smtClean="0"/>
-              <a:t>2024/4/2</a:t>
+              <a:t>2024/4/3</a:t>
             </a:fld>
             <a:endParaRPr lang="zh-CN" altLang="en-US"/>
           </a:p>
@@ -2967,7 +2968,7 @@
           <a:p>
             <a:fld id="{B14948DB-0BE7-40D0-80F6-9094451DF04C}" type="datetimeFigureOut">
               <a:rPr lang="zh-CN" altLang="en-US" smtClean="0"/>
-              <a:t>2024/4/2</a:t>
+              <a:t>2024/4/3</a:t>
             </a:fld>
             <a:endParaRPr lang="zh-CN" altLang="en-US"/>
           </a:p>
@@ -3165,7 +3166,7 @@
           <a:p>
             <a:fld id="{DEDA17D1-6590-4570-9DF1-29A4B3C6B8EE}" type="datetimeFigureOut">
               <a:rPr lang="zh-CN" altLang="en-US" smtClean="0"/>
-              <a:t>2024/4/2</a:t>
+              <a:t>2024/4/3</a:t>
             </a:fld>
             <a:endParaRPr lang="zh-CN" altLang="en-US"/>
           </a:p>
@@ -3476,7 +3477,7 @@
           <a:p>
             <a:fld id="{B14948DB-0BE7-40D0-80F6-9094451DF04C}" type="datetimeFigureOut">
               <a:rPr lang="zh-CN" altLang="en-US" smtClean="0"/>
-              <a:t>2024/4/2</a:t>
+              <a:t>2024/4/3</a:t>
             </a:fld>
             <a:endParaRPr lang="zh-CN" altLang="en-US"/>
           </a:p>
@@ -3764,7 +3765,7 @@
           <a:p>
             <a:fld id="{B14948DB-0BE7-40D0-80F6-9094451DF04C}" type="datetimeFigureOut">
               <a:rPr lang="zh-CN" altLang="en-US" smtClean="0"/>
-              <a:t>2024/4/2</a:t>
+              <a:t>2024/4/3</a:t>
             </a:fld>
             <a:endParaRPr lang="zh-CN" altLang="en-US"/>
           </a:p>
@@ -3962,7 +3963,7 @@
           <a:p>
             <a:fld id="{B14948DB-0BE7-40D0-80F6-9094451DF04C}" type="datetimeFigureOut">
               <a:rPr lang="zh-CN" altLang="en-US" smtClean="0"/>
-              <a:t>2024/4/2</a:t>
+              <a:t>2024/4/3</a:t>
             </a:fld>
             <a:endParaRPr lang="zh-CN" altLang="en-US"/>
           </a:p>
@@ -4170,7 +4171,7 @@
           <a:p>
             <a:fld id="{B14948DB-0BE7-40D0-80F6-9094451DF04C}" type="datetimeFigureOut">
               <a:rPr lang="zh-CN" altLang="en-US" smtClean="0"/>
-              <a:t>2024/4/2</a:t>
+              <a:t>2024/4/3</a:t>
             </a:fld>
             <a:endParaRPr lang="zh-CN" altLang="en-US"/>
           </a:p>
@@ -4445,7 +4446,7 @@
           <a:p>
             <a:fld id="{DEDA17D1-6590-4570-9DF1-29A4B3C6B8EE}" type="datetimeFigureOut">
               <a:rPr lang="zh-CN" altLang="en-US" smtClean="0"/>
-              <a:t>2024/4/2</a:t>
+              <a:t>2024/4/3</a:t>
             </a:fld>
             <a:endParaRPr lang="zh-CN" altLang="en-US"/>
           </a:p>
@@ -4710,7 +4711,7 @@
           <a:p>
             <a:fld id="{DEDA17D1-6590-4570-9DF1-29A4B3C6B8EE}" type="datetimeFigureOut">
               <a:rPr lang="zh-CN" altLang="en-US" smtClean="0"/>
-              <a:t>2024/4/2</a:t>
+              <a:t>2024/4/3</a:t>
             </a:fld>
             <a:endParaRPr lang="zh-CN" altLang="en-US"/>
           </a:p>
@@ -5131,7 +5132,7 @@
           <a:p>
             <a:fld id="{DEDA17D1-6590-4570-9DF1-29A4B3C6B8EE}" type="datetimeFigureOut">
               <a:rPr lang="zh-CN" altLang="en-US" smtClean="0"/>
-              <a:t>2024/4/2</a:t>
+              <a:t>2024/4/3</a:t>
             </a:fld>
             <a:endParaRPr lang="zh-CN" altLang="en-US"/>
           </a:p>
@@ -5272,7 +5273,7 @@
           <a:p>
             <a:fld id="{DEDA17D1-6590-4570-9DF1-29A4B3C6B8EE}" type="datetimeFigureOut">
               <a:rPr lang="zh-CN" altLang="en-US" smtClean="0"/>
-              <a:t>2024/4/2</a:t>
+              <a:t>2024/4/3</a:t>
             </a:fld>
             <a:endParaRPr lang="zh-CN" altLang="en-US"/>
           </a:p>
@@ -5385,7 +5386,7 @@
           <a:p>
             <a:fld id="{DEDA17D1-6590-4570-9DF1-29A4B3C6B8EE}" type="datetimeFigureOut">
               <a:rPr lang="zh-CN" altLang="en-US" smtClean="0"/>
-              <a:t>2024/4/2</a:t>
+              <a:t>2024/4/3</a:t>
             </a:fld>
             <a:endParaRPr lang="zh-CN" altLang="en-US"/>
           </a:p>
@@ -5696,7 +5697,7 @@
           <a:p>
             <a:fld id="{DEDA17D1-6590-4570-9DF1-29A4B3C6B8EE}" type="datetimeFigureOut">
               <a:rPr lang="zh-CN" altLang="en-US" smtClean="0"/>
-              <a:t>2024/4/2</a:t>
+              <a:t>2024/4/3</a:t>
             </a:fld>
             <a:endParaRPr lang="zh-CN" altLang="en-US"/>
           </a:p>
@@ -5984,7 +5985,7 @@
           <a:p>
             <a:fld id="{DEDA17D1-6590-4570-9DF1-29A4B3C6B8EE}" type="datetimeFigureOut">
               <a:rPr lang="zh-CN" altLang="en-US" smtClean="0"/>
-              <a:t>2024/4/2</a:t>
+              <a:t>2024/4/3</a:t>
             </a:fld>
             <a:endParaRPr lang="zh-CN" altLang="en-US"/>
           </a:p>
@@ -6253,7 +6254,7 @@
           <a:p>
             <a:fld id="{DEDA17D1-6590-4570-9DF1-29A4B3C6B8EE}" type="datetimeFigureOut">
               <a:rPr lang="zh-CN" altLang="en-US" smtClean="0"/>
-              <a:t>2024/4/2</a:t>
+              <a:t>2024/4/3</a:t>
             </a:fld>
             <a:endParaRPr lang="zh-CN" altLang="en-US"/>
           </a:p>
@@ -6822,7 +6823,7 @@
           <a:p>
             <a:fld id="{B14948DB-0BE7-40D0-80F6-9094451DF04C}" type="datetimeFigureOut">
               <a:rPr lang="zh-CN" altLang="en-US" smtClean="0"/>
-              <a:t>2024/4/2</a:t>
+              <a:t>2024/4/3</a:t>
             </a:fld>
             <a:endParaRPr lang="zh-CN" altLang="en-US"/>
           </a:p>
@@ -7398,6 +7399,19 @@
           <a:solidFill>
             <a:schemeClr val="accent1"/>
           </a:solidFill>
+          <a:effectLst>
+            <a:glow>
+              <a:schemeClr val="tx1">
+                <a:lumMod val="95000"/>
+                <a:alpha val="40000"/>
+              </a:schemeClr>
+            </a:glow>
+            <a:outerShdw blurRad="584200" dist="38100" dir="2700000" algn="tl" rotWithShape="0">
+              <a:prstClr val="black">
+                <a:alpha val="40000"/>
+              </a:prstClr>
+            </a:outerShdw>
+          </a:effectLst>
         </p:spPr>
       </p:pic>
       <p:sp>
@@ -10283,7 +10297,19 @@
           </p:nvPr>
         </p:nvPicPr>
         <p:blipFill>
-          <a:blip r:embed="rId8"/>
+          <a:blip r:embed="rId8">
+            <a:extLst>
+              <a:ext uri="{BEBA8EAE-BF5A-486C-A8C5-ECC9F3942E4B}">
+                <a14:imgProps xmlns:a14="http://schemas.microsoft.com/office/drawing/2010/main">
+                  <a14:imgLayer r:embed="rId9">
+                    <a14:imgEffect>
+                      <a14:sharpenSoften amount="-6000"/>
+                    </a14:imgEffect>
+                  </a14:imgLayer>
+                </a14:imgProps>
+              </a:ext>
+            </a:extLst>
+          </a:blip>
           <a:stretch>
             <a:fillRect/>
           </a:stretch>
@@ -10327,12 +10353,12 @@
           <a:graphicData uri="http://schemas.openxmlformats.org/presentationml/2006/ole">
             <mc:AlternateContent xmlns:mc="http://schemas.openxmlformats.org/markup-compatibility/2006">
               <mc:Choice xmlns:v="urn:schemas-microsoft-com:vml" Requires="v">
-                <p:oleObj name="Presentation" r:id="rId9" imgW="6096052" imgH="3429125" progId="PowerPoint.Show.12">
+                <p:oleObj name="Presentation" r:id="rId10" imgW="6096052" imgH="3429125" progId="PowerPoint.Show.12">
                   <p:embed/>
                 </p:oleObj>
               </mc:Choice>
               <mc:Fallback>
-                <p:oleObj name="Presentation" r:id="rId9" imgW="6096052" imgH="3429125" progId="PowerPoint.Show.12">
+                <p:oleObj name="Presentation" r:id="rId10" imgW="6096052" imgH="3429125" progId="PowerPoint.Show.12">
                   <p:embed/>
                   <p:pic>
                     <p:nvPicPr>
@@ -10341,7 +10367,7 @@
                       <p:nvPr/>
                     </p:nvPicPr>
                     <p:blipFill>
-                      <a:blip r:embed="rId10"/>
+                      <a:blip r:embed="rId11"/>
                       <a:stretch>
                         <a:fillRect/>
                       </a:stretch>
@@ -10390,12 +10416,12 @@
           <a:graphicData uri="http://schemas.openxmlformats.org/presentationml/2006/ole">
             <mc:AlternateContent xmlns:mc="http://schemas.openxmlformats.org/markup-compatibility/2006">
               <mc:Choice xmlns:v="urn:schemas-microsoft-com:vml" Requires="v">
-                <p:oleObj name="Document" r:id="rId11" imgW="5285434" imgH="198076" progId="Word.Document.12">
+                <p:oleObj name="Document" r:id="rId12" imgW="5285434" imgH="198076" progId="Word.Document.12">
                   <p:embed/>
                 </p:oleObj>
               </mc:Choice>
               <mc:Fallback>
-                <p:oleObj name="Document" r:id="rId11" imgW="5285434" imgH="198076" progId="Word.Document.12">
+                <p:oleObj name="Document" r:id="rId12" imgW="5285434" imgH="198076" progId="Word.Document.12">
                   <p:embed/>
                   <p:pic>
                     <p:nvPicPr>
@@ -10404,7 +10430,7 @@
                       <p:nvPr/>
                     </p:nvPicPr>
                     <p:blipFill>
-                      <a:blip r:embed="rId12"/>
+                      <a:blip r:embed="rId13"/>
                       <a:stretch>
                         <a:fillRect/>
                       </a:stretch>
@@ -10453,12 +10479,12 @@
           <a:graphicData uri="http://schemas.openxmlformats.org/presentationml/2006/ole">
             <mc:AlternateContent xmlns:mc="http://schemas.openxmlformats.org/markup-compatibility/2006">
               <mc:Choice xmlns:v="urn:schemas-microsoft-com:vml" Requires="v">
-                <p:oleObj name="Worksheet" r:id="rId13" imgW="1226803" imgH="533441" progId="Excel.Sheet.12">
+                <p:oleObj name="Worksheet" r:id="rId14" imgW="1226803" imgH="533441" progId="Excel.Sheet.12">
                   <p:embed/>
                 </p:oleObj>
               </mc:Choice>
               <mc:Fallback>
-                <p:oleObj name="Worksheet" r:id="rId13" imgW="1226803" imgH="533441" progId="Excel.Sheet.12">
+                <p:oleObj name="Worksheet" r:id="rId14" imgW="1226803" imgH="533441" progId="Excel.Sheet.12">
                   <p:embed/>
                   <p:pic>
                     <p:nvPicPr>
@@ -10467,7 +10493,7 @@
                       <p:nvPr/>
                     </p:nvPicPr>
                     <p:blipFill>
-                      <a:blip r:embed="rId14"/>
+                      <a:blip r:embed="rId15"/>
                       <a:stretch>
                         <a:fillRect/>
                       </a:stretch>
@@ -10516,12 +10542,12 @@
           <a:graphicData uri="http://schemas.openxmlformats.org/presentationml/2006/ole">
             <mc:AlternateContent xmlns:mc="http://schemas.openxmlformats.org/markup-compatibility/2006">
               <mc:Choice xmlns:v="urn:schemas-microsoft-com:vml" Requires="v">
-                <p:oleObj name="包装程序外壳对象" showAsIcon="1" r:id="rId15" imgW="548501" imgH="518242" progId="Package">
+                <p:oleObj name="包装程序外壳对象" showAsIcon="1" r:id="rId16" imgW="548501" imgH="518242" progId="Package">
                   <p:embed/>
                 </p:oleObj>
               </mc:Choice>
               <mc:Fallback>
-                <p:oleObj name="包装程序外壳对象" showAsIcon="1" r:id="rId15" imgW="548501" imgH="518242" progId="Package">
+                <p:oleObj name="包装程序外壳对象" showAsIcon="1" r:id="rId16" imgW="548501" imgH="518242" progId="Package">
                   <p:embed/>
                   <p:pic>
                     <p:nvPicPr>
@@ -10530,7 +10556,7 @@
                       <p:nvPr/>
                     </p:nvPicPr>
                     <p:blipFill>
-                      <a:blip r:embed="rId16"/>
+                      <a:blip r:embed="rId17"/>
                       <a:stretch>
                         <a:fillRect/>
                       </a:stretch>
@@ -11086,12 +11112,12 @@
           <a:chExt cx="0" cy="0"/>
         </a:xfrm>
       </p:grpSpPr>
-      <p:sp useBgFill="1">
-        <p:nvSpPr>
-          <p:cNvPr id="3" name="矩形 2">
-            <a:extLst>
-              <a:ext uri="{FF2B5EF4-FFF2-40B4-BE49-F238E27FC236}">
-                <a16:creationId xmlns:a16="http://schemas.microsoft.com/office/drawing/2014/main" id="{EC4C3CCB-111E-85EC-1DDE-9FB698B04BB5}"/>
+      <p:sp>
+        <p:nvSpPr>
+          <p:cNvPr id="2" name="矩形 1">
+            <a:extLst>
+              <a:ext uri="{FF2B5EF4-FFF2-40B4-BE49-F238E27FC236}">
+                <a16:creationId xmlns:a16="http://schemas.microsoft.com/office/drawing/2014/main" id="{AC8B4882-9EE9-E614-F1A7-7E18B01051DC}"/>
               </a:ext>
             </a:extLst>
           </p:cNvPr>
@@ -11100,8 +11126,8 @@
         </p:nvSpPr>
         <p:spPr>
           <a:xfrm>
-            <a:off x="2870578" y="1424804"/>
-            <a:ext cx="6241576" cy="4008391"/>
+            <a:off x="361741" y="502418"/>
+            <a:ext cx="884255" cy="1457011"/>
           </a:xfrm>
           <a:prstGeom prst="rect">
             <a:avLst/>
@@ -11128,6 +11154,833 @@
           <a:lstStyle/>
           <a:p>
             <a:pPr algn="ctr"/>
+            <a:r>
+              <a:rPr lang="zh-CN" altLang="en-US" dirty="0"/>
+              <a:t>矩形</a:t>
+            </a:r>
+          </a:p>
+        </p:txBody>
+      </p:sp>
+      <p:sp>
+        <p:nvSpPr>
+          <p:cNvPr id="4" name="矩形: 圆角 3">
+            <a:extLst>
+              <a:ext uri="{FF2B5EF4-FFF2-40B4-BE49-F238E27FC236}">
+                <a16:creationId xmlns:a16="http://schemas.microsoft.com/office/drawing/2014/main" id="{574D2645-9C0A-3BB0-A073-A1062D6541C3}"/>
+              </a:ext>
+            </a:extLst>
+          </p:cNvPr>
+          <p:cNvSpPr/>
+          <p:nvPr/>
+        </p:nvSpPr>
+        <p:spPr>
+          <a:xfrm>
+            <a:off x="1557494" y="502418"/>
+            <a:ext cx="1055077" cy="1457011"/>
+          </a:xfrm>
+          <a:prstGeom prst="roundRect">
+            <a:avLst>
+              <a:gd name="adj" fmla="val 42381"/>
+            </a:avLst>
+          </a:prstGeom>
+        </p:spPr>
+        <p:style>
+          <a:lnRef idx="2">
+            <a:schemeClr val="accent1">
+              <a:shade val="15000"/>
+            </a:schemeClr>
+          </a:lnRef>
+          <a:fillRef idx="1">
+            <a:schemeClr val="accent1"/>
+          </a:fillRef>
+          <a:effectRef idx="0">
+            <a:schemeClr val="accent1"/>
+          </a:effectRef>
+          <a:fontRef idx="minor">
+            <a:schemeClr val="lt1"/>
+          </a:fontRef>
+        </p:style>
+        <p:txBody>
+          <a:bodyPr rtlCol="0" anchor="ctr"/>
+          <a:lstStyle/>
+          <a:p>
+            <a:pPr algn="ctr"/>
+            <a:r>
+              <a:rPr lang="zh-CN" altLang="en-US" dirty="0"/>
+              <a:t>矩形：圆角</a:t>
+            </a:r>
+          </a:p>
+        </p:txBody>
+      </p:sp>
+      <p:sp>
+        <p:nvSpPr>
+          <p:cNvPr id="5" name="矩形: 剪去单角 4">
+            <a:extLst>
+              <a:ext uri="{FF2B5EF4-FFF2-40B4-BE49-F238E27FC236}">
+                <a16:creationId xmlns:a16="http://schemas.microsoft.com/office/drawing/2014/main" id="{C9141C87-7335-E6C9-AB23-F6518B406FD6}"/>
+              </a:ext>
+            </a:extLst>
+          </p:cNvPr>
+          <p:cNvSpPr/>
+          <p:nvPr/>
+        </p:nvSpPr>
+        <p:spPr>
+          <a:xfrm>
+            <a:off x="2873828" y="502418"/>
+            <a:ext cx="1205802" cy="1457011"/>
+          </a:xfrm>
+          <a:prstGeom prst="snip1Rect">
+            <a:avLst/>
+          </a:prstGeom>
+        </p:spPr>
+        <p:style>
+          <a:lnRef idx="2">
+            <a:schemeClr val="accent1">
+              <a:shade val="15000"/>
+            </a:schemeClr>
+          </a:lnRef>
+          <a:fillRef idx="1">
+            <a:schemeClr val="accent1"/>
+          </a:fillRef>
+          <a:effectRef idx="0">
+            <a:schemeClr val="accent1"/>
+          </a:effectRef>
+          <a:fontRef idx="minor">
+            <a:schemeClr val="lt1"/>
+          </a:fontRef>
+        </p:style>
+        <p:txBody>
+          <a:bodyPr rtlCol="0" anchor="ctr"/>
+          <a:lstStyle/>
+          <a:p>
+            <a:pPr algn="ctr"/>
+            <a:r>
+              <a:rPr lang="zh-CN" altLang="en-US" dirty="0"/>
+              <a:t>矩形：减去单角</a:t>
+            </a:r>
+          </a:p>
+        </p:txBody>
+      </p:sp>
+      <p:sp>
+        <p:nvSpPr>
+          <p:cNvPr id="6" name="矩形: 剪去左右顶角 5">
+            <a:extLst>
+              <a:ext uri="{FF2B5EF4-FFF2-40B4-BE49-F238E27FC236}">
+                <a16:creationId xmlns:a16="http://schemas.microsoft.com/office/drawing/2014/main" id="{61A3599B-D5D8-2F92-3378-74D27EC85D73}"/>
+              </a:ext>
+            </a:extLst>
+          </p:cNvPr>
+          <p:cNvSpPr/>
+          <p:nvPr/>
+        </p:nvSpPr>
+        <p:spPr>
+          <a:xfrm>
+            <a:off x="4300694" y="502418"/>
+            <a:ext cx="1205802" cy="1457011"/>
+          </a:xfrm>
+          <a:prstGeom prst="snip2SameRect">
+            <a:avLst>
+              <a:gd name="adj1" fmla="val 37500"/>
+              <a:gd name="adj2" fmla="val 24167"/>
+            </a:avLst>
+          </a:prstGeom>
+        </p:spPr>
+        <p:style>
+          <a:lnRef idx="2">
+            <a:schemeClr val="accent1">
+              <a:shade val="15000"/>
+            </a:schemeClr>
+          </a:lnRef>
+          <a:fillRef idx="1">
+            <a:schemeClr val="accent1"/>
+          </a:fillRef>
+          <a:effectRef idx="0">
+            <a:schemeClr val="accent1"/>
+          </a:effectRef>
+          <a:fontRef idx="minor">
+            <a:schemeClr val="lt1"/>
+          </a:fontRef>
+        </p:style>
+        <p:txBody>
+          <a:bodyPr rtlCol="0" anchor="ctr"/>
+          <a:lstStyle/>
+          <a:p>
+            <a:pPr algn="ctr"/>
+            <a:r>
+              <a:rPr lang="zh-CN" altLang="en-US" dirty="0"/>
+              <a:t>矩形：减去左右单角</a:t>
+            </a:r>
+          </a:p>
+        </p:txBody>
+      </p:sp>
+      <p:sp>
+        <p:nvSpPr>
+          <p:cNvPr id="7" name="矩形: 剪去对角 6">
+            <a:extLst>
+              <a:ext uri="{FF2B5EF4-FFF2-40B4-BE49-F238E27FC236}">
+                <a16:creationId xmlns:a16="http://schemas.microsoft.com/office/drawing/2014/main" id="{67A951DA-C34D-74DF-83A4-FD5A5575CCFA}"/>
+              </a:ext>
+            </a:extLst>
+          </p:cNvPr>
+          <p:cNvSpPr/>
+          <p:nvPr/>
+        </p:nvSpPr>
+        <p:spPr>
+          <a:xfrm>
+            <a:off x="5807947" y="502418"/>
+            <a:ext cx="1095270" cy="1457011"/>
+          </a:xfrm>
+          <a:prstGeom prst="snip2DiagRect">
+            <a:avLst/>
+          </a:prstGeom>
+        </p:spPr>
+        <p:style>
+          <a:lnRef idx="2">
+            <a:schemeClr val="accent1">
+              <a:shade val="15000"/>
+            </a:schemeClr>
+          </a:lnRef>
+          <a:fillRef idx="1">
+            <a:schemeClr val="accent1"/>
+          </a:fillRef>
+          <a:effectRef idx="0">
+            <a:schemeClr val="accent1"/>
+          </a:effectRef>
+          <a:fontRef idx="minor">
+            <a:schemeClr val="lt1"/>
+          </a:fontRef>
+        </p:style>
+        <p:txBody>
+          <a:bodyPr rtlCol="0" anchor="ctr"/>
+          <a:lstStyle/>
+          <a:p>
+            <a:pPr algn="ctr"/>
+            <a:r>
+              <a:rPr lang="zh-CN" altLang="en-US" dirty="0"/>
+              <a:t>矩形：减去对角</a:t>
+            </a:r>
+          </a:p>
+        </p:txBody>
+      </p:sp>
+      <p:sp>
+        <p:nvSpPr>
+          <p:cNvPr id="8" name="矩形: 一个圆顶角，剪去另一个顶角 7">
+            <a:extLst>
+              <a:ext uri="{FF2B5EF4-FFF2-40B4-BE49-F238E27FC236}">
+                <a16:creationId xmlns:a16="http://schemas.microsoft.com/office/drawing/2014/main" id="{36622929-2B60-1BEF-D151-DA21F590694A}"/>
+              </a:ext>
+            </a:extLst>
+          </p:cNvPr>
+          <p:cNvSpPr/>
+          <p:nvPr/>
+        </p:nvSpPr>
+        <p:spPr>
+          <a:xfrm>
+            <a:off x="7275006" y="502418"/>
+            <a:ext cx="1095270" cy="1457011"/>
+          </a:xfrm>
+          <a:prstGeom prst="snipRoundRect">
+            <a:avLst/>
+          </a:prstGeom>
+        </p:spPr>
+        <p:style>
+          <a:lnRef idx="2">
+            <a:schemeClr val="accent1">
+              <a:shade val="15000"/>
+            </a:schemeClr>
+          </a:lnRef>
+          <a:fillRef idx="1">
+            <a:schemeClr val="accent1"/>
+          </a:fillRef>
+          <a:effectRef idx="0">
+            <a:schemeClr val="accent1"/>
+          </a:effectRef>
+          <a:fontRef idx="minor">
+            <a:schemeClr val="lt1"/>
+          </a:fontRef>
+        </p:style>
+        <p:txBody>
+          <a:bodyPr rtlCol="0" anchor="ctr"/>
+          <a:lstStyle/>
+          <a:p>
+            <a:pPr algn="ctr"/>
+            <a:r>
+              <a:rPr lang="zh-CN" altLang="en-US" dirty="0"/>
+              <a:t>矩形：圆角单角</a:t>
+            </a:r>
+          </a:p>
+        </p:txBody>
+      </p:sp>
+      <p:sp>
+        <p:nvSpPr>
+          <p:cNvPr id="9" name="矩形: 单圆角 8">
+            <a:extLst>
+              <a:ext uri="{FF2B5EF4-FFF2-40B4-BE49-F238E27FC236}">
+                <a16:creationId xmlns:a16="http://schemas.microsoft.com/office/drawing/2014/main" id="{2964282B-17FB-2B9E-C583-53E7FAE9EBD1}"/>
+              </a:ext>
+            </a:extLst>
+          </p:cNvPr>
+          <p:cNvSpPr/>
+          <p:nvPr/>
+        </p:nvSpPr>
+        <p:spPr>
+          <a:xfrm>
+            <a:off x="8691824" y="502418"/>
+            <a:ext cx="994786" cy="1457011"/>
+          </a:xfrm>
+          <a:prstGeom prst="round1Rect">
+            <a:avLst/>
+          </a:prstGeom>
+        </p:spPr>
+        <p:style>
+          <a:lnRef idx="2">
+            <a:schemeClr val="accent1">
+              <a:shade val="15000"/>
+            </a:schemeClr>
+          </a:lnRef>
+          <a:fillRef idx="1">
+            <a:schemeClr val="accent1"/>
+          </a:fillRef>
+          <a:effectRef idx="0">
+            <a:schemeClr val="accent1"/>
+          </a:effectRef>
+          <a:fontRef idx="minor">
+            <a:schemeClr val="lt1"/>
+          </a:fontRef>
+        </p:style>
+        <p:txBody>
+          <a:bodyPr rtlCol="0" anchor="ctr"/>
+          <a:lstStyle/>
+          <a:p>
+            <a:pPr algn="ctr"/>
+            <a:r>
+              <a:rPr lang="zh-CN" altLang="en-US" dirty="0"/>
+              <a:t>矩形：单圆角</a:t>
+            </a:r>
+          </a:p>
+        </p:txBody>
+      </p:sp>
+      <p:sp>
+        <p:nvSpPr>
+          <p:cNvPr id="10" name="矩形: 圆顶角 9">
+            <a:extLst>
+              <a:ext uri="{FF2B5EF4-FFF2-40B4-BE49-F238E27FC236}">
+                <a16:creationId xmlns:a16="http://schemas.microsoft.com/office/drawing/2014/main" id="{30590EFA-0C05-28C2-553D-7D4ABF2CAED3}"/>
+              </a:ext>
+            </a:extLst>
+          </p:cNvPr>
+          <p:cNvSpPr/>
+          <p:nvPr/>
+        </p:nvSpPr>
+        <p:spPr>
+          <a:xfrm>
+            <a:off x="9887577" y="502418"/>
+            <a:ext cx="894304" cy="1457011"/>
+          </a:xfrm>
+          <a:prstGeom prst="round2SameRect">
+            <a:avLst/>
+          </a:prstGeom>
+        </p:spPr>
+        <p:style>
+          <a:lnRef idx="2">
+            <a:schemeClr val="accent1">
+              <a:shade val="15000"/>
+            </a:schemeClr>
+          </a:lnRef>
+          <a:fillRef idx="1">
+            <a:schemeClr val="accent1"/>
+          </a:fillRef>
+          <a:effectRef idx="0">
+            <a:schemeClr val="accent1"/>
+          </a:effectRef>
+          <a:fontRef idx="minor">
+            <a:schemeClr val="lt1"/>
+          </a:fontRef>
+        </p:style>
+        <p:txBody>
+          <a:bodyPr rtlCol="0" anchor="ctr"/>
+          <a:lstStyle/>
+          <a:p>
+            <a:pPr algn="ctr"/>
+            <a:r>
+              <a:rPr lang="zh-CN" altLang="en-US" dirty="0"/>
+              <a:t>矩形：双圆角</a:t>
+            </a:r>
+          </a:p>
+        </p:txBody>
+      </p:sp>
+      <p:sp>
+        <p:nvSpPr>
+          <p:cNvPr id="11" name="矩形: 对角圆角 10">
+            <a:extLst>
+              <a:ext uri="{FF2B5EF4-FFF2-40B4-BE49-F238E27FC236}">
+                <a16:creationId xmlns:a16="http://schemas.microsoft.com/office/drawing/2014/main" id="{ACD3ACEE-E0A7-5136-2472-D408692C039C}"/>
+              </a:ext>
+            </a:extLst>
+          </p:cNvPr>
+          <p:cNvSpPr/>
+          <p:nvPr/>
+        </p:nvSpPr>
+        <p:spPr>
+          <a:xfrm>
+            <a:off x="11063235" y="502418"/>
+            <a:ext cx="914400" cy="1457011"/>
+          </a:xfrm>
+          <a:prstGeom prst="round2DiagRect">
+            <a:avLst/>
+          </a:prstGeom>
+        </p:spPr>
+        <p:style>
+          <a:lnRef idx="2">
+            <a:schemeClr val="accent1">
+              <a:shade val="15000"/>
+            </a:schemeClr>
+          </a:lnRef>
+          <a:fillRef idx="1">
+            <a:schemeClr val="accent1"/>
+          </a:fillRef>
+          <a:effectRef idx="0">
+            <a:schemeClr val="accent1"/>
+          </a:effectRef>
+          <a:fontRef idx="minor">
+            <a:schemeClr val="lt1"/>
+          </a:fontRef>
+        </p:style>
+        <p:txBody>
+          <a:bodyPr rtlCol="0" anchor="ctr"/>
+          <a:lstStyle/>
+          <a:p>
+            <a:pPr algn="ctr"/>
+            <a:r>
+              <a:rPr lang="zh-CN" altLang="en-US" dirty="0"/>
+              <a:t>矩形：对圆角</a:t>
+            </a:r>
+          </a:p>
+        </p:txBody>
+      </p:sp>
+      <p:sp>
+        <p:nvSpPr>
+          <p:cNvPr id="12" name="文本框 11">
+            <a:extLst>
+              <a:ext uri="{FF2B5EF4-FFF2-40B4-BE49-F238E27FC236}">
+                <a16:creationId xmlns:a16="http://schemas.microsoft.com/office/drawing/2014/main" id="{F1E09852-27C0-65CD-B270-31602742F6F1}"/>
+              </a:ext>
+            </a:extLst>
+          </p:cNvPr>
+          <p:cNvSpPr txBox="1"/>
+          <p:nvPr/>
+        </p:nvSpPr>
+        <p:spPr>
+          <a:xfrm>
+            <a:off x="361741" y="2481943"/>
+            <a:ext cx="884255" cy="646331"/>
+          </a:xfrm>
+          <a:prstGeom prst="rect">
+            <a:avLst/>
+          </a:prstGeom>
+          <a:noFill/>
+        </p:spPr>
+        <p:txBody>
+          <a:bodyPr wrap="square" rtlCol="0">
+            <a:spAutoFit/>
+          </a:bodyPr>
+          <a:lstStyle/>
+          <a:p>
+            <a:r>
+              <a:rPr lang="zh-CN" altLang="en-US" dirty="0"/>
+              <a:t>横向文本框</a:t>
+            </a:r>
+          </a:p>
+        </p:txBody>
+      </p:sp>
+      <p:sp>
+        <p:nvSpPr>
+          <p:cNvPr id="13" name="文本框 12">
+            <a:extLst>
+              <a:ext uri="{FF2B5EF4-FFF2-40B4-BE49-F238E27FC236}">
+                <a16:creationId xmlns:a16="http://schemas.microsoft.com/office/drawing/2014/main" id="{D74CCED7-0032-0A13-ACB8-AA8DB015617F}"/>
+              </a:ext>
+            </a:extLst>
+          </p:cNvPr>
+          <p:cNvSpPr txBox="1"/>
+          <p:nvPr/>
+        </p:nvSpPr>
+        <p:spPr>
+          <a:xfrm>
+            <a:off x="1596908" y="2481943"/>
+            <a:ext cx="1015663" cy="646331"/>
+          </a:xfrm>
+          <a:prstGeom prst="rect">
+            <a:avLst/>
+          </a:prstGeom>
+          <a:noFill/>
+        </p:spPr>
+        <p:txBody>
+          <a:bodyPr vert="eaVert" wrap="square" rtlCol="0">
+            <a:spAutoFit/>
+          </a:bodyPr>
+          <a:lstStyle/>
+          <a:p>
+            <a:r>
+              <a:rPr lang="zh-CN" altLang="en-US" dirty="0"/>
+              <a:t>纵向文本框</a:t>
+            </a:r>
+          </a:p>
+        </p:txBody>
+      </p:sp>
+      <p:sp>
+        <p:nvSpPr>
+          <p:cNvPr id="14" name="椭圆 13">
+            <a:extLst>
+              <a:ext uri="{FF2B5EF4-FFF2-40B4-BE49-F238E27FC236}">
+                <a16:creationId xmlns:a16="http://schemas.microsoft.com/office/drawing/2014/main" id="{A04006F4-5AA3-BE78-06F8-7F5B1F599A2F}"/>
+              </a:ext>
+            </a:extLst>
+          </p:cNvPr>
+          <p:cNvSpPr/>
+          <p:nvPr/>
+        </p:nvSpPr>
+        <p:spPr>
+          <a:xfrm>
+            <a:off x="2873828" y="2481943"/>
+            <a:ext cx="1205802" cy="733530"/>
+          </a:xfrm>
+          <a:prstGeom prst="ellipse">
+            <a:avLst/>
+          </a:prstGeom>
+        </p:spPr>
+        <p:style>
+          <a:lnRef idx="2">
+            <a:schemeClr val="accent1">
+              <a:shade val="15000"/>
+            </a:schemeClr>
+          </a:lnRef>
+          <a:fillRef idx="1">
+            <a:schemeClr val="accent1"/>
+          </a:fillRef>
+          <a:effectRef idx="0">
+            <a:schemeClr val="accent1"/>
+          </a:effectRef>
+          <a:fontRef idx="minor">
+            <a:schemeClr val="lt1"/>
+          </a:fontRef>
+        </p:style>
+        <p:txBody>
+          <a:bodyPr rtlCol="0" anchor="ctr"/>
+          <a:lstStyle/>
+          <a:p>
+            <a:pPr algn="ctr"/>
+            <a:r>
+              <a:rPr lang="zh-CN" altLang="en-US" dirty="0"/>
+              <a:t>椭圆</a:t>
+            </a:r>
+          </a:p>
+        </p:txBody>
+      </p:sp>
+      <p:sp>
+        <p:nvSpPr>
+          <p:cNvPr id="15" name="等腰三角形 14">
+            <a:extLst>
+              <a:ext uri="{FF2B5EF4-FFF2-40B4-BE49-F238E27FC236}">
+                <a16:creationId xmlns:a16="http://schemas.microsoft.com/office/drawing/2014/main" id="{714BFAB6-B9BD-CA19-3459-3E0A9DF66FC1}"/>
+              </a:ext>
+            </a:extLst>
+          </p:cNvPr>
+          <p:cNvSpPr/>
+          <p:nvPr/>
+        </p:nvSpPr>
+        <p:spPr>
+          <a:xfrm>
+            <a:off x="4431323" y="2527160"/>
+            <a:ext cx="1075173" cy="555896"/>
+          </a:xfrm>
+          <a:prstGeom prst="triangle">
+            <a:avLst/>
+          </a:prstGeom>
+        </p:spPr>
+        <p:style>
+          <a:lnRef idx="2">
+            <a:schemeClr val="accent1">
+              <a:shade val="15000"/>
+            </a:schemeClr>
+          </a:lnRef>
+          <a:fillRef idx="1">
+            <a:schemeClr val="accent1"/>
+          </a:fillRef>
+          <a:effectRef idx="0">
+            <a:schemeClr val="accent1"/>
+          </a:effectRef>
+          <a:fontRef idx="minor">
+            <a:schemeClr val="lt1"/>
+          </a:fontRef>
+        </p:style>
+        <p:txBody>
+          <a:bodyPr rtlCol="0" anchor="ctr"/>
+          <a:lstStyle/>
+          <a:p>
+            <a:pPr algn="ctr"/>
+            <a:r>
+              <a:rPr lang="zh-CN" altLang="en-US" dirty="0"/>
+              <a:t>等腰三角形</a:t>
+            </a:r>
+          </a:p>
+        </p:txBody>
+      </p:sp>
+      <p:sp>
+        <p:nvSpPr>
+          <p:cNvPr id="16" name="箭头: 右 15">
+            <a:extLst>
+              <a:ext uri="{FF2B5EF4-FFF2-40B4-BE49-F238E27FC236}">
+                <a16:creationId xmlns:a16="http://schemas.microsoft.com/office/drawing/2014/main" id="{49D2C4AA-221B-193E-603F-0D13946DF918}"/>
+              </a:ext>
+            </a:extLst>
+          </p:cNvPr>
+          <p:cNvSpPr/>
+          <p:nvPr/>
+        </p:nvSpPr>
+        <p:spPr>
+          <a:xfrm>
+            <a:off x="462224" y="3758084"/>
+            <a:ext cx="783772" cy="411982"/>
+          </a:xfrm>
+          <a:prstGeom prst="rightArrow">
+            <a:avLst/>
+          </a:prstGeom>
+        </p:spPr>
+        <p:style>
+          <a:lnRef idx="2">
+            <a:schemeClr val="accent1">
+              <a:shade val="15000"/>
+            </a:schemeClr>
+          </a:lnRef>
+          <a:fillRef idx="1">
+            <a:schemeClr val="accent1"/>
+          </a:fillRef>
+          <a:effectRef idx="0">
+            <a:schemeClr val="accent1"/>
+          </a:effectRef>
+          <a:fontRef idx="minor">
+            <a:schemeClr val="lt1"/>
+          </a:fontRef>
+        </p:style>
+        <p:txBody>
+          <a:bodyPr rtlCol="0" anchor="ctr"/>
+          <a:lstStyle/>
+          <a:p>
+            <a:pPr algn="ctr"/>
+            <a:endParaRPr lang="zh-CN" altLang="en-US" dirty="0"/>
+          </a:p>
+        </p:txBody>
+      </p:sp>
+      <p:sp>
+        <p:nvSpPr>
+          <p:cNvPr id="17" name="加号 16">
+            <a:extLst>
+              <a:ext uri="{FF2B5EF4-FFF2-40B4-BE49-F238E27FC236}">
+                <a16:creationId xmlns:a16="http://schemas.microsoft.com/office/drawing/2014/main" id="{CE21664A-6F9C-5A45-F69A-EFC44FF217C0}"/>
+              </a:ext>
+            </a:extLst>
+          </p:cNvPr>
+          <p:cNvSpPr/>
+          <p:nvPr/>
+        </p:nvSpPr>
+        <p:spPr>
+          <a:xfrm>
+            <a:off x="462224" y="4762919"/>
+            <a:ext cx="783772" cy="773723"/>
+          </a:xfrm>
+          <a:prstGeom prst="mathPlus">
+            <a:avLst/>
+          </a:prstGeom>
+        </p:spPr>
+        <p:style>
+          <a:lnRef idx="2">
+            <a:schemeClr val="accent1">
+              <a:shade val="15000"/>
+            </a:schemeClr>
+          </a:lnRef>
+          <a:fillRef idx="1">
+            <a:schemeClr val="accent1"/>
+          </a:fillRef>
+          <a:effectRef idx="0">
+            <a:schemeClr val="accent1"/>
+          </a:effectRef>
+          <a:fontRef idx="minor">
+            <a:schemeClr val="lt1"/>
+          </a:fontRef>
+        </p:style>
+        <p:txBody>
+          <a:bodyPr rtlCol="0" anchor="ctr"/>
+          <a:lstStyle/>
+          <a:p>
+            <a:pPr algn="ctr"/>
+            <a:r>
+              <a:rPr lang="zh-CN" altLang="en-US" dirty="0"/>
+              <a:t>公式加</a:t>
+            </a:r>
+          </a:p>
+        </p:txBody>
+      </p:sp>
+      <p:sp>
+        <p:nvSpPr>
+          <p:cNvPr id="18" name="流程图: 内部贮存 17">
+            <a:extLst>
+              <a:ext uri="{FF2B5EF4-FFF2-40B4-BE49-F238E27FC236}">
+                <a16:creationId xmlns:a16="http://schemas.microsoft.com/office/drawing/2014/main" id="{6A378302-A0F7-58BE-57AB-364C42CD75F0}"/>
+              </a:ext>
+            </a:extLst>
+          </p:cNvPr>
+          <p:cNvSpPr/>
+          <p:nvPr/>
+        </p:nvSpPr>
+        <p:spPr>
+          <a:xfrm>
+            <a:off x="462224" y="5898382"/>
+            <a:ext cx="984739" cy="844062"/>
+          </a:xfrm>
+          <a:prstGeom prst="flowChartInternalStorage">
+            <a:avLst/>
+          </a:prstGeom>
+        </p:spPr>
+        <p:style>
+          <a:lnRef idx="2">
+            <a:schemeClr val="accent1">
+              <a:shade val="15000"/>
+            </a:schemeClr>
+          </a:lnRef>
+          <a:fillRef idx="1">
+            <a:schemeClr val="accent1"/>
+          </a:fillRef>
+          <a:effectRef idx="0">
+            <a:schemeClr val="accent1"/>
+          </a:effectRef>
+          <a:fontRef idx="minor">
+            <a:schemeClr val="lt1"/>
+          </a:fontRef>
+        </p:style>
+        <p:txBody>
+          <a:bodyPr rtlCol="0" anchor="ctr"/>
+          <a:lstStyle/>
+          <a:p>
+            <a:pPr algn="ctr"/>
+            <a:r>
+              <a:rPr lang="zh-CN" altLang="en-US" dirty="0"/>
+              <a:t>流程图</a:t>
+            </a:r>
+          </a:p>
+        </p:txBody>
+      </p:sp>
+      <p:sp>
+        <p:nvSpPr>
+          <p:cNvPr id="32" name="椭圆 31">
+            <a:extLst>
+              <a:ext uri="{FF2B5EF4-FFF2-40B4-BE49-F238E27FC236}">
+                <a16:creationId xmlns:a16="http://schemas.microsoft.com/office/drawing/2014/main" id="{0715DE36-5DA9-68CE-33FC-098099B5A976}"/>
+              </a:ext>
+            </a:extLst>
+          </p:cNvPr>
+          <p:cNvSpPr/>
+          <p:nvPr/>
+        </p:nvSpPr>
+        <p:spPr>
+          <a:xfrm>
+            <a:off x="5210279" y="3875236"/>
+            <a:ext cx="5124450" cy="773723"/>
+          </a:xfrm>
+          <a:custGeom>
+            <a:avLst/>
+            <a:gdLst>
+              <a:gd name="connsiteX0" fmla="*/ 0 w 3924300"/>
+              <a:gd name="connsiteY0" fmla="*/ 807008 h 1614016"/>
+              <a:gd name="connsiteX1" fmla="*/ 1962150 w 3924300"/>
+              <a:gd name="connsiteY1" fmla="*/ 0 h 1614016"/>
+              <a:gd name="connsiteX2" fmla="*/ 3924300 w 3924300"/>
+              <a:gd name="connsiteY2" fmla="*/ 807008 h 1614016"/>
+              <a:gd name="connsiteX3" fmla="*/ 1962150 w 3924300"/>
+              <a:gd name="connsiteY3" fmla="*/ 1614016 h 1614016"/>
+              <a:gd name="connsiteX4" fmla="*/ 0 w 3924300"/>
+              <a:gd name="connsiteY4" fmla="*/ 807008 h 1614016"/>
+              <a:gd name="connsiteX0" fmla="*/ 0 w 5124450"/>
+              <a:gd name="connsiteY0" fmla="*/ 864337 h 1614406"/>
+              <a:gd name="connsiteX1" fmla="*/ 3162300 w 5124450"/>
+              <a:gd name="connsiteY1" fmla="*/ 179 h 1614406"/>
+              <a:gd name="connsiteX2" fmla="*/ 5124450 w 5124450"/>
+              <a:gd name="connsiteY2" fmla="*/ 807187 h 1614406"/>
+              <a:gd name="connsiteX3" fmla="*/ 3162300 w 5124450"/>
+              <a:gd name="connsiteY3" fmla="*/ 1614195 h 1614406"/>
+              <a:gd name="connsiteX4" fmla="*/ 0 w 5124450"/>
+              <a:gd name="connsiteY4" fmla="*/ 864337 h 1614406"/>
+            </a:gdLst>
+            <a:ahLst/>
+            <a:cxnLst>
+              <a:cxn ang="0">
+                <a:pos x="connsiteX0" y="connsiteY0"/>
+              </a:cxn>
+              <a:cxn ang="0">
+                <a:pos x="connsiteX1" y="connsiteY1"/>
+              </a:cxn>
+              <a:cxn ang="0">
+                <a:pos x="connsiteX2" y="connsiteY2"/>
+              </a:cxn>
+              <a:cxn ang="0">
+                <a:pos x="connsiteX3" y="connsiteY3"/>
+              </a:cxn>
+              <a:cxn ang="0">
+                <a:pos x="connsiteX4" y="connsiteY4"/>
+              </a:cxn>
+            </a:cxnLst>
+            <a:rect l="l" t="t" r="r" b="b"/>
+            <a:pathLst>
+              <a:path w="5124450" h="1614406">
+                <a:moveTo>
+                  <a:pt x="0" y="864337"/>
+                </a:moveTo>
+                <a:cubicBezTo>
+                  <a:pt x="0" y="418639"/>
+                  <a:pt x="2308225" y="9704"/>
+                  <a:pt x="3162300" y="179"/>
+                </a:cubicBezTo>
+                <a:cubicBezTo>
+                  <a:pt x="4016375" y="-9346"/>
+                  <a:pt x="5124450" y="361489"/>
+                  <a:pt x="5124450" y="807187"/>
+                </a:cubicBezTo>
+                <a:cubicBezTo>
+                  <a:pt x="5124450" y="1252885"/>
+                  <a:pt x="4016375" y="1604670"/>
+                  <a:pt x="3162300" y="1614195"/>
+                </a:cubicBezTo>
+                <a:cubicBezTo>
+                  <a:pt x="2308225" y="1623720"/>
+                  <a:pt x="0" y="1310035"/>
+                  <a:pt x="0" y="864337"/>
+                </a:cubicBezTo>
+                <a:close/>
+              </a:path>
+            </a:pathLst>
+          </a:custGeom>
+        </p:spPr>
+        <p:style>
+          <a:lnRef idx="2">
+            <a:schemeClr val="accent1">
+              <a:shade val="15000"/>
+            </a:schemeClr>
+          </a:lnRef>
+          <a:fillRef idx="1">
+            <a:schemeClr val="accent1"/>
+          </a:fillRef>
+          <a:effectRef idx="0">
+            <a:schemeClr val="accent1"/>
+          </a:effectRef>
+          <a:fontRef idx="minor">
+            <a:schemeClr val="lt1"/>
+          </a:fontRef>
+        </p:style>
+        <p:txBody>
+          <a:bodyPr rtlCol="0" anchor="ctr"/>
+          <a:lstStyle/>
+          <a:p>
+            <a:pPr algn="ctr"/>
             <a:endParaRPr lang="zh-CN" altLang="en-US"/>
           </a:p>
         </p:txBody>
@@ -11136,6 +11989,171 @@
     <p:extLst>
       <p:ext uri="{BB962C8B-B14F-4D97-AF65-F5344CB8AC3E}">
         <p14:creationId xmlns:p14="http://schemas.microsoft.com/office/powerpoint/2010/main" val="4130195975"/>
+      </p:ext>
+    </p:extLst>
+  </p:cSld>
+  <p:clrMapOvr>
+    <a:masterClrMapping/>
+  </p:clrMapOvr>
+</p:sld>
+</file>
+
+<file path=ppt/slides/slide9.xml><?xml version="1.0" encoding="utf-8"?>
+<p:sld xmlns:a="http://schemas.openxmlformats.org/drawingml/2006/main" xmlns:r="http://schemas.openxmlformats.org/officeDocument/2006/relationships" xmlns:p="http://schemas.openxmlformats.org/presentationml/2006/main">
+  <p:cSld>
+    <p:spTree>
+      <p:nvGrpSpPr>
+        <p:cNvPr id="1" name=""/>
+        <p:cNvGrpSpPr/>
+        <p:nvPr/>
+      </p:nvGrpSpPr>
+      <p:grpSpPr>
+        <a:xfrm>
+          <a:off x="0" y="0"/>
+          <a:ext cx="0" cy="0"/>
+          <a:chOff x="0" y="0"/>
+          <a:chExt cx="0" cy="0"/>
+        </a:xfrm>
+      </p:grpSpPr>
+      <p:sp>
+        <p:nvSpPr>
+          <p:cNvPr id="4" name="星形: 五角 3">
+            <a:extLst>
+              <a:ext uri="{FF2B5EF4-FFF2-40B4-BE49-F238E27FC236}">
+                <a16:creationId xmlns:a16="http://schemas.microsoft.com/office/drawing/2014/main" id="{5A63396C-7BF7-38CA-CB04-564722381953}"/>
+              </a:ext>
+            </a:extLst>
+          </p:cNvPr>
+          <p:cNvSpPr/>
+          <p:nvPr/>
+        </p:nvSpPr>
+        <p:spPr>
+          <a:xfrm>
+            <a:off x="2139351" y="2035834"/>
+            <a:ext cx="2570672" cy="2294626"/>
+          </a:xfrm>
+          <a:prstGeom prst="star5">
+            <a:avLst/>
+          </a:prstGeom>
+          <a:effectLst>
+            <a:glow rad="279400">
+              <a:schemeClr val="accent2">
+                <a:satMod val="175000"/>
+                <a:alpha val="42000"/>
+              </a:schemeClr>
+            </a:glow>
+            <a:outerShdw blurRad="165100" dist="241300" dir="2280000" sx="155000" sy="155000" algn="ctr" rotWithShape="0">
+              <a:prstClr val="black">
+                <a:alpha val="40000"/>
+              </a:prstClr>
+            </a:outerShdw>
+            <a:reflection blurRad="292100" endPos="86000" dist="114300" dir="5400000" sy="-100000" algn="bl" rotWithShape="0"/>
+            <a:softEdge rad="63500"/>
+          </a:effectLst>
+          <a:scene3d>
+            <a:camera prst="isometricOffAxis2Left"/>
+            <a:lightRig rig="threePt" dir="t"/>
+          </a:scene3d>
+        </p:spPr>
+        <p:style>
+          <a:lnRef idx="2">
+            <a:schemeClr val="accent1">
+              <a:shade val="15000"/>
+            </a:schemeClr>
+          </a:lnRef>
+          <a:fillRef idx="1">
+            <a:schemeClr val="accent1"/>
+          </a:fillRef>
+          <a:effectRef idx="0">
+            <a:schemeClr val="accent1"/>
+          </a:effectRef>
+          <a:fontRef idx="minor">
+            <a:schemeClr val="lt1"/>
+          </a:fontRef>
+        </p:style>
+        <p:txBody>
+          <a:bodyPr rtlCol="0" anchor="ctr"/>
+          <a:lstStyle/>
+          <a:p>
+            <a:pPr algn="ctr"/>
+            <a:endParaRPr lang="zh-CN" altLang="en-US"/>
+          </a:p>
+        </p:txBody>
+      </p:sp>
+      <p:pic>
+        <p:nvPicPr>
+          <p:cNvPr id="5" name="图片 4">
+            <a:extLst>
+              <a:ext uri="{FF2B5EF4-FFF2-40B4-BE49-F238E27FC236}">
+                <a16:creationId xmlns:a16="http://schemas.microsoft.com/office/drawing/2014/main" id="{BD37300E-41E8-849F-8591-839A2B8AB686}"/>
+              </a:ext>
+            </a:extLst>
+          </p:cNvPr>
+          <p:cNvPicPr>
+            <a:picLocks noChangeAspect="1"/>
+          </p:cNvPicPr>
+          <p:nvPr/>
+        </p:nvPicPr>
+        <p:blipFill>
+          <a:blip r:embed="rId2">
+            <a:extLst>
+              <a:ext uri="{BEBA8EAE-BF5A-486C-A8C5-ECC9F3942E4B}">
+                <a14:imgProps xmlns:a14="http://schemas.microsoft.com/office/drawing/2010/main">
+                  <a14:imgLayer r:embed="rId3">
+                    <a14:imgEffect>
+                      <a14:artisticPaintStrokes trans="23000"/>
+                    </a14:imgEffect>
+                  </a14:imgLayer>
+                </a14:imgProps>
+              </a:ext>
+              <a:ext uri="{28A0092B-C50C-407E-A947-70E740481C1C}">
+                <a14:useLocalDpi xmlns:a14="http://schemas.microsoft.com/office/drawing/2010/main" val="0"/>
+              </a:ext>
+            </a:extLst>
+          </a:blip>
+          <a:stretch>
+            <a:fillRect/>
+          </a:stretch>
+        </p:blipFill>
+        <p:spPr>
+          <a:xfrm rot="1740000">
+            <a:off x="6220266" y="2600325"/>
+            <a:ext cx="4191000" cy="1657350"/>
+          </a:xfrm>
+          <a:prstGeom prst="rect">
+            <a:avLst/>
+          </a:prstGeom>
+          <a:solidFill>
+            <a:schemeClr val="accent1"/>
+          </a:solidFill>
+          <a:effectLst>
+            <a:glow rad="1092200">
+              <a:schemeClr val="accent4">
+                <a:satMod val="175000"/>
+                <a:alpha val="9000"/>
+              </a:schemeClr>
+            </a:glow>
+            <a:outerShdw blurRad="406400" dist="419100" dir="2580000" sx="124000" sy="124000" algn="l" rotWithShape="0">
+              <a:prstClr val="black">
+                <a:alpha val="40000"/>
+              </a:prstClr>
+            </a:outerShdw>
+            <a:reflection blurRad="50800" stA="53000" endPos="67000" dist="330200" dir="5400000" sy="-100000" algn="bl" rotWithShape="0"/>
+            <a:softEdge rad="127000"/>
+          </a:effectLst>
+          <a:scene3d>
+            <a:camera prst="isometricOffAxis1Right"/>
+            <a:lightRig rig="threePt" dir="t"/>
+          </a:scene3d>
+          <a:sp3d prstMaterial="dkEdge">
+            <a:bevelT w="342900" prst="relaxedInset"/>
+          </a:sp3d>
+        </p:spPr>
+      </p:pic>
+    </p:spTree>
+    <p:extLst>
+      <p:ext uri="{BB962C8B-B14F-4D97-AF65-F5344CB8AC3E}">
+        <p14:creationId xmlns:p14="http://schemas.microsoft.com/office/powerpoint/2010/main" val="1768162977"/>
       </p:ext>
     </p:extLst>
   </p:cSld>

--- a/assets/ppt/simple.pptx
+++ b/assets/ppt/simple.pptx
@@ -6,7 +6,7 @@
     <p:sldMasterId id="2147483720" r:id="rId2"/>
   </p:sldMasterIdLst>
   <p:notesMasterIdLst>
-    <p:notesMasterId r:id="rId12"/>
+    <p:notesMasterId r:id="rId13"/>
   </p:notesMasterIdLst>
   <p:sldIdLst>
     <p:sldId id="256" r:id="rId3"/>
@@ -18,6 +18,7 @@
     <p:sldId id="262" r:id="rId9"/>
     <p:sldId id="263" r:id="rId10"/>
     <p:sldId id="264" r:id="rId11"/>
+    <p:sldId id="265" r:id="rId12"/>
   </p:sldIdLst>
   <p:sldSz cx="12192000" cy="6858000"/>
   <p:notesSz cx="6858000" cy="9144000"/>
@@ -217,7 +218,7 @@
           <a:p>
             <a:fld id="{561015B1-ED29-F04F-B696-7C731FF4B4B4}" type="datetimeFigureOut">
               <a:rPr kumimoji="1" lang="zh-CN" altLang="en-US" smtClean="0"/>
-              <a:t>2024/4/3</a:t>
+              <a:t>2024/4/7</a:t>
             </a:fld>
             <a:endParaRPr kumimoji="1" lang="zh-CN" altLang="en-US"/>
           </a:p>
@@ -748,7 +749,7 @@
           <a:p>
             <a:fld id="{DEDA17D1-6590-4570-9DF1-29A4B3C6B8EE}" type="datetimeFigureOut">
               <a:rPr lang="zh-CN" altLang="en-US" smtClean="0"/>
-              <a:t>2024/4/3</a:t>
+              <a:t>2024/4/7</a:t>
             </a:fld>
             <a:endParaRPr lang="zh-CN" altLang="en-US"/>
           </a:p>
@@ -995,7 +996,7 @@
           <a:p>
             <a:fld id="{DEDA17D1-6590-4570-9DF1-29A4B3C6B8EE}" type="datetimeFigureOut">
               <a:rPr lang="zh-CN" altLang="en-US" smtClean="0"/>
-              <a:t>2024/4/3</a:t>
+              <a:t>2024/4/7</a:t>
             </a:fld>
             <a:endParaRPr lang="zh-CN" altLang="en-US"/>
           </a:p>
@@ -1203,7 +1204,7 @@
           <a:p>
             <a:fld id="{DEDA17D1-6590-4570-9DF1-29A4B3C6B8EE}" type="datetimeFigureOut">
               <a:rPr lang="zh-CN" altLang="en-US" smtClean="0"/>
-              <a:t>2024/4/3</a:t>
+              <a:t>2024/4/7</a:t>
             </a:fld>
             <a:endParaRPr lang="zh-CN" altLang="en-US"/>
           </a:p>
@@ -1344,7 +1345,7 @@
           <a:p>
             <a:fld id="{DEDA17D1-6590-4570-9DF1-29A4B3C6B8EE}" type="datetimeFigureOut">
               <a:rPr lang="zh-CN" altLang="en-US" smtClean="0"/>
-              <a:t>2024/4/3</a:t>
+              <a:t>2024/4/7</a:t>
             </a:fld>
             <a:endParaRPr lang="zh-CN" altLang="en-US"/>
           </a:p>
@@ -1564,7 +1565,7 @@
           <a:p>
             <a:fld id="{B14948DB-0BE7-40D0-80F6-9094451DF04C}" type="datetimeFigureOut">
               <a:rPr lang="zh-CN" altLang="en-US" smtClean="0"/>
-              <a:t>2024/4/3</a:t>
+              <a:t>2024/4/7</a:t>
             </a:fld>
             <a:endParaRPr lang="zh-CN" altLang="en-US"/>
           </a:p>
@@ -1762,7 +1763,7 @@
           <a:p>
             <a:fld id="{B14948DB-0BE7-40D0-80F6-9094451DF04C}" type="datetimeFigureOut">
               <a:rPr lang="zh-CN" altLang="en-US" smtClean="0"/>
-              <a:t>2024/4/3</a:t>
+              <a:t>2024/4/7</a:t>
             </a:fld>
             <a:endParaRPr lang="zh-CN" altLang="en-US"/>
           </a:p>
@@ -2037,7 +2038,7 @@
           <a:p>
             <a:fld id="{B14948DB-0BE7-40D0-80F6-9094451DF04C}" type="datetimeFigureOut">
               <a:rPr lang="zh-CN" altLang="en-US" smtClean="0"/>
-              <a:t>2024/4/3</a:t>
+              <a:t>2024/4/7</a:t>
             </a:fld>
             <a:endParaRPr lang="zh-CN" altLang="en-US"/>
           </a:p>
@@ -2302,7 +2303,7 @@
           <a:p>
             <a:fld id="{B14948DB-0BE7-40D0-80F6-9094451DF04C}" type="datetimeFigureOut">
               <a:rPr lang="zh-CN" altLang="en-US" smtClean="0"/>
-              <a:t>2024/4/3</a:t>
+              <a:t>2024/4/7</a:t>
             </a:fld>
             <a:endParaRPr lang="zh-CN" altLang="en-US"/>
           </a:p>
@@ -2714,7 +2715,7 @@
           <a:p>
             <a:fld id="{B14948DB-0BE7-40D0-80F6-9094451DF04C}" type="datetimeFigureOut">
               <a:rPr lang="zh-CN" altLang="en-US" smtClean="0"/>
-              <a:t>2024/4/3</a:t>
+              <a:t>2024/4/7</a:t>
             </a:fld>
             <a:endParaRPr lang="zh-CN" altLang="en-US"/>
           </a:p>
@@ -2855,7 +2856,7 @@
           <a:p>
             <a:fld id="{B14948DB-0BE7-40D0-80F6-9094451DF04C}" type="datetimeFigureOut">
               <a:rPr lang="zh-CN" altLang="en-US" smtClean="0"/>
-              <a:t>2024/4/3</a:t>
+              <a:t>2024/4/7</a:t>
             </a:fld>
             <a:endParaRPr lang="zh-CN" altLang="en-US"/>
           </a:p>
@@ -2968,7 +2969,7 @@
           <a:p>
             <a:fld id="{B14948DB-0BE7-40D0-80F6-9094451DF04C}" type="datetimeFigureOut">
               <a:rPr lang="zh-CN" altLang="en-US" smtClean="0"/>
-              <a:t>2024/4/3</a:t>
+              <a:t>2024/4/7</a:t>
             </a:fld>
             <a:endParaRPr lang="zh-CN" altLang="en-US"/>
           </a:p>
@@ -3166,7 +3167,7 @@
           <a:p>
             <a:fld id="{DEDA17D1-6590-4570-9DF1-29A4B3C6B8EE}" type="datetimeFigureOut">
               <a:rPr lang="zh-CN" altLang="en-US" smtClean="0"/>
-              <a:t>2024/4/3</a:t>
+              <a:t>2024/4/7</a:t>
             </a:fld>
             <a:endParaRPr lang="zh-CN" altLang="en-US"/>
           </a:p>
@@ -3477,7 +3478,7 @@
           <a:p>
             <a:fld id="{B14948DB-0BE7-40D0-80F6-9094451DF04C}" type="datetimeFigureOut">
               <a:rPr lang="zh-CN" altLang="en-US" smtClean="0"/>
-              <a:t>2024/4/3</a:t>
+              <a:t>2024/4/7</a:t>
             </a:fld>
             <a:endParaRPr lang="zh-CN" altLang="en-US"/>
           </a:p>
@@ -3765,7 +3766,7 @@
           <a:p>
             <a:fld id="{B14948DB-0BE7-40D0-80F6-9094451DF04C}" type="datetimeFigureOut">
               <a:rPr lang="zh-CN" altLang="en-US" smtClean="0"/>
-              <a:t>2024/4/3</a:t>
+              <a:t>2024/4/7</a:t>
             </a:fld>
             <a:endParaRPr lang="zh-CN" altLang="en-US"/>
           </a:p>
@@ -3963,7 +3964,7 @@
           <a:p>
             <a:fld id="{B14948DB-0BE7-40D0-80F6-9094451DF04C}" type="datetimeFigureOut">
               <a:rPr lang="zh-CN" altLang="en-US" smtClean="0"/>
-              <a:t>2024/4/3</a:t>
+              <a:t>2024/4/7</a:t>
             </a:fld>
             <a:endParaRPr lang="zh-CN" altLang="en-US"/>
           </a:p>
@@ -4171,7 +4172,7 @@
           <a:p>
             <a:fld id="{B14948DB-0BE7-40D0-80F6-9094451DF04C}" type="datetimeFigureOut">
               <a:rPr lang="zh-CN" altLang="en-US" smtClean="0"/>
-              <a:t>2024/4/3</a:t>
+              <a:t>2024/4/7</a:t>
             </a:fld>
             <a:endParaRPr lang="zh-CN" altLang="en-US"/>
           </a:p>
@@ -4446,7 +4447,7 @@
           <a:p>
             <a:fld id="{DEDA17D1-6590-4570-9DF1-29A4B3C6B8EE}" type="datetimeFigureOut">
               <a:rPr lang="zh-CN" altLang="en-US" smtClean="0"/>
-              <a:t>2024/4/3</a:t>
+              <a:t>2024/4/7</a:t>
             </a:fld>
             <a:endParaRPr lang="zh-CN" altLang="en-US"/>
           </a:p>
@@ -4711,7 +4712,7 @@
           <a:p>
             <a:fld id="{DEDA17D1-6590-4570-9DF1-29A4B3C6B8EE}" type="datetimeFigureOut">
               <a:rPr lang="zh-CN" altLang="en-US" smtClean="0"/>
-              <a:t>2024/4/3</a:t>
+              <a:t>2024/4/7</a:t>
             </a:fld>
             <a:endParaRPr lang="zh-CN" altLang="en-US"/>
           </a:p>
@@ -5132,7 +5133,7 @@
           <a:p>
             <a:fld id="{DEDA17D1-6590-4570-9DF1-29A4B3C6B8EE}" type="datetimeFigureOut">
               <a:rPr lang="zh-CN" altLang="en-US" smtClean="0"/>
-              <a:t>2024/4/3</a:t>
+              <a:t>2024/4/7</a:t>
             </a:fld>
             <a:endParaRPr lang="zh-CN" altLang="en-US"/>
           </a:p>
@@ -5273,7 +5274,7 @@
           <a:p>
             <a:fld id="{DEDA17D1-6590-4570-9DF1-29A4B3C6B8EE}" type="datetimeFigureOut">
               <a:rPr lang="zh-CN" altLang="en-US" smtClean="0"/>
-              <a:t>2024/4/3</a:t>
+              <a:t>2024/4/7</a:t>
             </a:fld>
             <a:endParaRPr lang="zh-CN" altLang="en-US"/>
           </a:p>
@@ -5386,7 +5387,7 @@
           <a:p>
             <a:fld id="{DEDA17D1-6590-4570-9DF1-29A4B3C6B8EE}" type="datetimeFigureOut">
               <a:rPr lang="zh-CN" altLang="en-US" smtClean="0"/>
-              <a:t>2024/4/3</a:t>
+              <a:t>2024/4/7</a:t>
             </a:fld>
             <a:endParaRPr lang="zh-CN" altLang="en-US"/>
           </a:p>
@@ -5697,7 +5698,7 @@
           <a:p>
             <a:fld id="{DEDA17D1-6590-4570-9DF1-29A4B3C6B8EE}" type="datetimeFigureOut">
               <a:rPr lang="zh-CN" altLang="en-US" smtClean="0"/>
-              <a:t>2024/4/3</a:t>
+              <a:t>2024/4/7</a:t>
             </a:fld>
             <a:endParaRPr lang="zh-CN" altLang="en-US"/>
           </a:p>
@@ -5985,7 +5986,7 @@
           <a:p>
             <a:fld id="{DEDA17D1-6590-4570-9DF1-29A4B3C6B8EE}" type="datetimeFigureOut">
               <a:rPr lang="zh-CN" altLang="en-US" smtClean="0"/>
-              <a:t>2024/4/3</a:t>
+              <a:t>2024/4/7</a:t>
             </a:fld>
             <a:endParaRPr lang="zh-CN" altLang="en-US"/>
           </a:p>
@@ -6254,7 +6255,7 @@
           <a:p>
             <a:fld id="{DEDA17D1-6590-4570-9DF1-29A4B3C6B8EE}" type="datetimeFigureOut">
               <a:rPr lang="zh-CN" altLang="en-US" smtClean="0"/>
-              <a:t>2024/4/3</a:t>
+              <a:t>2024/4/7</a:t>
             </a:fld>
             <a:endParaRPr lang="zh-CN" altLang="en-US"/>
           </a:p>
@@ -6823,7 +6824,7 @@
           <a:p>
             <a:fld id="{B14948DB-0BE7-40D0-80F6-9094451DF04C}" type="datetimeFigureOut">
               <a:rPr lang="zh-CN" altLang="en-US" smtClean="0"/>
-              <a:t>2024/4/3</a:t>
+              <a:t>2024/4/7</a:t>
             </a:fld>
             <a:endParaRPr lang="zh-CN" altLang="en-US"/>
           </a:p>
@@ -7788,6 +7789,1047 @@
 </p:sld>
 </file>
 
+<file path=ppt/slides/slide10.xml><?xml version="1.0" encoding="utf-8"?>
+<p:sld xmlns:a="http://schemas.openxmlformats.org/drawingml/2006/main" xmlns:r="http://schemas.openxmlformats.org/officeDocument/2006/relationships" xmlns:p="http://schemas.openxmlformats.org/presentationml/2006/main">
+  <p:cSld>
+    <p:spTree>
+      <p:nvGrpSpPr>
+        <p:cNvPr id="1" name=""/>
+        <p:cNvGrpSpPr/>
+        <p:nvPr/>
+      </p:nvGrpSpPr>
+      <p:grpSpPr>
+        <a:xfrm>
+          <a:off x="0" y="0"/>
+          <a:ext cx="0" cy="0"/>
+          <a:chOff x="0" y="0"/>
+          <a:chExt cx="0" cy="0"/>
+        </a:xfrm>
+      </p:grpSpPr>
+      <p:sp>
+        <p:nvSpPr>
+          <p:cNvPr id="4" name="任意多边形: 形状 3">
+            <a:extLst>
+              <a:ext uri="{FF2B5EF4-FFF2-40B4-BE49-F238E27FC236}">
+                <a16:creationId xmlns:a16="http://schemas.microsoft.com/office/drawing/2014/main" id="{CA00E3C8-5B81-A66F-F0F0-7AE743A01707}"/>
+              </a:ext>
+            </a:extLst>
+          </p:cNvPr>
+          <p:cNvSpPr/>
+          <p:nvPr/>
+        </p:nvSpPr>
+        <p:spPr>
+          <a:xfrm>
+            <a:off x="1005840" y="960120"/>
+            <a:ext cx="2423160" cy="2926080"/>
+          </a:xfrm>
+          <a:custGeom>
+            <a:avLst/>
+            <a:gdLst>
+              <a:gd name="connsiteX0" fmla="*/ 1097280 w 2423160"/>
+              <a:gd name="connsiteY0" fmla="*/ 0 h 2926080"/>
+              <a:gd name="connsiteX1" fmla="*/ 0 w 2423160"/>
+              <a:gd name="connsiteY1" fmla="*/ 1478280 h 2926080"/>
+              <a:gd name="connsiteX2" fmla="*/ 2423160 w 2423160"/>
+              <a:gd name="connsiteY2" fmla="*/ 1417320 h 2926080"/>
+              <a:gd name="connsiteX3" fmla="*/ 1935480 w 2423160"/>
+              <a:gd name="connsiteY3" fmla="*/ 2926080 h 2926080"/>
+              <a:gd name="connsiteX4" fmla="*/ 1524000 w 2423160"/>
+              <a:gd name="connsiteY4" fmla="*/ 2804160 h 2926080"/>
+              <a:gd name="connsiteX5" fmla="*/ 1386840 w 2423160"/>
+              <a:gd name="connsiteY5" fmla="*/ 2788920 h 2926080"/>
+              <a:gd name="connsiteX6" fmla="*/ 1310640 w 2423160"/>
+              <a:gd name="connsiteY6" fmla="*/ 2758440 h 2926080"/>
+              <a:gd name="connsiteX7" fmla="*/ 1249680 w 2423160"/>
+              <a:gd name="connsiteY7" fmla="*/ 2743200 h 2926080"/>
+              <a:gd name="connsiteX8" fmla="*/ 1158240 w 2423160"/>
+              <a:gd name="connsiteY8" fmla="*/ 2697480 h 2926080"/>
+              <a:gd name="connsiteX9" fmla="*/ 975360 w 2423160"/>
+              <a:gd name="connsiteY9" fmla="*/ 2621280 h 2926080"/>
+              <a:gd name="connsiteX10" fmla="*/ 853440 w 2423160"/>
+              <a:gd name="connsiteY10" fmla="*/ 2529840 h 2926080"/>
+              <a:gd name="connsiteX11" fmla="*/ 807720 w 2423160"/>
+              <a:gd name="connsiteY11" fmla="*/ 2484120 h 2926080"/>
+              <a:gd name="connsiteX12" fmla="*/ 762000 w 2423160"/>
+              <a:gd name="connsiteY12" fmla="*/ 2468880 h 2926080"/>
+              <a:gd name="connsiteX13" fmla="*/ 716280 w 2423160"/>
+              <a:gd name="connsiteY13" fmla="*/ 2316480 h 2926080"/>
+              <a:gd name="connsiteX14" fmla="*/ 746760 w 2423160"/>
+              <a:gd name="connsiteY14" fmla="*/ 2118360 h 2926080"/>
+              <a:gd name="connsiteX15" fmla="*/ 777240 w 2423160"/>
+              <a:gd name="connsiteY15" fmla="*/ 2042160 h 2926080"/>
+              <a:gd name="connsiteX16" fmla="*/ 822960 w 2423160"/>
+              <a:gd name="connsiteY16" fmla="*/ 1996440 h 2926080"/>
+              <a:gd name="connsiteX17" fmla="*/ 883920 w 2423160"/>
+              <a:gd name="connsiteY17" fmla="*/ 1874520 h 2926080"/>
+              <a:gd name="connsiteX18" fmla="*/ 914400 w 2423160"/>
+              <a:gd name="connsiteY18" fmla="*/ 1813560 h 2926080"/>
+              <a:gd name="connsiteX19" fmla="*/ 960120 w 2423160"/>
+              <a:gd name="connsiteY19" fmla="*/ 1783080 h 2926080"/>
+              <a:gd name="connsiteX20" fmla="*/ 990600 w 2423160"/>
+              <a:gd name="connsiteY20" fmla="*/ 1737360 h 2926080"/>
+              <a:gd name="connsiteX21" fmla="*/ 1051560 w 2423160"/>
+              <a:gd name="connsiteY21" fmla="*/ 1706880 h 2926080"/>
+              <a:gd name="connsiteX22" fmla="*/ 1325880 w 2423160"/>
+              <a:gd name="connsiteY22" fmla="*/ 1722120 h 2926080"/>
+              <a:gd name="connsiteX23" fmla="*/ 1356360 w 2423160"/>
+              <a:gd name="connsiteY23" fmla="*/ 1722120 h 2926080"/>
+              <a:gd name="connsiteX24" fmla="*/ 1097280 w 2423160"/>
+              <a:gd name="connsiteY24" fmla="*/ 0 h 2926080"/>
+            </a:gdLst>
+            <a:ahLst/>
+            <a:cxnLst>
+              <a:cxn ang="0">
+                <a:pos x="connsiteX0" y="connsiteY0"/>
+              </a:cxn>
+              <a:cxn ang="0">
+                <a:pos x="connsiteX1" y="connsiteY1"/>
+              </a:cxn>
+              <a:cxn ang="0">
+                <a:pos x="connsiteX2" y="connsiteY2"/>
+              </a:cxn>
+              <a:cxn ang="0">
+                <a:pos x="connsiteX3" y="connsiteY3"/>
+              </a:cxn>
+              <a:cxn ang="0">
+                <a:pos x="connsiteX4" y="connsiteY4"/>
+              </a:cxn>
+              <a:cxn ang="0">
+                <a:pos x="connsiteX5" y="connsiteY5"/>
+              </a:cxn>
+              <a:cxn ang="0">
+                <a:pos x="connsiteX6" y="connsiteY6"/>
+              </a:cxn>
+              <a:cxn ang="0">
+                <a:pos x="connsiteX7" y="connsiteY7"/>
+              </a:cxn>
+              <a:cxn ang="0">
+                <a:pos x="connsiteX8" y="connsiteY8"/>
+              </a:cxn>
+              <a:cxn ang="0">
+                <a:pos x="connsiteX9" y="connsiteY9"/>
+              </a:cxn>
+              <a:cxn ang="0">
+                <a:pos x="connsiteX10" y="connsiteY10"/>
+              </a:cxn>
+              <a:cxn ang="0">
+                <a:pos x="connsiteX11" y="connsiteY11"/>
+              </a:cxn>
+              <a:cxn ang="0">
+                <a:pos x="connsiteX12" y="connsiteY12"/>
+              </a:cxn>
+              <a:cxn ang="0">
+                <a:pos x="connsiteX13" y="connsiteY13"/>
+              </a:cxn>
+              <a:cxn ang="0">
+                <a:pos x="connsiteX14" y="connsiteY14"/>
+              </a:cxn>
+              <a:cxn ang="0">
+                <a:pos x="connsiteX15" y="connsiteY15"/>
+              </a:cxn>
+              <a:cxn ang="0">
+                <a:pos x="connsiteX16" y="connsiteY16"/>
+              </a:cxn>
+              <a:cxn ang="0">
+                <a:pos x="connsiteX17" y="connsiteY17"/>
+              </a:cxn>
+              <a:cxn ang="0">
+                <a:pos x="connsiteX18" y="connsiteY18"/>
+              </a:cxn>
+              <a:cxn ang="0">
+                <a:pos x="connsiteX19" y="connsiteY19"/>
+              </a:cxn>
+              <a:cxn ang="0">
+                <a:pos x="connsiteX20" y="connsiteY20"/>
+              </a:cxn>
+              <a:cxn ang="0">
+                <a:pos x="connsiteX21" y="connsiteY21"/>
+              </a:cxn>
+              <a:cxn ang="0">
+                <a:pos x="connsiteX22" y="connsiteY22"/>
+              </a:cxn>
+              <a:cxn ang="0">
+                <a:pos x="connsiteX23" y="connsiteY23"/>
+              </a:cxn>
+              <a:cxn ang="0">
+                <a:pos x="connsiteX24" y="connsiteY24"/>
+              </a:cxn>
+            </a:cxnLst>
+            <a:rect l="l" t="t" r="r" b="b"/>
+            <a:pathLst>
+              <a:path w="2423160" h="2926080">
+                <a:moveTo>
+                  <a:pt x="1097280" y="0"/>
+                </a:moveTo>
+                <a:lnTo>
+                  <a:pt x="0" y="1478280"/>
+                </a:lnTo>
+                <a:lnTo>
+                  <a:pt x="2423160" y="1417320"/>
+                </a:lnTo>
+                <a:lnTo>
+                  <a:pt x="1935480" y="2926080"/>
+                </a:lnTo>
+                <a:cubicBezTo>
+                  <a:pt x="1873772" y="2906796"/>
+                  <a:pt x="1612312" y="2821822"/>
+                  <a:pt x="1524000" y="2804160"/>
+                </a:cubicBezTo>
+                <a:cubicBezTo>
+                  <a:pt x="1478892" y="2795138"/>
+                  <a:pt x="1432560" y="2794000"/>
+                  <a:pt x="1386840" y="2788920"/>
+                </a:cubicBezTo>
+                <a:cubicBezTo>
+                  <a:pt x="1361440" y="2778760"/>
+                  <a:pt x="1336593" y="2767091"/>
+                  <a:pt x="1310640" y="2758440"/>
+                </a:cubicBezTo>
+                <a:cubicBezTo>
+                  <a:pt x="1290769" y="2751816"/>
+                  <a:pt x="1269127" y="2750979"/>
+                  <a:pt x="1249680" y="2743200"/>
+                </a:cubicBezTo>
+                <a:cubicBezTo>
+                  <a:pt x="1218040" y="2730544"/>
+                  <a:pt x="1189381" y="2711320"/>
+                  <a:pt x="1158240" y="2697480"/>
+                </a:cubicBezTo>
+                <a:cubicBezTo>
+                  <a:pt x="1097892" y="2670659"/>
+                  <a:pt x="1028192" y="2660904"/>
+                  <a:pt x="975360" y="2621280"/>
+                </a:cubicBezTo>
+                <a:cubicBezTo>
+                  <a:pt x="934720" y="2590800"/>
+                  <a:pt x="889361" y="2565761"/>
+                  <a:pt x="853440" y="2529840"/>
+                </a:cubicBezTo>
+                <a:cubicBezTo>
+                  <a:pt x="838200" y="2514600"/>
+                  <a:pt x="825653" y="2496075"/>
+                  <a:pt x="807720" y="2484120"/>
+                </a:cubicBezTo>
+                <a:cubicBezTo>
+                  <a:pt x="794354" y="2475209"/>
+                  <a:pt x="777240" y="2473960"/>
+                  <a:pt x="762000" y="2468880"/>
+                </a:cubicBezTo>
+                <a:cubicBezTo>
+                  <a:pt x="760227" y="2463560"/>
+                  <a:pt x="716280" y="2339512"/>
+                  <a:pt x="716280" y="2316480"/>
+                </a:cubicBezTo>
+                <a:cubicBezTo>
+                  <a:pt x="716280" y="2269136"/>
+                  <a:pt x="728355" y="2173574"/>
+                  <a:pt x="746760" y="2118360"/>
+                </a:cubicBezTo>
+                <a:cubicBezTo>
+                  <a:pt x="755411" y="2092407"/>
+                  <a:pt x="762741" y="2065358"/>
+                  <a:pt x="777240" y="2042160"/>
+                </a:cubicBezTo>
+                <a:cubicBezTo>
+                  <a:pt x="788663" y="2023883"/>
+                  <a:pt x="811389" y="2014623"/>
+                  <a:pt x="822960" y="1996440"/>
+                </a:cubicBezTo>
+                <a:cubicBezTo>
+                  <a:pt x="847354" y="1958107"/>
+                  <a:pt x="863600" y="1915160"/>
+                  <a:pt x="883920" y="1874520"/>
+                </a:cubicBezTo>
+                <a:cubicBezTo>
+                  <a:pt x="894080" y="1854200"/>
+                  <a:pt x="895497" y="1826162"/>
+                  <a:pt x="914400" y="1813560"/>
+                </a:cubicBezTo>
+                <a:lnTo>
+                  <a:pt x="960120" y="1783080"/>
+                </a:lnTo>
+                <a:cubicBezTo>
+                  <a:pt x="970280" y="1767840"/>
+                  <a:pt x="976529" y="1749086"/>
+                  <a:pt x="990600" y="1737360"/>
+                </a:cubicBezTo>
+                <a:cubicBezTo>
+                  <a:pt x="1008053" y="1722816"/>
+                  <a:pt x="1028865" y="1707912"/>
+                  <a:pt x="1051560" y="1706880"/>
+                </a:cubicBezTo>
+                <a:cubicBezTo>
+                  <a:pt x="1143047" y="1702722"/>
+                  <a:pt x="1234413" y="1717547"/>
+                  <a:pt x="1325880" y="1722120"/>
+                </a:cubicBezTo>
+                <a:cubicBezTo>
+                  <a:pt x="1336027" y="1722627"/>
+                  <a:pt x="1346200" y="1722120"/>
+                  <a:pt x="1356360" y="1722120"/>
+                </a:cubicBezTo>
+                <a:lnTo>
+                  <a:pt x="1097280" y="0"/>
+                </a:lnTo>
+                <a:close/>
+              </a:path>
+            </a:pathLst>
+          </a:custGeom>
+          <a:ln w="254000" cap="flat">
+            <a:solidFill>
+              <a:schemeClr val="accent1">
+                <a:shade val="15000"/>
+                <a:alpha val="61000"/>
+              </a:schemeClr>
+            </a:solidFill>
+            <a:round/>
+          </a:ln>
+        </p:spPr>
+        <p:style>
+          <a:lnRef idx="2">
+            <a:schemeClr val="accent1">
+              <a:shade val="15000"/>
+            </a:schemeClr>
+          </a:lnRef>
+          <a:fillRef idx="1">
+            <a:schemeClr val="accent1"/>
+          </a:fillRef>
+          <a:effectRef idx="0">
+            <a:schemeClr val="accent1"/>
+          </a:effectRef>
+          <a:fontRef idx="minor">
+            <a:schemeClr val="lt1"/>
+          </a:fontRef>
+        </p:style>
+        <p:txBody>
+          <a:bodyPr rtlCol="0" anchor="ctr"/>
+          <a:lstStyle/>
+          <a:p>
+            <a:pPr algn="ctr"/>
+            <a:endParaRPr lang="zh-CN" altLang="en-US" dirty="0"/>
+          </a:p>
+        </p:txBody>
+      </p:sp>
+      <p:sp>
+        <p:nvSpPr>
+          <p:cNvPr id="5" name="任意多边形: 形状 4">
+            <a:extLst>
+              <a:ext uri="{FF2B5EF4-FFF2-40B4-BE49-F238E27FC236}">
+                <a16:creationId xmlns:a16="http://schemas.microsoft.com/office/drawing/2014/main" id="{435D94C1-3BE9-A781-0EEC-5685ED8D3385}"/>
+              </a:ext>
+            </a:extLst>
+          </p:cNvPr>
+          <p:cNvSpPr/>
+          <p:nvPr/>
+        </p:nvSpPr>
+        <p:spPr>
+          <a:xfrm>
+            <a:off x="3672840" y="960120"/>
+            <a:ext cx="2423160" cy="2926080"/>
+          </a:xfrm>
+          <a:custGeom>
+            <a:avLst/>
+            <a:gdLst>
+              <a:gd name="connsiteX0" fmla="*/ 1097280 w 2423160"/>
+              <a:gd name="connsiteY0" fmla="*/ 0 h 2926080"/>
+              <a:gd name="connsiteX1" fmla="*/ 0 w 2423160"/>
+              <a:gd name="connsiteY1" fmla="*/ 1478280 h 2926080"/>
+              <a:gd name="connsiteX2" fmla="*/ 2423160 w 2423160"/>
+              <a:gd name="connsiteY2" fmla="*/ 1417320 h 2926080"/>
+              <a:gd name="connsiteX3" fmla="*/ 1935480 w 2423160"/>
+              <a:gd name="connsiteY3" fmla="*/ 2926080 h 2926080"/>
+              <a:gd name="connsiteX4" fmla="*/ 1524000 w 2423160"/>
+              <a:gd name="connsiteY4" fmla="*/ 2804160 h 2926080"/>
+              <a:gd name="connsiteX5" fmla="*/ 1386840 w 2423160"/>
+              <a:gd name="connsiteY5" fmla="*/ 2788920 h 2926080"/>
+              <a:gd name="connsiteX6" fmla="*/ 1310640 w 2423160"/>
+              <a:gd name="connsiteY6" fmla="*/ 2758440 h 2926080"/>
+              <a:gd name="connsiteX7" fmla="*/ 1249680 w 2423160"/>
+              <a:gd name="connsiteY7" fmla="*/ 2743200 h 2926080"/>
+              <a:gd name="connsiteX8" fmla="*/ 1158240 w 2423160"/>
+              <a:gd name="connsiteY8" fmla="*/ 2697480 h 2926080"/>
+              <a:gd name="connsiteX9" fmla="*/ 975360 w 2423160"/>
+              <a:gd name="connsiteY9" fmla="*/ 2621280 h 2926080"/>
+              <a:gd name="connsiteX10" fmla="*/ 853440 w 2423160"/>
+              <a:gd name="connsiteY10" fmla="*/ 2529840 h 2926080"/>
+              <a:gd name="connsiteX11" fmla="*/ 807720 w 2423160"/>
+              <a:gd name="connsiteY11" fmla="*/ 2484120 h 2926080"/>
+              <a:gd name="connsiteX12" fmla="*/ 762000 w 2423160"/>
+              <a:gd name="connsiteY12" fmla="*/ 2468880 h 2926080"/>
+              <a:gd name="connsiteX13" fmla="*/ 716280 w 2423160"/>
+              <a:gd name="connsiteY13" fmla="*/ 2316480 h 2926080"/>
+              <a:gd name="connsiteX14" fmla="*/ 746760 w 2423160"/>
+              <a:gd name="connsiteY14" fmla="*/ 2118360 h 2926080"/>
+              <a:gd name="connsiteX15" fmla="*/ 777240 w 2423160"/>
+              <a:gd name="connsiteY15" fmla="*/ 2042160 h 2926080"/>
+              <a:gd name="connsiteX16" fmla="*/ 822960 w 2423160"/>
+              <a:gd name="connsiteY16" fmla="*/ 1996440 h 2926080"/>
+              <a:gd name="connsiteX17" fmla="*/ 883920 w 2423160"/>
+              <a:gd name="connsiteY17" fmla="*/ 1874520 h 2926080"/>
+              <a:gd name="connsiteX18" fmla="*/ 914400 w 2423160"/>
+              <a:gd name="connsiteY18" fmla="*/ 1813560 h 2926080"/>
+              <a:gd name="connsiteX19" fmla="*/ 960120 w 2423160"/>
+              <a:gd name="connsiteY19" fmla="*/ 1783080 h 2926080"/>
+              <a:gd name="connsiteX20" fmla="*/ 990600 w 2423160"/>
+              <a:gd name="connsiteY20" fmla="*/ 1737360 h 2926080"/>
+              <a:gd name="connsiteX21" fmla="*/ 1051560 w 2423160"/>
+              <a:gd name="connsiteY21" fmla="*/ 1706880 h 2926080"/>
+              <a:gd name="connsiteX22" fmla="*/ 1325880 w 2423160"/>
+              <a:gd name="connsiteY22" fmla="*/ 1722120 h 2926080"/>
+              <a:gd name="connsiteX23" fmla="*/ 1356360 w 2423160"/>
+              <a:gd name="connsiteY23" fmla="*/ 1722120 h 2926080"/>
+              <a:gd name="connsiteX24" fmla="*/ 1097280 w 2423160"/>
+              <a:gd name="connsiteY24" fmla="*/ 0 h 2926080"/>
+            </a:gdLst>
+            <a:ahLst/>
+            <a:cxnLst>
+              <a:cxn ang="0">
+                <a:pos x="connsiteX0" y="connsiteY0"/>
+              </a:cxn>
+              <a:cxn ang="0">
+                <a:pos x="connsiteX1" y="connsiteY1"/>
+              </a:cxn>
+              <a:cxn ang="0">
+                <a:pos x="connsiteX2" y="connsiteY2"/>
+              </a:cxn>
+              <a:cxn ang="0">
+                <a:pos x="connsiteX3" y="connsiteY3"/>
+              </a:cxn>
+              <a:cxn ang="0">
+                <a:pos x="connsiteX4" y="connsiteY4"/>
+              </a:cxn>
+              <a:cxn ang="0">
+                <a:pos x="connsiteX5" y="connsiteY5"/>
+              </a:cxn>
+              <a:cxn ang="0">
+                <a:pos x="connsiteX6" y="connsiteY6"/>
+              </a:cxn>
+              <a:cxn ang="0">
+                <a:pos x="connsiteX7" y="connsiteY7"/>
+              </a:cxn>
+              <a:cxn ang="0">
+                <a:pos x="connsiteX8" y="connsiteY8"/>
+              </a:cxn>
+              <a:cxn ang="0">
+                <a:pos x="connsiteX9" y="connsiteY9"/>
+              </a:cxn>
+              <a:cxn ang="0">
+                <a:pos x="connsiteX10" y="connsiteY10"/>
+              </a:cxn>
+              <a:cxn ang="0">
+                <a:pos x="connsiteX11" y="connsiteY11"/>
+              </a:cxn>
+              <a:cxn ang="0">
+                <a:pos x="connsiteX12" y="connsiteY12"/>
+              </a:cxn>
+              <a:cxn ang="0">
+                <a:pos x="connsiteX13" y="connsiteY13"/>
+              </a:cxn>
+              <a:cxn ang="0">
+                <a:pos x="connsiteX14" y="connsiteY14"/>
+              </a:cxn>
+              <a:cxn ang="0">
+                <a:pos x="connsiteX15" y="connsiteY15"/>
+              </a:cxn>
+              <a:cxn ang="0">
+                <a:pos x="connsiteX16" y="connsiteY16"/>
+              </a:cxn>
+              <a:cxn ang="0">
+                <a:pos x="connsiteX17" y="connsiteY17"/>
+              </a:cxn>
+              <a:cxn ang="0">
+                <a:pos x="connsiteX18" y="connsiteY18"/>
+              </a:cxn>
+              <a:cxn ang="0">
+                <a:pos x="connsiteX19" y="connsiteY19"/>
+              </a:cxn>
+              <a:cxn ang="0">
+                <a:pos x="connsiteX20" y="connsiteY20"/>
+              </a:cxn>
+              <a:cxn ang="0">
+                <a:pos x="connsiteX21" y="connsiteY21"/>
+              </a:cxn>
+              <a:cxn ang="0">
+                <a:pos x="connsiteX22" y="connsiteY22"/>
+              </a:cxn>
+              <a:cxn ang="0">
+                <a:pos x="connsiteX23" y="connsiteY23"/>
+              </a:cxn>
+              <a:cxn ang="0">
+                <a:pos x="connsiteX24" y="connsiteY24"/>
+              </a:cxn>
+            </a:cxnLst>
+            <a:rect l="l" t="t" r="r" b="b"/>
+            <a:pathLst>
+              <a:path w="2423160" h="2926080">
+                <a:moveTo>
+                  <a:pt x="1097280" y="0"/>
+                </a:moveTo>
+                <a:lnTo>
+                  <a:pt x="0" y="1478280"/>
+                </a:lnTo>
+                <a:lnTo>
+                  <a:pt x="2423160" y="1417320"/>
+                </a:lnTo>
+                <a:lnTo>
+                  <a:pt x="1935480" y="2926080"/>
+                </a:lnTo>
+                <a:cubicBezTo>
+                  <a:pt x="1873772" y="2906796"/>
+                  <a:pt x="1612312" y="2821822"/>
+                  <a:pt x="1524000" y="2804160"/>
+                </a:cubicBezTo>
+                <a:cubicBezTo>
+                  <a:pt x="1478892" y="2795138"/>
+                  <a:pt x="1432560" y="2794000"/>
+                  <a:pt x="1386840" y="2788920"/>
+                </a:cubicBezTo>
+                <a:cubicBezTo>
+                  <a:pt x="1361440" y="2778760"/>
+                  <a:pt x="1336593" y="2767091"/>
+                  <a:pt x="1310640" y="2758440"/>
+                </a:cubicBezTo>
+                <a:cubicBezTo>
+                  <a:pt x="1290769" y="2751816"/>
+                  <a:pt x="1269127" y="2750979"/>
+                  <a:pt x="1249680" y="2743200"/>
+                </a:cubicBezTo>
+                <a:cubicBezTo>
+                  <a:pt x="1218040" y="2730544"/>
+                  <a:pt x="1189381" y="2711320"/>
+                  <a:pt x="1158240" y="2697480"/>
+                </a:cubicBezTo>
+                <a:cubicBezTo>
+                  <a:pt x="1097892" y="2670659"/>
+                  <a:pt x="1028192" y="2660904"/>
+                  <a:pt x="975360" y="2621280"/>
+                </a:cubicBezTo>
+                <a:cubicBezTo>
+                  <a:pt x="934720" y="2590800"/>
+                  <a:pt x="889361" y="2565761"/>
+                  <a:pt x="853440" y="2529840"/>
+                </a:cubicBezTo>
+                <a:cubicBezTo>
+                  <a:pt x="838200" y="2514600"/>
+                  <a:pt x="825653" y="2496075"/>
+                  <a:pt x="807720" y="2484120"/>
+                </a:cubicBezTo>
+                <a:cubicBezTo>
+                  <a:pt x="794354" y="2475209"/>
+                  <a:pt x="777240" y="2473960"/>
+                  <a:pt x="762000" y="2468880"/>
+                </a:cubicBezTo>
+                <a:cubicBezTo>
+                  <a:pt x="760227" y="2463560"/>
+                  <a:pt x="716280" y="2339512"/>
+                  <a:pt x="716280" y="2316480"/>
+                </a:cubicBezTo>
+                <a:cubicBezTo>
+                  <a:pt x="716280" y="2269136"/>
+                  <a:pt x="728355" y="2173574"/>
+                  <a:pt x="746760" y="2118360"/>
+                </a:cubicBezTo>
+                <a:cubicBezTo>
+                  <a:pt x="755411" y="2092407"/>
+                  <a:pt x="762741" y="2065358"/>
+                  <a:pt x="777240" y="2042160"/>
+                </a:cubicBezTo>
+                <a:cubicBezTo>
+                  <a:pt x="788663" y="2023883"/>
+                  <a:pt x="811389" y="2014623"/>
+                  <a:pt x="822960" y="1996440"/>
+                </a:cubicBezTo>
+                <a:cubicBezTo>
+                  <a:pt x="847354" y="1958107"/>
+                  <a:pt x="863600" y="1915160"/>
+                  <a:pt x="883920" y="1874520"/>
+                </a:cubicBezTo>
+                <a:cubicBezTo>
+                  <a:pt x="894080" y="1854200"/>
+                  <a:pt x="895497" y="1826162"/>
+                  <a:pt x="914400" y="1813560"/>
+                </a:cubicBezTo>
+                <a:lnTo>
+                  <a:pt x="960120" y="1783080"/>
+                </a:lnTo>
+                <a:cubicBezTo>
+                  <a:pt x="970280" y="1767840"/>
+                  <a:pt x="976529" y="1749086"/>
+                  <a:pt x="990600" y="1737360"/>
+                </a:cubicBezTo>
+                <a:cubicBezTo>
+                  <a:pt x="1008053" y="1722816"/>
+                  <a:pt x="1028865" y="1707912"/>
+                  <a:pt x="1051560" y="1706880"/>
+                </a:cubicBezTo>
+                <a:cubicBezTo>
+                  <a:pt x="1143047" y="1702722"/>
+                  <a:pt x="1234413" y="1717547"/>
+                  <a:pt x="1325880" y="1722120"/>
+                </a:cubicBezTo>
+                <a:cubicBezTo>
+                  <a:pt x="1336027" y="1722627"/>
+                  <a:pt x="1346200" y="1722120"/>
+                  <a:pt x="1356360" y="1722120"/>
+                </a:cubicBezTo>
+                <a:lnTo>
+                  <a:pt x="1097280" y="0"/>
+                </a:lnTo>
+                <a:close/>
+              </a:path>
+            </a:pathLst>
+          </a:custGeom>
+          <a:ln w="381000">
+            <a:bevel/>
+          </a:ln>
+        </p:spPr>
+        <p:style>
+          <a:lnRef idx="2">
+            <a:schemeClr val="accent1">
+              <a:shade val="15000"/>
+            </a:schemeClr>
+          </a:lnRef>
+          <a:fillRef idx="1">
+            <a:schemeClr val="accent1"/>
+          </a:fillRef>
+          <a:effectRef idx="0">
+            <a:schemeClr val="accent1"/>
+          </a:effectRef>
+          <a:fontRef idx="minor">
+            <a:schemeClr val="lt1"/>
+          </a:fontRef>
+        </p:style>
+        <p:txBody>
+          <a:bodyPr rtlCol="0" anchor="ctr"/>
+          <a:lstStyle/>
+          <a:p>
+            <a:pPr algn="ctr"/>
+            <a:endParaRPr lang="zh-CN" altLang="en-US"/>
+          </a:p>
+        </p:txBody>
+      </p:sp>
+      <p:sp>
+        <p:nvSpPr>
+          <p:cNvPr id="6" name="任意多边形: 形状 5">
+            <a:extLst>
+              <a:ext uri="{FF2B5EF4-FFF2-40B4-BE49-F238E27FC236}">
+                <a16:creationId xmlns:a16="http://schemas.microsoft.com/office/drawing/2014/main" id="{234CD955-5E1B-184B-4232-A71596DA0D77}"/>
+              </a:ext>
+            </a:extLst>
+          </p:cNvPr>
+          <p:cNvSpPr/>
+          <p:nvPr/>
+        </p:nvSpPr>
+        <p:spPr>
+          <a:xfrm>
+            <a:off x="6362702" y="960120"/>
+            <a:ext cx="2423160" cy="2926080"/>
+          </a:xfrm>
+          <a:custGeom>
+            <a:avLst/>
+            <a:gdLst>
+              <a:gd name="connsiteX0" fmla="*/ 1097280 w 2423160"/>
+              <a:gd name="connsiteY0" fmla="*/ 0 h 2926080"/>
+              <a:gd name="connsiteX1" fmla="*/ 0 w 2423160"/>
+              <a:gd name="connsiteY1" fmla="*/ 1478280 h 2926080"/>
+              <a:gd name="connsiteX2" fmla="*/ 2423160 w 2423160"/>
+              <a:gd name="connsiteY2" fmla="*/ 1417320 h 2926080"/>
+              <a:gd name="connsiteX3" fmla="*/ 1935480 w 2423160"/>
+              <a:gd name="connsiteY3" fmla="*/ 2926080 h 2926080"/>
+              <a:gd name="connsiteX4" fmla="*/ 1524000 w 2423160"/>
+              <a:gd name="connsiteY4" fmla="*/ 2804160 h 2926080"/>
+              <a:gd name="connsiteX5" fmla="*/ 1386840 w 2423160"/>
+              <a:gd name="connsiteY5" fmla="*/ 2788920 h 2926080"/>
+              <a:gd name="connsiteX6" fmla="*/ 1310640 w 2423160"/>
+              <a:gd name="connsiteY6" fmla="*/ 2758440 h 2926080"/>
+              <a:gd name="connsiteX7" fmla="*/ 1249680 w 2423160"/>
+              <a:gd name="connsiteY7" fmla="*/ 2743200 h 2926080"/>
+              <a:gd name="connsiteX8" fmla="*/ 1158240 w 2423160"/>
+              <a:gd name="connsiteY8" fmla="*/ 2697480 h 2926080"/>
+              <a:gd name="connsiteX9" fmla="*/ 975360 w 2423160"/>
+              <a:gd name="connsiteY9" fmla="*/ 2621280 h 2926080"/>
+              <a:gd name="connsiteX10" fmla="*/ 853440 w 2423160"/>
+              <a:gd name="connsiteY10" fmla="*/ 2529840 h 2926080"/>
+              <a:gd name="connsiteX11" fmla="*/ 807720 w 2423160"/>
+              <a:gd name="connsiteY11" fmla="*/ 2484120 h 2926080"/>
+              <a:gd name="connsiteX12" fmla="*/ 762000 w 2423160"/>
+              <a:gd name="connsiteY12" fmla="*/ 2468880 h 2926080"/>
+              <a:gd name="connsiteX13" fmla="*/ 716280 w 2423160"/>
+              <a:gd name="connsiteY13" fmla="*/ 2316480 h 2926080"/>
+              <a:gd name="connsiteX14" fmla="*/ 746760 w 2423160"/>
+              <a:gd name="connsiteY14" fmla="*/ 2118360 h 2926080"/>
+              <a:gd name="connsiteX15" fmla="*/ 777240 w 2423160"/>
+              <a:gd name="connsiteY15" fmla="*/ 2042160 h 2926080"/>
+              <a:gd name="connsiteX16" fmla="*/ 822960 w 2423160"/>
+              <a:gd name="connsiteY16" fmla="*/ 1996440 h 2926080"/>
+              <a:gd name="connsiteX17" fmla="*/ 883920 w 2423160"/>
+              <a:gd name="connsiteY17" fmla="*/ 1874520 h 2926080"/>
+              <a:gd name="connsiteX18" fmla="*/ 914400 w 2423160"/>
+              <a:gd name="connsiteY18" fmla="*/ 1813560 h 2926080"/>
+              <a:gd name="connsiteX19" fmla="*/ 960120 w 2423160"/>
+              <a:gd name="connsiteY19" fmla="*/ 1783080 h 2926080"/>
+              <a:gd name="connsiteX20" fmla="*/ 990600 w 2423160"/>
+              <a:gd name="connsiteY20" fmla="*/ 1737360 h 2926080"/>
+              <a:gd name="connsiteX21" fmla="*/ 1051560 w 2423160"/>
+              <a:gd name="connsiteY21" fmla="*/ 1706880 h 2926080"/>
+              <a:gd name="connsiteX22" fmla="*/ 1325880 w 2423160"/>
+              <a:gd name="connsiteY22" fmla="*/ 1722120 h 2926080"/>
+              <a:gd name="connsiteX23" fmla="*/ 1356360 w 2423160"/>
+              <a:gd name="connsiteY23" fmla="*/ 1722120 h 2926080"/>
+              <a:gd name="connsiteX24" fmla="*/ 1097280 w 2423160"/>
+              <a:gd name="connsiteY24" fmla="*/ 0 h 2926080"/>
+            </a:gdLst>
+            <a:ahLst/>
+            <a:cxnLst>
+              <a:cxn ang="0">
+                <a:pos x="connsiteX0" y="connsiteY0"/>
+              </a:cxn>
+              <a:cxn ang="0">
+                <a:pos x="connsiteX1" y="connsiteY1"/>
+              </a:cxn>
+              <a:cxn ang="0">
+                <a:pos x="connsiteX2" y="connsiteY2"/>
+              </a:cxn>
+              <a:cxn ang="0">
+                <a:pos x="connsiteX3" y="connsiteY3"/>
+              </a:cxn>
+              <a:cxn ang="0">
+                <a:pos x="connsiteX4" y="connsiteY4"/>
+              </a:cxn>
+              <a:cxn ang="0">
+                <a:pos x="connsiteX5" y="connsiteY5"/>
+              </a:cxn>
+              <a:cxn ang="0">
+                <a:pos x="connsiteX6" y="connsiteY6"/>
+              </a:cxn>
+              <a:cxn ang="0">
+                <a:pos x="connsiteX7" y="connsiteY7"/>
+              </a:cxn>
+              <a:cxn ang="0">
+                <a:pos x="connsiteX8" y="connsiteY8"/>
+              </a:cxn>
+              <a:cxn ang="0">
+                <a:pos x="connsiteX9" y="connsiteY9"/>
+              </a:cxn>
+              <a:cxn ang="0">
+                <a:pos x="connsiteX10" y="connsiteY10"/>
+              </a:cxn>
+              <a:cxn ang="0">
+                <a:pos x="connsiteX11" y="connsiteY11"/>
+              </a:cxn>
+              <a:cxn ang="0">
+                <a:pos x="connsiteX12" y="connsiteY12"/>
+              </a:cxn>
+              <a:cxn ang="0">
+                <a:pos x="connsiteX13" y="connsiteY13"/>
+              </a:cxn>
+              <a:cxn ang="0">
+                <a:pos x="connsiteX14" y="connsiteY14"/>
+              </a:cxn>
+              <a:cxn ang="0">
+                <a:pos x="connsiteX15" y="connsiteY15"/>
+              </a:cxn>
+              <a:cxn ang="0">
+                <a:pos x="connsiteX16" y="connsiteY16"/>
+              </a:cxn>
+              <a:cxn ang="0">
+                <a:pos x="connsiteX17" y="connsiteY17"/>
+              </a:cxn>
+              <a:cxn ang="0">
+                <a:pos x="connsiteX18" y="connsiteY18"/>
+              </a:cxn>
+              <a:cxn ang="0">
+                <a:pos x="connsiteX19" y="connsiteY19"/>
+              </a:cxn>
+              <a:cxn ang="0">
+                <a:pos x="connsiteX20" y="connsiteY20"/>
+              </a:cxn>
+              <a:cxn ang="0">
+                <a:pos x="connsiteX21" y="connsiteY21"/>
+              </a:cxn>
+              <a:cxn ang="0">
+                <a:pos x="connsiteX22" y="connsiteY22"/>
+              </a:cxn>
+              <a:cxn ang="0">
+                <a:pos x="connsiteX23" y="connsiteY23"/>
+              </a:cxn>
+              <a:cxn ang="0">
+                <a:pos x="connsiteX24" y="connsiteY24"/>
+              </a:cxn>
+            </a:cxnLst>
+            <a:rect l="l" t="t" r="r" b="b"/>
+            <a:pathLst>
+              <a:path w="2423160" h="2926080">
+                <a:moveTo>
+                  <a:pt x="1097280" y="0"/>
+                </a:moveTo>
+                <a:lnTo>
+                  <a:pt x="0" y="1478280"/>
+                </a:lnTo>
+                <a:lnTo>
+                  <a:pt x="2423160" y="1417320"/>
+                </a:lnTo>
+                <a:lnTo>
+                  <a:pt x="1935480" y="2926080"/>
+                </a:lnTo>
+                <a:cubicBezTo>
+                  <a:pt x="1873772" y="2906796"/>
+                  <a:pt x="1612312" y="2821822"/>
+                  <a:pt x="1524000" y="2804160"/>
+                </a:cubicBezTo>
+                <a:cubicBezTo>
+                  <a:pt x="1478892" y="2795138"/>
+                  <a:pt x="1432560" y="2794000"/>
+                  <a:pt x="1386840" y="2788920"/>
+                </a:cubicBezTo>
+                <a:cubicBezTo>
+                  <a:pt x="1361440" y="2778760"/>
+                  <a:pt x="1336593" y="2767091"/>
+                  <a:pt x="1310640" y="2758440"/>
+                </a:cubicBezTo>
+                <a:cubicBezTo>
+                  <a:pt x="1290769" y="2751816"/>
+                  <a:pt x="1269127" y="2750979"/>
+                  <a:pt x="1249680" y="2743200"/>
+                </a:cubicBezTo>
+                <a:cubicBezTo>
+                  <a:pt x="1218040" y="2730544"/>
+                  <a:pt x="1189381" y="2711320"/>
+                  <a:pt x="1158240" y="2697480"/>
+                </a:cubicBezTo>
+                <a:cubicBezTo>
+                  <a:pt x="1097892" y="2670659"/>
+                  <a:pt x="1028192" y="2660904"/>
+                  <a:pt x="975360" y="2621280"/>
+                </a:cubicBezTo>
+                <a:cubicBezTo>
+                  <a:pt x="934720" y="2590800"/>
+                  <a:pt x="889361" y="2565761"/>
+                  <a:pt x="853440" y="2529840"/>
+                </a:cubicBezTo>
+                <a:cubicBezTo>
+                  <a:pt x="838200" y="2514600"/>
+                  <a:pt x="825653" y="2496075"/>
+                  <a:pt x="807720" y="2484120"/>
+                </a:cubicBezTo>
+                <a:cubicBezTo>
+                  <a:pt x="794354" y="2475209"/>
+                  <a:pt x="777240" y="2473960"/>
+                  <a:pt x="762000" y="2468880"/>
+                </a:cubicBezTo>
+                <a:cubicBezTo>
+                  <a:pt x="760227" y="2463560"/>
+                  <a:pt x="716280" y="2339512"/>
+                  <a:pt x="716280" y="2316480"/>
+                </a:cubicBezTo>
+                <a:cubicBezTo>
+                  <a:pt x="716280" y="2269136"/>
+                  <a:pt x="728355" y="2173574"/>
+                  <a:pt x="746760" y="2118360"/>
+                </a:cubicBezTo>
+                <a:cubicBezTo>
+                  <a:pt x="755411" y="2092407"/>
+                  <a:pt x="762741" y="2065358"/>
+                  <a:pt x="777240" y="2042160"/>
+                </a:cubicBezTo>
+                <a:cubicBezTo>
+                  <a:pt x="788663" y="2023883"/>
+                  <a:pt x="811389" y="2014623"/>
+                  <a:pt x="822960" y="1996440"/>
+                </a:cubicBezTo>
+                <a:cubicBezTo>
+                  <a:pt x="847354" y="1958107"/>
+                  <a:pt x="863600" y="1915160"/>
+                  <a:pt x="883920" y="1874520"/>
+                </a:cubicBezTo>
+                <a:cubicBezTo>
+                  <a:pt x="894080" y="1854200"/>
+                  <a:pt x="895497" y="1826162"/>
+                  <a:pt x="914400" y="1813560"/>
+                </a:cubicBezTo>
+                <a:lnTo>
+                  <a:pt x="960120" y="1783080"/>
+                </a:lnTo>
+                <a:cubicBezTo>
+                  <a:pt x="970280" y="1767840"/>
+                  <a:pt x="976529" y="1749086"/>
+                  <a:pt x="990600" y="1737360"/>
+                </a:cubicBezTo>
+                <a:cubicBezTo>
+                  <a:pt x="1008053" y="1722816"/>
+                  <a:pt x="1028865" y="1707912"/>
+                  <a:pt x="1051560" y="1706880"/>
+                </a:cubicBezTo>
+                <a:cubicBezTo>
+                  <a:pt x="1143047" y="1702722"/>
+                  <a:pt x="1234413" y="1717547"/>
+                  <a:pt x="1325880" y="1722120"/>
+                </a:cubicBezTo>
+                <a:cubicBezTo>
+                  <a:pt x="1336027" y="1722627"/>
+                  <a:pt x="1346200" y="1722120"/>
+                  <a:pt x="1356360" y="1722120"/>
+                </a:cubicBezTo>
+                <a:lnTo>
+                  <a:pt x="1097280" y="0"/>
+                </a:lnTo>
+                <a:close/>
+              </a:path>
+            </a:pathLst>
+          </a:custGeom>
+          <a:ln w="190500"/>
+        </p:spPr>
+        <p:style>
+          <a:lnRef idx="2">
+            <a:schemeClr val="accent1">
+              <a:shade val="15000"/>
+            </a:schemeClr>
+          </a:lnRef>
+          <a:fillRef idx="1">
+            <a:schemeClr val="accent1"/>
+          </a:fillRef>
+          <a:effectRef idx="0">
+            <a:schemeClr val="accent1"/>
+          </a:effectRef>
+          <a:fontRef idx="minor">
+            <a:schemeClr val="lt1"/>
+          </a:fontRef>
+        </p:style>
+        <p:txBody>
+          <a:bodyPr rtlCol="0" anchor="ctr"/>
+          <a:lstStyle/>
+          <a:p>
+            <a:pPr algn="ctr"/>
+            <a:endParaRPr lang="zh-CN" altLang="en-US"/>
+          </a:p>
+        </p:txBody>
+      </p:sp>
+      <p:cxnSp>
+        <p:nvCxnSpPr>
+          <p:cNvPr id="8" name="连接符: 肘形 7">
+            <a:extLst>
+              <a:ext uri="{FF2B5EF4-FFF2-40B4-BE49-F238E27FC236}">
+                <a16:creationId xmlns:a16="http://schemas.microsoft.com/office/drawing/2014/main" id="{87C5359B-8360-CF4E-BDFD-E57ED2E5195A}"/>
+              </a:ext>
+            </a:extLst>
+          </p:cNvPr>
+          <p:cNvCxnSpPr/>
+          <p:nvPr/>
+        </p:nvCxnSpPr>
+        <p:spPr>
+          <a:xfrm>
+            <a:off x="1005840" y="4693920"/>
+            <a:ext cx="1798320" cy="1295400"/>
+          </a:xfrm>
+          <a:prstGeom prst="bentConnector3">
+            <a:avLst/>
+          </a:prstGeom>
+          <a:ln w="254000" cap="sq"/>
+        </p:spPr>
+        <p:style>
+          <a:lnRef idx="1">
+            <a:schemeClr val="accent1"/>
+          </a:lnRef>
+          <a:fillRef idx="0">
+            <a:schemeClr val="accent1"/>
+          </a:fillRef>
+          <a:effectRef idx="0">
+            <a:schemeClr val="accent1"/>
+          </a:effectRef>
+          <a:fontRef idx="minor">
+            <a:schemeClr val="tx1"/>
+          </a:fontRef>
+        </p:style>
+      </p:cxnSp>
+      <p:cxnSp>
+        <p:nvCxnSpPr>
+          <p:cNvPr id="9" name="连接符: 肘形 8">
+            <a:extLst>
+              <a:ext uri="{FF2B5EF4-FFF2-40B4-BE49-F238E27FC236}">
+                <a16:creationId xmlns:a16="http://schemas.microsoft.com/office/drawing/2014/main" id="{5688E520-63F3-B49F-621E-0289DAF8E702}"/>
+              </a:ext>
+            </a:extLst>
+          </p:cNvPr>
+          <p:cNvCxnSpPr/>
+          <p:nvPr/>
+        </p:nvCxnSpPr>
+        <p:spPr>
+          <a:xfrm>
+            <a:off x="3966211" y="4815840"/>
+            <a:ext cx="1798320" cy="1295400"/>
+          </a:xfrm>
+          <a:prstGeom prst="bentConnector3">
+            <a:avLst/>
+          </a:prstGeom>
+          <a:ln w="254000" cap="rnd"/>
+        </p:spPr>
+        <p:style>
+          <a:lnRef idx="1">
+            <a:schemeClr val="accent1"/>
+          </a:lnRef>
+          <a:fillRef idx="0">
+            <a:schemeClr val="accent1"/>
+          </a:fillRef>
+          <a:effectRef idx="0">
+            <a:schemeClr val="accent1"/>
+          </a:effectRef>
+          <a:fontRef idx="minor">
+            <a:schemeClr val="tx1"/>
+          </a:fontRef>
+        </p:style>
+      </p:cxnSp>
+      <p:cxnSp>
+        <p:nvCxnSpPr>
+          <p:cNvPr id="10" name="连接符: 肘形 9">
+            <a:extLst>
+              <a:ext uri="{FF2B5EF4-FFF2-40B4-BE49-F238E27FC236}">
+                <a16:creationId xmlns:a16="http://schemas.microsoft.com/office/drawing/2014/main" id="{DCE556CD-96A1-E817-8FDD-D80D73985827}"/>
+              </a:ext>
+            </a:extLst>
+          </p:cNvPr>
+          <p:cNvCxnSpPr/>
+          <p:nvPr/>
+        </p:nvCxnSpPr>
+        <p:spPr>
+          <a:xfrm>
+            <a:off x="6987542" y="4815840"/>
+            <a:ext cx="1798320" cy="1295400"/>
+          </a:xfrm>
+          <a:prstGeom prst="bentConnector3">
+            <a:avLst/>
+          </a:prstGeom>
+          <a:ln w="254000">
+            <a:headEnd type="none" w="lg" len="lg"/>
+          </a:ln>
+        </p:spPr>
+        <p:style>
+          <a:lnRef idx="1">
+            <a:schemeClr val="accent1"/>
+          </a:lnRef>
+          <a:fillRef idx="0">
+            <a:schemeClr val="accent1"/>
+          </a:fillRef>
+          <a:effectRef idx="0">
+            <a:schemeClr val="accent1"/>
+          </a:effectRef>
+          <a:fontRef idx="minor">
+            <a:schemeClr val="tx1"/>
+          </a:fontRef>
+        </p:style>
+      </p:cxnSp>
+    </p:spTree>
+    <p:extLst>
+      <p:ext uri="{BB962C8B-B14F-4D97-AF65-F5344CB8AC3E}">
+        <p14:creationId xmlns:p14="http://schemas.microsoft.com/office/powerpoint/2010/main" val="2577615626"/>
+      </p:ext>
+    </p:extLst>
+  </p:cSld>
+  <p:clrMapOvr>
+    <a:masterClrMapping/>
+  </p:clrMapOvr>
+</p:sld>
+</file>
+
 <file path=ppt/slides/slide2.xml><?xml version="1.0" encoding="utf-8"?>
 <p:sld xmlns:a="http://schemas.openxmlformats.org/drawingml/2006/main" xmlns:r="http://schemas.openxmlformats.org/officeDocument/2006/relationships" xmlns:p="http://schemas.openxmlformats.org/presentationml/2006/main">
   <p:cSld>
@@ -11872,10 +12914,10 @@
       </p:sp>
       <p:sp>
         <p:nvSpPr>
-          <p:cNvPr id="32" name="椭圆 31">
-            <a:extLst>
-              <a:ext uri="{FF2B5EF4-FFF2-40B4-BE49-F238E27FC236}">
-                <a16:creationId xmlns:a16="http://schemas.microsoft.com/office/drawing/2014/main" id="{0715DE36-5DA9-68CE-33FC-098099B5A976}"/>
+          <p:cNvPr id="21" name="任意多边形: 形状 20">
+            <a:extLst>
+              <a:ext uri="{FF2B5EF4-FFF2-40B4-BE49-F238E27FC236}">
+                <a16:creationId xmlns:a16="http://schemas.microsoft.com/office/drawing/2014/main" id="{031978E8-7978-5DD0-5464-5064F4FC053C}"/>
               </a:ext>
             </a:extLst>
           </p:cNvPr>
@@ -11884,32 +12926,30 @@
         </p:nvSpPr>
         <p:spPr>
           <a:xfrm>
-            <a:off x="5210279" y="3875236"/>
-            <a:ext cx="5124450" cy="773723"/>
+            <a:off x="5267481" y="4002856"/>
+            <a:ext cx="1791432" cy="1791432"/>
           </a:xfrm>
           <a:custGeom>
             <a:avLst/>
             <a:gdLst>
-              <a:gd name="connsiteX0" fmla="*/ 0 w 3924300"/>
-              <a:gd name="connsiteY0" fmla="*/ 807008 h 1614016"/>
-              <a:gd name="connsiteX1" fmla="*/ 1962150 w 3924300"/>
-              <a:gd name="connsiteY1" fmla="*/ 0 h 1614016"/>
-              <a:gd name="connsiteX2" fmla="*/ 3924300 w 3924300"/>
-              <a:gd name="connsiteY2" fmla="*/ 807008 h 1614016"/>
-              <a:gd name="connsiteX3" fmla="*/ 1962150 w 3924300"/>
-              <a:gd name="connsiteY3" fmla="*/ 1614016 h 1614016"/>
-              <a:gd name="connsiteX4" fmla="*/ 0 w 3924300"/>
-              <a:gd name="connsiteY4" fmla="*/ 807008 h 1614016"/>
-              <a:gd name="connsiteX0" fmla="*/ 0 w 5124450"/>
-              <a:gd name="connsiteY0" fmla="*/ 864337 h 1614406"/>
-              <a:gd name="connsiteX1" fmla="*/ 3162300 w 5124450"/>
-              <a:gd name="connsiteY1" fmla="*/ 179 h 1614406"/>
-              <a:gd name="connsiteX2" fmla="*/ 5124450 w 5124450"/>
-              <a:gd name="connsiteY2" fmla="*/ 807187 h 1614406"/>
-              <a:gd name="connsiteX3" fmla="*/ 3162300 w 5124450"/>
-              <a:gd name="connsiteY3" fmla="*/ 1614195 h 1614406"/>
-              <a:gd name="connsiteX4" fmla="*/ 0 w 5124450"/>
-              <a:gd name="connsiteY4" fmla="*/ 864337 h 1614406"/>
+              <a:gd name="connsiteX0" fmla="*/ 149286 w 1791432"/>
+              <a:gd name="connsiteY0" fmla="*/ 0 h 1791432"/>
+              <a:gd name="connsiteX1" fmla="*/ 1407269 w 1791432"/>
+              <a:gd name="connsiteY1" fmla="*/ 0 h 1791432"/>
+              <a:gd name="connsiteX2" fmla="*/ 1791432 w 1791432"/>
+              <a:gd name="connsiteY2" fmla="*/ 358585 h 1791432"/>
+              <a:gd name="connsiteX3" fmla="*/ 1791432 w 1791432"/>
+              <a:gd name="connsiteY3" fmla="*/ 1642146 h 1791432"/>
+              <a:gd name="connsiteX4" fmla="*/ 1642146 w 1791432"/>
+              <a:gd name="connsiteY4" fmla="*/ 1791432 h 1791432"/>
+              <a:gd name="connsiteX5" fmla="*/ 149286 w 1791432"/>
+              <a:gd name="connsiteY5" fmla="*/ 1791432 h 1791432"/>
+              <a:gd name="connsiteX6" fmla="*/ 0 w 1791432"/>
+              <a:gd name="connsiteY6" fmla="*/ 1642146 h 1791432"/>
+              <a:gd name="connsiteX7" fmla="*/ 0 w 1791432"/>
+              <a:gd name="connsiteY7" fmla="*/ 149286 h 1791432"/>
+              <a:gd name="connsiteX8" fmla="*/ 149286 w 1791432"/>
+              <a:gd name="connsiteY8" fmla="*/ 0 h 1791432"/>
             </a:gdLst>
             <a:ahLst/>
             <a:cxnLst>
@@ -11928,59 +12968,464 @@
               <a:cxn ang="0">
                 <a:pos x="connsiteX4" y="connsiteY4"/>
               </a:cxn>
+              <a:cxn ang="0">
+                <a:pos x="connsiteX5" y="connsiteY5"/>
+              </a:cxn>
+              <a:cxn ang="0">
+                <a:pos x="connsiteX6" y="connsiteY6"/>
+              </a:cxn>
+              <a:cxn ang="0">
+                <a:pos x="connsiteX7" y="connsiteY7"/>
+              </a:cxn>
+              <a:cxn ang="0">
+                <a:pos x="connsiteX8" y="connsiteY8"/>
+              </a:cxn>
             </a:cxnLst>
             <a:rect l="l" t="t" r="r" b="b"/>
             <a:pathLst>
-              <a:path w="5124450" h="1614406">
+              <a:path w="1791432" h="1791432" extrusionOk="0">
                 <a:moveTo>
-                  <a:pt x="0" y="864337"/>
+                  <a:pt x="149286" y="0"/>
                 </a:moveTo>
                 <a:cubicBezTo>
-                  <a:pt x="0" y="418639"/>
-                  <a:pt x="2308225" y="9704"/>
-                  <a:pt x="3162300" y="179"/>
+                  <a:pt x="569611" y="-32113"/>
+                  <a:pt x="1262905" y="-112017"/>
+                  <a:pt x="1407269" y="0"/>
                 </a:cubicBezTo>
                 <a:cubicBezTo>
-                  <a:pt x="4016375" y="-9346"/>
-                  <a:pt x="5124450" y="361489"/>
-                  <a:pt x="5124450" y="807187"/>
+                  <a:pt x="1566882" y="192148"/>
+                  <a:pt x="1606597" y="246037"/>
+                  <a:pt x="1791432" y="358585"/>
                 </a:cubicBezTo>
                 <a:cubicBezTo>
-                  <a:pt x="5124450" y="1252885"/>
-                  <a:pt x="4016375" y="1604670"/>
-                  <a:pt x="3162300" y="1614195"/>
+                  <a:pt x="1838045" y="780191"/>
+                  <a:pt x="1754520" y="1192042"/>
+                  <a:pt x="1791432" y="1642146"/>
                 </a:cubicBezTo>
                 <a:cubicBezTo>
-                  <a:pt x="2308225" y="1623720"/>
-                  <a:pt x="0" y="1310035"/>
-                  <a:pt x="0" y="864337"/>
+                  <a:pt x="1780304" y="1718506"/>
+                  <a:pt x="1737525" y="1797610"/>
+                  <a:pt x="1642146" y="1791432"/>
+                </a:cubicBezTo>
+                <a:cubicBezTo>
+                  <a:pt x="1405377" y="1661706"/>
+                  <a:pt x="627508" y="1749630"/>
+                  <a:pt x="149286" y="1791432"/>
+                </a:cubicBezTo>
+                <a:cubicBezTo>
+                  <a:pt x="59034" y="1790237"/>
+                  <a:pt x="-8005" y="1732131"/>
+                  <a:pt x="0" y="1642146"/>
+                </a:cubicBezTo>
+                <a:cubicBezTo>
+                  <a:pt x="61231" y="1167461"/>
+                  <a:pt x="52242" y="430706"/>
+                  <a:pt x="0" y="149286"/>
+                </a:cubicBezTo>
+                <a:cubicBezTo>
+                  <a:pt x="5130" y="69710"/>
+                  <a:pt x="73704" y="1651"/>
+                  <a:pt x="149286" y="0"/>
                 </a:cubicBezTo>
                 <a:close/>
               </a:path>
             </a:pathLst>
           </a:custGeom>
+          <a:noFill/>
+          <a:ln w="198438" cap="rnd" cmpd="thinThick">
+            <a:gradFill>
+              <a:gsLst>
+                <a:gs pos="0">
+                  <a:schemeClr val="accent1">
+                    <a:lumMod val="5000"/>
+                    <a:lumOff val="95000"/>
+                  </a:schemeClr>
+                </a:gs>
+                <a:gs pos="74000">
+                  <a:schemeClr val="accent1">
+                    <a:lumMod val="45000"/>
+                    <a:lumOff val="55000"/>
+                  </a:schemeClr>
+                </a:gs>
+                <a:gs pos="83000">
+                  <a:schemeClr val="accent1">
+                    <a:lumMod val="45000"/>
+                    <a:lumOff val="55000"/>
+                  </a:schemeClr>
+                </a:gs>
+                <a:gs pos="100000">
+                  <a:schemeClr val="accent1">
+                    <a:lumMod val="30000"/>
+                    <a:lumOff val="70000"/>
+                  </a:schemeClr>
+                </a:gs>
+              </a:gsLst>
+              <a:lin ang="5400000" scaled="1"/>
+            </a:gradFill>
+            <a:prstDash val="sysDash"/>
+            <a:miter lim="800000"/>
+            <a:extLst>
+              <a:ext uri="{C807C97D-BFC1-408E-A445-0C87EB9F89A2}">
+                <ask:lineSketchStyleProps xmlns:ask="http://schemas.microsoft.com/office/drawing/2018/sketchyshapes" sd="1219033472">
+                  <a:custGeom>
+                    <a:avLst/>
+                    <a:gdLst>
+                      <a:gd name="connsiteX0" fmla="*/ 149286 w 1791432"/>
+                      <a:gd name="connsiteY0" fmla="*/ 0 h 1791432"/>
+                      <a:gd name="connsiteX1" fmla="*/ 1407269 w 1791432"/>
+                      <a:gd name="connsiteY1" fmla="*/ 0 h 1791432"/>
+                      <a:gd name="connsiteX2" fmla="*/ 1791432 w 1791432"/>
+                      <a:gd name="connsiteY2" fmla="*/ 358585 h 1791432"/>
+                      <a:gd name="connsiteX3" fmla="*/ 1791432 w 1791432"/>
+                      <a:gd name="connsiteY3" fmla="*/ 1642146 h 1791432"/>
+                      <a:gd name="connsiteX4" fmla="*/ 1642146 w 1791432"/>
+                      <a:gd name="connsiteY4" fmla="*/ 1791432 h 1791432"/>
+                      <a:gd name="connsiteX5" fmla="*/ 149286 w 1791432"/>
+                      <a:gd name="connsiteY5" fmla="*/ 1791432 h 1791432"/>
+                      <a:gd name="connsiteX6" fmla="*/ 0 w 1791432"/>
+                      <a:gd name="connsiteY6" fmla="*/ 1642146 h 1791432"/>
+                      <a:gd name="connsiteX7" fmla="*/ 0 w 1791432"/>
+                      <a:gd name="connsiteY7" fmla="*/ 149286 h 1791432"/>
+                      <a:gd name="connsiteX8" fmla="*/ 149286 w 1791432"/>
+                      <a:gd name="connsiteY8" fmla="*/ 0 h 1791432"/>
+                    </a:gdLst>
+                    <a:ahLst/>
+                    <a:cxnLst>
+                      <a:cxn ang="0">
+                        <a:pos x="connsiteX0" y="connsiteY0"/>
+                      </a:cxn>
+                      <a:cxn ang="0">
+                        <a:pos x="connsiteX1" y="connsiteY1"/>
+                      </a:cxn>
+                      <a:cxn ang="0">
+                        <a:pos x="connsiteX2" y="connsiteY2"/>
+                      </a:cxn>
+                      <a:cxn ang="0">
+                        <a:pos x="connsiteX3" y="connsiteY3"/>
+                      </a:cxn>
+                      <a:cxn ang="0">
+                        <a:pos x="connsiteX4" y="connsiteY4"/>
+                      </a:cxn>
+                      <a:cxn ang="0">
+                        <a:pos x="connsiteX5" y="connsiteY5"/>
+                      </a:cxn>
+                      <a:cxn ang="0">
+                        <a:pos x="connsiteX6" y="connsiteY6"/>
+                      </a:cxn>
+                      <a:cxn ang="0">
+                        <a:pos x="connsiteX7" y="connsiteY7"/>
+                      </a:cxn>
+                      <a:cxn ang="0">
+                        <a:pos x="connsiteX8" y="connsiteY8"/>
+                      </a:cxn>
+                    </a:cxnLst>
+                    <a:rect l="l" t="t" r="r" b="b"/>
+                    <a:pathLst>
+                      <a:path w="1791432" h="1791432">
+                        <a:moveTo>
+                          <a:pt x="149286" y="0"/>
+                        </a:moveTo>
+                        <a:lnTo>
+                          <a:pt x="1407269" y="0"/>
+                        </a:lnTo>
+                        <a:lnTo>
+                          <a:pt x="1791432" y="358585"/>
+                        </a:lnTo>
+                        <a:lnTo>
+                          <a:pt x="1791432" y="1642146"/>
+                        </a:lnTo>
+                        <a:cubicBezTo>
+                          <a:pt x="1791432" y="1724594"/>
+                          <a:pt x="1724594" y="1791432"/>
+                          <a:pt x="1642146" y="1791432"/>
+                        </a:cubicBezTo>
+                        <a:lnTo>
+                          <a:pt x="149286" y="1791432"/>
+                        </a:lnTo>
+                        <a:cubicBezTo>
+                          <a:pt x="66838" y="1791432"/>
+                          <a:pt x="0" y="1724594"/>
+                          <a:pt x="0" y="1642146"/>
+                        </a:cubicBezTo>
+                        <a:lnTo>
+                          <a:pt x="0" y="149286"/>
+                        </a:lnTo>
+                        <a:cubicBezTo>
+                          <a:pt x="0" y="66838"/>
+                          <a:pt x="66838" y="0"/>
+                          <a:pt x="149286" y="0"/>
+                        </a:cubicBezTo>
+                        <a:close/>
+                      </a:path>
+                    </a:pathLst>
+                  </a:custGeom>
+                  <ask:type>
+                    <ask:lineSketchCurved/>
+                  </ask:type>
+                </ask:lineSketchStyleProps>
+              </a:ext>
+            </a:extLst>
+          </a:ln>
         </p:spPr>
-        <p:style>
-          <a:lnRef idx="2">
-            <a:schemeClr val="accent1">
-              <a:shade val="15000"/>
-            </a:schemeClr>
-          </a:lnRef>
-          <a:fillRef idx="1">
-            <a:schemeClr val="accent1"/>
-          </a:fillRef>
-          <a:effectRef idx="0">
-            <a:schemeClr val="accent1"/>
-          </a:effectRef>
-          <a:fontRef idx="minor">
-            <a:schemeClr val="lt1"/>
-          </a:fontRef>
-        </p:style>
         <p:txBody>
           <a:bodyPr rtlCol="0" anchor="ctr"/>
           <a:lstStyle/>
           <a:p>
-            <a:pPr algn="ctr"/>
+            <a:endParaRPr lang="zh-CN" altLang="en-US"/>
+          </a:p>
+        </p:txBody>
+      </p:sp>
+      <p:sp>
+        <p:nvSpPr>
+          <p:cNvPr id="22" name="任意多边形: 形状 21">
+            <a:extLst>
+              <a:ext uri="{FF2B5EF4-FFF2-40B4-BE49-F238E27FC236}">
+                <a16:creationId xmlns:a16="http://schemas.microsoft.com/office/drawing/2014/main" id="{D646C1EB-D376-20A6-AD70-45E1D9F78550}"/>
+              </a:ext>
+            </a:extLst>
+          </p:cNvPr>
+          <p:cNvSpPr/>
+          <p:nvPr/>
+        </p:nvSpPr>
+        <p:spPr>
+          <a:xfrm>
+            <a:off x="5665577" y="4002856"/>
+            <a:ext cx="498018" cy="398096"/>
+          </a:xfrm>
+          <a:custGeom>
+            <a:avLst/>
+            <a:gdLst>
+              <a:gd name="connsiteX0" fmla="*/ 497620 w 498018"/>
+              <a:gd name="connsiteY0" fmla="*/ 367443 h 398096"/>
+              <a:gd name="connsiteX1" fmla="*/ 447858 w 498018"/>
+              <a:gd name="connsiteY1" fmla="*/ 398096 h 398096"/>
+              <a:gd name="connsiteX2" fmla="*/ 49762 w 498018"/>
+              <a:gd name="connsiteY2" fmla="*/ 398096 h 398096"/>
+              <a:gd name="connsiteX3" fmla="*/ 0 w 498018"/>
+              <a:gd name="connsiteY3" fmla="*/ 367443 h 398096"/>
+              <a:gd name="connsiteX4" fmla="*/ 0 w 498018"/>
+              <a:gd name="connsiteY4" fmla="*/ 0 h 398096"/>
+              <a:gd name="connsiteX5" fmla="*/ 498018 w 498018"/>
+              <a:gd name="connsiteY5" fmla="*/ 0 h 398096"/>
+              <a:gd name="connsiteX6" fmla="*/ 497620 w 498018"/>
+              <a:gd name="connsiteY6" fmla="*/ 367443 h 398096"/>
+            </a:gdLst>
+            <a:ahLst/>
+            <a:cxnLst>
+              <a:cxn ang="0">
+                <a:pos x="connsiteX0" y="connsiteY0"/>
+              </a:cxn>
+              <a:cxn ang="0">
+                <a:pos x="connsiteX1" y="connsiteY1"/>
+              </a:cxn>
+              <a:cxn ang="0">
+                <a:pos x="connsiteX2" y="connsiteY2"/>
+              </a:cxn>
+              <a:cxn ang="0">
+                <a:pos x="connsiteX3" y="connsiteY3"/>
+              </a:cxn>
+              <a:cxn ang="0">
+                <a:pos x="connsiteX4" y="connsiteY4"/>
+              </a:cxn>
+              <a:cxn ang="0">
+                <a:pos x="connsiteX5" y="connsiteY5"/>
+              </a:cxn>
+              <a:cxn ang="0">
+                <a:pos x="connsiteX6" y="connsiteY6"/>
+              </a:cxn>
+            </a:cxnLst>
+            <a:rect l="l" t="t" r="r" b="b"/>
+            <a:pathLst>
+              <a:path w="498018" h="398096">
+                <a:moveTo>
+                  <a:pt x="497620" y="367443"/>
+                </a:moveTo>
+                <a:cubicBezTo>
+                  <a:pt x="497620" y="384362"/>
+                  <a:pt x="475327" y="398096"/>
+                  <a:pt x="447858" y="398096"/>
+                </a:cubicBezTo>
+                <a:lnTo>
+                  <a:pt x="49762" y="398096"/>
+                </a:lnTo>
+                <a:cubicBezTo>
+                  <a:pt x="22293" y="398096"/>
+                  <a:pt x="0" y="384362"/>
+                  <a:pt x="0" y="367443"/>
+                </a:cubicBezTo>
+                <a:lnTo>
+                  <a:pt x="0" y="0"/>
+                </a:lnTo>
+                <a:lnTo>
+                  <a:pt x="498018" y="0"/>
+                </a:lnTo>
+                <a:lnTo>
+                  <a:pt x="497620" y="367443"/>
+                </a:lnTo>
+                <a:close/>
+              </a:path>
+            </a:pathLst>
+          </a:custGeom>
+          <a:noFill/>
+          <a:ln w="198438" cap="flat">
+            <a:gradFill>
+              <a:gsLst>
+                <a:gs pos="0">
+                  <a:schemeClr val="accent1">
+                    <a:lumMod val="5000"/>
+                    <a:lumOff val="95000"/>
+                  </a:schemeClr>
+                </a:gs>
+                <a:gs pos="74000">
+                  <a:schemeClr val="accent1">
+                    <a:lumMod val="45000"/>
+                    <a:lumOff val="55000"/>
+                  </a:schemeClr>
+                </a:gs>
+                <a:gs pos="83000">
+                  <a:schemeClr val="accent1">
+                    <a:lumMod val="45000"/>
+                    <a:lumOff val="55000"/>
+                  </a:schemeClr>
+                </a:gs>
+                <a:gs pos="100000">
+                  <a:schemeClr val="accent1">
+                    <a:lumMod val="30000"/>
+                    <a:lumOff val="70000"/>
+                  </a:schemeClr>
+                </a:gs>
+              </a:gsLst>
+              <a:lin ang="5400000" scaled="1"/>
+            </a:gradFill>
+            <a:prstDash val="solid"/>
+            <a:round/>
+          </a:ln>
+        </p:spPr>
+        <p:txBody>
+          <a:bodyPr rtlCol="0" anchor="ctr"/>
+          <a:lstStyle/>
+          <a:p>
+            <a:endParaRPr lang="zh-CN" altLang="en-US"/>
+          </a:p>
+        </p:txBody>
+      </p:sp>
+      <p:sp>
+        <p:nvSpPr>
+          <p:cNvPr id="23" name="任意多边形: 形状 22">
+            <a:extLst>
+              <a:ext uri="{FF2B5EF4-FFF2-40B4-BE49-F238E27FC236}">
+                <a16:creationId xmlns:a16="http://schemas.microsoft.com/office/drawing/2014/main" id="{2F190F6C-B06F-F395-BE16-8BAC0BF221B9}"/>
+              </a:ext>
+            </a:extLst>
+          </p:cNvPr>
+          <p:cNvSpPr/>
+          <p:nvPr/>
+        </p:nvSpPr>
+        <p:spPr>
+          <a:xfrm>
+            <a:off x="5416767" y="4002856"/>
+            <a:ext cx="1257983" cy="1393336"/>
+          </a:xfrm>
+          <a:custGeom>
+            <a:avLst/>
+            <a:gdLst>
+              <a:gd name="connsiteX0" fmla="*/ 0 w 1257983"/>
+              <a:gd name="connsiteY0" fmla="*/ 0 h 1393336"/>
+              <a:gd name="connsiteX1" fmla="*/ 1257983 w 1257983"/>
+              <a:gd name="connsiteY1" fmla="*/ 0 h 1393336"/>
+              <a:gd name="connsiteX2" fmla="*/ 248810 w 1257983"/>
+              <a:gd name="connsiteY2" fmla="*/ 995240 h 1393336"/>
+              <a:gd name="connsiteX3" fmla="*/ 1244050 w 1257983"/>
+              <a:gd name="connsiteY3" fmla="*/ 995240 h 1393336"/>
+              <a:gd name="connsiteX4" fmla="*/ 248810 w 1257983"/>
+              <a:gd name="connsiteY4" fmla="*/ 1393336 h 1393336"/>
+              <a:gd name="connsiteX5" fmla="*/ 746828 w 1257983"/>
+              <a:gd name="connsiteY5" fmla="*/ 1393336 h 1393336"/>
+            </a:gdLst>
+            <a:ahLst/>
+            <a:cxnLst>
+              <a:cxn ang="0">
+                <a:pos x="connsiteX0" y="connsiteY0"/>
+              </a:cxn>
+              <a:cxn ang="0">
+                <a:pos x="connsiteX1" y="connsiteY1"/>
+              </a:cxn>
+              <a:cxn ang="0">
+                <a:pos x="connsiteX2" y="connsiteY2"/>
+              </a:cxn>
+              <a:cxn ang="0">
+                <a:pos x="connsiteX3" y="connsiteY3"/>
+              </a:cxn>
+              <a:cxn ang="0">
+                <a:pos x="connsiteX4" y="connsiteY4"/>
+              </a:cxn>
+              <a:cxn ang="0">
+                <a:pos x="connsiteX5" y="connsiteY5"/>
+              </a:cxn>
+            </a:cxnLst>
+            <a:rect l="l" t="t" r="r" b="b"/>
+            <a:pathLst>
+              <a:path w="1257983" h="1393336">
+                <a:moveTo>
+                  <a:pt x="0" y="0"/>
+                </a:moveTo>
+                <a:lnTo>
+                  <a:pt x="1257983" y="0"/>
+                </a:lnTo>
+                <a:moveTo>
+                  <a:pt x="248810" y="995240"/>
+                </a:moveTo>
+                <a:lnTo>
+                  <a:pt x="1244050" y="995240"/>
+                </a:lnTo>
+                <a:moveTo>
+                  <a:pt x="248810" y="1393336"/>
+                </a:moveTo>
+                <a:lnTo>
+                  <a:pt x="746828" y="1393336"/>
+                </a:lnTo>
+              </a:path>
+            </a:pathLst>
+          </a:custGeom>
+          <a:noFill/>
+          <a:ln w="198438" cap="rnd">
+            <a:gradFill>
+              <a:gsLst>
+                <a:gs pos="0">
+                  <a:schemeClr val="accent1">
+                    <a:lumMod val="5000"/>
+                    <a:lumOff val="95000"/>
+                  </a:schemeClr>
+                </a:gs>
+                <a:gs pos="74000">
+                  <a:schemeClr val="accent1">
+                    <a:lumMod val="45000"/>
+                    <a:lumOff val="55000"/>
+                  </a:schemeClr>
+                </a:gs>
+                <a:gs pos="83000">
+                  <a:schemeClr val="accent1">
+                    <a:lumMod val="45000"/>
+                    <a:lumOff val="55000"/>
+                  </a:schemeClr>
+                </a:gs>
+                <a:gs pos="100000">
+                  <a:schemeClr val="accent1">
+                    <a:lumMod val="30000"/>
+                    <a:lumOff val="70000"/>
+                  </a:schemeClr>
+                </a:gs>
+              </a:gsLst>
+              <a:lin ang="5400000" scaled="1"/>
+            </a:gradFill>
+            <a:prstDash val="solid"/>
+            <a:round/>
+          </a:ln>
+        </p:spPr>
+        <p:txBody>
+          <a:bodyPr rtlCol="0" anchor="ctr"/>
+          <a:lstStyle/>
+          <a:p>
             <a:endParaRPr lang="zh-CN" altLang="en-US"/>
           </a:p>
         </p:txBody>

--- a/assets/ppt/simple.pptx
+++ b/assets/ppt/simple.pptx
@@ -8750,15 +8750,19 @@
               </a:ext>
             </a:extLst>
           </p:cNvPr>
-          <p:cNvCxnSpPr/>
+          <p:cNvCxnSpPr>
+            <a:cxnSpLocks/>
+            <a:stCxn id="24" idx="2"/>
+            <a:endCxn id="18" idx="1"/>
+          </p:cNvCxnSpPr>
           <p:nvPr/>
         </p:nvCxnSpPr>
         <p:spPr>
-          <a:xfrm>
-            <a:off x="3966211" y="4815840"/>
-            <a:ext cx="1798320" cy="1295400"/>
+          <a:xfrm rot="16200000" flipH="1">
+            <a:off x="8236919" y="3566459"/>
+            <a:ext cx="4076114" cy="769608"/>
           </a:xfrm>
-          <a:prstGeom prst="bentConnector3">
+          <a:prstGeom prst="bentConnector2">
             <a:avLst/>
           </a:prstGeom>
           <a:ln w="254000" cap="rnd"/>
@@ -8817,6 +8821,165 @@
           </a:fontRef>
         </p:style>
       </p:cxnSp>
+      <p:sp>
+        <p:nvSpPr>
+          <p:cNvPr id="18" name="矩形 17">
+            <a:extLst>
+              <a:ext uri="{FF2B5EF4-FFF2-40B4-BE49-F238E27FC236}">
+                <a16:creationId xmlns:a16="http://schemas.microsoft.com/office/drawing/2014/main" id="{2CF24F62-5A06-9F4E-ADD9-00E783E4FD3B}"/>
+              </a:ext>
+            </a:extLst>
+          </p:cNvPr>
+          <p:cNvSpPr/>
+          <p:nvPr/>
+        </p:nvSpPr>
+        <p:spPr>
+          <a:xfrm>
+            <a:off x="10659780" y="5585460"/>
+            <a:ext cx="756125" cy="807720"/>
+          </a:xfrm>
+          <a:prstGeom prst="rect">
+            <a:avLst/>
+          </a:prstGeom>
+        </p:spPr>
+        <p:style>
+          <a:lnRef idx="2">
+            <a:schemeClr val="accent1">
+              <a:shade val="50000"/>
+            </a:schemeClr>
+          </a:lnRef>
+          <a:fillRef idx="1">
+            <a:schemeClr val="accent1"/>
+          </a:fillRef>
+          <a:effectRef idx="0">
+            <a:schemeClr val="accent1"/>
+          </a:effectRef>
+          <a:fontRef idx="minor">
+            <a:schemeClr val="lt1"/>
+          </a:fontRef>
+        </p:style>
+        <p:txBody>
+          <a:bodyPr rtlCol="0" anchor="ctr"/>
+          <a:lstStyle/>
+          <a:p>
+            <a:pPr algn="ctr"/>
+            <a:endParaRPr kumimoji="1" lang="zh-CN" altLang="en-US"/>
+          </a:p>
+        </p:txBody>
+      </p:sp>
+      <p:grpSp>
+        <p:nvGrpSpPr>
+          <p:cNvPr id="25" name="组合 24">
+            <a:extLst>
+              <a:ext uri="{FF2B5EF4-FFF2-40B4-BE49-F238E27FC236}">
+                <a16:creationId xmlns:a16="http://schemas.microsoft.com/office/drawing/2014/main" id="{29E81536-04FC-604B-B0FA-783CAF22DAFA}"/>
+              </a:ext>
+            </a:extLst>
+          </p:cNvPr>
+          <p:cNvGrpSpPr/>
+          <p:nvPr/>
+        </p:nvGrpSpPr>
+        <p:grpSpPr>
+          <a:xfrm>
+            <a:off x="9512109" y="1105486"/>
+            <a:ext cx="1903796" cy="807720"/>
+            <a:chOff x="8755984" y="1162547"/>
+            <a:chExt cx="1903796" cy="807720"/>
+          </a:xfrm>
+        </p:grpSpPr>
+        <p:sp>
+          <p:nvSpPr>
+            <p:cNvPr id="17" name="矩形 16">
+              <a:extLst>
+                <a:ext uri="{FF2B5EF4-FFF2-40B4-BE49-F238E27FC236}">
+                  <a16:creationId xmlns:a16="http://schemas.microsoft.com/office/drawing/2014/main" id="{BAFBD7E8-1BB0-A940-BD47-E4D1245F0FF8}"/>
+                </a:ext>
+              </a:extLst>
+            </p:cNvPr>
+            <p:cNvSpPr/>
+            <p:nvPr/>
+          </p:nvSpPr>
+          <p:spPr>
+            <a:xfrm>
+              <a:off x="9903655" y="1162547"/>
+              <a:ext cx="756125" cy="807720"/>
+            </a:xfrm>
+            <a:prstGeom prst="rect">
+              <a:avLst/>
+            </a:prstGeom>
+          </p:spPr>
+          <p:style>
+            <a:lnRef idx="2">
+              <a:schemeClr val="accent1">
+                <a:shade val="50000"/>
+              </a:schemeClr>
+            </a:lnRef>
+            <a:fillRef idx="1">
+              <a:schemeClr val="accent1"/>
+            </a:fillRef>
+            <a:effectRef idx="0">
+              <a:schemeClr val="accent1"/>
+            </a:effectRef>
+            <a:fontRef idx="minor">
+              <a:schemeClr val="lt1"/>
+            </a:fontRef>
+          </p:style>
+          <p:txBody>
+            <a:bodyPr rtlCol="0" anchor="ctr"/>
+            <a:lstStyle/>
+            <a:p>
+              <a:pPr algn="ctr"/>
+              <a:endParaRPr kumimoji="1" lang="zh-CN" altLang="en-US"/>
+            </a:p>
+          </p:txBody>
+        </p:sp>
+        <p:sp>
+          <p:nvSpPr>
+            <p:cNvPr id="24" name="矩形 23">
+              <a:extLst>
+                <a:ext uri="{FF2B5EF4-FFF2-40B4-BE49-F238E27FC236}">
+                  <a16:creationId xmlns:a16="http://schemas.microsoft.com/office/drawing/2014/main" id="{CAFC8EE7-889D-3542-8816-F5D3DC86688B}"/>
+                </a:ext>
+              </a:extLst>
+            </p:cNvPr>
+            <p:cNvSpPr/>
+            <p:nvPr/>
+          </p:nvSpPr>
+          <p:spPr>
+            <a:xfrm>
+              <a:off x="8755984" y="1162547"/>
+              <a:ext cx="756125" cy="807720"/>
+            </a:xfrm>
+            <a:prstGeom prst="rect">
+              <a:avLst/>
+            </a:prstGeom>
+          </p:spPr>
+          <p:style>
+            <a:lnRef idx="2">
+              <a:schemeClr val="accent1">
+                <a:shade val="50000"/>
+              </a:schemeClr>
+            </a:lnRef>
+            <a:fillRef idx="1">
+              <a:schemeClr val="accent1"/>
+            </a:fillRef>
+            <a:effectRef idx="0">
+              <a:schemeClr val="accent1"/>
+            </a:effectRef>
+            <a:fontRef idx="minor">
+              <a:schemeClr val="lt1"/>
+            </a:fontRef>
+          </p:style>
+          <p:txBody>
+            <a:bodyPr rtlCol="0" anchor="ctr"/>
+            <a:lstStyle/>
+            <a:p>
+              <a:pPr algn="ctr"/>
+              <a:endParaRPr kumimoji="1" lang="zh-CN" altLang="en-US"/>
+            </a:p>
+          </p:txBody>
+        </p:sp>
+      </p:grpSp>
     </p:spTree>
     <p:extLst>
       <p:ext uri="{BB962C8B-B14F-4D97-AF65-F5344CB8AC3E}">
@@ -11257,7 +11420,7 @@
           <p:nvPr/>
         </p:nvPicPr>
         <p:blipFill>
-          <a:blip r:embed="rId6">
+          <a:blip r:embed="rId7">
             <a:extLst>
               <a:ext uri="{28A0092B-C50C-407E-A947-70E740481C1C}">
                 <a14:useLocalDpi xmlns:a14="http://schemas.microsoft.com/office/drawing/2010/main" val="0"/>
@@ -11292,16 +11455,16 @@
             <a:picLocks noChangeAspect="1"/>
           </p:cNvPicPr>
           <p:nvPr>
-            <a:videoFile r:link="rId2"/>
+            <a:videoFile r:link="rId3"/>
             <p:extLst>
               <p:ext uri="{DAA4B4D4-6D71-4841-9C94-3DE7FCFB9230}">
-                <p14:media xmlns:p14="http://schemas.microsoft.com/office/powerpoint/2010/main" r:embed="rId1"/>
+                <p14:media xmlns:p14="http://schemas.microsoft.com/office/powerpoint/2010/main" r:embed="rId2"/>
               </p:ext>
             </p:extLst>
           </p:nvPr>
         </p:nvPicPr>
         <p:blipFill>
-          <a:blip r:embed="rId7"/>
+          <a:blip r:embed="rId8"/>
           <a:stretch>
             <a:fillRect/>
           </a:stretch>
@@ -11330,20 +11493,20 @@
             <a:picLocks noChangeAspect="1"/>
           </p:cNvPicPr>
           <p:nvPr>
-            <a:audioFile r:link="rId4"/>
+            <a:audioFile r:link="rId5"/>
             <p:extLst>
               <p:ext uri="{DAA4B4D4-6D71-4841-9C94-3DE7FCFB9230}">
-                <p14:media xmlns:p14="http://schemas.microsoft.com/office/powerpoint/2010/main" r:embed="rId3"/>
+                <p14:media xmlns:p14="http://schemas.microsoft.com/office/powerpoint/2010/main" r:embed="rId4"/>
               </p:ext>
             </p:extLst>
           </p:nvPr>
         </p:nvPicPr>
         <p:blipFill>
-          <a:blip r:embed="rId8">
+          <a:blip r:embed="rId9">
             <a:extLst>
               <a:ext uri="{BEBA8EAE-BF5A-486C-A8C5-ECC9F3942E4B}">
                 <a14:imgProps xmlns:a14="http://schemas.microsoft.com/office/drawing/2010/main">
-                  <a14:imgLayer r:embed="rId9">
+                  <a14:imgLayer r:embed="rId10">
                     <a14:imgEffect>
                       <a14:sharpenSoften amount="-6000"/>
                     </a14:imgEffect>
@@ -11395,12 +11558,12 @@
           <a:graphicData uri="http://schemas.openxmlformats.org/presentationml/2006/ole">
             <mc:AlternateContent xmlns:mc="http://schemas.openxmlformats.org/markup-compatibility/2006">
               <mc:Choice xmlns:v="urn:schemas-microsoft-com:vml" Requires="v">
-                <p:oleObj name="Presentation" r:id="rId10" imgW="6096052" imgH="3429125" progId="PowerPoint.Show.12">
+                <p:oleObj spid="_x0000_s1045" name="Presentation" r:id="rId11" imgW="6096052" imgH="3429125" progId="PowerPoint.Show.12">
                   <p:embed/>
                 </p:oleObj>
               </mc:Choice>
               <mc:Fallback>
-                <p:oleObj name="Presentation" r:id="rId10" imgW="6096052" imgH="3429125" progId="PowerPoint.Show.12">
+                <p:oleObj name="Presentation" r:id="rId11" imgW="6096052" imgH="3429125" progId="PowerPoint.Show.12">
                   <p:embed/>
                   <p:pic>
                     <p:nvPicPr>
@@ -11409,7 +11572,7 @@
                       <p:nvPr/>
                     </p:nvPicPr>
                     <p:blipFill>
-                      <a:blip r:embed="rId11"/>
+                      <a:blip r:embed="rId12"/>
                       <a:stretch>
                         <a:fillRect/>
                       </a:stretch>
@@ -11458,12 +11621,12 @@
           <a:graphicData uri="http://schemas.openxmlformats.org/presentationml/2006/ole">
             <mc:AlternateContent xmlns:mc="http://schemas.openxmlformats.org/markup-compatibility/2006">
               <mc:Choice xmlns:v="urn:schemas-microsoft-com:vml" Requires="v">
-                <p:oleObj name="Document" r:id="rId12" imgW="5285434" imgH="198076" progId="Word.Document.12">
+                <p:oleObj spid="_x0000_s1046" name="Document" r:id="rId13" imgW="5285434" imgH="198076" progId="Word.Document.12">
                   <p:embed/>
                 </p:oleObj>
               </mc:Choice>
               <mc:Fallback>
-                <p:oleObj name="Document" r:id="rId12" imgW="5285434" imgH="198076" progId="Word.Document.12">
+                <p:oleObj name="Document" r:id="rId13" imgW="5285434" imgH="198076" progId="Word.Document.12">
                   <p:embed/>
                   <p:pic>
                     <p:nvPicPr>
@@ -11472,7 +11635,7 @@
                       <p:nvPr/>
                     </p:nvPicPr>
                     <p:blipFill>
-                      <a:blip r:embed="rId13"/>
+                      <a:blip r:embed="rId14"/>
                       <a:stretch>
                         <a:fillRect/>
                       </a:stretch>
@@ -11521,12 +11684,12 @@
           <a:graphicData uri="http://schemas.openxmlformats.org/presentationml/2006/ole">
             <mc:AlternateContent xmlns:mc="http://schemas.openxmlformats.org/markup-compatibility/2006">
               <mc:Choice xmlns:v="urn:schemas-microsoft-com:vml" Requires="v">
-                <p:oleObj name="Worksheet" r:id="rId14" imgW="1226803" imgH="533441" progId="Excel.Sheet.12">
+                <p:oleObj spid="_x0000_s1047" name="Worksheet" r:id="rId15" imgW="1226803" imgH="533441" progId="Excel.Sheet.12">
                   <p:embed/>
                 </p:oleObj>
               </mc:Choice>
               <mc:Fallback>
-                <p:oleObj name="Worksheet" r:id="rId14" imgW="1226803" imgH="533441" progId="Excel.Sheet.12">
+                <p:oleObj name="Worksheet" r:id="rId15" imgW="1226803" imgH="533441" progId="Excel.Sheet.12">
                   <p:embed/>
                   <p:pic>
                     <p:nvPicPr>
@@ -11535,7 +11698,7 @@
                       <p:nvPr/>
                     </p:nvPicPr>
                     <p:blipFill>
-                      <a:blip r:embed="rId15"/>
+                      <a:blip r:embed="rId16"/>
                       <a:stretch>
                         <a:fillRect/>
                       </a:stretch>
@@ -11584,12 +11747,12 @@
           <a:graphicData uri="http://schemas.openxmlformats.org/presentationml/2006/ole">
             <mc:AlternateContent xmlns:mc="http://schemas.openxmlformats.org/markup-compatibility/2006">
               <mc:Choice xmlns:v="urn:schemas-microsoft-com:vml" Requires="v">
-                <p:oleObj name="包装程序外壳对象" showAsIcon="1" r:id="rId16" imgW="548501" imgH="518242" progId="Package">
+                <p:oleObj spid="_x0000_s1048" name="包装程序外壳对象" showAsIcon="1" r:id="rId17" imgW="548501" imgH="518242" progId="Package">
                   <p:embed/>
                 </p:oleObj>
               </mc:Choice>
               <mc:Fallback>
-                <p:oleObj name="包装程序外壳对象" showAsIcon="1" r:id="rId16" imgW="548501" imgH="518242" progId="Package">
+                <p:oleObj name="包装程序外壳对象" showAsIcon="1" r:id="rId17" imgW="548501" imgH="518242" progId="Package">
                   <p:embed/>
                   <p:pic>
                     <p:nvPicPr>
@@ -11598,7 +11761,7 @@
                       <p:nvPr/>
                     </p:nvPicPr>
                     <p:blipFill>
-                      <a:blip r:embed="rId17"/>
+                      <a:blip r:embed="rId18"/>
                       <a:stretch>
                         <a:fillRect/>
                       </a:stretch>

--- a/assets/ppt/simple.pptx
+++ b/assets/ppt/simple.pptx
@@ -218,7 +218,7 @@
           <a:p>
             <a:fld id="{561015B1-ED29-F04F-B696-7C731FF4B4B4}" type="datetimeFigureOut">
               <a:rPr kumimoji="1" lang="zh-CN" altLang="en-US" smtClean="0"/>
-              <a:t>2024/4/7</a:t>
+              <a:t>2024/4/8</a:t>
             </a:fld>
             <a:endParaRPr kumimoji="1" lang="zh-CN" altLang="en-US"/>
           </a:p>
@@ -749,7 +749,7 @@
           <a:p>
             <a:fld id="{DEDA17D1-6590-4570-9DF1-29A4B3C6B8EE}" type="datetimeFigureOut">
               <a:rPr lang="zh-CN" altLang="en-US" smtClean="0"/>
-              <a:t>2024/4/7</a:t>
+              <a:t>2024/4/8</a:t>
             </a:fld>
             <a:endParaRPr lang="zh-CN" altLang="en-US"/>
           </a:p>
@@ -996,7 +996,7 @@
           <a:p>
             <a:fld id="{DEDA17D1-6590-4570-9DF1-29A4B3C6B8EE}" type="datetimeFigureOut">
               <a:rPr lang="zh-CN" altLang="en-US" smtClean="0"/>
-              <a:t>2024/4/7</a:t>
+              <a:t>2024/4/8</a:t>
             </a:fld>
             <a:endParaRPr lang="zh-CN" altLang="en-US"/>
           </a:p>
@@ -1204,7 +1204,7 @@
           <a:p>
             <a:fld id="{DEDA17D1-6590-4570-9DF1-29A4B3C6B8EE}" type="datetimeFigureOut">
               <a:rPr lang="zh-CN" altLang="en-US" smtClean="0"/>
-              <a:t>2024/4/7</a:t>
+              <a:t>2024/4/8</a:t>
             </a:fld>
             <a:endParaRPr lang="zh-CN" altLang="en-US"/>
           </a:p>
@@ -1345,7 +1345,7 @@
           <a:p>
             <a:fld id="{DEDA17D1-6590-4570-9DF1-29A4B3C6B8EE}" type="datetimeFigureOut">
               <a:rPr lang="zh-CN" altLang="en-US" smtClean="0"/>
-              <a:t>2024/4/7</a:t>
+              <a:t>2024/4/8</a:t>
             </a:fld>
             <a:endParaRPr lang="zh-CN" altLang="en-US"/>
           </a:p>
@@ -1565,7 +1565,7 @@
           <a:p>
             <a:fld id="{B14948DB-0BE7-40D0-80F6-9094451DF04C}" type="datetimeFigureOut">
               <a:rPr lang="zh-CN" altLang="en-US" smtClean="0"/>
-              <a:t>2024/4/7</a:t>
+              <a:t>2024/4/8</a:t>
             </a:fld>
             <a:endParaRPr lang="zh-CN" altLang="en-US"/>
           </a:p>
@@ -1763,7 +1763,7 @@
           <a:p>
             <a:fld id="{B14948DB-0BE7-40D0-80F6-9094451DF04C}" type="datetimeFigureOut">
               <a:rPr lang="zh-CN" altLang="en-US" smtClean="0"/>
-              <a:t>2024/4/7</a:t>
+              <a:t>2024/4/8</a:t>
             </a:fld>
             <a:endParaRPr lang="zh-CN" altLang="en-US"/>
           </a:p>
@@ -2038,7 +2038,7 @@
           <a:p>
             <a:fld id="{B14948DB-0BE7-40D0-80F6-9094451DF04C}" type="datetimeFigureOut">
               <a:rPr lang="zh-CN" altLang="en-US" smtClean="0"/>
-              <a:t>2024/4/7</a:t>
+              <a:t>2024/4/8</a:t>
             </a:fld>
             <a:endParaRPr lang="zh-CN" altLang="en-US"/>
           </a:p>
@@ -2303,7 +2303,7 @@
           <a:p>
             <a:fld id="{B14948DB-0BE7-40D0-80F6-9094451DF04C}" type="datetimeFigureOut">
               <a:rPr lang="zh-CN" altLang="en-US" smtClean="0"/>
-              <a:t>2024/4/7</a:t>
+              <a:t>2024/4/8</a:t>
             </a:fld>
             <a:endParaRPr lang="zh-CN" altLang="en-US"/>
           </a:p>
@@ -2715,7 +2715,7 @@
           <a:p>
             <a:fld id="{B14948DB-0BE7-40D0-80F6-9094451DF04C}" type="datetimeFigureOut">
               <a:rPr lang="zh-CN" altLang="en-US" smtClean="0"/>
-              <a:t>2024/4/7</a:t>
+              <a:t>2024/4/8</a:t>
             </a:fld>
             <a:endParaRPr lang="zh-CN" altLang="en-US"/>
           </a:p>
@@ -2856,7 +2856,7 @@
           <a:p>
             <a:fld id="{B14948DB-0BE7-40D0-80F6-9094451DF04C}" type="datetimeFigureOut">
               <a:rPr lang="zh-CN" altLang="en-US" smtClean="0"/>
-              <a:t>2024/4/7</a:t>
+              <a:t>2024/4/8</a:t>
             </a:fld>
             <a:endParaRPr lang="zh-CN" altLang="en-US"/>
           </a:p>
@@ -2969,7 +2969,7 @@
           <a:p>
             <a:fld id="{B14948DB-0BE7-40D0-80F6-9094451DF04C}" type="datetimeFigureOut">
               <a:rPr lang="zh-CN" altLang="en-US" smtClean="0"/>
-              <a:t>2024/4/7</a:t>
+              <a:t>2024/4/8</a:t>
             </a:fld>
             <a:endParaRPr lang="zh-CN" altLang="en-US"/>
           </a:p>
@@ -3167,7 +3167,7 @@
           <a:p>
             <a:fld id="{DEDA17D1-6590-4570-9DF1-29A4B3C6B8EE}" type="datetimeFigureOut">
               <a:rPr lang="zh-CN" altLang="en-US" smtClean="0"/>
-              <a:t>2024/4/7</a:t>
+              <a:t>2024/4/8</a:t>
             </a:fld>
             <a:endParaRPr lang="zh-CN" altLang="en-US"/>
           </a:p>
@@ -3478,7 +3478,7 @@
           <a:p>
             <a:fld id="{B14948DB-0BE7-40D0-80F6-9094451DF04C}" type="datetimeFigureOut">
               <a:rPr lang="zh-CN" altLang="en-US" smtClean="0"/>
-              <a:t>2024/4/7</a:t>
+              <a:t>2024/4/8</a:t>
             </a:fld>
             <a:endParaRPr lang="zh-CN" altLang="en-US"/>
           </a:p>
@@ -3766,7 +3766,7 @@
           <a:p>
             <a:fld id="{B14948DB-0BE7-40D0-80F6-9094451DF04C}" type="datetimeFigureOut">
               <a:rPr lang="zh-CN" altLang="en-US" smtClean="0"/>
-              <a:t>2024/4/7</a:t>
+              <a:t>2024/4/8</a:t>
             </a:fld>
             <a:endParaRPr lang="zh-CN" altLang="en-US"/>
           </a:p>
@@ -3964,7 +3964,7 @@
           <a:p>
             <a:fld id="{B14948DB-0BE7-40D0-80F6-9094451DF04C}" type="datetimeFigureOut">
               <a:rPr lang="zh-CN" altLang="en-US" smtClean="0"/>
-              <a:t>2024/4/7</a:t>
+              <a:t>2024/4/8</a:t>
             </a:fld>
             <a:endParaRPr lang="zh-CN" altLang="en-US"/>
           </a:p>
@@ -4172,7 +4172,7 @@
           <a:p>
             <a:fld id="{B14948DB-0BE7-40D0-80F6-9094451DF04C}" type="datetimeFigureOut">
               <a:rPr lang="zh-CN" altLang="en-US" smtClean="0"/>
-              <a:t>2024/4/7</a:t>
+              <a:t>2024/4/8</a:t>
             </a:fld>
             <a:endParaRPr lang="zh-CN" altLang="en-US"/>
           </a:p>
@@ -4447,7 +4447,7 @@
           <a:p>
             <a:fld id="{DEDA17D1-6590-4570-9DF1-29A4B3C6B8EE}" type="datetimeFigureOut">
               <a:rPr lang="zh-CN" altLang="en-US" smtClean="0"/>
-              <a:t>2024/4/7</a:t>
+              <a:t>2024/4/8</a:t>
             </a:fld>
             <a:endParaRPr lang="zh-CN" altLang="en-US"/>
           </a:p>
@@ -4712,7 +4712,7 @@
           <a:p>
             <a:fld id="{DEDA17D1-6590-4570-9DF1-29A4B3C6B8EE}" type="datetimeFigureOut">
               <a:rPr lang="zh-CN" altLang="en-US" smtClean="0"/>
-              <a:t>2024/4/7</a:t>
+              <a:t>2024/4/8</a:t>
             </a:fld>
             <a:endParaRPr lang="zh-CN" altLang="en-US"/>
           </a:p>
@@ -5133,7 +5133,7 @@
           <a:p>
             <a:fld id="{DEDA17D1-6590-4570-9DF1-29A4B3C6B8EE}" type="datetimeFigureOut">
               <a:rPr lang="zh-CN" altLang="en-US" smtClean="0"/>
-              <a:t>2024/4/7</a:t>
+              <a:t>2024/4/8</a:t>
             </a:fld>
             <a:endParaRPr lang="zh-CN" altLang="en-US"/>
           </a:p>
@@ -5274,7 +5274,7 @@
           <a:p>
             <a:fld id="{DEDA17D1-6590-4570-9DF1-29A4B3C6B8EE}" type="datetimeFigureOut">
               <a:rPr lang="zh-CN" altLang="en-US" smtClean="0"/>
-              <a:t>2024/4/7</a:t>
+              <a:t>2024/4/8</a:t>
             </a:fld>
             <a:endParaRPr lang="zh-CN" altLang="en-US"/>
           </a:p>
@@ -5387,7 +5387,7 @@
           <a:p>
             <a:fld id="{DEDA17D1-6590-4570-9DF1-29A4B3C6B8EE}" type="datetimeFigureOut">
               <a:rPr lang="zh-CN" altLang="en-US" smtClean="0"/>
-              <a:t>2024/4/7</a:t>
+              <a:t>2024/4/8</a:t>
             </a:fld>
             <a:endParaRPr lang="zh-CN" altLang="en-US"/>
           </a:p>
@@ -5698,7 +5698,7 @@
           <a:p>
             <a:fld id="{DEDA17D1-6590-4570-9DF1-29A4B3C6B8EE}" type="datetimeFigureOut">
               <a:rPr lang="zh-CN" altLang="en-US" smtClean="0"/>
-              <a:t>2024/4/7</a:t>
+              <a:t>2024/4/8</a:t>
             </a:fld>
             <a:endParaRPr lang="zh-CN" altLang="en-US"/>
           </a:p>
@@ -5986,7 +5986,7 @@
           <a:p>
             <a:fld id="{DEDA17D1-6590-4570-9DF1-29A4B3C6B8EE}" type="datetimeFigureOut">
               <a:rPr lang="zh-CN" altLang="en-US" smtClean="0"/>
-              <a:t>2024/4/7</a:t>
+              <a:t>2024/4/8</a:t>
             </a:fld>
             <a:endParaRPr lang="zh-CN" altLang="en-US"/>
           </a:p>
@@ -6255,7 +6255,7 @@
           <a:p>
             <a:fld id="{DEDA17D1-6590-4570-9DF1-29A4B3C6B8EE}" type="datetimeFigureOut">
               <a:rPr lang="zh-CN" altLang="en-US" smtClean="0"/>
-              <a:t>2024/4/7</a:t>
+              <a:t>2024/4/8</a:t>
             </a:fld>
             <a:endParaRPr lang="zh-CN" altLang="en-US"/>
           </a:p>
@@ -6824,7 +6824,7 @@
           <a:p>
             <a:fld id="{B14948DB-0BE7-40D0-80F6-9094451DF04C}" type="datetimeFigureOut">
               <a:rPr lang="zh-CN" altLang="en-US" smtClean="0"/>
-              <a:t>2024/4/7</a:t>
+              <a:t>2024/4/8</a:t>
             </a:fld>
             <a:endParaRPr lang="zh-CN" altLang="en-US"/>
           </a:p>
@@ -8075,7 +8075,7 @@
               </a:path>
             </a:pathLst>
           </a:custGeom>
-          <a:ln w="254000" cap="flat">
+          <a:ln w="254000" cap="sq">
             <a:solidFill>
               <a:schemeClr val="accent1">
                 <a:shade val="15000"/>
@@ -8379,7 +8379,62 @@
               </a:path>
             </a:pathLst>
           </a:custGeom>
-          <a:ln w="381000">
+          <a:gradFill>
+            <a:gsLst>
+              <a:gs pos="0">
+                <a:schemeClr val="accent1">
+                  <a:lumMod val="5000"/>
+                  <a:lumOff val="95000"/>
+                </a:schemeClr>
+              </a:gs>
+              <a:gs pos="74000">
+                <a:schemeClr val="accent1">
+                  <a:lumMod val="45000"/>
+                  <a:lumOff val="55000"/>
+                </a:schemeClr>
+              </a:gs>
+              <a:gs pos="83000">
+                <a:schemeClr val="accent1">
+                  <a:lumMod val="45000"/>
+                  <a:lumOff val="55000"/>
+                </a:schemeClr>
+              </a:gs>
+              <a:gs pos="100000">
+                <a:schemeClr val="accent1">
+                  <a:lumMod val="30000"/>
+                  <a:lumOff val="70000"/>
+                </a:schemeClr>
+              </a:gs>
+            </a:gsLst>
+            <a:lin ang="5400000" scaled="1"/>
+          </a:gradFill>
+          <a:ln w="381000" cap="rnd">
+            <a:gradFill>
+              <a:gsLst>
+                <a:gs pos="0">
+                  <a:schemeClr val="accent1">
+                    <a:lumMod val="5000"/>
+                    <a:lumOff val="95000"/>
+                  </a:schemeClr>
+                </a:gs>
+                <a:gs pos="74000">
+                  <a:srgbClr val="FF0000"/>
+                </a:gs>
+                <a:gs pos="83000">
+                  <a:schemeClr val="accent1">
+                    <a:lumMod val="45000"/>
+                    <a:lumOff val="55000"/>
+                  </a:schemeClr>
+                </a:gs>
+                <a:gs pos="100000">
+                  <a:schemeClr val="accent1">
+                    <a:lumMod val="30000"/>
+                    <a:lumOff val="70000"/>
+                  </a:schemeClr>
+                </a:gs>
+              </a:gsLst>
+              <a:lin ang="5400000" scaled="1"/>
+            </a:gradFill>
             <a:bevel/>
           </a:ln>
         </p:spPr>
@@ -8677,7 +8732,13 @@
               </a:path>
             </a:pathLst>
           </a:custGeom>
-          <a:ln w="190500"/>
+          <a:ln w="190500">
+            <a:solidFill>
+              <a:schemeClr val="accent1">
+                <a:shade val="15000"/>
+              </a:schemeClr>
+            </a:solidFill>
+          </a:ln>
         </p:spPr>
         <p:style>
           <a:lnRef idx="2">
@@ -8975,7 +9036,7 @@
             <a:lstStyle/>
             <a:p>
               <a:pPr algn="ctr"/>
-              <a:endParaRPr kumimoji="1" lang="zh-CN" altLang="en-US"/>
+              <a:endParaRPr kumimoji="1" lang="zh-CN" altLang="en-US" dirty="0"/>
             </a:p>
           </p:txBody>
         </p:sp>
@@ -11420,7 +11481,7 @@
           <p:nvPr/>
         </p:nvPicPr>
         <p:blipFill>
-          <a:blip r:embed="rId7">
+          <a:blip r:embed="rId6">
             <a:extLst>
               <a:ext uri="{28A0092B-C50C-407E-A947-70E740481C1C}">
                 <a14:useLocalDpi xmlns:a14="http://schemas.microsoft.com/office/drawing/2010/main" val="0"/>
@@ -11455,16 +11516,16 @@
             <a:picLocks noChangeAspect="1"/>
           </p:cNvPicPr>
           <p:nvPr>
-            <a:videoFile r:link="rId3"/>
+            <a:videoFile r:link="rId2"/>
             <p:extLst>
               <p:ext uri="{DAA4B4D4-6D71-4841-9C94-3DE7FCFB9230}">
-                <p14:media xmlns:p14="http://schemas.microsoft.com/office/powerpoint/2010/main" r:embed="rId2"/>
+                <p14:media xmlns:p14="http://schemas.microsoft.com/office/powerpoint/2010/main" r:embed="rId1"/>
               </p:ext>
             </p:extLst>
           </p:nvPr>
         </p:nvPicPr>
         <p:blipFill>
-          <a:blip r:embed="rId8"/>
+          <a:blip r:embed="rId7"/>
           <a:stretch>
             <a:fillRect/>
           </a:stretch>
@@ -11493,20 +11554,20 @@
             <a:picLocks noChangeAspect="1"/>
           </p:cNvPicPr>
           <p:nvPr>
-            <a:audioFile r:link="rId5"/>
+            <a:audioFile r:link="rId4"/>
             <p:extLst>
               <p:ext uri="{DAA4B4D4-6D71-4841-9C94-3DE7FCFB9230}">
-                <p14:media xmlns:p14="http://schemas.microsoft.com/office/powerpoint/2010/main" r:embed="rId4"/>
+                <p14:media xmlns:p14="http://schemas.microsoft.com/office/powerpoint/2010/main" r:embed="rId3"/>
               </p:ext>
             </p:extLst>
           </p:nvPr>
         </p:nvPicPr>
         <p:blipFill>
-          <a:blip r:embed="rId9">
+          <a:blip r:embed="rId8">
             <a:extLst>
               <a:ext uri="{BEBA8EAE-BF5A-486C-A8C5-ECC9F3942E4B}">
                 <a14:imgProps xmlns:a14="http://schemas.microsoft.com/office/drawing/2010/main">
-                  <a14:imgLayer r:embed="rId10">
+                  <a14:imgLayer r:embed="rId9">
                     <a14:imgEffect>
                       <a14:sharpenSoften amount="-6000"/>
                     </a14:imgEffect>
@@ -11558,12 +11619,12 @@
           <a:graphicData uri="http://schemas.openxmlformats.org/presentationml/2006/ole">
             <mc:AlternateContent xmlns:mc="http://schemas.openxmlformats.org/markup-compatibility/2006">
               <mc:Choice xmlns:v="urn:schemas-microsoft-com:vml" Requires="v">
-                <p:oleObj spid="_x0000_s1045" name="Presentation" r:id="rId11" imgW="6096052" imgH="3429125" progId="PowerPoint.Show.12">
+                <p:oleObj name="Presentation" r:id="rId10" imgW="6096052" imgH="3429125" progId="PowerPoint.Show.12">
                   <p:embed/>
                 </p:oleObj>
               </mc:Choice>
               <mc:Fallback>
-                <p:oleObj name="Presentation" r:id="rId11" imgW="6096052" imgH="3429125" progId="PowerPoint.Show.12">
+                <p:oleObj name="Presentation" r:id="rId10" imgW="6096052" imgH="3429125" progId="PowerPoint.Show.12">
                   <p:embed/>
                   <p:pic>
                     <p:nvPicPr>
@@ -11572,7 +11633,7 @@
                       <p:nvPr/>
                     </p:nvPicPr>
                     <p:blipFill>
-                      <a:blip r:embed="rId12"/>
+                      <a:blip r:embed="rId11"/>
                       <a:stretch>
                         <a:fillRect/>
                       </a:stretch>
@@ -11621,12 +11682,12 @@
           <a:graphicData uri="http://schemas.openxmlformats.org/presentationml/2006/ole">
             <mc:AlternateContent xmlns:mc="http://schemas.openxmlformats.org/markup-compatibility/2006">
               <mc:Choice xmlns:v="urn:schemas-microsoft-com:vml" Requires="v">
-                <p:oleObj spid="_x0000_s1046" name="Document" r:id="rId13" imgW="5285434" imgH="198076" progId="Word.Document.12">
+                <p:oleObj name="Document" r:id="rId12" imgW="5285434" imgH="198076" progId="Word.Document.12">
                   <p:embed/>
                 </p:oleObj>
               </mc:Choice>
               <mc:Fallback>
-                <p:oleObj name="Document" r:id="rId13" imgW="5285434" imgH="198076" progId="Word.Document.12">
+                <p:oleObj name="Document" r:id="rId12" imgW="5285434" imgH="198076" progId="Word.Document.12">
                   <p:embed/>
                   <p:pic>
                     <p:nvPicPr>
@@ -11635,7 +11696,7 @@
                       <p:nvPr/>
                     </p:nvPicPr>
                     <p:blipFill>
-                      <a:blip r:embed="rId14"/>
+                      <a:blip r:embed="rId13"/>
                       <a:stretch>
                         <a:fillRect/>
                       </a:stretch>
@@ -11684,12 +11745,12 @@
           <a:graphicData uri="http://schemas.openxmlformats.org/presentationml/2006/ole">
             <mc:AlternateContent xmlns:mc="http://schemas.openxmlformats.org/markup-compatibility/2006">
               <mc:Choice xmlns:v="urn:schemas-microsoft-com:vml" Requires="v">
-                <p:oleObj spid="_x0000_s1047" name="Worksheet" r:id="rId15" imgW="1226803" imgH="533441" progId="Excel.Sheet.12">
+                <p:oleObj name="Worksheet" r:id="rId14" imgW="1226803" imgH="533441" progId="Excel.Sheet.12">
                   <p:embed/>
                 </p:oleObj>
               </mc:Choice>
               <mc:Fallback>
-                <p:oleObj name="Worksheet" r:id="rId15" imgW="1226803" imgH="533441" progId="Excel.Sheet.12">
+                <p:oleObj name="Worksheet" r:id="rId14" imgW="1226803" imgH="533441" progId="Excel.Sheet.12">
                   <p:embed/>
                   <p:pic>
                     <p:nvPicPr>
@@ -11698,7 +11759,7 @@
                       <p:nvPr/>
                     </p:nvPicPr>
                     <p:blipFill>
-                      <a:blip r:embed="rId16"/>
+                      <a:blip r:embed="rId15"/>
                       <a:stretch>
                         <a:fillRect/>
                       </a:stretch>
@@ -11747,12 +11808,12 @@
           <a:graphicData uri="http://schemas.openxmlformats.org/presentationml/2006/ole">
             <mc:AlternateContent xmlns:mc="http://schemas.openxmlformats.org/markup-compatibility/2006">
               <mc:Choice xmlns:v="urn:schemas-microsoft-com:vml" Requires="v">
-                <p:oleObj spid="_x0000_s1048" name="包装程序外壳对象" showAsIcon="1" r:id="rId17" imgW="548501" imgH="518242" progId="Package">
+                <p:oleObj name="包装程序外壳对象" showAsIcon="1" r:id="rId16" imgW="548501" imgH="518242" progId="Package">
                   <p:embed/>
                 </p:oleObj>
               </mc:Choice>
               <mc:Fallback>
-                <p:oleObj name="包装程序外壳对象" showAsIcon="1" r:id="rId17" imgW="548501" imgH="518242" progId="Package">
+                <p:oleObj name="包装程序外壳对象" showAsIcon="1" r:id="rId16" imgW="548501" imgH="518242" progId="Package">
                   <p:embed/>
                   <p:pic>
                     <p:nvPicPr>
@@ -11761,7 +11822,7 @@
                       <p:nvPr/>
                     </p:nvPicPr>
                     <p:blipFill>
-                      <a:blip r:embed="rId18"/>
+                      <a:blip r:embed="rId17"/>
                       <a:stretch>
                         <a:fillRect/>
                       </a:stretch>
@@ -12355,13 +12416,13 @@
           </a:fontRef>
         </p:style>
         <p:txBody>
-          <a:bodyPr rtlCol="0" anchor="ctr"/>
+          <a:bodyPr numCol="3" rtlCol="0" anchor="ctr" anchorCtr="0"/>
           <a:lstStyle/>
           <a:p>
             <a:pPr algn="ctr"/>
             <a:r>
               <a:rPr lang="zh-CN" altLang="en-US" dirty="0"/>
-              <a:t>矩形</a:t>
+              <a:t>矩形啊萨达萨达萨达是</a:t>
             </a:r>
           </a:p>
         </p:txBody>
@@ -12485,7 +12546,7 @@
           </a:xfrm>
           <a:prstGeom prst="snip2SameRect">
             <a:avLst>
-              <a:gd name="adj1" fmla="val 37500"/>
+              <a:gd name="adj1" fmla="val 34340"/>
               <a:gd name="adj2" fmla="val 24167"/>
             </a:avLst>
           </a:prstGeom>
@@ -12630,8 +12691,8 @@
         </p:nvSpPr>
         <p:spPr>
           <a:xfrm>
-            <a:off x="8691824" y="502418"/>
-            <a:ext cx="994786" cy="1457011"/>
+            <a:off x="8691823" y="502419"/>
+            <a:ext cx="1195753" cy="1457010"/>
           </a:xfrm>
           <a:prstGeom prst="round1Rect">
             <a:avLst/>
@@ -12777,8 +12838,8 @@
         </p:nvSpPr>
         <p:spPr>
           <a:xfrm>
-            <a:off x="361741" y="2481943"/>
-            <a:ext cx="884255" cy="646331"/>
+            <a:off x="5755306" y="2065944"/>
+            <a:ext cx="5681912" cy="3873823"/>
           </a:xfrm>
           <a:prstGeom prst="rect">
             <a:avLst/>
@@ -12786,15 +12847,263 @@
           <a:noFill/>
         </p:spPr>
         <p:txBody>
-          <a:bodyPr wrap="square" rtlCol="0">
-            <a:spAutoFit/>
+          <a:bodyPr vert="horz" wrap="square" lIns="108000" tIns="180000" rIns="144000" bIns="216000" rtlCol="0" anchor="ctr">
+            <a:normAutofit fontScale="77500" lnSpcReduction="20000"/>
           </a:bodyPr>
           <a:lstStyle/>
           <a:p>
+            <a:pPr marL="342900" indent="-342900">
+              <a:lnSpc>
+                <a:spcPct val="200000"/>
+              </a:lnSpc>
+              <a:buFont typeface="+mj-lt"/>
+              <a:buAutoNum type="arabicPeriod"/>
+            </a:pPr>
             <a:r>
               <a:rPr lang="zh-CN" altLang="en-US" dirty="0"/>
-              <a:t>横向文本框</a:t>
-            </a:r>
+              <a:t>横</a:t>
+            </a:r>
+            <a:r>
+              <a:rPr lang="zh-CN" altLang="en-US" sz="2800" b="1" i="1" u="sng" dirty="0">
+                <a:solidFill>
+                  <a:srgbClr val="FF0000"/>
+                </a:solidFill>
+                <a:effectLst>
+                  <a:outerShdw blurRad="38100" dist="38100" dir="2700000" algn="tl">
+                    <a:srgbClr val="000000">
+                      <a:alpha val="43137"/>
+                    </a:srgbClr>
+                  </a:outerShdw>
+                </a:effectLst>
+              </a:rPr>
+              <a:t>向</a:t>
+            </a:r>
+            <a:r>
+              <a:rPr lang="zh-CN" altLang="en-US" sz="2800" b="1" i="1" u="sng" dirty="0">
+                <a:ln w="254000">
+                  <a:gradFill>
+                    <a:gsLst>
+                      <a:gs pos="0">
+                        <a:schemeClr val="accent1">
+                          <a:lumMod val="5000"/>
+                          <a:lumOff val="95000"/>
+                        </a:schemeClr>
+                      </a:gs>
+                      <a:gs pos="74000">
+                        <a:schemeClr val="accent1">
+                          <a:lumMod val="45000"/>
+                          <a:lumOff val="55000"/>
+                        </a:schemeClr>
+                      </a:gs>
+                      <a:gs pos="83000">
+                        <a:schemeClr val="accent1">
+                          <a:lumMod val="45000"/>
+                          <a:lumOff val="55000"/>
+                        </a:schemeClr>
+                      </a:gs>
+                      <a:gs pos="100000">
+                        <a:schemeClr val="accent1">
+                          <a:lumMod val="30000"/>
+                          <a:lumOff val="70000"/>
+                        </a:schemeClr>
+                      </a:gs>
+                    </a:gsLst>
+                    <a:lin ang="5400000" scaled="1"/>
+                  </a:gradFill>
+                </a:ln>
+                <a:solidFill>
+                  <a:srgbClr val="92D050"/>
+                </a:solidFill>
+                <a:effectLst>
+                  <a:outerShdw blurRad="38100" dist="38100" dir="2700000" algn="tl">
+                    <a:srgbClr val="000000">
+                      <a:alpha val="43137"/>
+                    </a:srgbClr>
+                  </a:outerShdw>
+                </a:effectLst>
+              </a:rPr>
+              <a:t>文本</a:t>
+            </a:r>
+            <a:endParaRPr lang="en-US" altLang="zh-CN" sz="2800" b="1" i="1" u="sng" dirty="0">
+              <a:ln w="254000">
+                <a:gradFill>
+                  <a:gsLst>
+                    <a:gs pos="0">
+                      <a:schemeClr val="accent1">
+                        <a:lumMod val="5000"/>
+                        <a:lumOff val="95000"/>
+                      </a:schemeClr>
+                    </a:gs>
+                    <a:gs pos="74000">
+                      <a:schemeClr val="accent1">
+                        <a:lumMod val="45000"/>
+                        <a:lumOff val="55000"/>
+                      </a:schemeClr>
+                    </a:gs>
+                    <a:gs pos="83000">
+                      <a:schemeClr val="accent1">
+                        <a:lumMod val="45000"/>
+                        <a:lumOff val="55000"/>
+                      </a:schemeClr>
+                    </a:gs>
+                    <a:gs pos="100000">
+                      <a:schemeClr val="accent1">
+                        <a:lumMod val="30000"/>
+                        <a:lumOff val="70000"/>
+                      </a:schemeClr>
+                    </a:gs>
+                  </a:gsLst>
+                  <a:lin ang="5400000" scaled="1"/>
+                </a:gradFill>
+              </a:ln>
+              <a:solidFill>
+                <a:srgbClr val="92D050"/>
+              </a:solidFill>
+              <a:effectLst>
+                <a:outerShdw blurRad="38100" dist="38100" dir="2700000" algn="tl">
+                  <a:srgbClr val="000000">
+                    <a:alpha val="43137"/>
+                  </a:srgbClr>
+                </a:outerShdw>
+              </a:effectLst>
+            </a:endParaRPr>
+          </a:p>
+          <a:p>
+            <a:pPr marL="800100" lvl="1" indent="-342900">
+              <a:lnSpc>
+                <a:spcPct val="320000"/>
+              </a:lnSpc>
+              <a:buFont typeface="+mj-lt"/>
+              <a:buAutoNum type="arabicPeriod"/>
+            </a:pPr>
+            <a:r>
+              <a:rPr lang="zh-CN" altLang="en-US" sz="2800" b="1" i="1" u="sng" dirty="0">
+                <a:solidFill>
+                  <a:srgbClr val="FF0000"/>
+                </a:solidFill>
+                <a:effectLst>
+                  <a:outerShdw blurRad="12700" dist="38100" dir="2700000" sx="151000" sy="151000" algn="tl">
+                    <a:srgbClr val="92D050">
+                      <a:alpha val="43000"/>
+                    </a:srgbClr>
+                  </a:outerShdw>
+                </a:effectLst>
+              </a:rPr>
+              <a:t>你好</a:t>
+            </a:r>
+            <a:endParaRPr lang="en-US" altLang="zh-CN" sz="2800" b="1" i="1" u="sng" dirty="0">
+              <a:solidFill>
+                <a:srgbClr val="FF0000"/>
+              </a:solidFill>
+              <a:effectLst>
+                <a:outerShdw blurRad="12700" dist="38100" dir="2700000" sx="151000" sy="151000" algn="tl">
+                  <a:srgbClr val="92D050">
+                    <a:alpha val="43000"/>
+                  </a:srgbClr>
+                </a:outerShdw>
+              </a:effectLst>
+            </a:endParaRPr>
+          </a:p>
+          <a:p>
+            <a:pPr marL="342900" indent="-342900">
+              <a:lnSpc>
+                <a:spcPct val="200000"/>
+              </a:lnSpc>
+              <a:buFont typeface="+mj-lt"/>
+              <a:buAutoNum type="arabicPeriod"/>
+            </a:pPr>
+            <a:r>
+              <a:rPr lang="zh-CN" altLang="en-US" sz="2800" b="1" i="1" u="sng" dirty="0">
+                <a:solidFill>
+                  <a:srgbClr val="FF0000"/>
+                </a:solidFill>
+                <a:effectLst>
+                  <a:outerShdw blurRad="38100" dist="38100" dir="2700000" algn="tl">
+                    <a:srgbClr val="000000">
+                      <a:alpha val="43137"/>
+                    </a:srgbClr>
+                  </a:outerShdw>
+                </a:effectLst>
+              </a:rPr>
+              <a:t>你</a:t>
+            </a:r>
+            <a:br>
+              <a:rPr lang="en-US" altLang="zh-CN" sz="2800" b="1" i="1" u="sng" dirty="0">
+                <a:solidFill>
+                  <a:srgbClr val="FF0000"/>
+                </a:solidFill>
+                <a:effectLst>
+                  <a:outerShdw blurRad="38100" dist="38100" dir="2700000" algn="tl">
+                    <a:srgbClr val="000000">
+                      <a:alpha val="43137"/>
+                    </a:srgbClr>
+                  </a:outerShdw>
+                </a:effectLst>
+              </a:rPr>
+            </a:br>
+            <a:r>
+              <a:rPr lang="zh-CN" altLang="en-US" sz="2800" b="1" i="1" u="sng" dirty="0">
+                <a:solidFill>
+                  <a:srgbClr val="FF0000"/>
+                </a:solidFill>
+                <a:effectLst>
+                  <a:outerShdw blurRad="38100" dist="38100" dir="2700000" algn="tl">
+                    <a:srgbClr val="000000">
+                      <a:alpha val="43137"/>
+                    </a:srgbClr>
+                  </a:outerShdw>
+                </a:effectLst>
+              </a:rPr>
+              <a:t>哈</a:t>
+            </a:r>
+            <a:endParaRPr lang="en-US" altLang="zh-CN" sz="2800" b="1" i="1" u="sng" dirty="0">
+              <a:solidFill>
+                <a:srgbClr val="FF0000"/>
+              </a:solidFill>
+              <a:effectLst>
+                <a:outerShdw blurRad="38100" dist="38100" dir="2700000" algn="tl">
+                  <a:srgbClr val="000000">
+                    <a:alpha val="43137"/>
+                  </a:srgbClr>
+                </a:outerShdw>
+              </a:effectLst>
+            </a:endParaRPr>
+          </a:p>
+          <a:p>
+            <a:pPr marL="457200" indent="-457200" algn="r">
+              <a:lnSpc>
+                <a:spcPct val="200000"/>
+              </a:lnSpc>
+              <a:buFont typeface="Arial" panose="020B0604020202020204" pitchFamily="34" charset="0"/>
+              <a:buChar char="•"/>
+            </a:pPr>
+            <a:r>
+              <a:rPr lang="zh-CN" altLang="en-US" sz="2800" b="1" i="1" u="sng" dirty="0">
+                <a:solidFill>
+                  <a:srgbClr val="FF0000"/>
+                </a:solidFill>
+                <a:effectLst>
+                  <a:outerShdw blurRad="38100" dist="38100" dir="2700000" algn="tl">
+                    <a:srgbClr val="000000">
+                      <a:alpha val="43137"/>
+                    </a:srgbClr>
+                  </a:outerShdw>
+                </a:effectLst>
+              </a:rPr>
+              <a:t>框</a:t>
+            </a:r>
+            <a:endParaRPr lang="zh-CN" altLang="en-US" b="1" i="1" u="sng" dirty="0">
+              <a:solidFill>
+                <a:srgbClr val="FF0000"/>
+              </a:solidFill>
+              <a:effectLst>
+                <a:outerShdw blurRad="38100" dist="38100" dir="2700000" algn="tl">
+                  <a:srgbClr val="000000">
+                    <a:alpha val="43137"/>
+                  </a:srgbClr>
+                </a:outerShdw>
+              </a:effectLst>
+            </a:endParaRPr>
           </a:p>
         </p:txBody>
       </p:sp>
@@ -12812,8 +13121,8 @@
         </p:nvSpPr>
         <p:spPr>
           <a:xfrm>
-            <a:off x="1596908" y="2481943"/>
-            <a:ext cx="1015663" cy="646331"/>
+            <a:off x="1418059" y="2481943"/>
+            <a:ext cx="1194512" cy="646331"/>
           </a:xfrm>
           <a:prstGeom prst="rect">
             <a:avLst/>
@@ -12821,7 +13130,7 @@
           <a:noFill/>
         </p:spPr>
         <p:txBody>
-          <a:bodyPr vert="eaVert" wrap="square" rtlCol="0">
+          <a:bodyPr vert="eaVert" wrap="square" lIns="180000" tIns="93600" rIns="180000" bIns="93600" rtlCol="0">
             <a:spAutoFit/>
           </a:bodyPr>
           <a:lstStyle/>
@@ -13089,7 +13398,7 @@
         </p:nvSpPr>
         <p:spPr>
           <a:xfrm>
-            <a:off x="5267481" y="4002856"/>
+            <a:off x="2230320" y="4002856"/>
             <a:ext cx="1791432" cy="1791432"/>
           </a:xfrm>
           <a:custGeom>
@@ -13352,7 +13661,7 @@
         </p:nvSpPr>
         <p:spPr>
           <a:xfrm>
-            <a:off x="5665577" y="4002856"/>
+            <a:off x="2628416" y="4002856"/>
             <a:ext cx="498018" cy="398096"/>
           </a:xfrm>
           <a:custGeom>
@@ -13486,7 +13795,7 @@
         </p:nvSpPr>
         <p:spPr>
           <a:xfrm>
-            <a:off x="5416767" y="4002856"/>
+            <a:off x="2379606" y="4002856"/>
             <a:ext cx="1257983" cy="1393336"/>
           </a:xfrm>
           <a:custGeom>
@@ -13590,6 +13899,125 @@
           <a:lstStyle/>
           <a:p>
             <a:endParaRPr lang="zh-CN" altLang="en-US"/>
+          </a:p>
+        </p:txBody>
+      </p:sp>
+      <p:sp>
+        <p:nvSpPr>
+          <p:cNvPr id="19" name="文本框 18">
+            <a:extLst>
+              <a:ext uri="{FF2B5EF4-FFF2-40B4-BE49-F238E27FC236}">
+                <a16:creationId xmlns:a16="http://schemas.microsoft.com/office/drawing/2014/main" id="{ACD59AC5-F4C7-A9D2-BCB1-259A57E14AE3}"/>
+              </a:ext>
+            </a:extLst>
+          </p:cNvPr>
+          <p:cNvSpPr txBox="1"/>
+          <p:nvPr/>
+        </p:nvSpPr>
+        <p:spPr>
+          <a:xfrm>
+            <a:off x="9083040" y="2458720"/>
+            <a:ext cx="1361440" cy="369332"/>
+          </a:xfrm>
+          <a:custGeom>
+            <a:avLst/>
+            <a:gdLst>
+              <a:gd name="connsiteX0" fmla="*/ 0 w 1361440"/>
+              <a:gd name="connsiteY0" fmla="*/ 0 h 954593"/>
+              <a:gd name="connsiteX1" fmla="*/ 1361440 w 1361440"/>
+              <a:gd name="connsiteY1" fmla="*/ 0 h 954593"/>
+              <a:gd name="connsiteX2" fmla="*/ 1361440 w 1361440"/>
+              <a:gd name="connsiteY2" fmla="*/ 954593 h 954593"/>
+              <a:gd name="connsiteX3" fmla="*/ 0 w 1361440"/>
+              <a:gd name="connsiteY3" fmla="*/ 954593 h 954593"/>
+              <a:gd name="connsiteX4" fmla="*/ 0 w 1361440"/>
+              <a:gd name="connsiteY4" fmla="*/ 0 h 954593"/>
+              <a:gd name="connsiteX0" fmla="*/ 0 w 1361440"/>
+              <a:gd name="connsiteY0" fmla="*/ 756753 h 1711346"/>
+              <a:gd name="connsiteX1" fmla="*/ 772160 w 1361440"/>
+              <a:gd name="connsiteY1" fmla="*/ 0 h 1711346"/>
+              <a:gd name="connsiteX2" fmla="*/ 1361440 w 1361440"/>
+              <a:gd name="connsiteY2" fmla="*/ 756753 h 1711346"/>
+              <a:gd name="connsiteX3" fmla="*/ 1361440 w 1361440"/>
+              <a:gd name="connsiteY3" fmla="*/ 1711346 h 1711346"/>
+              <a:gd name="connsiteX4" fmla="*/ 0 w 1361440"/>
+              <a:gd name="connsiteY4" fmla="*/ 1711346 h 1711346"/>
+              <a:gd name="connsiteX5" fmla="*/ 0 w 1361440"/>
+              <a:gd name="connsiteY5" fmla="*/ 756753 h 1711346"/>
+            </a:gdLst>
+            <a:ahLst/>
+            <a:cxnLst>
+              <a:cxn ang="0">
+                <a:pos x="connsiteX0" y="connsiteY0"/>
+              </a:cxn>
+              <a:cxn ang="0">
+                <a:pos x="connsiteX1" y="connsiteY1"/>
+              </a:cxn>
+              <a:cxn ang="0">
+                <a:pos x="connsiteX2" y="connsiteY2"/>
+              </a:cxn>
+              <a:cxn ang="0">
+                <a:pos x="connsiteX3" y="connsiteY3"/>
+              </a:cxn>
+              <a:cxn ang="0">
+                <a:pos x="connsiteX4" y="connsiteY4"/>
+              </a:cxn>
+              <a:cxn ang="0">
+                <a:pos x="connsiteX5" y="connsiteY5"/>
+              </a:cxn>
+            </a:cxnLst>
+            <a:rect l="l" t="t" r="r" b="b"/>
+            <a:pathLst>
+              <a:path w="1361440" h="1711346">
+                <a:moveTo>
+                  <a:pt x="0" y="756753"/>
+                </a:moveTo>
+                <a:cubicBezTo>
+                  <a:pt x="311573" y="755115"/>
+                  <a:pt x="460587" y="1638"/>
+                  <a:pt x="772160" y="0"/>
+                </a:cubicBezTo>
+                <a:lnTo>
+                  <a:pt x="1361440" y="756753"/>
+                </a:lnTo>
+                <a:lnTo>
+                  <a:pt x="1361440" y="1711346"/>
+                </a:lnTo>
+                <a:lnTo>
+                  <a:pt x="0" y="1711346"/>
+                </a:lnTo>
+                <a:lnTo>
+                  <a:pt x="0" y="756753"/>
+                </a:lnTo>
+                <a:close/>
+              </a:path>
+            </a:pathLst>
+          </a:custGeom>
+          <a:solidFill>
+            <a:schemeClr val="accent1">
+              <a:lumMod val="60000"/>
+              <a:lumOff val="40000"/>
+            </a:schemeClr>
+          </a:solidFill>
+          <a:ln w="111125">
+            <a:solidFill>
+              <a:schemeClr val="accent1">
+                <a:shade val="15000"/>
+                <a:alpha val="92000"/>
+              </a:schemeClr>
+            </a:solidFill>
+          </a:ln>
+        </p:spPr>
+        <p:txBody>
+          <a:bodyPr wrap="square" rtlCol="0">
+            <a:spAutoFit/>
+          </a:bodyPr>
+          <a:lstStyle/>
+          <a:p>
+            <a:r>
+              <a:rPr lang="zh-CN" altLang="en-US" dirty="0"/>
+              <a:t>阿松大</a:t>
+            </a:r>
           </a:p>
         </p:txBody>
       </p:sp>

--- a/assets/ppt/simple.pptx
+++ b/assets/ppt/simple.pptx
@@ -6,7 +6,7 @@
     <p:sldMasterId id="2147483720" r:id="rId2"/>
   </p:sldMasterIdLst>
   <p:notesMasterIdLst>
-    <p:notesMasterId r:id="rId13"/>
+    <p:notesMasterId r:id="rId14"/>
   </p:notesMasterIdLst>
   <p:sldIdLst>
     <p:sldId id="256" r:id="rId3"/>
@@ -19,6 +19,7 @@
     <p:sldId id="263" r:id="rId10"/>
     <p:sldId id="264" r:id="rId11"/>
     <p:sldId id="265" r:id="rId12"/>
+    <p:sldId id="266" r:id="rId13"/>
   </p:sldIdLst>
   <p:sldSz cx="12192000" cy="6858000"/>
   <p:notesSz cx="6858000" cy="9144000"/>
@@ -136,6 +137,38 @@
 </p:presentation>
 </file>
 
+<file path=ppt/authors.xml><?xml version="1.0" encoding="utf-8"?>
+<p188:authorLst xmlns:a="http://schemas.openxmlformats.org/drawingml/2006/main" xmlns:r="http://schemas.openxmlformats.org/officeDocument/2006/relationships" xmlns:p188="http://schemas.microsoft.com/office/powerpoint/2018/8/main">
+  <p188:author id="{697A72BE-5857-848D-DD05-CBF7BCBECDD4}" name="krito misaka" initials="km" userId="dae1b8c593ef4e07" providerId="Windows Live"/>
+</p188:authorLst>
+</file>
+
+<file path=ppt/comments/modernComment_10A_5A9FD94A.xml><?xml version="1.0" encoding="utf-8"?>
+<p188:cmLst xmlns:a="http://schemas.openxmlformats.org/drawingml/2006/main" xmlns:r="http://schemas.openxmlformats.org/officeDocument/2006/relationships" xmlns:p188="http://schemas.microsoft.com/office/powerpoint/2018/8/main">
+  <p188:cm id="{9371A245-C8AD-4C72-9C4D-30EA0BE22E5B}" authorId="{697A72BE-5857-848D-DD05-CBF7BCBECDD4}" created="2024-04-10T10:15:53.694">
+    <ac:txMkLst xmlns:ac="http://schemas.microsoft.com/office/drawing/2013/main/command">
+      <pc:docMk xmlns:pc="http://schemas.microsoft.com/office/powerpoint/2013/main/command"/>
+      <pc:sldMk xmlns:pc="http://schemas.microsoft.com/office/powerpoint/2013/main/command" cId="1520425290" sldId="266"/>
+      <ac:spMk id="8" creationId="{E378F7E2-909D-0D12-B87F-2B90220201C2}"/>
+      <ac:txMk cp="0" len="1">
+        <ac:context len="3" hash="30290284"/>
+      </ac:txMk>
+    </ac:txMkLst>
+    <p188:pos x="386722" y="555800"/>
+    <p188:txBody>
+      <a:bodyPr/>
+      <a:lstStyle/>
+      <a:p>
+        <a:r>
+          <a:rPr lang="zh-CN" altLang="en-US"/>
+          <a:t>测试</a:t>
+        </a:r>
+      </a:p>
+    </p188:txBody>
+  </p188:cm>
+</p188:cmLst>
+</file>
+
 <file path=ppt/notesMasters/notesMaster1.xml><?xml version="1.0" encoding="utf-8"?>
 <p:notesMaster xmlns:a="http://schemas.openxmlformats.org/drawingml/2006/main" xmlns:r="http://schemas.openxmlformats.org/officeDocument/2006/relationships" xmlns:p="http://schemas.openxmlformats.org/presentationml/2006/main">
   <p:cSld>
@@ -218,7 +251,7 @@
           <a:p>
             <a:fld id="{561015B1-ED29-F04F-B696-7C731FF4B4B4}" type="datetimeFigureOut">
               <a:rPr kumimoji="1" lang="zh-CN" altLang="en-US" smtClean="0"/>
-              <a:t>2024/4/8</a:t>
+              <a:t>2024/4/10</a:t>
             </a:fld>
             <a:endParaRPr kumimoji="1" lang="zh-CN" altLang="en-US"/>
           </a:p>
@@ -749,7 +782,7 @@
           <a:p>
             <a:fld id="{DEDA17D1-6590-4570-9DF1-29A4B3C6B8EE}" type="datetimeFigureOut">
               <a:rPr lang="zh-CN" altLang="en-US" smtClean="0"/>
-              <a:t>2024/4/8</a:t>
+              <a:t>2024/4/10</a:t>
             </a:fld>
             <a:endParaRPr lang="zh-CN" altLang="en-US"/>
           </a:p>
@@ -996,7 +1029,7 @@
           <a:p>
             <a:fld id="{DEDA17D1-6590-4570-9DF1-29A4B3C6B8EE}" type="datetimeFigureOut">
               <a:rPr lang="zh-CN" altLang="en-US" smtClean="0"/>
-              <a:t>2024/4/8</a:t>
+              <a:t>2024/4/10</a:t>
             </a:fld>
             <a:endParaRPr lang="zh-CN" altLang="en-US"/>
           </a:p>
@@ -1204,7 +1237,7 @@
           <a:p>
             <a:fld id="{DEDA17D1-6590-4570-9DF1-29A4B3C6B8EE}" type="datetimeFigureOut">
               <a:rPr lang="zh-CN" altLang="en-US" smtClean="0"/>
-              <a:t>2024/4/8</a:t>
+              <a:t>2024/4/10</a:t>
             </a:fld>
             <a:endParaRPr lang="zh-CN" altLang="en-US"/>
           </a:p>
@@ -1345,7 +1378,7 @@
           <a:p>
             <a:fld id="{DEDA17D1-6590-4570-9DF1-29A4B3C6B8EE}" type="datetimeFigureOut">
               <a:rPr lang="zh-CN" altLang="en-US" smtClean="0"/>
-              <a:t>2024/4/8</a:t>
+              <a:t>2024/4/10</a:t>
             </a:fld>
             <a:endParaRPr lang="zh-CN" altLang="en-US"/>
           </a:p>
@@ -1565,7 +1598,7 @@
           <a:p>
             <a:fld id="{B14948DB-0BE7-40D0-80F6-9094451DF04C}" type="datetimeFigureOut">
               <a:rPr lang="zh-CN" altLang="en-US" smtClean="0"/>
-              <a:t>2024/4/8</a:t>
+              <a:t>2024/4/10</a:t>
             </a:fld>
             <a:endParaRPr lang="zh-CN" altLang="en-US"/>
           </a:p>
@@ -1763,7 +1796,7 @@
           <a:p>
             <a:fld id="{B14948DB-0BE7-40D0-80F6-9094451DF04C}" type="datetimeFigureOut">
               <a:rPr lang="zh-CN" altLang="en-US" smtClean="0"/>
-              <a:t>2024/4/8</a:t>
+              <a:t>2024/4/10</a:t>
             </a:fld>
             <a:endParaRPr lang="zh-CN" altLang="en-US"/>
           </a:p>
@@ -2038,7 +2071,7 @@
           <a:p>
             <a:fld id="{B14948DB-0BE7-40D0-80F6-9094451DF04C}" type="datetimeFigureOut">
               <a:rPr lang="zh-CN" altLang="en-US" smtClean="0"/>
-              <a:t>2024/4/8</a:t>
+              <a:t>2024/4/10</a:t>
             </a:fld>
             <a:endParaRPr lang="zh-CN" altLang="en-US"/>
           </a:p>
@@ -2303,7 +2336,7 @@
           <a:p>
             <a:fld id="{B14948DB-0BE7-40D0-80F6-9094451DF04C}" type="datetimeFigureOut">
               <a:rPr lang="zh-CN" altLang="en-US" smtClean="0"/>
-              <a:t>2024/4/8</a:t>
+              <a:t>2024/4/10</a:t>
             </a:fld>
             <a:endParaRPr lang="zh-CN" altLang="en-US"/>
           </a:p>
@@ -2715,7 +2748,7 @@
           <a:p>
             <a:fld id="{B14948DB-0BE7-40D0-80F6-9094451DF04C}" type="datetimeFigureOut">
               <a:rPr lang="zh-CN" altLang="en-US" smtClean="0"/>
-              <a:t>2024/4/8</a:t>
+              <a:t>2024/4/10</a:t>
             </a:fld>
             <a:endParaRPr lang="zh-CN" altLang="en-US"/>
           </a:p>
@@ -2856,7 +2889,7 @@
           <a:p>
             <a:fld id="{B14948DB-0BE7-40D0-80F6-9094451DF04C}" type="datetimeFigureOut">
               <a:rPr lang="zh-CN" altLang="en-US" smtClean="0"/>
-              <a:t>2024/4/8</a:t>
+              <a:t>2024/4/10</a:t>
             </a:fld>
             <a:endParaRPr lang="zh-CN" altLang="en-US"/>
           </a:p>
@@ -2969,7 +3002,7 @@
           <a:p>
             <a:fld id="{B14948DB-0BE7-40D0-80F6-9094451DF04C}" type="datetimeFigureOut">
               <a:rPr lang="zh-CN" altLang="en-US" smtClean="0"/>
-              <a:t>2024/4/8</a:t>
+              <a:t>2024/4/10</a:t>
             </a:fld>
             <a:endParaRPr lang="zh-CN" altLang="en-US"/>
           </a:p>
@@ -3167,7 +3200,7 @@
           <a:p>
             <a:fld id="{DEDA17D1-6590-4570-9DF1-29A4B3C6B8EE}" type="datetimeFigureOut">
               <a:rPr lang="zh-CN" altLang="en-US" smtClean="0"/>
-              <a:t>2024/4/8</a:t>
+              <a:t>2024/4/10</a:t>
             </a:fld>
             <a:endParaRPr lang="zh-CN" altLang="en-US"/>
           </a:p>
@@ -3478,7 +3511,7 @@
           <a:p>
             <a:fld id="{B14948DB-0BE7-40D0-80F6-9094451DF04C}" type="datetimeFigureOut">
               <a:rPr lang="zh-CN" altLang="en-US" smtClean="0"/>
-              <a:t>2024/4/8</a:t>
+              <a:t>2024/4/10</a:t>
             </a:fld>
             <a:endParaRPr lang="zh-CN" altLang="en-US"/>
           </a:p>
@@ -3766,7 +3799,7 @@
           <a:p>
             <a:fld id="{B14948DB-0BE7-40D0-80F6-9094451DF04C}" type="datetimeFigureOut">
               <a:rPr lang="zh-CN" altLang="en-US" smtClean="0"/>
-              <a:t>2024/4/8</a:t>
+              <a:t>2024/4/10</a:t>
             </a:fld>
             <a:endParaRPr lang="zh-CN" altLang="en-US"/>
           </a:p>
@@ -3964,7 +3997,7 @@
           <a:p>
             <a:fld id="{B14948DB-0BE7-40D0-80F6-9094451DF04C}" type="datetimeFigureOut">
               <a:rPr lang="zh-CN" altLang="en-US" smtClean="0"/>
-              <a:t>2024/4/8</a:t>
+              <a:t>2024/4/10</a:t>
             </a:fld>
             <a:endParaRPr lang="zh-CN" altLang="en-US"/>
           </a:p>
@@ -4172,7 +4205,7 @@
           <a:p>
             <a:fld id="{B14948DB-0BE7-40D0-80F6-9094451DF04C}" type="datetimeFigureOut">
               <a:rPr lang="zh-CN" altLang="en-US" smtClean="0"/>
-              <a:t>2024/4/8</a:t>
+              <a:t>2024/4/10</a:t>
             </a:fld>
             <a:endParaRPr lang="zh-CN" altLang="en-US"/>
           </a:p>
@@ -4447,7 +4480,7 @@
           <a:p>
             <a:fld id="{DEDA17D1-6590-4570-9DF1-29A4B3C6B8EE}" type="datetimeFigureOut">
               <a:rPr lang="zh-CN" altLang="en-US" smtClean="0"/>
-              <a:t>2024/4/8</a:t>
+              <a:t>2024/4/10</a:t>
             </a:fld>
             <a:endParaRPr lang="zh-CN" altLang="en-US"/>
           </a:p>
@@ -4712,7 +4745,7 @@
           <a:p>
             <a:fld id="{DEDA17D1-6590-4570-9DF1-29A4B3C6B8EE}" type="datetimeFigureOut">
               <a:rPr lang="zh-CN" altLang="en-US" smtClean="0"/>
-              <a:t>2024/4/8</a:t>
+              <a:t>2024/4/10</a:t>
             </a:fld>
             <a:endParaRPr lang="zh-CN" altLang="en-US"/>
           </a:p>
@@ -5133,7 +5166,7 @@
           <a:p>
             <a:fld id="{DEDA17D1-6590-4570-9DF1-29A4B3C6B8EE}" type="datetimeFigureOut">
               <a:rPr lang="zh-CN" altLang="en-US" smtClean="0"/>
-              <a:t>2024/4/8</a:t>
+              <a:t>2024/4/10</a:t>
             </a:fld>
             <a:endParaRPr lang="zh-CN" altLang="en-US"/>
           </a:p>
@@ -5274,7 +5307,7 @@
           <a:p>
             <a:fld id="{DEDA17D1-6590-4570-9DF1-29A4B3C6B8EE}" type="datetimeFigureOut">
               <a:rPr lang="zh-CN" altLang="en-US" smtClean="0"/>
-              <a:t>2024/4/8</a:t>
+              <a:t>2024/4/10</a:t>
             </a:fld>
             <a:endParaRPr lang="zh-CN" altLang="en-US"/>
           </a:p>
@@ -5387,7 +5420,7 @@
           <a:p>
             <a:fld id="{DEDA17D1-6590-4570-9DF1-29A4B3C6B8EE}" type="datetimeFigureOut">
               <a:rPr lang="zh-CN" altLang="en-US" smtClean="0"/>
-              <a:t>2024/4/8</a:t>
+              <a:t>2024/4/10</a:t>
             </a:fld>
             <a:endParaRPr lang="zh-CN" altLang="en-US"/>
           </a:p>
@@ -5698,7 +5731,7 @@
           <a:p>
             <a:fld id="{DEDA17D1-6590-4570-9DF1-29A4B3C6B8EE}" type="datetimeFigureOut">
               <a:rPr lang="zh-CN" altLang="en-US" smtClean="0"/>
-              <a:t>2024/4/8</a:t>
+              <a:t>2024/4/10</a:t>
             </a:fld>
             <a:endParaRPr lang="zh-CN" altLang="en-US"/>
           </a:p>
@@ -5986,7 +6019,7 @@
           <a:p>
             <a:fld id="{DEDA17D1-6590-4570-9DF1-29A4B3C6B8EE}" type="datetimeFigureOut">
               <a:rPr lang="zh-CN" altLang="en-US" smtClean="0"/>
-              <a:t>2024/4/8</a:t>
+              <a:t>2024/4/10</a:t>
             </a:fld>
             <a:endParaRPr lang="zh-CN" altLang="en-US"/>
           </a:p>
@@ -6255,7 +6288,7 @@
           <a:p>
             <a:fld id="{DEDA17D1-6590-4570-9DF1-29A4B3C6B8EE}" type="datetimeFigureOut">
               <a:rPr lang="zh-CN" altLang="en-US" smtClean="0"/>
-              <a:t>2024/4/8</a:t>
+              <a:t>2024/4/10</a:t>
             </a:fld>
             <a:endParaRPr lang="zh-CN" altLang="en-US"/>
           </a:p>
@@ -6824,7 +6857,7 @@
           <a:p>
             <a:fld id="{B14948DB-0BE7-40D0-80F6-9094451DF04C}" type="datetimeFigureOut">
               <a:rPr lang="zh-CN" altLang="en-US" smtClean="0"/>
-              <a:t>2024/4/8</a:t>
+              <a:t>2024/4/10</a:t>
             </a:fld>
             <a:endParaRPr lang="zh-CN" altLang="en-US"/>
           </a:p>
@@ -9051,6 +9084,358 @@
   <p:clrMapOvr>
     <a:masterClrMapping/>
   </p:clrMapOvr>
+</p:sld>
+</file>
+
+<file path=ppt/slides/slide11.xml><?xml version="1.0" encoding="utf-8"?>
+<p:sld xmlns:a="http://schemas.openxmlformats.org/drawingml/2006/main" xmlns:r="http://schemas.openxmlformats.org/officeDocument/2006/relationships" xmlns:p="http://schemas.openxmlformats.org/presentationml/2006/main">
+  <p:cSld>
+    <p:spTree>
+      <p:nvGrpSpPr>
+        <p:cNvPr id="1" name=""/>
+        <p:cNvGrpSpPr/>
+        <p:nvPr/>
+      </p:nvGrpSpPr>
+      <p:grpSpPr>
+        <a:xfrm>
+          <a:off x="0" y="0"/>
+          <a:ext cx="0" cy="0"/>
+          <a:chOff x="0" y="0"/>
+          <a:chExt cx="0" cy="0"/>
+        </a:xfrm>
+      </p:grpSpPr>
+      <p:sp>
+        <p:nvSpPr>
+          <p:cNvPr id="4" name="椭圆 3">
+            <a:extLst>
+              <a:ext uri="{FF2B5EF4-FFF2-40B4-BE49-F238E27FC236}">
+                <a16:creationId xmlns:a16="http://schemas.microsoft.com/office/drawing/2014/main" id="{1D11019E-8734-A997-C0C7-2F9742F01EE6}"/>
+              </a:ext>
+            </a:extLst>
+          </p:cNvPr>
+          <p:cNvSpPr/>
+          <p:nvPr/>
+        </p:nvSpPr>
+        <p:spPr>
+          <a:xfrm>
+            <a:off x="898699" y="937636"/>
+            <a:ext cx="4753988" cy="2700914"/>
+          </a:xfrm>
+          <a:prstGeom prst="ellipse">
+            <a:avLst/>
+          </a:prstGeom>
+          <a:solidFill>
+            <a:schemeClr val="tx2"/>
+          </a:solidFill>
+        </p:spPr>
+        <p:style>
+          <a:lnRef idx="2">
+            <a:schemeClr val="accent1">
+              <a:shade val="15000"/>
+            </a:schemeClr>
+          </a:lnRef>
+          <a:fillRef idx="1">
+            <a:schemeClr val="accent1"/>
+          </a:fillRef>
+          <a:effectRef idx="0">
+            <a:schemeClr val="accent1"/>
+          </a:effectRef>
+          <a:fontRef idx="minor">
+            <a:schemeClr val="lt1"/>
+          </a:fontRef>
+        </p:style>
+        <p:txBody>
+          <a:bodyPr rtlCol="0" anchor="ctr"/>
+          <a:lstStyle/>
+          <a:p>
+            <a:pPr marL="400050" indent="-400050" algn="ctr">
+              <a:buFont typeface="+mj-ea"/>
+              <a:buAutoNum type="ea1JpnChsDbPeriod"/>
+            </a:pPr>
+            <a:r>
+              <a:rPr lang="zh-CN" altLang="en-US" dirty="0">
+                <a:latin typeface="+mj-lt"/>
+              </a:rPr>
+              <a:t>文本你好</a:t>
+            </a:r>
+            <a:endParaRPr lang="en-US" altLang="zh-CN" dirty="0">
+              <a:latin typeface="+mj-lt"/>
+            </a:endParaRPr>
+          </a:p>
+          <a:p>
+            <a:pPr marL="400050" indent="-400050" algn="ctr">
+              <a:buFont typeface="+mj-ea"/>
+              <a:buAutoNum type="ea1JpnChsDbPeriod"/>
+            </a:pPr>
+            <a:r>
+              <a:rPr lang="zh-CN" altLang="en-US" dirty="0">
+                <a:latin typeface="+mj-lt"/>
+              </a:rPr>
+              <a:t>阿松大阿松大</a:t>
+            </a:r>
+            <a:endParaRPr lang="en-US" altLang="zh-CN" dirty="0">
+              <a:latin typeface="+mj-lt"/>
+            </a:endParaRPr>
+          </a:p>
+          <a:p>
+            <a:pPr marL="400050" indent="-400050" algn="ctr">
+              <a:buFont typeface="+mj-ea"/>
+              <a:buAutoNum type="ea1JpnChsDbPeriod"/>
+            </a:pPr>
+            <a:r>
+              <a:rPr lang="zh-CN" altLang="en-US" dirty="0">
+                <a:latin typeface="+mj-lt"/>
+              </a:rPr>
+              <a:t>啊实打实阿三</a:t>
+            </a:r>
+            <a:r>
+              <a:rPr lang="en-US" altLang="zh-CN" dirty="0">
+                <a:latin typeface="+mj-lt"/>
+              </a:rPr>
+              <a:t>d</a:t>
+            </a:r>
+          </a:p>
+          <a:p>
+            <a:pPr marL="400050" indent="-400050" algn="ctr">
+              <a:buFont typeface="+mj-lt"/>
+              <a:buAutoNum type="romanUcPeriod"/>
+            </a:pPr>
+            <a:r>
+              <a:rPr lang="zh-CN" altLang="en-US" dirty="0">
+                <a:latin typeface="+mj-lt"/>
+              </a:rPr>
+              <a:t>去</a:t>
+            </a:r>
+            <a:endParaRPr lang="en-US" altLang="zh-CN" dirty="0">
+              <a:latin typeface="+mj-lt"/>
+            </a:endParaRPr>
+          </a:p>
+          <a:p>
+            <a:pPr marL="400050" indent="-400050" algn="ctr">
+              <a:buFont typeface="+mj-ea"/>
+              <a:buAutoNum type="ea1JpnChsDbPeriod"/>
+            </a:pPr>
+            <a:endParaRPr lang="zh-CN" altLang="en-US" dirty="0"/>
+          </a:p>
+        </p:txBody>
+      </p:sp>
+      <p:sp>
+        <p:nvSpPr>
+          <p:cNvPr id="6" name="文本框 5">
+            <a:extLst>
+              <a:ext uri="{FF2B5EF4-FFF2-40B4-BE49-F238E27FC236}">
+                <a16:creationId xmlns:a16="http://schemas.microsoft.com/office/drawing/2014/main" id="{399FF45E-8540-282A-13B7-D2D8DC5B0551}"/>
+              </a:ext>
+            </a:extLst>
+          </p:cNvPr>
+          <p:cNvSpPr txBox="1"/>
+          <p:nvPr/>
+        </p:nvSpPr>
+        <p:spPr>
+          <a:xfrm>
+            <a:off x="6539314" y="937636"/>
+            <a:ext cx="1877437" cy="3274507"/>
+          </a:xfrm>
+          <a:prstGeom prst="rect">
+            <a:avLst/>
+          </a:prstGeom>
+          <a:noFill/>
+          <a:ln>
+            <a:noFill/>
+          </a:ln>
+        </p:spPr>
+        <p:txBody>
+          <a:bodyPr vert="eaVert" wrap="square" rtlCol="0">
+            <a:spAutoFit/>
+          </a:bodyPr>
+          <a:lstStyle/>
+          <a:p>
+            <a:pPr algn="r"/>
+            <a:r>
+              <a:rPr lang="zh-CN" altLang="en-US" dirty="0">
+                <a:latin typeface="+mj-ea"/>
+                <a:ea typeface="+mj-ea"/>
+              </a:rPr>
+              <a:t>阿</a:t>
+            </a:r>
+            <a:r>
+              <a:rPr lang="zh-CN" altLang="en-US" sz="3200" b="1" dirty="0">
+                <a:blipFill dpi="0" rotWithShape="1">
+                  <a:blip r:embed="rId3"/>
+                  <a:srcRect/>
+                  <a:tile tx="0" ty="0" sx="100000" sy="100000" flip="none" algn="tl"/>
+                </a:blipFill>
+                <a:latin typeface="+mj-ea"/>
+                <a:ea typeface="+mj-ea"/>
+              </a:rPr>
+              <a:t>三大苏打阿松大</a:t>
+            </a:r>
+            <a:r>
+              <a:rPr lang="en-US" altLang="zh-CN" sz="3200" b="1" dirty="0">
+                <a:blipFill dpi="0" rotWithShape="1">
+                  <a:blip r:embed="rId3"/>
+                  <a:srcRect/>
+                  <a:tile tx="0" ty="0" sx="100000" sy="100000" flip="none" algn="tl"/>
+                </a:blipFill>
+              </a:rPr>
+              <a:t>as</a:t>
+            </a:r>
+            <a:r>
+              <a:rPr lang="zh-CN" altLang="en-US" sz="3200" b="1" dirty="0">
+                <a:blipFill dpi="0" rotWithShape="1">
+                  <a:blip r:embed="rId3"/>
+                  <a:srcRect/>
+                  <a:tile tx="0" ty="0" sx="100000" sy="100000" flip="none" algn="tl"/>
+                </a:blipFill>
+              </a:rPr>
+              <a:t>阿松大</a:t>
+            </a:r>
+            <a:endParaRPr lang="en-US" altLang="zh-CN" b="1" dirty="0">
+              <a:blipFill dpi="0" rotWithShape="1">
+                <a:blip r:embed="rId3"/>
+                <a:srcRect/>
+                <a:tile tx="0" ty="0" sx="100000" sy="100000" flip="none" algn="tl"/>
+              </a:blipFill>
+            </a:endParaRPr>
+          </a:p>
+          <a:p>
+            <a:r>
+              <a:rPr lang="zh-CN" altLang="en-US" dirty="0"/>
+              <a:t>阿松</a:t>
+            </a:r>
+            <a:r>
+              <a:rPr lang="zh-CN" altLang="en-US" sz="2800" b="1" i="1" u="sng" strike="sngStrike" spc="300" dirty="0">
+                <a:solidFill>
+                  <a:srgbClr val="FF0000"/>
+                </a:solidFill>
+                <a:effectLst>
+                  <a:outerShdw blurRad="38100" dist="38100" dir="2700000" algn="tl">
+                    <a:srgbClr val="000000">
+                      <a:alpha val="43137"/>
+                    </a:srgbClr>
+                  </a:outerShdw>
+                </a:effectLst>
+                <a:highlight>
+                  <a:srgbClr val="FFFF00"/>
+                </a:highlight>
+                <a:latin typeface="Impact" panose="020B0806030902050204" pitchFamily="34" charset="0"/>
+              </a:rPr>
+              <a:t>大</a:t>
+            </a:r>
+            <a:r>
+              <a:rPr lang="en-US" altLang="zh-CN" sz="2800" b="1" i="1" u="sng" strike="sngStrike" spc="300" dirty="0">
+                <a:solidFill>
+                  <a:srgbClr val="FF0000"/>
+                </a:solidFill>
+                <a:effectLst>
+                  <a:outerShdw blurRad="38100" dist="38100" dir="2700000" algn="tl">
+                    <a:srgbClr val="000000">
+                      <a:alpha val="43137"/>
+                    </a:srgbClr>
+                  </a:outerShdw>
+                </a:effectLst>
+                <a:highlight>
+                  <a:srgbClr val="FFFF00"/>
+                </a:highlight>
+                <a:latin typeface="Impact" panose="020B0806030902050204" pitchFamily="34" charset="0"/>
+              </a:rPr>
+              <a:t>as</a:t>
+            </a:r>
+            <a:r>
+              <a:rPr lang="zh-CN" altLang="en-US" sz="2800" b="1" i="1" u="sng" strike="sngStrike" spc="300" dirty="0">
+                <a:solidFill>
+                  <a:srgbClr val="FF0000"/>
+                </a:solidFill>
+                <a:effectLst>
+                  <a:outerShdw blurRad="38100" dist="38100" dir="2700000" algn="tl">
+                    <a:srgbClr val="000000">
+                      <a:alpha val="43137"/>
+                    </a:srgbClr>
+                  </a:outerShdw>
+                </a:effectLst>
+                <a:highlight>
+                  <a:srgbClr val="FFFF00"/>
+                </a:highlight>
+                <a:latin typeface="Impact" panose="020B0806030902050204" pitchFamily="34" charset="0"/>
+              </a:rPr>
+              <a:t>阿三</a:t>
+            </a:r>
+            <a:r>
+              <a:rPr lang="zh-CN" altLang="en-US" dirty="0"/>
+              <a:t>打算</a:t>
+            </a:r>
+            <a:endParaRPr lang="en-US" altLang="zh-CN" dirty="0"/>
+          </a:p>
+          <a:p>
+            <a:r>
+              <a:rPr lang="zh-CN" altLang="en-US" dirty="0"/>
+              <a:t>啊啊啊啊啊</a:t>
+            </a:r>
+          </a:p>
+        </p:txBody>
+      </p:sp>
+      <p:sp>
+        <p:nvSpPr>
+          <p:cNvPr id="8" name="文本框 7">
+            <a:extLst>
+              <a:ext uri="{FF2B5EF4-FFF2-40B4-BE49-F238E27FC236}">
+                <a16:creationId xmlns:a16="http://schemas.microsoft.com/office/drawing/2014/main" id="{E378F7E2-909D-0D12-B87F-2B90220201C2}"/>
+              </a:ext>
+            </a:extLst>
+          </p:cNvPr>
+          <p:cNvSpPr txBox="1"/>
+          <p:nvPr/>
+        </p:nvSpPr>
+        <p:spPr>
+          <a:xfrm>
+            <a:off x="1833964" y="4212143"/>
+            <a:ext cx="4705350" cy="1569660"/>
+          </a:xfrm>
+          <a:prstGeom prst="rect">
+            <a:avLst/>
+          </a:prstGeom>
+          <a:noFill/>
+        </p:spPr>
+        <p:txBody>
+          <a:bodyPr wrap="square" rtlCol="0">
+            <a:spAutoFit/>
+          </a:bodyPr>
+          <a:lstStyle/>
+          <a:p>
+            <a:r>
+              <a:rPr lang="zh-CN" altLang="en-US" sz="7200" b="1" i="1" u="dottedHeavy" strike="dblStrike" dirty="0">
+                <a:uFill>
+                  <a:solidFill>
+                    <a:schemeClr val="accent2"/>
+                  </a:solidFill>
+                </a:uFill>
+                <a:latin typeface="+mj-lt"/>
+                <a:ea typeface="+mj-ea"/>
+              </a:rPr>
+              <a:t>标</a:t>
+            </a:r>
+            <a:r>
+              <a:rPr lang="zh-CN" altLang="en-US" sz="9600" dirty="0"/>
+              <a:t>题</a:t>
+            </a:r>
+          </a:p>
+        </p:txBody>
+      </p:sp>
+    </p:spTree>
+    <p:extLst>
+      <p:ext uri="{BB962C8B-B14F-4D97-AF65-F5344CB8AC3E}">
+        <p14:creationId xmlns:p14="http://schemas.microsoft.com/office/powerpoint/2010/main" val="1520425290"/>
+      </p:ext>
+    </p:extLst>
+  </p:cSld>
+  <p:clrMapOvr>
+    <a:masterClrMapping/>
+  </p:clrMapOvr>
+  <p:extLst>
+    <p:ext uri="{6950BFC3-D8DA-4A85-94F7-54DA5524770B}">
+      <p188:commentRel xmlns:p188="http://schemas.microsoft.com/office/powerpoint/2018/8/main" r:id="rId2"/>
+    </p:ext>
+  </p:extLst>
 </p:sld>
 </file>
 

--- a/assets/ppt/simple.pptx
+++ b/assets/ppt/simple.pptx
@@ -251,7 +251,7 @@
           <a:p>
             <a:fld id="{561015B1-ED29-F04F-B696-7C731FF4B4B4}" type="datetimeFigureOut">
               <a:rPr kumimoji="1" lang="zh-CN" altLang="en-US" smtClean="0"/>
-              <a:t>2024/4/10</a:t>
+              <a:t>2024/4/11</a:t>
             </a:fld>
             <a:endParaRPr kumimoji="1" lang="zh-CN" altLang="en-US"/>
           </a:p>
@@ -782,7 +782,7 @@
           <a:p>
             <a:fld id="{DEDA17D1-6590-4570-9DF1-29A4B3C6B8EE}" type="datetimeFigureOut">
               <a:rPr lang="zh-CN" altLang="en-US" smtClean="0"/>
-              <a:t>2024/4/10</a:t>
+              <a:t>2024/4/11</a:t>
             </a:fld>
             <a:endParaRPr lang="zh-CN" altLang="en-US"/>
           </a:p>
@@ -1029,7 +1029,7 @@
           <a:p>
             <a:fld id="{DEDA17D1-6590-4570-9DF1-29A4B3C6B8EE}" type="datetimeFigureOut">
               <a:rPr lang="zh-CN" altLang="en-US" smtClean="0"/>
-              <a:t>2024/4/10</a:t>
+              <a:t>2024/4/11</a:t>
             </a:fld>
             <a:endParaRPr lang="zh-CN" altLang="en-US"/>
           </a:p>
@@ -1237,7 +1237,7 @@
           <a:p>
             <a:fld id="{DEDA17D1-6590-4570-9DF1-29A4B3C6B8EE}" type="datetimeFigureOut">
               <a:rPr lang="zh-CN" altLang="en-US" smtClean="0"/>
-              <a:t>2024/4/10</a:t>
+              <a:t>2024/4/11</a:t>
             </a:fld>
             <a:endParaRPr lang="zh-CN" altLang="en-US"/>
           </a:p>
@@ -1378,7 +1378,7 @@
           <a:p>
             <a:fld id="{DEDA17D1-6590-4570-9DF1-29A4B3C6B8EE}" type="datetimeFigureOut">
               <a:rPr lang="zh-CN" altLang="en-US" smtClean="0"/>
-              <a:t>2024/4/10</a:t>
+              <a:t>2024/4/11</a:t>
             </a:fld>
             <a:endParaRPr lang="zh-CN" altLang="en-US"/>
           </a:p>
@@ -1598,7 +1598,7 @@
           <a:p>
             <a:fld id="{B14948DB-0BE7-40D0-80F6-9094451DF04C}" type="datetimeFigureOut">
               <a:rPr lang="zh-CN" altLang="en-US" smtClean="0"/>
-              <a:t>2024/4/10</a:t>
+              <a:t>2024/4/11</a:t>
             </a:fld>
             <a:endParaRPr lang="zh-CN" altLang="en-US"/>
           </a:p>
@@ -1796,7 +1796,7 @@
           <a:p>
             <a:fld id="{B14948DB-0BE7-40D0-80F6-9094451DF04C}" type="datetimeFigureOut">
               <a:rPr lang="zh-CN" altLang="en-US" smtClean="0"/>
-              <a:t>2024/4/10</a:t>
+              <a:t>2024/4/11</a:t>
             </a:fld>
             <a:endParaRPr lang="zh-CN" altLang="en-US"/>
           </a:p>
@@ -2071,7 +2071,7 @@
           <a:p>
             <a:fld id="{B14948DB-0BE7-40D0-80F6-9094451DF04C}" type="datetimeFigureOut">
               <a:rPr lang="zh-CN" altLang="en-US" smtClean="0"/>
-              <a:t>2024/4/10</a:t>
+              <a:t>2024/4/11</a:t>
             </a:fld>
             <a:endParaRPr lang="zh-CN" altLang="en-US"/>
           </a:p>
@@ -2336,7 +2336,7 @@
           <a:p>
             <a:fld id="{B14948DB-0BE7-40D0-80F6-9094451DF04C}" type="datetimeFigureOut">
               <a:rPr lang="zh-CN" altLang="en-US" smtClean="0"/>
-              <a:t>2024/4/10</a:t>
+              <a:t>2024/4/11</a:t>
             </a:fld>
             <a:endParaRPr lang="zh-CN" altLang="en-US"/>
           </a:p>
@@ -2748,7 +2748,7 @@
           <a:p>
             <a:fld id="{B14948DB-0BE7-40D0-80F6-9094451DF04C}" type="datetimeFigureOut">
               <a:rPr lang="zh-CN" altLang="en-US" smtClean="0"/>
-              <a:t>2024/4/10</a:t>
+              <a:t>2024/4/11</a:t>
             </a:fld>
             <a:endParaRPr lang="zh-CN" altLang="en-US"/>
           </a:p>
@@ -2889,7 +2889,7 @@
           <a:p>
             <a:fld id="{B14948DB-0BE7-40D0-80F6-9094451DF04C}" type="datetimeFigureOut">
               <a:rPr lang="zh-CN" altLang="en-US" smtClean="0"/>
-              <a:t>2024/4/10</a:t>
+              <a:t>2024/4/11</a:t>
             </a:fld>
             <a:endParaRPr lang="zh-CN" altLang="en-US"/>
           </a:p>
@@ -3002,7 +3002,7 @@
           <a:p>
             <a:fld id="{B14948DB-0BE7-40D0-80F6-9094451DF04C}" type="datetimeFigureOut">
               <a:rPr lang="zh-CN" altLang="en-US" smtClean="0"/>
-              <a:t>2024/4/10</a:t>
+              <a:t>2024/4/11</a:t>
             </a:fld>
             <a:endParaRPr lang="zh-CN" altLang="en-US"/>
           </a:p>
@@ -3200,7 +3200,7 @@
           <a:p>
             <a:fld id="{DEDA17D1-6590-4570-9DF1-29A4B3C6B8EE}" type="datetimeFigureOut">
               <a:rPr lang="zh-CN" altLang="en-US" smtClean="0"/>
-              <a:t>2024/4/10</a:t>
+              <a:t>2024/4/11</a:t>
             </a:fld>
             <a:endParaRPr lang="zh-CN" altLang="en-US"/>
           </a:p>
@@ -3511,7 +3511,7 @@
           <a:p>
             <a:fld id="{B14948DB-0BE7-40D0-80F6-9094451DF04C}" type="datetimeFigureOut">
               <a:rPr lang="zh-CN" altLang="en-US" smtClean="0"/>
-              <a:t>2024/4/10</a:t>
+              <a:t>2024/4/11</a:t>
             </a:fld>
             <a:endParaRPr lang="zh-CN" altLang="en-US"/>
           </a:p>
@@ -3799,7 +3799,7 @@
           <a:p>
             <a:fld id="{B14948DB-0BE7-40D0-80F6-9094451DF04C}" type="datetimeFigureOut">
               <a:rPr lang="zh-CN" altLang="en-US" smtClean="0"/>
-              <a:t>2024/4/10</a:t>
+              <a:t>2024/4/11</a:t>
             </a:fld>
             <a:endParaRPr lang="zh-CN" altLang="en-US"/>
           </a:p>
@@ -3997,7 +3997,7 @@
           <a:p>
             <a:fld id="{B14948DB-0BE7-40D0-80F6-9094451DF04C}" type="datetimeFigureOut">
               <a:rPr lang="zh-CN" altLang="en-US" smtClean="0"/>
-              <a:t>2024/4/10</a:t>
+              <a:t>2024/4/11</a:t>
             </a:fld>
             <a:endParaRPr lang="zh-CN" altLang="en-US"/>
           </a:p>
@@ -4205,7 +4205,7 @@
           <a:p>
             <a:fld id="{B14948DB-0BE7-40D0-80F6-9094451DF04C}" type="datetimeFigureOut">
               <a:rPr lang="zh-CN" altLang="en-US" smtClean="0"/>
-              <a:t>2024/4/10</a:t>
+              <a:t>2024/4/11</a:t>
             </a:fld>
             <a:endParaRPr lang="zh-CN" altLang="en-US"/>
           </a:p>
@@ -4480,7 +4480,7 @@
           <a:p>
             <a:fld id="{DEDA17D1-6590-4570-9DF1-29A4B3C6B8EE}" type="datetimeFigureOut">
               <a:rPr lang="zh-CN" altLang="en-US" smtClean="0"/>
-              <a:t>2024/4/10</a:t>
+              <a:t>2024/4/11</a:t>
             </a:fld>
             <a:endParaRPr lang="zh-CN" altLang="en-US"/>
           </a:p>
@@ -4745,7 +4745,7 @@
           <a:p>
             <a:fld id="{DEDA17D1-6590-4570-9DF1-29A4B3C6B8EE}" type="datetimeFigureOut">
               <a:rPr lang="zh-CN" altLang="en-US" smtClean="0"/>
-              <a:t>2024/4/10</a:t>
+              <a:t>2024/4/11</a:t>
             </a:fld>
             <a:endParaRPr lang="zh-CN" altLang="en-US"/>
           </a:p>
@@ -5166,7 +5166,7 @@
           <a:p>
             <a:fld id="{DEDA17D1-6590-4570-9DF1-29A4B3C6B8EE}" type="datetimeFigureOut">
               <a:rPr lang="zh-CN" altLang="en-US" smtClean="0"/>
-              <a:t>2024/4/10</a:t>
+              <a:t>2024/4/11</a:t>
             </a:fld>
             <a:endParaRPr lang="zh-CN" altLang="en-US"/>
           </a:p>
@@ -5307,7 +5307,7 @@
           <a:p>
             <a:fld id="{DEDA17D1-6590-4570-9DF1-29A4B3C6B8EE}" type="datetimeFigureOut">
               <a:rPr lang="zh-CN" altLang="en-US" smtClean="0"/>
-              <a:t>2024/4/10</a:t>
+              <a:t>2024/4/11</a:t>
             </a:fld>
             <a:endParaRPr lang="zh-CN" altLang="en-US"/>
           </a:p>
@@ -5420,7 +5420,7 @@
           <a:p>
             <a:fld id="{DEDA17D1-6590-4570-9DF1-29A4B3C6B8EE}" type="datetimeFigureOut">
               <a:rPr lang="zh-CN" altLang="en-US" smtClean="0"/>
-              <a:t>2024/4/10</a:t>
+              <a:t>2024/4/11</a:t>
             </a:fld>
             <a:endParaRPr lang="zh-CN" altLang="en-US"/>
           </a:p>
@@ -5731,7 +5731,7 @@
           <a:p>
             <a:fld id="{DEDA17D1-6590-4570-9DF1-29A4B3C6B8EE}" type="datetimeFigureOut">
               <a:rPr lang="zh-CN" altLang="en-US" smtClean="0"/>
-              <a:t>2024/4/10</a:t>
+              <a:t>2024/4/11</a:t>
             </a:fld>
             <a:endParaRPr lang="zh-CN" altLang="en-US"/>
           </a:p>
@@ -6019,7 +6019,7 @@
           <a:p>
             <a:fld id="{DEDA17D1-6590-4570-9DF1-29A4B3C6B8EE}" type="datetimeFigureOut">
               <a:rPr lang="zh-CN" altLang="en-US" smtClean="0"/>
-              <a:t>2024/4/10</a:t>
+              <a:t>2024/4/11</a:t>
             </a:fld>
             <a:endParaRPr lang="zh-CN" altLang="en-US"/>
           </a:p>
@@ -6288,7 +6288,7 @@
           <a:p>
             <a:fld id="{DEDA17D1-6590-4570-9DF1-29A4B3C6B8EE}" type="datetimeFigureOut">
               <a:rPr lang="zh-CN" altLang="en-US" smtClean="0"/>
-              <a:t>2024/4/10</a:t>
+              <a:t>2024/4/11</a:t>
             </a:fld>
             <a:endParaRPr lang="zh-CN" altLang="en-US"/>
           </a:p>
@@ -6857,7 +6857,7 @@
           <a:p>
             <a:fld id="{B14948DB-0BE7-40D0-80F6-9094451DF04C}" type="datetimeFigureOut">
               <a:rPr lang="zh-CN" altLang="en-US" smtClean="0"/>
-              <a:t>2024/4/10</a:t>
+              <a:t>2024/4/11</a:t>
             </a:fld>
             <a:endParaRPr lang="zh-CN" altLang="en-US"/>
           </a:p>
@@ -9233,8 +9233,8 @@
         </p:nvSpPr>
         <p:spPr>
           <a:xfrm>
-            <a:off x="6539314" y="937636"/>
-            <a:ext cx="1877437" cy="3274507"/>
+            <a:off x="6262315" y="1076197"/>
+            <a:ext cx="2154436" cy="3135946"/>
           </a:xfrm>
           <a:prstGeom prst="rect">
             <a:avLst/>
@@ -9253,6 +9253,9 @@
             <a:pPr algn="r"/>
             <a:r>
               <a:rPr lang="zh-CN" altLang="en-US" dirty="0">
+                <a:effectLst>
+                  <a:reflection blurRad="88900" stA="45000" endPos="65000" dist="50800" dir="5400000" sy="-100000" algn="bl" rotWithShape="0"/>
+                </a:effectLst>
                 <a:latin typeface="+mj-ea"/>
                 <a:ea typeface="+mj-ea"/>
               </a:rPr>
@@ -9265,6 +9268,9 @@
                   <a:srcRect/>
                   <a:tile tx="0" ty="0" sx="100000" sy="100000" flip="none" algn="tl"/>
                 </a:blipFill>
+                <a:effectLst>
+                  <a:reflection blurRad="88900" stA="45000" endPos="65000" dist="50800" dir="5400000" sy="-100000" algn="bl" rotWithShape="0"/>
+                </a:effectLst>
                 <a:latin typeface="+mj-ea"/>
                 <a:ea typeface="+mj-ea"/>
               </a:rPr>
@@ -9277,6 +9283,9 @@
                   <a:srcRect/>
                   <a:tile tx="0" ty="0" sx="100000" sy="100000" flip="none" algn="tl"/>
                 </a:blipFill>
+                <a:effectLst>
+                  <a:reflection blurRad="88900" stA="45000" endPos="65000" dist="50800" dir="5400000" sy="-100000" algn="bl" rotWithShape="0"/>
+                </a:effectLst>
               </a:rPr>
               <a:t>as</a:t>
             </a:r>
@@ -9287,6 +9296,9 @@
                   <a:srcRect/>
                   <a:tile tx="0" ty="0" sx="100000" sy="100000" flip="none" algn="tl"/>
                 </a:blipFill>
+                <a:effectLst>
+                  <a:reflection blurRad="88900" stA="45000" endPos="65000" dist="50800" dir="5400000" sy="-100000" algn="bl" rotWithShape="0"/>
+                </a:effectLst>
               </a:rPr>
               <a:t>阿松大</a:t>
             </a:r>
@@ -9296,11 +9308,23 @@
                 <a:srcRect/>
                 <a:tile tx="0" ty="0" sx="100000" sy="100000" flip="none" algn="tl"/>
               </a:blipFill>
+              <a:effectLst>
+                <a:reflection blurRad="88900" stA="45000" endPos="65000" dist="50800" dir="5400000" sy="-100000" algn="bl" rotWithShape="0"/>
+              </a:effectLst>
             </a:endParaRPr>
           </a:p>
           <a:p>
             <a:r>
-              <a:rPr lang="zh-CN" altLang="en-US" dirty="0"/>
+              <a:rPr lang="zh-CN" altLang="en-US" dirty="0">
+                <a:effectLst>
+                  <a:outerShdw blurRad="381000" dist="698500" dir="7560000" sx="156000" sy="156000" algn="tl" rotWithShape="0">
+                    <a:prstClr val="black">
+                      <a:alpha val="58000"/>
+                    </a:prstClr>
+                  </a:outerShdw>
+                  <a:reflection blurRad="88900" stA="45000" endPos="65000" dist="50800" dir="5400000" sy="-100000" algn="bl" rotWithShape="0"/>
+                </a:effectLst>
+              </a:rPr>
               <a:t>阿松</a:t>
             </a:r>
             <a:r>
@@ -9314,6 +9338,7 @@
                       <a:alpha val="43137"/>
                     </a:srgbClr>
                   </a:outerShdw>
+                  <a:reflection blurRad="88900" stA="45000" endPos="65000" dist="50800" dir="5400000" sy="-100000" algn="bl" rotWithShape="0"/>
                 </a:effectLst>
                 <a:highlight>
                   <a:srgbClr val="FFFF00"/>
@@ -9333,6 +9358,7 @@
                       <a:alpha val="43137"/>
                     </a:srgbClr>
                   </a:outerShdw>
+                  <a:reflection blurRad="88900" stA="45000" endPos="65000" dist="50800" dir="5400000" sy="-100000" algn="bl" rotWithShape="0"/>
                 </a:effectLst>
                 <a:highlight>
                   <a:srgbClr val="FFFF00"/>
@@ -9352,6 +9378,7 @@
                       <a:alpha val="43137"/>
                     </a:srgbClr>
                   </a:outerShdw>
+                  <a:reflection blurRad="88900" stA="45000" endPos="65000" dist="50800" dir="5400000" sy="-100000" algn="bl" rotWithShape="0"/>
                 </a:effectLst>
                 <a:highlight>
                   <a:srgbClr val="FFFF00"/>
@@ -9361,16 +9388,344 @@
               <a:t>阿三</a:t>
             </a:r>
             <a:r>
-              <a:rPr lang="zh-CN" altLang="en-US" dirty="0"/>
+              <a:rPr lang="zh-CN" altLang="en-US" dirty="0">
+                <a:effectLst>
+                  <a:reflection blurRad="88900" stA="45000" endPos="65000" dist="50800" dir="5400000" sy="-100000" algn="bl" rotWithShape="0"/>
+                </a:effectLst>
+              </a:rPr>
               <a:t>打算</a:t>
             </a:r>
-            <a:endParaRPr lang="en-US" altLang="zh-CN" dirty="0"/>
-          </a:p>
-          <a:p>
-            <a:r>
-              <a:rPr lang="zh-CN" altLang="en-US" dirty="0"/>
-              <a:t>啊啊啊啊啊</a:t>
-            </a:r>
+            <a:endParaRPr lang="en-US" altLang="zh-CN" dirty="0">
+              <a:effectLst>
+                <a:reflection blurRad="88900" stA="45000" endPos="65000" dist="50800" dir="5400000" sy="-100000" algn="bl" rotWithShape="0"/>
+              </a:effectLst>
+            </a:endParaRPr>
+          </a:p>
+          <a:p>
+            <a:r>
+              <a:rPr lang="zh-CN" altLang="en-US" dirty="0">
+                <a:ln>
+                  <a:gradFill>
+                    <a:gsLst>
+                      <a:gs pos="0">
+                        <a:schemeClr val="accent1">
+                          <a:lumMod val="5000"/>
+                          <a:lumOff val="95000"/>
+                        </a:schemeClr>
+                      </a:gs>
+                      <a:gs pos="74000">
+                        <a:schemeClr val="accent1">
+                          <a:lumMod val="45000"/>
+                          <a:lumOff val="55000"/>
+                        </a:schemeClr>
+                      </a:gs>
+                      <a:gs pos="83000">
+                        <a:schemeClr val="accent1">
+                          <a:lumMod val="45000"/>
+                          <a:lumOff val="55000"/>
+                        </a:schemeClr>
+                      </a:gs>
+                      <a:gs pos="100000">
+                        <a:schemeClr val="accent1">
+                          <a:lumMod val="30000"/>
+                          <a:lumOff val="70000"/>
+                        </a:schemeClr>
+                      </a:gs>
+                    </a:gsLst>
+                    <a:lin ang="7200000" scaled="0"/>
+                  </a:gradFill>
+                </a:ln>
+                <a:effectLst>
+                  <a:reflection blurRad="88900" stA="45000" endPos="65000" dist="50800" dir="5400000" sy="-100000" algn="bl" rotWithShape="0"/>
+                </a:effectLst>
+                <a:latin typeface="Arial Black" panose="020B0A04020102020204" pitchFamily="34" charset="0"/>
+                <a:ea typeface="尔雅新大黑" pitchFamily="2" charset="-122"/>
+              </a:rPr>
+              <a:t>啊啊</a:t>
+            </a:r>
+            <a:r>
+              <a:rPr lang="en-US" altLang="zh-CN" dirty="0">
+                <a:ln>
+                  <a:gradFill>
+                    <a:gsLst>
+                      <a:gs pos="0">
+                        <a:schemeClr val="accent1">
+                          <a:lumMod val="5000"/>
+                          <a:lumOff val="95000"/>
+                        </a:schemeClr>
+                      </a:gs>
+                      <a:gs pos="74000">
+                        <a:schemeClr val="accent1">
+                          <a:lumMod val="45000"/>
+                          <a:lumOff val="55000"/>
+                        </a:schemeClr>
+                      </a:gs>
+                      <a:gs pos="83000">
+                        <a:schemeClr val="accent1">
+                          <a:lumMod val="45000"/>
+                          <a:lumOff val="55000"/>
+                        </a:schemeClr>
+                      </a:gs>
+                      <a:gs pos="100000">
+                        <a:schemeClr val="accent1">
+                          <a:lumMod val="30000"/>
+                          <a:lumOff val="70000"/>
+                        </a:schemeClr>
+                      </a:gs>
+                    </a:gsLst>
+                    <a:lin ang="7200000" scaled="0"/>
+                  </a:gradFill>
+                </a:ln>
+                <a:effectLst>
+                  <a:reflection blurRad="88900" stA="45000" endPos="65000" dist="50800" dir="5400000" sy="-100000" algn="bl" rotWithShape="0"/>
+                </a:effectLst>
+                <a:latin typeface="Arial Black" panose="020B0A04020102020204" pitchFamily="34" charset="0"/>
+                <a:ea typeface="尔雅新大黑" pitchFamily="2" charset="-122"/>
+              </a:rPr>
+              <a:t>aa</a:t>
+            </a:r>
+            <a:r>
+              <a:rPr lang="zh-CN" altLang="en-US" dirty="0">
+                <a:ln>
+                  <a:gradFill>
+                    <a:gsLst>
+                      <a:gs pos="0">
+                        <a:schemeClr val="accent1">
+                          <a:lumMod val="5000"/>
+                          <a:lumOff val="95000"/>
+                        </a:schemeClr>
+                      </a:gs>
+                      <a:gs pos="74000">
+                        <a:schemeClr val="accent1">
+                          <a:lumMod val="45000"/>
+                          <a:lumOff val="55000"/>
+                        </a:schemeClr>
+                      </a:gs>
+                      <a:gs pos="83000">
+                        <a:schemeClr val="accent1">
+                          <a:lumMod val="45000"/>
+                          <a:lumOff val="55000"/>
+                        </a:schemeClr>
+                      </a:gs>
+                      <a:gs pos="100000">
+                        <a:schemeClr val="accent1">
+                          <a:lumMod val="30000"/>
+                          <a:lumOff val="70000"/>
+                        </a:schemeClr>
+                      </a:gs>
+                    </a:gsLst>
+                    <a:lin ang="7200000" scaled="0"/>
+                  </a:gradFill>
+                </a:ln>
+                <a:effectLst>
+                  <a:reflection blurRad="88900" stA="45000" endPos="65000" dist="50800" dir="5400000" sy="-100000" algn="bl" rotWithShape="0"/>
+                </a:effectLst>
+                <a:latin typeface="Arial Black" panose="020B0A04020102020204" pitchFamily="34" charset="0"/>
+                <a:ea typeface="尔雅新大黑" pitchFamily="2" charset="-122"/>
+              </a:rPr>
+              <a:t>啊啊啊</a:t>
+            </a:r>
+            <a:endParaRPr lang="en-US" altLang="zh-CN" dirty="0">
+              <a:ln>
+                <a:gradFill>
+                  <a:gsLst>
+                    <a:gs pos="0">
+                      <a:schemeClr val="accent1">
+                        <a:lumMod val="5000"/>
+                        <a:lumOff val="95000"/>
+                      </a:schemeClr>
+                    </a:gs>
+                    <a:gs pos="74000">
+                      <a:schemeClr val="accent1">
+                        <a:lumMod val="45000"/>
+                        <a:lumOff val="55000"/>
+                      </a:schemeClr>
+                    </a:gs>
+                    <a:gs pos="83000">
+                      <a:schemeClr val="accent1">
+                        <a:lumMod val="45000"/>
+                        <a:lumOff val="55000"/>
+                      </a:schemeClr>
+                    </a:gs>
+                    <a:gs pos="100000">
+                      <a:schemeClr val="accent1">
+                        <a:lumMod val="30000"/>
+                        <a:lumOff val="70000"/>
+                      </a:schemeClr>
+                    </a:gs>
+                  </a:gsLst>
+                  <a:lin ang="7200000" scaled="0"/>
+                </a:gradFill>
+              </a:ln>
+              <a:effectLst>
+                <a:reflection blurRad="88900" stA="45000" endPos="65000" dist="50800" dir="5400000" sy="-100000" algn="bl" rotWithShape="0"/>
+              </a:effectLst>
+              <a:latin typeface="Arial Black" panose="020B0A04020102020204" pitchFamily="34" charset="0"/>
+              <a:ea typeface="尔雅新大黑" pitchFamily="2" charset="-122"/>
+            </a:endParaRPr>
+          </a:p>
+          <a:p>
+            <a:r>
+              <a:rPr lang="en-US" altLang="zh-CN" dirty="0" err="1">
+                <a:ln>
+                  <a:gradFill>
+                    <a:gsLst>
+                      <a:gs pos="0">
+                        <a:schemeClr val="accent1">
+                          <a:lumMod val="5000"/>
+                          <a:lumOff val="95000"/>
+                        </a:schemeClr>
+                      </a:gs>
+                      <a:gs pos="74000">
+                        <a:schemeClr val="accent1">
+                          <a:lumMod val="45000"/>
+                          <a:lumOff val="55000"/>
+                        </a:schemeClr>
+                      </a:gs>
+                      <a:gs pos="83000">
+                        <a:schemeClr val="accent1">
+                          <a:lumMod val="45000"/>
+                          <a:lumOff val="55000"/>
+                        </a:schemeClr>
+                      </a:gs>
+                      <a:gs pos="100000">
+                        <a:schemeClr val="accent1">
+                          <a:lumMod val="30000"/>
+                          <a:lumOff val="70000"/>
+                        </a:schemeClr>
+                      </a:gs>
+                    </a:gsLst>
+                    <a:lin ang="7200000" scaled="0"/>
+                  </a:gradFill>
+                </a:ln>
+                <a:effectLst>
+                  <a:reflection blurRad="88900" stA="45000" endPos="65000" dist="50800" dir="5400000" sy="-100000" algn="bl" rotWithShape="0"/>
+                </a:effectLst>
+                <a:latin typeface="Arial Black" panose="020B0A04020102020204" pitchFamily="34" charset="0"/>
+                <a:ea typeface="尔雅新大黑" pitchFamily="2" charset="-122"/>
+              </a:rPr>
+              <a:t>Aaa</a:t>
+            </a:r>
+            <a:r>
+              <a:rPr lang="zh-CN" altLang="en-US" dirty="0">
+                <a:ln>
+                  <a:gradFill>
+                    <a:gsLst>
+                      <a:gs pos="0">
+                        <a:schemeClr val="accent1">
+                          <a:lumMod val="5000"/>
+                          <a:lumOff val="95000"/>
+                        </a:schemeClr>
+                      </a:gs>
+                      <a:gs pos="74000">
+                        <a:schemeClr val="accent1">
+                          <a:lumMod val="45000"/>
+                          <a:lumOff val="55000"/>
+                        </a:schemeClr>
+                      </a:gs>
+                      <a:gs pos="83000">
+                        <a:schemeClr val="accent1">
+                          <a:lumMod val="45000"/>
+                          <a:lumOff val="55000"/>
+                        </a:schemeClr>
+                      </a:gs>
+                      <a:gs pos="100000">
+                        <a:schemeClr val="accent1">
+                          <a:lumMod val="30000"/>
+                          <a:lumOff val="70000"/>
+                        </a:schemeClr>
+                      </a:gs>
+                    </a:gsLst>
+                    <a:lin ang="7200000" scaled="0"/>
+                  </a:gradFill>
+                </a:ln>
+                <a:effectLst>
+                  <a:reflection blurRad="88900" stA="45000" endPos="65000" dist="50800" dir="5400000" sy="-100000" algn="bl" rotWithShape="0"/>
+                </a:effectLst>
+                <a:latin typeface="Arial Black" panose="020B0A04020102020204" pitchFamily="34" charset="0"/>
+                <a:ea typeface="尔雅新大黑" pitchFamily="2" charset="-122"/>
+              </a:rPr>
+              <a:t>啊啊啊</a:t>
+            </a:r>
+            <a:r>
+              <a:rPr lang="en-US" altLang="zh-CN" dirty="0" err="1">
+                <a:ln>
+                  <a:gradFill>
+                    <a:gsLst>
+                      <a:gs pos="0">
+                        <a:schemeClr val="accent1">
+                          <a:lumMod val="5000"/>
+                          <a:lumOff val="95000"/>
+                        </a:schemeClr>
+                      </a:gs>
+                      <a:gs pos="74000">
+                        <a:schemeClr val="accent1">
+                          <a:lumMod val="45000"/>
+                          <a:lumOff val="55000"/>
+                        </a:schemeClr>
+                      </a:gs>
+                      <a:gs pos="83000">
+                        <a:schemeClr val="accent1">
+                          <a:lumMod val="45000"/>
+                          <a:lumOff val="55000"/>
+                        </a:schemeClr>
+                      </a:gs>
+                      <a:gs pos="100000">
+                        <a:schemeClr val="accent1">
+                          <a:lumMod val="30000"/>
+                          <a:lumOff val="70000"/>
+                        </a:schemeClr>
+                      </a:gs>
+                    </a:gsLst>
+                    <a:lin ang="7200000" scaled="0"/>
+                  </a:gradFill>
+                </a:ln>
+                <a:effectLst>
+                  <a:reflection blurRad="88900" stA="45000" endPos="65000" dist="50800" dir="5400000" sy="-100000" algn="bl" rotWithShape="0"/>
+                </a:effectLst>
+                <a:latin typeface="Arial Black" panose="020B0A04020102020204" pitchFamily="34" charset="0"/>
+                <a:ea typeface="尔雅新大黑" pitchFamily="2" charset="-122"/>
+              </a:rPr>
+              <a:t>aaa</a:t>
+            </a:r>
+            <a:endParaRPr lang="zh-CN" altLang="en-US" dirty="0">
+              <a:ln>
+                <a:gradFill>
+                  <a:gsLst>
+                    <a:gs pos="0">
+                      <a:schemeClr val="accent1">
+                        <a:lumMod val="5000"/>
+                        <a:lumOff val="95000"/>
+                      </a:schemeClr>
+                    </a:gs>
+                    <a:gs pos="74000">
+                      <a:schemeClr val="accent1">
+                        <a:lumMod val="45000"/>
+                        <a:lumOff val="55000"/>
+                      </a:schemeClr>
+                    </a:gs>
+                    <a:gs pos="83000">
+                      <a:schemeClr val="accent1">
+                        <a:lumMod val="45000"/>
+                        <a:lumOff val="55000"/>
+                      </a:schemeClr>
+                    </a:gs>
+                    <a:gs pos="100000">
+                      <a:schemeClr val="accent1">
+                        <a:lumMod val="30000"/>
+                        <a:lumOff val="70000"/>
+                      </a:schemeClr>
+                    </a:gs>
+                  </a:gsLst>
+                  <a:lin ang="7200000" scaled="0"/>
+                </a:gradFill>
+              </a:ln>
+              <a:effectLst>
+                <a:reflection blurRad="88900" stA="45000" endPos="65000" dist="50800" dir="5400000" sy="-100000" algn="bl" rotWithShape="0"/>
+              </a:effectLst>
+              <a:latin typeface="Arial Black" panose="020B0A04020102020204" pitchFamily="34" charset="0"/>
+              <a:ea typeface="尔雅新大黑" pitchFamily="2" charset="-122"/>
+            </a:endParaRPr>
           </a:p>
         </p:txBody>
       </p:sp>

--- a/assets/ppt/simple.pptx
+++ b/assets/ppt/simple.pptx
@@ -251,7 +251,7 @@
           <a:p>
             <a:fld id="{561015B1-ED29-F04F-B696-7C731FF4B4B4}" type="datetimeFigureOut">
               <a:rPr kumimoji="1" lang="zh-CN" altLang="en-US" smtClean="0"/>
-              <a:t>2024/4/11</a:t>
+              <a:t>2024/4/23</a:t>
             </a:fld>
             <a:endParaRPr kumimoji="1" lang="zh-CN" altLang="en-US"/>
           </a:p>
@@ -782,7 +782,7 @@
           <a:p>
             <a:fld id="{DEDA17D1-6590-4570-9DF1-29A4B3C6B8EE}" type="datetimeFigureOut">
               <a:rPr lang="zh-CN" altLang="en-US" smtClean="0"/>
-              <a:t>2024/4/11</a:t>
+              <a:t>2024/4/23</a:t>
             </a:fld>
             <a:endParaRPr lang="zh-CN" altLang="en-US"/>
           </a:p>
@@ -1029,7 +1029,7 @@
           <a:p>
             <a:fld id="{DEDA17D1-6590-4570-9DF1-29A4B3C6B8EE}" type="datetimeFigureOut">
               <a:rPr lang="zh-CN" altLang="en-US" smtClean="0"/>
-              <a:t>2024/4/11</a:t>
+              <a:t>2024/4/23</a:t>
             </a:fld>
             <a:endParaRPr lang="zh-CN" altLang="en-US"/>
           </a:p>
@@ -1237,7 +1237,7 @@
           <a:p>
             <a:fld id="{DEDA17D1-6590-4570-9DF1-29A4B3C6B8EE}" type="datetimeFigureOut">
               <a:rPr lang="zh-CN" altLang="en-US" smtClean="0"/>
-              <a:t>2024/4/11</a:t>
+              <a:t>2024/4/23</a:t>
             </a:fld>
             <a:endParaRPr lang="zh-CN" altLang="en-US"/>
           </a:p>
@@ -1378,7 +1378,7 @@
           <a:p>
             <a:fld id="{DEDA17D1-6590-4570-9DF1-29A4B3C6B8EE}" type="datetimeFigureOut">
               <a:rPr lang="zh-CN" altLang="en-US" smtClean="0"/>
-              <a:t>2024/4/11</a:t>
+              <a:t>2024/4/23</a:t>
             </a:fld>
             <a:endParaRPr lang="zh-CN" altLang="en-US"/>
           </a:p>
@@ -1598,7 +1598,7 @@
           <a:p>
             <a:fld id="{B14948DB-0BE7-40D0-80F6-9094451DF04C}" type="datetimeFigureOut">
               <a:rPr lang="zh-CN" altLang="en-US" smtClean="0"/>
-              <a:t>2024/4/11</a:t>
+              <a:t>2024/4/23</a:t>
             </a:fld>
             <a:endParaRPr lang="zh-CN" altLang="en-US"/>
           </a:p>
@@ -1796,7 +1796,7 @@
           <a:p>
             <a:fld id="{B14948DB-0BE7-40D0-80F6-9094451DF04C}" type="datetimeFigureOut">
               <a:rPr lang="zh-CN" altLang="en-US" smtClean="0"/>
-              <a:t>2024/4/11</a:t>
+              <a:t>2024/4/23</a:t>
             </a:fld>
             <a:endParaRPr lang="zh-CN" altLang="en-US"/>
           </a:p>
@@ -2071,7 +2071,7 @@
           <a:p>
             <a:fld id="{B14948DB-0BE7-40D0-80F6-9094451DF04C}" type="datetimeFigureOut">
               <a:rPr lang="zh-CN" altLang="en-US" smtClean="0"/>
-              <a:t>2024/4/11</a:t>
+              <a:t>2024/4/23</a:t>
             </a:fld>
             <a:endParaRPr lang="zh-CN" altLang="en-US"/>
           </a:p>
@@ -2336,7 +2336,7 @@
           <a:p>
             <a:fld id="{B14948DB-0BE7-40D0-80F6-9094451DF04C}" type="datetimeFigureOut">
               <a:rPr lang="zh-CN" altLang="en-US" smtClean="0"/>
-              <a:t>2024/4/11</a:t>
+              <a:t>2024/4/23</a:t>
             </a:fld>
             <a:endParaRPr lang="zh-CN" altLang="en-US"/>
           </a:p>
@@ -2748,7 +2748,7 @@
           <a:p>
             <a:fld id="{B14948DB-0BE7-40D0-80F6-9094451DF04C}" type="datetimeFigureOut">
               <a:rPr lang="zh-CN" altLang="en-US" smtClean="0"/>
-              <a:t>2024/4/11</a:t>
+              <a:t>2024/4/23</a:t>
             </a:fld>
             <a:endParaRPr lang="zh-CN" altLang="en-US"/>
           </a:p>
@@ -2889,7 +2889,7 @@
           <a:p>
             <a:fld id="{B14948DB-0BE7-40D0-80F6-9094451DF04C}" type="datetimeFigureOut">
               <a:rPr lang="zh-CN" altLang="en-US" smtClean="0"/>
-              <a:t>2024/4/11</a:t>
+              <a:t>2024/4/23</a:t>
             </a:fld>
             <a:endParaRPr lang="zh-CN" altLang="en-US"/>
           </a:p>
@@ -3002,7 +3002,7 @@
           <a:p>
             <a:fld id="{B14948DB-0BE7-40D0-80F6-9094451DF04C}" type="datetimeFigureOut">
               <a:rPr lang="zh-CN" altLang="en-US" smtClean="0"/>
-              <a:t>2024/4/11</a:t>
+              <a:t>2024/4/23</a:t>
             </a:fld>
             <a:endParaRPr lang="zh-CN" altLang="en-US"/>
           </a:p>
@@ -3200,7 +3200,7 @@
           <a:p>
             <a:fld id="{DEDA17D1-6590-4570-9DF1-29A4B3C6B8EE}" type="datetimeFigureOut">
               <a:rPr lang="zh-CN" altLang="en-US" smtClean="0"/>
-              <a:t>2024/4/11</a:t>
+              <a:t>2024/4/23</a:t>
             </a:fld>
             <a:endParaRPr lang="zh-CN" altLang="en-US"/>
           </a:p>
@@ -3511,7 +3511,7 @@
           <a:p>
             <a:fld id="{B14948DB-0BE7-40D0-80F6-9094451DF04C}" type="datetimeFigureOut">
               <a:rPr lang="zh-CN" altLang="en-US" smtClean="0"/>
-              <a:t>2024/4/11</a:t>
+              <a:t>2024/4/23</a:t>
             </a:fld>
             <a:endParaRPr lang="zh-CN" altLang="en-US"/>
           </a:p>
@@ -3799,7 +3799,7 @@
           <a:p>
             <a:fld id="{B14948DB-0BE7-40D0-80F6-9094451DF04C}" type="datetimeFigureOut">
               <a:rPr lang="zh-CN" altLang="en-US" smtClean="0"/>
-              <a:t>2024/4/11</a:t>
+              <a:t>2024/4/23</a:t>
             </a:fld>
             <a:endParaRPr lang="zh-CN" altLang="en-US"/>
           </a:p>
@@ -3997,7 +3997,7 @@
           <a:p>
             <a:fld id="{B14948DB-0BE7-40D0-80F6-9094451DF04C}" type="datetimeFigureOut">
               <a:rPr lang="zh-CN" altLang="en-US" smtClean="0"/>
-              <a:t>2024/4/11</a:t>
+              <a:t>2024/4/23</a:t>
             </a:fld>
             <a:endParaRPr lang="zh-CN" altLang="en-US"/>
           </a:p>
@@ -4205,7 +4205,7 @@
           <a:p>
             <a:fld id="{B14948DB-0BE7-40D0-80F6-9094451DF04C}" type="datetimeFigureOut">
               <a:rPr lang="zh-CN" altLang="en-US" smtClean="0"/>
-              <a:t>2024/4/11</a:t>
+              <a:t>2024/4/23</a:t>
             </a:fld>
             <a:endParaRPr lang="zh-CN" altLang="en-US"/>
           </a:p>
@@ -4480,7 +4480,7 @@
           <a:p>
             <a:fld id="{DEDA17D1-6590-4570-9DF1-29A4B3C6B8EE}" type="datetimeFigureOut">
               <a:rPr lang="zh-CN" altLang="en-US" smtClean="0"/>
-              <a:t>2024/4/11</a:t>
+              <a:t>2024/4/23</a:t>
             </a:fld>
             <a:endParaRPr lang="zh-CN" altLang="en-US"/>
           </a:p>
@@ -4745,7 +4745,7 @@
           <a:p>
             <a:fld id="{DEDA17D1-6590-4570-9DF1-29A4B3C6B8EE}" type="datetimeFigureOut">
               <a:rPr lang="zh-CN" altLang="en-US" smtClean="0"/>
-              <a:t>2024/4/11</a:t>
+              <a:t>2024/4/23</a:t>
             </a:fld>
             <a:endParaRPr lang="zh-CN" altLang="en-US"/>
           </a:p>
@@ -5166,7 +5166,7 @@
           <a:p>
             <a:fld id="{DEDA17D1-6590-4570-9DF1-29A4B3C6B8EE}" type="datetimeFigureOut">
               <a:rPr lang="zh-CN" altLang="en-US" smtClean="0"/>
-              <a:t>2024/4/11</a:t>
+              <a:t>2024/4/23</a:t>
             </a:fld>
             <a:endParaRPr lang="zh-CN" altLang="en-US"/>
           </a:p>
@@ -5307,7 +5307,7 @@
           <a:p>
             <a:fld id="{DEDA17D1-6590-4570-9DF1-29A4B3C6B8EE}" type="datetimeFigureOut">
               <a:rPr lang="zh-CN" altLang="en-US" smtClean="0"/>
-              <a:t>2024/4/11</a:t>
+              <a:t>2024/4/23</a:t>
             </a:fld>
             <a:endParaRPr lang="zh-CN" altLang="en-US"/>
           </a:p>
@@ -5420,7 +5420,7 @@
           <a:p>
             <a:fld id="{DEDA17D1-6590-4570-9DF1-29A4B3C6B8EE}" type="datetimeFigureOut">
               <a:rPr lang="zh-CN" altLang="en-US" smtClean="0"/>
-              <a:t>2024/4/11</a:t>
+              <a:t>2024/4/23</a:t>
             </a:fld>
             <a:endParaRPr lang="zh-CN" altLang="en-US"/>
           </a:p>
@@ -5731,7 +5731,7 @@
           <a:p>
             <a:fld id="{DEDA17D1-6590-4570-9DF1-29A4B3C6B8EE}" type="datetimeFigureOut">
               <a:rPr lang="zh-CN" altLang="en-US" smtClean="0"/>
-              <a:t>2024/4/11</a:t>
+              <a:t>2024/4/23</a:t>
             </a:fld>
             <a:endParaRPr lang="zh-CN" altLang="en-US"/>
           </a:p>
@@ -6019,7 +6019,7 @@
           <a:p>
             <a:fld id="{DEDA17D1-6590-4570-9DF1-29A4B3C6B8EE}" type="datetimeFigureOut">
               <a:rPr lang="zh-CN" altLang="en-US" smtClean="0"/>
-              <a:t>2024/4/11</a:t>
+              <a:t>2024/4/23</a:t>
             </a:fld>
             <a:endParaRPr lang="zh-CN" altLang="en-US"/>
           </a:p>
@@ -6288,7 +6288,7 @@
           <a:p>
             <a:fld id="{DEDA17D1-6590-4570-9DF1-29A4B3C6B8EE}" type="datetimeFigureOut">
               <a:rPr lang="zh-CN" altLang="en-US" smtClean="0"/>
-              <a:t>2024/4/11</a:t>
+              <a:t>2024/4/23</a:t>
             </a:fld>
             <a:endParaRPr lang="zh-CN" altLang="en-US"/>
           </a:p>
@@ -6857,7 +6857,7 @@
           <a:p>
             <a:fld id="{B14948DB-0BE7-40D0-80F6-9094451DF04C}" type="datetimeFigureOut">
               <a:rPr lang="zh-CN" altLang="en-US" smtClean="0"/>
-              <a:t>2024/4/11</a:t>
+              <a:t>2024/4/23</a:t>
             </a:fld>
             <a:endParaRPr lang="zh-CN" altLang="en-US"/>
           </a:p>
@@ -9106,121 +9106,6 @@
       </p:grpSpPr>
       <p:sp>
         <p:nvSpPr>
-          <p:cNvPr id="4" name="椭圆 3">
-            <a:extLst>
-              <a:ext uri="{FF2B5EF4-FFF2-40B4-BE49-F238E27FC236}">
-                <a16:creationId xmlns:a16="http://schemas.microsoft.com/office/drawing/2014/main" id="{1D11019E-8734-A997-C0C7-2F9742F01EE6}"/>
-              </a:ext>
-            </a:extLst>
-          </p:cNvPr>
-          <p:cNvSpPr/>
-          <p:nvPr/>
-        </p:nvSpPr>
-        <p:spPr>
-          <a:xfrm>
-            <a:off x="898699" y="937636"/>
-            <a:ext cx="4753988" cy="2700914"/>
-          </a:xfrm>
-          <a:prstGeom prst="ellipse">
-            <a:avLst/>
-          </a:prstGeom>
-          <a:solidFill>
-            <a:schemeClr val="tx2"/>
-          </a:solidFill>
-        </p:spPr>
-        <p:style>
-          <a:lnRef idx="2">
-            <a:schemeClr val="accent1">
-              <a:shade val="15000"/>
-            </a:schemeClr>
-          </a:lnRef>
-          <a:fillRef idx="1">
-            <a:schemeClr val="accent1"/>
-          </a:fillRef>
-          <a:effectRef idx="0">
-            <a:schemeClr val="accent1"/>
-          </a:effectRef>
-          <a:fontRef idx="minor">
-            <a:schemeClr val="lt1"/>
-          </a:fontRef>
-        </p:style>
-        <p:txBody>
-          <a:bodyPr rtlCol="0" anchor="ctr"/>
-          <a:lstStyle/>
-          <a:p>
-            <a:pPr marL="400050" indent="-400050" algn="ctr">
-              <a:buFont typeface="+mj-ea"/>
-              <a:buAutoNum type="ea1JpnChsDbPeriod"/>
-            </a:pPr>
-            <a:r>
-              <a:rPr lang="zh-CN" altLang="en-US" dirty="0">
-                <a:latin typeface="+mj-lt"/>
-              </a:rPr>
-              <a:t>文本你好</a:t>
-            </a:r>
-            <a:endParaRPr lang="en-US" altLang="zh-CN" dirty="0">
-              <a:latin typeface="+mj-lt"/>
-            </a:endParaRPr>
-          </a:p>
-          <a:p>
-            <a:pPr marL="400050" indent="-400050" algn="ctr">
-              <a:buFont typeface="+mj-ea"/>
-              <a:buAutoNum type="ea1JpnChsDbPeriod"/>
-            </a:pPr>
-            <a:r>
-              <a:rPr lang="zh-CN" altLang="en-US" dirty="0">
-                <a:latin typeface="+mj-lt"/>
-              </a:rPr>
-              <a:t>阿松大阿松大</a:t>
-            </a:r>
-            <a:endParaRPr lang="en-US" altLang="zh-CN" dirty="0">
-              <a:latin typeface="+mj-lt"/>
-            </a:endParaRPr>
-          </a:p>
-          <a:p>
-            <a:pPr marL="400050" indent="-400050" algn="ctr">
-              <a:buFont typeface="+mj-ea"/>
-              <a:buAutoNum type="ea1JpnChsDbPeriod"/>
-            </a:pPr>
-            <a:r>
-              <a:rPr lang="zh-CN" altLang="en-US" dirty="0">
-                <a:latin typeface="+mj-lt"/>
-              </a:rPr>
-              <a:t>啊实打实阿三</a:t>
-            </a:r>
-            <a:r>
-              <a:rPr lang="en-US" altLang="zh-CN" dirty="0">
-                <a:latin typeface="+mj-lt"/>
-              </a:rPr>
-              <a:t>d</a:t>
-            </a:r>
-          </a:p>
-          <a:p>
-            <a:pPr marL="400050" indent="-400050" algn="ctr">
-              <a:buFont typeface="+mj-lt"/>
-              <a:buAutoNum type="romanUcPeriod"/>
-            </a:pPr>
-            <a:r>
-              <a:rPr lang="zh-CN" altLang="en-US" dirty="0">
-                <a:latin typeface="+mj-lt"/>
-              </a:rPr>
-              <a:t>去</a:t>
-            </a:r>
-            <a:endParaRPr lang="en-US" altLang="zh-CN" dirty="0">
-              <a:latin typeface="+mj-lt"/>
-            </a:endParaRPr>
-          </a:p>
-          <a:p>
-            <a:pPr marL="400050" indent="-400050" algn="ctr">
-              <a:buFont typeface="+mj-ea"/>
-              <a:buAutoNum type="ea1JpnChsDbPeriod"/>
-            </a:pPr>
-            <a:endParaRPr lang="zh-CN" altLang="en-US" dirty="0"/>
-          </a:p>
-        </p:txBody>
-      </p:sp>
-      <p:sp>
-        <p:nvSpPr>
           <p:cNvPr id="6" name="文本框 5">
             <a:extLst>
               <a:ext uri="{FF2B5EF4-FFF2-40B4-BE49-F238E27FC236}">
@@ -9274,7 +9159,27 @@
                 <a:latin typeface="+mj-ea"/>
                 <a:ea typeface="+mj-ea"/>
               </a:rPr>
-              <a:t>三大苏打阿松大</a:t>
+              <a:t>三大苏打阿松</a:t>
+            </a:r>
+            <a:r>
+              <a:rPr lang="zh-CN" altLang="en-US" sz="3200" b="1" dirty="0">
+                <a:blipFill dpi="0" rotWithShape="1">
+                  <a:blip r:embed="rId3"/>
+                  <a:srcRect/>
+                  <a:tile tx="0" ty="0" sx="100000" sy="100000" flip="none" algn="tl"/>
+                </a:blipFill>
+                <a:effectLst>
+                  <a:outerShdw blurRad="60007" dist="310007" dir="7680000" sy="30000" kx="1300200" algn="ctr" rotWithShape="0">
+                    <a:prstClr val="black">
+                      <a:alpha val="32000"/>
+                    </a:prstClr>
+                  </a:outerShdw>
+                  <a:reflection blurRad="88900" stA="45000" endPos="65000" dist="50800" dir="5400000" sy="-100000" algn="bl" rotWithShape="0"/>
+                </a:effectLst>
+                <a:latin typeface="+mj-ea"/>
+                <a:ea typeface="+mj-ea"/>
+              </a:rPr>
+              <a:t>大</a:t>
             </a:r>
             <a:r>
               <a:rPr lang="en-US" altLang="zh-CN" sz="3200" b="1" dirty="0">
@@ -9284,6 +9189,11 @@
                   <a:tile tx="0" ty="0" sx="100000" sy="100000" flip="none" algn="tl"/>
                 </a:blipFill>
                 <a:effectLst>
+                  <a:outerShdw blurRad="60007" dist="310007" dir="7680000" sy="30000" kx="1300200" algn="ctr" rotWithShape="0">
+                    <a:prstClr val="black">
+                      <a:alpha val="32000"/>
+                    </a:prstClr>
+                  </a:outerShdw>
                   <a:reflection blurRad="88900" stA="45000" endPos="65000" dist="50800" dir="5400000" sy="-100000" algn="bl" rotWithShape="0"/>
                 </a:effectLst>
               </a:rPr>
@@ -9297,6 +9207,11 @@
                   <a:tile tx="0" ty="0" sx="100000" sy="100000" flip="none" algn="tl"/>
                 </a:blipFill>
                 <a:effectLst>
+                  <a:outerShdw blurRad="60007" dist="310007" dir="7680000" sy="30000" kx="1300200" algn="ctr" rotWithShape="0">
+                    <a:prstClr val="black">
+                      <a:alpha val="32000"/>
+                    </a:prstClr>
+                  </a:outerShdw>
                   <a:reflection blurRad="88900" stA="45000" endPos="65000" dist="50800" dir="5400000" sy="-100000" algn="bl" rotWithShape="0"/>
                 </a:effectLst>
               </a:rPr>
@@ -9309,6 +9224,11 @@
                 <a:tile tx="0" ty="0" sx="100000" sy="100000" flip="none" algn="tl"/>
               </a:blipFill>
               <a:effectLst>
+                <a:outerShdw blurRad="60007" dist="310007" dir="7680000" sy="30000" kx="1300200" algn="ctr" rotWithShape="0">
+                  <a:prstClr val="black">
+                    <a:alpha val="32000"/>
+                  </a:prstClr>
+                </a:outerShdw>
                 <a:reflection blurRad="88900" stA="45000" endPos="65000" dist="50800" dir="5400000" sy="-100000" algn="bl" rotWithShape="0"/>
               </a:effectLst>
             </a:endParaRPr>
@@ -9333,10 +9253,10 @@
                   <a:srgbClr val="FF0000"/>
                 </a:solidFill>
                 <a:effectLst>
-                  <a:outerShdw blurRad="38100" dist="38100" dir="2700000" algn="tl">
-                    <a:srgbClr val="000000">
-                      <a:alpha val="43137"/>
-                    </a:srgbClr>
+                  <a:outerShdw blurRad="50800" dist="38100" dir="8100000" sx="200000" sy="200000" algn="tr" rotWithShape="0">
+                    <a:schemeClr val="accent5">
+                      <a:alpha val="40000"/>
+                    </a:schemeClr>
                   </a:outerShdw>
                   <a:reflection blurRad="88900" stA="45000" endPos="65000" dist="50800" dir="5400000" sy="-100000" algn="bl" rotWithShape="0"/>
                 </a:effectLst>
@@ -9353,10 +9273,10 @@
                   <a:srgbClr val="FF0000"/>
                 </a:solidFill>
                 <a:effectLst>
-                  <a:outerShdw blurRad="38100" dist="38100" dir="2700000" algn="tl">
-                    <a:srgbClr val="000000">
-                      <a:alpha val="43137"/>
-                    </a:srgbClr>
+                  <a:outerShdw blurRad="50800" dist="38100" dir="8100000" sx="200000" sy="200000" algn="tr" rotWithShape="0">
+                    <a:schemeClr val="accent5">
+                      <a:alpha val="40000"/>
+                    </a:schemeClr>
                   </a:outerShdw>
                   <a:reflection blurRad="88900" stA="45000" endPos="65000" dist="50800" dir="5400000" sy="-100000" algn="bl" rotWithShape="0"/>
                 </a:effectLst>
@@ -9373,10 +9293,10 @@
                   <a:srgbClr val="FF0000"/>
                 </a:solidFill>
                 <a:effectLst>
-                  <a:outerShdw blurRad="38100" dist="38100" dir="2700000" algn="tl">
-                    <a:srgbClr val="000000">
-                      <a:alpha val="43137"/>
-                    </a:srgbClr>
+                  <a:outerShdw blurRad="50800" dist="38100" dir="8100000" sx="200000" sy="200000" algn="tr" rotWithShape="0">
+                    <a:schemeClr val="accent5">
+                      <a:alpha val="40000"/>
+                    </a:schemeClr>
                   </a:outerShdw>
                   <a:reflection blurRad="88900" stA="45000" endPos="65000" dist="50800" dir="5400000" sy="-100000" algn="bl" rotWithShape="0"/>
                 </a:effectLst>
@@ -9390,14 +9310,14 @@
             <a:r>
               <a:rPr lang="zh-CN" altLang="en-US" dirty="0">
                 <a:effectLst>
-                  <a:reflection blurRad="88900" stA="45000" endPos="65000" dist="50800" dir="5400000" sy="-100000" algn="bl" rotWithShape="0"/>
+                  <a:reflection blurRad="88900" stA="23000" endPos="91000" dist="50800" dir="5400000" sy="-100000" algn="bl" rotWithShape="0"/>
                 </a:effectLst>
               </a:rPr>
               <a:t>打算</a:t>
             </a:r>
             <a:endParaRPr lang="en-US" altLang="zh-CN" dirty="0">
               <a:effectLst>
-                <a:reflection blurRad="88900" stA="45000" endPos="65000" dist="50800" dir="5400000" sy="-100000" algn="bl" rotWithShape="0"/>
+                <a:reflection blurRad="88900" stA="23000" endPos="91000" dist="50800" dir="5400000" sy="-100000" algn="bl" rotWithShape="0"/>
               </a:effectLst>
             </a:endParaRPr>
           </a:p>
@@ -12221,7 +12141,7 @@
           <p:nvPr/>
         </p:nvPicPr>
         <p:blipFill>
-          <a:blip r:embed="rId6">
+          <a:blip r:embed="rId7">
             <a:extLst>
               <a:ext uri="{28A0092B-C50C-407E-A947-70E740481C1C}">
                 <a14:useLocalDpi xmlns:a14="http://schemas.microsoft.com/office/drawing/2010/main" val="0"/>
@@ -12256,16 +12176,16 @@
             <a:picLocks noChangeAspect="1"/>
           </p:cNvPicPr>
           <p:nvPr>
-            <a:videoFile r:link="rId2"/>
+            <a:videoFile r:link="rId3"/>
             <p:extLst>
               <p:ext uri="{DAA4B4D4-6D71-4841-9C94-3DE7FCFB9230}">
-                <p14:media xmlns:p14="http://schemas.microsoft.com/office/powerpoint/2010/main" r:embed="rId1"/>
+                <p14:media xmlns:p14="http://schemas.microsoft.com/office/powerpoint/2010/main" r:embed="rId2"/>
               </p:ext>
             </p:extLst>
           </p:nvPr>
         </p:nvPicPr>
         <p:blipFill>
-          <a:blip r:embed="rId7"/>
+          <a:blip r:embed="rId8"/>
           <a:stretch>
             <a:fillRect/>
           </a:stretch>
@@ -12294,20 +12214,20 @@
             <a:picLocks noChangeAspect="1"/>
           </p:cNvPicPr>
           <p:nvPr>
-            <a:audioFile r:link="rId4"/>
+            <a:audioFile r:link="rId5"/>
             <p:extLst>
               <p:ext uri="{DAA4B4D4-6D71-4841-9C94-3DE7FCFB9230}">
-                <p14:media xmlns:p14="http://schemas.microsoft.com/office/powerpoint/2010/main" r:embed="rId3"/>
+                <p14:media xmlns:p14="http://schemas.microsoft.com/office/powerpoint/2010/main" r:embed="rId4"/>
               </p:ext>
             </p:extLst>
           </p:nvPr>
         </p:nvPicPr>
         <p:blipFill>
-          <a:blip r:embed="rId8">
+          <a:blip r:embed="rId9">
             <a:extLst>
               <a:ext uri="{BEBA8EAE-BF5A-486C-A8C5-ECC9F3942E4B}">
                 <a14:imgProps xmlns:a14="http://schemas.microsoft.com/office/drawing/2010/main">
-                  <a14:imgLayer r:embed="rId9">
+                  <a14:imgLayer r:embed="rId10">
                     <a14:imgEffect>
                       <a14:sharpenSoften amount="-6000"/>
                     </a14:imgEffect>
@@ -12359,12 +12279,12 @@
           <a:graphicData uri="http://schemas.openxmlformats.org/presentationml/2006/ole">
             <mc:AlternateContent xmlns:mc="http://schemas.openxmlformats.org/markup-compatibility/2006">
               <mc:Choice xmlns:v="urn:schemas-microsoft-com:vml" Requires="v">
-                <p:oleObj name="Presentation" r:id="rId10" imgW="6096052" imgH="3429125" progId="PowerPoint.Show.12">
+                <p:oleObj spid="_x0000_s1057" name="Presentation" r:id="rId11" imgW="6096052" imgH="3429125" progId="PowerPoint.Show.12">
                   <p:embed/>
                 </p:oleObj>
               </mc:Choice>
               <mc:Fallback>
-                <p:oleObj name="Presentation" r:id="rId10" imgW="6096052" imgH="3429125" progId="PowerPoint.Show.12">
+                <p:oleObj name="Presentation" r:id="rId11" imgW="6096052" imgH="3429125" progId="PowerPoint.Show.12">
                   <p:embed/>
                   <p:pic>
                     <p:nvPicPr>
@@ -12373,7 +12293,7 @@
                       <p:nvPr/>
                     </p:nvPicPr>
                     <p:blipFill>
-                      <a:blip r:embed="rId11"/>
+                      <a:blip r:embed="rId12"/>
                       <a:stretch>
                         <a:fillRect/>
                       </a:stretch>
@@ -12422,12 +12342,12 @@
           <a:graphicData uri="http://schemas.openxmlformats.org/presentationml/2006/ole">
             <mc:AlternateContent xmlns:mc="http://schemas.openxmlformats.org/markup-compatibility/2006">
               <mc:Choice xmlns:v="urn:schemas-microsoft-com:vml" Requires="v">
-                <p:oleObj name="Document" r:id="rId12" imgW="5285434" imgH="198076" progId="Word.Document.12">
+                <p:oleObj spid="_x0000_s1058" name="Document" r:id="rId13" imgW="5285434" imgH="198076" progId="Word.Document.12">
                   <p:embed/>
                 </p:oleObj>
               </mc:Choice>
               <mc:Fallback>
-                <p:oleObj name="Document" r:id="rId12" imgW="5285434" imgH="198076" progId="Word.Document.12">
+                <p:oleObj name="Document" r:id="rId13" imgW="5285434" imgH="198076" progId="Word.Document.12">
                   <p:embed/>
                   <p:pic>
                     <p:nvPicPr>
@@ -12436,7 +12356,7 @@
                       <p:nvPr/>
                     </p:nvPicPr>
                     <p:blipFill>
-                      <a:blip r:embed="rId13"/>
+                      <a:blip r:embed="rId14"/>
                       <a:stretch>
                         <a:fillRect/>
                       </a:stretch>
@@ -12485,12 +12405,12 @@
           <a:graphicData uri="http://schemas.openxmlformats.org/presentationml/2006/ole">
             <mc:AlternateContent xmlns:mc="http://schemas.openxmlformats.org/markup-compatibility/2006">
               <mc:Choice xmlns:v="urn:schemas-microsoft-com:vml" Requires="v">
-                <p:oleObj name="Worksheet" r:id="rId14" imgW="1226803" imgH="533441" progId="Excel.Sheet.12">
+                <p:oleObj spid="_x0000_s1059" name="Worksheet" r:id="rId15" imgW="1226803" imgH="533441" progId="Excel.Sheet.12">
                   <p:embed/>
                 </p:oleObj>
               </mc:Choice>
               <mc:Fallback>
-                <p:oleObj name="Worksheet" r:id="rId14" imgW="1226803" imgH="533441" progId="Excel.Sheet.12">
+                <p:oleObj name="Worksheet" r:id="rId15" imgW="1226803" imgH="533441" progId="Excel.Sheet.12">
                   <p:embed/>
                   <p:pic>
                     <p:nvPicPr>
@@ -12499,7 +12419,7 @@
                       <p:nvPr/>
                     </p:nvPicPr>
                     <p:blipFill>
-                      <a:blip r:embed="rId15"/>
+                      <a:blip r:embed="rId16"/>
                       <a:stretch>
                         <a:fillRect/>
                       </a:stretch>
@@ -12548,12 +12468,12 @@
           <a:graphicData uri="http://schemas.openxmlformats.org/presentationml/2006/ole">
             <mc:AlternateContent xmlns:mc="http://schemas.openxmlformats.org/markup-compatibility/2006">
               <mc:Choice xmlns:v="urn:schemas-microsoft-com:vml" Requires="v">
-                <p:oleObj name="包装程序外壳对象" showAsIcon="1" r:id="rId16" imgW="548501" imgH="518242" progId="Package">
+                <p:oleObj spid="_x0000_s1060" name="包装程序外壳对象" showAsIcon="1" r:id="rId17" imgW="548501" imgH="518242" progId="Package">
                   <p:embed/>
                 </p:oleObj>
               </mc:Choice>
               <mc:Fallback>
-                <p:oleObj name="包装程序外壳对象" showAsIcon="1" r:id="rId16" imgW="548501" imgH="518242" progId="Package">
+                <p:oleObj name="包装程序外壳对象" showAsIcon="1" r:id="rId17" imgW="548501" imgH="518242" progId="Package">
                   <p:embed/>
                   <p:pic>
                     <p:nvPicPr>
@@ -12562,7 +12482,7 @@
                       <p:nvPr/>
                     </p:nvPicPr>
                     <p:blipFill>
-                      <a:blip r:embed="rId17"/>
+                      <a:blip r:embed="rId18"/>
                       <a:stretch>
                         <a:fillRect/>
                       </a:stretch>

--- a/assets/ppt/simple.pptx
+++ b/assets/ppt/simple.pptx
@@ -9106,551 +9106,6 @@
       </p:grpSpPr>
       <p:sp>
         <p:nvSpPr>
-          <p:cNvPr id="6" name="文本框 5">
-            <a:extLst>
-              <a:ext uri="{FF2B5EF4-FFF2-40B4-BE49-F238E27FC236}">
-                <a16:creationId xmlns:a16="http://schemas.microsoft.com/office/drawing/2014/main" id="{399FF45E-8540-282A-13B7-D2D8DC5B0551}"/>
-              </a:ext>
-            </a:extLst>
-          </p:cNvPr>
-          <p:cNvSpPr txBox="1"/>
-          <p:nvPr/>
-        </p:nvSpPr>
-        <p:spPr>
-          <a:xfrm>
-            <a:off x="6262315" y="1076197"/>
-            <a:ext cx="2154436" cy="3135946"/>
-          </a:xfrm>
-          <a:prstGeom prst="rect">
-            <a:avLst/>
-          </a:prstGeom>
-          <a:noFill/>
-          <a:ln>
-            <a:noFill/>
-          </a:ln>
-        </p:spPr>
-        <p:txBody>
-          <a:bodyPr vert="eaVert" wrap="square" rtlCol="0">
-            <a:spAutoFit/>
-          </a:bodyPr>
-          <a:lstStyle/>
-          <a:p>
-            <a:pPr algn="r"/>
-            <a:r>
-              <a:rPr lang="zh-CN" altLang="en-US" dirty="0">
-                <a:effectLst>
-                  <a:reflection blurRad="88900" stA="45000" endPos="65000" dist="50800" dir="5400000" sy="-100000" algn="bl" rotWithShape="0"/>
-                </a:effectLst>
-                <a:latin typeface="+mj-ea"/>
-                <a:ea typeface="+mj-ea"/>
-              </a:rPr>
-              <a:t>阿</a:t>
-            </a:r>
-            <a:r>
-              <a:rPr lang="zh-CN" altLang="en-US" sz="3200" b="1" dirty="0">
-                <a:blipFill dpi="0" rotWithShape="1">
-                  <a:blip r:embed="rId3"/>
-                  <a:srcRect/>
-                  <a:tile tx="0" ty="0" sx="100000" sy="100000" flip="none" algn="tl"/>
-                </a:blipFill>
-                <a:effectLst>
-                  <a:reflection blurRad="88900" stA="45000" endPos="65000" dist="50800" dir="5400000" sy="-100000" algn="bl" rotWithShape="0"/>
-                </a:effectLst>
-                <a:latin typeface="+mj-ea"/>
-                <a:ea typeface="+mj-ea"/>
-              </a:rPr>
-              <a:t>三大苏打阿松</a:t>
-            </a:r>
-            <a:r>
-              <a:rPr lang="zh-CN" altLang="en-US" sz="3200" b="1" dirty="0">
-                <a:blipFill dpi="0" rotWithShape="1">
-                  <a:blip r:embed="rId3"/>
-                  <a:srcRect/>
-                  <a:tile tx="0" ty="0" sx="100000" sy="100000" flip="none" algn="tl"/>
-                </a:blipFill>
-                <a:effectLst>
-                  <a:outerShdw blurRad="60007" dist="310007" dir="7680000" sy="30000" kx="1300200" algn="ctr" rotWithShape="0">
-                    <a:prstClr val="black">
-                      <a:alpha val="32000"/>
-                    </a:prstClr>
-                  </a:outerShdw>
-                  <a:reflection blurRad="88900" stA="45000" endPos="65000" dist="50800" dir="5400000" sy="-100000" algn="bl" rotWithShape="0"/>
-                </a:effectLst>
-                <a:latin typeface="+mj-ea"/>
-                <a:ea typeface="+mj-ea"/>
-              </a:rPr>
-              <a:t>大</a:t>
-            </a:r>
-            <a:r>
-              <a:rPr lang="en-US" altLang="zh-CN" sz="3200" b="1" dirty="0">
-                <a:blipFill dpi="0" rotWithShape="1">
-                  <a:blip r:embed="rId3"/>
-                  <a:srcRect/>
-                  <a:tile tx="0" ty="0" sx="100000" sy="100000" flip="none" algn="tl"/>
-                </a:blipFill>
-                <a:effectLst>
-                  <a:outerShdw blurRad="60007" dist="310007" dir="7680000" sy="30000" kx="1300200" algn="ctr" rotWithShape="0">
-                    <a:prstClr val="black">
-                      <a:alpha val="32000"/>
-                    </a:prstClr>
-                  </a:outerShdw>
-                  <a:reflection blurRad="88900" stA="45000" endPos="65000" dist="50800" dir="5400000" sy="-100000" algn="bl" rotWithShape="0"/>
-                </a:effectLst>
-              </a:rPr>
-              <a:t>as</a:t>
-            </a:r>
-            <a:r>
-              <a:rPr lang="zh-CN" altLang="en-US" sz="3200" b="1" dirty="0">
-                <a:blipFill dpi="0" rotWithShape="1">
-                  <a:blip r:embed="rId3"/>
-                  <a:srcRect/>
-                  <a:tile tx="0" ty="0" sx="100000" sy="100000" flip="none" algn="tl"/>
-                </a:blipFill>
-                <a:effectLst>
-                  <a:outerShdw blurRad="60007" dist="310007" dir="7680000" sy="30000" kx="1300200" algn="ctr" rotWithShape="0">
-                    <a:prstClr val="black">
-                      <a:alpha val="32000"/>
-                    </a:prstClr>
-                  </a:outerShdw>
-                  <a:reflection blurRad="88900" stA="45000" endPos="65000" dist="50800" dir="5400000" sy="-100000" algn="bl" rotWithShape="0"/>
-                </a:effectLst>
-              </a:rPr>
-              <a:t>阿松大</a:t>
-            </a:r>
-            <a:endParaRPr lang="en-US" altLang="zh-CN" b="1" dirty="0">
-              <a:blipFill dpi="0" rotWithShape="1">
-                <a:blip r:embed="rId3"/>
-                <a:srcRect/>
-                <a:tile tx="0" ty="0" sx="100000" sy="100000" flip="none" algn="tl"/>
-              </a:blipFill>
-              <a:effectLst>
-                <a:outerShdw blurRad="60007" dist="310007" dir="7680000" sy="30000" kx="1300200" algn="ctr" rotWithShape="0">
-                  <a:prstClr val="black">
-                    <a:alpha val="32000"/>
-                  </a:prstClr>
-                </a:outerShdw>
-                <a:reflection blurRad="88900" stA="45000" endPos="65000" dist="50800" dir="5400000" sy="-100000" algn="bl" rotWithShape="0"/>
-              </a:effectLst>
-            </a:endParaRPr>
-          </a:p>
-          <a:p>
-            <a:r>
-              <a:rPr lang="zh-CN" altLang="en-US" dirty="0">
-                <a:effectLst>
-                  <a:outerShdw blurRad="381000" dist="698500" dir="7560000" sx="156000" sy="156000" algn="tl" rotWithShape="0">
-                    <a:prstClr val="black">
-                      <a:alpha val="58000"/>
-                    </a:prstClr>
-                  </a:outerShdw>
-                  <a:reflection blurRad="88900" stA="45000" endPos="65000" dist="50800" dir="5400000" sy="-100000" algn="bl" rotWithShape="0"/>
-                </a:effectLst>
-              </a:rPr>
-              <a:t>阿松</a:t>
-            </a:r>
-            <a:r>
-              <a:rPr lang="zh-CN" altLang="en-US" sz="2800" b="1" i="1" u="sng" strike="sngStrike" spc="300" dirty="0">
-                <a:solidFill>
-                  <a:srgbClr val="FF0000"/>
-                </a:solidFill>
-                <a:effectLst>
-                  <a:outerShdw blurRad="50800" dist="38100" dir="8100000" sx="200000" sy="200000" algn="tr" rotWithShape="0">
-                    <a:schemeClr val="accent5">
-                      <a:alpha val="40000"/>
-                    </a:schemeClr>
-                  </a:outerShdw>
-                  <a:reflection blurRad="88900" stA="45000" endPos="65000" dist="50800" dir="5400000" sy="-100000" algn="bl" rotWithShape="0"/>
-                </a:effectLst>
-                <a:highlight>
-                  <a:srgbClr val="FFFF00"/>
-                </a:highlight>
-                <a:latin typeface="Impact" panose="020B0806030902050204" pitchFamily="34" charset="0"/>
-              </a:rPr>
-              <a:t>大</a:t>
-            </a:r>
-            <a:r>
-              <a:rPr lang="en-US" altLang="zh-CN" sz="2800" b="1" i="1" u="sng" strike="sngStrike" spc="300" dirty="0">
-                <a:solidFill>
-                  <a:srgbClr val="FF0000"/>
-                </a:solidFill>
-                <a:effectLst>
-                  <a:outerShdw blurRad="50800" dist="38100" dir="8100000" sx="200000" sy="200000" algn="tr" rotWithShape="0">
-                    <a:schemeClr val="accent5">
-                      <a:alpha val="40000"/>
-                    </a:schemeClr>
-                  </a:outerShdw>
-                  <a:reflection blurRad="88900" stA="45000" endPos="65000" dist="50800" dir="5400000" sy="-100000" algn="bl" rotWithShape="0"/>
-                </a:effectLst>
-                <a:highlight>
-                  <a:srgbClr val="FFFF00"/>
-                </a:highlight>
-                <a:latin typeface="Impact" panose="020B0806030902050204" pitchFamily="34" charset="0"/>
-              </a:rPr>
-              <a:t>as</a:t>
-            </a:r>
-            <a:r>
-              <a:rPr lang="zh-CN" altLang="en-US" sz="2800" b="1" i="1" u="sng" strike="sngStrike" spc="300" dirty="0">
-                <a:solidFill>
-                  <a:srgbClr val="FF0000"/>
-                </a:solidFill>
-                <a:effectLst>
-                  <a:outerShdw blurRad="50800" dist="38100" dir="8100000" sx="200000" sy="200000" algn="tr" rotWithShape="0">
-                    <a:schemeClr val="accent5">
-                      <a:alpha val="40000"/>
-                    </a:schemeClr>
-                  </a:outerShdw>
-                  <a:reflection blurRad="88900" stA="45000" endPos="65000" dist="50800" dir="5400000" sy="-100000" algn="bl" rotWithShape="0"/>
-                </a:effectLst>
-                <a:highlight>
-                  <a:srgbClr val="FFFF00"/>
-                </a:highlight>
-                <a:latin typeface="Impact" panose="020B0806030902050204" pitchFamily="34" charset="0"/>
-              </a:rPr>
-              <a:t>阿三</a:t>
-            </a:r>
-            <a:r>
-              <a:rPr lang="zh-CN" altLang="en-US" dirty="0">
-                <a:effectLst>
-                  <a:reflection blurRad="88900" stA="23000" endPos="91000" dist="50800" dir="5400000" sy="-100000" algn="bl" rotWithShape="0"/>
-                </a:effectLst>
-              </a:rPr>
-              <a:t>打算</a:t>
-            </a:r>
-            <a:endParaRPr lang="en-US" altLang="zh-CN" dirty="0">
-              <a:effectLst>
-                <a:reflection blurRad="88900" stA="23000" endPos="91000" dist="50800" dir="5400000" sy="-100000" algn="bl" rotWithShape="0"/>
-              </a:effectLst>
-            </a:endParaRPr>
-          </a:p>
-          <a:p>
-            <a:r>
-              <a:rPr lang="zh-CN" altLang="en-US" dirty="0">
-                <a:ln>
-                  <a:gradFill>
-                    <a:gsLst>
-                      <a:gs pos="0">
-                        <a:schemeClr val="accent1">
-                          <a:lumMod val="5000"/>
-                          <a:lumOff val="95000"/>
-                        </a:schemeClr>
-                      </a:gs>
-                      <a:gs pos="74000">
-                        <a:schemeClr val="accent1">
-                          <a:lumMod val="45000"/>
-                          <a:lumOff val="55000"/>
-                        </a:schemeClr>
-                      </a:gs>
-                      <a:gs pos="83000">
-                        <a:schemeClr val="accent1">
-                          <a:lumMod val="45000"/>
-                          <a:lumOff val="55000"/>
-                        </a:schemeClr>
-                      </a:gs>
-                      <a:gs pos="100000">
-                        <a:schemeClr val="accent1">
-                          <a:lumMod val="30000"/>
-                          <a:lumOff val="70000"/>
-                        </a:schemeClr>
-                      </a:gs>
-                    </a:gsLst>
-                    <a:lin ang="7200000" scaled="0"/>
-                  </a:gradFill>
-                </a:ln>
-                <a:effectLst>
-                  <a:reflection blurRad="88900" stA="45000" endPos="65000" dist="50800" dir="5400000" sy="-100000" algn="bl" rotWithShape="0"/>
-                </a:effectLst>
-                <a:latin typeface="Arial Black" panose="020B0A04020102020204" pitchFamily="34" charset="0"/>
-                <a:ea typeface="尔雅新大黑" pitchFamily="2" charset="-122"/>
-              </a:rPr>
-              <a:t>啊啊</a:t>
-            </a:r>
-            <a:r>
-              <a:rPr lang="en-US" altLang="zh-CN" dirty="0">
-                <a:ln>
-                  <a:gradFill>
-                    <a:gsLst>
-                      <a:gs pos="0">
-                        <a:schemeClr val="accent1">
-                          <a:lumMod val="5000"/>
-                          <a:lumOff val="95000"/>
-                        </a:schemeClr>
-                      </a:gs>
-                      <a:gs pos="74000">
-                        <a:schemeClr val="accent1">
-                          <a:lumMod val="45000"/>
-                          <a:lumOff val="55000"/>
-                        </a:schemeClr>
-                      </a:gs>
-                      <a:gs pos="83000">
-                        <a:schemeClr val="accent1">
-                          <a:lumMod val="45000"/>
-                          <a:lumOff val="55000"/>
-                        </a:schemeClr>
-                      </a:gs>
-                      <a:gs pos="100000">
-                        <a:schemeClr val="accent1">
-                          <a:lumMod val="30000"/>
-                          <a:lumOff val="70000"/>
-                        </a:schemeClr>
-                      </a:gs>
-                    </a:gsLst>
-                    <a:lin ang="7200000" scaled="0"/>
-                  </a:gradFill>
-                </a:ln>
-                <a:effectLst>
-                  <a:reflection blurRad="88900" stA="45000" endPos="65000" dist="50800" dir="5400000" sy="-100000" algn="bl" rotWithShape="0"/>
-                </a:effectLst>
-                <a:latin typeface="Arial Black" panose="020B0A04020102020204" pitchFamily="34" charset="0"/>
-                <a:ea typeface="尔雅新大黑" pitchFamily="2" charset="-122"/>
-              </a:rPr>
-              <a:t>aa</a:t>
-            </a:r>
-            <a:r>
-              <a:rPr lang="zh-CN" altLang="en-US" dirty="0">
-                <a:ln>
-                  <a:gradFill>
-                    <a:gsLst>
-                      <a:gs pos="0">
-                        <a:schemeClr val="accent1">
-                          <a:lumMod val="5000"/>
-                          <a:lumOff val="95000"/>
-                        </a:schemeClr>
-                      </a:gs>
-                      <a:gs pos="74000">
-                        <a:schemeClr val="accent1">
-                          <a:lumMod val="45000"/>
-                          <a:lumOff val="55000"/>
-                        </a:schemeClr>
-                      </a:gs>
-                      <a:gs pos="83000">
-                        <a:schemeClr val="accent1">
-                          <a:lumMod val="45000"/>
-                          <a:lumOff val="55000"/>
-                        </a:schemeClr>
-                      </a:gs>
-                      <a:gs pos="100000">
-                        <a:schemeClr val="accent1">
-                          <a:lumMod val="30000"/>
-                          <a:lumOff val="70000"/>
-                        </a:schemeClr>
-                      </a:gs>
-                    </a:gsLst>
-                    <a:lin ang="7200000" scaled="0"/>
-                  </a:gradFill>
-                </a:ln>
-                <a:effectLst>
-                  <a:reflection blurRad="88900" stA="45000" endPos="65000" dist="50800" dir="5400000" sy="-100000" algn="bl" rotWithShape="0"/>
-                </a:effectLst>
-                <a:latin typeface="Arial Black" panose="020B0A04020102020204" pitchFamily="34" charset="0"/>
-                <a:ea typeface="尔雅新大黑" pitchFamily="2" charset="-122"/>
-              </a:rPr>
-              <a:t>啊啊啊</a:t>
-            </a:r>
-            <a:endParaRPr lang="en-US" altLang="zh-CN" dirty="0">
-              <a:ln>
-                <a:gradFill>
-                  <a:gsLst>
-                    <a:gs pos="0">
-                      <a:schemeClr val="accent1">
-                        <a:lumMod val="5000"/>
-                        <a:lumOff val="95000"/>
-                      </a:schemeClr>
-                    </a:gs>
-                    <a:gs pos="74000">
-                      <a:schemeClr val="accent1">
-                        <a:lumMod val="45000"/>
-                        <a:lumOff val="55000"/>
-                      </a:schemeClr>
-                    </a:gs>
-                    <a:gs pos="83000">
-                      <a:schemeClr val="accent1">
-                        <a:lumMod val="45000"/>
-                        <a:lumOff val="55000"/>
-                      </a:schemeClr>
-                    </a:gs>
-                    <a:gs pos="100000">
-                      <a:schemeClr val="accent1">
-                        <a:lumMod val="30000"/>
-                        <a:lumOff val="70000"/>
-                      </a:schemeClr>
-                    </a:gs>
-                  </a:gsLst>
-                  <a:lin ang="7200000" scaled="0"/>
-                </a:gradFill>
-              </a:ln>
-              <a:effectLst>
-                <a:reflection blurRad="88900" stA="45000" endPos="65000" dist="50800" dir="5400000" sy="-100000" algn="bl" rotWithShape="0"/>
-              </a:effectLst>
-              <a:latin typeface="Arial Black" panose="020B0A04020102020204" pitchFamily="34" charset="0"/>
-              <a:ea typeface="尔雅新大黑" pitchFamily="2" charset="-122"/>
-            </a:endParaRPr>
-          </a:p>
-          <a:p>
-            <a:r>
-              <a:rPr lang="en-US" altLang="zh-CN" dirty="0" err="1">
-                <a:ln>
-                  <a:gradFill>
-                    <a:gsLst>
-                      <a:gs pos="0">
-                        <a:schemeClr val="accent1">
-                          <a:lumMod val="5000"/>
-                          <a:lumOff val="95000"/>
-                        </a:schemeClr>
-                      </a:gs>
-                      <a:gs pos="74000">
-                        <a:schemeClr val="accent1">
-                          <a:lumMod val="45000"/>
-                          <a:lumOff val="55000"/>
-                        </a:schemeClr>
-                      </a:gs>
-                      <a:gs pos="83000">
-                        <a:schemeClr val="accent1">
-                          <a:lumMod val="45000"/>
-                          <a:lumOff val="55000"/>
-                        </a:schemeClr>
-                      </a:gs>
-                      <a:gs pos="100000">
-                        <a:schemeClr val="accent1">
-                          <a:lumMod val="30000"/>
-                          <a:lumOff val="70000"/>
-                        </a:schemeClr>
-                      </a:gs>
-                    </a:gsLst>
-                    <a:lin ang="7200000" scaled="0"/>
-                  </a:gradFill>
-                </a:ln>
-                <a:effectLst>
-                  <a:reflection blurRad="88900" stA="45000" endPos="65000" dist="50800" dir="5400000" sy="-100000" algn="bl" rotWithShape="0"/>
-                </a:effectLst>
-                <a:latin typeface="Arial Black" panose="020B0A04020102020204" pitchFamily="34" charset="0"/>
-                <a:ea typeface="尔雅新大黑" pitchFamily="2" charset="-122"/>
-              </a:rPr>
-              <a:t>Aaa</a:t>
-            </a:r>
-            <a:r>
-              <a:rPr lang="zh-CN" altLang="en-US" dirty="0">
-                <a:ln>
-                  <a:gradFill>
-                    <a:gsLst>
-                      <a:gs pos="0">
-                        <a:schemeClr val="accent1">
-                          <a:lumMod val="5000"/>
-                          <a:lumOff val="95000"/>
-                        </a:schemeClr>
-                      </a:gs>
-                      <a:gs pos="74000">
-                        <a:schemeClr val="accent1">
-                          <a:lumMod val="45000"/>
-                          <a:lumOff val="55000"/>
-                        </a:schemeClr>
-                      </a:gs>
-                      <a:gs pos="83000">
-                        <a:schemeClr val="accent1">
-                          <a:lumMod val="45000"/>
-                          <a:lumOff val="55000"/>
-                        </a:schemeClr>
-                      </a:gs>
-                      <a:gs pos="100000">
-                        <a:schemeClr val="accent1">
-                          <a:lumMod val="30000"/>
-                          <a:lumOff val="70000"/>
-                        </a:schemeClr>
-                      </a:gs>
-                    </a:gsLst>
-                    <a:lin ang="7200000" scaled="0"/>
-                  </a:gradFill>
-                </a:ln>
-                <a:effectLst>
-                  <a:reflection blurRad="88900" stA="45000" endPos="65000" dist="50800" dir="5400000" sy="-100000" algn="bl" rotWithShape="0"/>
-                </a:effectLst>
-                <a:latin typeface="Arial Black" panose="020B0A04020102020204" pitchFamily="34" charset="0"/>
-                <a:ea typeface="尔雅新大黑" pitchFamily="2" charset="-122"/>
-              </a:rPr>
-              <a:t>啊啊啊</a:t>
-            </a:r>
-            <a:r>
-              <a:rPr lang="en-US" altLang="zh-CN" dirty="0" err="1">
-                <a:ln>
-                  <a:gradFill>
-                    <a:gsLst>
-                      <a:gs pos="0">
-                        <a:schemeClr val="accent1">
-                          <a:lumMod val="5000"/>
-                          <a:lumOff val="95000"/>
-                        </a:schemeClr>
-                      </a:gs>
-                      <a:gs pos="74000">
-                        <a:schemeClr val="accent1">
-                          <a:lumMod val="45000"/>
-                          <a:lumOff val="55000"/>
-                        </a:schemeClr>
-                      </a:gs>
-                      <a:gs pos="83000">
-                        <a:schemeClr val="accent1">
-                          <a:lumMod val="45000"/>
-                          <a:lumOff val="55000"/>
-                        </a:schemeClr>
-                      </a:gs>
-                      <a:gs pos="100000">
-                        <a:schemeClr val="accent1">
-                          <a:lumMod val="30000"/>
-                          <a:lumOff val="70000"/>
-                        </a:schemeClr>
-                      </a:gs>
-                    </a:gsLst>
-                    <a:lin ang="7200000" scaled="0"/>
-                  </a:gradFill>
-                </a:ln>
-                <a:effectLst>
-                  <a:reflection blurRad="88900" stA="45000" endPos="65000" dist="50800" dir="5400000" sy="-100000" algn="bl" rotWithShape="0"/>
-                </a:effectLst>
-                <a:latin typeface="Arial Black" panose="020B0A04020102020204" pitchFamily="34" charset="0"/>
-                <a:ea typeface="尔雅新大黑" pitchFamily="2" charset="-122"/>
-              </a:rPr>
-              <a:t>aaa</a:t>
-            </a:r>
-            <a:endParaRPr lang="zh-CN" altLang="en-US" dirty="0">
-              <a:ln>
-                <a:gradFill>
-                  <a:gsLst>
-                    <a:gs pos="0">
-                      <a:schemeClr val="accent1">
-                        <a:lumMod val="5000"/>
-                        <a:lumOff val="95000"/>
-                      </a:schemeClr>
-                    </a:gs>
-                    <a:gs pos="74000">
-                      <a:schemeClr val="accent1">
-                        <a:lumMod val="45000"/>
-                        <a:lumOff val="55000"/>
-                      </a:schemeClr>
-                    </a:gs>
-                    <a:gs pos="83000">
-                      <a:schemeClr val="accent1">
-                        <a:lumMod val="45000"/>
-                        <a:lumOff val="55000"/>
-                      </a:schemeClr>
-                    </a:gs>
-                    <a:gs pos="100000">
-                      <a:schemeClr val="accent1">
-                        <a:lumMod val="30000"/>
-                        <a:lumOff val="70000"/>
-                      </a:schemeClr>
-                    </a:gs>
-                  </a:gsLst>
-                  <a:lin ang="7200000" scaled="0"/>
-                </a:gradFill>
-              </a:ln>
-              <a:effectLst>
-                <a:reflection blurRad="88900" stA="45000" endPos="65000" dist="50800" dir="5400000" sy="-100000" algn="bl" rotWithShape="0"/>
-              </a:effectLst>
-              <a:latin typeface="Arial Black" panose="020B0A04020102020204" pitchFamily="34" charset="0"/>
-              <a:ea typeface="尔雅新大黑" pitchFamily="2" charset="-122"/>
-            </a:endParaRPr>
-          </a:p>
-        </p:txBody>
-      </p:sp>
-      <p:sp>
-        <p:nvSpPr>
           <p:cNvPr id="8" name="文本框 7">
             <a:extLst>
               <a:ext uri="{FF2B5EF4-FFF2-40B4-BE49-F238E27FC236}">
@@ -9693,6 +9148,140 @@
               <a:rPr lang="zh-CN" altLang="en-US" sz="9600" dirty="0"/>
               <a:t>题</a:t>
             </a:r>
+          </a:p>
+        </p:txBody>
+      </p:sp>
+      <p:sp>
+        <p:nvSpPr>
+          <p:cNvPr id="9" name="文本框 8">
+            <a:extLst>
+              <a:ext uri="{FF2B5EF4-FFF2-40B4-BE49-F238E27FC236}">
+                <a16:creationId xmlns:a16="http://schemas.microsoft.com/office/drawing/2014/main" id="{0E5A6777-DEF1-9B46-AA8B-8B8A0F2DD429}"/>
+              </a:ext>
+            </a:extLst>
+          </p:cNvPr>
+          <p:cNvSpPr txBox="1"/>
+          <p:nvPr/>
+        </p:nvSpPr>
+        <p:spPr>
+          <a:xfrm>
+            <a:off x="5191827" y="1977727"/>
+            <a:ext cx="768159" cy="369332"/>
+          </a:xfrm>
+          <a:prstGeom prst="rect">
+            <a:avLst/>
+          </a:prstGeom>
+          <a:noFill/>
+        </p:spPr>
+        <p:txBody>
+          <a:bodyPr wrap="none" rtlCol="0">
+            <a:spAutoFit/>
+          </a:bodyPr>
+          <a:lstStyle/>
+          <a:p>
+            <a:r>
+              <a:rPr kumimoji="1" lang="zh-CN" altLang="en-US" dirty="0">
+                <a:effectLst>
+                  <a:outerShdw blurRad="75057" dist="38100" dir="5400000" sy="-20000" rotWithShape="0">
+                    <a:prstClr val="black">
+                      <a:alpha val="25000"/>
+                    </a:prstClr>
+                  </a:outerShdw>
+                  <a:reflection stA="90000" dist="558800" dir="5400000" sy="-100000" algn="bl" rotWithShape="0"/>
+                </a:effectLst>
+              </a:rPr>
+              <a:t>文案</a:t>
+            </a:r>
+            <a:r>
+              <a:rPr kumimoji="1" lang="en-US" altLang="zh-CN" dirty="0">
+                <a:effectLst>
+                  <a:outerShdw blurRad="75057" dist="38100" dir="5400000" sy="-20000" rotWithShape="0">
+                    <a:prstClr val="black">
+                      <a:alpha val="25000"/>
+                    </a:prstClr>
+                  </a:outerShdw>
+                  <a:reflection stA="90000" dist="558800" dir="5400000" sy="-100000" algn="bl" rotWithShape="0"/>
+                </a:effectLst>
+              </a:rPr>
+              <a:t>3</a:t>
+            </a:r>
+            <a:endParaRPr kumimoji="1" lang="zh-CN" altLang="en-US" dirty="0">
+              <a:effectLst>
+                <a:outerShdw blurRad="75057" dist="38100" dir="5400000" sy="-20000" rotWithShape="0">
+                  <a:prstClr val="black">
+                    <a:alpha val="25000"/>
+                  </a:prstClr>
+                </a:outerShdw>
+                <a:reflection stA="90000" dist="558800" dir="5400000" sy="-100000" algn="bl" rotWithShape="0"/>
+              </a:effectLst>
+            </a:endParaRPr>
+          </a:p>
+        </p:txBody>
+      </p:sp>
+      <p:sp>
+        <p:nvSpPr>
+          <p:cNvPr id="10" name="文本框 9">
+            <a:extLst>
+              <a:ext uri="{FF2B5EF4-FFF2-40B4-BE49-F238E27FC236}">
+                <a16:creationId xmlns:a16="http://schemas.microsoft.com/office/drawing/2014/main" id="{D13DF992-5E8D-0C40-89DB-1A6DAB8CCCAC}"/>
+              </a:ext>
+            </a:extLst>
+          </p:cNvPr>
+          <p:cNvSpPr txBox="1"/>
+          <p:nvPr/>
+        </p:nvSpPr>
+        <p:spPr>
+          <a:xfrm>
+            <a:off x="6308037" y="1977727"/>
+            <a:ext cx="768159" cy="369332"/>
+          </a:xfrm>
+          <a:prstGeom prst="rect">
+            <a:avLst/>
+          </a:prstGeom>
+          <a:noFill/>
+        </p:spPr>
+        <p:txBody>
+          <a:bodyPr wrap="none" rtlCol="0">
+            <a:spAutoFit/>
+          </a:bodyPr>
+          <a:lstStyle/>
+          <a:p>
+            <a:r>
+              <a:rPr kumimoji="1" lang="zh-CN" altLang="en-US" dirty="0">
+                <a:effectLst>
+                  <a:outerShdw blurRad="75057" dist="38100" dir="5400000" sy="-20000" rotWithShape="0">
+                    <a:prstClr val="black">
+                      <a:alpha val="25000"/>
+                    </a:prstClr>
+                  </a:outerShdw>
+                  <a:reflection stA="84000" endPos="53000" dist="558800" dir="5400000" sy="-100000" algn="bl" rotWithShape="0"/>
+                </a:effectLst>
+              </a:rPr>
+              <a:t>文案</a:t>
+            </a:r>
+            <a:r>
+              <a:rPr kumimoji="1" lang="en-US" altLang="zh-CN" dirty="0">
+                <a:effectLst>
+                  <a:outerShdw blurRad="75057" dist="38100" dir="5400000" sy="-20000" rotWithShape="0">
+                    <a:prstClr val="black">
+                      <a:alpha val="25000"/>
+                    </a:prstClr>
+                  </a:outerShdw>
+                  <a:reflection stA="84000" endPos="53000" dist="558800" dir="5400000" sy="-100000" algn="bl" rotWithShape="0"/>
+                </a:effectLst>
+              </a:rPr>
+              <a:t>4</a:t>
+            </a:r>
+            <a:endParaRPr kumimoji="1" lang="zh-CN" altLang="en-US" dirty="0">
+              <a:effectLst>
+                <a:outerShdw blurRad="75057" dist="38100" dir="5400000" sy="-20000" rotWithShape="0">
+                  <a:prstClr val="black">
+                    <a:alpha val="25000"/>
+                  </a:prstClr>
+                </a:outerShdw>
+                <a:reflection stA="84000" endPos="53000" dist="558800" dir="5400000" sy="-100000" algn="bl" rotWithShape="0"/>
+              </a:effectLst>
+            </a:endParaRPr>
           </a:p>
         </p:txBody>
       </p:sp>
@@ -12279,7 +11868,7 @@
           <a:graphicData uri="http://schemas.openxmlformats.org/presentationml/2006/ole">
             <mc:AlternateContent xmlns:mc="http://schemas.openxmlformats.org/markup-compatibility/2006">
               <mc:Choice xmlns:v="urn:schemas-microsoft-com:vml" Requires="v">
-                <p:oleObj spid="_x0000_s1057" name="Presentation" r:id="rId11" imgW="6096052" imgH="3429125" progId="PowerPoint.Show.12">
+                <p:oleObj spid="_x0000_s1105" name="Presentation" r:id="rId11" imgW="6096052" imgH="3429125" progId="PowerPoint.Show.12">
                   <p:embed/>
                 </p:oleObj>
               </mc:Choice>
@@ -12342,7 +11931,7 @@
           <a:graphicData uri="http://schemas.openxmlformats.org/presentationml/2006/ole">
             <mc:AlternateContent xmlns:mc="http://schemas.openxmlformats.org/markup-compatibility/2006">
               <mc:Choice xmlns:v="urn:schemas-microsoft-com:vml" Requires="v">
-                <p:oleObj spid="_x0000_s1058" name="Document" r:id="rId13" imgW="5285434" imgH="198076" progId="Word.Document.12">
+                <p:oleObj spid="_x0000_s1106" name="Document" r:id="rId13" imgW="5285434" imgH="198076" progId="Word.Document.12">
                   <p:embed/>
                 </p:oleObj>
               </mc:Choice>
@@ -12405,7 +11994,7 @@
           <a:graphicData uri="http://schemas.openxmlformats.org/presentationml/2006/ole">
             <mc:AlternateContent xmlns:mc="http://schemas.openxmlformats.org/markup-compatibility/2006">
               <mc:Choice xmlns:v="urn:schemas-microsoft-com:vml" Requires="v">
-                <p:oleObj spid="_x0000_s1059" name="Worksheet" r:id="rId15" imgW="1226803" imgH="533441" progId="Excel.Sheet.12">
+                <p:oleObj spid="_x0000_s1107" name="Worksheet" r:id="rId15" imgW="1226803" imgH="533441" progId="Excel.Sheet.12">
                   <p:embed/>
                 </p:oleObj>
               </mc:Choice>
@@ -12468,7 +12057,7 @@
           <a:graphicData uri="http://schemas.openxmlformats.org/presentationml/2006/ole">
             <mc:AlternateContent xmlns:mc="http://schemas.openxmlformats.org/markup-compatibility/2006">
               <mc:Choice xmlns:v="urn:schemas-microsoft-com:vml" Requires="v">
-                <p:oleObj spid="_x0000_s1060" name="包装程序外壳对象" showAsIcon="1" r:id="rId17" imgW="548501" imgH="518242" progId="Package">
+                <p:oleObj spid="_x0000_s1108" name="包装程序外壳对象" showAsIcon="1" r:id="rId17" imgW="548501" imgH="518242" progId="Package">
                   <p:embed/>
                 </p:oleObj>
               </mc:Choice>

--- a/assets/ppt/simple.pptx
+++ b/assets/ppt/simple.pptx
@@ -145,7 +145,7 @@
 
 <file path=ppt/comments/modernComment_10A_5A9FD94A.xml><?xml version="1.0" encoding="utf-8"?>
 <p188:cmLst xmlns:a="http://schemas.openxmlformats.org/drawingml/2006/main" xmlns:r="http://schemas.openxmlformats.org/officeDocument/2006/relationships" xmlns:p188="http://schemas.microsoft.com/office/powerpoint/2018/8/main">
-  <p188:cm id="{9371A245-C8AD-4C72-9C4D-30EA0BE22E5B}" authorId="{697A72BE-5857-848D-DD05-CBF7BCBECDD4}" created="2024-04-10T10:15:53.694">
+  <p188:cm id="{9371A245-C8AD-4C72-9C4D-30EA0BE22E5B}" authorId="{697A72BE-5857-848D-DD05-CBF7BCBECDD4}" status="resolved" created="2024-04-10T10:15:53.694">
     <ac:txMkLst xmlns:ac="http://schemas.microsoft.com/office/drawing/2013/main/command">
       <pc:docMk xmlns:pc="http://schemas.microsoft.com/office/powerpoint/2013/main/command"/>
       <pc:sldMk xmlns:pc="http://schemas.microsoft.com/office/powerpoint/2013/main/command" cId="1520425290" sldId="266"/>
@@ -154,7 +154,6 @@
         <ac:context len="3" hash="30290284"/>
       </ac:txMk>
     </ac:txMkLst>
-    <p188:pos x="386722" y="555800"/>
     <p188:txBody>
       <a:bodyPr/>
       <a:lstStyle/>
@@ -9106,182 +9105,61 @@
       </p:grpSpPr>
       <p:sp>
         <p:nvSpPr>
-          <p:cNvPr id="8" name="文本框 7">
-            <a:extLst>
-              <a:ext uri="{FF2B5EF4-FFF2-40B4-BE49-F238E27FC236}">
-                <a16:creationId xmlns:a16="http://schemas.microsoft.com/office/drawing/2014/main" id="{E378F7E2-909D-0D12-B87F-2B90220201C2}"/>
-              </a:ext>
-            </a:extLst>
-          </p:cNvPr>
-          <p:cNvSpPr txBox="1"/>
+          <p:cNvPr id="3" name="矩形 2">
+            <a:extLst>
+              <a:ext uri="{FF2B5EF4-FFF2-40B4-BE49-F238E27FC236}">
+                <a16:creationId xmlns:a16="http://schemas.microsoft.com/office/drawing/2014/main" id="{AD7783D3-BCA3-904B-B6E9-D782E67259AE}"/>
+              </a:ext>
+            </a:extLst>
+          </p:cNvPr>
+          <p:cNvSpPr/>
           <p:nvPr/>
         </p:nvSpPr>
         <p:spPr>
           <a:xfrm>
-            <a:off x="1833964" y="4212143"/>
-            <a:ext cx="4705350" cy="1569660"/>
+            <a:off x="3578087" y="2570922"/>
+            <a:ext cx="3326296" cy="858078"/>
           </a:xfrm>
           <a:prstGeom prst="rect">
             <a:avLst/>
           </a:prstGeom>
-          <a:noFill/>
+          <a:effectLst>
+            <a:glow rad="711200">
+              <a:schemeClr val="accent1">
+                <a:alpha val="40000"/>
+              </a:schemeClr>
+            </a:glow>
+            <a:outerShdw blurRad="50800" dist="254000" dir="5400000" algn="ctr" rotWithShape="0">
+              <a:srgbClr val="000000">
+                <a:alpha val="15000"/>
+              </a:srgbClr>
+            </a:outerShdw>
+            <a:reflection blurRad="101600" stA="53000" endPos="65000" dist="50800" dir="5400000" sy="-100000" algn="bl" rotWithShape="0"/>
+            <a:softEdge rad="317500"/>
+          </a:effectLst>
         </p:spPr>
-        <p:txBody>
-          <a:bodyPr wrap="square" rtlCol="0">
-            <a:spAutoFit/>
-          </a:bodyPr>
-          <a:lstStyle/>
-          <a:p>
-            <a:r>
-              <a:rPr lang="zh-CN" altLang="en-US" sz="7200" b="1" i="1" u="dottedHeavy" strike="dblStrike" dirty="0">
-                <a:uFill>
-                  <a:solidFill>
-                    <a:schemeClr val="accent2"/>
-                  </a:solidFill>
-                </a:uFill>
-                <a:latin typeface="+mj-lt"/>
-                <a:ea typeface="+mj-ea"/>
-              </a:rPr>
-              <a:t>标</a:t>
-            </a:r>
-            <a:r>
-              <a:rPr lang="zh-CN" altLang="en-US" sz="9600" dirty="0"/>
-              <a:t>题</a:t>
-            </a:r>
-          </a:p>
-        </p:txBody>
-      </p:sp>
-      <p:sp>
-        <p:nvSpPr>
-          <p:cNvPr id="9" name="文本框 8">
-            <a:extLst>
-              <a:ext uri="{FF2B5EF4-FFF2-40B4-BE49-F238E27FC236}">
-                <a16:creationId xmlns:a16="http://schemas.microsoft.com/office/drawing/2014/main" id="{0E5A6777-DEF1-9B46-AA8B-8B8A0F2DD429}"/>
-              </a:ext>
-            </a:extLst>
-          </p:cNvPr>
-          <p:cNvSpPr txBox="1"/>
-          <p:nvPr/>
-        </p:nvSpPr>
-        <p:spPr>
-          <a:xfrm>
-            <a:off x="5191827" y="1977727"/>
-            <a:ext cx="768159" cy="369332"/>
-          </a:xfrm>
-          <a:prstGeom prst="rect">
-            <a:avLst/>
-          </a:prstGeom>
-          <a:noFill/>
-        </p:spPr>
-        <p:txBody>
-          <a:bodyPr wrap="none" rtlCol="0">
-            <a:spAutoFit/>
-          </a:bodyPr>
-          <a:lstStyle/>
-          <a:p>
-            <a:r>
-              <a:rPr kumimoji="1" lang="zh-CN" altLang="en-US" dirty="0">
-                <a:effectLst>
-                  <a:outerShdw blurRad="75057" dist="38100" dir="5400000" sy="-20000" rotWithShape="0">
-                    <a:prstClr val="black">
-                      <a:alpha val="25000"/>
-                    </a:prstClr>
-                  </a:outerShdw>
-                  <a:reflection stA="90000" dist="558800" dir="5400000" sy="-100000" algn="bl" rotWithShape="0"/>
-                </a:effectLst>
-              </a:rPr>
-              <a:t>文案</a:t>
-            </a:r>
-            <a:r>
-              <a:rPr kumimoji="1" lang="en-US" altLang="zh-CN" dirty="0">
-                <a:effectLst>
-                  <a:outerShdw blurRad="75057" dist="38100" dir="5400000" sy="-20000" rotWithShape="0">
-                    <a:prstClr val="black">
-                      <a:alpha val="25000"/>
-                    </a:prstClr>
-                  </a:outerShdw>
-                  <a:reflection stA="90000" dist="558800" dir="5400000" sy="-100000" algn="bl" rotWithShape="0"/>
-                </a:effectLst>
-              </a:rPr>
-              <a:t>3</a:t>
-            </a:r>
-            <a:endParaRPr kumimoji="1" lang="zh-CN" altLang="en-US" dirty="0">
-              <a:effectLst>
-                <a:outerShdw blurRad="75057" dist="38100" dir="5400000" sy="-20000" rotWithShape="0">
-                  <a:prstClr val="black">
-                    <a:alpha val="25000"/>
-                  </a:prstClr>
-                </a:outerShdw>
-                <a:reflection stA="90000" dist="558800" dir="5400000" sy="-100000" algn="bl" rotWithShape="0"/>
-              </a:effectLst>
-            </a:endParaRPr>
-          </a:p>
-        </p:txBody>
-      </p:sp>
-      <p:sp>
-        <p:nvSpPr>
-          <p:cNvPr id="10" name="文本框 9">
-            <a:extLst>
-              <a:ext uri="{FF2B5EF4-FFF2-40B4-BE49-F238E27FC236}">
-                <a16:creationId xmlns:a16="http://schemas.microsoft.com/office/drawing/2014/main" id="{D13DF992-5E8D-0C40-89DB-1A6DAB8CCCAC}"/>
-              </a:ext>
-            </a:extLst>
-          </p:cNvPr>
-          <p:cNvSpPr txBox="1"/>
-          <p:nvPr/>
-        </p:nvSpPr>
-        <p:spPr>
-          <a:xfrm>
-            <a:off x="6308037" y="1977727"/>
-            <a:ext cx="768159" cy="369332"/>
-          </a:xfrm>
-          <a:prstGeom prst="rect">
-            <a:avLst/>
-          </a:prstGeom>
-          <a:noFill/>
-        </p:spPr>
-        <p:txBody>
-          <a:bodyPr wrap="none" rtlCol="0">
-            <a:spAutoFit/>
-          </a:bodyPr>
-          <a:lstStyle/>
-          <a:p>
-            <a:r>
-              <a:rPr kumimoji="1" lang="zh-CN" altLang="en-US" dirty="0">
-                <a:effectLst>
-                  <a:outerShdw blurRad="75057" dist="38100" dir="5400000" sy="-20000" rotWithShape="0">
-                    <a:prstClr val="black">
-                      <a:alpha val="25000"/>
-                    </a:prstClr>
-                  </a:outerShdw>
-                  <a:reflection stA="84000" endPos="53000" dist="558800" dir="5400000" sy="-100000" algn="bl" rotWithShape="0"/>
-                </a:effectLst>
-              </a:rPr>
-              <a:t>文案</a:t>
-            </a:r>
-            <a:r>
-              <a:rPr kumimoji="1" lang="en-US" altLang="zh-CN" dirty="0">
-                <a:effectLst>
-                  <a:outerShdw blurRad="75057" dist="38100" dir="5400000" sy="-20000" rotWithShape="0">
-                    <a:prstClr val="black">
-                      <a:alpha val="25000"/>
-                    </a:prstClr>
-                  </a:outerShdw>
-                  <a:reflection stA="84000" endPos="53000" dist="558800" dir="5400000" sy="-100000" algn="bl" rotWithShape="0"/>
-                </a:effectLst>
-              </a:rPr>
-              <a:t>4</a:t>
-            </a:r>
-            <a:endParaRPr kumimoji="1" lang="zh-CN" altLang="en-US" dirty="0">
-              <a:effectLst>
-                <a:outerShdw blurRad="75057" dist="38100" dir="5400000" sy="-20000" rotWithShape="0">
-                  <a:prstClr val="black">
-                    <a:alpha val="25000"/>
-                  </a:prstClr>
-                </a:outerShdw>
-                <a:reflection stA="84000" endPos="53000" dist="558800" dir="5400000" sy="-100000" algn="bl" rotWithShape="0"/>
-              </a:effectLst>
-            </a:endParaRPr>
+        <p:style>
+          <a:lnRef idx="2">
+            <a:schemeClr val="accent1">
+              <a:shade val="50000"/>
+            </a:schemeClr>
+          </a:lnRef>
+          <a:fillRef idx="1">
+            <a:schemeClr val="accent1"/>
+          </a:fillRef>
+          <a:effectRef idx="0">
+            <a:schemeClr val="accent1"/>
+          </a:effectRef>
+          <a:fontRef idx="minor">
+            <a:schemeClr val="lt1"/>
+          </a:fontRef>
+        </p:style>
+        <p:txBody>
+          <a:bodyPr rtlCol="0" anchor="ctr"/>
+          <a:lstStyle/>
+          <a:p>
+            <a:pPr algn="ctr"/>
+            <a:endParaRPr kumimoji="1" lang="zh-CN" altLang="en-US"/>
           </a:p>
         </p:txBody>
       </p:sp>
@@ -11868,7 +11746,7 @@
           <a:graphicData uri="http://schemas.openxmlformats.org/presentationml/2006/ole">
             <mc:AlternateContent xmlns:mc="http://schemas.openxmlformats.org/markup-compatibility/2006">
               <mc:Choice xmlns:v="urn:schemas-microsoft-com:vml" Requires="v">
-                <p:oleObj spid="_x0000_s1105" name="Presentation" r:id="rId11" imgW="6096052" imgH="3429125" progId="PowerPoint.Show.12">
+                <p:oleObj spid="_x0000_s1137" name="Presentation" r:id="rId11" imgW="6096052" imgH="3429125" progId="PowerPoint.Show.12">
                   <p:embed/>
                 </p:oleObj>
               </mc:Choice>
@@ -11931,7 +11809,7 @@
           <a:graphicData uri="http://schemas.openxmlformats.org/presentationml/2006/ole">
             <mc:AlternateContent xmlns:mc="http://schemas.openxmlformats.org/markup-compatibility/2006">
               <mc:Choice xmlns:v="urn:schemas-microsoft-com:vml" Requires="v">
-                <p:oleObj spid="_x0000_s1106" name="Document" r:id="rId13" imgW="5285434" imgH="198076" progId="Word.Document.12">
+                <p:oleObj spid="_x0000_s1138" name="Document" r:id="rId13" imgW="5285434" imgH="198076" progId="Word.Document.12">
                   <p:embed/>
                 </p:oleObj>
               </mc:Choice>
@@ -11994,7 +11872,7 @@
           <a:graphicData uri="http://schemas.openxmlformats.org/presentationml/2006/ole">
             <mc:AlternateContent xmlns:mc="http://schemas.openxmlformats.org/markup-compatibility/2006">
               <mc:Choice xmlns:v="urn:schemas-microsoft-com:vml" Requires="v">
-                <p:oleObj spid="_x0000_s1107" name="Worksheet" r:id="rId15" imgW="1226803" imgH="533441" progId="Excel.Sheet.12">
+                <p:oleObj spid="_x0000_s1139" name="Worksheet" r:id="rId15" imgW="1226803" imgH="533441" progId="Excel.Sheet.12">
                   <p:embed/>
                 </p:oleObj>
               </mc:Choice>
@@ -12057,7 +11935,7 @@
           <a:graphicData uri="http://schemas.openxmlformats.org/presentationml/2006/ole">
             <mc:AlternateContent xmlns:mc="http://schemas.openxmlformats.org/markup-compatibility/2006">
               <mc:Choice xmlns:v="urn:schemas-microsoft-com:vml" Requires="v">
-                <p:oleObj spid="_x0000_s1108" name="包装程序外壳对象" showAsIcon="1" r:id="rId17" imgW="548501" imgH="518242" progId="Package">
+                <p:oleObj spid="_x0000_s1140" name="包装程序外壳对象" showAsIcon="1" r:id="rId17" imgW="548501" imgH="518242" progId="Package">
                   <p:embed/>
                 </p:oleObj>
               </mc:Choice>

--- a/assets/ppt/simple.pptx
+++ b/assets/ppt/simple.pptx
@@ -1,25 +1,26 @@
 
 <file path=ppt/presentation.xml><?xml version="1.0" encoding="utf-8"?>
-<p:presentation xmlns:a="http://schemas.openxmlformats.org/drawingml/2006/main" xmlns:r="http://schemas.openxmlformats.org/officeDocument/2006/relationships" xmlns:p="http://schemas.openxmlformats.org/presentationml/2006/main" saveSubsetFonts="1">
+<p:presentation xmlns:a="http://schemas.openxmlformats.org/drawingml/2006/main" xmlns:r="http://schemas.openxmlformats.org/officeDocument/2006/relationships" xmlns:p="http://schemas.openxmlformats.org/presentationml/2006/main">
   <p:sldMasterIdLst>
-    <p:sldMasterId id="2147483677" r:id="rId1"/>
-    <p:sldMasterId id="2147483720" r:id="rId2"/>
+    <p:sldMasterId id="2147483648" r:id="rId1"/>
+    <p:sldMasterId id="2147483661" r:id="rId3"/>
   </p:sldMasterIdLst>
   <p:notesMasterIdLst>
-    <p:notesMasterId r:id="rId14"/>
+    <p:notesMasterId r:id="rId5"/>
   </p:notesMasterIdLst>
   <p:sldIdLst>
-    <p:sldId id="256" r:id="rId3"/>
-    <p:sldId id="257" r:id="rId4"/>
-    <p:sldId id="258" r:id="rId5"/>
-    <p:sldId id="259" r:id="rId6"/>
-    <p:sldId id="260" r:id="rId7"/>
-    <p:sldId id="261" r:id="rId8"/>
-    <p:sldId id="262" r:id="rId9"/>
-    <p:sldId id="263" r:id="rId10"/>
-    <p:sldId id="264" r:id="rId11"/>
-    <p:sldId id="265" r:id="rId12"/>
-    <p:sldId id="266" r:id="rId13"/>
+    <p:sldId id="256" r:id="rId4"/>
+    <p:sldId id="257" r:id="rId6"/>
+    <p:sldId id="258" r:id="rId7"/>
+    <p:sldId id="259" r:id="rId8"/>
+    <p:sldId id="260" r:id="rId9"/>
+    <p:sldId id="261" r:id="rId10"/>
+    <p:sldId id="262" r:id="rId11"/>
+    <p:sldId id="263" r:id="rId12"/>
+    <p:sldId id="264" r:id="rId13"/>
+    <p:sldId id="265" r:id="rId14"/>
+    <p:sldId id="266" r:id="rId15"/>
+    <p:sldId id="267" r:id="rId16"/>
   </p:sldIdLst>
   <p:sldSz cx="12192000" cy="6858000"/>
   <p:notesSz cx="6858000" cy="9144000"/>
@@ -137,35 +138,1003 @@
 </p:presentation>
 </file>
 
-<file path=ppt/authors.xml><?xml version="1.0" encoding="utf-8"?>
-<p188:authorLst xmlns:a="http://schemas.openxmlformats.org/drawingml/2006/main" xmlns:r="http://schemas.openxmlformats.org/officeDocument/2006/relationships" xmlns:p188="http://schemas.microsoft.com/office/powerpoint/2018/8/main">
-  <p188:author id="{697A72BE-5857-848D-DD05-CBF7BCBECDD4}" name="krito misaka" initials="km" userId="dae1b8c593ef4e07" providerId="Windows Live"/>
-</p188:authorLst>
+<file path=ppt/charts/chart1.xml><?xml version="1.0" encoding="utf-8"?>
+<c:chartSpace xmlns:c="http://schemas.openxmlformats.org/drawingml/2006/chart" xmlns:a="http://schemas.openxmlformats.org/drawingml/2006/main" xmlns:r="http://schemas.openxmlformats.org/officeDocument/2006/relationships">
+  <c:date1904 val="0"/>
+  <c:lang val="zh-CN"/>
+  <c:roundedCorners val="0"/>
+  <mc:AlternateContent xmlns:mc="http://schemas.openxmlformats.org/markup-compatibility/2006">
+    <mc:Choice xmlns:c14="http://schemas.microsoft.com/office/drawing/2007/8/2/chart" Requires="c14">
+      <c14:style val="102"/>
+    </mc:Choice>
+    <mc:Fallback>
+      <c:style val="2"/>
+    </mc:Fallback>
+  </mc:AlternateContent>
+  <c:chart>
+    <c:title>
+      <c:layout/>
+      <c:overlay val="0"/>
+      <c:spPr>
+        <a:noFill/>
+        <a:ln>
+          <a:noFill/>
+        </a:ln>
+        <a:effectLst/>
+      </c:spPr>
+      <c:txPr>
+        <a:bodyPr rot="0" spcFirstLastPara="0" vertOverflow="ellipsis" vert="horz" wrap="square" anchor="ctr" anchorCtr="1"/>
+        <a:lstStyle/>
+        <a:p>
+          <a:pPr>
+            <a:defRPr lang="en-US" sz="1400" b="1" i="0" u="none" strike="noStrike" kern="1200" baseline="0">
+              <a:solidFill>
+                <a:schemeClr val="tx1">
+                  <a:lumMod val="75000"/>
+                  <a:lumOff val="25000"/>
+                </a:schemeClr>
+              </a:solidFill>
+              <a:latin typeface="+mn-lt"/>
+              <a:ea typeface="+mn-ea"/>
+              <a:cs typeface="+mn-cs"/>
+            </a:defRPr>
+          </a:pPr>
+        </a:p>
+      </c:txPr>
+    </c:title>
+    <c:autoTitleDeleted val="0"/>
+    <c:plotArea>
+      <c:layout>
+        <c:manualLayout>
+          <c:layoutTarget val="inner"/>
+          <c:xMode val="edge"/>
+          <c:yMode val="edge"/>
+          <c:x val="0.0158388264785071"/>
+          <c:y val="0.11433611289288"/>
+          <c:w val="0.94609599851453"/>
+          <c:h val="0.727934573444516"/>
+        </c:manualLayout>
+      </c:layout>
+      <c:barChart>
+        <c:barDir val="col"/>
+        <c:grouping val="clustered"/>
+        <c:varyColors val="0"/>
+        <c:ser>
+          <c:idx val="0"/>
+          <c:order val="0"/>
+          <c:tx>
+            <c:strRef>
+              <c:f>Sheet1!$B$1</c:f>
+              <c:strCache>
+                <c:ptCount val="1"/>
+                <c:pt idx="0">
+                  <c:v>Series 1</c:v>
+                </c:pt>
+              </c:strCache>
+            </c:strRef>
+          </c:tx>
+          <c:spPr>
+            <a:solidFill>
+              <a:schemeClr val="accent1"/>
+            </a:solidFill>
+            <a:ln>
+              <a:noFill/>
+            </a:ln>
+            <a:effectLst/>
+          </c:spPr>
+          <c:invertIfNegative val="0"/>
+          <c:dLbls>
+            <c:delete val="1"/>
+          </c:dLbls>
+          <c:cat>
+            <c:strRef>
+              <c:f>Sheet1!$A$2:$A$5</c:f>
+              <c:strCache>
+                <c:ptCount val="4"/>
+                <c:pt idx="0">
+                  <c:v>Category 1</c:v>
+                </c:pt>
+                <c:pt idx="1">
+                  <c:v>Category 2</c:v>
+                </c:pt>
+                <c:pt idx="2">
+                  <c:v>Category 3</c:v>
+                </c:pt>
+                <c:pt idx="3">
+                  <c:v>Category 4</c:v>
+                </c:pt>
+              </c:strCache>
+            </c:strRef>
+          </c:cat>
+          <c:val>
+            <c:numRef>
+              <c:f>Sheet1!$B$2:$B$5</c:f>
+              <c:numCache>
+                <c:formatCode>General</c:formatCode>
+                <c:ptCount val="4"/>
+                <c:pt idx="0">
+                  <c:v>4.3</c:v>
+                </c:pt>
+                <c:pt idx="1">
+                  <c:v>2.5</c:v>
+                </c:pt>
+                <c:pt idx="2">
+                  <c:v>3.5</c:v>
+                </c:pt>
+                <c:pt idx="3">
+                  <c:v>4.5</c:v>
+                </c:pt>
+              </c:numCache>
+            </c:numRef>
+          </c:val>
+        </c:ser>
+        <c:ser>
+          <c:idx val="1"/>
+          <c:order val="1"/>
+          <c:tx>
+            <c:strRef>
+              <c:f>Sheet1!$C$1</c:f>
+              <c:strCache>
+                <c:ptCount val="1"/>
+                <c:pt idx="0">
+                  <c:v>Series 2</c:v>
+                </c:pt>
+              </c:strCache>
+            </c:strRef>
+          </c:tx>
+          <c:spPr>
+            <a:solidFill>
+              <a:schemeClr val="accent2"/>
+            </a:solidFill>
+            <a:ln>
+              <a:noFill/>
+            </a:ln>
+            <a:effectLst/>
+          </c:spPr>
+          <c:invertIfNegative val="0"/>
+          <c:dLbls>
+            <c:delete val="1"/>
+          </c:dLbls>
+          <c:cat>
+            <c:strRef>
+              <c:f>Sheet1!$A$2:$A$5</c:f>
+              <c:strCache>
+                <c:ptCount val="4"/>
+                <c:pt idx="0">
+                  <c:v>Category 1</c:v>
+                </c:pt>
+                <c:pt idx="1">
+                  <c:v>Category 2</c:v>
+                </c:pt>
+                <c:pt idx="2">
+                  <c:v>Category 3</c:v>
+                </c:pt>
+                <c:pt idx="3">
+                  <c:v>Category 4</c:v>
+                </c:pt>
+              </c:strCache>
+            </c:strRef>
+          </c:cat>
+          <c:val>
+            <c:numRef>
+              <c:f>Sheet1!$C$2:$C$5</c:f>
+              <c:numCache>
+                <c:formatCode>General</c:formatCode>
+                <c:ptCount val="4"/>
+                <c:pt idx="0">
+                  <c:v>2.4</c:v>
+                </c:pt>
+                <c:pt idx="1">
+                  <c:v>4.4</c:v>
+                </c:pt>
+                <c:pt idx="2">
+                  <c:v>1.8</c:v>
+                </c:pt>
+                <c:pt idx="3">
+                  <c:v>2.8</c:v>
+                </c:pt>
+              </c:numCache>
+            </c:numRef>
+          </c:val>
+        </c:ser>
+        <c:ser>
+          <c:idx val="2"/>
+          <c:order val="2"/>
+          <c:tx>
+            <c:strRef>
+              <c:f>Sheet1!$D$1</c:f>
+              <c:strCache>
+                <c:ptCount val="1"/>
+                <c:pt idx="0">
+                  <c:v>Series 3</c:v>
+                </c:pt>
+              </c:strCache>
+            </c:strRef>
+          </c:tx>
+          <c:spPr>
+            <a:solidFill>
+              <a:schemeClr val="accent3"/>
+            </a:solidFill>
+            <a:ln>
+              <a:noFill/>
+            </a:ln>
+            <a:effectLst/>
+          </c:spPr>
+          <c:invertIfNegative val="0"/>
+          <c:dLbls>
+            <c:delete val="1"/>
+          </c:dLbls>
+          <c:cat>
+            <c:strRef>
+              <c:f>Sheet1!$A$2:$A$5</c:f>
+              <c:strCache>
+                <c:ptCount val="4"/>
+                <c:pt idx="0">
+                  <c:v>Category 1</c:v>
+                </c:pt>
+                <c:pt idx="1">
+                  <c:v>Category 2</c:v>
+                </c:pt>
+                <c:pt idx="2">
+                  <c:v>Category 3</c:v>
+                </c:pt>
+                <c:pt idx="3">
+                  <c:v>Category 4</c:v>
+                </c:pt>
+              </c:strCache>
+            </c:strRef>
+          </c:cat>
+          <c:val>
+            <c:numRef>
+              <c:f>Sheet1!$D$2:$D$5</c:f>
+              <c:numCache>
+                <c:formatCode>General</c:formatCode>
+                <c:ptCount val="4"/>
+                <c:pt idx="0">
+                  <c:v>2</c:v>
+                </c:pt>
+                <c:pt idx="1">
+                  <c:v>2</c:v>
+                </c:pt>
+                <c:pt idx="2">
+                  <c:v>3</c:v>
+                </c:pt>
+                <c:pt idx="3">
+                  <c:v>5</c:v>
+                </c:pt>
+              </c:numCache>
+            </c:numRef>
+          </c:val>
+        </c:ser>
+        <c:dLbls>
+          <c:showLegendKey val="0"/>
+          <c:showVal val="0"/>
+          <c:showCatName val="0"/>
+          <c:showSerName val="0"/>
+          <c:showPercent val="0"/>
+          <c:showBubbleSize val="0"/>
+        </c:dLbls>
+        <c:gapWidth val="246"/>
+        <c:overlap val="-28"/>
+        <c:axId val="522256276"/>
+        <c:axId val="501909773"/>
+      </c:barChart>
+      <c:catAx>
+        <c:axId val="522256276"/>
+        <c:scaling>
+          <c:orientation val="minMax"/>
+        </c:scaling>
+        <c:delete val="0"/>
+        <c:axPos val="b"/>
+        <c:majorTickMark val="none"/>
+        <c:minorTickMark val="none"/>
+        <c:tickLblPos val="nextTo"/>
+        <c:spPr>
+          <a:noFill/>
+          <a:ln w="9525" cap="flat" cmpd="sng" algn="ctr">
+            <a:solidFill>
+              <a:schemeClr val="tx1">
+                <a:lumMod val="15000"/>
+                <a:lumOff val="85000"/>
+              </a:schemeClr>
+            </a:solidFill>
+            <a:round/>
+          </a:ln>
+          <a:effectLst/>
+        </c:spPr>
+        <c:txPr>
+          <a:bodyPr rot="-60000000" spcFirstLastPara="0" vertOverflow="ellipsis" vert="horz" wrap="square" anchor="ctr" anchorCtr="1"/>
+          <a:lstStyle/>
+          <a:p>
+            <a:pPr>
+              <a:defRPr lang="en-US" sz="900" b="0" i="0" u="none" strike="noStrike" kern="1200" baseline="0">
+                <a:solidFill>
+                  <a:schemeClr val="tx1">
+                    <a:lumMod val="65000"/>
+                    <a:lumOff val="35000"/>
+                  </a:schemeClr>
+                </a:solidFill>
+                <a:latin typeface="+mn-lt"/>
+                <a:ea typeface="+mn-ea"/>
+                <a:cs typeface="+mn-cs"/>
+              </a:defRPr>
+            </a:pPr>
+          </a:p>
+        </c:txPr>
+        <c:crossAx val="501909773"/>
+        <c:crosses val="autoZero"/>
+        <c:auto val="1"/>
+        <c:lblAlgn val="ctr"/>
+        <c:lblOffset val="100"/>
+        <c:noMultiLvlLbl val="0"/>
+      </c:catAx>
+      <c:valAx>
+        <c:axId val="501909773"/>
+        <c:scaling>
+          <c:orientation val="minMax"/>
+        </c:scaling>
+        <c:delete val="0"/>
+        <c:axPos val="l"/>
+        <c:majorGridlines>
+          <c:spPr>
+            <a:ln w="9525" cap="flat" cmpd="sng" algn="ctr">
+              <a:solidFill>
+                <a:schemeClr val="lt1">
+                  <a:lumMod val="90200"/>
+                </a:schemeClr>
+              </a:solidFill>
+              <a:round/>
+            </a:ln>
+            <a:effectLst/>
+          </c:spPr>
+        </c:majorGridlines>
+        <c:numFmt formatCode="General" sourceLinked="1"/>
+        <c:majorTickMark val="none"/>
+        <c:minorTickMark val="none"/>
+        <c:tickLblPos val="nextTo"/>
+        <c:spPr>
+          <a:noFill/>
+          <a:ln>
+            <a:noFill/>
+          </a:ln>
+          <a:effectLst/>
+        </c:spPr>
+        <c:txPr>
+          <a:bodyPr rot="-60000000" spcFirstLastPara="0" vertOverflow="ellipsis" vert="horz" wrap="square" anchor="ctr" anchorCtr="1"/>
+          <a:lstStyle/>
+          <a:p>
+            <a:pPr>
+              <a:defRPr lang="en-US" sz="900" b="0" i="0" u="none" strike="noStrike" kern="1200" baseline="0">
+                <a:solidFill>
+                  <a:schemeClr val="tx1">
+                    <a:lumMod val="65000"/>
+                    <a:lumOff val="35000"/>
+                  </a:schemeClr>
+                </a:solidFill>
+                <a:latin typeface="+mn-lt"/>
+                <a:ea typeface="+mn-ea"/>
+                <a:cs typeface="+mn-cs"/>
+              </a:defRPr>
+            </a:pPr>
+          </a:p>
+        </c:txPr>
+        <c:crossAx val="522256276"/>
+        <c:crosses val="autoZero"/>
+        <c:crossBetween val="between"/>
+      </c:valAx>
+      <c:spPr>
+        <a:noFill/>
+        <a:ln>
+          <a:noFill/>
+        </a:ln>
+        <a:effectLst/>
+      </c:spPr>
+    </c:plotArea>
+    <c:legend>
+      <c:legendPos val="b"/>
+      <c:layout/>
+      <c:overlay val="0"/>
+      <c:spPr>
+        <a:noFill/>
+        <a:ln>
+          <a:noFill/>
+        </a:ln>
+        <a:effectLst/>
+      </c:spPr>
+      <c:txPr>
+        <a:bodyPr rot="0" spcFirstLastPara="0" vertOverflow="ellipsis" vert="horz" wrap="square" anchor="ctr" anchorCtr="1"/>
+        <a:lstStyle/>
+        <a:p>
+          <a:pPr>
+            <a:defRPr lang="en-US" sz="900" b="0" i="0" u="none" strike="noStrike" kern="1200" baseline="0">
+              <a:solidFill>
+                <a:schemeClr val="tx1">
+                  <a:lumMod val="65000"/>
+                  <a:lumOff val="35000"/>
+                </a:schemeClr>
+              </a:solidFill>
+              <a:latin typeface="+mn-lt"/>
+              <a:ea typeface="+mn-ea"/>
+              <a:cs typeface="+mn-cs"/>
+            </a:defRPr>
+          </a:pPr>
+        </a:p>
+      </c:txPr>
+    </c:legend>
+    <c:plotVisOnly val="1"/>
+    <c:dispBlanksAs val="gap"/>
+    <c:showDLblsOverMax val="0"/>
+  </c:chart>
+  <c:spPr>
+    <a:noFill/>
+    <a:ln>
+      <a:noFill/>
+    </a:ln>
+    <a:effectLst/>
+  </c:spPr>
+  <c:txPr>
+    <a:bodyPr/>
+    <a:lstStyle/>
+    <a:p>
+      <a:pPr>
+        <a:defRPr lang="en-US"/>
+      </a:pPr>
+    </a:p>
+  </c:txPr>
+  <c:externalData r:id="rId1">
+    <c:autoUpdate val="0"/>
+  </c:externalData>
+</c:chartSpace>
 </file>
 
-<file path=ppt/comments/modernComment_10A_5A9FD94A.xml><?xml version="1.0" encoding="utf-8"?>
-<p188:cmLst xmlns:a="http://schemas.openxmlformats.org/drawingml/2006/main" xmlns:r="http://schemas.openxmlformats.org/officeDocument/2006/relationships" xmlns:p188="http://schemas.microsoft.com/office/powerpoint/2018/8/main">
-  <p188:cm id="{9371A245-C8AD-4C72-9C4D-30EA0BE22E5B}" authorId="{697A72BE-5857-848D-DD05-CBF7BCBECDD4}" status="resolved" created="2024-04-10T10:15:53.694">
-    <ac:txMkLst xmlns:ac="http://schemas.microsoft.com/office/drawing/2013/main/command">
-      <pc:docMk xmlns:pc="http://schemas.microsoft.com/office/powerpoint/2013/main/command"/>
-      <pc:sldMk xmlns:pc="http://schemas.microsoft.com/office/powerpoint/2013/main/command" cId="1520425290" sldId="266"/>
-      <ac:spMk id="8" creationId="{E378F7E2-909D-0D12-B87F-2B90220201C2}"/>
-      <ac:txMk cp="0" len="1">
-        <ac:context len="3" hash="30290284"/>
-      </ac:txMk>
-    </ac:txMkLst>
-    <p188:txBody>
-      <a:bodyPr/>
-      <a:lstStyle/>
-      <a:p>
-        <a:r>
-          <a:rPr lang="zh-CN" altLang="en-US"/>
-          <a:t>测试</a:t>
-        </a:r>
-      </a:p>
-    </p188:txBody>
-  </p188:cm>
-</p188:cmLst>
+<file path=ppt/charts/colors1.xml><?xml version="1.0" encoding="utf-8"?>
+<cs:colorStyle xmlns:cs="http://schemas.microsoft.com/office/drawing/2012/chartStyle" xmlns:a="http://schemas.openxmlformats.org/drawingml/2006/main" meth="cycle" id="10">
+  <a:schemeClr val="accent1"/>
+  <a:schemeClr val="accent2"/>
+  <a:schemeClr val="accent3"/>
+  <a:schemeClr val="accent4"/>
+  <a:schemeClr val="accent5"/>
+  <a:schemeClr val="accent6"/>
+  <cs:variation/>
+  <cs:variation>
+    <a:lumMod val="60000"/>
+  </cs:variation>
+  <cs:variation>
+    <a:lumMod val="80000"/>
+    <a:lumOff val="20000"/>
+  </cs:variation>
+  <cs:variation>
+    <a:lumMod val="80000"/>
+  </cs:variation>
+  <cs:variation>
+    <a:lumMod val="60000"/>
+    <a:lumOff val="40000"/>
+  </cs:variation>
+  <cs:variation>
+    <a:lumMod val="50000"/>
+  </cs:variation>
+  <cs:variation>
+    <a:lumMod val="70000"/>
+    <a:lumOff val="30000"/>
+  </cs:variation>
+  <cs:variation>
+    <a:lumMod val="70000"/>
+  </cs:variation>
+  <cs:variation>
+    <a:lumMod val="50000"/>
+    <a:lumOff val="50000"/>
+  </cs:variation>
+</cs:colorStyle>
+</file>
+
+<file path=ppt/charts/style1.xml><?xml version="1.0" encoding="utf-8"?>
+<cs:chartStyle xmlns:cs="http://schemas.microsoft.com/office/drawing/2012/chartStyle" xmlns:a="http://schemas.openxmlformats.org/drawingml/2006/main" id="10001">
+  <cs:axisTitle>
+    <cs:lnRef idx="0"/>
+    <cs:fillRef idx="0"/>
+    <cs:effectRef idx="0"/>
+    <cs:fontRef idx="minor">
+      <a:schemeClr val="tx1">
+        <a:lumMod val="65000"/>
+        <a:lumOff val="35000"/>
+      </a:schemeClr>
+    </cs:fontRef>
+    <cs:defRPr sz="1000" kern="1200"/>
+  </cs:axisTitle>
+  <cs:categoryAxis>
+    <cs:lnRef idx="0"/>
+    <cs:fillRef idx="0"/>
+    <cs:effectRef idx="0"/>
+    <cs:fontRef idx="minor">
+      <a:schemeClr val="tx1">
+        <a:lumMod val="65000"/>
+        <a:lumOff val="35000"/>
+      </a:schemeClr>
+    </cs:fontRef>
+    <cs:spPr>
+      <a:ln w="9525" cap="flat" cmpd="sng" algn="ctr">
+        <a:solidFill>
+          <a:schemeClr val="tx1">
+            <a:lumMod val="15000"/>
+            <a:lumOff val="85000"/>
+          </a:schemeClr>
+        </a:solidFill>
+        <a:round/>
+      </a:ln>
+    </cs:spPr>
+    <cs:defRPr sz="900" kern="1200"/>
+  </cs:categoryAxis>
+  <cs:chartArea mods="allowNoFillOverride allowNoLineOverride">
+    <cs:lnRef idx="0"/>
+    <cs:fillRef idx="0"/>
+    <cs:effectRef idx="0"/>
+    <cs:fontRef idx="minor">
+      <a:schemeClr val="tx1"/>
+    </cs:fontRef>
+    <cs:spPr>
+      <a:solidFill>
+        <a:schemeClr val="bg1"/>
+      </a:solidFill>
+      <a:ln w="9525" cap="flat" cmpd="sng" algn="ctr">
+        <a:solidFill>
+          <a:schemeClr val="tx1">
+            <a:lumMod val="15000"/>
+            <a:lumOff val="85000"/>
+          </a:schemeClr>
+        </a:solidFill>
+        <a:round/>
+      </a:ln>
+    </cs:spPr>
+    <cs:defRPr sz="1000" kern="1200"/>
+  </cs:chartArea>
+  <cs:dataLabel>
+    <cs:lnRef idx="0"/>
+    <cs:fillRef idx="0"/>
+    <cs:effectRef idx="0"/>
+    <cs:fontRef idx="minor">
+      <a:schemeClr val="tx1">
+        <a:lumMod val="75000"/>
+        <a:lumOff val="25000"/>
+      </a:schemeClr>
+    </cs:fontRef>
+    <cs:defRPr sz="1000" kern="1200"/>
+  </cs:dataLabel>
+  <cs:dataLabelCallout>
+    <cs:lnRef idx="0"/>
+    <cs:fillRef idx="0"/>
+    <cs:effectRef idx="0"/>
+    <cs:fontRef idx="minor">
+      <a:schemeClr val="dk1">
+        <a:lumMod val="65000"/>
+        <a:lumOff val="35000"/>
+      </a:schemeClr>
+    </cs:fontRef>
+    <cs:spPr>
+      <a:solidFill>
+        <a:schemeClr val="lt1"/>
+      </a:solidFill>
+      <a:ln>
+        <a:solidFill>
+          <a:schemeClr val="dk1">
+            <a:lumMod val="25000"/>
+            <a:lumOff val="75000"/>
+          </a:schemeClr>
+        </a:solidFill>
+      </a:ln>
+    </cs:spPr>
+    <cs:defRPr sz="1000" kern="1200"/>
+    <cs:bodyPr rot="0" spcFirstLastPara="1" vertOverflow="clip" horzOverflow="clip" vert="horz" wrap="square" lIns="36576" tIns="18288" rIns="36576" bIns="18288" anchor="ctr" anchorCtr="1">
+      <a:spAutoFit/>
+    </cs:bodyPr>
+  </cs:dataLabelCallout>
+  <cs:dataPoint>
+    <cs:lnRef idx="0">
+      <cs:styleClr val="auto"/>
+    </cs:lnRef>
+    <cs:fillRef idx="1">
+      <cs:styleClr val="auto"/>
+    </cs:fillRef>
+    <cs:effectRef idx="0"/>
+    <cs:fontRef idx="minor">
+      <a:schemeClr val="dk1"/>
+    </cs:fontRef>
+    <cs:spPr>
+      <a:ln>
+        <a:noFill/>
+      </a:ln>
+      <a:effectLst/>
+    </cs:spPr>
+  </cs:dataPoint>
+  <cs:dataPoint3D>
+    <cs:lnRef idx="0"/>
+    <cs:fillRef idx="1">
+      <cs:styleClr val="auto"/>
+    </cs:fillRef>
+    <cs:effectRef idx="0"/>
+    <cs:fontRef idx="minor">
+      <a:schemeClr val="tx1"/>
+    </cs:fontRef>
+  </cs:dataPoint3D>
+  <cs:dataPointLine>
+    <cs:lnRef idx="0">
+      <cs:styleClr val="auto"/>
+    </cs:lnRef>
+    <cs:fillRef idx="1"/>
+    <cs:effectRef idx="0"/>
+    <cs:fontRef idx="minor">
+      <a:schemeClr val="tx1"/>
+    </cs:fontRef>
+    <cs:spPr>
+      <a:ln w="28575" cap="rnd">
+        <a:solidFill>
+          <a:schemeClr val="phClr"/>
+        </a:solidFill>
+        <a:round/>
+      </a:ln>
+    </cs:spPr>
+  </cs:dataPointLine>
+  <cs:dataPointMarker>
+    <cs:lnRef idx="0">
+      <cs:styleClr val="auto"/>
+    </cs:lnRef>
+    <cs:fillRef idx="1">
+      <cs:styleClr val="auto"/>
+    </cs:fillRef>
+    <cs:effectRef idx="0"/>
+    <cs:fontRef idx="minor">
+      <a:schemeClr val="tx1"/>
+    </cs:fontRef>
+    <cs:spPr>
+      <a:ln w="9525">
+        <a:solidFill>
+          <a:schemeClr val="phClr"/>
+        </a:solidFill>
+      </a:ln>
+    </cs:spPr>
+  </cs:dataPointMarker>
+  <cs:dataPointMarkerLayout symbol="circle" size="5"/>
+  <cs:dataPointWireframe>
+    <cs:lnRef idx="0">
+      <cs:styleClr val="auto"/>
+    </cs:lnRef>
+    <cs:fillRef idx="1"/>
+    <cs:effectRef idx="0"/>
+    <cs:fontRef idx="minor">
+      <a:schemeClr val="tx1"/>
+    </cs:fontRef>
+    <cs:spPr>
+      <a:ln w="9525" cap="rnd">
+        <a:solidFill>
+          <a:schemeClr val="phClr"/>
+        </a:solidFill>
+        <a:round/>
+      </a:ln>
+    </cs:spPr>
+  </cs:dataPointWireframe>
+  <cs:dataTable>
+    <cs:lnRef idx="0"/>
+    <cs:fillRef idx="0"/>
+    <cs:effectRef idx="0"/>
+    <cs:fontRef idx="minor">
+      <a:schemeClr val="tx1">
+        <a:lumMod val="65000"/>
+        <a:lumOff val="35000"/>
+      </a:schemeClr>
+    </cs:fontRef>
+    <cs:spPr>
+      <a:noFill/>
+      <a:ln w="9525" cap="flat" cmpd="sng" algn="ctr">
+        <a:solidFill>
+          <a:schemeClr val="tx1">
+            <a:lumMod val="15000"/>
+            <a:lumOff val="85000"/>
+          </a:schemeClr>
+        </a:solidFill>
+        <a:round/>
+      </a:ln>
+    </cs:spPr>
+    <cs:defRPr sz="900" kern="1200"/>
+  </cs:dataTable>
+  <cs:downBar>
+    <cs:lnRef idx="0"/>
+    <cs:fillRef idx="0"/>
+    <cs:effectRef idx="0"/>
+    <cs:fontRef idx="minor">
+      <a:schemeClr val="dk1"/>
+    </cs:fontRef>
+    <cs:spPr>
+      <a:solidFill>
+        <a:schemeClr val="dk1">
+          <a:lumMod val="65000"/>
+          <a:lumOff val="35000"/>
+        </a:schemeClr>
+      </a:solidFill>
+      <a:ln w="9525">
+        <a:solidFill>
+          <a:schemeClr val="tx1">
+            <a:lumMod val="65000"/>
+            <a:lumOff val="35000"/>
+          </a:schemeClr>
+        </a:solidFill>
+      </a:ln>
+    </cs:spPr>
+  </cs:downBar>
+  <cs:dropLine>
+    <cs:lnRef idx="0"/>
+    <cs:fillRef idx="0"/>
+    <cs:effectRef idx="0"/>
+    <cs:fontRef idx="minor">
+      <a:schemeClr val="tx1"/>
+    </cs:fontRef>
+    <cs:spPr>
+      <a:ln w="9525" cap="flat" cmpd="sng" algn="ctr">
+        <a:solidFill>
+          <a:schemeClr val="tx1">
+            <a:lumMod val="35000"/>
+            <a:lumOff val="65000"/>
+          </a:schemeClr>
+        </a:solidFill>
+        <a:round/>
+      </a:ln>
+    </cs:spPr>
+  </cs:dropLine>
+  <cs:errorBar>
+    <cs:lnRef idx="0"/>
+    <cs:fillRef idx="0"/>
+    <cs:effectRef idx="0"/>
+    <cs:fontRef idx="minor">
+      <a:schemeClr val="tx1"/>
+    </cs:fontRef>
+    <cs:spPr>
+      <a:ln w="9525" cap="flat" cmpd="sng" algn="ctr">
+        <a:solidFill>
+          <a:schemeClr val="tx1">
+            <a:lumMod val="65000"/>
+            <a:lumOff val="35000"/>
+          </a:schemeClr>
+        </a:solidFill>
+        <a:round/>
+      </a:ln>
+    </cs:spPr>
+  </cs:errorBar>
+  <cs:floor>
+    <cs:lnRef idx="0"/>
+    <cs:fillRef idx="0"/>
+    <cs:effectRef idx="0"/>
+    <cs:fontRef idx="minor">
+      <a:schemeClr val="tx1"/>
+    </cs:fontRef>
+    <cs:spPr>
+      <a:noFill/>
+      <a:ln>
+        <a:noFill/>
+      </a:ln>
+    </cs:spPr>
+  </cs:floor>
+  <cs:gridlineMajor>
+    <cs:lnRef idx="0"/>
+    <cs:fillRef idx="0"/>
+    <cs:effectRef idx="0"/>
+    <cs:fontRef idx="minor">
+      <a:schemeClr val="tx1"/>
+    </cs:fontRef>
+    <cs:spPr>
+      <a:ln w="9525" cap="flat" cmpd="sng" algn="ctr">
+        <a:solidFill>
+          <a:schemeClr val="lt1">
+            <a:lumMod val="90200"/>
+          </a:schemeClr>
+        </a:solidFill>
+        <a:round/>
+      </a:ln>
+    </cs:spPr>
+  </cs:gridlineMajor>
+  <cs:gridlineMinor>
+    <cs:lnRef idx="0"/>
+    <cs:fillRef idx="0"/>
+    <cs:effectRef idx="0"/>
+    <cs:fontRef idx="minor">
+      <a:schemeClr val="tx1"/>
+    </cs:fontRef>
+    <cs:spPr>
+      <a:ln w="9525" cap="flat" cmpd="sng" algn="ctr">
+        <a:solidFill>
+          <a:schemeClr val="tx1">
+            <a:lumMod val="5000"/>
+            <a:lumOff val="95000"/>
+          </a:schemeClr>
+        </a:solidFill>
+        <a:round/>
+      </a:ln>
+    </cs:spPr>
+  </cs:gridlineMinor>
+  <cs:hiLoLine>
+    <cs:lnRef idx="0"/>
+    <cs:fillRef idx="0"/>
+    <cs:effectRef idx="0"/>
+    <cs:fontRef idx="minor">
+      <a:schemeClr val="tx1"/>
+    </cs:fontRef>
+    <cs:spPr>
+      <a:ln w="9525" cap="flat" cmpd="sng" algn="ctr">
+        <a:solidFill>
+          <a:schemeClr val="tx1">
+            <a:lumMod val="75000"/>
+            <a:lumOff val="25000"/>
+          </a:schemeClr>
+        </a:solidFill>
+        <a:round/>
+      </a:ln>
+    </cs:spPr>
+  </cs:hiLoLine>
+  <cs:leaderLine>
+    <cs:lnRef idx="0"/>
+    <cs:fillRef idx="0"/>
+    <cs:effectRef idx="0"/>
+    <cs:fontRef idx="minor">
+      <a:schemeClr val="tx1"/>
+    </cs:fontRef>
+    <cs:spPr>
+      <a:ln w="9525" cap="flat" cmpd="sng" algn="ctr">
+        <a:solidFill>
+          <a:schemeClr val="tx1">
+            <a:lumMod val="35000"/>
+            <a:lumOff val="65000"/>
+          </a:schemeClr>
+        </a:solidFill>
+        <a:round/>
+      </a:ln>
+    </cs:spPr>
+  </cs:leaderLine>
+  <cs:legend>
+    <cs:lnRef idx="0"/>
+    <cs:fillRef idx="0"/>
+    <cs:effectRef idx="0"/>
+    <cs:fontRef idx="minor">
+      <a:schemeClr val="tx1">
+        <a:lumMod val="65000"/>
+        <a:lumOff val="35000"/>
+      </a:schemeClr>
+    </cs:fontRef>
+    <cs:defRPr sz="900" kern="1200"/>
+  </cs:legend>
+  <cs:plotArea mods="allowNoFillOverride allowNoLineOverride">
+    <cs:lnRef idx="0"/>
+    <cs:fillRef idx="0"/>
+    <cs:effectRef idx="0"/>
+    <cs:fontRef idx="minor">
+      <a:schemeClr val="tx1"/>
+    </cs:fontRef>
+  </cs:plotArea>
+  <cs:plotArea3D mods="allowNoFillOverride allowNoLineOverride">
+    <cs:lnRef idx="0"/>
+    <cs:fillRef idx="0"/>
+    <cs:effectRef idx="0"/>
+    <cs:fontRef idx="minor">
+      <a:schemeClr val="tx1"/>
+    </cs:fontRef>
+  </cs:plotArea3D>
+  <cs:seriesAxis>
+    <cs:lnRef idx="0"/>
+    <cs:fillRef idx="0"/>
+    <cs:effectRef idx="0"/>
+    <cs:fontRef idx="minor">
+      <a:schemeClr val="tx1">
+        <a:lumMod val="65000"/>
+        <a:lumOff val="35000"/>
+      </a:schemeClr>
+    </cs:fontRef>
+    <cs:defRPr sz="900" kern="1200"/>
+  </cs:seriesAxis>
+  <cs:seriesLine>
+    <cs:lnRef idx="0"/>
+    <cs:fillRef idx="0"/>
+    <cs:effectRef idx="0"/>
+    <cs:fontRef idx="minor">
+      <a:schemeClr val="tx1"/>
+    </cs:fontRef>
+    <cs:spPr>
+      <a:ln w="9525" cap="flat" cmpd="sng" algn="ctr">
+        <a:solidFill>
+          <a:schemeClr val="tx1">
+            <a:lumMod val="35000"/>
+            <a:lumOff val="65000"/>
+          </a:schemeClr>
+        </a:solidFill>
+        <a:round/>
+      </a:ln>
+    </cs:spPr>
+  </cs:seriesLine>
+  <cs:title>
+    <cs:lnRef idx="0"/>
+    <cs:fillRef idx="0"/>
+    <cs:effectRef idx="0"/>
+    <cs:fontRef idx="minor">
+      <a:schemeClr val="tx1">
+        <a:lumMod val="75000"/>
+        <a:lumOff val="25000"/>
+      </a:schemeClr>
+    </cs:fontRef>
+    <cs:defRPr sz="1400" b="1" kern="1200" baseline="0"/>
+  </cs:title>
+  <cs:trendline>
+    <cs:lnRef idx="0">
+      <cs:styleClr val="auto"/>
+    </cs:lnRef>
+    <cs:fillRef idx="0"/>
+    <cs:effectRef idx="0"/>
+    <cs:fontRef idx="minor">
+      <a:schemeClr val="tx1"/>
+    </cs:fontRef>
+    <cs:spPr>
+      <a:ln w="19050" cap="rnd">
+        <a:solidFill>
+          <a:schemeClr val="phClr"/>
+        </a:solidFill>
+        <a:prstDash val="sysDot"/>
+      </a:ln>
+    </cs:spPr>
+  </cs:trendline>
+  <cs:trendlineLabel>
+    <cs:lnRef idx="0"/>
+    <cs:fillRef idx="0"/>
+    <cs:effectRef idx="0"/>
+    <cs:fontRef idx="minor">
+      <a:schemeClr val="tx1">
+        <a:lumMod val="65000"/>
+        <a:lumOff val="35000"/>
+      </a:schemeClr>
+    </cs:fontRef>
+    <cs:defRPr sz="900" kern="1200"/>
+  </cs:trendlineLabel>
+  <cs:upBar>
+    <cs:lnRef idx="0"/>
+    <cs:fillRef idx="0"/>
+    <cs:effectRef idx="0"/>
+    <cs:fontRef idx="minor">
+      <a:schemeClr val="dk1"/>
+    </cs:fontRef>
+    <cs:spPr>
+      <a:solidFill>
+        <a:schemeClr val="lt1"/>
+      </a:solidFill>
+      <a:ln w="9525">
+        <a:solidFill>
+          <a:schemeClr val="tx1">
+            <a:lumMod val="15000"/>
+            <a:lumOff val="85000"/>
+          </a:schemeClr>
+        </a:solidFill>
+      </a:ln>
+    </cs:spPr>
+  </cs:upBar>
+  <cs:valueAxis>
+    <cs:lnRef idx="0"/>
+    <cs:fillRef idx="0"/>
+    <cs:effectRef idx="0"/>
+    <cs:fontRef idx="minor">
+      <a:schemeClr val="tx1">
+        <a:lumMod val="65000"/>
+        <a:lumOff val="35000"/>
+      </a:schemeClr>
+    </cs:fontRef>
+    <cs:defRPr sz="900" kern="1200"/>
+  </cs:valueAxis>
+  <cs:wall>
+    <cs:lnRef idx="0"/>
+    <cs:fillRef idx="0"/>
+    <cs:effectRef idx="0"/>
+    <cs:fontRef idx="minor">
+      <a:schemeClr val="tx1"/>
+    </cs:fontRef>
+    <cs:spPr>
+      <a:noFill/>
+      <a:ln>
+        <a:noFill/>
+      </a:ln>
+    </cs:spPr>
+  </cs:wall>
+</cs:chartStyle>
 </file>
 
 <file path=ppt/notesMasters/notesMaster1.xml><?xml version="1.0" encoding="utf-8"?>
@@ -250,7 +1219,6 @@
           <a:p>
             <a:fld id="{561015B1-ED29-F04F-B696-7C731FF4B4B4}" type="datetimeFigureOut">
               <a:rPr kumimoji="1" lang="zh-CN" altLang="en-US" smtClean="0"/>
-              <a:t>2024/4/23</a:t>
             </a:fld>
             <a:endParaRPr kumimoji="1" lang="zh-CN" altLang="en-US"/>
           </a:p>
@@ -317,6 +1285,7 @@
               <a:rPr kumimoji="1" lang="zh-CN" altLang="en-US"/>
               <a:t>单击此处编辑母版文本样式</a:t>
             </a:r>
+            <a:endParaRPr kumimoji="1" lang="zh-CN" altLang="en-US"/>
           </a:p>
           <a:p>
             <a:pPr lvl="1"/>
@@ -324,6 +1293,7 @@
               <a:rPr kumimoji="1" lang="zh-CN" altLang="en-US"/>
               <a:t>二级</a:t>
             </a:r>
+            <a:endParaRPr kumimoji="1" lang="zh-CN" altLang="en-US"/>
           </a:p>
           <a:p>
             <a:pPr lvl="2"/>
@@ -331,6 +1301,7 @@
               <a:rPr kumimoji="1" lang="zh-CN" altLang="en-US"/>
               <a:t>三级</a:t>
             </a:r>
+            <a:endParaRPr kumimoji="1" lang="zh-CN" altLang="en-US"/>
           </a:p>
           <a:p>
             <a:pPr lvl="3"/>
@@ -338,6 +1309,7 @@
               <a:rPr kumimoji="1" lang="zh-CN" altLang="en-US"/>
               <a:t>四级</a:t>
             </a:r>
+            <a:endParaRPr kumimoji="1" lang="zh-CN" altLang="en-US"/>
           </a:p>
           <a:p>
             <a:pPr lvl="4"/>
@@ -345,6 +1317,7 @@
               <a:rPr kumimoji="1" lang="zh-CN" altLang="en-US"/>
               <a:t>五级</a:t>
             </a:r>
+            <a:endParaRPr kumimoji="1" lang="zh-CN" altLang="en-US"/>
           </a:p>
         </p:txBody>
       </p:sp>
@@ -408,18 +1381,12 @@
           <a:p>
             <a:fld id="{29A2EA3A-C21D-4443-B731-4F3262AB6BC7}" type="slidenum">
               <a:rPr kumimoji="1" lang="zh-CN" altLang="en-US" smtClean="0"/>
-              <a:t>‹#›</a:t>
             </a:fld>
             <a:endParaRPr kumimoji="1" lang="zh-CN" altLang="en-US"/>
           </a:p>
         </p:txBody>
       </p:sp>
     </p:spTree>
-    <p:extLst>
-      <p:ext uri="{BB962C8B-B14F-4D97-AF65-F5344CB8AC3E}">
-        <p14:creationId xmlns:p14="http://schemas.microsoft.com/office/powerpoint/2010/main" val="57284131"/>
-      </p:ext>
-    </p:extLst>
   </p:cSld>
   <p:clrMap bg1="lt1" tx1="dk1" bg2="lt2" tx2="dk2" accent1="accent1" accent2="accent2" accent3="accent3" accent4="accent4" accent5="accent5" accent6="accent6" hlink="hlink" folHlink="folHlink"/>
   <p:notesStyle>
@@ -582,18 +1549,12 @@
           <a:p>
             <a:fld id="{29A2EA3A-C21D-4443-B731-4F3262AB6BC7}" type="slidenum">
               <a:rPr kumimoji="1" lang="zh-CN" altLang="en-US" smtClean="0"/>
-              <a:t>1</a:t>
             </a:fld>
             <a:endParaRPr kumimoji="1" lang="zh-CN" altLang="en-US"/>
           </a:p>
         </p:txBody>
       </p:sp>
     </p:spTree>
-    <p:extLst>
-      <p:ext uri="{BB962C8B-B14F-4D97-AF65-F5344CB8AC3E}">
-        <p14:creationId xmlns:p14="http://schemas.microsoft.com/office/powerpoint/2010/main" val="275730991"/>
-      </p:ext>
-    </p:extLst>
   </p:cSld>
   <p:clrMapOvr>
     <a:masterClrMapping/>
@@ -653,13 +1614,7 @@
       </p:grpSpPr>
       <p:sp>
         <p:nvSpPr>
-          <p:cNvPr id="2" name="标题 1">
-            <a:extLst>
-              <a:ext uri="{FF2B5EF4-FFF2-40B4-BE49-F238E27FC236}">
-                <a16:creationId xmlns:a16="http://schemas.microsoft.com/office/drawing/2014/main" id="{6B76BFB2-9D4E-1B19-BBE7-B24BBDB06A7D}"/>
-              </a:ext>
-            </a:extLst>
-          </p:cNvPr>
+          <p:cNvPr id="2" name="标题 1"/>
           <p:cNvSpPr>
             <a:spLocks noGrp="1"/>
           </p:cNvSpPr>
@@ -685,18 +1640,13 @@
               <a:rPr lang="zh-CN" altLang="en-US" dirty="0"/>
               <a:t>单击此处编辑母版标题样式</a:t>
             </a:r>
-          </a:p>
-        </p:txBody>
-      </p:sp>
-      <p:sp>
-        <p:nvSpPr>
-          <p:cNvPr id="3" name="副标题 2">
-            <a:extLst>
-              <a:ext uri="{FF2B5EF4-FFF2-40B4-BE49-F238E27FC236}">
-                <a16:creationId xmlns:a16="http://schemas.microsoft.com/office/drawing/2014/main" id="{BB408723-3B44-A335-C7A7-18F453DBF8BD}"/>
-              </a:ext>
-            </a:extLst>
-          </p:cNvPr>
+            <a:endParaRPr lang="zh-CN" altLang="en-US" dirty="0"/>
+          </a:p>
+        </p:txBody>
+      </p:sp>
+      <p:sp>
+        <p:nvSpPr>
+          <p:cNvPr id="3" name="副标题 2"/>
           <p:cNvSpPr>
             <a:spLocks noGrp="1"/>
           </p:cNvSpPr>
@@ -755,18 +1705,13 @@
               <a:rPr lang="zh-CN" altLang="en-US"/>
               <a:t>单击此处编辑母版副标题样式</a:t>
             </a:r>
-          </a:p>
-        </p:txBody>
-      </p:sp>
-      <p:sp>
-        <p:nvSpPr>
-          <p:cNvPr id="4" name="日期占位符 3">
-            <a:extLst>
-              <a:ext uri="{FF2B5EF4-FFF2-40B4-BE49-F238E27FC236}">
-                <a16:creationId xmlns:a16="http://schemas.microsoft.com/office/drawing/2014/main" id="{30EB701E-D599-D955-7CBB-5E5D2E387363}"/>
-              </a:ext>
-            </a:extLst>
-          </p:cNvPr>
+            <a:endParaRPr lang="zh-CN" altLang="en-US"/>
+          </a:p>
+        </p:txBody>
+      </p:sp>
+      <p:sp>
+        <p:nvSpPr>
+          <p:cNvPr id="4" name="日期占位符 3"/>
           <p:cNvSpPr>
             <a:spLocks noGrp="1"/>
           </p:cNvSpPr>
@@ -781,7 +1726,6 @@
           <a:p>
             <a:fld id="{DEDA17D1-6590-4570-9DF1-29A4B3C6B8EE}" type="datetimeFigureOut">
               <a:rPr lang="zh-CN" altLang="en-US" smtClean="0"/>
-              <a:t>2024/4/23</a:t>
             </a:fld>
             <a:endParaRPr lang="zh-CN" altLang="en-US"/>
           </a:p>
@@ -789,13 +1733,7 @@
       </p:sp>
       <p:sp>
         <p:nvSpPr>
-          <p:cNvPr id="5" name="页脚占位符 4">
-            <a:extLst>
-              <a:ext uri="{FF2B5EF4-FFF2-40B4-BE49-F238E27FC236}">
-                <a16:creationId xmlns:a16="http://schemas.microsoft.com/office/drawing/2014/main" id="{FB0E0478-150A-DA41-01CA-6360459BD94B}"/>
-              </a:ext>
-            </a:extLst>
-          </p:cNvPr>
+          <p:cNvPr id="5" name="页脚占位符 4"/>
           <p:cNvSpPr>
             <a:spLocks noGrp="1"/>
           </p:cNvSpPr>
@@ -814,13 +1752,7 @@
       </p:sp>
       <p:sp>
         <p:nvSpPr>
-          <p:cNvPr id="6" name="灯片编号占位符 5">
-            <a:extLst>
-              <a:ext uri="{FF2B5EF4-FFF2-40B4-BE49-F238E27FC236}">
-                <a16:creationId xmlns:a16="http://schemas.microsoft.com/office/drawing/2014/main" id="{9CAF1F3A-5864-E18F-E01D-04E592ECE6DD}"/>
-              </a:ext>
-            </a:extLst>
-          </p:cNvPr>
+          <p:cNvPr id="6" name="灯片编号占位符 5"/>
           <p:cNvSpPr>
             <a:spLocks noGrp="1"/>
           </p:cNvSpPr>
@@ -835,7 +1767,6 @@
           <a:p>
             <a:fld id="{2ED1A831-4F8E-4053-B593-46016C4082BA}" type="slidenum">
               <a:rPr lang="zh-CN" altLang="en-US" smtClean="0"/>
-              <a:t>‹#›</a:t>
             </a:fld>
             <a:endParaRPr lang="zh-CN" altLang="en-US"/>
           </a:p>
@@ -843,13 +1774,7 @@
       </p:sp>
       <p:sp>
         <p:nvSpPr>
-          <p:cNvPr id="7" name="椭圆 6">
-            <a:extLst>
-              <a:ext uri="{FF2B5EF4-FFF2-40B4-BE49-F238E27FC236}">
-                <a16:creationId xmlns:a16="http://schemas.microsoft.com/office/drawing/2014/main" id="{F96A60A9-ADE7-AE42-A1B7-363962AD1340}"/>
-              </a:ext>
-            </a:extLst>
-          </p:cNvPr>
+          <p:cNvPr id="7" name="椭圆 6"/>
           <p:cNvSpPr/>
           <p:nvPr userDrawn="1"/>
         </p:nvSpPr>
@@ -887,15 +1812,11 @@
               <a:rPr kumimoji="1" lang="zh-CN" altLang="en-US" dirty="0"/>
               <a:t>母版</a:t>
             </a:r>
+            <a:endParaRPr kumimoji="1" lang="zh-CN" altLang="en-US" dirty="0"/>
           </a:p>
         </p:txBody>
       </p:sp>
     </p:spTree>
-    <p:extLst>
-      <p:ext uri="{BB962C8B-B14F-4D97-AF65-F5344CB8AC3E}">
-        <p14:creationId xmlns:p14="http://schemas.microsoft.com/office/powerpoint/2010/main" val="1385135504"/>
-      </p:ext>
-    </p:extLst>
   </p:cSld>
   <p:clrMapOvr>
     <a:masterClrMapping/>
@@ -922,13 +1843,7 @@
       </p:grpSpPr>
       <p:sp>
         <p:nvSpPr>
-          <p:cNvPr id="2" name="标题 1">
-            <a:extLst>
-              <a:ext uri="{FF2B5EF4-FFF2-40B4-BE49-F238E27FC236}">
-                <a16:creationId xmlns:a16="http://schemas.microsoft.com/office/drawing/2014/main" id="{27D5790F-C323-1487-AFF2-59924E779CD6}"/>
-              </a:ext>
-            </a:extLst>
-          </p:cNvPr>
+          <p:cNvPr id="2" name="标题 1"/>
           <p:cNvSpPr>
             <a:spLocks noGrp="1"/>
           </p:cNvSpPr>
@@ -945,18 +1860,13 @@
               <a:rPr lang="zh-CN" altLang="en-US"/>
               <a:t>单击此处编辑母版标题样式</a:t>
             </a:r>
-          </a:p>
-        </p:txBody>
-      </p:sp>
-      <p:sp>
-        <p:nvSpPr>
-          <p:cNvPr id="3" name="竖排文字占位符 2">
-            <a:extLst>
-              <a:ext uri="{FF2B5EF4-FFF2-40B4-BE49-F238E27FC236}">
-                <a16:creationId xmlns:a16="http://schemas.microsoft.com/office/drawing/2014/main" id="{C07A0686-9EA6-2343-7D2F-EBD4B63E93AB}"/>
-              </a:ext>
-            </a:extLst>
-          </p:cNvPr>
+            <a:endParaRPr lang="zh-CN" altLang="en-US"/>
+          </a:p>
+        </p:txBody>
+      </p:sp>
+      <p:sp>
+        <p:nvSpPr>
+          <p:cNvPr id="3" name="竖排文字占位符 2"/>
           <p:cNvSpPr>
             <a:spLocks noGrp="1"/>
           </p:cNvSpPr>
@@ -974,6 +1884,7 @@
               <a:rPr lang="zh-CN" altLang="en-US"/>
               <a:t>单击此处编辑母版文本样式</a:t>
             </a:r>
+            <a:endParaRPr lang="zh-CN" altLang="en-US"/>
           </a:p>
           <a:p>
             <a:pPr lvl="1"/>
@@ -981,6 +1892,7 @@
               <a:rPr lang="zh-CN" altLang="en-US"/>
               <a:t>二级</a:t>
             </a:r>
+            <a:endParaRPr lang="zh-CN" altLang="en-US"/>
           </a:p>
           <a:p>
             <a:pPr lvl="2"/>
@@ -988,6 +1900,7 @@
               <a:rPr lang="zh-CN" altLang="en-US"/>
               <a:t>三级</a:t>
             </a:r>
+            <a:endParaRPr lang="zh-CN" altLang="en-US"/>
           </a:p>
           <a:p>
             <a:pPr lvl="3"/>
@@ -995,6 +1908,7 @@
               <a:rPr lang="zh-CN" altLang="en-US"/>
               <a:t>四级</a:t>
             </a:r>
+            <a:endParaRPr lang="zh-CN" altLang="en-US"/>
           </a:p>
           <a:p>
             <a:pPr lvl="4"/>
@@ -1002,18 +1916,13 @@
               <a:rPr lang="zh-CN" altLang="en-US"/>
               <a:t>五级</a:t>
             </a:r>
-          </a:p>
-        </p:txBody>
-      </p:sp>
-      <p:sp>
-        <p:nvSpPr>
-          <p:cNvPr id="4" name="日期占位符 3">
-            <a:extLst>
-              <a:ext uri="{FF2B5EF4-FFF2-40B4-BE49-F238E27FC236}">
-                <a16:creationId xmlns:a16="http://schemas.microsoft.com/office/drawing/2014/main" id="{3F4709AE-C530-E162-79C0-F264952750C7}"/>
-              </a:ext>
-            </a:extLst>
-          </p:cNvPr>
+            <a:endParaRPr lang="zh-CN" altLang="en-US"/>
+          </a:p>
+        </p:txBody>
+      </p:sp>
+      <p:sp>
+        <p:nvSpPr>
+          <p:cNvPr id="4" name="日期占位符 3"/>
           <p:cNvSpPr>
             <a:spLocks noGrp="1"/>
           </p:cNvSpPr>
@@ -1028,7 +1937,6 @@
           <a:p>
             <a:fld id="{DEDA17D1-6590-4570-9DF1-29A4B3C6B8EE}" type="datetimeFigureOut">
               <a:rPr lang="zh-CN" altLang="en-US" smtClean="0"/>
-              <a:t>2024/4/23</a:t>
             </a:fld>
             <a:endParaRPr lang="zh-CN" altLang="en-US"/>
           </a:p>
@@ -1036,13 +1944,7 @@
       </p:sp>
       <p:sp>
         <p:nvSpPr>
-          <p:cNvPr id="5" name="页脚占位符 4">
-            <a:extLst>
-              <a:ext uri="{FF2B5EF4-FFF2-40B4-BE49-F238E27FC236}">
-                <a16:creationId xmlns:a16="http://schemas.microsoft.com/office/drawing/2014/main" id="{5FA7B673-A115-3646-06D4-244FAE974768}"/>
-              </a:ext>
-            </a:extLst>
-          </p:cNvPr>
+          <p:cNvPr id="5" name="页脚占位符 4"/>
           <p:cNvSpPr>
             <a:spLocks noGrp="1"/>
           </p:cNvSpPr>
@@ -1061,13 +1963,7 @@
       </p:sp>
       <p:sp>
         <p:nvSpPr>
-          <p:cNvPr id="6" name="灯片编号占位符 5">
-            <a:extLst>
-              <a:ext uri="{FF2B5EF4-FFF2-40B4-BE49-F238E27FC236}">
-                <a16:creationId xmlns:a16="http://schemas.microsoft.com/office/drawing/2014/main" id="{0F712888-4FDC-C201-732F-FEA6B7D826B0}"/>
-              </a:ext>
-            </a:extLst>
-          </p:cNvPr>
+          <p:cNvPr id="6" name="灯片编号占位符 5"/>
           <p:cNvSpPr>
             <a:spLocks noGrp="1"/>
           </p:cNvSpPr>
@@ -1082,18 +1978,12 @@
           <a:p>
             <a:fld id="{2ED1A831-4F8E-4053-B593-46016C4082BA}" type="slidenum">
               <a:rPr lang="zh-CN" altLang="en-US" smtClean="0"/>
-              <a:t>‹#›</a:t>
             </a:fld>
             <a:endParaRPr lang="zh-CN" altLang="en-US"/>
           </a:p>
         </p:txBody>
       </p:sp>
     </p:spTree>
-    <p:extLst>
-      <p:ext uri="{BB962C8B-B14F-4D97-AF65-F5344CB8AC3E}">
-        <p14:creationId xmlns:p14="http://schemas.microsoft.com/office/powerpoint/2010/main" val="1492594916"/>
-      </p:ext>
-    </p:extLst>
   </p:cSld>
   <p:clrMapOvr>
     <a:masterClrMapping/>
@@ -1120,13 +2010,7 @@
       </p:grpSpPr>
       <p:sp>
         <p:nvSpPr>
-          <p:cNvPr id="2" name="竖排标题 1">
-            <a:extLst>
-              <a:ext uri="{FF2B5EF4-FFF2-40B4-BE49-F238E27FC236}">
-                <a16:creationId xmlns:a16="http://schemas.microsoft.com/office/drawing/2014/main" id="{A73EEB62-C5AC-7943-6D07-79C36D843F1A}"/>
-              </a:ext>
-            </a:extLst>
-          </p:cNvPr>
+          <p:cNvPr id="2" name="竖排标题 1"/>
           <p:cNvSpPr>
             <a:spLocks noGrp="1"/>
           </p:cNvSpPr>
@@ -1148,18 +2032,13 @@
               <a:rPr lang="zh-CN" altLang="en-US"/>
               <a:t>单击此处编辑母版标题样式</a:t>
             </a:r>
-          </a:p>
-        </p:txBody>
-      </p:sp>
-      <p:sp>
-        <p:nvSpPr>
-          <p:cNvPr id="3" name="竖排文字占位符 2">
-            <a:extLst>
-              <a:ext uri="{FF2B5EF4-FFF2-40B4-BE49-F238E27FC236}">
-                <a16:creationId xmlns:a16="http://schemas.microsoft.com/office/drawing/2014/main" id="{DD158AFD-E61A-2C5A-2A4C-5DC875EDACAD}"/>
-              </a:ext>
-            </a:extLst>
-          </p:cNvPr>
+            <a:endParaRPr lang="zh-CN" altLang="en-US"/>
+          </a:p>
+        </p:txBody>
+      </p:sp>
+      <p:sp>
+        <p:nvSpPr>
+          <p:cNvPr id="3" name="竖排文字占位符 2"/>
           <p:cNvSpPr>
             <a:spLocks noGrp="1"/>
           </p:cNvSpPr>
@@ -1182,6 +2061,7 @@
               <a:rPr lang="zh-CN" altLang="en-US"/>
               <a:t>单击此处编辑母版文本样式</a:t>
             </a:r>
+            <a:endParaRPr lang="zh-CN" altLang="en-US"/>
           </a:p>
           <a:p>
             <a:pPr lvl="1"/>
@@ -1189,6 +2069,7 @@
               <a:rPr lang="zh-CN" altLang="en-US"/>
               <a:t>二级</a:t>
             </a:r>
+            <a:endParaRPr lang="zh-CN" altLang="en-US"/>
           </a:p>
           <a:p>
             <a:pPr lvl="2"/>
@@ -1196,6 +2077,7 @@
               <a:rPr lang="zh-CN" altLang="en-US"/>
               <a:t>三级</a:t>
             </a:r>
+            <a:endParaRPr lang="zh-CN" altLang="en-US"/>
           </a:p>
           <a:p>
             <a:pPr lvl="3"/>
@@ -1203,6 +2085,7 @@
               <a:rPr lang="zh-CN" altLang="en-US"/>
               <a:t>四级</a:t>
             </a:r>
+            <a:endParaRPr lang="zh-CN" altLang="en-US"/>
           </a:p>
           <a:p>
             <a:pPr lvl="4"/>
@@ -1210,18 +2093,13 @@
               <a:rPr lang="zh-CN" altLang="en-US"/>
               <a:t>五级</a:t>
             </a:r>
-          </a:p>
-        </p:txBody>
-      </p:sp>
-      <p:sp>
-        <p:nvSpPr>
-          <p:cNvPr id="4" name="日期占位符 3">
-            <a:extLst>
-              <a:ext uri="{FF2B5EF4-FFF2-40B4-BE49-F238E27FC236}">
-                <a16:creationId xmlns:a16="http://schemas.microsoft.com/office/drawing/2014/main" id="{F99084C4-AFAD-AC6E-0F16-C3AEA4972892}"/>
-              </a:ext>
-            </a:extLst>
-          </p:cNvPr>
+            <a:endParaRPr lang="zh-CN" altLang="en-US"/>
+          </a:p>
+        </p:txBody>
+      </p:sp>
+      <p:sp>
+        <p:nvSpPr>
+          <p:cNvPr id="4" name="日期占位符 3"/>
           <p:cNvSpPr>
             <a:spLocks noGrp="1"/>
           </p:cNvSpPr>
@@ -1236,7 +2114,6 @@
           <a:p>
             <a:fld id="{DEDA17D1-6590-4570-9DF1-29A4B3C6B8EE}" type="datetimeFigureOut">
               <a:rPr lang="zh-CN" altLang="en-US" smtClean="0"/>
-              <a:t>2024/4/23</a:t>
             </a:fld>
             <a:endParaRPr lang="zh-CN" altLang="en-US"/>
           </a:p>
@@ -1244,13 +2121,7 @@
       </p:sp>
       <p:sp>
         <p:nvSpPr>
-          <p:cNvPr id="5" name="页脚占位符 4">
-            <a:extLst>
-              <a:ext uri="{FF2B5EF4-FFF2-40B4-BE49-F238E27FC236}">
-                <a16:creationId xmlns:a16="http://schemas.microsoft.com/office/drawing/2014/main" id="{1A933021-F879-7FD1-F8AE-B0445DAC3D29}"/>
-              </a:ext>
-            </a:extLst>
-          </p:cNvPr>
+          <p:cNvPr id="5" name="页脚占位符 4"/>
           <p:cNvSpPr>
             <a:spLocks noGrp="1"/>
           </p:cNvSpPr>
@@ -1269,13 +2140,7 @@
       </p:sp>
       <p:sp>
         <p:nvSpPr>
-          <p:cNvPr id="6" name="灯片编号占位符 5">
-            <a:extLst>
-              <a:ext uri="{FF2B5EF4-FFF2-40B4-BE49-F238E27FC236}">
-                <a16:creationId xmlns:a16="http://schemas.microsoft.com/office/drawing/2014/main" id="{53F85A25-E0EE-4CFE-7D37-26FDAE1CA841}"/>
-              </a:ext>
-            </a:extLst>
-          </p:cNvPr>
+          <p:cNvPr id="6" name="灯片编号占位符 5"/>
           <p:cNvSpPr>
             <a:spLocks noGrp="1"/>
           </p:cNvSpPr>
@@ -1290,18 +2155,12 @@
           <a:p>
             <a:fld id="{2ED1A831-4F8E-4053-B593-46016C4082BA}" type="slidenum">
               <a:rPr lang="zh-CN" altLang="en-US" smtClean="0"/>
-              <a:t>‹#›</a:t>
             </a:fld>
             <a:endParaRPr lang="zh-CN" altLang="en-US"/>
           </a:p>
         </p:txBody>
       </p:sp>
     </p:spTree>
-    <p:extLst>
-      <p:ext uri="{BB962C8B-B14F-4D97-AF65-F5344CB8AC3E}">
-        <p14:creationId xmlns:p14="http://schemas.microsoft.com/office/powerpoint/2010/main" val="3395340554"/>
-      </p:ext>
-    </p:extLst>
   </p:cSld>
   <p:clrMapOvr>
     <a:masterClrMapping/>
@@ -1328,13 +2187,7 @@
       </p:grpSpPr>
       <p:sp>
         <p:nvSpPr>
-          <p:cNvPr id="2" name="标题 1">
-            <a:extLst>
-              <a:ext uri="{FF2B5EF4-FFF2-40B4-BE49-F238E27FC236}">
-                <a16:creationId xmlns:a16="http://schemas.microsoft.com/office/drawing/2014/main" id="{5B1A245D-7311-AAD6-2739-B9B783262D94}"/>
-              </a:ext>
-            </a:extLst>
-          </p:cNvPr>
+          <p:cNvPr id="2" name="标题 1"/>
           <p:cNvSpPr>
             <a:spLocks noGrp="1"/>
           </p:cNvSpPr>
@@ -1351,18 +2204,13 @@
               <a:rPr lang="zh-CN" altLang="en-US"/>
               <a:t>单击此处编辑母版标题样式</a:t>
             </a:r>
-          </a:p>
-        </p:txBody>
-      </p:sp>
-      <p:sp>
-        <p:nvSpPr>
-          <p:cNvPr id="3" name="日期占位符 2">
-            <a:extLst>
-              <a:ext uri="{FF2B5EF4-FFF2-40B4-BE49-F238E27FC236}">
-                <a16:creationId xmlns:a16="http://schemas.microsoft.com/office/drawing/2014/main" id="{21BCB97E-0452-4E13-3D13-58909304FAE0}"/>
-              </a:ext>
-            </a:extLst>
-          </p:cNvPr>
+            <a:endParaRPr lang="zh-CN" altLang="en-US"/>
+          </a:p>
+        </p:txBody>
+      </p:sp>
+      <p:sp>
+        <p:nvSpPr>
+          <p:cNvPr id="3" name="日期占位符 2"/>
           <p:cNvSpPr>
             <a:spLocks noGrp="1"/>
           </p:cNvSpPr>
@@ -1377,7 +2225,6 @@
           <a:p>
             <a:fld id="{DEDA17D1-6590-4570-9DF1-29A4B3C6B8EE}" type="datetimeFigureOut">
               <a:rPr lang="zh-CN" altLang="en-US" smtClean="0"/>
-              <a:t>2024/4/23</a:t>
             </a:fld>
             <a:endParaRPr lang="zh-CN" altLang="en-US"/>
           </a:p>
@@ -1385,13 +2232,7 @@
       </p:sp>
       <p:sp>
         <p:nvSpPr>
-          <p:cNvPr id="4" name="页脚占位符 3">
-            <a:extLst>
-              <a:ext uri="{FF2B5EF4-FFF2-40B4-BE49-F238E27FC236}">
-                <a16:creationId xmlns:a16="http://schemas.microsoft.com/office/drawing/2014/main" id="{747AF16C-AF39-8409-2AB0-AE2142B3C150}"/>
-              </a:ext>
-            </a:extLst>
-          </p:cNvPr>
+          <p:cNvPr id="4" name="页脚占位符 3"/>
           <p:cNvSpPr>
             <a:spLocks noGrp="1"/>
           </p:cNvSpPr>
@@ -1410,13 +2251,7 @@
       </p:sp>
       <p:sp>
         <p:nvSpPr>
-          <p:cNvPr id="5" name="灯片编号占位符 4">
-            <a:extLst>
-              <a:ext uri="{FF2B5EF4-FFF2-40B4-BE49-F238E27FC236}">
-                <a16:creationId xmlns:a16="http://schemas.microsoft.com/office/drawing/2014/main" id="{7ADA4555-3463-D335-547C-CDE3F1FA6625}"/>
-              </a:ext>
-            </a:extLst>
-          </p:cNvPr>
+          <p:cNvPr id="5" name="灯片编号占位符 4"/>
           <p:cNvSpPr>
             <a:spLocks noGrp="1"/>
           </p:cNvSpPr>
@@ -1431,18 +2266,12 @@
           <a:p>
             <a:fld id="{2ED1A831-4F8E-4053-B593-46016C4082BA}" type="slidenum">
               <a:rPr lang="zh-CN" altLang="en-US" smtClean="0"/>
-              <a:t>‹#›</a:t>
             </a:fld>
             <a:endParaRPr lang="zh-CN" altLang="en-US"/>
           </a:p>
         </p:txBody>
       </p:sp>
     </p:spTree>
-    <p:extLst>
-      <p:ext uri="{BB962C8B-B14F-4D97-AF65-F5344CB8AC3E}">
-        <p14:creationId xmlns:p14="http://schemas.microsoft.com/office/powerpoint/2010/main" val="2503157527"/>
-      </p:ext>
-    </p:extLst>
   </p:cSld>
   <p:clrMapOvr>
     <a:masterClrMapping/>
@@ -1469,13 +2298,7 @@
       </p:grpSpPr>
       <p:sp>
         <p:nvSpPr>
-          <p:cNvPr id="2" name="标题 1">
-            <a:extLst>
-              <a:ext uri="{FF2B5EF4-FFF2-40B4-BE49-F238E27FC236}">
-                <a16:creationId xmlns:a16="http://schemas.microsoft.com/office/drawing/2014/main" id="{C520C3FD-01AC-858E-F400-B8059397F267}"/>
-              </a:ext>
-            </a:extLst>
-          </p:cNvPr>
+          <p:cNvPr id="2" name="标题 1"/>
           <p:cNvSpPr>
             <a:spLocks noGrp="1"/>
           </p:cNvSpPr>
@@ -1501,18 +2324,13 @@
               <a:rPr lang="zh-CN" altLang="en-US"/>
               <a:t>单击此处编辑母版标题样式</a:t>
             </a:r>
-          </a:p>
-        </p:txBody>
-      </p:sp>
-      <p:sp>
-        <p:nvSpPr>
-          <p:cNvPr id="3" name="副标题 2">
-            <a:extLst>
-              <a:ext uri="{FF2B5EF4-FFF2-40B4-BE49-F238E27FC236}">
-                <a16:creationId xmlns:a16="http://schemas.microsoft.com/office/drawing/2014/main" id="{FA12615D-4DB9-FC1D-BF60-A23DD9FC4978}"/>
-              </a:ext>
-            </a:extLst>
-          </p:cNvPr>
+            <a:endParaRPr lang="zh-CN" altLang="en-US"/>
+          </a:p>
+        </p:txBody>
+      </p:sp>
+      <p:sp>
+        <p:nvSpPr>
+          <p:cNvPr id="3" name="副标题 2"/>
           <p:cNvSpPr>
             <a:spLocks noGrp="1"/>
           </p:cNvSpPr>
@@ -1571,18 +2389,13 @@
               <a:rPr lang="zh-CN" altLang="en-US"/>
               <a:t>单击此处编辑母版副标题样式</a:t>
             </a:r>
-          </a:p>
-        </p:txBody>
-      </p:sp>
-      <p:sp>
-        <p:nvSpPr>
-          <p:cNvPr id="4" name="日期占位符 3">
-            <a:extLst>
-              <a:ext uri="{FF2B5EF4-FFF2-40B4-BE49-F238E27FC236}">
-                <a16:creationId xmlns:a16="http://schemas.microsoft.com/office/drawing/2014/main" id="{547036BA-C9D5-6FBB-AEDC-CB003E463D19}"/>
-              </a:ext>
-            </a:extLst>
-          </p:cNvPr>
+            <a:endParaRPr lang="zh-CN" altLang="en-US"/>
+          </a:p>
+        </p:txBody>
+      </p:sp>
+      <p:sp>
+        <p:nvSpPr>
+          <p:cNvPr id="4" name="日期占位符 3"/>
           <p:cNvSpPr>
             <a:spLocks noGrp="1"/>
           </p:cNvSpPr>
@@ -1597,7 +2410,6 @@
           <a:p>
             <a:fld id="{B14948DB-0BE7-40D0-80F6-9094451DF04C}" type="datetimeFigureOut">
               <a:rPr lang="zh-CN" altLang="en-US" smtClean="0"/>
-              <a:t>2024/4/23</a:t>
             </a:fld>
             <a:endParaRPr lang="zh-CN" altLang="en-US"/>
           </a:p>
@@ -1605,13 +2417,7 @@
       </p:sp>
       <p:sp>
         <p:nvSpPr>
-          <p:cNvPr id="5" name="页脚占位符 4">
-            <a:extLst>
-              <a:ext uri="{FF2B5EF4-FFF2-40B4-BE49-F238E27FC236}">
-                <a16:creationId xmlns:a16="http://schemas.microsoft.com/office/drawing/2014/main" id="{65E492A2-7B64-DC8D-E91A-7829D1F1ED50}"/>
-              </a:ext>
-            </a:extLst>
-          </p:cNvPr>
+          <p:cNvPr id="5" name="页脚占位符 4"/>
           <p:cNvSpPr>
             <a:spLocks noGrp="1"/>
           </p:cNvSpPr>
@@ -1630,13 +2436,7 @@
       </p:sp>
       <p:sp>
         <p:nvSpPr>
-          <p:cNvPr id="6" name="灯片编号占位符 5">
-            <a:extLst>
-              <a:ext uri="{FF2B5EF4-FFF2-40B4-BE49-F238E27FC236}">
-                <a16:creationId xmlns:a16="http://schemas.microsoft.com/office/drawing/2014/main" id="{B580D754-AFB7-4C5F-8061-1E7B0011F971}"/>
-              </a:ext>
-            </a:extLst>
-          </p:cNvPr>
+          <p:cNvPr id="6" name="灯片编号占位符 5"/>
           <p:cNvSpPr>
             <a:spLocks noGrp="1"/>
           </p:cNvSpPr>
@@ -1651,18 +2451,12 @@
           <a:p>
             <a:fld id="{A7609F20-E83B-4856-BE88-6E7EAD044358}" type="slidenum">
               <a:rPr lang="zh-CN" altLang="en-US" smtClean="0"/>
-              <a:t>‹#›</a:t>
             </a:fld>
             <a:endParaRPr lang="zh-CN" altLang="en-US"/>
           </a:p>
         </p:txBody>
       </p:sp>
     </p:spTree>
-    <p:extLst>
-      <p:ext uri="{BB962C8B-B14F-4D97-AF65-F5344CB8AC3E}">
-        <p14:creationId xmlns:p14="http://schemas.microsoft.com/office/powerpoint/2010/main" val="2395665606"/>
-      </p:ext>
-    </p:extLst>
   </p:cSld>
   <p:clrMapOvr>
     <a:masterClrMapping/>
@@ -1689,13 +2483,7 @@
       </p:grpSpPr>
       <p:sp>
         <p:nvSpPr>
-          <p:cNvPr id="2" name="标题 1">
-            <a:extLst>
-              <a:ext uri="{FF2B5EF4-FFF2-40B4-BE49-F238E27FC236}">
-                <a16:creationId xmlns:a16="http://schemas.microsoft.com/office/drawing/2014/main" id="{C7613A21-293A-17FF-E765-34035E437122}"/>
-              </a:ext>
-            </a:extLst>
-          </p:cNvPr>
+          <p:cNvPr id="2" name="标题 1"/>
           <p:cNvSpPr>
             <a:spLocks noGrp="1"/>
           </p:cNvSpPr>
@@ -1712,18 +2500,13 @@
               <a:rPr lang="zh-CN" altLang="en-US"/>
               <a:t>单击此处编辑母版标题样式</a:t>
             </a:r>
-          </a:p>
-        </p:txBody>
-      </p:sp>
-      <p:sp>
-        <p:nvSpPr>
-          <p:cNvPr id="3" name="内容占位符 2">
-            <a:extLst>
-              <a:ext uri="{FF2B5EF4-FFF2-40B4-BE49-F238E27FC236}">
-                <a16:creationId xmlns:a16="http://schemas.microsoft.com/office/drawing/2014/main" id="{5CF87EFD-C1DB-C429-6F4D-7975F228B2E2}"/>
-              </a:ext>
-            </a:extLst>
-          </p:cNvPr>
+            <a:endParaRPr lang="zh-CN" altLang="en-US"/>
+          </a:p>
+        </p:txBody>
+      </p:sp>
+      <p:sp>
+        <p:nvSpPr>
+          <p:cNvPr id="3" name="内容占位符 2"/>
           <p:cNvSpPr>
             <a:spLocks noGrp="1"/>
           </p:cNvSpPr>
@@ -1741,6 +2524,7 @@
               <a:rPr lang="zh-CN" altLang="en-US"/>
               <a:t>单击此处编辑母版文本样式</a:t>
             </a:r>
+            <a:endParaRPr lang="zh-CN" altLang="en-US"/>
           </a:p>
           <a:p>
             <a:pPr lvl="1"/>
@@ -1748,6 +2532,7 @@
               <a:rPr lang="zh-CN" altLang="en-US"/>
               <a:t>二级</a:t>
             </a:r>
+            <a:endParaRPr lang="zh-CN" altLang="en-US"/>
           </a:p>
           <a:p>
             <a:pPr lvl="2"/>
@@ -1755,6 +2540,7 @@
               <a:rPr lang="zh-CN" altLang="en-US"/>
               <a:t>三级</a:t>
             </a:r>
+            <a:endParaRPr lang="zh-CN" altLang="en-US"/>
           </a:p>
           <a:p>
             <a:pPr lvl="3"/>
@@ -1762,6 +2548,7 @@
               <a:rPr lang="zh-CN" altLang="en-US"/>
               <a:t>四级</a:t>
             </a:r>
+            <a:endParaRPr lang="zh-CN" altLang="en-US"/>
           </a:p>
           <a:p>
             <a:pPr lvl="4"/>
@@ -1769,18 +2556,13 @@
               <a:rPr lang="zh-CN" altLang="en-US"/>
               <a:t>五级</a:t>
             </a:r>
-          </a:p>
-        </p:txBody>
-      </p:sp>
-      <p:sp>
-        <p:nvSpPr>
-          <p:cNvPr id="4" name="日期占位符 3">
-            <a:extLst>
-              <a:ext uri="{FF2B5EF4-FFF2-40B4-BE49-F238E27FC236}">
-                <a16:creationId xmlns:a16="http://schemas.microsoft.com/office/drawing/2014/main" id="{3CAB5ED2-7B4B-0FF3-9C48-F025A7B3D0D9}"/>
-              </a:ext>
-            </a:extLst>
-          </p:cNvPr>
+            <a:endParaRPr lang="zh-CN" altLang="en-US"/>
+          </a:p>
+        </p:txBody>
+      </p:sp>
+      <p:sp>
+        <p:nvSpPr>
+          <p:cNvPr id="4" name="日期占位符 3"/>
           <p:cNvSpPr>
             <a:spLocks noGrp="1"/>
           </p:cNvSpPr>
@@ -1795,7 +2577,6 @@
           <a:p>
             <a:fld id="{B14948DB-0BE7-40D0-80F6-9094451DF04C}" type="datetimeFigureOut">
               <a:rPr lang="zh-CN" altLang="en-US" smtClean="0"/>
-              <a:t>2024/4/23</a:t>
             </a:fld>
             <a:endParaRPr lang="zh-CN" altLang="en-US"/>
           </a:p>
@@ -1803,13 +2584,7 @@
       </p:sp>
       <p:sp>
         <p:nvSpPr>
-          <p:cNvPr id="5" name="页脚占位符 4">
-            <a:extLst>
-              <a:ext uri="{FF2B5EF4-FFF2-40B4-BE49-F238E27FC236}">
-                <a16:creationId xmlns:a16="http://schemas.microsoft.com/office/drawing/2014/main" id="{EB6D7E0E-EF7B-C9C8-863E-E9A1131ACE67}"/>
-              </a:ext>
-            </a:extLst>
-          </p:cNvPr>
+          <p:cNvPr id="5" name="页脚占位符 4"/>
           <p:cNvSpPr>
             <a:spLocks noGrp="1"/>
           </p:cNvSpPr>
@@ -1828,13 +2603,7 @@
       </p:sp>
       <p:sp>
         <p:nvSpPr>
-          <p:cNvPr id="6" name="灯片编号占位符 5">
-            <a:extLst>
-              <a:ext uri="{FF2B5EF4-FFF2-40B4-BE49-F238E27FC236}">
-                <a16:creationId xmlns:a16="http://schemas.microsoft.com/office/drawing/2014/main" id="{0EA79489-21D5-93B5-EEB4-F8E320CD8068}"/>
-              </a:ext>
-            </a:extLst>
-          </p:cNvPr>
+          <p:cNvPr id="6" name="灯片编号占位符 5"/>
           <p:cNvSpPr>
             <a:spLocks noGrp="1"/>
           </p:cNvSpPr>
@@ -1849,18 +2618,12 @@
           <a:p>
             <a:fld id="{A7609F20-E83B-4856-BE88-6E7EAD044358}" type="slidenum">
               <a:rPr lang="zh-CN" altLang="en-US" smtClean="0"/>
-              <a:t>‹#›</a:t>
             </a:fld>
             <a:endParaRPr lang="zh-CN" altLang="en-US"/>
           </a:p>
         </p:txBody>
       </p:sp>
     </p:spTree>
-    <p:extLst>
-      <p:ext uri="{BB962C8B-B14F-4D97-AF65-F5344CB8AC3E}">
-        <p14:creationId xmlns:p14="http://schemas.microsoft.com/office/powerpoint/2010/main" val="3217475969"/>
-      </p:ext>
-    </p:extLst>
   </p:cSld>
   <p:clrMapOvr>
     <a:masterClrMapping/>
@@ -1887,13 +2650,7 @@
       </p:grpSpPr>
       <p:sp>
         <p:nvSpPr>
-          <p:cNvPr id="2" name="标题 1">
-            <a:extLst>
-              <a:ext uri="{FF2B5EF4-FFF2-40B4-BE49-F238E27FC236}">
-                <a16:creationId xmlns:a16="http://schemas.microsoft.com/office/drawing/2014/main" id="{23DC2D9A-5703-38A9-E722-F96D4252C564}"/>
-              </a:ext>
-            </a:extLst>
-          </p:cNvPr>
+          <p:cNvPr id="2" name="标题 1"/>
           <p:cNvSpPr>
             <a:spLocks noGrp="1"/>
           </p:cNvSpPr>
@@ -1919,18 +2676,13 @@
               <a:rPr lang="zh-CN" altLang="en-US"/>
               <a:t>单击此处编辑母版标题样式</a:t>
             </a:r>
-          </a:p>
-        </p:txBody>
-      </p:sp>
-      <p:sp>
-        <p:nvSpPr>
-          <p:cNvPr id="3" name="文本占位符 2">
-            <a:extLst>
-              <a:ext uri="{FF2B5EF4-FFF2-40B4-BE49-F238E27FC236}">
-                <a16:creationId xmlns:a16="http://schemas.microsoft.com/office/drawing/2014/main" id="{5EE67815-4094-AB64-57ED-F0094206A9EC}"/>
-              </a:ext>
-            </a:extLst>
-          </p:cNvPr>
+            <a:endParaRPr lang="zh-CN" altLang="en-US"/>
+          </a:p>
+        </p:txBody>
+      </p:sp>
+      <p:sp>
+        <p:nvSpPr>
+          <p:cNvPr id="3" name="文本占位符 2"/>
           <p:cNvSpPr>
             <a:spLocks noGrp="1"/>
           </p:cNvSpPr>
@@ -2044,18 +2796,13 @@
               <a:rPr lang="zh-CN" altLang="en-US"/>
               <a:t>单击此处编辑母版文本样式</a:t>
             </a:r>
-          </a:p>
-        </p:txBody>
-      </p:sp>
-      <p:sp>
-        <p:nvSpPr>
-          <p:cNvPr id="4" name="日期占位符 3">
-            <a:extLst>
-              <a:ext uri="{FF2B5EF4-FFF2-40B4-BE49-F238E27FC236}">
-                <a16:creationId xmlns:a16="http://schemas.microsoft.com/office/drawing/2014/main" id="{B8BAEF50-28E1-A5AD-A248-F09E803EB33E}"/>
-              </a:ext>
-            </a:extLst>
-          </p:cNvPr>
+            <a:endParaRPr lang="zh-CN" altLang="en-US"/>
+          </a:p>
+        </p:txBody>
+      </p:sp>
+      <p:sp>
+        <p:nvSpPr>
+          <p:cNvPr id="4" name="日期占位符 3"/>
           <p:cNvSpPr>
             <a:spLocks noGrp="1"/>
           </p:cNvSpPr>
@@ -2070,7 +2817,6 @@
           <a:p>
             <a:fld id="{B14948DB-0BE7-40D0-80F6-9094451DF04C}" type="datetimeFigureOut">
               <a:rPr lang="zh-CN" altLang="en-US" smtClean="0"/>
-              <a:t>2024/4/23</a:t>
             </a:fld>
             <a:endParaRPr lang="zh-CN" altLang="en-US"/>
           </a:p>
@@ -2078,13 +2824,7 @@
       </p:sp>
       <p:sp>
         <p:nvSpPr>
-          <p:cNvPr id="5" name="页脚占位符 4">
-            <a:extLst>
-              <a:ext uri="{FF2B5EF4-FFF2-40B4-BE49-F238E27FC236}">
-                <a16:creationId xmlns:a16="http://schemas.microsoft.com/office/drawing/2014/main" id="{59A6C2AA-207F-C092-93FD-9BB0A6FD04B1}"/>
-              </a:ext>
-            </a:extLst>
-          </p:cNvPr>
+          <p:cNvPr id="5" name="页脚占位符 4"/>
           <p:cNvSpPr>
             <a:spLocks noGrp="1"/>
           </p:cNvSpPr>
@@ -2103,13 +2843,7 @@
       </p:sp>
       <p:sp>
         <p:nvSpPr>
-          <p:cNvPr id="6" name="灯片编号占位符 5">
-            <a:extLst>
-              <a:ext uri="{FF2B5EF4-FFF2-40B4-BE49-F238E27FC236}">
-                <a16:creationId xmlns:a16="http://schemas.microsoft.com/office/drawing/2014/main" id="{C89197B8-E299-417E-3853-21804C160936}"/>
-              </a:ext>
-            </a:extLst>
-          </p:cNvPr>
+          <p:cNvPr id="6" name="灯片编号占位符 5"/>
           <p:cNvSpPr>
             <a:spLocks noGrp="1"/>
           </p:cNvSpPr>
@@ -2124,18 +2858,12 @@
           <a:p>
             <a:fld id="{A7609F20-E83B-4856-BE88-6E7EAD044358}" type="slidenum">
               <a:rPr lang="zh-CN" altLang="en-US" smtClean="0"/>
-              <a:t>‹#›</a:t>
             </a:fld>
             <a:endParaRPr lang="zh-CN" altLang="en-US"/>
           </a:p>
         </p:txBody>
       </p:sp>
     </p:spTree>
-    <p:extLst>
-      <p:ext uri="{BB962C8B-B14F-4D97-AF65-F5344CB8AC3E}">
-        <p14:creationId xmlns:p14="http://schemas.microsoft.com/office/powerpoint/2010/main" val="103517627"/>
-      </p:ext>
-    </p:extLst>
   </p:cSld>
   <p:clrMapOvr>
     <a:masterClrMapping/>
@@ -2162,13 +2890,7 @@
       </p:grpSpPr>
       <p:sp>
         <p:nvSpPr>
-          <p:cNvPr id="2" name="标题 1">
-            <a:extLst>
-              <a:ext uri="{FF2B5EF4-FFF2-40B4-BE49-F238E27FC236}">
-                <a16:creationId xmlns:a16="http://schemas.microsoft.com/office/drawing/2014/main" id="{55C2B7A3-3781-4C47-CCE2-E28796374418}"/>
-              </a:ext>
-            </a:extLst>
-          </p:cNvPr>
+          <p:cNvPr id="2" name="标题 1"/>
           <p:cNvSpPr>
             <a:spLocks noGrp="1"/>
           </p:cNvSpPr>
@@ -2185,18 +2907,13 @@
               <a:rPr lang="zh-CN" altLang="en-US"/>
               <a:t>单击此处编辑母版标题样式</a:t>
             </a:r>
-          </a:p>
-        </p:txBody>
-      </p:sp>
-      <p:sp>
-        <p:nvSpPr>
-          <p:cNvPr id="3" name="内容占位符 2">
-            <a:extLst>
-              <a:ext uri="{FF2B5EF4-FFF2-40B4-BE49-F238E27FC236}">
-                <a16:creationId xmlns:a16="http://schemas.microsoft.com/office/drawing/2014/main" id="{11401742-0A07-04E2-3EBA-39ED0117B69B}"/>
-              </a:ext>
-            </a:extLst>
-          </p:cNvPr>
+            <a:endParaRPr lang="zh-CN" altLang="en-US"/>
+          </a:p>
+        </p:txBody>
+      </p:sp>
+      <p:sp>
+        <p:nvSpPr>
+          <p:cNvPr id="3" name="内容占位符 2"/>
           <p:cNvSpPr>
             <a:spLocks noGrp="1"/>
           </p:cNvSpPr>
@@ -2219,6 +2936,7 @@
               <a:rPr lang="zh-CN" altLang="en-US"/>
               <a:t>单击此处编辑母版文本样式</a:t>
             </a:r>
+            <a:endParaRPr lang="zh-CN" altLang="en-US"/>
           </a:p>
           <a:p>
             <a:pPr lvl="1"/>
@@ -2226,6 +2944,7 @@
               <a:rPr lang="zh-CN" altLang="en-US"/>
               <a:t>二级</a:t>
             </a:r>
+            <a:endParaRPr lang="zh-CN" altLang="en-US"/>
           </a:p>
           <a:p>
             <a:pPr lvl="2"/>
@@ -2233,6 +2952,7 @@
               <a:rPr lang="zh-CN" altLang="en-US"/>
               <a:t>三级</a:t>
             </a:r>
+            <a:endParaRPr lang="zh-CN" altLang="en-US"/>
           </a:p>
           <a:p>
             <a:pPr lvl="3"/>
@@ -2240,6 +2960,7 @@
               <a:rPr lang="zh-CN" altLang="en-US"/>
               <a:t>四级</a:t>
             </a:r>
+            <a:endParaRPr lang="zh-CN" altLang="en-US"/>
           </a:p>
           <a:p>
             <a:pPr lvl="4"/>
@@ -2247,18 +2968,13 @@
               <a:rPr lang="zh-CN" altLang="en-US"/>
               <a:t>五级</a:t>
             </a:r>
-          </a:p>
-        </p:txBody>
-      </p:sp>
-      <p:sp>
-        <p:nvSpPr>
-          <p:cNvPr id="4" name="内容占位符 3">
-            <a:extLst>
-              <a:ext uri="{FF2B5EF4-FFF2-40B4-BE49-F238E27FC236}">
-                <a16:creationId xmlns:a16="http://schemas.microsoft.com/office/drawing/2014/main" id="{AEE0DD30-56D4-707C-8D05-CA2E19A2C4C6}"/>
-              </a:ext>
-            </a:extLst>
-          </p:cNvPr>
+            <a:endParaRPr lang="zh-CN" altLang="en-US"/>
+          </a:p>
+        </p:txBody>
+      </p:sp>
+      <p:sp>
+        <p:nvSpPr>
+          <p:cNvPr id="4" name="内容占位符 3"/>
           <p:cNvSpPr>
             <a:spLocks noGrp="1"/>
           </p:cNvSpPr>
@@ -2281,6 +2997,7 @@
               <a:rPr lang="zh-CN" altLang="en-US"/>
               <a:t>单击此处编辑母版文本样式</a:t>
             </a:r>
+            <a:endParaRPr lang="zh-CN" altLang="en-US"/>
           </a:p>
           <a:p>
             <a:pPr lvl="1"/>
@@ -2288,6 +3005,7 @@
               <a:rPr lang="zh-CN" altLang="en-US"/>
               <a:t>二级</a:t>
             </a:r>
+            <a:endParaRPr lang="zh-CN" altLang="en-US"/>
           </a:p>
           <a:p>
             <a:pPr lvl="2"/>
@@ -2295,6 +3013,7 @@
               <a:rPr lang="zh-CN" altLang="en-US"/>
               <a:t>三级</a:t>
             </a:r>
+            <a:endParaRPr lang="zh-CN" altLang="en-US"/>
           </a:p>
           <a:p>
             <a:pPr lvl="3"/>
@@ -2302,6 +3021,7 @@
               <a:rPr lang="zh-CN" altLang="en-US"/>
               <a:t>四级</a:t>
             </a:r>
+            <a:endParaRPr lang="zh-CN" altLang="en-US"/>
           </a:p>
           <a:p>
             <a:pPr lvl="4"/>
@@ -2309,18 +3029,13 @@
               <a:rPr lang="zh-CN" altLang="en-US"/>
               <a:t>五级</a:t>
             </a:r>
-          </a:p>
-        </p:txBody>
-      </p:sp>
-      <p:sp>
-        <p:nvSpPr>
-          <p:cNvPr id="5" name="日期占位符 4">
-            <a:extLst>
-              <a:ext uri="{FF2B5EF4-FFF2-40B4-BE49-F238E27FC236}">
-                <a16:creationId xmlns:a16="http://schemas.microsoft.com/office/drawing/2014/main" id="{F80868A5-5A8F-3BA1-2CB7-0CF1EE68D4AE}"/>
-              </a:ext>
-            </a:extLst>
-          </p:cNvPr>
+            <a:endParaRPr lang="zh-CN" altLang="en-US"/>
+          </a:p>
+        </p:txBody>
+      </p:sp>
+      <p:sp>
+        <p:nvSpPr>
+          <p:cNvPr id="5" name="日期占位符 4"/>
           <p:cNvSpPr>
             <a:spLocks noGrp="1"/>
           </p:cNvSpPr>
@@ -2335,7 +3050,6 @@
           <a:p>
             <a:fld id="{B14948DB-0BE7-40D0-80F6-9094451DF04C}" type="datetimeFigureOut">
               <a:rPr lang="zh-CN" altLang="en-US" smtClean="0"/>
-              <a:t>2024/4/23</a:t>
             </a:fld>
             <a:endParaRPr lang="zh-CN" altLang="en-US"/>
           </a:p>
@@ -2343,13 +3057,7 @@
       </p:sp>
       <p:sp>
         <p:nvSpPr>
-          <p:cNvPr id="6" name="页脚占位符 5">
-            <a:extLst>
-              <a:ext uri="{FF2B5EF4-FFF2-40B4-BE49-F238E27FC236}">
-                <a16:creationId xmlns:a16="http://schemas.microsoft.com/office/drawing/2014/main" id="{404C086A-D69F-268C-6C36-045BDC199FE5}"/>
-              </a:ext>
-            </a:extLst>
-          </p:cNvPr>
+          <p:cNvPr id="6" name="页脚占位符 5"/>
           <p:cNvSpPr>
             <a:spLocks noGrp="1"/>
           </p:cNvSpPr>
@@ -2368,13 +3076,7 @@
       </p:sp>
       <p:sp>
         <p:nvSpPr>
-          <p:cNvPr id="7" name="灯片编号占位符 6">
-            <a:extLst>
-              <a:ext uri="{FF2B5EF4-FFF2-40B4-BE49-F238E27FC236}">
-                <a16:creationId xmlns:a16="http://schemas.microsoft.com/office/drawing/2014/main" id="{2763E213-859D-F38C-1F3E-A70A05002948}"/>
-              </a:ext>
-            </a:extLst>
-          </p:cNvPr>
+          <p:cNvPr id="7" name="灯片编号占位符 6"/>
           <p:cNvSpPr>
             <a:spLocks noGrp="1"/>
           </p:cNvSpPr>
@@ -2389,18 +3091,12 @@
           <a:p>
             <a:fld id="{A7609F20-E83B-4856-BE88-6E7EAD044358}" type="slidenum">
               <a:rPr lang="zh-CN" altLang="en-US" smtClean="0"/>
-              <a:t>‹#›</a:t>
             </a:fld>
             <a:endParaRPr lang="zh-CN" altLang="en-US"/>
           </a:p>
         </p:txBody>
       </p:sp>
     </p:spTree>
-    <p:extLst>
-      <p:ext uri="{BB962C8B-B14F-4D97-AF65-F5344CB8AC3E}">
-        <p14:creationId xmlns:p14="http://schemas.microsoft.com/office/powerpoint/2010/main" val="3276100724"/>
-      </p:ext>
-    </p:extLst>
   </p:cSld>
   <p:clrMapOvr>
     <a:masterClrMapping/>
@@ -2427,13 +3123,7 @@
       </p:grpSpPr>
       <p:sp>
         <p:nvSpPr>
-          <p:cNvPr id="2" name="标题 1">
-            <a:extLst>
-              <a:ext uri="{FF2B5EF4-FFF2-40B4-BE49-F238E27FC236}">
-                <a16:creationId xmlns:a16="http://schemas.microsoft.com/office/drawing/2014/main" id="{39D999D0-72F3-A128-6640-5A0CE392A39A}"/>
-              </a:ext>
-            </a:extLst>
-          </p:cNvPr>
+          <p:cNvPr id="2" name="标题 1"/>
           <p:cNvSpPr>
             <a:spLocks noGrp="1"/>
           </p:cNvSpPr>
@@ -2455,18 +3145,13 @@
               <a:rPr lang="zh-CN" altLang="en-US"/>
               <a:t>单击此处编辑母版标题样式</a:t>
             </a:r>
-          </a:p>
-        </p:txBody>
-      </p:sp>
-      <p:sp>
-        <p:nvSpPr>
-          <p:cNvPr id="3" name="文本占位符 2">
-            <a:extLst>
-              <a:ext uri="{FF2B5EF4-FFF2-40B4-BE49-F238E27FC236}">
-                <a16:creationId xmlns:a16="http://schemas.microsoft.com/office/drawing/2014/main" id="{47C1551D-A48F-5405-0DDB-91EB68216252}"/>
-              </a:ext>
-            </a:extLst>
-          </p:cNvPr>
+            <a:endParaRPr lang="zh-CN" altLang="en-US"/>
+          </a:p>
+        </p:txBody>
+      </p:sp>
+      <p:sp>
+        <p:nvSpPr>
+          <p:cNvPr id="3" name="文本占位符 2"/>
           <p:cNvSpPr>
             <a:spLocks noGrp="1"/>
           </p:cNvSpPr>
@@ -2526,18 +3211,13 @@
               <a:rPr lang="zh-CN" altLang="en-US"/>
               <a:t>单击此处编辑母版文本样式</a:t>
             </a:r>
-          </a:p>
-        </p:txBody>
-      </p:sp>
-      <p:sp>
-        <p:nvSpPr>
-          <p:cNvPr id="4" name="内容占位符 3">
-            <a:extLst>
-              <a:ext uri="{FF2B5EF4-FFF2-40B4-BE49-F238E27FC236}">
-                <a16:creationId xmlns:a16="http://schemas.microsoft.com/office/drawing/2014/main" id="{52CBA7E7-C6D3-4B7A-F3B1-1484386AE557}"/>
-              </a:ext>
-            </a:extLst>
-          </p:cNvPr>
+            <a:endParaRPr lang="zh-CN" altLang="en-US"/>
+          </a:p>
+        </p:txBody>
+      </p:sp>
+      <p:sp>
+        <p:nvSpPr>
+          <p:cNvPr id="4" name="内容占位符 3"/>
           <p:cNvSpPr>
             <a:spLocks noGrp="1"/>
           </p:cNvSpPr>
@@ -2560,6 +3240,7 @@
               <a:rPr lang="zh-CN" altLang="en-US"/>
               <a:t>单击此处编辑母版文本样式</a:t>
             </a:r>
+            <a:endParaRPr lang="zh-CN" altLang="en-US"/>
           </a:p>
           <a:p>
             <a:pPr lvl="1"/>
@@ -2567,6 +3248,7 @@
               <a:rPr lang="zh-CN" altLang="en-US"/>
               <a:t>二级</a:t>
             </a:r>
+            <a:endParaRPr lang="zh-CN" altLang="en-US"/>
           </a:p>
           <a:p>
             <a:pPr lvl="2"/>
@@ -2574,6 +3256,7 @@
               <a:rPr lang="zh-CN" altLang="en-US"/>
               <a:t>三级</a:t>
             </a:r>
+            <a:endParaRPr lang="zh-CN" altLang="en-US"/>
           </a:p>
           <a:p>
             <a:pPr lvl="3"/>
@@ -2581,6 +3264,7 @@
               <a:rPr lang="zh-CN" altLang="en-US"/>
               <a:t>四级</a:t>
             </a:r>
+            <a:endParaRPr lang="zh-CN" altLang="en-US"/>
           </a:p>
           <a:p>
             <a:pPr lvl="4"/>
@@ -2588,18 +3272,13 @@
               <a:rPr lang="zh-CN" altLang="en-US"/>
               <a:t>五级</a:t>
             </a:r>
-          </a:p>
-        </p:txBody>
-      </p:sp>
-      <p:sp>
-        <p:nvSpPr>
-          <p:cNvPr id="5" name="文本占位符 4">
-            <a:extLst>
-              <a:ext uri="{FF2B5EF4-FFF2-40B4-BE49-F238E27FC236}">
-                <a16:creationId xmlns:a16="http://schemas.microsoft.com/office/drawing/2014/main" id="{9BC51686-8A1C-6C20-642F-6B17AD525750}"/>
-              </a:ext>
-            </a:extLst>
-          </p:cNvPr>
+            <a:endParaRPr lang="zh-CN" altLang="en-US"/>
+          </a:p>
+        </p:txBody>
+      </p:sp>
+      <p:sp>
+        <p:nvSpPr>
+          <p:cNvPr id="5" name="文本占位符 4"/>
           <p:cNvSpPr>
             <a:spLocks noGrp="1"/>
           </p:cNvSpPr>
@@ -2659,18 +3338,13 @@
               <a:rPr lang="zh-CN" altLang="en-US"/>
               <a:t>单击此处编辑母版文本样式</a:t>
             </a:r>
-          </a:p>
-        </p:txBody>
-      </p:sp>
-      <p:sp>
-        <p:nvSpPr>
-          <p:cNvPr id="6" name="内容占位符 5">
-            <a:extLst>
-              <a:ext uri="{FF2B5EF4-FFF2-40B4-BE49-F238E27FC236}">
-                <a16:creationId xmlns:a16="http://schemas.microsoft.com/office/drawing/2014/main" id="{AC6D52AC-F418-7343-7E29-B19E499F636D}"/>
-              </a:ext>
-            </a:extLst>
-          </p:cNvPr>
+            <a:endParaRPr lang="zh-CN" altLang="en-US"/>
+          </a:p>
+        </p:txBody>
+      </p:sp>
+      <p:sp>
+        <p:nvSpPr>
+          <p:cNvPr id="6" name="内容占位符 5"/>
           <p:cNvSpPr>
             <a:spLocks noGrp="1"/>
           </p:cNvSpPr>
@@ -2693,6 +3367,7 @@
               <a:rPr lang="zh-CN" altLang="en-US"/>
               <a:t>单击此处编辑母版文本样式</a:t>
             </a:r>
+            <a:endParaRPr lang="zh-CN" altLang="en-US"/>
           </a:p>
           <a:p>
             <a:pPr lvl="1"/>
@@ -2700,6 +3375,7 @@
               <a:rPr lang="zh-CN" altLang="en-US"/>
               <a:t>二级</a:t>
             </a:r>
+            <a:endParaRPr lang="zh-CN" altLang="en-US"/>
           </a:p>
           <a:p>
             <a:pPr lvl="2"/>
@@ -2707,6 +3383,7 @@
               <a:rPr lang="zh-CN" altLang="en-US"/>
               <a:t>三级</a:t>
             </a:r>
+            <a:endParaRPr lang="zh-CN" altLang="en-US"/>
           </a:p>
           <a:p>
             <a:pPr lvl="3"/>
@@ -2714,6 +3391,7 @@
               <a:rPr lang="zh-CN" altLang="en-US"/>
               <a:t>四级</a:t>
             </a:r>
+            <a:endParaRPr lang="zh-CN" altLang="en-US"/>
           </a:p>
           <a:p>
             <a:pPr lvl="4"/>
@@ -2721,18 +3399,13 @@
               <a:rPr lang="zh-CN" altLang="en-US"/>
               <a:t>五级</a:t>
             </a:r>
-          </a:p>
-        </p:txBody>
-      </p:sp>
-      <p:sp>
-        <p:nvSpPr>
-          <p:cNvPr id="7" name="日期占位符 6">
-            <a:extLst>
-              <a:ext uri="{FF2B5EF4-FFF2-40B4-BE49-F238E27FC236}">
-                <a16:creationId xmlns:a16="http://schemas.microsoft.com/office/drawing/2014/main" id="{87F42698-9E9C-BFE7-8FF6-CAD0AD27833F}"/>
-              </a:ext>
-            </a:extLst>
-          </p:cNvPr>
+            <a:endParaRPr lang="zh-CN" altLang="en-US"/>
+          </a:p>
+        </p:txBody>
+      </p:sp>
+      <p:sp>
+        <p:nvSpPr>
+          <p:cNvPr id="7" name="日期占位符 6"/>
           <p:cNvSpPr>
             <a:spLocks noGrp="1"/>
           </p:cNvSpPr>
@@ -2747,7 +3420,6 @@
           <a:p>
             <a:fld id="{B14948DB-0BE7-40D0-80F6-9094451DF04C}" type="datetimeFigureOut">
               <a:rPr lang="zh-CN" altLang="en-US" smtClean="0"/>
-              <a:t>2024/4/23</a:t>
             </a:fld>
             <a:endParaRPr lang="zh-CN" altLang="en-US"/>
           </a:p>
@@ -2755,13 +3427,7 @@
       </p:sp>
       <p:sp>
         <p:nvSpPr>
-          <p:cNvPr id="8" name="页脚占位符 7">
-            <a:extLst>
-              <a:ext uri="{FF2B5EF4-FFF2-40B4-BE49-F238E27FC236}">
-                <a16:creationId xmlns:a16="http://schemas.microsoft.com/office/drawing/2014/main" id="{C624F727-C8C8-B0DD-32D0-C88D7CE7C5AA}"/>
-              </a:ext>
-            </a:extLst>
-          </p:cNvPr>
+          <p:cNvPr id="8" name="页脚占位符 7"/>
           <p:cNvSpPr>
             <a:spLocks noGrp="1"/>
           </p:cNvSpPr>
@@ -2780,13 +3446,7 @@
       </p:sp>
       <p:sp>
         <p:nvSpPr>
-          <p:cNvPr id="9" name="灯片编号占位符 8">
-            <a:extLst>
-              <a:ext uri="{FF2B5EF4-FFF2-40B4-BE49-F238E27FC236}">
-                <a16:creationId xmlns:a16="http://schemas.microsoft.com/office/drawing/2014/main" id="{A31FE621-97A0-2BFA-B1D7-F19BA093DFCC}"/>
-              </a:ext>
-            </a:extLst>
-          </p:cNvPr>
+          <p:cNvPr id="9" name="灯片编号占位符 8"/>
           <p:cNvSpPr>
             <a:spLocks noGrp="1"/>
           </p:cNvSpPr>
@@ -2801,18 +3461,12 @@
           <a:p>
             <a:fld id="{A7609F20-E83B-4856-BE88-6E7EAD044358}" type="slidenum">
               <a:rPr lang="zh-CN" altLang="en-US" smtClean="0"/>
-              <a:t>‹#›</a:t>
             </a:fld>
             <a:endParaRPr lang="zh-CN" altLang="en-US"/>
           </a:p>
         </p:txBody>
       </p:sp>
     </p:spTree>
-    <p:extLst>
-      <p:ext uri="{BB962C8B-B14F-4D97-AF65-F5344CB8AC3E}">
-        <p14:creationId xmlns:p14="http://schemas.microsoft.com/office/powerpoint/2010/main" val="1800243985"/>
-      </p:ext>
-    </p:extLst>
   </p:cSld>
   <p:clrMapOvr>
     <a:masterClrMapping/>
@@ -2839,13 +3493,7 @@
       </p:grpSpPr>
       <p:sp>
         <p:nvSpPr>
-          <p:cNvPr id="2" name="标题 1">
-            <a:extLst>
-              <a:ext uri="{FF2B5EF4-FFF2-40B4-BE49-F238E27FC236}">
-                <a16:creationId xmlns:a16="http://schemas.microsoft.com/office/drawing/2014/main" id="{F590E488-F62E-33AE-8452-828D903384C8}"/>
-              </a:ext>
-            </a:extLst>
-          </p:cNvPr>
+          <p:cNvPr id="2" name="标题 1"/>
           <p:cNvSpPr>
             <a:spLocks noGrp="1"/>
           </p:cNvSpPr>
@@ -2862,18 +3510,13 @@
               <a:rPr lang="zh-CN" altLang="en-US"/>
               <a:t>单击此处编辑母版标题样式</a:t>
             </a:r>
-          </a:p>
-        </p:txBody>
-      </p:sp>
-      <p:sp>
-        <p:nvSpPr>
-          <p:cNvPr id="3" name="日期占位符 2">
-            <a:extLst>
-              <a:ext uri="{FF2B5EF4-FFF2-40B4-BE49-F238E27FC236}">
-                <a16:creationId xmlns:a16="http://schemas.microsoft.com/office/drawing/2014/main" id="{46A2293D-2903-3DC9-F422-89FA8056881C}"/>
-              </a:ext>
-            </a:extLst>
-          </p:cNvPr>
+            <a:endParaRPr lang="zh-CN" altLang="en-US"/>
+          </a:p>
+        </p:txBody>
+      </p:sp>
+      <p:sp>
+        <p:nvSpPr>
+          <p:cNvPr id="3" name="日期占位符 2"/>
           <p:cNvSpPr>
             <a:spLocks noGrp="1"/>
           </p:cNvSpPr>
@@ -2888,7 +3531,6 @@
           <a:p>
             <a:fld id="{B14948DB-0BE7-40D0-80F6-9094451DF04C}" type="datetimeFigureOut">
               <a:rPr lang="zh-CN" altLang="en-US" smtClean="0"/>
-              <a:t>2024/4/23</a:t>
             </a:fld>
             <a:endParaRPr lang="zh-CN" altLang="en-US"/>
           </a:p>
@@ -2896,13 +3538,7 @@
       </p:sp>
       <p:sp>
         <p:nvSpPr>
-          <p:cNvPr id="4" name="页脚占位符 3">
-            <a:extLst>
-              <a:ext uri="{FF2B5EF4-FFF2-40B4-BE49-F238E27FC236}">
-                <a16:creationId xmlns:a16="http://schemas.microsoft.com/office/drawing/2014/main" id="{4AF8381A-AF22-F6F6-7071-5418E495EB25}"/>
-              </a:ext>
-            </a:extLst>
-          </p:cNvPr>
+          <p:cNvPr id="4" name="页脚占位符 3"/>
           <p:cNvSpPr>
             <a:spLocks noGrp="1"/>
           </p:cNvSpPr>
@@ -2921,13 +3557,7 @@
       </p:sp>
       <p:sp>
         <p:nvSpPr>
-          <p:cNvPr id="5" name="灯片编号占位符 4">
-            <a:extLst>
-              <a:ext uri="{FF2B5EF4-FFF2-40B4-BE49-F238E27FC236}">
-                <a16:creationId xmlns:a16="http://schemas.microsoft.com/office/drawing/2014/main" id="{7E4FFE49-73E6-2363-05DA-4D95D52161C2}"/>
-              </a:ext>
-            </a:extLst>
-          </p:cNvPr>
+          <p:cNvPr id="5" name="灯片编号占位符 4"/>
           <p:cNvSpPr>
             <a:spLocks noGrp="1"/>
           </p:cNvSpPr>
@@ -2942,18 +3572,12 @@
           <a:p>
             <a:fld id="{A7609F20-E83B-4856-BE88-6E7EAD044358}" type="slidenum">
               <a:rPr lang="zh-CN" altLang="en-US" smtClean="0"/>
-              <a:t>‹#›</a:t>
             </a:fld>
             <a:endParaRPr lang="zh-CN" altLang="en-US"/>
           </a:p>
         </p:txBody>
       </p:sp>
     </p:spTree>
-    <p:extLst>
-      <p:ext uri="{BB962C8B-B14F-4D97-AF65-F5344CB8AC3E}">
-        <p14:creationId xmlns:p14="http://schemas.microsoft.com/office/powerpoint/2010/main" val="4221148589"/>
-      </p:ext>
-    </p:extLst>
   </p:cSld>
   <p:clrMapOvr>
     <a:masterClrMapping/>
@@ -2980,13 +3604,7 @@
       </p:grpSpPr>
       <p:sp>
         <p:nvSpPr>
-          <p:cNvPr id="2" name="日期占位符 1">
-            <a:extLst>
-              <a:ext uri="{FF2B5EF4-FFF2-40B4-BE49-F238E27FC236}">
-                <a16:creationId xmlns:a16="http://schemas.microsoft.com/office/drawing/2014/main" id="{17943D4A-617B-9FFD-D4D3-EC43BC44EFD0}"/>
-              </a:ext>
-            </a:extLst>
-          </p:cNvPr>
+          <p:cNvPr id="2" name="日期占位符 1"/>
           <p:cNvSpPr>
             <a:spLocks noGrp="1"/>
           </p:cNvSpPr>
@@ -3001,7 +3619,6 @@
           <a:p>
             <a:fld id="{B14948DB-0BE7-40D0-80F6-9094451DF04C}" type="datetimeFigureOut">
               <a:rPr lang="zh-CN" altLang="en-US" smtClean="0"/>
-              <a:t>2024/4/23</a:t>
             </a:fld>
             <a:endParaRPr lang="zh-CN" altLang="en-US"/>
           </a:p>
@@ -3009,13 +3626,7 @@
       </p:sp>
       <p:sp>
         <p:nvSpPr>
-          <p:cNvPr id="3" name="页脚占位符 2">
-            <a:extLst>
-              <a:ext uri="{FF2B5EF4-FFF2-40B4-BE49-F238E27FC236}">
-                <a16:creationId xmlns:a16="http://schemas.microsoft.com/office/drawing/2014/main" id="{70C237EE-8036-A87A-CBFD-FC990A979F7E}"/>
-              </a:ext>
-            </a:extLst>
-          </p:cNvPr>
+          <p:cNvPr id="3" name="页脚占位符 2"/>
           <p:cNvSpPr>
             <a:spLocks noGrp="1"/>
           </p:cNvSpPr>
@@ -3034,13 +3645,7 @@
       </p:sp>
       <p:sp>
         <p:nvSpPr>
-          <p:cNvPr id="4" name="灯片编号占位符 3">
-            <a:extLst>
-              <a:ext uri="{FF2B5EF4-FFF2-40B4-BE49-F238E27FC236}">
-                <a16:creationId xmlns:a16="http://schemas.microsoft.com/office/drawing/2014/main" id="{3727EE1B-EE39-F709-086E-A148F690AD37}"/>
-              </a:ext>
-            </a:extLst>
-          </p:cNvPr>
+          <p:cNvPr id="4" name="灯片编号占位符 3"/>
           <p:cNvSpPr>
             <a:spLocks noGrp="1"/>
           </p:cNvSpPr>
@@ -3055,18 +3660,12 @@
           <a:p>
             <a:fld id="{A7609F20-E83B-4856-BE88-6E7EAD044358}" type="slidenum">
               <a:rPr lang="zh-CN" altLang="en-US" smtClean="0"/>
-              <a:t>‹#›</a:t>
             </a:fld>
             <a:endParaRPr lang="zh-CN" altLang="en-US"/>
           </a:p>
         </p:txBody>
       </p:sp>
     </p:spTree>
-    <p:extLst>
-      <p:ext uri="{BB962C8B-B14F-4D97-AF65-F5344CB8AC3E}">
-        <p14:creationId xmlns:p14="http://schemas.microsoft.com/office/powerpoint/2010/main" val="4057737612"/>
-      </p:ext>
-    </p:extLst>
   </p:cSld>
   <p:clrMapOvr>
     <a:masterClrMapping/>
@@ -3093,13 +3692,7 @@
       </p:grpSpPr>
       <p:sp>
         <p:nvSpPr>
-          <p:cNvPr id="2" name="标题 1">
-            <a:extLst>
-              <a:ext uri="{FF2B5EF4-FFF2-40B4-BE49-F238E27FC236}">
-                <a16:creationId xmlns:a16="http://schemas.microsoft.com/office/drawing/2014/main" id="{3E6443AC-7A1F-7306-822C-8EB8D76A1A01}"/>
-              </a:ext>
-            </a:extLst>
-          </p:cNvPr>
+          <p:cNvPr id="2" name="标题 1"/>
           <p:cNvSpPr>
             <a:spLocks noGrp="1"/>
           </p:cNvSpPr>
@@ -3116,18 +3709,13 @@
               <a:rPr lang="zh-CN" altLang="en-US"/>
               <a:t>单击此处编辑母版标题样式</a:t>
             </a:r>
-          </a:p>
-        </p:txBody>
-      </p:sp>
-      <p:sp>
-        <p:nvSpPr>
-          <p:cNvPr id="3" name="内容占位符 2">
-            <a:extLst>
-              <a:ext uri="{FF2B5EF4-FFF2-40B4-BE49-F238E27FC236}">
-                <a16:creationId xmlns:a16="http://schemas.microsoft.com/office/drawing/2014/main" id="{F99C8347-E7F7-CA94-054E-A96121982797}"/>
-              </a:ext>
-            </a:extLst>
-          </p:cNvPr>
+            <a:endParaRPr lang="zh-CN" altLang="en-US"/>
+          </a:p>
+        </p:txBody>
+      </p:sp>
+      <p:sp>
+        <p:nvSpPr>
+          <p:cNvPr id="3" name="内容占位符 2"/>
           <p:cNvSpPr>
             <a:spLocks noGrp="1"/>
           </p:cNvSpPr>
@@ -3145,6 +3733,7 @@
               <a:rPr lang="zh-CN" altLang="en-US"/>
               <a:t>单击此处编辑母版文本样式</a:t>
             </a:r>
+            <a:endParaRPr lang="zh-CN" altLang="en-US"/>
           </a:p>
           <a:p>
             <a:pPr lvl="1"/>
@@ -3152,6 +3741,7 @@
               <a:rPr lang="zh-CN" altLang="en-US"/>
               <a:t>二级</a:t>
             </a:r>
+            <a:endParaRPr lang="zh-CN" altLang="en-US"/>
           </a:p>
           <a:p>
             <a:pPr lvl="2"/>
@@ -3159,6 +3749,7 @@
               <a:rPr lang="zh-CN" altLang="en-US"/>
               <a:t>三级</a:t>
             </a:r>
+            <a:endParaRPr lang="zh-CN" altLang="en-US"/>
           </a:p>
           <a:p>
             <a:pPr lvl="3"/>
@@ -3166,6 +3757,7 @@
               <a:rPr lang="zh-CN" altLang="en-US"/>
               <a:t>四级</a:t>
             </a:r>
+            <a:endParaRPr lang="zh-CN" altLang="en-US"/>
           </a:p>
           <a:p>
             <a:pPr lvl="4"/>
@@ -3173,18 +3765,13 @@
               <a:rPr lang="zh-CN" altLang="en-US"/>
               <a:t>五级</a:t>
             </a:r>
-          </a:p>
-        </p:txBody>
-      </p:sp>
-      <p:sp>
-        <p:nvSpPr>
-          <p:cNvPr id="4" name="日期占位符 3">
-            <a:extLst>
-              <a:ext uri="{FF2B5EF4-FFF2-40B4-BE49-F238E27FC236}">
-                <a16:creationId xmlns:a16="http://schemas.microsoft.com/office/drawing/2014/main" id="{1BF8A82A-4A48-A9C7-A509-7C856161DD25}"/>
-              </a:ext>
-            </a:extLst>
-          </p:cNvPr>
+            <a:endParaRPr lang="zh-CN" altLang="en-US"/>
+          </a:p>
+        </p:txBody>
+      </p:sp>
+      <p:sp>
+        <p:nvSpPr>
+          <p:cNvPr id="4" name="日期占位符 3"/>
           <p:cNvSpPr>
             <a:spLocks noGrp="1"/>
           </p:cNvSpPr>
@@ -3199,7 +3786,6 @@
           <a:p>
             <a:fld id="{DEDA17D1-6590-4570-9DF1-29A4B3C6B8EE}" type="datetimeFigureOut">
               <a:rPr lang="zh-CN" altLang="en-US" smtClean="0"/>
-              <a:t>2024/4/23</a:t>
             </a:fld>
             <a:endParaRPr lang="zh-CN" altLang="en-US"/>
           </a:p>
@@ -3207,13 +3793,7 @@
       </p:sp>
       <p:sp>
         <p:nvSpPr>
-          <p:cNvPr id="5" name="页脚占位符 4">
-            <a:extLst>
-              <a:ext uri="{FF2B5EF4-FFF2-40B4-BE49-F238E27FC236}">
-                <a16:creationId xmlns:a16="http://schemas.microsoft.com/office/drawing/2014/main" id="{81208590-0EAC-5250-A639-94F1DF65CBE1}"/>
-              </a:ext>
-            </a:extLst>
-          </p:cNvPr>
+          <p:cNvPr id="5" name="页脚占位符 4"/>
           <p:cNvSpPr>
             <a:spLocks noGrp="1"/>
           </p:cNvSpPr>
@@ -3232,13 +3812,7 @@
       </p:sp>
       <p:sp>
         <p:nvSpPr>
-          <p:cNvPr id="6" name="灯片编号占位符 5">
-            <a:extLst>
-              <a:ext uri="{FF2B5EF4-FFF2-40B4-BE49-F238E27FC236}">
-                <a16:creationId xmlns:a16="http://schemas.microsoft.com/office/drawing/2014/main" id="{29B26C07-036F-7DC2-8366-3CD0B33F4F5C}"/>
-              </a:ext>
-            </a:extLst>
-          </p:cNvPr>
+          <p:cNvPr id="6" name="灯片编号占位符 5"/>
           <p:cNvSpPr>
             <a:spLocks noGrp="1"/>
           </p:cNvSpPr>
@@ -3253,18 +3827,12 @@
           <a:p>
             <a:fld id="{2ED1A831-4F8E-4053-B593-46016C4082BA}" type="slidenum">
               <a:rPr lang="zh-CN" altLang="en-US" smtClean="0"/>
-              <a:t>‹#›</a:t>
             </a:fld>
             <a:endParaRPr lang="zh-CN" altLang="en-US"/>
           </a:p>
         </p:txBody>
       </p:sp>
     </p:spTree>
-    <p:extLst>
-      <p:ext uri="{BB962C8B-B14F-4D97-AF65-F5344CB8AC3E}">
-        <p14:creationId xmlns:p14="http://schemas.microsoft.com/office/powerpoint/2010/main" val="2915825244"/>
-      </p:ext>
-    </p:extLst>
   </p:cSld>
   <p:clrMapOvr>
     <a:masterClrMapping/>
@@ -3291,13 +3859,7 @@
       </p:grpSpPr>
       <p:sp>
         <p:nvSpPr>
-          <p:cNvPr id="2" name="标题 1">
-            <a:extLst>
-              <a:ext uri="{FF2B5EF4-FFF2-40B4-BE49-F238E27FC236}">
-                <a16:creationId xmlns:a16="http://schemas.microsoft.com/office/drawing/2014/main" id="{479114C0-372B-6071-5ACE-F9D6B70265B9}"/>
-              </a:ext>
-            </a:extLst>
-          </p:cNvPr>
+          <p:cNvPr id="2" name="标题 1"/>
           <p:cNvSpPr>
             <a:spLocks noGrp="1"/>
           </p:cNvSpPr>
@@ -3323,18 +3885,13 @@
               <a:rPr lang="zh-CN" altLang="en-US"/>
               <a:t>单击此处编辑母版标题样式</a:t>
             </a:r>
-          </a:p>
-        </p:txBody>
-      </p:sp>
-      <p:sp>
-        <p:nvSpPr>
-          <p:cNvPr id="3" name="内容占位符 2">
-            <a:extLst>
-              <a:ext uri="{FF2B5EF4-FFF2-40B4-BE49-F238E27FC236}">
-                <a16:creationId xmlns:a16="http://schemas.microsoft.com/office/drawing/2014/main" id="{A57F5D73-1CD6-7FD3-68C0-01346309ECE3}"/>
-              </a:ext>
-            </a:extLst>
-          </p:cNvPr>
+            <a:endParaRPr lang="zh-CN" altLang="en-US"/>
+          </a:p>
+        </p:txBody>
+      </p:sp>
+      <p:sp>
+        <p:nvSpPr>
+          <p:cNvPr id="3" name="内容占位符 2"/>
           <p:cNvSpPr>
             <a:spLocks noGrp="1"/>
           </p:cNvSpPr>
@@ -3385,6 +3942,7 @@
               <a:rPr lang="zh-CN" altLang="en-US"/>
               <a:t>单击此处编辑母版文本样式</a:t>
             </a:r>
+            <a:endParaRPr lang="zh-CN" altLang="en-US"/>
           </a:p>
           <a:p>
             <a:pPr lvl="1"/>
@@ -3392,6 +3950,7 @@
               <a:rPr lang="zh-CN" altLang="en-US"/>
               <a:t>二级</a:t>
             </a:r>
+            <a:endParaRPr lang="zh-CN" altLang="en-US"/>
           </a:p>
           <a:p>
             <a:pPr lvl="2"/>
@@ -3399,6 +3958,7 @@
               <a:rPr lang="zh-CN" altLang="en-US"/>
               <a:t>三级</a:t>
             </a:r>
+            <a:endParaRPr lang="zh-CN" altLang="en-US"/>
           </a:p>
           <a:p>
             <a:pPr lvl="3"/>
@@ -3406,6 +3966,7 @@
               <a:rPr lang="zh-CN" altLang="en-US"/>
               <a:t>四级</a:t>
             </a:r>
+            <a:endParaRPr lang="zh-CN" altLang="en-US"/>
           </a:p>
           <a:p>
             <a:pPr lvl="4"/>
@@ -3413,18 +3974,13 @@
               <a:rPr lang="zh-CN" altLang="en-US"/>
               <a:t>五级</a:t>
             </a:r>
-          </a:p>
-        </p:txBody>
-      </p:sp>
-      <p:sp>
-        <p:nvSpPr>
-          <p:cNvPr id="4" name="文本占位符 3">
-            <a:extLst>
-              <a:ext uri="{FF2B5EF4-FFF2-40B4-BE49-F238E27FC236}">
-                <a16:creationId xmlns:a16="http://schemas.microsoft.com/office/drawing/2014/main" id="{F40ADDDA-83EE-A85E-670D-BD519BE2F316}"/>
-              </a:ext>
-            </a:extLst>
-          </p:cNvPr>
+            <a:endParaRPr lang="zh-CN" altLang="en-US"/>
+          </a:p>
+        </p:txBody>
+      </p:sp>
+      <p:sp>
+        <p:nvSpPr>
+          <p:cNvPr id="4" name="文本占位符 3"/>
           <p:cNvSpPr>
             <a:spLocks noGrp="1"/>
           </p:cNvSpPr>
@@ -3484,18 +4040,13 @@
               <a:rPr lang="zh-CN" altLang="en-US"/>
               <a:t>单击此处编辑母版文本样式</a:t>
             </a:r>
-          </a:p>
-        </p:txBody>
-      </p:sp>
-      <p:sp>
-        <p:nvSpPr>
-          <p:cNvPr id="5" name="日期占位符 4">
-            <a:extLst>
-              <a:ext uri="{FF2B5EF4-FFF2-40B4-BE49-F238E27FC236}">
-                <a16:creationId xmlns:a16="http://schemas.microsoft.com/office/drawing/2014/main" id="{8797E1C3-21CD-9B5E-7E5E-F2247B8BDAC6}"/>
-              </a:ext>
-            </a:extLst>
-          </p:cNvPr>
+            <a:endParaRPr lang="zh-CN" altLang="en-US"/>
+          </a:p>
+        </p:txBody>
+      </p:sp>
+      <p:sp>
+        <p:nvSpPr>
+          <p:cNvPr id="5" name="日期占位符 4"/>
           <p:cNvSpPr>
             <a:spLocks noGrp="1"/>
           </p:cNvSpPr>
@@ -3510,7 +4061,6 @@
           <a:p>
             <a:fld id="{B14948DB-0BE7-40D0-80F6-9094451DF04C}" type="datetimeFigureOut">
               <a:rPr lang="zh-CN" altLang="en-US" smtClean="0"/>
-              <a:t>2024/4/23</a:t>
             </a:fld>
             <a:endParaRPr lang="zh-CN" altLang="en-US"/>
           </a:p>
@@ -3518,13 +4068,7 @@
       </p:sp>
       <p:sp>
         <p:nvSpPr>
-          <p:cNvPr id="6" name="页脚占位符 5">
-            <a:extLst>
-              <a:ext uri="{FF2B5EF4-FFF2-40B4-BE49-F238E27FC236}">
-                <a16:creationId xmlns:a16="http://schemas.microsoft.com/office/drawing/2014/main" id="{91F365A3-7B12-3C6A-2973-8531E380CD65}"/>
-              </a:ext>
-            </a:extLst>
-          </p:cNvPr>
+          <p:cNvPr id="6" name="页脚占位符 5"/>
           <p:cNvSpPr>
             <a:spLocks noGrp="1"/>
           </p:cNvSpPr>
@@ -3543,13 +4087,7 @@
       </p:sp>
       <p:sp>
         <p:nvSpPr>
-          <p:cNvPr id="7" name="灯片编号占位符 6">
-            <a:extLst>
-              <a:ext uri="{FF2B5EF4-FFF2-40B4-BE49-F238E27FC236}">
-                <a16:creationId xmlns:a16="http://schemas.microsoft.com/office/drawing/2014/main" id="{91252668-71DA-015A-3526-949C29B5748E}"/>
-              </a:ext>
-            </a:extLst>
-          </p:cNvPr>
+          <p:cNvPr id="7" name="灯片编号占位符 6"/>
           <p:cNvSpPr>
             <a:spLocks noGrp="1"/>
           </p:cNvSpPr>
@@ -3564,18 +4102,12 @@
           <a:p>
             <a:fld id="{A7609F20-E83B-4856-BE88-6E7EAD044358}" type="slidenum">
               <a:rPr lang="zh-CN" altLang="en-US" smtClean="0"/>
-              <a:t>‹#›</a:t>
             </a:fld>
             <a:endParaRPr lang="zh-CN" altLang="en-US"/>
           </a:p>
         </p:txBody>
       </p:sp>
     </p:spTree>
-    <p:extLst>
-      <p:ext uri="{BB962C8B-B14F-4D97-AF65-F5344CB8AC3E}">
-        <p14:creationId xmlns:p14="http://schemas.microsoft.com/office/powerpoint/2010/main" val="2567357430"/>
-      </p:ext>
-    </p:extLst>
   </p:cSld>
   <p:clrMapOvr>
     <a:masterClrMapping/>
@@ -3602,13 +4134,7 @@
       </p:grpSpPr>
       <p:sp>
         <p:nvSpPr>
-          <p:cNvPr id="2" name="标题 1">
-            <a:extLst>
-              <a:ext uri="{FF2B5EF4-FFF2-40B4-BE49-F238E27FC236}">
-                <a16:creationId xmlns:a16="http://schemas.microsoft.com/office/drawing/2014/main" id="{C51E02EB-6C0D-925A-2FF3-59052223C092}"/>
-              </a:ext>
-            </a:extLst>
-          </p:cNvPr>
+          <p:cNvPr id="2" name="标题 1"/>
           <p:cNvSpPr>
             <a:spLocks noGrp="1"/>
           </p:cNvSpPr>
@@ -3634,18 +4160,13 @@
               <a:rPr lang="zh-CN" altLang="en-US"/>
               <a:t>单击此处编辑母版标题样式</a:t>
             </a:r>
-          </a:p>
-        </p:txBody>
-      </p:sp>
-      <p:sp>
-        <p:nvSpPr>
-          <p:cNvPr id="3" name="图片占位符 2">
-            <a:extLst>
-              <a:ext uri="{FF2B5EF4-FFF2-40B4-BE49-F238E27FC236}">
-                <a16:creationId xmlns:a16="http://schemas.microsoft.com/office/drawing/2014/main" id="{CA988EAC-E976-9D91-2BF0-C3C874386549}"/>
-              </a:ext>
-            </a:extLst>
-          </p:cNvPr>
+            <a:endParaRPr lang="zh-CN" altLang="en-US"/>
+          </a:p>
+        </p:txBody>
+      </p:sp>
+      <p:sp>
+        <p:nvSpPr>
+          <p:cNvPr id="3" name="图片占位符 2"/>
           <p:cNvSpPr>
             <a:spLocks noGrp="1"/>
           </p:cNvSpPr>
@@ -3706,13 +4227,7 @@
       </p:sp>
       <p:sp>
         <p:nvSpPr>
-          <p:cNvPr id="4" name="文本占位符 3">
-            <a:extLst>
-              <a:ext uri="{FF2B5EF4-FFF2-40B4-BE49-F238E27FC236}">
-                <a16:creationId xmlns:a16="http://schemas.microsoft.com/office/drawing/2014/main" id="{6BE28EAD-683F-025C-5CFF-4E9ACBC7017C}"/>
-              </a:ext>
-            </a:extLst>
-          </p:cNvPr>
+          <p:cNvPr id="4" name="文本占位符 3"/>
           <p:cNvSpPr>
             <a:spLocks noGrp="1"/>
           </p:cNvSpPr>
@@ -3772,18 +4287,13 @@
               <a:rPr lang="zh-CN" altLang="en-US"/>
               <a:t>单击此处编辑母版文本样式</a:t>
             </a:r>
-          </a:p>
-        </p:txBody>
-      </p:sp>
-      <p:sp>
-        <p:nvSpPr>
-          <p:cNvPr id="5" name="日期占位符 4">
-            <a:extLst>
-              <a:ext uri="{FF2B5EF4-FFF2-40B4-BE49-F238E27FC236}">
-                <a16:creationId xmlns:a16="http://schemas.microsoft.com/office/drawing/2014/main" id="{0131DF07-6BC0-B289-3DA9-4D3C6FA60175}"/>
-              </a:ext>
-            </a:extLst>
-          </p:cNvPr>
+            <a:endParaRPr lang="zh-CN" altLang="en-US"/>
+          </a:p>
+        </p:txBody>
+      </p:sp>
+      <p:sp>
+        <p:nvSpPr>
+          <p:cNvPr id="5" name="日期占位符 4"/>
           <p:cNvSpPr>
             <a:spLocks noGrp="1"/>
           </p:cNvSpPr>
@@ -3798,7 +4308,6 @@
           <a:p>
             <a:fld id="{B14948DB-0BE7-40D0-80F6-9094451DF04C}" type="datetimeFigureOut">
               <a:rPr lang="zh-CN" altLang="en-US" smtClean="0"/>
-              <a:t>2024/4/23</a:t>
             </a:fld>
             <a:endParaRPr lang="zh-CN" altLang="en-US"/>
           </a:p>
@@ -3806,13 +4315,7 @@
       </p:sp>
       <p:sp>
         <p:nvSpPr>
-          <p:cNvPr id="6" name="页脚占位符 5">
-            <a:extLst>
-              <a:ext uri="{FF2B5EF4-FFF2-40B4-BE49-F238E27FC236}">
-                <a16:creationId xmlns:a16="http://schemas.microsoft.com/office/drawing/2014/main" id="{CAEA8483-C6AE-4B57-D5A5-D9D3264886B4}"/>
-              </a:ext>
-            </a:extLst>
-          </p:cNvPr>
+          <p:cNvPr id="6" name="页脚占位符 5"/>
           <p:cNvSpPr>
             <a:spLocks noGrp="1"/>
           </p:cNvSpPr>
@@ -3831,13 +4334,7 @@
       </p:sp>
       <p:sp>
         <p:nvSpPr>
-          <p:cNvPr id="7" name="灯片编号占位符 6">
-            <a:extLst>
-              <a:ext uri="{FF2B5EF4-FFF2-40B4-BE49-F238E27FC236}">
-                <a16:creationId xmlns:a16="http://schemas.microsoft.com/office/drawing/2014/main" id="{9C549676-9312-73CC-B932-AFD0671B4418}"/>
-              </a:ext>
-            </a:extLst>
-          </p:cNvPr>
+          <p:cNvPr id="7" name="灯片编号占位符 6"/>
           <p:cNvSpPr>
             <a:spLocks noGrp="1"/>
           </p:cNvSpPr>
@@ -3852,18 +4349,12 @@
           <a:p>
             <a:fld id="{A7609F20-E83B-4856-BE88-6E7EAD044358}" type="slidenum">
               <a:rPr lang="zh-CN" altLang="en-US" smtClean="0"/>
-              <a:t>‹#›</a:t>
             </a:fld>
             <a:endParaRPr lang="zh-CN" altLang="en-US"/>
           </a:p>
         </p:txBody>
       </p:sp>
     </p:spTree>
-    <p:extLst>
-      <p:ext uri="{BB962C8B-B14F-4D97-AF65-F5344CB8AC3E}">
-        <p14:creationId xmlns:p14="http://schemas.microsoft.com/office/powerpoint/2010/main" val="3748297439"/>
-      </p:ext>
-    </p:extLst>
   </p:cSld>
   <p:clrMapOvr>
     <a:masterClrMapping/>
@@ -3890,13 +4381,7 @@
       </p:grpSpPr>
       <p:sp>
         <p:nvSpPr>
-          <p:cNvPr id="2" name="标题 1">
-            <a:extLst>
-              <a:ext uri="{FF2B5EF4-FFF2-40B4-BE49-F238E27FC236}">
-                <a16:creationId xmlns:a16="http://schemas.microsoft.com/office/drawing/2014/main" id="{602D4372-329E-EDE8-967A-786AF98D2177}"/>
-              </a:ext>
-            </a:extLst>
-          </p:cNvPr>
+          <p:cNvPr id="2" name="标题 1"/>
           <p:cNvSpPr>
             <a:spLocks noGrp="1"/>
           </p:cNvSpPr>
@@ -3913,18 +4398,13 @@
               <a:rPr lang="zh-CN" altLang="en-US"/>
               <a:t>单击此处编辑母版标题样式</a:t>
             </a:r>
-          </a:p>
-        </p:txBody>
-      </p:sp>
-      <p:sp>
-        <p:nvSpPr>
-          <p:cNvPr id="3" name="竖排文字占位符 2">
-            <a:extLst>
-              <a:ext uri="{FF2B5EF4-FFF2-40B4-BE49-F238E27FC236}">
-                <a16:creationId xmlns:a16="http://schemas.microsoft.com/office/drawing/2014/main" id="{BEE3D76B-EF61-E9F0-4145-2DD35BB93088}"/>
-              </a:ext>
-            </a:extLst>
-          </p:cNvPr>
+            <a:endParaRPr lang="zh-CN" altLang="en-US"/>
+          </a:p>
+        </p:txBody>
+      </p:sp>
+      <p:sp>
+        <p:nvSpPr>
+          <p:cNvPr id="3" name="竖排文字占位符 2"/>
           <p:cNvSpPr>
             <a:spLocks noGrp="1"/>
           </p:cNvSpPr>
@@ -3942,6 +4422,7 @@
               <a:rPr lang="zh-CN" altLang="en-US"/>
               <a:t>单击此处编辑母版文本样式</a:t>
             </a:r>
+            <a:endParaRPr lang="zh-CN" altLang="en-US"/>
           </a:p>
           <a:p>
             <a:pPr lvl="1"/>
@@ -3949,6 +4430,7 @@
               <a:rPr lang="zh-CN" altLang="en-US"/>
               <a:t>二级</a:t>
             </a:r>
+            <a:endParaRPr lang="zh-CN" altLang="en-US"/>
           </a:p>
           <a:p>
             <a:pPr lvl="2"/>
@@ -3956,6 +4438,7 @@
               <a:rPr lang="zh-CN" altLang="en-US"/>
               <a:t>三级</a:t>
             </a:r>
+            <a:endParaRPr lang="zh-CN" altLang="en-US"/>
           </a:p>
           <a:p>
             <a:pPr lvl="3"/>
@@ -3963,6 +4446,7 @@
               <a:rPr lang="zh-CN" altLang="en-US"/>
               <a:t>四级</a:t>
             </a:r>
+            <a:endParaRPr lang="zh-CN" altLang="en-US"/>
           </a:p>
           <a:p>
             <a:pPr lvl="4"/>
@@ -3970,18 +4454,13 @@
               <a:rPr lang="zh-CN" altLang="en-US"/>
               <a:t>五级</a:t>
             </a:r>
-          </a:p>
-        </p:txBody>
-      </p:sp>
-      <p:sp>
-        <p:nvSpPr>
-          <p:cNvPr id="4" name="日期占位符 3">
-            <a:extLst>
-              <a:ext uri="{FF2B5EF4-FFF2-40B4-BE49-F238E27FC236}">
-                <a16:creationId xmlns:a16="http://schemas.microsoft.com/office/drawing/2014/main" id="{A286F008-74EA-487D-02F7-BED59AE9879F}"/>
-              </a:ext>
-            </a:extLst>
-          </p:cNvPr>
+            <a:endParaRPr lang="zh-CN" altLang="en-US"/>
+          </a:p>
+        </p:txBody>
+      </p:sp>
+      <p:sp>
+        <p:nvSpPr>
+          <p:cNvPr id="4" name="日期占位符 3"/>
           <p:cNvSpPr>
             <a:spLocks noGrp="1"/>
           </p:cNvSpPr>
@@ -3996,7 +4475,6 @@
           <a:p>
             <a:fld id="{B14948DB-0BE7-40D0-80F6-9094451DF04C}" type="datetimeFigureOut">
               <a:rPr lang="zh-CN" altLang="en-US" smtClean="0"/>
-              <a:t>2024/4/23</a:t>
             </a:fld>
             <a:endParaRPr lang="zh-CN" altLang="en-US"/>
           </a:p>
@@ -4004,13 +4482,7 @@
       </p:sp>
       <p:sp>
         <p:nvSpPr>
-          <p:cNvPr id="5" name="页脚占位符 4">
-            <a:extLst>
-              <a:ext uri="{FF2B5EF4-FFF2-40B4-BE49-F238E27FC236}">
-                <a16:creationId xmlns:a16="http://schemas.microsoft.com/office/drawing/2014/main" id="{57C7D4F3-F360-D037-71BF-5F91033CFC3C}"/>
-              </a:ext>
-            </a:extLst>
-          </p:cNvPr>
+          <p:cNvPr id="5" name="页脚占位符 4"/>
           <p:cNvSpPr>
             <a:spLocks noGrp="1"/>
           </p:cNvSpPr>
@@ -4029,13 +4501,7 @@
       </p:sp>
       <p:sp>
         <p:nvSpPr>
-          <p:cNvPr id="6" name="灯片编号占位符 5">
-            <a:extLst>
-              <a:ext uri="{FF2B5EF4-FFF2-40B4-BE49-F238E27FC236}">
-                <a16:creationId xmlns:a16="http://schemas.microsoft.com/office/drawing/2014/main" id="{0899BFEA-EA2A-B542-ABDA-00C44B1679D4}"/>
-              </a:ext>
-            </a:extLst>
-          </p:cNvPr>
+          <p:cNvPr id="6" name="灯片编号占位符 5"/>
           <p:cNvSpPr>
             <a:spLocks noGrp="1"/>
           </p:cNvSpPr>
@@ -4050,18 +4516,12 @@
           <a:p>
             <a:fld id="{A7609F20-E83B-4856-BE88-6E7EAD044358}" type="slidenum">
               <a:rPr lang="zh-CN" altLang="en-US" smtClean="0"/>
-              <a:t>‹#›</a:t>
             </a:fld>
             <a:endParaRPr lang="zh-CN" altLang="en-US"/>
           </a:p>
         </p:txBody>
       </p:sp>
     </p:spTree>
-    <p:extLst>
-      <p:ext uri="{BB962C8B-B14F-4D97-AF65-F5344CB8AC3E}">
-        <p14:creationId xmlns:p14="http://schemas.microsoft.com/office/powerpoint/2010/main" val="3332822585"/>
-      </p:ext>
-    </p:extLst>
   </p:cSld>
   <p:clrMapOvr>
     <a:masterClrMapping/>
@@ -4088,13 +4548,7 @@
       </p:grpSpPr>
       <p:sp>
         <p:nvSpPr>
-          <p:cNvPr id="2" name="竖排标题 1">
-            <a:extLst>
-              <a:ext uri="{FF2B5EF4-FFF2-40B4-BE49-F238E27FC236}">
-                <a16:creationId xmlns:a16="http://schemas.microsoft.com/office/drawing/2014/main" id="{F6CD470E-9CAF-08C1-FBAA-F3BDF3B3F3A9}"/>
-              </a:ext>
-            </a:extLst>
-          </p:cNvPr>
+          <p:cNvPr id="2" name="竖排标题 1"/>
           <p:cNvSpPr>
             <a:spLocks noGrp="1"/>
           </p:cNvSpPr>
@@ -4116,18 +4570,13 @@
               <a:rPr lang="zh-CN" altLang="en-US"/>
               <a:t>单击此处编辑母版标题样式</a:t>
             </a:r>
-          </a:p>
-        </p:txBody>
-      </p:sp>
-      <p:sp>
-        <p:nvSpPr>
-          <p:cNvPr id="3" name="竖排文字占位符 2">
-            <a:extLst>
-              <a:ext uri="{FF2B5EF4-FFF2-40B4-BE49-F238E27FC236}">
-                <a16:creationId xmlns:a16="http://schemas.microsoft.com/office/drawing/2014/main" id="{956800D3-D556-1570-6449-B3953579F15D}"/>
-              </a:ext>
-            </a:extLst>
-          </p:cNvPr>
+            <a:endParaRPr lang="zh-CN" altLang="en-US"/>
+          </a:p>
+        </p:txBody>
+      </p:sp>
+      <p:sp>
+        <p:nvSpPr>
+          <p:cNvPr id="3" name="竖排文字占位符 2"/>
           <p:cNvSpPr>
             <a:spLocks noGrp="1"/>
           </p:cNvSpPr>
@@ -4150,6 +4599,7 @@
               <a:rPr lang="zh-CN" altLang="en-US"/>
               <a:t>单击此处编辑母版文本样式</a:t>
             </a:r>
+            <a:endParaRPr lang="zh-CN" altLang="en-US"/>
           </a:p>
           <a:p>
             <a:pPr lvl="1"/>
@@ -4157,6 +4607,7 @@
               <a:rPr lang="zh-CN" altLang="en-US"/>
               <a:t>二级</a:t>
             </a:r>
+            <a:endParaRPr lang="zh-CN" altLang="en-US"/>
           </a:p>
           <a:p>
             <a:pPr lvl="2"/>
@@ -4164,6 +4615,7 @@
               <a:rPr lang="zh-CN" altLang="en-US"/>
               <a:t>三级</a:t>
             </a:r>
+            <a:endParaRPr lang="zh-CN" altLang="en-US"/>
           </a:p>
           <a:p>
             <a:pPr lvl="3"/>
@@ -4171,6 +4623,7 @@
               <a:rPr lang="zh-CN" altLang="en-US"/>
               <a:t>四级</a:t>
             </a:r>
+            <a:endParaRPr lang="zh-CN" altLang="en-US"/>
           </a:p>
           <a:p>
             <a:pPr lvl="4"/>
@@ -4178,18 +4631,13 @@
               <a:rPr lang="zh-CN" altLang="en-US"/>
               <a:t>五级</a:t>
             </a:r>
-          </a:p>
-        </p:txBody>
-      </p:sp>
-      <p:sp>
-        <p:nvSpPr>
-          <p:cNvPr id="4" name="日期占位符 3">
-            <a:extLst>
-              <a:ext uri="{FF2B5EF4-FFF2-40B4-BE49-F238E27FC236}">
-                <a16:creationId xmlns:a16="http://schemas.microsoft.com/office/drawing/2014/main" id="{40F73D02-4936-6650-81CC-4DF39D4DB4ED}"/>
-              </a:ext>
-            </a:extLst>
-          </p:cNvPr>
+            <a:endParaRPr lang="zh-CN" altLang="en-US"/>
+          </a:p>
+        </p:txBody>
+      </p:sp>
+      <p:sp>
+        <p:nvSpPr>
+          <p:cNvPr id="4" name="日期占位符 3"/>
           <p:cNvSpPr>
             <a:spLocks noGrp="1"/>
           </p:cNvSpPr>
@@ -4204,7 +4652,6 @@
           <a:p>
             <a:fld id="{B14948DB-0BE7-40D0-80F6-9094451DF04C}" type="datetimeFigureOut">
               <a:rPr lang="zh-CN" altLang="en-US" smtClean="0"/>
-              <a:t>2024/4/23</a:t>
             </a:fld>
             <a:endParaRPr lang="zh-CN" altLang="en-US"/>
           </a:p>
@@ -4212,13 +4659,7 @@
       </p:sp>
       <p:sp>
         <p:nvSpPr>
-          <p:cNvPr id="5" name="页脚占位符 4">
-            <a:extLst>
-              <a:ext uri="{FF2B5EF4-FFF2-40B4-BE49-F238E27FC236}">
-                <a16:creationId xmlns:a16="http://schemas.microsoft.com/office/drawing/2014/main" id="{9840447E-0302-2AD6-A458-D3227D7221AE}"/>
-              </a:ext>
-            </a:extLst>
-          </p:cNvPr>
+          <p:cNvPr id="5" name="页脚占位符 4"/>
           <p:cNvSpPr>
             <a:spLocks noGrp="1"/>
           </p:cNvSpPr>
@@ -4237,13 +4678,7 @@
       </p:sp>
       <p:sp>
         <p:nvSpPr>
-          <p:cNvPr id="6" name="灯片编号占位符 5">
-            <a:extLst>
-              <a:ext uri="{FF2B5EF4-FFF2-40B4-BE49-F238E27FC236}">
-                <a16:creationId xmlns:a16="http://schemas.microsoft.com/office/drawing/2014/main" id="{24691C8D-E130-EEFF-CC4C-F733314BCF79}"/>
-              </a:ext>
-            </a:extLst>
-          </p:cNvPr>
+          <p:cNvPr id="6" name="灯片编号占位符 5"/>
           <p:cNvSpPr>
             <a:spLocks noGrp="1"/>
           </p:cNvSpPr>
@@ -4258,18 +4693,12 @@
           <a:p>
             <a:fld id="{A7609F20-E83B-4856-BE88-6E7EAD044358}" type="slidenum">
               <a:rPr lang="zh-CN" altLang="en-US" smtClean="0"/>
-              <a:t>‹#›</a:t>
             </a:fld>
             <a:endParaRPr lang="zh-CN" altLang="en-US"/>
           </a:p>
         </p:txBody>
       </p:sp>
     </p:spTree>
-    <p:extLst>
-      <p:ext uri="{BB962C8B-B14F-4D97-AF65-F5344CB8AC3E}">
-        <p14:creationId xmlns:p14="http://schemas.microsoft.com/office/powerpoint/2010/main" val="2953915565"/>
-      </p:ext>
-    </p:extLst>
   </p:cSld>
   <p:clrMapOvr>
     <a:masterClrMapping/>
@@ -4296,13 +4725,7 @@
       </p:grpSpPr>
       <p:sp>
         <p:nvSpPr>
-          <p:cNvPr id="2" name="标题 1">
-            <a:extLst>
-              <a:ext uri="{FF2B5EF4-FFF2-40B4-BE49-F238E27FC236}">
-                <a16:creationId xmlns:a16="http://schemas.microsoft.com/office/drawing/2014/main" id="{7E7680B9-C9E1-BDF7-CC73-536AED566AFE}"/>
-              </a:ext>
-            </a:extLst>
-          </p:cNvPr>
+          <p:cNvPr id="2" name="标题 1"/>
           <p:cNvSpPr>
             <a:spLocks noGrp="1"/>
           </p:cNvSpPr>
@@ -4328,18 +4751,13 @@
               <a:rPr lang="zh-CN" altLang="en-US"/>
               <a:t>单击此处编辑母版标题样式</a:t>
             </a:r>
-          </a:p>
-        </p:txBody>
-      </p:sp>
-      <p:sp>
-        <p:nvSpPr>
-          <p:cNvPr id="3" name="文本占位符 2">
-            <a:extLst>
-              <a:ext uri="{FF2B5EF4-FFF2-40B4-BE49-F238E27FC236}">
-                <a16:creationId xmlns:a16="http://schemas.microsoft.com/office/drawing/2014/main" id="{38ACF7A0-5EB5-7100-F3B8-6AC32D0ACFFD}"/>
-              </a:ext>
-            </a:extLst>
-          </p:cNvPr>
+            <a:endParaRPr lang="zh-CN" altLang="en-US"/>
+          </a:p>
+        </p:txBody>
+      </p:sp>
+      <p:sp>
+        <p:nvSpPr>
+          <p:cNvPr id="3" name="文本占位符 2"/>
           <p:cNvSpPr>
             <a:spLocks noGrp="1"/>
           </p:cNvSpPr>
@@ -4453,18 +4871,13 @@
               <a:rPr lang="zh-CN" altLang="en-US"/>
               <a:t>单击此处编辑母版文本样式</a:t>
             </a:r>
-          </a:p>
-        </p:txBody>
-      </p:sp>
-      <p:sp>
-        <p:nvSpPr>
-          <p:cNvPr id="4" name="日期占位符 3">
-            <a:extLst>
-              <a:ext uri="{FF2B5EF4-FFF2-40B4-BE49-F238E27FC236}">
-                <a16:creationId xmlns:a16="http://schemas.microsoft.com/office/drawing/2014/main" id="{2A956EBE-52F8-2E04-6671-99519EC0D7F9}"/>
-              </a:ext>
-            </a:extLst>
-          </p:cNvPr>
+            <a:endParaRPr lang="zh-CN" altLang="en-US"/>
+          </a:p>
+        </p:txBody>
+      </p:sp>
+      <p:sp>
+        <p:nvSpPr>
+          <p:cNvPr id="4" name="日期占位符 3"/>
           <p:cNvSpPr>
             <a:spLocks noGrp="1"/>
           </p:cNvSpPr>
@@ -4479,7 +4892,6 @@
           <a:p>
             <a:fld id="{DEDA17D1-6590-4570-9DF1-29A4B3C6B8EE}" type="datetimeFigureOut">
               <a:rPr lang="zh-CN" altLang="en-US" smtClean="0"/>
-              <a:t>2024/4/23</a:t>
             </a:fld>
             <a:endParaRPr lang="zh-CN" altLang="en-US"/>
           </a:p>
@@ -4487,13 +4899,7 @@
       </p:sp>
       <p:sp>
         <p:nvSpPr>
-          <p:cNvPr id="5" name="页脚占位符 4">
-            <a:extLst>
-              <a:ext uri="{FF2B5EF4-FFF2-40B4-BE49-F238E27FC236}">
-                <a16:creationId xmlns:a16="http://schemas.microsoft.com/office/drawing/2014/main" id="{3FB639B8-CEAF-79C7-BF8C-CB8BFD936027}"/>
-              </a:ext>
-            </a:extLst>
-          </p:cNvPr>
+          <p:cNvPr id="5" name="页脚占位符 4"/>
           <p:cNvSpPr>
             <a:spLocks noGrp="1"/>
           </p:cNvSpPr>
@@ -4512,13 +4918,7 @@
       </p:sp>
       <p:sp>
         <p:nvSpPr>
-          <p:cNvPr id="6" name="灯片编号占位符 5">
-            <a:extLst>
-              <a:ext uri="{FF2B5EF4-FFF2-40B4-BE49-F238E27FC236}">
-                <a16:creationId xmlns:a16="http://schemas.microsoft.com/office/drawing/2014/main" id="{90492793-81EC-338A-A11B-8C36C191F3C0}"/>
-              </a:ext>
-            </a:extLst>
-          </p:cNvPr>
+          <p:cNvPr id="6" name="灯片编号占位符 5"/>
           <p:cNvSpPr>
             <a:spLocks noGrp="1"/>
           </p:cNvSpPr>
@@ -4533,18 +4933,12 @@
           <a:p>
             <a:fld id="{2ED1A831-4F8E-4053-B593-46016C4082BA}" type="slidenum">
               <a:rPr lang="zh-CN" altLang="en-US" smtClean="0"/>
-              <a:t>‹#›</a:t>
             </a:fld>
             <a:endParaRPr lang="zh-CN" altLang="en-US"/>
           </a:p>
         </p:txBody>
       </p:sp>
     </p:spTree>
-    <p:extLst>
-      <p:ext uri="{BB962C8B-B14F-4D97-AF65-F5344CB8AC3E}">
-        <p14:creationId xmlns:p14="http://schemas.microsoft.com/office/powerpoint/2010/main" val="4092209825"/>
-      </p:ext>
-    </p:extLst>
   </p:cSld>
   <p:clrMapOvr>
     <a:masterClrMapping/>
@@ -4571,13 +4965,7 @@
       </p:grpSpPr>
       <p:sp>
         <p:nvSpPr>
-          <p:cNvPr id="2" name="标题 1">
-            <a:extLst>
-              <a:ext uri="{FF2B5EF4-FFF2-40B4-BE49-F238E27FC236}">
-                <a16:creationId xmlns:a16="http://schemas.microsoft.com/office/drawing/2014/main" id="{CE5CABEA-4520-D656-0B57-6267A488C251}"/>
-              </a:ext>
-            </a:extLst>
-          </p:cNvPr>
+          <p:cNvPr id="2" name="标题 1"/>
           <p:cNvSpPr>
             <a:spLocks noGrp="1"/>
           </p:cNvSpPr>
@@ -4594,18 +4982,13 @@
               <a:rPr lang="zh-CN" altLang="en-US"/>
               <a:t>单击此处编辑母版标题样式</a:t>
             </a:r>
-          </a:p>
-        </p:txBody>
-      </p:sp>
-      <p:sp>
-        <p:nvSpPr>
-          <p:cNvPr id="3" name="内容占位符 2">
-            <a:extLst>
-              <a:ext uri="{FF2B5EF4-FFF2-40B4-BE49-F238E27FC236}">
-                <a16:creationId xmlns:a16="http://schemas.microsoft.com/office/drawing/2014/main" id="{2100E9C1-9EE0-69CF-D4E1-6C5F675F0040}"/>
-              </a:ext>
-            </a:extLst>
-          </p:cNvPr>
+            <a:endParaRPr lang="zh-CN" altLang="en-US"/>
+          </a:p>
+        </p:txBody>
+      </p:sp>
+      <p:sp>
+        <p:nvSpPr>
+          <p:cNvPr id="3" name="内容占位符 2"/>
           <p:cNvSpPr>
             <a:spLocks noGrp="1"/>
           </p:cNvSpPr>
@@ -4628,6 +5011,7 @@
               <a:rPr lang="zh-CN" altLang="en-US"/>
               <a:t>单击此处编辑母版文本样式</a:t>
             </a:r>
+            <a:endParaRPr lang="zh-CN" altLang="en-US"/>
           </a:p>
           <a:p>
             <a:pPr lvl="1"/>
@@ -4635,6 +5019,7 @@
               <a:rPr lang="zh-CN" altLang="en-US"/>
               <a:t>二级</a:t>
             </a:r>
+            <a:endParaRPr lang="zh-CN" altLang="en-US"/>
           </a:p>
           <a:p>
             <a:pPr lvl="2"/>
@@ -4642,6 +5027,7 @@
               <a:rPr lang="zh-CN" altLang="en-US"/>
               <a:t>三级</a:t>
             </a:r>
+            <a:endParaRPr lang="zh-CN" altLang="en-US"/>
           </a:p>
           <a:p>
             <a:pPr lvl="3"/>
@@ -4649,6 +5035,7 @@
               <a:rPr lang="zh-CN" altLang="en-US"/>
               <a:t>四级</a:t>
             </a:r>
+            <a:endParaRPr lang="zh-CN" altLang="en-US"/>
           </a:p>
           <a:p>
             <a:pPr lvl="4"/>
@@ -4656,18 +5043,13 @@
               <a:rPr lang="zh-CN" altLang="en-US"/>
               <a:t>五级</a:t>
             </a:r>
-          </a:p>
-        </p:txBody>
-      </p:sp>
-      <p:sp>
-        <p:nvSpPr>
-          <p:cNvPr id="4" name="内容占位符 3">
-            <a:extLst>
-              <a:ext uri="{FF2B5EF4-FFF2-40B4-BE49-F238E27FC236}">
-                <a16:creationId xmlns:a16="http://schemas.microsoft.com/office/drawing/2014/main" id="{55A1BC64-BE81-B8E2-C6EC-C315A8FF3917}"/>
-              </a:ext>
-            </a:extLst>
-          </p:cNvPr>
+            <a:endParaRPr lang="zh-CN" altLang="en-US"/>
+          </a:p>
+        </p:txBody>
+      </p:sp>
+      <p:sp>
+        <p:nvSpPr>
+          <p:cNvPr id="4" name="内容占位符 3"/>
           <p:cNvSpPr>
             <a:spLocks noGrp="1"/>
           </p:cNvSpPr>
@@ -4690,6 +5072,7 @@
               <a:rPr lang="zh-CN" altLang="en-US"/>
               <a:t>单击此处编辑母版文本样式</a:t>
             </a:r>
+            <a:endParaRPr lang="zh-CN" altLang="en-US"/>
           </a:p>
           <a:p>
             <a:pPr lvl="1"/>
@@ -4697,6 +5080,7 @@
               <a:rPr lang="zh-CN" altLang="en-US"/>
               <a:t>二级</a:t>
             </a:r>
+            <a:endParaRPr lang="zh-CN" altLang="en-US"/>
           </a:p>
           <a:p>
             <a:pPr lvl="2"/>
@@ -4704,6 +5088,7 @@
               <a:rPr lang="zh-CN" altLang="en-US"/>
               <a:t>三级</a:t>
             </a:r>
+            <a:endParaRPr lang="zh-CN" altLang="en-US"/>
           </a:p>
           <a:p>
             <a:pPr lvl="3"/>
@@ -4711,6 +5096,7 @@
               <a:rPr lang="zh-CN" altLang="en-US"/>
               <a:t>四级</a:t>
             </a:r>
+            <a:endParaRPr lang="zh-CN" altLang="en-US"/>
           </a:p>
           <a:p>
             <a:pPr lvl="4"/>
@@ -4718,18 +5104,13 @@
               <a:rPr lang="zh-CN" altLang="en-US"/>
               <a:t>五级</a:t>
             </a:r>
-          </a:p>
-        </p:txBody>
-      </p:sp>
-      <p:sp>
-        <p:nvSpPr>
-          <p:cNvPr id="5" name="日期占位符 4">
-            <a:extLst>
-              <a:ext uri="{FF2B5EF4-FFF2-40B4-BE49-F238E27FC236}">
-                <a16:creationId xmlns:a16="http://schemas.microsoft.com/office/drawing/2014/main" id="{CA2C64A0-802D-0AD7-B24A-9B7F8FBEF685}"/>
-              </a:ext>
-            </a:extLst>
-          </p:cNvPr>
+            <a:endParaRPr lang="zh-CN" altLang="en-US"/>
+          </a:p>
+        </p:txBody>
+      </p:sp>
+      <p:sp>
+        <p:nvSpPr>
+          <p:cNvPr id="5" name="日期占位符 4"/>
           <p:cNvSpPr>
             <a:spLocks noGrp="1"/>
           </p:cNvSpPr>
@@ -4744,7 +5125,6 @@
           <a:p>
             <a:fld id="{DEDA17D1-6590-4570-9DF1-29A4B3C6B8EE}" type="datetimeFigureOut">
               <a:rPr lang="zh-CN" altLang="en-US" smtClean="0"/>
-              <a:t>2024/4/23</a:t>
             </a:fld>
             <a:endParaRPr lang="zh-CN" altLang="en-US"/>
           </a:p>
@@ -4752,13 +5132,7 @@
       </p:sp>
       <p:sp>
         <p:nvSpPr>
-          <p:cNvPr id="6" name="页脚占位符 5">
-            <a:extLst>
-              <a:ext uri="{FF2B5EF4-FFF2-40B4-BE49-F238E27FC236}">
-                <a16:creationId xmlns:a16="http://schemas.microsoft.com/office/drawing/2014/main" id="{8678FA37-48A5-5277-C7EA-BB0D7C85B7CB}"/>
-              </a:ext>
-            </a:extLst>
-          </p:cNvPr>
+          <p:cNvPr id="6" name="页脚占位符 5"/>
           <p:cNvSpPr>
             <a:spLocks noGrp="1"/>
           </p:cNvSpPr>
@@ -4777,13 +5151,7 @@
       </p:sp>
       <p:sp>
         <p:nvSpPr>
-          <p:cNvPr id="7" name="灯片编号占位符 6">
-            <a:extLst>
-              <a:ext uri="{FF2B5EF4-FFF2-40B4-BE49-F238E27FC236}">
-                <a16:creationId xmlns:a16="http://schemas.microsoft.com/office/drawing/2014/main" id="{31B63173-B07A-1E0E-E44A-70DD961D4059}"/>
-              </a:ext>
-            </a:extLst>
-          </p:cNvPr>
+          <p:cNvPr id="7" name="灯片编号占位符 6"/>
           <p:cNvSpPr>
             <a:spLocks noGrp="1"/>
           </p:cNvSpPr>
@@ -4798,18 +5166,12 @@
           <a:p>
             <a:fld id="{2ED1A831-4F8E-4053-B593-46016C4082BA}" type="slidenum">
               <a:rPr lang="zh-CN" altLang="en-US" smtClean="0"/>
-              <a:t>‹#›</a:t>
             </a:fld>
             <a:endParaRPr lang="zh-CN" altLang="en-US"/>
           </a:p>
         </p:txBody>
       </p:sp>
     </p:spTree>
-    <p:extLst>
-      <p:ext uri="{BB962C8B-B14F-4D97-AF65-F5344CB8AC3E}">
-        <p14:creationId xmlns:p14="http://schemas.microsoft.com/office/powerpoint/2010/main" val="659556514"/>
-      </p:ext>
-    </p:extLst>
   </p:cSld>
   <p:clrMapOvr>
     <a:masterClrMapping/>
@@ -4845,13 +5207,7 @@
       </p:grpSpPr>
       <p:sp>
         <p:nvSpPr>
-          <p:cNvPr id="2" name="标题 1">
-            <a:extLst>
-              <a:ext uri="{FF2B5EF4-FFF2-40B4-BE49-F238E27FC236}">
-                <a16:creationId xmlns:a16="http://schemas.microsoft.com/office/drawing/2014/main" id="{B0F472AC-7748-3A4A-C6A3-163A65836712}"/>
-              </a:ext>
-            </a:extLst>
-          </p:cNvPr>
+          <p:cNvPr id="2" name="标题 1"/>
           <p:cNvSpPr>
             <a:spLocks noGrp="1"/>
           </p:cNvSpPr>
@@ -4873,18 +5229,13 @@
               <a:rPr lang="zh-CN" altLang="en-US"/>
               <a:t>单击此处编辑母版标题样式</a:t>
             </a:r>
-          </a:p>
-        </p:txBody>
-      </p:sp>
-      <p:sp>
-        <p:nvSpPr>
-          <p:cNvPr id="3" name="文本占位符 2">
-            <a:extLst>
-              <a:ext uri="{FF2B5EF4-FFF2-40B4-BE49-F238E27FC236}">
-                <a16:creationId xmlns:a16="http://schemas.microsoft.com/office/drawing/2014/main" id="{305FAA42-3A8D-45AE-35F7-EC47E381A803}"/>
-              </a:ext>
-            </a:extLst>
-          </p:cNvPr>
+            <a:endParaRPr lang="zh-CN" altLang="en-US"/>
+          </a:p>
+        </p:txBody>
+      </p:sp>
+      <p:sp>
+        <p:nvSpPr>
+          <p:cNvPr id="3" name="文本占位符 2"/>
           <p:cNvSpPr>
             <a:spLocks noGrp="1"/>
           </p:cNvSpPr>
@@ -4944,18 +5295,13 @@
               <a:rPr lang="zh-CN" altLang="en-US"/>
               <a:t>单击此处编辑母版文本样式</a:t>
             </a:r>
-          </a:p>
-        </p:txBody>
-      </p:sp>
-      <p:sp>
-        <p:nvSpPr>
-          <p:cNvPr id="4" name="内容占位符 3">
-            <a:extLst>
-              <a:ext uri="{FF2B5EF4-FFF2-40B4-BE49-F238E27FC236}">
-                <a16:creationId xmlns:a16="http://schemas.microsoft.com/office/drawing/2014/main" id="{4262F4B8-CE62-035C-BDB6-C1EEB9040B8D}"/>
-              </a:ext>
-            </a:extLst>
-          </p:cNvPr>
+            <a:endParaRPr lang="zh-CN" altLang="en-US"/>
+          </a:p>
+        </p:txBody>
+      </p:sp>
+      <p:sp>
+        <p:nvSpPr>
+          <p:cNvPr id="4" name="内容占位符 3"/>
           <p:cNvSpPr>
             <a:spLocks noGrp="1"/>
           </p:cNvSpPr>
@@ -4978,6 +5324,7 @@
               <a:rPr lang="zh-CN" altLang="en-US"/>
               <a:t>单击此处编辑母版文本样式</a:t>
             </a:r>
+            <a:endParaRPr lang="zh-CN" altLang="en-US"/>
           </a:p>
           <a:p>
             <a:pPr lvl="1"/>
@@ -4985,6 +5332,7 @@
               <a:rPr lang="zh-CN" altLang="en-US"/>
               <a:t>二级</a:t>
             </a:r>
+            <a:endParaRPr lang="zh-CN" altLang="en-US"/>
           </a:p>
           <a:p>
             <a:pPr lvl="2"/>
@@ -4992,6 +5340,7 @@
               <a:rPr lang="zh-CN" altLang="en-US"/>
               <a:t>三级</a:t>
             </a:r>
+            <a:endParaRPr lang="zh-CN" altLang="en-US"/>
           </a:p>
           <a:p>
             <a:pPr lvl="3"/>
@@ -4999,6 +5348,7 @@
               <a:rPr lang="zh-CN" altLang="en-US"/>
               <a:t>四级</a:t>
             </a:r>
+            <a:endParaRPr lang="zh-CN" altLang="en-US"/>
           </a:p>
           <a:p>
             <a:pPr lvl="4"/>
@@ -5006,18 +5356,13 @@
               <a:rPr lang="zh-CN" altLang="en-US"/>
               <a:t>五级</a:t>
             </a:r>
-          </a:p>
-        </p:txBody>
-      </p:sp>
-      <p:sp>
-        <p:nvSpPr>
-          <p:cNvPr id="5" name="文本占位符 4">
-            <a:extLst>
-              <a:ext uri="{FF2B5EF4-FFF2-40B4-BE49-F238E27FC236}">
-                <a16:creationId xmlns:a16="http://schemas.microsoft.com/office/drawing/2014/main" id="{E0021769-E560-19EC-A014-CF59E4AB3026}"/>
-              </a:ext>
-            </a:extLst>
-          </p:cNvPr>
+            <a:endParaRPr lang="zh-CN" altLang="en-US"/>
+          </a:p>
+        </p:txBody>
+      </p:sp>
+      <p:sp>
+        <p:nvSpPr>
+          <p:cNvPr id="5" name="文本占位符 4"/>
           <p:cNvSpPr>
             <a:spLocks noGrp="1"/>
           </p:cNvSpPr>
@@ -5077,18 +5422,13 @@
               <a:rPr lang="zh-CN" altLang="en-US"/>
               <a:t>单击此处编辑母版文本样式</a:t>
             </a:r>
-          </a:p>
-        </p:txBody>
-      </p:sp>
-      <p:sp>
-        <p:nvSpPr>
-          <p:cNvPr id="6" name="内容占位符 5">
-            <a:extLst>
-              <a:ext uri="{FF2B5EF4-FFF2-40B4-BE49-F238E27FC236}">
-                <a16:creationId xmlns:a16="http://schemas.microsoft.com/office/drawing/2014/main" id="{F85177DF-55C1-E6DE-A64C-72FDA3099D4B}"/>
-              </a:ext>
-            </a:extLst>
-          </p:cNvPr>
+            <a:endParaRPr lang="zh-CN" altLang="en-US"/>
+          </a:p>
+        </p:txBody>
+      </p:sp>
+      <p:sp>
+        <p:nvSpPr>
+          <p:cNvPr id="6" name="内容占位符 5"/>
           <p:cNvSpPr>
             <a:spLocks noGrp="1"/>
           </p:cNvSpPr>
@@ -5111,6 +5451,7 @@
               <a:rPr lang="zh-CN" altLang="en-US"/>
               <a:t>单击此处编辑母版文本样式</a:t>
             </a:r>
+            <a:endParaRPr lang="zh-CN" altLang="en-US"/>
           </a:p>
           <a:p>
             <a:pPr lvl="1"/>
@@ -5118,6 +5459,7 @@
               <a:rPr lang="zh-CN" altLang="en-US"/>
               <a:t>二级</a:t>
             </a:r>
+            <a:endParaRPr lang="zh-CN" altLang="en-US"/>
           </a:p>
           <a:p>
             <a:pPr lvl="2"/>
@@ -5125,6 +5467,7 @@
               <a:rPr lang="zh-CN" altLang="en-US"/>
               <a:t>三级</a:t>
             </a:r>
+            <a:endParaRPr lang="zh-CN" altLang="en-US"/>
           </a:p>
           <a:p>
             <a:pPr lvl="3"/>
@@ -5132,6 +5475,7 @@
               <a:rPr lang="zh-CN" altLang="en-US"/>
               <a:t>四级</a:t>
             </a:r>
+            <a:endParaRPr lang="zh-CN" altLang="en-US"/>
           </a:p>
           <a:p>
             <a:pPr lvl="4"/>
@@ -5139,18 +5483,13 @@
               <a:rPr lang="zh-CN" altLang="en-US"/>
               <a:t>五级</a:t>
             </a:r>
-          </a:p>
-        </p:txBody>
-      </p:sp>
-      <p:sp>
-        <p:nvSpPr>
-          <p:cNvPr id="7" name="日期占位符 6">
-            <a:extLst>
-              <a:ext uri="{FF2B5EF4-FFF2-40B4-BE49-F238E27FC236}">
-                <a16:creationId xmlns:a16="http://schemas.microsoft.com/office/drawing/2014/main" id="{6380D2A3-9D44-5139-19E9-5E7DAD01DCC0}"/>
-              </a:ext>
-            </a:extLst>
-          </p:cNvPr>
+            <a:endParaRPr lang="zh-CN" altLang="en-US"/>
+          </a:p>
+        </p:txBody>
+      </p:sp>
+      <p:sp>
+        <p:nvSpPr>
+          <p:cNvPr id="7" name="日期占位符 6"/>
           <p:cNvSpPr>
             <a:spLocks noGrp="1"/>
           </p:cNvSpPr>
@@ -5165,7 +5504,6 @@
           <a:p>
             <a:fld id="{DEDA17D1-6590-4570-9DF1-29A4B3C6B8EE}" type="datetimeFigureOut">
               <a:rPr lang="zh-CN" altLang="en-US" smtClean="0"/>
-              <a:t>2024/4/23</a:t>
             </a:fld>
             <a:endParaRPr lang="zh-CN" altLang="en-US"/>
           </a:p>
@@ -5173,13 +5511,7 @@
       </p:sp>
       <p:sp>
         <p:nvSpPr>
-          <p:cNvPr id="8" name="页脚占位符 7">
-            <a:extLst>
-              <a:ext uri="{FF2B5EF4-FFF2-40B4-BE49-F238E27FC236}">
-                <a16:creationId xmlns:a16="http://schemas.microsoft.com/office/drawing/2014/main" id="{20437EFE-431A-D65C-A2E7-063FEEF8A098}"/>
-              </a:ext>
-            </a:extLst>
-          </p:cNvPr>
+          <p:cNvPr id="8" name="页脚占位符 7"/>
           <p:cNvSpPr>
             <a:spLocks noGrp="1"/>
           </p:cNvSpPr>
@@ -5198,13 +5530,7 @@
       </p:sp>
       <p:sp>
         <p:nvSpPr>
-          <p:cNvPr id="9" name="灯片编号占位符 8">
-            <a:extLst>
-              <a:ext uri="{FF2B5EF4-FFF2-40B4-BE49-F238E27FC236}">
-                <a16:creationId xmlns:a16="http://schemas.microsoft.com/office/drawing/2014/main" id="{DA6F7527-241A-4F5D-45D9-A671ACDF7D04}"/>
-              </a:ext>
-            </a:extLst>
-          </p:cNvPr>
+          <p:cNvPr id="9" name="灯片编号占位符 8"/>
           <p:cNvSpPr>
             <a:spLocks noGrp="1"/>
           </p:cNvSpPr>
@@ -5219,18 +5545,12 @@
           <a:p>
             <a:fld id="{2ED1A831-4F8E-4053-B593-46016C4082BA}" type="slidenum">
               <a:rPr lang="zh-CN" altLang="en-US" smtClean="0"/>
-              <a:t>‹#›</a:t>
             </a:fld>
             <a:endParaRPr lang="zh-CN" altLang="en-US"/>
           </a:p>
         </p:txBody>
       </p:sp>
     </p:spTree>
-    <p:extLst>
-      <p:ext uri="{BB962C8B-B14F-4D97-AF65-F5344CB8AC3E}">
-        <p14:creationId xmlns:p14="http://schemas.microsoft.com/office/powerpoint/2010/main" val="770444760"/>
-      </p:ext>
-    </p:extLst>
   </p:cSld>
   <p:clrMapOvr>
     <a:masterClrMapping/>
@@ -5257,13 +5577,7 @@
       </p:grpSpPr>
       <p:sp>
         <p:nvSpPr>
-          <p:cNvPr id="2" name="标题 1">
-            <a:extLst>
-              <a:ext uri="{FF2B5EF4-FFF2-40B4-BE49-F238E27FC236}">
-                <a16:creationId xmlns:a16="http://schemas.microsoft.com/office/drawing/2014/main" id="{9EDEA76D-4C96-E111-9C0B-C826D6759A2C}"/>
-              </a:ext>
-            </a:extLst>
-          </p:cNvPr>
+          <p:cNvPr id="2" name="标题 1"/>
           <p:cNvSpPr>
             <a:spLocks noGrp="1"/>
           </p:cNvSpPr>
@@ -5280,18 +5594,13 @@
               <a:rPr lang="zh-CN" altLang="en-US"/>
               <a:t>单击此处编辑母版标题样式</a:t>
             </a:r>
-          </a:p>
-        </p:txBody>
-      </p:sp>
-      <p:sp>
-        <p:nvSpPr>
-          <p:cNvPr id="3" name="日期占位符 2">
-            <a:extLst>
-              <a:ext uri="{FF2B5EF4-FFF2-40B4-BE49-F238E27FC236}">
-                <a16:creationId xmlns:a16="http://schemas.microsoft.com/office/drawing/2014/main" id="{3039F3C4-90B1-0E7D-B4F4-A1B9B4FB6A30}"/>
-              </a:ext>
-            </a:extLst>
-          </p:cNvPr>
+            <a:endParaRPr lang="zh-CN" altLang="en-US"/>
+          </a:p>
+        </p:txBody>
+      </p:sp>
+      <p:sp>
+        <p:nvSpPr>
+          <p:cNvPr id="3" name="日期占位符 2"/>
           <p:cNvSpPr>
             <a:spLocks noGrp="1"/>
           </p:cNvSpPr>
@@ -5306,7 +5615,6 @@
           <a:p>
             <a:fld id="{DEDA17D1-6590-4570-9DF1-29A4B3C6B8EE}" type="datetimeFigureOut">
               <a:rPr lang="zh-CN" altLang="en-US" smtClean="0"/>
-              <a:t>2024/4/23</a:t>
             </a:fld>
             <a:endParaRPr lang="zh-CN" altLang="en-US"/>
           </a:p>
@@ -5314,13 +5622,7 @@
       </p:sp>
       <p:sp>
         <p:nvSpPr>
-          <p:cNvPr id="4" name="页脚占位符 3">
-            <a:extLst>
-              <a:ext uri="{FF2B5EF4-FFF2-40B4-BE49-F238E27FC236}">
-                <a16:creationId xmlns:a16="http://schemas.microsoft.com/office/drawing/2014/main" id="{57017848-A766-F188-66A7-C9036AE11537}"/>
-              </a:ext>
-            </a:extLst>
-          </p:cNvPr>
+          <p:cNvPr id="4" name="页脚占位符 3"/>
           <p:cNvSpPr>
             <a:spLocks noGrp="1"/>
           </p:cNvSpPr>
@@ -5339,13 +5641,7 @@
       </p:sp>
       <p:sp>
         <p:nvSpPr>
-          <p:cNvPr id="5" name="灯片编号占位符 4">
-            <a:extLst>
-              <a:ext uri="{FF2B5EF4-FFF2-40B4-BE49-F238E27FC236}">
-                <a16:creationId xmlns:a16="http://schemas.microsoft.com/office/drawing/2014/main" id="{FF1F5FB8-8665-BEAF-617D-9984DB13B345}"/>
-              </a:ext>
-            </a:extLst>
-          </p:cNvPr>
+          <p:cNvPr id="5" name="灯片编号占位符 4"/>
           <p:cNvSpPr>
             <a:spLocks noGrp="1"/>
           </p:cNvSpPr>
@@ -5360,18 +5656,12 @@
           <a:p>
             <a:fld id="{2ED1A831-4F8E-4053-B593-46016C4082BA}" type="slidenum">
               <a:rPr lang="zh-CN" altLang="en-US" smtClean="0"/>
-              <a:t>‹#›</a:t>
             </a:fld>
             <a:endParaRPr lang="zh-CN" altLang="en-US"/>
           </a:p>
         </p:txBody>
       </p:sp>
     </p:spTree>
-    <p:extLst>
-      <p:ext uri="{BB962C8B-B14F-4D97-AF65-F5344CB8AC3E}">
-        <p14:creationId xmlns:p14="http://schemas.microsoft.com/office/powerpoint/2010/main" val="2201230448"/>
-      </p:ext>
-    </p:extLst>
   </p:cSld>
   <p:clrMapOvr>
     <a:masterClrMapping/>
@@ -5398,13 +5688,7 @@
       </p:grpSpPr>
       <p:sp>
         <p:nvSpPr>
-          <p:cNvPr id="2" name="日期占位符 1">
-            <a:extLst>
-              <a:ext uri="{FF2B5EF4-FFF2-40B4-BE49-F238E27FC236}">
-                <a16:creationId xmlns:a16="http://schemas.microsoft.com/office/drawing/2014/main" id="{DD90C0F2-48BD-4D88-846A-3D85B0253086}"/>
-              </a:ext>
-            </a:extLst>
-          </p:cNvPr>
+          <p:cNvPr id="2" name="日期占位符 1"/>
           <p:cNvSpPr>
             <a:spLocks noGrp="1"/>
           </p:cNvSpPr>
@@ -5419,7 +5703,6 @@
           <a:p>
             <a:fld id="{DEDA17D1-6590-4570-9DF1-29A4B3C6B8EE}" type="datetimeFigureOut">
               <a:rPr lang="zh-CN" altLang="en-US" smtClean="0"/>
-              <a:t>2024/4/23</a:t>
             </a:fld>
             <a:endParaRPr lang="zh-CN" altLang="en-US"/>
           </a:p>
@@ -5427,13 +5710,7 @@
       </p:sp>
       <p:sp>
         <p:nvSpPr>
-          <p:cNvPr id="3" name="页脚占位符 2">
-            <a:extLst>
-              <a:ext uri="{FF2B5EF4-FFF2-40B4-BE49-F238E27FC236}">
-                <a16:creationId xmlns:a16="http://schemas.microsoft.com/office/drawing/2014/main" id="{329E9F8C-09A6-083F-DCA4-9EE5D9F16280}"/>
-              </a:ext>
-            </a:extLst>
-          </p:cNvPr>
+          <p:cNvPr id="3" name="页脚占位符 2"/>
           <p:cNvSpPr>
             <a:spLocks noGrp="1"/>
           </p:cNvSpPr>
@@ -5452,13 +5729,7 @@
       </p:sp>
       <p:sp>
         <p:nvSpPr>
-          <p:cNvPr id="4" name="灯片编号占位符 3">
-            <a:extLst>
-              <a:ext uri="{FF2B5EF4-FFF2-40B4-BE49-F238E27FC236}">
-                <a16:creationId xmlns:a16="http://schemas.microsoft.com/office/drawing/2014/main" id="{1309C500-718C-8697-4770-ADB81EE2953C}"/>
-              </a:ext>
-            </a:extLst>
-          </p:cNvPr>
+          <p:cNvPr id="4" name="灯片编号占位符 3"/>
           <p:cNvSpPr>
             <a:spLocks noGrp="1"/>
           </p:cNvSpPr>
@@ -5473,18 +5744,12 @@
           <a:p>
             <a:fld id="{2ED1A831-4F8E-4053-B593-46016C4082BA}" type="slidenum">
               <a:rPr lang="zh-CN" altLang="en-US" smtClean="0"/>
-              <a:t>‹#›</a:t>
             </a:fld>
             <a:endParaRPr lang="zh-CN" altLang="en-US"/>
           </a:p>
         </p:txBody>
       </p:sp>
     </p:spTree>
-    <p:extLst>
-      <p:ext uri="{BB962C8B-B14F-4D97-AF65-F5344CB8AC3E}">
-        <p14:creationId xmlns:p14="http://schemas.microsoft.com/office/powerpoint/2010/main" val="1861000207"/>
-      </p:ext>
-    </p:extLst>
   </p:cSld>
   <p:clrMapOvr>
     <a:masterClrMapping/>
@@ -5511,13 +5776,7 @@
       </p:grpSpPr>
       <p:sp>
         <p:nvSpPr>
-          <p:cNvPr id="2" name="标题 1">
-            <a:extLst>
-              <a:ext uri="{FF2B5EF4-FFF2-40B4-BE49-F238E27FC236}">
-                <a16:creationId xmlns:a16="http://schemas.microsoft.com/office/drawing/2014/main" id="{F28158EF-C530-2CAE-8E96-65BCB3BF1BAA}"/>
-              </a:ext>
-            </a:extLst>
-          </p:cNvPr>
+          <p:cNvPr id="2" name="标题 1"/>
           <p:cNvSpPr>
             <a:spLocks noGrp="1"/>
           </p:cNvSpPr>
@@ -5543,18 +5802,13 @@
               <a:rPr lang="zh-CN" altLang="en-US"/>
               <a:t>单击此处编辑母版标题样式</a:t>
             </a:r>
-          </a:p>
-        </p:txBody>
-      </p:sp>
-      <p:sp>
-        <p:nvSpPr>
-          <p:cNvPr id="3" name="内容占位符 2">
-            <a:extLst>
-              <a:ext uri="{FF2B5EF4-FFF2-40B4-BE49-F238E27FC236}">
-                <a16:creationId xmlns:a16="http://schemas.microsoft.com/office/drawing/2014/main" id="{E81ACA99-101D-817A-0EB0-DF19D07B9586}"/>
-              </a:ext>
-            </a:extLst>
-          </p:cNvPr>
+            <a:endParaRPr lang="zh-CN" altLang="en-US"/>
+          </a:p>
+        </p:txBody>
+      </p:sp>
+      <p:sp>
+        <p:nvSpPr>
+          <p:cNvPr id="3" name="内容占位符 2"/>
           <p:cNvSpPr>
             <a:spLocks noGrp="1"/>
           </p:cNvSpPr>
@@ -5605,6 +5859,7 @@
               <a:rPr lang="zh-CN" altLang="en-US"/>
               <a:t>单击此处编辑母版文本样式</a:t>
             </a:r>
+            <a:endParaRPr lang="zh-CN" altLang="en-US"/>
           </a:p>
           <a:p>
             <a:pPr lvl="1"/>
@@ -5612,6 +5867,7 @@
               <a:rPr lang="zh-CN" altLang="en-US"/>
               <a:t>二级</a:t>
             </a:r>
+            <a:endParaRPr lang="zh-CN" altLang="en-US"/>
           </a:p>
           <a:p>
             <a:pPr lvl="2"/>
@@ -5619,6 +5875,7 @@
               <a:rPr lang="zh-CN" altLang="en-US"/>
               <a:t>三级</a:t>
             </a:r>
+            <a:endParaRPr lang="zh-CN" altLang="en-US"/>
           </a:p>
           <a:p>
             <a:pPr lvl="3"/>
@@ -5626,6 +5883,7 @@
               <a:rPr lang="zh-CN" altLang="en-US"/>
               <a:t>四级</a:t>
             </a:r>
+            <a:endParaRPr lang="zh-CN" altLang="en-US"/>
           </a:p>
           <a:p>
             <a:pPr lvl="4"/>
@@ -5633,18 +5891,13 @@
               <a:rPr lang="zh-CN" altLang="en-US"/>
               <a:t>五级</a:t>
             </a:r>
-          </a:p>
-        </p:txBody>
-      </p:sp>
-      <p:sp>
-        <p:nvSpPr>
-          <p:cNvPr id="4" name="文本占位符 3">
-            <a:extLst>
-              <a:ext uri="{FF2B5EF4-FFF2-40B4-BE49-F238E27FC236}">
-                <a16:creationId xmlns:a16="http://schemas.microsoft.com/office/drawing/2014/main" id="{F8C9F690-0C9B-2CD6-E217-0E519DF3CA92}"/>
-              </a:ext>
-            </a:extLst>
-          </p:cNvPr>
+            <a:endParaRPr lang="zh-CN" altLang="en-US"/>
+          </a:p>
+        </p:txBody>
+      </p:sp>
+      <p:sp>
+        <p:nvSpPr>
+          <p:cNvPr id="4" name="文本占位符 3"/>
           <p:cNvSpPr>
             <a:spLocks noGrp="1"/>
           </p:cNvSpPr>
@@ -5704,18 +5957,13 @@
               <a:rPr lang="zh-CN" altLang="en-US"/>
               <a:t>单击此处编辑母版文本样式</a:t>
             </a:r>
-          </a:p>
-        </p:txBody>
-      </p:sp>
-      <p:sp>
-        <p:nvSpPr>
-          <p:cNvPr id="5" name="日期占位符 4">
-            <a:extLst>
-              <a:ext uri="{FF2B5EF4-FFF2-40B4-BE49-F238E27FC236}">
-                <a16:creationId xmlns:a16="http://schemas.microsoft.com/office/drawing/2014/main" id="{C5A2C0A4-F4F6-F128-59D4-C74B8FAEE854}"/>
-              </a:ext>
-            </a:extLst>
-          </p:cNvPr>
+            <a:endParaRPr lang="zh-CN" altLang="en-US"/>
+          </a:p>
+        </p:txBody>
+      </p:sp>
+      <p:sp>
+        <p:nvSpPr>
+          <p:cNvPr id="5" name="日期占位符 4"/>
           <p:cNvSpPr>
             <a:spLocks noGrp="1"/>
           </p:cNvSpPr>
@@ -5730,7 +5978,6 @@
           <a:p>
             <a:fld id="{DEDA17D1-6590-4570-9DF1-29A4B3C6B8EE}" type="datetimeFigureOut">
               <a:rPr lang="zh-CN" altLang="en-US" smtClean="0"/>
-              <a:t>2024/4/23</a:t>
             </a:fld>
             <a:endParaRPr lang="zh-CN" altLang="en-US"/>
           </a:p>
@@ -5738,13 +5985,7 @@
       </p:sp>
       <p:sp>
         <p:nvSpPr>
-          <p:cNvPr id="6" name="页脚占位符 5">
-            <a:extLst>
-              <a:ext uri="{FF2B5EF4-FFF2-40B4-BE49-F238E27FC236}">
-                <a16:creationId xmlns:a16="http://schemas.microsoft.com/office/drawing/2014/main" id="{18B29223-3F1D-1191-E1B9-FD44035EFF70}"/>
-              </a:ext>
-            </a:extLst>
-          </p:cNvPr>
+          <p:cNvPr id="6" name="页脚占位符 5"/>
           <p:cNvSpPr>
             <a:spLocks noGrp="1"/>
           </p:cNvSpPr>
@@ -5763,13 +6004,7 @@
       </p:sp>
       <p:sp>
         <p:nvSpPr>
-          <p:cNvPr id="7" name="灯片编号占位符 6">
-            <a:extLst>
-              <a:ext uri="{FF2B5EF4-FFF2-40B4-BE49-F238E27FC236}">
-                <a16:creationId xmlns:a16="http://schemas.microsoft.com/office/drawing/2014/main" id="{AE90548B-3F67-2DFB-7053-19BECE55C2B5}"/>
-              </a:ext>
-            </a:extLst>
-          </p:cNvPr>
+          <p:cNvPr id="7" name="灯片编号占位符 6"/>
           <p:cNvSpPr>
             <a:spLocks noGrp="1"/>
           </p:cNvSpPr>
@@ -5784,18 +6019,12 @@
           <a:p>
             <a:fld id="{2ED1A831-4F8E-4053-B593-46016C4082BA}" type="slidenum">
               <a:rPr lang="zh-CN" altLang="en-US" smtClean="0"/>
-              <a:t>‹#›</a:t>
             </a:fld>
             <a:endParaRPr lang="zh-CN" altLang="en-US"/>
           </a:p>
         </p:txBody>
       </p:sp>
     </p:spTree>
-    <p:extLst>
-      <p:ext uri="{BB962C8B-B14F-4D97-AF65-F5344CB8AC3E}">
-        <p14:creationId xmlns:p14="http://schemas.microsoft.com/office/powerpoint/2010/main" val="77120137"/>
-      </p:ext>
-    </p:extLst>
   </p:cSld>
   <p:clrMapOvr>
     <a:masterClrMapping/>
@@ -5822,13 +6051,7 @@
       </p:grpSpPr>
       <p:sp>
         <p:nvSpPr>
-          <p:cNvPr id="2" name="标题 1">
-            <a:extLst>
-              <a:ext uri="{FF2B5EF4-FFF2-40B4-BE49-F238E27FC236}">
-                <a16:creationId xmlns:a16="http://schemas.microsoft.com/office/drawing/2014/main" id="{6C14468B-693F-29A6-4EB7-5BF8BB7F0B6B}"/>
-              </a:ext>
-            </a:extLst>
-          </p:cNvPr>
+          <p:cNvPr id="2" name="标题 1"/>
           <p:cNvSpPr>
             <a:spLocks noGrp="1"/>
           </p:cNvSpPr>
@@ -5854,18 +6077,13 @@
               <a:rPr lang="zh-CN" altLang="en-US"/>
               <a:t>单击此处编辑母版标题样式</a:t>
             </a:r>
-          </a:p>
-        </p:txBody>
-      </p:sp>
-      <p:sp>
-        <p:nvSpPr>
-          <p:cNvPr id="3" name="图片占位符 2">
-            <a:extLst>
-              <a:ext uri="{FF2B5EF4-FFF2-40B4-BE49-F238E27FC236}">
-                <a16:creationId xmlns:a16="http://schemas.microsoft.com/office/drawing/2014/main" id="{1945F1E3-5AC4-CA6E-C035-1748C3EF71E2}"/>
-              </a:ext>
-            </a:extLst>
-          </p:cNvPr>
+            <a:endParaRPr lang="zh-CN" altLang="en-US"/>
+          </a:p>
+        </p:txBody>
+      </p:sp>
+      <p:sp>
+        <p:nvSpPr>
+          <p:cNvPr id="3" name="图片占位符 2"/>
           <p:cNvSpPr>
             <a:spLocks noGrp="1"/>
           </p:cNvSpPr>
@@ -5926,13 +6144,7 @@
       </p:sp>
       <p:sp>
         <p:nvSpPr>
-          <p:cNvPr id="4" name="文本占位符 3">
-            <a:extLst>
-              <a:ext uri="{FF2B5EF4-FFF2-40B4-BE49-F238E27FC236}">
-                <a16:creationId xmlns:a16="http://schemas.microsoft.com/office/drawing/2014/main" id="{721C630A-5E7C-08B6-B138-8C654C1C0F44}"/>
-              </a:ext>
-            </a:extLst>
-          </p:cNvPr>
+          <p:cNvPr id="4" name="文本占位符 3"/>
           <p:cNvSpPr>
             <a:spLocks noGrp="1"/>
           </p:cNvSpPr>
@@ -5992,18 +6204,13 @@
               <a:rPr lang="zh-CN" altLang="en-US"/>
               <a:t>单击此处编辑母版文本样式</a:t>
             </a:r>
-          </a:p>
-        </p:txBody>
-      </p:sp>
-      <p:sp>
-        <p:nvSpPr>
-          <p:cNvPr id="5" name="日期占位符 4">
-            <a:extLst>
-              <a:ext uri="{FF2B5EF4-FFF2-40B4-BE49-F238E27FC236}">
-                <a16:creationId xmlns:a16="http://schemas.microsoft.com/office/drawing/2014/main" id="{5C5C68B8-F32F-60E5-2BFF-1617D7DB1BF8}"/>
-              </a:ext>
-            </a:extLst>
-          </p:cNvPr>
+            <a:endParaRPr lang="zh-CN" altLang="en-US"/>
+          </a:p>
+        </p:txBody>
+      </p:sp>
+      <p:sp>
+        <p:nvSpPr>
+          <p:cNvPr id="5" name="日期占位符 4"/>
           <p:cNvSpPr>
             <a:spLocks noGrp="1"/>
           </p:cNvSpPr>
@@ -6018,7 +6225,6 @@
           <a:p>
             <a:fld id="{DEDA17D1-6590-4570-9DF1-29A4B3C6B8EE}" type="datetimeFigureOut">
               <a:rPr lang="zh-CN" altLang="en-US" smtClean="0"/>
-              <a:t>2024/4/23</a:t>
             </a:fld>
             <a:endParaRPr lang="zh-CN" altLang="en-US"/>
           </a:p>
@@ -6026,13 +6232,7 @@
       </p:sp>
       <p:sp>
         <p:nvSpPr>
-          <p:cNvPr id="6" name="页脚占位符 5">
-            <a:extLst>
-              <a:ext uri="{FF2B5EF4-FFF2-40B4-BE49-F238E27FC236}">
-                <a16:creationId xmlns:a16="http://schemas.microsoft.com/office/drawing/2014/main" id="{22DF9FD9-2A3D-CA71-1D2F-CADE20AF00F2}"/>
-              </a:ext>
-            </a:extLst>
-          </p:cNvPr>
+          <p:cNvPr id="6" name="页脚占位符 5"/>
           <p:cNvSpPr>
             <a:spLocks noGrp="1"/>
           </p:cNvSpPr>
@@ -6051,13 +6251,7 @@
       </p:sp>
       <p:sp>
         <p:nvSpPr>
-          <p:cNvPr id="7" name="灯片编号占位符 6">
-            <a:extLst>
-              <a:ext uri="{FF2B5EF4-FFF2-40B4-BE49-F238E27FC236}">
-                <a16:creationId xmlns:a16="http://schemas.microsoft.com/office/drawing/2014/main" id="{496A3D6E-EF60-107A-CDF2-D83D86C147C1}"/>
-              </a:ext>
-            </a:extLst>
-          </p:cNvPr>
+          <p:cNvPr id="7" name="灯片编号占位符 6"/>
           <p:cNvSpPr>
             <a:spLocks noGrp="1"/>
           </p:cNvSpPr>
@@ -6072,18 +6266,12 @@
           <a:p>
             <a:fld id="{2ED1A831-4F8E-4053-B593-46016C4082BA}" type="slidenum">
               <a:rPr lang="zh-CN" altLang="en-US" smtClean="0"/>
-              <a:t>‹#›</a:t>
             </a:fld>
             <a:endParaRPr lang="zh-CN" altLang="en-US"/>
           </a:p>
         </p:txBody>
       </p:sp>
     </p:spTree>
-    <p:extLst>
-      <p:ext uri="{BB962C8B-B14F-4D97-AF65-F5344CB8AC3E}">
-        <p14:creationId xmlns:p14="http://schemas.microsoft.com/office/powerpoint/2010/main" val="2801172886"/>
-      </p:ext>
-    </p:extLst>
   </p:cSld>
   <p:clrMapOvr>
     <a:masterClrMapping/>
@@ -6143,13 +6331,7 @@
       </p:grpSpPr>
       <p:sp>
         <p:nvSpPr>
-          <p:cNvPr id="2" name="标题占位符 1">
-            <a:extLst>
-              <a:ext uri="{FF2B5EF4-FFF2-40B4-BE49-F238E27FC236}">
-                <a16:creationId xmlns:a16="http://schemas.microsoft.com/office/drawing/2014/main" id="{AE6943D9-E511-4B9D-5303-E2C73BA49223}"/>
-              </a:ext>
-            </a:extLst>
-          </p:cNvPr>
+          <p:cNvPr id="2" name="标题占位符 1"/>
           <p:cNvSpPr>
             <a:spLocks noGrp="1"/>
           </p:cNvSpPr>
@@ -6176,18 +6358,13 @@
               <a:rPr lang="zh-CN" altLang="en-US"/>
               <a:t>单击此处编辑母版标题样式</a:t>
             </a:r>
-          </a:p>
-        </p:txBody>
-      </p:sp>
-      <p:sp>
-        <p:nvSpPr>
-          <p:cNvPr id="3" name="文本占位符 2">
-            <a:extLst>
-              <a:ext uri="{FF2B5EF4-FFF2-40B4-BE49-F238E27FC236}">
-                <a16:creationId xmlns:a16="http://schemas.microsoft.com/office/drawing/2014/main" id="{74EE73ED-037A-D237-374F-3B4188EEA521}"/>
-              </a:ext>
-            </a:extLst>
-          </p:cNvPr>
+            <a:endParaRPr lang="zh-CN" altLang="en-US"/>
+          </a:p>
+        </p:txBody>
+      </p:sp>
+      <p:sp>
+        <p:nvSpPr>
+          <p:cNvPr id="3" name="文本占位符 2"/>
           <p:cNvSpPr>
             <a:spLocks noGrp="1"/>
           </p:cNvSpPr>
@@ -6215,6 +6392,7 @@
               <a:rPr lang="zh-CN" altLang="en-US"/>
               <a:t>单击此处编辑母版文本样式</a:t>
             </a:r>
+            <a:endParaRPr lang="zh-CN" altLang="en-US"/>
           </a:p>
           <a:p>
             <a:pPr lvl="1"/>
@@ -6222,6 +6400,7 @@
               <a:rPr lang="zh-CN" altLang="en-US"/>
               <a:t>二级</a:t>
             </a:r>
+            <a:endParaRPr lang="zh-CN" altLang="en-US"/>
           </a:p>
           <a:p>
             <a:pPr lvl="2"/>
@@ -6229,6 +6408,7 @@
               <a:rPr lang="zh-CN" altLang="en-US"/>
               <a:t>三级</a:t>
             </a:r>
+            <a:endParaRPr lang="zh-CN" altLang="en-US"/>
           </a:p>
           <a:p>
             <a:pPr lvl="3"/>
@@ -6236,6 +6416,7 @@
               <a:rPr lang="zh-CN" altLang="en-US"/>
               <a:t>四级</a:t>
             </a:r>
+            <a:endParaRPr lang="zh-CN" altLang="en-US"/>
           </a:p>
           <a:p>
             <a:pPr lvl="4"/>
@@ -6243,18 +6424,13 @@
               <a:rPr lang="zh-CN" altLang="en-US"/>
               <a:t>五级</a:t>
             </a:r>
-          </a:p>
-        </p:txBody>
-      </p:sp>
-      <p:sp>
-        <p:nvSpPr>
-          <p:cNvPr id="4" name="日期占位符 3">
-            <a:extLst>
-              <a:ext uri="{FF2B5EF4-FFF2-40B4-BE49-F238E27FC236}">
-                <a16:creationId xmlns:a16="http://schemas.microsoft.com/office/drawing/2014/main" id="{1E95B3B5-F8E7-0AC3-F590-3D1B762A4A05}"/>
-              </a:ext>
-            </a:extLst>
-          </p:cNvPr>
+            <a:endParaRPr lang="zh-CN" altLang="en-US"/>
+          </a:p>
+        </p:txBody>
+      </p:sp>
+      <p:sp>
+        <p:nvSpPr>
+          <p:cNvPr id="4" name="日期占位符 3"/>
           <p:cNvSpPr>
             <a:spLocks noGrp="1"/>
           </p:cNvSpPr>
@@ -6287,7 +6463,6 @@
           <a:p>
             <a:fld id="{DEDA17D1-6590-4570-9DF1-29A4B3C6B8EE}" type="datetimeFigureOut">
               <a:rPr lang="zh-CN" altLang="en-US" smtClean="0"/>
-              <a:t>2024/4/23</a:t>
             </a:fld>
             <a:endParaRPr lang="zh-CN" altLang="en-US"/>
           </a:p>
@@ -6295,13 +6470,7 @@
       </p:sp>
       <p:sp>
         <p:nvSpPr>
-          <p:cNvPr id="5" name="页脚占位符 4">
-            <a:extLst>
-              <a:ext uri="{FF2B5EF4-FFF2-40B4-BE49-F238E27FC236}">
-                <a16:creationId xmlns:a16="http://schemas.microsoft.com/office/drawing/2014/main" id="{2B1A4F07-B0A1-EEF7-47AD-F3D548E473BF}"/>
-              </a:ext>
-            </a:extLst>
-          </p:cNvPr>
+          <p:cNvPr id="5" name="页脚占位符 4"/>
           <p:cNvSpPr>
             <a:spLocks noGrp="1"/>
           </p:cNvSpPr>
@@ -6338,13 +6507,7 @@
       </p:sp>
       <p:sp>
         <p:nvSpPr>
-          <p:cNvPr id="6" name="灯片编号占位符 5">
-            <a:extLst>
-              <a:ext uri="{FF2B5EF4-FFF2-40B4-BE49-F238E27FC236}">
-                <a16:creationId xmlns:a16="http://schemas.microsoft.com/office/drawing/2014/main" id="{BAB90E36-B191-B716-B52A-00E2EFB57946}"/>
-              </a:ext>
-            </a:extLst>
-          </p:cNvPr>
+          <p:cNvPr id="6" name="灯片编号占位符 5"/>
           <p:cNvSpPr>
             <a:spLocks noGrp="1"/>
           </p:cNvSpPr>
@@ -6377,33 +6540,27 @@
           <a:p>
             <a:fld id="{2ED1A831-4F8E-4053-B593-46016C4082BA}" type="slidenum">
               <a:rPr lang="zh-CN" altLang="en-US" smtClean="0"/>
-              <a:t>‹#›</a:t>
             </a:fld>
             <a:endParaRPr lang="zh-CN" altLang="en-US"/>
           </a:p>
         </p:txBody>
       </p:sp>
     </p:spTree>
-    <p:extLst>
-      <p:ext uri="{BB962C8B-B14F-4D97-AF65-F5344CB8AC3E}">
-        <p14:creationId xmlns:p14="http://schemas.microsoft.com/office/powerpoint/2010/main" val="624802757"/>
-      </p:ext>
-    </p:extLst>
   </p:cSld>
   <p:clrMap bg1="dk1" tx1="lt1" bg2="dk2" tx2="lt2" accent1="accent1" accent2="accent2" accent3="accent3" accent4="accent4" accent5="accent5" accent6="accent6" hlink="hlink" folHlink="folHlink"/>
   <p:sldLayoutIdLst>
-    <p:sldLayoutId id="2147483678" r:id="rId1"/>
-    <p:sldLayoutId id="2147483679" r:id="rId2"/>
-    <p:sldLayoutId id="2147483680" r:id="rId3"/>
-    <p:sldLayoutId id="2147483681" r:id="rId4"/>
-    <p:sldLayoutId id="2147483682" r:id="rId5"/>
-    <p:sldLayoutId id="2147483683" r:id="rId6"/>
-    <p:sldLayoutId id="2147483684" r:id="rId7"/>
-    <p:sldLayoutId id="2147483685" r:id="rId8"/>
-    <p:sldLayoutId id="2147483686" r:id="rId9"/>
-    <p:sldLayoutId id="2147483687" r:id="rId10"/>
-    <p:sldLayoutId id="2147483688" r:id="rId11"/>
-    <p:sldLayoutId id="2147483732" r:id="rId12"/>
+    <p:sldLayoutId id="2147483649" r:id="rId1"/>
+    <p:sldLayoutId id="2147483650" r:id="rId2"/>
+    <p:sldLayoutId id="2147483651" r:id="rId3"/>
+    <p:sldLayoutId id="2147483652" r:id="rId4"/>
+    <p:sldLayoutId id="2147483653" r:id="rId5"/>
+    <p:sldLayoutId id="2147483654" r:id="rId6"/>
+    <p:sldLayoutId id="2147483655" r:id="rId7"/>
+    <p:sldLayoutId id="2147483656" r:id="rId8"/>
+    <p:sldLayoutId id="2147483657" r:id="rId9"/>
+    <p:sldLayoutId id="2147483658" r:id="rId10"/>
+    <p:sldLayoutId id="2147483659" r:id="rId11"/>
+    <p:sldLayoutId id="2147483660" r:id="rId12"/>
   </p:sldLayoutIdLst>
   <p:txStyles>
     <p:titleStyle>
@@ -6712,13 +6869,7 @@
       </p:grpSpPr>
       <p:sp>
         <p:nvSpPr>
-          <p:cNvPr id="2" name="标题占位符 1">
-            <a:extLst>
-              <a:ext uri="{FF2B5EF4-FFF2-40B4-BE49-F238E27FC236}">
-                <a16:creationId xmlns:a16="http://schemas.microsoft.com/office/drawing/2014/main" id="{5B32501D-09EF-CBE6-F6F7-1D1511A67C4B}"/>
-              </a:ext>
-            </a:extLst>
-          </p:cNvPr>
+          <p:cNvPr id="2" name="标题占位符 1"/>
           <p:cNvSpPr>
             <a:spLocks noGrp="1"/>
           </p:cNvSpPr>
@@ -6745,18 +6896,13 @@
               <a:rPr lang="zh-CN" altLang="en-US"/>
               <a:t>单击此处编辑母版标题样式</a:t>
             </a:r>
-          </a:p>
-        </p:txBody>
-      </p:sp>
-      <p:sp>
-        <p:nvSpPr>
-          <p:cNvPr id="3" name="文本占位符 2">
-            <a:extLst>
-              <a:ext uri="{FF2B5EF4-FFF2-40B4-BE49-F238E27FC236}">
-                <a16:creationId xmlns:a16="http://schemas.microsoft.com/office/drawing/2014/main" id="{080D68C9-5768-C1FB-B491-BD41D7BC4D5C}"/>
-              </a:ext>
-            </a:extLst>
-          </p:cNvPr>
+            <a:endParaRPr lang="zh-CN" altLang="en-US"/>
+          </a:p>
+        </p:txBody>
+      </p:sp>
+      <p:sp>
+        <p:nvSpPr>
+          <p:cNvPr id="3" name="文本占位符 2"/>
           <p:cNvSpPr>
             <a:spLocks noGrp="1"/>
           </p:cNvSpPr>
@@ -6784,6 +6930,7 @@
               <a:rPr lang="zh-CN" altLang="en-US"/>
               <a:t>单击此处编辑母版文本样式</a:t>
             </a:r>
+            <a:endParaRPr lang="zh-CN" altLang="en-US"/>
           </a:p>
           <a:p>
             <a:pPr lvl="1"/>
@@ -6791,6 +6938,7 @@
               <a:rPr lang="zh-CN" altLang="en-US"/>
               <a:t>二级</a:t>
             </a:r>
+            <a:endParaRPr lang="zh-CN" altLang="en-US"/>
           </a:p>
           <a:p>
             <a:pPr lvl="2"/>
@@ -6798,6 +6946,7 @@
               <a:rPr lang="zh-CN" altLang="en-US"/>
               <a:t>三级</a:t>
             </a:r>
+            <a:endParaRPr lang="zh-CN" altLang="en-US"/>
           </a:p>
           <a:p>
             <a:pPr lvl="3"/>
@@ -6805,6 +6954,7 @@
               <a:rPr lang="zh-CN" altLang="en-US"/>
               <a:t>四级</a:t>
             </a:r>
+            <a:endParaRPr lang="zh-CN" altLang="en-US"/>
           </a:p>
           <a:p>
             <a:pPr lvl="4"/>
@@ -6812,18 +6962,13 @@
               <a:rPr lang="zh-CN" altLang="en-US"/>
               <a:t>五级</a:t>
             </a:r>
-          </a:p>
-        </p:txBody>
-      </p:sp>
-      <p:sp>
-        <p:nvSpPr>
-          <p:cNvPr id="4" name="日期占位符 3">
-            <a:extLst>
-              <a:ext uri="{FF2B5EF4-FFF2-40B4-BE49-F238E27FC236}">
-                <a16:creationId xmlns:a16="http://schemas.microsoft.com/office/drawing/2014/main" id="{E58B4C69-3F15-5103-DB92-B1D12AE04CD6}"/>
-              </a:ext>
-            </a:extLst>
-          </p:cNvPr>
+            <a:endParaRPr lang="zh-CN" altLang="en-US"/>
+          </a:p>
+        </p:txBody>
+      </p:sp>
+      <p:sp>
+        <p:nvSpPr>
+          <p:cNvPr id="4" name="日期占位符 3"/>
           <p:cNvSpPr>
             <a:spLocks noGrp="1"/>
           </p:cNvSpPr>
@@ -6856,7 +7001,6 @@
           <a:p>
             <a:fld id="{B14948DB-0BE7-40D0-80F6-9094451DF04C}" type="datetimeFigureOut">
               <a:rPr lang="zh-CN" altLang="en-US" smtClean="0"/>
-              <a:t>2024/4/23</a:t>
             </a:fld>
             <a:endParaRPr lang="zh-CN" altLang="en-US"/>
           </a:p>
@@ -6864,13 +7008,7 @@
       </p:sp>
       <p:sp>
         <p:nvSpPr>
-          <p:cNvPr id="5" name="页脚占位符 4">
-            <a:extLst>
-              <a:ext uri="{FF2B5EF4-FFF2-40B4-BE49-F238E27FC236}">
-                <a16:creationId xmlns:a16="http://schemas.microsoft.com/office/drawing/2014/main" id="{85671A7E-8C2C-756F-9330-A57B969488B9}"/>
-              </a:ext>
-            </a:extLst>
-          </p:cNvPr>
+          <p:cNvPr id="5" name="页脚占位符 4"/>
           <p:cNvSpPr>
             <a:spLocks noGrp="1"/>
           </p:cNvSpPr>
@@ -6907,13 +7045,7 @@
       </p:sp>
       <p:sp>
         <p:nvSpPr>
-          <p:cNvPr id="6" name="灯片编号占位符 5">
-            <a:extLst>
-              <a:ext uri="{FF2B5EF4-FFF2-40B4-BE49-F238E27FC236}">
-                <a16:creationId xmlns:a16="http://schemas.microsoft.com/office/drawing/2014/main" id="{DADE50BE-1244-AA43-6454-B6D47056F47E}"/>
-              </a:ext>
-            </a:extLst>
-          </p:cNvPr>
+          <p:cNvPr id="6" name="灯片编号占位符 5"/>
           <p:cNvSpPr>
             <a:spLocks noGrp="1"/>
           </p:cNvSpPr>
@@ -6946,32 +7078,26 @@
           <a:p>
             <a:fld id="{A7609F20-E83B-4856-BE88-6E7EAD044358}" type="slidenum">
               <a:rPr lang="zh-CN" altLang="en-US" smtClean="0"/>
-              <a:t>‹#›</a:t>
             </a:fld>
             <a:endParaRPr lang="zh-CN" altLang="en-US"/>
           </a:p>
         </p:txBody>
       </p:sp>
     </p:spTree>
-    <p:extLst>
-      <p:ext uri="{BB962C8B-B14F-4D97-AF65-F5344CB8AC3E}">
-        <p14:creationId xmlns:p14="http://schemas.microsoft.com/office/powerpoint/2010/main" val="1097571857"/>
-      </p:ext>
-    </p:extLst>
   </p:cSld>
   <p:clrMap bg1="lt1" tx1="dk1" bg2="lt2" tx2="dk2" accent1="accent1" accent2="accent2" accent3="accent3" accent4="accent4" accent5="accent5" accent6="accent6" hlink="hlink" folHlink="folHlink"/>
   <p:sldLayoutIdLst>
-    <p:sldLayoutId id="2147483721" r:id="rId1"/>
-    <p:sldLayoutId id="2147483722" r:id="rId2"/>
-    <p:sldLayoutId id="2147483723" r:id="rId3"/>
-    <p:sldLayoutId id="2147483724" r:id="rId4"/>
-    <p:sldLayoutId id="2147483725" r:id="rId5"/>
-    <p:sldLayoutId id="2147483726" r:id="rId6"/>
-    <p:sldLayoutId id="2147483727" r:id="rId7"/>
-    <p:sldLayoutId id="2147483728" r:id="rId8"/>
-    <p:sldLayoutId id="2147483729" r:id="rId9"/>
-    <p:sldLayoutId id="2147483730" r:id="rId10"/>
-    <p:sldLayoutId id="2147483731" r:id="rId11"/>
+    <p:sldLayoutId id="2147483662" r:id="rId1"/>
+    <p:sldLayoutId id="2147483663" r:id="rId2"/>
+    <p:sldLayoutId id="2147483664" r:id="rId3"/>
+    <p:sldLayoutId id="2147483665" r:id="rId4"/>
+    <p:sldLayoutId id="2147483666" r:id="rId5"/>
+    <p:sldLayoutId id="2147483667" r:id="rId6"/>
+    <p:sldLayoutId id="2147483668" r:id="rId7"/>
+    <p:sldLayoutId id="2147483669" r:id="rId8"/>
+    <p:sldLayoutId id="2147483670" r:id="rId9"/>
+    <p:sldLayoutId id="2147483671" r:id="rId10"/>
+    <p:sldLayoutId id="2147483672" r:id="rId11"/>
   </p:sldLayoutIdLst>
   <p:txStyles>
     <p:titleStyle>
@@ -7275,13 +7401,7 @@
       </p:grpSpPr>
       <p:sp>
         <p:nvSpPr>
-          <p:cNvPr id="2" name="矩形 1">
-            <a:extLst>
-              <a:ext uri="{FF2B5EF4-FFF2-40B4-BE49-F238E27FC236}">
-                <a16:creationId xmlns:a16="http://schemas.microsoft.com/office/drawing/2014/main" id="{FA50808A-F6E6-C799-A813-2A4025701E06}"/>
-              </a:ext>
-            </a:extLst>
-          </p:cNvPr>
+          <p:cNvPr id="2" name="矩形 1"/>
           <p:cNvSpPr/>
           <p:nvPr/>
         </p:nvSpPr>
@@ -7349,13 +7469,7 @@
       </p:sp>
       <p:sp>
         <p:nvSpPr>
-          <p:cNvPr id="3" name="等腰三角形 2">
-            <a:extLst>
-              <a:ext uri="{FF2B5EF4-FFF2-40B4-BE49-F238E27FC236}">
-                <a16:creationId xmlns:a16="http://schemas.microsoft.com/office/drawing/2014/main" id="{D887D799-7F29-15F7-E8F2-9E9B64BED654}"/>
-              </a:ext>
-            </a:extLst>
-          </p:cNvPr>
+          <p:cNvPr id="3" name="等腰三角形 2"/>
           <p:cNvSpPr/>
           <p:nvPr/>
         </p:nvSpPr>
@@ -7397,20 +7511,14 @@
       </p:sp>
       <p:pic>
         <p:nvPicPr>
-          <p:cNvPr id="6" name="图片 5">
-            <a:extLst>
-              <a:ext uri="{FF2B5EF4-FFF2-40B4-BE49-F238E27FC236}">
-                <a16:creationId xmlns:a16="http://schemas.microsoft.com/office/drawing/2014/main" id="{813E5E03-13DF-027D-4362-4CBEDC0F64D3}"/>
-              </a:ext>
-            </a:extLst>
-          </p:cNvPr>
+          <p:cNvPr id="6" name="图片 5"/>
           <p:cNvPicPr>
             <a:picLocks noChangeAspect="1"/>
           </p:cNvPicPr>
           <p:nvPr/>
         </p:nvPicPr>
         <p:blipFill>
-          <a:blip r:embed="rId3">
+          <a:blip r:embed="rId1">
             <a:extLst>
               <a:ext uri="{28A0092B-C50C-407E-A947-70E740481C1C}">
                 <a14:useLocalDpi xmlns:a14="http://schemas.microsoft.com/office/drawing/2010/main" val="0"/>
@@ -7449,13 +7557,7 @@
       </p:pic>
       <p:sp>
         <p:nvSpPr>
-          <p:cNvPr id="7" name="文本框 6">
-            <a:extLst>
-              <a:ext uri="{FF2B5EF4-FFF2-40B4-BE49-F238E27FC236}">
-                <a16:creationId xmlns:a16="http://schemas.microsoft.com/office/drawing/2014/main" id="{3B6AEB22-FC25-3571-9BF6-832D408159D6}"/>
-              </a:ext>
-            </a:extLst>
-          </p:cNvPr>
+          <p:cNvPr id="7" name="文本框 6"/>
           <p:cNvSpPr txBox="1"/>
           <p:nvPr/>
         </p:nvSpPr>
@@ -7497,13 +7599,7 @@
       </p:sp>
       <p:sp>
         <p:nvSpPr>
-          <p:cNvPr id="8" name="文本框 7">
-            <a:extLst>
-              <a:ext uri="{FF2B5EF4-FFF2-40B4-BE49-F238E27FC236}">
-                <a16:creationId xmlns:a16="http://schemas.microsoft.com/office/drawing/2014/main" id="{48EC1386-EC7F-8EB9-A95B-DA28B38340DC}"/>
-              </a:ext>
-            </a:extLst>
-          </p:cNvPr>
+          <p:cNvPr id="8" name="文本框 7"/>
           <p:cNvSpPr txBox="1"/>
           <p:nvPr/>
         </p:nvSpPr>
@@ -7533,13 +7629,7 @@
       </p:sp>
       <p:cxnSp>
         <p:nvCxnSpPr>
-          <p:cNvPr id="10" name="直接连接符 9">
-            <a:extLst>
-              <a:ext uri="{FF2B5EF4-FFF2-40B4-BE49-F238E27FC236}">
-                <a16:creationId xmlns:a16="http://schemas.microsoft.com/office/drawing/2014/main" id="{B45AF8EE-211D-97DC-9BEE-D8783FCAC5BB}"/>
-              </a:ext>
-            </a:extLst>
-          </p:cNvPr>
+          <p:cNvPr id="10" name="直接连接符 9"/>
           <p:cNvCxnSpPr/>
           <p:nvPr/>
         </p:nvCxnSpPr>
@@ -7569,13 +7659,7 @@
       </p:cxnSp>
       <p:grpSp>
         <p:nvGrpSpPr>
-          <p:cNvPr id="4" name="组合 3">
-            <a:extLst>
-              <a:ext uri="{FF2B5EF4-FFF2-40B4-BE49-F238E27FC236}">
-                <a16:creationId xmlns:a16="http://schemas.microsoft.com/office/drawing/2014/main" id="{F3422768-D099-6642-83D0-B614D0BF5311}"/>
-              </a:ext>
-            </a:extLst>
-          </p:cNvPr>
+          <p:cNvPr id="4" name="组合 3"/>
           <p:cNvGrpSpPr/>
           <p:nvPr/>
         </p:nvGrpSpPr>
@@ -7589,13 +7673,7 @@
         </p:grpSpPr>
         <p:grpSp>
           <p:nvGrpSpPr>
-            <p:cNvPr id="13" name="组合 12">
-              <a:extLst>
-                <a:ext uri="{FF2B5EF4-FFF2-40B4-BE49-F238E27FC236}">
-                  <a16:creationId xmlns:a16="http://schemas.microsoft.com/office/drawing/2014/main" id="{F4A43CD4-55B3-04D0-5B12-F3F9CEF53165}"/>
-                </a:ext>
-              </a:extLst>
-            </p:cNvPr>
+            <p:cNvPr id="13" name="组合 12"/>
             <p:cNvGrpSpPr/>
             <p:nvPr/>
           </p:nvGrpSpPr>
@@ -7609,13 +7687,7 @@
           </p:grpSpPr>
           <p:sp>
             <p:nvSpPr>
-              <p:cNvPr id="11" name="椭圆 10">
-                <a:extLst>
-                  <a:ext uri="{FF2B5EF4-FFF2-40B4-BE49-F238E27FC236}">
-                    <a16:creationId xmlns:a16="http://schemas.microsoft.com/office/drawing/2014/main" id="{F5691CE3-A633-C321-5BF8-40E3A6FA91CB}"/>
-                  </a:ext>
-                </a:extLst>
-              </p:cNvPr>
+              <p:cNvPr id="11" name="椭圆 10"/>
               <p:cNvSpPr/>
               <p:nvPr/>
             </p:nvSpPr>
@@ -7653,18 +7725,13 @@
                   <a:rPr lang="zh-CN" altLang="en-US" dirty="0"/>
                   <a:t>组</a:t>
                 </a:r>
+                <a:endParaRPr lang="zh-CN" altLang="en-US" dirty="0"/>
               </a:p>
             </p:txBody>
           </p:sp>
           <p:sp>
             <p:nvSpPr>
-              <p:cNvPr id="12" name="椭圆 11">
-                <a:extLst>
-                  <a:ext uri="{FF2B5EF4-FFF2-40B4-BE49-F238E27FC236}">
-                    <a16:creationId xmlns:a16="http://schemas.microsoft.com/office/drawing/2014/main" id="{B925589A-9CC2-EAC5-3F44-24074C6CE4B5}"/>
-                  </a:ext>
-                </a:extLst>
-              </p:cNvPr>
+              <p:cNvPr id="12" name="椭圆 11"/>
               <p:cNvSpPr/>
               <p:nvPr/>
             </p:nvSpPr>
@@ -7702,19 +7769,14 @@
                   <a:rPr lang="zh-CN" altLang="en-US" dirty="0"/>
                   <a:t>合</a:t>
                 </a:r>
+                <a:endParaRPr lang="zh-CN" altLang="en-US" dirty="0"/>
               </a:p>
             </p:txBody>
           </p:sp>
         </p:grpSp>
         <p:sp>
           <p:nvSpPr>
-            <p:cNvPr id="25" name="椭圆 24">
-              <a:extLst>
-                <a:ext uri="{FF2B5EF4-FFF2-40B4-BE49-F238E27FC236}">
-                  <a16:creationId xmlns:a16="http://schemas.microsoft.com/office/drawing/2014/main" id="{504DFD09-2B9A-7A44-8F5A-8788BCE37684}"/>
-                </a:ext>
-              </a:extLst>
-            </p:cNvPr>
+            <p:cNvPr id="25" name="椭圆 24"/>
             <p:cNvSpPr/>
             <p:nvPr/>
           </p:nvSpPr>
@@ -7752,19 +7814,14 @@
                 <a:rPr lang="zh-CN" altLang="en-US" dirty="0"/>
                 <a:t>啊</a:t>
               </a:r>
+              <a:endParaRPr lang="zh-CN" altLang="en-US" dirty="0"/>
             </a:p>
           </p:txBody>
         </p:sp>
       </p:grpSp>
       <p:sp>
         <p:nvSpPr>
-          <p:cNvPr id="5" name="矩形 4">
-            <a:extLst>
-              <a:ext uri="{FF2B5EF4-FFF2-40B4-BE49-F238E27FC236}">
-                <a16:creationId xmlns:a16="http://schemas.microsoft.com/office/drawing/2014/main" id="{01369500-DDDC-CF47-ADEA-C5B69D45B646}"/>
-              </a:ext>
-            </a:extLst>
-          </p:cNvPr>
+          <p:cNvPr id="5" name="矩形 4"/>
           <p:cNvSpPr/>
           <p:nvPr/>
         </p:nvSpPr>
@@ -7777,7 +7834,7 @@
             <a:avLst/>
           </a:prstGeom>
           <a:blipFill>
-            <a:blip r:embed="rId4"/>
+            <a:blip r:embed="rId2"/>
             <a:stretch>
               <a:fillRect l="-17287" r="-17287"/>
             </a:stretch>
@@ -7809,11 +7866,6 @@
         </p:txBody>
       </p:sp>
     </p:spTree>
-    <p:extLst>
-      <p:ext uri="{BB962C8B-B14F-4D97-AF65-F5344CB8AC3E}">
-        <p14:creationId xmlns:p14="http://schemas.microsoft.com/office/powerpoint/2010/main" val="3419218054"/>
-      </p:ext>
-    </p:extLst>
   </p:cSld>
   <p:clrMapOvr>
     <a:masterClrMapping/>
@@ -7840,13 +7892,7 @@
       </p:grpSpPr>
       <p:sp>
         <p:nvSpPr>
-          <p:cNvPr id="4" name="任意多边形: 形状 3">
-            <a:extLst>
-              <a:ext uri="{FF2B5EF4-FFF2-40B4-BE49-F238E27FC236}">
-                <a16:creationId xmlns:a16="http://schemas.microsoft.com/office/drawing/2014/main" id="{CA00E3C8-5B81-A66F-F0F0-7AE743A01707}"/>
-              </a:ext>
-            </a:extLst>
-          </p:cNvPr>
+          <p:cNvPr id="4" name="任意多边形: 形状 3"/>
           <p:cNvSpPr/>
           <p:nvPr/>
         </p:nvSpPr>
@@ -8144,13 +8190,7 @@
       </p:sp>
       <p:sp>
         <p:nvSpPr>
-          <p:cNvPr id="5" name="任意多边形: 形状 4">
-            <a:extLst>
-              <a:ext uri="{FF2B5EF4-FFF2-40B4-BE49-F238E27FC236}">
-                <a16:creationId xmlns:a16="http://schemas.microsoft.com/office/drawing/2014/main" id="{435D94C1-3BE9-A781-0EEC-5685ED8D3385}"/>
-              </a:ext>
-            </a:extLst>
-          </p:cNvPr>
+          <p:cNvPr id="5" name="任意多边形: 形状 4"/>
           <p:cNvSpPr/>
           <p:nvPr/>
         </p:nvSpPr>
@@ -8497,13 +8537,7 @@
       </p:sp>
       <p:sp>
         <p:nvSpPr>
-          <p:cNvPr id="6" name="任意多边形: 形状 5">
-            <a:extLst>
-              <a:ext uri="{FF2B5EF4-FFF2-40B4-BE49-F238E27FC236}">
-                <a16:creationId xmlns:a16="http://schemas.microsoft.com/office/drawing/2014/main" id="{234CD955-5E1B-184B-4232-A71596DA0D77}"/>
-              </a:ext>
-            </a:extLst>
-          </p:cNvPr>
+          <p:cNvPr id="6" name="任意多边形: 形状 5"/>
           <p:cNvSpPr/>
           <p:nvPr/>
         </p:nvSpPr>
@@ -8799,13 +8833,7 @@
       </p:sp>
       <p:cxnSp>
         <p:nvCxnSpPr>
-          <p:cNvPr id="8" name="连接符: 肘形 7">
-            <a:extLst>
-              <a:ext uri="{FF2B5EF4-FFF2-40B4-BE49-F238E27FC236}">
-                <a16:creationId xmlns:a16="http://schemas.microsoft.com/office/drawing/2014/main" id="{87C5359B-8360-CF4E-BDFD-E57ED2E5195A}"/>
-              </a:ext>
-            </a:extLst>
-          </p:cNvPr>
+          <p:cNvPr id="8" name="连接符: 肘形 7"/>
           <p:cNvCxnSpPr/>
           <p:nvPr/>
         </p:nvCxnSpPr>
@@ -8836,15 +8864,8 @@
       </p:cxnSp>
       <p:cxnSp>
         <p:nvCxnSpPr>
-          <p:cNvPr id="9" name="连接符: 肘形 8">
-            <a:extLst>
-              <a:ext uri="{FF2B5EF4-FFF2-40B4-BE49-F238E27FC236}">
-                <a16:creationId xmlns:a16="http://schemas.microsoft.com/office/drawing/2014/main" id="{5688E520-63F3-B49F-621E-0289DAF8E702}"/>
-              </a:ext>
-            </a:extLst>
-          </p:cNvPr>
+          <p:cNvPr id="9" name="连接符: 肘形 8"/>
           <p:cNvCxnSpPr>
-            <a:cxnSpLocks/>
             <a:stCxn id="24" idx="2"/>
             <a:endCxn id="18" idx="1"/>
           </p:cNvCxnSpPr>
@@ -8877,13 +8898,7 @@
       </p:cxnSp>
       <p:cxnSp>
         <p:nvCxnSpPr>
-          <p:cNvPr id="10" name="连接符: 肘形 9">
-            <a:extLst>
-              <a:ext uri="{FF2B5EF4-FFF2-40B4-BE49-F238E27FC236}">
-                <a16:creationId xmlns:a16="http://schemas.microsoft.com/office/drawing/2014/main" id="{DCE556CD-96A1-E817-8FDD-D80D73985827}"/>
-              </a:ext>
-            </a:extLst>
-          </p:cNvPr>
+          <p:cNvPr id="10" name="连接符: 肘形 9"/>
           <p:cNvCxnSpPr/>
           <p:nvPr/>
         </p:nvCxnSpPr>
@@ -8916,13 +8931,7 @@
       </p:cxnSp>
       <p:sp>
         <p:nvSpPr>
-          <p:cNvPr id="18" name="矩形 17">
-            <a:extLst>
-              <a:ext uri="{FF2B5EF4-FFF2-40B4-BE49-F238E27FC236}">
-                <a16:creationId xmlns:a16="http://schemas.microsoft.com/office/drawing/2014/main" id="{2CF24F62-5A06-9F4E-ADD9-00E783E4FD3B}"/>
-              </a:ext>
-            </a:extLst>
-          </p:cNvPr>
+          <p:cNvPr id="18" name="矩形 17"/>
           <p:cNvSpPr/>
           <p:nvPr/>
         </p:nvSpPr>
@@ -8962,13 +8971,7 @@
       </p:sp>
       <p:grpSp>
         <p:nvGrpSpPr>
-          <p:cNvPr id="25" name="组合 24">
-            <a:extLst>
-              <a:ext uri="{FF2B5EF4-FFF2-40B4-BE49-F238E27FC236}">
-                <a16:creationId xmlns:a16="http://schemas.microsoft.com/office/drawing/2014/main" id="{29E81536-04FC-604B-B0FA-783CAF22DAFA}"/>
-              </a:ext>
-            </a:extLst>
-          </p:cNvPr>
+          <p:cNvPr id="25" name="组合 24"/>
           <p:cNvGrpSpPr/>
           <p:nvPr/>
         </p:nvGrpSpPr>
@@ -8982,13 +8985,7 @@
         </p:grpSpPr>
         <p:sp>
           <p:nvSpPr>
-            <p:cNvPr id="17" name="矩形 16">
-              <a:extLst>
-                <a:ext uri="{FF2B5EF4-FFF2-40B4-BE49-F238E27FC236}">
-                  <a16:creationId xmlns:a16="http://schemas.microsoft.com/office/drawing/2014/main" id="{BAFBD7E8-1BB0-A940-BD47-E4D1245F0FF8}"/>
-                </a:ext>
-              </a:extLst>
-            </p:cNvPr>
+            <p:cNvPr id="17" name="矩形 16"/>
             <p:cNvSpPr/>
             <p:nvPr/>
           </p:nvSpPr>
@@ -9028,13 +9025,7 @@
         </p:sp>
         <p:sp>
           <p:nvSpPr>
-            <p:cNvPr id="24" name="矩形 23">
-              <a:extLst>
-                <a:ext uri="{FF2B5EF4-FFF2-40B4-BE49-F238E27FC236}">
-                  <a16:creationId xmlns:a16="http://schemas.microsoft.com/office/drawing/2014/main" id="{CAFC8EE7-889D-3542-8816-F5D3DC86688B}"/>
-                </a:ext>
-              </a:extLst>
-            </p:cNvPr>
+            <p:cNvPr id="24" name="矩形 23"/>
             <p:cNvSpPr/>
             <p:nvPr/>
           </p:nvSpPr>
@@ -9074,11 +9065,6 @@
         </p:sp>
       </p:grpSp>
     </p:spTree>
-    <p:extLst>
-      <p:ext uri="{BB962C8B-B14F-4D97-AF65-F5344CB8AC3E}">
-        <p14:creationId xmlns:p14="http://schemas.microsoft.com/office/powerpoint/2010/main" val="2577615626"/>
-      </p:ext>
-    </p:extLst>
   </p:cSld>
   <p:clrMapOvr>
     <a:masterClrMapping/>
@@ -9105,13 +9091,7 @@
       </p:grpSpPr>
       <p:sp>
         <p:nvSpPr>
-          <p:cNvPr id="3" name="矩形 2">
-            <a:extLst>
-              <a:ext uri="{FF2B5EF4-FFF2-40B4-BE49-F238E27FC236}">
-                <a16:creationId xmlns:a16="http://schemas.microsoft.com/office/drawing/2014/main" id="{AD7783D3-BCA3-904B-B6E9-D782E67259AE}"/>
-              </a:ext>
-            </a:extLst>
-          </p:cNvPr>
+          <p:cNvPr id="3" name="矩形 2"/>
           <p:cNvSpPr/>
           <p:nvPr/>
         </p:nvSpPr>
@@ -9164,20 +9144,60 @@
         </p:txBody>
       </p:sp>
     </p:spTree>
-    <p:extLst>
-      <p:ext uri="{BB962C8B-B14F-4D97-AF65-F5344CB8AC3E}">
-        <p14:creationId xmlns:p14="http://schemas.microsoft.com/office/powerpoint/2010/main" val="1520425290"/>
-      </p:ext>
-    </p:extLst>
   </p:cSld>
   <p:clrMapOvr>
     <a:masterClrMapping/>
   </p:clrMapOvr>
-  <p:extLst>
-    <p:ext uri="{6950BFC3-D8DA-4A85-94F7-54DA5524770B}">
-      <p188:commentRel xmlns:p188="http://schemas.microsoft.com/office/powerpoint/2018/8/main" r:id="rId2"/>
-    </p:ext>
-  </p:extLst>
+</p:sld>
+</file>
+
+<file path=ppt/slides/slide12.xml><?xml version="1.0" encoding="utf-8"?>
+<p:sld xmlns:a="http://schemas.openxmlformats.org/drawingml/2006/main" xmlns:r="http://schemas.openxmlformats.org/officeDocument/2006/relationships" xmlns:p="http://schemas.openxmlformats.org/presentationml/2006/main">
+  <p:cSld>
+    <p:bg>
+      <p:bgPr>
+        <a:gradFill>
+          <a:gsLst>
+            <a:gs pos="0">
+              <a:srgbClr val="E30000"/>
+            </a:gs>
+            <a:gs pos="100000">
+              <a:srgbClr val="760303"/>
+            </a:gs>
+          </a:gsLst>
+          <a:lin ang="5400000" scaled="0"/>
+        </a:gradFill>
+        <a:effectLst/>
+      </p:bgPr>
+    </p:bg>
+    <p:spTree>
+      <p:nvGrpSpPr>
+        <p:cNvPr id="1" name=""/>
+        <p:cNvGrpSpPr/>
+        <p:nvPr/>
+      </p:nvGrpSpPr>
+      <p:grpSpPr/>
+      <p:graphicFrame>
+        <p:nvGraphicFramePr>
+          <p:cNvPr id="4" name="Chart 3"/>
+          <p:cNvGraphicFramePr/>
+          <p:nvPr/>
+        </p:nvGraphicFramePr>
+        <p:xfrm>
+          <a:off x="2675890" y="1449070"/>
+          <a:ext cx="6839585" cy="3959860"/>
+        </p:xfrm>
+        <a:graphic>
+          <a:graphicData uri="http://schemas.openxmlformats.org/drawingml/2006/chart">
+            <c:chart xmlns:c="http://schemas.openxmlformats.org/drawingml/2006/chart" xmlns:r="http://schemas.openxmlformats.org/officeDocument/2006/relationships" r:id="rId1"/>
+          </a:graphicData>
+        </a:graphic>
+      </p:graphicFrame>
+    </p:spTree>
+  </p:cSld>
+  <p:clrMapOvr>
+    <a:masterClrMapping/>
+  </p:clrMapOvr>
 </p:sld>
 </file>
 
@@ -9208,13 +9228,7 @@
       </p:grpSpPr>
       <p:sp>
         <p:nvSpPr>
-          <p:cNvPr id="3" name="矩形 2">
-            <a:extLst>
-              <a:ext uri="{FF2B5EF4-FFF2-40B4-BE49-F238E27FC236}">
-                <a16:creationId xmlns:a16="http://schemas.microsoft.com/office/drawing/2014/main" id="{9058BA7B-B563-B4DE-2C8D-CA62B9CBD09C}"/>
-              </a:ext>
-            </a:extLst>
-          </p:cNvPr>
+          <p:cNvPr id="3" name="矩形 2"/>
           <p:cNvSpPr/>
           <p:nvPr/>
         </p:nvSpPr>
@@ -9255,18 +9269,13 @@
               <a:rPr lang="zh-CN" altLang="en-US" dirty="0"/>
               <a:t>纯色填充</a:t>
             </a:r>
-          </a:p>
-        </p:txBody>
-      </p:sp>
-      <p:sp>
-        <p:nvSpPr>
-          <p:cNvPr id="4" name="矩形 3">
-            <a:extLst>
-              <a:ext uri="{FF2B5EF4-FFF2-40B4-BE49-F238E27FC236}">
-                <a16:creationId xmlns:a16="http://schemas.microsoft.com/office/drawing/2014/main" id="{06ED6720-AC82-BDC3-1C2C-F71AC312E9A9}"/>
-              </a:ext>
-            </a:extLst>
-          </p:cNvPr>
+            <a:endParaRPr lang="zh-CN" altLang="en-US" dirty="0"/>
+          </a:p>
+        </p:txBody>
+      </p:sp>
+      <p:sp>
+        <p:nvSpPr>
+          <p:cNvPr id="4" name="矩形 3"/>
           <p:cNvSpPr/>
           <p:nvPr/>
         </p:nvSpPr>
@@ -9335,18 +9344,13 @@
               <a:rPr lang="zh-CN" altLang="en-US" dirty="0"/>
               <a:t>线性渐变填充</a:t>
             </a:r>
-          </a:p>
-        </p:txBody>
-      </p:sp>
-      <p:sp>
-        <p:nvSpPr>
-          <p:cNvPr id="5" name="矩形 4">
-            <a:extLst>
-              <a:ext uri="{FF2B5EF4-FFF2-40B4-BE49-F238E27FC236}">
-                <a16:creationId xmlns:a16="http://schemas.microsoft.com/office/drawing/2014/main" id="{9623C181-C1ED-A25F-1DF0-4152D6605723}"/>
-              </a:ext>
-            </a:extLst>
-          </p:cNvPr>
+            <a:endParaRPr lang="zh-CN" altLang="en-US" dirty="0"/>
+          </a:p>
+        </p:txBody>
+      </p:sp>
+      <p:sp>
+        <p:nvSpPr>
+          <p:cNvPr id="5" name="矩形 4"/>
           <p:cNvSpPr/>
           <p:nvPr/>
         </p:nvSpPr>
@@ -9359,7 +9363,7 @@
             <a:avLst/>
           </a:prstGeom>
           <a:blipFill>
-            <a:blip r:embed="rId2">
+            <a:blip r:embed="rId1">
               <a:alphaModFix amt="78000"/>
             </a:blip>
             <a:tile tx="12700" ty="25400" sx="10000" sy="100000" flip="y" algn="tl"/>
@@ -9390,18 +9394,13 @@
               <a:rPr lang="zh-CN" altLang="en-US" dirty="0"/>
               <a:t>纹理填充</a:t>
             </a:r>
-          </a:p>
-        </p:txBody>
-      </p:sp>
-      <p:sp>
-        <p:nvSpPr>
-          <p:cNvPr id="6" name="矩形 5">
-            <a:extLst>
-              <a:ext uri="{FF2B5EF4-FFF2-40B4-BE49-F238E27FC236}">
-                <a16:creationId xmlns:a16="http://schemas.microsoft.com/office/drawing/2014/main" id="{F16085DD-2F2D-AFE5-EC91-05970A94617C}"/>
-              </a:ext>
-            </a:extLst>
-          </p:cNvPr>
+            <a:endParaRPr lang="zh-CN" altLang="en-US" dirty="0"/>
+          </a:p>
+        </p:txBody>
+      </p:sp>
+      <p:sp>
+        <p:nvSpPr>
+          <p:cNvPr id="6" name="矩形 5"/>
           <p:cNvSpPr/>
           <p:nvPr/>
         </p:nvSpPr>
@@ -9414,7 +9413,7 @@
             <a:avLst/>
           </a:prstGeom>
           <a:blipFill dpi="0" rotWithShape="1">
-            <a:blip r:embed="rId3"/>
+            <a:blip r:embed="rId2"/>
             <a:srcRect/>
             <a:stretch>
               <a:fillRect l="20000" t="40000" r="30000" b="50000"/>
@@ -9446,18 +9445,13 @@
               <a:rPr lang="zh-CN" altLang="en-US" dirty="0"/>
               <a:t>图片缩放填充</a:t>
             </a:r>
-          </a:p>
-        </p:txBody>
-      </p:sp>
-      <p:sp>
-        <p:nvSpPr>
-          <p:cNvPr id="10" name="矩形 9">
-            <a:extLst>
-              <a:ext uri="{FF2B5EF4-FFF2-40B4-BE49-F238E27FC236}">
-                <a16:creationId xmlns:a16="http://schemas.microsoft.com/office/drawing/2014/main" id="{8FF948D3-96B5-7D37-CD6E-2E07832FA4C7}"/>
-              </a:ext>
-            </a:extLst>
-          </p:cNvPr>
+            <a:endParaRPr lang="zh-CN" altLang="en-US" dirty="0"/>
+          </a:p>
+        </p:txBody>
+      </p:sp>
+      <p:sp>
+        <p:nvSpPr>
+          <p:cNvPr id="10" name="矩形 9"/>
           <p:cNvSpPr/>
           <p:nvPr/>
         </p:nvSpPr>
@@ -9512,18 +9506,13 @@
               <a:rPr lang="zh-CN" altLang="en-US" dirty="0"/>
               <a:t>图案填充</a:t>
             </a:r>
+            <a:endParaRPr lang="zh-CN" altLang="en-US" dirty="0"/>
           </a:p>
         </p:txBody>
       </p:sp>
       <p:sp useBgFill="1">
         <p:nvSpPr>
-          <p:cNvPr id="11" name="矩形 10">
-            <a:extLst>
-              <a:ext uri="{FF2B5EF4-FFF2-40B4-BE49-F238E27FC236}">
-                <a16:creationId xmlns:a16="http://schemas.microsoft.com/office/drawing/2014/main" id="{508EA8B6-3599-9D48-4A53-A46A3B293641}"/>
-              </a:ext>
-            </a:extLst>
-          </p:cNvPr>
+          <p:cNvPr id="11" name="矩形 10"/>
           <p:cNvSpPr/>
           <p:nvPr/>
         </p:nvSpPr>
@@ -9569,18 +9558,13 @@
               <a:rPr lang="zh-CN" altLang="en-US" dirty="0"/>
               <a:t>幻灯片填充</a:t>
             </a:r>
-          </a:p>
-        </p:txBody>
-      </p:sp>
-      <p:sp>
-        <p:nvSpPr>
-          <p:cNvPr id="12" name="矩形 11">
-            <a:extLst>
-              <a:ext uri="{FF2B5EF4-FFF2-40B4-BE49-F238E27FC236}">
-                <a16:creationId xmlns:a16="http://schemas.microsoft.com/office/drawing/2014/main" id="{F52E9BFE-F635-584A-9088-AF7D616F2129}"/>
-              </a:ext>
-            </a:extLst>
-          </p:cNvPr>
+            <a:endParaRPr lang="zh-CN" altLang="en-US" dirty="0"/>
+          </a:p>
+        </p:txBody>
+      </p:sp>
+      <p:sp>
+        <p:nvSpPr>
+          <p:cNvPr id="12" name="矩形 11"/>
           <p:cNvSpPr/>
           <p:nvPr/>
         </p:nvSpPr>
@@ -9593,7 +9577,7 @@
             <a:avLst/>
           </a:prstGeom>
           <a:blipFill dpi="0" rotWithShape="1">
-            <a:blip r:embed="rId3"/>
+            <a:blip r:embed="rId2"/>
             <a:srcRect/>
             <a:tile tx="12700" ty="25400" sx="10000" sy="100000" flip="y" algn="tl"/>
           </a:blipFill>
@@ -9623,18 +9607,13 @@
               <a:rPr lang="zh-CN" altLang="en-US" dirty="0"/>
               <a:t>图片平铺填充</a:t>
             </a:r>
-          </a:p>
-        </p:txBody>
-      </p:sp>
-      <p:sp>
-        <p:nvSpPr>
-          <p:cNvPr id="13" name="矩形 12">
-            <a:extLst>
-              <a:ext uri="{FF2B5EF4-FFF2-40B4-BE49-F238E27FC236}">
-                <a16:creationId xmlns:a16="http://schemas.microsoft.com/office/drawing/2014/main" id="{87A5E2C1-F9E2-C343-A196-B65B633425AB}"/>
-              </a:ext>
-            </a:extLst>
-          </p:cNvPr>
+            <a:endParaRPr lang="zh-CN" altLang="en-US" dirty="0"/>
+          </a:p>
+        </p:txBody>
+      </p:sp>
+      <p:sp>
+        <p:nvSpPr>
+          <p:cNvPr id="13" name="矩形 12"/>
           <p:cNvSpPr/>
           <p:nvPr/>
         </p:nvSpPr>
@@ -9705,18 +9684,13 @@
               <a:rPr lang="zh-CN" altLang="en-US" dirty="0"/>
               <a:t>射线填充</a:t>
             </a:r>
-          </a:p>
-        </p:txBody>
-      </p:sp>
-      <p:sp>
-        <p:nvSpPr>
-          <p:cNvPr id="14" name="矩形 13">
-            <a:extLst>
-              <a:ext uri="{FF2B5EF4-FFF2-40B4-BE49-F238E27FC236}">
-                <a16:creationId xmlns:a16="http://schemas.microsoft.com/office/drawing/2014/main" id="{7330C761-B691-5341-8E2F-E2F50FCD6A5A}"/>
-              </a:ext>
-            </a:extLst>
-          </p:cNvPr>
+            <a:endParaRPr lang="zh-CN" altLang="en-US" dirty="0"/>
+          </a:p>
+        </p:txBody>
+      </p:sp>
+      <p:sp>
+        <p:nvSpPr>
+          <p:cNvPr id="14" name="矩形 13"/>
           <p:cNvSpPr/>
           <p:nvPr/>
         </p:nvSpPr>
@@ -9787,18 +9761,13 @@
               <a:rPr lang="zh-CN" altLang="en-US" dirty="0"/>
               <a:t>矩形渐变填充</a:t>
             </a:r>
-          </a:p>
-        </p:txBody>
-      </p:sp>
-      <p:sp>
-        <p:nvSpPr>
-          <p:cNvPr id="15" name="矩形 14">
-            <a:extLst>
-              <a:ext uri="{FF2B5EF4-FFF2-40B4-BE49-F238E27FC236}">
-                <a16:creationId xmlns:a16="http://schemas.microsoft.com/office/drawing/2014/main" id="{E9868B97-F078-7641-BFDD-8CA8E087A5B7}"/>
-              </a:ext>
-            </a:extLst>
-          </p:cNvPr>
+            <a:endParaRPr lang="zh-CN" altLang="en-US" dirty="0"/>
+          </a:p>
+        </p:txBody>
+      </p:sp>
+      <p:sp>
+        <p:nvSpPr>
+          <p:cNvPr id="15" name="矩形 14"/>
           <p:cNvSpPr/>
           <p:nvPr/>
         </p:nvSpPr>
@@ -9861,18 +9830,13 @@
               <a:rPr lang="zh-CN" altLang="en-US" dirty="0"/>
               <a:t>路径渐变填充</a:t>
             </a:r>
-          </a:p>
-        </p:txBody>
-      </p:sp>
-      <p:sp>
-        <p:nvSpPr>
-          <p:cNvPr id="8" name="矩形 7">
-            <a:extLst>
-              <a:ext uri="{FF2B5EF4-FFF2-40B4-BE49-F238E27FC236}">
-                <a16:creationId xmlns:a16="http://schemas.microsoft.com/office/drawing/2014/main" id="{67267F97-5A7D-532C-8405-B1399925AA2F}"/>
-              </a:ext>
-            </a:extLst>
-          </p:cNvPr>
+            <a:endParaRPr lang="zh-CN" altLang="en-US" dirty="0"/>
+          </a:p>
+        </p:txBody>
+      </p:sp>
+      <p:sp>
+        <p:nvSpPr>
+          <p:cNvPr id="8" name="矩形 7"/>
           <p:cNvSpPr/>
           <p:nvPr/>
         </p:nvSpPr>
@@ -9910,15 +9874,11 @@
               <a:rPr lang="zh-CN" altLang="en-US"/>
               <a:t>主题色填充</a:t>
             </a:r>
+            <a:endParaRPr lang="zh-CN" altLang="en-US"/>
           </a:p>
         </p:txBody>
       </p:sp>
     </p:spTree>
-    <p:extLst>
-      <p:ext uri="{BB962C8B-B14F-4D97-AF65-F5344CB8AC3E}">
-        <p14:creationId xmlns:p14="http://schemas.microsoft.com/office/powerpoint/2010/main" val="275862791"/>
-      </p:ext>
-    </p:extLst>
   </p:cSld>
   <p:clrMapOvr>
     <a:masterClrMapping/>
@@ -9977,13 +9937,7 @@
       </p:grpSpPr>
       <p:sp>
         <p:nvSpPr>
-          <p:cNvPr id="3" name="文本框 2">
-            <a:extLst>
-              <a:ext uri="{FF2B5EF4-FFF2-40B4-BE49-F238E27FC236}">
-                <a16:creationId xmlns:a16="http://schemas.microsoft.com/office/drawing/2014/main" id="{A2928E4C-87F7-A74E-A39A-D9CE744723B5}"/>
-              </a:ext>
-            </a:extLst>
-          </p:cNvPr>
+          <p:cNvPr id="3" name="文本框 2"/>
           <p:cNvSpPr txBox="1"/>
           <p:nvPr/>
         </p:nvSpPr>
@@ -10007,18 +9961,13 @@
               <a:rPr kumimoji="1" lang="zh-CN" altLang="en-US" dirty="0"/>
               <a:t>纯色透明度</a:t>
             </a:r>
-          </a:p>
-        </p:txBody>
-      </p:sp>
-      <p:sp>
-        <p:nvSpPr>
-          <p:cNvPr id="4" name="矩形 3">
-            <a:extLst>
-              <a:ext uri="{FF2B5EF4-FFF2-40B4-BE49-F238E27FC236}">
-                <a16:creationId xmlns:a16="http://schemas.microsoft.com/office/drawing/2014/main" id="{302683A1-21C3-1D46-AF5D-9FCEF4886564}"/>
-              </a:ext>
-            </a:extLst>
-          </p:cNvPr>
+            <a:endParaRPr kumimoji="1" lang="zh-CN" altLang="en-US" dirty="0"/>
+          </a:p>
+        </p:txBody>
+      </p:sp>
+      <p:sp>
+        <p:nvSpPr>
+          <p:cNvPr id="4" name="矩形 3"/>
           <p:cNvSpPr/>
           <p:nvPr/>
         </p:nvSpPr>
@@ -10071,13 +10020,7 @@
       </p:sp>
       <p:sp>
         <p:nvSpPr>
-          <p:cNvPr id="5" name="矩形 4">
-            <a:extLst>
-              <a:ext uri="{FF2B5EF4-FFF2-40B4-BE49-F238E27FC236}">
-                <a16:creationId xmlns:a16="http://schemas.microsoft.com/office/drawing/2014/main" id="{BC46521C-4D0D-2C48-952F-3307495ACEC8}"/>
-              </a:ext>
-            </a:extLst>
-          </p:cNvPr>
+          <p:cNvPr id="5" name="矩形 4"/>
           <p:cNvSpPr/>
           <p:nvPr/>
         </p:nvSpPr>
@@ -10115,18 +10058,13 @@
               <a:rPr kumimoji="1" lang="zh-CN" altLang="en-US" dirty="0"/>
               <a:t>不透明</a:t>
             </a:r>
-          </a:p>
-        </p:txBody>
-      </p:sp>
-      <p:sp>
-        <p:nvSpPr>
-          <p:cNvPr id="6" name="矩形 5">
-            <a:extLst>
-              <a:ext uri="{FF2B5EF4-FFF2-40B4-BE49-F238E27FC236}">
-                <a16:creationId xmlns:a16="http://schemas.microsoft.com/office/drawing/2014/main" id="{2A06FEBC-23E0-D84C-ACA7-85728C66CF22}"/>
-              </a:ext>
-            </a:extLst>
-          </p:cNvPr>
+            <a:endParaRPr kumimoji="1" lang="zh-CN" altLang="en-US" dirty="0"/>
+          </a:p>
+        </p:txBody>
+      </p:sp>
+      <p:sp>
+        <p:nvSpPr>
+          <p:cNvPr id="6" name="矩形 5"/>
           <p:cNvSpPr/>
           <p:nvPr/>
         </p:nvSpPr>
@@ -10179,13 +10117,7 @@
       </p:sp>
       <p:sp>
         <p:nvSpPr>
-          <p:cNvPr id="7" name="矩形 6">
-            <a:extLst>
-              <a:ext uri="{FF2B5EF4-FFF2-40B4-BE49-F238E27FC236}">
-                <a16:creationId xmlns:a16="http://schemas.microsoft.com/office/drawing/2014/main" id="{5E6AA4F6-6450-394C-A3C5-383161D258B4}"/>
-              </a:ext>
-            </a:extLst>
-          </p:cNvPr>
+          <p:cNvPr id="7" name="矩形 6"/>
           <p:cNvSpPr/>
           <p:nvPr/>
         </p:nvSpPr>
@@ -10237,11 +10169,6 @@
         </p:txBody>
       </p:sp>
     </p:spTree>
-    <p:extLst>
-      <p:ext uri="{BB962C8B-B14F-4D97-AF65-F5344CB8AC3E}">
-        <p14:creationId xmlns:p14="http://schemas.microsoft.com/office/powerpoint/2010/main" val="465413360"/>
-      </p:ext>
-    </p:extLst>
   </p:cSld>
   <p:clrMapOvr>
     <a:masterClrMapping/>
@@ -10268,13 +10195,7 @@
       </p:grpSpPr>
       <p:sp>
         <p:nvSpPr>
-          <p:cNvPr id="2" name="文本框 1">
-            <a:extLst>
-              <a:ext uri="{FF2B5EF4-FFF2-40B4-BE49-F238E27FC236}">
-                <a16:creationId xmlns:a16="http://schemas.microsoft.com/office/drawing/2014/main" id="{49E07712-3577-CFF5-DD48-52901ECD42FD}"/>
-              </a:ext>
-            </a:extLst>
-          </p:cNvPr>
+          <p:cNvPr id="2" name="文本框 1"/>
           <p:cNvSpPr txBox="1"/>
           <p:nvPr/>
         </p:nvSpPr>
@@ -10298,25 +10219,20 @@
               <a:rPr lang="zh-CN" altLang="en-US" dirty="0"/>
               <a:t>图片填充和图片图形</a:t>
             </a:r>
+            <a:endParaRPr lang="zh-CN" altLang="en-US" dirty="0"/>
           </a:p>
         </p:txBody>
       </p:sp>
       <p:pic>
         <p:nvPicPr>
-          <p:cNvPr id="4" name="图片 3">
-            <a:extLst>
-              <a:ext uri="{FF2B5EF4-FFF2-40B4-BE49-F238E27FC236}">
-                <a16:creationId xmlns:a16="http://schemas.microsoft.com/office/drawing/2014/main" id="{A7F59D0F-260F-5396-F62F-9F30CF7A366D}"/>
-              </a:ext>
-            </a:extLst>
-          </p:cNvPr>
+          <p:cNvPr id="4" name="图片 3"/>
           <p:cNvPicPr>
             <a:picLocks noChangeAspect="1"/>
           </p:cNvPicPr>
           <p:nvPr/>
         </p:nvPicPr>
         <p:blipFill>
-          <a:blip r:embed="rId2">
+          <a:blip r:embed="rId1">
             <a:extLst>
               <a:ext uri="{28A0092B-C50C-407E-A947-70E740481C1C}">
                 <a14:useLocalDpi xmlns:a14="http://schemas.microsoft.com/office/drawing/2010/main" val="0"/>
@@ -10339,13 +10255,7 @@
       </p:pic>
       <p:sp>
         <p:nvSpPr>
-          <p:cNvPr id="10" name="矩形 9">
-            <a:extLst>
-              <a:ext uri="{FF2B5EF4-FFF2-40B4-BE49-F238E27FC236}">
-                <a16:creationId xmlns:a16="http://schemas.microsoft.com/office/drawing/2014/main" id="{0FC37B62-64FF-3C6D-A7AE-4D08F536FC34}"/>
-              </a:ext>
-            </a:extLst>
-          </p:cNvPr>
+          <p:cNvPr id="10" name="矩形 9"/>
           <p:cNvSpPr/>
           <p:nvPr/>
         </p:nvSpPr>
@@ -10358,7 +10268,7 @@
             <a:avLst/>
           </a:prstGeom>
           <a:blipFill>
-            <a:blip r:embed="rId2"/>
+            <a:blip r:embed="rId1"/>
             <a:stretch>
               <a:fillRect/>
             </a:stretch>
@@ -10391,13 +10301,7 @@
       </p:sp>
       <p:sp>
         <p:nvSpPr>
-          <p:cNvPr id="11" name="等腰三角形 10">
-            <a:extLst>
-              <a:ext uri="{FF2B5EF4-FFF2-40B4-BE49-F238E27FC236}">
-                <a16:creationId xmlns:a16="http://schemas.microsoft.com/office/drawing/2014/main" id="{D738540C-2ABF-8747-E7CE-91D219D97829}"/>
-              </a:ext>
-            </a:extLst>
-          </p:cNvPr>
+          <p:cNvPr id="11" name="等腰三角形 10"/>
           <p:cNvSpPr/>
           <p:nvPr/>
         </p:nvSpPr>
@@ -10410,7 +10314,7 @@
             <a:avLst/>
           </a:prstGeom>
           <a:blipFill dpi="0" rotWithShape="0">
-            <a:blip r:embed="rId2"/>
+            <a:blip r:embed="rId1"/>
             <a:srcRect/>
             <a:stretch>
               <a:fillRect/>
@@ -10444,13 +10348,7 @@
       </p:sp>
       <p:sp>
         <p:nvSpPr>
-          <p:cNvPr id="12" name="椭圆 11">
-            <a:extLst>
-              <a:ext uri="{FF2B5EF4-FFF2-40B4-BE49-F238E27FC236}">
-                <a16:creationId xmlns:a16="http://schemas.microsoft.com/office/drawing/2014/main" id="{A010B127-6BBD-7DF2-C97F-0688351A0EA3}"/>
-              </a:ext>
-            </a:extLst>
-          </p:cNvPr>
+          <p:cNvPr id="12" name="椭圆 11"/>
           <p:cNvSpPr/>
           <p:nvPr/>
         </p:nvSpPr>
@@ -10463,7 +10361,7 @@
             <a:avLst/>
           </a:prstGeom>
           <a:blipFill>
-            <a:blip r:embed="rId2"/>
+            <a:blip r:embed="rId1"/>
             <a:stretch>
               <a:fillRect/>
             </a:stretch>
@@ -10496,13 +10394,7 @@
       </p:sp>
       <p:sp>
         <p:nvSpPr>
-          <p:cNvPr id="13" name="矩形 12">
-            <a:extLst>
-              <a:ext uri="{FF2B5EF4-FFF2-40B4-BE49-F238E27FC236}">
-                <a16:creationId xmlns:a16="http://schemas.microsoft.com/office/drawing/2014/main" id="{92CD6F6A-9208-72AE-B429-10D8F1F89096}"/>
-              </a:ext>
-            </a:extLst>
-          </p:cNvPr>
+          <p:cNvPr id="13" name="矩形 12"/>
           <p:cNvSpPr/>
           <p:nvPr/>
         </p:nvSpPr>
@@ -10515,7 +10407,7 @@
             <a:avLst/>
           </a:prstGeom>
           <a:blipFill dpi="0" rotWithShape="1">
-            <a:blip r:embed="rId2">
+            <a:blip r:embed="rId1">
               <a:alphaModFix amt="37000"/>
             </a:blip>
             <a:srcRect/>
@@ -10550,11 +10442,6 @@
         </p:txBody>
       </p:sp>
     </p:spTree>
-    <p:extLst>
-      <p:ext uri="{BB962C8B-B14F-4D97-AF65-F5344CB8AC3E}">
-        <p14:creationId xmlns:p14="http://schemas.microsoft.com/office/powerpoint/2010/main" val="1846078579"/>
-      </p:ext>
-    </p:extLst>
   </p:cSld>
   <p:clrMapOvr>
     <a:masterClrMapping/>
@@ -10581,13 +10468,7 @@
       </p:grpSpPr>
       <p:sp>
         <p:nvSpPr>
-          <p:cNvPr id="8" name="文本框 7">
-            <a:extLst>
-              <a:ext uri="{FF2B5EF4-FFF2-40B4-BE49-F238E27FC236}">
-                <a16:creationId xmlns:a16="http://schemas.microsoft.com/office/drawing/2014/main" id="{EB3C8B5D-CE84-7240-97E1-25B6045C7409}"/>
-              </a:ext>
-            </a:extLst>
-          </p:cNvPr>
+          <p:cNvPr id="8" name="文本框 7"/>
           <p:cNvSpPr txBox="1"/>
           <p:nvPr/>
         </p:nvSpPr>
@@ -10611,18 +10492,13 @@
               <a:rPr kumimoji="1" lang="zh-CN" altLang="en-US" dirty="0"/>
               <a:t>各类形状渐变填充</a:t>
             </a:r>
-          </a:p>
-        </p:txBody>
-      </p:sp>
-      <p:sp>
-        <p:nvSpPr>
-          <p:cNvPr id="9" name="椭圆 8">
-            <a:extLst>
-              <a:ext uri="{FF2B5EF4-FFF2-40B4-BE49-F238E27FC236}">
-                <a16:creationId xmlns:a16="http://schemas.microsoft.com/office/drawing/2014/main" id="{0835E1A4-6B19-404C-A8F3-9C3B06CC70DE}"/>
-              </a:ext>
-            </a:extLst>
-          </p:cNvPr>
+            <a:endParaRPr kumimoji="1" lang="zh-CN" altLang="en-US" dirty="0"/>
+          </a:p>
+        </p:txBody>
+      </p:sp>
+      <p:sp>
+        <p:nvSpPr>
+          <p:cNvPr id="9" name="椭圆 8"/>
           <p:cNvSpPr/>
           <p:nvPr/>
         </p:nvSpPr>
@@ -10680,13 +10556,7 @@
       </p:sp>
       <p:sp>
         <p:nvSpPr>
-          <p:cNvPr id="10" name="三角形 9">
-            <a:extLst>
-              <a:ext uri="{FF2B5EF4-FFF2-40B4-BE49-F238E27FC236}">
-                <a16:creationId xmlns:a16="http://schemas.microsoft.com/office/drawing/2014/main" id="{2ED4EF0B-11E9-C64A-9E57-03A72B7FF18A}"/>
-              </a:ext>
-            </a:extLst>
-          </p:cNvPr>
+          <p:cNvPr id="10" name="三角形 9"/>
           <p:cNvSpPr/>
           <p:nvPr/>
         </p:nvSpPr>
@@ -10759,13 +10629,7 @@
       </p:sp>
       <p:sp>
         <p:nvSpPr>
-          <p:cNvPr id="11" name="剪去单角的矩形 10">
-            <a:extLst>
-              <a:ext uri="{FF2B5EF4-FFF2-40B4-BE49-F238E27FC236}">
-                <a16:creationId xmlns:a16="http://schemas.microsoft.com/office/drawing/2014/main" id="{4B1D0521-5E49-C94D-9F6B-34C836B237CB}"/>
-              </a:ext>
-            </a:extLst>
-          </p:cNvPr>
+          <p:cNvPr id="11" name="剪去单角的矩形 10"/>
           <p:cNvSpPr/>
           <p:nvPr/>
         </p:nvSpPr>
@@ -10836,13 +10700,7 @@
       </p:sp>
       <p:sp>
         <p:nvSpPr>
-          <p:cNvPr id="12" name="椭圆 11">
-            <a:extLst>
-              <a:ext uri="{FF2B5EF4-FFF2-40B4-BE49-F238E27FC236}">
-                <a16:creationId xmlns:a16="http://schemas.microsoft.com/office/drawing/2014/main" id="{614D9F4D-1CE5-C040-A174-A2DB8148FD52}"/>
-              </a:ext>
-            </a:extLst>
-          </p:cNvPr>
+          <p:cNvPr id="12" name="椭圆 11"/>
           <p:cNvSpPr/>
           <p:nvPr/>
         </p:nvSpPr>
@@ -10915,13 +10773,7 @@
       </p:sp>
       <p:sp>
         <p:nvSpPr>
-          <p:cNvPr id="13" name="三角形 12">
-            <a:extLst>
-              <a:ext uri="{FF2B5EF4-FFF2-40B4-BE49-F238E27FC236}">
-                <a16:creationId xmlns:a16="http://schemas.microsoft.com/office/drawing/2014/main" id="{8C7CA774-B516-1947-B451-27846184DC53}"/>
-              </a:ext>
-            </a:extLst>
-          </p:cNvPr>
+          <p:cNvPr id="13" name="三角形 12"/>
           <p:cNvSpPr/>
           <p:nvPr/>
         </p:nvSpPr>
@@ -10977,13 +10829,7 @@
       </p:sp>
       <p:sp>
         <p:nvSpPr>
-          <p:cNvPr id="14" name="剪去单角的矩形 13">
-            <a:extLst>
-              <a:ext uri="{FF2B5EF4-FFF2-40B4-BE49-F238E27FC236}">
-                <a16:creationId xmlns:a16="http://schemas.microsoft.com/office/drawing/2014/main" id="{9A131EAD-E22F-254A-93C8-B6F3D463F156}"/>
-              </a:ext>
-            </a:extLst>
-          </p:cNvPr>
+          <p:cNvPr id="14" name="剪去单角的矩形 13"/>
           <p:cNvSpPr/>
           <p:nvPr/>
         </p:nvSpPr>
@@ -11056,13 +10902,7 @@
       </p:sp>
       <p:sp>
         <p:nvSpPr>
-          <p:cNvPr id="15" name="椭圆 14">
-            <a:extLst>
-              <a:ext uri="{FF2B5EF4-FFF2-40B4-BE49-F238E27FC236}">
-                <a16:creationId xmlns:a16="http://schemas.microsoft.com/office/drawing/2014/main" id="{E91E1D83-D0D1-3748-AEDA-0F8DAB401D11}"/>
-              </a:ext>
-            </a:extLst>
-          </p:cNvPr>
+          <p:cNvPr id="15" name="椭圆 14"/>
           <p:cNvSpPr/>
           <p:nvPr/>
         </p:nvSpPr>
@@ -11135,13 +10975,7 @@
       </p:sp>
       <p:sp>
         <p:nvSpPr>
-          <p:cNvPr id="16" name="三角形 15">
-            <a:extLst>
-              <a:ext uri="{FF2B5EF4-FFF2-40B4-BE49-F238E27FC236}">
-                <a16:creationId xmlns:a16="http://schemas.microsoft.com/office/drawing/2014/main" id="{FDAC51CB-EEAD-2647-BAE3-957048D9246F}"/>
-              </a:ext>
-            </a:extLst>
-          </p:cNvPr>
+          <p:cNvPr id="16" name="三角形 15"/>
           <p:cNvSpPr/>
           <p:nvPr/>
         </p:nvSpPr>
@@ -11214,13 +11048,7 @@
       </p:sp>
       <p:sp>
         <p:nvSpPr>
-          <p:cNvPr id="17" name="剪去单角的矩形 16">
-            <a:extLst>
-              <a:ext uri="{FF2B5EF4-FFF2-40B4-BE49-F238E27FC236}">
-                <a16:creationId xmlns:a16="http://schemas.microsoft.com/office/drawing/2014/main" id="{4E1227E1-CF3E-1442-BEE1-8B8DD85FA819}"/>
-              </a:ext>
-            </a:extLst>
-          </p:cNvPr>
+          <p:cNvPr id="17" name="剪去单角的矩形 16"/>
           <p:cNvSpPr/>
           <p:nvPr/>
         </p:nvSpPr>
@@ -11293,13 +11121,7 @@
       </p:sp>
       <p:sp>
         <p:nvSpPr>
-          <p:cNvPr id="18" name="椭圆 17">
-            <a:extLst>
-              <a:ext uri="{FF2B5EF4-FFF2-40B4-BE49-F238E27FC236}">
-                <a16:creationId xmlns:a16="http://schemas.microsoft.com/office/drawing/2014/main" id="{9E36BE9C-E9C9-D14F-B7DC-FBC7DD6A6242}"/>
-              </a:ext>
-            </a:extLst>
-          </p:cNvPr>
+          <p:cNvPr id="18" name="椭圆 17"/>
           <p:cNvSpPr/>
           <p:nvPr/>
         </p:nvSpPr>
@@ -11372,13 +11194,7 @@
       </p:sp>
       <p:sp>
         <p:nvSpPr>
-          <p:cNvPr id="19" name="三角形 18">
-            <a:extLst>
-              <a:ext uri="{FF2B5EF4-FFF2-40B4-BE49-F238E27FC236}">
-                <a16:creationId xmlns:a16="http://schemas.microsoft.com/office/drawing/2014/main" id="{EA3CBD88-D532-0B43-A95E-7471DBEC1477}"/>
-              </a:ext>
-            </a:extLst>
-          </p:cNvPr>
+          <p:cNvPr id="19" name="三角形 18"/>
           <p:cNvSpPr/>
           <p:nvPr/>
         </p:nvSpPr>
@@ -11451,13 +11267,7 @@
       </p:sp>
       <p:sp>
         <p:nvSpPr>
-          <p:cNvPr id="20" name="剪去单角的矩形 19">
-            <a:extLst>
-              <a:ext uri="{FF2B5EF4-FFF2-40B4-BE49-F238E27FC236}">
-                <a16:creationId xmlns:a16="http://schemas.microsoft.com/office/drawing/2014/main" id="{8A3FC629-E560-AF4A-9787-DD256E28D997}"/>
-              </a:ext>
-            </a:extLst>
-          </p:cNvPr>
+          <p:cNvPr id="20" name="剪去单角的矩形 19"/>
           <p:cNvSpPr/>
           <p:nvPr/>
         </p:nvSpPr>
@@ -11529,11 +11339,6 @@
         </p:txBody>
       </p:sp>
     </p:spTree>
-    <p:extLst>
-      <p:ext uri="{BB962C8B-B14F-4D97-AF65-F5344CB8AC3E}">
-        <p14:creationId xmlns:p14="http://schemas.microsoft.com/office/powerpoint/2010/main" val="233133000"/>
-      </p:ext>
-    </p:extLst>
   </p:cSld>
   <p:clrMapOvr>
     <a:masterClrMapping/>
@@ -11560,13 +11365,7 @@
       </p:grpSpPr>
       <p:sp>
         <p:nvSpPr>
-          <p:cNvPr id="7" name="文本框 6">
-            <a:extLst>
-              <a:ext uri="{FF2B5EF4-FFF2-40B4-BE49-F238E27FC236}">
-                <a16:creationId xmlns:a16="http://schemas.microsoft.com/office/drawing/2014/main" id="{6F9B20E7-2C8C-3B01-F61B-856D7C4AAA3C}"/>
-              </a:ext>
-            </a:extLst>
-          </p:cNvPr>
+          <p:cNvPr id="7" name="文本框 6"/>
           <p:cNvSpPr txBox="1"/>
           <p:nvPr/>
         </p:nvSpPr>
@@ -11590,25 +11389,20 @@
               <a:rPr lang="zh-CN" altLang="en-US" dirty="0"/>
               <a:t>各类型媒体文件</a:t>
             </a:r>
+            <a:endParaRPr lang="zh-CN" altLang="en-US" dirty="0"/>
           </a:p>
         </p:txBody>
       </p:sp>
       <p:pic>
         <p:nvPicPr>
-          <p:cNvPr id="12" name="图片 11">
-            <a:extLst>
-              <a:ext uri="{FF2B5EF4-FFF2-40B4-BE49-F238E27FC236}">
-                <a16:creationId xmlns:a16="http://schemas.microsoft.com/office/drawing/2014/main" id="{E630BD46-8391-6FD8-DF6C-7A2C9855D818}"/>
-              </a:ext>
-            </a:extLst>
-          </p:cNvPr>
+          <p:cNvPr id="12" name="图片 11"/>
           <p:cNvPicPr>
             <a:picLocks noChangeAspect="1"/>
           </p:cNvPicPr>
           <p:nvPr/>
         </p:nvPicPr>
         <p:blipFill>
-          <a:blip r:embed="rId7">
+          <a:blip r:embed="rId1">
             <a:extLst>
               <a:ext uri="{28A0092B-C50C-407E-A947-70E740481C1C}">
                 <a14:useLocalDpi xmlns:a14="http://schemas.microsoft.com/office/drawing/2010/main" val="0"/>
@@ -11633,26 +11427,21 @@
         <p:nvPicPr>
           <p:cNvPr id="13" name="video">
             <a:hlinkClick r:id="" action="ppaction://media"/>
-            <a:extLst>
-              <a:ext uri="{FF2B5EF4-FFF2-40B4-BE49-F238E27FC236}">
-                <a16:creationId xmlns:a16="http://schemas.microsoft.com/office/drawing/2014/main" id="{D9B2ACFE-B388-B467-C326-B944717B7DEA}"/>
-              </a:ext>
-            </a:extLst>
           </p:cNvPr>
           <p:cNvPicPr>
             <a:picLocks noChangeAspect="1"/>
           </p:cNvPicPr>
           <p:nvPr>
-            <a:videoFile r:link="rId3"/>
+            <a:videoFile r:link="rId2"/>
             <p:extLst>
               <p:ext uri="{DAA4B4D4-6D71-4841-9C94-3DE7FCFB9230}">
-                <p14:media xmlns:p14="http://schemas.microsoft.com/office/powerpoint/2010/main" r:embed="rId2"/>
+                <p14:media xmlns:p14="http://schemas.microsoft.com/office/powerpoint/2010/main" r:embed="rId3"/>
               </p:ext>
             </p:extLst>
           </p:nvPr>
         </p:nvPicPr>
         <p:blipFill>
-          <a:blip r:embed="rId8"/>
+          <a:blip r:embed="rId4"/>
           <a:stretch>
             <a:fillRect/>
           </a:stretch>
@@ -11671,11 +11460,6 @@
         <p:nvPicPr>
           <p:cNvPr id="14" name="mp3">
             <a:hlinkClick r:id="" action="ppaction://media"/>
-            <a:extLst>
-              <a:ext uri="{FF2B5EF4-FFF2-40B4-BE49-F238E27FC236}">
-                <a16:creationId xmlns:a16="http://schemas.microsoft.com/office/drawing/2014/main" id="{C62ABC7C-0E8B-CC45-964C-F788ECAD24A4}"/>
-              </a:ext>
-            </a:extLst>
           </p:cNvPr>
           <p:cNvPicPr>
             <a:picLocks noChangeAspect="1"/>
@@ -11684,17 +11468,17 @@
             <a:audioFile r:link="rId5"/>
             <p:extLst>
               <p:ext uri="{DAA4B4D4-6D71-4841-9C94-3DE7FCFB9230}">
-                <p14:media xmlns:p14="http://schemas.microsoft.com/office/powerpoint/2010/main" r:embed="rId4"/>
+                <p14:media xmlns:p14="http://schemas.microsoft.com/office/powerpoint/2010/main" r:embed="rId6"/>
               </p:ext>
             </p:extLst>
           </p:nvPr>
         </p:nvPicPr>
         <p:blipFill>
-          <a:blip r:embed="rId9">
+          <a:blip r:embed="rId7">
             <a:extLst>
               <a:ext uri="{BEBA8EAE-BF5A-486C-A8C5-ECC9F3942E4B}">
                 <a14:imgProps xmlns:a14="http://schemas.microsoft.com/office/drawing/2010/main">
-                  <a14:imgLayer r:embed="rId10">
+                  <a14:imgLayer r:embed="rId8">
                     <a14:imgEffect>
                       <a14:sharpenSoften amount="-6000"/>
                     </a14:imgEffect>
@@ -11721,22 +11505,11 @@
         <p:nvGraphicFramePr>
           <p:cNvPr id="15" name="对象 14">
             <a:hlinkClick r:id="" action="ppaction://ole?verb=0"/>
-            <a:extLst>
-              <a:ext uri="{FF2B5EF4-FFF2-40B4-BE49-F238E27FC236}">
-                <a16:creationId xmlns:a16="http://schemas.microsoft.com/office/drawing/2014/main" id="{9E75B9AA-3EF4-9722-C4F6-25907146FD4D}"/>
-              </a:ext>
-            </a:extLst>
           </p:cNvPr>
           <p:cNvGraphicFramePr>
             <a:graphicFrameLocks noChangeAspect="1"/>
           </p:cNvGraphicFramePr>
-          <p:nvPr>
-            <p:extLst>
-              <p:ext uri="{D42A27DB-BD31-4B8C-83A1-F6EECF244321}">
-                <p14:modId xmlns:p14="http://schemas.microsoft.com/office/powerpoint/2010/main" val="1275259058"/>
-              </p:ext>
-            </p:extLst>
-          </p:nvPr>
+          <p:nvPr/>
         </p:nvGraphicFramePr>
         <p:xfrm>
           <a:off x="4077773" y="3939514"/>
@@ -11746,21 +11519,21 @@
           <a:graphicData uri="http://schemas.openxmlformats.org/presentationml/2006/ole">
             <mc:AlternateContent xmlns:mc="http://schemas.openxmlformats.org/markup-compatibility/2006">
               <mc:Choice xmlns:v="urn:schemas-microsoft-com:vml" Requires="v">
-                <p:oleObj spid="_x0000_s1137" name="Presentation" r:id="rId11" imgW="6096052" imgH="3429125" progId="PowerPoint.Show.12">
+                <p:oleObj spid="_x0000_s1137" name="Presentation" r:id="rId9" imgW="6087110" imgH="3424555" progId="PowerPoint.Show.12">
                   <p:embed/>
                 </p:oleObj>
               </mc:Choice>
               <mc:Fallback>
-                <p:oleObj name="Presentation" r:id="rId11" imgW="6096052" imgH="3429125" progId="PowerPoint.Show.12">
+                <p:oleObj name="Presentation" r:id="rId9" imgW="6087110" imgH="3424555" progId="PowerPoint.Show.12">
                   <p:embed/>
                   <p:pic>
                     <p:nvPicPr>
-                      <p:cNvPr id="0" name=""/>
+                      <p:cNvPr id="0" name="Picture 1136"/>
                       <p:cNvPicPr/>
                       <p:nvPr/>
                     </p:nvPicPr>
                     <p:blipFill>
-                      <a:blip r:embed="rId12"/>
+                      <a:blip r:embed="rId10"/>
                       <a:stretch>
                         <a:fillRect/>
                       </a:stretch>
@@ -11783,23 +11556,11 @@
       </p:graphicFrame>
       <p:graphicFrame>
         <p:nvGraphicFramePr>
-          <p:cNvPr id="16" name="对象 15">
-            <a:extLst>
-              <a:ext uri="{FF2B5EF4-FFF2-40B4-BE49-F238E27FC236}">
-                <a16:creationId xmlns:a16="http://schemas.microsoft.com/office/drawing/2014/main" id="{EEEAC40C-90B0-EC5F-35E0-CAB783922119}"/>
-              </a:ext>
-            </a:extLst>
-          </p:cNvPr>
+          <p:cNvPr id="16" name="对象 15"/>
           <p:cNvGraphicFramePr>
             <a:graphicFrameLocks noChangeAspect="1"/>
           </p:cNvGraphicFramePr>
-          <p:nvPr>
-            <p:extLst>
-              <p:ext uri="{D42A27DB-BD31-4B8C-83A1-F6EECF244321}">
-                <p14:modId xmlns:p14="http://schemas.microsoft.com/office/powerpoint/2010/main" val="3662967700"/>
-              </p:ext>
-            </p:extLst>
-          </p:nvPr>
+          <p:nvPr/>
         </p:nvGraphicFramePr>
         <p:xfrm>
           <a:off x="7703671" y="2480176"/>
@@ -11809,21 +11570,21 @@
           <a:graphicData uri="http://schemas.openxmlformats.org/presentationml/2006/ole">
             <mc:AlternateContent xmlns:mc="http://schemas.openxmlformats.org/markup-compatibility/2006">
               <mc:Choice xmlns:v="urn:schemas-microsoft-com:vml" Requires="v">
-                <p:oleObj spid="_x0000_s1138" name="Document" r:id="rId13" imgW="5285434" imgH="198076" progId="Word.Document.12">
+                <p:oleObj spid="_x0000_s1138" name="Document" r:id="rId11" imgW="5278120" imgH="199390" progId="Word.Document.12">
                   <p:embed/>
                 </p:oleObj>
               </mc:Choice>
               <mc:Fallback>
-                <p:oleObj name="Document" r:id="rId13" imgW="5285434" imgH="198076" progId="Word.Document.12">
+                <p:oleObj name="Document" r:id="rId11" imgW="5278120" imgH="199390" progId="Word.Document.12">
                   <p:embed/>
                   <p:pic>
                     <p:nvPicPr>
-                      <p:cNvPr id="0" name=""/>
+                      <p:cNvPr id="0" name="Picture 1137"/>
                       <p:cNvPicPr/>
                       <p:nvPr/>
                     </p:nvPicPr>
                     <p:blipFill>
-                      <a:blip r:embed="rId14"/>
+                      <a:blip r:embed="rId12"/>
                       <a:stretch>
                         <a:fillRect/>
                       </a:stretch>
@@ -11846,23 +11607,11 @@
       </p:graphicFrame>
       <p:graphicFrame>
         <p:nvGraphicFramePr>
-          <p:cNvPr id="17" name="对象 16">
-            <a:extLst>
-              <a:ext uri="{FF2B5EF4-FFF2-40B4-BE49-F238E27FC236}">
-                <a16:creationId xmlns:a16="http://schemas.microsoft.com/office/drawing/2014/main" id="{D0CF3406-299C-7BBC-B000-75FB092F30B8}"/>
-              </a:ext>
-            </a:extLst>
-          </p:cNvPr>
+          <p:cNvPr id="17" name="对象 16"/>
           <p:cNvGraphicFramePr>
             <a:graphicFrameLocks noChangeAspect="1"/>
           </p:cNvGraphicFramePr>
-          <p:nvPr>
-            <p:extLst>
-              <p:ext uri="{D42A27DB-BD31-4B8C-83A1-F6EECF244321}">
-                <p14:modId xmlns:p14="http://schemas.microsoft.com/office/powerpoint/2010/main" val="841716018"/>
-              </p:ext>
-            </p:extLst>
-          </p:nvPr>
+          <p:nvPr/>
         </p:nvGraphicFramePr>
         <p:xfrm>
           <a:off x="8833036" y="3466693"/>
@@ -11872,21 +11621,21 @@
           <a:graphicData uri="http://schemas.openxmlformats.org/presentationml/2006/ole">
             <mc:AlternateContent xmlns:mc="http://schemas.openxmlformats.org/markup-compatibility/2006">
               <mc:Choice xmlns:v="urn:schemas-microsoft-com:vml" Requires="v">
-                <p:oleObj spid="_x0000_s1139" name="Worksheet" r:id="rId15" imgW="1226803" imgH="533441" progId="Excel.Sheet.12">
+                <p:oleObj spid="_x0000_s1139" name="Worksheet" r:id="rId13" imgW="1194435" imgH="523875" progId="Excel.Sheet.12">
                   <p:embed/>
                 </p:oleObj>
               </mc:Choice>
               <mc:Fallback>
-                <p:oleObj name="Worksheet" r:id="rId15" imgW="1226803" imgH="533441" progId="Excel.Sheet.12">
+                <p:oleObj name="Worksheet" r:id="rId13" imgW="1194435" imgH="523875" progId="Excel.Sheet.12">
                   <p:embed/>
                   <p:pic>
                     <p:nvPicPr>
-                      <p:cNvPr id="0" name=""/>
+                      <p:cNvPr id="0" name="Picture 1138"/>
                       <p:cNvPicPr/>
                       <p:nvPr/>
                     </p:nvPicPr>
                     <p:blipFill>
-                      <a:blip r:embed="rId16"/>
+                      <a:blip r:embed="rId14"/>
                       <a:stretch>
                         <a:fillRect/>
                       </a:stretch>
@@ -11909,23 +11658,11 @@
       </p:graphicFrame>
       <p:graphicFrame>
         <p:nvGraphicFramePr>
-          <p:cNvPr id="18" name="对象 17">
-            <a:extLst>
-              <a:ext uri="{FF2B5EF4-FFF2-40B4-BE49-F238E27FC236}">
-                <a16:creationId xmlns:a16="http://schemas.microsoft.com/office/drawing/2014/main" id="{26578551-FD56-CB06-3BE1-E8587715CBC2}"/>
-              </a:ext>
-            </a:extLst>
-          </p:cNvPr>
+          <p:cNvPr id="18" name="对象 17"/>
           <p:cNvGraphicFramePr>
             <a:graphicFrameLocks noChangeAspect="1"/>
           </p:cNvGraphicFramePr>
-          <p:nvPr>
-            <p:extLst>
-              <p:ext uri="{D42A27DB-BD31-4B8C-83A1-F6EECF244321}">
-                <p14:modId xmlns:p14="http://schemas.microsoft.com/office/powerpoint/2010/main" val="1991499619"/>
-              </p:ext>
-            </p:extLst>
-          </p:nvPr>
+          <p:nvPr/>
         </p:nvGraphicFramePr>
         <p:xfrm>
           <a:off x="10015538" y="5229225"/>
@@ -11935,21 +11672,21 @@
           <a:graphicData uri="http://schemas.openxmlformats.org/presentationml/2006/ole">
             <mc:AlternateContent xmlns:mc="http://schemas.openxmlformats.org/markup-compatibility/2006">
               <mc:Choice xmlns:v="urn:schemas-microsoft-com:vml" Requires="v">
-                <p:oleObj spid="_x0000_s1140" name="包装程序外壳对象" showAsIcon="1" r:id="rId17" imgW="548501" imgH="518242" progId="Package">
+                <p:oleObj spid="_x0000_s1140" name="包装程序外壳对象" showAsIcon="1" r:id="rId15" imgW="538480" imgH="508635" progId="Package">
                   <p:embed/>
                 </p:oleObj>
               </mc:Choice>
               <mc:Fallback>
-                <p:oleObj name="包装程序外壳对象" showAsIcon="1" r:id="rId17" imgW="548501" imgH="518242" progId="Package">
+                <p:oleObj name="包装程序外壳对象" showAsIcon="1" r:id="rId15" imgW="538480" imgH="508635" progId="Package">
                   <p:embed/>
                   <p:pic>
                     <p:nvPicPr>
-                      <p:cNvPr id="0" name=""/>
+                      <p:cNvPr id="0" name="Picture 1139"/>
                       <p:cNvPicPr/>
                       <p:nvPr/>
                     </p:nvPicPr>
                     <p:blipFill>
-                      <a:blip r:embed="rId18"/>
+                      <a:blip r:embed="rId16"/>
                       <a:stretch>
                         <a:fillRect/>
                       </a:stretch>
@@ -11971,11 +11708,6 @@
         </a:graphic>
       </p:graphicFrame>
     </p:spTree>
-    <p:extLst>
-      <p:ext uri="{BB962C8B-B14F-4D97-AF65-F5344CB8AC3E}">
-        <p14:creationId xmlns:p14="http://schemas.microsoft.com/office/powerpoint/2010/main" val="1989181364"/>
-      </p:ext>
-    </p:extLst>
   </p:cSld>
   <p:clrMapOvr>
     <a:masterClrMapping/>
@@ -12191,13 +11923,7 @@
       </p:grpSpPr>
       <p:sp>
         <p:nvSpPr>
-          <p:cNvPr id="4" name="文本框 3">
-            <a:extLst>
-              <a:ext uri="{FF2B5EF4-FFF2-40B4-BE49-F238E27FC236}">
-                <a16:creationId xmlns:a16="http://schemas.microsoft.com/office/drawing/2014/main" id="{9A2510FB-7491-7358-8CB4-A35D9913FBF3}"/>
-              </a:ext>
-            </a:extLst>
-          </p:cNvPr>
+          <p:cNvPr id="4" name="文本框 3"/>
           <p:cNvSpPr txBox="1"/>
           <p:nvPr/>
         </p:nvSpPr>
@@ -12221,18 +11947,13 @@
               <a:rPr lang="zh-CN" altLang="en-US" dirty="0"/>
               <a:t>图案、图片、纹理填充</a:t>
             </a:r>
-          </a:p>
-        </p:txBody>
-      </p:sp>
-      <p:sp>
-        <p:nvSpPr>
-          <p:cNvPr id="5" name="矩形 4">
-            <a:extLst>
-              <a:ext uri="{FF2B5EF4-FFF2-40B4-BE49-F238E27FC236}">
-                <a16:creationId xmlns:a16="http://schemas.microsoft.com/office/drawing/2014/main" id="{2278A036-2C8A-9715-2E2A-FA5AB17E45D9}"/>
-              </a:ext>
-            </a:extLst>
-          </p:cNvPr>
+            <a:endParaRPr lang="zh-CN" altLang="en-US" dirty="0"/>
+          </a:p>
+        </p:txBody>
+      </p:sp>
+      <p:sp>
+        <p:nvSpPr>
+          <p:cNvPr id="5" name="矩形 4"/>
           <p:cNvSpPr/>
           <p:nvPr/>
         </p:nvSpPr>
@@ -12245,7 +11966,7 @@
             <a:avLst/>
           </a:prstGeom>
           <a:blipFill dpi="0" rotWithShape="1">
-            <a:blip r:embed="rId2"/>
+            <a:blip r:embed="rId1"/>
             <a:srcRect/>
             <a:stretch>
               <a:fillRect l="20000" t="40000" r="30000" b="50000"/>
@@ -12279,13 +12000,7 @@
       </p:sp>
       <p:sp>
         <p:nvSpPr>
-          <p:cNvPr id="6" name="矩形 5">
-            <a:extLst>
-              <a:ext uri="{FF2B5EF4-FFF2-40B4-BE49-F238E27FC236}">
-                <a16:creationId xmlns:a16="http://schemas.microsoft.com/office/drawing/2014/main" id="{C3725865-DB10-DAED-93CE-18C80C1D492C}"/>
-              </a:ext>
-            </a:extLst>
-          </p:cNvPr>
+          <p:cNvPr id="6" name="矩形 5"/>
           <p:cNvSpPr/>
           <p:nvPr/>
         </p:nvSpPr>
@@ -12342,13 +12057,7 @@
       </p:sp>
       <p:sp>
         <p:nvSpPr>
-          <p:cNvPr id="2" name="矩形 1">
-            <a:extLst>
-              <a:ext uri="{FF2B5EF4-FFF2-40B4-BE49-F238E27FC236}">
-                <a16:creationId xmlns:a16="http://schemas.microsoft.com/office/drawing/2014/main" id="{1774132F-8541-D07E-8A54-4D6475295F21}"/>
-              </a:ext>
-            </a:extLst>
-          </p:cNvPr>
+          <p:cNvPr id="2" name="矩形 1"/>
           <p:cNvSpPr/>
           <p:nvPr/>
         </p:nvSpPr>
@@ -12361,7 +12070,7 @@
             <a:avLst/>
           </a:prstGeom>
           <a:blipFill dpi="0" rotWithShape="1">
-            <a:blip r:embed="rId3">
+            <a:blip r:embed="rId2">
               <a:alphaModFix amt="82000"/>
             </a:blip>
             <a:srcRect/>
@@ -12397,13 +12106,7 @@
       </p:sp>
       <p:sp>
         <p:nvSpPr>
-          <p:cNvPr id="3" name="矩形 2">
-            <a:extLst>
-              <a:ext uri="{FF2B5EF4-FFF2-40B4-BE49-F238E27FC236}">
-                <a16:creationId xmlns:a16="http://schemas.microsoft.com/office/drawing/2014/main" id="{83088BC8-FEE6-1F0A-1228-06A77C9C941C}"/>
-              </a:ext>
-            </a:extLst>
-          </p:cNvPr>
+          <p:cNvPr id="3" name="矩形 2"/>
           <p:cNvSpPr/>
           <p:nvPr/>
         </p:nvSpPr>
@@ -12416,7 +12119,7 @@
             <a:avLst/>
           </a:prstGeom>
           <a:blipFill dpi="0" rotWithShape="1">
-            <a:blip r:embed="rId4">
+            <a:blip r:embed="rId3">
               <a:alphaModFix amt="91000"/>
             </a:blip>
             <a:srcRect/>
@@ -12452,13 +12155,7 @@
       </p:sp>
       <p:sp>
         <p:nvSpPr>
-          <p:cNvPr id="7" name="标题 6">
-            <a:extLst>
-              <a:ext uri="{FF2B5EF4-FFF2-40B4-BE49-F238E27FC236}">
-                <a16:creationId xmlns:a16="http://schemas.microsoft.com/office/drawing/2014/main" id="{E9E9BDC4-5CD0-AA93-7E63-D063FEB78487}"/>
-              </a:ext>
-            </a:extLst>
-          </p:cNvPr>
+          <p:cNvPr id="7" name="标题 6"/>
           <p:cNvSpPr>
             <a:spLocks noGrp="1"/>
           </p:cNvSpPr>
@@ -12476,11 +12173,6 @@
         </p:txBody>
       </p:sp>
     </p:spTree>
-    <p:extLst>
-      <p:ext uri="{BB962C8B-B14F-4D97-AF65-F5344CB8AC3E}">
-        <p14:creationId xmlns:p14="http://schemas.microsoft.com/office/powerpoint/2010/main" val="1656314661"/>
-      </p:ext>
-    </p:extLst>
   </p:cSld>
   <p:clrMapOvr>
     <a:masterClrMapping/>
@@ -12507,13 +12199,7 @@
       </p:grpSpPr>
       <p:sp>
         <p:nvSpPr>
-          <p:cNvPr id="2" name="矩形 1">
-            <a:extLst>
-              <a:ext uri="{FF2B5EF4-FFF2-40B4-BE49-F238E27FC236}">
-                <a16:creationId xmlns:a16="http://schemas.microsoft.com/office/drawing/2014/main" id="{AC8B4882-9EE9-E614-F1A7-7E18B01051DC}"/>
-              </a:ext>
-            </a:extLst>
-          </p:cNvPr>
+          <p:cNvPr id="2" name="矩形 1"/>
           <p:cNvSpPr/>
           <p:nvPr/>
         </p:nvSpPr>
@@ -12551,18 +12237,13 @@
               <a:rPr lang="zh-CN" altLang="en-US" dirty="0"/>
               <a:t>矩形啊萨达萨达萨达是</a:t>
             </a:r>
-          </a:p>
-        </p:txBody>
-      </p:sp>
-      <p:sp>
-        <p:nvSpPr>
-          <p:cNvPr id="4" name="矩形: 圆角 3">
-            <a:extLst>
-              <a:ext uri="{FF2B5EF4-FFF2-40B4-BE49-F238E27FC236}">
-                <a16:creationId xmlns:a16="http://schemas.microsoft.com/office/drawing/2014/main" id="{574D2645-9C0A-3BB0-A073-A1062D6541C3}"/>
-              </a:ext>
-            </a:extLst>
-          </p:cNvPr>
+            <a:endParaRPr lang="zh-CN" altLang="en-US" dirty="0"/>
+          </a:p>
+        </p:txBody>
+      </p:sp>
+      <p:sp>
+        <p:nvSpPr>
+          <p:cNvPr id="4" name="矩形: 圆角 3"/>
           <p:cNvSpPr/>
           <p:nvPr/>
         </p:nvSpPr>
@@ -12602,18 +12283,13 @@
               <a:rPr lang="zh-CN" altLang="en-US" dirty="0"/>
               <a:t>矩形：圆角</a:t>
             </a:r>
-          </a:p>
-        </p:txBody>
-      </p:sp>
-      <p:sp>
-        <p:nvSpPr>
-          <p:cNvPr id="5" name="矩形: 剪去单角 4">
-            <a:extLst>
-              <a:ext uri="{FF2B5EF4-FFF2-40B4-BE49-F238E27FC236}">
-                <a16:creationId xmlns:a16="http://schemas.microsoft.com/office/drawing/2014/main" id="{C9141C87-7335-E6C9-AB23-F6518B406FD6}"/>
-              </a:ext>
-            </a:extLst>
-          </p:cNvPr>
+            <a:endParaRPr lang="zh-CN" altLang="en-US" dirty="0"/>
+          </a:p>
+        </p:txBody>
+      </p:sp>
+      <p:sp>
+        <p:nvSpPr>
+          <p:cNvPr id="5" name="矩形: 剪去单角 4"/>
           <p:cNvSpPr/>
           <p:nvPr/>
         </p:nvSpPr>
@@ -12651,18 +12327,13 @@
               <a:rPr lang="zh-CN" altLang="en-US" dirty="0"/>
               <a:t>矩形：减去单角</a:t>
             </a:r>
-          </a:p>
-        </p:txBody>
-      </p:sp>
-      <p:sp>
-        <p:nvSpPr>
-          <p:cNvPr id="6" name="矩形: 剪去左右顶角 5">
-            <a:extLst>
-              <a:ext uri="{FF2B5EF4-FFF2-40B4-BE49-F238E27FC236}">
-                <a16:creationId xmlns:a16="http://schemas.microsoft.com/office/drawing/2014/main" id="{61A3599B-D5D8-2F92-3378-74D27EC85D73}"/>
-              </a:ext>
-            </a:extLst>
-          </p:cNvPr>
+            <a:endParaRPr lang="zh-CN" altLang="en-US" dirty="0"/>
+          </a:p>
+        </p:txBody>
+      </p:sp>
+      <p:sp>
+        <p:nvSpPr>
+          <p:cNvPr id="6" name="矩形: 剪去左右顶角 5"/>
           <p:cNvSpPr/>
           <p:nvPr/>
         </p:nvSpPr>
@@ -12703,18 +12374,13 @@
               <a:rPr lang="zh-CN" altLang="en-US" dirty="0"/>
               <a:t>矩形：减去左右单角</a:t>
             </a:r>
-          </a:p>
-        </p:txBody>
-      </p:sp>
-      <p:sp>
-        <p:nvSpPr>
-          <p:cNvPr id="7" name="矩形: 剪去对角 6">
-            <a:extLst>
-              <a:ext uri="{FF2B5EF4-FFF2-40B4-BE49-F238E27FC236}">
-                <a16:creationId xmlns:a16="http://schemas.microsoft.com/office/drawing/2014/main" id="{67A951DA-C34D-74DF-83A4-FD5A5575CCFA}"/>
-              </a:ext>
-            </a:extLst>
-          </p:cNvPr>
+            <a:endParaRPr lang="zh-CN" altLang="en-US" dirty="0"/>
+          </a:p>
+        </p:txBody>
+      </p:sp>
+      <p:sp>
+        <p:nvSpPr>
+          <p:cNvPr id="7" name="矩形: 剪去对角 6"/>
           <p:cNvSpPr/>
           <p:nvPr/>
         </p:nvSpPr>
@@ -12752,18 +12418,13 @@
               <a:rPr lang="zh-CN" altLang="en-US" dirty="0"/>
               <a:t>矩形：减去对角</a:t>
             </a:r>
-          </a:p>
-        </p:txBody>
-      </p:sp>
-      <p:sp>
-        <p:nvSpPr>
-          <p:cNvPr id="8" name="矩形: 一个圆顶角，剪去另一个顶角 7">
-            <a:extLst>
-              <a:ext uri="{FF2B5EF4-FFF2-40B4-BE49-F238E27FC236}">
-                <a16:creationId xmlns:a16="http://schemas.microsoft.com/office/drawing/2014/main" id="{36622929-2B60-1BEF-D151-DA21F590694A}"/>
-              </a:ext>
-            </a:extLst>
-          </p:cNvPr>
+            <a:endParaRPr lang="zh-CN" altLang="en-US" dirty="0"/>
+          </a:p>
+        </p:txBody>
+      </p:sp>
+      <p:sp>
+        <p:nvSpPr>
+          <p:cNvPr id="8" name="矩形: 一个圆顶角，剪去另一个顶角 7"/>
           <p:cNvSpPr/>
           <p:nvPr/>
         </p:nvSpPr>
@@ -12801,18 +12462,13 @@
               <a:rPr lang="zh-CN" altLang="en-US" dirty="0"/>
               <a:t>矩形：圆角单角</a:t>
             </a:r>
-          </a:p>
-        </p:txBody>
-      </p:sp>
-      <p:sp>
-        <p:nvSpPr>
-          <p:cNvPr id="9" name="矩形: 单圆角 8">
-            <a:extLst>
-              <a:ext uri="{FF2B5EF4-FFF2-40B4-BE49-F238E27FC236}">
-                <a16:creationId xmlns:a16="http://schemas.microsoft.com/office/drawing/2014/main" id="{2964282B-17FB-2B9E-C583-53E7FAE9EBD1}"/>
-              </a:ext>
-            </a:extLst>
-          </p:cNvPr>
+            <a:endParaRPr lang="zh-CN" altLang="en-US" dirty="0"/>
+          </a:p>
+        </p:txBody>
+      </p:sp>
+      <p:sp>
+        <p:nvSpPr>
+          <p:cNvPr id="9" name="矩形: 单圆角 8"/>
           <p:cNvSpPr/>
           <p:nvPr/>
         </p:nvSpPr>
@@ -12850,18 +12506,13 @@
               <a:rPr lang="zh-CN" altLang="en-US" dirty="0"/>
               <a:t>矩形：单圆角</a:t>
             </a:r>
-          </a:p>
-        </p:txBody>
-      </p:sp>
-      <p:sp>
-        <p:nvSpPr>
-          <p:cNvPr id="10" name="矩形: 圆顶角 9">
-            <a:extLst>
-              <a:ext uri="{FF2B5EF4-FFF2-40B4-BE49-F238E27FC236}">
-                <a16:creationId xmlns:a16="http://schemas.microsoft.com/office/drawing/2014/main" id="{30590EFA-0C05-28C2-553D-7D4ABF2CAED3}"/>
-              </a:ext>
-            </a:extLst>
-          </p:cNvPr>
+            <a:endParaRPr lang="zh-CN" altLang="en-US" dirty="0"/>
+          </a:p>
+        </p:txBody>
+      </p:sp>
+      <p:sp>
+        <p:nvSpPr>
+          <p:cNvPr id="10" name="矩形: 圆顶角 9"/>
           <p:cNvSpPr/>
           <p:nvPr/>
         </p:nvSpPr>
@@ -12899,18 +12550,13 @@
               <a:rPr lang="zh-CN" altLang="en-US" dirty="0"/>
               <a:t>矩形：双圆角</a:t>
             </a:r>
-          </a:p>
-        </p:txBody>
-      </p:sp>
-      <p:sp>
-        <p:nvSpPr>
-          <p:cNvPr id="11" name="矩形: 对角圆角 10">
-            <a:extLst>
-              <a:ext uri="{FF2B5EF4-FFF2-40B4-BE49-F238E27FC236}">
-                <a16:creationId xmlns:a16="http://schemas.microsoft.com/office/drawing/2014/main" id="{ACD3ACEE-E0A7-5136-2472-D408692C039C}"/>
-              </a:ext>
-            </a:extLst>
-          </p:cNvPr>
+            <a:endParaRPr lang="zh-CN" altLang="en-US" dirty="0"/>
+          </a:p>
+        </p:txBody>
+      </p:sp>
+      <p:sp>
+        <p:nvSpPr>
+          <p:cNvPr id="11" name="矩形: 对角圆角 10"/>
           <p:cNvSpPr/>
           <p:nvPr/>
         </p:nvSpPr>
@@ -12948,18 +12594,13 @@
               <a:rPr lang="zh-CN" altLang="en-US" dirty="0"/>
               <a:t>矩形：对圆角</a:t>
             </a:r>
-          </a:p>
-        </p:txBody>
-      </p:sp>
-      <p:sp>
-        <p:nvSpPr>
-          <p:cNvPr id="12" name="文本框 11">
-            <a:extLst>
-              <a:ext uri="{FF2B5EF4-FFF2-40B4-BE49-F238E27FC236}">
-                <a16:creationId xmlns:a16="http://schemas.microsoft.com/office/drawing/2014/main" id="{F1E09852-27C0-65CD-B270-31602742F6F1}"/>
-              </a:ext>
-            </a:extLst>
-          </p:cNvPr>
+            <a:endParaRPr lang="zh-CN" altLang="en-US" dirty="0"/>
+          </a:p>
+        </p:txBody>
+      </p:sp>
+      <p:sp>
+        <p:nvSpPr>
+          <p:cNvPr id="12" name="文本框 11"/>
           <p:cNvSpPr txBox="1"/>
           <p:nvPr/>
         </p:nvSpPr>
@@ -13236,13 +12877,7 @@
       </p:sp>
       <p:sp>
         <p:nvSpPr>
-          <p:cNvPr id="13" name="文本框 12">
-            <a:extLst>
-              <a:ext uri="{FF2B5EF4-FFF2-40B4-BE49-F238E27FC236}">
-                <a16:creationId xmlns:a16="http://schemas.microsoft.com/office/drawing/2014/main" id="{D74CCED7-0032-0A13-ACB8-AA8DB015617F}"/>
-              </a:ext>
-            </a:extLst>
-          </p:cNvPr>
+          <p:cNvPr id="13" name="文本框 12"/>
           <p:cNvSpPr txBox="1"/>
           <p:nvPr/>
         </p:nvSpPr>
@@ -13266,18 +12901,13 @@
               <a:rPr lang="zh-CN" altLang="en-US" dirty="0"/>
               <a:t>纵向文本框</a:t>
             </a:r>
-          </a:p>
-        </p:txBody>
-      </p:sp>
-      <p:sp>
-        <p:nvSpPr>
-          <p:cNvPr id="14" name="椭圆 13">
-            <a:extLst>
-              <a:ext uri="{FF2B5EF4-FFF2-40B4-BE49-F238E27FC236}">
-                <a16:creationId xmlns:a16="http://schemas.microsoft.com/office/drawing/2014/main" id="{A04006F4-5AA3-BE78-06F8-7F5B1F599A2F}"/>
-              </a:ext>
-            </a:extLst>
-          </p:cNvPr>
+            <a:endParaRPr lang="zh-CN" altLang="en-US" dirty="0"/>
+          </a:p>
+        </p:txBody>
+      </p:sp>
+      <p:sp>
+        <p:nvSpPr>
+          <p:cNvPr id="14" name="椭圆 13"/>
           <p:cNvSpPr/>
           <p:nvPr/>
         </p:nvSpPr>
@@ -13315,18 +12945,13 @@
               <a:rPr lang="zh-CN" altLang="en-US" dirty="0"/>
               <a:t>椭圆</a:t>
             </a:r>
-          </a:p>
-        </p:txBody>
-      </p:sp>
-      <p:sp>
-        <p:nvSpPr>
-          <p:cNvPr id="15" name="等腰三角形 14">
-            <a:extLst>
-              <a:ext uri="{FF2B5EF4-FFF2-40B4-BE49-F238E27FC236}">
-                <a16:creationId xmlns:a16="http://schemas.microsoft.com/office/drawing/2014/main" id="{714BFAB6-B9BD-CA19-3459-3E0A9DF66FC1}"/>
-              </a:ext>
-            </a:extLst>
-          </p:cNvPr>
+            <a:endParaRPr lang="zh-CN" altLang="en-US" dirty="0"/>
+          </a:p>
+        </p:txBody>
+      </p:sp>
+      <p:sp>
+        <p:nvSpPr>
+          <p:cNvPr id="15" name="等腰三角形 14"/>
           <p:cNvSpPr/>
           <p:nvPr/>
         </p:nvSpPr>
@@ -13364,18 +12989,13 @@
               <a:rPr lang="zh-CN" altLang="en-US" dirty="0"/>
               <a:t>等腰三角形</a:t>
             </a:r>
-          </a:p>
-        </p:txBody>
-      </p:sp>
-      <p:sp>
-        <p:nvSpPr>
-          <p:cNvPr id="16" name="箭头: 右 15">
-            <a:extLst>
-              <a:ext uri="{FF2B5EF4-FFF2-40B4-BE49-F238E27FC236}">
-                <a16:creationId xmlns:a16="http://schemas.microsoft.com/office/drawing/2014/main" id="{49D2C4AA-221B-193E-603F-0D13946DF918}"/>
-              </a:ext>
-            </a:extLst>
-          </p:cNvPr>
+            <a:endParaRPr lang="zh-CN" altLang="en-US" dirty="0"/>
+          </a:p>
+        </p:txBody>
+      </p:sp>
+      <p:sp>
+        <p:nvSpPr>
+          <p:cNvPr id="16" name="箭头: 右 15"/>
           <p:cNvSpPr/>
           <p:nvPr/>
         </p:nvSpPr>
@@ -13415,13 +13035,7 @@
       </p:sp>
       <p:sp>
         <p:nvSpPr>
-          <p:cNvPr id="17" name="加号 16">
-            <a:extLst>
-              <a:ext uri="{FF2B5EF4-FFF2-40B4-BE49-F238E27FC236}">
-                <a16:creationId xmlns:a16="http://schemas.microsoft.com/office/drawing/2014/main" id="{CE21664A-6F9C-5A45-F69A-EFC44FF217C0}"/>
-              </a:ext>
-            </a:extLst>
-          </p:cNvPr>
+          <p:cNvPr id="17" name="加号 16"/>
           <p:cNvSpPr/>
           <p:nvPr/>
         </p:nvSpPr>
@@ -13459,18 +13073,13 @@
               <a:rPr lang="zh-CN" altLang="en-US" dirty="0"/>
               <a:t>公式加</a:t>
             </a:r>
-          </a:p>
-        </p:txBody>
-      </p:sp>
-      <p:sp>
-        <p:nvSpPr>
-          <p:cNvPr id="18" name="流程图: 内部贮存 17">
-            <a:extLst>
-              <a:ext uri="{FF2B5EF4-FFF2-40B4-BE49-F238E27FC236}">
-                <a16:creationId xmlns:a16="http://schemas.microsoft.com/office/drawing/2014/main" id="{6A378302-A0F7-58BE-57AB-364C42CD75F0}"/>
-              </a:ext>
-            </a:extLst>
-          </p:cNvPr>
+            <a:endParaRPr lang="zh-CN" altLang="en-US" dirty="0"/>
+          </a:p>
+        </p:txBody>
+      </p:sp>
+      <p:sp>
+        <p:nvSpPr>
+          <p:cNvPr id="18" name="流程图: 内部贮存 17"/>
           <p:cNvSpPr/>
           <p:nvPr/>
         </p:nvSpPr>
@@ -13508,18 +13117,13 @@
               <a:rPr lang="zh-CN" altLang="en-US" dirty="0"/>
               <a:t>流程图</a:t>
             </a:r>
-          </a:p>
-        </p:txBody>
-      </p:sp>
-      <p:sp>
-        <p:nvSpPr>
-          <p:cNvPr id="21" name="任意多边形: 形状 20">
-            <a:extLst>
-              <a:ext uri="{FF2B5EF4-FFF2-40B4-BE49-F238E27FC236}">
-                <a16:creationId xmlns:a16="http://schemas.microsoft.com/office/drawing/2014/main" id="{031978E8-7978-5DD0-5464-5064F4FC053C}"/>
-              </a:ext>
-            </a:extLst>
-          </p:cNvPr>
+            <a:endParaRPr lang="zh-CN" altLang="en-US" dirty="0"/>
+          </a:p>
+        </p:txBody>
+      </p:sp>
+      <p:sp>
+        <p:nvSpPr>
+          <p:cNvPr id="21" name="任意多边形: 形状 20"/>
           <p:cNvSpPr/>
           <p:nvPr/>
         </p:nvSpPr>
@@ -13663,107 +13267,6 @@
             </a:gradFill>
             <a:prstDash val="sysDash"/>
             <a:miter lim="800000"/>
-            <a:extLst>
-              <a:ext uri="{C807C97D-BFC1-408E-A445-0C87EB9F89A2}">
-                <ask:lineSketchStyleProps xmlns:ask="http://schemas.microsoft.com/office/drawing/2018/sketchyshapes" sd="1219033472">
-                  <a:custGeom>
-                    <a:avLst/>
-                    <a:gdLst>
-                      <a:gd name="connsiteX0" fmla="*/ 149286 w 1791432"/>
-                      <a:gd name="connsiteY0" fmla="*/ 0 h 1791432"/>
-                      <a:gd name="connsiteX1" fmla="*/ 1407269 w 1791432"/>
-                      <a:gd name="connsiteY1" fmla="*/ 0 h 1791432"/>
-                      <a:gd name="connsiteX2" fmla="*/ 1791432 w 1791432"/>
-                      <a:gd name="connsiteY2" fmla="*/ 358585 h 1791432"/>
-                      <a:gd name="connsiteX3" fmla="*/ 1791432 w 1791432"/>
-                      <a:gd name="connsiteY3" fmla="*/ 1642146 h 1791432"/>
-                      <a:gd name="connsiteX4" fmla="*/ 1642146 w 1791432"/>
-                      <a:gd name="connsiteY4" fmla="*/ 1791432 h 1791432"/>
-                      <a:gd name="connsiteX5" fmla="*/ 149286 w 1791432"/>
-                      <a:gd name="connsiteY5" fmla="*/ 1791432 h 1791432"/>
-                      <a:gd name="connsiteX6" fmla="*/ 0 w 1791432"/>
-                      <a:gd name="connsiteY6" fmla="*/ 1642146 h 1791432"/>
-                      <a:gd name="connsiteX7" fmla="*/ 0 w 1791432"/>
-                      <a:gd name="connsiteY7" fmla="*/ 149286 h 1791432"/>
-                      <a:gd name="connsiteX8" fmla="*/ 149286 w 1791432"/>
-                      <a:gd name="connsiteY8" fmla="*/ 0 h 1791432"/>
-                    </a:gdLst>
-                    <a:ahLst/>
-                    <a:cxnLst>
-                      <a:cxn ang="0">
-                        <a:pos x="connsiteX0" y="connsiteY0"/>
-                      </a:cxn>
-                      <a:cxn ang="0">
-                        <a:pos x="connsiteX1" y="connsiteY1"/>
-                      </a:cxn>
-                      <a:cxn ang="0">
-                        <a:pos x="connsiteX2" y="connsiteY2"/>
-                      </a:cxn>
-                      <a:cxn ang="0">
-                        <a:pos x="connsiteX3" y="connsiteY3"/>
-                      </a:cxn>
-                      <a:cxn ang="0">
-                        <a:pos x="connsiteX4" y="connsiteY4"/>
-                      </a:cxn>
-                      <a:cxn ang="0">
-                        <a:pos x="connsiteX5" y="connsiteY5"/>
-                      </a:cxn>
-                      <a:cxn ang="0">
-                        <a:pos x="connsiteX6" y="connsiteY6"/>
-                      </a:cxn>
-                      <a:cxn ang="0">
-                        <a:pos x="connsiteX7" y="connsiteY7"/>
-                      </a:cxn>
-                      <a:cxn ang="0">
-                        <a:pos x="connsiteX8" y="connsiteY8"/>
-                      </a:cxn>
-                    </a:cxnLst>
-                    <a:rect l="l" t="t" r="r" b="b"/>
-                    <a:pathLst>
-                      <a:path w="1791432" h="1791432">
-                        <a:moveTo>
-                          <a:pt x="149286" y="0"/>
-                        </a:moveTo>
-                        <a:lnTo>
-                          <a:pt x="1407269" y="0"/>
-                        </a:lnTo>
-                        <a:lnTo>
-                          <a:pt x="1791432" y="358585"/>
-                        </a:lnTo>
-                        <a:lnTo>
-                          <a:pt x="1791432" y="1642146"/>
-                        </a:lnTo>
-                        <a:cubicBezTo>
-                          <a:pt x="1791432" y="1724594"/>
-                          <a:pt x="1724594" y="1791432"/>
-                          <a:pt x="1642146" y="1791432"/>
-                        </a:cubicBezTo>
-                        <a:lnTo>
-                          <a:pt x="149286" y="1791432"/>
-                        </a:lnTo>
-                        <a:cubicBezTo>
-                          <a:pt x="66838" y="1791432"/>
-                          <a:pt x="0" y="1724594"/>
-                          <a:pt x="0" y="1642146"/>
-                        </a:cubicBezTo>
-                        <a:lnTo>
-                          <a:pt x="0" y="149286"/>
-                        </a:lnTo>
-                        <a:cubicBezTo>
-                          <a:pt x="0" y="66838"/>
-                          <a:pt x="66838" y="0"/>
-                          <a:pt x="149286" y="0"/>
-                        </a:cubicBezTo>
-                        <a:close/>
-                      </a:path>
-                    </a:pathLst>
-                  </a:custGeom>
-                  <ask:type>
-                    <ask:lineSketchCurved/>
-                  </ask:type>
-                </ask:lineSketchStyleProps>
-              </a:ext>
-            </a:extLst>
           </a:ln>
         </p:spPr>
         <p:txBody>
@@ -13776,13 +13279,7 @@
       </p:sp>
       <p:sp>
         <p:nvSpPr>
-          <p:cNvPr id="22" name="任意多边形: 形状 21">
-            <a:extLst>
-              <a:ext uri="{FF2B5EF4-FFF2-40B4-BE49-F238E27FC236}">
-                <a16:creationId xmlns:a16="http://schemas.microsoft.com/office/drawing/2014/main" id="{D646C1EB-D376-20A6-AD70-45E1D9F78550}"/>
-              </a:ext>
-            </a:extLst>
-          </p:cNvPr>
+          <p:cNvPr id="22" name="任意多边形: 形状 21"/>
           <p:cNvSpPr/>
           <p:nvPr/>
         </p:nvSpPr>
@@ -13910,13 +13407,7 @@
       </p:sp>
       <p:sp>
         <p:nvSpPr>
-          <p:cNvPr id="23" name="任意多边形: 形状 22">
-            <a:extLst>
-              <a:ext uri="{FF2B5EF4-FFF2-40B4-BE49-F238E27FC236}">
-                <a16:creationId xmlns:a16="http://schemas.microsoft.com/office/drawing/2014/main" id="{2F190F6C-B06F-F395-BE16-8BAC0BF221B9}"/>
-              </a:ext>
-            </a:extLst>
-          </p:cNvPr>
+          <p:cNvPr id="23" name="任意多边形: 形状 22"/>
           <p:cNvSpPr/>
           <p:nvPr/>
         </p:nvSpPr>
@@ -14031,13 +13522,7 @@
       </p:sp>
       <p:sp>
         <p:nvSpPr>
-          <p:cNvPr id="19" name="文本框 18">
-            <a:extLst>
-              <a:ext uri="{FF2B5EF4-FFF2-40B4-BE49-F238E27FC236}">
-                <a16:creationId xmlns:a16="http://schemas.microsoft.com/office/drawing/2014/main" id="{ACD59AC5-F4C7-A9D2-BCB1-259A57E14AE3}"/>
-              </a:ext>
-            </a:extLst>
-          </p:cNvPr>
+          <p:cNvPr id="19" name="文本框 18"/>
           <p:cNvSpPr txBox="1"/>
           <p:nvPr/>
         </p:nvSpPr>
@@ -14059,35 +13544,35 @@
               <a:gd name="connsiteY3" fmla="*/ 954593 h 954593"/>
               <a:gd name="connsiteX4" fmla="*/ 0 w 1361440"/>
               <a:gd name="connsiteY4" fmla="*/ 0 h 954593"/>
-              <a:gd name="connsiteX0" fmla="*/ 0 w 1361440"/>
-              <a:gd name="connsiteY0" fmla="*/ 756753 h 1711346"/>
-              <a:gd name="connsiteX1" fmla="*/ 772160 w 1361440"/>
-              <a:gd name="connsiteY1" fmla="*/ 0 h 1711346"/>
-              <a:gd name="connsiteX2" fmla="*/ 1361440 w 1361440"/>
-              <a:gd name="connsiteY2" fmla="*/ 756753 h 1711346"/>
-              <a:gd name="connsiteX3" fmla="*/ 1361440 w 1361440"/>
-              <a:gd name="connsiteY3" fmla="*/ 1711346 h 1711346"/>
-              <a:gd name="connsiteX4" fmla="*/ 0 w 1361440"/>
-              <a:gd name="connsiteY4" fmla="*/ 1711346 h 1711346"/>
+              <a:gd name="connsiteX0-1" fmla="*/ 0 w 1361440"/>
+              <a:gd name="connsiteY0-2" fmla="*/ 756753 h 1711346"/>
+              <a:gd name="connsiteX1-3" fmla="*/ 772160 w 1361440"/>
+              <a:gd name="connsiteY1-4" fmla="*/ 0 h 1711346"/>
+              <a:gd name="connsiteX2-5" fmla="*/ 1361440 w 1361440"/>
+              <a:gd name="connsiteY2-6" fmla="*/ 756753 h 1711346"/>
+              <a:gd name="connsiteX3-7" fmla="*/ 1361440 w 1361440"/>
+              <a:gd name="connsiteY3-8" fmla="*/ 1711346 h 1711346"/>
+              <a:gd name="connsiteX4-9" fmla="*/ 0 w 1361440"/>
+              <a:gd name="connsiteY4-10" fmla="*/ 1711346 h 1711346"/>
               <a:gd name="connsiteX5" fmla="*/ 0 w 1361440"/>
               <a:gd name="connsiteY5" fmla="*/ 756753 h 1711346"/>
             </a:gdLst>
             <a:ahLst/>
             <a:cxnLst>
               <a:cxn ang="0">
-                <a:pos x="connsiteX0" y="connsiteY0"/>
+                <a:pos x="connsiteX0-1" y="connsiteY0-2"/>
               </a:cxn>
               <a:cxn ang="0">
-                <a:pos x="connsiteX1" y="connsiteY1"/>
+                <a:pos x="connsiteX1-3" y="connsiteY1-4"/>
               </a:cxn>
               <a:cxn ang="0">
-                <a:pos x="connsiteX2" y="connsiteY2"/>
+                <a:pos x="connsiteX2-5" y="connsiteY2-6"/>
               </a:cxn>
               <a:cxn ang="0">
-                <a:pos x="connsiteX3" y="connsiteY3"/>
+                <a:pos x="connsiteX3-7" y="connsiteY3-8"/>
               </a:cxn>
               <a:cxn ang="0">
-                <a:pos x="connsiteX4" y="connsiteY4"/>
+                <a:pos x="connsiteX4-9" y="connsiteY4-10"/>
               </a:cxn>
               <a:cxn ang="0">
                 <a:pos x="connsiteX5" y="connsiteY5"/>
@@ -14145,15 +13630,11 @@
               <a:rPr lang="zh-CN" altLang="en-US" dirty="0"/>
               <a:t>阿松大</a:t>
             </a:r>
+            <a:endParaRPr lang="zh-CN" altLang="en-US" dirty="0"/>
           </a:p>
         </p:txBody>
       </p:sp>
     </p:spTree>
-    <p:extLst>
-      <p:ext uri="{BB962C8B-B14F-4D97-AF65-F5344CB8AC3E}">
-        <p14:creationId xmlns:p14="http://schemas.microsoft.com/office/powerpoint/2010/main" val="4130195975"/>
-      </p:ext>
-    </p:extLst>
   </p:cSld>
   <p:clrMapOvr>
     <a:masterClrMapping/>
@@ -14180,13 +13661,7 @@
       </p:grpSpPr>
       <p:sp>
         <p:nvSpPr>
-          <p:cNvPr id="4" name="星形: 五角 3">
-            <a:extLst>
-              <a:ext uri="{FF2B5EF4-FFF2-40B4-BE49-F238E27FC236}">
-                <a16:creationId xmlns:a16="http://schemas.microsoft.com/office/drawing/2014/main" id="{5A63396C-7BF7-38CA-CB04-564722381953}"/>
-              </a:ext>
-            </a:extLst>
-          </p:cNvPr>
+          <p:cNvPr id="4" name="星形: 五角 3"/>
           <p:cNvSpPr/>
           <p:nvPr/>
         </p:nvSpPr>
@@ -14245,24 +13720,18 @@
       </p:sp>
       <p:pic>
         <p:nvPicPr>
-          <p:cNvPr id="5" name="图片 4">
-            <a:extLst>
-              <a:ext uri="{FF2B5EF4-FFF2-40B4-BE49-F238E27FC236}">
-                <a16:creationId xmlns:a16="http://schemas.microsoft.com/office/drawing/2014/main" id="{BD37300E-41E8-849F-8591-839A2B8AB686}"/>
-              </a:ext>
-            </a:extLst>
-          </p:cNvPr>
+          <p:cNvPr id="5" name="图片 4"/>
           <p:cNvPicPr>
             <a:picLocks noChangeAspect="1"/>
           </p:cNvPicPr>
           <p:nvPr/>
         </p:nvPicPr>
         <p:blipFill>
-          <a:blip r:embed="rId2">
+          <a:blip r:embed="rId1">
             <a:extLst>
               <a:ext uri="{BEBA8EAE-BF5A-486C-A8C5-ECC9F3942E4B}">
                 <a14:imgProps xmlns:a14="http://schemas.microsoft.com/office/drawing/2010/main">
-                  <a14:imgLayer r:embed="rId3">
+                  <a14:imgLayer r:embed="rId2">
                     <a14:imgEffect>
                       <a14:artisticPaintStrokes trans="23000"/>
                     </a14:imgEffect>
@@ -14314,11 +13783,6 @@
         </p:spPr>
       </p:pic>
     </p:spTree>
-    <p:extLst>
-      <p:ext uri="{BB962C8B-B14F-4D97-AF65-F5344CB8AC3E}">
-        <p14:creationId xmlns:p14="http://schemas.microsoft.com/office/powerpoint/2010/main" val="1768162977"/>
-      </p:ext>
-    </p:extLst>
   </p:cSld>
   <p:clrMapOvr>
     <a:masterClrMapping/>
@@ -14369,7 +13833,7 @@
     </a:clrScheme>
     <a:fontScheme name="Office">
       <a:majorFont>
-        <a:latin typeface="等线 Light" panose="020F0302020204030204"/>
+        <a:latin typeface="等线 Light"/>
         <a:ea typeface=""/>
         <a:cs typeface=""/>
         <a:font script="Jpan" typeface="游ゴシック Light"/>
@@ -14402,26 +13866,9 @@
         <a:font script="Viet" typeface="Times New Roman"/>
         <a:font script="Uigh" typeface="Microsoft Uighur"/>
         <a:font script="Geor" typeface="Sylfaen"/>
-        <a:font script="Armn" typeface="Arial"/>
-        <a:font script="Bugi" typeface="Leelawadee UI"/>
-        <a:font script="Bopo" typeface="Microsoft JhengHei"/>
-        <a:font script="Java" typeface="Javanese Text"/>
-        <a:font script="Lisu" typeface="Segoe UI"/>
-        <a:font script="Mymr" typeface="Myanmar Text"/>
-        <a:font script="Nkoo" typeface="Ebrima"/>
-        <a:font script="Olck" typeface="Nirmala UI"/>
-        <a:font script="Osma" typeface="Ebrima"/>
-        <a:font script="Phag" typeface="Phagspa"/>
-        <a:font script="Syrn" typeface="Estrangelo Edessa"/>
-        <a:font script="Syrj" typeface="Estrangelo Edessa"/>
-        <a:font script="Syre" typeface="Estrangelo Edessa"/>
-        <a:font script="Sora" typeface="Nirmala UI"/>
-        <a:font script="Tale" typeface="Microsoft Tai Le"/>
-        <a:font script="Talu" typeface="Microsoft New Tai Lue"/>
-        <a:font script="Tfng" typeface="Ebrima"/>
       </a:majorFont>
       <a:minorFont>
-        <a:latin typeface="等线" panose="020F0502020204030204"/>
+        <a:latin typeface="等线"/>
         <a:ea typeface=""/>
         <a:cs typeface=""/>
         <a:font script="Jpan" typeface="游ゴシック"/>
@@ -14454,23 +13901,6 @@
         <a:font script="Viet" typeface="Arial"/>
         <a:font script="Uigh" typeface="Microsoft Uighur"/>
         <a:font script="Geor" typeface="Sylfaen"/>
-        <a:font script="Armn" typeface="Arial"/>
-        <a:font script="Bugi" typeface="Leelawadee UI"/>
-        <a:font script="Bopo" typeface="Microsoft JhengHei"/>
-        <a:font script="Java" typeface="Javanese Text"/>
-        <a:font script="Lisu" typeface="Segoe UI"/>
-        <a:font script="Mymr" typeface="Myanmar Text"/>
-        <a:font script="Nkoo" typeface="Ebrima"/>
-        <a:font script="Olck" typeface="Nirmala UI"/>
-        <a:font script="Osma" typeface="Ebrima"/>
-        <a:font script="Phag" typeface="Phagspa"/>
-        <a:font script="Syrn" typeface="Estrangelo Edessa"/>
-        <a:font script="Syrj" typeface="Estrangelo Edessa"/>
-        <a:font script="Syre" typeface="Estrangelo Edessa"/>
-        <a:font script="Sora" typeface="Nirmala UI"/>
-        <a:font script="Tale" typeface="Microsoft Tai Le"/>
-        <a:font script="Talu" typeface="Microsoft New Tai Lue"/>
-        <a:font script="Tfng" typeface="Ebrima"/>
       </a:minorFont>
     </a:fontScheme>
     <a:fmtScheme name="Office">
@@ -14611,8 +14041,6 @@
       </a:bgFillStyleLst>
     </a:fmtScheme>
   </a:themeElements>
-  <a:objectDefaults/>
-  <a:extraClrSchemeLst/>
   <a:extLst>
     <a:ext uri="{05A4C25C-085E-4340-85A3-A5531E510DB2}">
       <thm15:themeFamily xmlns:thm15="http://schemas.microsoft.com/office/thememl/2012/main" name="Office Theme" id="{62F939B6-93AF-4DB8-9C6B-D6C7DFDC589F}" vid="{4A3C46E8-61CC-4603-A589-7422A47A8E4A}"/>
@@ -14664,7 +14092,7 @@
     </a:clrScheme>
     <a:fontScheme name="Office">
       <a:majorFont>
-        <a:latin typeface="等线 Light" panose="020F0302020204030204"/>
+        <a:latin typeface="等线 Light"/>
         <a:ea typeface=""/>
         <a:cs typeface=""/>
         <a:font script="Jpan" typeface="游ゴシック Light"/>
@@ -14697,26 +14125,9 @@
         <a:font script="Viet" typeface="Times New Roman"/>
         <a:font script="Uigh" typeface="Microsoft Uighur"/>
         <a:font script="Geor" typeface="Sylfaen"/>
-        <a:font script="Armn" typeface="Arial"/>
-        <a:font script="Bugi" typeface="Leelawadee UI"/>
-        <a:font script="Bopo" typeface="Microsoft JhengHei"/>
-        <a:font script="Java" typeface="Javanese Text"/>
-        <a:font script="Lisu" typeface="Segoe UI"/>
-        <a:font script="Mymr" typeface="Myanmar Text"/>
-        <a:font script="Nkoo" typeface="Ebrima"/>
-        <a:font script="Olck" typeface="Nirmala UI"/>
-        <a:font script="Osma" typeface="Ebrima"/>
-        <a:font script="Phag" typeface="Phagspa"/>
-        <a:font script="Syrn" typeface="Estrangelo Edessa"/>
-        <a:font script="Syrj" typeface="Estrangelo Edessa"/>
-        <a:font script="Syre" typeface="Estrangelo Edessa"/>
-        <a:font script="Sora" typeface="Nirmala UI"/>
-        <a:font script="Tale" typeface="Microsoft Tai Le"/>
-        <a:font script="Talu" typeface="Microsoft New Tai Lue"/>
-        <a:font script="Tfng" typeface="Ebrima"/>
       </a:majorFont>
       <a:minorFont>
-        <a:latin typeface="等线" panose="020F0502020204030204"/>
+        <a:latin typeface="等线"/>
         <a:ea typeface=""/>
         <a:cs typeface=""/>
         <a:font script="Jpan" typeface="游ゴシック"/>
@@ -14749,23 +14160,6 @@
         <a:font script="Viet" typeface="Arial"/>
         <a:font script="Uigh" typeface="Microsoft Uighur"/>
         <a:font script="Geor" typeface="Sylfaen"/>
-        <a:font script="Armn" typeface="Arial"/>
-        <a:font script="Bugi" typeface="Leelawadee UI"/>
-        <a:font script="Bopo" typeface="Microsoft JhengHei"/>
-        <a:font script="Java" typeface="Javanese Text"/>
-        <a:font script="Lisu" typeface="Segoe UI"/>
-        <a:font script="Mymr" typeface="Myanmar Text"/>
-        <a:font script="Nkoo" typeface="Ebrima"/>
-        <a:font script="Olck" typeface="Nirmala UI"/>
-        <a:font script="Osma" typeface="Ebrima"/>
-        <a:font script="Phag" typeface="Phagspa"/>
-        <a:font script="Syrn" typeface="Estrangelo Edessa"/>
-        <a:font script="Syrj" typeface="Estrangelo Edessa"/>
-        <a:font script="Syre" typeface="Estrangelo Edessa"/>
-        <a:font script="Sora" typeface="Nirmala UI"/>
-        <a:font script="Tale" typeface="Microsoft Tai Le"/>
-        <a:font script="Talu" typeface="Microsoft New Tai Lue"/>
-        <a:font script="Tfng" typeface="Ebrima"/>
       </a:minorFont>
     </a:fontScheme>
     <a:fmtScheme name="Office">
@@ -14906,8 +14300,6 @@
       </a:bgFillStyleLst>
     </a:fmtScheme>
   </a:themeElements>
-  <a:objectDefaults/>
-  <a:extraClrSchemeLst/>
   <a:extLst>
     <a:ext uri="{05A4C25C-085E-4340-85A3-A5531E510DB2}">
       <thm15:themeFamily xmlns:thm15="http://schemas.microsoft.com/office/thememl/2012/main" name="Office Theme" id="{62F939B6-93AF-4DB8-9C6B-D6C7DFDC589F}" vid="{4A3C46E8-61CC-4603-A589-7422A47A8E4A}"/>
@@ -14959,7 +14351,7 @@
     </a:clrScheme>
     <a:fontScheme name="Office">
       <a:majorFont>
-        <a:latin typeface="等线 Light" panose="020F0302020204030204"/>
+        <a:latin typeface="等线 Light"/>
         <a:ea typeface=""/>
         <a:cs typeface=""/>
         <a:font script="Jpan" typeface="游ゴシック Light"/>
@@ -14992,26 +14384,9 @@
         <a:font script="Viet" typeface="Times New Roman"/>
         <a:font script="Uigh" typeface="Microsoft Uighur"/>
         <a:font script="Geor" typeface="Sylfaen"/>
-        <a:font script="Armn" typeface="Arial"/>
-        <a:font script="Bugi" typeface="Leelawadee UI"/>
-        <a:font script="Bopo" typeface="Microsoft JhengHei"/>
-        <a:font script="Java" typeface="Javanese Text"/>
-        <a:font script="Lisu" typeface="Segoe UI"/>
-        <a:font script="Mymr" typeface="Myanmar Text"/>
-        <a:font script="Nkoo" typeface="Ebrima"/>
-        <a:font script="Olck" typeface="Nirmala UI"/>
-        <a:font script="Osma" typeface="Ebrima"/>
-        <a:font script="Phag" typeface="Phagspa"/>
-        <a:font script="Syrn" typeface="Estrangelo Edessa"/>
-        <a:font script="Syrj" typeface="Estrangelo Edessa"/>
-        <a:font script="Syre" typeface="Estrangelo Edessa"/>
-        <a:font script="Sora" typeface="Nirmala UI"/>
-        <a:font script="Tale" typeface="Microsoft Tai Le"/>
-        <a:font script="Talu" typeface="Microsoft New Tai Lue"/>
-        <a:font script="Tfng" typeface="Ebrima"/>
       </a:majorFont>
       <a:minorFont>
-        <a:latin typeface="等线" panose="020F0502020204030204"/>
+        <a:latin typeface="等线"/>
         <a:ea typeface=""/>
         <a:cs typeface=""/>
         <a:font script="Jpan" typeface="游ゴシック"/>
@@ -15044,23 +14419,6 @@
         <a:font script="Viet" typeface="Arial"/>
         <a:font script="Uigh" typeface="Microsoft Uighur"/>
         <a:font script="Geor" typeface="Sylfaen"/>
-        <a:font script="Armn" typeface="Arial"/>
-        <a:font script="Bugi" typeface="Leelawadee UI"/>
-        <a:font script="Bopo" typeface="Microsoft JhengHei"/>
-        <a:font script="Java" typeface="Javanese Text"/>
-        <a:font script="Lisu" typeface="Segoe UI"/>
-        <a:font script="Mymr" typeface="Myanmar Text"/>
-        <a:font script="Nkoo" typeface="Ebrima"/>
-        <a:font script="Olck" typeface="Nirmala UI"/>
-        <a:font script="Osma" typeface="Ebrima"/>
-        <a:font script="Phag" typeface="Phagspa"/>
-        <a:font script="Syrn" typeface="Estrangelo Edessa"/>
-        <a:font script="Syrj" typeface="Estrangelo Edessa"/>
-        <a:font script="Syre" typeface="Estrangelo Edessa"/>
-        <a:font script="Sora" typeface="Nirmala UI"/>
-        <a:font script="Tale" typeface="Microsoft Tai Le"/>
-        <a:font script="Talu" typeface="Microsoft New Tai Lue"/>
-        <a:font script="Tfng" typeface="Ebrima"/>
       </a:minorFont>
     </a:fontScheme>
     <a:fmtScheme name="Office">
@@ -15201,8 +14559,6 @@
       </a:bgFillStyleLst>
     </a:fmtScheme>
   </a:themeElements>
-  <a:objectDefaults/>
-  <a:extraClrSchemeLst/>
   <a:extLst>
     <a:ext uri="{05A4C25C-085E-4340-85A3-A5531E510DB2}">
       <thm15:themeFamily xmlns:thm15="http://schemas.microsoft.com/office/thememl/2012/main" name="Office Theme" id="{62F939B6-93AF-4DB8-9C6B-D6C7DFDC589F}" vid="{4A3C46E8-61CC-4603-A589-7422A47A8E4A}"/>

--- a/assets/ppt/simple.pptx
+++ b/assets/ppt/simple.pptx
@@ -9177,22 +9177,130 @@
         <p:nvPr/>
       </p:nvGrpSpPr>
       <p:grpSpPr/>
-      <p:graphicFrame>
-        <p:nvGraphicFramePr>
-          <p:cNvPr id="4" name="Chart 3"/>
-          <p:cNvGraphicFramePr/>
+      <p:grpSp>
+        <p:nvGrpSpPr>
+          <p:cNvPr id="6" name="Group 5"/>
+          <p:cNvGrpSpPr/>
           <p:nvPr/>
-        </p:nvGraphicFramePr>
-        <p:xfrm>
-          <a:off x="2675890" y="1449070"/>
-          <a:ext cx="6839585" cy="3959860"/>
-        </p:xfrm>
-        <a:graphic>
-          <a:graphicData uri="http://schemas.openxmlformats.org/drawingml/2006/chart">
-            <c:chart xmlns:c="http://schemas.openxmlformats.org/drawingml/2006/chart" xmlns:r="http://schemas.openxmlformats.org/officeDocument/2006/relationships" r:id="rId1"/>
-          </a:graphicData>
-        </a:graphic>
-      </p:graphicFrame>
+        </p:nvGrpSpPr>
+        <p:grpSpPr>
+          <a:xfrm>
+            <a:off x="1778635" y="1466215"/>
+            <a:ext cx="9785985" cy="2880360"/>
+            <a:chOff x="2801" y="2309"/>
+            <a:chExt cx="15411" cy="4536"/>
+          </a:xfrm>
+        </p:grpSpPr>
+        <p:grpSp>
+          <p:nvGrpSpPr>
+            <p:cNvPr id="3" name="Group 2"/>
+            <p:cNvGrpSpPr/>
+            <p:nvPr/>
+          </p:nvGrpSpPr>
+          <p:grpSpPr>
+            <a:xfrm>
+              <a:off x="2801" y="2309"/>
+              <a:ext cx="11781" cy="4536"/>
+              <a:chOff x="2801" y="2309"/>
+              <a:chExt cx="11781" cy="4536"/>
+            </a:xfrm>
+          </p:grpSpPr>
+          <p:graphicFrame>
+            <p:nvGraphicFramePr>
+              <p:cNvPr id="4" name="Chart 3"/>
+              <p:cNvGraphicFramePr/>
+              <p:nvPr/>
+            </p:nvGraphicFramePr>
+            <p:xfrm>
+              <a:off x="2801" y="2309"/>
+              <a:ext cx="6065" cy="4537"/>
+            </p:xfrm>
+            <a:graphic>
+              <a:graphicData uri="http://schemas.openxmlformats.org/drawingml/2006/chart">
+                <c:chart xmlns:c="http://schemas.openxmlformats.org/drawingml/2006/chart" xmlns:r="http://schemas.openxmlformats.org/officeDocument/2006/relationships" r:id="rId1"/>
+              </a:graphicData>
+            </a:graphic>
+          </p:graphicFrame>
+          <p:sp>
+            <p:nvSpPr>
+              <p:cNvPr id="2" name="Round Single Corner Rectangle 1"/>
+              <p:cNvSpPr/>
+              <p:nvPr/>
+            </p:nvSpPr>
+            <p:spPr>
+              <a:xfrm>
+                <a:off x="10448" y="2391"/>
+                <a:ext cx="4135" cy="4259"/>
+              </a:xfrm>
+              <a:prstGeom prst="round1Rect">
+                <a:avLst/>
+              </a:prstGeom>
+            </p:spPr>
+            <p:style>
+              <a:lnRef idx="2">
+                <a:schemeClr val="accent1">
+                  <a:lumMod val="75000"/>
+                </a:schemeClr>
+              </a:lnRef>
+              <a:fillRef idx="1">
+                <a:schemeClr val="accent1"/>
+              </a:fillRef>
+              <a:effectRef idx="0">
+                <a:srgbClr val="FFFFFF"/>
+              </a:effectRef>
+              <a:fontRef idx="minor">
+                <a:schemeClr val="lt1"/>
+              </a:fontRef>
+            </p:style>
+            <p:txBody>
+              <a:bodyPr rtlCol="0" anchor="ctr"/>
+              <a:p>
+                <a:pPr algn="ctr"/>
+                <a:endParaRPr lang="en-US"/>
+              </a:p>
+            </p:txBody>
+          </p:sp>
+        </p:grpSp>
+        <p:sp>
+          <p:nvSpPr>
+            <p:cNvPr id="5" name="Hexagon 4"/>
+            <p:cNvSpPr/>
+            <p:nvPr/>
+          </p:nvSpPr>
+          <p:spPr>
+            <a:xfrm>
+              <a:off x="15296" y="2864"/>
+              <a:ext cx="2917" cy="2645"/>
+            </a:xfrm>
+            <a:prstGeom prst="hexagon">
+              <a:avLst/>
+            </a:prstGeom>
+          </p:spPr>
+          <p:style>
+            <a:lnRef idx="2">
+              <a:schemeClr val="accent1">
+                <a:lumMod val="75000"/>
+              </a:schemeClr>
+            </a:lnRef>
+            <a:fillRef idx="1">
+              <a:schemeClr val="accent1"/>
+            </a:fillRef>
+            <a:effectRef idx="0">
+              <a:srgbClr val="FFFFFF"/>
+            </a:effectRef>
+            <a:fontRef idx="minor">
+              <a:schemeClr val="lt1"/>
+            </a:fontRef>
+          </p:style>
+          <p:txBody>
+            <a:bodyPr rtlCol="0" anchor="ctr"/>
+            <a:p>
+              <a:pPr algn="ctr"/>
+              <a:endParaRPr lang="en-US"/>
+            </a:p>
+          </p:txBody>
+        </p:sp>
+      </p:grpSp>
     </p:spTree>
   </p:cSld>
   <p:clrMapOvr>

--- a/assets/ppt/simple.pptx
+++ b/assets/ppt/simple.pptx
@@ -153,6 +153,36 @@
   </mc:AlternateContent>
   <c:chart>
     <c:title>
+      <c:tx>
+        <c:rich>
+          <a:bodyPr rot="0" spcFirstLastPara="0" vertOverflow="ellipsis" vert="horz" wrap="square" anchor="ctr" anchorCtr="1"/>
+          <a:lstStyle/>
+          <a:p>
+            <a:pPr defTabSz="914400">
+              <a:defRPr lang="en-US" sz="1600" b="1" i="0" u="none" strike="noStrike" kern="1200" spc="100" baseline="0">
+                <a:solidFill>
+                  <a:schemeClr val="lt1">
+                    <a:lumMod val="95000"/>
+                  </a:schemeClr>
+                </a:solidFill>
+                <a:effectLst>
+                  <a:outerShdw blurRad="50800" dist="38100" dir="5400000" algn="t" rotWithShape="0">
+                    <a:prstClr val="black">
+                      <a:alpha val="40000"/>
+                    </a:prstClr>
+                  </a:outerShdw>
+                </a:effectLst>
+                <a:latin typeface="+mn-lt"/>
+                <a:ea typeface="+mn-ea"/>
+                <a:cs typeface="+mn-cs"/>
+              </a:defRPr>
+            </a:pPr>
+            <a:r>
+              <a:t>图标题</a:t>
+            </a:r>
+          </a:p>
+        </c:rich>
+      </c:tx>
       <c:layout/>
       <c:overlay val="0"/>
       <c:spPr>
@@ -162,25 +192,6 @@
         </a:ln>
         <a:effectLst/>
       </c:spPr>
-      <c:txPr>
-        <a:bodyPr rot="0" spcFirstLastPara="0" vertOverflow="ellipsis" vert="horz" wrap="square" anchor="ctr" anchorCtr="1"/>
-        <a:lstStyle/>
-        <a:p>
-          <a:pPr>
-            <a:defRPr lang="en-US" sz="1400" b="1" i="0" u="none" strike="noStrike" kern="1200" baseline="0">
-              <a:solidFill>
-                <a:schemeClr val="tx1">
-                  <a:lumMod val="75000"/>
-                  <a:lumOff val="25000"/>
-                </a:schemeClr>
-              </a:solidFill>
-              <a:latin typeface="+mn-lt"/>
-              <a:ea typeface="+mn-ea"/>
-              <a:cs typeface="+mn-cs"/>
-            </a:defRPr>
-          </a:pPr>
-        </a:p>
-      </c:txPr>
     </c:title>
     <c:autoTitleDeleted val="0"/>
     <c:plotArea>
@@ -214,17 +225,134 @@
             </c:strRef>
           </c:tx>
           <c:spPr>
-            <a:solidFill>
-              <a:schemeClr val="accent1"/>
-            </a:solidFill>
+            <a:gradFill rotWithShape="1">
+              <a:gsLst>
+                <a:gs pos="0">
+                  <a:schemeClr val="accent1">
+                    <a:satMod val="103000"/>
+                    <a:lumMod val="102000"/>
+                    <a:tint val="94000"/>
+                  </a:schemeClr>
+                </a:gs>
+                <a:gs pos="50000">
+                  <a:schemeClr val="accent1">
+                    <a:satMod val="110000"/>
+                    <a:lumMod val="100000"/>
+                    <a:shade val="100000"/>
+                  </a:schemeClr>
+                </a:gs>
+                <a:gs pos="100000">
+                  <a:schemeClr val="accent1">
+                    <a:lumMod val="99000"/>
+                    <a:satMod val="120000"/>
+                    <a:shade val="78000"/>
+                  </a:schemeClr>
+                </a:gs>
+              </a:gsLst>
+              <a:lin ang="5400000" scaled="0"/>
+            </a:gradFill>
             <a:ln>
               <a:noFill/>
             </a:ln>
-            <a:effectLst/>
+            <a:effectLst>
+              <a:outerShdw blurRad="57150" dist="19050" dir="5400000" algn="ctr" rotWithShape="0">
+                <a:srgbClr val="000000">
+                  <a:alpha val="63000"/>
+                </a:srgbClr>
+              </a:outerShdw>
+            </a:effectLst>
           </c:spPr>
           <c:invertIfNegative val="0"/>
           <c:dLbls>
-            <c:delete val="1"/>
+            <c:dLbl>
+              <c:idx val="3"/>
+              <c:layout/>
+              <c:tx>
+                <c:rich>
+                  <a:bodyPr rot="0" spcFirstLastPara="0" vertOverflow="ellipsis" vert="horz" wrap="square" lIns="38100" tIns="19050" rIns="38100" bIns="19050" anchor="ctr" anchorCtr="1"/>
+                  <a:lstStyle/>
+                  <a:p>
+                    <a:pPr defTabSz="914400">
+                      <a:defRPr lang="en-US" sz="900" b="0" i="0" u="none" strike="noStrike" kern="1200" baseline="0">
+                        <a:solidFill>
+                          <a:schemeClr val="lt1">
+                            <a:lumMod val="85000"/>
+                          </a:schemeClr>
+                        </a:solidFill>
+                        <a:latin typeface="+mn-lt"/>
+                        <a:ea typeface="+mn-ea"/>
+                        <a:cs typeface="+mn-cs"/>
+                      </a:defRPr>
+                    </a:pPr>
+                    <a:r>
+                      <a:t>4.5</a:t>
+                    </a:r>
+                  </a:p>
+                </c:rich>
+              </c:tx>
+              <c:dLblPos val="outEnd"/>
+              <c:showLegendKey val="0"/>
+              <c:showVal val="1"/>
+              <c:showCatName val="0"/>
+              <c:showSerName val="0"/>
+              <c:showPercent val="0"/>
+              <c:showBubbleSize val="0"/>
+              <c:extLst>
+                <c:ext xmlns:c15="http://schemas.microsoft.com/office/drawing/2012/chart" uri="{CE6537A1-D6FC-4f65-9D91-7224C49458BB}"/>
+              </c:extLst>
+            </c:dLbl>
+            <c:spPr>
+              <a:noFill/>
+              <a:ln>
+                <a:noFill/>
+              </a:ln>
+              <a:effectLst/>
+            </c:spPr>
+            <c:txPr>
+              <a:bodyPr rot="0" spcFirstLastPara="0" vertOverflow="ellipsis" vert="horz" wrap="square" lIns="38100" tIns="19050" rIns="38100" bIns="19050" anchor="ctr" anchorCtr="1"/>
+              <a:lstStyle/>
+              <a:p>
+                <a:pPr>
+                  <a:defRPr lang="en-US" sz="900" b="0" i="0" u="none" strike="noStrike" kern="1200" baseline="0">
+                    <a:solidFill>
+                      <a:schemeClr val="lt1">
+                        <a:lumMod val="85000"/>
+                      </a:schemeClr>
+                    </a:solidFill>
+                    <a:latin typeface="+mn-lt"/>
+                    <a:ea typeface="+mn-ea"/>
+                    <a:cs typeface="+mn-cs"/>
+                  </a:defRPr>
+                </a:pPr>
+              </a:p>
+            </c:txPr>
+            <c:dLblPos val="outEnd"/>
+            <c:showLegendKey val="0"/>
+            <c:showVal val="1"/>
+            <c:showCatName val="0"/>
+            <c:showSerName val="0"/>
+            <c:showPercent val="0"/>
+            <c:showBubbleSize val="0"/>
+            <c:showLeaderLines val="0"/>
+            <c:extLst>
+              <c:ext xmlns:c15="http://schemas.microsoft.com/office/drawing/2012/chart" uri="{CE6537A1-D6FC-4f65-9D91-7224C49458BB}">
+                <c15:layout/>
+                <c15:showLeaderLines val="1"/>
+                <c15:leaderLines>
+                  <c:spPr>
+                    <a:ln w="9525">
+                      <a:solidFill>
+                        <a:schemeClr val="lt1">
+                          <a:lumMod val="95000"/>
+                          <a:alpha val="54000"/>
+                        </a:schemeClr>
+                      </a:solidFill>
+                    </a:ln>
+                    <a:effectLst/>
+                  </c:spPr>
+                </c15:leaderLines>
+              </c:ext>
+            </c:extLst>
           </c:dLbls>
           <c:cat>
             <c:strRef>
@@ -283,17 +411,97 @@
             </c:strRef>
           </c:tx>
           <c:spPr>
-            <a:solidFill>
-              <a:schemeClr val="accent2"/>
-            </a:solidFill>
+            <a:gradFill rotWithShape="1">
+              <a:gsLst>
+                <a:gs pos="0">
+                  <a:schemeClr val="accent2">
+                    <a:satMod val="103000"/>
+                    <a:lumMod val="102000"/>
+                    <a:tint val="94000"/>
+                  </a:schemeClr>
+                </a:gs>
+                <a:gs pos="50000">
+                  <a:schemeClr val="accent2">
+                    <a:satMod val="110000"/>
+                    <a:lumMod val="100000"/>
+                    <a:shade val="100000"/>
+                  </a:schemeClr>
+                </a:gs>
+                <a:gs pos="100000">
+                  <a:schemeClr val="accent2">
+                    <a:lumMod val="99000"/>
+                    <a:satMod val="120000"/>
+                    <a:shade val="78000"/>
+                  </a:schemeClr>
+                </a:gs>
+              </a:gsLst>
+              <a:lin ang="5400000" scaled="0"/>
+            </a:gradFill>
             <a:ln>
               <a:noFill/>
             </a:ln>
-            <a:effectLst/>
+            <a:effectLst>
+              <a:outerShdw blurRad="57150" dist="19050" dir="5400000" algn="ctr" rotWithShape="0">
+                <a:srgbClr val="000000">
+                  <a:alpha val="63000"/>
+                </a:srgbClr>
+              </a:outerShdw>
+            </a:effectLst>
           </c:spPr>
           <c:invertIfNegative val="0"/>
           <c:dLbls>
-            <c:delete val="1"/>
+            <c:spPr>
+              <a:noFill/>
+              <a:ln>
+                <a:noFill/>
+              </a:ln>
+              <a:effectLst/>
+            </c:spPr>
+            <c:txPr>
+              <a:bodyPr rot="0" spcFirstLastPara="0" vertOverflow="ellipsis" vert="horz" wrap="square" lIns="38100" tIns="19050" rIns="38100" bIns="19050" anchor="ctr" anchorCtr="1"/>
+              <a:lstStyle/>
+              <a:p>
+                <a:pPr>
+                  <a:defRPr lang="en-US" sz="900" b="0" i="0" u="none" strike="noStrike" kern="1200" baseline="0">
+                    <a:solidFill>
+                      <a:schemeClr val="lt1">
+                        <a:lumMod val="85000"/>
+                      </a:schemeClr>
+                    </a:solidFill>
+                    <a:latin typeface="+mn-lt"/>
+                    <a:ea typeface="+mn-ea"/>
+                    <a:cs typeface="+mn-cs"/>
+                  </a:defRPr>
+                </a:pPr>
+              </a:p>
+            </c:txPr>
+            <c:dLblPos val="outEnd"/>
+            <c:showLegendKey val="0"/>
+            <c:showVal val="1"/>
+            <c:showCatName val="0"/>
+            <c:showSerName val="0"/>
+            <c:showPercent val="0"/>
+            <c:showBubbleSize val="0"/>
+            <c:showLeaderLines val="0"/>
+            <c:extLst>
+              <c:ext xmlns:c15="http://schemas.microsoft.com/office/drawing/2012/chart" uri="{CE6537A1-D6FC-4f65-9D91-7224C49458BB}">
+                <c15:layout/>
+                <c15:showLeaderLines val="1"/>
+                <c15:leaderLines>
+                  <c:spPr>
+                    <a:ln w="9525">
+                      <a:solidFill>
+                        <a:schemeClr val="lt1">
+                          <a:lumMod val="95000"/>
+                          <a:alpha val="54000"/>
+                        </a:schemeClr>
+                      </a:solidFill>
+                    </a:ln>
+                    <a:effectLst/>
+                  </c:spPr>
+                </c15:leaderLines>
+              </c:ext>
+            </c:extLst>
           </c:dLbls>
           <c:cat>
             <c:strRef>
@@ -325,7 +533,7 @@
                   <c:v>2.4</c:v>
                 </c:pt>
                 <c:pt idx="1">
-                  <c:v>4.4</c:v>
+                  <c:v>10</c:v>
                 </c:pt>
                 <c:pt idx="2">
                   <c:v>1.8</c:v>
@@ -352,17 +560,97 @@
             </c:strRef>
           </c:tx>
           <c:spPr>
-            <a:solidFill>
-              <a:schemeClr val="accent3"/>
-            </a:solidFill>
+            <a:gradFill rotWithShape="1">
+              <a:gsLst>
+                <a:gs pos="0">
+                  <a:schemeClr val="accent3">
+                    <a:satMod val="103000"/>
+                    <a:lumMod val="102000"/>
+                    <a:tint val="94000"/>
+                  </a:schemeClr>
+                </a:gs>
+                <a:gs pos="50000">
+                  <a:schemeClr val="accent3">
+                    <a:satMod val="110000"/>
+                    <a:lumMod val="100000"/>
+                    <a:shade val="100000"/>
+                  </a:schemeClr>
+                </a:gs>
+                <a:gs pos="100000">
+                  <a:schemeClr val="accent3">
+                    <a:lumMod val="99000"/>
+                    <a:satMod val="120000"/>
+                    <a:shade val="78000"/>
+                  </a:schemeClr>
+                </a:gs>
+              </a:gsLst>
+              <a:lin ang="5400000" scaled="0"/>
+            </a:gradFill>
             <a:ln>
               <a:noFill/>
             </a:ln>
-            <a:effectLst/>
+            <a:effectLst>
+              <a:outerShdw blurRad="57150" dist="19050" dir="5400000" algn="ctr" rotWithShape="0">
+                <a:srgbClr val="000000">
+                  <a:alpha val="63000"/>
+                </a:srgbClr>
+              </a:outerShdw>
+            </a:effectLst>
           </c:spPr>
           <c:invertIfNegative val="0"/>
           <c:dLbls>
-            <c:delete val="1"/>
+            <c:spPr>
+              <a:noFill/>
+              <a:ln>
+                <a:noFill/>
+              </a:ln>
+              <a:effectLst/>
+            </c:spPr>
+            <c:txPr>
+              <a:bodyPr rot="0" spcFirstLastPara="0" vertOverflow="ellipsis" vert="horz" wrap="square" lIns="38100" tIns="19050" rIns="38100" bIns="19050" anchor="ctr" anchorCtr="1"/>
+              <a:lstStyle/>
+              <a:p>
+                <a:pPr>
+                  <a:defRPr lang="en-US" sz="900" b="0" i="0" u="none" strike="noStrike" kern="1200" baseline="0">
+                    <a:solidFill>
+                      <a:schemeClr val="lt1">
+                        <a:lumMod val="85000"/>
+                      </a:schemeClr>
+                    </a:solidFill>
+                    <a:latin typeface="+mn-lt"/>
+                    <a:ea typeface="+mn-ea"/>
+                    <a:cs typeface="+mn-cs"/>
+                  </a:defRPr>
+                </a:pPr>
+              </a:p>
+            </c:txPr>
+            <c:dLblPos val="outEnd"/>
+            <c:showLegendKey val="0"/>
+            <c:showVal val="1"/>
+            <c:showCatName val="0"/>
+            <c:showSerName val="0"/>
+            <c:showPercent val="0"/>
+            <c:showBubbleSize val="0"/>
+            <c:showLeaderLines val="0"/>
+            <c:extLst>
+              <c:ext xmlns:c15="http://schemas.microsoft.com/office/drawing/2012/chart" uri="{CE6537A1-D6FC-4f65-9D91-7224C49458BB}">
+                <c15:layout/>
+                <c15:showLeaderLines val="1"/>
+                <c15:leaderLines>
+                  <c:spPr>
+                    <a:ln w="9525">
+                      <a:solidFill>
+                        <a:schemeClr val="lt1">
+                          <a:lumMod val="95000"/>
+                          <a:alpha val="54000"/>
+                        </a:schemeClr>
+                      </a:solidFill>
+                    </a:ln>
+                    <a:effectLst/>
+                  </c:spPr>
+                </c15:leaderLines>
+              </c:ext>
+            </c:extLst>
           </c:dLbls>
           <c:cat>
             <c:strRef>
@@ -408,14 +696,14 @@
         </c:ser>
         <c:dLbls>
           <c:showLegendKey val="0"/>
-          <c:showVal val="0"/>
+          <c:showVal val="1"/>
           <c:showCatName val="0"/>
           <c:showSerName val="0"/>
           <c:showPercent val="0"/>
           <c:showBubbleSize val="0"/>
         </c:dLbls>
-        <c:gapWidth val="246"/>
-        <c:overlap val="-28"/>
+        <c:gapWidth val="100"/>
+        <c:overlap val="-24"/>
         <c:axId val="522256276"/>
         <c:axId val="501909773"/>
       </c:barChart>
@@ -426,16 +714,45 @@
         </c:scaling>
         <c:delete val="0"/>
         <c:axPos val="b"/>
+        <c:title>
+          <c:layout/>
+          <c:overlay val="0"/>
+          <c:spPr>
+            <a:noFill/>
+            <a:ln>
+              <a:noFill/>
+            </a:ln>
+            <a:effectLst/>
+          </c:spPr>
+          <c:txPr>
+            <a:bodyPr rot="0" spcFirstLastPara="0" vertOverflow="ellipsis" vert="horz" wrap="square" anchor="ctr" anchorCtr="1"/>
+            <a:lstStyle/>
+            <a:p>
+              <a:pPr>
+                <a:defRPr lang="en-US" sz="900" b="1" i="0" u="none" strike="noStrike" kern="1200" cap="all" baseline="0">
+                  <a:solidFill>
+                    <a:schemeClr val="lt1">
+                      <a:lumMod val="85000"/>
+                    </a:schemeClr>
+                  </a:solidFill>
+                  <a:latin typeface="+mn-lt"/>
+                  <a:ea typeface="+mn-ea"/>
+                  <a:cs typeface="+mn-cs"/>
+                </a:defRPr>
+              </a:pPr>
+            </a:p>
+          </c:txPr>
+        </c:title>
         <c:majorTickMark val="none"/>
         <c:minorTickMark val="none"/>
         <c:tickLblPos val="nextTo"/>
         <c:spPr>
           <a:noFill/>
-          <a:ln w="9525" cap="flat" cmpd="sng" algn="ctr">
+          <a:ln w="12700" cap="flat" cmpd="sng" algn="ctr">
             <a:solidFill>
-              <a:schemeClr val="tx1">
-                <a:lumMod val="15000"/>
-                <a:lumOff val="85000"/>
+              <a:schemeClr val="lt1">
+                <a:lumMod val="95000"/>
+                <a:alpha val="54000"/>
               </a:schemeClr>
             </a:solidFill>
             <a:round/>
@@ -449,9 +766,8 @@
             <a:pPr>
               <a:defRPr lang="en-US" sz="900" b="0" i="0" u="none" strike="noStrike" kern="1200" baseline="0">
                 <a:solidFill>
-                  <a:schemeClr val="tx1">
-                    <a:lumMod val="65000"/>
-                    <a:lumOff val="35000"/>
+                  <a:schemeClr val="lt1">
+                    <a:lumMod val="85000"/>
                   </a:schemeClr>
                 </a:solidFill>
                 <a:latin typeface="+mn-lt"/>
@@ -480,7 +796,8 @@
             <a:ln w="9525" cap="flat" cmpd="sng" algn="ctr">
               <a:solidFill>
                 <a:schemeClr val="lt1">
-                  <a:lumMod val="90200"/>
+                  <a:lumMod val="95000"/>
+                  <a:alpha val="10000"/>
                 </a:schemeClr>
               </a:solidFill>
               <a:round/>
@@ -488,6 +805,35 @@
             <a:effectLst/>
           </c:spPr>
         </c:majorGridlines>
+        <c:title>
+          <c:layout/>
+          <c:overlay val="0"/>
+          <c:spPr>
+            <a:noFill/>
+            <a:ln>
+              <a:noFill/>
+            </a:ln>
+            <a:effectLst/>
+          </c:spPr>
+          <c:txPr>
+            <a:bodyPr rot="-5400000" spcFirstLastPara="0" vertOverflow="ellipsis" vert="horz" wrap="square" anchor="ctr" anchorCtr="1"/>
+            <a:lstStyle/>
+            <a:p>
+              <a:pPr>
+                <a:defRPr lang="en-US" sz="900" b="1" i="0" u="none" strike="noStrike" kern="1200" cap="all" baseline="0">
+                  <a:solidFill>
+                    <a:schemeClr val="lt1">
+                      <a:lumMod val="85000"/>
+                    </a:schemeClr>
+                  </a:solidFill>
+                  <a:latin typeface="+mn-lt"/>
+                  <a:ea typeface="+mn-ea"/>
+                  <a:cs typeface="+mn-cs"/>
+                </a:defRPr>
+              </a:pPr>
+            </a:p>
+          </c:txPr>
+        </c:title>
         <c:numFmt formatCode="General" sourceLinked="1"/>
         <c:majorTickMark val="none"/>
         <c:minorTickMark val="none"/>
@@ -506,9 +852,8 @@
             <a:pPr>
               <a:defRPr lang="en-US" sz="900" b="0" i="0" u="none" strike="noStrike" kern="1200" baseline="0">
                 <a:solidFill>
-                  <a:schemeClr val="tx1">
-                    <a:lumMod val="65000"/>
-                    <a:lumOff val="35000"/>
+                  <a:schemeClr val="lt1">
+                    <a:lumMod val="85000"/>
                   </a:schemeClr>
                 </a:solidFill>
                 <a:latin typeface="+mn-lt"/>
@@ -548,9 +893,8 @@
           <a:pPr>
             <a:defRPr lang="en-US" sz="900" b="0" i="0" u="none" strike="noStrike" kern="1200" baseline="0">
               <a:solidFill>
-                <a:schemeClr val="tx1">
-                  <a:lumMod val="65000"/>
-                  <a:lumOff val="35000"/>
+                <a:schemeClr val="lt1">
+                  <a:lumMod val="85000"/>
                 </a:schemeClr>
               </a:solidFill>
               <a:latin typeface="+mn-lt"/>
@@ -566,14 +910,33 @@
     <c:showDLblsOverMax val="0"/>
   </c:chart>
   <c:spPr>
-    <a:noFill/>
+    <a:gradFill flip="none" rotWithShape="1">
+      <a:gsLst>
+        <a:gs pos="0">
+          <a:srgbClr val="FBFB11"/>
+        </a:gs>
+        <a:gs pos="100000">
+          <a:srgbClr val="838309"/>
+        </a:gs>
+      </a:gsLst>
+      <a:path path="circle">
+        <a:fillToRect l="50000" t="50000" r="50000" b="50000"/>
+      </a:path>
+      <a:tileRect/>
+    </a:gradFill>
     <a:ln>
       <a:noFill/>
     </a:ln>
-    <a:effectLst/>
+    <a:effectLst>
+      <a:outerShdw blurRad="50800" dist="38100" dir="5400000" sx="179000" sy="179000" algn="t" rotWithShape="0">
+        <a:prstClr val="black">
+          <a:alpha val="40000"/>
+        </a:prstClr>
+      </a:outerShdw>
+    </a:effectLst>
   </c:spPr>
   <c:txPr>
-    <a:bodyPr/>
+    <a:bodyPr rot="1500000"/>
     <a:lstStyle/>
     <a:p>
       <a:pPr>
@@ -628,35 +991,33 @@
 </file>
 
 <file path=ppt/charts/style1.xml><?xml version="1.0" encoding="utf-8"?>
-<cs:chartStyle xmlns:cs="http://schemas.microsoft.com/office/drawing/2012/chartStyle" xmlns:a="http://schemas.openxmlformats.org/drawingml/2006/main" id="10001">
+<cs:chartStyle xmlns:cs="http://schemas.microsoft.com/office/drawing/2012/chartStyle" xmlns:a="http://schemas.openxmlformats.org/drawingml/2006/main" id="209">
   <cs:axisTitle>
     <cs:lnRef idx="0"/>
     <cs:fillRef idx="0"/>
     <cs:effectRef idx="0"/>
     <cs:fontRef idx="minor">
-      <a:schemeClr val="tx1">
-        <a:lumMod val="65000"/>
-        <a:lumOff val="35000"/>
+      <a:schemeClr val="lt1">
+        <a:lumMod val="85000"/>
       </a:schemeClr>
     </cs:fontRef>
-    <cs:defRPr sz="1000" kern="1200"/>
+    <cs:defRPr sz="900" b="1" kern="1200" cap="all"/>
   </cs:axisTitle>
   <cs:categoryAxis>
     <cs:lnRef idx="0"/>
     <cs:fillRef idx="0"/>
     <cs:effectRef idx="0"/>
     <cs:fontRef idx="minor">
-      <a:schemeClr val="tx1">
-        <a:lumMod val="65000"/>
-        <a:lumOff val="35000"/>
+      <a:schemeClr val="lt1">
+        <a:lumMod val="85000"/>
       </a:schemeClr>
     </cs:fontRef>
     <cs:spPr>
-      <a:ln w="9525" cap="flat" cmpd="sng" algn="ctr">
+      <a:ln w="12700" cap="flat" cmpd="sng" algn="ctr">
         <a:solidFill>
-          <a:schemeClr val="tx1">
-            <a:lumMod val="15000"/>
-            <a:lumOff val="85000"/>
+          <a:schemeClr val="lt1">
+            <a:lumMod val="95000"/>
+            <a:alpha val="54000"/>
           </a:schemeClr>
         </a:solidFill>
         <a:round/>
@@ -664,26 +1025,33 @@
     </cs:spPr>
     <cs:defRPr sz="900" kern="1200"/>
   </cs:categoryAxis>
-  <cs:chartArea mods="allowNoFillOverride allowNoLineOverride">
+  <cs:chartArea>
     <cs:lnRef idx="0"/>
     <cs:fillRef idx="0"/>
     <cs:effectRef idx="0"/>
     <cs:fontRef idx="minor">
-      <a:schemeClr val="tx1"/>
+      <a:schemeClr val="dk1"/>
     </cs:fontRef>
     <cs:spPr>
-      <a:solidFill>
-        <a:schemeClr val="bg1"/>
-      </a:solidFill>
-      <a:ln w="9525" cap="flat" cmpd="sng" algn="ctr">
-        <a:solidFill>
-          <a:schemeClr val="tx1">
-            <a:lumMod val="15000"/>
-            <a:lumOff val="85000"/>
-          </a:schemeClr>
-        </a:solidFill>
-        <a:round/>
-      </a:ln>
+      <a:gradFill flip="none" rotWithShape="1">
+        <a:gsLst>
+          <a:gs pos="0">
+            <a:schemeClr val="dk1">
+              <a:lumMod val="65000"/>
+              <a:lumOff val="35000"/>
+            </a:schemeClr>
+          </a:gs>
+          <a:gs pos="100000">
+            <a:schemeClr val="dk1">
+              <a:lumMod val="85000"/>
+              <a:lumOff val="15000"/>
+            </a:schemeClr>
+          </a:gs>
+        </a:gsLst>
+        <a:path path="circle">
+          <a:fillToRect l="50000" t="50000" r="50000" b="50000"/>
+        </a:path>
+      </a:gradFill>
     </cs:spPr>
     <cs:defRPr sz="1000" kern="1200"/>
   </cs:chartArea>
@@ -692,12 +1060,11 @@
     <cs:fillRef idx="0"/>
     <cs:effectRef idx="0"/>
     <cs:fontRef idx="minor">
-      <a:schemeClr val="tx1">
-        <a:lumMod val="75000"/>
-        <a:lumOff val="25000"/>
+      <a:schemeClr val="lt1">
+        <a:lumMod val="85000"/>
       </a:schemeClr>
     </cs:fontRef>
-    <cs:defRPr sz="1000" kern="1200"/>
+    <cs:defRPr sz="900" kern="1200"/>
   </cs:dataLabel>
   <cs:dataLabelCallout>
     <cs:lnRef idx="0"/>
@@ -713,59 +1080,43 @@
       <a:solidFill>
         <a:schemeClr val="lt1"/>
       </a:solidFill>
-      <a:ln>
-        <a:solidFill>
-          <a:schemeClr val="dk1">
-            <a:lumMod val="25000"/>
-            <a:lumOff val="75000"/>
-          </a:schemeClr>
-        </a:solidFill>
-      </a:ln>
     </cs:spPr>
-    <cs:defRPr sz="1000" kern="1200"/>
+    <cs:defRPr sz="900" kern="1200"/>
     <cs:bodyPr rot="0" spcFirstLastPara="1" vertOverflow="clip" horzOverflow="clip" vert="horz" wrap="square" lIns="36576" tIns="18288" rIns="36576" bIns="18288" anchor="ctr" anchorCtr="1">
       <a:spAutoFit/>
     </cs:bodyPr>
   </cs:dataLabelCallout>
   <cs:dataPoint>
-    <cs:lnRef idx="0">
-      <cs:styleClr val="auto"/>
-    </cs:lnRef>
-    <cs:fillRef idx="1">
+    <cs:lnRef idx="0"/>
+    <cs:fillRef idx="3">
       <cs:styleClr val="auto"/>
     </cs:fillRef>
-    <cs:effectRef idx="0"/>
+    <cs:effectRef idx="3"/>
     <cs:fontRef idx="minor">
-      <a:schemeClr val="dk1"/>
+      <a:schemeClr val="lt1"/>
     </cs:fontRef>
-    <cs:spPr>
-      <a:ln>
-        <a:noFill/>
-      </a:ln>
-      <a:effectLst/>
-    </cs:spPr>
   </cs:dataPoint>
   <cs:dataPoint3D>
     <cs:lnRef idx="0"/>
-    <cs:fillRef idx="1">
+    <cs:fillRef idx="3">
       <cs:styleClr val="auto"/>
     </cs:fillRef>
-    <cs:effectRef idx="0"/>
+    <cs:effectRef idx="3"/>
     <cs:fontRef idx="minor">
-      <a:schemeClr val="tx1"/>
+      <a:schemeClr val="lt1"/>
     </cs:fontRef>
   </cs:dataPoint3D>
   <cs:dataPointLine>
     <cs:lnRef idx="0">
       <cs:styleClr val="auto"/>
     </cs:lnRef>
-    <cs:fillRef idx="1"/>
-    <cs:effectRef idx="0"/>
+    <cs:fillRef idx="3"/>
+    <cs:effectRef idx="3"/>
     <cs:fontRef idx="minor">
-      <a:schemeClr val="tx1"/>
+      <a:schemeClr val="lt1"/>
     </cs:fontRef>
     <cs:spPr>
-      <a:ln w="28575" cap="rnd">
+      <a:ln w="34925" cap="rnd">
         <a:solidFill>
           <a:schemeClr val="phClr"/>
         </a:solidFill>
@@ -777,30 +1128,31 @@
     <cs:lnRef idx="0">
       <cs:styleClr val="auto"/>
     </cs:lnRef>
-    <cs:fillRef idx="1">
+    <cs:fillRef idx="3">
       <cs:styleClr val="auto"/>
     </cs:fillRef>
-    <cs:effectRef idx="0"/>
+    <cs:effectRef idx="3"/>
     <cs:fontRef idx="minor">
-      <a:schemeClr val="tx1"/>
+      <a:schemeClr val="lt1"/>
     </cs:fontRef>
     <cs:spPr>
       <a:ln w="9525">
         <a:solidFill>
           <a:schemeClr val="phClr"/>
         </a:solidFill>
+        <a:round/>
       </a:ln>
     </cs:spPr>
   </cs:dataPointMarker>
-  <cs:dataPointMarkerLayout symbol="circle" size="5"/>
+  <cs:dataPointMarkerLayout symbol="circle" size="6"/>
   <cs:dataPointWireframe>
     <cs:lnRef idx="0">
       <cs:styleClr val="auto"/>
     </cs:lnRef>
-    <cs:fillRef idx="1"/>
-    <cs:effectRef idx="0"/>
+    <cs:fillRef idx="3"/>
+    <cs:effectRef idx="3"/>
     <cs:fontRef idx="minor">
-      <a:schemeClr val="tx1"/>
+      <a:schemeClr val="lt1"/>
     </cs:fontRef>
     <cs:spPr>
       <a:ln w="9525" cap="rnd">
@@ -816,21 +1168,18 @@
     <cs:fillRef idx="0"/>
     <cs:effectRef idx="0"/>
     <cs:fontRef idx="minor">
-      <a:schemeClr val="tx1">
-        <a:lumMod val="65000"/>
-        <a:lumOff val="35000"/>
+      <a:schemeClr val="lt1">
+        <a:lumMod val="85000"/>
       </a:schemeClr>
     </cs:fontRef>
     <cs:spPr>
-      <a:noFill/>
-      <a:ln w="9525" cap="flat" cmpd="sng" algn="ctr">
+      <a:ln w="9525">
         <a:solidFill>
-          <a:schemeClr val="tx1">
-            <a:lumMod val="15000"/>
-            <a:lumOff val="85000"/>
+          <a:schemeClr val="lt1">
+            <a:lumMod val="95000"/>
+            <a:alpha val="54000"/>
           </a:schemeClr>
         </a:solidFill>
-        <a:round/>
       </a:ln>
     </cs:spPr>
     <cs:defRPr sz="900" kern="1200"/>
@@ -840,20 +1189,20 @@
     <cs:fillRef idx="0"/>
     <cs:effectRef idx="0"/>
     <cs:fontRef idx="minor">
-      <a:schemeClr val="dk1"/>
+      <a:schemeClr val="lt1"/>
     </cs:fontRef>
     <cs:spPr>
       <a:solidFill>
         <a:schemeClr val="dk1">
-          <a:lumMod val="65000"/>
-          <a:lumOff val="35000"/>
+          <a:lumMod val="75000"/>
+          <a:lumOff val="25000"/>
         </a:schemeClr>
       </a:solidFill>
       <a:ln w="9525">
         <a:solidFill>
-          <a:schemeClr val="tx1">
-            <a:lumMod val="65000"/>
-            <a:lumOff val="35000"/>
+          <a:schemeClr val="lt1">
+            <a:lumMod val="95000"/>
+            <a:alpha val="54000"/>
           </a:schemeClr>
         </a:solidFill>
       </a:ln>
@@ -864,17 +1213,17 @@
     <cs:fillRef idx="0"/>
     <cs:effectRef idx="0"/>
     <cs:fontRef idx="minor">
-      <a:schemeClr val="tx1"/>
+      <a:schemeClr val="lt1"/>
     </cs:fontRef>
     <cs:spPr>
-      <a:ln w="9525" cap="flat" cmpd="sng" algn="ctr">
+      <a:ln w="9525">
         <a:solidFill>
-          <a:schemeClr val="tx1">
-            <a:lumMod val="35000"/>
-            <a:lumOff val="65000"/>
+          <a:schemeClr val="lt1">
+            <a:lumMod val="95000"/>
+            <a:alpha val="54000"/>
           </a:schemeClr>
         </a:solidFill>
-        <a:round/>
+        <a:prstDash val="dash"/>
       </a:ln>
     </cs:spPr>
   </cs:dropLine>
@@ -883,14 +1232,13 @@
     <cs:fillRef idx="0"/>
     <cs:effectRef idx="0"/>
     <cs:fontRef idx="minor">
-      <a:schemeClr val="tx1"/>
+      <a:schemeClr val="lt1"/>
     </cs:fontRef>
     <cs:spPr>
       <a:ln w="9525" cap="flat" cmpd="sng" algn="ctr">
         <a:solidFill>
-          <a:schemeClr val="tx1">
-            <a:lumMod val="65000"/>
-            <a:lumOff val="35000"/>
+          <a:schemeClr val="lt1">
+            <a:lumMod val="95000"/>
           </a:schemeClr>
         </a:solidFill>
         <a:round/>
@@ -902,27 +1250,22 @@
     <cs:fillRef idx="0"/>
     <cs:effectRef idx="0"/>
     <cs:fontRef idx="minor">
-      <a:schemeClr val="tx1"/>
+      <a:schemeClr val="lt1"/>
     </cs:fontRef>
-    <cs:spPr>
-      <a:noFill/>
-      <a:ln>
-        <a:noFill/>
-      </a:ln>
-    </cs:spPr>
   </cs:floor>
   <cs:gridlineMajor>
     <cs:lnRef idx="0"/>
     <cs:fillRef idx="0"/>
     <cs:effectRef idx="0"/>
     <cs:fontRef idx="minor">
-      <a:schemeClr val="tx1"/>
+      <a:schemeClr val="lt1"/>
     </cs:fontRef>
     <cs:spPr>
       <a:ln w="9525" cap="flat" cmpd="sng" algn="ctr">
         <a:solidFill>
           <a:schemeClr val="lt1">
-            <a:lumMod val="90200"/>
+            <a:lumMod val="95000"/>
+            <a:alpha val="10000"/>
           </a:schemeClr>
         </a:solidFill>
         <a:round/>
@@ -934,17 +1277,16 @@
     <cs:fillRef idx="0"/>
     <cs:effectRef idx="0"/>
     <cs:fontRef idx="minor">
-      <a:schemeClr val="tx1"/>
+      <a:schemeClr val="lt1"/>
     </cs:fontRef>
     <cs:spPr>
-      <a:ln w="9525" cap="flat" cmpd="sng" algn="ctr">
+      <a:ln>
         <a:solidFill>
-          <a:schemeClr val="tx1">
-            <a:lumMod val="5000"/>
-            <a:lumOff val="95000"/>
+          <a:schemeClr val="lt1">
+            <a:lumMod val="95000"/>
+            <a:alpha val="5000"/>
           </a:schemeClr>
         </a:solidFill>
-        <a:round/>
       </a:ln>
     </cs:spPr>
   </cs:gridlineMinor>
@@ -953,17 +1295,17 @@
     <cs:fillRef idx="0"/>
     <cs:effectRef idx="0"/>
     <cs:fontRef idx="minor">
-      <a:schemeClr val="tx1"/>
+      <a:schemeClr val="lt1"/>
     </cs:fontRef>
     <cs:spPr>
-      <a:ln w="9525" cap="flat" cmpd="sng" algn="ctr">
+      <a:ln w="9525">
         <a:solidFill>
-          <a:schemeClr val="tx1">
-            <a:lumMod val="75000"/>
-            <a:lumOff val="25000"/>
+          <a:schemeClr val="lt1">
+            <a:lumMod val="95000"/>
+            <a:alpha val="54000"/>
           </a:schemeClr>
         </a:solidFill>
-        <a:round/>
+        <a:prstDash val="dash"/>
       </a:ln>
     </cs:spPr>
   </cs:hiLoLine>
@@ -972,17 +1314,16 @@
     <cs:fillRef idx="0"/>
     <cs:effectRef idx="0"/>
     <cs:fontRef idx="minor">
-      <a:schemeClr val="tx1"/>
+      <a:schemeClr val="lt1"/>
     </cs:fontRef>
     <cs:spPr>
-      <a:ln w="9525" cap="flat" cmpd="sng" algn="ctr">
+      <a:ln w="9525">
         <a:solidFill>
-          <a:schemeClr val="tx1">
-            <a:lumMod val="35000"/>
-            <a:lumOff val="65000"/>
+          <a:schemeClr val="lt1">
+            <a:lumMod val="95000"/>
+            <a:alpha val="54000"/>
           </a:schemeClr>
         </a:solidFill>
-        <a:round/>
       </a:ln>
     </cs:spPr>
   </cs:leaderLine>
@@ -991,27 +1332,26 @@
     <cs:fillRef idx="0"/>
     <cs:effectRef idx="0"/>
     <cs:fontRef idx="minor">
-      <a:schemeClr val="tx1">
-        <a:lumMod val="65000"/>
-        <a:lumOff val="35000"/>
+      <a:schemeClr val="lt1">
+        <a:lumMod val="85000"/>
       </a:schemeClr>
     </cs:fontRef>
     <cs:defRPr sz="900" kern="1200"/>
   </cs:legend>
-  <cs:plotArea mods="allowNoFillOverride allowNoLineOverride">
+  <cs:plotArea>
     <cs:lnRef idx="0"/>
     <cs:fillRef idx="0"/>
     <cs:effectRef idx="0"/>
     <cs:fontRef idx="minor">
-      <a:schemeClr val="tx1"/>
+      <a:schemeClr val="lt1"/>
     </cs:fontRef>
   </cs:plotArea>
-  <cs:plotArea3D mods="allowNoFillOverride allowNoLineOverride">
+  <cs:plotArea3D>
     <cs:lnRef idx="0"/>
     <cs:fillRef idx="0"/>
     <cs:effectRef idx="0"/>
     <cs:fontRef idx="minor">
-      <a:schemeClr val="tx1"/>
+      <a:schemeClr val="lt1"/>
     </cs:fontRef>
   </cs:plotArea3D>
   <cs:seriesAxis>
@@ -1019,11 +1359,21 @@
     <cs:fillRef idx="0"/>
     <cs:effectRef idx="0"/>
     <cs:fontRef idx="minor">
-      <a:schemeClr val="tx1">
-        <a:lumMod val="65000"/>
-        <a:lumOff val="35000"/>
+      <a:schemeClr val="lt1">
+        <a:lumMod val="85000"/>
       </a:schemeClr>
     </cs:fontRef>
+    <cs:spPr>
+      <a:ln w="12700" cap="flat" cmpd="sng" algn="ctr">
+        <a:solidFill>
+          <a:schemeClr val="lt1">
+            <a:lumMod val="95000"/>
+            <a:alpha val="54000"/>
+          </a:schemeClr>
+        </a:solidFill>
+        <a:round/>
+      </a:ln>
+    </cs:spPr>
     <cs:defRPr sz="900" kern="1200"/>
   </cs:seriesAxis>
   <cs:seriesLine>
@@ -1031,14 +1381,14 @@
     <cs:fillRef idx="0"/>
     <cs:effectRef idx="0"/>
     <cs:fontRef idx="minor">
-      <a:schemeClr val="tx1"/>
+      <a:schemeClr val="lt1"/>
     </cs:fontRef>
     <cs:spPr>
       <a:ln w="9525" cap="flat" cmpd="sng" algn="ctr">
         <a:solidFill>
-          <a:schemeClr val="tx1">
-            <a:lumMod val="35000"/>
-            <a:lumOff val="65000"/>
+          <a:schemeClr val="lt1">
+            <a:lumMod val="95000"/>
+            <a:alpha val="54000"/>
           </a:schemeClr>
         </a:solidFill>
         <a:round/>
@@ -1050,12 +1400,19 @@
     <cs:fillRef idx="0"/>
     <cs:effectRef idx="0"/>
     <cs:fontRef idx="minor">
-      <a:schemeClr val="tx1">
-        <a:lumMod val="75000"/>
-        <a:lumOff val="25000"/>
+      <a:schemeClr val="lt1">
+        <a:lumMod val="95000"/>
       </a:schemeClr>
     </cs:fontRef>
-    <cs:defRPr sz="1400" b="1" kern="1200" baseline="0"/>
+    <cs:defRPr sz="1600" b="1" kern="1200" spc="100" baseline="0">
+      <a:effectLst>
+        <a:outerShdw blurRad="50800" dist="38100" dir="5400000" algn="t" rotWithShape="0">
+          <a:prstClr val="black">
+            <a:alpha val="40000"/>
+          </a:prstClr>
+        </a:outerShdw>
+      </a:effectLst>
+    </cs:defRPr>
   </cs:title>
   <cs:trendline>
     <cs:lnRef idx="0">
@@ -1064,14 +1421,13 @@
     <cs:fillRef idx="0"/>
     <cs:effectRef idx="0"/>
     <cs:fontRef idx="minor">
-      <a:schemeClr val="tx1"/>
+      <a:schemeClr val="lt1"/>
     </cs:fontRef>
     <cs:spPr>
       <a:ln w="19050" cap="rnd">
         <a:solidFill>
           <a:schemeClr val="phClr"/>
         </a:solidFill>
-        <a:prstDash val="sysDot"/>
       </a:ln>
     </cs:spPr>
   </cs:trendline>
@@ -1080,9 +1436,8 @@
     <cs:fillRef idx="0"/>
     <cs:effectRef idx="0"/>
     <cs:fontRef idx="minor">
-      <a:schemeClr val="tx1">
-        <a:lumMod val="65000"/>
-        <a:lumOff val="35000"/>
+      <a:schemeClr val="lt1">
+        <a:lumMod val="85000"/>
       </a:schemeClr>
     </cs:fontRef>
     <cs:defRPr sz="900" kern="1200"/>
@@ -1092,7 +1447,7 @@
     <cs:fillRef idx="0"/>
     <cs:effectRef idx="0"/>
     <cs:fontRef idx="minor">
-      <a:schemeClr val="dk1"/>
+      <a:schemeClr val="lt1"/>
     </cs:fontRef>
     <cs:spPr>
       <a:solidFill>
@@ -1100,9 +1455,9 @@
       </a:solidFill>
       <a:ln w="9525">
         <a:solidFill>
-          <a:schemeClr val="tx1">
-            <a:lumMod val="15000"/>
-            <a:lumOff val="85000"/>
+          <a:schemeClr val="lt1">
+            <a:lumMod val="95000"/>
+            <a:alpha val="54000"/>
           </a:schemeClr>
         </a:solidFill>
       </a:ln>
@@ -1113,9 +1468,8 @@
     <cs:fillRef idx="0"/>
     <cs:effectRef idx="0"/>
     <cs:fontRef idx="minor">
-      <a:schemeClr val="tx1">
-        <a:lumMod val="65000"/>
-        <a:lumOff val="35000"/>
+      <a:schemeClr val="lt1">
+        <a:lumMod val="85000"/>
       </a:schemeClr>
     </cs:fontRef>
     <cs:defRPr sz="900" kern="1200"/>
@@ -1125,14 +1479,8 @@
     <cs:fillRef idx="0"/>
     <cs:effectRef idx="0"/>
     <cs:fontRef idx="minor">
-      <a:schemeClr val="tx1"/>
+      <a:schemeClr val="lt1"/>
     </cs:fontRef>
-    <cs:spPr>
-      <a:noFill/>
-      <a:ln>
-        <a:noFill/>
-      </a:ln>
-    </cs:spPr>
   </cs:wall>
 </cs:chartStyle>
 </file>
@@ -6590,7 +6938,7 @@
         <a:spcBef>
           <a:spcPts val="1000"/>
         </a:spcBef>
-        <a:buFont typeface="Arial" panose="020B0604020202020204" pitchFamily="34" charset="0"/>
+        <a:buFont typeface="Arial" panose="020B0604020202090204" pitchFamily="34" charset="0"/>
         <a:buChar char="•"/>
         <a:defRPr sz="2800" kern="1200">
           <a:solidFill>
@@ -6608,7 +6956,7 @@
         <a:spcBef>
           <a:spcPts val="500"/>
         </a:spcBef>
-        <a:buFont typeface="Arial" panose="020B0604020202020204" pitchFamily="34" charset="0"/>
+        <a:buFont typeface="Arial" panose="020B0604020202090204" pitchFamily="34" charset="0"/>
         <a:buChar char="•"/>
         <a:defRPr sz="2400" kern="1200">
           <a:solidFill>
@@ -6626,7 +6974,7 @@
         <a:spcBef>
           <a:spcPts val="500"/>
         </a:spcBef>
-        <a:buFont typeface="Arial" panose="020B0604020202020204" pitchFamily="34" charset="0"/>
+        <a:buFont typeface="Arial" panose="020B0604020202090204" pitchFamily="34" charset="0"/>
         <a:buChar char="•"/>
         <a:defRPr sz="2000" kern="1200">
           <a:solidFill>
@@ -6644,7 +6992,7 @@
         <a:spcBef>
           <a:spcPts val="500"/>
         </a:spcBef>
-        <a:buFont typeface="Arial" panose="020B0604020202020204" pitchFamily="34" charset="0"/>
+        <a:buFont typeface="Arial" panose="020B0604020202090204" pitchFamily="34" charset="0"/>
         <a:buChar char="•"/>
         <a:defRPr sz="1800" kern="1200">
           <a:solidFill>
@@ -6662,7 +7010,7 @@
         <a:spcBef>
           <a:spcPts val="500"/>
         </a:spcBef>
-        <a:buFont typeface="Arial" panose="020B0604020202020204" pitchFamily="34" charset="0"/>
+        <a:buFont typeface="Arial" panose="020B0604020202090204" pitchFamily="34" charset="0"/>
         <a:buChar char="•"/>
         <a:defRPr sz="1800" kern="1200">
           <a:solidFill>
@@ -6680,7 +7028,7 @@
         <a:spcBef>
           <a:spcPts val="500"/>
         </a:spcBef>
-        <a:buFont typeface="Arial" panose="020B0604020202020204" pitchFamily="34" charset="0"/>
+        <a:buFont typeface="Arial" panose="020B0604020202090204" pitchFamily="34" charset="0"/>
         <a:buChar char="•"/>
         <a:defRPr sz="1800" kern="1200">
           <a:solidFill>
@@ -6698,7 +7046,7 @@
         <a:spcBef>
           <a:spcPts val="500"/>
         </a:spcBef>
-        <a:buFont typeface="Arial" panose="020B0604020202020204" pitchFamily="34" charset="0"/>
+        <a:buFont typeface="Arial" panose="020B0604020202090204" pitchFamily="34" charset="0"/>
         <a:buChar char="•"/>
         <a:defRPr sz="1800" kern="1200">
           <a:solidFill>
@@ -6716,7 +7064,7 @@
         <a:spcBef>
           <a:spcPts val="500"/>
         </a:spcBef>
-        <a:buFont typeface="Arial" panose="020B0604020202020204" pitchFamily="34" charset="0"/>
+        <a:buFont typeface="Arial" panose="020B0604020202090204" pitchFamily="34" charset="0"/>
         <a:buChar char="•"/>
         <a:defRPr sz="1800" kern="1200">
           <a:solidFill>
@@ -6734,7 +7082,7 @@
         <a:spcBef>
           <a:spcPts val="500"/>
         </a:spcBef>
-        <a:buFont typeface="Arial" panose="020B0604020202020204" pitchFamily="34" charset="0"/>
+        <a:buFont typeface="Arial" panose="020B0604020202090204" pitchFamily="34" charset="0"/>
         <a:buChar char="•"/>
         <a:defRPr sz="1800" kern="1200">
           <a:solidFill>
@@ -7127,7 +7475,7 @@
         <a:spcBef>
           <a:spcPts val="1000"/>
         </a:spcBef>
-        <a:buFont typeface="Arial" panose="020B0604020202020204" pitchFamily="34" charset="0"/>
+        <a:buFont typeface="Arial" panose="020B0604020202090204" pitchFamily="34" charset="0"/>
         <a:buChar char="•"/>
         <a:defRPr sz="2800" kern="1200">
           <a:solidFill>
@@ -7145,7 +7493,7 @@
         <a:spcBef>
           <a:spcPts val="500"/>
         </a:spcBef>
-        <a:buFont typeface="Arial" panose="020B0604020202020204" pitchFamily="34" charset="0"/>
+        <a:buFont typeface="Arial" panose="020B0604020202090204" pitchFamily="34" charset="0"/>
         <a:buChar char="•"/>
         <a:defRPr sz="2400" kern="1200">
           <a:solidFill>
@@ -7163,7 +7511,7 @@
         <a:spcBef>
           <a:spcPts val="500"/>
         </a:spcBef>
-        <a:buFont typeface="Arial" panose="020B0604020202020204" pitchFamily="34" charset="0"/>
+        <a:buFont typeface="Arial" panose="020B0604020202090204" pitchFamily="34" charset="0"/>
         <a:buChar char="•"/>
         <a:defRPr sz="2000" kern="1200">
           <a:solidFill>
@@ -7181,7 +7529,7 @@
         <a:spcBef>
           <a:spcPts val="500"/>
         </a:spcBef>
-        <a:buFont typeface="Arial" panose="020B0604020202020204" pitchFamily="34" charset="0"/>
+        <a:buFont typeface="Arial" panose="020B0604020202090204" pitchFamily="34" charset="0"/>
         <a:buChar char="•"/>
         <a:defRPr sz="1800" kern="1200">
           <a:solidFill>
@@ -7199,7 +7547,7 @@
         <a:spcBef>
           <a:spcPts val="500"/>
         </a:spcBef>
-        <a:buFont typeface="Arial" panose="020B0604020202020204" pitchFamily="34" charset="0"/>
+        <a:buFont typeface="Arial" panose="020B0604020202090204" pitchFamily="34" charset="0"/>
         <a:buChar char="•"/>
         <a:defRPr sz="1800" kern="1200">
           <a:solidFill>
@@ -7217,7 +7565,7 @@
         <a:spcBef>
           <a:spcPts val="500"/>
         </a:spcBef>
-        <a:buFont typeface="Arial" panose="020B0604020202020204" pitchFamily="34" charset="0"/>
+        <a:buFont typeface="Arial" panose="020B0604020202090204" pitchFamily="34" charset="0"/>
         <a:buChar char="•"/>
         <a:defRPr sz="1800" kern="1200">
           <a:solidFill>
@@ -7235,7 +7583,7 @@
         <a:spcBef>
           <a:spcPts val="500"/>
         </a:spcBef>
-        <a:buFont typeface="Arial" panose="020B0604020202020204" pitchFamily="34" charset="0"/>
+        <a:buFont typeface="Arial" panose="020B0604020202090204" pitchFamily="34" charset="0"/>
         <a:buChar char="•"/>
         <a:defRPr sz="1800" kern="1200">
           <a:solidFill>
@@ -7253,7 +7601,7 @@
         <a:spcBef>
           <a:spcPts val="500"/>
         </a:spcBef>
-        <a:buFont typeface="Arial" panose="020B0604020202020204" pitchFamily="34" charset="0"/>
+        <a:buFont typeface="Arial" panose="020B0604020202090204" pitchFamily="34" charset="0"/>
         <a:buChar char="•"/>
         <a:defRPr sz="1800" kern="1200">
           <a:solidFill>
@@ -7271,7 +7619,7 @@
         <a:spcBef>
           <a:spcPts val="500"/>
         </a:spcBef>
-        <a:buFont typeface="Arial" panose="020B0604020202020204" pitchFamily="34" charset="0"/>
+        <a:buFont typeface="Arial" panose="020B0604020202090204" pitchFamily="34" charset="0"/>
         <a:buChar char="•"/>
         <a:defRPr sz="1800" kern="1200">
           <a:solidFill>
@@ -9156,17 +9504,9 @@
   <p:cSld>
     <p:bg>
       <p:bgPr>
-        <a:gradFill>
-          <a:gsLst>
-            <a:gs pos="0">
-              <a:srgbClr val="E30000"/>
-            </a:gs>
-            <a:gs pos="100000">
-              <a:srgbClr val="760303"/>
-            </a:gs>
-          </a:gsLst>
-          <a:lin ang="5400000" scaled="0"/>
-        </a:gradFill>
+        <a:solidFill>
+          <a:schemeClr val="bg1"/>
+        </a:solidFill>
         <a:effectLst/>
       </p:bgPr>
     </p:bg>
@@ -9177,130 +9517,109 @@
         <p:nvPr/>
       </p:nvGrpSpPr>
       <p:grpSpPr/>
-      <p:grpSp>
-        <p:nvGrpSpPr>
-          <p:cNvPr id="6" name="Group 5"/>
-          <p:cNvGrpSpPr/>
+      <p:graphicFrame>
+        <p:nvGraphicFramePr>
+          <p:cNvPr id="4" name="Chart 3"/>
+          <p:cNvGraphicFramePr/>
           <p:nvPr/>
-        </p:nvGrpSpPr>
-        <p:grpSpPr>
+        </p:nvGraphicFramePr>
+        <p:xfrm>
+          <a:off x="2306320" y="1138555"/>
+          <a:ext cx="4009390" cy="4170045"/>
+        </p:xfrm>
+        <a:graphic>
+          <a:graphicData uri="http://schemas.openxmlformats.org/drawingml/2006/chart">
+            <c:chart xmlns:c="http://schemas.openxmlformats.org/drawingml/2006/chart" xmlns:r="http://schemas.openxmlformats.org/officeDocument/2006/relationships" r:id="rId1"/>
+          </a:graphicData>
+        </a:graphic>
+      </p:graphicFrame>
+      <p:sp>
+        <p:nvSpPr>
+          <p:cNvPr id="2" name="Round Single Corner Rectangle 1"/>
+          <p:cNvSpPr/>
+          <p:nvPr/>
+        </p:nvSpPr>
+        <p:spPr>
+          <a:xfrm rot="20220000">
+            <a:off x="6634480" y="1518285"/>
+            <a:ext cx="2625725" cy="2704465"/>
+          </a:xfrm>
+          <a:prstGeom prst="round1Rect">
+            <a:avLst/>
+          </a:prstGeom>
+          <a:ln w="28575" cap="flat" cmpd="thickThin">
+            <a:solidFill>
+              <a:schemeClr val="accent1">
+                <a:shade val="50000"/>
+              </a:schemeClr>
+            </a:solidFill>
+            <a:prstDash val="sysDot"/>
+            <a:miter lim="800000"/>
+          </a:ln>
+        </p:spPr>
+        <p:style>
+          <a:lnRef idx="2">
+            <a:schemeClr val="accent1">
+              <a:lumMod val="75000"/>
+            </a:schemeClr>
+          </a:lnRef>
+          <a:fillRef idx="1">
+            <a:schemeClr val="accent1"/>
+          </a:fillRef>
+          <a:effectRef idx="0">
+            <a:srgbClr val="FFFFFF"/>
+          </a:effectRef>
+          <a:fontRef idx="minor">
+            <a:schemeClr val="lt1"/>
+          </a:fontRef>
+        </p:style>
+        <p:txBody>
+          <a:bodyPr rtlCol="0" anchor="ctr"/>
+          <a:p>
+            <a:pPr algn="ctr"/>
+            <a:endParaRPr lang="en-US"/>
+          </a:p>
+        </p:txBody>
+      </p:sp>
+      <p:sp>
+        <p:nvSpPr>
+          <p:cNvPr id="5" name="Hexagon 4"/>
+          <p:cNvSpPr/>
+          <p:nvPr/>
+        </p:nvSpPr>
+        <p:spPr>
           <a:xfrm>
-            <a:off x="1778635" y="1466215"/>
-            <a:ext cx="9785985" cy="2880360"/>
-            <a:chOff x="2801" y="2309"/>
-            <a:chExt cx="15411" cy="4536"/>
+            <a:off x="9712960" y="1818640"/>
+            <a:ext cx="1852295" cy="1679575"/>
           </a:xfrm>
-        </p:grpSpPr>
-        <p:grpSp>
-          <p:nvGrpSpPr>
-            <p:cNvPr id="3" name="Group 2"/>
-            <p:cNvGrpSpPr/>
-            <p:nvPr/>
-          </p:nvGrpSpPr>
-          <p:grpSpPr>
-            <a:xfrm>
-              <a:off x="2801" y="2309"/>
-              <a:ext cx="11781" cy="4536"/>
-              <a:chOff x="2801" y="2309"/>
-              <a:chExt cx="11781" cy="4536"/>
-            </a:xfrm>
-          </p:grpSpPr>
-          <p:graphicFrame>
-            <p:nvGraphicFramePr>
-              <p:cNvPr id="4" name="Chart 3"/>
-              <p:cNvGraphicFramePr/>
-              <p:nvPr/>
-            </p:nvGraphicFramePr>
-            <p:xfrm>
-              <a:off x="2801" y="2309"/>
-              <a:ext cx="6065" cy="4537"/>
-            </p:xfrm>
-            <a:graphic>
-              <a:graphicData uri="http://schemas.openxmlformats.org/drawingml/2006/chart">
-                <c:chart xmlns:c="http://schemas.openxmlformats.org/drawingml/2006/chart" xmlns:r="http://schemas.openxmlformats.org/officeDocument/2006/relationships" r:id="rId1"/>
-              </a:graphicData>
-            </a:graphic>
-          </p:graphicFrame>
-          <p:sp>
-            <p:nvSpPr>
-              <p:cNvPr id="2" name="Round Single Corner Rectangle 1"/>
-              <p:cNvSpPr/>
-              <p:nvPr/>
-            </p:nvSpPr>
-            <p:spPr>
-              <a:xfrm>
-                <a:off x="10448" y="2391"/>
-                <a:ext cx="4135" cy="4259"/>
-              </a:xfrm>
-              <a:prstGeom prst="round1Rect">
-                <a:avLst/>
-              </a:prstGeom>
-            </p:spPr>
-            <p:style>
-              <a:lnRef idx="2">
-                <a:schemeClr val="accent1">
-                  <a:lumMod val="75000"/>
-                </a:schemeClr>
-              </a:lnRef>
-              <a:fillRef idx="1">
-                <a:schemeClr val="accent1"/>
-              </a:fillRef>
-              <a:effectRef idx="0">
-                <a:srgbClr val="FFFFFF"/>
-              </a:effectRef>
-              <a:fontRef idx="minor">
-                <a:schemeClr val="lt1"/>
-              </a:fontRef>
-            </p:style>
-            <p:txBody>
-              <a:bodyPr rtlCol="0" anchor="ctr"/>
-              <a:p>
-                <a:pPr algn="ctr"/>
-                <a:endParaRPr lang="en-US"/>
-              </a:p>
-            </p:txBody>
-          </p:sp>
-        </p:grpSp>
-        <p:sp>
-          <p:nvSpPr>
-            <p:cNvPr id="5" name="Hexagon 4"/>
-            <p:cNvSpPr/>
-            <p:nvPr/>
-          </p:nvSpPr>
-          <p:spPr>
-            <a:xfrm>
-              <a:off x="15296" y="2864"/>
-              <a:ext cx="2917" cy="2645"/>
-            </a:xfrm>
-            <a:prstGeom prst="hexagon">
-              <a:avLst/>
-            </a:prstGeom>
-          </p:spPr>
-          <p:style>
-            <a:lnRef idx="2">
-              <a:schemeClr val="accent1">
-                <a:lumMod val="75000"/>
-              </a:schemeClr>
-            </a:lnRef>
-            <a:fillRef idx="1">
-              <a:schemeClr val="accent1"/>
-            </a:fillRef>
-            <a:effectRef idx="0">
-              <a:srgbClr val="FFFFFF"/>
-            </a:effectRef>
-            <a:fontRef idx="minor">
-              <a:schemeClr val="lt1"/>
-            </a:fontRef>
-          </p:style>
-          <p:txBody>
-            <a:bodyPr rtlCol="0" anchor="ctr"/>
-            <a:p>
-              <a:pPr algn="ctr"/>
-              <a:endParaRPr lang="en-US"/>
-            </a:p>
-          </p:txBody>
-        </p:sp>
-      </p:grpSp>
+          <a:prstGeom prst="hexagon">
+            <a:avLst/>
+          </a:prstGeom>
+        </p:spPr>
+        <p:style>
+          <a:lnRef idx="2">
+            <a:schemeClr val="accent1">
+              <a:lumMod val="75000"/>
+            </a:schemeClr>
+          </a:lnRef>
+          <a:fillRef idx="1">
+            <a:schemeClr val="accent1"/>
+          </a:fillRef>
+          <a:effectRef idx="0">
+            <a:srgbClr val="FFFFFF"/>
+          </a:effectRef>
+          <a:fontRef idx="minor">
+            <a:schemeClr val="lt1"/>
+          </a:fontRef>
+        </p:style>
+        <p:txBody>
+          <a:bodyPr rtlCol="0" anchor="ctr"/>
+          <a:p>
+            <a:pPr algn="ctr"/>
+            <a:endParaRPr lang="en-US"/>
+          </a:p>
+        </p:txBody>
+      </p:sp>
     </p:spTree>
   </p:cSld>
   <p:clrMapOvr>
@@ -11627,12 +11946,12 @@
           <a:graphicData uri="http://schemas.openxmlformats.org/presentationml/2006/ole">
             <mc:AlternateContent xmlns:mc="http://schemas.openxmlformats.org/markup-compatibility/2006">
               <mc:Choice xmlns:v="urn:schemas-microsoft-com:vml" Requires="v">
-                <p:oleObj spid="_x0000_s1137" name="Presentation" r:id="rId9" imgW="6087110" imgH="3424555" progId="PowerPoint.Show.12">
+                <p:oleObj spid="_x0000_s1137" name="Presentation" r:id="rId9" imgW="6085840" imgH="3423285" progId="PowerPoint.Show.12">
                   <p:embed/>
                 </p:oleObj>
               </mc:Choice>
               <mc:Fallback>
-                <p:oleObj name="Presentation" r:id="rId9" imgW="6087110" imgH="3424555" progId="PowerPoint.Show.12">
+                <p:oleObj name="Presentation" r:id="rId9" imgW="6085840" imgH="3423285" progId="PowerPoint.Show.12">
                   <p:embed/>
                   <p:pic>
                     <p:nvPicPr>
@@ -11678,12 +11997,12 @@
           <a:graphicData uri="http://schemas.openxmlformats.org/presentationml/2006/ole">
             <mc:AlternateContent xmlns:mc="http://schemas.openxmlformats.org/markup-compatibility/2006">
               <mc:Choice xmlns:v="urn:schemas-microsoft-com:vml" Requires="v">
-                <p:oleObj spid="_x0000_s1138" name="Document" r:id="rId11" imgW="5278120" imgH="199390" progId="Word.Document.12">
+                <p:oleObj spid="_x0000_s1138" name="Document" r:id="rId11" imgW="5276215" imgH="197485" progId="Word.Document.12">
                   <p:embed/>
                 </p:oleObj>
               </mc:Choice>
               <mc:Fallback>
-                <p:oleObj name="Document" r:id="rId11" imgW="5278120" imgH="199390" progId="Word.Document.12">
+                <p:oleObj name="Document" r:id="rId11" imgW="5276215" imgH="197485" progId="Word.Document.12">
                   <p:embed/>
                   <p:pic>
                     <p:nvPicPr>
@@ -11729,12 +12048,12 @@
           <a:graphicData uri="http://schemas.openxmlformats.org/presentationml/2006/ole">
             <mc:AlternateContent xmlns:mc="http://schemas.openxmlformats.org/markup-compatibility/2006">
               <mc:Choice xmlns:v="urn:schemas-microsoft-com:vml" Requires="v">
-                <p:oleObj spid="_x0000_s1139" name="Worksheet" r:id="rId13" imgW="1194435" imgH="523875" progId="Excel.Sheet.12">
+                <p:oleObj spid="_x0000_s1139" name="Worksheet" r:id="rId13" imgW="1187450" imgH="516255" progId="Excel.Sheet.12">
                   <p:embed/>
                 </p:oleObj>
               </mc:Choice>
               <mc:Fallback>
-                <p:oleObj name="Worksheet" r:id="rId13" imgW="1194435" imgH="523875" progId="Excel.Sheet.12">
+                <p:oleObj name="Worksheet" r:id="rId13" imgW="1187450" imgH="516255" progId="Excel.Sheet.12">
                   <p:embed/>
                   <p:pic>
                     <p:nvPicPr>
@@ -11780,12 +12099,12 @@
           <a:graphicData uri="http://schemas.openxmlformats.org/presentationml/2006/ole">
             <mc:AlternateContent xmlns:mc="http://schemas.openxmlformats.org/markup-compatibility/2006">
               <mc:Choice xmlns:v="urn:schemas-microsoft-com:vml" Requires="v">
-                <p:oleObj spid="_x0000_s1140" name="包装程序外壳对象" showAsIcon="1" r:id="rId15" imgW="538480" imgH="508635" progId="Package">
+                <p:oleObj spid="_x0000_s1140" name="包装程序外壳对象" showAsIcon="1" r:id="rId15" imgW="530860" imgH="501650" progId="Package">
                   <p:embed/>
                 </p:oleObj>
               </mc:Choice>
               <mc:Fallback>
-                <p:oleObj name="包装程序外壳对象" showAsIcon="1" r:id="rId15" imgW="538480" imgH="508635" progId="Package">
+                <p:oleObj name="包装程序外壳对象" showAsIcon="1" r:id="rId15" imgW="530860" imgH="501650" progId="Package">
                   <p:embed/>
                   <p:pic>
                     <p:nvPicPr>
@@ -12950,7 +13269,7 @@
               <a:lnSpc>
                 <a:spcPct val="200000"/>
               </a:lnSpc>
-              <a:buFont typeface="Arial" panose="020B0604020202020204" pitchFamily="34" charset="0"/>
+              <a:buFont typeface="Arial" panose="020B0604020202090204" pitchFamily="34" charset="0"/>
               <a:buChar char="•"/>
             </a:pPr>
             <a:r>

--- a/assets/ppt/simple.pptx
+++ b/assets/ppt/simple.pptx
@@ -127,7 +127,7 @@
             <a:srgbClr val="A4A3A4"/>
           </p15:clr>
         </p15:guide>
-        <p15:guide id="2" pos="3840" userDrawn="1">
+        <p15:guide id="2" pos="3812" userDrawn="1">
           <p15:clr>
             <a:srgbClr val="A4A3A4"/>
           </p15:clr>
@@ -153,730 +153,6 @@
   </mc:AlternateContent>
   <c:chart>
     <c:title>
-      <c:tx>
-        <c:rich>
-          <a:bodyPr rot="0" spcFirstLastPara="0" vertOverflow="ellipsis" vert="horz" wrap="square" anchor="ctr" anchorCtr="1"/>
-          <a:lstStyle/>
-          <a:p>
-            <a:pPr defTabSz="914400">
-              <a:defRPr lang="en-US" sz="1600" b="1" i="0" u="none" strike="noStrike" kern="1200" spc="100" baseline="0">
-                <a:solidFill>
-                  <a:schemeClr val="lt1">
-                    <a:lumMod val="95000"/>
-                  </a:schemeClr>
-                </a:solidFill>
-                <a:effectLst>
-                  <a:outerShdw blurRad="50800" dist="38100" dir="5400000" algn="t" rotWithShape="0">
-                    <a:prstClr val="black">
-                      <a:alpha val="40000"/>
-                    </a:prstClr>
-                  </a:outerShdw>
-                </a:effectLst>
-                <a:latin typeface="+mn-lt"/>
-                <a:ea typeface="+mn-ea"/>
-                <a:cs typeface="+mn-cs"/>
-              </a:defRPr>
-            </a:pPr>
-            <a:r>
-              <a:t>图标题</a:t>
-            </a:r>
-          </a:p>
-        </c:rich>
-      </c:tx>
-      <c:layout/>
-      <c:overlay val="0"/>
-      <c:spPr>
-        <a:noFill/>
-        <a:ln>
-          <a:noFill/>
-        </a:ln>
-        <a:effectLst/>
-      </c:spPr>
-    </c:title>
-    <c:autoTitleDeleted val="0"/>
-    <c:plotArea>
-      <c:layout>
-        <c:manualLayout>
-          <c:layoutTarget val="inner"/>
-          <c:xMode val="edge"/>
-          <c:yMode val="edge"/>
-          <c:x val="0.0158388264785071"/>
-          <c:y val="0.11433611289288"/>
-          <c:w val="0.94609599851453"/>
-          <c:h val="0.727934573444516"/>
-        </c:manualLayout>
-      </c:layout>
-      <c:barChart>
-        <c:barDir val="col"/>
-        <c:grouping val="clustered"/>
-        <c:varyColors val="0"/>
-        <c:ser>
-          <c:idx val="0"/>
-          <c:order val="0"/>
-          <c:tx>
-            <c:strRef>
-              <c:f>Sheet1!$B$1</c:f>
-              <c:strCache>
-                <c:ptCount val="1"/>
-                <c:pt idx="0">
-                  <c:v>Series 1</c:v>
-                </c:pt>
-              </c:strCache>
-            </c:strRef>
-          </c:tx>
-          <c:spPr>
-            <a:gradFill rotWithShape="1">
-              <a:gsLst>
-                <a:gs pos="0">
-                  <a:schemeClr val="accent1">
-                    <a:satMod val="103000"/>
-                    <a:lumMod val="102000"/>
-                    <a:tint val="94000"/>
-                  </a:schemeClr>
-                </a:gs>
-                <a:gs pos="50000">
-                  <a:schemeClr val="accent1">
-                    <a:satMod val="110000"/>
-                    <a:lumMod val="100000"/>
-                    <a:shade val="100000"/>
-                  </a:schemeClr>
-                </a:gs>
-                <a:gs pos="100000">
-                  <a:schemeClr val="accent1">
-                    <a:lumMod val="99000"/>
-                    <a:satMod val="120000"/>
-                    <a:shade val="78000"/>
-                  </a:schemeClr>
-                </a:gs>
-              </a:gsLst>
-              <a:lin ang="5400000" scaled="0"/>
-            </a:gradFill>
-            <a:ln>
-              <a:noFill/>
-            </a:ln>
-            <a:effectLst>
-              <a:outerShdw blurRad="57150" dist="19050" dir="5400000" algn="ctr" rotWithShape="0">
-                <a:srgbClr val="000000">
-                  <a:alpha val="63000"/>
-                </a:srgbClr>
-              </a:outerShdw>
-            </a:effectLst>
-          </c:spPr>
-          <c:invertIfNegative val="0"/>
-          <c:dLbls>
-            <c:dLbl>
-              <c:idx val="3"/>
-              <c:layout/>
-              <c:tx>
-                <c:rich>
-                  <a:bodyPr rot="0" spcFirstLastPara="0" vertOverflow="ellipsis" vert="horz" wrap="square" lIns="38100" tIns="19050" rIns="38100" bIns="19050" anchor="ctr" anchorCtr="1"/>
-                  <a:lstStyle/>
-                  <a:p>
-                    <a:pPr defTabSz="914400">
-                      <a:defRPr lang="en-US" sz="900" b="0" i="0" u="none" strike="noStrike" kern="1200" baseline="0">
-                        <a:solidFill>
-                          <a:schemeClr val="lt1">
-                            <a:lumMod val="85000"/>
-                          </a:schemeClr>
-                        </a:solidFill>
-                        <a:latin typeface="+mn-lt"/>
-                        <a:ea typeface="+mn-ea"/>
-                        <a:cs typeface="+mn-cs"/>
-                      </a:defRPr>
-                    </a:pPr>
-                    <a:r>
-                      <a:t>4.5</a:t>
-                    </a:r>
-                  </a:p>
-                </c:rich>
-              </c:tx>
-              <c:dLblPos val="outEnd"/>
-              <c:showLegendKey val="0"/>
-              <c:showVal val="1"/>
-              <c:showCatName val="0"/>
-              <c:showSerName val="0"/>
-              <c:showPercent val="0"/>
-              <c:showBubbleSize val="0"/>
-              <c:extLst>
-                <c:ext xmlns:c15="http://schemas.microsoft.com/office/drawing/2012/chart" uri="{CE6537A1-D6FC-4f65-9D91-7224C49458BB}"/>
-              </c:extLst>
-            </c:dLbl>
-            <c:spPr>
-              <a:noFill/>
-              <a:ln>
-                <a:noFill/>
-              </a:ln>
-              <a:effectLst/>
-            </c:spPr>
-            <c:txPr>
-              <a:bodyPr rot="0" spcFirstLastPara="0" vertOverflow="ellipsis" vert="horz" wrap="square" lIns="38100" tIns="19050" rIns="38100" bIns="19050" anchor="ctr" anchorCtr="1"/>
-              <a:lstStyle/>
-              <a:p>
-                <a:pPr>
-                  <a:defRPr lang="en-US" sz="900" b="0" i="0" u="none" strike="noStrike" kern="1200" baseline="0">
-                    <a:solidFill>
-                      <a:schemeClr val="lt1">
-                        <a:lumMod val="85000"/>
-                      </a:schemeClr>
-                    </a:solidFill>
-                    <a:latin typeface="+mn-lt"/>
-                    <a:ea typeface="+mn-ea"/>
-                    <a:cs typeface="+mn-cs"/>
-                  </a:defRPr>
-                </a:pPr>
-              </a:p>
-            </c:txPr>
-            <c:dLblPos val="outEnd"/>
-            <c:showLegendKey val="0"/>
-            <c:showVal val="1"/>
-            <c:showCatName val="0"/>
-            <c:showSerName val="0"/>
-            <c:showPercent val="0"/>
-            <c:showBubbleSize val="0"/>
-            <c:showLeaderLines val="0"/>
-            <c:extLst>
-              <c:ext xmlns:c15="http://schemas.microsoft.com/office/drawing/2012/chart" uri="{CE6537A1-D6FC-4f65-9D91-7224C49458BB}">
-                <c15:layout/>
-                <c15:showLeaderLines val="1"/>
-                <c15:leaderLines>
-                  <c:spPr>
-                    <a:ln w="9525">
-                      <a:solidFill>
-                        <a:schemeClr val="lt1">
-                          <a:lumMod val="95000"/>
-                          <a:alpha val="54000"/>
-                        </a:schemeClr>
-                      </a:solidFill>
-                    </a:ln>
-                    <a:effectLst/>
-                  </c:spPr>
-                </c15:leaderLines>
-              </c:ext>
-            </c:extLst>
-          </c:dLbls>
-          <c:cat>
-            <c:strRef>
-              <c:f>Sheet1!$A$2:$A$5</c:f>
-              <c:strCache>
-                <c:ptCount val="4"/>
-                <c:pt idx="0">
-                  <c:v>Category 1</c:v>
-                </c:pt>
-                <c:pt idx="1">
-                  <c:v>Category 2</c:v>
-                </c:pt>
-                <c:pt idx="2">
-                  <c:v>Category 3</c:v>
-                </c:pt>
-                <c:pt idx="3">
-                  <c:v>Category 4</c:v>
-                </c:pt>
-              </c:strCache>
-            </c:strRef>
-          </c:cat>
-          <c:val>
-            <c:numRef>
-              <c:f>Sheet1!$B$2:$B$5</c:f>
-              <c:numCache>
-                <c:formatCode>General</c:formatCode>
-                <c:ptCount val="4"/>
-                <c:pt idx="0">
-                  <c:v>4.3</c:v>
-                </c:pt>
-                <c:pt idx="1">
-                  <c:v>2.5</c:v>
-                </c:pt>
-                <c:pt idx="2">
-                  <c:v>3.5</c:v>
-                </c:pt>
-                <c:pt idx="3">
-                  <c:v>4.5</c:v>
-                </c:pt>
-              </c:numCache>
-            </c:numRef>
-          </c:val>
-        </c:ser>
-        <c:ser>
-          <c:idx val="1"/>
-          <c:order val="1"/>
-          <c:tx>
-            <c:strRef>
-              <c:f>Sheet1!$C$1</c:f>
-              <c:strCache>
-                <c:ptCount val="1"/>
-                <c:pt idx="0">
-                  <c:v>Series 2</c:v>
-                </c:pt>
-              </c:strCache>
-            </c:strRef>
-          </c:tx>
-          <c:spPr>
-            <a:gradFill rotWithShape="1">
-              <a:gsLst>
-                <a:gs pos="0">
-                  <a:schemeClr val="accent2">
-                    <a:satMod val="103000"/>
-                    <a:lumMod val="102000"/>
-                    <a:tint val="94000"/>
-                  </a:schemeClr>
-                </a:gs>
-                <a:gs pos="50000">
-                  <a:schemeClr val="accent2">
-                    <a:satMod val="110000"/>
-                    <a:lumMod val="100000"/>
-                    <a:shade val="100000"/>
-                  </a:schemeClr>
-                </a:gs>
-                <a:gs pos="100000">
-                  <a:schemeClr val="accent2">
-                    <a:lumMod val="99000"/>
-                    <a:satMod val="120000"/>
-                    <a:shade val="78000"/>
-                  </a:schemeClr>
-                </a:gs>
-              </a:gsLst>
-              <a:lin ang="5400000" scaled="0"/>
-            </a:gradFill>
-            <a:ln>
-              <a:noFill/>
-            </a:ln>
-            <a:effectLst>
-              <a:outerShdw blurRad="57150" dist="19050" dir="5400000" algn="ctr" rotWithShape="0">
-                <a:srgbClr val="000000">
-                  <a:alpha val="63000"/>
-                </a:srgbClr>
-              </a:outerShdw>
-            </a:effectLst>
-          </c:spPr>
-          <c:invertIfNegative val="0"/>
-          <c:dLbls>
-            <c:spPr>
-              <a:noFill/>
-              <a:ln>
-                <a:noFill/>
-              </a:ln>
-              <a:effectLst/>
-            </c:spPr>
-            <c:txPr>
-              <a:bodyPr rot="0" spcFirstLastPara="0" vertOverflow="ellipsis" vert="horz" wrap="square" lIns="38100" tIns="19050" rIns="38100" bIns="19050" anchor="ctr" anchorCtr="1"/>
-              <a:lstStyle/>
-              <a:p>
-                <a:pPr>
-                  <a:defRPr lang="en-US" sz="900" b="0" i="0" u="none" strike="noStrike" kern="1200" baseline="0">
-                    <a:solidFill>
-                      <a:schemeClr val="lt1">
-                        <a:lumMod val="85000"/>
-                      </a:schemeClr>
-                    </a:solidFill>
-                    <a:latin typeface="+mn-lt"/>
-                    <a:ea typeface="+mn-ea"/>
-                    <a:cs typeface="+mn-cs"/>
-                  </a:defRPr>
-                </a:pPr>
-              </a:p>
-            </c:txPr>
-            <c:dLblPos val="outEnd"/>
-            <c:showLegendKey val="0"/>
-            <c:showVal val="1"/>
-            <c:showCatName val="0"/>
-            <c:showSerName val="0"/>
-            <c:showPercent val="0"/>
-            <c:showBubbleSize val="0"/>
-            <c:showLeaderLines val="0"/>
-            <c:extLst>
-              <c:ext xmlns:c15="http://schemas.microsoft.com/office/drawing/2012/chart" uri="{CE6537A1-D6FC-4f65-9D91-7224C49458BB}">
-                <c15:layout/>
-                <c15:showLeaderLines val="1"/>
-                <c15:leaderLines>
-                  <c:spPr>
-                    <a:ln w="9525">
-                      <a:solidFill>
-                        <a:schemeClr val="lt1">
-                          <a:lumMod val="95000"/>
-                          <a:alpha val="54000"/>
-                        </a:schemeClr>
-                      </a:solidFill>
-                    </a:ln>
-                    <a:effectLst/>
-                  </c:spPr>
-                </c15:leaderLines>
-              </c:ext>
-            </c:extLst>
-          </c:dLbls>
-          <c:cat>
-            <c:strRef>
-              <c:f>Sheet1!$A$2:$A$5</c:f>
-              <c:strCache>
-                <c:ptCount val="4"/>
-                <c:pt idx="0">
-                  <c:v>Category 1</c:v>
-                </c:pt>
-                <c:pt idx="1">
-                  <c:v>Category 2</c:v>
-                </c:pt>
-                <c:pt idx="2">
-                  <c:v>Category 3</c:v>
-                </c:pt>
-                <c:pt idx="3">
-                  <c:v>Category 4</c:v>
-                </c:pt>
-              </c:strCache>
-            </c:strRef>
-          </c:cat>
-          <c:val>
-            <c:numRef>
-              <c:f>Sheet1!$C$2:$C$5</c:f>
-              <c:numCache>
-                <c:formatCode>General</c:formatCode>
-                <c:ptCount val="4"/>
-                <c:pt idx="0">
-                  <c:v>2.4</c:v>
-                </c:pt>
-                <c:pt idx="1">
-                  <c:v>10</c:v>
-                </c:pt>
-                <c:pt idx="2">
-                  <c:v>1.8</c:v>
-                </c:pt>
-                <c:pt idx="3">
-                  <c:v>2.8</c:v>
-                </c:pt>
-              </c:numCache>
-            </c:numRef>
-          </c:val>
-        </c:ser>
-        <c:ser>
-          <c:idx val="2"/>
-          <c:order val="2"/>
-          <c:tx>
-            <c:strRef>
-              <c:f>Sheet1!$D$1</c:f>
-              <c:strCache>
-                <c:ptCount val="1"/>
-                <c:pt idx="0">
-                  <c:v>Series 3</c:v>
-                </c:pt>
-              </c:strCache>
-            </c:strRef>
-          </c:tx>
-          <c:spPr>
-            <a:gradFill rotWithShape="1">
-              <a:gsLst>
-                <a:gs pos="0">
-                  <a:schemeClr val="accent3">
-                    <a:satMod val="103000"/>
-                    <a:lumMod val="102000"/>
-                    <a:tint val="94000"/>
-                  </a:schemeClr>
-                </a:gs>
-                <a:gs pos="50000">
-                  <a:schemeClr val="accent3">
-                    <a:satMod val="110000"/>
-                    <a:lumMod val="100000"/>
-                    <a:shade val="100000"/>
-                  </a:schemeClr>
-                </a:gs>
-                <a:gs pos="100000">
-                  <a:schemeClr val="accent3">
-                    <a:lumMod val="99000"/>
-                    <a:satMod val="120000"/>
-                    <a:shade val="78000"/>
-                  </a:schemeClr>
-                </a:gs>
-              </a:gsLst>
-              <a:lin ang="5400000" scaled="0"/>
-            </a:gradFill>
-            <a:ln>
-              <a:noFill/>
-            </a:ln>
-            <a:effectLst>
-              <a:outerShdw blurRad="57150" dist="19050" dir="5400000" algn="ctr" rotWithShape="0">
-                <a:srgbClr val="000000">
-                  <a:alpha val="63000"/>
-                </a:srgbClr>
-              </a:outerShdw>
-            </a:effectLst>
-          </c:spPr>
-          <c:invertIfNegative val="0"/>
-          <c:dLbls>
-            <c:spPr>
-              <a:noFill/>
-              <a:ln>
-                <a:noFill/>
-              </a:ln>
-              <a:effectLst/>
-            </c:spPr>
-            <c:txPr>
-              <a:bodyPr rot="0" spcFirstLastPara="0" vertOverflow="ellipsis" vert="horz" wrap="square" lIns="38100" tIns="19050" rIns="38100" bIns="19050" anchor="ctr" anchorCtr="1"/>
-              <a:lstStyle/>
-              <a:p>
-                <a:pPr>
-                  <a:defRPr lang="en-US" sz="900" b="0" i="0" u="none" strike="noStrike" kern="1200" baseline="0">
-                    <a:solidFill>
-                      <a:schemeClr val="lt1">
-                        <a:lumMod val="85000"/>
-                      </a:schemeClr>
-                    </a:solidFill>
-                    <a:latin typeface="+mn-lt"/>
-                    <a:ea typeface="+mn-ea"/>
-                    <a:cs typeface="+mn-cs"/>
-                  </a:defRPr>
-                </a:pPr>
-              </a:p>
-            </c:txPr>
-            <c:dLblPos val="outEnd"/>
-            <c:showLegendKey val="0"/>
-            <c:showVal val="1"/>
-            <c:showCatName val="0"/>
-            <c:showSerName val="0"/>
-            <c:showPercent val="0"/>
-            <c:showBubbleSize val="0"/>
-            <c:showLeaderLines val="0"/>
-            <c:extLst>
-              <c:ext xmlns:c15="http://schemas.microsoft.com/office/drawing/2012/chart" uri="{CE6537A1-D6FC-4f65-9D91-7224C49458BB}">
-                <c15:layout/>
-                <c15:showLeaderLines val="1"/>
-                <c15:leaderLines>
-                  <c:spPr>
-                    <a:ln w="9525">
-                      <a:solidFill>
-                        <a:schemeClr val="lt1">
-                          <a:lumMod val="95000"/>
-                          <a:alpha val="54000"/>
-                        </a:schemeClr>
-                      </a:solidFill>
-                    </a:ln>
-                    <a:effectLst/>
-                  </c:spPr>
-                </c15:leaderLines>
-              </c:ext>
-            </c:extLst>
-          </c:dLbls>
-          <c:cat>
-            <c:strRef>
-              <c:f>Sheet1!$A$2:$A$5</c:f>
-              <c:strCache>
-                <c:ptCount val="4"/>
-                <c:pt idx="0">
-                  <c:v>Category 1</c:v>
-                </c:pt>
-                <c:pt idx="1">
-                  <c:v>Category 2</c:v>
-                </c:pt>
-                <c:pt idx="2">
-                  <c:v>Category 3</c:v>
-                </c:pt>
-                <c:pt idx="3">
-                  <c:v>Category 4</c:v>
-                </c:pt>
-              </c:strCache>
-            </c:strRef>
-          </c:cat>
-          <c:val>
-            <c:numRef>
-              <c:f>Sheet1!$D$2:$D$5</c:f>
-              <c:numCache>
-                <c:formatCode>General</c:formatCode>
-                <c:ptCount val="4"/>
-                <c:pt idx="0">
-                  <c:v>2</c:v>
-                </c:pt>
-                <c:pt idx="1">
-                  <c:v>2</c:v>
-                </c:pt>
-                <c:pt idx="2">
-                  <c:v>3</c:v>
-                </c:pt>
-                <c:pt idx="3">
-                  <c:v>5</c:v>
-                </c:pt>
-              </c:numCache>
-            </c:numRef>
-          </c:val>
-        </c:ser>
-        <c:dLbls>
-          <c:showLegendKey val="0"/>
-          <c:showVal val="1"/>
-          <c:showCatName val="0"/>
-          <c:showSerName val="0"/>
-          <c:showPercent val="0"/>
-          <c:showBubbleSize val="0"/>
-        </c:dLbls>
-        <c:gapWidth val="100"/>
-        <c:overlap val="-24"/>
-        <c:axId val="522256276"/>
-        <c:axId val="501909773"/>
-      </c:barChart>
-      <c:catAx>
-        <c:axId val="522256276"/>
-        <c:scaling>
-          <c:orientation val="minMax"/>
-        </c:scaling>
-        <c:delete val="0"/>
-        <c:axPos val="b"/>
-        <c:title>
-          <c:layout/>
-          <c:overlay val="0"/>
-          <c:spPr>
-            <a:noFill/>
-            <a:ln>
-              <a:noFill/>
-            </a:ln>
-            <a:effectLst/>
-          </c:spPr>
-          <c:txPr>
-            <a:bodyPr rot="0" spcFirstLastPara="0" vertOverflow="ellipsis" vert="horz" wrap="square" anchor="ctr" anchorCtr="1"/>
-            <a:lstStyle/>
-            <a:p>
-              <a:pPr>
-                <a:defRPr lang="en-US" sz="900" b="1" i="0" u="none" strike="noStrike" kern="1200" cap="all" baseline="0">
-                  <a:solidFill>
-                    <a:schemeClr val="lt1">
-                      <a:lumMod val="85000"/>
-                    </a:schemeClr>
-                  </a:solidFill>
-                  <a:latin typeface="+mn-lt"/>
-                  <a:ea typeface="+mn-ea"/>
-                  <a:cs typeface="+mn-cs"/>
-                </a:defRPr>
-              </a:pPr>
-            </a:p>
-          </c:txPr>
-        </c:title>
-        <c:majorTickMark val="none"/>
-        <c:minorTickMark val="none"/>
-        <c:tickLblPos val="nextTo"/>
-        <c:spPr>
-          <a:noFill/>
-          <a:ln w="12700" cap="flat" cmpd="sng" algn="ctr">
-            <a:solidFill>
-              <a:schemeClr val="lt1">
-                <a:lumMod val="95000"/>
-                <a:alpha val="54000"/>
-              </a:schemeClr>
-            </a:solidFill>
-            <a:round/>
-          </a:ln>
-          <a:effectLst/>
-        </c:spPr>
-        <c:txPr>
-          <a:bodyPr rot="-60000000" spcFirstLastPara="0" vertOverflow="ellipsis" vert="horz" wrap="square" anchor="ctr" anchorCtr="1"/>
-          <a:lstStyle/>
-          <a:p>
-            <a:pPr>
-              <a:defRPr lang="en-US" sz="900" b="0" i="0" u="none" strike="noStrike" kern="1200" baseline="0">
-                <a:solidFill>
-                  <a:schemeClr val="lt1">
-                    <a:lumMod val="85000"/>
-                  </a:schemeClr>
-                </a:solidFill>
-                <a:latin typeface="+mn-lt"/>
-                <a:ea typeface="+mn-ea"/>
-                <a:cs typeface="+mn-cs"/>
-              </a:defRPr>
-            </a:pPr>
-          </a:p>
-        </c:txPr>
-        <c:crossAx val="501909773"/>
-        <c:crosses val="autoZero"/>
-        <c:auto val="1"/>
-        <c:lblAlgn val="ctr"/>
-        <c:lblOffset val="100"/>
-        <c:noMultiLvlLbl val="0"/>
-      </c:catAx>
-      <c:valAx>
-        <c:axId val="501909773"/>
-        <c:scaling>
-          <c:orientation val="minMax"/>
-        </c:scaling>
-        <c:delete val="0"/>
-        <c:axPos val="l"/>
-        <c:majorGridlines>
-          <c:spPr>
-            <a:ln w="9525" cap="flat" cmpd="sng" algn="ctr">
-              <a:solidFill>
-                <a:schemeClr val="lt1">
-                  <a:lumMod val="95000"/>
-                  <a:alpha val="10000"/>
-                </a:schemeClr>
-              </a:solidFill>
-              <a:round/>
-            </a:ln>
-            <a:effectLst/>
-          </c:spPr>
-        </c:majorGridlines>
-        <c:title>
-          <c:layout/>
-          <c:overlay val="0"/>
-          <c:spPr>
-            <a:noFill/>
-            <a:ln>
-              <a:noFill/>
-            </a:ln>
-            <a:effectLst/>
-          </c:spPr>
-          <c:txPr>
-            <a:bodyPr rot="-5400000" spcFirstLastPara="0" vertOverflow="ellipsis" vert="horz" wrap="square" anchor="ctr" anchorCtr="1"/>
-            <a:lstStyle/>
-            <a:p>
-              <a:pPr>
-                <a:defRPr lang="en-US" sz="900" b="1" i="0" u="none" strike="noStrike" kern="1200" cap="all" baseline="0">
-                  <a:solidFill>
-                    <a:schemeClr val="lt1">
-                      <a:lumMod val="85000"/>
-                    </a:schemeClr>
-                  </a:solidFill>
-                  <a:latin typeface="+mn-lt"/>
-                  <a:ea typeface="+mn-ea"/>
-                  <a:cs typeface="+mn-cs"/>
-                </a:defRPr>
-              </a:pPr>
-            </a:p>
-          </c:txPr>
-        </c:title>
-        <c:numFmt formatCode="General" sourceLinked="1"/>
-        <c:majorTickMark val="none"/>
-        <c:minorTickMark val="none"/>
-        <c:tickLblPos val="nextTo"/>
-        <c:spPr>
-          <a:noFill/>
-          <a:ln>
-            <a:noFill/>
-          </a:ln>
-          <a:effectLst/>
-        </c:spPr>
-        <c:txPr>
-          <a:bodyPr rot="-60000000" spcFirstLastPara="0" vertOverflow="ellipsis" vert="horz" wrap="square" anchor="ctr" anchorCtr="1"/>
-          <a:lstStyle/>
-          <a:p>
-            <a:pPr>
-              <a:defRPr lang="en-US" sz="900" b="0" i="0" u="none" strike="noStrike" kern="1200" baseline="0">
-                <a:solidFill>
-                  <a:schemeClr val="lt1">
-                    <a:lumMod val="85000"/>
-                  </a:schemeClr>
-                </a:solidFill>
-                <a:latin typeface="+mn-lt"/>
-                <a:ea typeface="+mn-ea"/>
-                <a:cs typeface="+mn-cs"/>
-              </a:defRPr>
-            </a:pPr>
-          </a:p>
-        </c:txPr>
-        <c:crossAx val="522256276"/>
-        <c:crosses val="autoZero"/>
-        <c:crossBetween val="between"/>
-      </c:valAx>
-      <c:spPr>
-        <a:noFill/>
-        <a:ln>
-          <a:noFill/>
-        </a:ln>
-        <a:effectLst/>
-      </c:spPr>
-    </c:plotArea>
-    <c:legend>
-      <c:legendPos val="b"/>
       <c:layout/>
       <c:overlay val="0"/>
       <c:spPr>
@@ -891,10 +167,198 @@
         <a:lstStyle/>
         <a:p>
           <a:pPr>
-            <a:defRPr lang="en-US" sz="900" b="0" i="0" u="none" strike="noStrike" kern="1200" baseline="0">
+            <a:defRPr lang="zh-CN" sz="1400" b="1" i="0" u="none" strike="noStrike" kern="1200" baseline="0">
               <a:solidFill>
-                <a:schemeClr val="lt1">
-                  <a:lumMod val="85000"/>
+                <a:schemeClr val="tx1">
+                  <a:lumMod val="75000"/>
+                  <a:lumOff val="25000"/>
+                </a:schemeClr>
+              </a:solidFill>
+              <a:latin typeface="+mn-lt"/>
+              <a:ea typeface="+mn-ea"/>
+              <a:cs typeface="+mn-cs"/>
+            </a:defRPr>
+          </a:pPr>
+        </a:p>
+      </c:txPr>
+    </c:title>
+    <c:autoTitleDeleted val="0"/>
+    <c:plotArea>
+      <c:layout/>
+      <c:pieChart>
+        <c:varyColors val="1"/>
+        <c:ser>
+          <c:idx val="0"/>
+          <c:order val="0"/>
+          <c:tx>
+            <c:strRef>
+              <c:f>Sheet1!$B$1</c:f>
+              <c:strCache>
+                <c:ptCount val="1"/>
+                <c:pt idx="0">
+                  <c:v>销售额</c:v>
+                </c:pt>
+              </c:strCache>
+            </c:strRef>
+          </c:tx>
+          <c:spPr/>
+          <c:explosion val="0"/>
+          <c:dPt>
+            <c:idx val="0"/>
+            <c:bubble3D val="0"/>
+            <c:explosion val="8"/>
+            <c:spPr>
+              <a:gradFill>
+                <a:gsLst>
+                  <a:gs pos="0">
+                    <a:srgbClr val="9EE256"/>
+                  </a:gs>
+                  <a:gs pos="100000">
+                    <a:srgbClr val="52762D"/>
+                  </a:gs>
+                </a:gsLst>
+                <a:lin ang="7800000" scaled="0"/>
+              </a:gradFill>
+              <a:ln w="34925" cap="flat" cmpd="sng">
+                <a:solidFill>
+                  <a:schemeClr val="tx1"/>
+                </a:solidFill>
+                <a:prstDash val="solid"/>
+              </a:ln>
+              <a:effectLst/>
+              <a:sp3d contourW="34925"/>
+            </c:spPr>
+          </c:dPt>
+          <c:dPt>
+            <c:idx val="1"/>
+            <c:bubble3D val="0"/>
+            <c:spPr>
+              <a:solidFill>
+                <a:schemeClr val="accent2"/>
+              </a:solidFill>
+              <a:ln>
+                <a:solidFill>
+                  <a:schemeClr val="bg1"/>
+                </a:solidFill>
+              </a:ln>
+              <a:effectLst/>
+            </c:spPr>
+          </c:dPt>
+          <c:dPt>
+            <c:idx val="2"/>
+            <c:bubble3D val="0"/>
+            <c:spPr>
+              <a:solidFill>
+                <a:schemeClr val="accent3"/>
+              </a:solidFill>
+              <a:ln>
+                <a:solidFill>
+                  <a:schemeClr val="bg1"/>
+                </a:solidFill>
+              </a:ln>
+              <a:effectLst/>
+            </c:spPr>
+          </c:dPt>
+          <c:dPt>
+            <c:idx val="3"/>
+            <c:bubble3D val="0"/>
+            <c:spPr>
+              <a:solidFill>
+                <a:schemeClr val="accent4"/>
+              </a:solidFill>
+              <a:ln>
+                <a:solidFill>
+                  <a:schemeClr val="bg1"/>
+                </a:solidFill>
+              </a:ln>
+              <a:effectLst/>
+            </c:spPr>
+          </c:dPt>
+          <c:dLbls>
+            <c:delete val="1"/>
+          </c:dLbls>
+          <c:cat>
+            <c:strRef>
+              <c:f>Sheet1!$A$2:$A$5</c:f>
+              <c:strCache>
+                <c:ptCount val="4"/>
+                <c:pt idx="0">
+                  <c:v>第一季度</c:v>
+                </c:pt>
+                <c:pt idx="1">
+                  <c:v>第二季度</c:v>
+                </c:pt>
+                <c:pt idx="2">
+                  <c:v>第三季度</c:v>
+                </c:pt>
+                <c:pt idx="3">
+                  <c:v>第四季度</c:v>
+                </c:pt>
+              </c:strCache>
+            </c:strRef>
+          </c:cat>
+          <c:val>
+            <c:numRef>
+              <c:f>Sheet1!$B$2:$B$5</c:f>
+              <c:numCache>
+                <c:formatCode>General</c:formatCode>
+                <c:ptCount val="4"/>
+                <c:pt idx="0">
+                  <c:v>8.2</c:v>
+                </c:pt>
+                <c:pt idx="1">
+                  <c:v>3.2</c:v>
+                </c:pt>
+                <c:pt idx="2">
+                  <c:v>1.4</c:v>
+                </c:pt>
+                <c:pt idx="3">
+                  <c:v>1.2</c:v>
+                </c:pt>
+              </c:numCache>
+            </c:numRef>
+          </c:val>
+        </c:ser>
+        <c:dLbls>
+          <c:showLegendKey val="0"/>
+          <c:showVal val="0"/>
+          <c:showCatName val="0"/>
+          <c:showSerName val="0"/>
+          <c:showPercent val="0"/>
+          <c:showBubbleSize val="0"/>
+          <c:showLeaderLines val="1"/>
+        </c:dLbls>
+        <c:firstSliceAng val="58"/>
+      </c:pieChart>
+      <c:spPr>
+        <a:noFill/>
+        <a:ln>
+          <a:noFill/>
+        </a:ln>
+        <a:effectLst/>
+      </c:spPr>
+    </c:plotArea>
+    <c:legend>
+      <c:legendPos val="t"/>
+      <c:layout/>
+      <c:overlay val="0"/>
+      <c:spPr>
+        <a:noFill/>
+        <a:ln>
+          <a:noFill/>
+        </a:ln>
+        <a:effectLst/>
+      </c:spPr>
+      <c:txPr>
+        <a:bodyPr rot="0" spcFirstLastPara="0" vertOverflow="ellipsis" vert="horz" wrap="square" anchor="ctr" anchorCtr="1"/>
+        <a:lstStyle/>
+        <a:p>
+          <a:pPr>
+            <a:defRPr lang="zh-CN" sz="900" b="0" i="0" u="none" strike="noStrike" kern="1200" baseline="0">
+              <a:solidFill>
+                <a:schemeClr val="tx1">
+                  <a:lumMod val="65000"/>
+                  <a:lumOff val="35000"/>
                 </a:schemeClr>
               </a:solidFill>
               <a:latin typeface="+mn-lt"/>
@@ -910,37 +374,18 @@
     <c:showDLblsOverMax val="0"/>
   </c:chart>
   <c:spPr>
-    <a:gradFill flip="none" rotWithShape="1">
-      <a:gsLst>
-        <a:gs pos="0">
-          <a:srgbClr val="FBFB11"/>
-        </a:gs>
-        <a:gs pos="100000">
-          <a:srgbClr val="838309"/>
-        </a:gs>
-      </a:gsLst>
-      <a:path path="circle">
-        <a:fillToRect l="50000" t="50000" r="50000" b="50000"/>
-      </a:path>
-      <a:tileRect/>
-    </a:gradFill>
+    <a:noFill/>
     <a:ln>
       <a:noFill/>
     </a:ln>
-    <a:effectLst>
-      <a:outerShdw blurRad="50800" dist="38100" dir="5400000" sx="179000" sy="179000" algn="t" rotWithShape="0">
-        <a:prstClr val="black">
-          <a:alpha val="40000"/>
-        </a:prstClr>
-      </a:outerShdw>
-    </a:effectLst>
+    <a:effectLst/>
   </c:spPr>
   <c:txPr>
-    <a:bodyPr rot="1500000"/>
+    <a:bodyPr/>
     <a:lstStyle/>
     <a:p>
       <a:pPr>
-        <a:defRPr lang="en-US"/>
+        <a:defRPr lang="zh-CN"/>
       </a:pPr>
     </a:p>
   </c:txPr>
@@ -991,33 +436,35 @@
 </file>
 
 <file path=ppt/charts/style1.xml><?xml version="1.0" encoding="utf-8"?>
-<cs:chartStyle xmlns:cs="http://schemas.microsoft.com/office/drawing/2012/chartStyle" xmlns:a="http://schemas.openxmlformats.org/drawingml/2006/main" id="209">
+<cs:chartStyle xmlns:cs="http://schemas.microsoft.com/office/drawing/2012/chartStyle" xmlns:a="http://schemas.openxmlformats.org/drawingml/2006/main" id="10082">
   <cs:axisTitle>
     <cs:lnRef idx="0"/>
     <cs:fillRef idx="0"/>
     <cs:effectRef idx="0"/>
     <cs:fontRef idx="minor">
-      <a:schemeClr val="lt1">
-        <a:lumMod val="85000"/>
+      <a:schemeClr val="tx1">
+        <a:lumMod val="65000"/>
+        <a:lumOff val="35000"/>
       </a:schemeClr>
     </cs:fontRef>
-    <cs:defRPr sz="900" b="1" kern="1200" cap="all"/>
+    <cs:defRPr sz="1000" kern="1200"/>
   </cs:axisTitle>
   <cs:categoryAxis>
     <cs:lnRef idx="0"/>
     <cs:fillRef idx="0"/>
     <cs:effectRef idx="0"/>
     <cs:fontRef idx="minor">
-      <a:schemeClr val="lt1">
-        <a:lumMod val="85000"/>
+      <a:schemeClr val="tx1">
+        <a:lumMod val="65000"/>
+        <a:lumOff val="35000"/>
       </a:schemeClr>
     </cs:fontRef>
     <cs:spPr>
-      <a:ln w="12700" cap="flat" cmpd="sng" algn="ctr">
+      <a:ln w="9525" cap="flat" cmpd="sng" algn="ctr">
         <a:solidFill>
-          <a:schemeClr val="lt1">
-            <a:lumMod val="95000"/>
-            <a:alpha val="54000"/>
+          <a:schemeClr val="tx1">
+            <a:lumMod val="15000"/>
+            <a:lumOff val="85000"/>
           </a:schemeClr>
         </a:solidFill>
         <a:round/>
@@ -1025,46 +472,40 @@
     </cs:spPr>
     <cs:defRPr sz="900" kern="1200"/>
   </cs:categoryAxis>
-  <cs:chartArea>
+  <cs:chartArea mods="allowNoFillOverride allowNoLineOverride">
     <cs:lnRef idx="0"/>
     <cs:fillRef idx="0"/>
     <cs:effectRef idx="0"/>
     <cs:fontRef idx="minor">
-      <a:schemeClr val="dk1"/>
+      <a:schemeClr val="tx1"/>
     </cs:fontRef>
     <cs:spPr>
-      <a:gradFill flip="none" rotWithShape="1">
-        <a:gsLst>
-          <a:gs pos="0">
-            <a:schemeClr val="dk1">
-              <a:lumMod val="65000"/>
-              <a:lumOff val="35000"/>
-            </a:schemeClr>
-          </a:gs>
-          <a:gs pos="100000">
-            <a:schemeClr val="dk1">
-              <a:lumMod val="85000"/>
-              <a:lumOff val="15000"/>
-            </a:schemeClr>
-          </a:gs>
-        </a:gsLst>
-        <a:path path="circle">
-          <a:fillToRect l="50000" t="50000" r="50000" b="50000"/>
-        </a:path>
-      </a:gradFill>
+      <a:solidFill>
+        <a:schemeClr val="bg1"/>
+      </a:solidFill>
+      <a:ln w="9525" cap="flat" cmpd="sng" algn="ctr">
+        <a:solidFill>
+          <a:schemeClr val="tx1">
+            <a:lumMod val="15000"/>
+            <a:lumOff val="85000"/>
+          </a:schemeClr>
+        </a:solidFill>
+        <a:round/>
+      </a:ln>
     </cs:spPr>
-    <cs:defRPr sz="1000" kern="1200"/>
+    <cs:defRPr sz="900" kern="1200"/>
   </cs:chartArea>
   <cs:dataLabel>
     <cs:lnRef idx="0"/>
     <cs:fillRef idx="0"/>
     <cs:effectRef idx="0"/>
     <cs:fontRef idx="minor">
-      <a:schemeClr val="lt1">
-        <a:lumMod val="85000"/>
+      <a:schemeClr val="tx1">
+        <a:lumMod val="75000"/>
+        <a:lumOff val="25000"/>
       </a:schemeClr>
     </cs:fontRef>
-    <cs:defRPr sz="900" kern="1200"/>
+    <cs:defRPr sz="1000" kern="1200"/>
   </cs:dataLabel>
   <cs:dataLabelCallout>
     <cs:lnRef idx="0"/>
@@ -1080,43 +521,68 @@
       <a:solidFill>
         <a:schemeClr val="lt1"/>
       </a:solidFill>
+      <a:ln>
+        <a:solidFill>
+          <a:schemeClr val="dk1">
+            <a:lumMod val="25000"/>
+            <a:lumOff val="75000"/>
+          </a:schemeClr>
+        </a:solidFill>
+      </a:ln>
     </cs:spPr>
-    <cs:defRPr sz="900" kern="1200"/>
+    <cs:defRPr sz="1000" kern="1200"/>
     <cs:bodyPr rot="0" spcFirstLastPara="1" vertOverflow="clip" horzOverflow="clip" vert="horz" wrap="square" lIns="36576" tIns="18288" rIns="36576" bIns="18288" anchor="ctr" anchorCtr="1">
       <a:spAutoFit/>
     </cs:bodyPr>
   </cs:dataLabelCallout>
   <cs:dataPoint>
-    <cs:lnRef idx="0"/>
-    <cs:fillRef idx="3">
+    <cs:lnRef idx="0">
+      <cs:styleClr val="auto"/>
+    </cs:lnRef>
+    <cs:fillRef idx="1">
       <cs:styleClr val="auto"/>
     </cs:fillRef>
-    <cs:effectRef idx="3"/>
+    <cs:effectRef idx="0"/>
     <cs:fontRef idx="minor">
-      <a:schemeClr val="lt1"/>
+      <a:schemeClr val="dk1"/>
     </cs:fontRef>
+    <cs:spPr>
+      <a:ln>
+        <a:solidFill>
+          <a:schemeClr val="bg1"/>
+        </a:solidFill>
+      </a:ln>
+      <a:effectLst/>
+    </cs:spPr>
   </cs:dataPoint>
   <cs:dataPoint3D>
     <cs:lnRef idx="0"/>
-    <cs:fillRef idx="3">
+    <cs:fillRef idx="1">
       <cs:styleClr val="auto"/>
     </cs:fillRef>
-    <cs:effectRef idx="3"/>
+    <cs:effectRef idx="0"/>
     <cs:fontRef idx="minor">
-      <a:schemeClr val="lt1"/>
+      <a:schemeClr val="tx1"/>
     </cs:fontRef>
+    <cs:spPr>
+      <a:ln w="25400">
+        <a:solidFill>
+          <a:schemeClr val="lt1"/>
+        </a:solidFill>
+      </a:ln>
+    </cs:spPr>
   </cs:dataPoint3D>
   <cs:dataPointLine>
     <cs:lnRef idx="0">
       <cs:styleClr val="auto"/>
     </cs:lnRef>
-    <cs:fillRef idx="3"/>
-    <cs:effectRef idx="3"/>
+    <cs:fillRef idx="0"/>
+    <cs:effectRef idx="0"/>
     <cs:fontRef idx="minor">
-      <a:schemeClr val="lt1"/>
+      <a:schemeClr val="tx1"/>
     </cs:fontRef>
     <cs:spPr>
-      <a:ln w="34925" cap="rnd">
+      <a:ln w="28575" cap="rnd">
         <a:solidFill>
           <a:schemeClr val="phClr"/>
         </a:solidFill>
@@ -1128,31 +594,30 @@
     <cs:lnRef idx="0">
       <cs:styleClr val="auto"/>
     </cs:lnRef>
-    <cs:fillRef idx="3">
+    <cs:fillRef idx="1">
       <cs:styleClr val="auto"/>
     </cs:fillRef>
-    <cs:effectRef idx="3"/>
+    <cs:effectRef idx="0"/>
     <cs:fontRef idx="minor">
-      <a:schemeClr val="lt1"/>
+      <a:schemeClr val="tx1"/>
     </cs:fontRef>
     <cs:spPr>
       <a:ln w="9525">
         <a:solidFill>
           <a:schemeClr val="phClr"/>
         </a:solidFill>
-        <a:round/>
       </a:ln>
     </cs:spPr>
   </cs:dataPointMarker>
-  <cs:dataPointMarkerLayout symbol="circle" size="6"/>
+  <cs:dataPointMarkerLayout symbol="circle" size="5"/>
   <cs:dataPointWireframe>
     <cs:lnRef idx="0">
       <cs:styleClr val="auto"/>
     </cs:lnRef>
-    <cs:fillRef idx="3"/>
-    <cs:effectRef idx="3"/>
+    <cs:fillRef idx="0"/>
+    <cs:effectRef idx="0"/>
     <cs:fontRef idx="minor">
-      <a:schemeClr val="lt1"/>
+      <a:schemeClr val="tx1"/>
     </cs:fontRef>
     <cs:spPr>
       <a:ln w="9525" cap="rnd">
@@ -1168,18 +633,21 @@
     <cs:fillRef idx="0"/>
     <cs:effectRef idx="0"/>
     <cs:fontRef idx="minor">
-      <a:schemeClr val="lt1">
-        <a:lumMod val="85000"/>
+      <a:schemeClr val="tx1">
+        <a:lumMod val="65000"/>
+        <a:lumOff val="35000"/>
       </a:schemeClr>
     </cs:fontRef>
     <cs:spPr>
-      <a:ln w="9525">
+      <a:noFill/>
+      <a:ln w="9525" cap="flat" cmpd="sng" algn="ctr">
         <a:solidFill>
-          <a:schemeClr val="lt1">
-            <a:lumMod val="95000"/>
-            <a:alpha val="54000"/>
+          <a:schemeClr val="tx1">
+            <a:lumMod val="15000"/>
+            <a:lumOff val="85000"/>
           </a:schemeClr>
         </a:solidFill>
+        <a:round/>
       </a:ln>
     </cs:spPr>
     <cs:defRPr sz="900" kern="1200"/>
@@ -1189,7 +657,7 @@
     <cs:fillRef idx="0"/>
     <cs:effectRef idx="0"/>
     <cs:fontRef idx="minor">
-      <a:schemeClr val="lt1"/>
+      <a:schemeClr val="tx1"/>
     </cs:fontRef>
     <cs:spPr>
       <a:solidFill>
@@ -1198,13 +666,14 @@
           <a:lumOff val="25000"/>
         </a:schemeClr>
       </a:solidFill>
-      <a:ln w="9525">
+      <a:ln w="9525" cap="flat" cmpd="sng" algn="ctr">
         <a:solidFill>
-          <a:schemeClr val="lt1">
-            <a:lumMod val="95000"/>
-            <a:alpha val="54000"/>
+          <a:schemeClr val="tx1">
+            <a:lumMod val="65000"/>
+            <a:lumOff val="35000"/>
           </a:schemeClr>
         </a:solidFill>
+        <a:round/>
       </a:ln>
     </cs:spPr>
   </cs:downBar>
@@ -1213,17 +682,17 @@
     <cs:fillRef idx="0"/>
     <cs:effectRef idx="0"/>
     <cs:fontRef idx="minor">
-      <a:schemeClr val="lt1"/>
+      <a:schemeClr val="tx1"/>
     </cs:fontRef>
     <cs:spPr>
-      <a:ln w="9525">
+      <a:ln w="9525" cap="flat" cmpd="sng" algn="ctr">
         <a:solidFill>
-          <a:schemeClr val="lt1">
-            <a:lumMod val="95000"/>
-            <a:alpha val="54000"/>
+          <a:schemeClr val="tx1">
+            <a:lumMod val="35000"/>
+            <a:lumOff val="65000"/>
           </a:schemeClr>
         </a:solidFill>
-        <a:prstDash val="dash"/>
+        <a:round/>
       </a:ln>
     </cs:spPr>
   </cs:dropLine>
@@ -1232,13 +701,14 @@
     <cs:fillRef idx="0"/>
     <cs:effectRef idx="0"/>
     <cs:fontRef idx="minor">
-      <a:schemeClr val="lt1"/>
+      <a:schemeClr val="tx1"/>
     </cs:fontRef>
     <cs:spPr>
       <a:ln w="9525" cap="flat" cmpd="sng" algn="ctr">
         <a:solidFill>
-          <a:schemeClr val="lt1">
-            <a:lumMod val="95000"/>
+          <a:schemeClr val="tx1">
+            <a:lumMod val="65000"/>
+            <a:lumOff val="35000"/>
           </a:schemeClr>
         </a:solidFill>
         <a:round/>
@@ -1250,22 +720,27 @@
     <cs:fillRef idx="0"/>
     <cs:effectRef idx="0"/>
     <cs:fontRef idx="minor">
-      <a:schemeClr val="lt1"/>
+      <a:schemeClr val="tx1"/>
     </cs:fontRef>
+    <cs:spPr>
+      <a:noFill/>
+      <a:ln>
+        <a:noFill/>
+      </a:ln>
+    </cs:spPr>
   </cs:floor>
   <cs:gridlineMajor>
     <cs:lnRef idx="0"/>
     <cs:fillRef idx="0"/>
     <cs:effectRef idx="0"/>
     <cs:fontRef idx="minor">
-      <a:schemeClr val="lt1"/>
+      <a:schemeClr val="tx1"/>
     </cs:fontRef>
     <cs:spPr>
       <a:ln w="9525" cap="flat" cmpd="sng" algn="ctr">
         <a:solidFill>
           <a:schemeClr val="lt1">
-            <a:lumMod val="95000"/>
-            <a:alpha val="10000"/>
+            <a:lumMod val="90200"/>
           </a:schemeClr>
         </a:solidFill>
         <a:round/>
@@ -1277,16 +752,17 @@
     <cs:fillRef idx="0"/>
     <cs:effectRef idx="0"/>
     <cs:fontRef idx="minor">
-      <a:schemeClr val="lt1"/>
+      <a:schemeClr val="tx1"/>
     </cs:fontRef>
     <cs:spPr>
-      <a:ln>
+      <a:ln w="9525" cap="flat" cmpd="sng" algn="ctr">
         <a:solidFill>
-          <a:schemeClr val="lt1">
-            <a:lumMod val="95000"/>
-            <a:alpha val="5000"/>
+          <a:schemeClr val="tx1">
+            <a:lumMod val="5000"/>
+            <a:lumOff val="95000"/>
           </a:schemeClr>
         </a:solidFill>
+        <a:round/>
       </a:ln>
     </cs:spPr>
   </cs:gridlineMinor>
@@ -1295,17 +771,17 @@
     <cs:fillRef idx="0"/>
     <cs:effectRef idx="0"/>
     <cs:fontRef idx="minor">
-      <a:schemeClr val="lt1"/>
+      <a:schemeClr val="tx1"/>
     </cs:fontRef>
     <cs:spPr>
-      <a:ln w="9525">
+      <a:ln w="9525" cap="flat" cmpd="sng" algn="ctr">
         <a:solidFill>
-          <a:schemeClr val="lt1">
-            <a:lumMod val="95000"/>
-            <a:alpha val="54000"/>
+          <a:schemeClr val="tx1">
+            <a:lumMod val="50000"/>
+            <a:lumOff val="50000"/>
           </a:schemeClr>
         </a:solidFill>
-        <a:prstDash val="dash"/>
+        <a:round/>
       </a:ln>
     </cs:spPr>
   </cs:hiLoLine>
@@ -1314,16 +790,17 @@
     <cs:fillRef idx="0"/>
     <cs:effectRef idx="0"/>
     <cs:fontRef idx="minor">
-      <a:schemeClr val="lt1"/>
+      <a:schemeClr val="tx1"/>
     </cs:fontRef>
     <cs:spPr>
-      <a:ln w="9525">
+      <a:ln w="9525" cap="flat" cmpd="sng" algn="ctr">
         <a:solidFill>
-          <a:schemeClr val="lt1">
-            <a:lumMod val="95000"/>
-            <a:alpha val="54000"/>
+          <a:schemeClr val="tx1">
+            <a:lumMod val="35000"/>
+            <a:lumOff val="65000"/>
           </a:schemeClr>
         </a:solidFill>
+        <a:round/>
       </a:ln>
     </cs:spPr>
   </cs:leaderLine>
@@ -1332,26 +809,27 @@
     <cs:fillRef idx="0"/>
     <cs:effectRef idx="0"/>
     <cs:fontRef idx="minor">
-      <a:schemeClr val="lt1">
-        <a:lumMod val="85000"/>
+      <a:schemeClr val="tx1">
+        <a:lumMod val="65000"/>
+        <a:lumOff val="35000"/>
       </a:schemeClr>
     </cs:fontRef>
     <cs:defRPr sz="900" kern="1200"/>
   </cs:legend>
-  <cs:plotArea>
+  <cs:plotArea mods="allowNoFillOverride allowNoLineOverride">
     <cs:lnRef idx="0"/>
     <cs:fillRef idx="0"/>
     <cs:effectRef idx="0"/>
     <cs:fontRef idx="minor">
-      <a:schemeClr val="lt1"/>
+      <a:schemeClr val="tx1"/>
     </cs:fontRef>
   </cs:plotArea>
-  <cs:plotArea3D>
+  <cs:plotArea3D mods="allowNoFillOverride allowNoLineOverride">
     <cs:lnRef idx="0"/>
     <cs:fillRef idx="0"/>
     <cs:effectRef idx="0"/>
     <cs:fontRef idx="minor">
-      <a:schemeClr val="lt1"/>
+      <a:schemeClr val="tx1"/>
     </cs:fontRef>
   </cs:plotArea3D>
   <cs:seriesAxis>
@@ -1359,21 +837,11 @@
     <cs:fillRef idx="0"/>
     <cs:effectRef idx="0"/>
     <cs:fontRef idx="minor">
-      <a:schemeClr val="lt1">
-        <a:lumMod val="85000"/>
+      <a:schemeClr val="tx1">
+        <a:lumMod val="65000"/>
+        <a:lumOff val="35000"/>
       </a:schemeClr>
     </cs:fontRef>
-    <cs:spPr>
-      <a:ln w="12700" cap="flat" cmpd="sng" algn="ctr">
-        <a:solidFill>
-          <a:schemeClr val="lt1">
-            <a:lumMod val="95000"/>
-            <a:alpha val="54000"/>
-          </a:schemeClr>
-        </a:solidFill>
-        <a:round/>
-      </a:ln>
-    </cs:spPr>
     <cs:defRPr sz="900" kern="1200"/>
   </cs:seriesAxis>
   <cs:seriesLine>
@@ -1381,14 +849,14 @@
     <cs:fillRef idx="0"/>
     <cs:effectRef idx="0"/>
     <cs:fontRef idx="minor">
-      <a:schemeClr val="lt1"/>
+      <a:schemeClr val="tx1"/>
     </cs:fontRef>
     <cs:spPr>
       <a:ln w="9525" cap="flat" cmpd="sng" algn="ctr">
         <a:solidFill>
-          <a:schemeClr val="lt1">
-            <a:lumMod val="95000"/>
-            <a:alpha val="54000"/>
+          <a:schemeClr val="tx1">
+            <a:lumMod val="35000"/>
+            <a:lumOff val="65000"/>
           </a:schemeClr>
         </a:solidFill>
         <a:round/>
@@ -1400,19 +868,12 @@
     <cs:fillRef idx="0"/>
     <cs:effectRef idx="0"/>
     <cs:fontRef idx="minor">
-      <a:schemeClr val="lt1">
-        <a:lumMod val="95000"/>
+      <a:schemeClr val="tx1">
+        <a:lumMod val="75000"/>
+        <a:lumOff val="25000"/>
       </a:schemeClr>
     </cs:fontRef>
-    <cs:defRPr sz="1600" b="1" kern="1200" spc="100" baseline="0">
-      <a:effectLst>
-        <a:outerShdw blurRad="50800" dist="38100" dir="5400000" algn="t" rotWithShape="0">
-          <a:prstClr val="black">
-            <a:alpha val="40000"/>
-          </a:prstClr>
-        </a:outerShdw>
-      </a:effectLst>
-    </cs:defRPr>
+    <cs:defRPr sz="1400" b="1" kern="1200" baseline="0"/>
   </cs:title>
   <cs:trendline>
     <cs:lnRef idx="0">
@@ -1421,13 +882,14 @@
     <cs:fillRef idx="0"/>
     <cs:effectRef idx="0"/>
     <cs:fontRef idx="minor">
-      <a:schemeClr val="lt1"/>
+      <a:schemeClr val="tx1"/>
     </cs:fontRef>
     <cs:spPr>
       <a:ln w="19050" cap="rnd">
         <a:solidFill>
           <a:schemeClr val="phClr"/>
         </a:solidFill>
+        <a:prstDash val="sysDot"/>
       </a:ln>
     </cs:spPr>
   </cs:trendline>
@@ -1436,8 +898,9 @@
     <cs:fillRef idx="0"/>
     <cs:effectRef idx="0"/>
     <cs:fontRef idx="minor">
-      <a:schemeClr val="lt1">
-        <a:lumMod val="85000"/>
+      <a:schemeClr val="tx1">
+        <a:lumMod val="65000"/>
+        <a:lumOff val="35000"/>
       </a:schemeClr>
     </cs:fontRef>
     <cs:defRPr sz="900" kern="1200"/>
@@ -1447,19 +910,20 @@
     <cs:fillRef idx="0"/>
     <cs:effectRef idx="0"/>
     <cs:fontRef idx="minor">
-      <a:schemeClr val="lt1"/>
+      <a:schemeClr val="tx1"/>
     </cs:fontRef>
     <cs:spPr>
       <a:solidFill>
         <a:schemeClr val="lt1"/>
       </a:solidFill>
-      <a:ln w="9525">
+      <a:ln w="9525" cap="flat" cmpd="sng" algn="ctr">
         <a:solidFill>
-          <a:schemeClr val="lt1">
-            <a:lumMod val="95000"/>
-            <a:alpha val="54000"/>
+          <a:schemeClr val="tx1">
+            <a:lumMod val="65000"/>
+            <a:lumOff val="35000"/>
           </a:schemeClr>
         </a:solidFill>
+        <a:round/>
       </a:ln>
     </cs:spPr>
   </cs:upBar>
@@ -1468,8 +932,9 @@
     <cs:fillRef idx="0"/>
     <cs:effectRef idx="0"/>
     <cs:fontRef idx="minor">
-      <a:schemeClr val="lt1">
-        <a:lumMod val="85000"/>
+      <a:schemeClr val="tx1">
+        <a:lumMod val="65000"/>
+        <a:lumOff val="35000"/>
       </a:schemeClr>
     </cs:fontRef>
     <cs:defRPr sz="900" kern="1200"/>
@@ -1479,8 +944,14 @@
     <cs:fillRef idx="0"/>
     <cs:effectRef idx="0"/>
     <cs:fontRef idx="minor">
-      <a:schemeClr val="lt1"/>
+      <a:schemeClr val="tx1"/>
     </cs:fontRef>
+    <cs:spPr>
+      <a:noFill/>
+      <a:ln>
+        <a:noFill/>
+      </a:ln>
+    </cs:spPr>
   </cs:wall>
 </cs:chartStyle>
 </file>
@@ -9519,13 +8990,13 @@
       <p:grpSpPr/>
       <p:graphicFrame>
         <p:nvGraphicFramePr>
-          <p:cNvPr id="4" name="Chart 3"/>
+          <p:cNvPr id="7" name="图表 6"/>
           <p:cNvGraphicFramePr/>
           <p:nvPr/>
         </p:nvGraphicFramePr>
         <p:xfrm>
-          <a:off x="2306320" y="1138555"/>
-          <a:ext cx="4009390" cy="4170045"/>
+          <a:off x="403860" y="3522980"/>
+          <a:ext cx="5647055" cy="2747645"/>
         </p:xfrm>
         <a:graphic>
           <a:graphicData uri="http://schemas.openxmlformats.org/drawingml/2006/chart">
@@ -9533,93 +9004,6 @@
           </a:graphicData>
         </a:graphic>
       </p:graphicFrame>
-      <p:sp>
-        <p:nvSpPr>
-          <p:cNvPr id="2" name="Round Single Corner Rectangle 1"/>
-          <p:cNvSpPr/>
-          <p:nvPr/>
-        </p:nvSpPr>
-        <p:spPr>
-          <a:xfrm rot="20220000">
-            <a:off x="6634480" y="1518285"/>
-            <a:ext cx="2625725" cy="2704465"/>
-          </a:xfrm>
-          <a:prstGeom prst="round1Rect">
-            <a:avLst/>
-          </a:prstGeom>
-          <a:ln w="28575" cap="flat" cmpd="thickThin">
-            <a:solidFill>
-              <a:schemeClr val="accent1">
-                <a:shade val="50000"/>
-              </a:schemeClr>
-            </a:solidFill>
-            <a:prstDash val="sysDot"/>
-            <a:miter lim="800000"/>
-          </a:ln>
-        </p:spPr>
-        <p:style>
-          <a:lnRef idx="2">
-            <a:schemeClr val="accent1">
-              <a:lumMod val="75000"/>
-            </a:schemeClr>
-          </a:lnRef>
-          <a:fillRef idx="1">
-            <a:schemeClr val="accent1"/>
-          </a:fillRef>
-          <a:effectRef idx="0">
-            <a:srgbClr val="FFFFFF"/>
-          </a:effectRef>
-          <a:fontRef idx="minor">
-            <a:schemeClr val="lt1"/>
-          </a:fontRef>
-        </p:style>
-        <p:txBody>
-          <a:bodyPr rtlCol="0" anchor="ctr"/>
-          <a:p>
-            <a:pPr algn="ctr"/>
-            <a:endParaRPr lang="en-US"/>
-          </a:p>
-        </p:txBody>
-      </p:sp>
-      <p:sp>
-        <p:nvSpPr>
-          <p:cNvPr id="5" name="Hexagon 4"/>
-          <p:cNvSpPr/>
-          <p:nvPr/>
-        </p:nvSpPr>
-        <p:spPr>
-          <a:xfrm>
-            <a:off x="9712960" y="1818640"/>
-            <a:ext cx="1852295" cy="1679575"/>
-          </a:xfrm>
-          <a:prstGeom prst="hexagon">
-            <a:avLst/>
-          </a:prstGeom>
-        </p:spPr>
-        <p:style>
-          <a:lnRef idx="2">
-            <a:schemeClr val="accent1">
-              <a:lumMod val="75000"/>
-            </a:schemeClr>
-          </a:lnRef>
-          <a:fillRef idx="1">
-            <a:schemeClr val="accent1"/>
-          </a:fillRef>
-          <a:effectRef idx="0">
-            <a:srgbClr val="FFFFFF"/>
-          </a:effectRef>
-          <a:fontRef idx="minor">
-            <a:schemeClr val="lt1"/>
-          </a:fontRef>
-        </p:style>
-        <p:txBody>
-          <a:bodyPr rtlCol="0" anchor="ctr"/>
-          <a:p>
-            <a:pPr algn="ctr"/>
-            <a:endParaRPr lang="en-US"/>
-          </a:p>
-        </p:txBody>
-      </p:sp>
     </p:spTree>
   </p:cSld>
   <p:clrMapOvr>

--- a/assets/ppt/simple.pptx
+++ b/assets/ppt/simple.pptx
@@ -395,7 +395,486 @@
 </c:chartSpace>
 </file>
 
+<file path=ppt/charts/chart2.xml><?xml version="1.0" encoding="utf-8"?>
+<c:chartSpace xmlns:c="http://schemas.openxmlformats.org/drawingml/2006/chart" xmlns:a="http://schemas.openxmlformats.org/drawingml/2006/main" xmlns:r="http://schemas.openxmlformats.org/officeDocument/2006/relationships">
+  <c:date1904 val="0"/>
+  <c:lang val="zh-CN"/>
+  <c:roundedCorners val="0"/>
+  <mc:AlternateContent xmlns:mc="http://schemas.openxmlformats.org/markup-compatibility/2006">
+    <mc:Choice xmlns:c14="http://schemas.microsoft.com/office/drawing/2007/8/2/chart" Requires="c14">
+      <c14:style val="102"/>
+    </mc:Choice>
+    <mc:Fallback>
+      <c:style val="2"/>
+    </mc:Fallback>
+  </mc:AlternateContent>
+  <c:chart>
+    <c:title>
+      <c:layout/>
+      <c:overlay val="0"/>
+      <c:spPr>
+        <a:noFill/>
+        <a:ln>
+          <a:noFill/>
+        </a:ln>
+        <a:effectLst/>
+      </c:spPr>
+      <c:txPr>
+        <a:bodyPr rot="0" spcFirstLastPara="0" vertOverflow="ellipsis" vert="horz" wrap="square" anchor="ctr" anchorCtr="1"/>
+        <a:lstStyle/>
+        <a:p>
+          <a:pPr>
+            <a:defRPr lang="en-US" sz="1400" b="1" i="0" u="none" strike="noStrike" kern="1200" baseline="0">
+              <a:solidFill>
+                <a:schemeClr val="tx1">
+                  <a:lumMod val="75000"/>
+                  <a:lumOff val="25000"/>
+                </a:schemeClr>
+              </a:solidFill>
+              <a:latin typeface="+mn-lt"/>
+              <a:ea typeface="+mn-ea"/>
+              <a:cs typeface="+mn-cs"/>
+            </a:defRPr>
+          </a:pPr>
+        </a:p>
+      </c:txPr>
+    </c:title>
+    <c:autoTitleDeleted val="0"/>
+    <c:plotArea>
+      <c:layout/>
+      <c:barChart>
+        <c:barDir val="col"/>
+        <c:grouping val="clustered"/>
+        <c:varyColors val="0"/>
+        <c:ser>
+          <c:idx val="0"/>
+          <c:order val="0"/>
+          <c:tx>
+            <c:strRef>
+              <c:f>Sheet1!$B$1</c:f>
+              <c:strCache>
+                <c:ptCount val="1"/>
+                <c:pt idx="0">
+                  <c:v>Series 1</c:v>
+                </c:pt>
+              </c:strCache>
+            </c:strRef>
+          </c:tx>
+          <c:spPr>
+            <a:solidFill>
+              <a:schemeClr val="accent1"/>
+            </a:solidFill>
+            <a:ln>
+              <a:noFill/>
+            </a:ln>
+            <a:effectLst/>
+          </c:spPr>
+          <c:invertIfNegative val="0"/>
+          <c:dLbls>
+            <c:delete val="1"/>
+          </c:dLbls>
+          <c:cat>
+            <c:strRef>
+              <c:f>Sheet1!$A$2:$A$5</c:f>
+              <c:strCache>
+                <c:ptCount val="4"/>
+                <c:pt idx="0">
+                  <c:v>Category 1</c:v>
+                </c:pt>
+                <c:pt idx="1">
+                  <c:v>Category 2</c:v>
+                </c:pt>
+                <c:pt idx="2">
+                  <c:v>Category 3</c:v>
+                </c:pt>
+                <c:pt idx="3">
+                  <c:v>Category 4</c:v>
+                </c:pt>
+              </c:strCache>
+            </c:strRef>
+          </c:cat>
+          <c:val>
+            <c:numRef>
+              <c:f>Sheet1!$B$2:$B$5</c:f>
+              <c:numCache>
+                <c:formatCode>General</c:formatCode>
+                <c:ptCount val="4"/>
+                <c:pt idx="0">
+                  <c:v>4.3</c:v>
+                </c:pt>
+                <c:pt idx="1">
+                  <c:v>2.5</c:v>
+                </c:pt>
+                <c:pt idx="2">
+                  <c:v>3.5</c:v>
+                </c:pt>
+                <c:pt idx="3">
+                  <c:v>4.5</c:v>
+                </c:pt>
+              </c:numCache>
+            </c:numRef>
+          </c:val>
+        </c:ser>
+        <c:ser>
+          <c:idx val="1"/>
+          <c:order val="1"/>
+          <c:tx>
+            <c:strRef>
+              <c:f>Sheet1!$C$1</c:f>
+              <c:strCache>
+                <c:ptCount val="1"/>
+                <c:pt idx="0">
+                  <c:v>Series 2</c:v>
+                </c:pt>
+              </c:strCache>
+            </c:strRef>
+          </c:tx>
+          <c:spPr>
+            <a:solidFill>
+              <a:schemeClr val="accent2"/>
+            </a:solidFill>
+            <a:ln>
+              <a:noFill/>
+            </a:ln>
+            <a:effectLst/>
+          </c:spPr>
+          <c:invertIfNegative val="0"/>
+          <c:dLbls>
+            <c:delete val="1"/>
+          </c:dLbls>
+          <c:cat>
+            <c:strRef>
+              <c:f>Sheet1!$A$2:$A$5</c:f>
+              <c:strCache>
+                <c:ptCount val="4"/>
+                <c:pt idx="0">
+                  <c:v>Category 1</c:v>
+                </c:pt>
+                <c:pt idx="1">
+                  <c:v>Category 2</c:v>
+                </c:pt>
+                <c:pt idx="2">
+                  <c:v>Category 3</c:v>
+                </c:pt>
+                <c:pt idx="3">
+                  <c:v>Category 4</c:v>
+                </c:pt>
+              </c:strCache>
+            </c:strRef>
+          </c:cat>
+          <c:val>
+            <c:numRef>
+              <c:f>Sheet1!$C$2:$C$5</c:f>
+              <c:numCache>
+                <c:formatCode>General</c:formatCode>
+                <c:ptCount val="4"/>
+                <c:pt idx="0">
+                  <c:v>2.4</c:v>
+                </c:pt>
+                <c:pt idx="1">
+                  <c:v>4.4</c:v>
+                </c:pt>
+                <c:pt idx="2">
+                  <c:v>1.8</c:v>
+                </c:pt>
+                <c:pt idx="3">
+                  <c:v>2.8</c:v>
+                </c:pt>
+              </c:numCache>
+            </c:numRef>
+          </c:val>
+        </c:ser>
+        <c:ser>
+          <c:idx val="2"/>
+          <c:order val="2"/>
+          <c:tx>
+            <c:strRef>
+              <c:f>Sheet1!$D$1</c:f>
+              <c:strCache>
+                <c:ptCount val="1"/>
+                <c:pt idx="0">
+                  <c:v>Series 3</c:v>
+                </c:pt>
+              </c:strCache>
+            </c:strRef>
+          </c:tx>
+          <c:spPr>
+            <a:solidFill>
+              <a:schemeClr val="accent3"/>
+            </a:solidFill>
+            <a:ln>
+              <a:noFill/>
+            </a:ln>
+            <a:effectLst/>
+          </c:spPr>
+          <c:invertIfNegative val="0"/>
+          <c:dLbls>
+            <c:delete val="1"/>
+          </c:dLbls>
+          <c:cat>
+            <c:strRef>
+              <c:f>Sheet1!$A$2:$A$5</c:f>
+              <c:strCache>
+                <c:ptCount val="4"/>
+                <c:pt idx="0">
+                  <c:v>Category 1</c:v>
+                </c:pt>
+                <c:pt idx="1">
+                  <c:v>Category 2</c:v>
+                </c:pt>
+                <c:pt idx="2">
+                  <c:v>Category 3</c:v>
+                </c:pt>
+                <c:pt idx="3">
+                  <c:v>Category 4</c:v>
+                </c:pt>
+              </c:strCache>
+            </c:strRef>
+          </c:cat>
+          <c:val>
+            <c:numRef>
+              <c:f>Sheet1!$D$2:$D$5</c:f>
+              <c:numCache>
+                <c:formatCode>General</c:formatCode>
+                <c:ptCount val="4"/>
+                <c:pt idx="0">
+                  <c:v>2</c:v>
+                </c:pt>
+                <c:pt idx="1">
+                  <c:v>2</c:v>
+                </c:pt>
+                <c:pt idx="2">
+                  <c:v>3</c:v>
+                </c:pt>
+                <c:pt idx="3">
+                  <c:v>5</c:v>
+                </c:pt>
+              </c:numCache>
+            </c:numRef>
+          </c:val>
+        </c:ser>
+        <c:dLbls>
+          <c:showLegendKey val="0"/>
+          <c:showVal val="0"/>
+          <c:showCatName val="0"/>
+          <c:showSerName val="0"/>
+          <c:showPercent val="0"/>
+          <c:showBubbleSize val="0"/>
+        </c:dLbls>
+        <c:gapWidth val="246"/>
+        <c:overlap val="-28"/>
+        <c:axId val="887327862"/>
+        <c:axId val="580380338"/>
+      </c:barChart>
+      <c:catAx>
+        <c:axId val="887327862"/>
+        <c:scaling>
+          <c:orientation val="minMax"/>
+        </c:scaling>
+        <c:delete val="0"/>
+        <c:axPos val="b"/>
+        <c:majorTickMark val="none"/>
+        <c:minorTickMark val="none"/>
+        <c:tickLblPos val="nextTo"/>
+        <c:spPr>
+          <a:noFill/>
+          <a:ln w="9525" cap="flat" cmpd="sng" algn="ctr">
+            <a:solidFill>
+              <a:schemeClr val="tx1">
+                <a:lumMod val="15000"/>
+                <a:lumOff val="85000"/>
+              </a:schemeClr>
+            </a:solidFill>
+            <a:round/>
+          </a:ln>
+          <a:effectLst/>
+        </c:spPr>
+        <c:txPr>
+          <a:bodyPr rot="-60000000" spcFirstLastPara="0" vertOverflow="ellipsis" vert="horz" wrap="square" anchor="ctr" anchorCtr="1"/>
+          <a:lstStyle/>
+          <a:p>
+            <a:pPr>
+              <a:defRPr lang="en-US" sz="900" b="0" i="0" u="none" strike="noStrike" kern="1200" baseline="0">
+                <a:solidFill>
+                  <a:schemeClr val="tx1">
+                    <a:lumMod val="65000"/>
+                    <a:lumOff val="35000"/>
+                  </a:schemeClr>
+                </a:solidFill>
+                <a:latin typeface="+mn-lt"/>
+                <a:ea typeface="+mn-ea"/>
+                <a:cs typeface="+mn-cs"/>
+              </a:defRPr>
+            </a:pPr>
+          </a:p>
+        </c:txPr>
+        <c:crossAx val="580380338"/>
+        <c:crosses val="autoZero"/>
+        <c:auto val="1"/>
+        <c:lblAlgn val="ctr"/>
+        <c:lblOffset val="100"/>
+        <c:noMultiLvlLbl val="0"/>
+      </c:catAx>
+      <c:valAx>
+        <c:axId val="580380338"/>
+        <c:scaling>
+          <c:orientation val="minMax"/>
+        </c:scaling>
+        <c:delete val="0"/>
+        <c:axPos val="l"/>
+        <c:majorGridlines>
+          <c:spPr>
+            <a:ln w="9525" cap="flat" cmpd="sng" algn="ctr">
+              <a:solidFill>
+                <a:schemeClr val="lt1">
+                  <a:lumMod val="90200"/>
+                </a:schemeClr>
+              </a:solidFill>
+              <a:round/>
+            </a:ln>
+            <a:effectLst/>
+          </c:spPr>
+        </c:majorGridlines>
+        <c:numFmt formatCode="General" sourceLinked="1"/>
+        <c:majorTickMark val="none"/>
+        <c:minorTickMark val="none"/>
+        <c:tickLblPos val="nextTo"/>
+        <c:spPr>
+          <a:noFill/>
+          <a:ln>
+            <a:noFill/>
+          </a:ln>
+          <a:effectLst/>
+        </c:spPr>
+        <c:txPr>
+          <a:bodyPr rot="-60000000" spcFirstLastPara="0" vertOverflow="ellipsis" vert="horz" wrap="square" anchor="ctr" anchorCtr="1"/>
+          <a:lstStyle/>
+          <a:p>
+            <a:pPr>
+              <a:defRPr lang="en-US" sz="900" b="0" i="0" u="none" strike="noStrike" kern="1200" baseline="0">
+                <a:solidFill>
+                  <a:schemeClr val="tx1">
+                    <a:lumMod val="65000"/>
+                    <a:lumOff val="35000"/>
+                  </a:schemeClr>
+                </a:solidFill>
+                <a:latin typeface="+mn-lt"/>
+                <a:ea typeface="+mn-ea"/>
+                <a:cs typeface="+mn-cs"/>
+              </a:defRPr>
+            </a:pPr>
+          </a:p>
+        </c:txPr>
+        <c:crossAx val="887327862"/>
+        <c:crosses val="autoZero"/>
+        <c:crossBetween val="between"/>
+      </c:valAx>
+      <c:spPr>
+        <a:noFill/>
+        <a:ln>
+          <a:noFill/>
+        </a:ln>
+        <a:effectLst/>
+      </c:spPr>
+    </c:plotArea>
+    <c:legend>
+      <c:legendPos val="b"/>
+      <c:layout/>
+      <c:overlay val="0"/>
+      <c:spPr>
+        <a:noFill/>
+        <a:ln>
+          <a:noFill/>
+        </a:ln>
+        <a:effectLst/>
+      </c:spPr>
+      <c:txPr>
+        <a:bodyPr rot="0" spcFirstLastPara="0" vertOverflow="ellipsis" vert="horz" wrap="square" anchor="ctr" anchorCtr="1"/>
+        <a:lstStyle/>
+        <a:p>
+          <a:pPr>
+            <a:defRPr lang="en-US" sz="900" b="0" i="0" u="none" strike="noStrike" kern="1200" baseline="0">
+              <a:solidFill>
+                <a:schemeClr val="tx1">
+                  <a:lumMod val="65000"/>
+                  <a:lumOff val="35000"/>
+                </a:schemeClr>
+              </a:solidFill>
+              <a:latin typeface="+mn-lt"/>
+              <a:ea typeface="+mn-ea"/>
+              <a:cs typeface="+mn-cs"/>
+            </a:defRPr>
+          </a:pPr>
+        </a:p>
+      </c:txPr>
+    </c:legend>
+    <c:plotVisOnly val="1"/>
+    <c:dispBlanksAs val="gap"/>
+    <c:showDLblsOverMax val="0"/>
+  </c:chart>
+  <c:spPr>
+    <a:noFill/>
+    <a:ln>
+      <a:noFill/>
+    </a:ln>
+    <a:effectLst/>
+  </c:spPr>
+  <c:txPr>
+    <a:bodyPr/>
+    <a:lstStyle/>
+    <a:p>
+      <a:pPr>
+        <a:defRPr lang="en-US"/>
+      </a:pPr>
+    </a:p>
+  </c:txPr>
+  <c:externalData r:id="rId1">
+    <c:autoUpdate val="0"/>
+  </c:externalData>
+</c:chartSpace>
+</file>
+
 <file path=ppt/charts/colors1.xml><?xml version="1.0" encoding="utf-8"?>
+<cs:colorStyle xmlns:cs="http://schemas.microsoft.com/office/drawing/2012/chartStyle" xmlns:a="http://schemas.openxmlformats.org/drawingml/2006/main" meth="cycle" id="10">
+  <a:schemeClr val="accent1"/>
+  <a:schemeClr val="accent2"/>
+  <a:schemeClr val="accent3"/>
+  <a:schemeClr val="accent4"/>
+  <a:schemeClr val="accent5"/>
+  <a:schemeClr val="accent6"/>
+  <cs:variation/>
+  <cs:variation>
+    <a:lumMod val="60000"/>
+  </cs:variation>
+  <cs:variation>
+    <a:lumMod val="80000"/>
+    <a:lumOff val="20000"/>
+  </cs:variation>
+  <cs:variation>
+    <a:lumMod val="80000"/>
+  </cs:variation>
+  <cs:variation>
+    <a:lumMod val="60000"/>
+    <a:lumOff val="40000"/>
+  </cs:variation>
+  <cs:variation>
+    <a:lumMod val="50000"/>
+  </cs:variation>
+  <cs:variation>
+    <a:lumMod val="70000"/>
+    <a:lumOff val="30000"/>
+  </cs:variation>
+  <cs:variation>
+    <a:lumMod val="70000"/>
+  </cs:variation>
+  <cs:variation>
+    <a:lumMod val="50000"/>
+    <a:lumOff val="50000"/>
+  </cs:variation>
+</cs:colorStyle>
+</file>
+
+<file path=ppt/charts/colors2.xml><?xml version="1.0" encoding="utf-8"?>
 <cs:colorStyle xmlns:cs="http://schemas.microsoft.com/office/drawing/2012/chartStyle" xmlns:a="http://schemas.openxmlformats.org/drawingml/2006/main" meth="cycle" id="10">
   <a:schemeClr val="accent1"/>
   <a:schemeClr val="accent2"/>
@@ -956,6 +1435,516 @@
 </cs:chartStyle>
 </file>
 
+<file path=ppt/charts/style2.xml><?xml version="1.0" encoding="utf-8"?>
+<cs:chartStyle xmlns:cs="http://schemas.microsoft.com/office/drawing/2012/chartStyle" xmlns:a="http://schemas.openxmlformats.org/drawingml/2006/main" id="10001">
+  <cs:axisTitle>
+    <cs:lnRef idx="0"/>
+    <cs:fillRef idx="0"/>
+    <cs:effectRef idx="0"/>
+    <cs:fontRef idx="minor">
+      <a:schemeClr val="tx1">
+        <a:lumMod val="65000"/>
+        <a:lumOff val="35000"/>
+      </a:schemeClr>
+    </cs:fontRef>
+    <cs:defRPr sz="1000" kern="1200"/>
+  </cs:axisTitle>
+  <cs:categoryAxis>
+    <cs:lnRef idx="0"/>
+    <cs:fillRef idx="0"/>
+    <cs:effectRef idx="0"/>
+    <cs:fontRef idx="minor">
+      <a:schemeClr val="tx1">
+        <a:lumMod val="65000"/>
+        <a:lumOff val="35000"/>
+      </a:schemeClr>
+    </cs:fontRef>
+    <cs:spPr>
+      <a:ln w="9525" cap="flat" cmpd="sng" algn="ctr">
+        <a:solidFill>
+          <a:schemeClr val="tx1">
+            <a:lumMod val="15000"/>
+            <a:lumOff val="85000"/>
+          </a:schemeClr>
+        </a:solidFill>
+        <a:round/>
+      </a:ln>
+    </cs:spPr>
+    <cs:defRPr sz="900" kern="1200"/>
+  </cs:categoryAxis>
+  <cs:chartArea mods="allowNoFillOverride allowNoLineOverride">
+    <cs:lnRef idx="0"/>
+    <cs:fillRef idx="0"/>
+    <cs:effectRef idx="0"/>
+    <cs:fontRef idx="minor">
+      <a:schemeClr val="tx1"/>
+    </cs:fontRef>
+    <cs:spPr>
+      <a:solidFill>
+        <a:schemeClr val="bg1"/>
+      </a:solidFill>
+      <a:ln w="9525" cap="flat" cmpd="sng" algn="ctr">
+        <a:solidFill>
+          <a:schemeClr val="tx1">
+            <a:lumMod val="15000"/>
+            <a:lumOff val="85000"/>
+          </a:schemeClr>
+        </a:solidFill>
+        <a:round/>
+      </a:ln>
+    </cs:spPr>
+    <cs:defRPr sz="1000" kern="1200"/>
+  </cs:chartArea>
+  <cs:dataLabel>
+    <cs:lnRef idx="0"/>
+    <cs:fillRef idx="0"/>
+    <cs:effectRef idx="0"/>
+    <cs:fontRef idx="minor">
+      <a:schemeClr val="tx1">
+        <a:lumMod val="75000"/>
+        <a:lumOff val="25000"/>
+      </a:schemeClr>
+    </cs:fontRef>
+    <cs:defRPr sz="1000" kern="1200"/>
+  </cs:dataLabel>
+  <cs:dataLabelCallout>
+    <cs:lnRef idx="0"/>
+    <cs:fillRef idx="0"/>
+    <cs:effectRef idx="0"/>
+    <cs:fontRef idx="minor">
+      <a:schemeClr val="dk1">
+        <a:lumMod val="65000"/>
+        <a:lumOff val="35000"/>
+      </a:schemeClr>
+    </cs:fontRef>
+    <cs:spPr>
+      <a:solidFill>
+        <a:schemeClr val="lt1"/>
+      </a:solidFill>
+      <a:ln>
+        <a:solidFill>
+          <a:schemeClr val="dk1">
+            <a:lumMod val="25000"/>
+            <a:lumOff val="75000"/>
+          </a:schemeClr>
+        </a:solidFill>
+      </a:ln>
+    </cs:spPr>
+    <cs:defRPr sz="1000" kern="1200"/>
+    <cs:bodyPr rot="0" spcFirstLastPara="1" vertOverflow="clip" horzOverflow="clip" vert="horz" wrap="square" lIns="36576" tIns="18288" rIns="36576" bIns="18288" anchor="ctr" anchorCtr="1">
+      <a:spAutoFit/>
+    </cs:bodyPr>
+  </cs:dataLabelCallout>
+  <cs:dataPoint>
+    <cs:lnRef idx="0">
+      <cs:styleClr val="auto"/>
+    </cs:lnRef>
+    <cs:fillRef idx="1">
+      <cs:styleClr val="auto"/>
+    </cs:fillRef>
+    <cs:effectRef idx="0"/>
+    <cs:fontRef idx="minor">
+      <a:schemeClr val="dk1"/>
+    </cs:fontRef>
+    <cs:spPr>
+      <a:ln>
+        <a:noFill/>
+      </a:ln>
+      <a:effectLst/>
+    </cs:spPr>
+  </cs:dataPoint>
+  <cs:dataPoint3D>
+    <cs:lnRef idx="0"/>
+    <cs:fillRef idx="1">
+      <cs:styleClr val="auto"/>
+    </cs:fillRef>
+    <cs:effectRef idx="0"/>
+    <cs:fontRef idx="minor">
+      <a:schemeClr val="tx1"/>
+    </cs:fontRef>
+  </cs:dataPoint3D>
+  <cs:dataPointLine>
+    <cs:lnRef idx="0">
+      <cs:styleClr val="auto"/>
+    </cs:lnRef>
+    <cs:fillRef idx="1"/>
+    <cs:effectRef idx="0"/>
+    <cs:fontRef idx="minor">
+      <a:schemeClr val="tx1"/>
+    </cs:fontRef>
+    <cs:spPr>
+      <a:ln w="28575" cap="rnd">
+        <a:solidFill>
+          <a:schemeClr val="phClr"/>
+        </a:solidFill>
+        <a:round/>
+      </a:ln>
+    </cs:spPr>
+  </cs:dataPointLine>
+  <cs:dataPointMarker>
+    <cs:lnRef idx="0">
+      <cs:styleClr val="auto"/>
+    </cs:lnRef>
+    <cs:fillRef idx="1">
+      <cs:styleClr val="auto"/>
+    </cs:fillRef>
+    <cs:effectRef idx="0"/>
+    <cs:fontRef idx="minor">
+      <a:schemeClr val="tx1"/>
+    </cs:fontRef>
+    <cs:spPr>
+      <a:ln w="9525">
+        <a:solidFill>
+          <a:schemeClr val="phClr"/>
+        </a:solidFill>
+      </a:ln>
+    </cs:spPr>
+  </cs:dataPointMarker>
+  <cs:dataPointMarkerLayout symbol="circle" size="5"/>
+  <cs:dataPointWireframe>
+    <cs:lnRef idx="0">
+      <cs:styleClr val="auto"/>
+    </cs:lnRef>
+    <cs:fillRef idx="1"/>
+    <cs:effectRef idx="0"/>
+    <cs:fontRef idx="minor">
+      <a:schemeClr val="tx1"/>
+    </cs:fontRef>
+    <cs:spPr>
+      <a:ln w="9525" cap="rnd">
+        <a:solidFill>
+          <a:schemeClr val="phClr"/>
+        </a:solidFill>
+        <a:round/>
+      </a:ln>
+    </cs:spPr>
+  </cs:dataPointWireframe>
+  <cs:dataTable>
+    <cs:lnRef idx="0"/>
+    <cs:fillRef idx="0"/>
+    <cs:effectRef idx="0"/>
+    <cs:fontRef idx="minor">
+      <a:schemeClr val="tx1">
+        <a:lumMod val="65000"/>
+        <a:lumOff val="35000"/>
+      </a:schemeClr>
+    </cs:fontRef>
+    <cs:spPr>
+      <a:noFill/>
+      <a:ln w="9525" cap="flat" cmpd="sng" algn="ctr">
+        <a:solidFill>
+          <a:schemeClr val="tx1">
+            <a:lumMod val="15000"/>
+            <a:lumOff val="85000"/>
+          </a:schemeClr>
+        </a:solidFill>
+        <a:round/>
+      </a:ln>
+    </cs:spPr>
+    <cs:defRPr sz="900" kern="1200"/>
+  </cs:dataTable>
+  <cs:downBar>
+    <cs:lnRef idx="0"/>
+    <cs:fillRef idx="0"/>
+    <cs:effectRef idx="0"/>
+    <cs:fontRef idx="minor">
+      <a:schemeClr val="dk1"/>
+    </cs:fontRef>
+    <cs:spPr>
+      <a:solidFill>
+        <a:schemeClr val="dk1">
+          <a:lumMod val="65000"/>
+          <a:lumOff val="35000"/>
+        </a:schemeClr>
+      </a:solidFill>
+      <a:ln w="9525">
+        <a:solidFill>
+          <a:schemeClr val="tx1">
+            <a:lumMod val="65000"/>
+            <a:lumOff val="35000"/>
+          </a:schemeClr>
+        </a:solidFill>
+      </a:ln>
+    </cs:spPr>
+  </cs:downBar>
+  <cs:dropLine>
+    <cs:lnRef idx="0"/>
+    <cs:fillRef idx="0"/>
+    <cs:effectRef idx="0"/>
+    <cs:fontRef idx="minor">
+      <a:schemeClr val="tx1"/>
+    </cs:fontRef>
+    <cs:spPr>
+      <a:ln w="9525" cap="flat" cmpd="sng" algn="ctr">
+        <a:solidFill>
+          <a:schemeClr val="tx1">
+            <a:lumMod val="35000"/>
+            <a:lumOff val="65000"/>
+          </a:schemeClr>
+        </a:solidFill>
+        <a:round/>
+      </a:ln>
+    </cs:spPr>
+  </cs:dropLine>
+  <cs:errorBar>
+    <cs:lnRef idx="0"/>
+    <cs:fillRef idx="0"/>
+    <cs:effectRef idx="0"/>
+    <cs:fontRef idx="minor">
+      <a:schemeClr val="tx1"/>
+    </cs:fontRef>
+    <cs:spPr>
+      <a:ln w="9525" cap="flat" cmpd="sng" algn="ctr">
+        <a:solidFill>
+          <a:schemeClr val="tx1">
+            <a:lumMod val="65000"/>
+            <a:lumOff val="35000"/>
+          </a:schemeClr>
+        </a:solidFill>
+        <a:round/>
+      </a:ln>
+    </cs:spPr>
+  </cs:errorBar>
+  <cs:floor>
+    <cs:lnRef idx="0"/>
+    <cs:fillRef idx="0"/>
+    <cs:effectRef idx="0"/>
+    <cs:fontRef idx="minor">
+      <a:schemeClr val="tx1"/>
+    </cs:fontRef>
+    <cs:spPr>
+      <a:noFill/>
+      <a:ln>
+        <a:noFill/>
+      </a:ln>
+    </cs:spPr>
+  </cs:floor>
+  <cs:gridlineMajor>
+    <cs:lnRef idx="0"/>
+    <cs:fillRef idx="0"/>
+    <cs:effectRef idx="0"/>
+    <cs:fontRef idx="minor">
+      <a:schemeClr val="tx1"/>
+    </cs:fontRef>
+    <cs:spPr>
+      <a:ln w="9525" cap="flat" cmpd="sng" algn="ctr">
+        <a:solidFill>
+          <a:schemeClr val="lt1">
+            <a:lumMod val="90200"/>
+          </a:schemeClr>
+        </a:solidFill>
+        <a:round/>
+      </a:ln>
+    </cs:spPr>
+  </cs:gridlineMajor>
+  <cs:gridlineMinor>
+    <cs:lnRef idx="0"/>
+    <cs:fillRef idx="0"/>
+    <cs:effectRef idx="0"/>
+    <cs:fontRef idx="minor">
+      <a:schemeClr val="tx1"/>
+    </cs:fontRef>
+    <cs:spPr>
+      <a:ln w="9525" cap="flat" cmpd="sng" algn="ctr">
+        <a:solidFill>
+          <a:schemeClr val="tx1">
+            <a:lumMod val="5000"/>
+            <a:lumOff val="95000"/>
+          </a:schemeClr>
+        </a:solidFill>
+        <a:round/>
+      </a:ln>
+    </cs:spPr>
+  </cs:gridlineMinor>
+  <cs:hiLoLine>
+    <cs:lnRef idx="0"/>
+    <cs:fillRef idx="0"/>
+    <cs:effectRef idx="0"/>
+    <cs:fontRef idx="minor">
+      <a:schemeClr val="tx1"/>
+    </cs:fontRef>
+    <cs:spPr>
+      <a:ln w="9525" cap="flat" cmpd="sng" algn="ctr">
+        <a:solidFill>
+          <a:schemeClr val="tx1">
+            <a:lumMod val="75000"/>
+            <a:lumOff val="25000"/>
+          </a:schemeClr>
+        </a:solidFill>
+        <a:round/>
+      </a:ln>
+    </cs:spPr>
+  </cs:hiLoLine>
+  <cs:leaderLine>
+    <cs:lnRef idx="0"/>
+    <cs:fillRef idx="0"/>
+    <cs:effectRef idx="0"/>
+    <cs:fontRef idx="minor">
+      <a:schemeClr val="tx1"/>
+    </cs:fontRef>
+    <cs:spPr>
+      <a:ln w="9525" cap="flat" cmpd="sng" algn="ctr">
+        <a:solidFill>
+          <a:schemeClr val="tx1">
+            <a:lumMod val="35000"/>
+            <a:lumOff val="65000"/>
+          </a:schemeClr>
+        </a:solidFill>
+        <a:round/>
+      </a:ln>
+    </cs:spPr>
+  </cs:leaderLine>
+  <cs:legend>
+    <cs:lnRef idx="0"/>
+    <cs:fillRef idx="0"/>
+    <cs:effectRef idx="0"/>
+    <cs:fontRef idx="minor">
+      <a:schemeClr val="tx1">
+        <a:lumMod val="65000"/>
+        <a:lumOff val="35000"/>
+      </a:schemeClr>
+    </cs:fontRef>
+    <cs:defRPr sz="900" kern="1200"/>
+  </cs:legend>
+  <cs:plotArea mods="allowNoFillOverride allowNoLineOverride">
+    <cs:lnRef idx="0"/>
+    <cs:fillRef idx="0"/>
+    <cs:effectRef idx="0"/>
+    <cs:fontRef idx="minor">
+      <a:schemeClr val="tx1"/>
+    </cs:fontRef>
+  </cs:plotArea>
+  <cs:plotArea3D mods="allowNoFillOverride allowNoLineOverride">
+    <cs:lnRef idx="0"/>
+    <cs:fillRef idx="0"/>
+    <cs:effectRef idx="0"/>
+    <cs:fontRef idx="minor">
+      <a:schemeClr val="tx1"/>
+    </cs:fontRef>
+  </cs:plotArea3D>
+  <cs:seriesAxis>
+    <cs:lnRef idx="0"/>
+    <cs:fillRef idx="0"/>
+    <cs:effectRef idx="0"/>
+    <cs:fontRef idx="minor">
+      <a:schemeClr val="tx1">
+        <a:lumMod val="65000"/>
+        <a:lumOff val="35000"/>
+      </a:schemeClr>
+    </cs:fontRef>
+    <cs:defRPr sz="900" kern="1200"/>
+  </cs:seriesAxis>
+  <cs:seriesLine>
+    <cs:lnRef idx="0"/>
+    <cs:fillRef idx="0"/>
+    <cs:effectRef idx="0"/>
+    <cs:fontRef idx="minor">
+      <a:schemeClr val="tx1"/>
+    </cs:fontRef>
+    <cs:spPr>
+      <a:ln w="9525" cap="flat" cmpd="sng" algn="ctr">
+        <a:solidFill>
+          <a:schemeClr val="tx1">
+            <a:lumMod val="35000"/>
+            <a:lumOff val="65000"/>
+          </a:schemeClr>
+        </a:solidFill>
+        <a:round/>
+      </a:ln>
+    </cs:spPr>
+  </cs:seriesLine>
+  <cs:title>
+    <cs:lnRef idx="0"/>
+    <cs:fillRef idx="0"/>
+    <cs:effectRef idx="0"/>
+    <cs:fontRef idx="minor">
+      <a:schemeClr val="tx1">
+        <a:lumMod val="75000"/>
+        <a:lumOff val="25000"/>
+      </a:schemeClr>
+    </cs:fontRef>
+    <cs:defRPr sz="1400" b="1" kern="1200" baseline="0"/>
+  </cs:title>
+  <cs:trendline>
+    <cs:lnRef idx="0">
+      <cs:styleClr val="auto"/>
+    </cs:lnRef>
+    <cs:fillRef idx="0"/>
+    <cs:effectRef idx="0"/>
+    <cs:fontRef idx="minor">
+      <a:schemeClr val="tx1"/>
+    </cs:fontRef>
+    <cs:spPr>
+      <a:ln w="19050" cap="rnd">
+        <a:solidFill>
+          <a:schemeClr val="phClr"/>
+        </a:solidFill>
+        <a:prstDash val="sysDot"/>
+      </a:ln>
+    </cs:spPr>
+  </cs:trendline>
+  <cs:trendlineLabel>
+    <cs:lnRef idx="0"/>
+    <cs:fillRef idx="0"/>
+    <cs:effectRef idx="0"/>
+    <cs:fontRef idx="minor">
+      <a:schemeClr val="tx1">
+        <a:lumMod val="65000"/>
+        <a:lumOff val="35000"/>
+      </a:schemeClr>
+    </cs:fontRef>
+    <cs:defRPr sz="900" kern="1200"/>
+  </cs:trendlineLabel>
+  <cs:upBar>
+    <cs:lnRef idx="0"/>
+    <cs:fillRef idx="0"/>
+    <cs:effectRef idx="0"/>
+    <cs:fontRef idx="minor">
+      <a:schemeClr val="dk1"/>
+    </cs:fontRef>
+    <cs:spPr>
+      <a:solidFill>
+        <a:schemeClr val="lt1"/>
+      </a:solidFill>
+      <a:ln w="9525">
+        <a:solidFill>
+          <a:schemeClr val="tx1">
+            <a:lumMod val="15000"/>
+            <a:lumOff val="85000"/>
+          </a:schemeClr>
+        </a:solidFill>
+      </a:ln>
+    </cs:spPr>
+  </cs:upBar>
+  <cs:valueAxis>
+    <cs:lnRef idx="0"/>
+    <cs:fillRef idx="0"/>
+    <cs:effectRef idx="0"/>
+    <cs:fontRef idx="minor">
+      <a:schemeClr val="tx1">
+        <a:lumMod val="65000"/>
+        <a:lumOff val="35000"/>
+      </a:schemeClr>
+    </cs:fontRef>
+    <cs:defRPr sz="900" kern="1200"/>
+  </cs:valueAxis>
+  <cs:wall>
+    <cs:lnRef idx="0"/>
+    <cs:fillRef idx="0"/>
+    <cs:effectRef idx="0"/>
+    <cs:fontRef idx="minor">
+      <a:schemeClr val="tx1"/>
+    </cs:fontRef>
+    <cs:spPr>
+      <a:noFill/>
+      <a:ln>
+        <a:noFill/>
+      </a:ln>
+    </cs:spPr>
+  </cs:wall>
+</cs:chartStyle>
+</file>
+
 <file path=ppt/notesMasters/notesMaster1.xml><?xml version="1.0" encoding="utf-8"?>
 <p:notesMaster xmlns:a="http://schemas.openxmlformats.org/drawingml/2006/main" xmlns:r="http://schemas.openxmlformats.org/officeDocument/2006/relationships" xmlns:p="http://schemas.openxmlformats.org/presentationml/2006/main">
   <p:cSld>
@@ -6409,7 +7398,7 @@
         <a:spcBef>
           <a:spcPts val="1000"/>
         </a:spcBef>
-        <a:buFont typeface="Arial" panose="020B0604020202090204" pitchFamily="34" charset="0"/>
+        <a:buFont typeface="Arial" panose="020B0604020202020204" pitchFamily="34" charset="0"/>
         <a:buChar char="•"/>
         <a:defRPr sz="2800" kern="1200">
           <a:solidFill>
@@ -6427,7 +7416,7 @@
         <a:spcBef>
           <a:spcPts val="500"/>
         </a:spcBef>
-        <a:buFont typeface="Arial" panose="020B0604020202090204" pitchFamily="34" charset="0"/>
+        <a:buFont typeface="Arial" panose="020B0604020202020204" pitchFamily="34" charset="0"/>
         <a:buChar char="•"/>
         <a:defRPr sz="2400" kern="1200">
           <a:solidFill>
@@ -6445,7 +7434,7 @@
         <a:spcBef>
           <a:spcPts val="500"/>
         </a:spcBef>
-        <a:buFont typeface="Arial" panose="020B0604020202090204" pitchFamily="34" charset="0"/>
+        <a:buFont typeface="Arial" panose="020B0604020202020204" pitchFamily="34" charset="0"/>
         <a:buChar char="•"/>
         <a:defRPr sz="2000" kern="1200">
           <a:solidFill>
@@ -6463,7 +7452,7 @@
         <a:spcBef>
           <a:spcPts val="500"/>
         </a:spcBef>
-        <a:buFont typeface="Arial" panose="020B0604020202090204" pitchFamily="34" charset="0"/>
+        <a:buFont typeface="Arial" panose="020B0604020202020204" pitchFamily="34" charset="0"/>
         <a:buChar char="•"/>
         <a:defRPr sz="1800" kern="1200">
           <a:solidFill>
@@ -6481,7 +7470,7 @@
         <a:spcBef>
           <a:spcPts val="500"/>
         </a:spcBef>
-        <a:buFont typeface="Arial" panose="020B0604020202090204" pitchFamily="34" charset="0"/>
+        <a:buFont typeface="Arial" panose="020B0604020202020204" pitchFamily="34" charset="0"/>
         <a:buChar char="•"/>
         <a:defRPr sz="1800" kern="1200">
           <a:solidFill>
@@ -6499,7 +7488,7 @@
         <a:spcBef>
           <a:spcPts val="500"/>
         </a:spcBef>
-        <a:buFont typeface="Arial" panose="020B0604020202090204" pitchFamily="34" charset="0"/>
+        <a:buFont typeface="Arial" panose="020B0604020202020204" pitchFamily="34" charset="0"/>
         <a:buChar char="•"/>
         <a:defRPr sz="1800" kern="1200">
           <a:solidFill>
@@ -6517,7 +7506,7 @@
         <a:spcBef>
           <a:spcPts val="500"/>
         </a:spcBef>
-        <a:buFont typeface="Arial" panose="020B0604020202090204" pitchFamily="34" charset="0"/>
+        <a:buFont typeface="Arial" panose="020B0604020202020204" pitchFamily="34" charset="0"/>
         <a:buChar char="•"/>
         <a:defRPr sz="1800" kern="1200">
           <a:solidFill>
@@ -6535,7 +7524,7 @@
         <a:spcBef>
           <a:spcPts val="500"/>
         </a:spcBef>
-        <a:buFont typeface="Arial" panose="020B0604020202090204" pitchFamily="34" charset="0"/>
+        <a:buFont typeface="Arial" panose="020B0604020202020204" pitchFamily="34" charset="0"/>
         <a:buChar char="•"/>
         <a:defRPr sz="1800" kern="1200">
           <a:solidFill>
@@ -6553,7 +7542,7 @@
         <a:spcBef>
           <a:spcPts val="500"/>
         </a:spcBef>
-        <a:buFont typeface="Arial" panose="020B0604020202090204" pitchFamily="34" charset="0"/>
+        <a:buFont typeface="Arial" panose="020B0604020202020204" pitchFamily="34" charset="0"/>
         <a:buChar char="•"/>
         <a:defRPr sz="1800" kern="1200">
           <a:solidFill>
@@ -6946,7 +7935,7 @@
         <a:spcBef>
           <a:spcPts val="1000"/>
         </a:spcBef>
-        <a:buFont typeface="Arial" panose="020B0604020202090204" pitchFamily="34" charset="0"/>
+        <a:buFont typeface="Arial" panose="020B0604020202020204" pitchFamily="34" charset="0"/>
         <a:buChar char="•"/>
         <a:defRPr sz="2800" kern="1200">
           <a:solidFill>
@@ -6964,7 +7953,7 @@
         <a:spcBef>
           <a:spcPts val="500"/>
         </a:spcBef>
-        <a:buFont typeface="Arial" panose="020B0604020202090204" pitchFamily="34" charset="0"/>
+        <a:buFont typeface="Arial" panose="020B0604020202020204" pitchFamily="34" charset="0"/>
         <a:buChar char="•"/>
         <a:defRPr sz="2400" kern="1200">
           <a:solidFill>
@@ -6982,7 +7971,7 @@
         <a:spcBef>
           <a:spcPts val="500"/>
         </a:spcBef>
-        <a:buFont typeface="Arial" panose="020B0604020202090204" pitchFamily="34" charset="0"/>
+        <a:buFont typeface="Arial" panose="020B0604020202020204" pitchFamily="34" charset="0"/>
         <a:buChar char="•"/>
         <a:defRPr sz="2000" kern="1200">
           <a:solidFill>
@@ -7000,7 +7989,7 @@
         <a:spcBef>
           <a:spcPts val="500"/>
         </a:spcBef>
-        <a:buFont typeface="Arial" panose="020B0604020202090204" pitchFamily="34" charset="0"/>
+        <a:buFont typeface="Arial" panose="020B0604020202020204" pitchFamily="34" charset="0"/>
         <a:buChar char="•"/>
         <a:defRPr sz="1800" kern="1200">
           <a:solidFill>
@@ -7018,7 +8007,7 @@
         <a:spcBef>
           <a:spcPts val="500"/>
         </a:spcBef>
-        <a:buFont typeface="Arial" panose="020B0604020202090204" pitchFamily="34" charset="0"/>
+        <a:buFont typeface="Arial" panose="020B0604020202020204" pitchFamily="34" charset="0"/>
         <a:buChar char="•"/>
         <a:defRPr sz="1800" kern="1200">
           <a:solidFill>
@@ -7036,7 +8025,7 @@
         <a:spcBef>
           <a:spcPts val="500"/>
         </a:spcBef>
-        <a:buFont typeface="Arial" panose="020B0604020202090204" pitchFamily="34" charset="0"/>
+        <a:buFont typeface="Arial" panose="020B0604020202020204" pitchFamily="34" charset="0"/>
         <a:buChar char="•"/>
         <a:defRPr sz="1800" kern="1200">
           <a:solidFill>
@@ -7054,7 +8043,7 @@
         <a:spcBef>
           <a:spcPts val="500"/>
         </a:spcBef>
-        <a:buFont typeface="Arial" panose="020B0604020202090204" pitchFamily="34" charset="0"/>
+        <a:buFont typeface="Arial" panose="020B0604020202020204" pitchFamily="34" charset="0"/>
         <a:buChar char="•"/>
         <a:defRPr sz="1800" kern="1200">
           <a:solidFill>
@@ -7072,7 +8061,7 @@
         <a:spcBef>
           <a:spcPts val="500"/>
         </a:spcBef>
-        <a:buFont typeface="Arial" panose="020B0604020202090204" pitchFamily="34" charset="0"/>
+        <a:buFont typeface="Arial" panose="020B0604020202020204" pitchFamily="34" charset="0"/>
         <a:buChar char="•"/>
         <a:defRPr sz="1800" kern="1200">
           <a:solidFill>
@@ -7090,7 +8079,7 @@
         <a:spcBef>
           <a:spcPts val="500"/>
         </a:spcBef>
-        <a:buFont typeface="Arial" panose="020B0604020202090204" pitchFamily="34" charset="0"/>
+        <a:buFont typeface="Arial" panose="020B0604020202020204" pitchFamily="34" charset="0"/>
         <a:buChar char="•"/>
         <a:defRPr sz="1800" kern="1200">
           <a:solidFill>
@@ -9004,6 +9993,22 @@
           </a:graphicData>
         </a:graphic>
       </p:graphicFrame>
+      <p:graphicFrame>
+        <p:nvGraphicFramePr>
+          <p:cNvPr id="2" name="Chart 1"/>
+          <p:cNvGraphicFramePr/>
+          <p:nvPr/>
+        </p:nvGraphicFramePr>
+        <p:xfrm>
+          <a:off x="3498850" y="247015"/>
+          <a:ext cx="6839585" cy="3959860"/>
+        </p:xfrm>
+        <a:graphic>
+          <a:graphicData uri="http://schemas.openxmlformats.org/drawingml/2006/chart">
+            <c:chart xmlns:c="http://schemas.openxmlformats.org/drawingml/2006/chart" xmlns:r="http://schemas.openxmlformats.org/officeDocument/2006/relationships" r:id="rId2"/>
+          </a:graphicData>
+        </a:graphic>
+      </p:graphicFrame>
     </p:spTree>
   </p:cSld>
   <p:clrMapOvr>
@@ -11330,12 +12335,12 @@
           <a:graphicData uri="http://schemas.openxmlformats.org/presentationml/2006/ole">
             <mc:AlternateContent xmlns:mc="http://schemas.openxmlformats.org/markup-compatibility/2006">
               <mc:Choice xmlns:v="urn:schemas-microsoft-com:vml" Requires="v">
-                <p:oleObj spid="_x0000_s1137" name="Presentation" r:id="rId9" imgW="6085840" imgH="3423285" progId="PowerPoint.Show.12">
+                <p:oleObj spid="_x0000_s1137" name="Presentation" r:id="rId9" imgW="6087110" imgH="3424555" progId="PowerPoint.Show.12">
                   <p:embed/>
                 </p:oleObj>
               </mc:Choice>
               <mc:Fallback>
-                <p:oleObj name="Presentation" r:id="rId9" imgW="6085840" imgH="3423285" progId="PowerPoint.Show.12">
+                <p:oleObj name="Presentation" r:id="rId9" imgW="6087110" imgH="3424555" progId="PowerPoint.Show.12">
                   <p:embed/>
                   <p:pic>
                     <p:nvPicPr>
@@ -11381,12 +12386,12 @@
           <a:graphicData uri="http://schemas.openxmlformats.org/presentationml/2006/ole">
             <mc:AlternateContent xmlns:mc="http://schemas.openxmlformats.org/markup-compatibility/2006">
               <mc:Choice xmlns:v="urn:schemas-microsoft-com:vml" Requires="v">
-                <p:oleObj spid="_x0000_s1138" name="Document" r:id="rId11" imgW="5276215" imgH="197485" progId="Word.Document.12">
+                <p:oleObj spid="_x0000_s1138" name="Document" r:id="rId11" imgW="5278120" imgH="199390" progId="Word.Document.12">
                   <p:embed/>
                 </p:oleObj>
               </mc:Choice>
               <mc:Fallback>
-                <p:oleObj name="Document" r:id="rId11" imgW="5276215" imgH="197485" progId="Word.Document.12">
+                <p:oleObj name="Document" r:id="rId11" imgW="5278120" imgH="199390" progId="Word.Document.12">
                   <p:embed/>
                   <p:pic>
                     <p:nvPicPr>
@@ -11432,12 +12437,12 @@
           <a:graphicData uri="http://schemas.openxmlformats.org/presentationml/2006/ole">
             <mc:AlternateContent xmlns:mc="http://schemas.openxmlformats.org/markup-compatibility/2006">
               <mc:Choice xmlns:v="urn:schemas-microsoft-com:vml" Requires="v">
-                <p:oleObj spid="_x0000_s1139" name="Worksheet" r:id="rId13" imgW="1187450" imgH="516255" progId="Excel.Sheet.12">
+                <p:oleObj spid="_x0000_s1139" name="Worksheet" r:id="rId13" imgW="1194435" imgH="523875" progId="Excel.Sheet.12">
                   <p:embed/>
                 </p:oleObj>
               </mc:Choice>
               <mc:Fallback>
-                <p:oleObj name="Worksheet" r:id="rId13" imgW="1187450" imgH="516255" progId="Excel.Sheet.12">
+                <p:oleObj name="Worksheet" r:id="rId13" imgW="1194435" imgH="523875" progId="Excel.Sheet.12">
                   <p:embed/>
                   <p:pic>
                     <p:nvPicPr>
@@ -11483,12 +12488,12 @@
           <a:graphicData uri="http://schemas.openxmlformats.org/presentationml/2006/ole">
             <mc:AlternateContent xmlns:mc="http://schemas.openxmlformats.org/markup-compatibility/2006">
               <mc:Choice xmlns:v="urn:schemas-microsoft-com:vml" Requires="v">
-                <p:oleObj spid="_x0000_s1140" name="包装程序外壳对象" showAsIcon="1" r:id="rId15" imgW="530860" imgH="501650" progId="Package">
+                <p:oleObj spid="_x0000_s1140" name="包装程序外壳对象" showAsIcon="1" r:id="rId15" imgW="538480" imgH="508635" progId="Package">
                   <p:embed/>
                 </p:oleObj>
               </mc:Choice>
               <mc:Fallback>
-                <p:oleObj name="包装程序外壳对象" showAsIcon="1" r:id="rId15" imgW="530860" imgH="501650" progId="Package">
+                <p:oleObj name="包装程序外壳对象" showAsIcon="1" r:id="rId15" imgW="538480" imgH="508635" progId="Package">
                   <p:embed/>
                   <p:pic>
                     <p:nvPicPr>
@@ -12653,7 +13658,7 @@
               <a:lnSpc>
                 <a:spcPct val="200000"/>
               </a:lnSpc>
-              <a:buFont typeface="Arial" panose="020B0604020202090204" pitchFamily="34" charset="0"/>
+              <a:buFont typeface="Arial" panose="020B0604020202020204" pitchFamily="34" charset="0"/>
               <a:buChar char="•"/>
             </a:pPr>
             <a:r>

--- a/assets/ppt/simple.pptx
+++ b/assets/ppt/simple.pptx
@@ -24,6 +24,9 @@
   </p:sldIdLst>
   <p:sldSz cx="12192000" cy="6858000"/>
   <p:notesSz cx="6858000" cy="9144000"/>
+  <p:custDataLst>
+    <p:tags r:id="rId20"/>
+  </p:custDataLst>
   <p:defaultTextStyle>
     <a:defPPr>
       <a:defRPr lang="en-US"/>
@@ -153,6 +156,40 @@
   </mc:AlternateContent>
   <c:chart>
     <c:title>
+      <c:tx>
+        <c:rich>
+          <a:bodyPr rot="0" spcFirstLastPara="0" vertOverflow="ellipsis" vert="horz" wrap="square" anchor="ctr" anchorCtr="1"/>
+          <a:lstStyle/>
+          <a:p>
+            <a:pPr defTabSz="914400">
+              <a:defRPr lang="zh-CN" sz="1400" b="1" i="0" u="none" strike="noStrike" kern="1200" baseline="0">
+                <a:solidFill>
+                  <a:schemeClr val="tx1">
+                    <a:lumMod val="75000"/>
+                    <a:lumOff val="25000"/>
+                  </a:schemeClr>
+                </a:solidFill>
+                <a:latin typeface="+mn-lt"/>
+                <a:ea typeface="+mn-ea"/>
+                <a:cs typeface="+mn-cs"/>
+              </a:defRPr>
+            </a:pPr>
+            <a:r>
+              <a:rPr>
+                <a:highlight>
+                  <a:srgbClr val="FFFF00"/>
+                </a:highlight>
+              </a:rPr>
+              <a:t>销售额</a:t>
+            </a:r>
+            <a:endParaRPr>
+              <a:highlight>
+                <a:srgbClr val="FFFF00"/>
+              </a:highlight>
+            </a:endParaRPr>
+          </a:p>
+        </c:rich>
+      </c:tx>
       <c:layout/>
       <c:overlay val="0"/>
       <c:spPr>
@@ -162,25 +199,6 @@
         </a:ln>
         <a:effectLst/>
       </c:spPr>
-      <c:txPr>
-        <a:bodyPr rot="0" spcFirstLastPara="0" vertOverflow="ellipsis" vert="horz" wrap="square" anchor="ctr" anchorCtr="1"/>
-        <a:lstStyle/>
-        <a:p>
-          <a:pPr>
-            <a:defRPr lang="zh-CN" sz="1400" b="1" i="0" u="none" strike="noStrike" kern="1200" baseline="0">
-              <a:solidFill>
-                <a:schemeClr val="tx1">
-                  <a:lumMod val="75000"/>
-                  <a:lumOff val="25000"/>
-                </a:schemeClr>
-              </a:solidFill>
-              <a:latin typeface="+mn-lt"/>
-              <a:ea typeface="+mn-ea"/>
-              <a:cs typeface="+mn-cs"/>
-            </a:defRPr>
-          </a:pPr>
-        </a:p>
-      </c:txPr>
     </c:title>
     <c:autoTitleDeleted val="0"/>
     <c:plotArea>
@@ -208,17 +226,12 @@
             <c:bubble3D val="0"/>
             <c:explosion val="8"/>
             <c:spPr>
-              <a:gradFill>
-                <a:gsLst>
-                  <a:gs pos="0">
-                    <a:srgbClr val="9EE256"/>
-                  </a:gs>
-                  <a:gs pos="100000">
-                    <a:srgbClr val="52762D"/>
-                  </a:gs>
-                </a:gsLst>
-                <a:lin ang="7800000" scaled="0"/>
-              </a:gradFill>
+              <a:blipFill rotWithShape="1">
+                <a:blip xmlns:r="http://schemas.openxmlformats.org/officeDocument/2006/relationships" r:embed="rId2"/>
+                <a:stretch>
+                  <a:fillRect/>
+                </a:stretch>
+              </a:blipFill>
               <a:ln w="34925" cap="flat" cmpd="sng">
                 <a:solidFill>
                   <a:schemeClr val="tx1"/>
@@ -410,6 +423,30 @@
   </mc:AlternateContent>
   <c:chart>
     <c:title>
+      <c:tx>
+        <c:rich>
+          <a:bodyPr rot="0" spcFirstLastPara="0" vertOverflow="ellipsis" vert="horz" wrap="square" anchor="ctr" anchorCtr="1"/>
+          <a:lstStyle/>
+          <a:p>
+            <a:pPr defTabSz="914400">
+              <a:defRPr lang="en-US" sz="1400" b="1" i="0" u="none" strike="noStrike" kern="1200" baseline="0">
+                <a:solidFill>
+                  <a:schemeClr val="tx1">
+                    <a:lumMod val="75000"/>
+                    <a:lumOff val="25000"/>
+                  </a:schemeClr>
+                </a:solidFill>
+                <a:latin typeface="+mn-lt"/>
+                <a:ea typeface="+mn-ea"/>
+                <a:cs typeface="+mn-cs"/>
+              </a:defRPr>
+            </a:pPr>
+            <a:r>
+              <a:t>NIHAO</a:t>
+            </a:r>
+          </a:p>
+        </c:rich>
+      </c:tx>
       <c:layout/>
       <c:overlay val="0"/>
       <c:spPr>
@@ -419,25 +456,6 @@
         </a:ln>
         <a:effectLst/>
       </c:spPr>
-      <c:txPr>
-        <a:bodyPr rot="0" spcFirstLastPara="0" vertOverflow="ellipsis" vert="horz" wrap="square" anchor="ctr" anchorCtr="1"/>
-        <a:lstStyle/>
-        <a:p>
-          <a:pPr>
-            <a:defRPr lang="en-US" sz="1400" b="1" i="0" u="none" strike="noStrike" kern="1200" baseline="0">
-              <a:solidFill>
-                <a:schemeClr val="tx1">
-                  <a:lumMod val="75000"/>
-                  <a:lumOff val="25000"/>
-                </a:schemeClr>
-              </a:solidFill>
-              <a:latin typeface="+mn-lt"/>
-              <a:ea typeface="+mn-ea"/>
-              <a:cs typeface="+mn-cs"/>
-            </a:defRPr>
-          </a:pPr>
-        </a:p>
-      </c:txPr>
     </c:title>
     <c:autoTitleDeleted val="0"/>
     <c:plotArea>
@@ -661,8 +679,8 @@
           <c:showPercent val="0"/>
           <c:showBubbleSize val="0"/>
         </c:dLbls>
-        <c:gapWidth val="246"/>
-        <c:overlap val="-28"/>
+        <c:gapWidth val="150"/>
+        <c:overlap val="0"/>
         <c:axId val="887327862"/>
         <c:axId val="580380338"/>
       </c:barChart>
@@ -673,6 +691,46 @@
         </c:scaling>
         <c:delete val="0"/>
         <c:axPos val="b"/>
+        <c:title>
+          <c:tx>
+            <c:rich>
+              <a:bodyPr rot="0" spcFirstLastPara="0" vertOverflow="ellipsis" vert="horz" wrap="square" anchor="ctr" anchorCtr="1"/>
+              <a:lstStyle/>
+              <a:p>
+                <a:pPr defTabSz="914400">
+                  <a:defRPr lang="en-US" sz="1000" b="0" i="0" u="none" strike="noStrike" kern="1200" baseline="0">
+                    <a:solidFill>
+                      <a:schemeClr val="tx1">
+                        <a:lumMod val="65000"/>
+                        <a:lumOff val="35000"/>
+                      </a:schemeClr>
+                    </a:solidFill>
+                    <a:latin typeface="+mn-lt"/>
+                    <a:ea typeface="+mn-ea"/>
+                    <a:cs typeface="+mn-cs"/>
+                  </a:defRPr>
+                </a:pPr>
+                <a:r>
+                  <a:t>坐标轴</a:t>
+                </a:r>
+                <a:r>
+                  <a:rPr lang="zh-CN" altLang="en-US"/>
+                  <a:t>标题</a:t>
+                </a:r>
+                <a:endParaRPr lang="zh-CN" altLang="en-US"/>
+              </a:p>
+            </c:rich>
+          </c:tx>
+          <c:layout/>
+          <c:overlay val="0"/>
+          <c:spPr>
+            <a:noFill/>
+            <a:ln>
+              <a:noFill/>
+            </a:ln>
+            <a:effectLst/>
+          </c:spPr>
+        </c:title>
         <c:majorTickMark val="none"/>
         <c:minorTickMark val="none"/>
         <c:tickLblPos val="nextTo"/>
@@ -735,6 +793,41 @@
             <a:effectLst/>
           </c:spPr>
         </c:majorGridlines>
+        <c:title>
+          <c:tx>
+            <c:rich>
+              <a:bodyPr rot="-5400000" spcFirstLastPara="0" vertOverflow="ellipsis" vert="horz" wrap="square" anchor="ctr" anchorCtr="1"/>
+              <a:lstStyle/>
+              <a:p>
+                <a:pPr defTabSz="914400">
+                  <a:defRPr lang="en-US" sz="1000" b="0" i="0" u="none" strike="noStrike" kern="1200" baseline="0">
+                    <a:solidFill>
+                      <a:schemeClr val="tx1">
+                        <a:lumMod val="65000"/>
+                        <a:lumOff val="35000"/>
+                      </a:schemeClr>
+                    </a:solidFill>
+                    <a:latin typeface="+mn-lt"/>
+                    <a:ea typeface="+mn-ea"/>
+                    <a:cs typeface="+mn-cs"/>
+                  </a:defRPr>
+                </a:pPr>
+                <a:r>
+                  <a:t>坐标轴题</a:t>
+                </a:r>
+              </a:p>
+            </c:rich>
+          </c:tx>
+          <c:layout/>
+          <c:overlay val="0"/>
+          <c:spPr>
+            <a:noFill/>
+            <a:ln>
+              <a:noFill/>
+            </a:ln>
+            <a:effectLst/>
+          </c:spPr>
+        </c:title>
         <c:numFmt formatCode="General" sourceLinked="1"/>
         <c:majorTickMark val="none"/>
         <c:minorTickMark val="none"/>
@@ -778,7 +871,7 @@
       </c:spPr>
     </c:plotArea>
     <c:legend>
-      <c:legendPos val="b"/>
+      <c:legendPos val="r"/>
       <c:layout/>
       <c:overlay val="0"/>
       <c:spPr>
@@ -834,6 +927,455 @@
 </c:chartSpace>
 </file>
 
+<file path=ppt/charts/chart3.xml><?xml version="1.0" encoding="utf-8"?>
+<c:chartSpace xmlns:c="http://schemas.openxmlformats.org/drawingml/2006/chart" xmlns:a="http://schemas.openxmlformats.org/drawingml/2006/main" xmlns:r="http://schemas.openxmlformats.org/officeDocument/2006/relationships">
+  <c:date1904 val="0"/>
+  <c:lang val="zh-CN"/>
+  <c:roundedCorners val="0"/>
+  <mc:AlternateContent xmlns:mc="http://schemas.openxmlformats.org/markup-compatibility/2006">
+    <mc:Choice xmlns:c14="http://schemas.microsoft.com/office/drawing/2007/8/2/chart" Requires="c14">
+      <c14:style val="102"/>
+    </mc:Choice>
+    <mc:Fallback>
+      <c:style val="2"/>
+    </mc:Fallback>
+  </mc:AlternateContent>
+  <c:chart>
+    <c:title>
+      <c:layout/>
+      <c:overlay val="0"/>
+      <c:spPr>
+        <a:noFill/>
+        <a:ln>
+          <a:noFill/>
+        </a:ln>
+        <a:effectLst/>
+      </c:spPr>
+      <c:txPr>
+        <a:bodyPr rot="0" spcFirstLastPara="0" vertOverflow="ellipsis" vert="horz" wrap="square" anchor="ctr" anchorCtr="1"/>
+        <a:lstStyle/>
+        <a:p>
+          <a:pPr>
+            <a:defRPr lang="zh-CN" sz="1400" b="1" i="0" u="none" strike="noStrike" kern="1200" baseline="0">
+              <a:solidFill>
+                <a:schemeClr val="tx1">
+                  <a:lumMod val="75000"/>
+                  <a:lumOff val="25000"/>
+                </a:schemeClr>
+              </a:solidFill>
+              <a:latin typeface="+mn-lt"/>
+              <a:ea typeface="+mn-ea"/>
+              <a:cs typeface="+mn-cs"/>
+            </a:defRPr>
+          </a:pPr>
+        </a:p>
+      </c:txPr>
+    </c:title>
+    <c:autoTitleDeleted val="0"/>
+    <c:plotArea>
+      <c:layout>
+        <c:manualLayout>
+          <c:layoutTarget val="inner"/>
+          <c:xMode val="edge"/>
+          <c:yMode val="edge"/>
+          <c:x val="0.0269798533098134"/>
+          <c:y val="0.166452854393842"/>
+          <c:w val="0.94609599851453"/>
+          <c:h val="0.727934573444516"/>
+        </c:manualLayout>
+      </c:layout>
+      <c:barChart>
+        <c:barDir val="col"/>
+        <c:grouping val="clustered"/>
+        <c:varyColors val="0"/>
+        <c:ser>
+          <c:idx val="0"/>
+          <c:order val="0"/>
+          <c:tx>
+            <c:strRef>
+              <c:f>Sheet1!$B$1</c:f>
+              <c:strCache>
+                <c:ptCount val="1"/>
+                <c:pt idx="0">
+                  <c:v>系列 1</c:v>
+                </c:pt>
+              </c:strCache>
+            </c:strRef>
+          </c:tx>
+          <c:spPr>
+            <a:solidFill>
+              <a:schemeClr val="accent1"/>
+            </a:solidFill>
+            <a:ln>
+              <a:noFill/>
+            </a:ln>
+            <a:effectLst/>
+          </c:spPr>
+          <c:invertIfNegative val="0"/>
+          <c:dLbls>
+            <c:delete val="1"/>
+          </c:dLbls>
+          <c:cat>
+            <c:strRef>
+              <c:f>Sheet1!$A$2:$A$5</c:f>
+              <c:strCache>
+                <c:ptCount val="4"/>
+                <c:pt idx="0">
+                  <c:v>类别1</c:v>
+                </c:pt>
+                <c:pt idx="1">
+                  <c:v>类别2</c:v>
+                </c:pt>
+                <c:pt idx="2">
+                  <c:v>类别3</c:v>
+                </c:pt>
+                <c:pt idx="3">
+                  <c:v>类别4</c:v>
+                </c:pt>
+              </c:strCache>
+            </c:strRef>
+          </c:cat>
+          <c:val>
+            <c:numRef>
+              <c:f>Sheet1!$B$2:$B$5</c:f>
+              <c:numCache>
+                <c:formatCode>General</c:formatCode>
+                <c:ptCount val="4"/>
+                <c:pt idx="0">
+                  <c:v>4.3</c:v>
+                </c:pt>
+                <c:pt idx="1">
+                  <c:v>2.5</c:v>
+                </c:pt>
+                <c:pt idx="2">
+                  <c:v>3.5</c:v>
+                </c:pt>
+                <c:pt idx="3">
+                  <c:v>4.5</c:v>
+                </c:pt>
+              </c:numCache>
+            </c:numRef>
+          </c:val>
+        </c:ser>
+        <c:ser>
+          <c:idx val="1"/>
+          <c:order val="1"/>
+          <c:tx>
+            <c:strRef>
+              <c:f>Sheet1!$C$1</c:f>
+              <c:strCache>
+                <c:ptCount val="1"/>
+                <c:pt idx="0">
+                  <c:v>系列 2</c:v>
+                </c:pt>
+              </c:strCache>
+            </c:strRef>
+          </c:tx>
+          <c:spPr>
+            <a:solidFill>
+              <a:schemeClr val="accent2"/>
+            </a:solidFill>
+            <a:ln>
+              <a:noFill/>
+            </a:ln>
+            <a:effectLst/>
+          </c:spPr>
+          <c:invertIfNegative val="0"/>
+          <c:dLbls>
+            <c:delete val="1"/>
+          </c:dLbls>
+          <c:cat>
+            <c:strRef>
+              <c:f>Sheet1!$A$2:$A$5</c:f>
+              <c:strCache>
+                <c:ptCount val="4"/>
+                <c:pt idx="0">
+                  <c:v>类别1</c:v>
+                </c:pt>
+                <c:pt idx="1">
+                  <c:v>类别2</c:v>
+                </c:pt>
+                <c:pt idx="2">
+                  <c:v>类别3</c:v>
+                </c:pt>
+                <c:pt idx="3">
+                  <c:v>类别4</c:v>
+                </c:pt>
+              </c:strCache>
+            </c:strRef>
+          </c:cat>
+          <c:val>
+            <c:numRef>
+              <c:f>Sheet1!$C$2:$C$5</c:f>
+              <c:numCache>
+                <c:formatCode>General</c:formatCode>
+                <c:ptCount val="4"/>
+                <c:pt idx="0">
+                  <c:v>2.4</c:v>
+                </c:pt>
+                <c:pt idx="1">
+                  <c:v>4.4</c:v>
+                </c:pt>
+                <c:pt idx="2">
+                  <c:v>1.8</c:v>
+                </c:pt>
+                <c:pt idx="3">
+                  <c:v>2.8</c:v>
+                </c:pt>
+              </c:numCache>
+            </c:numRef>
+          </c:val>
+        </c:ser>
+        <c:ser>
+          <c:idx val="2"/>
+          <c:order val="2"/>
+          <c:tx>
+            <c:strRef>
+              <c:f>Sheet1!$D$1</c:f>
+              <c:strCache>
+                <c:ptCount val="1"/>
+                <c:pt idx="0">
+                  <c:v>系列 3</c:v>
+                </c:pt>
+              </c:strCache>
+            </c:strRef>
+          </c:tx>
+          <c:spPr>
+            <a:solidFill>
+              <a:schemeClr val="accent3"/>
+            </a:solidFill>
+            <a:ln>
+              <a:noFill/>
+            </a:ln>
+            <a:effectLst/>
+          </c:spPr>
+          <c:invertIfNegative val="0"/>
+          <c:dLbls>
+            <c:delete val="1"/>
+          </c:dLbls>
+          <c:cat>
+            <c:strRef>
+              <c:f>Sheet1!$A$2:$A$5</c:f>
+              <c:strCache>
+                <c:ptCount val="4"/>
+                <c:pt idx="0">
+                  <c:v>类别1</c:v>
+                </c:pt>
+                <c:pt idx="1">
+                  <c:v>类别2</c:v>
+                </c:pt>
+                <c:pt idx="2">
+                  <c:v>类别3</c:v>
+                </c:pt>
+                <c:pt idx="3">
+                  <c:v>类别4</c:v>
+                </c:pt>
+              </c:strCache>
+            </c:strRef>
+          </c:cat>
+          <c:val>
+            <c:numRef>
+              <c:f>Sheet1!$D$2:$D$5</c:f>
+              <c:numCache>
+                <c:formatCode>General</c:formatCode>
+                <c:ptCount val="4"/>
+                <c:pt idx="0">
+                  <c:v>2</c:v>
+                </c:pt>
+                <c:pt idx="1">
+                  <c:v>2</c:v>
+                </c:pt>
+                <c:pt idx="2">
+                  <c:v>3</c:v>
+                </c:pt>
+                <c:pt idx="3">
+                  <c:v>5</c:v>
+                </c:pt>
+              </c:numCache>
+            </c:numRef>
+          </c:val>
+        </c:ser>
+        <c:dLbls>
+          <c:showLegendKey val="0"/>
+          <c:showVal val="0"/>
+          <c:showCatName val="0"/>
+          <c:showSerName val="0"/>
+          <c:showPercent val="0"/>
+          <c:showBubbleSize val="0"/>
+        </c:dLbls>
+        <c:gapWidth val="246"/>
+        <c:overlap val="-28"/>
+        <c:axId val="817189351"/>
+        <c:axId val="716313999"/>
+      </c:barChart>
+      <c:catAx>
+        <c:axId val="817189351"/>
+        <c:scaling>
+          <c:orientation val="minMax"/>
+        </c:scaling>
+        <c:delete val="0"/>
+        <c:axPos val="b"/>
+        <c:majorTickMark val="none"/>
+        <c:minorTickMark val="none"/>
+        <c:tickLblPos val="nextTo"/>
+        <c:spPr>
+          <a:noFill/>
+          <a:ln w="9525" cap="flat" cmpd="sng" algn="ctr">
+            <a:solidFill>
+              <a:schemeClr val="tx1">
+                <a:lumMod val="15000"/>
+                <a:lumOff val="85000"/>
+              </a:schemeClr>
+            </a:solidFill>
+            <a:round/>
+          </a:ln>
+          <a:effectLst/>
+        </c:spPr>
+        <c:txPr>
+          <a:bodyPr rot="-60000000" spcFirstLastPara="0" vertOverflow="ellipsis" vert="horz" wrap="square" anchor="ctr" anchorCtr="1"/>
+          <a:lstStyle/>
+          <a:p>
+            <a:pPr>
+              <a:defRPr lang="zh-CN" sz="900" b="0" i="0" u="none" strike="noStrike" kern="1200" baseline="0">
+                <a:solidFill>
+                  <a:schemeClr val="tx1">
+                    <a:lumMod val="65000"/>
+                    <a:lumOff val="35000"/>
+                  </a:schemeClr>
+                </a:solidFill>
+                <a:latin typeface="+mn-lt"/>
+                <a:ea typeface="+mn-ea"/>
+                <a:cs typeface="+mn-cs"/>
+              </a:defRPr>
+            </a:pPr>
+          </a:p>
+        </c:txPr>
+        <c:crossAx val="716313999"/>
+        <c:crosses val="autoZero"/>
+        <c:auto val="1"/>
+        <c:lblAlgn val="ctr"/>
+        <c:lblOffset val="100"/>
+        <c:noMultiLvlLbl val="0"/>
+      </c:catAx>
+      <c:valAx>
+        <c:axId val="716313999"/>
+        <c:scaling>
+          <c:orientation val="minMax"/>
+        </c:scaling>
+        <c:delete val="0"/>
+        <c:axPos val="l"/>
+        <c:majorGridlines>
+          <c:spPr>
+            <a:ln w="9525" cap="flat" cmpd="sng" algn="ctr">
+              <a:solidFill>
+                <a:schemeClr val="lt1">
+                  <a:lumMod val="90200"/>
+                </a:schemeClr>
+              </a:solidFill>
+              <a:round/>
+            </a:ln>
+            <a:effectLst/>
+          </c:spPr>
+        </c:majorGridlines>
+        <c:numFmt formatCode="General" sourceLinked="1"/>
+        <c:majorTickMark val="none"/>
+        <c:minorTickMark val="none"/>
+        <c:tickLblPos val="nextTo"/>
+        <c:spPr>
+          <a:noFill/>
+          <a:ln>
+            <a:noFill/>
+          </a:ln>
+          <a:effectLst/>
+        </c:spPr>
+        <c:txPr>
+          <a:bodyPr rot="-60000000" spcFirstLastPara="0" vertOverflow="ellipsis" vert="horz" wrap="square" anchor="ctr" anchorCtr="1"/>
+          <a:lstStyle/>
+          <a:p>
+            <a:pPr>
+              <a:defRPr lang="zh-CN" sz="900" b="0" i="0" u="none" strike="noStrike" kern="1200" baseline="0">
+                <a:solidFill>
+                  <a:schemeClr val="tx1">
+                    <a:lumMod val="65000"/>
+                    <a:lumOff val="35000"/>
+                  </a:schemeClr>
+                </a:solidFill>
+                <a:latin typeface="+mn-lt"/>
+                <a:ea typeface="+mn-ea"/>
+                <a:cs typeface="+mn-cs"/>
+              </a:defRPr>
+            </a:pPr>
+          </a:p>
+        </c:txPr>
+        <c:crossAx val="817189351"/>
+        <c:crosses val="autoZero"/>
+        <c:crossBetween val="between"/>
+      </c:valAx>
+      <c:spPr>
+        <a:noFill/>
+        <a:ln>
+          <a:noFill/>
+        </a:ln>
+        <a:effectLst/>
+      </c:spPr>
+    </c:plotArea>
+    <c:legend>
+      <c:legendPos val="b"/>
+      <c:layout/>
+      <c:overlay val="0"/>
+      <c:spPr>
+        <a:noFill/>
+        <a:ln>
+          <a:noFill/>
+        </a:ln>
+        <a:effectLst/>
+      </c:spPr>
+      <c:txPr>
+        <a:bodyPr rot="0" spcFirstLastPara="0" vertOverflow="ellipsis" vert="horz" wrap="square" anchor="ctr" anchorCtr="1"/>
+        <a:lstStyle/>
+        <a:p>
+          <a:pPr>
+            <a:defRPr lang="zh-CN" sz="900" b="0" i="0" u="none" strike="noStrike" kern="1200" baseline="0">
+              <a:solidFill>
+                <a:schemeClr val="tx1">
+                  <a:lumMod val="65000"/>
+                  <a:lumOff val="35000"/>
+                </a:schemeClr>
+              </a:solidFill>
+              <a:latin typeface="+mn-lt"/>
+              <a:ea typeface="+mn-ea"/>
+              <a:cs typeface="+mn-cs"/>
+            </a:defRPr>
+          </a:pPr>
+        </a:p>
+      </c:txPr>
+    </c:legend>
+    <c:plotVisOnly val="1"/>
+    <c:dispBlanksAs val="gap"/>
+    <c:showDLblsOverMax val="0"/>
+  </c:chart>
+  <c:spPr>
+    <a:noFill/>
+    <a:ln>
+      <a:noFill/>
+    </a:ln>
+    <a:effectLst/>
+  </c:spPr>
+  <c:txPr>
+    <a:bodyPr/>
+    <a:lstStyle/>
+    <a:p>
+      <a:pPr>
+        <a:defRPr lang="zh-CN"/>
+      </a:pPr>
+    </a:p>
+  </c:txPr>
+  <c:externalData r:id="rId1">
+    <c:autoUpdate val="0"/>
+  </c:externalData>
+</c:chartSpace>
+</file>
+
 <file path=ppt/charts/colors1.xml><?xml version="1.0" encoding="utf-8"?>
 <cs:colorStyle xmlns:cs="http://schemas.microsoft.com/office/drawing/2012/chartStyle" xmlns:a="http://schemas.openxmlformats.org/drawingml/2006/main" meth="cycle" id="10">
   <a:schemeClr val="accent1"/>
@@ -875,6 +1417,46 @@
 </file>
 
 <file path=ppt/charts/colors2.xml><?xml version="1.0" encoding="utf-8"?>
+<cs:colorStyle xmlns:cs="http://schemas.microsoft.com/office/drawing/2012/chartStyle" xmlns:a="http://schemas.openxmlformats.org/drawingml/2006/main" meth="cycle" id="10">
+  <a:schemeClr val="accent1"/>
+  <a:schemeClr val="accent2"/>
+  <a:schemeClr val="accent3"/>
+  <a:schemeClr val="accent4"/>
+  <a:schemeClr val="accent5"/>
+  <a:schemeClr val="accent6"/>
+  <cs:variation/>
+  <cs:variation>
+    <a:lumMod val="60000"/>
+  </cs:variation>
+  <cs:variation>
+    <a:lumMod val="80000"/>
+    <a:lumOff val="20000"/>
+  </cs:variation>
+  <cs:variation>
+    <a:lumMod val="80000"/>
+  </cs:variation>
+  <cs:variation>
+    <a:lumMod val="60000"/>
+    <a:lumOff val="40000"/>
+  </cs:variation>
+  <cs:variation>
+    <a:lumMod val="50000"/>
+  </cs:variation>
+  <cs:variation>
+    <a:lumMod val="70000"/>
+    <a:lumOff val="30000"/>
+  </cs:variation>
+  <cs:variation>
+    <a:lumMod val="70000"/>
+  </cs:variation>
+  <cs:variation>
+    <a:lumMod val="50000"/>
+    <a:lumOff val="50000"/>
+  </cs:variation>
+</cs:colorStyle>
+</file>
+
+<file path=ppt/charts/colors3.xml><?xml version="1.0" encoding="utf-8"?>
 <cs:colorStyle xmlns:cs="http://schemas.microsoft.com/office/drawing/2012/chartStyle" xmlns:a="http://schemas.openxmlformats.org/drawingml/2006/main" meth="cycle" id="10">
   <a:schemeClr val="accent1"/>
   <a:schemeClr val="accent2"/>
@@ -1945,6 +2527,516 @@
 </cs:chartStyle>
 </file>
 
+<file path=ppt/charts/style3.xml><?xml version="1.0" encoding="utf-8"?>
+<cs:chartStyle xmlns:cs="http://schemas.microsoft.com/office/drawing/2012/chartStyle" xmlns:a="http://schemas.openxmlformats.org/drawingml/2006/main" id="10001">
+  <cs:axisTitle>
+    <cs:lnRef idx="0"/>
+    <cs:fillRef idx="0"/>
+    <cs:effectRef idx="0"/>
+    <cs:fontRef idx="minor">
+      <a:schemeClr val="tx1">
+        <a:lumMod val="65000"/>
+        <a:lumOff val="35000"/>
+      </a:schemeClr>
+    </cs:fontRef>
+    <cs:defRPr sz="1000" kern="1200"/>
+  </cs:axisTitle>
+  <cs:categoryAxis>
+    <cs:lnRef idx="0"/>
+    <cs:fillRef idx="0"/>
+    <cs:effectRef idx="0"/>
+    <cs:fontRef idx="minor">
+      <a:schemeClr val="tx1">
+        <a:lumMod val="65000"/>
+        <a:lumOff val="35000"/>
+      </a:schemeClr>
+    </cs:fontRef>
+    <cs:spPr>
+      <a:ln w="9525" cap="flat" cmpd="sng" algn="ctr">
+        <a:solidFill>
+          <a:schemeClr val="tx1">
+            <a:lumMod val="15000"/>
+            <a:lumOff val="85000"/>
+          </a:schemeClr>
+        </a:solidFill>
+        <a:round/>
+      </a:ln>
+    </cs:spPr>
+    <cs:defRPr sz="900" kern="1200"/>
+  </cs:categoryAxis>
+  <cs:chartArea mods="allowNoFillOverride allowNoLineOverride">
+    <cs:lnRef idx="0"/>
+    <cs:fillRef idx="0"/>
+    <cs:effectRef idx="0"/>
+    <cs:fontRef idx="minor">
+      <a:schemeClr val="tx1"/>
+    </cs:fontRef>
+    <cs:spPr>
+      <a:solidFill>
+        <a:schemeClr val="bg1"/>
+      </a:solidFill>
+      <a:ln w="9525" cap="flat" cmpd="sng" algn="ctr">
+        <a:solidFill>
+          <a:schemeClr val="tx1">
+            <a:lumMod val="15000"/>
+            <a:lumOff val="85000"/>
+          </a:schemeClr>
+        </a:solidFill>
+        <a:round/>
+      </a:ln>
+    </cs:spPr>
+    <cs:defRPr sz="1000" kern="1200"/>
+  </cs:chartArea>
+  <cs:dataLabel>
+    <cs:lnRef idx="0"/>
+    <cs:fillRef idx="0"/>
+    <cs:effectRef idx="0"/>
+    <cs:fontRef idx="minor">
+      <a:schemeClr val="tx1">
+        <a:lumMod val="75000"/>
+        <a:lumOff val="25000"/>
+      </a:schemeClr>
+    </cs:fontRef>
+    <cs:defRPr sz="1000" kern="1200"/>
+  </cs:dataLabel>
+  <cs:dataLabelCallout>
+    <cs:lnRef idx="0"/>
+    <cs:fillRef idx="0"/>
+    <cs:effectRef idx="0"/>
+    <cs:fontRef idx="minor">
+      <a:schemeClr val="dk1">
+        <a:lumMod val="65000"/>
+        <a:lumOff val="35000"/>
+      </a:schemeClr>
+    </cs:fontRef>
+    <cs:spPr>
+      <a:solidFill>
+        <a:schemeClr val="lt1"/>
+      </a:solidFill>
+      <a:ln>
+        <a:solidFill>
+          <a:schemeClr val="dk1">
+            <a:lumMod val="25000"/>
+            <a:lumOff val="75000"/>
+          </a:schemeClr>
+        </a:solidFill>
+      </a:ln>
+    </cs:spPr>
+    <cs:defRPr sz="1000" kern="1200"/>
+    <cs:bodyPr rot="0" spcFirstLastPara="1" vertOverflow="clip" horzOverflow="clip" vert="horz" wrap="square" lIns="36576" tIns="18288" rIns="36576" bIns="18288" anchor="ctr" anchorCtr="1">
+      <a:spAutoFit/>
+    </cs:bodyPr>
+  </cs:dataLabelCallout>
+  <cs:dataPoint>
+    <cs:lnRef idx="0">
+      <cs:styleClr val="auto"/>
+    </cs:lnRef>
+    <cs:fillRef idx="1">
+      <cs:styleClr val="auto"/>
+    </cs:fillRef>
+    <cs:effectRef idx="0"/>
+    <cs:fontRef idx="minor">
+      <a:schemeClr val="dk1"/>
+    </cs:fontRef>
+    <cs:spPr>
+      <a:ln>
+        <a:noFill/>
+      </a:ln>
+      <a:effectLst/>
+    </cs:spPr>
+  </cs:dataPoint>
+  <cs:dataPoint3D>
+    <cs:lnRef idx="0"/>
+    <cs:fillRef idx="1">
+      <cs:styleClr val="auto"/>
+    </cs:fillRef>
+    <cs:effectRef idx="0"/>
+    <cs:fontRef idx="minor">
+      <a:schemeClr val="tx1"/>
+    </cs:fontRef>
+  </cs:dataPoint3D>
+  <cs:dataPointLine>
+    <cs:lnRef idx="0">
+      <cs:styleClr val="auto"/>
+    </cs:lnRef>
+    <cs:fillRef idx="1"/>
+    <cs:effectRef idx="0"/>
+    <cs:fontRef idx="minor">
+      <a:schemeClr val="tx1"/>
+    </cs:fontRef>
+    <cs:spPr>
+      <a:ln w="28575" cap="rnd">
+        <a:solidFill>
+          <a:schemeClr val="phClr"/>
+        </a:solidFill>
+        <a:round/>
+      </a:ln>
+    </cs:spPr>
+  </cs:dataPointLine>
+  <cs:dataPointMarker>
+    <cs:lnRef idx="0">
+      <cs:styleClr val="auto"/>
+    </cs:lnRef>
+    <cs:fillRef idx="1">
+      <cs:styleClr val="auto"/>
+    </cs:fillRef>
+    <cs:effectRef idx="0"/>
+    <cs:fontRef idx="minor">
+      <a:schemeClr val="tx1"/>
+    </cs:fontRef>
+    <cs:spPr>
+      <a:ln w="9525">
+        <a:solidFill>
+          <a:schemeClr val="phClr"/>
+        </a:solidFill>
+      </a:ln>
+    </cs:spPr>
+  </cs:dataPointMarker>
+  <cs:dataPointMarkerLayout symbol="circle" size="5"/>
+  <cs:dataPointWireframe>
+    <cs:lnRef idx="0">
+      <cs:styleClr val="auto"/>
+    </cs:lnRef>
+    <cs:fillRef idx="1"/>
+    <cs:effectRef idx="0"/>
+    <cs:fontRef idx="minor">
+      <a:schemeClr val="tx1"/>
+    </cs:fontRef>
+    <cs:spPr>
+      <a:ln w="9525" cap="rnd">
+        <a:solidFill>
+          <a:schemeClr val="phClr"/>
+        </a:solidFill>
+        <a:round/>
+      </a:ln>
+    </cs:spPr>
+  </cs:dataPointWireframe>
+  <cs:dataTable>
+    <cs:lnRef idx="0"/>
+    <cs:fillRef idx="0"/>
+    <cs:effectRef idx="0"/>
+    <cs:fontRef idx="minor">
+      <a:schemeClr val="tx1">
+        <a:lumMod val="65000"/>
+        <a:lumOff val="35000"/>
+      </a:schemeClr>
+    </cs:fontRef>
+    <cs:spPr>
+      <a:noFill/>
+      <a:ln w="9525" cap="flat" cmpd="sng" algn="ctr">
+        <a:solidFill>
+          <a:schemeClr val="tx1">
+            <a:lumMod val="15000"/>
+            <a:lumOff val="85000"/>
+          </a:schemeClr>
+        </a:solidFill>
+        <a:round/>
+      </a:ln>
+    </cs:spPr>
+    <cs:defRPr sz="900" kern="1200"/>
+  </cs:dataTable>
+  <cs:downBar>
+    <cs:lnRef idx="0"/>
+    <cs:fillRef idx="0"/>
+    <cs:effectRef idx="0"/>
+    <cs:fontRef idx="minor">
+      <a:schemeClr val="dk1"/>
+    </cs:fontRef>
+    <cs:spPr>
+      <a:solidFill>
+        <a:schemeClr val="dk1">
+          <a:lumMod val="65000"/>
+          <a:lumOff val="35000"/>
+        </a:schemeClr>
+      </a:solidFill>
+      <a:ln w="9525">
+        <a:solidFill>
+          <a:schemeClr val="tx1">
+            <a:lumMod val="65000"/>
+            <a:lumOff val="35000"/>
+          </a:schemeClr>
+        </a:solidFill>
+      </a:ln>
+    </cs:spPr>
+  </cs:downBar>
+  <cs:dropLine>
+    <cs:lnRef idx="0"/>
+    <cs:fillRef idx="0"/>
+    <cs:effectRef idx="0"/>
+    <cs:fontRef idx="minor">
+      <a:schemeClr val="tx1"/>
+    </cs:fontRef>
+    <cs:spPr>
+      <a:ln w="9525" cap="flat" cmpd="sng" algn="ctr">
+        <a:solidFill>
+          <a:schemeClr val="tx1">
+            <a:lumMod val="35000"/>
+            <a:lumOff val="65000"/>
+          </a:schemeClr>
+        </a:solidFill>
+        <a:round/>
+      </a:ln>
+    </cs:spPr>
+  </cs:dropLine>
+  <cs:errorBar>
+    <cs:lnRef idx="0"/>
+    <cs:fillRef idx="0"/>
+    <cs:effectRef idx="0"/>
+    <cs:fontRef idx="minor">
+      <a:schemeClr val="tx1"/>
+    </cs:fontRef>
+    <cs:spPr>
+      <a:ln w="9525" cap="flat" cmpd="sng" algn="ctr">
+        <a:solidFill>
+          <a:schemeClr val="tx1">
+            <a:lumMod val="65000"/>
+            <a:lumOff val="35000"/>
+          </a:schemeClr>
+        </a:solidFill>
+        <a:round/>
+      </a:ln>
+    </cs:spPr>
+  </cs:errorBar>
+  <cs:floor>
+    <cs:lnRef idx="0"/>
+    <cs:fillRef idx="0"/>
+    <cs:effectRef idx="0"/>
+    <cs:fontRef idx="minor">
+      <a:schemeClr val="tx1"/>
+    </cs:fontRef>
+    <cs:spPr>
+      <a:noFill/>
+      <a:ln>
+        <a:noFill/>
+      </a:ln>
+    </cs:spPr>
+  </cs:floor>
+  <cs:gridlineMajor>
+    <cs:lnRef idx="0"/>
+    <cs:fillRef idx="0"/>
+    <cs:effectRef idx="0"/>
+    <cs:fontRef idx="minor">
+      <a:schemeClr val="tx1"/>
+    </cs:fontRef>
+    <cs:spPr>
+      <a:ln w="9525" cap="flat" cmpd="sng" algn="ctr">
+        <a:solidFill>
+          <a:schemeClr val="lt1">
+            <a:lumMod val="90200"/>
+          </a:schemeClr>
+        </a:solidFill>
+        <a:round/>
+      </a:ln>
+    </cs:spPr>
+  </cs:gridlineMajor>
+  <cs:gridlineMinor>
+    <cs:lnRef idx="0"/>
+    <cs:fillRef idx="0"/>
+    <cs:effectRef idx="0"/>
+    <cs:fontRef idx="minor">
+      <a:schemeClr val="tx1"/>
+    </cs:fontRef>
+    <cs:spPr>
+      <a:ln w="9525" cap="flat" cmpd="sng" algn="ctr">
+        <a:solidFill>
+          <a:schemeClr val="tx1">
+            <a:lumMod val="5000"/>
+            <a:lumOff val="95000"/>
+          </a:schemeClr>
+        </a:solidFill>
+        <a:round/>
+      </a:ln>
+    </cs:spPr>
+  </cs:gridlineMinor>
+  <cs:hiLoLine>
+    <cs:lnRef idx="0"/>
+    <cs:fillRef idx="0"/>
+    <cs:effectRef idx="0"/>
+    <cs:fontRef idx="minor">
+      <a:schemeClr val="tx1"/>
+    </cs:fontRef>
+    <cs:spPr>
+      <a:ln w="9525" cap="flat" cmpd="sng" algn="ctr">
+        <a:solidFill>
+          <a:schemeClr val="tx1">
+            <a:lumMod val="75000"/>
+            <a:lumOff val="25000"/>
+          </a:schemeClr>
+        </a:solidFill>
+        <a:round/>
+      </a:ln>
+    </cs:spPr>
+  </cs:hiLoLine>
+  <cs:leaderLine>
+    <cs:lnRef idx="0"/>
+    <cs:fillRef idx="0"/>
+    <cs:effectRef idx="0"/>
+    <cs:fontRef idx="minor">
+      <a:schemeClr val="tx1"/>
+    </cs:fontRef>
+    <cs:spPr>
+      <a:ln w="9525" cap="flat" cmpd="sng" algn="ctr">
+        <a:solidFill>
+          <a:schemeClr val="tx1">
+            <a:lumMod val="35000"/>
+            <a:lumOff val="65000"/>
+          </a:schemeClr>
+        </a:solidFill>
+        <a:round/>
+      </a:ln>
+    </cs:spPr>
+  </cs:leaderLine>
+  <cs:legend>
+    <cs:lnRef idx="0"/>
+    <cs:fillRef idx="0"/>
+    <cs:effectRef idx="0"/>
+    <cs:fontRef idx="minor">
+      <a:schemeClr val="tx1">
+        <a:lumMod val="65000"/>
+        <a:lumOff val="35000"/>
+      </a:schemeClr>
+    </cs:fontRef>
+    <cs:defRPr sz="900" kern="1200"/>
+  </cs:legend>
+  <cs:plotArea mods="allowNoFillOverride allowNoLineOverride">
+    <cs:lnRef idx="0"/>
+    <cs:fillRef idx="0"/>
+    <cs:effectRef idx="0"/>
+    <cs:fontRef idx="minor">
+      <a:schemeClr val="tx1"/>
+    </cs:fontRef>
+  </cs:plotArea>
+  <cs:plotArea3D mods="allowNoFillOverride allowNoLineOverride">
+    <cs:lnRef idx="0"/>
+    <cs:fillRef idx="0"/>
+    <cs:effectRef idx="0"/>
+    <cs:fontRef idx="minor">
+      <a:schemeClr val="tx1"/>
+    </cs:fontRef>
+  </cs:plotArea3D>
+  <cs:seriesAxis>
+    <cs:lnRef idx="0"/>
+    <cs:fillRef idx="0"/>
+    <cs:effectRef idx="0"/>
+    <cs:fontRef idx="minor">
+      <a:schemeClr val="tx1">
+        <a:lumMod val="65000"/>
+        <a:lumOff val="35000"/>
+      </a:schemeClr>
+    </cs:fontRef>
+    <cs:defRPr sz="900" kern="1200"/>
+  </cs:seriesAxis>
+  <cs:seriesLine>
+    <cs:lnRef idx="0"/>
+    <cs:fillRef idx="0"/>
+    <cs:effectRef idx="0"/>
+    <cs:fontRef idx="minor">
+      <a:schemeClr val="tx1"/>
+    </cs:fontRef>
+    <cs:spPr>
+      <a:ln w="9525" cap="flat" cmpd="sng" algn="ctr">
+        <a:solidFill>
+          <a:schemeClr val="tx1">
+            <a:lumMod val="35000"/>
+            <a:lumOff val="65000"/>
+          </a:schemeClr>
+        </a:solidFill>
+        <a:round/>
+      </a:ln>
+    </cs:spPr>
+  </cs:seriesLine>
+  <cs:title>
+    <cs:lnRef idx="0"/>
+    <cs:fillRef idx="0"/>
+    <cs:effectRef idx="0"/>
+    <cs:fontRef idx="minor">
+      <a:schemeClr val="tx1">
+        <a:lumMod val="75000"/>
+        <a:lumOff val="25000"/>
+      </a:schemeClr>
+    </cs:fontRef>
+    <cs:defRPr sz="1400" b="1" kern="1200" baseline="0"/>
+  </cs:title>
+  <cs:trendline>
+    <cs:lnRef idx="0">
+      <cs:styleClr val="auto"/>
+    </cs:lnRef>
+    <cs:fillRef idx="0"/>
+    <cs:effectRef idx="0"/>
+    <cs:fontRef idx="minor">
+      <a:schemeClr val="tx1"/>
+    </cs:fontRef>
+    <cs:spPr>
+      <a:ln w="19050" cap="rnd">
+        <a:solidFill>
+          <a:schemeClr val="phClr"/>
+        </a:solidFill>
+        <a:prstDash val="sysDot"/>
+      </a:ln>
+    </cs:spPr>
+  </cs:trendline>
+  <cs:trendlineLabel>
+    <cs:lnRef idx="0"/>
+    <cs:fillRef idx="0"/>
+    <cs:effectRef idx="0"/>
+    <cs:fontRef idx="minor">
+      <a:schemeClr val="tx1">
+        <a:lumMod val="65000"/>
+        <a:lumOff val="35000"/>
+      </a:schemeClr>
+    </cs:fontRef>
+    <cs:defRPr sz="900" kern="1200"/>
+  </cs:trendlineLabel>
+  <cs:upBar>
+    <cs:lnRef idx="0"/>
+    <cs:fillRef idx="0"/>
+    <cs:effectRef idx="0"/>
+    <cs:fontRef idx="minor">
+      <a:schemeClr val="dk1"/>
+    </cs:fontRef>
+    <cs:spPr>
+      <a:solidFill>
+        <a:schemeClr val="lt1"/>
+      </a:solidFill>
+      <a:ln w="9525">
+        <a:solidFill>
+          <a:schemeClr val="tx1">
+            <a:lumMod val="15000"/>
+            <a:lumOff val="85000"/>
+          </a:schemeClr>
+        </a:solidFill>
+      </a:ln>
+    </cs:spPr>
+  </cs:upBar>
+  <cs:valueAxis>
+    <cs:lnRef idx="0"/>
+    <cs:fillRef idx="0"/>
+    <cs:effectRef idx="0"/>
+    <cs:fontRef idx="minor">
+      <a:schemeClr val="tx1">
+        <a:lumMod val="65000"/>
+        <a:lumOff val="35000"/>
+      </a:schemeClr>
+    </cs:fontRef>
+    <cs:defRPr sz="900" kern="1200"/>
+  </cs:valueAxis>
+  <cs:wall>
+    <cs:lnRef idx="0"/>
+    <cs:fillRef idx="0"/>
+    <cs:effectRef idx="0"/>
+    <cs:fontRef idx="minor">
+      <a:schemeClr val="tx1"/>
+    </cs:fontRef>
+    <cs:spPr>
+      <a:noFill/>
+      <a:ln>
+        <a:noFill/>
+      </a:ln>
+    </cs:spPr>
+  </cs:wall>
+</cs:chartStyle>
+</file>
+
 <file path=ppt/notesMasters/notesMaster1.xml><?xml version="1.0" encoding="utf-8"?>
 <p:notesMaster xmlns:a="http://schemas.openxmlformats.org/drawingml/2006/main" xmlns:r="http://schemas.openxmlformats.org/officeDocument/2006/relationships" xmlns:p="http://schemas.openxmlformats.org/presentationml/2006/main">
   <p:cSld>
@@ -9984,7 +11076,7 @@
           <p:nvPr/>
         </p:nvGraphicFramePr>
         <p:xfrm>
-          <a:off x="403860" y="3522980"/>
+          <a:off x="1403350" y="3675380"/>
           <a:ext cx="5647055" cy="2747645"/>
         </p:xfrm>
         <a:graphic>
@@ -10000,12 +11092,28 @@
           <p:nvPr/>
         </p:nvGraphicFramePr>
         <p:xfrm>
-          <a:off x="3498850" y="247015"/>
+          <a:off x="1403350" y="0"/>
           <a:ext cx="6839585" cy="3959860"/>
         </p:xfrm>
         <a:graphic>
           <a:graphicData uri="http://schemas.openxmlformats.org/drawingml/2006/chart">
             <c:chart xmlns:c="http://schemas.openxmlformats.org/drawingml/2006/chart" xmlns:r="http://schemas.openxmlformats.org/officeDocument/2006/relationships" r:id="rId2"/>
+          </a:graphicData>
+        </a:graphic>
+      </p:graphicFrame>
+      <p:graphicFrame>
+        <p:nvGraphicFramePr>
+          <p:cNvPr id="3" name="图表 2"/>
+          <p:cNvGraphicFramePr/>
+          <p:nvPr/>
+        </p:nvGraphicFramePr>
+        <p:xfrm>
+          <a:off x="0" y="2683510"/>
+          <a:ext cx="6839585" cy="3959860"/>
+        </p:xfrm>
+        <a:graphic>
+          <a:graphicData uri="http://schemas.openxmlformats.org/drawingml/2006/chart">
+            <c:chart xmlns:c="http://schemas.openxmlformats.org/drawingml/2006/chart" xmlns:r="http://schemas.openxmlformats.org/officeDocument/2006/relationships" r:id="rId3"/>
           </a:graphicData>
         </a:graphic>
       </p:graphicFrame>
@@ -14604,6 +15712,12 @@
     <a:masterClrMapping/>
   </p:clrMapOvr>
 </p:sld>
+</file>
+
+<file path=ppt/tags/tag1.xml><?xml version="1.0" encoding="utf-8"?>
+<p:tagLst xmlns:p="http://schemas.openxmlformats.org/presentationml/2006/main">
+  <p:tag name="commondata" val="eyJoZGlkIjoiMTc4ZWYxZDAxZWRhNTM2YWE2YTY3N2QyM2UzNzY1YWYifQ=="/>
+</p:tagLst>
 </file>
 
 <file path=ppt/theme/theme1.xml><?xml version="1.0" encoding="utf-8"?>
